--- a/D2.pptx
+++ b/D2.pptx
@@ -5034,131 +5034,12 @@
           <a:chExt cx="0" cy="0"/>
         </a:xfrm>
       </p:grpSpPr>
-      <p:sp>
-        <p:nvSpPr>
-          <p:cNvPr id="2" name="Title 1">
-            <a:extLst>
-              <a:ext uri="{FF2B5EF4-FFF2-40B4-BE49-F238E27FC236}">
-                <a16:creationId xmlns:a16="http://schemas.microsoft.com/office/drawing/2014/main" id="{DFC049F8-2284-4161-BE3C-431BCD0EFAB7}"/>
-              </a:ext>
-            </a:extLst>
-          </p:cNvPr>
-          <p:cNvSpPr>
-            <a:spLocks noGrp="1"/>
-          </p:cNvSpPr>
-          <p:nvPr>
-            <p:ph type="title"/>
-          </p:nvPr>
-        </p:nvSpPr>
-        <p:spPr>
-          <a:xfrm>
-            <a:off x="838200" y="365125"/>
-            <a:ext cx="10515600" cy="566053"/>
-          </a:xfrm>
-          <a:ln>
-            <a:solidFill>
-              <a:schemeClr val="tx1"/>
-            </a:solidFill>
-          </a:ln>
-        </p:spPr>
-        <p:txBody>
-          <a:bodyPr>
-            <a:normAutofit fontScale="90000"/>
-          </a:bodyPr>
-          <a:lstStyle/>
-          <a:p>
-            <a:pPr algn="ctr"/>
-            <a:r>
-              <a:rPr lang="en-GB" dirty="0">
-                <a:latin typeface="Bodoni MT" panose="02070603080606020203" pitchFamily="18" charset="0"/>
-              </a:rPr>
-              <a:t>Game Rules</a:t>
-            </a:r>
-          </a:p>
-        </p:txBody>
-      </p:sp>
-      <p:sp>
-        <p:nvSpPr>
-          <p:cNvPr id="3" name="Content Placeholder 2">
-            <a:extLst>
-              <a:ext uri="{FF2B5EF4-FFF2-40B4-BE49-F238E27FC236}">
-                <a16:creationId xmlns:a16="http://schemas.microsoft.com/office/drawing/2014/main" id="{F2E045F5-714F-4E07-87A1-F5696A62ED28}"/>
-              </a:ext>
-            </a:extLst>
-          </p:cNvPr>
-          <p:cNvSpPr>
-            <a:spLocks noGrp="1"/>
-          </p:cNvSpPr>
-          <p:nvPr>
-            <p:ph idx="1"/>
-          </p:nvPr>
-        </p:nvSpPr>
-        <p:spPr>
-          <a:xfrm>
-            <a:off x="838200" y="931178"/>
-            <a:ext cx="10515600" cy="5245785"/>
-          </a:xfrm>
-          <a:ln>
-            <a:solidFill>
-              <a:schemeClr val="tx1"/>
-            </a:solidFill>
-          </a:ln>
-        </p:spPr>
-        <p:txBody>
-          <a:bodyPr/>
-          <a:lstStyle/>
-          <a:p>
-            <a:endParaRPr lang="en-GB" dirty="0">
-              <a:latin typeface="Bodoni MT" panose="02070603080606020203" pitchFamily="18" charset="0"/>
-            </a:endParaRPr>
-          </a:p>
-        </p:txBody>
-      </p:sp>
-      <p:sp>
-        <p:nvSpPr>
-          <p:cNvPr id="6" name="TextBox 5">
-            <a:extLst>
-              <a:ext uri="{FF2B5EF4-FFF2-40B4-BE49-F238E27FC236}">
-                <a16:creationId xmlns:a16="http://schemas.microsoft.com/office/drawing/2014/main" id="{26C43D78-3AB4-4735-861F-3658B8B6108C}"/>
-              </a:ext>
-            </a:extLst>
-          </p:cNvPr>
-          <p:cNvSpPr txBox="1"/>
-          <p:nvPr/>
-        </p:nvSpPr>
-        <p:spPr>
-          <a:xfrm>
-            <a:off x="10233870" y="240664"/>
-            <a:ext cx="1393272" cy="707886"/>
-          </a:xfrm>
-          <a:prstGeom prst="rect">
-            <a:avLst/>
-          </a:prstGeom>
-          <a:noFill/>
-        </p:spPr>
-        <p:txBody>
-          <a:bodyPr wrap="square" rtlCol="0">
-            <a:spAutoFit/>
-          </a:bodyPr>
-          <a:lstStyle/>
-          <a:p>
-            <a:pPr algn="ctr"/>
-            <a:r>
-              <a:rPr lang="en-GB" sz="4000" i="1" dirty="0">
-                <a:latin typeface="Bodoni MT" panose="02070603080606020203" pitchFamily="18" charset="0"/>
-                <a:ea typeface="Cambria Math" panose="02040503050406030204" pitchFamily="18" charset="0"/>
-              </a:rPr>
-              <a:t>(2)</a:t>
-            </a:r>
-          </a:p>
-        </p:txBody>
-      </p:sp>
       <p:pic>
         <p:nvPicPr>
-          <p:cNvPr id="7" name="Picture 6">
-            <a:extLst>
-              <a:ext uri="{FF2B5EF4-FFF2-40B4-BE49-F238E27FC236}">
-                <a16:creationId xmlns:a16="http://schemas.microsoft.com/office/drawing/2014/main" id="{1119E4FB-68D3-4DFF-B454-B6AECA5CCC92}"/>
+          <p:cNvPr id="4" name="Picture 3">
+            <a:extLst>
+              <a:ext uri="{FF2B5EF4-FFF2-40B4-BE49-F238E27FC236}">
+                <a16:creationId xmlns:a16="http://schemas.microsoft.com/office/drawing/2014/main" id="{0673D7FF-79D1-47CC-9F17-8BD3F4A92FD2}"/>
               </a:ext>
             </a:extLst>
           </p:cNvPr>
@@ -5168,21 +5049,15 @@
           <p:nvPr/>
         </p:nvPicPr>
         <p:blipFill>
-          <a:blip r:embed="rId2">
-            <a:extLst>
-              <a:ext uri="{28A0092B-C50C-407E-A947-70E740481C1C}">
-                <a14:useLocalDpi xmlns:a14="http://schemas.microsoft.com/office/drawing/2010/main" val="0"/>
-              </a:ext>
-            </a:extLst>
-          </a:blip>
+          <a:blip r:embed="rId2"/>
           <a:stretch>
             <a:fillRect/>
           </a:stretch>
         </p:blipFill>
         <p:spPr>
           <a:xfrm>
-            <a:off x="8728407" y="4706818"/>
-            <a:ext cx="969210" cy="1332663"/>
+            <a:off x="0" y="0"/>
+            <a:ext cx="9141027" cy="6858000"/>
           </a:xfrm>
           <a:prstGeom prst="rect">
             <a:avLst/>
@@ -5191,10 +5066,228 @@
       </p:pic>
       <p:pic>
         <p:nvPicPr>
-          <p:cNvPr id="8" name="Picture 7">
-            <a:extLst>
-              <a:ext uri="{FF2B5EF4-FFF2-40B4-BE49-F238E27FC236}">
-                <a16:creationId xmlns:a16="http://schemas.microsoft.com/office/drawing/2014/main" id="{851FDD01-2E36-4FB2-AEC3-1AD80666AF50}"/>
+          <p:cNvPr id="9" name="Picture 8">
+            <a:extLst>
+              <a:ext uri="{FF2B5EF4-FFF2-40B4-BE49-F238E27FC236}">
+                <a16:creationId xmlns:a16="http://schemas.microsoft.com/office/drawing/2014/main" id="{90E7F56C-9544-4654-9D9C-A258B0BC56B3}"/>
+              </a:ext>
+            </a:extLst>
+          </p:cNvPr>
+          <p:cNvPicPr>
+            <a:picLocks noChangeAspect="1"/>
+          </p:cNvPicPr>
+          <p:nvPr/>
+        </p:nvPicPr>
+        <p:blipFill>
+          <a:blip r:embed="rId2"/>
+          <a:stretch>
+            <a:fillRect/>
+          </a:stretch>
+        </p:blipFill>
+        <p:spPr>
+          <a:xfrm>
+            <a:off x="3050973" y="0"/>
+            <a:ext cx="9141027" cy="6858000"/>
+          </a:xfrm>
+          <a:prstGeom prst="rect">
+            <a:avLst/>
+          </a:prstGeom>
+        </p:spPr>
+      </p:pic>
+      <p:sp>
+        <p:nvSpPr>
+          <p:cNvPr id="10" name="Rectangle 9">
+            <a:extLst>
+              <a:ext uri="{FF2B5EF4-FFF2-40B4-BE49-F238E27FC236}">
+                <a16:creationId xmlns:a16="http://schemas.microsoft.com/office/drawing/2014/main" id="{7CE6DF49-6ADC-40B9-93F3-F6495F2DC7AB}"/>
+              </a:ext>
+            </a:extLst>
+          </p:cNvPr>
+          <p:cNvSpPr/>
+          <p:nvPr/>
+        </p:nvSpPr>
+        <p:spPr>
+          <a:xfrm>
+            <a:off x="2625754" y="0"/>
+            <a:ext cx="2357307" cy="566053"/>
+          </a:xfrm>
+          <a:prstGeom prst="rect">
+            <a:avLst/>
+          </a:prstGeom>
+          <a:solidFill>
+            <a:srgbClr val="46CDFE"/>
+          </a:solidFill>
+          <a:ln>
+            <a:noFill/>
+          </a:ln>
+        </p:spPr>
+        <p:style>
+          <a:lnRef idx="2">
+            <a:schemeClr val="accent1">
+              <a:shade val="50000"/>
+            </a:schemeClr>
+          </a:lnRef>
+          <a:fillRef idx="1">
+            <a:schemeClr val="accent1"/>
+          </a:fillRef>
+          <a:effectRef idx="0">
+            <a:schemeClr val="accent1"/>
+          </a:effectRef>
+          <a:fontRef idx="minor">
+            <a:schemeClr val="lt1"/>
+          </a:fontRef>
+        </p:style>
+        <p:txBody>
+          <a:bodyPr rtlCol="0" anchor="ctr"/>
+          <a:lstStyle/>
+          <a:p>
+            <a:pPr algn="ctr"/>
+            <a:endParaRPr lang="en-GB"/>
+          </a:p>
+        </p:txBody>
+      </p:sp>
+      <p:sp>
+        <p:nvSpPr>
+          <p:cNvPr id="2" name="Title 1">
+            <a:extLst>
+              <a:ext uri="{FF2B5EF4-FFF2-40B4-BE49-F238E27FC236}">
+                <a16:creationId xmlns:a16="http://schemas.microsoft.com/office/drawing/2014/main" id="{DFC049F8-2284-4161-BE3C-431BCD0EFAB7}"/>
+              </a:ext>
+            </a:extLst>
+          </p:cNvPr>
+          <p:cNvSpPr>
+            <a:spLocks noGrp="1"/>
+          </p:cNvSpPr>
+          <p:nvPr>
+            <p:ph type="title"/>
+          </p:nvPr>
+        </p:nvSpPr>
+        <p:spPr>
+          <a:xfrm>
+            <a:off x="838200" y="365125"/>
+            <a:ext cx="10515600" cy="566053"/>
+          </a:xfrm>
+          <a:solidFill>
+            <a:schemeClr val="bg1"/>
+          </a:solidFill>
+          <a:ln>
+            <a:solidFill>
+              <a:schemeClr val="tx1"/>
+            </a:solidFill>
+          </a:ln>
+        </p:spPr>
+        <p:txBody>
+          <a:bodyPr>
+            <a:normAutofit fontScale="90000"/>
+          </a:bodyPr>
+          <a:lstStyle/>
+          <a:p>
+            <a:pPr algn="ctr"/>
+            <a:r>
+              <a:rPr lang="en-GB" dirty="0">
+                <a:latin typeface="Bodoni MT" panose="02070603080606020203" pitchFamily="18" charset="0"/>
+              </a:rPr>
+              <a:t>Game Rules</a:t>
+            </a:r>
+          </a:p>
+        </p:txBody>
+      </p:sp>
+      <p:sp>
+        <p:nvSpPr>
+          <p:cNvPr id="3" name="Content Placeholder 2">
+            <a:extLst>
+              <a:ext uri="{FF2B5EF4-FFF2-40B4-BE49-F238E27FC236}">
+                <a16:creationId xmlns:a16="http://schemas.microsoft.com/office/drawing/2014/main" id="{F2E045F5-714F-4E07-87A1-F5696A62ED28}"/>
+              </a:ext>
+            </a:extLst>
+          </p:cNvPr>
+          <p:cNvSpPr>
+            <a:spLocks noGrp="1"/>
+          </p:cNvSpPr>
+          <p:nvPr>
+            <p:ph idx="1"/>
+          </p:nvPr>
+        </p:nvSpPr>
+        <p:spPr>
+          <a:xfrm>
+            <a:off x="838200" y="931178"/>
+            <a:ext cx="10515600" cy="5245785"/>
+          </a:xfrm>
+          <a:solidFill>
+            <a:schemeClr val="bg1"/>
+          </a:solidFill>
+          <a:ln>
+            <a:solidFill>
+              <a:schemeClr val="tx1"/>
+            </a:solidFill>
+          </a:ln>
+        </p:spPr>
+        <p:txBody>
+          <a:bodyPr/>
+          <a:lstStyle/>
+          <a:p>
+            <a:pPr marL="0" indent="0">
+              <a:buNone/>
+            </a:pPr>
+            <a:endParaRPr lang="en-GB" dirty="0">
+              <a:latin typeface="Bodoni MT" panose="02070603080606020203" pitchFamily="18" charset="0"/>
+            </a:endParaRPr>
+          </a:p>
+          <a:p>
+            <a:pPr marL="0" indent="0">
+              <a:buNone/>
+            </a:pPr>
+            <a:endParaRPr lang="en-GB" dirty="0">
+              <a:latin typeface="Bodoni MT" panose="02070603080606020203" pitchFamily="18" charset="0"/>
+            </a:endParaRPr>
+          </a:p>
+        </p:txBody>
+      </p:sp>
+      <p:sp>
+        <p:nvSpPr>
+          <p:cNvPr id="6" name="TextBox 5">
+            <a:extLst>
+              <a:ext uri="{FF2B5EF4-FFF2-40B4-BE49-F238E27FC236}">
+                <a16:creationId xmlns:a16="http://schemas.microsoft.com/office/drawing/2014/main" id="{26C43D78-3AB4-4735-861F-3658B8B6108C}"/>
+              </a:ext>
+            </a:extLst>
+          </p:cNvPr>
+          <p:cNvSpPr txBox="1"/>
+          <p:nvPr/>
+        </p:nvSpPr>
+        <p:spPr>
+          <a:xfrm>
+            <a:off x="10233870" y="240664"/>
+            <a:ext cx="1393272" cy="707886"/>
+          </a:xfrm>
+          <a:prstGeom prst="rect">
+            <a:avLst/>
+          </a:prstGeom>
+          <a:noFill/>
+        </p:spPr>
+        <p:txBody>
+          <a:bodyPr wrap="square" rtlCol="0">
+            <a:spAutoFit/>
+          </a:bodyPr>
+          <a:lstStyle/>
+          <a:p>
+            <a:pPr algn="ctr"/>
+            <a:r>
+              <a:rPr lang="en-GB" sz="4000" i="1" dirty="0">
+                <a:latin typeface="Bodoni MT" panose="02070603080606020203" pitchFamily="18" charset="0"/>
+                <a:ea typeface="Cambria Math" panose="02040503050406030204" pitchFamily="18" charset="0"/>
+              </a:rPr>
+              <a:t>(2)</a:t>
+            </a:r>
+          </a:p>
+        </p:txBody>
+      </p:sp>
+      <p:pic>
+        <p:nvPicPr>
+          <p:cNvPr id="7" name="Picture 6">
+            <a:extLst>
+              <a:ext uri="{FF2B5EF4-FFF2-40B4-BE49-F238E27FC236}">
+                <a16:creationId xmlns:a16="http://schemas.microsoft.com/office/drawing/2014/main" id="{1119E4FB-68D3-4DFF-B454-B6AECA5CCC92}"/>
               </a:ext>
             </a:extLst>
           </p:cNvPr>
@@ -5217,14 +5310,335 @@
         </p:blipFill>
         <p:spPr>
           <a:xfrm>
-            <a:off x="10123216" y="4707411"/>
-            <a:ext cx="969209" cy="1332662"/>
+            <a:off x="8728407" y="4706818"/>
+            <a:ext cx="969210" cy="1332663"/>
           </a:xfrm>
           <a:prstGeom prst="rect">
             <a:avLst/>
           </a:prstGeom>
         </p:spPr>
       </p:pic>
+      <p:pic>
+        <p:nvPicPr>
+          <p:cNvPr id="8" name="Picture 7">
+            <a:extLst>
+              <a:ext uri="{FF2B5EF4-FFF2-40B4-BE49-F238E27FC236}">
+                <a16:creationId xmlns:a16="http://schemas.microsoft.com/office/drawing/2014/main" id="{851FDD01-2E36-4FB2-AEC3-1AD80666AF50}"/>
+              </a:ext>
+            </a:extLst>
+          </p:cNvPr>
+          <p:cNvPicPr>
+            <a:picLocks noChangeAspect="1"/>
+          </p:cNvPicPr>
+          <p:nvPr/>
+        </p:nvPicPr>
+        <p:blipFill>
+          <a:blip r:embed="rId4">
+            <a:extLst>
+              <a:ext uri="{28A0092B-C50C-407E-A947-70E740481C1C}">
+                <a14:useLocalDpi xmlns:a14="http://schemas.microsoft.com/office/drawing/2010/main" val="0"/>
+              </a:ext>
+            </a:extLst>
+          </a:blip>
+          <a:stretch>
+            <a:fillRect/>
+          </a:stretch>
+        </p:blipFill>
+        <p:spPr>
+          <a:xfrm>
+            <a:off x="10123216" y="4707411"/>
+            <a:ext cx="969209" cy="1332662"/>
+          </a:xfrm>
+          <a:prstGeom prst="rect">
+            <a:avLst/>
+          </a:prstGeom>
+        </p:spPr>
+      </p:pic>
+      <p:sp>
+        <p:nvSpPr>
+          <p:cNvPr id="11" name="Content Placeholder 2">
+            <a:extLst>
+              <a:ext uri="{FF2B5EF4-FFF2-40B4-BE49-F238E27FC236}">
+                <a16:creationId xmlns:a16="http://schemas.microsoft.com/office/drawing/2014/main" id="{F206CC4A-F7D8-41B6-ABE3-9533F77A18D3}"/>
+              </a:ext>
+            </a:extLst>
+          </p:cNvPr>
+          <p:cNvSpPr txBox="1">
+            <a:spLocks/>
+          </p:cNvSpPr>
+          <p:nvPr/>
+        </p:nvSpPr>
+        <p:spPr>
+          <a:xfrm>
+            <a:off x="838200" y="931178"/>
+            <a:ext cx="10515600" cy="1635854"/>
+          </a:xfrm>
+          <a:prstGeom prst="rect">
+            <a:avLst/>
+          </a:prstGeom>
+          <a:ln>
+            <a:solidFill>
+              <a:schemeClr val="tx1"/>
+            </a:solidFill>
+          </a:ln>
+        </p:spPr>
+        <p:txBody>
+          <a:bodyPr vert="horz" lIns="91440" tIns="45720" rIns="91440" bIns="45720" rtlCol="0">
+            <a:normAutofit/>
+          </a:bodyPr>
+          <a:lstStyle>
+            <a:lvl1pPr marL="228600" indent="-228600" algn="l" defTabSz="914400" rtl="0" eaLnBrk="1" latinLnBrk="0" hangingPunct="1">
+              <a:lnSpc>
+                <a:spcPct val="90000"/>
+              </a:lnSpc>
+              <a:spcBef>
+                <a:spcPts val="1000"/>
+              </a:spcBef>
+              <a:buFont typeface="Arial" panose="020B0604020202020204" pitchFamily="34" charset="0"/>
+              <a:buChar char="•"/>
+              <a:defRPr sz="2800" kern="1200">
+                <a:solidFill>
+                  <a:schemeClr val="tx1"/>
+                </a:solidFill>
+                <a:latin typeface="+mn-lt"/>
+                <a:ea typeface="+mn-ea"/>
+                <a:cs typeface="+mn-cs"/>
+              </a:defRPr>
+            </a:lvl1pPr>
+            <a:lvl2pPr marL="685800" indent="-228600" algn="l" defTabSz="914400" rtl="0" eaLnBrk="1" latinLnBrk="0" hangingPunct="1">
+              <a:lnSpc>
+                <a:spcPct val="90000"/>
+              </a:lnSpc>
+              <a:spcBef>
+                <a:spcPts val="500"/>
+              </a:spcBef>
+              <a:buFont typeface="Arial" panose="020B0604020202020204" pitchFamily="34" charset="0"/>
+              <a:buChar char="•"/>
+              <a:defRPr sz="2400" kern="1200">
+                <a:solidFill>
+                  <a:schemeClr val="tx1"/>
+                </a:solidFill>
+                <a:latin typeface="+mn-lt"/>
+                <a:ea typeface="+mn-ea"/>
+                <a:cs typeface="+mn-cs"/>
+              </a:defRPr>
+            </a:lvl2pPr>
+            <a:lvl3pPr marL="1143000" indent="-228600" algn="l" defTabSz="914400" rtl="0" eaLnBrk="1" latinLnBrk="0" hangingPunct="1">
+              <a:lnSpc>
+                <a:spcPct val="90000"/>
+              </a:lnSpc>
+              <a:spcBef>
+                <a:spcPts val="500"/>
+              </a:spcBef>
+              <a:buFont typeface="Arial" panose="020B0604020202020204" pitchFamily="34" charset="0"/>
+              <a:buChar char="•"/>
+              <a:defRPr sz="2000" kern="1200">
+                <a:solidFill>
+                  <a:schemeClr val="tx1"/>
+                </a:solidFill>
+                <a:latin typeface="+mn-lt"/>
+                <a:ea typeface="+mn-ea"/>
+                <a:cs typeface="+mn-cs"/>
+              </a:defRPr>
+            </a:lvl3pPr>
+            <a:lvl4pPr marL="1600200" indent="-228600" algn="l" defTabSz="914400" rtl="0" eaLnBrk="1" latinLnBrk="0" hangingPunct="1">
+              <a:lnSpc>
+                <a:spcPct val="90000"/>
+              </a:lnSpc>
+              <a:spcBef>
+                <a:spcPts val="500"/>
+              </a:spcBef>
+              <a:buFont typeface="Arial" panose="020B0604020202020204" pitchFamily="34" charset="0"/>
+              <a:buChar char="•"/>
+              <a:defRPr sz="1800" kern="1200">
+                <a:solidFill>
+                  <a:schemeClr val="tx1"/>
+                </a:solidFill>
+                <a:latin typeface="+mn-lt"/>
+                <a:ea typeface="+mn-ea"/>
+                <a:cs typeface="+mn-cs"/>
+              </a:defRPr>
+            </a:lvl4pPr>
+            <a:lvl5pPr marL="2057400" indent="-228600" algn="l" defTabSz="914400" rtl="0" eaLnBrk="1" latinLnBrk="0" hangingPunct="1">
+              <a:lnSpc>
+                <a:spcPct val="90000"/>
+              </a:lnSpc>
+              <a:spcBef>
+                <a:spcPts val="500"/>
+              </a:spcBef>
+              <a:buFont typeface="Arial" panose="020B0604020202020204" pitchFamily="34" charset="0"/>
+              <a:buChar char="•"/>
+              <a:defRPr sz="1800" kern="1200">
+                <a:solidFill>
+                  <a:schemeClr val="tx1"/>
+                </a:solidFill>
+                <a:latin typeface="+mn-lt"/>
+                <a:ea typeface="+mn-ea"/>
+                <a:cs typeface="+mn-cs"/>
+              </a:defRPr>
+            </a:lvl5pPr>
+            <a:lvl6pPr marL="2514600" indent="-228600" algn="l" defTabSz="914400" rtl="0" eaLnBrk="1" latinLnBrk="0" hangingPunct="1">
+              <a:lnSpc>
+                <a:spcPct val="90000"/>
+              </a:lnSpc>
+              <a:spcBef>
+                <a:spcPts val="500"/>
+              </a:spcBef>
+              <a:buFont typeface="Arial" panose="020B0604020202020204" pitchFamily="34" charset="0"/>
+              <a:buChar char="•"/>
+              <a:defRPr sz="1800" kern="1200">
+                <a:solidFill>
+                  <a:schemeClr val="tx1"/>
+                </a:solidFill>
+                <a:latin typeface="+mn-lt"/>
+                <a:ea typeface="+mn-ea"/>
+                <a:cs typeface="+mn-cs"/>
+              </a:defRPr>
+            </a:lvl6pPr>
+            <a:lvl7pPr marL="2971800" indent="-228600" algn="l" defTabSz="914400" rtl="0" eaLnBrk="1" latinLnBrk="0" hangingPunct="1">
+              <a:lnSpc>
+                <a:spcPct val="90000"/>
+              </a:lnSpc>
+              <a:spcBef>
+                <a:spcPts val="500"/>
+              </a:spcBef>
+              <a:buFont typeface="Arial" panose="020B0604020202020204" pitchFamily="34" charset="0"/>
+              <a:buChar char="•"/>
+              <a:defRPr sz="1800" kern="1200">
+                <a:solidFill>
+                  <a:schemeClr val="tx1"/>
+                </a:solidFill>
+                <a:latin typeface="+mn-lt"/>
+                <a:ea typeface="+mn-ea"/>
+                <a:cs typeface="+mn-cs"/>
+              </a:defRPr>
+            </a:lvl7pPr>
+            <a:lvl8pPr marL="3429000" indent="-228600" algn="l" defTabSz="914400" rtl="0" eaLnBrk="1" latinLnBrk="0" hangingPunct="1">
+              <a:lnSpc>
+                <a:spcPct val="90000"/>
+              </a:lnSpc>
+              <a:spcBef>
+                <a:spcPts val="500"/>
+              </a:spcBef>
+              <a:buFont typeface="Arial" panose="020B0604020202020204" pitchFamily="34" charset="0"/>
+              <a:buChar char="•"/>
+              <a:defRPr sz="1800" kern="1200">
+                <a:solidFill>
+                  <a:schemeClr val="tx1"/>
+                </a:solidFill>
+                <a:latin typeface="+mn-lt"/>
+                <a:ea typeface="+mn-ea"/>
+                <a:cs typeface="+mn-cs"/>
+              </a:defRPr>
+            </a:lvl8pPr>
+            <a:lvl9pPr marL="3886200" indent="-228600" algn="l" defTabSz="914400" rtl="0" eaLnBrk="1" latinLnBrk="0" hangingPunct="1">
+              <a:lnSpc>
+                <a:spcPct val="90000"/>
+              </a:lnSpc>
+              <a:spcBef>
+                <a:spcPts val="500"/>
+              </a:spcBef>
+              <a:buFont typeface="Arial" panose="020B0604020202020204" pitchFamily="34" charset="0"/>
+              <a:buChar char="•"/>
+              <a:defRPr sz="1800" kern="1200">
+                <a:solidFill>
+                  <a:schemeClr val="tx1"/>
+                </a:solidFill>
+                <a:latin typeface="+mn-lt"/>
+                <a:ea typeface="+mn-ea"/>
+                <a:cs typeface="+mn-cs"/>
+              </a:defRPr>
+            </a:lvl9pPr>
+          </a:lstStyle>
+          <a:p>
+            <a:pPr marL="0" indent="0">
+              <a:buFont typeface="Arial" panose="020B0604020202020204" pitchFamily="34" charset="0"/>
+              <a:buNone/>
+            </a:pPr>
+            <a:r>
+              <a:rPr lang="en-GB" sz="1800" b="1" dirty="0">
+                <a:latin typeface="Bodoni MT" panose="02070603080606020203" pitchFamily="18" charset="0"/>
+              </a:rPr>
+              <a:t>CONTROLS: </a:t>
+            </a:r>
+            <a:endParaRPr lang="en-GB" sz="1800" dirty="0">
+              <a:latin typeface="Bodoni MT" panose="02070603080606020203" pitchFamily="18" charset="0"/>
+            </a:endParaRPr>
+          </a:p>
+          <a:p>
+            <a:pPr marL="0" indent="0">
+              <a:buFont typeface="Arial" panose="020B0604020202020204" pitchFamily="34" charset="0"/>
+              <a:buNone/>
+            </a:pPr>
+            <a:r>
+              <a:rPr lang="en-GB" sz="1800" b="1" dirty="0">
+                <a:latin typeface="Bodoni MT" panose="02070603080606020203" pitchFamily="18" charset="0"/>
+              </a:rPr>
+              <a:t>Menu Navigation: </a:t>
+            </a:r>
+            <a:r>
+              <a:rPr lang="en-GB" sz="1800" dirty="0">
+                <a:latin typeface="Bodoni MT" panose="02070603080606020203" pitchFamily="18" charset="0"/>
+              </a:rPr>
+              <a:t>WSAD/Up-Down-Left-Right + Enter</a:t>
+            </a:r>
+          </a:p>
+          <a:p>
+            <a:pPr marL="0" indent="0">
+              <a:buNone/>
+            </a:pPr>
+            <a:r>
+              <a:rPr lang="en-GB" sz="1800" b="1" dirty="0">
+                <a:latin typeface="Bodoni MT" panose="02070603080606020203" pitchFamily="18" charset="0"/>
+              </a:rPr>
+              <a:t>Player Movement: </a:t>
+            </a:r>
+            <a:r>
+              <a:rPr lang="en-GB" sz="1800" dirty="0">
+                <a:latin typeface="Bodoni MT" panose="02070603080606020203" pitchFamily="18" charset="0"/>
+              </a:rPr>
+              <a:t>WSAD/Up-Down-Left-Right</a:t>
+            </a:r>
+          </a:p>
+          <a:p>
+            <a:pPr marL="0" indent="0">
+              <a:buNone/>
+            </a:pPr>
+            <a:r>
+              <a:rPr lang="en-GB" sz="1800" b="1" dirty="0">
+                <a:latin typeface="Bodoni MT" panose="02070603080606020203" pitchFamily="18" charset="0"/>
+              </a:rPr>
+              <a:t>Puzzle Navigation:</a:t>
+            </a:r>
+            <a:r>
+              <a:rPr lang="en-GB" sz="1800" dirty="0">
+                <a:latin typeface="Bodoni MT" panose="02070603080606020203" pitchFamily="18" charset="0"/>
+              </a:rPr>
+              <a:t> WSAD/Up-Down-Left-Right + </a:t>
+            </a:r>
+            <a:r>
+              <a:rPr lang="en-GB" sz="1800" dirty="0" err="1">
+                <a:latin typeface="Bodoni MT" panose="02070603080606020203" pitchFamily="18" charset="0"/>
+              </a:rPr>
+              <a:t>Num</a:t>
+            </a:r>
+            <a:r>
+              <a:rPr lang="en-GB" sz="1800" dirty="0">
+                <a:latin typeface="Bodoni MT" panose="02070603080606020203" pitchFamily="18" charset="0"/>
+              </a:rPr>
+              <a:t>-Keys</a:t>
+            </a:r>
+          </a:p>
+          <a:p>
+            <a:pPr marL="0" indent="0">
+              <a:buNone/>
+            </a:pPr>
+            <a:endParaRPr lang="en-GB" sz="1800" b="1" dirty="0">
+              <a:latin typeface="Bodoni MT" panose="02070603080606020203" pitchFamily="18" charset="0"/>
+            </a:endParaRPr>
+          </a:p>
+        </p:txBody>
+      </p:sp>
     </p:spTree>
     <p:extLst>
       <p:ext uri="{BB962C8B-B14F-4D97-AF65-F5344CB8AC3E}">

--- a/D2.pptx
+++ b/D2.pptx
@@ -13,8 +13,9 @@
     <p:sldId id="260" r:id="rId7"/>
     <p:sldId id="261" r:id="rId8"/>
     <p:sldId id="262" r:id="rId9"/>
-    <p:sldId id="263" r:id="rId10"/>
-    <p:sldId id="264" r:id="rId11"/>
+    <p:sldId id="266" r:id="rId10"/>
+    <p:sldId id="267" r:id="rId11"/>
+    <p:sldId id="264" r:id="rId12"/>
   </p:sldIdLst>
   <p:sldSz cx="12192000" cy="6858000"/>
   <p:notesSz cx="6858000" cy="9144000"/>
@@ -270,7 +271,7 @@
           <a:p>
             <a:fld id="{24C3A72B-EA9F-49ED-9480-D5BBE463D3C6}" type="datetimeFigureOut">
               <a:rPr lang="en-GB" smtClean="0"/>
-              <a:t>17/02/2018</a:t>
+              <a:t>18/02/2018</a:t>
             </a:fld>
             <a:endParaRPr lang="en-GB"/>
           </a:p>
@@ -470,7 +471,7 @@
           <a:p>
             <a:fld id="{24C3A72B-EA9F-49ED-9480-D5BBE463D3C6}" type="datetimeFigureOut">
               <a:rPr lang="en-GB" smtClean="0"/>
-              <a:t>17/02/2018</a:t>
+              <a:t>18/02/2018</a:t>
             </a:fld>
             <a:endParaRPr lang="en-GB"/>
           </a:p>
@@ -680,7 +681,7 @@
           <a:p>
             <a:fld id="{24C3A72B-EA9F-49ED-9480-D5BBE463D3C6}" type="datetimeFigureOut">
               <a:rPr lang="en-GB" smtClean="0"/>
-              <a:t>17/02/2018</a:t>
+              <a:t>18/02/2018</a:t>
             </a:fld>
             <a:endParaRPr lang="en-GB"/>
           </a:p>
@@ -880,7 +881,7 @@
           <a:p>
             <a:fld id="{24C3A72B-EA9F-49ED-9480-D5BBE463D3C6}" type="datetimeFigureOut">
               <a:rPr lang="en-GB" smtClean="0"/>
-              <a:t>17/02/2018</a:t>
+              <a:t>18/02/2018</a:t>
             </a:fld>
             <a:endParaRPr lang="en-GB"/>
           </a:p>
@@ -1156,7 +1157,7 @@
           <a:p>
             <a:fld id="{24C3A72B-EA9F-49ED-9480-D5BBE463D3C6}" type="datetimeFigureOut">
               <a:rPr lang="en-GB" smtClean="0"/>
-              <a:t>17/02/2018</a:t>
+              <a:t>18/02/2018</a:t>
             </a:fld>
             <a:endParaRPr lang="en-GB"/>
           </a:p>
@@ -1424,7 +1425,7 @@
           <a:p>
             <a:fld id="{24C3A72B-EA9F-49ED-9480-D5BBE463D3C6}" type="datetimeFigureOut">
               <a:rPr lang="en-GB" smtClean="0"/>
-              <a:t>17/02/2018</a:t>
+              <a:t>18/02/2018</a:t>
             </a:fld>
             <a:endParaRPr lang="en-GB"/>
           </a:p>
@@ -1839,7 +1840,7 @@
           <a:p>
             <a:fld id="{24C3A72B-EA9F-49ED-9480-D5BBE463D3C6}" type="datetimeFigureOut">
               <a:rPr lang="en-GB" smtClean="0"/>
-              <a:t>17/02/2018</a:t>
+              <a:t>18/02/2018</a:t>
             </a:fld>
             <a:endParaRPr lang="en-GB"/>
           </a:p>
@@ -1981,7 +1982,7 @@
           <a:p>
             <a:fld id="{24C3A72B-EA9F-49ED-9480-D5BBE463D3C6}" type="datetimeFigureOut">
               <a:rPr lang="en-GB" smtClean="0"/>
-              <a:t>17/02/2018</a:t>
+              <a:t>18/02/2018</a:t>
             </a:fld>
             <a:endParaRPr lang="en-GB"/>
           </a:p>
@@ -2094,7 +2095,7 @@
           <a:p>
             <a:fld id="{24C3A72B-EA9F-49ED-9480-D5BBE463D3C6}" type="datetimeFigureOut">
               <a:rPr lang="en-GB" smtClean="0"/>
-              <a:t>17/02/2018</a:t>
+              <a:t>18/02/2018</a:t>
             </a:fld>
             <a:endParaRPr lang="en-GB"/>
           </a:p>
@@ -2407,7 +2408,7 @@
           <a:p>
             <a:fld id="{24C3A72B-EA9F-49ED-9480-D5BBE463D3C6}" type="datetimeFigureOut">
               <a:rPr lang="en-GB" smtClean="0"/>
-              <a:t>17/02/2018</a:t>
+              <a:t>18/02/2018</a:t>
             </a:fld>
             <a:endParaRPr lang="en-GB"/>
           </a:p>
@@ -2696,7 +2697,7 @@
           <a:p>
             <a:fld id="{24C3A72B-EA9F-49ED-9480-D5BBE463D3C6}" type="datetimeFigureOut">
               <a:rPr lang="en-GB" smtClean="0"/>
-              <a:t>17/02/2018</a:t>
+              <a:t>18/02/2018</a:t>
             </a:fld>
             <a:endParaRPr lang="en-GB"/>
           </a:p>
@@ -2939,7 +2940,7 @@
           <a:p>
             <a:fld id="{24C3A72B-EA9F-49ED-9480-D5BBE463D3C6}" type="datetimeFigureOut">
               <a:rPr lang="en-GB" smtClean="0"/>
-              <a:t>17/02/2018</a:t>
+              <a:t>18/02/2018</a:t>
             </a:fld>
             <a:endParaRPr lang="en-GB"/>
           </a:p>
@@ -3698,6 +3699,65 @@
           <a:chExt cx="0" cy="0"/>
         </a:xfrm>
       </p:grpSpPr>
+      <p:pic>
+        <p:nvPicPr>
+          <p:cNvPr id="10" name="Picture 9">
+            <a:extLst>
+              <a:ext uri="{FF2B5EF4-FFF2-40B4-BE49-F238E27FC236}">
+                <a16:creationId xmlns:a16="http://schemas.microsoft.com/office/drawing/2014/main" id="{6248F25B-52F9-4CF0-BF52-629A9FD032CE}"/>
+              </a:ext>
+            </a:extLst>
+          </p:cNvPr>
+          <p:cNvPicPr>
+            <a:picLocks noChangeAspect="1"/>
+          </p:cNvPicPr>
+          <p:nvPr/>
+        </p:nvPicPr>
+        <p:blipFill rotWithShape="1">
+          <a:blip r:embed="rId2"/>
+          <a:srcRect r="52066"/>
+          <a:stretch/>
+        </p:blipFill>
+        <p:spPr>
+          <a:xfrm>
+            <a:off x="7808860" y="0"/>
+            <a:ext cx="4383140" cy="6858000"/>
+          </a:xfrm>
+          <a:prstGeom prst="rect">
+            <a:avLst/>
+          </a:prstGeom>
+        </p:spPr>
+      </p:pic>
+      <p:pic>
+        <p:nvPicPr>
+          <p:cNvPr id="9" name="Picture 8">
+            <a:extLst>
+              <a:ext uri="{FF2B5EF4-FFF2-40B4-BE49-F238E27FC236}">
+                <a16:creationId xmlns:a16="http://schemas.microsoft.com/office/drawing/2014/main" id="{158091B3-A577-4C1D-8D3E-131CBA84C0EE}"/>
+              </a:ext>
+            </a:extLst>
+          </p:cNvPr>
+          <p:cNvPicPr>
+            <a:picLocks noChangeAspect="1"/>
+          </p:cNvPicPr>
+          <p:nvPr/>
+        </p:nvPicPr>
+        <p:blipFill>
+          <a:blip r:embed="rId2"/>
+          <a:stretch>
+            <a:fillRect/>
+          </a:stretch>
+        </p:blipFill>
+        <p:spPr>
+          <a:xfrm>
+            <a:off x="0" y="0"/>
+            <a:ext cx="9144000" cy="6858000"/>
+          </a:xfrm>
+          <a:prstGeom prst="rect">
+            <a:avLst/>
+          </a:prstGeom>
+        </p:spPr>
+      </p:pic>
       <p:sp>
         <p:nvSpPr>
           <p:cNvPr id="2" name="Title 1">
@@ -3719,6 +3779,9 @@
             <a:off x="838200" y="365125"/>
             <a:ext cx="10515600" cy="566053"/>
           </a:xfrm>
+          <a:solidFill>
+            <a:schemeClr val="bg1"/>
+          </a:solidFill>
           <a:ln>
             <a:solidFill>
               <a:schemeClr val="tx1"/>
@@ -3736,7 +3799,7 @@
               <a:rPr lang="en-GB" dirty="0">
                 <a:latin typeface="Bodoni MT" panose="02070603080606020203" pitchFamily="18" charset="0"/>
               </a:rPr>
-              <a:t>Project Evaluation</a:t>
+              <a:t>User Testing Feedback (ii)</a:t>
             </a:r>
           </a:p>
         </p:txBody>
@@ -3762,6 +3825,391 @@
             <a:off x="838200" y="931178"/>
             <a:ext cx="10515600" cy="5245785"/>
           </a:xfrm>
+          <a:solidFill>
+            <a:schemeClr val="bg1"/>
+          </a:solidFill>
+          <a:ln>
+            <a:solidFill>
+              <a:schemeClr val="tx1"/>
+            </a:solidFill>
+          </a:ln>
+        </p:spPr>
+        <p:txBody>
+          <a:bodyPr/>
+          <a:lstStyle/>
+          <a:p>
+            <a:pPr marL="0" indent="0">
+              <a:buNone/>
+            </a:pPr>
+            <a:endParaRPr lang="en-GB" dirty="0">
+              <a:latin typeface="Bodoni MT" panose="02070603080606020203" pitchFamily="18" charset="0"/>
+            </a:endParaRPr>
+          </a:p>
+          <a:p>
+            <a:pPr marL="0" indent="0">
+              <a:buNone/>
+            </a:pPr>
+            <a:endParaRPr lang="en-GB" dirty="0">
+              <a:latin typeface="Bodoni MT" panose="02070603080606020203" pitchFamily="18" charset="0"/>
+            </a:endParaRPr>
+          </a:p>
+        </p:txBody>
+      </p:sp>
+      <p:sp>
+        <p:nvSpPr>
+          <p:cNvPr id="6" name="TextBox 5">
+            <a:extLst>
+              <a:ext uri="{FF2B5EF4-FFF2-40B4-BE49-F238E27FC236}">
+                <a16:creationId xmlns:a16="http://schemas.microsoft.com/office/drawing/2014/main" id="{2A7FCD91-3666-4A23-B530-B70A5977CFC4}"/>
+              </a:ext>
+            </a:extLst>
+          </p:cNvPr>
+          <p:cNvSpPr txBox="1"/>
+          <p:nvPr/>
+        </p:nvSpPr>
+        <p:spPr>
+          <a:xfrm>
+            <a:off x="10233870" y="240664"/>
+            <a:ext cx="1393272" cy="707886"/>
+          </a:xfrm>
+          <a:prstGeom prst="rect">
+            <a:avLst/>
+          </a:prstGeom>
+          <a:noFill/>
+        </p:spPr>
+        <p:txBody>
+          <a:bodyPr wrap="square" rtlCol="0">
+            <a:spAutoFit/>
+          </a:bodyPr>
+          <a:lstStyle/>
+          <a:p>
+            <a:pPr algn="ctr"/>
+            <a:r>
+              <a:rPr lang="en-GB" sz="4000" i="1" dirty="0">
+                <a:latin typeface="Bodoni MT" panose="02070603080606020203" pitchFamily="18" charset="0"/>
+                <a:ea typeface="Cambria Math" panose="02040503050406030204" pitchFamily="18" charset="0"/>
+              </a:rPr>
+              <a:t>(4)</a:t>
+            </a:r>
+          </a:p>
+        </p:txBody>
+      </p:sp>
+      <p:pic>
+        <p:nvPicPr>
+          <p:cNvPr id="8" name="Picture 7">
+            <a:extLst>
+              <a:ext uri="{FF2B5EF4-FFF2-40B4-BE49-F238E27FC236}">
+                <a16:creationId xmlns:a16="http://schemas.microsoft.com/office/drawing/2014/main" id="{A3117FBC-7DFD-4758-B4B9-29961EBB7136}"/>
+              </a:ext>
+            </a:extLst>
+          </p:cNvPr>
+          <p:cNvPicPr>
+            <a:picLocks noChangeAspect="1"/>
+          </p:cNvPicPr>
+          <p:nvPr/>
+        </p:nvPicPr>
+        <p:blipFill>
+          <a:blip r:embed="rId3"/>
+          <a:stretch>
+            <a:fillRect/>
+          </a:stretch>
+        </p:blipFill>
+        <p:spPr>
+          <a:xfrm>
+            <a:off x="7105940" y="1632457"/>
+            <a:ext cx="3782621" cy="3770054"/>
+          </a:xfrm>
+          <a:prstGeom prst="rect">
+            <a:avLst/>
+          </a:prstGeom>
+          <a:ln>
+            <a:solidFill>
+              <a:schemeClr val="tx1"/>
+            </a:solidFill>
+          </a:ln>
+        </p:spPr>
+      </p:pic>
+      <p:sp>
+        <p:nvSpPr>
+          <p:cNvPr id="11" name="TextBox 10">
+            <a:extLst>
+              <a:ext uri="{FF2B5EF4-FFF2-40B4-BE49-F238E27FC236}">
+                <a16:creationId xmlns:a16="http://schemas.microsoft.com/office/drawing/2014/main" id="{0B108C47-D011-4547-9642-A8F7197FB2ED}"/>
+              </a:ext>
+            </a:extLst>
+          </p:cNvPr>
+          <p:cNvSpPr txBox="1"/>
+          <p:nvPr/>
+        </p:nvSpPr>
+        <p:spPr>
+          <a:xfrm>
+            <a:off x="1229920" y="1296303"/>
+            <a:ext cx="5349021" cy="2308324"/>
+          </a:xfrm>
+          <a:prstGeom prst="rect">
+            <a:avLst/>
+          </a:prstGeom>
+          <a:noFill/>
+          <a:ln>
+            <a:solidFill>
+              <a:schemeClr val="tx1"/>
+            </a:solidFill>
+          </a:ln>
+        </p:spPr>
+        <p:txBody>
+          <a:bodyPr wrap="square" rtlCol="0">
+            <a:spAutoFit/>
+          </a:bodyPr>
+          <a:lstStyle/>
+          <a:p>
+            <a:r>
+              <a:rPr lang="en-GB" b="1" dirty="0">
+                <a:latin typeface="Bodoni MT" panose="02070603080606020203" pitchFamily="18" charset="0"/>
+              </a:rPr>
+              <a:t>TEST 3: FULL RUN-THROUGH:</a:t>
+            </a:r>
+          </a:p>
+          <a:p>
+            <a:r>
+              <a:rPr lang="en-GB" i="1" dirty="0">
+                <a:latin typeface="Bodoni MT" panose="02070603080606020203" pitchFamily="18" charset="0"/>
+              </a:rPr>
+              <a:t>Our intention</a:t>
+            </a:r>
+            <a:r>
+              <a:rPr lang="en-GB" dirty="0">
+                <a:latin typeface="Bodoni MT" panose="02070603080606020203" pitchFamily="18" charset="0"/>
+              </a:rPr>
+              <a:t>: For the overall experience to be both enjoyable and challenging for the player.</a:t>
+            </a:r>
+          </a:p>
+          <a:p>
+            <a:r>
+              <a:rPr lang="en-GB" i="1" dirty="0">
+                <a:latin typeface="Bodoni MT" panose="02070603080606020203" pitchFamily="18" charset="0"/>
+              </a:rPr>
+              <a:t>Our findings</a:t>
+            </a:r>
+            <a:r>
+              <a:rPr lang="en-GB" dirty="0">
+                <a:latin typeface="Bodoni MT" panose="02070603080606020203" pitchFamily="18" charset="0"/>
+              </a:rPr>
+              <a:t>: Participants felt a disconnect between their character and the aim of the game.</a:t>
+            </a:r>
+          </a:p>
+          <a:p>
+            <a:r>
+              <a:rPr lang="en-GB" i="1" dirty="0">
+                <a:latin typeface="Bodoni MT" panose="02070603080606020203" pitchFamily="18" charset="0"/>
+              </a:rPr>
+              <a:t>QUOTE: </a:t>
+            </a:r>
+            <a:r>
+              <a:rPr lang="en-GB" dirty="0">
+                <a:latin typeface="Bodoni MT" panose="02070603080606020203" pitchFamily="18" charset="0"/>
+              </a:rPr>
+              <a:t>“Why is this elf fixing the house?”</a:t>
+            </a:r>
+          </a:p>
+          <a:p>
+            <a:r>
+              <a:rPr lang="en-GB" i="1" dirty="0">
+                <a:latin typeface="Bodoni MT" panose="02070603080606020203" pitchFamily="18" charset="0"/>
+              </a:rPr>
+              <a:t>Action Taken</a:t>
+            </a:r>
+            <a:r>
+              <a:rPr lang="en-GB" dirty="0">
+                <a:latin typeface="Bodoni MT" panose="02070603080606020203" pitchFamily="18" charset="0"/>
+              </a:rPr>
+              <a:t>: Added the character to the house background in the main menu to create a mental link.</a:t>
+            </a:r>
+          </a:p>
+        </p:txBody>
+      </p:sp>
+      <p:sp>
+        <p:nvSpPr>
+          <p:cNvPr id="13" name="TextBox 12">
+            <a:extLst>
+              <a:ext uri="{FF2B5EF4-FFF2-40B4-BE49-F238E27FC236}">
+                <a16:creationId xmlns:a16="http://schemas.microsoft.com/office/drawing/2014/main" id="{51D2C041-9487-41F5-B1A0-947375EFE397}"/>
+              </a:ext>
+            </a:extLst>
+          </p:cNvPr>
+          <p:cNvSpPr txBox="1"/>
+          <p:nvPr/>
+        </p:nvSpPr>
+        <p:spPr>
+          <a:xfrm>
+            <a:off x="1229920" y="3604627"/>
+            <a:ext cx="5349021" cy="646331"/>
+          </a:xfrm>
+          <a:prstGeom prst="rect">
+            <a:avLst/>
+          </a:prstGeom>
+          <a:noFill/>
+          <a:ln>
+            <a:solidFill>
+              <a:schemeClr val="tx1"/>
+            </a:solidFill>
+          </a:ln>
+        </p:spPr>
+        <p:txBody>
+          <a:bodyPr wrap="square" rtlCol="0">
+            <a:spAutoFit/>
+          </a:bodyPr>
+          <a:lstStyle/>
+          <a:p>
+            <a:r>
+              <a:rPr lang="en-GB" b="1" dirty="0">
+                <a:latin typeface="Bodoni MT" panose="02070603080606020203" pitchFamily="18" charset="0"/>
+              </a:rPr>
+              <a:t>NOTE: </a:t>
+            </a:r>
+            <a:r>
+              <a:rPr lang="en-GB" dirty="0">
+                <a:latin typeface="Bodoni MT" panose="02070603080606020203" pitchFamily="18" charset="0"/>
+              </a:rPr>
+              <a:t>Test 3 was completed after the changes made following Tests 1 and 2.</a:t>
+            </a:r>
+          </a:p>
+        </p:txBody>
+      </p:sp>
+    </p:spTree>
+    <p:extLst>
+      <p:ext uri="{BB962C8B-B14F-4D97-AF65-F5344CB8AC3E}">
+        <p14:creationId xmlns:p14="http://schemas.microsoft.com/office/powerpoint/2010/main" val="396850397"/>
+      </p:ext>
+    </p:extLst>
+  </p:cSld>
+  <p:clrMapOvr>
+    <a:masterClrMapping/>
+  </p:clrMapOvr>
+</p:sld>
+</file>
+
+<file path=ppt/slides/slide11.xml><?xml version="1.0" encoding="utf-8"?>
+<p:sld xmlns:a="http://schemas.openxmlformats.org/drawingml/2006/main" xmlns:r="http://schemas.openxmlformats.org/officeDocument/2006/relationships" xmlns:p="http://schemas.openxmlformats.org/presentationml/2006/main">
+  <p:cSld>
+    <p:spTree>
+      <p:nvGrpSpPr>
+        <p:cNvPr id="1" name=""/>
+        <p:cNvGrpSpPr/>
+        <p:nvPr/>
+      </p:nvGrpSpPr>
+      <p:grpSpPr>
+        <a:xfrm>
+          <a:off x="0" y="0"/>
+          <a:ext cx="0" cy="0"/>
+          <a:chOff x="0" y="0"/>
+          <a:chExt cx="0" cy="0"/>
+        </a:xfrm>
+      </p:grpSpPr>
+      <p:pic>
+        <p:nvPicPr>
+          <p:cNvPr id="4" name="Picture 3">
+            <a:extLst>
+              <a:ext uri="{FF2B5EF4-FFF2-40B4-BE49-F238E27FC236}">
+                <a16:creationId xmlns:a16="http://schemas.microsoft.com/office/drawing/2014/main" id="{1F7B8747-803D-41C8-89FD-730522D4A3D6}"/>
+              </a:ext>
+            </a:extLst>
+          </p:cNvPr>
+          <p:cNvPicPr>
+            <a:picLocks noChangeAspect="1"/>
+          </p:cNvPicPr>
+          <p:nvPr/>
+        </p:nvPicPr>
+        <p:blipFill>
+          <a:blip r:embed="rId2"/>
+          <a:stretch>
+            <a:fillRect/>
+          </a:stretch>
+        </p:blipFill>
+        <p:spPr>
+          <a:xfrm>
+            <a:off x="0" y="1"/>
+            <a:ext cx="12192000" cy="6858000"/>
+          </a:xfrm>
+          <a:prstGeom prst="rect">
+            <a:avLst/>
+          </a:prstGeom>
+          <a:ln>
+            <a:solidFill>
+              <a:schemeClr val="tx1"/>
+            </a:solidFill>
+          </a:ln>
+        </p:spPr>
+      </p:pic>
+      <p:sp>
+        <p:nvSpPr>
+          <p:cNvPr id="2" name="Title 1">
+            <a:extLst>
+              <a:ext uri="{FF2B5EF4-FFF2-40B4-BE49-F238E27FC236}">
+                <a16:creationId xmlns:a16="http://schemas.microsoft.com/office/drawing/2014/main" id="{DFC049F8-2284-4161-BE3C-431BCD0EFAB7}"/>
+              </a:ext>
+            </a:extLst>
+          </p:cNvPr>
+          <p:cNvSpPr>
+            <a:spLocks noGrp="1"/>
+          </p:cNvSpPr>
+          <p:nvPr>
+            <p:ph type="title"/>
+          </p:nvPr>
+        </p:nvSpPr>
+        <p:spPr>
+          <a:xfrm>
+            <a:off x="838200" y="365125"/>
+            <a:ext cx="10515600" cy="566053"/>
+          </a:xfrm>
+          <a:solidFill>
+            <a:schemeClr val="bg1"/>
+          </a:solidFill>
+          <a:ln>
+            <a:solidFill>
+              <a:schemeClr val="tx1"/>
+            </a:solidFill>
+          </a:ln>
+        </p:spPr>
+        <p:txBody>
+          <a:bodyPr>
+            <a:normAutofit fontScale="90000"/>
+          </a:bodyPr>
+          <a:lstStyle/>
+          <a:p>
+            <a:pPr algn="ctr"/>
+            <a:r>
+              <a:rPr lang="en-GB" dirty="0">
+                <a:latin typeface="Bodoni MT" panose="02070603080606020203" pitchFamily="18" charset="0"/>
+              </a:rPr>
+              <a:t>Project Evaluation</a:t>
+            </a:r>
+          </a:p>
+        </p:txBody>
+      </p:sp>
+      <p:sp>
+        <p:nvSpPr>
+          <p:cNvPr id="3" name="Content Placeholder 2">
+            <a:extLst>
+              <a:ext uri="{FF2B5EF4-FFF2-40B4-BE49-F238E27FC236}">
+                <a16:creationId xmlns:a16="http://schemas.microsoft.com/office/drawing/2014/main" id="{F2E045F5-714F-4E07-87A1-F5696A62ED28}"/>
+              </a:ext>
+            </a:extLst>
+          </p:cNvPr>
+          <p:cNvSpPr>
+            <a:spLocks noGrp="1"/>
+          </p:cNvSpPr>
+          <p:nvPr>
+            <p:ph idx="1"/>
+          </p:nvPr>
+        </p:nvSpPr>
+        <p:spPr>
+          <a:xfrm>
+            <a:off x="838200" y="931178"/>
+            <a:ext cx="10515600" cy="5427677"/>
+          </a:xfrm>
+          <a:solidFill>
+            <a:schemeClr val="bg1"/>
+          </a:solidFill>
           <a:ln>
             <a:solidFill>
               <a:schemeClr val="tx1"/>
@@ -3953,7 +4401,7 @@
               <a:rPr lang="en-GB" dirty="0">
                 <a:latin typeface="Bodoni MT" panose="02070603080606020203" pitchFamily="18" charset="0"/>
               </a:rPr>
-              <a:t>Children (ages 7+)</a:t>
+              <a:t>Family / Children (ages 7+)</a:t>
             </a:r>
           </a:p>
           <a:p>
@@ -5310,7 +5758,7 @@
         </p:blipFill>
         <p:spPr>
           <a:xfrm>
-            <a:off x="8728407" y="4706818"/>
+            <a:off x="8734906" y="4373652"/>
             <a:ext cx="969210" cy="1332663"/>
           </a:xfrm>
           <a:prstGeom prst="rect">
@@ -5346,7 +5794,7 @@
         </p:blipFill>
         <p:spPr>
           <a:xfrm>
-            <a:off x="10123216" y="4707411"/>
+            <a:off x="10044353" y="4371997"/>
             <a:ext cx="969209" cy="1332662"/>
           </a:xfrm>
           <a:prstGeom prst="rect">
@@ -5639,6 +6087,486 @@
           </a:p>
         </p:txBody>
       </p:sp>
+      <p:sp>
+        <p:nvSpPr>
+          <p:cNvPr id="12" name="Content Placeholder 2">
+            <a:extLst>
+              <a:ext uri="{FF2B5EF4-FFF2-40B4-BE49-F238E27FC236}">
+                <a16:creationId xmlns:a16="http://schemas.microsoft.com/office/drawing/2014/main" id="{0005FAC1-D63E-4606-9908-2EC64C974176}"/>
+              </a:ext>
+            </a:extLst>
+          </p:cNvPr>
+          <p:cNvSpPr txBox="1">
+            <a:spLocks/>
+          </p:cNvSpPr>
+          <p:nvPr/>
+        </p:nvSpPr>
+        <p:spPr>
+          <a:xfrm>
+            <a:off x="838200" y="2567032"/>
+            <a:ext cx="10515600" cy="1332662"/>
+          </a:xfrm>
+          <a:prstGeom prst="rect">
+            <a:avLst/>
+          </a:prstGeom>
+          <a:ln>
+            <a:solidFill>
+              <a:schemeClr val="tx1"/>
+            </a:solidFill>
+          </a:ln>
+        </p:spPr>
+        <p:txBody>
+          <a:bodyPr vert="horz" lIns="91440" tIns="45720" rIns="91440" bIns="45720" rtlCol="0">
+            <a:normAutofit lnSpcReduction="10000"/>
+          </a:bodyPr>
+          <a:lstStyle>
+            <a:lvl1pPr marL="228600" indent="-228600" algn="l" defTabSz="914400" rtl="0" eaLnBrk="1" latinLnBrk="0" hangingPunct="1">
+              <a:lnSpc>
+                <a:spcPct val="90000"/>
+              </a:lnSpc>
+              <a:spcBef>
+                <a:spcPts val="1000"/>
+              </a:spcBef>
+              <a:buFont typeface="Arial" panose="020B0604020202020204" pitchFamily="34" charset="0"/>
+              <a:buChar char="•"/>
+              <a:defRPr sz="2800" kern="1200">
+                <a:solidFill>
+                  <a:schemeClr val="tx1"/>
+                </a:solidFill>
+                <a:latin typeface="+mn-lt"/>
+                <a:ea typeface="+mn-ea"/>
+                <a:cs typeface="+mn-cs"/>
+              </a:defRPr>
+            </a:lvl1pPr>
+            <a:lvl2pPr marL="685800" indent="-228600" algn="l" defTabSz="914400" rtl="0" eaLnBrk="1" latinLnBrk="0" hangingPunct="1">
+              <a:lnSpc>
+                <a:spcPct val="90000"/>
+              </a:lnSpc>
+              <a:spcBef>
+                <a:spcPts val="500"/>
+              </a:spcBef>
+              <a:buFont typeface="Arial" panose="020B0604020202020204" pitchFamily="34" charset="0"/>
+              <a:buChar char="•"/>
+              <a:defRPr sz="2400" kern="1200">
+                <a:solidFill>
+                  <a:schemeClr val="tx1"/>
+                </a:solidFill>
+                <a:latin typeface="+mn-lt"/>
+                <a:ea typeface="+mn-ea"/>
+                <a:cs typeface="+mn-cs"/>
+              </a:defRPr>
+            </a:lvl2pPr>
+            <a:lvl3pPr marL="1143000" indent="-228600" algn="l" defTabSz="914400" rtl="0" eaLnBrk="1" latinLnBrk="0" hangingPunct="1">
+              <a:lnSpc>
+                <a:spcPct val="90000"/>
+              </a:lnSpc>
+              <a:spcBef>
+                <a:spcPts val="500"/>
+              </a:spcBef>
+              <a:buFont typeface="Arial" panose="020B0604020202020204" pitchFamily="34" charset="0"/>
+              <a:buChar char="•"/>
+              <a:defRPr sz="2000" kern="1200">
+                <a:solidFill>
+                  <a:schemeClr val="tx1"/>
+                </a:solidFill>
+                <a:latin typeface="+mn-lt"/>
+                <a:ea typeface="+mn-ea"/>
+                <a:cs typeface="+mn-cs"/>
+              </a:defRPr>
+            </a:lvl3pPr>
+            <a:lvl4pPr marL="1600200" indent="-228600" algn="l" defTabSz="914400" rtl="0" eaLnBrk="1" latinLnBrk="0" hangingPunct="1">
+              <a:lnSpc>
+                <a:spcPct val="90000"/>
+              </a:lnSpc>
+              <a:spcBef>
+                <a:spcPts val="500"/>
+              </a:spcBef>
+              <a:buFont typeface="Arial" panose="020B0604020202020204" pitchFamily="34" charset="0"/>
+              <a:buChar char="•"/>
+              <a:defRPr sz="1800" kern="1200">
+                <a:solidFill>
+                  <a:schemeClr val="tx1"/>
+                </a:solidFill>
+                <a:latin typeface="+mn-lt"/>
+                <a:ea typeface="+mn-ea"/>
+                <a:cs typeface="+mn-cs"/>
+              </a:defRPr>
+            </a:lvl4pPr>
+            <a:lvl5pPr marL="2057400" indent="-228600" algn="l" defTabSz="914400" rtl="0" eaLnBrk="1" latinLnBrk="0" hangingPunct="1">
+              <a:lnSpc>
+                <a:spcPct val="90000"/>
+              </a:lnSpc>
+              <a:spcBef>
+                <a:spcPts val="500"/>
+              </a:spcBef>
+              <a:buFont typeface="Arial" panose="020B0604020202020204" pitchFamily="34" charset="0"/>
+              <a:buChar char="•"/>
+              <a:defRPr sz="1800" kern="1200">
+                <a:solidFill>
+                  <a:schemeClr val="tx1"/>
+                </a:solidFill>
+                <a:latin typeface="+mn-lt"/>
+                <a:ea typeface="+mn-ea"/>
+                <a:cs typeface="+mn-cs"/>
+              </a:defRPr>
+            </a:lvl5pPr>
+            <a:lvl6pPr marL="2514600" indent="-228600" algn="l" defTabSz="914400" rtl="0" eaLnBrk="1" latinLnBrk="0" hangingPunct="1">
+              <a:lnSpc>
+                <a:spcPct val="90000"/>
+              </a:lnSpc>
+              <a:spcBef>
+                <a:spcPts val="500"/>
+              </a:spcBef>
+              <a:buFont typeface="Arial" panose="020B0604020202020204" pitchFamily="34" charset="0"/>
+              <a:buChar char="•"/>
+              <a:defRPr sz="1800" kern="1200">
+                <a:solidFill>
+                  <a:schemeClr val="tx1"/>
+                </a:solidFill>
+                <a:latin typeface="+mn-lt"/>
+                <a:ea typeface="+mn-ea"/>
+                <a:cs typeface="+mn-cs"/>
+              </a:defRPr>
+            </a:lvl6pPr>
+            <a:lvl7pPr marL="2971800" indent="-228600" algn="l" defTabSz="914400" rtl="0" eaLnBrk="1" latinLnBrk="0" hangingPunct="1">
+              <a:lnSpc>
+                <a:spcPct val="90000"/>
+              </a:lnSpc>
+              <a:spcBef>
+                <a:spcPts val="500"/>
+              </a:spcBef>
+              <a:buFont typeface="Arial" panose="020B0604020202020204" pitchFamily="34" charset="0"/>
+              <a:buChar char="•"/>
+              <a:defRPr sz="1800" kern="1200">
+                <a:solidFill>
+                  <a:schemeClr val="tx1"/>
+                </a:solidFill>
+                <a:latin typeface="+mn-lt"/>
+                <a:ea typeface="+mn-ea"/>
+                <a:cs typeface="+mn-cs"/>
+              </a:defRPr>
+            </a:lvl7pPr>
+            <a:lvl8pPr marL="3429000" indent="-228600" algn="l" defTabSz="914400" rtl="0" eaLnBrk="1" latinLnBrk="0" hangingPunct="1">
+              <a:lnSpc>
+                <a:spcPct val="90000"/>
+              </a:lnSpc>
+              <a:spcBef>
+                <a:spcPts val="500"/>
+              </a:spcBef>
+              <a:buFont typeface="Arial" panose="020B0604020202020204" pitchFamily="34" charset="0"/>
+              <a:buChar char="•"/>
+              <a:defRPr sz="1800" kern="1200">
+                <a:solidFill>
+                  <a:schemeClr val="tx1"/>
+                </a:solidFill>
+                <a:latin typeface="+mn-lt"/>
+                <a:ea typeface="+mn-ea"/>
+                <a:cs typeface="+mn-cs"/>
+              </a:defRPr>
+            </a:lvl8pPr>
+            <a:lvl9pPr marL="3886200" indent="-228600" algn="l" defTabSz="914400" rtl="0" eaLnBrk="1" latinLnBrk="0" hangingPunct="1">
+              <a:lnSpc>
+                <a:spcPct val="90000"/>
+              </a:lnSpc>
+              <a:spcBef>
+                <a:spcPts val="500"/>
+              </a:spcBef>
+              <a:buFont typeface="Arial" panose="020B0604020202020204" pitchFamily="34" charset="0"/>
+              <a:buChar char="•"/>
+              <a:defRPr sz="1800" kern="1200">
+                <a:solidFill>
+                  <a:schemeClr val="tx1"/>
+                </a:solidFill>
+                <a:latin typeface="+mn-lt"/>
+                <a:ea typeface="+mn-ea"/>
+                <a:cs typeface="+mn-cs"/>
+              </a:defRPr>
+            </a:lvl9pPr>
+          </a:lstStyle>
+          <a:p>
+            <a:pPr marL="0" indent="0">
+              <a:buFont typeface="Arial" panose="020B0604020202020204" pitchFamily="34" charset="0"/>
+              <a:buNone/>
+            </a:pPr>
+            <a:r>
+              <a:rPr lang="en-GB" sz="1800" b="1" dirty="0">
+                <a:latin typeface="Bodoni MT" panose="02070603080606020203" pitchFamily="18" charset="0"/>
+              </a:rPr>
+              <a:t>GAME DIRECTION:</a:t>
+            </a:r>
+          </a:p>
+          <a:p>
+            <a:pPr marL="0" indent="0">
+              <a:buFont typeface="Arial" panose="020B0604020202020204" pitchFamily="34" charset="0"/>
+              <a:buNone/>
+            </a:pPr>
+            <a:r>
+              <a:rPr lang="en-GB" sz="1800" dirty="0">
+                <a:latin typeface="Bodoni MT" panose="02070603080606020203" pitchFamily="18" charset="0"/>
+              </a:rPr>
+              <a:t>The game must be played through in chronological order beginning with platform level 1 (forest), leading to a puzzle. This sequence is to be repeated for the following 3 levels.</a:t>
+            </a:r>
+          </a:p>
+          <a:p>
+            <a:pPr marL="0" indent="0">
+              <a:buFont typeface="Arial" panose="020B0604020202020204" pitchFamily="34" charset="0"/>
+              <a:buNone/>
+            </a:pPr>
+            <a:r>
+              <a:rPr lang="en-GB" sz="1800" dirty="0">
+                <a:latin typeface="Bodoni MT" panose="02070603080606020203" pitchFamily="18" charset="0"/>
+              </a:rPr>
+              <a:t>Levels &amp; puzzles can be replayed in order to find all the collectables. </a:t>
+            </a:r>
+          </a:p>
+        </p:txBody>
+      </p:sp>
+      <p:sp>
+        <p:nvSpPr>
+          <p:cNvPr id="13" name="Content Placeholder 2">
+            <a:extLst>
+              <a:ext uri="{FF2B5EF4-FFF2-40B4-BE49-F238E27FC236}">
+                <a16:creationId xmlns:a16="http://schemas.microsoft.com/office/drawing/2014/main" id="{A6B71EFB-4EB9-48D0-A7CA-693B1830CB7E}"/>
+              </a:ext>
+            </a:extLst>
+          </p:cNvPr>
+          <p:cNvSpPr txBox="1">
+            <a:spLocks/>
+          </p:cNvSpPr>
+          <p:nvPr/>
+        </p:nvSpPr>
+        <p:spPr>
+          <a:xfrm>
+            <a:off x="838200" y="3903005"/>
+            <a:ext cx="7628832" cy="2273958"/>
+          </a:xfrm>
+          <a:prstGeom prst="rect">
+            <a:avLst/>
+          </a:prstGeom>
+          <a:ln>
+            <a:solidFill>
+              <a:schemeClr val="tx1"/>
+            </a:solidFill>
+          </a:ln>
+        </p:spPr>
+        <p:txBody>
+          <a:bodyPr vert="horz" lIns="91440" tIns="45720" rIns="91440" bIns="45720" rtlCol="0">
+            <a:normAutofit/>
+          </a:bodyPr>
+          <a:lstStyle>
+            <a:lvl1pPr marL="228600" indent="-228600" algn="l" defTabSz="914400" rtl="0" eaLnBrk="1" latinLnBrk="0" hangingPunct="1">
+              <a:lnSpc>
+                <a:spcPct val="90000"/>
+              </a:lnSpc>
+              <a:spcBef>
+                <a:spcPts val="1000"/>
+              </a:spcBef>
+              <a:buFont typeface="Arial" panose="020B0604020202020204" pitchFamily="34" charset="0"/>
+              <a:buChar char="•"/>
+              <a:defRPr sz="2800" kern="1200">
+                <a:solidFill>
+                  <a:schemeClr val="tx1"/>
+                </a:solidFill>
+                <a:latin typeface="+mn-lt"/>
+                <a:ea typeface="+mn-ea"/>
+                <a:cs typeface="+mn-cs"/>
+              </a:defRPr>
+            </a:lvl1pPr>
+            <a:lvl2pPr marL="685800" indent="-228600" algn="l" defTabSz="914400" rtl="0" eaLnBrk="1" latinLnBrk="0" hangingPunct="1">
+              <a:lnSpc>
+                <a:spcPct val="90000"/>
+              </a:lnSpc>
+              <a:spcBef>
+                <a:spcPts val="500"/>
+              </a:spcBef>
+              <a:buFont typeface="Arial" panose="020B0604020202020204" pitchFamily="34" charset="0"/>
+              <a:buChar char="•"/>
+              <a:defRPr sz="2400" kern="1200">
+                <a:solidFill>
+                  <a:schemeClr val="tx1"/>
+                </a:solidFill>
+                <a:latin typeface="+mn-lt"/>
+                <a:ea typeface="+mn-ea"/>
+                <a:cs typeface="+mn-cs"/>
+              </a:defRPr>
+            </a:lvl2pPr>
+            <a:lvl3pPr marL="1143000" indent="-228600" algn="l" defTabSz="914400" rtl="0" eaLnBrk="1" latinLnBrk="0" hangingPunct="1">
+              <a:lnSpc>
+                <a:spcPct val="90000"/>
+              </a:lnSpc>
+              <a:spcBef>
+                <a:spcPts val="500"/>
+              </a:spcBef>
+              <a:buFont typeface="Arial" panose="020B0604020202020204" pitchFamily="34" charset="0"/>
+              <a:buChar char="•"/>
+              <a:defRPr sz="2000" kern="1200">
+                <a:solidFill>
+                  <a:schemeClr val="tx1"/>
+                </a:solidFill>
+                <a:latin typeface="+mn-lt"/>
+                <a:ea typeface="+mn-ea"/>
+                <a:cs typeface="+mn-cs"/>
+              </a:defRPr>
+            </a:lvl3pPr>
+            <a:lvl4pPr marL="1600200" indent="-228600" algn="l" defTabSz="914400" rtl="0" eaLnBrk="1" latinLnBrk="0" hangingPunct="1">
+              <a:lnSpc>
+                <a:spcPct val="90000"/>
+              </a:lnSpc>
+              <a:spcBef>
+                <a:spcPts val="500"/>
+              </a:spcBef>
+              <a:buFont typeface="Arial" panose="020B0604020202020204" pitchFamily="34" charset="0"/>
+              <a:buChar char="•"/>
+              <a:defRPr sz="1800" kern="1200">
+                <a:solidFill>
+                  <a:schemeClr val="tx1"/>
+                </a:solidFill>
+                <a:latin typeface="+mn-lt"/>
+                <a:ea typeface="+mn-ea"/>
+                <a:cs typeface="+mn-cs"/>
+              </a:defRPr>
+            </a:lvl4pPr>
+            <a:lvl5pPr marL="2057400" indent="-228600" algn="l" defTabSz="914400" rtl="0" eaLnBrk="1" latinLnBrk="0" hangingPunct="1">
+              <a:lnSpc>
+                <a:spcPct val="90000"/>
+              </a:lnSpc>
+              <a:spcBef>
+                <a:spcPts val="500"/>
+              </a:spcBef>
+              <a:buFont typeface="Arial" panose="020B0604020202020204" pitchFamily="34" charset="0"/>
+              <a:buChar char="•"/>
+              <a:defRPr sz="1800" kern="1200">
+                <a:solidFill>
+                  <a:schemeClr val="tx1"/>
+                </a:solidFill>
+                <a:latin typeface="+mn-lt"/>
+                <a:ea typeface="+mn-ea"/>
+                <a:cs typeface="+mn-cs"/>
+              </a:defRPr>
+            </a:lvl5pPr>
+            <a:lvl6pPr marL="2514600" indent="-228600" algn="l" defTabSz="914400" rtl="0" eaLnBrk="1" latinLnBrk="0" hangingPunct="1">
+              <a:lnSpc>
+                <a:spcPct val="90000"/>
+              </a:lnSpc>
+              <a:spcBef>
+                <a:spcPts val="500"/>
+              </a:spcBef>
+              <a:buFont typeface="Arial" panose="020B0604020202020204" pitchFamily="34" charset="0"/>
+              <a:buChar char="•"/>
+              <a:defRPr sz="1800" kern="1200">
+                <a:solidFill>
+                  <a:schemeClr val="tx1"/>
+                </a:solidFill>
+                <a:latin typeface="+mn-lt"/>
+                <a:ea typeface="+mn-ea"/>
+                <a:cs typeface="+mn-cs"/>
+              </a:defRPr>
+            </a:lvl6pPr>
+            <a:lvl7pPr marL="2971800" indent="-228600" algn="l" defTabSz="914400" rtl="0" eaLnBrk="1" latinLnBrk="0" hangingPunct="1">
+              <a:lnSpc>
+                <a:spcPct val="90000"/>
+              </a:lnSpc>
+              <a:spcBef>
+                <a:spcPts val="500"/>
+              </a:spcBef>
+              <a:buFont typeface="Arial" panose="020B0604020202020204" pitchFamily="34" charset="0"/>
+              <a:buChar char="•"/>
+              <a:defRPr sz="1800" kern="1200">
+                <a:solidFill>
+                  <a:schemeClr val="tx1"/>
+                </a:solidFill>
+                <a:latin typeface="+mn-lt"/>
+                <a:ea typeface="+mn-ea"/>
+                <a:cs typeface="+mn-cs"/>
+              </a:defRPr>
+            </a:lvl7pPr>
+            <a:lvl8pPr marL="3429000" indent="-228600" algn="l" defTabSz="914400" rtl="0" eaLnBrk="1" latinLnBrk="0" hangingPunct="1">
+              <a:lnSpc>
+                <a:spcPct val="90000"/>
+              </a:lnSpc>
+              <a:spcBef>
+                <a:spcPts val="500"/>
+              </a:spcBef>
+              <a:buFont typeface="Arial" panose="020B0604020202020204" pitchFamily="34" charset="0"/>
+              <a:buChar char="•"/>
+              <a:defRPr sz="1800" kern="1200">
+                <a:solidFill>
+                  <a:schemeClr val="tx1"/>
+                </a:solidFill>
+                <a:latin typeface="+mn-lt"/>
+                <a:ea typeface="+mn-ea"/>
+                <a:cs typeface="+mn-cs"/>
+              </a:defRPr>
+            </a:lvl8pPr>
+            <a:lvl9pPr marL="3886200" indent="-228600" algn="l" defTabSz="914400" rtl="0" eaLnBrk="1" latinLnBrk="0" hangingPunct="1">
+              <a:lnSpc>
+                <a:spcPct val="90000"/>
+              </a:lnSpc>
+              <a:spcBef>
+                <a:spcPts val="500"/>
+              </a:spcBef>
+              <a:buFont typeface="Arial" panose="020B0604020202020204" pitchFamily="34" charset="0"/>
+              <a:buChar char="•"/>
+              <a:defRPr sz="1800" kern="1200">
+                <a:solidFill>
+                  <a:schemeClr val="tx1"/>
+                </a:solidFill>
+                <a:latin typeface="+mn-lt"/>
+                <a:ea typeface="+mn-ea"/>
+                <a:cs typeface="+mn-cs"/>
+              </a:defRPr>
+            </a:lvl9pPr>
+          </a:lstStyle>
+          <a:p>
+            <a:pPr marL="0" indent="0">
+              <a:buFont typeface="Arial" panose="020B0604020202020204" pitchFamily="34" charset="0"/>
+              <a:buNone/>
+            </a:pPr>
+            <a:r>
+              <a:rPr lang="en-GB" sz="1800" b="1" dirty="0">
+                <a:latin typeface="Bodoni MT" panose="02070603080606020203" pitchFamily="18" charset="0"/>
+              </a:rPr>
+              <a:t>LEVEL PROGRESSION:</a:t>
+            </a:r>
+          </a:p>
+          <a:p>
+            <a:pPr marL="0" indent="0">
+              <a:buFont typeface="Arial" panose="020B0604020202020204" pitchFamily="34" charset="0"/>
+              <a:buNone/>
+            </a:pPr>
+            <a:r>
+              <a:rPr lang="en-GB" sz="1800" dirty="0">
+                <a:latin typeface="Bodoni MT" panose="02070603080606020203" pitchFamily="18" charset="0"/>
+              </a:rPr>
+              <a:t>In order to complete each level, the player must find the scroll, situated towards the end of the level.</a:t>
+            </a:r>
+          </a:p>
+          <a:p>
+            <a:pPr marL="0" indent="0">
+              <a:buFont typeface="Arial" panose="020B0604020202020204" pitchFamily="34" charset="0"/>
+              <a:buNone/>
+            </a:pPr>
+            <a:r>
+              <a:rPr lang="en-GB" sz="1800" dirty="0">
+                <a:latin typeface="Bodoni MT" panose="02070603080606020203" pitchFamily="18" charset="0"/>
+              </a:rPr>
+              <a:t>However, by default the scroll is locked, and to unlock it, the player must collect the key to remove the padlock from the scroll.</a:t>
+            </a:r>
+          </a:p>
+          <a:p>
+            <a:pPr marL="0" indent="0">
+              <a:buFont typeface="Arial" panose="020B0604020202020204" pitchFamily="34" charset="0"/>
+              <a:buNone/>
+            </a:pPr>
+            <a:r>
+              <a:rPr lang="en-GB" sz="1800" dirty="0">
+                <a:latin typeface="Bodoni MT" panose="02070603080606020203" pitchFamily="18" charset="0"/>
+              </a:rPr>
+              <a:t>Once the scroll is unlocked and found, the puzzle can be initiated, and the player can progress with the next stage of the game.</a:t>
+            </a:r>
+          </a:p>
+        </p:txBody>
+      </p:sp>
     </p:spTree>
     <p:extLst>
       <p:ext uri="{BB962C8B-B14F-4D97-AF65-F5344CB8AC3E}">
@@ -5669,6 +6597,118 @@
           <a:chExt cx="0" cy="0"/>
         </a:xfrm>
       </p:grpSpPr>
+      <p:pic>
+        <p:nvPicPr>
+          <p:cNvPr id="7" name="Picture 6">
+            <a:extLst>
+              <a:ext uri="{FF2B5EF4-FFF2-40B4-BE49-F238E27FC236}">
+                <a16:creationId xmlns:a16="http://schemas.microsoft.com/office/drawing/2014/main" id="{2FF80050-A6DA-4A1C-B6D8-AA5AA7F78A23}"/>
+              </a:ext>
+            </a:extLst>
+          </p:cNvPr>
+          <p:cNvPicPr>
+            <a:picLocks noChangeAspect="1"/>
+          </p:cNvPicPr>
+          <p:nvPr/>
+        </p:nvPicPr>
+        <p:blipFill>
+          <a:blip r:embed="rId2"/>
+          <a:stretch>
+            <a:fillRect/>
+          </a:stretch>
+        </p:blipFill>
+        <p:spPr>
+          <a:xfrm>
+            <a:off x="3065859" y="0"/>
+            <a:ext cx="9126141" cy="6858000"/>
+          </a:xfrm>
+          <a:prstGeom prst="rect">
+            <a:avLst/>
+          </a:prstGeom>
+        </p:spPr>
+      </p:pic>
+      <p:sp>
+        <p:nvSpPr>
+          <p:cNvPr id="8" name="Rectangle 7">
+            <a:extLst>
+              <a:ext uri="{FF2B5EF4-FFF2-40B4-BE49-F238E27FC236}">
+                <a16:creationId xmlns:a16="http://schemas.microsoft.com/office/drawing/2014/main" id="{5E3721CF-6C16-4B38-8E56-417FAD19673B}"/>
+              </a:ext>
+            </a:extLst>
+          </p:cNvPr>
+          <p:cNvSpPr/>
+          <p:nvPr/>
+        </p:nvSpPr>
+        <p:spPr>
+          <a:xfrm>
+            <a:off x="2910979" y="30125"/>
+            <a:ext cx="1837189" cy="503340"/>
+          </a:xfrm>
+          <a:prstGeom prst="rect">
+            <a:avLst/>
+          </a:prstGeom>
+          <a:solidFill>
+            <a:schemeClr val="tx1"/>
+          </a:solidFill>
+          <a:ln>
+            <a:noFill/>
+          </a:ln>
+        </p:spPr>
+        <p:style>
+          <a:lnRef idx="2">
+            <a:schemeClr val="accent1">
+              <a:shade val="50000"/>
+            </a:schemeClr>
+          </a:lnRef>
+          <a:fillRef idx="1">
+            <a:schemeClr val="accent1"/>
+          </a:fillRef>
+          <a:effectRef idx="0">
+            <a:schemeClr val="accent1"/>
+          </a:effectRef>
+          <a:fontRef idx="minor">
+            <a:schemeClr val="lt1"/>
+          </a:fontRef>
+        </p:style>
+        <p:txBody>
+          <a:bodyPr rtlCol="0" anchor="ctr"/>
+          <a:lstStyle/>
+          <a:p>
+            <a:pPr algn="ctr"/>
+            <a:endParaRPr lang="en-GB"/>
+          </a:p>
+        </p:txBody>
+      </p:sp>
+      <p:pic>
+        <p:nvPicPr>
+          <p:cNvPr id="5" name="Picture 4">
+            <a:extLst>
+              <a:ext uri="{FF2B5EF4-FFF2-40B4-BE49-F238E27FC236}">
+                <a16:creationId xmlns:a16="http://schemas.microsoft.com/office/drawing/2014/main" id="{BE6895F0-339F-4782-9F13-51BA81259136}"/>
+              </a:ext>
+            </a:extLst>
+          </p:cNvPr>
+          <p:cNvPicPr>
+            <a:picLocks noChangeAspect="1"/>
+          </p:cNvPicPr>
+          <p:nvPr/>
+        </p:nvPicPr>
+        <p:blipFill>
+          <a:blip r:embed="rId2"/>
+          <a:stretch>
+            <a:fillRect/>
+          </a:stretch>
+        </p:blipFill>
+        <p:spPr>
+          <a:xfrm>
+            <a:off x="0" y="0"/>
+            <a:ext cx="9126141" cy="6858000"/>
+          </a:xfrm>
+          <a:prstGeom prst="rect">
+            <a:avLst/>
+          </a:prstGeom>
+        </p:spPr>
+      </p:pic>
       <p:sp>
         <p:nvSpPr>
           <p:cNvPr id="2" name="Title 1">
@@ -5690,6 +6730,9 @@
             <a:off x="838200" y="365125"/>
             <a:ext cx="10515600" cy="566053"/>
           </a:xfrm>
+          <a:solidFill>
+            <a:schemeClr val="bg1"/>
+          </a:solidFill>
           <a:ln>
             <a:solidFill>
               <a:schemeClr val="tx1"/>
@@ -5733,6 +6776,9 @@
             <a:off x="838200" y="931178"/>
             <a:ext cx="10515600" cy="5245785"/>
           </a:xfrm>
+          <a:solidFill>
+            <a:schemeClr val="bg1"/>
+          </a:solidFill>
           <a:ln>
             <a:solidFill>
               <a:schemeClr val="tx1"/>
@@ -5743,6 +6789,17 @@
           <a:bodyPr/>
           <a:lstStyle/>
           <a:p>
+            <a:pPr marL="0" indent="0">
+              <a:buNone/>
+            </a:pPr>
+            <a:endParaRPr lang="en-GB" dirty="0">
+              <a:latin typeface="Bodoni MT" panose="02070603080606020203" pitchFamily="18" charset="0"/>
+            </a:endParaRPr>
+          </a:p>
+          <a:p>
+            <a:pPr marL="0" indent="0">
+              <a:buNone/>
+            </a:pPr>
             <a:endParaRPr lang="en-GB" dirty="0">
               <a:latin typeface="Bodoni MT" panose="02070603080606020203" pitchFamily="18" charset="0"/>
             </a:endParaRPr>
@@ -5788,6 +6845,1883 @@
           </a:p>
         </p:txBody>
       </p:sp>
+      <p:sp>
+        <p:nvSpPr>
+          <p:cNvPr id="10" name="Oval 9">
+            <a:extLst>
+              <a:ext uri="{FF2B5EF4-FFF2-40B4-BE49-F238E27FC236}">
+                <a16:creationId xmlns:a16="http://schemas.microsoft.com/office/drawing/2014/main" id="{C29C5979-7CCB-416B-B3A4-A452F3F30A10}"/>
+              </a:ext>
+            </a:extLst>
+          </p:cNvPr>
+          <p:cNvSpPr/>
+          <p:nvPr/>
+        </p:nvSpPr>
+        <p:spPr>
+          <a:xfrm>
+            <a:off x="3411522" y="1043054"/>
+            <a:ext cx="1602297" cy="789345"/>
+          </a:xfrm>
+          <a:prstGeom prst="ellipse">
+            <a:avLst/>
+          </a:prstGeom>
+          <a:solidFill>
+            <a:schemeClr val="accent2">
+              <a:lumMod val="60000"/>
+              <a:lumOff val="40000"/>
+            </a:schemeClr>
+          </a:solidFill>
+        </p:spPr>
+        <p:style>
+          <a:lnRef idx="2">
+            <a:schemeClr val="accent2">
+              <a:shade val="50000"/>
+            </a:schemeClr>
+          </a:lnRef>
+          <a:fillRef idx="1">
+            <a:schemeClr val="accent2"/>
+          </a:fillRef>
+          <a:effectRef idx="0">
+            <a:schemeClr val="accent2"/>
+          </a:effectRef>
+          <a:fontRef idx="minor">
+            <a:schemeClr val="lt1"/>
+          </a:fontRef>
+        </p:style>
+        <p:txBody>
+          <a:bodyPr rtlCol="0" anchor="ctr"/>
+          <a:lstStyle/>
+          <a:p>
+            <a:pPr algn="ctr"/>
+            <a:r>
+              <a:rPr lang="en-GB" dirty="0">
+                <a:latin typeface="Bodoni MT" panose="02070603080606020203" pitchFamily="18" charset="0"/>
+              </a:rPr>
+              <a:t>Design Spec.</a:t>
+            </a:r>
+          </a:p>
+        </p:txBody>
+      </p:sp>
+      <p:sp>
+        <p:nvSpPr>
+          <p:cNvPr id="11" name="Rectangle: Rounded Corners 10">
+            <a:extLst>
+              <a:ext uri="{FF2B5EF4-FFF2-40B4-BE49-F238E27FC236}">
+                <a16:creationId xmlns:a16="http://schemas.microsoft.com/office/drawing/2014/main" id="{F6A5F7EB-82A6-484E-9C43-CFB554F813E9}"/>
+              </a:ext>
+            </a:extLst>
+          </p:cNvPr>
+          <p:cNvSpPr/>
+          <p:nvPr/>
+        </p:nvSpPr>
+        <p:spPr>
+          <a:xfrm>
+            <a:off x="1542683" y="2675120"/>
+            <a:ext cx="1719743" cy="566053"/>
+          </a:xfrm>
+          <a:prstGeom prst="roundRect">
+            <a:avLst/>
+          </a:prstGeom>
+          <a:solidFill>
+            <a:schemeClr val="accent2">
+              <a:alpha val="50000"/>
+            </a:schemeClr>
+          </a:solidFill>
+          <a:ln>
+            <a:noFill/>
+          </a:ln>
+        </p:spPr>
+        <p:style>
+          <a:lnRef idx="0">
+            <a:scrgbClr r="0" g="0" b="0"/>
+          </a:lnRef>
+          <a:fillRef idx="0">
+            <a:scrgbClr r="0" g="0" b="0"/>
+          </a:fillRef>
+          <a:effectRef idx="0">
+            <a:scrgbClr r="0" g="0" b="0"/>
+          </a:effectRef>
+          <a:fontRef idx="minor">
+            <a:schemeClr val="lt1"/>
+          </a:fontRef>
+        </p:style>
+        <p:txBody>
+          <a:bodyPr rtlCol="0" anchor="ctr"/>
+          <a:lstStyle/>
+          <a:p>
+            <a:pPr algn="ctr"/>
+            <a:r>
+              <a:rPr lang="en-GB" dirty="0">
+                <a:latin typeface="Bodoni MT" panose="02070603080606020203" pitchFamily="18" charset="0"/>
+              </a:rPr>
+              <a:t>Base Tile Set</a:t>
+            </a:r>
+          </a:p>
+        </p:txBody>
+      </p:sp>
+      <p:sp>
+        <p:nvSpPr>
+          <p:cNvPr id="13" name="Rectangle: Rounded Corners 12">
+            <a:extLst>
+              <a:ext uri="{FF2B5EF4-FFF2-40B4-BE49-F238E27FC236}">
+                <a16:creationId xmlns:a16="http://schemas.microsoft.com/office/drawing/2014/main" id="{3719CF2D-2824-4299-B2CC-CE697E27AA7E}"/>
+              </a:ext>
+            </a:extLst>
+          </p:cNvPr>
+          <p:cNvSpPr/>
+          <p:nvPr/>
+        </p:nvSpPr>
+        <p:spPr>
+          <a:xfrm>
+            <a:off x="8878347" y="1711353"/>
+            <a:ext cx="1719743" cy="566053"/>
+          </a:xfrm>
+          <a:prstGeom prst="roundRect">
+            <a:avLst/>
+          </a:prstGeom>
+          <a:solidFill>
+            <a:schemeClr val="accent2">
+              <a:alpha val="50000"/>
+            </a:schemeClr>
+          </a:solidFill>
+          <a:ln>
+            <a:noFill/>
+          </a:ln>
+        </p:spPr>
+        <p:style>
+          <a:lnRef idx="0">
+            <a:scrgbClr r="0" g="0" b="0"/>
+          </a:lnRef>
+          <a:fillRef idx="0">
+            <a:scrgbClr r="0" g="0" b="0"/>
+          </a:fillRef>
+          <a:effectRef idx="0">
+            <a:scrgbClr r="0" g="0" b="0"/>
+          </a:effectRef>
+          <a:fontRef idx="minor">
+            <a:schemeClr val="lt1"/>
+          </a:fontRef>
+        </p:style>
+        <p:txBody>
+          <a:bodyPr rtlCol="0" anchor="ctr"/>
+          <a:lstStyle/>
+          <a:p>
+            <a:pPr algn="ctr"/>
+            <a:r>
+              <a:rPr lang="en-GB" dirty="0">
+                <a:latin typeface="Bodoni MT" panose="02070603080606020203" pitchFamily="18" charset="0"/>
+              </a:rPr>
+              <a:t>Placeholders</a:t>
+            </a:r>
+          </a:p>
+        </p:txBody>
+      </p:sp>
+      <p:cxnSp>
+        <p:nvCxnSpPr>
+          <p:cNvPr id="15" name="Straight Connector 14">
+            <a:extLst>
+              <a:ext uri="{FF2B5EF4-FFF2-40B4-BE49-F238E27FC236}">
+                <a16:creationId xmlns:a16="http://schemas.microsoft.com/office/drawing/2014/main" id="{30710670-372E-4F34-950F-06F225466007}"/>
+              </a:ext>
+            </a:extLst>
+          </p:cNvPr>
+          <p:cNvCxnSpPr/>
+          <p:nvPr/>
+        </p:nvCxnSpPr>
+        <p:spPr>
+          <a:xfrm>
+            <a:off x="8103765" y="931178"/>
+            <a:ext cx="0" cy="5234730"/>
+          </a:xfrm>
+          <a:prstGeom prst="line">
+            <a:avLst/>
+          </a:prstGeom>
+          <a:ln w="9525" cap="flat" cmpd="sng" algn="ctr">
+            <a:solidFill>
+              <a:schemeClr val="dk1"/>
+            </a:solidFill>
+            <a:prstDash val="dash"/>
+            <a:round/>
+            <a:headEnd type="none" w="med" len="med"/>
+            <a:tailEnd type="none" w="med" len="med"/>
+          </a:ln>
+        </p:spPr>
+        <p:style>
+          <a:lnRef idx="0">
+            <a:scrgbClr r="0" g="0" b="0"/>
+          </a:lnRef>
+          <a:fillRef idx="0">
+            <a:scrgbClr r="0" g="0" b="0"/>
+          </a:fillRef>
+          <a:effectRef idx="0">
+            <a:scrgbClr r="0" g="0" b="0"/>
+          </a:effectRef>
+          <a:fontRef idx="minor">
+            <a:schemeClr val="tx1"/>
+          </a:fontRef>
+        </p:style>
+      </p:cxnSp>
+      <p:cxnSp>
+        <p:nvCxnSpPr>
+          <p:cNvPr id="16" name="Straight Connector 15">
+            <a:extLst>
+              <a:ext uri="{FF2B5EF4-FFF2-40B4-BE49-F238E27FC236}">
+                <a16:creationId xmlns:a16="http://schemas.microsoft.com/office/drawing/2014/main" id="{288054B3-BE24-4398-9D5F-A28183FA7014}"/>
+              </a:ext>
+            </a:extLst>
+          </p:cNvPr>
+          <p:cNvCxnSpPr>
+            <a:cxnSpLocks/>
+          </p:cNvCxnSpPr>
+          <p:nvPr/>
+        </p:nvCxnSpPr>
+        <p:spPr>
+          <a:xfrm>
+            <a:off x="4188901" y="2277406"/>
+            <a:ext cx="0" cy="3888502"/>
+          </a:xfrm>
+          <a:prstGeom prst="line">
+            <a:avLst/>
+          </a:prstGeom>
+          <a:ln w="9525" cap="flat" cmpd="sng" algn="ctr">
+            <a:solidFill>
+              <a:schemeClr val="dk1"/>
+            </a:solidFill>
+            <a:prstDash val="dash"/>
+            <a:round/>
+            <a:headEnd type="none" w="med" len="med"/>
+            <a:tailEnd type="none" w="med" len="med"/>
+          </a:ln>
+        </p:spPr>
+        <p:style>
+          <a:lnRef idx="0">
+            <a:scrgbClr r="0" g="0" b="0"/>
+          </a:lnRef>
+          <a:fillRef idx="0">
+            <a:scrgbClr r="0" g="0" b="0"/>
+          </a:fillRef>
+          <a:effectRef idx="0">
+            <a:scrgbClr r="0" g="0" b="0"/>
+          </a:effectRef>
+          <a:fontRef idx="minor">
+            <a:schemeClr val="tx1"/>
+          </a:fontRef>
+        </p:style>
+      </p:cxnSp>
+      <p:sp>
+        <p:nvSpPr>
+          <p:cNvPr id="17" name="TextBox 16">
+            <a:extLst>
+              <a:ext uri="{FF2B5EF4-FFF2-40B4-BE49-F238E27FC236}">
+                <a16:creationId xmlns:a16="http://schemas.microsoft.com/office/drawing/2014/main" id="{971E6CAA-6D6E-412E-9FD7-5D77D4FC053C}"/>
+              </a:ext>
+            </a:extLst>
+          </p:cNvPr>
+          <p:cNvSpPr txBox="1"/>
+          <p:nvPr/>
+        </p:nvSpPr>
+        <p:spPr>
+          <a:xfrm>
+            <a:off x="9181691" y="1161597"/>
+            <a:ext cx="1115731" cy="369332"/>
+          </a:xfrm>
+          <a:prstGeom prst="rect">
+            <a:avLst/>
+          </a:prstGeom>
+          <a:noFill/>
+        </p:spPr>
+        <p:txBody>
+          <a:bodyPr wrap="square" rtlCol="0">
+            <a:spAutoFit/>
+          </a:bodyPr>
+          <a:lstStyle/>
+          <a:p>
+            <a:r>
+              <a:rPr lang="en-GB" dirty="0">
+                <a:latin typeface="Bodoni MT" panose="02070603080606020203" pitchFamily="18" charset="0"/>
+              </a:rPr>
+              <a:t>Artwork</a:t>
+            </a:r>
+          </a:p>
+        </p:txBody>
+      </p:sp>
+      <p:cxnSp>
+        <p:nvCxnSpPr>
+          <p:cNvPr id="19" name="Straight Connector 18">
+            <a:extLst>
+              <a:ext uri="{FF2B5EF4-FFF2-40B4-BE49-F238E27FC236}">
+                <a16:creationId xmlns:a16="http://schemas.microsoft.com/office/drawing/2014/main" id="{FFECA4B2-B854-4585-9ECA-1FD3048F8E67}"/>
+              </a:ext>
+            </a:extLst>
+          </p:cNvPr>
+          <p:cNvCxnSpPr>
+            <a:cxnSpLocks/>
+          </p:cNvCxnSpPr>
+          <p:nvPr/>
+        </p:nvCxnSpPr>
+        <p:spPr>
+          <a:xfrm>
+            <a:off x="838200" y="2277406"/>
+            <a:ext cx="7260480" cy="0"/>
+          </a:xfrm>
+          <a:prstGeom prst="line">
+            <a:avLst/>
+          </a:prstGeom>
+          <a:ln w="9525" cap="flat" cmpd="sng" algn="ctr">
+            <a:solidFill>
+              <a:schemeClr val="dk1"/>
+            </a:solidFill>
+            <a:prstDash val="dash"/>
+            <a:round/>
+            <a:headEnd type="none" w="med" len="med"/>
+            <a:tailEnd type="none" w="med" len="med"/>
+          </a:ln>
+        </p:spPr>
+        <p:style>
+          <a:lnRef idx="0">
+            <a:scrgbClr r="0" g="0" b="0"/>
+          </a:lnRef>
+          <a:fillRef idx="0">
+            <a:scrgbClr r="0" g="0" b="0"/>
+          </a:fillRef>
+          <a:effectRef idx="0">
+            <a:scrgbClr r="0" g="0" b="0"/>
+          </a:effectRef>
+          <a:fontRef idx="minor">
+            <a:schemeClr val="tx1"/>
+          </a:fontRef>
+        </p:style>
+      </p:cxnSp>
+      <p:cxnSp>
+        <p:nvCxnSpPr>
+          <p:cNvPr id="23" name="Straight Arrow Connector 22">
+            <a:extLst>
+              <a:ext uri="{FF2B5EF4-FFF2-40B4-BE49-F238E27FC236}">
+                <a16:creationId xmlns:a16="http://schemas.microsoft.com/office/drawing/2014/main" id="{7FAC0E52-268B-4550-B064-28EAE19CA4A2}"/>
+              </a:ext>
+            </a:extLst>
+          </p:cNvPr>
+          <p:cNvCxnSpPr>
+            <a:stCxn id="10" idx="6"/>
+          </p:cNvCxnSpPr>
+          <p:nvPr/>
+        </p:nvCxnSpPr>
+        <p:spPr>
+          <a:xfrm flipV="1">
+            <a:off x="5013819" y="1437726"/>
+            <a:ext cx="3095032" cy="1"/>
+          </a:xfrm>
+          <a:prstGeom prst="straightConnector1">
+            <a:avLst/>
+          </a:prstGeom>
+          <a:ln w="9525" cap="flat" cmpd="sng" algn="ctr">
+            <a:solidFill>
+              <a:schemeClr val="dk1"/>
+            </a:solidFill>
+            <a:prstDash val="solid"/>
+            <a:round/>
+            <a:headEnd type="none" w="med" len="med"/>
+            <a:tailEnd type="arrow" w="med" len="med"/>
+          </a:ln>
+        </p:spPr>
+        <p:style>
+          <a:lnRef idx="0">
+            <a:scrgbClr r="0" g="0" b="0"/>
+          </a:lnRef>
+          <a:fillRef idx="0">
+            <a:scrgbClr r="0" g="0" b="0"/>
+          </a:fillRef>
+          <a:effectRef idx="0">
+            <a:scrgbClr r="0" g="0" b="0"/>
+          </a:effectRef>
+          <a:fontRef idx="minor">
+            <a:schemeClr val="tx1"/>
+          </a:fontRef>
+        </p:style>
+      </p:cxnSp>
+      <p:sp>
+        <p:nvSpPr>
+          <p:cNvPr id="24" name="TextBox 23">
+            <a:extLst>
+              <a:ext uri="{FF2B5EF4-FFF2-40B4-BE49-F238E27FC236}">
+                <a16:creationId xmlns:a16="http://schemas.microsoft.com/office/drawing/2014/main" id="{1FB9C7CE-2331-47EB-A1D2-D8DB9B0C2513}"/>
+              </a:ext>
+            </a:extLst>
+          </p:cNvPr>
+          <p:cNvSpPr txBox="1"/>
+          <p:nvPr/>
+        </p:nvSpPr>
+        <p:spPr>
+          <a:xfrm>
+            <a:off x="5416972" y="2291597"/>
+            <a:ext cx="1358053" cy="369332"/>
+          </a:xfrm>
+          <a:prstGeom prst="rect">
+            <a:avLst/>
+          </a:prstGeom>
+          <a:noFill/>
+        </p:spPr>
+        <p:txBody>
+          <a:bodyPr wrap="square" rtlCol="0">
+            <a:spAutoFit/>
+          </a:bodyPr>
+          <a:lstStyle/>
+          <a:p>
+            <a:r>
+              <a:rPr lang="en-GB" dirty="0">
+                <a:latin typeface="Bodoni MT" panose="02070603080606020203" pitchFamily="18" charset="0"/>
+              </a:rPr>
+              <a:t>Platforming</a:t>
+            </a:r>
+          </a:p>
+        </p:txBody>
+      </p:sp>
+      <p:sp>
+        <p:nvSpPr>
+          <p:cNvPr id="25" name="TextBox 24">
+            <a:extLst>
+              <a:ext uri="{FF2B5EF4-FFF2-40B4-BE49-F238E27FC236}">
+                <a16:creationId xmlns:a16="http://schemas.microsoft.com/office/drawing/2014/main" id="{DBBC0D55-02A6-4EDB-AF84-B16D0A2B2E7B}"/>
+              </a:ext>
+            </a:extLst>
+          </p:cNvPr>
+          <p:cNvSpPr txBox="1"/>
+          <p:nvPr/>
+        </p:nvSpPr>
+        <p:spPr>
+          <a:xfrm>
+            <a:off x="3623367" y="1873835"/>
+            <a:ext cx="1178606" cy="369332"/>
+          </a:xfrm>
+          <a:prstGeom prst="rect">
+            <a:avLst/>
+          </a:prstGeom>
+          <a:noFill/>
+        </p:spPr>
+        <p:txBody>
+          <a:bodyPr wrap="square" rtlCol="0">
+            <a:spAutoFit/>
+          </a:bodyPr>
+          <a:lstStyle/>
+          <a:p>
+            <a:r>
+              <a:rPr lang="en-GB" dirty="0">
+                <a:latin typeface="Bodoni MT" panose="02070603080606020203" pitchFamily="18" charset="0"/>
+              </a:rPr>
+              <a:t>Gameplay</a:t>
+            </a:r>
+          </a:p>
+        </p:txBody>
+      </p:sp>
+      <p:sp>
+        <p:nvSpPr>
+          <p:cNvPr id="26" name="TextBox 25">
+            <a:extLst>
+              <a:ext uri="{FF2B5EF4-FFF2-40B4-BE49-F238E27FC236}">
+                <a16:creationId xmlns:a16="http://schemas.microsoft.com/office/drawing/2014/main" id="{C1CD6ED1-DC11-4F49-B765-F575D41091A5}"/>
+              </a:ext>
+            </a:extLst>
+          </p:cNvPr>
+          <p:cNvSpPr txBox="1"/>
+          <p:nvPr/>
+        </p:nvSpPr>
+        <p:spPr>
+          <a:xfrm>
+            <a:off x="1950749" y="2291597"/>
+            <a:ext cx="901480" cy="369332"/>
+          </a:xfrm>
+          <a:prstGeom prst="rect">
+            <a:avLst/>
+          </a:prstGeom>
+          <a:noFill/>
+        </p:spPr>
+        <p:txBody>
+          <a:bodyPr wrap="square" rtlCol="0">
+            <a:spAutoFit/>
+          </a:bodyPr>
+          <a:lstStyle/>
+          <a:p>
+            <a:r>
+              <a:rPr lang="en-GB" dirty="0">
+                <a:latin typeface="Bodoni MT" panose="02070603080606020203" pitchFamily="18" charset="0"/>
+              </a:rPr>
+              <a:t>Puzzles</a:t>
+            </a:r>
+          </a:p>
+        </p:txBody>
+      </p:sp>
+      <p:cxnSp>
+        <p:nvCxnSpPr>
+          <p:cNvPr id="27" name="Straight Arrow Connector 26">
+            <a:extLst>
+              <a:ext uri="{FF2B5EF4-FFF2-40B4-BE49-F238E27FC236}">
+                <a16:creationId xmlns:a16="http://schemas.microsoft.com/office/drawing/2014/main" id="{5E8555D3-376F-417B-8432-5BEEAFCBB21F}"/>
+              </a:ext>
+            </a:extLst>
+          </p:cNvPr>
+          <p:cNvCxnSpPr>
+            <a:cxnSpLocks/>
+            <a:stCxn id="10" idx="5"/>
+            <a:endCxn id="24" idx="0"/>
+          </p:cNvCxnSpPr>
+          <p:nvPr/>
+        </p:nvCxnSpPr>
+        <p:spPr>
+          <a:xfrm>
+            <a:off x="4779168" y="1716802"/>
+            <a:ext cx="1316831" cy="574795"/>
+          </a:xfrm>
+          <a:prstGeom prst="straightConnector1">
+            <a:avLst/>
+          </a:prstGeom>
+          <a:ln w="9525" cap="flat" cmpd="sng" algn="ctr">
+            <a:solidFill>
+              <a:schemeClr val="dk1"/>
+            </a:solidFill>
+            <a:prstDash val="solid"/>
+            <a:round/>
+            <a:headEnd type="none" w="med" len="med"/>
+            <a:tailEnd type="arrow" w="med" len="med"/>
+          </a:ln>
+        </p:spPr>
+        <p:style>
+          <a:lnRef idx="0">
+            <a:scrgbClr r="0" g="0" b="0"/>
+          </a:lnRef>
+          <a:fillRef idx="0">
+            <a:scrgbClr r="0" g="0" b="0"/>
+          </a:fillRef>
+          <a:effectRef idx="0">
+            <a:scrgbClr r="0" g="0" b="0"/>
+          </a:effectRef>
+          <a:fontRef idx="minor">
+            <a:schemeClr val="tx1"/>
+          </a:fontRef>
+        </p:style>
+      </p:cxnSp>
+      <p:cxnSp>
+        <p:nvCxnSpPr>
+          <p:cNvPr id="30" name="Straight Arrow Connector 29">
+            <a:extLst>
+              <a:ext uri="{FF2B5EF4-FFF2-40B4-BE49-F238E27FC236}">
+                <a16:creationId xmlns:a16="http://schemas.microsoft.com/office/drawing/2014/main" id="{183EB38B-BC90-4354-BB70-B17AD571698C}"/>
+              </a:ext>
+            </a:extLst>
+          </p:cNvPr>
+          <p:cNvCxnSpPr>
+            <a:cxnSpLocks/>
+            <a:stCxn id="10" idx="3"/>
+            <a:endCxn id="26" idx="0"/>
+          </p:cNvCxnSpPr>
+          <p:nvPr/>
+        </p:nvCxnSpPr>
+        <p:spPr>
+          <a:xfrm flipH="1">
+            <a:off x="2401489" y="1716802"/>
+            <a:ext cx="1244684" cy="574795"/>
+          </a:xfrm>
+          <a:prstGeom prst="straightConnector1">
+            <a:avLst/>
+          </a:prstGeom>
+          <a:ln w="9525" cap="flat" cmpd="sng" algn="ctr">
+            <a:solidFill>
+              <a:schemeClr val="dk1"/>
+            </a:solidFill>
+            <a:prstDash val="solid"/>
+            <a:round/>
+            <a:headEnd type="none" w="med" len="med"/>
+            <a:tailEnd type="arrow" w="med" len="med"/>
+          </a:ln>
+        </p:spPr>
+        <p:style>
+          <a:lnRef idx="0">
+            <a:scrgbClr r="0" g="0" b="0"/>
+          </a:lnRef>
+          <a:fillRef idx="0">
+            <a:scrgbClr r="0" g="0" b="0"/>
+          </a:fillRef>
+          <a:effectRef idx="0">
+            <a:scrgbClr r="0" g="0" b="0"/>
+          </a:effectRef>
+          <a:fontRef idx="minor">
+            <a:schemeClr val="tx1"/>
+          </a:fontRef>
+        </p:style>
+      </p:cxnSp>
+      <p:sp>
+        <p:nvSpPr>
+          <p:cNvPr id="33" name="Rectangle: Rounded Corners 32">
+            <a:extLst>
+              <a:ext uri="{FF2B5EF4-FFF2-40B4-BE49-F238E27FC236}">
+                <a16:creationId xmlns:a16="http://schemas.microsoft.com/office/drawing/2014/main" id="{5D612AEE-5C5A-45AE-9431-93F8F6FB3305}"/>
+              </a:ext>
+            </a:extLst>
+          </p:cNvPr>
+          <p:cNvSpPr/>
+          <p:nvPr/>
+        </p:nvSpPr>
+        <p:spPr>
+          <a:xfrm>
+            <a:off x="5398154" y="3503638"/>
+            <a:ext cx="1395688" cy="437833"/>
+          </a:xfrm>
+          <a:prstGeom prst="roundRect">
+            <a:avLst/>
+          </a:prstGeom>
+          <a:solidFill>
+            <a:schemeClr val="accent2">
+              <a:alpha val="50000"/>
+            </a:schemeClr>
+          </a:solidFill>
+          <a:ln>
+            <a:noFill/>
+          </a:ln>
+        </p:spPr>
+        <p:style>
+          <a:lnRef idx="0">
+            <a:scrgbClr r="0" g="0" b="0"/>
+          </a:lnRef>
+          <a:fillRef idx="0">
+            <a:scrgbClr r="0" g="0" b="0"/>
+          </a:fillRef>
+          <a:effectRef idx="0">
+            <a:scrgbClr r="0" g="0" b="0"/>
+          </a:effectRef>
+          <a:fontRef idx="minor">
+            <a:schemeClr val="lt1"/>
+          </a:fontRef>
+        </p:style>
+        <p:txBody>
+          <a:bodyPr rtlCol="0" anchor="ctr"/>
+          <a:lstStyle/>
+          <a:p>
+            <a:pPr algn="ctr"/>
+            <a:r>
+              <a:rPr lang="en-GB" dirty="0">
+                <a:latin typeface="Bodoni MT" panose="02070603080606020203" pitchFamily="18" charset="0"/>
+              </a:rPr>
+              <a:t>Collision</a:t>
+            </a:r>
+          </a:p>
+        </p:txBody>
+      </p:sp>
+      <p:sp>
+        <p:nvSpPr>
+          <p:cNvPr id="34" name="Rectangle: Rounded Corners 33">
+            <a:extLst>
+              <a:ext uri="{FF2B5EF4-FFF2-40B4-BE49-F238E27FC236}">
+                <a16:creationId xmlns:a16="http://schemas.microsoft.com/office/drawing/2014/main" id="{5351534C-969F-4206-A607-10E3CBD3EB6E}"/>
+              </a:ext>
+            </a:extLst>
+          </p:cNvPr>
+          <p:cNvSpPr/>
+          <p:nvPr/>
+        </p:nvSpPr>
+        <p:spPr>
+          <a:xfrm>
+            <a:off x="5226759" y="4176274"/>
+            <a:ext cx="1719743" cy="774786"/>
+          </a:xfrm>
+          <a:prstGeom prst="roundRect">
+            <a:avLst/>
+          </a:prstGeom>
+          <a:solidFill>
+            <a:schemeClr val="accent2">
+              <a:alpha val="50000"/>
+            </a:schemeClr>
+          </a:solidFill>
+          <a:ln>
+            <a:noFill/>
+          </a:ln>
+        </p:spPr>
+        <p:style>
+          <a:lnRef idx="0">
+            <a:scrgbClr r="0" g="0" b="0"/>
+          </a:lnRef>
+          <a:fillRef idx="0">
+            <a:scrgbClr r="0" g="0" b="0"/>
+          </a:fillRef>
+          <a:effectRef idx="0">
+            <a:scrgbClr r="0" g="0" b="0"/>
+          </a:effectRef>
+          <a:fontRef idx="minor">
+            <a:schemeClr val="lt1"/>
+          </a:fontRef>
+        </p:style>
+        <p:txBody>
+          <a:bodyPr rtlCol="0" anchor="ctr"/>
+          <a:lstStyle/>
+          <a:p>
+            <a:pPr algn="ctr"/>
+            <a:r>
+              <a:rPr lang="en-GB" dirty="0">
+                <a:latin typeface="Bodoni MT" panose="02070603080606020203" pitchFamily="18" charset="0"/>
+              </a:rPr>
+              <a:t>Platform &amp; Collectables Layout</a:t>
+            </a:r>
+          </a:p>
+        </p:txBody>
+      </p:sp>
+      <p:sp>
+        <p:nvSpPr>
+          <p:cNvPr id="35" name="Rectangle: Rounded Corners 34">
+            <a:extLst>
+              <a:ext uri="{FF2B5EF4-FFF2-40B4-BE49-F238E27FC236}">
+                <a16:creationId xmlns:a16="http://schemas.microsoft.com/office/drawing/2014/main" id="{CC0DB683-0D5F-4A20-8627-22A83FCA57C0}"/>
+              </a:ext>
+            </a:extLst>
+          </p:cNvPr>
+          <p:cNvSpPr/>
+          <p:nvPr/>
+        </p:nvSpPr>
+        <p:spPr>
+          <a:xfrm>
+            <a:off x="5050872" y="5185863"/>
+            <a:ext cx="2093053" cy="566053"/>
+          </a:xfrm>
+          <a:prstGeom prst="roundRect">
+            <a:avLst/>
+          </a:prstGeom>
+          <a:solidFill>
+            <a:schemeClr val="accent2">
+              <a:alpha val="50000"/>
+            </a:schemeClr>
+          </a:solidFill>
+          <a:ln>
+            <a:noFill/>
+          </a:ln>
+        </p:spPr>
+        <p:style>
+          <a:lnRef idx="0">
+            <a:scrgbClr r="0" g="0" b="0"/>
+          </a:lnRef>
+          <a:fillRef idx="0">
+            <a:scrgbClr r="0" g="0" b="0"/>
+          </a:fillRef>
+          <a:effectRef idx="0">
+            <a:scrgbClr r="0" g="0" b="0"/>
+          </a:effectRef>
+          <a:fontRef idx="minor">
+            <a:schemeClr val="lt1"/>
+          </a:fontRef>
+        </p:style>
+        <p:txBody>
+          <a:bodyPr rtlCol="0" anchor="ctr"/>
+          <a:lstStyle/>
+          <a:p>
+            <a:pPr algn="ctr"/>
+            <a:r>
+              <a:rPr lang="en-GB" dirty="0">
+                <a:latin typeface="Bodoni MT" panose="02070603080606020203" pitchFamily="18" charset="0"/>
+              </a:rPr>
+              <a:t>Failure and Success conditions</a:t>
+            </a:r>
+          </a:p>
+        </p:txBody>
+      </p:sp>
+      <p:sp>
+        <p:nvSpPr>
+          <p:cNvPr id="36" name="Rectangle: Rounded Corners 35">
+            <a:extLst>
+              <a:ext uri="{FF2B5EF4-FFF2-40B4-BE49-F238E27FC236}">
+                <a16:creationId xmlns:a16="http://schemas.microsoft.com/office/drawing/2014/main" id="{58471160-97AC-4E81-A948-3E6D85AFAB8E}"/>
+              </a:ext>
+            </a:extLst>
+          </p:cNvPr>
+          <p:cNvSpPr/>
+          <p:nvPr/>
+        </p:nvSpPr>
+        <p:spPr>
+          <a:xfrm>
+            <a:off x="1542683" y="3476465"/>
+            <a:ext cx="1719743" cy="566053"/>
+          </a:xfrm>
+          <a:prstGeom prst="roundRect">
+            <a:avLst/>
+          </a:prstGeom>
+          <a:solidFill>
+            <a:schemeClr val="accent2">
+              <a:alpha val="50000"/>
+            </a:schemeClr>
+          </a:solidFill>
+          <a:ln>
+            <a:noFill/>
+          </a:ln>
+        </p:spPr>
+        <p:style>
+          <a:lnRef idx="0">
+            <a:scrgbClr r="0" g="0" b="0"/>
+          </a:lnRef>
+          <a:fillRef idx="0">
+            <a:scrgbClr r="0" g="0" b="0"/>
+          </a:fillRef>
+          <a:effectRef idx="0">
+            <a:scrgbClr r="0" g="0" b="0"/>
+          </a:effectRef>
+          <a:fontRef idx="minor">
+            <a:schemeClr val="lt1"/>
+          </a:fontRef>
+        </p:style>
+        <p:txBody>
+          <a:bodyPr rtlCol="0" anchor="ctr"/>
+          <a:lstStyle/>
+          <a:p>
+            <a:pPr algn="ctr"/>
+            <a:r>
+              <a:rPr lang="en-GB" dirty="0">
+                <a:latin typeface="Bodoni MT" panose="02070603080606020203" pitchFamily="18" charset="0"/>
+              </a:rPr>
+              <a:t>Specification for each puzzle</a:t>
+            </a:r>
+          </a:p>
+        </p:txBody>
+      </p:sp>
+      <p:sp>
+        <p:nvSpPr>
+          <p:cNvPr id="37" name="Rectangle: Rounded Corners 36">
+            <a:extLst>
+              <a:ext uri="{FF2B5EF4-FFF2-40B4-BE49-F238E27FC236}">
+                <a16:creationId xmlns:a16="http://schemas.microsoft.com/office/drawing/2014/main" id="{92E98563-DB25-47E0-BFE7-B8A52201AFBF}"/>
+              </a:ext>
+            </a:extLst>
+          </p:cNvPr>
+          <p:cNvSpPr/>
+          <p:nvPr/>
+        </p:nvSpPr>
+        <p:spPr>
+          <a:xfrm>
+            <a:off x="1536673" y="4280640"/>
+            <a:ext cx="1719743" cy="566053"/>
+          </a:xfrm>
+          <a:prstGeom prst="roundRect">
+            <a:avLst/>
+          </a:prstGeom>
+          <a:solidFill>
+            <a:schemeClr val="accent2">
+              <a:alpha val="50000"/>
+            </a:schemeClr>
+          </a:solidFill>
+          <a:ln>
+            <a:noFill/>
+          </a:ln>
+        </p:spPr>
+        <p:style>
+          <a:lnRef idx="0">
+            <a:scrgbClr r="0" g="0" b="0"/>
+          </a:lnRef>
+          <a:fillRef idx="0">
+            <a:scrgbClr r="0" g="0" b="0"/>
+          </a:fillRef>
+          <a:effectRef idx="0">
+            <a:scrgbClr r="0" g="0" b="0"/>
+          </a:effectRef>
+          <a:fontRef idx="minor">
+            <a:schemeClr val="lt1"/>
+          </a:fontRef>
+        </p:style>
+        <p:txBody>
+          <a:bodyPr rtlCol="0" anchor="ctr"/>
+          <a:lstStyle/>
+          <a:p>
+            <a:pPr algn="ctr"/>
+            <a:r>
+              <a:rPr lang="en-GB" dirty="0">
+                <a:latin typeface="Bodoni MT" panose="02070603080606020203" pitchFamily="18" charset="0"/>
+              </a:rPr>
+              <a:t>Puzzle Interaction</a:t>
+            </a:r>
+          </a:p>
+        </p:txBody>
+      </p:sp>
+      <p:sp>
+        <p:nvSpPr>
+          <p:cNvPr id="38" name="Rectangle: Rounded Corners 37">
+            <a:extLst>
+              <a:ext uri="{FF2B5EF4-FFF2-40B4-BE49-F238E27FC236}">
+                <a16:creationId xmlns:a16="http://schemas.microsoft.com/office/drawing/2014/main" id="{F9DE6B22-A874-4C5B-A2F4-37E624346379}"/>
+              </a:ext>
+            </a:extLst>
+          </p:cNvPr>
+          <p:cNvSpPr/>
+          <p:nvPr/>
+        </p:nvSpPr>
+        <p:spPr>
+          <a:xfrm>
+            <a:off x="1555617" y="5079841"/>
+            <a:ext cx="1719743" cy="566053"/>
+          </a:xfrm>
+          <a:prstGeom prst="roundRect">
+            <a:avLst/>
+          </a:prstGeom>
+          <a:solidFill>
+            <a:schemeClr val="accent2">
+              <a:alpha val="50000"/>
+            </a:schemeClr>
+          </a:solidFill>
+          <a:ln>
+            <a:noFill/>
+          </a:ln>
+        </p:spPr>
+        <p:style>
+          <a:lnRef idx="0">
+            <a:scrgbClr r="0" g="0" b="0"/>
+          </a:lnRef>
+          <a:fillRef idx="0">
+            <a:scrgbClr r="0" g="0" b="0"/>
+          </a:fillRef>
+          <a:effectRef idx="0">
+            <a:scrgbClr r="0" g="0" b="0"/>
+          </a:effectRef>
+          <a:fontRef idx="minor">
+            <a:schemeClr val="lt1"/>
+          </a:fontRef>
+        </p:style>
+        <p:txBody>
+          <a:bodyPr rtlCol="0" anchor="ctr"/>
+          <a:lstStyle/>
+          <a:p>
+            <a:pPr algn="ctr"/>
+            <a:r>
+              <a:rPr lang="en-GB" dirty="0">
+                <a:latin typeface="Bodoni MT" panose="02070603080606020203" pitchFamily="18" charset="0"/>
+              </a:rPr>
+              <a:t>Success Conditions</a:t>
+            </a:r>
+          </a:p>
+        </p:txBody>
+      </p:sp>
+      <p:sp>
+        <p:nvSpPr>
+          <p:cNvPr id="39" name="Rectangle: Rounded Corners 38">
+            <a:extLst>
+              <a:ext uri="{FF2B5EF4-FFF2-40B4-BE49-F238E27FC236}">
+                <a16:creationId xmlns:a16="http://schemas.microsoft.com/office/drawing/2014/main" id="{EB977FAA-DCA6-4B55-ACC4-847FBF97687B}"/>
+              </a:ext>
+            </a:extLst>
+          </p:cNvPr>
+          <p:cNvSpPr/>
+          <p:nvPr/>
+        </p:nvSpPr>
+        <p:spPr>
+          <a:xfrm>
+            <a:off x="8878346" y="2544729"/>
+            <a:ext cx="1719743" cy="566053"/>
+          </a:xfrm>
+          <a:prstGeom prst="roundRect">
+            <a:avLst/>
+          </a:prstGeom>
+          <a:solidFill>
+            <a:schemeClr val="accent2">
+              <a:alpha val="50000"/>
+            </a:schemeClr>
+          </a:solidFill>
+          <a:ln>
+            <a:noFill/>
+          </a:ln>
+        </p:spPr>
+        <p:style>
+          <a:lnRef idx="0">
+            <a:scrgbClr r="0" g="0" b="0"/>
+          </a:lnRef>
+          <a:fillRef idx="0">
+            <a:scrgbClr r="0" g="0" b="0"/>
+          </a:fillRef>
+          <a:effectRef idx="0">
+            <a:scrgbClr r="0" g="0" b="0"/>
+          </a:effectRef>
+          <a:fontRef idx="minor">
+            <a:schemeClr val="lt1"/>
+          </a:fontRef>
+        </p:style>
+        <p:txBody>
+          <a:bodyPr rtlCol="0" anchor="ctr"/>
+          <a:lstStyle/>
+          <a:p>
+            <a:pPr algn="ctr"/>
+            <a:r>
+              <a:rPr lang="en-GB" dirty="0">
+                <a:latin typeface="Bodoni MT" panose="02070603080606020203" pitchFamily="18" charset="0"/>
+              </a:rPr>
+              <a:t>Sprites</a:t>
+            </a:r>
+          </a:p>
+        </p:txBody>
+      </p:sp>
+      <p:sp>
+        <p:nvSpPr>
+          <p:cNvPr id="40" name="Rectangle: Rounded Corners 39">
+            <a:extLst>
+              <a:ext uri="{FF2B5EF4-FFF2-40B4-BE49-F238E27FC236}">
+                <a16:creationId xmlns:a16="http://schemas.microsoft.com/office/drawing/2014/main" id="{57387805-6EE0-4686-A3AD-F33DE6D3DA9D}"/>
+              </a:ext>
+            </a:extLst>
+          </p:cNvPr>
+          <p:cNvSpPr/>
+          <p:nvPr/>
+        </p:nvSpPr>
+        <p:spPr>
+          <a:xfrm>
+            <a:off x="8868420" y="3308862"/>
+            <a:ext cx="1719743" cy="566053"/>
+          </a:xfrm>
+          <a:prstGeom prst="roundRect">
+            <a:avLst/>
+          </a:prstGeom>
+          <a:solidFill>
+            <a:schemeClr val="accent2">
+              <a:alpha val="50000"/>
+            </a:schemeClr>
+          </a:solidFill>
+          <a:ln>
+            <a:noFill/>
+          </a:ln>
+        </p:spPr>
+        <p:style>
+          <a:lnRef idx="0">
+            <a:scrgbClr r="0" g="0" b="0"/>
+          </a:lnRef>
+          <a:fillRef idx="0">
+            <a:scrgbClr r="0" g="0" b="0"/>
+          </a:fillRef>
+          <a:effectRef idx="0">
+            <a:scrgbClr r="0" g="0" b="0"/>
+          </a:effectRef>
+          <a:fontRef idx="minor">
+            <a:schemeClr val="lt1"/>
+          </a:fontRef>
+        </p:style>
+        <p:txBody>
+          <a:bodyPr rtlCol="0" anchor="ctr"/>
+          <a:lstStyle/>
+          <a:p>
+            <a:pPr algn="ctr"/>
+            <a:r>
+              <a:rPr lang="en-GB" dirty="0">
+                <a:latin typeface="Bodoni MT" panose="02070603080606020203" pitchFamily="18" charset="0"/>
+              </a:rPr>
+              <a:t>Backgrounds &amp; Platforms</a:t>
+            </a:r>
+          </a:p>
+        </p:txBody>
+      </p:sp>
+      <p:sp>
+        <p:nvSpPr>
+          <p:cNvPr id="41" name="Rectangle: Rounded Corners 40">
+            <a:extLst>
+              <a:ext uri="{FF2B5EF4-FFF2-40B4-BE49-F238E27FC236}">
+                <a16:creationId xmlns:a16="http://schemas.microsoft.com/office/drawing/2014/main" id="{0AF77ADA-8652-49EA-87E9-2EBD25A9D60F}"/>
+              </a:ext>
+            </a:extLst>
+          </p:cNvPr>
+          <p:cNvSpPr/>
+          <p:nvPr/>
+        </p:nvSpPr>
+        <p:spPr>
+          <a:xfrm>
+            <a:off x="8878345" y="4072997"/>
+            <a:ext cx="1719743" cy="566053"/>
+          </a:xfrm>
+          <a:prstGeom prst="roundRect">
+            <a:avLst/>
+          </a:prstGeom>
+          <a:solidFill>
+            <a:schemeClr val="accent2">
+              <a:alpha val="50000"/>
+            </a:schemeClr>
+          </a:solidFill>
+          <a:ln>
+            <a:noFill/>
+          </a:ln>
+        </p:spPr>
+        <p:style>
+          <a:lnRef idx="0">
+            <a:scrgbClr r="0" g="0" b="0"/>
+          </a:lnRef>
+          <a:fillRef idx="0">
+            <a:scrgbClr r="0" g="0" b="0"/>
+          </a:fillRef>
+          <a:effectRef idx="0">
+            <a:scrgbClr r="0" g="0" b="0"/>
+          </a:effectRef>
+          <a:fontRef idx="minor">
+            <a:schemeClr val="lt1"/>
+          </a:fontRef>
+        </p:style>
+        <p:txBody>
+          <a:bodyPr rtlCol="0" anchor="ctr"/>
+          <a:lstStyle/>
+          <a:p>
+            <a:pPr algn="ctr"/>
+            <a:r>
+              <a:rPr lang="en-GB" dirty="0">
+                <a:latin typeface="Bodoni MT" panose="02070603080606020203" pitchFamily="18" charset="0"/>
+              </a:rPr>
+              <a:t>Puzzle Tiles</a:t>
+            </a:r>
+          </a:p>
+        </p:txBody>
+      </p:sp>
+      <p:cxnSp>
+        <p:nvCxnSpPr>
+          <p:cNvPr id="42" name="Straight Arrow Connector 41">
+            <a:extLst>
+              <a:ext uri="{FF2B5EF4-FFF2-40B4-BE49-F238E27FC236}">
+                <a16:creationId xmlns:a16="http://schemas.microsoft.com/office/drawing/2014/main" id="{37A39690-B33F-4ED6-BE2F-C59BC2ABAA73}"/>
+              </a:ext>
+            </a:extLst>
+          </p:cNvPr>
+          <p:cNvCxnSpPr>
+            <a:cxnSpLocks/>
+            <a:endCxn id="39" idx="3"/>
+          </p:cNvCxnSpPr>
+          <p:nvPr/>
+        </p:nvCxnSpPr>
+        <p:spPr>
+          <a:xfrm flipH="1">
+            <a:off x="10598089" y="2827755"/>
+            <a:ext cx="261108" cy="1"/>
+          </a:xfrm>
+          <a:prstGeom prst="straightConnector1">
+            <a:avLst/>
+          </a:prstGeom>
+          <a:ln w="9525" cap="flat" cmpd="sng" algn="ctr">
+            <a:solidFill>
+              <a:schemeClr val="dk1"/>
+            </a:solidFill>
+            <a:prstDash val="solid"/>
+            <a:round/>
+            <a:headEnd type="none" w="med" len="med"/>
+            <a:tailEnd type="arrow" w="med" len="med"/>
+          </a:ln>
+        </p:spPr>
+        <p:style>
+          <a:lnRef idx="0">
+            <a:scrgbClr r="0" g="0" b="0"/>
+          </a:lnRef>
+          <a:fillRef idx="0">
+            <a:scrgbClr r="0" g="0" b="0"/>
+          </a:fillRef>
+          <a:effectRef idx="0">
+            <a:scrgbClr r="0" g="0" b="0"/>
+          </a:effectRef>
+          <a:fontRef idx="minor">
+            <a:schemeClr val="tx1"/>
+          </a:fontRef>
+        </p:style>
+      </p:cxnSp>
+      <p:cxnSp>
+        <p:nvCxnSpPr>
+          <p:cNvPr id="49" name="Connector: Elbow 48">
+            <a:extLst>
+              <a:ext uri="{FF2B5EF4-FFF2-40B4-BE49-F238E27FC236}">
+                <a16:creationId xmlns:a16="http://schemas.microsoft.com/office/drawing/2014/main" id="{6F018749-49F9-4969-A271-C3C29767FD5C}"/>
+              </a:ext>
+            </a:extLst>
+          </p:cNvPr>
+          <p:cNvCxnSpPr>
+            <a:cxnSpLocks/>
+            <a:stCxn id="13" idx="3"/>
+          </p:cNvCxnSpPr>
+          <p:nvPr/>
+        </p:nvCxnSpPr>
+        <p:spPr>
+          <a:xfrm>
+            <a:off x="10598090" y="1994380"/>
+            <a:ext cx="261107" cy="2352818"/>
+          </a:xfrm>
+          <a:prstGeom prst="bentConnector2">
+            <a:avLst/>
+          </a:prstGeom>
+          <a:ln w="9525" cap="flat" cmpd="sng" algn="ctr">
+            <a:solidFill>
+              <a:schemeClr val="dk1"/>
+            </a:solidFill>
+            <a:prstDash val="solid"/>
+            <a:round/>
+            <a:headEnd type="none" w="med" len="med"/>
+            <a:tailEnd type="arrow" w="med" len="med"/>
+          </a:ln>
+        </p:spPr>
+        <p:style>
+          <a:lnRef idx="0">
+            <a:scrgbClr r="0" g="0" b="0"/>
+          </a:lnRef>
+          <a:fillRef idx="0">
+            <a:scrgbClr r="0" g="0" b="0"/>
+          </a:fillRef>
+          <a:effectRef idx="0">
+            <a:scrgbClr r="0" g="0" b="0"/>
+          </a:effectRef>
+          <a:fontRef idx="minor">
+            <a:schemeClr val="tx1"/>
+          </a:fontRef>
+        </p:style>
+      </p:cxnSp>
+      <p:cxnSp>
+        <p:nvCxnSpPr>
+          <p:cNvPr id="51" name="Straight Arrow Connector 50">
+            <a:extLst>
+              <a:ext uri="{FF2B5EF4-FFF2-40B4-BE49-F238E27FC236}">
+                <a16:creationId xmlns:a16="http://schemas.microsoft.com/office/drawing/2014/main" id="{529BEA91-D614-4620-8E3D-97946455F9B8}"/>
+              </a:ext>
+            </a:extLst>
+          </p:cNvPr>
+          <p:cNvCxnSpPr>
+            <a:cxnSpLocks/>
+            <a:endCxn id="40" idx="3"/>
+          </p:cNvCxnSpPr>
+          <p:nvPr/>
+        </p:nvCxnSpPr>
+        <p:spPr>
+          <a:xfrm flipH="1">
+            <a:off x="10588163" y="3591889"/>
+            <a:ext cx="271034" cy="0"/>
+          </a:xfrm>
+          <a:prstGeom prst="straightConnector1">
+            <a:avLst/>
+          </a:prstGeom>
+          <a:ln w="9525" cap="flat" cmpd="sng" algn="ctr">
+            <a:solidFill>
+              <a:schemeClr val="dk1"/>
+            </a:solidFill>
+            <a:prstDash val="solid"/>
+            <a:round/>
+            <a:headEnd type="none" w="med" len="med"/>
+            <a:tailEnd type="arrow" w="med" len="med"/>
+          </a:ln>
+        </p:spPr>
+        <p:style>
+          <a:lnRef idx="0">
+            <a:scrgbClr r="0" g="0" b="0"/>
+          </a:lnRef>
+          <a:fillRef idx="0">
+            <a:scrgbClr r="0" g="0" b="0"/>
+          </a:fillRef>
+          <a:effectRef idx="0">
+            <a:scrgbClr r="0" g="0" b="0"/>
+          </a:effectRef>
+          <a:fontRef idx="minor">
+            <a:schemeClr val="tx1"/>
+          </a:fontRef>
+        </p:style>
+      </p:cxnSp>
+      <p:cxnSp>
+        <p:nvCxnSpPr>
+          <p:cNvPr id="52" name="Straight Arrow Connector 51">
+            <a:extLst>
+              <a:ext uri="{FF2B5EF4-FFF2-40B4-BE49-F238E27FC236}">
+                <a16:creationId xmlns:a16="http://schemas.microsoft.com/office/drawing/2014/main" id="{5B84C7E6-A42F-4657-A73B-3CBEE18B7E6F}"/>
+              </a:ext>
+            </a:extLst>
+          </p:cNvPr>
+          <p:cNvCxnSpPr>
+            <a:cxnSpLocks/>
+          </p:cNvCxnSpPr>
+          <p:nvPr/>
+        </p:nvCxnSpPr>
+        <p:spPr>
+          <a:xfrm flipH="1">
+            <a:off x="10598089" y="4347198"/>
+            <a:ext cx="261108" cy="1"/>
+          </a:xfrm>
+          <a:prstGeom prst="straightConnector1">
+            <a:avLst/>
+          </a:prstGeom>
+          <a:ln w="9525" cap="flat" cmpd="sng" algn="ctr">
+            <a:solidFill>
+              <a:schemeClr val="dk1"/>
+            </a:solidFill>
+            <a:prstDash val="solid"/>
+            <a:round/>
+            <a:headEnd type="none" w="med" len="med"/>
+            <a:tailEnd type="arrow" w="med" len="med"/>
+          </a:ln>
+        </p:spPr>
+        <p:style>
+          <a:lnRef idx="0">
+            <a:scrgbClr r="0" g="0" b="0"/>
+          </a:lnRef>
+          <a:fillRef idx="0">
+            <a:scrgbClr r="0" g="0" b="0"/>
+          </a:fillRef>
+          <a:effectRef idx="0">
+            <a:scrgbClr r="0" g="0" b="0"/>
+          </a:effectRef>
+          <a:fontRef idx="minor">
+            <a:schemeClr val="tx1"/>
+          </a:fontRef>
+        </p:style>
+      </p:cxnSp>
+      <p:cxnSp>
+        <p:nvCxnSpPr>
+          <p:cNvPr id="55" name="Connector: Elbow 54">
+            <a:extLst>
+              <a:ext uri="{FF2B5EF4-FFF2-40B4-BE49-F238E27FC236}">
+                <a16:creationId xmlns:a16="http://schemas.microsoft.com/office/drawing/2014/main" id="{0EC221BA-BD1E-4AE7-B1B2-90EE3720F5FB}"/>
+              </a:ext>
+            </a:extLst>
+          </p:cNvPr>
+          <p:cNvCxnSpPr>
+            <a:stCxn id="39" idx="1"/>
+          </p:cNvCxnSpPr>
+          <p:nvPr/>
+        </p:nvCxnSpPr>
+        <p:spPr>
+          <a:xfrm rot="10800000" flipV="1">
+            <a:off x="7843706" y="2827755"/>
+            <a:ext cx="1034640" cy="764133"/>
+          </a:xfrm>
+          <a:prstGeom prst="bentConnector3">
+            <a:avLst/>
+          </a:prstGeom>
+          <a:ln w="9525" cap="flat" cmpd="sng" algn="ctr">
+            <a:solidFill>
+              <a:schemeClr val="dk1"/>
+            </a:solidFill>
+            <a:prstDash val="solid"/>
+            <a:round/>
+            <a:headEnd type="none" w="med" len="med"/>
+            <a:tailEnd type="arrow" w="med" len="med"/>
+          </a:ln>
+        </p:spPr>
+        <p:style>
+          <a:lnRef idx="0">
+            <a:scrgbClr r="0" g="0" b="0"/>
+          </a:lnRef>
+          <a:fillRef idx="0">
+            <a:scrgbClr r="0" g="0" b="0"/>
+          </a:fillRef>
+          <a:effectRef idx="0">
+            <a:scrgbClr r="0" g="0" b="0"/>
+          </a:effectRef>
+          <a:fontRef idx="minor">
+            <a:schemeClr val="tx1"/>
+          </a:fontRef>
+        </p:style>
+      </p:cxnSp>
+      <p:cxnSp>
+        <p:nvCxnSpPr>
+          <p:cNvPr id="56" name="Connector: Elbow 55">
+            <a:extLst>
+              <a:ext uri="{FF2B5EF4-FFF2-40B4-BE49-F238E27FC236}">
+                <a16:creationId xmlns:a16="http://schemas.microsoft.com/office/drawing/2014/main" id="{7ED8B67D-2C95-4C7F-B66D-35ED490532B0}"/>
+              </a:ext>
+            </a:extLst>
+          </p:cNvPr>
+          <p:cNvCxnSpPr>
+            <a:cxnSpLocks/>
+            <a:stCxn id="41" idx="1"/>
+          </p:cNvCxnSpPr>
+          <p:nvPr/>
+        </p:nvCxnSpPr>
+        <p:spPr>
+          <a:xfrm rot="10800000">
+            <a:off x="8363825" y="3583066"/>
+            <a:ext cx="514521" cy="772958"/>
+          </a:xfrm>
+          <a:prstGeom prst="bentConnector2">
+            <a:avLst/>
+          </a:prstGeom>
+          <a:ln w="9525" cap="flat" cmpd="sng" algn="ctr">
+            <a:solidFill>
+              <a:schemeClr val="dk1"/>
+            </a:solidFill>
+            <a:prstDash val="solid"/>
+            <a:round/>
+            <a:headEnd type="none" w="med" len="med"/>
+            <a:tailEnd type="arrow" w="med" len="med"/>
+          </a:ln>
+        </p:spPr>
+        <p:style>
+          <a:lnRef idx="0">
+            <a:scrgbClr r="0" g="0" b="0"/>
+          </a:lnRef>
+          <a:fillRef idx="0">
+            <a:scrgbClr r="0" g="0" b="0"/>
+          </a:fillRef>
+          <a:effectRef idx="0">
+            <a:scrgbClr r="0" g="0" b="0"/>
+          </a:effectRef>
+          <a:fontRef idx="minor">
+            <a:schemeClr val="tx1"/>
+          </a:fontRef>
+        </p:style>
+      </p:cxnSp>
+      <p:cxnSp>
+        <p:nvCxnSpPr>
+          <p:cNvPr id="60" name="Straight Connector 59">
+            <a:extLst>
+              <a:ext uri="{FF2B5EF4-FFF2-40B4-BE49-F238E27FC236}">
+                <a16:creationId xmlns:a16="http://schemas.microsoft.com/office/drawing/2014/main" id="{2DE7001C-61A4-4D8C-9487-D0519BB5C287}"/>
+              </a:ext>
+            </a:extLst>
+          </p:cNvPr>
+          <p:cNvCxnSpPr>
+            <a:cxnSpLocks/>
+            <a:stCxn id="40" idx="1"/>
+          </p:cNvCxnSpPr>
+          <p:nvPr/>
+        </p:nvCxnSpPr>
+        <p:spPr>
+          <a:xfrm flipH="1">
+            <a:off x="8353898" y="3591889"/>
+            <a:ext cx="514522" cy="0"/>
+          </a:xfrm>
+          <a:prstGeom prst="line">
+            <a:avLst/>
+          </a:prstGeom>
+        </p:spPr>
+        <p:style>
+          <a:lnRef idx="1">
+            <a:schemeClr val="dk1"/>
+          </a:lnRef>
+          <a:fillRef idx="0">
+            <a:schemeClr val="dk1"/>
+          </a:fillRef>
+          <a:effectRef idx="0">
+            <a:schemeClr val="dk1"/>
+          </a:effectRef>
+          <a:fontRef idx="minor">
+            <a:schemeClr val="tx1"/>
+          </a:fontRef>
+        </p:style>
+      </p:cxnSp>
+      <p:cxnSp>
+        <p:nvCxnSpPr>
+          <p:cNvPr id="67" name="Connector: Elbow 66">
+            <a:extLst>
+              <a:ext uri="{FF2B5EF4-FFF2-40B4-BE49-F238E27FC236}">
+                <a16:creationId xmlns:a16="http://schemas.microsoft.com/office/drawing/2014/main" id="{9BE8C34A-75B0-466E-B230-A6AA0EF6FF90}"/>
+              </a:ext>
+            </a:extLst>
+          </p:cNvPr>
+          <p:cNvCxnSpPr>
+            <a:cxnSpLocks/>
+            <a:endCxn id="11" idx="3"/>
+          </p:cNvCxnSpPr>
+          <p:nvPr/>
+        </p:nvCxnSpPr>
+        <p:spPr>
+          <a:xfrm rot="10800000">
+            <a:off x="3262426" y="2958148"/>
+            <a:ext cx="4581280" cy="624919"/>
+          </a:xfrm>
+          <a:prstGeom prst="bentConnector3">
+            <a:avLst>
+              <a:gd name="adj1" fmla="val 13926"/>
+            </a:avLst>
+          </a:prstGeom>
+          <a:ln w="9525" cap="flat" cmpd="sng" algn="ctr">
+            <a:solidFill>
+              <a:schemeClr val="dk1"/>
+            </a:solidFill>
+            <a:prstDash val="solid"/>
+            <a:round/>
+            <a:headEnd type="none" w="med" len="med"/>
+            <a:tailEnd type="arrow" w="med" len="med"/>
+          </a:ln>
+        </p:spPr>
+        <p:style>
+          <a:lnRef idx="0">
+            <a:scrgbClr r="0" g="0" b="0"/>
+          </a:lnRef>
+          <a:fillRef idx="0">
+            <a:scrgbClr r="0" g="0" b="0"/>
+          </a:fillRef>
+          <a:effectRef idx="0">
+            <a:scrgbClr r="0" g="0" b="0"/>
+          </a:effectRef>
+          <a:fontRef idx="minor">
+            <a:schemeClr val="tx1"/>
+          </a:fontRef>
+        </p:style>
+      </p:cxnSp>
+      <p:cxnSp>
+        <p:nvCxnSpPr>
+          <p:cNvPr id="66" name="Connector: Elbow 65">
+            <a:extLst>
+              <a:ext uri="{FF2B5EF4-FFF2-40B4-BE49-F238E27FC236}">
+                <a16:creationId xmlns:a16="http://schemas.microsoft.com/office/drawing/2014/main" id="{2B6EBE20-55B6-4C79-AC8D-3D2DEACD0F27}"/>
+              </a:ext>
+            </a:extLst>
+          </p:cNvPr>
+          <p:cNvCxnSpPr>
+            <a:endCxn id="34" idx="3"/>
+          </p:cNvCxnSpPr>
+          <p:nvPr/>
+        </p:nvCxnSpPr>
+        <p:spPr>
+          <a:xfrm rot="5400000">
+            <a:off x="6909215" y="3629175"/>
+            <a:ext cx="971779" cy="897204"/>
+          </a:xfrm>
+          <a:prstGeom prst="bentConnector2">
+            <a:avLst/>
+          </a:prstGeom>
+          <a:ln w="9525" cap="flat" cmpd="sng" algn="ctr">
+            <a:solidFill>
+              <a:schemeClr val="dk1"/>
+            </a:solidFill>
+            <a:prstDash val="solid"/>
+            <a:round/>
+            <a:headEnd type="none" w="med" len="med"/>
+            <a:tailEnd type="arrow" w="med" len="med"/>
+          </a:ln>
+        </p:spPr>
+        <p:style>
+          <a:lnRef idx="0">
+            <a:scrgbClr r="0" g="0" b="0"/>
+          </a:lnRef>
+          <a:fillRef idx="0">
+            <a:scrgbClr r="0" g="0" b="0"/>
+          </a:fillRef>
+          <a:effectRef idx="0">
+            <a:scrgbClr r="0" g="0" b="0"/>
+          </a:effectRef>
+          <a:fontRef idx="minor">
+            <a:schemeClr val="tx1"/>
+          </a:fontRef>
+        </p:style>
+      </p:cxnSp>
+      <p:sp>
+        <p:nvSpPr>
+          <p:cNvPr id="12" name="Rectangle: Rounded Corners 11">
+            <a:extLst>
+              <a:ext uri="{FF2B5EF4-FFF2-40B4-BE49-F238E27FC236}">
+                <a16:creationId xmlns:a16="http://schemas.microsoft.com/office/drawing/2014/main" id="{0EF29BEE-62BD-4987-BA52-D89AE53A8B33}"/>
+              </a:ext>
+            </a:extLst>
+          </p:cNvPr>
+          <p:cNvSpPr/>
+          <p:nvPr/>
+        </p:nvSpPr>
+        <p:spPr>
+          <a:xfrm>
+            <a:off x="5236128" y="2696279"/>
+            <a:ext cx="1719743" cy="566053"/>
+          </a:xfrm>
+          <a:prstGeom prst="roundRect">
+            <a:avLst/>
+          </a:prstGeom>
+          <a:solidFill>
+            <a:srgbClr val="F6BE98"/>
+          </a:solidFill>
+          <a:ln>
+            <a:noFill/>
+          </a:ln>
+        </p:spPr>
+        <p:style>
+          <a:lnRef idx="0">
+            <a:scrgbClr r="0" g="0" b="0"/>
+          </a:lnRef>
+          <a:fillRef idx="0">
+            <a:scrgbClr r="0" g="0" b="0"/>
+          </a:fillRef>
+          <a:effectRef idx="0">
+            <a:scrgbClr r="0" g="0" b="0"/>
+          </a:effectRef>
+          <a:fontRef idx="minor">
+            <a:schemeClr val="lt1"/>
+          </a:fontRef>
+        </p:style>
+        <p:txBody>
+          <a:bodyPr rtlCol="0" anchor="ctr"/>
+          <a:lstStyle/>
+          <a:p>
+            <a:pPr algn="ctr"/>
+            <a:r>
+              <a:rPr lang="en-GB" dirty="0">
+                <a:latin typeface="Bodoni MT" panose="02070603080606020203" pitchFamily="18" charset="0"/>
+              </a:rPr>
+              <a:t>Character Movement</a:t>
+            </a:r>
+          </a:p>
+        </p:txBody>
+      </p:sp>
+      <p:cxnSp>
+        <p:nvCxnSpPr>
+          <p:cNvPr id="73" name="Straight Arrow Connector 72">
+            <a:extLst>
+              <a:ext uri="{FF2B5EF4-FFF2-40B4-BE49-F238E27FC236}">
+                <a16:creationId xmlns:a16="http://schemas.microsoft.com/office/drawing/2014/main" id="{69C2A71F-34B3-45C5-B5C2-CAD80873AAD3}"/>
+              </a:ext>
+            </a:extLst>
+          </p:cNvPr>
+          <p:cNvCxnSpPr>
+            <a:cxnSpLocks/>
+            <a:stCxn id="12" idx="2"/>
+            <a:endCxn id="33" idx="0"/>
+          </p:cNvCxnSpPr>
+          <p:nvPr/>
+        </p:nvCxnSpPr>
+        <p:spPr>
+          <a:xfrm flipH="1">
+            <a:off x="6095998" y="3262332"/>
+            <a:ext cx="2" cy="241306"/>
+          </a:xfrm>
+          <a:prstGeom prst="straightConnector1">
+            <a:avLst/>
+          </a:prstGeom>
+          <a:ln w="9525" cap="flat" cmpd="sng" algn="ctr">
+            <a:solidFill>
+              <a:schemeClr val="dk1"/>
+            </a:solidFill>
+            <a:prstDash val="solid"/>
+            <a:round/>
+            <a:headEnd type="none" w="med" len="med"/>
+            <a:tailEnd type="arrow" w="med" len="med"/>
+          </a:ln>
+        </p:spPr>
+        <p:style>
+          <a:lnRef idx="0">
+            <a:scrgbClr r="0" g="0" b="0"/>
+          </a:lnRef>
+          <a:fillRef idx="0">
+            <a:scrgbClr r="0" g="0" b="0"/>
+          </a:fillRef>
+          <a:effectRef idx="0">
+            <a:scrgbClr r="0" g="0" b="0"/>
+          </a:effectRef>
+          <a:fontRef idx="minor">
+            <a:schemeClr val="tx1"/>
+          </a:fontRef>
+        </p:style>
+      </p:cxnSp>
+      <p:cxnSp>
+        <p:nvCxnSpPr>
+          <p:cNvPr id="77" name="Straight Arrow Connector 76">
+            <a:extLst>
+              <a:ext uri="{FF2B5EF4-FFF2-40B4-BE49-F238E27FC236}">
+                <a16:creationId xmlns:a16="http://schemas.microsoft.com/office/drawing/2014/main" id="{57464C7E-A3BB-4249-922D-CFCFCCBF91D6}"/>
+              </a:ext>
+            </a:extLst>
+          </p:cNvPr>
+          <p:cNvCxnSpPr>
+            <a:cxnSpLocks/>
+          </p:cNvCxnSpPr>
+          <p:nvPr/>
+        </p:nvCxnSpPr>
+        <p:spPr>
+          <a:xfrm flipH="1">
+            <a:off x="6086630" y="3941471"/>
+            <a:ext cx="2" cy="241306"/>
+          </a:xfrm>
+          <a:prstGeom prst="straightConnector1">
+            <a:avLst/>
+          </a:prstGeom>
+          <a:ln w="9525" cap="flat" cmpd="sng" algn="ctr">
+            <a:solidFill>
+              <a:schemeClr val="dk1"/>
+            </a:solidFill>
+            <a:prstDash val="solid"/>
+            <a:round/>
+            <a:headEnd type="none" w="med" len="med"/>
+            <a:tailEnd type="arrow" w="med" len="med"/>
+          </a:ln>
+        </p:spPr>
+        <p:style>
+          <a:lnRef idx="0">
+            <a:scrgbClr r="0" g="0" b="0"/>
+          </a:lnRef>
+          <a:fillRef idx="0">
+            <a:scrgbClr r="0" g="0" b="0"/>
+          </a:fillRef>
+          <a:effectRef idx="0">
+            <a:scrgbClr r="0" g="0" b="0"/>
+          </a:effectRef>
+          <a:fontRef idx="minor">
+            <a:schemeClr val="tx1"/>
+          </a:fontRef>
+        </p:style>
+      </p:cxnSp>
+      <p:cxnSp>
+        <p:nvCxnSpPr>
+          <p:cNvPr id="78" name="Straight Arrow Connector 77">
+            <a:extLst>
+              <a:ext uri="{FF2B5EF4-FFF2-40B4-BE49-F238E27FC236}">
+                <a16:creationId xmlns:a16="http://schemas.microsoft.com/office/drawing/2014/main" id="{D03E9D33-30E8-457E-9B54-73E66853B100}"/>
+              </a:ext>
+            </a:extLst>
+          </p:cNvPr>
+          <p:cNvCxnSpPr>
+            <a:cxnSpLocks/>
+          </p:cNvCxnSpPr>
+          <p:nvPr/>
+        </p:nvCxnSpPr>
+        <p:spPr>
+          <a:xfrm flipH="1">
+            <a:off x="6095996" y="4944557"/>
+            <a:ext cx="2" cy="241306"/>
+          </a:xfrm>
+          <a:prstGeom prst="straightConnector1">
+            <a:avLst/>
+          </a:prstGeom>
+          <a:ln w="9525" cap="flat" cmpd="sng" algn="ctr">
+            <a:solidFill>
+              <a:schemeClr val="dk1"/>
+            </a:solidFill>
+            <a:prstDash val="solid"/>
+            <a:round/>
+            <a:headEnd type="none" w="med" len="med"/>
+            <a:tailEnd type="arrow" w="med" len="med"/>
+          </a:ln>
+        </p:spPr>
+        <p:style>
+          <a:lnRef idx="0">
+            <a:scrgbClr r="0" g="0" b="0"/>
+          </a:lnRef>
+          <a:fillRef idx="0">
+            <a:scrgbClr r="0" g="0" b="0"/>
+          </a:fillRef>
+          <a:effectRef idx="0">
+            <a:scrgbClr r="0" g="0" b="0"/>
+          </a:effectRef>
+          <a:fontRef idx="minor">
+            <a:schemeClr val="tx1"/>
+          </a:fontRef>
+        </p:style>
+      </p:cxnSp>
+      <p:cxnSp>
+        <p:nvCxnSpPr>
+          <p:cNvPr id="79" name="Straight Arrow Connector 78">
+            <a:extLst>
+              <a:ext uri="{FF2B5EF4-FFF2-40B4-BE49-F238E27FC236}">
+                <a16:creationId xmlns:a16="http://schemas.microsoft.com/office/drawing/2014/main" id="{0A90E022-FEFC-46DE-89ED-17C345356F2C}"/>
+              </a:ext>
+            </a:extLst>
+          </p:cNvPr>
+          <p:cNvCxnSpPr>
+            <a:cxnSpLocks/>
+          </p:cNvCxnSpPr>
+          <p:nvPr/>
+        </p:nvCxnSpPr>
+        <p:spPr>
+          <a:xfrm flipH="1">
+            <a:off x="2381755" y="3233015"/>
+            <a:ext cx="2" cy="241306"/>
+          </a:xfrm>
+          <a:prstGeom prst="straightConnector1">
+            <a:avLst/>
+          </a:prstGeom>
+          <a:ln w="9525" cap="flat" cmpd="sng" algn="ctr">
+            <a:solidFill>
+              <a:schemeClr val="dk1"/>
+            </a:solidFill>
+            <a:prstDash val="solid"/>
+            <a:round/>
+            <a:headEnd type="none" w="med" len="med"/>
+            <a:tailEnd type="arrow" w="med" len="med"/>
+          </a:ln>
+        </p:spPr>
+        <p:style>
+          <a:lnRef idx="0">
+            <a:scrgbClr r="0" g="0" b="0"/>
+          </a:lnRef>
+          <a:fillRef idx="0">
+            <a:scrgbClr r="0" g="0" b="0"/>
+          </a:fillRef>
+          <a:effectRef idx="0">
+            <a:scrgbClr r="0" g="0" b="0"/>
+          </a:effectRef>
+          <a:fontRef idx="minor">
+            <a:schemeClr val="tx1"/>
+          </a:fontRef>
+        </p:style>
+      </p:cxnSp>
+      <p:cxnSp>
+        <p:nvCxnSpPr>
+          <p:cNvPr id="80" name="Straight Arrow Connector 79">
+            <a:extLst>
+              <a:ext uri="{FF2B5EF4-FFF2-40B4-BE49-F238E27FC236}">
+                <a16:creationId xmlns:a16="http://schemas.microsoft.com/office/drawing/2014/main" id="{3A681EC4-C304-44D6-8FE8-F7EBE52D4E19}"/>
+              </a:ext>
+            </a:extLst>
+          </p:cNvPr>
+          <p:cNvCxnSpPr>
+            <a:cxnSpLocks/>
+          </p:cNvCxnSpPr>
+          <p:nvPr/>
+        </p:nvCxnSpPr>
+        <p:spPr>
+          <a:xfrm flipH="1">
+            <a:off x="2381403" y="4044630"/>
+            <a:ext cx="2" cy="241306"/>
+          </a:xfrm>
+          <a:prstGeom prst="straightConnector1">
+            <a:avLst/>
+          </a:prstGeom>
+          <a:ln w="9525" cap="flat" cmpd="sng" algn="ctr">
+            <a:solidFill>
+              <a:schemeClr val="dk1"/>
+            </a:solidFill>
+            <a:prstDash val="solid"/>
+            <a:round/>
+            <a:headEnd type="none" w="med" len="med"/>
+            <a:tailEnd type="arrow" w="med" len="med"/>
+          </a:ln>
+        </p:spPr>
+        <p:style>
+          <a:lnRef idx="0">
+            <a:scrgbClr r="0" g="0" b="0"/>
+          </a:lnRef>
+          <a:fillRef idx="0">
+            <a:scrgbClr r="0" g="0" b="0"/>
+          </a:fillRef>
+          <a:effectRef idx="0">
+            <a:scrgbClr r="0" g="0" b="0"/>
+          </a:effectRef>
+          <a:fontRef idx="minor">
+            <a:schemeClr val="tx1"/>
+          </a:fontRef>
+        </p:style>
+      </p:cxnSp>
+      <p:cxnSp>
+        <p:nvCxnSpPr>
+          <p:cNvPr id="81" name="Straight Arrow Connector 80">
+            <a:extLst>
+              <a:ext uri="{FF2B5EF4-FFF2-40B4-BE49-F238E27FC236}">
+                <a16:creationId xmlns:a16="http://schemas.microsoft.com/office/drawing/2014/main" id="{19F654F4-6D55-4385-8976-5B80EBD24850}"/>
+              </a:ext>
+            </a:extLst>
+          </p:cNvPr>
+          <p:cNvCxnSpPr>
+            <a:cxnSpLocks/>
+          </p:cNvCxnSpPr>
+          <p:nvPr/>
+        </p:nvCxnSpPr>
+        <p:spPr>
+          <a:xfrm flipH="1">
+            <a:off x="2381401" y="4850441"/>
+            <a:ext cx="2" cy="241306"/>
+          </a:xfrm>
+          <a:prstGeom prst="straightConnector1">
+            <a:avLst/>
+          </a:prstGeom>
+          <a:ln w="9525" cap="flat" cmpd="sng" algn="ctr">
+            <a:solidFill>
+              <a:schemeClr val="dk1"/>
+            </a:solidFill>
+            <a:prstDash val="solid"/>
+            <a:round/>
+            <a:headEnd type="none" w="med" len="med"/>
+            <a:tailEnd type="arrow" w="med" len="med"/>
+          </a:ln>
+        </p:spPr>
+        <p:style>
+          <a:lnRef idx="0">
+            <a:scrgbClr r="0" g="0" b="0"/>
+          </a:lnRef>
+          <a:fillRef idx="0">
+            <a:scrgbClr r="0" g="0" b="0"/>
+          </a:fillRef>
+          <a:effectRef idx="0">
+            <a:scrgbClr r="0" g="0" b="0"/>
+          </a:effectRef>
+          <a:fontRef idx="minor">
+            <a:schemeClr val="tx1"/>
+          </a:fontRef>
+        </p:style>
+      </p:cxnSp>
     </p:spTree>
     <p:extLst>
       <p:ext uri="{BB962C8B-B14F-4D97-AF65-F5344CB8AC3E}">
@@ -5818,6 +8752,66 @@
           <a:chExt cx="0" cy="0"/>
         </a:xfrm>
       </p:grpSpPr>
+      <p:pic>
+        <p:nvPicPr>
+          <p:cNvPr id="7" name="Picture 6">
+            <a:extLst>
+              <a:ext uri="{FF2B5EF4-FFF2-40B4-BE49-F238E27FC236}">
+                <a16:creationId xmlns:a16="http://schemas.microsoft.com/office/drawing/2014/main" id="{0452B86A-B01F-4002-A1C0-9EF0AE9558E4}"/>
+              </a:ext>
+            </a:extLst>
+          </p:cNvPr>
+          <p:cNvPicPr>
+            <a:picLocks noChangeAspect="1"/>
+          </p:cNvPicPr>
+          <p:nvPr/>
+        </p:nvPicPr>
+        <p:blipFill>
+          <a:blip r:embed="rId2"/>
+          <a:stretch>
+            <a:fillRect/>
+          </a:stretch>
+        </p:blipFill>
+        <p:spPr>
+          <a:xfrm>
+            <a:off x="3065859" y="0"/>
+            <a:ext cx="9126141" cy="6858000"/>
+          </a:xfrm>
+          <a:prstGeom prst="rect">
+            <a:avLst/>
+          </a:prstGeom>
+        </p:spPr>
+      </p:pic>
+      <p:pic>
+        <p:nvPicPr>
+          <p:cNvPr id="8" name="Picture 7">
+            <a:extLst>
+              <a:ext uri="{FF2B5EF4-FFF2-40B4-BE49-F238E27FC236}">
+                <a16:creationId xmlns:a16="http://schemas.microsoft.com/office/drawing/2014/main" id="{37F75148-183E-43C0-AC18-81F40A1DD034}"/>
+              </a:ext>
+            </a:extLst>
+          </p:cNvPr>
+          <p:cNvPicPr>
+            <a:picLocks noChangeAspect="1"/>
+          </p:cNvPicPr>
+          <p:nvPr/>
+        </p:nvPicPr>
+        <p:blipFill>
+          <a:blip r:embed="rId2"/>
+          <a:stretch>
+            <a:fillRect/>
+          </a:stretch>
+        </p:blipFill>
+        <p:spPr>
+          <a:xfrm>
+            <a:off x="0" y="0"/>
+            <a:ext cx="9126141" cy="6858000"/>
+          </a:xfrm>
+          <a:prstGeom prst="rect">
+            <a:avLst/>
+          </a:prstGeom>
+        </p:spPr>
+      </p:pic>
       <p:sp>
         <p:nvSpPr>
           <p:cNvPr id="2" name="Title 1">
@@ -5839,6 +8833,9 @@
             <a:off x="838200" y="365125"/>
             <a:ext cx="10515600" cy="566053"/>
           </a:xfrm>
+          <a:solidFill>
+            <a:schemeClr val="bg1"/>
+          </a:solidFill>
           <a:ln>
             <a:solidFill>
               <a:schemeClr val="tx1"/>
@@ -5882,6 +8879,9 @@
             <a:off x="838200" y="931178"/>
             <a:ext cx="10515600" cy="5245785"/>
           </a:xfrm>
+          <a:solidFill>
+            <a:schemeClr val="bg1"/>
+          </a:solidFill>
           <a:ln>
             <a:solidFill>
               <a:schemeClr val="tx1"/>
@@ -5892,6 +8892,17 @@
           <a:bodyPr/>
           <a:lstStyle/>
           <a:p>
+            <a:pPr marL="0" indent="0">
+              <a:buNone/>
+            </a:pPr>
+            <a:endParaRPr lang="en-GB" dirty="0">
+              <a:latin typeface="Bodoni MT" panose="02070603080606020203" pitchFamily="18" charset="0"/>
+            </a:endParaRPr>
+          </a:p>
+          <a:p>
+            <a:pPr marL="0" indent="0">
+              <a:buNone/>
+            </a:pPr>
             <a:endParaRPr lang="en-GB" dirty="0">
               <a:latin typeface="Bodoni MT" panose="02070603080606020203" pitchFamily="18" charset="0"/>
             </a:endParaRPr>
@@ -5933,6 +8944,163 @@
                 <a:ea typeface="Cambria Math" panose="02040503050406030204" pitchFamily="18" charset="0"/>
               </a:rPr>
               <a:t>(3)</a:t>
+            </a:r>
+          </a:p>
+        </p:txBody>
+      </p:sp>
+      <p:pic>
+        <p:nvPicPr>
+          <p:cNvPr id="5" name="Picture 4">
+            <a:extLst>
+              <a:ext uri="{FF2B5EF4-FFF2-40B4-BE49-F238E27FC236}">
+                <a16:creationId xmlns:a16="http://schemas.microsoft.com/office/drawing/2014/main" id="{07E31DEA-147A-4661-8DB9-CB3281426F67}"/>
+              </a:ext>
+            </a:extLst>
+          </p:cNvPr>
+          <p:cNvPicPr>
+            <a:picLocks noChangeAspect="1"/>
+          </p:cNvPicPr>
+          <p:nvPr/>
+        </p:nvPicPr>
+        <p:blipFill>
+          <a:blip r:embed="rId3"/>
+          <a:stretch>
+            <a:fillRect/>
+          </a:stretch>
+        </p:blipFill>
+        <p:spPr>
+          <a:xfrm>
+            <a:off x="7251583" y="1386866"/>
+            <a:ext cx="3446888" cy="4084268"/>
+          </a:xfrm>
+          <a:prstGeom prst="rect">
+            <a:avLst/>
+          </a:prstGeom>
+          <a:ln>
+            <a:solidFill>
+              <a:schemeClr val="tx1"/>
+            </a:solidFill>
+          </a:ln>
+        </p:spPr>
+      </p:pic>
+      <p:sp>
+        <p:nvSpPr>
+          <p:cNvPr id="9" name="Rectangle 8">
+            <a:extLst>
+              <a:ext uri="{FF2B5EF4-FFF2-40B4-BE49-F238E27FC236}">
+                <a16:creationId xmlns:a16="http://schemas.microsoft.com/office/drawing/2014/main" id="{639288EF-1393-49D8-9524-1863E2A39901}"/>
+              </a:ext>
+            </a:extLst>
+          </p:cNvPr>
+          <p:cNvSpPr/>
+          <p:nvPr/>
+        </p:nvSpPr>
+        <p:spPr>
+          <a:xfrm>
+            <a:off x="1166070" y="1191237"/>
+            <a:ext cx="5757643" cy="4630723"/>
+          </a:xfrm>
+          <a:prstGeom prst="rect">
+            <a:avLst/>
+          </a:prstGeom>
+          <a:noFill/>
+          <a:ln w="9525" cap="flat" cmpd="sng" algn="ctr">
+            <a:solidFill>
+              <a:schemeClr val="dk1"/>
+            </a:solidFill>
+            <a:prstDash val="solid"/>
+            <a:round/>
+            <a:headEnd type="none" w="med" len="med"/>
+            <a:tailEnd type="none" w="med" len="med"/>
+          </a:ln>
+        </p:spPr>
+        <p:style>
+          <a:lnRef idx="0">
+            <a:scrgbClr r="0" g="0" b="0"/>
+          </a:lnRef>
+          <a:fillRef idx="0">
+            <a:scrgbClr r="0" g="0" b="0"/>
+          </a:fillRef>
+          <a:effectRef idx="0">
+            <a:scrgbClr r="0" g="0" b="0"/>
+          </a:effectRef>
+          <a:fontRef idx="minor">
+            <a:schemeClr val="dk1"/>
+          </a:fontRef>
+        </p:style>
+        <p:txBody>
+          <a:bodyPr rtlCol="0" anchor="ctr"/>
+          <a:lstStyle/>
+          <a:p>
+            <a:r>
+              <a:rPr lang="en-GB" b="1" dirty="0">
+                <a:latin typeface="Bodoni MT" panose="02070603080606020203" pitchFamily="18" charset="0"/>
+              </a:rPr>
+              <a:t>HOW DO WE SIDESCROLL WITHOUT A CAMERA?</a:t>
+            </a:r>
+          </a:p>
+          <a:p>
+            <a:r>
+              <a:rPr lang="en-GB" dirty="0">
+                <a:latin typeface="Bodoni MT" panose="02070603080606020203" pitchFamily="18" charset="0"/>
+              </a:rPr>
+              <a:t>Give all objects in the level movement along the X axis. Keep the player centralised and move everything in accordance with the player.</a:t>
+            </a:r>
+          </a:p>
+          <a:p>
+            <a:endParaRPr lang="en-GB" dirty="0">
+              <a:latin typeface="Bodoni MT" panose="02070603080606020203" pitchFamily="18" charset="0"/>
+            </a:endParaRPr>
+          </a:p>
+          <a:p>
+            <a:r>
+              <a:rPr lang="en-GB" b="1" dirty="0">
+                <a:latin typeface="Bodoni MT" panose="02070603080606020203" pitchFamily="18" charset="0"/>
+              </a:rPr>
+              <a:t>HOW DO WE ENCOURAGE REPLAYABILITY?</a:t>
+            </a:r>
+          </a:p>
+          <a:p>
+            <a:r>
+              <a:rPr lang="en-GB" dirty="0">
+                <a:latin typeface="Bodoni MT" panose="02070603080606020203" pitchFamily="18" charset="0"/>
+              </a:rPr>
+              <a:t>Create persistent collectables across all levels as an additional optional measure of tracking progress. Collectables are stored and displayed in the main menu.</a:t>
+            </a:r>
+          </a:p>
+          <a:p>
+            <a:endParaRPr lang="en-GB" dirty="0">
+              <a:latin typeface="Bodoni MT" panose="02070603080606020203" pitchFamily="18" charset="0"/>
+            </a:endParaRPr>
+          </a:p>
+          <a:p>
+            <a:r>
+              <a:rPr lang="en-GB" b="1" dirty="0">
+                <a:latin typeface="Bodoni MT" panose="02070603080606020203" pitchFamily="18" charset="0"/>
+              </a:rPr>
+              <a:t>HOW DO WE TRANSLATE REAL LIFE PUZZLES TO NON-MOUSE DRIVEN INTERFACE?</a:t>
+            </a:r>
+          </a:p>
+          <a:p>
+            <a:pPr marL="400050" indent="-400050">
+              <a:buAutoNum type="romanLcPeriod"/>
+            </a:pPr>
+            <a:r>
+              <a:rPr lang="en-GB" dirty="0">
+                <a:latin typeface="Bodoni MT" panose="02070603080606020203" pitchFamily="18" charset="0"/>
+              </a:rPr>
+              <a:t>Create a player controlled focal point. (maze, tile).</a:t>
+            </a:r>
+          </a:p>
+          <a:p>
+            <a:pPr marL="400050" indent="-400050">
+              <a:buAutoNum type="romanLcPeriod"/>
+            </a:pPr>
+            <a:r>
+              <a:rPr lang="en-GB" dirty="0">
+                <a:latin typeface="Bodoni MT" panose="02070603080606020203" pitchFamily="18" charset="0"/>
+              </a:rPr>
+              <a:t>Limit scalability to bindable keys on the keyboard (traffic).</a:t>
             </a:r>
           </a:p>
         </p:txBody>
@@ -5967,6 +9135,64 @@
           <a:chExt cx="0" cy="0"/>
         </a:xfrm>
       </p:grpSpPr>
+      <p:pic>
+        <p:nvPicPr>
+          <p:cNvPr id="7" name="Picture 6">
+            <a:extLst>
+              <a:ext uri="{FF2B5EF4-FFF2-40B4-BE49-F238E27FC236}">
+                <a16:creationId xmlns:a16="http://schemas.microsoft.com/office/drawing/2014/main" id="{B477D94D-934D-4616-A570-6D98195B104B}"/>
+              </a:ext>
+            </a:extLst>
+          </p:cNvPr>
+          <p:cNvPicPr>
+            <a:picLocks noChangeAspect="1"/>
+          </p:cNvPicPr>
+          <p:nvPr/>
+        </p:nvPicPr>
+        <p:blipFill rotWithShape="1">
+          <a:blip r:embed="rId2"/>
+          <a:srcRect t="857"/>
+          <a:stretch/>
+        </p:blipFill>
+        <p:spPr>
+          <a:xfrm>
+            <a:off x="3059891" y="1"/>
+            <a:ext cx="9132109" cy="6857999"/>
+          </a:xfrm>
+          <a:prstGeom prst="rect">
+            <a:avLst/>
+          </a:prstGeom>
+        </p:spPr>
+      </p:pic>
+      <p:pic>
+        <p:nvPicPr>
+          <p:cNvPr id="5" name="Picture 4">
+            <a:extLst>
+              <a:ext uri="{FF2B5EF4-FFF2-40B4-BE49-F238E27FC236}">
+                <a16:creationId xmlns:a16="http://schemas.microsoft.com/office/drawing/2014/main" id="{B41C1CB2-FA0D-4FE8-B995-E97A83ACB1AE}"/>
+              </a:ext>
+            </a:extLst>
+          </p:cNvPr>
+          <p:cNvPicPr>
+            <a:picLocks noChangeAspect="1"/>
+          </p:cNvPicPr>
+          <p:nvPr/>
+        </p:nvPicPr>
+        <p:blipFill rotWithShape="1">
+          <a:blip r:embed="rId2"/>
+          <a:srcRect t="857"/>
+          <a:stretch/>
+        </p:blipFill>
+        <p:spPr>
+          <a:xfrm>
+            <a:off x="0" y="0"/>
+            <a:ext cx="9132109" cy="6857999"/>
+          </a:xfrm>
+          <a:prstGeom prst="rect">
+            <a:avLst/>
+          </a:prstGeom>
+        </p:spPr>
+      </p:pic>
       <p:sp>
         <p:nvSpPr>
           <p:cNvPr id="2" name="Title 1">
@@ -5988,6 +9214,9 @@
             <a:off x="838200" y="365125"/>
             <a:ext cx="10515600" cy="566053"/>
           </a:xfrm>
+          <a:solidFill>
+            <a:schemeClr val="bg1"/>
+          </a:solidFill>
           <a:ln>
             <a:solidFill>
               <a:schemeClr val="tx1"/>
@@ -6005,7 +9234,7 @@
               <a:rPr lang="en-GB" dirty="0">
                 <a:latin typeface="Bodoni MT" panose="02070603080606020203" pitchFamily="18" charset="0"/>
               </a:rPr>
-              <a:t>User Testing</a:t>
+              <a:t>User Testing Methodology</a:t>
             </a:r>
           </a:p>
         </p:txBody>
@@ -6031,6 +9260,9 @@
             <a:off x="838200" y="931178"/>
             <a:ext cx="10515600" cy="5245785"/>
           </a:xfrm>
+          <a:solidFill>
+            <a:schemeClr val="bg1"/>
+          </a:solidFill>
           <a:ln>
             <a:solidFill>
               <a:schemeClr val="tx1"/>
@@ -6041,6 +9273,17 @@
           <a:bodyPr/>
           <a:lstStyle/>
           <a:p>
+            <a:pPr marL="0" indent="0">
+              <a:buNone/>
+            </a:pPr>
+            <a:endParaRPr lang="en-GB" dirty="0">
+              <a:latin typeface="Bodoni MT" panose="02070603080606020203" pitchFamily="18" charset="0"/>
+            </a:endParaRPr>
+          </a:p>
+          <a:p>
+            <a:pPr marL="0" indent="0">
+              <a:buNone/>
+            </a:pPr>
             <a:endParaRPr lang="en-GB" dirty="0">
               <a:latin typeface="Bodoni MT" panose="02070603080606020203" pitchFamily="18" charset="0"/>
             </a:endParaRPr>
@@ -6083,6 +9326,465 @@
               </a:rPr>
               <a:t>(4)</a:t>
             </a:r>
+          </a:p>
+        </p:txBody>
+      </p:sp>
+      <p:pic>
+        <p:nvPicPr>
+          <p:cNvPr id="4" name="Picture 3">
+            <a:extLst>
+              <a:ext uri="{FF2B5EF4-FFF2-40B4-BE49-F238E27FC236}">
+                <a16:creationId xmlns:a16="http://schemas.microsoft.com/office/drawing/2014/main" id="{7DBBE77A-8D3A-40D6-94A0-7EC9A7E761A3}"/>
+              </a:ext>
+            </a:extLst>
+          </p:cNvPr>
+          <p:cNvPicPr>
+            <a:picLocks noChangeAspect="1"/>
+          </p:cNvPicPr>
+          <p:nvPr/>
+        </p:nvPicPr>
+        <p:blipFill>
+          <a:blip r:embed="rId3"/>
+          <a:stretch>
+            <a:fillRect/>
+          </a:stretch>
+        </p:blipFill>
+        <p:spPr>
+          <a:xfrm>
+            <a:off x="7239682" y="1296302"/>
+            <a:ext cx="3784854" cy="3784854"/>
+          </a:xfrm>
+          <a:prstGeom prst="rect">
+            <a:avLst/>
+          </a:prstGeom>
+          <a:ln>
+            <a:solidFill>
+              <a:schemeClr val="tx1"/>
+            </a:solidFill>
+          </a:ln>
+        </p:spPr>
+      </p:pic>
+      <p:sp>
+        <p:nvSpPr>
+          <p:cNvPr id="8" name="Rectangle 7">
+            <a:extLst>
+              <a:ext uri="{FF2B5EF4-FFF2-40B4-BE49-F238E27FC236}">
+                <a16:creationId xmlns:a16="http://schemas.microsoft.com/office/drawing/2014/main" id="{BBD93274-AD19-4924-B84B-10DE820ED811}"/>
+              </a:ext>
+            </a:extLst>
+          </p:cNvPr>
+          <p:cNvSpPr/>
+          <p:nvPr/>
+        </p:nvSpPr>
+        <p:spPr>
+          <a:xfrm>
+            <a:off x="1166070" y="1191237"/>
+            <a:ext cx="5757643" cy="4071039"/>
+          </a:xfrm>
+          <a:prstGeom prst="rect">
+            <a:avLst/>
+          </a:prstGeom>
+          <a:noFill/>
+          <a:ln w="9525" cap="flat" cmpd="sng" algn="ctr">
+            <a:solidFill>
+              <a:schemeClr val="dk1"/>
+            </a:solidFill>
+            <a:prstDash val="solid"/>
+            <a:round/>
+            <a:headEnd type="none" w="med" len="med"/>
+            <a:tailEnd type="none" w="med" len="med"/>
+          </a:ln>
+        </p:spPr>
+        <p:style>
+          <a:lnRef idx="0">
+            <a:scrgbClr r="0" g="0" b="0"/>
+          </a:lnRef>
+          <a:fillRef idx="0">
+            <a:scrgbClr r="0" g="0" b="0"/>
+          </a:fillRef>
+          <a:effectRef idx="0">
+            <a:scrgbClr r="0" g="0" b="0"/>
+          </a:effectRef>
+          <a:fontRef idx="minor">
+            <a:schemeClr val="dk1"/>
+          </a:fontRef>
+        </p:style>
+        <p:txBody>
+          <a:bodyPr rtlCol="0" anchor="ctr"/>
+          <a:lstStyle/>
+          <a:p>
+            <a:endParaRPr lang="en-GB" dirty="0">
+              <a:latin typeface="Bodoni MT" panose="02070603080606020203" pitchFamily="18" charset="0"/>
+            </a:endParaRPr>
+          </a:p>
+        </p:txBody>
+      </p:sp>
+      <p:sp>
+        <p:nvSpPr>
+          <p:cNvPr id="9" name="TextBox 8">
+            <a:extLst>
+              <a:ext uri="{FF2B5EF4-FFF2-40B4-BE49-F238E27FC236}">
+                <a16:creationId xmlns:a16="http://schemas.microsoft.com/office/drawing/2014/main" id="{614F1665-FB4D-4576-912A-8CB0AE08F8B2}"/>
+              </a:ext>
+            </a:extLst>
+          </p:cNvPr>
+          <p:cNvSpPr txBox="1"/>
+          <p:nvPr/>
+        </p:nvSpPr>
+        <p:spPr>
+          <a:xfrm>
+            <a:off x="1166070" y="1191236"/>
+            <a:ext cx="5751692" cy="377721"/>
+          </a:xfrm>
+          <a:prstGeom prst="rect">
+            <a:avLst/>
+          </a:prstGeom>
+          <a:noFill/>
+          <a:ln>
+            <a:solidFill>
+              <a:schemeClr val="tx1"/>
+            </a:solidFill>
+          </a:ln>
+        </p:spPr>
+        <p:txBody>
+          <a:bodyPr wrap="square" rtlCol="0">
+            <a:spAutoFit/>
+          </a:bodyPr>
+          <a:lstStyle/>
+          <a:p>
+            <a:r>
+              <a:rPr lang="en-GB" b="1" dirty="0">
+                <a:latin typeface="Bodoni MT" panose="02070603080606020203" pitchFamily="18" charset="0"/>
+              </a:rPr>
+              <a:t>TESTERS: </a:t>
+            </a:r>
+            <a:r>
+              <a:rPr lang="en-GB" dirty="0">
+                <a:latin typeface="Bodoni MT" panose="02070603080606020203" pitchFamily="18" charset="0"/>
+              </a:rPr>
+              <a:t>2</a:t>
+            </a:r>
+            <a:r>
+              <a:rPr lang="en-GB" baseline="30000" dirty="0">
+                <a:latin typeface="Bodoni MT" panose="02070603080606020203" pitchFamily="18" charset="0"/>
+              </a:rPr>
+              <a:t>nd</a:t>
+            </a:r>
+            <a:r>
+              <a:rPr lang="en-GB" dirty="0">
+                <a:latin typeface="Bodoni MT" panose="02070603080606020203" pitchFamily="18" charset="0"/>
+              </a:rPr>
+              <a:t> Year SCC Students.</a:t>
+            </a:r>
+          </a:p>
+        </p:txBody>
+      </p:sp>
+      <p:sp>
+        <p:nvSpPr>
+          <p:cNvPr id="10" name="TextBox 9">
+            <a:extLst>
+              <a:ext uri="{FF2B5EF4-FFF2-40B4-BE49-F238E27FC236}">
+                <a16:creationId xmlns:a16="http://schemas.microsoft.com/office/drawing/2014/main" id="{B73BD718-AF4E-48A2-A46D-2EFB4DF802D3}"/>
+              </a:ext>
+            </a:extLst>
+          </p:cNvPr>
+          <p:cNvSpPr txBox="1"/>
+          <p:nvPr/>
+        </p:nvSpPr>
+        <p:spPr>
+          <a:xfrm>
+            <a:off x="1166070" y="1568957"/>
+            <a:ext cx="5751692" cy="3693319"/>
+          </a:xfrm>
+          <a:prstGeom prst="rect">
+            <a:avLst/>
+          </a:prstGeom>
+          <a:noFill/>
+          <a:ln>
+            <a:solidFill>
+              <a:schemeClr val="tx1"/>
+            </a:solidFill>
+          </a:ln>
+        </p:spPr>
+        <p:txBody>
+          <a:bodyPr wrap="square" rtlCol="0">
+            <a:spAutoFit/>
+          </a:bodyPr>
+          <a:lstStyle/>
+          <a:p>
+            <a:r>
+              <a:rPr lang="en-GB" b="1" dirty="0">
+                <a:latin typeface="Bodoni MT" panose="02070603080606020203" pitchFamily="18" charset="0"/>
+              </a:rPr>
+              <a:t>TESTS CONDUCTED: </a:t>
+            </a:r>
+          </a:p>
+          <a:p>
+            <a:r>
+              <a:rPr lang="en-GB" dirty="0">
+                <a:latin typeface="Bodoni MT" panose="02070603080606020203" pitchFamily="18" charset="0"/>
+              </a:rPr>
+              <a:t>1.   Platforms Only</a:t>
+            </a:r>
+          </a:p>
+          <a:p>
+            <a:endParaRPr lang="en-GB" dirty="0">
+              <a:latin typeface="Bodoni MT" panose="02070603080606020203" pitchFamily="18" charset="0"/>
+            </a:endParaRPr>
+          </a:p>
+          <a:p>
+            <a:endParaRPr lang="en-GB" dirty="0">
+              <a:latin typeface="Bodoni MT" panose="02070603080606020203" pitchFamily="18" charset="0"/>
+            </a:endParaRPr>
+          </a:p>
+          <a:p>
+            <a:endParaRPr lang="en-GB" dirty="0">
+              <a:latin typeface="Bodoni MT" panose="02070603080606020203" pitchFamily="18" charset="0"/>
+            </a:endParaRPr>
+          </a:p>
+          <a:p>
+            <a:pPr marL="342900" indent="-342900">
+              <a:buAutoNum type="arabicPeriod" startAt="2"/>
+            </a:pPr>
+            <a:r>
+              <a:rPr lang="en-GB" dirty="0">
+                <a:latin typeface="Bodoni MT" panose="02070603080606020203" pitchFamily="18" charset="0"/>
+              </a:rPr>
+              <a:t>Puzzles Only</a:t>
+            </a:r>
+          </a:p>
+          <a:p>
+            <a:endParaRPr lang="en-GB" dirty="0">
+              <a:latin typeface="Bodoni MT" panose="02070603080606020203" pitchFamily="18" charset="0"/>
+            </a:endParaRPr>
+          </a:p>
+          <a:p>
+            <a:endParaRPr lang="en-GB" dirty="0">
+              <a:latin typeface="Bodoni MT" panose="02070603080606020203" pitchFamily="18" charset="0"/>
+            </a:endParaRPr>
+          </a:p>
+          <a:p>
+            <a:endParaRPr lang="en-GB" dirty="0">
+              <a:latin typeface="Bodoni MT" panose="02070603080606020203" pitchFamily="18" charset="0"/>
+            </a:endParaRPr>
+          </a:p>
+          <a:p>
+            <a:pPr marL="342900" indent="-342900">
+              <a:buAutoNum type="arabicPeriod" startAt="3"/>
+            </a:pPr>
+            <a:r>
+              <a:rPr lang="en-GB" dirty="0">
+                <a:latin typeface="Bodoni MT" panose="02070603080606020203" pitchFamily="18" charset="0"/>
+              </a:rPr>
+              <a:t>Full Game Run-through</a:t>
+            </a:r>
+          </a:p>
+          <a:p>
+            <a:pPr marL="342900" indent="-342900">
+              <a:buAutoNum type="arabicPeriod" startAt="3"/>
+            </a:pPr>
+            <a:endParaRPr lang="en-GB" dirty="0">
+              <a:latin typeface="Bodoni MT" panose="02070603080606020203" pitchFamily="18" charset="0"/>
+            </a:endParaRPr>
+          </a:p>
+          <a:p>
+            <a:pPr marL="342900" indent="-342900">
+              <a:buAutoNum type="arabicPeriod" startAt="3"/>
+            </a:pPr>
+            <a:endParaRPr lang="en-GB" dirty="0">
+              <a:latin typeface="Bodoni MT" panose="02070603080606020203" pitchFamily="18" charset="0"/>
+            </a:endParaRPr>
+          </a:p>
+          <a:p>
+            <a:pPr marL="342900" indent="-342900">
+              <a:buAutoNum type="arabicPeriod" startAt="3"/>
+            </a:pPr>
+            <a:endParaRPr lang="en-GB" dirty="0">
+              <a:latin typeface="Bodoni MT" panose="02070603080606020203" pitchFamily="18" charset="0"/>
+            </a:endParaRPr>
+          </a:p>
+        </p:txBody>
+      </p:sp>
+      <p:sp>
+        <p:nvSpPr>
+          <p:cNvPr id="11" name="TextBox 10">
+            <a:extLst>
+              <a:ext uri="{FF2B5EF4-FFF2-40B4-BE49-F238E27FC236}">
+                <a16:creationId xmlns:a16="http://schemas.microsoft.com/office/drawing/2014/main" id="{045FE3E0-C21F-4E84-A6C3-B78C5DA14375}"/>
+              </a:ext>
+            </a:extLst>
+          </p:cNvPr>
+          <p:cNvSpPr txBox="1"/>
+          <p:nvPr/>
+        </p:nvSpPr>
+        <p:spPr>
+          <a:xfrm>
+            <a:off x="1568741" y="2171964"/>
+            <a:ext cx="5349021" cy="646331"/>
+          </a:xfrm>
+          <a:prstGeom prst="rect">
+            <a:avLst/>
+          </a:prstGeom>
+          <a:noFill/>
+          <a:ln>
+            <a:solidFill>
+              <a:schemeClr val="tx1"/>
+            </a:solidFill>
+          </a:ln>
+        </p:spPr>
+        <p:txBody>
+          <a:bodyPr wrap="square" rtlCol="0">
+            <a:spAutoFit/>
+          </a:bodyPr>
+          <a:lstStyle/>
+          <a:p>
+            <a:r>
+              <a:rPr lang="en-GB" dirty="0">
+                <a:latin typeface="Bodoni MT" panose="02070603080606020203" pitchFamily="18" charset="0"/>
+              </a:rPr>
+              <a:t>To test the logical progression and difficulty scaling simply following the platforming sections of the game</a:t>
+            </a:r>
+          </a:p>
+        </p:txBody>
+      </p:sp>
+      <p:sp>
+        <p:nvSpPr>
+          <p:cNvPr id="12" name="TextBox 11">
+            <a:extLst>
+              <a:ext uri="{FF2B5EF4-FFF2-40B4-BE49-F238E27FC236}">
+                <a16:creationId xmlns:a16="http://schemas.microsoft.com/office/drawing/2014/main" id="{715C8695-F831-4AEA-8788-D3F362FE0855}"/>
+              </a:ext>
+            </a:extLst>
+          </p:cNvPr>
+          <p:cNvSpPr txBox="1"/>
+          <p:nvPr/>
+        </p:nvSpPr>
+        <p:spPr>
+          <a:xfrm>
+            <a:off x="1568740" y="3240286"/>
+            <a:ext cx="5349021" cy="646331"/>
+          </a:xfrm>
+          <a:prstGeom prst="rect">
+            <a:avLst/>
+          </a:prstGeom>
+          <a:noFill/>
+          <a:ln>
+            <a:solidFill>
+              <a:schemeClr val="tx1"/>
+            </a:solidFill>
+          </a:ln>
+        </p:spPr>
+        <p:txBody>
+          <a:bodyPr wrap="square" rtlCol="0">
+            <a:spAutoFit/>
+          </a:bodyPr>
+          <a:lstStyle/>
+          <a:p>
+            <a:r>
+              <a:rPr lang="en-GB" dirty="0">
+                <a:latin typeface="Bodoni MT" panose="02070603080606020203" pitchFamily="18" charset="0"/>
+              </a:rPr>
+              <a:t>To test the difficulty and sense of satisfaction or frustration from each puzzle.</a:t>
+            </a:r>
+          </a:p>
+        </p:txBody>
+      </p:sp>
+      <p:sp>
+        <p:nvSpPr>
+          <p:cNvPr id="13" name="TextBox 12">
+            <a:extLst>
+              <a:ext uri="{FF2B5EF4-FFF2-40B4-BE49-F238E27FC236}">
+                <a16:creationId xmlns:a16="http://schemas.microsoft.com/office/drawing/2014/main" id="{3D143883-7E11-42FA-820F-FD25A0706494}"/>
+              </a:ext>
+            </a:extLst>
+          </p:cNvPr>
+          <p:cNvSpPr txBox="1"/>
+          <p:nvPr/>
+        </p:nvSpPr>
+        <p:spPr>
+          <a:xfrm>
+            <a:off x="1568739" y="4408476"/>
+            <a:ext cx="5349021" cy="646331"/>
+          </a:xfrm>
+          <a:prstGeom prst="rect">
+            <a:avLst/>
+          </a:prstGeom>
+          <a:noFill/>
+          <a:ln>
+            <a:solidFill>
+              <a:schemeClr val="tx1"/>
+            </a:solidFill>
+          </a:ln>
+        </p:spPr>
+        <p:txBody>
+          <a:bodyPr wrap="square" rtlCol="0">
+            <a:spAutoFit/>
+          </a:bodyPr>
+          <a:lstStyle/>
+          <a:p>
+            <a:r>
+              <a:rPr lang="en-GB" dirty="0">
+                <a:latin typeface="Bodoni MT" panose="02070603080606020203" pitchFamily="18" charset="0"/>
+              </a:rPr>
+              <a:t>To test the logical progression, difficulty and enjoyment from playing the game from start to finish.</a:t>
+            </a:r>
+          </a:p>
+        </p:txBody>
+      </p:sp>
+      <p:sp>
+        <p:nvSpPr>
+          <p:cNvPr id="14" name="TextBox 13">
+            <a:extLst>
+              <a:ext uri="{FF2B5EF4-FFF2-40B4-BE49-F238E27FC236}">
+                <a16:creationId xmlns:a16="http://schemas.microsoft.com/office/drawing/2014/main" id="{441B9A9E-965F-4808-97BB-765FA754A34C}"/>
+              </a:ext>
+            </a:extLst>
+          </p:cNvPr>
+          <p:cNvSpPr txBox="1"/>
+          <p:nvPr/>
+        </p:nvSpPr>
+        <p:spPr>
+          <a:xfrm>
+            <a:off x="1166070" y="5262275"/>
+            <a:ext cx="5751692" cy="377721"/>
+          </a:xfrm>
+          <a:prstGeom prst="rect">
+            <a:avLst/>
+          </a:prstGeom>
+          <a:noFill/>
+          <a:ln>
+            <a:solidFill>
+              <a:schemeClr val="tx1"/>
+            </a:solidFill>
+          </a:ln>
+        </p:spPr>
+        <p:txBody>
+          <a:bodyPr wrap="square" rtlCol="0">
+            <a:spAutoFit/>
+          </a:bodyPr>
+          <a:lstStyle/>
+          <a:p>
+            <a:r>
+              <a:rPr lang="en-GB" b="1" dirty="0">
+                <a:latin typeface="Bodoni MT" panose="02070603080606020203" pitchFamily="18" charset="0"/>
+              </a:rPr>
+              <a:t>METHOD: </a:t>
+            </a:r>
+            <a:r>
+              <a:rPr lang="en-GB" dirty="0">
+                <a:latin typeface="Bodoni MT" panose="02070603080606020203" pitchFamily="18" charset="0"/>
+              </a:rPr>
+              <a:t>Speak-aloud demos with an observer. </a:t>
+            </a:r>
+            <a:r>
+              <a:rPr lang="en-GB" b="1" dirty="0">
+                <a:latin typeface="Bodoni MT" panose="02070603080606020203" pitchFamily="18" charset="0"/>
+              </a:rPr>
+              <a:t> </a:t>
+            </a:r>
+            <a:endParaRPr lang="en-GB" dirty="0">
+              <a:latin typeface="Bodoni MT" panose="02070603080606020203" pitchFamily="18" charset="0"/>
+            </a:endParaRPr>
           </a:p>
         </p:txBody>
       </p:sp>
@@ -6116,6 +9818,65 @@
           <a:chExt cx="0" cy="0"/>
         </a:xfrm>
       </p:grpSpPr>
+      <p:pic>
+        <p:nvPicPr>
+          <p:cNvPr id="10" name="Picture 9">
+            <a:extLst>
+              <a:ext uri="{FF2B5EF4-FFF2-40B4-BE49-F238E27FC236}">
+                <a16:creationId xmlns:a16="http://schemas.microsoft.com/office/drawing/2014/main" id="{6248F25B-52F9-4CF0-BF52-629A9FD032CE}"/>
+              </a:ext>
+            </a:extLst>
+          </p:cNvPr>
+          <p:cNvPicPr>
+            <a:picLocks noChangeAspect="1"/>
+          </p:cNvPicPr>
+          <p:nvPr/>
+        </p:nvPicPr>
+        <p:blipFill rotWithShape="1">
+          <a:blip r:embed="rId2"/>
+          <a:srcRect r="52066"/>
+          <a:stretch/>
+        </p:blipFill>
+        <p:spPr>
+          <a:xfrm>
+            <a:off x="7808860" y="0"/>
+            <a:ext cx="4383140" cy="6858000"/>
+          </a:xfrm>
+          <a:prstGeom prst="rect">
+            <a:avLst/>
+          </a:prstGeom>
+        </p:spPr>
+      </p:pic>
+      <p:pic>
+        <p:nvPicPr>
+          <p:cNvPr id="9" name="Picture 8">
+            <a:extLst>
+              <a:ext uri="{FF2B5EF4-FFF2-40B4-BE49-F238E27FC236}">
+                <a16:creationId xmlns:a16="http://schemas.microsoft.com/office/drawing/2014/main" id="{158091B3-A577-4C1D-8D3E-131CBA84C0EE}"/>
+              </a:ext>
+            </a:extLst>
+          </p:cNvPr>
+          <p:cNvPicPr>
+            <a:picLocks noChangeAspect="1"/>
+          </p:cNvPicPr>
+          <p:nvPr/>
+        </p:nvPicPr>
+        <p:blipFill>
+          <a:blip r:embed="rId2"/>
+          <a:stretch>
+            <a:fillRect/>
+          </a:stretch>
+        </p:blipFill>
+        <p:spPr>
+          <a:xfrm>
+            <a:off x="0" y="0"/>
+            <a:ext cx="9144000" cy="6858000"/>
+          </a:xfrm>
+          <a:prstGeom prst="rect">
+            <a:avLst/>
+          </a:prstGeom>
+        </p:spPr>
+      </p:pic>
       <p:sp>
         <p:nvSpPr>
           <p:cNvPr id="2" name="Title 1">
@@ -6137,6 +9898,9 @@
             <a:off x="838200" y="365125"/>
             <a:ext cx="10515600" cy="566053"/>
           </a:xfrm>
+          <a:solidFill>
+            <a:schemeClr val="bg1"/>
+          </a:solidFill>
           <a:ln>
             <a:solidFill>
               <a:schemeClr val="tx1"/>
@@ -6154,7 +9918,7 @@
               <a:rPr lang="en-GB" dirty="0">
                 <a:latin typeface="Bodoni MT" panose="02070603080606020203" pitchFamily="18" charset="0"/>
               </a:rPr>
-              <a:t>Results</a:t>
+              <a:t>User Testing Feedback (i)</a:t>
             </a:r>
           </a:p>
         </p:txBody>
@@ -6180,6 +9944,9 @@
             <a:off x="838200" y="931178"/>
             <a:ext cx="10515600" cy="5245785"/>
           </a:xfrm>
+          <a:solidFill>
+            <a:schemeClr val="bg1"/>
+          </a:solidFill>
           <a:ln>
             <a:solidFill>
               <a:schemeClr val="tx1"/>
@@ -6190,6 +9957,17 @@
           <a:bodyPr/>
           <a:lstStyle/>
           <a:p>
+            <a:pPr marL="0" indent="0">
+              <a:buNone/>
+            </a:pPr>
+            <a:endParaRPr lang="en-GB" dirty="0">
+              <a:latin typeface="Bodoni MT" panose="02070603080606020203" pitchFamily="18" charset="0"/>
+            </a:endParaRPr>
+          </a:p>
+          <a:p>
+            <a:pPr marL="0" indent="0">
+              <a:buNone/>
+            </a:pPr>
             <a:endParaRPr lang="en-GB" dirty="0">
               <a:latin typeface="Bodoni MT" panose="02070603080606020203" pitchFamily="18" charset="0"/>
             </a:endParaRPr>
@@ -6235,10 +10013,219 @@
           </a:p>
         </p:txBody>
       </p:sp>
+      <p:pic>
+        <p:nvPicPr>
+          <p:cNvPr id="8" name="Picture 7">
+            <a:extLst>
+              <a:ext uri="{FF2B5EF4-FFF2-40B4-BE49-F238E27FC236}">
+                <a16:creationId xmlns:a16="http://schemas.microsoft.com/office/drawing/2014/main" id="{A3117FBC-7DFD-4758-B4B9-29961EBB7136}"/>
+              </a:ext>
+            </a:extLst>
+          </p:cNvPr>
+          <p:cNvPicPr>
+            <a:picLocks noChangeAspect="1"/>
+          </p:cNvPicPr>
+          <p:nvPr/>
+        </p:nvPicPr>
+        <p:blipFill>
+          <a:blip r:embed="rId3"/>
+          <a:stretch>
+            <a:fillRect/>
+          </a:stretch>
+        </p:blipFill>
+        <p:spPr>
+          <a:xfrm>
+            <a:off x="7105940" y="1632457"/>
+            <a:ext cx="3782621" cy="3770054"/>
+          </a:xfrm>
+          <a:prstGeom prst="rect">
+            <a:avLst/>
+          </a:prstGeom>
+          <a:ln>
+            <a:solidFill>
+              <a:schemeClr val="tx1"/>
+            </a:solidFill>
+          </a:ln>
+        </p:spPr>
+      </p:pic>
+      <p:sp>
+        <p:nvSpPr>
+          <p:cNvPr id="11" name="TextBox 10">
+            <a:extLst>
+              <a:ext uri="{FF2B5EF4-FFF2-40B4-BE49-F238E27FC236}">
+                <a16:creationId xmlns:a16="http://schemas.microsoft.com/office/drawing/2014/main" id="{0B108C47-D011-4547-9642-A8F7197FB2ED}"/>
+              </a:ext>
+            </a:extLst>
+          </p:cNvPr>
+          <p:cNvSpPr txBox="1"/>
+          <p:nvPr/>
+        </p:nvSpPr>
+        <p:spPr>
+          <a:xfrm>
+            <a:off x="1229920" y="1296303"/>
+            <a:ext cx="5349021" cy="2031325"/>
+          </a:xfrm>
+          <a:prstGeom prst="rect">
+            <a:avLst/>
+          </a:prstGeom>
+          <a:noFill/>
+          <a:ln>
+            <a:solidFill>
+              <a:schemeClr val="tx1"/>
+            </a:solidFill>
+          </a:ln>
+        </p:spPr>
+        <p:txBody>
+          <a:bodyPr wrap="square" rtlCol="0">
+            <a:spAutoFit/>
+          </a:bodyPr>
+          <a:lstStyle/>
+          <a:p>
+            <a:r>
+              <a:rPr lang="en-GB" b="1" dirty="0">
+                <a:latin typeface="Bodoni MT" panose="02070603080606020203" pitchFamily="18" charset="0"/>
+              </a:rPr>
+              <a:t>TEST 1: PLATFORMS:</a:t>
+            </a:r>
+          </a:p>
+          <a:p>
+            <a:r>
+              <a:rPr lang="en-GB" i="1" dirty="0">
+                <a:latin typeface="Bodoni MT" panose="02070603080606020203" pitchFamily="18" charset="0"/>
+              </a:rPr>
+              <a:t>Our intention</a:t>
+            </a:r>
+            <a:r>
+              <a:rPr lang="en-GB" dirty="0">
+                <a:latin typeface="Bodoni MT" panose="02070603080606020203" pitchFamily="18" charset="0"/>
+              </a:rPr>
+              <a:t>: For difficulty to scale linearly upwards for each sequential level.</a:t>
+            </a:r>
+          </a:p>
+          <a:p>
+            <a:r>
+              <a:rPr lang="en-GB" i="1" dirty="0">
+                <a:latin typeface="Bodoni MT" panose="02070603080606020203" pitchFamily="18" charset="0"/>
+              </a:rPr>
+              <a:t>Our findings</a:t>
+            </a:r>
+            <a:r>
+              <a:rPr lang="en-GB" dirty="0">
+                <a:latin typeface="Bodoni MT" panose="02070603080606020203" pitchFamily="18" charset="0"/>
+              </a:rPr>
+              <a:t>: Participants found level 1 more difficult than level 2.</a:t>
+            </a:r>
+            <a:endParaRPr lang="en-GB" i="1" dirty="0">
+              <a:latin typeface="Bodoni MT" panose="02070603080606020203" pitchFamily="18" charset="0"/>
+            </a:endParaRPr>
+          </a:p>
+          <a:p>
+            <a:r>
+              <a:rPr lang="en-GB" i="1" dirty="0">
+                <a:latin typeface="Bodoni MT" panose="02070603080606020203" pitchFamily="18" charset="0"/>
+              </a:rPr>
+              <a:t>Action Taken</a:t>
+            </a:r>
+            <a:r>
+              <a:rPr lang="en-GB" dirty="0">
+                <a:latin typeface="Bodoni MT" panose="02070603080606020203" pitchFamily="18" charset="0"/>
+              </a:rPr>
+              <a:t>: Increased the number of fall locations and obstacles in level 2.</a:t>
+            </a:r>
+          </a:p>
+        </p:txBody>
+      </p:sp>
+      <p:sp>
+        <p:nvSpPr>
+          <p:cNvPr id="12" name="TextBox 11">
+            <a:extLst>
+              <a:ext uri="{FF2B5EF4-FFF2-40B4-BE49-F238E27FC236}">
+                <a16:creationId xmlns:a16="http://schemas.microsoft.com/office/drawing/2014/main" id="{B703FA5C-A8C2-4740-B5EE-2A5922A54DF9}"/>
+              </a:ext>
+            </a:extLst>
+          </p:cNvPr>
+          <p:cNvSpPr txBox="1"/>
+          <p:nvPr/>
+        </p:nvSpPr>
+        <p:spPr>
+          <a:xfrm>
+            <a:off x="1229919" y="3327628"/>
+            <a:ext cx="5349021" cy="2308324"/>
+          </a:xfrm>
+          <a:prstGeom prst="rect">
+            <a:avLst/>
+          </a:prstGeom>
+          <a:noFill/>
+          <a:ln>
+            <a:solidFill>
+              <a:schemeClr val="tx1"/>
+            </a:solidFill>
+          </a:ln>
+        </p:spPr>
+        <p:txBody>
+          <a:bodyPr wrap="square" rtlCol="0">
+            <a:spAutoFit/>
+          </a:bodyPr>
+          <a:lstStyle/>
+          <a:p>
+            <a:r>
+              <a:rPr lang="en-GB" b="1" dirty="0">
+                <a:latin typeface="Bodoni MT" panose="02070603080606020203" pitchFamily="18" charset="0"/>
+              </a:rPr>
+              <a:t>TEST 2: PUZZLES:</a:t>
+            </a:r>
+          </a:p>
+          <a:p>
+            <a:r>
+              <a:rPr lang="en-GB" i="1" dirty="0">
+                <a:latin typeface="Bodoni MT" panose="02070603080606020203" pitchFamily="18" charset="0"/>
+              </a:rPr>
+              <a:t>Our intention</a:t>
+            </a:r>
+            <a:r>
+              <a:rPr lang="en-GB" dirty="0">
+                <a:latin typeface="Bodoni MT" panose="02070603080606020203" pitchFamily="18" charset="0"/>
+              </a:rPr>
+              <a:t>: For each puzzle to be unique and challenging in its own way, but not to cause frustration.</a:t>
+            </a:r>
+          </a:p>
+          <a:p>
+            <a:r>
+              <a:rPr lang="en-GB" i="1" dirty="0">
+                <a:latin typeface="Bodoni MT" panose="02070603080606020203" pitchFamily="18" charset="0"/>
+              </a:rPr>
+              <a:t>Our findings</a:t>
+            </a:r>
+            <a:r>
+              <a:rPr lang="en-GB" dirty="0">
+                <a:latin typeface="Bodoni MT" panose="02070603080606020203" pitchFamily="18" charset="0"/>
+              </a:rPr>
+              <a:t>: Participants found the tile puzzle to be too complex, taking upwards of 10 minutes to solve.</a:t>
+            </a:r>
+            <a:endParaRPr lang="en-GB" i="1" dirty="0">
+              <a:latin typeface="Bodoni MT" panose="02070603080606020203" pitchFamily="18" charset="0"/>
+            </a:endParaRPr>
+          </a:p>
+          <a:p>
+            <a:r>
+              <a:rPr lang="en-GB" i="1" dirty="0">
+                <a:latin typeface="Bodoni MT" panose="02070603080606020203" pitchFamily="18" charset="0"/>
+              </a:rPr>
+              <a:t>Action Taken</a:t>
+            </a:r>
+            <a:r>
+              <a:rPr lang="en-GB" dirty="0">
+                <a:latin typeface="Bodoni MT" panose="02070603080606020203" pitchFamily="18" charset="0"/>
+              </a:rPr>
+              <a:t>: Reduced the tile size of the tile puzzle from 4x4 to 3x3.</a:t>
+            </a:r>
+          </a:p>
+        </p:txBody>
+      </p:sp>
     </p:spTree>
     <p:extLst>
       <p:ext uri="{BB962C8B-B14F-4D97-AF65-F5344CB8AC3E}">
-        <p14:creationId xmlns:p14="http://schemas.microsoft.com/office/powerpoint/2010/main" val="2348529542"/>
+        <p14:creationId xmlns:p14="http://schemas.microsoft.com/office/powerpoint/2010/main" val="3187953464"/>
       </p:ext>
     </p:extLst>
   </p:cSld>

--- a/D2.pptx
+++ b/D2.pptx
@@ -10,12 +10,13 @@
     <p:sldId id="265" r:id="rId4"/>
     <p:sldId id="259" r:id="rId5"/>
     <p:sldId id="258" r:id="rId6"/>
-    <p:sldId id="260" r:id="rId7"/>
-    <p:sldId id="261" r:id="rId8"/>
-    <p:sldId id="262" r:id="rId9"/>
-    <p:sldId id="266" r:id="rId10"/>
-    <p:sldId id="267" r:id="rId11"/>
-    <p:sldId id="264" r:id="rId12"/>
+    <p:sldId id="268" r:id="rId7"/>
+    <p:sldId id="260" r:id="rId8"/>
+    <p:sldId id="261" r:id="rId9"/>
+    <p:sldId id="262" r:id="rId10"/>
+    <p:sldId id="266" r:id="rId11"/>
+    <p:sldId id="267" r:id="rId12"/>
+    <p:sldId id="264" r:id="rId13"/>
   </p:sldIdLst>
   <p:sldSz cx="12192000" cy="6858000"/>
   <p:notesSz cx="6858000" cy="9144000"/>
@@ -116,7 +117,7 @@
   </p:defaultTextStyle>
   <p:extLst>
     <p:ext uri="{EFAFB233-063F-42B5-8137-9DF3F51BA10A}">
-      <p15:sldGuideLst xmlns:p15="http://schemas.microsoft.com/office/powerpoint/2012/main"/>
+      <p15:sldGuideLst xmlns:p15="http://schemas.microsoft.com/office/powerpoint/2012/main" xmlns=""/>
     </p:ext>
   </p:extLst>
 </p:presentation>
@@ -144,7 +145,7 @@
           <p:cNvPr id="2" name="Title 1">
             <a:extLst>
               <a:ext uri="{FF2B5EF4-FFF2-40B4-BE49-F238E27FC236}">
-                <a16:creationId xmlns:a16="http://schemas.microsoft.com/office/drawing/2014/main" id="{DF83C6BF-9C25-47A7-9E90-203791DC8017}"/>
+                <a16:creationId xmlns:a16="http://schemas.microsoft.com/office/drawing/2014/main" xmlns="" id="{DF83C6BF-9C25-47A7-9E90-203791DC8017}"/>
               </a:ext>
             </a:extLst>
           </p:cNvPr>
@@ -182,7 +183,7 @@
           <p:cNvPr id="3" name="Subtitle 2">
             <a:extLst>
               <a:ext uri="{FF2B5EF4-FFF2-40B4-BE49-F238E27FC236}">
-                <a16:creationId xmlns:a16="http://schemas.microsoft.com/office/drawing/2014/main" id="{F43AB25B-D89F-430B-83D3-AFE59D87A0C9}"/>
+                <a16:creationId xmlns:a16="http://schemas.microsoft.com/office/drawing/2014/main" xmlns="" id="{F43AB25B-D89F-430B-83D3-AFE59D87A0C9}"/>
               </a:ext>
             </a:extLst>
           </p:cNvPr>
@@ -253,7 +254,7 @@
           <p:cNvPr id="4" name="Date Placeholder 3">
             <a:extLst>
               <a:ext uri="{FF2B5EF4-FFF2-40B4-BE49-F238E27FC236}">
-                <a16:creationId xmlns:a16="http://schemas.microsoft.com/office/drawing/2014/main" id="{FC28D84A-1E26-4ADB-9293-C973C9FDD312}"/>
+                <a16:creationId xmlns:a16="http://schemas.microsoft.com/office/drawing/2014/main" xmlns="" id="{FC28D84A-1E26-4ADB-9293-C973C9FDD312}"/>
               </a:ext>
             </a:extLst>
           </p:cNvPr>
@@ -271,6 +272,7 @@
           <a:p>
             <a:fld id="{24C3A72B-EA9F-49ED-9480-D5BBE463D3C6}" type="datetimeFigureOut">
               <a:rPr lang="en-GB" smtClean="0"/>
+              <a:pPr/>
               <a:t>18/02/2018</a:t>
             </a:fld>
             <a:endParaRPr lang="en-GB"/>
@@ -282,7 +284,7 @@
           <p:cNvPr id="5" name="Footer Placeholder 4">
             <a:extLst>
               <a:ext uri="{FF2B5EF4-FFF2-40B4-BE49-F238E27FC236}">
-                <a16:creationId xmlns:a16="http://schemas.microsoft.com/office/drawing/2014/main" id="{BD1E3808-CC4A-410D-B94B-201CBF8416A2}"/>
+                <a16:creationId xmlns:a16="http://schemas.microsoft.com/office/drawing/2014/main" xmlns="" id="{BD1E3808-CC4A-410D-B94B-201CBF8416A2}"/>
               </a:ext>
             </a:extLst>
           </p:cNvPr>
@@ -307,7 +309,7 @@
           <p:cNvPr id="6" name="Slide Number Placeholder 5">
             <a:extLst>
               <a:ext uri="{FF2B5EF4-FFF2-40B4-BE49-F238E27FC236}">
-                <a16:creationId xmlns:a16="http://schemas.microsoft.com/office/drawing/2014/main" id="{C929150F-8AB1-49F3-8CBA-F3D34AD36D29}"/>
+                <a16:creationId xmlns:a16="http://schemas.microsoft.com/office/drawing/2014/main" xmlns="" id="{C929150F-8AB1-49F3-8CBA-F3D34AD36D29}"/>
               </a:ext>
             </a:extLst>
           </p:cNvPr>
@@ -325,6 +327,7 @@
           <a:p>
             <a:fld id="{28F130BE-CF80-4E7D-974F-4511C8C6EBEB}" type="slidenum">
               <a:rPr lang="en-GB" smtClean="0"/>
+              <a:pPr/>
               <a:t>‹#›</a:t>
             </a:fld>
             <a:endParaRPr lang="en-GB"/>
@@ -334,7 +337,7 @@
     </p:spTree>
     <p:extLst>
       <p:ext uri="{BB962C8B-B14F-4D97-AF65-F5344CB8AC3E}">
-        <p14:creationId xmlns:p14="http://schemas.microsoft.com/office/powerpoint/2010/main" val="3770199555"/>
+        <p14:creationId xmlns:p14="http://schemas.microsoft.com/office/powerpoint/2010/main" xmlns="" val="3770199555"/>
       </p:ext>
     </p:extLst>
   </p:cSld>
@@ -366,7 +369,7 @@
           <p:cNvPr id="2" name="Title 1">
             <a:extLst>
               <a:ext uri="{FF2B5EF4-FFF2-40B4-BE49-F238E27FC236}">
-                <a16:creationId xmlns:a16="http://schemas.microsoft.com/office/drawing/2014/main" id="{E7320A48-0F56-4BFE-B5E3-C4B1A8363197}"/>
+                <a16:creationId xmlns:a16="http://schemas.microsoft.com/office/drawing/2014/main" xmlns="" id="{E7320A48-0F56-4BFE-B5E3-C4B1A8363197}"/>
               </a:ext>
             </a:extLst>
           </p:cNvPr>
@@ -395,7 +398,7 @@
           <p:cNvPr id="3" name="Vertical Text Placeholder 2">
             <a:extLst>
               <a:ext uri="{FF2B5EF4-FFF2-40B4-BE49-F238E27FC236}">
-                <a16:creationId xmlns:a16="http://schemas.microsoft.com/office/drawing/2014/main" id="{92301219-EFB4-4606-92FB-C77A02640AFC}"/>
+                <a16:creationId xmlns:a16="http://schemas.microsoft.com/office/drawing/2014/main" xmlns="" id="{92301219-EFB4-4606-92FB-C77A02640AFC}"/>
               </a:ext>
             </a:extLst>
           </p:cNvPr>
@@ -453,7 +456,7 @@
           <p:cNvPr id="4" name="Date Placeholder 3">
             <a:extLst>
               <a:ext uri="{FF2B5EF4-FFF2-40B4-BE49-F238E27FC236}">
-                <a16:creationId xmlns:a16="http://schemas.microsoft.com/office/drawing/2014/main" id="{B176B311-50DE-481D-AA1B-0D148FBEB50F}"/>
+                <a16:creationId xmlns:a16="http://schemas.microsoft.com/office/drawing/2014/main" xmlns="" id="{B176B311-50DE-481D-AA1B-0D148FBEB50F}"/>
               </a:ext>
             </a:extLst>
           </p:cNvPr>
@@ -471,6 +474,7 @@
           <a:p>
             <a:fld id="{24C3A72B-EA9F-49ED-9480-D5BBE463D3C6}" type="datetimeFigureOut">
               <a:rPr lang="en-GB" smtClean="0"/>
+              <a:pPr/>
               <a:t>18/02/2018</a:t>
             </a:fld>
             <a:endParaRPr lang="en-GB"/>
@@ -482,7 +486,7 @@
           <p:cNvPr id="5" name="Footer Placeholder 4">
             <a:extLst>
               <a:ext uri="{FF2B5EF4-FFF2-40B4-BE49-F238E27FC236}">
-                <a16:creationId xmlns:a16="http://schemas.microsoft.com/office/drawing/2014/main" id="{6702C4FC-01C0-4882-AB0A-3FC6EEA94812}"/>
+                <a16:creationId xmlns:a16="http://schemas.microsoft.com/office/drawing/2014/main" xmlns="" id="{6702C4FC-01C0-4882-AB0A-3FC6EEA94812}"/>
               </a:ext>
             </a:extLst>
           </p:cNvPr>
@@ -507,7 +511,7 @@
           <p:cNvPr id="6" name="Slide Number Placeholder 5">
             <a:extLst>
               <a:ext uri="{FF2B5EF4-FFF2-40B4-BE49-F238E27FC236}">
-                <a16:creationId xmlns:a16="http://schemas.microsoft.com/office/drawing/2014/main" id="{441B0672-CB38-4C7F-8FE8-5B7BCF1A143B}"/>
+                <a16:creationId xmlns:a16="http://schemas.microsoft.com/office/drawing/2014/main" xmlns="" id="{441B0672-CB38-4C7F-8FE8-5B7BCF1A143B}"/>
               </a:ext>
             </a:extLst>
           </p:cNvPr>
@@ -525,6 +529,7 @@
           <a:p>
             <a:fld id="{28F130BE-CF80-4E7D-974F-4511C8C6EBEB}" type="slidenum">
               <a:rPr lang="en-GB" smtClean="0"/>
+              <a:pPr/>
               <a:t>‹#›</a:t>
             </a:fld>
             <a:endParaRPr lang="en-GB"/>
@@ -534,7 +539,7 @@
     </p:spTree>
     <p:extLst>
       <p:ext uri="{BB962C8B-B14F-4D97-AF65-F5344CB8AC3E}">
-        <p14:creationId xmlns:p14="http://schemas.microsoft.com/office/powerpoint/2010/main" val="113615128"/>
+        <p14:creationId xmlns:p14="http://schemas.microsoft.com/office/powerpoint/2010/main" xmlns="" val="113615128"/>
       </p:ext>
     </p:extLst>
   </p:cSld>
@@ -566,7 +571,7 @@
           <p:cNvPr id="2" name="Vertical Title 1">
             <a:extLst>
               <a:ext uri="{FF2B5EF4-FFF2-40B4-BE49-F238E27FC236}">
-                <a16:creationId xmlns:a16="http://schemas.microsoft.com/office/drawing/2014/main" id="{9B3A92BF-0813-4A3B-818D-C11C33E4DEE9}"/>
+                <a16:creationId xmlns:a16="http://schemas.microsoft.com/office/drawing/2014/main" xmlns="" id="{9B3A92BF-0813-4A3B-818D-C11C33E4DEE9}"/>
               </a:ext>
             </a:extLst>
           </p:cNvPr>
@@ -600,7 +605,7 @@
           <p:cNvPr id="3" name="Vertical Text Placeholder 2">
             <a:extLst>
               <a:ext uri="{FF2B5EF4-FFF2-40B4-BE49-F238E27FC236}">
-                <a16:creationId xmlns:a16="http://schemas.microsoft.com/office/drawing/2014/main" id="{A7B1995E-87E9-464D-BFDD-FFDDCDF93F7E}"/>
+                <a16:creationId xmlns:a16="http://schemas.microsoft.com/office/drawing/2014/main" xmlns="" id="{A7B1995E-87E9-464D-BFDD-FFDDCDF93F7E}"/>
               </a:ext>
             </a:extLst>
           </p:cNvPr>
@@ -663,7 +668,7 @@
           <p:cNvPr id="4" name="Date Placeholder 3">
             <a:extLst>
               <a:ext uri="{FF2B5EF4-FFF2-40B4-BE49-F238E27FC236}">
-                <a16:creationId xmlns:a16="http://schemas.microsoft.com/office/drawing/2014/main" id="{6CA12D7A-59F4-418F-ADB1-D361AEF263CB}"/>
+                <a16:creationId xmlns:a16="http://schemas.microsoft.com/office/drawing/2014/main" xmlns="" id="{6CA12D7A-59F4-418F-ADB1-D361AEF263CB}"/>
               </a:ext>
             </a:extLst>
           </p:cNvPr>
@@ -681,6 +686,7 @@
           <a:p>
             <a:fld id="{24C3A72B-EA9F-49ED-9480-D5BBE463D3C6}" type="datetimeFigureOut">
               <a:rPr lang="en-GB" smtClean="0"/>
+              <a:pPr/>
               <a:t>18/02/2018</a:t>
             </a:fld>
             <a:endParaRPr lang="en-GB"/>
@@ -692,7 +698,7 @@
           <p:cNvPr id="5" name="Footer Placeholder 4">
             <a:extLst>
               <a:ext uri="{FF2B5EF4-FFF2-40B4-BE49-F238E27FC236}">
-                <a16:creationId xmlns:a16="http://schemas.microsoft.com/office/drawing/2014/main" id="{467DB65F-E560-4A0C-8A4A-8E7A6A91C860}"/>
+                <a16:creationId xmlns:a16="http://schemas.microsoft.com/office/drawing/2014/main" xmlns="" id="{467DB65F-E560-4A0C-8A4A-8E7A6A91C860}"/>
               </a:ext>
             </a:extLst>
           </p:cNvPr>
@@ -717,7 +723,7 @@
           <p:cNvPr id="6" name="Slide Number Placeholder 5">
             <a:extLst>
               <a:ext uri="{FF2B5EF4-FFF2-40B4-BE49-F238E27FC236}">
-                <a16:creationId xmlns:a16="http://schemas.microsoft.com/office/drawing/2014/main" id="{E8E88C02-5AF6-43A6-9D49-032C7A2D2D72}"/>
+                <a16:creationId xmlns:a16="http://schemas.microsoft.com/office/drawing/2014/main" xmlns="" id="{E8E88C02-5AF6-43A6-9D49-032C7A2D2D72}"/>
               </a:ext>
             </a:extLst>
           </p:cNvPr>
@@ -735,6 +741,7 @@
           <a:p>
             <a:fld id="{28F130BE-CF80-4E7D-974F-4511C8C6EBEB}" type="slidenum">
               <a:rPr lang="en-GB" smtClean="0"/>
+              <a:pPr/>
               <a:t>‹#›</a:t>
             </a:fld>
             <a:endParaRPr lang="en-GB"/>
@@ -744,7 +751,7 @@
     </p:spTree>
     <p:extLst>
       <p:ext uri="{BB962C8B-B14F-4D97-AF65-F5344CB8AC3E}">
-        <p14:creationId xmlns:p14="http://schemas.microsoft.com/office/powerpoint/2010/main" val="3170355863"/>
+        <p14:creationId xmlns:p14="http://schemas.microsoft.com/office/powerpoint/2010/main" xmlns="" val="3170355863"/>
       </p:ext>
     </p:extLst>
   </p:cSld>
@@ -776,7 +783,7 @@
           <p:cNvPr id="2" name="Title 1">
             <a:extLst>
               <a:ext uri="{FF2B5EF4-FFF2-40B4-BE49-F238E27FC236}">
-                <a16:creationId xmlns:a16="http://schemas.microsoft.com/office/drawing/2014/main" id="{B8856D69-20FF-4661-9073-426B77C624CB}"/>
+                <a16:creationId xmlns:a16="http://schemas.microsoft.com/office/drawing/2014/main" xmlns="" id="{B8856D69-20FF-4661-9073-426B77C624CB}"/>
               </a:ext>
             </a:extLst>
           </p:cNvPr>
@@ -805,7 +812,7 @@
           <p:cNvPr id="3" name="Content Placeholder 2">
             <a:extLst>
               <a:ext uri="{FF2B5EF4-FFF2-40B4-BE49-F238E27FC236}">
-                <a16:creationId xmlns:a16="http://schemas.microsoft.com/office/drawing/2014/main" id="{4D713998-E95E-442D-BD8B-F99BAFFEBE64}"/>
+                <a16:creationId xmlns:a16="http://schemas.microsoft.com/office/drawing/2014/main" xmlns="" id="{4D713998-E95E-442D-BD8B-F99BAFFEBE64}"/>
               </a:ext>
             </a:extLst>
           </p:cNvPr>
@@ -863,7 +870,7 @@
           <p:cNvPr id="4" name="Date Placeholder 3">
             <a:extLst>
               <a:ext uri="{FF2B5EF4-FFF2-40B4-BE49-F238E27FC236}">
-                <a16:creationId xmlns:a16="http://schemas.microsoft.com/office/drawing/2014/main" id="{31180D3F-E491-4445-8955-67AFE52FC796}"/>
+                <a16:creationId xmlns:a16="http://schemas.microsoft.com/office/drawing/2014/main" xmlns="" id="{31180D3F-E491-4445-8955-67AFE52FC796}"/>
               </a:ext>
             </a:extLst>
           </p:cNvPr>
@@ -881,6 +888,7 @@
           <a:p>
             <a:fld id="{24C3A72B-EA9F-49ED-9480-D5BBE463D3C6}" type="datetimeFigureOut">
               <a:rPr lang="en-GB" smtClean="0"/>
+              <a:pPr/>
               <a:t>18/02/2018</a:t>
             </a:fld>
             <a:endParaRPr lang="en-GB"/>
@@ -892,7 +900,7 @@
           <p:cNvPr id="5" name="Footer Placeholder 4">
             <a:extLst>
               <a:ext uri="{FF2B5EF4-FFF2-40B4-BE49-F238E27FC236}">
-                <a16:creationId xmlns:a16="http://schemas.microsoft.com/office/drawing/2014/main" id="{5CED9A43-BFD2-4EDD-802E-19797C6D70CA}"/>
+                <a16:creationId xmlns:a16="http://schemas.microsoft.com/office/drawing/2014/main" xmlns="" id="{5CED9A43-BFD2-4EDD-802E-19797C6D70CA}"/>
               </a:ext>
             </a:extLst>
           </p:cNvPr>
@@ -917,7 +925,7 @@
           <p:cNvPr id="6" name="Slide Number Placeholder 5">
             <a:extLst>
               <a:ext uri="{FF2B5EF4-FFF2-40B4-BE49-F238E27FC236}">
-                <a16:creationId xmlns:a16="http://schemas.microsoft.com/office/drawing/2014/main" id="{28FC87F7-4CBA-466F-863D-11A1CA8764AA}"/>
+                <a16:creationId xmlns:a16="http://schemas.microsoft.com/office/drawing/2014/main" xmlns="" id="{28FC87F7-4CBA-466F-863D-11A1CA8764AA}"/>
               </a:ext>
             </a:extLst>
           </p:cNvPr>
@@ -935,6 +943,7 @@
           <a:p>
             <a:fld id="{28F130BE-CF80-4E7D-974F-4511C8C6EBEB}" type="slidenum">
               <a:rPr lang="en-GB" smtClean="0"/>
+              <a:pPr/>
               <a:t>‹#›</a:t>
             </a:fld>
             <a:endParaRPr lang="en-GB"/>
@@ -944,7 +953,7 @@
     </p:spTree>
     <p:extLst>
       <p:ext uri="{BB962C8B-B14F-4D97-AF65-F5344CB8AC3E}">
-        <p14:creationId xmlns:p14="http://schemas.microsoft.com/office/powerpoint/2010/main" val="1398053472"/>
+        <p14:creationId xmlns:p14="http://schemas.microsoft.com/office/powerpoint/2010/main" xmlns="" val="1398053472"/>
       </p:ext>
     </p:extLst>
   </p:cSld>
@@ -976,7 +985,7 @@
           <p:cNvPr id="2" name="Title 1">
             <a:extLst>
               <a:ext uri="{FF2B5EF4-FFF2-40B4-BE49-F238E27FC236}">
-                <a16:creationId xmlns:a16="http://schemas.microsoft.com/office/drawing/2014/main" id="{F8713CCA-DA4A-4E8D-A6E6-4D5C06A1CA92}"/>
+                <a16:creationId xmlns:a16="http://schemas.microsoft.com/office/drawing/2014/main" xmlns="" id="{F8713CCA-DA4A-4E8D-A6E6-4D5C06A1CA92}"/>
               </a:ext>
             </a:extLst>
           </p:cNvPr>
@@ -1014,7 +1023,7 @@
           <p:cNvPr id="3" name="Text Placeholder 2">
             <a:extLst>
               <a:ext uri="{FF2B5EF4-FFF2-40B4-BE49-F238E27FC236}">
-                <a16:creationId xmlns:a16="http://schemas.microsoft.com/office/drawing/2014/main" id="{E796A181-893E-4E6D-8829-2ABB545F4D93}"/>
+                <a16:creationId xmlns:a16="http://schemas.microsoft.com/office/drawing/2014/main" xmlns="" id="{E796A181-893E-4E6D-8829-2ABB545F4D93}"/>
               </a:ext>
             </a:extLst>
           </p:cNvPr>
@@ -1139,7 +1148,7 @@
           <p:cNvPr id="4" name="Date Placeholder 3">
             <a:extLst>
               <a:ext uri="{FF2B5EF4-FFF2-40B4-BE49-F238E27FC236}">
-                <a16:creationId xmlns:a16="http://schemas.microsoft.com/office/drawing/2014/main" id="{4F60A353-D637-4AFB-963D-A375C8D7DE15}"/>
+                <a16:creationId xmlns:a16="http://schemas.microsoft.com/office/drawing/2014/main" xmlns="" id="{4F60A353-D637-4AFB-963D-A375C8D7DE15}"/>
               </a:ext>
             </a:extLst>
           </p:cNvPr>
@@ -1157,6 +1166,7 @@
           <a:p>
             <a:fld id="{24C3A72B-EA9F-49ED-9480-D5BBE463D3C6}" type="datetimeFigureOut">
               <a:rPr lang="en-GB" smtClean="0"/>
+              <a:pPr/>
               <a:t>18/02/2018</a:t>
             </a:fld>
             <a:endParaRPr lang="en-GB"/>
@@ -1168,7 +1178,7 @@
           <p:cNvPr id="5" name="Footer Placeholder 4">
             <a:extLst>
               <a:ext uri="{FF2B5EF4-FFF2-40B4-BE49-F238E27FC236}">
-                <a16:creationId xmlns:a16="http://schemas.microsoft.com/office/drawing/2014/main" id="{14A1034E-26D2-46C4-B048-516F786DA9EC}"/>
+                <a16:creationId xmlns:a16="http://schemas.microsoft.com/office/drawing/2014/main" xmlns="" id="{14A1034E-26D2-46C4-B048-516F786DA9EC}"/>
               </a:ext>
             </a:extLst>
           </p:cNvPr>
@@ -1193,7 +1203,7 @@
           <p:cNvPr id="6" name="Slide Number Placeholder 5">
             <a:extLst>
               <a:ext uri="{FF2B5EF4-FFF2-40B4-BE49-F238E27FC236}">
-                <a16:creationId xmlns:a16="http://schemas.microsoft.com/office/drawing/2014/main" id="{946ACA28-BDA0-401C-B5E5-029DDA8E1D7B}"/>
+                <a16:creationId xmlns:a16="http://schemas.microsoft.com/office/drawing/2014/main" xmlns="" id="{946ACA28-BDA0-401C-B5E5-029DDA8E1D7B}"/>
               </a:ext>
             </a:extLst>
           </p:cNvPr>
@@ -1211,6 +1221,7 @@
           <a:p>
             <a:fld id="{28F130BE-CF80-4E7D-974F-4511C8C6EBEB}" type="slidenum">
               <a:rPr lang="en-GB" smtClean="0"/>
+              <a:pPr/>
               <a:t>‹#›</a:t>
             </a:fld>
             <a:endParaRPr lang="en-GB"/>
@@ -1220,7 +1231,7 @@
     </p:spTree>
     <p:extLst>
       <p:ext uri="{BB962C8B-B14F-4D97-AF65-F5344CB8AC3E}">
-        <p14:creationId xmlns:p14="http://schemas.microsoft.com/office/powerpoint/2010/main" val="1945849922"/>
+        <p14:creationId xmlns:p14="http://schemas.microsoft.com/office/powerpoint/2010/main" xmlns="" val="1945849922"/>
       </p:ext>
     </p:extLst>
   </p:cSld>
@@ -1252,7 +1263,7 @@
           <p:cNvPr id="2" name="Title 1">
             <a:extLst>
               <a:ext uri="{FF2B5EF4-FFF2-40B4-BE49-F238E27FC236}">
-                <a16:creationId xmlns:a16="http://schemas.microsoft.com/office/drawing/2014/main" id="{5C30AE81-C3FC-46F8-A43E-6CEB9925FC44}"/>
+                <a16:creationId xmlns:a16="http://schemas.microsoft.com/office/drawing/2014/main" xmlns="" id="{5C30AE81-C3FC-46F8-A43E-6CEB9925FC44}"/>
               </a:ext>
             </a:extLst>
           </p:cNvPr>
@@ -1281,7 +1292,7 @@
           <p:cNvPr id="3" name="Content Placeholder 2">
             <a:extLst>
               <a:ext uri="{FF2B5EF4-FFF2-40B4-BE49-F238E27FC236}">
-                <a16:creationId xmlns:a16="http://schemas.microsoft.com/office/drawing/2014/main" id="{5088C0F7-4CD0-4904-8A34-D6A4CBE69A6E}"/>
+                <a16:creationId xmlns:a16="http://schemas.microsoft.com/office/drawing/2014/main" xmlns="" id="{5088C0F7-4CD0-4904-8A34-D6A4CBE69A6E}"/>
               </a:ext>
             </a:extLst>
           </p:cNvPr>
@@ -1344,7 +1355,7 @@
           <p:cNvPr id="4" name="Content Placeholder 3">
             <a:extLst>
               <a:ext uri="{FF2B5EF4-FFF2-40B4-BE49-F238E27FC236}">
-                <a16:creationId xmlns:a16="http://schemas.microsoft.com/office/drawing/2014/main" id="{16A80048-D1B9-4999-807E-1BF158739194}"/>
+                <a16:creationId xmlns:a16="http://schemas.microsoft.com/office/drawing/2014/main" xmlns="" id="{16A80048-D1B9-4999-807E-1BF158739194}"/>
               </a:ext>
             </a:extLst>
           </p:cNvPr>
@@ -1407,7 +1418,7 @@
           <p:cNvPr id="5" name="Date Placeholder 4">
             <a:extLst>
               <a:ext uri="{FF2B5EF4-FFF2-40B4-BE49-F238E27FC236}">
-                <a16:creationId xmlns:a16="http://schemas.microsoft.com/office/drawing/2014/main" id="{5F1C4467-5E7A-444D-8C1F-9C85A5350FEC}"/>
+                <a16:creationId xmlns:a16="http://schemas.microsoft.com/office/drawing/2014/main" xmlns="" id="{5F1C4467-5E7A-444D-8C1F-9C85A5350FEC}"/>
               </a:ext>
             </a:extLst>
           </p:cNvPr>
@@ -1425,6 +1436,7 @@
           <a:p>
             <a:fld id="{24C3A72B-EA9F-49ED-9480-D5BBE463D3C6}" type="datetimeFigureOut">
               <a:rPr lang="en-GB" smtClean="0"/>
+              <a:pPr/>
               <a:t>18/02/2018</a:t>
             </a:fld>
             <a:endParaRPr lang="en-GB"/>
@@ -1436,7 +1448,7 @@
           <p:cNvPr id="6" name="Footer Placeholder 5">
             <a:extLst>
               <a:ext uri="{FF2B5EF4-FFF2-40B4-BE49-F238E27FC236}">
-                <a16:creationId xmlns:a16="http://schemas.microsoft.com/office/drawing/2014/main" id="{384026F4-B643-4CC3-B710-FE767082020C}"/>
+                <a16:creationId xmlns:a16="http://schemas.microsoft.com/office/drawing/2014/main" xmlns="" id="{384026F4-B643-4CC3-B710-FE767082020C}"/>
               </a:ext>
             </a:extLst>
           </p:cNvPr>
@@ -1461,7 +1473,7 @@
           <p:cNvPr id="7" name="Slide Number Placeholder 6">
             <a:extLst>
               <a:ext uri="{FF2B5EF4-FFF2-40B4-BE49-F238E27FC236}">
-                <a16:creationId xmlns:a16="http://schemas.microsoft.com/office/drawing/2014/main" id="{B4F45919-5C3E-4A20-BC4E-1A8950F00937}"/>
+                <a16:creationId xmlns:a16="http://schemas.microsoft.com/office/drawing/2014/main" xmlns="" id="{B4F45919-5C3E-4A20-BC4E-1A8950F00937}"/>
               </a:ext>
             </a:extLst>
           </p:cNvPr>
@@ -1479,6 +1491,7 @@
           <a:p>
             <a:fld id="{28F130BE-CF80-4E7D-974F-4511C8C6EBEB}" type="slidenum">
               <a:rPr lang="en-GB" smtClean="0"/>
+              <a:pPr/>
               <a:t>‹#›</a:t>
             </a:fld>
             <a:endParaRPr lang="en-GB"/>
@@ -1488,7 +1501,7 @@
     </p:spTree>
     <p:extLst>
       <p:ext uri="{BB962C8B-B14F-4D97-AF65-F5344CB8AC3E}">
-        <p14:creationId xmlns:p14="http://schemas.microsoft.com/office/powerpoint/2010/main" val="1382044922"/>
+        <p14:creationId xmlns:p14="http://schemas.microsoft.com/office/powerpoint/2010/main" xmlns="" val="1382044922"/>
       </p:ext>
     </p:extLst>
   </p:cSld>
@@ -1520,7 +1533,7 @@
           <p:cNvPr id="2" name="Title 1">
             <a:extLst>
               <a:ext uri="{FF2B5EF4-FFF2-40B4-BE49-F238E27FC236}">
-                <a16:creationId xmlns:a16="http://schemas.microsoft.com/office/drawing/2014/main" id="{E40FFFB1-649D-426B-B189-1DAD66D14336}"/>
+                <a16:creationId xmlns:a16="http://schemas.microsoft.com/office/drawing/2014/main" xmlns="" id="{E40FFFB1-649D-426B-B189-1DAD66D14336}"/>
               </a:ext>
             </a:extLst>
           </p:cNvPr>
@@ -1554,7 +1567,7 @@
           <p:cNvPr id="3" name="Text Placeholder 2">
             <a:extLst>
               <a:ext uri="{FF2B5EF4-FFF2-40B4-BE49-F238E27FC236}">
-                <a16:creationId xmlns:a16="http://schemas.microsoft.com/office/drawing/2014/main" id="{8772471C-BEC4-47A2-ACB6-54F4C91BFB2A}"/>
+                <a16:creationId xmlns:a16="http://schemas.microsoft.com/office/drawing/2014/main" xmlns="" id="{8772471C-BEC4-47A2-ACB6-54F4C91BFB2A}"/>
               </a:ext>
             </a:extLst>
           </p:cNvPr>
@@ -1625,7 +1638,7 @@
           <p:cNvPr id="4" name="Content Placeholder 3">
             <a:extLst>
               <a:ext uri="{FF2B5EF4-FFF2-40B4-BE49-F238E27FC236}">
-                <a16:creationId xmlns:a16="http://schemas.microsoft.com/office/drawing/2014/main" id="{5AD87827-BA33-4B72-BCD3-C0C3D2AA931B}"/>
+                <a16:creationId xmlns:a16="http://schemas.microsoft.com/office/drawing/2014/main" xmlns="" id="{5AD87827-BA33-4B72-BCD3-C0C3D2AA931B}"/>
               </a:ext>
             </a:extLst>
           </p:cNvPr>
@@ -1688,7 +1701,7 @@
           <p:cNvPr id="5" name="Text Placeholder 4">
             <a:extLst>
               <a:ext uri="{FF2B5EF4-FFF2-40B4-BE49-F238E27FC236}">
-                <a16:creationId xmlns:a16="http://schemas.microsoft.com/office/drawing/2014/main" id="{138A58D4-A5B6-48A1-B509-C37CE93409BD}"/>
+                <a16:creationId xmlns:a16="http://schemas.microsoft.com/office/drawing/2014/main" xmlns="" id="{138A58D4-A5B6-48A1-B509-C37CE93409BD}"/>
               </a:ext>
             </a:extLst>
           </p:cNvPr>
@@ -1759,7 +1772,7 @@
           <p:cNvPr id="6" name="Content Placeholder 5">
             <a:extLst>
               <a:ext uri="{FF2B5EF4-FFF2-40B4-BE49-F238E27FC236}">
-                <a16:creationId xmlns:a16="http://schemas.microsoft.com/office/drawing/2014/main" id="{6CC17053-AB6B-4F65-8F9E-EDC8C39D1399}"/>
+                <a16:creationId xmlns:a16="http://schemas.microsoft.com/office/drawing/2014/main" xmlns="" id="{6CC17053-AB6B-4F65-8F9E-EDC8C39D1399}"/>
               </a:ext>
             </a:extLst>
           </p:cNvPr>
@@ -1822,7 +1835,7 @@
           <p:cNvPr id="7" name="Date Placeholder 6">
             <a:extLst>
               <a:ext uri="{FF2B5EF4-FFF2-40B4-BE49-F238E27FC236}">
-                <a16:creationId xmlns:a16="http://schemas.microsoft.com/office/drawing/2014/main" id="{E3D90822-B7B8-481A-BB0C-B672B0F6A17C}"/>
+                <a16:creationId xmlns:a16="http://schemas.microsoft.com/office/drawing/2014/main" xmlns="" id="{E3D90822-B7B8-481A-BB0C-B672B0F6A17C}"/>
               </a:ext>
             </a:extLst>
           </p:cNvPr>
@@ -1840,6 +1853,7 @@
           <a:p>
             <a:fld id="{24C3A72B-EA9F-49ED-9480-D5BBE463D3C6}" type="datetimeFigureOut">
               <a:rPr lang="en-GB" smtClean="0"/>
+              <a:pPr/>
               <a:t>18/02/2018</a:t>
             </a:fld>
             <a:endParaRPr lang="en-GB"/>
@@ -1851,7 +1865,7 @@
           <p:cNvPr id="8" name="Footer Placeholder 7">
             <a:extLst>
               <a:ext uri="{FF2B5EF4-FFF2-40B4-BE49-F238E27FC236}">
-                <a16:creationId xmlns:a16="http://schemas.microsoft.com/office/drawing/2014/main" id="{3A433E44-143D-440A-8BD2-8BC9C9CF6734}"/>
+                <a16:creationId xmlns:a16="http://schemas.microsoft.com/office/drawing/2014/main" xmlns="" id="{3A433E44-143D-440A-8BD2-8BC9C9CF6734}"/>
               </a:ext>
             </a:extLst>
           </p:cNvPr>
@@ -1876,7 +1890,7 @@
           <p:cNvPr id="9" name="Slide Number Placeholder 8">
             <a:extLst>
               <a:ext uri="{FF2B5EF4-FFF2-40B4-BE49-F238E27FC236}">
-                <a16:creationId xmlns:a16="http://schemas.microsoft.com/office/drawing/2014/main" id="{EC97B467-9FF0-43E8-9056-E6AB688AFC17}"/>
+                <a16:creationId xmlns:a16="http://schemas.microsoft.com/office/drawing/2014/main" xmlns="" id="{EC97B467-9FF0-43E8-9056-E6AB688AFC17}"/>
               </a:ext>
             </a:extLst>
           </p:cNvPr>
@@ -1894,6 +1908,7 @@
           <a:p>
             <a:fld id="{28F130BE-CF80-4E7D-974F-4511C8C6EBEB}" type="slidenum">
               <a:rPr lang="en-GB" smtClean="0"/>
+              <a:pPr/>
               <a:t>‹#›</a:t>
             </a:fld>
             <a:endParaRPr lang="en-GB"/>
@@ -1903,7 +1918,7 @@
     </p:spTree>
     <p:extLst>
       <p:ext uri="{BB962C8B-B14F-4D97-AF65-F5344CB8AC3E}">
-        <p14:creationId xmlns:p14="http://schemas.microsoft.com/office/powerpoint/2010/main" val="3457634593"/>
+        <p14:creationId xmlns:p14="http://schemas.microsoft.com/office/powerpoint/2010/main" xmlns="" val="3457634593"/>
       </p:ext>
     </p:extLst>
   </p:cSld>
@@ -1935,7 +1950,7 @@
           <p:cNvPr id="2" name="Title 1">
             <a:extLst>
               <a:ext uri="{FF2B5EF4-FFF2-40B4-BE49-F238E27FC236}">
-                <a16:creationId xmlns:a16="http://schemas.microsoft.com/office/drawing/2014/main" id="{126C16E5-B433-42A2-9EFF-55EF20909D15}"/>
+                <a16:creationId xmlns:a16="http://schemas.microsoft.com/office/drawing/2014/main" xmlns="" id="{126C16E5-B433-42A2-9EFF-55EF20909D15}"/>
               </a:ext>
             </a:extLst>
           </p:cNvPr>
@@ -1964,7 +1979,7 @@
           <p:cNvPr id="3" name="Date Placeholder 2">
             <a:extLst>
               <a:ext uri="{FF2B5EF4-FFF2-40B4-BE49-F238E27FC236}">
-                <a16:creationId xmlns:a16="http://schemas.microsoft.com/office/drawing/2014/main" id="{4B69A33F-53FA-4B8F-923C-811A663804E1}"/>
+                <a16:creationId xmlns:a16="http://schemas.microsoft.com/office/drawing/2014/main" xmlns="" id="{4B69A33F-53FA-4B8F-923C-811A663804E1}"/>
               </a:ext>
             </a:extLst>
           </p:cNvPr>
@@ -1982,6 +1997,7 @@
           <a:p>
             <a:fld id="{24C3A72B-EA9F-49ED-9480-D5BBE463D3C6}" type="datetimeFigureOut">
               <a:rPr lang="en-GB" smtClean="0"/>
+              <a:pPr/>
               <a:t>18/02/2018</a:t>
             </a:fld>
             <a:endParaRPr lang="en-GB"/>
@@ -1993,7 +2009,7 @@
           <p:cNvPr id="4" name="Footer Placeholder 3">
             <a:extLst>
               <a:ext uri="{FF2B5EF4-FFF2-40B4-BE49-F238E27FC236}">
-                <a16:creationId xmlns:a16="http://schemas.microsoft.com/office/drawing/2014/main" id="{CE5979CA-B672-4BE0-9727-E607CF5FBA10}"/>
+                <a16:creationId xmlns:a16="http://schemas.microsoft.com/office/drawing/2014/main" xmlns="" id="{CE5979CA-B672-4BE0-9727-E607CF5FBA10}"/>
               </a:ext>
             </a:extLst>
           </p:cNvPr>
@@ -2018,7 +2034,7 @@
           <p:cNvPr id="5" name="Slide Number Placeholder 4">
             <a:extLst>
               <a:ext uri="{FF2B5EF4-FFF2-40B4-BE49-F238E27FC236}">
-                <a16:creationId xmlns:a16="http://schemas.microsoft.com/office/drawing/2014/main" id="{9F7BAA98-4121-40E6-B29F-2204B30F0C2E}"/>
+                <a16:creationId xmlns:a16="http://schemas.microsoft.com/office/drawing/2014/main" xmlns="" id="{9F7BAA98-4121-40E6-B29F-2204B30F0C2E}"/>
               </a:ext>
             </a:extLst>
           </p:cNvPr>
@@ -2036,6 +2052,7 @@
           <a:p>
             <a:fld id="{28F130BE-CF80-4E7D-974F-4511C8C6EBEB}" type="slidenum">
               <a:rPr lang="en-GB" smtClean="0"/>
+              <a:pPr/>
               <a:t>‹#›</a:t>
             </a:fld>
             <a:endParaRPr lang="en-GB"/>
@@ -2045,7 +2062,7 @@
     </p:spTree>
     <p:extLst>
       <p:ext uri="{BB962C8B-B14F-4D97-AF65-F5344CB8AC3E}">
-        <p14:creationId xmlns:p14="http://schemas.microsoft.com/office/powerpoint/2010/main" val="4070145130"/>
+        <p14:creationId xmlns:p14="http://schemas.microsoft.com/office/powerpoint/2010/main" xmlns="" val="4070145130"/>
       </p:ext>
     </p:extLst>
   </p:cSld>
@@ -2077,7 +2094,7 @@
           <p:cNvPr id="2" name="Date Placeholder 1">
             <a:extLst>
               <a:ext uri="{FF2B5EF4-FFF2-40B4-BE49-F238E27FC236}">
-                <a16:creationId xmlns:a16="http://schemas.microsoft.com/office/drawing/2014/main" id="{5CC14C16-6481-4904-AC0A-7E3279C7059D}"/>
+                <a16:creationId xmlns:a16="http://schemas.microsoft.com/office/drawing/2014/main" xmlns="" id="{5CC14C16-6481-4904-AC0A-7E3279C7059D}"/>
               </a:ext>
             </a:extLst>
           </p:cNvPr>
@@ -2095,6 +2112,7 @@
           <a:p>
             <a:fld id="{24C3A72B-EA9F-49ED-9480-D5BBE463D3C6}" type="datetimeFigureOut">
               <a:rPr lang="en-GB" smtClean="0"/>
+              <a:pPr/>
               <a:t>18/02/2018</a:t>
             </a:fld>
             <a:endParaRPr lang="en-GB"/>
@@ -2106,7 +2124,7 @@
           <p:cNvPr id="3" name="Footer Placeholder 2">
             <a:extLst>
               <a:ext uri="{FF2B5EF4-FFF2-40B4-BE49-F238E27FC236}">
-                <a16:creationId xmlns:a16="http://schemas.microsoft.com/office/drawing/2014/main" id="{F6C26942-E7C8-4D7B-AF06-F5CBEFE52D52}"/>
+                <a16:creationId xmlns:a16="http://schemas.microsoft.com/office/drawing/2014/main" xmlns="" id="{F6C26942-E7C8-4D7B-AF06-F5CBEFE52D52}"/>
               </a:ext>
             </a:extLst>
           </p:cNvPr>
@@ -2131,7 +2149,7 @@
           <p:cNvPr id="4" name="Slide Number Placeholder 3">
             <a:extLst>
               <a:ext uri="{FF2B5EF4-FFF2-40B4-BE49-F238E27FC236}">
-                <a16:creationId xmlns:a16="http://schemas.microsoft.com/office/drawing/2014/main" id="{F4DAB499-97FD-4827-B6B8-0F96F7C4FE5D}"/>
+                <a16:creationId xmlns:a16="http://schemas.microsoft.com/office/drawing/2014/main" xmlns="" id="{F4DAB499-97FD-4827-B6B8-0F96F7C4FE5D}"/>
               </a:ext>
             </a:extLst>
           </p:cNvPr>
@@ -2149,6 +2167,7 @@
           <a:p>
             <a:fld id="{28F130BE-CF80-4E7D-974F-4511C8C6EBEB}" type="slidenum">
               <a:rPr lang="en-GB" smtClean="0"/>
+              <a:pPr/>
               <a:t>‹#›</a:t>
             </a:fld>
             <a:endParaRPr lang="en-GB"/>
@@ -2158,7 +2177,7 @@
     </p:spTree>
     <p:extLst>
       <p:ext uri="{BB962C8B-B14F-4D97-AF65-F5344CB8AC3E}">
-        <p14:creationId xmlns:p14="http://schemas.microsoft.com/office/powerpoint/2010/main" val="1991650923"/>
+        <p14:creationId xmlns:p14="http://schemas.microsoft.com/office/powerpoint/2010/main" xmlns="" val="1991650923"/>
       </p:ext>
     </p:extLst>
   </p:cSld>
@@ -2190,7 +2209,7 @@
           <p:cNvPr id="2" name="Title 1">
             <a:extLst>
               <a:ext uri="{FF2B5EF4-FFF2-40B4-BE49-F238E27FC236}">
-                <a16:creationId xmlns:a16="http://schemas.microsoft.com/office/drawing/2014/main" id="{8DB1DE1E-A84A-447A-898D-F7D7DEFFBBCD}"/>
+                <a16:creationId xmlns:a16="http://schemas.microsoft.com/office/drawing/2014/main" xmlns="" id="{8DB1DE1E-A84A-447A-898D-F7D7DEFFBBCD}"/>
               </a:ext>
             </a:extLst>
           </p:cNvPr>
@@ -2228,7 +2247,7 @@
           <p:cNvPr id="3" name="Content Placeholder 2">
             <a:extLst>
               <a:ext uri="{FF2B5EF4-FFF2-40B4-BE49-F238E27FC236}">
-                <a16:creationId xmlns:a16="http://schemas.microsoft.com/office/drawing/2014/main" id="{00C215BD-D7D7-49A5-86B5-19FA9FCE98D7}"/>
+                <a16:creationId xmlns:a16="http://schemas.microsoft.com/office/drawing/2014/main" xmlns="" id="{00C215BD-D7D7-49A5-86B5-19FA9FCE98D7}"/>
               </a:ext>
             </a:extLst>
           </p:cNvPr>
@@ -2319,7 +2338,7 @@
           <p:cNvPr id="4" name="Text Placeholder 3">
             <a:extLst>
               <a:ext uri="{FF2B5EF4-FFF2-40B4-BE49-F238E27FC236}">
-                <a16:creationId xmlns:a16="http://schemas.microsoft.com/office/drawing/2014/main" id="{963333A7-986A-4F23-AD4B-645062463568}"/>
+                <a16:creationId xmlns:a16="http://schemas.microsoft.com/office/drawing/2014/main" xmlns="" id="{963333A7-986A-4F23-AD4B-645062463568}"/>
               </a:ext>
             </a:extLst>
           </p:cNvPr>
@@ -2390,7 +2409,7 @@
           <p:cNvPr id="5" name="Date Placeholder 4">
             <a:extLst>
               <a:ext uri="{FF2B5EF4-FFF2-40B4-BE49-F238E27FC236}">
-                <a16:creationId xmlns:a16="http://schemas.microsoft.com/office/drawing/2014/main" id="{3D141368-BD0B-4EC5-894A-09555901F516}"/>
+                <a16:creationId xmlns:a16="http://schemas.microsoft.com/office/drawing/2014/main" xmlns="" id="{3D141368-BD0B-4EC5-894A-09555901F516}"/>
               </a:ext>
             </a:extLst>
           </p:cNvPr>
@@ -2408,6 +2427,7 @@
           <a:p>
             <a:fld id="{24C3A72B-EA9F-49ED-9480-D5BBE463D3C6}" type="datetimeFigureOut">
               <a:rPr lang="en-GB" smtClean="0"/>
+              <a:pPr/>
               <a:t>18/02/2018</a:t>
             </a:fld>
             <a:endParaRPr lang="en-GB"/>
@@ -2419,7 +2439,7 @@
           <p:cNvPr id="6" name="Footer Placeholder 5">
             <a:extLst>
               <a:ext uri="{FF2B5EF4-FFF2-40B4-BE49-F238E27FC236}">
-                <a16:creationId xmlns:a16="http://schemas.microsoft.com/office/drawing/2014/main" id="{FA6D6A8F-73ED-40EE-9BF6-7C9A264B11E7}"/>
+                <a16:creationId xmlns:a16="http://schemas.microsoft.com/office/drawing/2014/main" xmlns="" id="{FA6D6A8F-73ED-40EE-9BF6-7C9A264B11E7}"/>
               </a:ext>
             </a:extLst>
           </p:cNvPr>
@@ -2444,7 +2464,7 @@
           <p:cNvPr id="7" name="Slide Number Placeholder 6">
             <a:extLst>
               <a:ext uri="{FF2B5EF4-FFF2-40B4-BE49-F238E27FC236}">
-                <a16:creationId xmlns:a16="http://schemas.microsoft.com/office/drawing/2014/main" id="{9FFB6450-457F-4CC9-9642-311C051E1BB6}"/>
+                <a16:creationId xmlns:a16="http://schemas.microsoft.com/office/drawing/2014/main" xmlns="" id="{9FFB6450-457F-4CC9-9642-311C051E1BB6}"/>
               </a:ext>
             </a:extLst>
           </p:cNvPr>
@@ -2462,6 +2482,7 @@
           <a:p>
             <a:fld id="{28F130BE-CF80-4E7D-974F-4511C8C6EBEB}" type="slidenum">
               <a:rPr lang="en-GB" smtClean="0"/>
+              <a:pPr/>
               <a:t>‹#›</a:t>
             </a:fld>
             <a:endParaRPr lang="en-GB"/>
@@ -2471,7 +2492,7 @@
     </p:spTree>
     <p:extLst>
       <p:ext uri="{BB962C8B-B14F-4D97-AF65-F5344CB8AC3E}">
-        <p14:creationId xmlns:p14="http://schemas.microsoft.com/office/powerpoint/2010/main" val="3135145738"/>
+        <p14:creationId xmlns:p14="http://schemas.microsoft.com/office/powerpoint/2010/main" xmlns="" val="3135145738"/>
       </p:ext>
     </p:extLst>
   </p:cSld>
@@ -2503,7 +2524,7 @@
           <p:cNvPr id="2" name="Title 1">
             <a:extLst>
               <a:ext uri="{FF2B5EF4-FFF2-40B4-BE49-F238E27FC236}">
-                <a16:creationId xmlns:a16="http://schemas.microsoft.com/office/drawing/2014/main" id="{8C1296DB-0DB8-4F14-9BF6-5579C0960222}"/>
+                <a16:creationId xmlns:a16="http://schemas.microsoft.com/office/drawing/2014/main" xmlns="" id="{8C1296DB-0DB8-4F14-9BF6-5579C0960222}"/>
               </a:ext>
             </a:extLst>
           </p:cNvPr>
@@ -2541,7 +2562,7 @@
           <p:cNvPr id="3" name="Picture Placeholder 2">
             <a:extLst>
               <a:ext uri="{FF2B5EF4-FFF2-40B4-BE49-F238E27FC236}">
-                <a16:creationId xmlns:a16="http://schemas.microsoft.com/office/drawing/2014/main" id="{7EDD28FD-96ED-49BE-8A09-6B9C86BEA995}"/>
+                <a16:creationId xmlns:a16="http://schemas.microsoft.com/office/drawing/2014/main" xmlns="" id="{7EDD28FD-96ED-49BE-8A09-6B9C86BEA995}"/>
               </a:ext>
             </a:extLst>
           </p:cNvPr>
@@ -2608,7 +2629,7 @@
           <p:cNvPr id="4" name="Text Placeholder 3">
             <a:extLst>
               <a:ext uri="{FF2B5EF4-FFF2-40B4-BE49-F238E27FC236}">
-                <a16:creationId xmlns:a16="http://schemas.microsoft.com/office/drawing/2014/main" id="{ADA4AC5E-4A1B-482A-A3FE-C174ECCF882D}"/>
+                <a16:creationId xmlns:a16="http://schemas.microsoft.com/office/drawing/2014/main" xmlns="" id="{ADA4AC5E-4A1B-482A-A3FE-C174ECCF882D}"/>
               </a:ext>
             </a:extLst>
           </p:cNvPr>
@@ -2679,7 +2700,7 @@
           <p:cNvPr id="5" name="Date Placeholder 4">
             <a:extLst>
               <a:ext uri="{FF2B5EF4-FFF2-40B4-BE49-F238E27FC236}">
-                <a16:creationId xmlns:a16="http://schemas.microsoft.com/office/drawing/2014/main" id="{40D65AD9-E4E1-40E5-BE5B-AB193A4848A3}"/>
+                <a16:creationId xmlns:a16="http://schemas.microsoft.com/office/drawing/2014/main" xmlns="" id="{40D65AD9-E4E1-40E5-BE5B-AB193A4848A3}"/>
               </a:ext>
             </a:extLst>
           </p:cNvPr>
@@ -2697,6 +2718,7 @@
           <a:p>
             <a:fld id="{24C3A72B-EA9F-49ED-9480-D5BBE463D3C6}" type="datetimeFigureOut">
               <a:rPr lang="en-GB" smtClean="0"/>
+              <a:pPr/>
               <a:t>18/02/2018</a:t>
             </a:fld>
             <a:endParaRPr lang="en-GB"/>
@@ -2708,7 +2730,7 @@
           <p:cNvPr id="6" name="Footer Placeholder 5">
             <a:extLst>
               <a:ext uri="{FF2B5EF4-FFF2-40B4-BE49-F238E27FC236}">
-                <a16:creationId xmlns:a16="http://schemas.microsoft.com/office/drawing/2014/main" id="{B8B67A65-51C4-42C3-BCE1-2B6CDFA11351}"/>
+                <a16:creationId xmlns:a16="http://schemas.microsoft.com/office/drawing/2014/main" xmlns="" id="{B8B67A65-51C4-42C3-BCE1-2B6CDFA11351}"/>
               </a:ext>
             </a:extLst>
           </p:cNvPr>
@@ -2733,7 +2755,7 @@
           <p:cNvPr id="7" name="Slide Number Placeholder 6">
             <a:extLst>
               <a:ext uri="{FF2B5EF4-FFF2-40B4-BE49-F238E27FC236}">
-                <a16:creationId xmlns:a16="http://schemas.microsoft.com/office/drawing/2014/main" id="{8FA693F4-23BB-49C6-947A-E9223A7DD702}"/>
+                <a16:creationId xmlns:a16="http://schemas.microsoft.com/office/drawing/2014/main" xmlns="" id="{8FA693F4-23BB-49C6-947A-E9223A7DD702}"/>
               </a:ext>
             </a:extLst>
           </p:cNvPr>
@@ -2751,6 +2773,7 @@
           <a:p>
             <a:fld id="{28F130BE-CF80-4E7D-974F-4511C8C6EBEB}" type="slidenum">
               <a:rPr lang="en-GB" smtClean="0"/>
+              <a:pPr/>
               <a:t>‹#›</a:t>
             </a:fld>
             <a:endParaRPr lang="en-GB"/>
@@ -2760,7 +2783,7 @@
     </p:spTree>
     <p:extLst>
       <p:ext uri="{BB962C8B-B14F-4D97-AF65-F5344CB8AC3E}">
-        <p14:creationId xmlns:p14="http://schemas.microsoft.com/office/powerpoint/2010/main" val="3595103176"/>
+        <p14:creationId xmlns:p14="http://schemas.microsoft.com/office/powerpoint/2010/main" xmlns="" val="3595103176"/>
       </p:ext>
     </p:extLst>
   </p:cSld>
@@ -2797,7 +2820,7 @@
           <p:cNvPr id="2" name="Title Placeholder 1">
             <a:extLst>
               <a:ext uri="{FF2B5EF4-FFF2-40B4-BE49-F238E27FC236}">
-                <a16:creationId xmlns:a16="http://schemas.microsoft.com/office/drawing/2014/main" id="{84BFBAD9-9BA2-48E1-8F6D-508057E885A8}"/>
+                <a16:creationId xmlns:a16="http://schemas.microsoft.com/office/drawing/2014/main" xmlns="" id="{84BFBAD9-9BA2-48E1-8F6D-508057E885A8}"/>
               </a:ext>
             </a:extLst>
           </p:cNvPr>
@@ -2836,7 +2859,7 @@
           <p:cNvPr id="3" name="Text Placeholder 2">
             <a:extLst>
               <a:ext uri="{FF2B5EF4-FFF2-40B4-BE49-F238E27FC236}">
-                <a16:creationId xmlns:a16="http://schemas.microsoft.com/office/drawing/2014/main" id="{9E540119-8CD7-44A9-8AB4-22B4558FAC90}"/>
+                <a16:creationId xmlns:a16="http://schemas.microsoft.com/office/drawing/2014/main" xmlns="" id="{9E540119-8CD7-44A9-8AB4-22B4558FAC90}"/>
               </a:ext>
             </a:extLst>
           </p:cNvPr>
@@ -2904,7 +2927,7 @@
           <p:cNvPr id="4" name="Date Placeholder 3">
             <a:extLst>
               <a:ext uri="{FF2B5EF4-FFF2-40B4-BE49-F238E27FC236}">
-                <a16:creationId xmlns:a16="http://schemas.microsoft.com/office/drawing/2014/main" id="{6ADDB086-675C-45AE-B2E3-8AB1AC643C42}"/>
+                <a16:creationId xmlns:a16="http://schemas.microsoft.com/office/drawing/2014/main" xmlns="" id="{6ADDB086-675C-45AE-B2E3-8AB1AC643C42}"/>
               </a:ext>
             </a:extLst>
           </p:cNvPr>
@@ -2940,6 +2963,7 @@
           <a:p>
             <a:fld id="{24C3A72B-EA9F-49ED-9480-D5BBE463D3C6}" type="datetimeFigureOut">
               <a:rPr lang="en-GB" smtClean="0"/>
+              <a:pPr/>
               <a:t>18/02/2018</a:t>
             </a:fld>
             <a:endParaRPr lang="en-GB"/>
@@ -2951,7 +2975,7 @@
           <p:cNvPr id="5" name="Footer Placeholder 4">
             <a:extLst>
               <a:ext uri="{FF2B5EF4-FFF2-40B4-BE49-F238E27FC236}">
-                <a16:creationId xmlns:a16="http://schemas.microsoft.com/office/drawing/2014/main" id="{20964F14-198A-4651-980F-B11F6946BEB6}"/>
+                <a16:creationId xmlns:a16="http://schemas.microsoft.com/office/drawing/2014/main" xmlns="" id="{20964F14-198A-4651-980F-B11F6946BEB6}"/>
               </a:ext>
             </a:extLst>
           </p:cNvPr>
@@ -2994,7 +3018,7 @@
           <p:cNvPr id="6" name="Slide Number Placeholder 5">
             <a:extLst>
               <a:ext uri="{FF2B5EF4-FFF2-40B4-BE49-F238E27FC236}">
-                <a16:creationId xmlns:a16="http://schemas.microsoft.com/office/drawing/2014/main" id="{49641EE6-2A40-457C-A97A-CE775F6542F4}"/>
+                <a16:creationId xmlns:a16="http://schemas.microsoft.com/office/drawing/2014/main" xmlns="" id="{49641EE6-2A40-457C-A97A-CE775F6542F4}"/>
               </a:ext>
             </a:extLst>
           </p:cNvPr>
@@ -3030,6 +3054,7 @@
           <a:p>
             <a:fld id="{28F130BE-CF80-4E7D-974F-4511C8C6EBEB}" type="slidenum">
               <a:rPr lang="en-GB" smtClean="0"/>
+              <a:pPr/>
               <a:t>‹#›</a:t>
             </a:fld>
             <a:endParaRPr lang="en-GB"/>
@@ -3039,7 +3064,7 @@
     </p:spTree>
     <p:extLst>
       <p:ext uri="{BB962C8B-B14F-4D97-AF65-F5344CB8AC3E}">
-        <p14:creationId xmlns:p14="http://schemas.microsoft.com/office/powerpoint/2010/main" val="3074094979"/>
+        <p14:creationId xmlns:p14="http://schemas.microsoft.com/office/powerpoint/2010/main" xmlns="" val="3074094979"/>
       </p:ext>
     </p:extLst>
   </p:cSld>
@@ -3362,7 +3387,7 @@
           <p:cNvPr id="2" name="Title 1">
             <a:extLst>
               <a:ext uri="{FF2B5EF4-FFF2-40B4-BE49-F238E27FC236}">
-                <a16:creationId xmlns:a16="http://schemas.microsoft.com/office/drawing/2014/main" id="{574EBC81-6BDC-4A96-8A0D-185CFAF2037D}"/>
+                <a16:creationId xmlns:a16="http://schemas.microsoft.com/office/drawing/2014/main" xmlns="" id="{574EBC81-6BDC-4A96-8A0D-185CFAF2037D}"/>
               </a:ext>
             </a:extLst>
           </p:cNvPr>
@@ -3392,7 +3417,7 @@
           <p:cNvPr id="3" name="Subtitle 2">
             <a:extLst>
               <a:ext uri="{FF2B5EF4-FFF2-40B4-BE49-F238E27FC236}">
-                <a16:creationId xmlns:a16="http://schemas.microsoft.com/office/drawing/2014/main" id="{BD7C336B-31E1-4FC6-AA62-A69CD2AE8694}"/>
+                <a16:creationId xmlns:a16="http://schemas.microsoft.com/office/drawing/2014/main" xmlns="" id="{BD7C336B-31E1-4FC6-AA62-A69CD2AE8694}"/>
               </a:ext>
             </a:extLst>
           </p:cNvPr>
@@ -3422,7 +3447,7 @@
           <p:cNvPr id="5" name="Picture 4">
             <a:extLst>
               <a:ext uri="{FF2B5EF4-FFF2-40B4-BE49-F238E27FC236}">
-                <a16:creationId xmlns:a16="http://schemas.microsoft.com/office/drawing/2014/main" id="{C58B1723-B844-4200-A120-A2D85833B037}"/>
+                <a16:creationId xmlns:a16="http://schemas.microsoft.com/office/drawing/2014/main" xmlns="" id="{C58B1723-B844-4200-A120-A2D85833B037}"/>
               </a:ext>
             </a:extLst>
           </p:cNvPr>
@@ -3435,7 +3460,7 @@
           <a:blip r:embed="rId2">
             <a:extLst>
               <a:ext uri="{28A0092B-C50C-407E-A947-70E740481C1C}">
-                <a14:useLocalDpi xmlns:a14="http://schemas.microsoft.com/office/drawing/2010/main" val="0"/>
+                <a14:useLocalDpi xmlns:a14="http://schemas.microsoft.com/office/drawing/2010/main" xmlns="" val="0"/>
               </a:ext>
             </a:extLst>
           </a:blip>
@@ -3458,7 +3483,7 @@
           <p:cNvPr id="6" name="Picture 5">
             <a:extLst>
               <a:ext uri="{FF2B5EF4-FFF2-40B4-BE49-F238E27FC236}">
-                <a16:creationId xmlns:a16="http://schemas.microsoft.com/office/drawing/2014/main" id="{17AE45ED-A673-4FA2-B597-465724426CB5}"/>
+                <a16:creationId xmlns:a16="http://schemas.microsoft.com/office/drawing/2014/main" xmlns="" id="{17AE45ED-A673-4FA2-B597-465724426CB5}"/>
               </a:ext>
             </a:extLst>
           </p:cNvPr>
@@ -3471,7 +3496,7 @@
           <a:blip r:embed="rId2">
             <a:extLst>
               <a:ext uri="{28A0092B-C50C-407E-A947-70E740481C1C}">
-                <a14:useLocalDpi xmlns:a14="http://schemas.microsoft.com/office/drawing/2010/main" val="0"/>
+                <a14:useLocalDpi xmlns:a14="http://schemas.microsoft.com/office/drawing/2010/main" xmlns="" val="0"/>
               </a:ext>
             </a:extLst>
           </a:blip>
@@ -3494,7 +3519,7 @@
           <p:cNvPr id="7" name="Picture 6">
             <a:extLst>
               <a:ext uri="{FF2B5EF4-FFF2-40B4-BE49-F238E27FC236}">
-                <a16:creationId xmlns:a16="http://schemas.microsoft.com/office/drawing/2014/main" id="{E90C7CB9-E79E-4A04-A270-74206ED588C1}"/>
+                <a16:creationId xmlns:a16="http://schemas.microsoft.com/office/drawing/2014/main" xmlns="" id="{E90C7CB9-E79E-4A04-A270-74206ED588C1}"/>
               </a:ext>
             </a:extLst>
           </p:cNvPr>
@@ -3507,7 +3532,7 @@
           <a:blip r:embed="rId2">
             <a:extLst>
               <a:ext uri="{28A0092B-C50C-407E-A947-70E740481C1C}">
-                <a14:useLocalDpi xmlns:a14="http://schemas.microsoft.com/office/drawing/2010/main" val="0"/>
+                <a14:useLocalDpi xmlns:a14="http://schemas.microsoft.com/office/drawing/2010/main" xmlns="" val="0"/>
               </a:ext>
             </a:extLst>
           </a:blip>
@@ -3530,7 +3555,7 @@
           <p:cNvPr id="9" name="Picture 8">
             <a:extLst>
               <a:ext uri="{FF2B5EF4-FFF2-40B4-BE49-F238E27FC236}">
-                <a16:creationId xmlns:a16="http://schemas.microsoft.com/office/drawing/2014/main" id="{34E59009-30E3-4D3E-ADAD-7BD4DF00FAE4}"/>
+                <a16:creationId xmlns:a16="http://schemas.microsoft.com/office/drawing/2014/main" xmlns="" id="{34E59009-30E3-4D3E-ADAD-7BD4DF00FAE4}"/>
               </a:ext>
             </a:extLst>
           </p:cNvPr>
@@ -3543,7 +3568,7 @@
           <a:blip r:embed="rId3">
             <a:extLst>
               <a:ext uri="{28A0092B-C50C-407E-A947-70E740481C1C}">
-                <a14:useLocalDpi xmlns:a14="http://schemas.microsoft.com/office/drawing/2010/main" val="0"/>
+                <a14:useLocalDpi xmlns:a14="http://schemas.microsoft.com/office/drawing/2010/main" xmlns="" val="0"/>
               </a:ext>
             </a:extLst>
           </a:blip>
@@ -3566,7 +3591,7 @@
           <p:cNvPr id="11" name="Picture 10">
             <a:extLst>
               <a:ext uri="{FF2B5EF4-FFF2-40B4-BE49-F238E27FC236}">
-                <a16:creationId xmlns:a16="http://schemas.microsoft.com/office/drawing/2014/main" id="{23C87C0A-6BB6-4417-AAE8-9B7AE0A10355}"/>
+                <a16:creationId xmlns:a16="http://schemas.microsoft.com/office/drawing/2014/main" xmlns="" id="{23C87C0A-6BB6-4417-AAE8-9B7AE0A10355}"/>
               </a:ext>
             </a:extLst>
           </p:cNvPr>
@@ -3579,7 +3604,7 @@
           <a:blip r:embed="rId4">
             <a:extLst>
               <a:ext uri="{28A0092B-C50C-407E-A947-70E740481C1C}">
-                <a14:useLocalDpi xmlns:a14="http://schemas.microsoft.com/office/drawing/2010/main" val="0"/>
+                <a14:useLocalDpi xmlns:a14="http://schemas.microsoft.com/office/drawing/2010/main" xmlns="" val="0"/>
               </a:ext>
             </a:extLst>
           </a:blip>
@@ -3602,7 +3627,7 @@
           <p:cNvPr id="15" name="Picture 14">
             <a:extLst>
               <a:ext uri="{FF2B5EF4-FFF2-40B4-BE49-F238E27FC236}">
-                <a16:creationId xmlns:a16="http://schemas.microsoft.com/office/drawing/2014/main" id="{BE9BB441-FB20-4730-8E02-40B0B20C593A}"/>
+                <a16:creationId xmlns:a16="http://schemas.microsoft.com/office/drawing/2014/main" xmlns="" id="{BE9BB441-FB20-4730-8E02-40B0B20C593A}"/>
               </a:ext>
             </a:extLst>
           </p:cNvPr>
@@ -3615,7 +3640,7 @@
           <a:blip r:embed="rId5">
             <a:extLst>
               <a:ext uri="{28A0092B-C50C-407E-A947-70E740481C1C}">
-                <a14:useLocalDpi xmlns:a14="http://schemas.microsoft.com/office/drawing/2010/main" val="0"/>
+                <a14:useLocalDpi xmlns:a14="http://schemas.microsoft.com/office/drawing/2010/main" xmlns="" val="0"/>
               </a:ext>
             </a:extLst>
           </a:blip>
@@ -3638,7 +3663,7 @@
           <p:cNvPr id="17" name="Picture 16">
             <a:extLst>
               <a:ext uri="{FF2B5EF4-FFF2-40B4-BE49-F238E27FC236}">
-                <a16:creationId xmlns:a16="http://schemas.microsoft.com/office/drawing/2014/main" id="{F75BFA48-4F98-48AA-84F5-92035509AB94}"/>
+                <a16:creationId xmlns:a16="http://schemas.microsoft.com/office/drawing/2014/main" xmlns="" id="{F75BFA48-4F98-48AA-84F5-92035509AB94}"/>
               </a:ext>
             </a:extLst>
           </p:cNvPr>
@@ -3651,7 +3676,7 @@
           <a:blip r:embed="rId6">
             <a:extLst>
               <a:ext uri="{28A0092B-C50C-407E-A947-70E740481C1C}">
-                <a14:useLocalDpi xmlns:a14="http://schemas.microsoft.com/office/drawing/2010/main" val="0"/>
+                <a14:useLocalDpi xmlns:a14="http://schemas.microsoft.com/office/drawing/2010/main" xmlns="" val="0"/>
               </a:ext>
             </a:extLst>
           </a:blip>
@@ -3672,7 +3697,7 @@
     </p:spTree>
     <p:extLst>
       <p:ext uri="{BB962C8B-B14F-4D97-AF65-F5344CB8AC3E}">
-        <p14:creationId xmlns:p14="http://schemas.microsoft.com/office/powerpoint/2010/main" val="2535337005"/>
+        <p14:creationId xmlns:p14="http://schemas.microsoft.com/office/powerpoint/2010/main" xmlns="" val="2535337005"/>
       </p:ext>
     </p:extLst>
   </p:cSld>
@@ -3704,7 +3729,7 @@
           <p:cNvPr id="10" name="Picture 9">
             <a:extLst>
               <a:ext uri="{FF2B5EF4-FFF2-40B4-BE49-F238E27FC236}">
-                <a16:creationId xmlns:a16="http://schemas.microsoft.com/office/drawing/2014/main" id="{6248F25B-52F9-4CF0-BF52-629A9FD032CE}"/>
+                <a16:creationId xmlns:a16="http://schemas.microsoft.com/office/drawing/2014/main" xmlns="" id="{6248F25B-52F9-4CF0-BF52-629A9FD032CE}"/>
               </a:ext>
             </a:extLst>
           </p:cNvPr>
@@ -3733,7 +3758,7 @@
           <p:cNvPr id="9" name="Picture 8">
             <a:extLst>
               <a:ext uri="{FF2B5EF4-FFF2-40B4-BE49-F238E27FC236}">
-                <a16:creationId xmlns:a16="http://schemas.microsoft.com/office/drawing/2014/main" id="{158091B3-A577-4C1D-8D3E-131CBA84C0EE}"/>
+                <a16:creationId xmlns:a16="http://schemas.microsoft.com/office/drawing/2014/main" xmlns="" id="{158091B3-A577-4C1D-8D3E-131CBA84C0EE}"/>
               </a:ext>
             </a:extLst>
           </p:cNvPr>
@@ -3763,7 +3788,7 @@
           <p:cNvPr id="2" name="Title 1">
             <a:extLst>
               <a:ext uri="{FF2B5EF4-FFF2-40B4-BE49-F238E27FC236}">
-                <a16:creationId xmlns:a16="http://schemas.microsoft.com/office/drawing/2014/main" id="{DFC049F8-2284-4161-BE3C-431BCD0EFAB7}"/>
+                <a16:creationId xmlns:a16="http://schemas.microsoft.com/office/drawing/2014/main" xmlns="" id="{DFC049F8-2284-4161-BE3C-431BCD0EFAB7}"/>
               </a:ext>
             </a:extLst>
           </p:cNvPr>
@@ -3799,7 +3824,7 @@
               <a:rPr lang="en-GB" dirty="0">
                 <a:latin typeface="Bodoni MT" panose="02070603080606020203" pitchFamily="18" charset="0"/>
               </a:rPr>
-              <a:t>User Testing Feedback (ii)</a:t>
+              <a:t>User Testing Feedback (i)</a:t>
             </a:r>
           </a:p>
         </p:txBody>
@@ -3809,7 +3834,7 @@
           <p:cNvPr id="3" name="Content Placeholder 2">
             <a:extLst>
               <a:ext uri="{FF2B5EF4-FFF2-40B4-BE49-F238E27FC236}">
-                <a16:creationId xmlns:a16="http://schemas.microsoft.com/office/drawing/2014/main" id="{F2E045F5-714F-4E07-87A1-F5696A62ED28}"/>
+                <a16:creationId xmlns:a16="http://schemas.microsoft.com/office/drawing/2014/main" xmlns="" id="{F2E045F5-714F-4E07-87A1-F5696A62ED28}"/>
               </a:ext>
             </a:extLst>
           </p:cNvPr>
@@ -3860,7 +3885,7 @@
           <p:cNvPr id="6" name="TextBox 5">
             <a:extLst>
               <a:ext uri="{FF2B5EF4-FFF2-40B4-BE49-F238E27FC236}">
-                <a16:creationId xmlns:a16="http://schemas.microsoft.com/office/drawing/2014/main" id="{2A7FCD91-3666-4A23-B530-B70A5977CFC4}"/>
+                <a16:creationId xmlns:a16="http://schemas.microsoft.com/office/drawing/2014/main" xmlns="" id="{2A7FCD91-3666-4A23-B530-B70A5977CFC4}"/>
               </a:ext>
             </a:extLst>
           </p:cNvPr>
@@ -3899,7 +3924,7 @@
           <p:cNvPr id="8" name="Picture 7">
             <a:extLst>
               <a:ext uri="{FF2B5EF4-FFF2-40B4-BE49-F238E27FC236}">
-                <a16:creationId xmlns:a16="http://schemas.microsoft.com/office/drawing/2014/main" id="{A3117FBC-7DFD-4758-B4B9-29961EBB7136}"/>
+                <a16:creationId xmlns:a16="http://schemas.microsoft.com/office/drawing/2014/main" xmlns="" id="{A3117FBC-7DFD-4758-B4B9-29961EBB7136}"/>
               </a:ext>
             </a:extLst>
           </p:cNvPr>
@@ -3934,7 +3959,7 @@
           <p:cNvPr id="11" name="TextBox 10">
             <a:extLst>
               <a:ext uri="{FF2B5EF4-FFF2-40B4-BE49-F238E27FC236}">
-                <a16:creationId xmlns:a16="http://schemas.microsoft.com/office/drawing/2014/main" id="{0B108C47-D011-4547-9642-A8F7197FB2ED}"/>
+                <a16:creationId xmlns:a16="http://schemas.microsoft.com/office/drawing/2014/main" xmlns="" id="{0B108C47-D011-4547-9642-A8F7197FB2ED}"/>
               </a:ext>
             </a:extLst>
           </p:cNvPr>
@@ -3944,7 +3969,7 @@
         <p:spPr>
           <a:xfrm>
             <a:off x="1229920" y="1296303"/>
-            <a:ext cx="5349021" cy="2308324"/>
+            <a:ext cx="5349021" cy="2031325"/>
           </a:xfrm>
           <a:prstGeom prst="rect">
             <a:avLst/>
@@ -3966,7 +3991,7 @@
               <a:rPr lang="en-GB" b="1" dirty="0">
                 <a:latin typeface="Bodoni MT" panose="02070603080606020203" pitchFamily="18" charset="0"/>
               </a:rPr>
-              <a:t>TEST 3: FULL RUN-THROUGH:</a:t>
+              <a:t>TEST 1: PLATFORMS:</a:t>
             </a:r>
           </a:p>
           <a:p>
@@ -3980,7 +4005,7 @@
               <a:rPr lang="en-GB" dirty="0">
                 <a:latin typeface="Bodoni MT" panose="02070603080606020203" pitchFamily="18" charset="0"/>
               </a:rPr>
-              <a:t>: For the overall experience to be both enjoyable and challenging for the player.</a:t>
+              <a:t>: For difficulty to scale linearly upwards for each sequential level.</a:t>
             </a:r>
           </a:p>
           <a:p>
@@ -3994,45 +4019,34 @@
               <a:rPr lang="en-GB" dirty="0">
                 <a:latin typeface="Bodoni MT" panose="02070603080606020203" pitchFamily="18" charset="0"/>
               </a:rPr>
-              <a:t>: Participants felt a disconnect between their character and the aim of the game.</a:t>
-            </a:r>
+              <a:t>: Participants found level 1 more difficult than level 2.</a:t>
+            </a:r>
+            <a:endParaRPr lang="en-GB" i="1" dirty="0">
+              <a:latin typeface="Bodoni MT" panose="02070603080606020203" pitchFamily="18" charset="0"/>
+            </a:endParaRPr>
           </a:p>
           <a:p>
             <a:r>
               <a:rPr lang="en-GB" i="1" dirty="0">
                 <a:latin typeface="Bodoni MT" panose="02070603080606020203" pitchFamily="18" charset="0"/>
               </a:rPr>
-              <a:t>QUOTE: </a:t>
+              <a:t>Action Taken</a:t>
             </a:r>
             <a:r>
               <a:rPr lang="en-GB" dirty="0">
                 <a:latin typeface="Bodoni MT" panose="02070603080606020203" pitchFamily="18" charset="0"/>
               </a:rPr>
-              <a:t>“Why is this elf fixing the house?”</a:t>
-            </a:r>
-          </a:p>
-          <a:p>
-            <a:r>
-              <a:rPr lang="en-GB" i="1" dirty="0">
-                <a:latin typeface="Bodoni MT" panose="02070603080606020203" pitchFamily="18" charset="0"/>
-              </a:rPr>
-              <a:t>Action Taken</a:t>
-            </a:r>
-            <a:r>
-              <a:rPr lang="en-GB" dirty="0">
-                <a:latin typeface="Bodoni MT" panose="02070603080606020203" pitchFamily="18" charset="0"/>
-              </a:rPr>
-              <a:t>: Added the character to the house background in the main menu to create a mental link.</a:t>
-            </a:r>
-          </a:p>
-        </p:txBody>
-      </p:sp>
-      <p:sp>
-        <p:nvSpPr>
-          <p:cNvPr id="13" name="TextBox 12">
-            <a:extLst>
-              <a:ext uri="{FF2B5EF4-FFF2-40B4-BE49-F238E27FC236}">
-                <a16:creationId xmlns:a16="http://schemas.microsoft.com/office/drawing/2014/main" id="{51D2C041-9487-41F5-B1A0-947375EFE397}"/>
+              <a:t>: Increased the number of fall locations and obstacles in level 2.</a:t>
+            </a:r>
+          </a:p>
+        </p:txBody>
+      </p:sp>
+      <p:sp>
+        <p:nvSpPr>
+          <p:cNvPr id="12" name="TextBox 11">
+            <a:extLst>
+              <a:ext uri="{FF2B5EF4-FFF2-40B4-BE49-F238E27FC236}">
+                <a16:creationId xmlns:a16="http://schemas.microsoft.com/office/drawing/2014/main" xmlns="" id="{B703FA5C-A8C2-4740-B5EE-2A5922A54DF9}"/>
               </a:ext>
             </a:extLst>
           </p:cNvPr>
@@ -4041,8 +4055,8 @@
         </p:nvSpPr>
         <p:spPr>
           <a:xfrm>
-            <a:off x="1229920" y="3604627"/>
-            <a:ext cx="5349021" cy="646331"/>
+            <a:off x="1229919" y="3327628"/>
+            <a:ext cx="5349021" cy="2308324"/>
           </a:xfrm>
           <a:prstGeom prst="rect">
             <a:avLst/>
@@ -4064,13 +4078,52 @@
               <a:rPr lang="en-GB" b="1" dirty="0">
                 <a:latin typeface="Bodoni MT" panose="02070603080606020203" pitchFamily="18" charset="0"/>
               </a:rPr>
-              <a:t>NOTE: </a:t>
+              <a:t>TEST 2: PUZZLES:</a:t>
+            </a:r>
+          </a:p>
+          <a:p>
+            <a:r>
+              <a:rPr lang="en-GB" i="1" dirty="0">
+                <a:latin typeface="Bodoni MT" panose="02070603080606020203" pitchFamily="18" charset="0"/>
+              </a:rPr>
+              <a:t>Our intention</a:t>
             </a:r>
             <a:r>
               <a:rPr lang="en-GB" dirty="0">
                 <a:latin typeface="Bodoni MT" panose="02070603080606020203" pitchFamily="18" charset="0"/>
               </a:rPr>
-              <a:t>Test 3 was completed after the changes made following Tests 1 and 2.</a:t>
+              <a:t>: For each puzzle to be unique and challenging in its own way, but not to cause frustration.</a:t>
+            </a:r>
+          </a:p>
+          <a:p>
+            <a:r>
+              <a:rPr lang="en-GB" i="1" dirty="0">
+                <a:latin typeface="Bodoni MT" panose="02070603080606020203" pitchFamily="18" charset="0"/>
+              </a:rPr>
+              <a:t>Our findings</a:t>
+            </a:r>
+            <a:r>
+              <a:rPr lang="en-GB" dirty="0">
+                <a:latin typeface="Bodoni MT" panose="02070603080606020203" pitchFamily="18" charset="0"/>
+              </a:rPr>
+              <a:t>: Participants found the tile puzzle to be too complex, taking upwards of 10 minutes to solve.</a:t>
+            </a:r>
+            <a:endParaRPr lang="en-GB" i="1" dirty="0">
+              <a:latin typeface="Bodoni MT" panose="02070603080606020203" pitchFamily="18" charset="0"/>
+            </a:endParaRPr>
+          </a:p>
+          <a:p>
+            <a:r>
+              <a:rPr lang="en-GB" i="1" dirty="0">
+                <a:latin typeface="Bodoni MT" panose="02070603080606020203" pitchFamily="18" charset="0"/>
+              </a:rPr>
+              <a:t>Action Taken</a:t>
+            </a:r>
+            <a:r>
+              <a:rPr lang="en-GB" dirty="0">
+                <a:latin typeface="Bodoni MT" panose="02070603080606020203" pitchFamily="18" charset="0"/>
+              </a:rPr>
+              <a:t>: Reduced the tile size of the tile puzzle from 4x4 to 3x3.</a:t>
             </a:r>
           </a:p>
         </p:txBody>
@@ -4078,7 +4131,7 @@
     </p:spTree>
     <p:extLst>
       <p:ext uri="{BB962C8B-B14F-4D97-AF65-F5344CB8AC3E}">
-        <p14:creationId xmlns:p14="http://schemas.microsoft.com/office/powerpoint/2010/main" val="396850397"/>
+        <p14:creationId xmlns:p14="http://schemas.microsoft.com/office/powerpoint/2010/main" xmlns="" val="3187953464"/>
       </p:ext>
     </p:extLst>
   </p:cSld>
@@ -4107,10 +4160,39 @@
       </p:grpSpPr>
       <p:pic>
         <p:nvPicPr>
-          <p:cNvPr id="4" name="Picture 3">
-            <a:extLst>
-              <a:ext uri="{FF2B5EF4-FFF2-40B4-BE49-F238E27FC236}">
-                <a16:creationId xmlns:a16="http://schemas.microsoft.com/office/drawing/2014/main" id="{1F7B8747-803D-41C8-89FD-730522D4A3D6}"/>
+          <p:cNvPr id="10" name="Picture 9">
+            <a:extLst>
+              <a:ext uri="{FF2B5EF4-FFF2-40B4-BE49-F238E27FC236}">
+                <a16:creationId xmlns:a16="http://schemas.microsoft.com/office/drawing/2014/main" xmlns="" id="{6248F25B-52F9-4CF0-BF52-629A9FD032CE}"/>
+              </a:ext>
+            </a:extLst>
+          </p:cNvPr>
+          <p:cNvPicPr>
+            <a:picLocks noChangeAspect="1"/>
+          </p:cNvPicPr>
+          <p:nvPr/>
+        </p:nvPicPr>
+        <p:blipFill rotWithShape="1">
+          <a:blip r:embed="rId2"/>
+          <a:srcRect r="52066"/>
+          <a:stretch/>
+        </p:blipFill>
+        <p:spPr>
+          <a:xfrm>
+            <a:off x="7808860" y="0"/>
+            <a:ext cx="4383140" cy="6858000"/>
+          </a:xfrm>
+          <a:prstGeom prst="rect">
+            <a:avLst/>
+          </a:prstGeom>
+        </p:spPr>
+      </p:pic>
+      <p:pic>
+        <p:nvPicPr>
+          <p:cNvPr id="9" name="Picture 8">
+            <a:extLst>
+              <a:ext uri="{FF2B5EF4-FFF2-40B4-BE49-F238E27FC236}">
+                <a16:creationId xmlns:a16="http://schemas.microsoft.com/office/drawing/2014/main" xmlns="" id="{158091B3-A577-4C1D-8D3E-131CBA84C0EE}"/>
               </a:ext>
             </a:extLst>
           </p:cNvPr>
@@ -4127,8 +4209,174 @@
         </p:blipFill>
         <p:spPr>
           <a:xfrm>
-            <a:off x="0" y="1"/>
-            <a:ext cx="12192000" cy="6858000"/>
+            <a:off x="0" y="0"/>
+            <a:ext cx="9144000" cy="6858000"/>
+          </a:xfrm>
+          <a:prstGeom prst="rect">
+            <a:avLst/>
+          </a:prstGeom>
+        </p:spPr>
+      </p:pic>
+      <p:sp>
+        <p:nvSpPr>
+          <p:cNvPr id="2" name="Title 1">
+            <a:extLst>
+              <a:ext uri="{FF2B5EF4-FFF2-40B4-BE49-F238E27FC236}">
+                <a16:creationId xmlns:a16="http://schemas.microsoft.com/office/drawing/2014/main" xmlns="" id="{DFC049F8-2284-4161-BE3C-431BCD0EFAB7}"/>
+              </a:ext>
+            </a:extLst>
+          </p:cNvPr>
+          <p:cNvSpPr>
+            <a:spLocks noGrp="1"/>
+          </p:cNvSpPr>
+          <p:nvPr>
+            <p:ph type="title"/>
+          </p:nvPr>
+        </p:nvSpPr>
+        <p:spPr>
+          <a:xfrm>
+            <a:off x="838200" y="365125"/>
+            <a:ext cx="10515600" cy="566053"/>
+          </a:xfrm>
+          <a:solidFill>
+            <a:schemeClr val="bg1"/>
+          </a:solidFill>
+          <a:ln>
+            <a:solidFill>
+              <a:schemeClr val="tx1"/>
+            </a:solidFill>
+          </a:ln>
+        </p:spPr>
+        <p:txBody>
+          <a:bodyPr>
+            <a:normAutofit fontScale="90000"/>
+          </a:bodyPr>
+          <a:lstStyle/>
+          <a:p>
+            <a:pPr algn="ctr"/>
+            <a:r>
+              <a:rPr lang="en-GB" dirty="0">
+                <a:latin typeface="Bodoni MT" panose="02070603080606020203" pitchFamily="18" charset="0"/>
+              </a:rPr>
+              <a:t>User Testing Feedback (ii)</a:t>
+            </a:r>
+          </a:p>
+        </p:txBody>
+      </p:sp>
+      <p:sp>
+        <p:nvSpPr>
+          <p:cNvPr id="3" name="Content Placeholder 2">
+            <a:extLst>
+              <a:ext uri="{FF2B5EF4-FFF2-40B4-BE49-F238E27FC236}">
+                <a16:creationId xmlns:a16="http://schemas.microsoft.com/office/drawing/2014/main" xmlns="" id="{F2E045F5-714F-4E07-87A1-F5696A62ED28}"/>
+              </a:ext>
+            </a:extLst>
+          </p:cNvPr>
+          <p:cNvSpPr>
+            <a:spLocks noGrp="1"/>
+          </p:cNvSpPr>
+          <p:nvPr>
+            <p:ph idx="1"/>
+          </p:nvPr>
+        </p:nvSpPr>
+        <p:spPr>
+          <a:xfrm>
+            <a:off x="838200" y="931178"/>
+            <a:ext cx="10515600" cy="5245785"/>
+          </a:xfrm>
+          <a:solidFill>
+            <a:schemeClr val="bg1"/>
+          </a:solidFill>
+          <a:ln>
+            <a:solidFill>
+              <a:schemeClr val="tx1"/>
+            </a:solidFill>
+          </a:ln>
+        </p:spPr>
+        <p:txBody>
+          <a:bodyPr/>
+          <a:lstStyle/>
+          <a:p>
+            <a:pPr marL="0" indent="0">
+              <a:buNone/>
+            </a:pPr>
+            <a:endParaRPr lang="en-GB" dirty="0">
+              <a:latin typeface="Bodoni MT" panose="02070603080606020203" pitchFamily="18" charset="0"/>
+            </a:endParaRPr>
+          </a:p>
+          <a:p>
+            <a:pPr marL="0" indent="0">
+              <a:buNone/>
+            </a:pPr>
+            <a:endParaRPr lang="en-GB" dirty="0">
+              <a:latin typeface="Bodoni MT" panose="02070603080606020203" pitchFamily="18" charset="0"/>
+            </a:endParaRPr>
+          </a:p>
+        </p:txBody>
+      </p:sp>
+      <p:sp>
+        <p:nvSpPr>
+          <p:cNvPr id="6" name="TextBox 5">
+            <a:extLst>
+              <a:ext uri="{FF2B5EF4-FFF2-40B4-BE49-F238E27FC236}">
+                <a16:creationId xmlns:a16="http://schemas.microsoft.com/office/drawing/2014/main" xmlns="" id="{2A7FCD91-3666-4A23-B530-B70A5977CFC4}"/>
+              </a:ext>
+            </a:extLst>
+          </p:cNvPr>
+          <p:cNvSpPr txBox="1"/>
+          <p:nvPr/>
+        </p:nvSpPr>
+        <p:spPr>
+          <a:xfrm>
+            <a:off x="10233870" y="240664"/>
+            <a:ext cx="1393272" cy="707886"/>
+          </a:xfrm>
+          <a:prstGeom prst="rect">
+            <a:avLst/>
+          </a:prstGeom>
+          <a:noFill/>
+        </p:spPr>
+        <p:txBody>
+          <a:bodyPr wrap="square" rtlCol="0">
+            <a:spAutoFit/>
+          </a:bodyPr>
+          <a:lstStyle/>
+          <a:p>
+            <a:pPr algn="ctr"/>
+            <a:r>
+              <a:rPr lang="en-GB" sz="4000" i="1" dirty="0">
+                <a:latin typeface="Bodoni MT" panose="02070603080606020203" pitchFamily="18" charset="0"/>
+                <a:ea typeface="Cambria Math" panose="02040503050406030204" pitchFamily="18" charset="0"/>
+              </a:rPr>
+              <a:t>(4)</a:t>
+            </a:r>
+          </a:p>
+        </p:txBody>
+      </p:sp>
+      <p:pic>
+        <p:nvPicPr>
+          <p:cNvPr id="8" name="Picture 7">
+            <a:extLst>
+              <a:ext uri="{FF2B5EF4-FFF2-40B4-BE49-F238E27FC236}">
+                <a16:creationId xmlns:a16="http://schemas.microsoft.com/office/drawing/2014/main" xmlns="" id="{A3117FBC-7DFD-4758-B4B9-29961EBB7136}"/>
+              </a:ext>
+            </a:extLst>
+          </p:cNvPr>
+          <p:cNvPicPr>
+            <a:picLocks noChangeAspect="1"/>
+          </p:cNvPicPr>
+          <p:nvPr/>
+        </p:nvPicPr>
+        <p:blipFill>
+          <a:blip r:embed="rId3"/>
+          <a:stretch>
+            <a:fillRect/>
+          </a:stretch>
+        </p:blipFill>
+        <p:spPr>
+          <a:xfrm>
+            <a:off x="7105940" y="1632457"/>
+            <a:ext cx="3782621" cy="3770054"/>
           </a:xfrm>
           <a:prstGeom prst="rect">
             <a:avLst/>
@@ -4142,10 +4390,221 @@
       </p:pic>
       <p:sp>
         <p:nvSpPr>
+          <p:cNvPr id="11" name="TextBox 10">
+            <a:extLst>
+              <a:ext uri="{FF2B5EF4-FFF2-40B4-BE49-F238E27FC236}">
+                <a16:creationId xmlns:a16="http://schemas.microsoft.com/office/drawing/2014/main" xmlns="" id="{0B108C47-D011-4547-9642-A8F7197FB2ED}"/>
+              </a:ext>
+            </a:extLst>
+          </p:cNvPr>
+          <p:cNvSpPr txBox="1"/>
+          <p:nvPr/>
+        </p:nvSpPr>
+        <p:spPr>
+          <a:xfrm>
+            <a:off x="1229920" y="1296303"/>
+            <a:ext cx="5349021" cy="2308324"/>
+          </a:xfrm>
+          <a:prstGeom prst="rect">
+            <a:avLst/>
+          </a:prstGeom>
+          <a:noFill/>
+          <a:ln>
+            <a:solidFill>
+              <a:schemeClr val="tx1"/>
+            </a:solidFill>
+          </a:ln>
+        </p:spPr>
+        <p:txBody>
+          <a:bodyPr wrap="square" rtlCol="0">
+            <a:spAutoFit/>
+          </a:bodyPr>
+          <a:lstStyle/>
+          <a:p>
+            <a:r>
+              <a:rPr lang="en-GB" b="1" dirty="0">
+                <a:latin typeface="Bodoni MT" panose="02070603080606020203" pitchFamily="18" charset="0"/>
+              </a:rPr>
+              <a:t>TEST 3: FULL RUN-THROUGH:</a:t>
+            </a:r>
+          </a:p>
+          <a:p>
+            <a:r>
+              <a:rPr lang="en-GB" i="1" dirty="0">
+                <a:latin typeface="Bodoni MT" panose="02070603080606020203" pitchFamily="18" charset="0"/>
+              </a:rPr>
+              <a:t>Our intention</a:t>
+            </a:r>
+            <a:r>
+              <a:rPr lang="en-GB" dirty="0">
+                <a:latin typeface="Bodoni MT" panose="02070603080606020203" pitchFamily="18" charset="0"/>
+              </a:rPr>
+              <a:t>: For the overall experience to be both enjoyable and challenging for the player.</a:t>
+            </a:r>
+          </a:p>
+          <a:p>
+            <a:r>
+              <a:rPr lang="en-GB" i="1" dirty="0">
+                <a:latin typeface="Bodoni MT" panose="02070603080606020203" pitchFamily="18" charset="0"/>
+              </a:rPr>
+              <a:t>Our findings</a:t>
+            </a:r>
+            <a:r>
+              <a:rPr lang="en-GB" dirty="0">
+                <a:latin typeface="Bodoni MT" panose="02070603080606020203" pitchFamily="18" charset="0"/>
+              </a:rPr>
+              <a:t>: Participants felt a disconnect between their character and the aim of the game.</a:t>
+            </a:r>
+          </a:p>
+          <a:p>
+            <a:r>
+              <a:rPr lang="en-GB" i="1" dirty="0">
+                <a:latin typeface="Bodoni MT" panose="02070603080606020203" pitchFamily="18" charset="0"/>
+              </a:rPr>
+              <a:t>QUOTE: </a:t>
+            </a:r>
+            <a:r>
+              <a:rPr lang="en-GB" dirty="0">
+                <a:latin typeface="Bodoni MT" panose="02070603080606020203" pitchFamily="18" charset="0"/>
+              </a:rPr>
+              <a:t>“Why is this elf fixing the house?”</a:t>
+            </a:r>
+          </a:p>
+          <a:p>
+            <a:r>
+              <a:rPr lang="en-GB" i="1" dirty="0">
+                <a:latin typeface="Bodoni MT" panose="02070603080606020203" pitchFamily="18" charset="0"/>
+              </a:rPr>
+              <a:t>Action Taken</a:t>
+            </a:r>
+            <a:r>
+              <a:rPr lang="en-GB" dirty="0">
+                <a:latin typeface="Bodoni MT" panose="02070603080606020203" pitchFamily="18" charset="0"/>
+              </a:rPr>
+              <a:t>: Added the character to the house background in the main menu to create a mental link.</a:t>
+            </a:r>
+          </a:p>
+        </p:txBody>
+      </p:sp>
+      <p:sp>
+        <p:nvSpPr>
+          <p:cNvPr id="13" name="TextBox 12">
+            <a:extLst>
+              <a:ext uri="{FF2B5EF4-FFF2-40B4-BE49-F238E27FC236}">
+                <a16:creationId xmlns:a16="http://schemas.microsoft.com/office/drawing/2014/main" xmlns="" id="{51D2C041-9487-41F5-B1A0-947375EFE397}"/>
+              </a:ext>
+            </a:extLst>
+          </p:cNvPr>
+          <p:cNvSpPr txBox="1"/>
+          <p:nvPr/>
+        </p:nvSpPr>
+        <p:spPr>
+          <a:xfrm>
+            <a:off x="1229920" y="3604627"/>
+            <a:ext cx="5349021" cy="646331"/>
+          </a:xfrm>
+          <a:prstGeom prst="rect">
+            <a:avLst/>
+          </a:prstGeom>
+          <a:noFill/>
+          <a:ln>
+            <a:solidFill>
+              <a:schemeClr val="tx1"/>
+            </a:solidFill>
+          </a:ln>
+        </p:spPr>
+        <p:txBody>
+          <a:bodyPr wrap="square" rtlCol="0">
+            <a:spAutoFit/>
+          </a:bodyPr>
+          <a:lstStyle/>
+          <a:p>
+            <a:r>
+              <a:rPr lang="en-GB" b="1" dirty="0">
+                <a:latin typeface="Bodoni MT" panose="02070603080606020203" pitchFamily="18" charset="0"/>
+              </a:rPr>
+              <a:t>NOTE: </a:t>
+            </a:r>
+            <a:r>
+              <a:rPr lang="en-GB" dirty="0">
+                <a:latin typeface="Bodoni MT" panose="02070603080606020203" pitchFamily="18" charset="0"/>
+              </a:rPr>
+              <a:t>Test 3 was completed after the changes made following Tests 1 and 2.</a:t>
+            </a:r>
+          </a:p>
+        </p:txBody>
+      </p:sp>
+    </p:spTree>
+    <p:extLst>
+      <p:ext uri="{BB962C8B-B14F-4D97-AF65-F5344CB8AC3E}">
+        <p14:creationId xmlns:p14="http://schemas.microsoft.com/office/powerpoint/2010/main" xmlns="" val="396850397"/>
+      </p:ext>
+    </p:extLst>
+  </p:cSld>
+  <p:clrMapOvr>
+    <a:masterClrMapping/>
+  </p:clrMapOvr>
+</p:sld>
+</file>
+
+<file path=ppt/slides/slide12.xml><?xml version="1.0" encoding="utf-8"?>
+<p:sld xmlns:a="http://schemas.openxmlformats.org/drawingml/2006/main" xmlns:r="http://schemas.openxmlformats.org/officeDocument/2006/relationships" xmlns:p="http://schemas.openxmlformats.org/presentationml/2006/main">
+  <p:cSld>
+    <p:spTree>
+      <p:nvGrpSpPr>
+        <p:cNvPr id="1" name=""/>
+        <p:cNvGrpSpPr/>
+        <p:nvPr/>
+      </p:nvGrpSpPr>
+      <p:grpSpPr>
+        <a:xfrm>
+          <a:off x="0" y="0"/>
+          <a:ext cx="0" cy="0"/>
+          <a:chOff x="0" y="0"/>
+          <a:chExt cx="0" cy="0"/>
+        </a:xfrm>
+      </p:grpSpPr>
+      <p:pic>
+        <p:nvPicPr>
+          <p:cNvPr id="4" name="Picture 3">
+            <a:extLst>
+              <a:ext uri="{FF2B5EF4-FFF2-40B4-BE49-F238E27FC236}">
+                <a16:creationId xmlns:a16="http://schemas.microsoft.com/office/drawing/2014/main" xmlns="" id="{1F7B8747-803D-41C8-89FD-730522D4A3D6}"/>
+              </a:ext>
+            </a:extLst>
+          </p:cNvPr>
+          <p:cNvPicPr>
+            <a:picLocks noChangeAspect="1"/>
+          </p:cNvPicPr>
+          <p:nvPr/>
+        </p:nvPicPr>
+        <p:blipFill>
+          <a:blip r:embed="rId2"/>
+          <a:stretch>
+            <a:fillRect/>
+          </a:stretch>
+        </p:blipFill>
+        <p:spPr>
+          <a:xfrm>
+            <a:off x="0" y="1"/>
+            <a:ext cx="12192000" cy="6858000"/>
+          </a:xfrm>
+          <a:prstGeom prst="rect">
+            <a:avLst/>
+          </a:prstGeom>
+          <a:ln>
+            <a:solidFill>
+              <a:schemeClr val="tx1"/>
+            </a:solidFill>
+          </a:ln>
+        </p:spPr>
+      </p:pic>
+      <p:sp>
+        <p:nvSpPr>
           <p:cNvPr id="2" name="Title 1">
             <a:extLst>
               <a:ext uri="{FF2B5EF4-FFF2-40B4-BE49-F238E27FC236}">
-                <a16:creationId xmlns:a16="http://schemas.microsoft.com/office/drawing/2014/main" id="{DFC049F8-2284-4161-BE3C-431BCD0EFAB7}"/>
+                <a16:creationId xmlns:a16="http://schemas.microsoft.com/office/drawing/2014/main" xmlns="" id="{DFC049F8-2284-4161-BE3C-431BCD0EFAB7}"/>
               </a:ext>
             </a:extLst>
           </p:cNvPr>
@@ -4191,7 +4650,7 @@
           <p:cNvPr id="3" name="Content Placeholder 2">
             <a:extLst>
               <a:ext uri="{FF2B5EF4-FFF2-40B4-BE49-F238E27FC236}">
-                <a16:creationId xmlns:a16="http://schemas.microsoft.com/office/drawing/2014/main" id="{F2E045F5-714F-4E07-87A1-F5696A62ED28}"/>
+                <a16:creationId xmlns:a16="http://schemas.microsoft.com/office/drawing/2014/main" xmlns="" id="{F2E045F5-714F-4E07-87A1-F5696A62ED28}"/>
               </a:ext>
             </a:extLst>
           </p:cNvPr>
@@ -4220,6 +4679,62 @@
           <a:bodyPr/>
           <a:lstStyle/>
           <a:p>
+            <a:r>
+              <a:rPr lang="en-GB" dirty="0" smtClean="0">
+                <a:latin typeface="Bodoni MT" panose="02070603080606020203" pitchFamily="18" charset="0"/>
+              </a:rPr>
+              <a:t>Difficulties and how we coped</a:t>
+            </a:r>
+          </a:p>
+          <a:p>
+            <a:r>
+              <a:rPr lang="en-GB" dirty="0" smtClean="0">
+                <a:latin typeface="Bodoni MT" panose="02070603080606020203" pitchFamily="18" charset="0"/>
+              </a:rPr>
+              <a:t>Did we enjoy it? yes, but </a:t>
+            </a:r>
+            <a:r>
+              <a:rPr lang="en-GB" dirty="0" err="1" smtClean="0">
+                <a:latin typeface="Bodoni MT" panose="02070603080606020203" pitchFamily="18" charset="0"/>
+              </a:rPr>
+              <a:t>Jaejoon’s</a:t>
+            </a:r>
+            <a:r>
+              <a:rPr lang="en-GB" dirty="0" smtClean="0">
+                <a:latin typeface="Bodoni MT" panose="02070603080606020203" pitchFamily="18" charset="0"/>
+              </a:rPr>
+              <a:t> reaction very discouraging</a:t>
+            </a:r>
+          </a:p>
+          <a:p>
+            <a:r>
+              <a:rPr lang="en-GB" dirty="0" smtClean="0">
+                <a:latin typeface="Bodoni MT" panose="02070603080606020203" pitchFamily="18" charset="0"/>
+              </a:rPr>
+              <a:t>Everyone worked well together – lots of communication; weekly workshops very helpful</a:t>
+            </a:r>
+          </a:p>
+          <a:p>
+            <a:r>
+              <a:rPr lang="en-GB" dirty="0" smtClean="0">
+                <a:latin typeface="Bodoni MT" panose="02070603080606020203" pitchFamily="18" charset="0"/>
+              </a:rPr>
+              <a:t>What did we learn? Skills/strengths developed</a:t>
+            </a:r>
+          </a:p>
+          <a:p>
+            <a:r>
+              <a:rPr lang="en-GB" dirty="0" smtClean="0">
+                <a:latin typeface="Bodoni MT" panose="02070603080606020203" pitchFamily="18" charset="0"/>
+              </a:rPr>
+              <a:t>Felt bad that Leo spent so much time generating graphics </a:t>
+            </a:r>
+            <a:r>
+              <a:rPr lang="en-GB" smtClean="0">
+                <a:latin typeface="Bodoni MT" panose="02070603080606020203" pitchFamily="18" charset="0"/>
+              </a:rPr>
+              <a:t>and didn’t get to code</a:t>
+            </a:r>
             <a:endParaRPr lang="en-GB" dirty="0">
               <a:latin typeface="Bodoni MT" panose="02070603080606020203" pitchFamily="18" charset="0"/>
             </a:endParaRPr>
@@ -4231,7 +4746,7 @@
           <p:cNvPr id="6" name="TextBox 5">
             <a:extLst>
               <a:ext uri="{FF2B5EF4-FFF2-40B4-BE49-F238E27FC236}">
-                <a16:creationId xmlns:a16="http://schemas.microsoft.com/office/drawing/2014/main" id="{2A7FCD91-3666-4A23-B530-B70A5977CFC4}"/>
+                <a16:creationId xmlns:a16="http://schemas.microsoft.com/office/drawing/2014/main" xmlns="" id="{2A7FCD91-3666-4A23-B530-B70A5977CFC4}"/>
               </a:ext>
             </a:extLst>
           </p:cNvPr>
@@ -4268,7 +4783,7 @@
     </p:spTree>
     <p:extLst>
       <p:ext uri="{BB962C8B-B14F-4D97-AF65-F5344CB8AC3E}">
-        <p14:creationId xmlns:p14="http://schemas.microsoft.com/office/powerpoint/2010/main" val="3875203172"/>
+        <p14:creationId xmlns:p14="http://schemas.microsoft.com/office/powerpoint/2010/main" xmlns="" val="3875203172"/>
       </p:ext>
     </p:extLst>
   </p:cSld>
@@ -4300,7 +4815,7 @@
           <p:cNvPr id="2" name="Title 1">
             <a:extLst>
               <a:ext uri="{FF2B5EF4-FFF2-40B4-BE49-F238E27FC236}">
-                <a16:creationId xmlns:a16="http://schemas.microsoft.com/office/drawing/2014/main" id="{DFC049F8-2284-4161-BE3C-431BCD0EFAB7}"/>
+                <a16:creationId xmlns:a16="http://schemas.microsoft.com/office/drawing/2014/main" xmlns="" id="{DFC049F8-2284-4161-BE3C-431BCD0EFAB7}"/>
               </a:ext>
             </a:extLst>
           </p:cNvPr>
@@ -4343,7 +4858,7 @@
           <p:cNvPr id="3" name="Content Placeholder 2">
             <a:extLst>
               <a:ext uri="{FF2B5EF4-FFF2-40B4-BE49-F238E27FC236}">
-                <a16:creationId xmlns:a16="http://schemas.microsoft.com/office/drawing/2014/main" id="{F2E045F5-714F-4E07-87A1-F5696A62ED28}"/>
+                <a16:creationId xmlns:a16="http://schemas.microsoft.com/office/drawing/2014/main" xmlns="" id="{F2E045F5-714F-4E07-87A1-F5696A62ED28}"/>
               </a:ext>
             </a:extLst>
           </p:cNvPr>
@@ -4428,7 +4943,7 @@
           <p:cNvPr id="4" name="TextBox 3">
             <a:extLst>
               <a:ext uri="{FF2B5EF4-FFF2-40B4-BE49-F238E27FC236}">
-                <a16:creationId xmlns:a16="http://schemas.microsoft.com/office/drawing/2014/main" id="{F5625C9B-D094-4FBC-8055-B24672E9398B}"/>
+                <a16:creationId xmlns:a16="http://schemas.microsoft.com/office/drawing/2014/main" xmlns="" id="{F5625C9B-D094-4FBC-8055-B24672E9398B}"/>
               </a:ext>
             </a:extLst>
           </p:cNvPr>
@@ -4467,7 +4982,7 @@
           <p:cNvPr id="5" name="Content Placeholder 2">
             <a:extLst>
               <a:ext uri="{FF2B5EF4-FFF2-40B4-BE49-F238E27FC236}">
-                <a16:creationId xmlns:a16="http://schemas.microsoft.com/office/drawing/2014/main" id="{C7089040-DF2C-484B-AFBB-ECF62504C88A}"/>
+                <a16:creationId xmlns:a16="http://schemas.microsoft.com/office/drawing/2014/main" xmlns="" id="{C7089040-DF2C-484B-AFBB-ECF62504C88A}"/>
               </a:ext>
             </a:extLst>
           </p:cNvPr>
@@ -4767,7 +5282,7 @@
           <p:cNvPr id="9" name="Picture 8">
             <a:extLst>
               <a:ext uri="{FF2B5EF4-FFF2-40B4-BE49-F238E27FC236}">
-                <a16:creationId xmlns:a16="http://schemas.microsoft.com/office/drawing/2014/main" id="{40C29DDE-834E-4869-B4AB-47C72B5ED44E}"/>
+                <a16:creationId xmlns:a16="http://schemas.microsoft.com/office/drawing/2014/main" xmlns="" id="{40C29DDE-834E-4869-B4AB-47C72B5ED44E}"/>
               </a:ext>
             </a:extLst>
           </p:cNvPr>
@@ -4780,7 +5295,7 @@
           <a:blip r:embed="rId2">
             <a:extLst>
               <a:ext uri="{28A0092B-C50C-407E-A947-70E740481C1C}">
-                <a14:useLocalDpi xmlns:a14="http://schemas.microsoft.com/office/drawing/2010/main" val="0"/>
+                <a14:useLocalDpi xmlns:a14="http://schemas.microsoft.com/office/drawing/2010/main" xmlns="" val="0"/>
               </a:ext>
             </a:extLst>
           </a:blip>
@@ -4806,7 +5321,7 @@
     </p:spTree>
     <p:extLst>
       <p:ext uri="{BB962C8B-B14F-4D97-AF65-F5344CB8AC3E}">
-        <p14:creationId xmlns:p14="http://schemas.microsoft.com/office/powerpoint/2010/main" val="1039289397"/>
+        <p14:creationId xmlns:p14="http://schemas.microsoft.com/office/powerpoint/2010/main" xmlns="" val="1039289397"/>
       </p:ext>
     </p:extLst>
   </p:cSld>
@@ -4838,7 +5353,7 @@
           <p:cNvPr id="2" name="Title 1">
             <a:extLst>
               <a:ext uri="{FF2B5EF4-FFF2-40B4-BE49-F238E27FC236}">
-                <a16:creationId xmlns:a16="http://schemas.microsoft.com/office/drawing/2014/main" id="{DFC049F8-2284-4161-BE3C-431BCD0EFAB7}"/>
+                <a16:creationId xmlns:a16="http://schemas.microsoft.com/office/drawing/2014/main" xmlns="" id="{DFC049F8-2284-4161-BE3C-431BCD0EFAB7}"/>
               </a:ext>
             </a:extLst>
           </p:cNvPr>
@@ -4881,7 +5396,7 @@
           <p:cNvPr id="6" name="TextBox 5">
             <a:extLst>
               <a:ext uri="{FF2B5EF4-FFF2-40B4-BE49-F238E27FC236}">
-                <a16:creationId xmlns:a16="http://schemas.microsoft.com/office/drawing/2014/main" id="{3F80BD68-2B59-4BE1-A899-630919EAEA8A}"/>
+                <a16:creationId xmlns:a16="http://schemas.microsoft.com/office/drawing/2014/main" xmlns="" id="{3F80BD68-2B59-4BE1-A899-630919EAEA8A}"/>
               </a:ext>
             </a:extLst>
           </p:cNvPr>
@@ -4920,7 +5435,7 @@
           <p:cNvPr id="5" name="Picture 4">
             <a:extLst>
               <a:ext uri="{FF2B5EF4-FFF2-40B4-BE49-F238E27FC236}">
-                <a16:creationId xmlns:a16="http://schemas.microsoft.com/office/drawing/2014/main" id="{020817A5-9300-4D98-B692-D6147E3BD93A}"/>
+                <a16:creationId xmlns:a16="http://schemas.microsoft.com/office/drawing/2014/main" xmlns="" id="{020817A5-9300-4D98-B692-D6147E3BD93A}"/>
               </a:ext>
             </a:extLst>
           </p:cNvPr>
@@ -4931,7 +5446,7 @@
           <a:blip r:embed="rId2" cstate="print">
             <a:extLst>
               <a:ext uri="{28A0092B-C50C-407E-A947-70E740481C1C}">
-                <a14:useLocalDpi xmlns:a14="http://schemas.microsoft.com/office/drawing/2010/main" val="0"/>
+                <a14:useLocalDpi xmlns:a14="http://schemas.microsoft.com/office/drawing/2010/main" xmlns="" val="0"/>
               </a:ext>
             </a:extLst>
           </a:blip>
@@ -4959,7 +5474,7 @@
           <p:cNvPr id="7" name="Content Placeholder 6">
             <a:extLst>
               <a:ext uri="{FF2B5EF4-FFF2-40B4-BE49-F238E27FC236}">
-                <a16:creationId xmlns:a16="http://schemas.microsoft.com/office/drawing/2014/main" id="{70CDBECA-B97D-4C2C-AC55-CFFC02982EF8}"/>
+                <a16:creationId xmlns:a16="http://schemas.microsoft.com/office/drawing/2014/main" xmlns="" id="{70CDBECA-B97D-4C2C-AC55-CFFC02982EF8}"/>
               </a:ext>
             </a:extLst>
           </p:cNvPr>
@@ -4974,7 +5489,7 @@
           <a:blip r:embed="rId3" cstate="print">
             <a:extLst>
               <a:ext uri="{28A0092B-C50C-407E-A947-70E740481C1C}">
-                <a14:useLocalDpi xmlns:a14="http://schemas.microsoft.com/office/drawing/2010/main" val="0"/>
+                <a14:useLocalDpi xmlns:a14="http://schemas.microsoft.com/office/drawing/2010/main" xmlns="" val="0"/>
               </a:ext>
             </a:extLst>
           </a:blip>
@@ -5002,7 +5517,7 @@
           <p:cNvPr id="8" name="Picture 7">
             <a:extLst>
               <a:ext uri="{FF2B5EF4-FFF2-40B4-BE49-F238E27FC236}">
-                <a16:creationId xmlns:a16="http://schemas.microsoft.com/office/drawing/2014/main" id="{31976AD6-994F-4EFA-9220-B0F8E43BE61B}"/>
+                <a16:creationId xmlns:a16="http://schemas.microsoft.com/office/drawing/2014/main" xmlns="" id="{31976AD6-994F-4EFA-9220-B0F8E43BE61B}"/>
               </a:ext>
             </a:extLst>
           </p:cNvPr>
@@ -5013,7 +5528,7 @@
           <a:blip r:embed="rId4" cstate="print">
             <a:extLst>
               <a:ext uri="{28A0092B-C50C-407E-A947-70E740481C1C}">
-                <a14:useLocalDpi xmlns:a14="http://schemas.microsoft.com/office/drawing/2010/main" val="0"/>
+                <a14:useLocalDpi xmlns:a14="http://schemas.microsoft.com/office/drawing/2010/main" xmlns="" val="0"/>
               </a:ext>
             </a:extLst>
           </a:blip>
@@ -5041,7 +5556,7 @@
           <p:cNvPr id="9" name="Picture 8">
             <a:extLst>
               <a:ext uri="{FF2B5EF4-FFF2-40B4-BE49-F238E27FC236}">
-                <a16:creationId xmlns:a16="http://schemas.microsoft.com/office/drawing/2014/main" id="{2820CE08-0969-4652-A714-794DE1C22F36}"/>
+                <a16:creationId xmlns:a16="http://schemas.microsoft.com/office/drawing/2014/main" xmlns="" id="{2820CE08-0969-4652-A714-794DE1C22F36}"/>
               </a:ext>
             </a:extLst>
           </p:cNvPr>
@@ -5052,7 +5567,7 @@
           <a:blip r:embed="rId5" cstate="print">
             <a:extLst>
               <a:ext uri="{28A0092B-C50C-407E-A947-70E740481C1C}">
-                <a14:useLocalDpi xmlns:a14="http://schemas.microsoft.com/office/drawing/2010/main" val="0"/>
+                <a14:useLocalDpi xmlns:a14="http://schemas.microsoft.com/office/drawing/2010/main" xmlns="" val="0"/>
               </a:ext>
             </a:extLst>
           </a:blip>
@@ -5074,7 +5589,7 @@
           </a:ln>
           <a:extLst>
             <a:ext uri="{53640926-AAD7-44D8-BBD7-CCE9431645EC}">
-              <a14:shadowObscured xmlns:a14="http://schemas.microsoft.com/office/drawing/2010/main"/>
+              <a14:shadowObscured xmlns:a14="http://schemas.microsoft.com/office/drawing/2010/main" xmlns=""/>
             </a:ext>
           </a:extLst>
         </p:spPr>
@@ -5082,7 +5597,7 @@
     </p:spTree>
     <p:extLst>
       <p:ext uri="{BB962C8B-B14F-4D97-AF65-F5344CB8AC3E}">
-        <p14:creationId xmlns:p14="http://schemas.microsoft.com/office/powerpoint/2010/main" val="2515389119"/>
+        <p14:creationId xmlns:p14="http://schemas.microsoft.com/office/powerpoint/2010/main" xmlns="" val="2515389119"/>
       </p:ext>
     </p:extLst>
   </p:cSld>
@@ -5114,7 +5629,7 @@
           <p:cNvPr id="4" name="Picture 3">
             <a:extLst>
               <a:ext uri="{FF2B5EF4-FFF2-40B4-BE49-F238E27FC236}">
-                <a16:creationId xmlns:a16="http://schemas.microsoft.com/office/drawing/2014/main" id="{22743576-691A-4405-BDDF-B116F148661C}"/>
+                <a16:creationId xmlns:a16="http://schemas.microsoft.com/office/drawing/2014/main" xmlns="" id="{22743576-691A-4405-BDDF-B116F148661C}"/>
               </a:ext>
             </a:extLst>
           </p:cNvPr>
@@ -5144,7 +5659,7 @@
           <p:cNvPr id="2" name="Title 1">
             <a:extLst>
               <a:ext uri="{FF2B5EF4-FFF2-40B4-BE49-F238E27FC236}">
-                <a16:creationId xmlns:a16="http://schemas.microsoft.com/office/drawing/2014/main" id="{DFC049F8-2284-4161-BE3C-431BCD0EFAB7}"/>
+                <a16:creationId xmlns:a16="http://schemas.microsoft.com/office/drawing/2014/main" xmlns="" id="{DFC049F8-2284-4161-BE3C-431BCD0EFAB7}"/>
               </a:ext>
             </a:extLst>
           </p:cNvPr>
@@ -5190,7 +5705,7 @@
           <p:cNvPr id="3" name="Content Placeholder 2">
             <a:extLst>
               <a:ext uri="{FF2B5EF4-FFF2-40B4-BE49-F238E27FC236}">
-                <a16:creationId xmlns:a16="http://schemas.microsoft.com/office/drawing/2014/main" id="{F2E045F5-714F-4E07-87A1-F5696A62ED28}"/>
+                <a16:creationId xmlns:a16="http://schemas.microsoft.com/office/drawing/2014/main" xmlns="" id="{F2E045F5-714F-4E07-87A1-F5696A62ED28}"/>
               </a:ext>
             </a:extLst>
           </p:cNvPr>
@@ -5241,7 +5756,7 @@
           <p:cNvPr id="6" name="TextBox 5">
             <a:extLst>
               <a:ext uri="{FF2B5EF4-FFF2-40B4-BE49-F238E27FC236}">
-                <a16:creationId xmlns:a16="http://schemas.microsoft.com/office/drawing/2014/main" id="{3F80BD68-2B59-4BE1-A899-630919EAEA8A}"/>
+                <a16:creationId xmlns:a16="http://schemas.microsoft.com/office/drawing/2014/main" xmlns="" id="{3F80BD68-2B59-4BE1-A899-630919EAEA8A}"/>
               </a:ext>
             </a:extLst>
           </p:cNvPr>
@@ -5280,7 +5795,7 @@
           <p:cNvPr id="7" name="Picture 6">
             <a:extLst>
               <a:ext uri="{FF2B5EF4-FFF2-40B4-BE49-F238E27FC236}">
-                <a16:creationId xmlns:a16="http://schemas.microsoft.com/office/drawing/2014/main" id="{FF382487-E1F7-498D-9230-4BB45A06FCC0}"/>
+                <a16:creationId xmlns:a16="http://schemas.microsoft.com/office/drawing/2014/main" xmlns="" id="{FF382487-E1F7-498D-9230-4BB45A06FCC0}"/>
               </a:ext>
             </a:extLst>
           </p:cNvPr>
@@ -5315,7 +5830,7 @@
           <p:cNvPr id="9" name="Rectangle 8">
             <a:extLst>
               <a:ext uri="{FF2B5EF4-FFF2-40B4-BE49-F238E27FC236}">
-                <a16:creationId xmlns:a16="http://schemas.microsoft.com/office/drawing/2014/main" id="{FB310605-3378-4195-AFE3-29D4E582C8A6}"/>
+                <a16:creationId xmlns:a16="http://schemas.microsoft.com/office/drawing/2014/main" xmlns="" id="{FB310605-3378-4195-AFE3-29D4E582C8A6}"/>
               </a:ext>
             </a:extLst>
           </p:cNvPr>
@@ -5455,7 +5970,7 @@
     </p:spTree>
     <p:extLst>
       <p:ext uri="{BB962C8B-B14F-4D97-AF65-F5344CB8AC3E}">
-        <p14:creationId xmlns:p14="http://schemas.microsoft.com/office/powerpoint/2010/main" val="3604554826"/>
+        <p14:creationId xmlns:p14="http://schemas.microsoft.com/office/powerpoint/2010/main" xmlns="" val="3604554826"/>
       </p:ext>
     </p:extLst>
   </p:cSld>
@@ -5487,7 +6002,7 @@
           <p:cNvPr id="4" name="Picture 3">
             <a:extLst>
               <a:ext uri="{FF2B5EF4-FFF2-40B4-BE49-F238E27FC236}">
-                <a16:creationId xmlns:a16="http://schemas.microsoft.com/office/drawing/2014/main" id="{0673D7FF-79D1-47CC-9F17-8BD3F4A92FD2}"/>
+                <a16:creationId xmlns:a16="http://schemas.microsoft.com/office/drawing/2014/main" xmlns="" id="{0673D7FF-79D1-47CC-9F17-8BD3F4A92FD2}"/>
               </a:ext>
             </a:extLst>
           </p:cNvPr>
@@ -5517,7 +6032,7 @@
           <p:cNvPr id="9" name="Picture 8">
             <a:extLst>
               <a:ext uri="{FF2B5EF4-FFF2-40B4-BE49-F238E27FC236}">
-                <a16:creationId xmlns:a16="http://schemas.microsoft.com/office/drawing/2014/main" id="{90E7F56C-9544-4654-9D9C-A258B0BC56B3}"/>
+                <a16:creationId xmlns:a16="http://schemas.microsoft.com/office/drawing/2014/main" xmlns="" id="{90E7F56C-9544-4654-9D9C-A258B0BC56B3}"/>
               </a:ext>
             </a:extLst>
           </p:cNvPr>
@@ -5547,7 +6062,7 @@
           <p:cNvPr id="10" name="Rectangle 9">
             <a:extLst>
               <a:ext uri="{FF2B5EF4-FFF2-40B4-BE49-F238E27FC236}">
-                <a16:creationId xmlns:a16="http://schemas.microsoft.com/office/drawing/2014/main" id="{7CE6DF49-6ADC-40B9-93F3-F6495F2DC7AB}"/>
+                <a16:creationId xmlns:a16="http://schemas.microsoft.com/office/drawing/2014/main" xmlns="" id="{7CE6DF49-6ADC-40B9-93F3-F6495F2DC7AB}"/>
               </a:ext>
             </a:extLst>
           </p:cNvPr>
@@ -5599,7 +6114,7 @@
           <p:cNvPr id="2" name="Title 1">
             <a:extLst>
               <a:ext uri="{FF2B5EF4-FFF2-40B4-BE49-F238E27FC236}">
-                <a16:creationId xmlns:a16="http://schemas.microsoft.com/office/drawing/2014/main" id="{DFC049F8-2284-4161-BE3C-431BCD0EFAB7}"/>
+                <a16:creationId xmlns:a16="http://schemas.microsoft.com/office/drawing/2014/main" xmlns="" id="{DFC049F8-2284-4161-BE3C-431BCD0EFAB7}"/>
               </a:ext>
             </a:extLst>
           </p:cNvPr>
@@ -5645,7 +6160,7 @@
           <p:cNvPr id="3" name="Content Placeholder 2">
             <a:extLst>
               <a:ext uri="{FF2B5EF4-FFF2-40B4-BE49-F238E27FC236}">
-                <a16:creationId xmlns:a16="http://schemas.microsoft.com/office/drawing/2014/main" id="{F2E045F5-714F-4E07-87A1-F5696A62ED28}"/>
+                <a16:creationId xmlns:a16="http://schemas.microsoft.com/office/drawing/2014/main" xmlns="" id="{F2E045F5-714F-4E07-87A1-F5696A62ED28}"/>
               </a:ext>
             </a:extLst>
           </p:cNvPr>
@@ -5696,7 +6211,7 @@
           <p:cNvPr id="6" name="TextBox 5">
             <a:extLst>
               <a:ext uri="{FF2B5EF4-FFF2-40B4-BE49-F238E27FC236}">
-                <a16:creationId xmlns:a16="http://schemas.microsoft.com/office/drawing/2014/main" id="{26C43D78-3AB4-4735-861F-3658B8B6108C}"/>
+                <a16:creationId xmlns:a16="http://schemas.microsoft.com/office/drawing/2014/main" xmlns="" id="{26C43D78-3AB4-4735-861F-3658B8B6108C}"/>
               </a:ext>
             </a:extLst>
           </p:cNvPr>
@@ -5735,7 +6250,7 @@
           <p:cNvPr id="7" name="Picture 6">
             <a:extLst>
               <a:ext uri="{FF2B5EF4-FFF2-40B4-BE49-F238E27FC236}">
-                <a16:creationId xmlns:a16="http://schemas.microsoft.com/office/drawing/2014/main" id="{1119E4FB-68D3-4DFF-B454-B6AECA5CCC92}"/>
+                <a16:creationId xmlns:a16="http://schemas.microsoft.com/office/drawing/2014/main" xmlns="" id="{1119E4FB-68D3-4DFF-B454-B6AECA5CCC92}"/>
               </a:ext>
             </a:extLst>
           </p:cNvPr>
@@ -5748,7 +6263,7 @@
           <a:blip r:embed="rId3">
             <a:extLst>
               <a:ext uri="{28A0092B-C50C-407E-A947-70E740481C1C}">
-                <a14:useLocalDpi xmlns:a14="http://schemas.microsoft.com/office/drawing/2010/main" val="0"/>
+                <a14:useLocalDpi xmlns:a14="http://schemas.microsoft.com/office/drawing/2010/main" xmlns="" val="0"/>
               </a:ext>
             </a:extLst>
           </a:blip>
@@ -5771,7 +6286,7 @@
           <p:cNvPr id="8" name="Picture 7">
             <a:extLst>
               <a:ext uri="{FF2B5EF4-FFF2-40B4-BE49-F238E27FC236}">
-                <a16:creationId xmlns:a16="http://schemas.microsoft.com/office/drawing/2014/main" id="{851FDD01-2E36-4FB2-AEC3-1AD80666AF50}"/>
+                <a16:creationId xmlns:a16="http://schemas.microsoft.com/office/drawing/2014/main" xmlns="" id="{851FDD01-2E36-4FB2-AEC3-1AD80666AF50}"/>
               </a:ext>
             </a:extLst>
           </p:cNvPr>
@@ -5784,7 +6299,7 @@
           <a:blip r:embed="rId4">
             <a:extLst>
               <a:ext uri="{28A0092B-C50C-407E-A947-70E740481C1C}">
-                <a14:useLocalDpi xmlns:a14="http://schemas.microsoft.com/office/drawing/2010/main" val="0"/>
+                <a14:useLocalDpi xmlns:a14="http://schemas.microsoft.com/office/drawing/2010/main" xmlns="" val="0"/>
               </a:ext>
             </a:extLst>
           </a:blip>
@@ -5807,7 +6322,7 @@
           <p:cNvPr id="11" name="Content Placeholder 2">
             <a:extLst>
               <a:ext uri="{FF2B5EF4-FFF2-40B4-BE49-F238E27FC236}">
-                <a16:creationId xmlns:a16="http://schemas.microsoft.com/office/drawing/2014/main" id="{F206CC4A-F7D8-41B6-ABE3-9533F77A18D3}"/>
+                <a16:creationId xmlns:a16="http://schemas.microsoft.com/office/drawing/2014/main" xmlns="" id="{F206CC4A-F7D8-41B6-ABE3-9533F77A18D3}"/>
               </a:ext>
             </a:extLst>
           </p:cNvPr>
@@ -6092,7 +6607,7 @@
           <p:cNvPr id="12" name="Content Placeholder 2">
             <a:extLst>
               <a:ext uri="{FF2B5EF4-FFF2-40B4-BE49-F238E27FC236}">
-                <a16:creationId xmlns:a16="http://schemas.microsoft.com/office/drawing/2014/main" id="{0005FAC1-D63E-4606-9908-2EC64C974176}"/>
+                <a16:creationId xmlns:a16="http://schemas.microsoft.com/office/drawing/2014/main" xmlns="" id="{0005FAC1-D63E-4606-9908-2EC64C974176}"/>
               </a:ext>
             </a:extLst>
           </p:cNvPr>
@@ -6326,7 +6841,7 @@
           <p:cNvPr id="13" name="Content Placeholder 2">
             <a:extLst>
               <a:ext uri="{FF2B5EF4-FFF2-40B4-BE49-F238E27FC236}">
-                <a16:creationId xmlns:a16="http://schemas.microsoft.com/office/drawing/2014/main" id="{A6B71EFB-4EB9-48D0-A7CA-693B1830CB7E}"/>
+                <a16:creationId xmlns:a16="http://schemas.microsoft.com/office/drawing/2014/main" xmlns="" id="{A6B71EFB-4EB9-48D0-A7CA-693B1830CB7E}"/>
               </a:ext>
             </a:extLst>
           </p:cNvPr>
@@ -6570,7 +7085,7 @@
     </p:spTree>
     <p:extLst>
       <p:ext uri="{BB962C8B-B14F-4D97-AF65-F5344CB8AC3E}">
-        <p14:creationId xmlns:p14="http://schemas.microsoft.com/office/powerpoint/2010/main" val="2083772189"/>
+        <p14:creationId xmlns:p14="http://schemas.microsoft.com/office/powerpoint/2010/main" xmlns="" val="2083772189"/>
       </p:ext>
     </p:extLst>
   </p:cSld>
@@ -6599,10 +7114,10 @@
       </p:grpSpPr>
       <p:pic>
         <p:nvPicPr>
-          <p:cNvPr id="7" name="Picture 6">
-            <a:extLst>
-              <a:ext uri="{FF2B5EF4-FFF2-40B4-BE49-F238E27FC236}">
-                <a16:creationId xmlns:a16="http://schemas.microsoft.com/office/drawing/2014/main" id="{2FF80050-A6DA-4A1C-B6D8-AA5AA7F78A23}"/>
+          <p:cNvPr id="4" name="Picture 3">
+            <a:extLst>
+              <a:ext uri="{FF2B5EF4-FFF2-40B4-BE49-F238E27FC236}">
+                <a16:creationId xmlns:a16="http://schemas.microsoft.com/office/drawing/2014/main" xmlns="" id="{0673D7FF-79D1-47CC-9F17-8BD3F4A92FD2}"/>
               </a:ext>
             </a:extLst>
           </p:cNvPr>
@@ -6619,20 +7134,50 @@
         </p:blipFill>
         <p:spPr>
           <a:xfrm>
-            <a:off x="3065859" y="0"/>
-            <a:ext cx="9126141" cy="6858000"/>
+            <a:off x="0" y="0"/>
+            <a:ext cx="9141027" cy="6858000"/>
           </a:xfrm>
           <a:prstGeom prst="rect">
             <a:avLst/>
           </a:prstGeom>
         </p:spPr>
       </p:pic>
-      <p:sp>
-        <p:nvSpPr>
-          <p:cNvPr id="8" name="Rectangle 7">
-            <a:extLst>
-              <a:ext uri="{FF2B5EF4-FFF2-40B4-BE49-F238E27FC236}">
-                <a16:creationId xmlns:a16="http://schemas.microsoft.com/office/drawing/2014/main" id="{5E3721CF-6C16-4B38-8E56-417FAD19673B}"/>
+      <p:pic>
+        <p:nvPicPr>
+          <p:cNvPr id="9" name="Picture 8">
+            <a:extLst>
+              <a:ext uri="{FF2B5EF4-FFF2-40B4-BE49-F238E27FC236}">
+                <a16:creationId xmlns:a16="http://schemas.microsoft.com/office/drawing/2014/main" xmlns="" id="{90E7F56C-9544-4654-9D9C-A258B0BC56B3}"/>
+              </a:ext>
+            </a:extLst>
+          </p:cNvPr>
+          <p:cNvPicPr>
+            <a:picLocks noChangeAspect="1"/>
+          </p:cNvPicPr>
+          <p:nvPr/>
+        </p:nvPicPr>
+        <p:blipFill>
+          <a:blip r:embed="rId2"/>
+          <a:stretch>
+            <a:fillRect/>
+          </a:stretch>
+        </p:blipFill>
+        <p:spPr>
+          <a:xfrm>
+            <a:off x="3050973" y="0"/>
+            <a:ext cx="9141027" cy="6858000"/>
+          </a:xfrm>
+          <a:prstGeom prst="rect">
+            <a:avLst/>
+          </a:prstGeom>
+        </p:spPr>
+      </p:pic>
+      <p:sp>
+        <p:nvSpPr>
+          <p:cNvPr id="10" name="Rectangle 9">
+            <a:extLst>
+              <a:ext uri="{FF2B5EF4-FFF2-40B4-BE49-F238E27FC236}">
+                <a16:creationId xmlns:a16="http://schemas.microsoft.com/office/drawing/2014/main" xmlns="" id="{7CE6DF49-6ADC-40B9-93F3-F6495F2DC7AB}"/>
               </a:ext>
             </a:extLst>
           </p:cNvPr>
@@ -6641,14 +7186,14 @@
         </p:nvSpPr>
         <p:spPr>
           <a:xfrm>
-            <a:off x="2910979" y="30125"/>
-            <a:ext cx="1837189" cy="503340"/>
+            <a:off x="2625754" y="0"/>
+            <a:ext cx="2357307" cy="566053"/>
           </a:xfrm>
           <a:prstGeom prst="rect">
             <a:avLst/>
           </a:prstGeom>
           <a:solidFill>
-            <a:schemeClr val="tx1"/>
+            <a:srgbClr val="46CDFE"/>
           </a:solidFill>
           <a:ln>
             <a:noFill/>
@@ -6679,42 +7224,12 @@
           </a:p>
         </p:txBody>
       </p:sp>
-      <p:pic>
-        <p:nvPicPr>
-          <p:cNvPr id="5" name="Picture 4">
-            <a:extLst>
-              <a:ext uri="{FF2B5EF4-FFF2-40B4-BE49-F238E27FC236}">
-                <a16:creationId xmlns:a16="http://schemas.microsoft.com/office/drawing/2014/main" id="{BE6895F0-339F-4782-9F13-51BA81259136}"/>
-              </a:ext>
-            </a:extLst>
-          </p:cNvPr>
-          <p:cNvPicPr>
-            <a:picLocks noChangeAspect="1"/>
-          </p:cNvPicPr>
-          <p:nvPr/>
-        </p:nvPicPr>
-        <p:blipFill>
-          <a:blip r:embed="rId2"/>
-          <a:stretch>
-            <a:fillRect/>
-          </a:stretch>
-        </p:blipFill>
-        <p:spPr>
-          <a:xfrm>
-            <a:off x="0" y="0"/>
-            <a:ext cx="9126141" cy="6858000"/>
-          </a:xfrm>
-          <a:prstGeom prst="rect">
-            <a:avLst/>
-          </a:prstGeom>
-        </p:spPr>
-      </p:pic>
       <p:sp>
         <p:nvSpPr>
           <p:cNvPr id="2" name="Title 1">
             <a:extLst>
               <a:ext uri="{FF2B5EF4-FFF2-40B4-BE49-F238E27FC236}">
-                <a16:creationId xmlns:a16="http://schemas.microsoft.com/office/drawing/2014/main" id="{DFC049F8-2284-4161-BE3C-431BCD0EFAB7}"/>
+                <a16:creationId xmlns:a16="http://schemas.microsoft.com/office/drawing/2014/main" xmlns="" id="{DFC049F8-2284-4161-BE3C-431BCD0EFAB7}"/>
               </a:ext>
             </a:extLst>
           </p:cNvPr>
@@ -6727,7 +7242,7 @@
         </p:nvSpPr>
         <p:spPr>
           <a:xfrm>
-            <a:off x="838200" y="365125"/>
+            <a:off x="912342" y="365125"/>
             <a:ext cx="10515600" cy="566053"/>
           </a:xfrm>
           <a:solidFill>
@@ -6747,11 +7262,14 @@
           <a:p>
             <a:pPr algn="ctr"/>
             <a:r>
-              <a:rPr lang="en-GB" dirty="0">
-                <a:latin typeface="Bodoni MT" panose="02070603080606020203" pitchFamily="18" charset="0"/>
-              </a:rPr>
-              <a:t>Implementation</a:t>
-            </a:r>
+              <a:rPr lang="en-GB" dirty="0" smtClean="0">
+                <a:latin typeface="Bodoni MT" panose="02070603080606020203" pitchFamily="18" charset="0"/>
+              </a:rPr>
+              <a:t>What Makes a Good Game?</a:t>
+            </a:r>
+            <a:endParaRPr lang="en-GB" dirty="0">
+              <a:latin typeface="Bodoni MT" panose="02070603080606020203" pitchFamily="18" charset="0"/>
+            </a:endParaRPr>
           </a:p>
         </p:txBody>
       </p:sp>
@@ -6760,7 +7278,7 @@
           <p:cNvPr id="3" name="Content Placeholder 2">
             <a:extLst>
               <a:ext uri="{FF2B5EF4-FFF2-40B4-BE49-F238E27FC236}">
-                <a16:creationId xmlns:a16="http://schemas.microsoft.com/office/drawing/2014/main" id="{F2E045F5-714F-4E07-87A1-F5696A62ED28}"/>
+                <a16:creationId xmlns:a16="http://schemas.microsoft.com/office/drawing/2014/main" xmlns="" id="{F2E045F5-714F-4E07-87A1-F5696A62ED28}"/>
               </a:ext>
             </a:extLst>
           </p:cNvPr>
@@ -6773,8 +7291,8 @@
         </p:nvSpPr>
         <p:spPr>
           <a:xfrm>
-            <a:off x="838200" y="931178"/>
-            <a:ext cx="10515600" cy="5245785"/>
+            <a:off x="912340" y="931178"/>
+            <a:ext cx="10517660" cy="5245785"/>
           </a:xfrm>
           <a:solidFill>
             <a:schemeClr val="bg1"/>
@@ -6792,9 +7310,95 @@
             <a:pPr marL="0" indent="0">
               <a:buNone/>
             </a:pPr>
-            <a:endParaRPr lang="en-GB" dirty="0">
-              <a:latin typeface="Bodoni MT" panose="02070603080606020203" pitchFamily="18" charset="0"/>
-            </a:endParaRPr>
+            <a:r>
+              <a:rPr lang="en-GB" dirty="0" smtClean="0">
+                <a:latin typeface="Bodoni MT" panose="02070603080606020203" pitchFamily="18" charset="0"/>
+              </a:rPr>
+              <a:t>Long term Goal: to decorate the Christmas Room</a:t>
+            </a:r>
+          </a:p>
+          <a:p>
+            <a:pPr marL="0" indent="0">
+              <a:buNone/>
+            </a:pPr>
+            <a:r>
+              <a:rPr lang="en-GB" dirty="0" err="1" smtClean="0">
+                <a:latin typeface="Bodoni MT" panose="02070603080606020203" pitchFamily="18" charset="0"/>
+              </a:rPr>
+              <a:t>Subgoals</a:t>
+            </a:r>
+            <a:r>
+              <a:rPr lang="en-GB" dirty="0" smtClean="0">
+                <a:latin typeface="Bodoni MT" panose="02070603080606020203" pitchFamily="18" charset="0"/>
+              </a:rPr>
+              <a:t>: to complete each level, collecting items</a:t>
+            </a:r>
+          </a:p>
+          <a:p>
+            <a:pPr marL="0" indent="0">
+              <a:buNone/>
+            </a:pPr>
+            <a:r>
+              <a:rPr lang="en-GB" dirty="0" smtClean="0">
+                <a:latin typeface="Bodoni MT" panose="02070603080606020203" pitchFamily="18" charset="0"/>
+              </a:rPr>
+              <a:t>Game starts easily, and complexity/difficulty gradually increases</a:t>
+            </a:r>
+          </a:p>
+          <a:p>
+            <a:pPr marL="0" indent="0">
+              <a:buNone/>
+            </a:pPr>
+            <a:r>
+              <a:rPr lang="en-GB" dirty="0" smtClean="0">
+                <a:latin typeface="Bodoni MT" panose="02070603080606020203" pitchFamily="18" charset="0"/>
+              </a:rPr>
+              <a:t>Game uses standard controls and concepts. Basic guidance is given.</a:t>
+            </a:r>
+          </a:p>
+          <a:p>
+            <a:pPr marL="0" indent="0">
+              <a:buNone/>
+            </a:pPr>
+            <a:r>
+              <a:rPr lang="en-GB" dirty="0" smtClean="0">
+                <a:latin typeface="Bodoni MT" panose="02070603080606020203" pitchFamily="18" charset="0"/>
+              </a:rPr>
+              <a:t>Levels are fairly short; losing a life restarts the level; losing 3 lives goes back to the menu</a:t>
+            </a:r>
+          </a:p>
+          <a:p>
+            <a:pPr marL="0" indent="0">
+              <a:buNone/>
+            </a:pPr>
+            <a:r>
+              <a:rPr lang="en-GB" dirty="0" smtClean="0">
+                <a:latin typeface="Bodoni MT" panose="02070603080606020203" pitchFamily="18" charset="0"/>
+              </a:rPr>
+              <a:t>Each level has few clear rewards, which are not too difficult nor too easy to achieve</a:t>
+            </a:r>
+          </a:p>
+          <a:p>
+            <a:pPr marL="0" indent="0">
+              <a:buNone/>
+            </a:pPr>
+            <a:r>
+              <a:rPr lang="en-GB" dirty="0" smtClean="0">
+                <a:latin typeface="Bodoni MT" panose="02070603080606020203" pitchFamily="18" charset="0"/>
+              </a:rPr>
+              <a:t>Game has interesting graphics; each level is similar and yet unique</a:t>
+            </a:r>
+          </a:p>
+          <a:p>
+            <a:pPr marL="0" indent="0">
+              <a:buNone/>
+            </a:pPr>
+            <a:r>
+              <a:rPr lang="en-GB" dirty="0" smtClean="0">
+                <a:latin typeface="Bodoni MT" panose="02070603080606020203" pitchFamily="18" charset="0"/>
+              </a:rPr>
+              <a:t>Once completed, players can choose to redo any platform or puzzle to collect additional items</a:t>
+            </a:r>
           </a:p>
           <a:p>
             <a:pPr marL="0" indent="0">
@@ -6811,7 +7415,7 @@
           <p:cNvPr id="6" name="TextBox 5">
             <a:extLst>
               <a:ext uri="{FF2B5EF4-FFF2-40B4-BE49-F238E27FC236}">
-                <a16:creationId xmlns:a16="http://schemas.microsoft.com/office/drawing/2014/main" id="{09C628DE-7462-4395-B6E5-04533CBAF445}"/>
+                <a16:creationId xmlns:a16="http://schemas.microsoft.com/office/drawing/2014/main" xmlns="" id="{26C43D78-3AB4-4735-861F-3658B8B6108C}"/>
               </a:ext>
             </a:extLst>
           </p:cNvPr>
@@ -6840,1892 +7444,230 @@
                 <a:latin typeface="Bodoni MT" panose="02070603080606020203" pitchFamily="18" charset="0"/>
                 <a:ea typeface="Cambria Math" panose="02040503050406030204" pitchFamily="18" charset="0"/>
               </a:rPr>
-              <a:t>(3)</a:t>
-            </a:r>
-          </a:p>
-        </p:txBody>
-      </p:sp>
-      <p:sp>
-        <p:nvSpPr>
-          <p:cNvPr id="10" name="Oval 9">
-            <a:extLst>
-              <a:ext uri="{FF2B5EF4-FFF2-40B4-BE49-F238E27FC236}">
-                <a16:creationId xmlns:a16="http://schemas.microsoft.com/office/drawing/2014/main" id="{C29C5979-7CCB-416B-B3A4-A452F3F30A10}"/>
-              </a:ext>
-            </a:extLst>
-          </p:cNvPr>
-          <p:cNvSpPr/>
+              <a:t>(2)</a:t>
+            </a:r>
+          </a:p>
+        </p:txBody>
+      </p:sp>
+      <p:sp>
+        <p:nvSpPr>
+          <p:cNvPr id="11" name="Content Placeholder 2">
+            <a:extLst>
+              <a:ext uri="{FF2B5EF4-FFF2-40B4-BE49-F238E27FC236}">
+                <a16:creationId xmlns:a16="http://schemas.microsoft.com/office/drawing/2014/main" xmlns="" id="{F206CC4A-F7D8-41B6-ABE3-9533F77A18D3}"/>
+              </a:ext>
+            </a:extLst>
+          </p:cNvPr>
+          <p:cNvSpPr txBox="1">
+            <a:spLocks/>
+          </p:cNvSpPr>
           <p:nvPr/>
         </p:nvSpPr>
         <p:spPr>
           <a:xfrm>
-            <a:off x="3411522" y="1043054"/>
-            <a:ext cx="1602297" cy="789345"/>
-          </a:xfrm>
-          <a:prstGeom prst="ellipse">
-            <a:avLst/>
-          </a:prstGeom>
-          <a:solidFill>
-            <a:schemeClr val="accent2">
-              <a:lumMod val="60000"/>
-              <a:lumOff val="40000"/>
-            </a:schemeClr>
-          </a:solidFill>
-        </p:spPr>
-        <p:style>
-          <a:lnRef idx="2">
-            <a:schemeClr val="accent2">
-              <a:shade val="50000"/>
-            </a:schemeClr>
-          </a:lnRef>
-          <a:fillRef idx="1">
-            <a:schemeClr val="accent2"/>
-          </a:fillRef>
-          <a:effectRef idx="0">
-            <a:schemeClr val="accent2"/>
-          </a:effectRef>
-          <a:fontRef idx="minor">
-            <a:schemeClr val="lt1"/>
-          </a:fontRef>
-        </p:style>
-        <p:txBody>
-          <a:bodyPr rtlCol="0" anchor="ctr"/>
-          <a:lstStyle/>
-          <a:p>
-            <a:pPr algn="ctr"/>
-            <a:r>
-              <a:rPr lang="en-GB" dirty="0">
-                <a:latin typeface="Bodoni MT" panose="02070603080606020203" pitchFamily="18" charset="0"/>
-              </a:rPr>
-              <a:t>Design Spec.</a:t>
-            </a:r>
-          </a:p>
-        </p:txBody>
-      </p:sp>
-      <p:sp>
-        <p:nvSpPr>
-          <p:cNvPr id="11" name="Rectangle: Rounded Corners 10">
-            <a:extLst>
-              <a:ext uri="{FF2B5EF4-FFF2-40B4-BE49-F238E27FC236}">
-                <a16:creationId xmlns:a16="http://schemas.microsoft.com/office/drawing/2014/main" id="{F6A5F7EB-82A6-484E-9C43-CFB554F813E9}"/>
-              </a:ext>
-            </a:extLst>
-          </p:cNvPr>
-          <p:cNvSpPr/>
-          <p:nvPr/>
-        </p:nvSpPr>
-        <p:spPr>
-          <a:xfrm>
-            <a:off x="1542683" y="2675120"/>
-            <a:ext cx="1719743" cy="566053"/>
-          </a:xfrm>
-          <a:prstGeom prst="roundRect">
-            <a:avLst/>
-          </a:prstGeom>
-          <a:solidFill>
-            <a:schemeClr val="accent2">
-              <a:alpha val="50000"/>
-            </a:schemeClr>
-          </a:solidFill>
-          <a:ln>
-            <a:noFill/>
-          </a:ln>
-        </p:spPr>
-        <p:style>
-          <a:lnRef idx="0">
-            <a:scrgbClr r="0" g="0" b="0"/>
-          </a:lnRef>
-          <a:fillRef idx="0">
-            <a:scrgbClr r="0" g="0" b="0"/>
-          </a:fillRef>
-          <a:effectRef idx="0">
-            <a:scrgbClr r="0" g="0" b="0"/>
-          </a:effectRef>
-          <a:fontRef idx="minor">
-            <a:schemeClr val="lt1"/>
-          </a:fontRef>
-        </p:style>
-        <p:txBody>
-          <a:bodyPr rtlCol="0" anchor="ctr"/>
-          <a:lstStyle/>
-          <a:p>
-            <a:pPr algn="ctr"/>
-            <a:r>
-              <a:rPr lang="en-GB" dirty="0">
-                <a:latin typeface="Bodoni MT" panose="02070603080606020203" pitchFamily="18" charset="0"/>
-              </a:rPr>
-              <a:t>Base Tile Set</a:t>
-            </a:r>
-          </a:p>
-        </p:txBody>
-      </p:sp>
-      <p:sp>
-        <p:nvSpPr>
-          <p:cNvPr id="13" name="Rectangle: Rounded Corners 12">
-            <a:extLst>
-              <a:ext uri="{FF2B5EF4-FFF2-40B4-BE49-F238E27FC236}">
-                <a16:creationId xmlns:a16="http://schemas.microsoft.com/office/drawing/2014/main" id="{3719CF2D-2824-4299-B2CC-CE697E27AA7E}"/>
-              </a:ext>
-            </a:extLst>
-          </p:cNvPr>
-          <p:cNvSpPr/>
-          <p:nvPr/>
-        </p:nvSpPr>
-        <p:spPr>
-          <a:xfrm>
-            <a:off x="8878347" y="1711353"/>
-            <a:ext cx="1719743" cy="566053"/>
-          </a:xfrm>
-          <a:prstGeom prst="roundRect">
-            <a:avLst/>
-          </a:prstGeom>
-          <a:solidFill>
-            <a:schemeClr val="accent2">
-              <a:alpha val="50000"/>
-            </a:schemeClr>
-          </a:solidFill>
-          <a:ln>
-            <a:noFill/>
-          </a:ln>
-        </p:spPr>
-        <p:style>
-          <a:lnRef idx="0">
-            <a:scrgbClr r="0" g="0" b="0"/>
-          </a:lnRef>
-          <a:fillRef idx="0">
-            <a:scrgbClr r="0" g="0" b="0"/>
-          </a:fillRef>
-          <a:effectRef idx="0">
-            <a:scrgbClr r="0" g="0" b="0"/>
-          </a:effectRef>
-          <a:fontRef idx="minor">
-            <a:schemeClr val="lt1"/>
-          </a:fontRef>
-        </p:style>
-        <p:txBody>
-          <a:bodyPr rtlCol="0" anchor="ctr"/>
-          <a:lstStyle/>
-          <a:p>
-            <a:pPr algn="ctr"/>
-            <a:r>
-              <a:rPr lang="en-GB" dirty="0">
-                <a:latin typeface="Bodoni MT" panose="02070603080606020203" pitchFamily="18" charset="0"/>
-              </a:rPr>
-              <a:t>Placeholders</a:t>
-            </a:r>
-          </a:p>
-        </p:txBody>
-      </p:sp>
-      <p:cxnSp>
-        <p:nvCxnSpPr>
-          <p:cNvPr id="15" name="Straight Connector 14">
-            <a:extLst>
-              <a:ext uri="{FF2B5EF4-FFF2-40B4-BE49-F238E27FC236}">
-                <a16:creationId xmlns:a16="http://schemas.microsoft.com/office/drawing/2014/main" id="{30710670-372E-4F34-950F-06F225466007}"/>
-              </a:ext>
-            </a:extLst>
-          </p:cNvPr>
-          <p:cNvCxnSpPr/>
-          <p:nvPr/>
-        </p:nvCxnSpPr>
-        <p:spPr>
-          <a:xfrm>
-            <a:off x="8103765" y="931178"/>
-            <a:ext cx="0" cy="5234730"/>
-          </a:xfrm>
-          <a:prstGeom prst="line">
-            <a:avLst/>
-          </a:prstGeom>
-          <a:ln w="9525" cap="flat" cmpd="sng" algn="ctr">
-            <a:solidFill>
-              <a:schemeClr val="dk1"/>
-            </a:solidFill>
-            <a:prstDash val="dash"/>
-            <a:round/>
-            <a:headEnd type="none" w="med" len="med"/>
-            <a:tailEnd type="none" w="med" len="med"/>
-          </a:ln>
-        </p:spPr>
-        <p:style>
-          <a:lnRef idx="0">
-            <a:scrgbClr r="0" g="0" b="0"/>
-          </a:lnRef>
-          <a:fillRef idx="0">
-            <a:scrgbClr r="0" g="0" b="0"/>
-          </a:fillRef>
-          <a:effectRef idx="0">
-            <a:scrgbClr r="0" g="0" b="0"/>
-          </a:effectRef>
-          <a:fontRef idx="minor">
-            <a:schemeClr val="tx1"/>
-          </a:fontRef>
-        </p:style>
-      </p:cxnSp>
-      <p:cxnSp>
-        <p:nvCxnSpPr>
-          <p:cNvPr id="16" name="Straight Connector 15">
-            <a:extLst>
-              <a:ext uri="{FF2B5EF4-FFF2-40B4-BE49-F238E27FC236}">
-                <a16:creationId xmlns:a16="http://schemas.microsoft.com/office/drawing/2014/main" id="{288054B3-BE24-4398-9D5F-A28183FA7014}"/>
-              </a:ext>
-            </a:extLst>
-          </p:cNvPr>
-          <p:cNvCxnSpPr>
-            <a:cxnSpLocks/>
-          </p:cNvCxnSpPr>
-          <p:nvPr/>
-        </p:nvCxnSpPr>
-        <p:spPr>
-          <a:xfrm>
-            <a:off x="4188901" y="2277406"/>
-            <a:ext cx="0" cy="3888502"/>
-          </a:xfrm>
-          <a:prstGeom prst="line">
-            <a:avLst/>
-          </a:prstGeom>
-          <a:ln w="9525" cap="flat" cmpd="sng" algn="ctr">
-            <a:solidFill>
-              <a:schemeClr val="dk1"/>
-            </a:solidFill>
-            <a:prstDash val="dash"/>
-            <a:round/>
-            <a:headEnd type="none" w="med" len="med"/>
-            <a:tailEnd type="none" w="med" len="med"/>
-          </a:ln>
-        </p:spPr>
-        <p:style>
-          <a:lnRef idx="0">
-            <a:scrgbClr r="0" g="0" b="0"/>
-          </a:lnRef>
-          <a:fillRef idx="0">
-            <a:scrgbClr r="0" g="0" b="0"/>
-          </a:fillRef>
-          <a:effectRef idx="0">
-            <a:scrgbClr r="0" g="0" b="0"/>
-          </a:effectRef>
-          <a:fontRef idx="minor">
-            <a:schemeClr val="tx1"/>
-          </a:fontRef>
-        </p:style>
-      </p:cxnSp>
-      <p:sp>
-        <p:nvSpPr>
-          <p:cNvPr id="17" name="TextBox 16">
-            <a:extLst>
-              <a:ext uri="{FF2B5EF4-FFF2-40B4-BE49-F238E27FC236}">
-                <a16:creationId xmlns:a16="http://schemas.microsoft.com/office/drawing/2014/main" id="{971E6CAA-6D6E-412E-9FD7-5D77D4FC053C}"/>
-              </a:ext>
-            </a:extLst>
-          </p:cNvPr>
-          <p:cNvSpPr txBox="1"/>
-          <p:nvPr/>
-        </p:nvSpPr>
-        <p:spPr>
-          <a:xfrm>
-            <a:off x="9181691" y="1161597"/>
-            <a:ext cx="1115731" cy="369332"/>
+            <a:off x="937054" y="931177"/>
+            <a:ext cx="10455876" cy="5222488"/>
           </a:xfrm>
           <a:prstGeom prst="rect">
             <a:avLst/>
           </a:prstGeom>
-          <a:noFill/>
-        </p:spPr>
-        <p:txBody>
-          <a:bodyPr wrap="square" rtlCol="0">
-            <a:spAutoFit/>
+          <a:ln>
+            <a:solidFill>
+              <a:schemeClr val="tx1"/>
+            </a:solidFill>
+          </a:ln>
+        </p:spPr>
+        <p:txBody>
+          <a:bodyPr vert="horz" lIns="91440" tIns="45720" rIns="91440" bIns="45720" rtlCol="0">
+            <a:normAutofit/>
           </a:bodyPr>
-          <a:lstStyle/>
-          <a:p>
-            <a:r>
-              <a:rPr lang="en-GB" dirty="0">
-                <a:latin typeface="Bodoni MT" panose="02070603080606020203" pitchFamily="18" charset="0"/>
-              </a:rPr>
-              <a:t>Artwork</a:t>
-            </a:r>
-          </a:p>
-        </p:txBody>
-      </p:sp>
-      <p:cxnSp>
-        <p:nvCxnSpPr>
-          <p:cNvPr id="19" name="Straight Connector 18">
-            <a:extLst>
-              <a:ext uri="{FF2B5EF4-FFF2-40B4-BE49-F238E27FC236}">
-                <a16:creationId xmlns:a16="http://schemas.microsoft.com/office/drawing/2014/main" id="{FFECA4B2-B854-4585-9ECA-1FD3048F8E67}"/>
-              </a:ext>
-            </a:extLst>
-          </p:cNvPr>
-          <p:cNvCxnSpPr>
-            <a:cxnSpLocks/>
-          </p:cNvCxnSpPr>
-          <p:nvPr/>
-        </p:nvCxnSpPr>
-        <p:spPr>
-          <a:xfrm>
-            <a:off x="838200" y="2277406"/>
-            <a:ext cx="7260480" cy="0"/>
-          </a:xfrm>
-          <a:prstGeom prst="line">
-            <a:avLst/>
-          </a:prstGeom>
-          <a:ln w="9525" cap="flat" cmpd="sng" algn="ctr">
-            <a:solidFill>
-              <a:schemeClr val="dk1"/>
-            </a:solidFill>
-            <a:prstDash val="dash"/>
-            <a:round/>
-            <a:headEnd type="none" w="med" len="med"/>
-            <a:tailEnd type="none" w="med" len="med"/>
-          </a:ln>
-        </p:spPr>
-        <p:style>
-          <a:lnRef idx="0">
-            <a:scrgbClr r="0" g="0" b="0"/>
-          </a:lnRef>
-          <a:fillRef idx="0">
-            <a:scrgbClr r="0" g="0" b="0"/>
-          </a:fillRef>
-          <a:effectRef idx="0">
-            <a:scrgbClr r="0" g="0" b="0"/>
-          </a:effectRef>
-          <a:fontRef idx="minor">
-            <a:schemeClr val="tx1"/>
-          </a:fontRef>
-        </p:style>
-      </p:cxnSp>
-      <p:cxnSp>
-        <p:nvCxnSpPr>
-          <p:cNvPr id="23" name="Straight Arrow Connector 22">
-            <a:extLst>
-              <a:ext uri="{FF2B5EF4-FFF2-40B4-BE49-F238E27FC236}">
-                <a16:creationId xmlns:a16="http://schemas.microsoft.com/office/drawing/2014/main" id="{7FAC0E52-268B-4550-B064-28EAE19CA4A2}"/>
-              </a:ext>
-            </a:extLst>
-          </p:cNvPr>
-          <p:cNvCxnSpPr>
-            <a:stCxn id="10" idx="6"/>
-          </p:cNvCxnSpPr>
-          <p:nvPr/>
-        </p:nvCxnSpPr>
-        <p:spPr>
-          <a:xfrm flipV="1">
-            <a:off x="5013819" y="1437726"/>
-            <a:ext cx="3095032" cy="1"/>
-          </a:xfrm>
-          <a:prstGeom prst="straightConnector1">
-            <a:avLst/>
-          </a:prstGeom>
-          <a:ln w="9525" cap="flat" cmpd="sng" algn="ctr">
-            <a:solidFill>
-              <a:schemeClr val="dk1"/>
-            </a:solidFill>
-            <a:prstDash val="solid"/>
-            <a:round/>
-            <a:headEnd type="none" w="med" len="med"/>
-            <a:tailEnd type="arrow" w="med" len="med"/>
-          </a:ln>
-        </p:spPr>
-        <p:style>
-          <a:lnRef idx="0">
-            <a:scrgbClr r="0" g="0" b="0"/>
-          </a:lnRef>
-          <a:fillRef idx="0">
-            <a:scrgbClr r="0" g="0" b="0"/>
-          </a:fillRef>
-          <a:effectRef idx="0">
-            <a:scrgbClr r="0" g="0" b="0"/>
-          </a:effectRef>
-          <a:fontRef idx="minor">
-            <a:schemeClr val="tx1"/>
-          </a:fontRef>
-        </p:style>
-      </p:cxnSp>
-      <p:sp>
-        <p:nvSpPr>
-          <p:cNvPr id="24" name="TextBox 23">
-            <a:extLst>
-              <a:ext uri="{FF2B5EF4-FFF2-40B4-BE49-F238E27FC236}">
-                <a16:creationId xmlns:a16="http://schemas.microsoft.com/office/drawing/2014/main" id="{1FB9C7CE-2331-47EB-A1D2-D8DB9B0C2513}"/>
-              </a:ext>
-            </a:extLst>
-          </p:cNvPr>
-          <p:cNvSpPr txBox="1"/>
-          <p:nvPr/>
-        </p:nvSpPr>
-        <p:spPr>
-          <a:xfrm>
-            <a:off x="5416972" y="2291597"/>
-            <a:ext cx="1358053" cy="369332"/>
-          </a:xfrm>
-          <a:prstGeom prst="rect">
-            <a:avLst/>
-          </a:prstGeom>
-          <a:noFill/>
-        </p:spPr>
-        <p:txBody>
-          <a:bodyPr wrap="square" rtlCol="0">
-            <a:spAutoFit/>
-          </a:bodyPr>
-          <a:lstStyle/>
-          <a:p>
-            <a:r>
-              <a:rPr lang="en-GB" dirty="0">
-                <a:latin typeface="Bodoni MT" panose="02070603080606020203" pitchFamily="18" charset="0"/>
-              </a:rPr>
-              <a:t>Platforming</a:t>
-            </a:r>
-          </a:p>
-        </p:txBody>
-      </p:sp>
-      <p:sp>
-        <p:nvSpPr>
-          <p:cNvPr id="25" name="TextBox 24">
-            <a:extLst>
-              <a:ext uri="{FF2B5EF4-FFF2-40B4-BE49-F238E27FC236}">
-                <a16:creationId xmlns:a16="http://schemas.microsoft.com/office/drawing/2014/main" id="{DBBC0D55-02A6-4EDB-AF84-B16D0A2B2E7B}"/>
-              </a:ext>
-            </a:extLst>
-          </p:cNvPr>
-          <p:cNvSpPr txBox="1"/>
-          <p:nvPr/>
-        </p:nvSpPr>
-        <p:spPr>
-          <a:xfrm>
-            <a:off x="3623367" y="1873835"/>
-            <a:ext cx="1178606" cy="369332"/>
-          </a:xfrm>
-          <a:prstGeom prst="rect">
-            <a:avLst/>
-          </a:prstGeom>
-          <a:noFill/>
-        </p:spPr>
-        <p:txBody>
-          <a:bodyPr wrap="square" rtlCol="0">
-            <a:spAutoFit/>
-          </a:bodyPr>
-          <a:lstStyle/>
-          <a:p>
-            <a:r>
-              <a:rPr lang="en-GB" dirty="0">
-                <a:latin typeface="Bodoni MT" panose="02070603080606020203" pitchFamily="18" charset="0"/>
-              </a:rPr>
-              <a:t>Gameplay</a:t>
-            </a:r>
-          </a:p>
-        </p:txBody>
-      </p:sp>
-      <p:sp>
-        <p:nvSpPr>
-          <p:cNvPr id="26" name="TextBox 25">
-            <a:extLst>
-              <a:ext uri="{FF2B5EF4-FFF2-40B4-BE49-F238E27FC236}">
-                <a16:creationId xmlns:a16="http://schemas.microsoft.com/office/drawing/2014/main" id="{C1CD6ED1-DC11-4F49-B765-F575D41091A5}"/>
-              </a:ext>
-            </a:extLst>
-          </p:cNvPr>
-          <p:cNvSpPr txBox="1"/>
-          <p:nvPr/>
-        </p:nvSpPr>
-        <p:spPr>
-          <a:xfrm>
-            <a:off x="1950749" y="2291597"/>
-            <a:ext cx="901480" cy="369332"/>
-          </a:xfrm>
-          <a:prstGeom prst="rect">
-            <a:avLst/>
-          </a:prstGeom>
-          <a:noFill/>
-        </p:spPr>
-        <p:txBody>
-          <a:bodyPr wrap="square" rtlCol="0">
-            <a:spAutoFit/>
-          </a:bodyPr>
-          <a:lstStyle/>
-          <a:p>
-            <a:r>
-              <a:rPr lang="en-GB" dirty="0">
-                <a:latin typeface="Bodoni MT" panose="02070603080606020203" pitchFamily="18" charset="0"/>
-              </a:rPr>
-              <a:t>Puzzles</a:t>
-            </a:r>
-          </a:p>
-        </p:txBody>
-      </p:sp>
-      <p:cxnSp>
-        <p:nvCxnSpPr>
-          <p:cNvPr id="27" name="Straight Arrow Connector 26">
-            <a:extLst>
-              <a:ext uri="{FF2B5EF4-FFF2-40B4-BE49-F238E27FC236}">
-                <a16:creationId xmlns:a16="http://schemas.microsoft.com/office/drawing/2014/main" id="{5E8555D3-376F-417B-8432-5BEEAFCBB21F}"/>
-              </a:ext>
-            </a:extLst>
-          </p:cNvPr>
-          <p:cNvCxnSpPr>
-            <a:cxnSpLocks/>
-            <a:stCxn id="10" idx="5"/>
-            <a:endCxn id="24" idx="0"/>
-          </p:cNvCxnSpPr>
-          <p:nvPr/>
-        </p:nvCxnSpPr>
-        <p:spPr>
-          <a:xfrm>
-            <a:off x="4779168" y="1716802"/>
-            <a:ext cx="1316831" cy="574795"/>
-          </a:xfrm>
-          <a:prstGeom prst="straightConnector1">
-            <a:avLst/>
-          </a:prstGeom>
-          <a:ln w="9525" cap="flat" cmpd="sng" algn="ctr">
-            <a:solidFill>
-              <a:schemeClr val="dk1"/>
-            </a:solidFill>
-            <a:prstDash val="solid"/>
-            <a:round/>
-            <a:headEnd type="none" w="med" len="med"/>
-            <a:tailEnd type="arrow" w="med" len="med"/>
-          </a:ln>
-        </p:spPr>
-        <p:style>
-          <a:lnRef idx="0">
-            <a:scrgbClr r="0" g="0" b="0"/>
-          </a:lnRef>
-          <a:fillRef idx="0">
-            <a:scrgbClr r="0" g="0" b="0"/>
-          </a:fillRef>
-          <a:effectRef idx="0">
-            <a:scrgbClr r="0" g="0" b="0"/>
-          </a:effectRef>
-          <a:fontRef idx="minor">
-            <a:schemeClr val="tx1"/>
-          </a:fontRef>
-        </p:style>
-      </p:cxnSp>
-      <p:cxnSp>
-        <p:nvCxnSpPr>
-          <p:cNvPr id="30" name="Straight Arrow Connector 29">
-            <a:extLst>
-              <a:ext uri="{FF2B5EF4-FFF2-40B4-BE49-F238E27FC236}">
-                <a16:creationId xmlns:a16="http://schemas.microsoft.com/office/drawing/2014/main" id="{183EB38B-BC90-4354-BB70-B17AD571698C}"/>
-              </a:ext>
-            </a:extLst>
-          </p:cNvPr>
-          <p:cNvCxnSpPr>
-            <a:cxnSpLocks/>
-            <a:stCxn id="10" idx="3"/>
-            <a:endCxn id="26" idx="0"/>
-          </p:cNvCxnSpPr>
-          <p:nvPr/>
-        </p:nvCxnSpPr>
-        <p:spPr>
-          <a:xfrm flipH="1">
-            <a:off x="2401489" y="1716802"/>
-            <a:ext cx="1244684" cy="574795"/>
-          </a:xfrm>
-          <a:prstGeom prst="straightConnector1">
-            <a:avLst/>
-          </a:prstGeom>
-          <a:ln w="9525" cap="flat" cmpd="sng" algn="ctr">
-            <a:solidFill>
-              <a:schemeClr val="dk1"/>
-            </a:solidFill>
-            <a:prstDash val="solid"/>
-            <a:round/>
-            <a:headEnd type="none" w="med" len="med"/>
-            <a:tailEnd type="arrow" w="med" len="med"/>
-          </a:ln>
-        </p:spPr>
-        <p:style>
-          <a:lnRef idx="0">
-            <a:scrgbClr r="0" g="0" b="0"/>
-          </a:lnRef>
-          <a:fillRef idx="0">
-            <a:scrgbClr r="0" g="0" b="0"/>
-          </a:fillRef>
-          <a:effectRef idx="0">
-            <a:scrgbClr r="0" g="0" b="0"/>
-          </a:effectRef>
-          <a:fontRef idx="minor">
-            <a:schemeClr val="tx1"/>
-          </a:fontRef>
-        </p:style>
-      </p:cxnSp>
-      <p:sp>
-        <p:nvSpPr>
-          <p:cNvPr id="33" name="Rectangle: Rounded Corners 32">
-            <a:extLst>
-              <a:ext uri="{FF2B5EF4-FFF2-40B4-BE49-F238E27FC236}">
-                <a16:creationId xmlns:a16="http://schemas.microsoft.com/office/drawing/2014/main" id="{5D612AEE-5C5A-45AE-9431-93F8F6FB3305}"/>
-              </a:ext>
-            </a:extLst>
-          </p:cNvPr>
-          <p:cNvSpPr/>
-          <p:nvPr/>
-        </p:nvSpPr>
-        <p:spPr>
-          <a:xfrm>
-            <a:off x="5398154" y="3503638"/>
-            <a:ext cx="1395688" cy="437833"/>
-          </a:xfrm>
-          <a:prstGeom prst="roundRect">
-            <a:avLst/>
-          </a:prstGeom>
-          <a:solidFill>
-            <a:schemeClr val="accent2">
-              <a:alpha val="50000"/>
-            </a:schemeClr>
-          </a:solidFill>
-          <a:ln>
-            <a:noFill/>
-          </a:ln>
-        </p:spPr>
-        <p:style>
-          <a:lnRef idx="0">
-            <a:scrgbClr r="0" g="0" b="0"/>
-          </a:lnRef>
-          <a:fillRef idx="0">
-            <a:scrgbClr r="0" g="0" b="0"/>
-          </a:fillRef>
-          <a:effectRef idx="0">
-            <a:scrgbClr r="0" g="0" b="0"/>
-          </a:effectRef>
-          <a:fontRef idx="minor">
-            <a:schemeClr val="lt1"/>
-          </a:fontRef>
-        </p:style>
-        <p:txBody>
-          <a:bodyPr rtlCol="0" anchor="ctr"/>
-          <a:lstStyle/>
-          <a:p>
-            <a:pPr algn="ctr"/>
-            <a:r>
-              <a:rPr lang="en-GB" dirty="0">
-                <a:latin typeface="Bodoni MT" panose="02070603080606020203" pitchFamily="18" charset="0"/>
-              </a:rPr>
-              <a:t>Collision</a:t>
-            </a:r>
-          </a:p>
-        </p:txBody>
-      </p:sp>
-      <p:sp>
-        <p:nvSpPr>
-          <p:cNvPr id="34" name="Rectangle: Rounded Corners 33">
-            <a:extLst>
-              <a:ext uri="{FF2B5EF4-FFF2-40B4-BE49-F238E27FC236}">
-                <a16:creationId xmlns:a16="http://schemas.microsoft.com/office/drawing/2014/main" id="{5351534C-969F-4206-A607-10E3CBD3EB6E}"/>
-              </a:ext>
-            </a:extLst>
-          </p:cNvPr>
-          <p:cNvSpPr/>
-          <p:nvPr/>
-        </p:nvSpPr>
-        <p:spPr>
-          <a:xfrm>
-            <a:off x="5226759" y="4176274"/>
-            <a:ext cx="1719743" cy="774786"/>
-          </a:xfrm>
-          <a:prstGeom prst="roundRect">
-            <a:avLst/>
-          </a:prstGeom>
-          <a:solidFill>
-            <a:schemeClr val="accent2">
-              <a:alpha val="50000"/>
-            </a:schemeClr>
-          </a:solidFill>
-          <a:ln>
-            <a:noFill/>
-          </a:ln>
-        </p:spPr>
-        <p:style>
-          <a:lnRef idx="0">
-            <a:scrgbClr r="0" g="0" b="0"/>
-          </a:lnRef>
-          <a:fillRef idx="0">
-            <a:scrgbClr r="0" g="0" b="0"/>
-          </a:fillRef>
-          <a:effectRef idx="0">
-            <a:scrgbClr r="0" g="0" b="0"/>
-          </a:effectRef>
-          <a:fontRef idx="minor">
-            <a:schemeClr val="lt1"/>
-          </a:fontRef>
-        </p:style>
-        <p:txBody>
-          <a:bodyPr rtlCol="0" anchor="ctr"/>
-          <a:lstStyle/>
-          <a:p>
-            <a:pPr algn="ctr"/>
-            <a:r>
-              <a:rPr lang="en-GB" dirty="0">
-                <a:latin typeface="Bodoni MT" panose="02070603080606020203" pitchFamily="18" charset="0"/>
-              </a:rPr>
-              <a:t>Platform &amp; Collectables Layout</a:t>
-            </a:r>
-          </a:p>
-        </p:txBody>
-      </p:sp>
-      <p:sp>
-        <p:nvSpPr>
-          <p:cNvPr id="35" name="Rectangle: Rounded Corners 34">
-            <a:extLst>
-              <a:ext uri="{FF2B5EF4-FFF2-40B4-BE49-F238E27FC236}">
-                <a16:creationId xmlns:a16="http://schemas.microsoft.com/office/drawing/2014/main" id="{CC0DB683-0D5F-4A20-8627-22A83FCA57C0}"/>
-              </a:ext>
-            </a:extLst>
-          </p:cNvPr>
-          <p:cNvSpPr/>
-          <p:nvPr/>
-        </p:nvSpPr>
-        <p:spPr>
-          <a:xfrm>
-            <a:off x="5050872" y="5185863"/>
-            <a:ext cx="2093053" cy="566053"/>
-          </a:xfrm>
-          <a:prstGeom prst="roundRect">
-            <a:avLst/>
-          </a:prstGeom>
-          <a:solidFill>
-            <a:schemeClr val="accent2">
-              <a:alpha val="50000"/>
-            </a:schemeClr>
-          </a:solidFill>
-          <a:ln>
-            <a:noFill/>
-          </a:ln>
-        </p:spPr>
-        <p:style>
-          <a:lnRef idx="0">
-            <a:scrgbClr r="0" g="0" b="0"/>
-          </a:lnRef>
-          <a:fillRef idx="0">
-            <a:scrgbClr r="0" g="0" b="0"/>
-          </a:fillRef>
-          <a:effectRef idx="0">
-            <a:scrgbClr r="0" g="0" b="0"/>
-          </a:effectRef>
-          <a:fontRef idx="minor">
-            <a:schemeClr val="lt1"/>
-          </a:fontRef>
-        </p:style>
-        <p:txBody>
-          <a:bodyPr rtlCol="0" anchor="ctr"/>
-          <a:lstStyle/>
-          <a:p>
-            <a:pPr algn="ctr"/>
-            <a:r>
-              <a:rPr lang="en-GB" dirty="0">
-                <a:latin typeface="Bodoni MT" panose="02070603080606020203" pitchFamily="18" charset="0"/>
-              </a:rPr>
-              <a:t>Failure and Success conditions</a:t>
-            </a:r>
-          </a:p>
-        </p:txBody>
-      </p:sp>
-      <p:sp>
-        <p:nvSpPr>
-          <p:cNvPr id="36" name="Rectangle: Rounded Corners 35">
-            <a:extLst>
-              <a:ext uri="{FF2B5EF4-FFF2-40B4-BE49-F238E27FC236}">
-                <a16:creationId xmlns:a16="http://schemas.microsoft.com/office/drawing/2014/main" id="{58471160-97AC-4E81-A948-3E6D85AFAB8E}"/>
-              </a:ext>
-            </a:extLst>
-          </p:cNvPr>
-          <p:cNvSpPr/>
-          <p:nvPr/>
-        </p:nvSpPr>
-        <p:spPr>
-          <a:xfrm>
-            <a:off x="1542683" y="3476465"/>
-            <a:ext cx="1719743" cy="566053"/>
-          </a:xfrm>
-          <a:prstGeom prst="roundRect">
-            <a:avLst/>
-          </a:prstGeom>
-          <a:solidFill>
-            <a:schemeClr val="accent2">
-              <a:alpha val="50000"/>
-            </a:schemeClr>
-          </a:solidFill>
-          <a:ln>
-            <a:noFill/>
-          </a:ln>
-        </p:spPr>
-        <p:style>
-          <a:lnRef idx="0">
-            <a:scrgbClr r="0" g="0" b="0"/>
-          </a:lnRef>
-          <a:fillRef idx="0">
-            <a:scrgbClr r="0" g="0" b="0"/>
-          </a:fillRef>
-          <a:effectRef idx="0">
-            <a:scrgbClr r="0" g="0" b="0"/>
-          </a:effectRef>
-          <a:fontRef idx="minor">
-            <a:schemeClr val="lt1"/>
-          </a:fontRef>
-        </p:style>
-        <p:txBody>
-          <a:bodyPr rtlCol="0" anchor="ctr"/>
-          <a:lstStyle/>
-          <a:p>
-            <a:pPr algn="ctr"/>
-            <a:r>
-              <a:rPr lang="en-GB" dirty="0">
-                <a:latin typeface="Bodoni MT" panose="02070603080606020203" pitchFamily="18" charset="0"/>
-              </a:rPr>
-              <a:t>Specification for each puzzle</a:t>
-            </a:r>
-          </a:p>
-        </p:txBody>
-      </p:sp>
-      <p:sp>
-        <p:nvSpPr>
-          <p:cNvPr id="37" name="Rectangle: Rounded Corners 36">
-            <a:extLst>
-              <a:ext uri="{FF2B5EF4-FFF2-40B4-BE49-F238E27FC236}">
-                <a16:creationId xmlns:a16="http://schemas.microsoft.com/office/drawing/2014/main" id="{92E98563-DB25-47E0-BFE7-B8A52201AFBF}"/>
-              </a:ext>
-            </a:extLst>
-          </p:cNvPr>
-          <p:cNvSpPr/>
-          <p:nvPr/>
-        </p:nvSpPr>
-        <p:spPr>
-          <a:xfrm>
-            <a:off x="1536673" y="4280640"/>
-            <a:ext cx="1719743" cy="566053"/>
-          </a:xfrm>
-          <a:prstGeom prst="roundRect">
-            <a:avLst/>
-          </a:prstGeom>
-          <a:solidFill>
-            <a:schemeClr val="accent2">
-              <a:alpha val="50000"/>
-            </a:schemeClr>
-          </a:solidFill>
-          <a:ln>
-            <a:noFill/>
-          </a:ln>
-        </p:spPr>
-        <p:style>
-          <a:lnRef idx="0">
-            <a:scrgbClr r="0" g="0" b="0"/>
-          </a:lnRef>
-          <a:fillRef idx="0">
-            <a:scrgbClr r="0" g="0" b="0"/>
-          </a:fillRef>
-          <a:effectRef idx="0">
-            <a:scrgbClr r="0" g="0" b="0"/>
-          </a:effectRef>
-          <a:fontRef idx="minor">
-            <a:schemeClr val="lt1"/>
-          </a:fontRef>
-        </p:style>
-        <p:txBody>
-          <a:bodyPr rtlCol="0" anchor="ctr"/>
-          <a:lstStyle/>
-          <a:p>
-            <a:pPr algn="ctr"/>
-            <a:r>
-              <a:rPr lang="en-GB" dirty="0">
-                <a:latin typeface="Bodoni MT" panose="02070603080606020203" pitchFamily="18" charset="0"/>
-              </a:rPr>
-              <a:t>Puzzle Interaction</a:t>
-            </a:r>
-          </a:p>
-        </p:txBody>
-      </p:sp>
-      <p:sp>
-        <p:nvSpPr>
-          <p:cNvPr id="38" name="Rectangle: Rounded Corners 37">
-            <a:extLst>
-              <a:ext uri="{FF2B5EF4-FFF2-40B4-BE49-F238E27FC236}">
-                <a16:creationId xmlns:a16="http://schemas.microsoft.com/office/drawing/2014/main" id="{F9DE6B22-A874-4C5B-A2F4-37E624346379}"/>
-              </a:ext>
-            </a:extLst>
-          </p:cNvPr>
-          <p:cNvSpPr/>
-          <p:nvPr/>
-        </p:nvSpPr>
-        <p:spPr>
-          <a:xfrm>
-            <a:off x="1555617" y="5079841"/>
-            <a:ext cx="1719743" cy="566053"/>
-          </a:xfrm>
-          <a:prstGeom prst="roundRect">
-            <a:avLst/>
-          </a:prstGeom>
-          <a:solidFill>
-            <a:schemeClr val="accent2">
-              <a:alpha val="50000"/>
-            </a:schemeClr>
-          </a:solidFill>
-          <a:ln>
-            <a:noFill/>
-          </a:ln>
-        </p:spPr>
-        <p:style>
-          <a:lnRef idx="0">
-            <a:scrgbClr r="0" g="0" b="0"/>
-          </a:lnRef>
-          <a:fillRef idx="0">
-            <a:scrgbClr r="0" g="0" b="0"/>
-          </a:fillRef>
-          <a:effectRef idx="0">
-            <a:scrgbClr r="0" g="0" b="0"/>
-          </a:effectRef>
-          <a:fontRef idx="minor">
-            <a:schemeClr val="lt1"/>
-          </a:fontRef>
-        </p:style>
-        <p:txBody>
-          <a:bodyPr rtlCol="0" anchor="ctr"/>
-          <a:lstStyle/>
-          <a:p>
-            <a:pPr algn="ctr"/>
-            <a:r>
-              <a:rPr lang="en-GB" dirty="0">
-                <a:latin typeface="Bodoni MT" panose="02070603080606020203" pitchFamily="18" charset="0"/>
-              </a:rPr>
-              <a:t>Success Conditions</a:t>
-            </a:r>
-          </a:p>
-        </p:txBody>
-      </p:sp>
-      <p:sp>
-        <p:nvSpPr>
-          <p:cNvPr id="39" name="Rectangle: Rounded Corners 38">
-            <a:extLst>
-              <a:ext uri="{FF2B5EF4-FFF2-40B4-BE49-F238E27FC236}">
-                <a16:creationId xmlns:a16="http://schemas.microsoft.com/office/drawing/2014/main" id="{EB977FAA-DCA6-4B55-ACC4-847FBF97687B}"/>
-              </a:ext>
-            </a:extLst>
-          </p:cNvPr>
-          <p:cNvSpPr/>
-          <p:nvPr/>
-        </p:nvSpPr>
-        <p:spPr>
-          <a:xfrm>
-            <a:off x="8878346" y="2544729"/>
-            <a:ext cx="1719743" cy="566053"/>
-          </a:xfrm>
-          <a:prstGeom prst="roundRect">
-            <a:avLst/>
-          </a:prstGeom>
-          <a:solidFill>
-            <a:schemeClr val="accent2">
-              <a:alpha val="50000"/>
-            </a:schemeClr>
-          </a:solidFill>
-          <a:ln>
-            <a:noFill/>
-          </a:ln>
-        </p:spPr>
-        <p:style>
-          <a:lnRef idx="0">
-            <a:scrgbClr r="0" g="0" b="0"/>
-          </a:lnRef>
-          <a:fillRef idx="0">
-            <a:scrgbClr r="0" g="0" b="0"/>
-          </a:fillRef>
-          <a:effectRef idx="0">
-            <a:scrgbClr r="0" g="0" b="0"/>
-          </a:effectRef>
-          <a:fontRef idx="minor">
-            <a:schemeClr val="lt1"/>
-          </a:fontRef>
-        </p:style>
-        <p:txBody>
-          <a:bodyPr rtlCol="0" anchor="ctr"/>
-          <a:lstStyle/>
-          <a:p>
-            <a:pPr algn="ctr"/>
-            <a:r>
-              <a:rPr lang="en-GB" dirty="0">
-                <a:latin typeface="Bodoni MT" panose="02070603080606020203" pitchFamily="18" charset="0"/>
-              </a:rPr>
-              <a:t>Sprites</a:t>
-            </a:r>
-          </a:p>
-        </p:txBody>
-      </p:sp>
-      <p:sp>
-        <p:nvSpPr>
-          <p:cNvPr id="40" name="Rectangle: Rounded Corners 39">
-            <a:extLst>
-              <a:ext uri="{FF2B5EF4-FFF2-40B4-BE49-F238E27FC236}">
-                <a16:creationId xmlns:a16="http://schemas.microsoft.com/office/drawing/2014/main" id="{57387805-6EE0-4686-A3AD-F33DE6D3DA9D}"/>
-              </a:ext>
-            </a:extLst>
-          </p:cNvPr>
-          <p:cNvSpPr/>
-          <p:nvPr/>
-        </p:nvSpPr>
-        <p:spPr>
-          <a:xfrm>
-            <a:off x="8868420" y="3308862"/>
-            <a:ext cx="1719743" cy="566053"/>
-          </a:xfrm>
-          <a:prstGeom prst="roundRect">
-            <a:avLst/>
-          </a:prstGeom>
-          <a:solidFill>
-            <a:schemeClr val="accent2">
-              <a:alpha val="50000"/>
-            </a:schemeClr>
-          </a:solidFill>
-          <a:ln>
-            <a:noFill/>
-          </a:ln>
-        </p:spPr>
-        <p:style>
-          <a:lnRef idx="0">
-            <a:scrgbClr r="0" g="0" b="0"/>
-          </a:lnRef>
-          <a:fillRef idx="0">
-            <a:scrgbClr r="0" g="0" b="0"/>
-          </a:fillRef>
-          <a:effectRef idx="0">
-            <a:scrgbClr r="0" g="0" b="0"/>
-          </a:effectRef>
-          <a:fontRef idx="minor">
-            <a:schemeClr val="lt1"/>
-          </a:fontRef>
-        </p:style>
-        <p:txBody>
-          <a:bodyPr rtlCol="0" anchor="ctr"/>
-          <a:lstStyle/>
-          <a:p>
-            <a:pPr algn="ctr"/>
-            <a:r>
-              <a:rPr lang="en-GB" dirty="0">
-                <a:latin typeface="Bodoni MT" panose="02070603080606020203" pitchFamily="18" charset="0"/>
-              </a:rPr>
-              <a:t>Backgrounds &amp; Platforms</a:t>
-            </a:r>
-          </a:p>
-        </p:txBody>
-      </p:sp>
-      <p:sp>
-        <p:nvSpPr>
-          <p:cNvPr id="41" name="Rectangle: Rounded Corners 40">
-            <a:extLst>
-              <a:ext uri="{FF2B5EF4-FFF2-40B4-BE49-F238E27FC236}">
-                <a16:creationId xmlns:a16="http://schemas.microsoft.com/office/drawing/2014/main" id="{0AF77ADA-8652-49EA-87E9-2EBD25A9D60F}"/>
-              </a:ext>
-            </a:extLst>
-          </p:cNvPr>
-          <p:cNvSpPr/>
-          <p:nvPr/>
-        </p:nvSpPr>
-        <p:spPr>
-          <a:xfrm>
-            <a:off x="8878345" y="4072997"/>
-            <a:ext cx="1719743" cy="566053"/>
-          </a:xfrm>
-          <a:prstGeom prst="roundRect">
-            <a:avLst/>
-          </a:prstGeom>
-          <a:solidFill>
-            <a:schemeClr val="accent2">
-              <a:alpha val="50000"/>
-            </a:schemeClr>
-          </a:solidFill>
-          <a:ln>
-            <a:noFill/>
-          </a:ln>
-        </p:spPr>
-        <p:style>
-          <a:lnRef idx="0">
-            <a:scrgbClr r="0" g="0" b="0"/>
-          </a:lnRef>
-          <a:fillRef idx="0">
-            <a:scrgbClr r="0" g="0" b="0"/>
-          </a:fillRef>
-          <a:effectRef idx="0">
-            <a:scrgbClr r="0" g="0" b="0"/>
-          </a:effectRef>
-          <a:fontRef idx="minor">
-            <a:schemeClr val="lt1"/>
-          </a:fontRef>
-        </p:style>
-        <p:txBody>
-          <a:bodyPr rtlCol="0" anchor="ctr"/>
-          <a:lstStyle/>
-          <a:p>
-            <a:pPr algn="ctr"/>
-            <a:r>
-              <a:rPr lang="en-GB" dirty="0">
-                <a:latin typeface="Bodoni MT" panose="02070603080606020203" pitchFamily="18" charset="0"/>
-              </a:rPr>
-              <a:t>Puzzle Tiles</a:t>
-            </a:r>
-          </a:p>
-        </p:txBody>
-      </p:sp>
-      <p:cxnSp>
-        <p:nvCxnSpPr>
-          <p:cNvPr id="42" name="Straight Arrow Connector 41">
-            <a:extLst>
-              <a:ext uri="{FF2B5EF4-FFF2-40B4-BE49-F238E27FC236}">
-                <a16:creationId xmlns:a16="http://schemas.microsoft.com/office/drawing/2014/main" id="{37A39690-B33F-4ED6-BE2F-C59BC2ABAA73}"/>
-              </a:ext>
-            </a:extLst>
-          </p:cNvPr>
-          <p:cNvCxnSpPr>
-            <a:cxnSpLocks/>
-            <a:endCxn id="39" idx="3"/>
-          </p:cNvCxnSpPr>
-          <p:nvPr/>
-        </p:nvCxnSpPr>
-        <p:spPr>
-          <a:xfrm flipH="1">
-            <a:off x="10598089" y="2827755"/>
-            <a:ext cx="261108" cy="1"/>
-          </a:xfrm>
-          <a:prstGeom prst="straightConnector1">
-            <a:avLst/>
-          </a:prstGeom>
-          <a:ln w="9525" cap="flat" cmpd="sng" algn="ctr">
-            <a:solidFill>
-              <a:schemeClr val="dk1"/>
-            </a:solidFill>
-            <a:prstDash val="solid"/>
-            <a:round/>
-            <a:headEnd type="none" w="med" len="med"/>
-            <a:tailEnd type="arrow" w="med" len="med"/>
-          </a:ln>
-        </p:spPr>
-        <p:style>
-          <a:lnRef idx="0">
-            <a:scrgbClr r="0" g="0" b="0"/>
-          </a:lnRef>
-          <a:fillRef idx="0">
-            <a:scrgbClr r="0" g="0" b="0"/>
-          </a:fillRef>
-          <a:effectRef idx="0">
-            <a:scrgbClr r="0" g="0" b="0"/>
-          </a:effectRef>
-          <a:fontRef idx="minor">
-            <a:schemeClr val="tx1"/>
-          </a:fontRef>
-        </p:style>
-      </p:cxnSp>
-      <p:cxnSp>
-        <p:nvCxnSpPr>
-          <p:cNvPr id="49" name="Connector: Elbow 48">
-            <a:extLst>
-              <a:ext uri="{FF2B5EF4-FFF2-40B4-BE49-F238E27FC236}">
-                <a16:creationId xmlns:a16="http://schemas.microsoft.com/office/drawing/2014/main" id="{6F018749-49F9-4969-A271-C3C29767FD5C}"/>
-              </a:ext>
-            </a:extLst>
-          </p:cNvPr>
-          <p:cNvCxnSpPr>
-            <a:cxnSpLocks/>
-            <a:stCxn id="13" idx="3"/>
-          </p:cNvCxnSpPr>
-          <p:nvPr/>
-        </p:nvCxnSpPr>
-        <p:spPr>
-          <a:xfrm>
-            <a:off x="10598090" y="1994380"/>
-            <a:ext cx="261107" cy="2352818"/>
-          </a:xfrm>
-          <a:prstGeom prst="bentConnector2">
-            <a:avLst/>
-          </a:prstGeom>
-          <a:ln w="9525" cap="flat" cmpd="sng" algn="ctr">
-            <a:solidFill>
-              <a:schemeClr val="dk1"/>
-            </a:solidFill>
-            <a:prstDash val="solid"/>
-            <a:round/>
-            <a:headEnd type="none" w="med" len="med"/>
-            <a:tailEnd type="arrow" w="med" len="med"/>
-          </a:ln>
-        </p:spPr>
-        <p:style>
-          <a:lnRef idx="0">
-            <a:scrgbClr r="0" g="0" b="0"/>
-          </a:lnRef>
-          <a:fillRef idx="0">
-            <a:scrgbClr r="0" g="0" b="0"/>
-          </a:fillRef>
-          <a:effectRef idx="0">
-            <a:scrgbClr r="0" g="0" b="0"/>
-          </a:effectRef>
-          <a:fontRef idx="minor">
-            <a:schemeClr val="tx1"/>
-          </a:fontRef>
-        </p:style>
-      </p:cxnSp>
-      <p:cxnSp>
-        <p:nvCxnSpPr>
-          <p:cNvPr id="51" name="Straight Arrow Connector 50">
-            <a:extLst>
-              <a:ext uri="{FF2B5EF4-FFF2-40B4-BE49-F238E27FC236}">
-                <a16:creationId xmlns:a16="http://schemas.microsoft.com/office/drawing/2014/main" id="{529BEA91-D614-4620-8E3D-97946455F9B8}"/>
-              </a:ext>
-            </a:extLst>
-          </p:cNvPr>
-          <p:cNvCxnSpPr>
-            <a:cxnSpLocks/>
-            <a:endCxn id="40" idx="3"/>
-          </p:cNvCxnSpPr>
-          <p:nvPr/>
-        </p:nvCxnSpPr>
-        <p:spPr>
-          <a:xfrm flipH="1">
-            <a:off x="10588163" y="3591889"/>
-            <a:ext cx="271034" cy="0"/>
-          </a:xfrm>
-          <a:prstGeom prst="straightConnector1">
-            <a:avLst/>
-          </a:prstGeom>
-          <a:ln w="9525" cap="flat" cmpd="sng" algn="ctr">
-            <a:solidFill>
-              <a:schemeClr val="dk1"/>
-            </a:solidFill>
-            <a:prstDash val="solid"/>
-            <a:round/>
-            <a:headEnd type="none" w="med" len="med"/>
-            <a:tailEnd type="arrow" w="med" len="med"/>
-          </a:ln>
-        </p:spPr>
-        <p:style>
-          <a:lnRef idx="0">
-            <a:scrgbClr r="0" g="0" b="0"/>
-          </a:lnRef>
-          <a:fillRef idx="0">
-            <a:scrgbClr r="0" g="0" b="0"/>
-          </a:fillRef>
-          <a:effectRef idx="0">
-            <a:scrgbClr r="0" g="0" b="0"/>
-          </a:effectRef>
-          <a:fontRef idx="minor">
-            <a:schemeClr val="tx1"/>
-          </a:fontRef>
-        </p:style>
-      </p:cxnSp>
-      <p:cxnSp>
-        <p:nvCxnSpPr>
-          <p:cNvPr id="52" name="Straight Arrow Connector 51">
-            <a:extLst>
-              <a:ext uri="{FF2B5EF4-FFF2-40B4-BE49-F238E27FC236}">
-                <a16:creationId xmlns:a16="http://schemas.microsoft.com/office/drawing/2014/main" id="{5B84C7E6-A42F-4657-A73B-3CBEE18B7E6F}"/>
-              </a:ext>
-            </a:extLst>
-          </p:cNvPr>
-          <p:cNvCxnSpPr>
-            <a:cxnSpLocks/>
-          </p:cNvCxnSpPr>
-          <p:nvPr/>
-        </p:nvCxnSpPr>
-        <p:spPr>
-          <a:xfrm flipH="1">
-            <a:off x="10598089" y="4347198"/>
-            <a:ext cx="261108" cy="1"/>
-          </a:xfrm>
-          <a:prstGeom prst="straightConnector1">
-            <a:avLst/>
-          </a:prstGeom>
-          <a:ln w="9525" cap="flat" cmpd="sng" algn="ctr">
-            <a:solidFill>
-              <a:schemeClr val="dk1"/>
-            </a:solidFill>
-            <a:prstDash val="solid"/>
-            <a:round/>
-            <a:headEnd type="none" w="med" len="med"/>
-            <a:tailEnd type="arrow" w="med" len="med"/>
-          </a:ln>
-        </p:spPr>
-        <p:style>
-          <a:lnRef idx="0">
-            <a:scrgbClr r="0" g="0" b="0"/>
-          </a:lnRef>
-          <a:fillRef idx="0">
-            <a:scrgbClr r="0" g="0" b="0"/>
-          </a:fillRef>
-          <a:effectRef idx="0">
-            <a:scrgbClr r="0" g="0" b="0"/>
-          </a:effectRef>
-          <a:fontRef idx="minor">
-            <a:schemeClr val="tx1"/>
-          </a:fontRef>
-        </p:style>
-      </p:cxnSp>
-      <p:cxnSp>
-        <p:nvCxnSpPr>
-          <p:cNvPr id="55" name="Connector: Elbow 54">
-            <a:extLst>
-              <a:ext uri="{FF2B5EF4-FFF2-40B4-BE49-F238E27FC236}">
-                <a16:creationId xmlns:a16="http://schemas.microsoft.com/office/drawing/2014/main" id="{0EC221BA-BD1E-4AE7-B1B2-90EE3720F5FB}"/>
-              </a:ext>
-            </a:extLst>
-          </p:cNvPr>
-          <p:cNvCxnSpPr>
-            <a:stCxn id="39" idx="1"/>
-          </p:cNvCxnSpPr>
-          <p:nvPr/>
-        </p:nvCxnSpPr>
-        <p:spPr>
-          <a:xfrm rot="10800000" flipV="1">
-            <a:off x="7843706" y="2827755"/>
-            <a:ext cx="1034640" cy="764133"/>
-          </a:xfrm>
-          <a:prstGeom prst="bentConnector3">
-            <a:avLst/>
-          </a:prstGeom>
-          <a:ln w="9525" cap="flat" cmpd="sng" algn="ctr">
-            <a:solidFill>
-              <a:schemeClr val="dk1"/>
-            </a:solidFill>
-            <a:prstDash val="solid"/>
-            <a:round/>
-            <a:headEnd type="none" w="med" len="med"/>
-            <a:tailEnd type="arrow" w="med" len="med"/>
-          </a:ln>
-        </p:spPr>
-        <p:style>
-          <a:lnRef idx="0">
-            <a:scrgbClr r="0" g="0" b="0"/>
-          </a:lnRef>
-          <a:fillRef idx="0">
-            <a:scrgbClr r="0" g="0" b="0"/>
-          </a:fillRef>
-          <a:effectRef idx="0">
-            <a:scrgbClr r="0" g="0" b="0"/>
-          </a:effectRef>
-          <a:fontRef idx="minor">
-            <a:schemeClr val="tx1"/>
-          </a:fontRef>
-        </p:style>
-      </p:cxnSp>
-      <p:cxnSp>
-        <p:nvCxnSpPr>
-          <p:cNvPr id="56" name="Connector: Elbow 55">
-            <a:extLst>
-              <a:ext uri="{FF2B5EF4-FFF2-40B4-BE49-F238E27FC236}">
-                <a16:creationId xmlns:a16="http://schemas.microsoft.com/office/drawing/2014/main" id="{7ED8B67D-2C95-4C7F-B66D-35ED490532B0}"/>
-              </a:ext>
-            </a:extLst>
-          </p:cNvPr>
-          <p:cNvCxnSpPr>
-            <a:cxnSpLocks/>
-            <a:stCxn id="41" idx="1"/>
-          </p:cNvCxnSpPr>
-          <p:nvPr/>
-        </p:nvCxnSpPr>
-        <p:spPr>
-          <a:xfrm rot="10800000">
-            <a:off x="8363825" y="3583066"/>
-            <a:ext cx="514521" cy="772958"/>
-          </a:xfrm>
-          <a:prstGeom prst="bentConnector2">
-            <a:avLst/>
-          </a:prstGeom>
-          <a:ln w="9525" cap="flat" cmpd="sng" algn="ctr">
-            <a:solidFill>
-              <a:schemeClr val="dk1"/>
-            </a:solidFill>
-            <a:prstDash val="solid"/>
-            <a:round/>
-            <a:headEnd type="none" w="med" len="med"/>
-            <a:tailEnd type="arrow" w="med" len="med"/>
-          </a:ln>
-        </p:spPr>
-        <p:style>
-          <a:lnRef idx="0">
-            <a:scrgbClr r="0" g="0" b="0"/>
-          </a:lnRef>
-          <a:fillRef idx="0">
-            <a:scrgbClr r="0" g="0" b="0"/>
-          </a:fillRef>
-          <a:effectRef idx="0">
-            <a:scrgbClr r="0" g="0" b="0"/>
-          </a:effectRef>
-          <a:fontRef idx="minor">
-            <a:schemeClr val="tx1"/>
-          </a:fontRef>
-        </p:style>
-      </p:cxnSp>
-      <p:cxnSp>
-        <p:nvCxnSpPr>
-          <p:cNvPr id="60" name="Straight Connector 59">
-            <a:extLst>
-              <a:ext uri="{FF2B5EF4-FFF2-40B4-BE49-F238E27FC236}">
-                <a16:creationId xmlns:a16="http://schemas.microsoft.com/office/drawing/2014/main" id="{2DE7001C-61A4-4D8C-9487-D0519BB5C287}"/>
-              </a:ext>
-            </a:extLst>
-          </p:cNvPr>
-          <p:cNvCxnSpPr>
-            <a:cxnSpLocks/>
-            <a:stCxn id="40" idx="1"/>
-          </p:cNvCxnSpPr>
-          <p:nvPr/>
-        </p:nvCxnSpPr>
-        <p:spPr>
-          <a:xfrm flipH="1">
-            <a:off x="8353898" y="3591889"/>
-            <a:ext cx="514522" cy="0"/>
-          </a:xfrm>
-          <a:prstGeom prst="line">
-            <a:avLst/>
-          </a:prstGeom>
-        </p:spPr>
-        <p:style>
-          <a:lnRef idx="1">
-            <a:schemeClr val="dk1"/>
-          </a:lnRef>
-          <a:fillRef idx="0">
-            <a:schemeClr val="dk1"/>
-          </a:fillRef>
-          <a:effectRef idx="0">
-            <a:schemeClr val="dk1"/>
-          </a:effectRef>
-          <a:fontRef idx="minor">
-            <a:schemeClr val="tx1"/>
-          </a:fontRef>
-        </p:style>
-      </p:cxnSp>
-      <p:cxnSp>
-        <p:nvCxnSpPr>
-          <p:cNvPr id="67" name="Connector: Elbow 66">
-            <a:extLst>
-              <a:ext uri="{FF2B5EF4-FFF2-40B4-BE49-F238E27FC236}">
-                <a16:creationId xmlns:a16="http://schemas.microsoft.com/office/drawing/2014/main" id="{9BE8C34A-75B0-466E-B230-A6AA0EF6FF90}"/>
-              </a:ext>
-            </a:extLst>
-          </p:cNvPr>
-          <p:cNvCxnSpPr>
-            <a:cxnSpLocks/>
-            <a:endCxn id="11" idx="3"/>
-          </p:cNvCxnSpPr>
-          <p:nvPr/>
-        </p:nvCxnSpPr>
-        <p:spPr>
-          <a:xfrm rot="10800000">
-            <a:off x="3262426" y="2958148"/>
-            <a:ext cx="4581280" cy="624919"/>
-          </a:xfrm>
-          <a:prstGeom prst="bentConnector3">
-            <a:avLst>
-              <a:gd name="adj1" fmla="val 13926"/>
-            </a:avLst>
-          </a:prstGeom>
-          <a:ln w="9525" cap="flat" cmpd="sng" algn="ctr">
-            <a:solidFill>
-              <a:schemeClr val="dk1"/>
-            </a:solidFill>
-            <a:prstDash val="solid"/>
-            <a:round/>
-            <a:headEnd type="none" w="med" len="med"/>
-            <a:tailEnd type="arrow" w="med" len="med"/>
-          </a:ln>
-        </p:spPr>
-        <p:style>
-          <a:lnRef idx="0">
-            <a:scrgbClr r="0" g="0" b="0"/>
-          </a:lnRef>
-          <a:fillRef idx="0">
-            <a:scrgbClr r="0" g="0" b="0"/>
-          </a:fillRef>
-          <a:effectRef idx="0">
-            <a:scrgbClr r="0" g="0" b="0"/>
-          </a:effectRef>
-          <a:fontRef idx="minor">
-            <a:schemeClr val="tx1"/>
-          </a:fontRef>
-        </p:style>
-      </p:cxnSp>
-      <p:cxnSp>
-        <p:nvCxnSpPr>
-          <p:cNvPr id="66" name="Connector: Elbow 65">
-            <a:extLst>
-              <a:ext uri="{FF2B5EF4-FFF2-40B4-BE49-F238E27FC236}">
-                <a16:creationId xmlns:a16="http://schemas.microsoft.com/office/drawing/2014/main" id="{2B6EBE20-55B6-4C79-AC8D-3D2DEACD0F27}"/>
-              </a:ext>
-            </a:extLst>
-          </p:cNvPr>
-          <p:cNvCxnSpPr>
-            <a:endCxn id="34" idx="3"/>
-          </p:cNvCxnSpPr>
-          <p:nvPr/>
-        </p:nvCxnSpPr>
-        <p:spPr>
-          <a:xfrm rot="5400000">
-            <a:off x="6909215" y="3629175"/>
-            <a:ext cx="971779" cy="897204"/>
-          </a:xfrm>
-          <a:prstGeom prst="bentConnector2">
-            <a:avLst/>
-          </a:prstGeom>
-          <a:ln w="9525" cap="flat" cmpd="sng" algn="ctr">
-            <a:solidFill>
-              <a:schemeClr val="dk1"/>
-            </a:solidFill>
-            <a:prstDash val="solid"/>
-            <a:round/>
-            <a:headEnd type="none" w="med" len="med"/>
-            <a:tailEnd type="arrow" w="med" len="med"/>
-          </a:ln>
-        </p:spPr>
-        <p:style>
-          <a:lnRef idx="0">
-            <a:scrgbClr r="0" g="0" b="0"/>
-          </a:lnRef>
-          <a:fillRef idx="0">
-            <a:scrgbClr r="0" g="0" b="0"/>
-          </a:fillRef>
-          <a:effectRef idx="0">
-            <a:scrgbClr r="0" g="0" b="0"/>
-          </a:effectRef>
-          <a:fontRef idx="minor">
-            <a:schemeClr val="tx1"/>
-          </a:fontRef>
-        </p:style>
-      </p:cxnSp>
-      <p:sp>
-        <p:nvSpPr>
-          <p:cNvPr id="12" name="Rectangle: Rounded Corners 11">
-            <a:extLst>
-              <a:ext uri="{FF2B5EF4-FFF2-40B4-BE49-F238E27FC236}">
-                <a16:creationId xmlns:a16="http://schemas.microsoft.com/office/drawing/2014/main" id="{0EF29BEE-62BD-4987-BA52-D89AE53A8B33}"/>
-              </a:ext>
-            </a:extLst>
-          </p:cNvPr>
-          <p:cNvSpPr/>
-          <p:nvPr/>
-        </p:nvSpPr>
-        <p:spPr>
-          <a:xfrm>
-            <a:off x="5236128" y="2696279"/>
-            <a:ext cx="1719743" cy="566053"/>
-          </a:xfrm>
-          <a:prstGeom prst="roundRect">
-            <a:avLst/>
-          </a:prstGeom>
-          <a:solidFill>
-            <a:srgbClr val="F6BE98"/>
-          </a:solidFill>
-          <a:ln>
-            <a:noFill/>
-          </a:ln>
-        </p:spPr>
-        <p:style>
-          <a:lnRef idx="0">
-            <a:scrgbClr r="0" g="0" b="0"/>
-          </a:lnRef>
-          <a:fillRef idx="0">
-            <a:scrgbClr r="0" g="0" b="0"/>
-          </a:fillRef>
-          <a:effectRef idx="0">
-            <a:scrgbClr r="0" g="0" b="0"/>
-          </a:effectRef>
-          <a:fontRef idx="minor">
-            <a:schemeClr val="lt1"/>
-          </a:fontRef>
-        </p:style>
-        <p:txBody>
-          <a:bodyPr rtlCol="0" anchor="ctr"/>
-          <a:lstStyle/>
-          <a:p>
-            <a:pPr algn="ctr"/>
-            <a:r>
-              <a:rPr lang="en-GB" dirty="0">
-                <a:latin typeface="Bodoni MT" panose="02070603080606020203" pitchFamily="18" charset="0"/>
-              </a:rPr>
-              <a:t>Character Movement</a:t>
-            </a:r>
-          </a:p>
-        </p:txBody>
-      </p:sp>
-      <p:cxnSp>
-        <p:nvCxnSpPr>
-          <p:cNvPr id="73" name="Straight Arrow Connector 72">
-            <a:extLst>
-              <a:ext uri="{FF2B5EF4-FFF2-40B4-BE49-F238E27FC236}">
-                <a16:creationId xmlns:a16="http://schemas.microsoft.com/office/drawing/2014/main" id="{69C2A71F-34B3-45C5-B5C2-CAD80873AAD3}"/>
-              </a:ext>
-            </a:extLst>
-          </p:cNvPr>
-          <p:cNvCxnSpPr>
-            <a:cxnSpLocks/>
-            <a:stCxn id="12" idx="2"/>
-            <a:endCxn id="33" idx="0"/>
-          </p:cNvCxnSpPr>
-          <p:nvPr/>
-        </p:nvCxnSpPr>
-        <p:spPr>
-          <a:xfrm flipH="1">
-            <a:off x="6095998" y="3262332"/>
-            <a:ext cx="2" cy="241306"/>
-          </a:xfrm>
-          <a:prstGeom prst="straightConnector1">
-            <a:avLst/>
-          </a:prstGeom>
-          <a:ln w="9525" cap="flat" cmpd="sng" algn="ctr">
-            <a:solidFill>
-              <a:schemeClr val="dk1"/>
-            </a:solidFill>
-            <a:prstDash val="solid"/>
-            <a:round/>
-            <a:headEnd type="none" w="med" len="med"/>
-            <a:tailEnd type="arrow" w="med" len="med"/>
-          </a:ln>
-        </p:spPr>
-        <p:style>
-          <a:lnRef idx="0">
-            <a:scrgbClr r="0" g="0" b="0"/>
-          </a:lnRef>
-          <a:fillRef idx="0">
-            <a:scrgbClr r="0" g="0" b="0"/>
-          </a:fillRef>
-          <a:effectRef idx="0">
-            <a:scrgbClr r="0" g="0" b="0"/>
-          </a:effectRef>
-          <a:fontRef idx="minor">
-            <a:schemeClr val="tx1"/>
-          </a:fontRef>
-        </p:style>
-      </p:cxnSp>
-      <p:cxnSp>
-        <p:nvCxnSpPr>
-          <p:cNvPr id="77" name="Straight Arrow Connector 76">
-            <a:extLst>
-              <a:ext uri="{FF2B5EF4-FFF2-40B4-BE49-F238E27FC236}">
-                <a16:creationId xmlns:a16="http://schemas.microsoft.com/office/drawing/2014/main" id="{57464C7E-A3BB-4249-922D-CFCFCCBF91D6}"/>
-              </a:ext>
-            </a:extLst>
-          </p:cNvPr>
-          <p:cNvCxnSpPr>
-            <a:cxnSpLocks/>
-          </p:cNvCxnSpPr>
-          <p:nvPr/>
-        </p:nvCxnSpPr>
-        <p:spPr>
-          <a:xfrm flipH="1">
-            <a:off x="6086630" y="3941471"/>
-            <a:ext cx="2" cy="241306"/>
-          </a:xfrm>
-          <a:prstGeom prst="straightConnector1">
-            <a:avLst/>
-          </a:prstGeom>
-          <a:ln w="9525" cap="flat" cmpd="sng" algn="ctr">
-            <a:solidFill>
-              <a:schemeClr val="dk1"/>
-            </a:solidFill>
-            <a:prstDash val="solid"/>
-            <a:round/>
-            <a:headEnd type="none" w="med" len="med"/>
-            <a:tailEnd type="arrow" w="med" len="med"/>
-          </a:ln>
-        </p:spPr>
-        <p:style>
-          <a:lnRef idx="0">
-            <a:scrgbClr r="0" g="0" b="0"/>
-          </a:lnRef>
-          <a:fillRef idx="0">
-            <a:scrgbClr r="0" g="0" b="0"/>
-          </a:fillRef>
-          <a:effectRef idx="0">
-            <a:scrgbClr r="0" g="0" b="0"/>
-          </a:effectRef>
-          <a:fontRef idx="minor">
-            <a:schemeClr val="tx1"/>
-          </a:fontRef>
-        </p:style>
-      </p:cxnSp>
-      <p:cxnSp>
-        <p:nvCxnSpPr>
-          <p:cNvPr id="78" name="Straight Arrow Connector 77">
-            <a:extLst>
-              <a:ext uri="{FF2B5EF4-FFF2-40B4-BE49-F238E27FC236}">
-                <a16:creationId xmlns:a16="http://schemas.microsoft.com/office/drawing/2014/main" id="{D03E9D33-30E8-457E-9B54-73E66853B100}"/>
-              </a:ext>
-            </a:extLst>
-          </p:cNvPr>
-          <p:cNvCxnSpPr>
-            <a:cxnSpLocks/>
-          </p:cNvCxnSpPr>
-          <p:nvPr/>
-        </p:nvCxnSpPr>
-        <p:spPr>
-          <a:xfrm flipH="1">
-            <a:off x="6095996" y="4944557"/>
-            <a:ext cx="2" cy="241306"/>
-          </a:xfrm>
-          <a:prstGeom prst="straightConnector1">
-            <a:avLst/>
-          </a:prstGeom>
-          <a:ln w="9525" cap="flat" cmpd="sng" algn="ctr">
-            <a:solidFill>
-              <a:schemeClr val="dk1"/>
-            </a:solidFill>
-            <a:prstDash val="solid"/>
-            <a:round/>
-            <a:headEnd type="none" w="med" len="med"/>
-            <a:tailEnd type="arrow" w="med" len="med"/>
-          </a:ln>
-        </p:spPr>
-        <p:style>
-          <a:lnRef idx="0">
-            <a:scrgbClr r="0" g="0" b="0"/>
-          </a:lnRef>
-          <a:fillRef idx="0">
-            <a:scrgbClr r="0" g="0" b="0"/>
-          </a:fillRef>
-          <a:effectRef idx="0">
-            <a:scrgbClr r="0" g="0" b="0"/>
-          </a:effectRef>
-          <a:fontRef idx="minor">
-            <a:schemeClr val="tx1"/>
-          </a:fontRef>
-        </p:style>
-      </p:cxnSp>
-      <p:cxnSp>
-        <p:nvCxnSpPr>
-          <p:cNvPr id="79" name="Straight Arrow Connector 78">
-            <a:extLst>
-              <a:ext uri="{FF2B5EF4-FFF2-40B4-BE49-F238E27FC236}">
-                <a16:creationId xmlns:a16="http://schemas.microsoft.com/office/drawing/2014/main" id="{0A90E022-FEFC-46DE-89ED-17C345356F2C}"/>
-              </a:ext>
-            </a:extLst>
-          </p:cNvPr>
-          <p:cNvCxnSpPr>
-            <a:cxnSpLocks/>
-          </p:cNvCxnSpPr>
-          <p:nvPr/>
-        </p:nvCxnSpPr>
-        <p:spPr>
-          <a:xfrm flipH="1">
-            <a:off x="2381755" y="3233015"/>
-            <a:ext cx="2" cy="241306"/>
-          </a:xfrm>
-          <a:prstGeom prst="straightConnector1">
-            <a:avLst/>
-          </a:prstGeom>
-          <a:ln w="9525" cap="flat" cmpd="sng" algn="ctr">
-            <a:solidFill>
-              <a:schemeClr val="dk1"/>
-            </a:solidFill>
-            <a:prstDash val="solid"/>
-            <a:round/>
-            <a:headEnd type="none" w="med" len="med"/>
-            <a:tailEnd type="arrow" w="med" len="med"/>
-          </a:ln>
-        </p:spPr>
-        <p:style>
-          <a:lnRef idx="0">
-            <a:scrgbClr r="0" g="0" b="0"/>
-          </a:lnRef>
-          <a:fillRef idx="0">
-            <a:scrgbClr r="0" g="0" b="0"/>
-          </a:fillRef>
-          <a:effectRef idx="0">
-            <a:scrgbClr r="0" g="0" b="0"/>
-          </a:effectRef>
-          <a:fontRef idx="minor">
-            <a:schemeClr val="tx1"/>
-          </a:fontRef>
-        </p:style>
-      </p:cxnSp>
-      <p:cxnSp>
-        <p:nvCxnSpPr>
-          <p:cNvPr id="80" name="Straight Arrow Connector 79">
-            <a:extLst>
-              <a:ext uri="{FF2B5EF4-FFF2-40B4-BE49-F238E27FC236}">
-                <a16:creationId xmlns:a16="http://schemas.microsoft.com/office/drawing/2014/main" id="{3A681EC4-C304-44D6-8FE8-F7EBE52D4E19}"/>
-              </a:ext>
-            </a:extLst>
-          </p:cNvPr>
-          <p:cNvCxnSpPr>
-            <a:cxnSpLocks/>
-          </p:cNvCxnSpPr>
-          <p:nvPr/>
-        </p:nvCxnSpPr>
-        <p:spPr>
-          <a:xfrm flipH="1">
-            <a:off x="2381403" y="4044630"/>
-            <a:ext cx="2" cy="241306"/>
-          </a:xfrm>
-          <a:prstGeom prst="straightConnector1">
-            <a:avLst/>
-          </a:prstGeom>
-          <a:ln w="9525" cap="flat" cmpd="sng" algn="ctr">
-            <a:solidFill>
-              <a:schemeClr val="dk1"/>
-            </a:solidFill>
-            <a:prstDash val="solid"/>
-            <a:round/>
-            <a:headEnd type="none" w="med" len="med"/>
-            <a:tailEnd type="arrow" w="med" len="med"/>
-          </a:ln>
-        </p:spPr>
-        <p:style>
-          <a:lnRef idx="0">
-            <a:scrgbClr r="0" g="0" b="0"/>
-          </a:lnRef>
-          <a:fillRef idx="0">
-            <a:scrgbClr r="0" g="0" b="0"/>
-          </a:fillRef>
-          <a:effectRef idx="0">
-            <a:scrgbClr r="0" g="0" b="0"/>
-          </a:effectRef>
-          <a:fontRef idx="minor">
-            <a:schemeClr val="tx1"/>
-          </a:fontRef>
-        </p:style>
-      </p:cxnSp>
-      <p:cxnSp>
-        <p:nvCxnSpPr>
-          <p:cNvPr id="81" name="Straight Arrow Connector 80">
-            <a:extLst>
-              <a:ext uri="{FF2B5EF4-FFF2-40B4-BE49-F238E27FC236}">
-                <a16:creationId xmlns:a16="http://schemas.microsoft.com/office/drawing/2014/main" id="{19F654F4-6D55-4385-8976-5B80EBD24850}"/>
-              </a:ext>
-            </a:extLst>
-          </p:cNvPr>
-          <p:cNvCxnSpPr>
-            <a:cxnSpLocks/>
-          </p:cNvCxnSpPr>
-          <p:nvPr/>
-        </p:nvCxnSpPr>
-        <p:spPr>
-          <a:xfrm flipH="1">
-            <a:off x="2381401" y="4850441"/>
-            <a:ext cx="2" cy="241306"/>
-          </a:xfrm>
-          <a:prstGeom prst="straightConnector1">
-            <a:avLst/>
-          </a:prstGeom>
-          <a:ln w="9525" cap="flat" cmpd="sng" algn="ctr">
-            <a:solidFill>
-              <a:schemeClr val="dk1"/>
-            </a:solidFill>
-            <a:prstDash val="solid"/>
-            <a:round/>
-            <a:headEnd type="none" w="med" len="med"/>
-            <a:tailEnd type="arrow" w="med" len="med"/>
-          </a:ln>
-        </p:spPr>
-        <p:style>
-          <a:lnRef idx="0">
-            <a:scrgbClr r="0" g="0" b="0"/>
-          </a:lnRef>
-          <a:fillRef idx="0">
-            <a:scrgbClr r="0" g="0" b="0"/>
-          </a:fillRef>
-          <a:effectRef idx="0">
-            <a:scrgbClr r="0" g="0" b="0"/>
-          </a:effectRef>
-          <a:fontRef idx="minor">
-            <a:schemeClr val="tx1"/>
-          </a:fontRef>
-        </p:style>
-      </p:cxnSp>
+          <a:lstStyle>
+            <a:lvl1pPr marL="228600" indent="-228600" algn="l" defTabSz="914400" rtl="0" eaLnBrk="1" latinLnBrk="0" hangingPunct="1">
+              <a:lnSpc>
+                <a:spcPct val="90000"/>
+              </a:lnSpc>
+              <a:spcBef>
+                <a:spcPts val="1000"/>
+              </a:spcBef>
+              <a:buFont typeface="Arial" panose="020B0604020202020204" pitchFamily="34" charset="0"/>
+              <a:buChar char="•"/>
+              <a:defRPr sz="2800" kern="1200">
+                <a:solidFill>
+                  <a:schemeClr val="tx1"/>
+                </a:solidFill>
+                <a:latin typeface="+mn-lt"/>
+                <a:ea typeface="+mn-ea"/>
+                <a:cs typeface="+mn-cs"/>
+              </a:defRPr>
+            </a:lvl1pPr>
+            <a:lvl2pPr marL="685800" indent="-228600" algn="l" defTabSz="914400" rtl="0" eaLnBrk="1" latinLnBrk="0" hangingPunct="1">
+              <a:lnSpc>
+                <a:spcPct val="90000"/>
+              </a:lnSpc>
+              <a:spcBef>
+                <a:spcPts val="500"/>
+              </a:spcBef>
+              <a:buFont typeface="Arial" panose="020B0604020202020204" pitchFamily="34" charset="0"/>
+              <a:buChar char="•"/>
+              <a:defRPr sz="2400" kern="1200">
+                <a:solidFill>
+                  <a:schemeClr val="tx1"/>
+                </a:solidFill>
+                <a:latin typeface="+mn-lt"/>
+                <a:ea typeface="+mn-ea"/>
+                <a:cs typeface="+mn-cs"/>
+              </a:defRPr>
+            </a:lvl2pPr>
+            <a:lvl3pPr marL="1143000" indent="-228600" algn="l" defTabSz="914400" rtl="0" eaLnBrk="1" latinLnBrk="0" hangingPunct="1">
+              <a:lnSpc>
+                <a:spcPct val="90000"/>
+              </a:lnSpc>
+              <a:spcBef>
+                <a:spcPts val="500"/>
+              </a:spcBef>
+              <a:buFont typeface="Arial" panose="020B0604020202020204" pitchFamily="34" charset="0"/>
+              <a:buChar char="•"/>
+              <a:defRPr sz="2000" kern="1200">
+                <a:solidFill>
+                  <a:schemeClr val="tx1"/>
+                </a:solidFill>
+                <a:latin typeface="+mn-lt"/>
+                <a:ea typeface="+mn-ea"/>
+                <a:cs typeface="+mn-cs"/>
+              </a:defRPr>
+            </a:lvl3pPr>
+            <a:lvl4pPr marL="1600200" indent="-228600" algn="l" defTabSz="914400" rtl="0" eaLnBrk="1" latinLnBrk="0" hangingPunct="1">
+              <a:lnSpc>
+                <a:spcPct val="90000"/>
+              </a:lnSpc>
+              <a:spcBef>
+                <a:spcPts val="500"/>
+              </a:spcBef>
+              <a:buFont typeface="Arial" panose="020B0604020202020204" pitchFamily="34" charset="0"/>
+              <a:buChar char="•"/>
+              <a:defRPr sz="1800" kern="1200">
+                <a:solidFill>
+                  <a:schemeClr val="tx1"/>
+                </a:solidFill>
+                <a:latin typeface="+mn-lt"/>
+                <a:ea typeface="+mn-ea"/>
+                <a:cs typeface="+mn-cs"/>
+              </a:defRPr>
+            </a:lvl4pPr>
+            <a:lvl5pPr marL="2057400" indent="-228600" algn="l" defTabSz="914400" rtl="0" eaLnBrk="1" latinLnBrk="0" hangingPunct="1">
+              <a:lnSpc>
+                <a:spcPct val="90000"/>
+              </a:lnSpc>
+              <a:spcBef>
+                <a:spcPts val="500"/>
+              </a:spcBef>
+              <a:buFont typeface="Arial" panose="020B0604020202020204" pitchFamily="34" charset="0"/>
+              <a:buChar char="•"/>
+              <a:defRPr sz="1800" kern="1200">
+                <a:solidFill>
+                  <a:schemeClr val="tx1"/>
+                </a:solidFill>
+                <a:latin typeface="+mn-lt"/>
+                <a:ea typeface="+mn-ea"/>
+                <a:cs typeface="+mn-cs"/>
+              </a:defRPr>
+            </a:lvl5pPr>
+            <a:lvl6pPr marL="2514600" indent="-228600" algn="l" defTabSz="914400" rtl="0" eaLnBrk="1" latinLnBrk="0" hangingPunct="1">
+              <a:lnSpc>
+                <a:spcPct val="90000"/>
+              </a:lnSpc>
+              <a:spcBef>
+                <a:spcPts val="500"/>
+              </a:spcBef>
+              <a:buFont typeface="Arial" panose="020B0604020202020204" pitchFamily="34" charset="0"/>
+              <a:buChar char="•"/>
+              <a:defRPr sz="1800" kern="1200">
+                <a:solidFill>
+                  <a:schemeClr val="tx1"/>
+                </a:solidFill>
+                <a:latin typeface="+mn-lt"/>
+                <a:ea typeface="+mn-ea"/>
+                <a:cs typeface="+mn-cs"/>
+              </a:defRPr>
+            </a:lvl6pPr>
+            <a:lvl7pPr marL="2971800" indent="-228600" algn="l" defTabSz="914400" rtl="0" eaLnBrk="1" latinLnBrk="0" hangingPunct="1">
+              <a:lnSpc>
+                <a:spcPct val="90000"/>
+              </a:lnSpc>
+              <a:spcBef>
+                <a:spcPts val="500"/>
+              </a:spcBef>
+              <a:buFont typeface="Arial" panose="020B0604020202020204" pitchFamily="34" charset="0"/>
+              <a:buChar char="•"/>
+              <a:defRPr sz="1800" kern="1200">
+                <a:solidFill>
+                  <a:schemeClr val="tx1"/>
+                </a:solidFill>
+                <a:latin typeface="+mn-lt"/>
+                <a:ea typeface="+mn-ea"/>
+                <a:cs typeface="+mn-cs"/>
+              </a:defRPr>
+            </a:lvl7pPr>
+            <a:lvl8pPr marL="3429000" indent="-228600" algn="l" defTabSz="914400" rtl="0" eaLnBrk="1" latinLnBrk="0" hangingPunct="1">
+              <a:lnSpc>
+                <a:spcPct val="90000"/>
+              </a:lnSpc>
+              <a:spcBef>
+                <a:spcPts val="500"/>
+              </a:spcBef>
+              <a:buFont typeface="Arial" panose="020B0604020202020204" pitchFamily="34" charset="0"/>
+              <a:buChar char="•"/>
+              <a:defRPr sz="1800" kern="1200">
+                <a:solidFill>
+                  <a:schemeClr val="tx1"/>
+                </a:solidFill>
+                <a:latin typeface="+mn-lt"/>
+                <a:ea typeface="+mn-ea"/>
+                <a:cs typeface="+mn-cs"/>
+              </a:defRPr>
+            </a:lvl8pPr>
+            <a:lvl9pPr marL="3886200" indent="-228600" algn="l" defTabSz="914400" rtl="0" eaLnBrk="1" latinLnBrk="0" hangingPunct="1">
+              <a:lnSpc>
+                <a:spcPct val="90000"/>
+              </a:lnSpc>
+              <a:spcBef>
+                <a:spcPts val="500"/>
+              </a:spcBef>
+              <a:buFont typeface="Arial" panose="020B0604020202020204" pitchFamily="34" charset="0"/>
+              <a:buChar char="•"/>
+              <a:defRPr sz="1800" kern="1200">
+                <a:solidFill>
+                  <a:schemeClr val="tx1"/>
+                </a:solidFill>
+                <a:latin typeface="+mn-lt"/>
+                <a:ea typeface="+mn-ea"/>
+                <a:cs typeface="+mn-cs"/>
+              </a:defRPr>
+            </a:lvl9pPr>
+          </a:lstStyle>
+          <a:p>
+            <a:pPr marL="0" indent="0">
+              <a:buFont typeface="Arial" panose="020B0604020202020204" pitchFamily="34" charset="0"/>
+              <a:buNone/>
+            </a:pPr>
+            <a:endParaRPr lang="en-GB" sz="1800" dirty="0">
+              <a:latin typeface="Bodoni MT" panose="02070603080606020203" pitchFamily="18" charset="0"/>
+            </a:endParaRPr>
+          </a:p>
+          <a:p>
+            <a:pPr marL="0" indent="0">
+              <a:buNone/>
+            </a:pPr>
+            <a:endParaRPr lang="en-GB" sz="1800" b="1" dirty="0">
+              <a:latin typeface="Bodoni MT" panose="02070603080606020203" pitchFamily="18" charset="0"/>
+            </a:endParaRPr>
+          </a:p>
+        </p:txBody>
+      </p:sp>
     </p:spTree>
     <p:extLst>
       <p:ext uri="{BB962C8B-B14F-4D97-AF65-F5344CB8AC3E}">
-        <p14:creationId xmlns:p14="http://schemas.microsoft.com/office/powerpoint/2010/main" val="2766657188"/>
+        <p14:creationId xmlns:p14="http://schemas.microsoft.com/office/powerpoint/2010/main" xmlns="" val="2083772189"/>
       </p:ext>
     </p:extLst>
   </p:cSld>
@@ -8757,7 +7699,7 @@
           <p:cNvPr id="7" name="Picture 6">
             <a:extLst>
               <a:ext uri="{FF2B5EF4-FFF2-40B4-BE49-F238E27FC236}">
-                <a16:creationId xmlns:a16="http://schemas.microsoft.com/office/drawing/2014/main" id="{0452B86A-B01F-4002-A1C0-9EF0AE9558E4}"/>
+                <a16:creationId xmlns:a16="http://schemas.microsoft.com/office/drawing/2014/main" xmlns="" id="{2FF80050-A6DA-4A1C-B6D8-AA5AA7F78A23}"/>
               </a:ext>
             </a:extLst>
           </p:cNvPr>
@@ -8782,12 +7724,64 @@
           </a:prstGeom>
         </p:spPr>
       </p:pic>
+      <p:sp>
+        <p:nvSpPr>
+          <p:cNvPr id="8" name="Rectangle 7">
+            <a:extLst>
+              <a:ext uri="{FF2B5EF4-FFF2-40B4-BE49-F238E27FC236}">
+                <a16:creationId xmlns:a16="http://schemas.microsoft.com/office/drawing/2014/main" xmlns="" id="{5E3721CF-6C16-4B38-8E56-417FAD19673B}"/>
+              </a:ext>
+            </a:extLst>
+          </p:cNvPr>
+          <p:cNvSpPr/>
+          <p:nvPr/>
+        </p:nvSpPr>
+        <p:spPr>
+          <a:xfrm>
+            <a:off x="2910979" y="30125"/>
+            <a:ext cx="1837189" cy="503340"/>
+          </a:xfrm>
+          <a:prstGeom prst="rect">
+            <a:avLst/>
+          </a:prstGeom>
+          <a:solidFill>
+            <a:schemeClr val="tx1"/>
+          </a:solidFill>
+          <a:ln>
+            <a:noFill/>
+          </a:ln>
+        </p:spPr>
+        <p:style>
+          <a:lnRef idx="2">
+            <a:schemeClr val="accent1">
+              <a:shade val="50000"/>
+            </a:schemeClr>
+          </a:lnRef>
+          <a:fillRef idx="1">
+            <a:schemeClr val="accent1"/>
+          </a:fillRef>
+          <a:effectRef idx="0">
+            <a:schemeClr val="accent1"/>
+          </a:effectRef>
+          <a:fontRef idx="minor">
+            <a:schemeClr val="lt1"/>
+          </a:fontRef>
+        </p:style>
+        <p:txBody>
+          <a:bodyPr rtlCol="0" anchor="ctr"/>
+          <a:lstStyle/>
+          <a:p>
+            <a:pPr algn="ctr"/>
+            <a:endParaRPr lang="en-GB"/>
+          </a:p>
+        </p:txBody>
+      </p:sp>
       <p:pic>
         <p:nvPicPr>
-          <p:cNvPr id="8" name="Picture 7">
-            <a:extLst>
-              <a:ext uri="{FF2B5EF4-FFF2-40B4-BE49-F238E27FC236}">
-                <a16:creationId xmlns:a16="http://schemas.microsoft.com/office/drawing/2014/main" id="{37F75148-183E-43C0-AC18-81F40A1DD034}"/>
+          <p:cNvPr id="5" name="Picture 4">
+            <a:extLst>
+              <a:ext uri="{FF2B5EF4-FFF2-40B4-BE49-F238E27FC236}">
+                <a16:creationId xmlns:a16="http://schemas.microsoft.com/office/drawing/2014/main" xmlns="" id="{BE6895F0-339F-4782-9F13-51BA81259136}"/>
               </a:ext>
             </a:extLst>
           </p:cNvPr>
@@ -8817,7 +7811,7 @@
           <p:cNvPr id="2" name="Title 1">
             <a:extLst>
               <a:ext uri="{FF2B5EF4-FFF2-40B4-BE49-F238E27FC236}">
-                <a16:creationId xmlns:a16="http://schemas.microsoft.com/office/drawing/2014/main" id="{DFC049F8-2284-4161-BE3C-431BCD0EFAB7}"/>
+                <a16:creationId xmlns:a16="http://schemas.microsoft.com/office/drawing/2014/main" xmlns="" id="{DFC049F8-2284-4161-BE3C-431BCD0EFAB7}"/>
               </a:ext>
             </a:extLst>
           </p:cNvPr>
@@ -8853,7 +7847,7 @@
               <a:rPr lang="en-GB" dirty="0">
                 <a:latin typeface="Bodoni MT" panose="02070603080606020203" pitchFamily="18" charset="0"/>
               </a:rPr>
-              <a:t>Challenges</a:t>
+              <a:t>Implementation</a:t>
             </a:r>
           </a:p>
         </p:txBody>
@@ -8863,7 +7857,7 @@
           <p:cNvPr id="3" name="Content Placeholder 2">
             <a:extLst>
               <a:ext uri="{FF2B5EF4-FFF2-40B4-BE49-F238E27FC236}">
-                <a16:creationId xmlns:a16="http://schemas.microsoft.com/office/drawing/2014/main" id="{F2E045F5-714F-4E07-87A1-F5696A62ED28}"/>
+                <a16:creationId xmlns:a16="http://schemas.microsoft.com/office/drawing/2014/main" xmlns="" id="{F2E045F5-714F-4E07-87A1-F5696A62ED28}"/>
               </a:ext>
             </a:extLst>
           </p:cNvPr>
@@ -8914,7 +7908,7 @@
           <p:cNvPr id="6" name="TextBox 5">
             <a:extLst>
               <a:ext uri="{FF2B5EF4-FFF2-40B4-BE49-F238E27FC236}">
-                <a16:creationId xmlns:a16="http://schemas.microsoft.com/office/drawing/2014/main" id="{2A7FCD91-3666-4A23-B530-B70A5977CFC4}"/>
+                <a16:creationId xmlns:a16="http://schemas.microsoft.com/office/drawing/2014/main" xmlns="" id="{09C628DE-7462-4395-B6E5-04533CBAF445}"/>
               </a:ext>
             </a:extLst>
           </p:cNvPr>
@@ -8948,47 +7942,69 @@
           </a:p>
         </p:txBody>
       </p:sp>
-      <p:pic>
-        <p:nvPicPr>
-          <p:cNvPr id="5" name="Picture 4">
-            <a:extLst>
-              <a:ext uri="{FF2B5EF4-FFF2-40B4-BE49-F238E27FC236}">
-                <a16:creationId xmlns:a16="http://schemas.microsoft.com/office/drawing/2014/main" id="{07E31DEA-147A-4661-8DB9-CB3281426F67}"/>
-              </a:ext>
-            </a:extLst>
-          </p:cNvPr>
-          <p:cNvPicPr>
-            <a:picLocks noChangeAspect="1"/>
-          </p:cNvPicPr>
+      <p:sp>
+        <p:nvSpPr>
+          <p:cNvPr id="10" name="Oval 9">
+            <a:extLst>
+              <a:ext uri="{FF2B5EF4-FFF2-40B4-BE49-F238E27FC236}">
+                <a16:creationId xmlns:a16="http://schemas.microsoft.com/office/drawing/2014/main" xmlns="" id="{C29C5979-7CCB-416B-B3A4-A452F3F30A10}"/>
+              </a:ext>
+            </a:extLst>
+          </p:cNvPr>
+          <p:cNvSpPr/>
           <p:nvPr/>
-        </p:nvPicPr>
-        <p:blipFill>
-          <a:blip r:embed="rId3"/>
-          <a:stretch>
-            <a:fillRect/>
-          </a:stretch>
-        </p:blipFill>
-        <p:spPr>
-          <a:xfrm>
-            <a:off x="7251583" y="1386866"/>
-            <a:ext cx="3446888" cy="4084268"/>
-          </a:xfrm>
-          <a:prstGeom prst="rect">
+        </p:nvSpPr>
+        <p:spPr>
+          <a:xfrm>
+            <a:off x="3411522" y="1043054"/>
+            <a:ext cx="1602297" cy="789345"/>
+          </a:xfrm>
+          <a:prstGeom prst="ellipse">
             <a:avLst/>
           </a:prstGeom>
-          <a:ln>
-            <a:solidFill>
-              <a:schemeClr val="tx1"/>
-            </a:solidFill>
-          </a:ln>
-        </p:spPr>
-      </p:pic>
-      <p:sp>
-        <p:nvSpPr>
-          <p:cNvPr id="9" name="Rectangle 8">
-            <a:extLst>
-              <a:ext uri="{FF2B5EF4-FFF2-40B4-BE49-F238E27FC236}">
-                <a16:creationId xmlns:a16="http://schemas.microsoft.com/office/drawing/2014/main" id="{639288EF-1393-49D8-9524-1863E2A39901}"/>
+          <a:solidFill>
+            <a:schemeClr val="accent2">
+              <a:lumMod val="60000"/>
+              <a:lumOff val="40000"/>
+            </a:schemeClr>
+          </a:solidFill>
+        </p:spPr>
+        <p:style>
+          <a:lnRef idx="2">
+            <a:schemeClr val="accent2">
+              <a:shade val="50000"/>
+            </a:schemeClr>
+          </a:lnRef>
+          <a:fillRef idx="1">
+            <a:schemeClr val="accent2"/>
+          </a:fillRef>
+          <a:effectRef idx="0">
+            <a:schemeClr val="accent2"/>
+          </a:effectRef>
+          <a:fontRef idx="minor">
+            <a:schemeClr val="lt1"/>
+          </a:fontRef>
+        </p:style>
+        <p:txBody>
+          <a:bodyPr rtlCol="0" anchor="ctr"/>
+          <a:lstStyle/>
+          <a:p>
+            <a:pPr algn="ctr"/>
+            <a:r>
+              <a:rPr lang="en-GB" dirty="0">
+                <a:latin typeface="Bodoni MT" panose="02070603080606020203" pitchFamily="18" charset="0"/>
+              </a:rPr>
+              <a:t>Design Spec.</a:t>
+            </a:r>
+          </a:p>
+        </p:txBody>
+      </p:sp>
+      <p:sp>
+        <p:nvSpPr>
+          <p:cNvPr id="11" name="Rectangle: Rounded Corners 10">
+            <a:extLst>
+              <a:ext uri="{FF2B5EF4-FFF2-40B4-BE49-F238E27FC236}">
+                <a16:creationId xmlns:a16="http://schemas.microsoft.com/office/drawing/2014/main" xmlns="" id="{F6A5F7EB-82A6-484E-9C43-CFB554F813E9}"/>
               </a:ext>
             </a:extLst>
           </p:cNvPr>
@@ -8997,21 +8013,19 @@
         </p:nvSpPr>
         <p:spPr>
           <a:xfrm>
-            <a:off x="1166070" y="1191237"/>
-            <a:ext cx="5757643" cy="4630723"/>
-          </a:xfrm>
-          <a:prstGeom prst="rect">
+            <a:off x="1542683" y="2675120"/>
+            <a:ext cx="1719743" cy="566053"/>
+          </a:xfrm>
+          <a:prstGeom prst="roundRect">
             <a:avLst/>
           </a:prstGeom>
-          <a:noFill/>
-          <a:ln w="9525" cap="flat" cmpd="sng" algn="ctr">
-            <a:solidFill>
-              <a:schemeClr val="dk1"/>
-            </a:solidFill>
-            <a:prstDash val="solid"/>
-            <a:round/>
-            <a:headEnd type="none" w="med" len="med"/>
-            <a:tailEnd type="none" w="med" len="med"/>
+          <a:solidFill>
+            <a:schemeClr val="accent2">
+              <a:alpha val="50000"/>
+            </a:schemeClr>
+          </a:solidFill>
+          <a:ln>
+            <a:noFill/>
           </a:ln>
         </p:spPr>
         <p:style>
@@ -9025,90 +8039,1790 @@
             <a:scrgbClr r="0" g="0" b="0"/>
           </a:effectRef>
           <a:fontRef idx="minor">
-            <a:schemeClr val="dk1"/>
+            <a:schemeClr val="lt1"/>
           </a:fontRef>
         </p:style>
         <p:txBody>
           <a:bodyPr rtlCol="0" anchor="ctr"/>
           <a:lstStyle/>
           <a:p>
-            <a:r>
-              <a:rPr lang="en-GB" b="1" dirty="0">
-                <a:latin typeface="Bodoni MT" panose="02070603080606020203" pitchFamily="18" charset="0"/>
-              </a:rPr>
-              <a:t>HOW DO WE SIDESCROLL WITHOUT A CAMERA?</a:t>
-            </a:r>
-          </a:p>
-          <a:p>
+            <a:pPr algn="ctr"/>
             <a:r>
               <a:rPr lang="en-GB" dirty="0">
                 <a:latin typeface="Bodoni MT" panose="02070603080606020203" pitchFamily="18" charset="0"/>
               </a:rPr>
-              <a:t>Give all objects in the level movement along the X axis. Keep the player centralised and move everything in accordance with the player.</a:t>
-            </a:r>
-          </a:p>
-          <a:p>
-            <a:endParaRPr lang="en-GB" dirty="0">
-              <a:latin typeface="Bodoni MT" panose="02070603080606020203" pitchFamily="18" charset="0"/>
-            </a:endParaRPr>
-          </a:p>
-          <a:p>
-            <a:r>
-              <a:rPr lang="en-GB" b="1" dirty="0">
-                <a:latin typeface="Bodoni MT" panose="02070603080606020203" pitchFamily="18" charset="0"/>
-              </a:rPr>
-              <a:t>HOW DO WE ENCOURAGE REPLAYABILITY?</a:t>
-            </a:r>
-          </a:p>
-          <a:p>
+              <a:t>Base Tile Set</a:t>
+            </a:r>
+          </a:p>
+        </p:txBody>
+      </p:sp>
+      <p:sp>
+        <p:nvSpPr>
+          <p:cNvPr id="13" name="Rectangle: Rounded Corners 12">
+            <a:extLst>
+              <a:ext uri="{FF2B5EF4-FFF2-40B4-BE49-F238E27FC236}">
+                <a16:creationId xmlns:a16="http://schemas.microsoft.com/office/drawing/2014/main" xmlns="" id="{3719CF2D-2824-4299-B2CC-CE697E27AA7E}"/>
+              </a:ext>
+            </a:extLst>
+          </p:cNvPr>
+          <p:cNvSpPr/>
+          <p:nvPr/>
+        </p:nvSpPr>
+        <p:spPr>
+          <a:xfrm>
+            <a:off x="8878347" y="1711353"/>
+            <a:ext cx="1719743" cy="566053"/>
+          </a:xfrm>
+          <a:prstGeom prst="roundRect">
+            <a:avLst/>
+          </a:prstGeom>
+          <a:solidFill>
+            <a:schemeClr val="accent2">
+              <a:alpha val="50000"/>
+            </a:schemeClr>
+          </a:solidFill>
+          <a:ln>
+            <a:noFill/>
+          </a:ln>
+        </p:spPr>
+        <p:style>
+          <a:lnRef idx="0">
+            <a:scrgbClr r="0" g="0" b="0"/>
+          </a:lnRef>
+          <a:fillRef idx="0">
+            <a:scrgbClr r="0" g="0" b="0"/>
+          </a:fillRef>
+          <a:effectRef idx="0">
+            <a:scrgbClr r="0" g="0" b="0"/>
+          </a:effectRef>
+          <a:fontRef idx="minor">
+            <a:schemeClr val="lt1"/>
+          </a:fontRef>
+        </p:style>
+        <p:txBody>
+          <a:bodyPr rtlCol="0" anchor="ctr"/>
+          <a:lstStyle/>
+          <a:p>
+            <a:pPr algn="ctr"/>
             <a:r>
               <a:rPr lang="en-GB" dirty="0">
                 <a:latin typeface="Bodoni MT" panose="02070603080606020203" pitchFamily="18" charset="0"/>
               </a:rPr>
-              <a:t>Create persistent collectables across all levels as an additional optional measure of tracking progress. Collectables are stored and displayed in the main menu.</a:t>
-            </a:r>
-          </a:p>
-          <a:p>
-            <a:endParaRPr lang="en-GB" dirty="0">
-              <a:latin typeface="Bodoni MT" panose="02070603080606020203" pitchFamily="18" charset="0"/>
-            </a:endParaRPr>
-          </a:p>
-          <a:p>
-            <a:r>
-              <a:rPr lang="en-GB" b="1" dirty="0">
-                <a:latin typeface="Bodoni MT" panose="02070603080606020203" pitchFamily="18" charset="0"/>
-              </a:rPr>
-              <a:t>HOW DO WE TRANSLATE REAL LIFE PUZZLES TO NON-MOUSE DRIVEN INTERFACE?</a:t>
-            </a:r>
-          </a:p>
-          <a:p>
-            <a:pPr marL="400050" indent="-400050">
-              <a:buAutoNum type="romanLcPeriod"/>
-            </a:pPr>
+              <a:t>Placeholders</a:t>
+            </a:r>
+          </a:p>
+        </p:txBody>
+      </p:sp>
+      <p:cxnSp>
+        <p:nvCxnSpPr>
+          <p:cNvPr id="15" name="Straight Connector 14">
+            <a:extLst>
+              <a:ext uri="{FF2B5EF4-FFF2-40B4-BE49-F238E27FC236}">
+                <a16:creationId xmlns:a16="http://schemas.microsoft.com/office/drawing/2014/main" xmlns="" id="{30710670-372E-4F34-950F-06F225466007}"/>
+              </a:ext>
+            </a:extLst>
+          </p:cNvPr>
+          <p:cNvCxnSpPr/>
+          <p:nvPr/>
+        </p:nvCxnSpPr>
+        <p:spPr>
+          <a:xfrm>
+            <a:off x="8103765" y="931178"/>
+            <a:ext cx="0" cy="5234730"/>
+          </a:xfrm>
+          <a:prstGeom prst="line">
+            <a:avLst/>
+          </a:prstGeom>
+          <a:ln w="9525" cap="flat" cmpd="sng" algn="ctr">
+            <a:solidFill>
+              <a:schemeClr val="dk1"/>
+            </a:solidFill>
+            <a:prstDash val="dash"/>
+            <a:round/>
+            <a:headEnd type="none" w="med" len="med"/>
+            <a:tailEnd type="none" w="med" len="med"/>
+          </a:ln>
+        </p:spPr>
+        <p:style>
+          <a:lnRef idx="0">
+            <a:scrgbClr r="0" g="0" b="0"/>
+          </a:lnRef>
+          <a:fillRef idx="0">
+            <a:scrgbClr r="0" g="0" b="0"/>
+          </a:fillRef>
+          <a:effectRef idx="0">
+            <a:scrgbClr r="0" g="0" b="0"/>
+          </a:effectRef>
+          <a:fontRef idx="minor">
+            <a:schemeClr val="tx1"/>
+          </a:fontRef>
+        </p:style>
+      </p:cxnSp>
+      <p:cxnSp>
+        <p:nvCxnSpPr>
+          <p:cNvPr id="16" name="Straight Connector 15">
+            <a:extLst>
+              <a:ext uri="{FF2B5EF4-FFF2-40B4-BE49-F238E27FC236}">
+                <a16:creationId xmlns:a16="http://schemas.microsoft.com/office/drawing/2014/main" xmlns="" id="{288054B3-BE24-4398-9D5F-A28183FA7014}"/>
+              </a:ext>
+            </a:extLst>
+          </p:cNvPr>
+          <p:cNvCxnSpPr>
+            <a:cxnSpLocks/>
+          </p:cNvCxnSpPr>
+          <p:nvPr/>
+        </p:nvCxnSpPr>
+        <p:spPr>
+          <a:xfrm>
+            <a:off x="4188901" y="2277406"/>
+            <a:ext cx="0" cy="3888502"/>
+          </a:xfrm>
+          <a:prstGeom prst="line">
+            <a:avLst/>
+          </a:prstGeom>
+          <a:ln w="9525" cap="flat" cmpd="sng" algn="ctr">
+            <a:solidFill>
+              <a:schemeClr val="dk1"/>
+            </a:solidFill>
+            <a:prstDash val="dash"/>
+            <a:round/>
+            <a:headEnd type="none" w="med" len="med"/>
+            <a:tailEnd type="none" w="med" len="med"/>
+          </a:ln>
+        </p:spPr>
+        <p:style>
+          <a:lnRef idx="0">
+            <a:scrgbClr r="0" g="0" b="0"/>
+          </a:lnRef>
+          <a:fillRef idx="0">
+            <a:scrgbClr r="0" g="0" b="0"/>
+          </a:fillRef>
+          <a:effectRef idx="0">
+            <a:scrgbClr r="0" g="0" b="0"/>
+          </a:effectRef>
+          <a:fontRef idx="minor">
+            <a:schemeClr val="tx1"/>
+          </a:fontRef>
+        </p:style>
+      </p:cxnSp>
+      <p:sp>
+        <p:nvSpPr>
+          <p:cNvPr id="17" name="TextBox 16">
+            <a:extLst>
+              <a:ext uri="{FF2B5EF4-FFF2-40B4-BE49-F238E27FC236}">
+                <a16:creationId xmlns:a16="http://schemas.microsoft.com/office/drawing/2014/main" xmlns="" id="{971E6CAA-6D6E-412E-9FD7-5D77D4FC053C}"/>
+              </a:ext>
+            </a:extLst>
+          </p:cNvPr>
+          <p:cNvSpPr txBox="1"/>
+          <p:nvPr/>
+        </p:nvSpPr>
+        <p:spPr>
+          <a:xfrm>
+            <a:off x="9181691" y="1161597"/>
+            <a:ext cx="1115731" cy="369332"/>
+          </a:xfrm>
+          <a:prstGeom prst="rect">
+            <a:avLst/>
+          </a:prstGeom>
+          <a:noFill/>
+        </p:spPr>
+        <p:txBody>
+          <a:bodyPr wrap="square" rtlCol="0">
+            <a:spAutoFit/>
+          </a:bodyPr>
+          <a:lstStyle/>
+          <a:p>
             <a:r>
               <a:rPr lang="en-GB" dirty="0">
                 <a:latin typeface="Bodoni MT" panose="02070603080606020203" pitchFamily="18" charset="0"/>
               </a:rPr>
-              <a:t>Create a player controlled focal point. (maze, tile).</a:t>
-            </a:r>
-          </a:p>
-          <a:p>
-            <a:pPr marL="400050" indent="-400050">
-              <a:buAutoNum type="romanLcPeriod"/>
-            </a:pPr>
+              <a:t>Artwork</a:t>
+            </a:r>
+          </a:p>
+        </p:txBody>
+      </p:sp>
+      <p:cxnSp>
+        <p:nvCxnSpPr>
+          <p:cNvPr id="19" name="Straight Connector 18">
+            <a:extLst>
+              <a:ext uri="{FF2B5EF4-FFF2-40B4-BE49-F238E27FC236}">
+                <a16:creationId xmlns:a16="http://schemas.microsoft.com/office/drawing/2014/main" xmlns="" id="{FFECA4B2-B854-4585-9ECA-1FD3048F8E67}"/>
+              </a:ext>
+            </a:extLst>
+          </p:cNvPr>
+          <p:cNvCxnSpPr>
+            <a:cxnSpLocks/>
+          </p:cNvCxnSpPr>
+          <p:nvPr/>
+        </p:nvCxnSpPr>
+        <p:spPr>
+          <a:xfrm>
+            <a:off x="838200" y="2277406"/>
+            <a:ext cx="7260480" cy="0"/>
+          </a:xfrm>
+          <a:prstGeom prst="line">
+            <a:avLst/>
+          </a:prstGeom>
+          <a:ln w="9525" cap="flat" cmpd="sng" algn="ctr">
+            <a:solidFill>
+              <a:schemeClr val="dk1"/>
+            </a:solidFill>
+            <a:prstDash val="dash"/>
+            <a:round/>
+            <a:headEnd type="none" w="med" len="med"/>
+            <a:tailEnd type="none" w="med" len="med"/>
+          </a:ln>
+        </p:spPr>
+        <p:style>
+          <a:lnRef idx="0">
+            <a:scrgbClr r="0" g="0" b="0"/>
+          </a:lnRef>
+          <a:fillRef idx="0">
+            <a:scrgbClr r="0" g="0" b="0"/>
+          </a:fillRef>
+          <a:effectRef idx="0">
+            <a:scrgbClr r="0" g="0" b="0"/>
+          </a:effectRef>
+          <a:fontRef idx="minor">
+            <a:schemeClr val="tx1"/>
+          </a:fontRef>
+        </p:style>
+      </p:cxnSp>
+      <p:cxnSp>
+        <p:nvCxnSpPr>
+          <p:cNvPr id="23" name="Straight Arrow Connector 22">
+            <a:extLst>
+              <a:ext uri="{FF2B5EF4-FFF2-40B4-BE49-F238E27FC236}">
+                <a16:creationId xmlns:a16="http://schemas.microsoft.com/office/drawing/2014/main" xmlns="" id="{7FAC0E52-268B-4550-B064-28EAE19CA4A2}"/>
+              </a:ext>
+            </a:extLst>
+          </p:cNvPr>
+          <p:cNvCxnSpPr>
+            <a:stCxn id="10" idx="6"/>
+          </p:cNvCxnSpPr>
+          <p:nvPr/>
+        </p:nvCxnSpPr>
+        <p:spPr>
+          <a:xfrm flipV="1">
+            <a:off x="5013819" y="1437726"/>
+            <a:ext cx="3095032" cy="1"/>
+          </a:xfrm>
+          <a:prstGeom prst="straightConnector1">
+            <a:avLst/>
+          </a:prstGeom>
+          <a:ln w="9525" cap="flat" cmpd="sng" algn="ctr">
+            <a:solidFill>
+              <a:schemeClr val="dk1"/>
+            </a:solidFill>
+            <a:prstDash val="solid"/>
+            <a:round/>
+            <a:headEnd type="none" w="med" len="med"/>
+            <a:tailEnd type="arrow" w="med" len="med"/>
+          </a:ln>
+        </p:spPr>
+        <p:style>
+          <a:lnRef idx="0">
+            <a:scrgbClr r="0" g="0" b="0"/>
+          </a:lnRef>
+          <a:fillRef idx="0">
+            <a:scrgbClr r="0" g="0" b="0"/>
+          </a:fillRef>
+          <a:effectRef idx="0">
+            <a:scrgbClr r="0" g="0" b="0"/>
+          </a:effectRef>
+          <a:fontRef idx="minor">
+            <a:schemeClr val="tx1"/>
+          </a:fontRef>
+        </p:style>
+      </p:cxnSp>
+      <p:sp>
+        <p:nvSpPr>
+          <p:cNvPr id="24" name="TextBox 23">
+            <a:extLst>
+              <a:ext uri="{FF2B5EF4-FFF2-40B4-BE49-F238E27FC236}">
+                <a16:creationId xmlns:a16="http://schemas.microsoft.com/office/drawing/2014/main" xmlns="" id="{1FB9C7CE-2331-47EB-A1D2-D8DB9B0C2513}"/>
+              </a:ext>
+            </a:extLst>
+          </p:cNvPr>
+          <p:cNvSpPr txBox="1"/>
+          <p:nvPr/>
+        </p:nvSpPr>
+        <p:spPr>
+          <a:xfrm>
+            <a:off x="5416972" y="2291597"/>
+            <a:ext cx="1358053" cy="369332"/>
+          </a:xfrm>
+          <a:prstGeom prst="rect">
+            <a:avLst/>
+          </a:prstGeom>
+          <a:noFill/>
+        </p:spPr>
+        <p:txBody>
+          <a:bodyPr wrap="square" rtlCol="0">
+            <a:spAutoFit/>
+          </a:bodyPr>
+          <a:lstStyle/>
+          <a:p>
             <a:r>
               <a:rPr lang="en-GB" dirty="0">
                 <a:latin typeface="Bodoni MT" panose="02070603080606020203" pitchFamily="18" charset="0"/>
               </a:rPr>
-              <a:t>Limit scalability to bindable keys on the keyboard (traffic).</a:t>
-            </a:r>
-          </a:p>
-        </p:txBody>
-      </p:sp>
+              <a:t>Platforming</a:t>
+            </a:r>
+          </a:p>
+        </p:txBody>
+      </p:sp>
+      <p:sp>
+        <p:nvSpPr>
+          <p:cNvPr id="25" name="TextBox 24">
+            <a:extLst>
+              <a:ext uri="{FF2B5EF4-FFF2-40B4-BE49-F238E27FC236}">
+                <a16:creationId xmlns:a16="http://schemas.microsoft.com/office/drawing/2014/main" xmlns="" id="{DBBC0D55-02A6-4EDB-AF84-B16D0A2B2E7B}"/>
+              </a:ext>
+            </a:extLst>
+          </p:cNvPr>
+          <p:cNvSpPr txBox="1"/>
+          <p:nvPr/>
+        </p:nvSpPr>
+        <p:spPr>
+          <a:xfrm>
+            <a:off x="3623367" y="1873835"/>
+            <a:ext cx="1178606" cy="369332"/>
+          </a:xfrm>
+          <a:prstGeom prst="rect">
+            <a:avLst/>
+          </a:prstGeom>
+          <a:noFill/>
+        </p:spPr>
+        <p:txBody>
+          <a:bodyPr wrap="square" rtlCol="0">
+            <a:spAutoFit/>
+          </a:bodyPr>
+          <a:lstStyle/>
+          <a:p>
+            <a:r>
+              <a:rPr lang="en-GB" dirty="0">
+                <a:latin typeface="Bodoni MT" panose="02070603080606020203" pitchFamily="18" charset="0"/>
+              </a:rPr>
+              <a:t>Gameplay</a:t>
+            </a:r>
+          </a:p>
+        </p:txBody>
+      </p:sp>
+      <p:sp>
+        <p:nvSpPr>
+          <p:cNvPr id="26" name="TextBox 25">
+            <a:extLst>
+              <a:ext uri="{FF2B5EF4-FFF2-40B4-BE49-F238E27FC236}">
+                <a16:creationId xmlns:a16="http://schemas.microsoft.com/office/drawing/2014/main" xmlns="" id="{C1CD6ED1-DC11-4F49-B765-F575D41091A5}"/>
+              </a:ext>
+            </a:extLst>
+          </p:cNvPr>
+          <p:cNvSpPr txBox="1"/>
+          <p:nvPr/>
+        </p:nvSpPr>
+        <p:spPr>
+          <a:xfrm>
+            <a:off x="1950749" y="2291597"/>
+            <a:ext cx="901480" cy="369332"/>
+          </a:xfrm>
+          <a:prstGeom prst="rect">
+            <a:avLst/>
+          </a:prstGeom>
+          <a:noFill/>
+        </p:spPr>
+        <p:txBody>
+          <a:bodyPr wrap="square" rtlCol="0">
+            <a:spAutoFit/>
+          </a:bodyPr>
+          <a:lstStyle/>
+          <a:p>
+            <a:r>
+              <a:rPr lang="en-GB" dirty="0">
+                <a:latin typeface="Bodoni MT" panose="02070603080606020203" pitchFamily="18" charset="0"/>
+              </a:rPr>
+              <a:t>Puzzles</a:t>
+            </a:r>
+          </a:p>
+        </p:txBody>
+      </p:sp>
+      <p:cxnSp>
+        <p:nvCxnSpPr>
+          <p:cNvPr id="27" name="Straight Arrow Connector 26">
+            <a:extLst>
+              <a:ext uri="{FF2B5EF4-FFF2-40B4-BE49-F238E27FC236}">
+                <a16:creationId xmlns:a16="http://schemas.microsoft.com/office/drawing/2014/main" xmlns="" id="{5E8555D3-376F-417B-8432-5BEEAFCBB21F}"/>
+              </a:ext>
+            </a:extLst>
+          </p:cNvPr>
+          <p:cNvCxnSpPr>
+            <a:cxnSpLocks/>
+            <a:stCxn id="10" idx="5"/>
+            <a:endCxn id="24" idx="0"/>
+          </p:cNvCxnSpPr>
+          <p:nvPr/>
+        </p:nvCxnSpPr>
+        <p:spPr>
+          <a:xfrm>
+            <a:off x="4779168" y="1716802"/>
+            <a:ext cx="1316831" cy="574795"/>
+          </a:xfrm>
+          <a:prstGeom prst="straightConnector1">
+            <a:avLst/>
+          </a:prstGeom>
+          <a:ln w="9525" cap="flat" cmpd="sng" algn="ctr">
+            <a:solidFill>
+              <a:schemeClr val="dk1"/>
+            </a:solidFill>
+            <a:prstDash val="solid"/>
+            <a:round/>
+            <a:headEnd type="none" w="med" len="med"/>
+            <a:tailEnd type="arrow" w="med" len="med"/>
+          </a:ln>
+        </p:spPr>
+        <p:style>
+          <a:lnRef idx="0">
+            <a:scrgbClr r="0" g="0" b="0"/>
+          </a:lnRef>
+          <a:fillRef idx="0">
+            <a:scrgbClr r="0" g="0" b="0"/>
+          </a:fillRef>
+          <a:effectRef idx="0">
+            <a:scrgbClr r="0" g="0" b="0"/>
+          </a:effectRef>
+          <a:fontRef idx="minor">
+            <a:schemeClr val="tx1"/>
+          </a:fontRef>
+        </p:style>
+      </p:cxnSp>
+      <p:cxnSp>
+        <p:nvCxnSpPr>
+          <p:cNvPr id="30" name="Straight Arrow Connector 29">
+            <a:extLst>
+              <a:ext uri="{FF2B5EF4-FFF2-40B4-BE49-F238E27FC236}">
+                <a16:creationId xmlns:a16="http://schemas.microsoft.com/office/drawing/2014/main" xmlns="" id="{183EB38B-BC90-4354-BB70-B17AD571698C}"/>
+              </a:ext>
+            </a:extLst>
+          </p:cNvPr>
+          <p:cNvCxnSpPr>
+            <a:cxnSpLocks/>
+            <a:stCxn id="10" idx="3"/>
+            <a:endCxn id="26" idx="0"/>
+          </p:cNvCxnSpPr>
+          <p:nvPr/>
+        </p:nvCxnSpPr>
+        <p:spPr>
+          <a:xfrm flipH="1">
+            <a:off x="2401489" y="1716802"/>
+            <a:ext cx="1244684" cy="574795"/>
+          </a:xfrm>
+          <a:prstGeom prst="straightConnector1">
+            <a:avLst/>
+          </a:prstGeom>
+          <a:ln w="9525" cap="flat" cmpd="sng" algn="ctr">
+            <a:solidFill>
+              <a:schemeClr val="dk1"/>
+            </a:solidFill>
+            <a:prstDash val="solid"/>
+            <a:round/>
+            <a:headEnd type="none" w="med" len="med"/>
+            <a:tailEnd type="arrow" w="med" len="med"/>
+          </a:ln>
+        </p:spPr>
+        <p:style>
+          <a:lnRef idx="0">
+            <a:scrgbClr r="0" g="0" b="0"/>
+          </a:lnRef>
+          <a:fillRef idx="0">
+            <a:scrgbClr r="0" g="0" b="0"/>
+          </a:fillRef>
+          <a:effectRef idx="0">
+            <a:scrgbClr r="0" g="0" b="0"/>
+          </a:effectRef>
+          <a:fontRef idx="minor">
+            <a:schemeClr val="tx1"/>
+          </a:fontRef>
+        </p:style>
+      </p:cxnSp>
+      <p:sp>
+        <p:nvSpPr>
+          <p:cNvPr id="33" name="Rectangle: Rounded Corners 32">
+            <a:extLst>
+              <a:ext uri="{FF2B5EF4-FFF2-40B4-BE49-F238E27FC236}">
+                <a16:creationId xmlns:a16="http://schemas.microsoft.com/office/drawing/2014/main" xmlns="" id="{5D612AEE-5C5A-45AE-9431-93F8F6FB3305}"/>
+              </a:ext>
+            </a:extLst>
+          </p:cNvPr>
+          <p:cNvSpPr/>
+          <p:nvPr/>
+        </p:nvSpPr>
+        <p:spPr>
+          <a:xfrm>
+            <a:off x="5398154" y="3503638"/>
+            <a:ext cx="1395688" cy="437833"/>
+          </a:xfrm>
+          <a:prstGeom prst="roundRect">
+            <a:avLst/>
+          </a:prstGeom>
+          <a:solidFill>
+            <a:schemeClr val="accent2">
+              <a:alpha val="50000"/>
+            </a:schemeClr>
+          </a:solidFill>
+          <a:ln>
+            <a:noFill/>
+          </a:ln>
+        </p:spPr>
+        <p:style>
+          <a:lnRef idx="0">
+            <a:scrgbClr r="0" g="0" b="0"/>
+          </a:lnRef>
+          <a:fillRef idx="0">
+            <a:scrgbClr r="0" g="0" b="0"/>
+          </a:fillRef>
+          <a:effectRef idx="0">
+            <a:scrgbClr r="0" g="0" b="0"/>
+          </a:effectRef>
+          <a:fontRef idx="minor">
+            <a:schemeClr val="lt1"/>
+          </a:fontRef>
+        </p:style>
+        <p:txBody>
+          <a:bodyPr rtlCol="0" anchor="ctr"/>
+          <a:lstStyle/>
+          <a:p>
+            <a:pPr algn="ctr"/>
+            <a:r>
+              <a:rPr lang="en-GB" dirty="0">
+                <a:latin typeface="Bodoni MT" panose="02070603080606020203" pitchFamily="18" charset="0"/>
+              </a:rPr>
+              <a:t>Collision</a:t>
+            </a:r>
+          </a:p>
+        </p:txBody>
+      </p:sp>
+      <p:sp>
+        <p:nvSpPr>
+          <p:cNvPr id="34" name="Rectangle: Rounded Corners 33">
+            <a:extLst>
+              <a:ext uri="{FF2B5EF4-FFF2-40B4-BE49-F238E27FC236}">
+                <a16:creationId xmlns:a16="http://schemas.microsoft.com/office/drawing/2014/main" xmlns="" id="{5351534C-969F-4206-A607-10E3CBD3EB6E}"/>
+              </a:ext>
+            </a:extLst>
+          </p:cNvPr>
+          <p:cNvSpPr/>
+          <p:nvPr/>
+        </p:nvSpPr>
+        <p:spPr>
+          <a:xfrm>
+            <a:off x="5226759" y="4176274"/>
+            <a:ext cx="1719743" cy="774786"/>
+          </a:xfrm>
+          <a:prstGeom prst="roundRect">
+            <a:avLst/>
+          </a:prstGeom>
+          <a:solidFill>
+            <a:schemeClr val="accent2">
+              <a:alpha val="50000"/>
+            </a:schemeClr>
+          </a:solidFill>
+          <a:ln>
+            <a:noFill/>
+          </a:ln>
+        </p:spPr>
+        <p:style>
+          <a:lnRef idx="0">
+            <a:scrgbClr r="0" g="0" b="0"/>
+          </a:lnRef>
+          <a:fillRef idx="0">
+            <a:scrgbClr r="0" g="0" b="0"/>
+          </a:fillRef>
+          <a:effectRef idx="0">
+            <a:scrgbClr r="0" g="0" b="0"/>
+          </a:effectRef>
+          <a:fontRef idx="minor">
+            <a:schemeClr val="lt1"/>
+          </a:fontRef>
+        </p:style>
+        <p:txBody>
+          <a:bodyPr rtlCol="0" anchor="ctr"/>
+          <a:lstStyle/>
+          <a:p>
+            <a:pPr algn="ctr"/>
+            <a:r>
+              <a:rPr lang="en-GB" dirty="0">
+                <a:latin typeface="Bodoni MT" panose="02070603080606020203" pitchFamily="18" charset="0"/>
+              </a:rPr>
+              <a:t>Platform &amp; Collectables Layout</a:t>
+            </a:r>
+          </a:p>
+        </p:txBody>
+      </p:sp>
+      <p:sp>
+        <p:nvSpPr>
+          <p:cNvPr id="35" name="Rectangle: Rounded Corners 34">
+            <a:extLst>
+              <a:ext uri="{FF2B5EF4-FFF2-40B4-BE49-F238E27FC236}">
+                <a16:creationId xmlns:a16="http://schemas.microsoft.com/office/drawing/2014/main" xmlns="" id="{CC0DB683-0D5F-4A20-8627-22A83FCA57C0}"/>
+              </a:ext>
+            </a:extLst>
+          </p:cNvPr>
+          <p:cNvSpPr/>
+          <p:nvPr/>
+        </p:nvSpPr>
+        <p:spPr>
+          <a:xfrm>
+            <a:off x="5050872" y="5185863"/>
+            <a:ext cx="2093053" cy="566053"/>
+          </a:xfrm>
+          <a:prstGeom prst="roundRect">
+            <a:avLst/>
+          </a:prstGeom>
+          <a:solidFill>
+            <a:schemeClr val="accent2">
+              <a:alpha val="50000"/>
+            </a:schemeClr>
+          </a:solidFill>
+          <a:ln>
+            <a:noFill/>
+          </a:ln>
+        </p:spPr>
+        <p:style>
+          <a:lnRef idx="0">
+            <a:scrgbClr r="0" g="0" b="0"/>
+          </a:lnRef>
+          <a:fillRef idx="0">
+            <a:scrgbClr r="0" g="0" b="0"/>
+          </a:fillRef>
+          <a:effectRef idx="0">
+            <a:scrgbClr r="0" g="0" b="0"/>
+          </a:effectRef>
+          <a:fontRef idx="minor">
+            <a:schemeClr val="lt1"/>
+          </a:fontRef>
+        </p:style>
+        <p:txBody>
+          <a:bodyPr rtlCol="0" anchor="ctr"/>
+          <a:lstStyle/>
+          <a:p>
+            <a:pPr algn="ctr"/>
+            <a:r>
+              <a:rPr lang="en-GB" dirty="0">
+                <a:latin typeface="Bodoni MT" panose="02070603080606020203" pitchFamily="18" charset="0"/>
+              </a:rPr>
+              <a:t>Failure and Success conditions</a:t>
+            </a:r>
+          </a:p>
+        </p:txBody>
+      </p:sp>
+      <p:sp>
+        <p:nvSpPr>
+          <p:cNvPr id="36" name="Rectangle: Rounded Corners 35">
+            <a:extLst>
+              <a:ext uri="{FF2B5EF4-FFF2-40B4-BE49-F238E27FC236}">
+                <a16:creationId xmlns:a16="http://schemas.microsoft.com/office/drawing/2014/main" xmlns="" id="{58471160-97AC-4E81-A948-3E6D85AFAB8E}"/>
+              </a:ext>
+            </a:extLst>
+          </p:cNvPr>
+          <p:cNvSpPr/>
+          <p:nvPr/>
+        </p:nvSpPr>
+        <p:spPr>
+          <a:xfrm>
+            <a:off x="1542683" y="3476465"/>
+            <a:ext cx="1719743" cy="566053"/>
+          </a:xfrm>
+          <a:prstGeom prst="roundRect">
+            <a:avLst/>
+          </a:prstGeom>
+          <a:solidFill>
+            <a:schemeClr val="accent2">
+              <a:alpha val="50000"/>
+            </a:schemeClr>
+          </a:solidFill>
+          <a:ln>
+            <a:noFill/>
+          </a:ln>
+        </p:spPr>
+        <p:style>
+          <a:lnRef idx="0">
+            <a:scrgbClr r="0" g="0" b="0"/>
+          </a:lnRef>
+          <a:fillRef idx="0">
+            <a:scrgbClr r="0" g="0" b="0"/>
+          </a:fillRef>
+          <a:effectRef idx="0">
+            <a:scrgbClr r="0" g="0" b="0"/>
+          </a:effectRef>
+          <a:fontRef idx="minor">
+            <a:schemeClr val="lt1"/>
+          </a:fontRef>
+        </p:style>
+        <p:txBody>
+          <a:bodyPr rtlCol="0" anchor="ctr"/>
+          <a:lstStyle/>
+          <a:p>
+            <a:pPr algn="ctr"/>
+            <a:r>
+              <a:rPr lang="en-GB" dirty="0">
+                <a:latin typeface="Bodoni MT" panose="02070603080606020203" pitchFamily="18" charset="0"/>
+              </a:rPr>
+              <a:t>Specification for each puzzle</a:t>
+            </a:r>
+          </a:p>
+        </p:txBody>
+      </p:sp>
+      <p:sp>
+        <p:nvSpPr>
+          <p:cNvPr id="37" name="Rectangle: Rounded Corners 36">
+            <a:extLst>
+              <a:ext uri="{FF2B5EF4-FFF2-40B4-BE49-F238E27FC236}">
+                <a16:creationId xmlns:a16="http://schemas.microsoft.com/office/drawing/2014/main" xmlns="" id="{92E98563-DB25-47E0-BFE7-B8A52201AFBF}"/>
+              </a:ext>
+            </a:extLst>
+          </p:cNvPr>
+          <p:cNvSpPr/>
+          <p:nvPr/>
+        </p:nvSpPr>
+        <p:spPr>
+          <a:xfrm>
+            <a:off x="1536673" y="4280640"/>
+            <a:ext cx="1719743" cy="566053"/>
+          </a:xfrm>
+          <a:prstGeom prst="roundRect">
+            <a:avLst/>
+          </a:prstGeom>
+          <a:solidFill>
+            <a:schemeClr val="accent2">
+              <a:alpha val="50000"/>
+            </a:schemeClr>
+          </a:solidFill>
+          <a:ln>
+            <a:noFill/>
+          </a:ln>
+        </p:spPr>
+        <p:style>
+          <a:lnRef idx="0">
+            <a:scrgbClr r="0" g="0" b="0"/>
+          </a:lnRef>
+          <a:fillRef idx="0">
+            <a:scrgbClr r="0" g="0" b="0"/>
+          </a:fillRef>
+          <a:effectRef idx="0">
+            <a:scrgbClr r="0" g="0" b="0"/>
+          </a:effectRef>
+          <a:fontRef idx="minor">
+            <a:schemeClr val="lt1"/>
+          </a:fontRef>
+        </p:style>
+        <p:txBody>
+          <a:bodyPr rtlCol="0" anchor="ctr"/>
+          <a:lstStyle/>
+          <a:p>
+            <a:pPr algn="ctr"/>
+            <a:r>
+              <a:rPr lang="en-GB" dirty="0">
+                <a:latin typeface="Bodoni MT" panose="02070603080606020203" pitchFamily="18" charset="0"/>
+              </a:rPr>
+              <a:t>Puzzle Interaction</a:t>
+            </a:r>
+          </a:p>
+        </p:txBody>
+      </p:sp>
+      <p:sp>
+        <p:nvSpPr>
+          <p:cNvPr id="38" name="Rectangle: Rounded Corners 37">
+            <a:extLst>
+              <a:ext uri="{FF2B5EF4-FFF2-40B4-BE49-F238E27FC236}">
+                <a16:creationId xmlns:a16="http://schemas.microsoft.com/office/drawing/2014/main" xmlns="" id="{F9DE6B22-A874-4C5B-A2F4-37E624346379}"/>
+              </a:ext>
+            </a:extLst>
+          </p:cNvPr>
+          <p:cNvSpPr/>
+          <p:nvPr/>
+        </p:nvSpPr>
+        <p:spPr>
+          <a:xfrm>
+            <a:off x="1555617" y="5079841"/>
+            <a:ext cx="1719743" cy="566053"/>
+          </a:xfrm>
+          <a:prstGeom prst="roundRect">
+            <a:avLst/>
+          </a:prstGeom>
+          <a:solidFill>
+            <a:schemeClr val="accent2">
+              <a:alpha val="50000"/>
+            </a:schemeClr>
+          </a:solidFill>
+          <a:ln>
+            <a:noFill/>
+          </a:ln>
+        </p:spPr>
+        <p:style>
+          <a:lnRef idx="0">
+            <a:scrgbClr r="0" g="0" b="0"/>
+          </a:lnRef>
+          <a:fillRef idx="0">
+            <a:scrgbClr r="0" g="0" b="0"/>
+          </a:fillRef>
+          <a:effectRef idx="0">
+            <a:scrgbClr r="0" g="0" b="0"/>
+          </a:effectRef>
+          <a:fontRef idx="minor">
+            <a:schemeClr val="lt1"/>
+          </a:fontRef>
+        </p:style>
+        <p:txBody>
+          <a:bodyPr rtlCol="0" anchor="ctr"/>
+          <a:lstStyle/>
+          <a:p>
+            <a:pPr algn="ctr"/>
+            <a:r>
+              <a:rPr lang="en-GB" dirty="0">
+                <a:latin typeface="Bodoni MT" panose="02070603080606020203" pitchFamily="18" charset="0"/>
+              </a:rPr>
+              <a:t>Success Conditions</a:t>
+            </a:r>
+          </a:p>
+        </p:txBody>
+      </p:sp>
+      <p:sp>
+        <p:nvSpPr>
+          <p:cNvPr id="39" name="Rectangle: Rounded Corners 38">
+            <a:extLst>
+              <a:ext uri="{FF2B5EF4-FFF2-40B4-BE49-F238E27FC236}">
+                <a16:creationId xmlns:a16="http://schemas.microsoft.com/office/drawing/2014/main" xmlns="" id="{EB977FAA-DCA6-4B55-ACC4-847FBF97687B}"/>
+              </a:ext>
+            </a:extLst>
+          </p:cNvPr>
+          <p:cNvSpPr/>
+          <p:nvPr/>
+        </p:nvSpPr>
+        <p:spPr>
+          <a:xfrm>
+            <a:off x="8878346" y="2544729"/>
+            <a:ext cx="1719743" cy="566053"/>
+          </a:xfrm>
+          <a:prstGeom prst="roundRect">
+            <a:avLst/>
+          </a:prstGeom>
+          <a:solidFill>
+            <a:schemeClr val="accent2">
+              <a:alpha val="50000"/>
+            </a:schemeClr>
+          </a:solidFill>
+          <a:ln>
+            <a:noFill/>
+          </a:ln>
+        </p:spPr>
+        <p:style>
+          <a:lnRef idx="0">
+            <a:scrgbClr r="0" g="0" b="0"/>
+          </a:lnRef>
+          <a:fillRef idx="0">
+            <a:scrgbClr r="0" g="0" b="0"/>
+          </a:fillRef>
+          <a:effectRef idx="0">
+            <a:scrgbClr r="0" g="0" b="0"/>
+          </a:effectRef>
+          <a:fontRef idx="minor">
+            <a:schemeClr val="lt1"/>
+          </a:fontRef>
+        </p:style>
+        <p:txBody>
+          <a:bodyPr rtlCol="0" anchor="ctr"/>
+          <a:lstStyle/>
+          <a:p>
+            <a:pPr algn="ctr"/>
+            <a:r>
+              <a:rPr lang="en-GB" dirty="0">
+                <a:latin typeface="Bodoni MT" panose="02070603080606020203" pitchFamily="18" charset="0"/>
+              </a:rPr>
+              <a:t>Sprites</a:t>
+            </a:r>
+          </a:p>
+        </p:txBody>
+      </p:sp>
+      <p:sp>
+        <p:nvSpPr>
+          <p:cNvPr id="40" name="Rectangle: Rounded Corners 39">
+            <a:extLst>
+              <a:ext uri="{FF2B5EF4-FFF2-40B4-BE49-F238E27FC236}">
+                <a16:creationId xmlns:a16="http://schemas.microsoft.com/office/drawing/2014/main" xmlns="" id="{57387805-6EE0-4686-A3AD-F33DE6D3DA9D}"/>
+              </a:ext>
+            </a:extLst>
+          </p:cNvPr>
+          <p:cNvSpPr/>
+          <p:nvPr/>
+        </p:nvSpPr>
+        <p:spPr>
+          <a:xfrm>
+            <a:off x="8868420" y="3308862"/>
+            <a:ext cx="1719743" cy="566053"/>
+          </a:xfrm>
+          <a:prstGeom prst="roundRect">
+            <a:avLst/>
+          </a:prstGeom>
+          <a:solidFill>
+            <a:schemeClr val="accent2">
+              <a:alpha val="50000"/>
+            </a:schemeClr>
+          </a:solidFill>
+          <a:ln>
+            <a:noFill/>
+          </a:ln>
+        </p:spPr>
+        <p:style>
+          <a:lnRef idx="0">
+            <a:scrgbClr r="0" g="0" b="0"/>
+          </a:lnRef>
+          <a:fillRef idx="0">
+            <a:scrgbClr r="0" g="0" b="0"/>
+          </a:fillRef>
+          <a:effectRef idx="0">
+            <a:scrgbClr r="0" g="0" b="0"/>
+          </a:effectRef>
+          <a:fontRef idx="minor">
+            <a:schemeClr val="lt1"/>
+          </a:fontRef>
+        </p:style>
+        <p:txBody>
+          <a:bodyPr rtlCol="0" anchor="ctr"/>
+          <a:lstStyle/>
+          <a:p>
+            <a:pPr algn="ctr"/>
+            <a:r>
+              <a:rPr lang="en-GB" dirty="0">
+                <a:latin typeface="Bodoni MT" panose="02070603080606020203" pitchFamily="18" charset="0"/>
+              </a:rPr>
+              <a:t>Backgrounds &amp; Platforms</a:t>
+            </a:r>
+          </a:p>
+        </p:txBody>
+      </p:sp>
+      <p:sp>
+        <p:nvSpPr>
+          <p:cNvPr id="41" name="Rectangle: Rounded Corners 40">
+            <a:extLst>
+              <a:ext uri="{FF2B5EF4-FFF2-40B4-BE49-F238E27FC236}">
+                <a16:creationId xmlns:a16="http://schemas.microsoft.com/office/drawing/2014/main" xmlns="" id="{0AF77ADA-8652-49EA-87E9-2EBD25A9D60F}"/>
+              </a:ext>
+            </a:extLst>
+          </p:cNvPr>
+          <p:cNvSpPr/>
+          <p:nvPr/>
+        </p:nvSpPr>
+        <p:spPr>
+          <a:xfrm>
+            <a:off x="8878345" y="4072997"/>
+            <a:ext cx="1719743" cy="566053"/>
+          </a:xfrm>
+          <a:prstGeom prst="roundRect">
+            <a:avLst/>
+          </a:prstGeom>
+          <a:solidFill>
+            <a:schemeClr val="accent2">
+              <a:alpha val="50000"/>
+            </a:schemeClr>
+          </a:solidFill>
+          <a:ln>
+            <a:noFill/>
+          </a:ln>
+        </p:spPr>
+        <p:style>
+          <a:lnRef idx="0">
+            <a:scrgbClr r="0" g="0" b="0"/>
+          </a:lnRef>
+          <a:fillRef idx="0">
+            <a:scrgbClr r="0" g="0" b="0"/>
+          </a:fillRef>
+          <a:effectRef idx="0">
+            <a:scrgbClr r="0" g="0" b="0"/>
+          </a:effectRef>
+          <a:fontRef idx="minor">
+            <a:schemeClr val="lt1"/>
+          </a:fontRef>
+        </p:style>
+        <p:txBody>
+          <a:bodyPr rtlCol="0" anchor="ctr"/>
+          <a:lstStyle/>
+          <a:p>
+            <a:pPr algn="ctr"/>
+            <a:r>
+              <a:rPr lang="en-GB" dirty="0">
+                <a:latin typeface="Bodoni MT" panose="02070603080606020203" pitchFamily="18" charset="0"/>
+              </a:rPr>
+              <a:t>Puzzle Tiles</a:t>
+            </a:r>
+          </a:p>
+        </p:txBody>
+      </p:sp>
+      <p:cxnSp>
+        <p:nvCxnSpPr>
+          <p:cNvPr id="42" name="Straight Arrow Connector 41">
+            <a:extLst>
+              <a:ext uri="{FF2B5EF4-FFF2-40B4-BE49-F238E27FC236}">
+                <a16:creationId xmlns:a16="http://schemas.microsoft.com/office/drawing/2014/main" xmlns="" id="{37A39690-B33F-4ED6-BE2F-C59BC2ABAA73}"/>
+              </a:ext>
+            </a:extLst>
+          </p:cNvPr>
+          <p:cNvCxnSpPr>
+            <a:cxnSpLocks/>
+            <a:endCxn id="39" idx="3"/>
+          </p:cNvCxnSpPr>
+          <p:nvPr/>
+        </p:nvCxnSpPr>
+        <p:spPr>
+          <a:xfrm flipH="1">
+            <a:off x="10598089" y="2827755"/>
+            <a:ext cx="261108" cy="1"/>
+          </a:xfrm>
+          <a:prstGeom prst="straightConnector1">
+            <a:avLst/>
+          </a:prstGeom>
+          <a:ln w="9525" cap="flat" cmpd="sng" algn="ctr">
+            <a:solidFill>
+              <a:schemeClr val="dk1"/>
+            </a:solidFill>
+            <a:prstDash val="solid"/>
+            <a:round/>
+            <a:headEnd type="none" w="med" len="med"/>
+            <a:tailEnd type="arrow" w="med" len="med"/>
+          </a:ln>
+        </p:spPr>
+        <p:style>
+          <a:lnRef idx="0">
+            <a:scrgbClr r="0" g="0" b="0"/>
+          </a:lnRef>
+          <a:fillRef idx="0">
+            <a:scrgbClr r="0" g="0" b="0"/>
+          </a:fillRef>
+          <a:effectRef idx="0">
+            <a:scrgbClr r="0" g="0" b="0"/>
+          </a:effectRef>
+          <a:fontRef idx="minor">
+            <a:schemeClr val="tx1"/>
+          </a:fontRef>
+        </p:style>
+      </p:cxnSp>
+      <p:cxnSp>
+        <p:nvCxnSpPr>
+          <p:cNvPr id="49" name="Connector: Elbow 48">
+            <a:extLst>
+              <a:ext uri="{FF2B5EF4-FFF2-40B4-BE49-F238E27FC236}">
+                <a16:creationId xmlns:a16="http://schemas.microsoft.com/office/drawing/2014/main" xmlns="" id="{6F018749-49F9-4969-A271-C3C29767FD5C}"/>
+              </a:ext>
+            </a:extLst>
+          </p:cNvPr>
+          <p:cNvCxnSpPr>
+            <a:cxnSpLocks/>
+            <a:stCxn id="13" idx="3"/>
+          </p:cNvCxnSpPr>
+          <p:nvPr/>
+        </p:nvCxnSpPr>
+        <p:spPr>
+          <a:xfrm>
+            <a:off x="10598090" y="1994380"/>
+            <a:ext cx="261107" cy="2352818"/>
+          </a:xfrm>
+          <a:prstGeom prst="bentConnector2">
+            <a:avLst/>
+          </a:prstGeom>
+          <a:ln w="9525" cap="flat" cmpd="sng" algn="ctr">
+            <a:solidFill>
+              <a:schemeClr val="dk1"/>
+            </a:solidFill>
+            <a:prstDash val="solid"/>
+            <a:round/>
+            <a:headEnd type="none" w="med" len="med"/>
+            <a:tailEnd type="arrow" w="med" len="med"/>
+          </a:ln>
+        </p:spPr>
+        <p:style>
+          <a:lnRef idx="0">
+            <a:scrgbClr r="0" g="0" b="0"/>
+          </a:lnRef>
+          <a:fillRef idx="0">
+            <a:scrgbClr r="0" g="0" b="0"/>
+          </a:fillRef>
+          <a:effectRef idx="0">
+            <a:scrgbClr r="0" g="0" b="0"/>
+          </a:effectRef>
+          <a:fontRef idx="minor">
+            <a:schemeClr val="tx1"/>
+          </a:fontRef>
+        </p:style>
+      </p:cxnSp>
+      <p:cxnSp>
+        <p:nvCxnSpPr>
+          <p:cNvPr id="51" name="Straight Arrow Connector 50">
+            <a:extLst>
+              <a:ext uri="{FF2B5EF4-FFF2-40B4-BE49-F238E27FC236}">
+                <a16:creationId xmlns:a16="http://schemas.microsoft.com/office/drawing/2014/main" xmlns="" id="{529BEA91-D614-4620-8E3D-97946455F9B8}"/>
+              </a:ext>
+            </a:extLst>
+          </p:cNvPr>
+          <p:cNvCxnSpPr>
+            <a:cxnSpLocks/>
+            <a:endCxn id="40" idx="3"/>
+          </p:cNvCxnSpPr>
+          <p:nvPr/>
+        </p:nvCxnSpPr>
+        <p:spPr>
+          <a:xfrm flipH="1">
+            <a:off x="10588163" y="3591889"/>
+            <a:ext cx="271034" cy="0"/>
+          </a:xfrm>
+          <a:prstGeom prst="straightConnector1">
+            <a:avLst/>
+          </a:prstGeom>
+          <a:ln w="9525" cap="flat" cmpd="sng" algn="ctr">
+            <a:solidFill>
+              <a:schemeClr val="dk1"/>
+            </a:solidFill>
+            <a:prstDash val="solid"/>
+            <a:round/>
+            <a:headEnd type="none" w="med" len="med"/>
+            <a:tailEnd type="arrow" w="med" len="med"/>
+          </a:ln>
+        </p:spPr>
+        <p:style>
+          <a:lnRef idx="0">
+            <a:scrgbClr r="0" g="0" b="0"/>
+          </a:lnRef>
+          <a:fillRef idx="0">
+            <a:scrgbClr r="0" g="0" b="0"/>
+          </a:fillRef>
+          <a:effectRef idx="0">
+            <a:scrgbClr r="0" g="0" b="0"/>
+          </a:effectRef>
+          <a:fontRef idx="minor">
+            <a:schemeClr val="tx1"/>
+          </a:fontRef>
+        </p:style>
+      </p:cxnSp>
+      <p:cxnSp>
+        <p:nvCxnSpPr>
+          <p:cNvPr id="52" name="Straight Arrow Connector 51">
+            <a:extLst>
+              <a:ext uri="{FF2B5EF4-FFF2-40B4-BE49-F238E27FC236}">
+                <a16:creationId xmlns:a16="http://schemas.microsoft.com/office/drawing/2014/main" xmlns="" id="{5B84C7E6-A42F-4657-A73B-3CBEE18B7E6F}"/>
+              </a:ext>
+            </a:extLst>
+          </p:cNvPr>
+          <p:cNvCxnSpPr>
+            <a:cxnSpLocks/>
+          </p:cNvCxnSpPr>
+          <p:nvPr/>
+        </p:nvCxnSpPr>
+        <p:spPr>
+          <a:xfrm flipH="1">
+            <a:off x="10598089" y="4347198"/>
+            <a:ext cx="261108" cy="1"/>
+          </a:xfrm>
+          <a:prstGeom prst="straightConnector1">
+            <a:avLst/>
+          </a:prstGeom>
+          <a:ln w="9525" cap="flat" cmpd="sng" algn="ctr">
+            <a:solidFill>
+              <a:schemeClr val="dk1"/>
+            </a:solidFill>
+            <a:prstDash val="solid"/>
+            <a:round/>
+            <a:headEnd type="none" w="med" len="med"/>
+            <a:tailEnd type="arrow" w="med" len="med"/>
+          </a:ln>
+        </p:spPr>
+        <p:style>
+          <a:lnRef idx="0">
+            <a:scrgbClr r="0" g="0" b="0"/>
+          </a:lnRef>
+          <a:fillRef idx="0">
+            <a:scrgbClr r="0" g="0" b="0"/>
+          </a:fillRef>
+          <a:effectRef idx="0">
+            <a:scrgbClr r="0" g="0" b="0"/>
+          </a:effectRef>
+          <a:fontRef idx="minor">
+            <a:schemeClr val="tx1"/>
+          </a:fontRef>
+        </p:style>
+      </p:cxnSp>
+      <p:cxnSp>
+        <p:nvCxnSpPr>
+          <p:cNvPr id="55" name="Connector: Elbow 54">
+            <a:extLst>
+              <a:ext uri="{FF2B5EF4-FFF2-40B4-BE49-F238E27FC236}">
+                <a16:creationId xmlns:a16="http://schemas.microsoft.com/office/drawing/2014/main" xmlns="" id="{0EC221BA-BD1E-4AE7-B1B2-90EE3720F5FB}"/>
+              </a:ext>
+            </a:extLst>
+          </p:cNvPr>
+          <p:cNvCxnSpPr>
+            <a:stCxn id="39" idx="1"/>
+          </p:cNvCxnSpPr>
+          <p:nvPr/>
+        </p:nvCxnSpPr>
+        <p:spPr>
+          <a:xfrm rot="10800000" flipV="1">
+            <a:off x="7843706" y="2827755"/>
+            <a:ext cx="1034640" cy="764133"/>
+          </a:xfrm>
+          <a:prstGeom prst="bentConnector3">
+            <a:avLst/>
+          </a:prstGeom>
+          <a:ln w="9525" cap="flat" cmpd="sng" algn="ctr">
+            <a:solidFill>
+              <a:schemeClr val="dk1"/>
+            </a:solidFill>
+            <a:prstDash val="solid"/>
+            <a:round/>
+            <a:headEnd type="none" w="med" len="med"/>
+            <a:tailEnd type="arrow" w="med" len="med"/>
+          </a:ln>
+        </p:spPr>
+        <p:style>
+          <a:lnRef idx="0">
+            <a:scrgbClr r="0" g="0" b="0"/>
+          </a:lnRef>
+          <a:fillRef idx="0">
+            <a:scrgbClr r="0" g="0" b="0"/>
+          </a:fillRef>
+          <a:effectRef idx="0">
+            <a:scrgbClr r="0" g="0" b="0"/>
+          </a:effectRef>
+          <a:fontRef idx="minor">
+            <a:schemeClr val="tx1"/>
+          </a:fontRef>
+        </p:style>
+      </p:cxnSp>
+      <p:cxnSp>
+        <p:nvCxnSpPr>
+          <p:cNvPr id="56" name="Connector: Elbow 55">
+            <a:extLst>
+              <a:ext uri="{FF2B5EF4-FFF2-40B4-BE49-F238E27FC236}">
+                <a16:creationId xmlns:a16="http://schemas.microsoft.com/office/drawing/2014/main" xmlns="" id="{7ED8B67D-2C95-4C7F-B66D-35ED490532B0}"/>
+              </a:ext>
+            </a:extLst>
+          </p:cNvPr>
+          <p:cNvCxnSpPr>
+            <a:cxnSpLocks/>
+            <a:stCxn id="41" idx="1"/>
+          </p:cNvCxnSpPr>
+          <p:nvPr/>
+        </p:nvCxnSpPr>
+        <p:spPr>
+          <a:xfrm rot="10800000">
+            <a:off x="8363825" y="3583066"/>
+            <a:ext cx="514521" cy="772958"/>
+          </a:xfrm>
+          <a:prstGeom prst="bentConnector2">
+            <a:avLst/>
+          </a:prstGeom>
+          <a:ln w="9525" cap="flat" cmpd="sng" algn="ctr">
+            <a:solidFill>
+              <a:schemeClr val="dk1"/>
+            </a:solidFill>
+            <a:prstDash val="solid"/>
+            <a:round/>
+            <a:headEnd type="none" w="med" len="med"/>
+            <a:tailEnd type="arrow" w="med" len="med"/>
+          </a:ln>
+        </p:spPr>
+        <p:style>
+          <a:lnRef idx="0">
+            <a:scrgbClr r="0" g="0" b="0"/>
+          </a:lnRef>
+          <a:fillRef idx="0">
+            <a:scrgbClr r="0" g="0" b="0"/>
+          </a:fillRef>
+          <a:effectRef idx="0">
+            <a:scrgbClr r="0" g="0" b="0"/>
+          </a:effectRef>
+          <a:fontRef idx="minor">
+            <a:schemeClr val="tx1"/>
+          </a:fontRef>
+        </p:style>
+      </p:cxnSp>
+      <p:cxnSp>
+        <p:nvCxnSpPr>
+          <p:cNvPr id="60" name="Straight Connector 59">
+            <a:extLst>
+              <a:ext uri="{FF2B5EF4-FFF2-40B4-BE49-F238E27FC236}">
+                <a16:creationId xmlns:a16="http://schemas.microsoft.com/office/drawing/2014/main" xmlns="" id="{2DE7001C-61A4-4D8C-9487-D0519BB5C287}"/>
+              </a:ext>
+            </a:extLst>
+          </p:cNvPr>
+          <p:cNvCxnSpPr>
+            <a:cxnSpLocks/>
+            <a:stCxn id="40" idx="1"/>
+          </p:cNvCxnSpPr>
+          <p:nvPr/>
+        </p:nvCxnSpPr>
+        <p:spPr>
+          <a:xfrm flipH="1">
+            <a:off x="8353898" y="3591889"/>
+            <a:ext cx="514522" cy="0"/>
+          </a:xfrm>
+          <a:prstGeom prst="line">
+            <a:avLst/>
+          </a:prstGeom>
+        </p:spPr>
+        <p:style>
+          <a:lnRef idx="1">
+            <a:schemeClr val="dk1"/>
+          </a:lnRef>
+          <a:fillRef idx="0">
+            <a:schemeClr val="dk1"/>
+          </a:fillRef>
+          <a:effectRef idx="0">
+            <a:schemeClr val="dk1"/>
+          </a:effectRef>
+          <a:fontRef idx="minor">
+            <a:schemeClr val="tx1"/>
+          </a:fontRef>
+        </p:style>
+      </p:cxnSp>
+      <p:cxnSp>
+        <p:nvCxnSpPr>
+          <p:cNvPr id="67" name="Connector: Elbow 66">
+            <a:extLst>
+              <a:ext uri="{FF2B5EF4-FFF2-40B4-BE49-F238E27FC236}">
+                <a16:creationId xmlns:a16="http://schemas.microsoft.com/office/drawing/2014/main" xmlns="" id="{9BE8C34A-75B0-466E-B230-A6AA0EF6FF90}"/>
+              </a:ext>
+            </a:extLst>
+          </p:cNvPr>
+          <p:cNvCxnSpPr>
+            <a:cxnSpLocks/>
+            <a:endCxn id="11" idx="3"/>
+          </p:cNvCxnSpPr>
+          <p:nvPr/>
+        </p:nvCxnSpPr>
+        <p:spPr>
+          <a:xfrm rot="10800000">
+            <a:off x="3262426" y="2958148"/>
+            <a:ext cx="4581280" cy="624919"/>
+          </a:xfrm>
+          <a:prstGeom prst="bentConnector3">
+            <a:avLst>
+              <a:gd name="adj1" fmla="val 13926"/>
+            </a:avLst>
+          </a:prstGeom>
+          <a:ln w="9525" cap="flat" cmpd="sng" algn="ctr">
+            <a:solidFill>
+              <a:schemeClr val="dk1"/>
+            </a:solidFill>
+            <a:prstDash val="solid"/>
+            <a:round/>
+            <a:headEnd type="none" w="med" len="med"/>
+            <a:tailEnd type="arrow" w="med" len="med"/>
+          </a:ln>
+        </p:spPr>
+        <p:style>
+          <a:lnRef idx="0">
+            <a:scrgbClr r="0" g="0" b="0"/>
+          </a:lnRef>
+          <a:fillRef idx="0">
+            <a:scrgbClr r="0" g="0" b="0"/>
+          </a:fillRef>
+          <a:effectRef idx="0">
+            <a:scrgbClr r="0" g="0" b="0"/>
+          </a:effectRef>
+          <a:fontRef idx="minor">
+            <a:schemeClr val="tx1"/>
+          </a:fontRef>
+        </p:style>
+      </p:cxnSp>
+      <p:cxnSp>
+        <p:nvCxnSpPr>
+          <p:cNvPr id="66" name="Connector: Elbow 65">
+            <a:extLst>
+              <a:ext uri="{FF2B5EF4-FFF2-40B4-BE49-F238E27FC236}">
+                <a16:creationId xmlns:a16="http://schemas.microsoft.com/office/drawing/2014/main" xmlns="" id="{2B6EBE20-55B6-4C79-AC8D-3D2DEACD0F27}"/>
+              </a:ext>
+            </a:extLst>
+          </p:cNvPr>
+          <p:cNvCxnSpPr>
+            <a:endCxn id="34" idx="3"/>
+          </p:cNvCxnSpPr>
+          <p:nvPr/>
+        </p:nvCxnSpPr>
+        <p:spPr>
+          <a:xfrm rot="5400000">
+            <a:off x="6909215" y="3629175"/>
+            <a:ext cx="971779" cy="897204"/>
+          </a:xfrm>
+          <a:prstGeom prst="bentConnector2">
+            <a:avLst/>
+          </a:prstGeom>
+          <a:ln w="9525" cap="flat" cmpd="sng" algn="ctr">
+            <a:solidFill>
+              <a:schemeClr val="dk1"/>
+            </a:solidFill>
+            <a:prstDash val="solid"/>
+            <a:round/>
+            <a:headEnd type="none" w="med" len="med"/>
+            <a:tailEnd type="arrow" w="med" len="med"/>
+          </a:ln>
+        </p:spPr>
+        <p:style>
+          <a:lnRef idx="0">
+            <a:scrgbClr r="0" g="0" b="0"/>
+          </a:lnRef>
+          <a:fillRef idx="0">
+            <a:scrgbClr r="0" g="0" b="0"/>
+          </a:fillRef>
+          <a:effectRef idx="0">
+            <a:scrgbClr r="0" g="0" b="0"/>
+          </a:effectRef>
+          <a:fontRef idx="minor">
+            <a:schemeClr val="tx1"/>
+          </a:fontRef>
+        </p:style>
+      </p:cxnSp>
+      <p:sp>
+        <p:nvSpPr>
+          <p:cNvPr id="12" name="Rectangle: Rounded Corners 11">
+            <a:extLst>
+              <a:ext uri="{FF2B5EF4-FFF2-40B4-BE49-F238E27FC236}">
+                <a16:creationId xmlns:a16="http://schemas.microsoft.com/office/drawing/2014/main" xmlns="" id="{0EF29BEE-62BD-4987-BA52-D89AE53A8B33}"/>
+              </a:ext>
+            </a:extLst>
+          </p:cNvPr>
+          <p:cNvSpPr/>
+          <p:nvPr/>
+        </p:nvSpPr>
+        <p:spPr>
+          <a:xfrm>
+            <a:off x="5236128" y="2696279"/>
+            <a:ext cx="1719743" cy="566053"/>
+          </a:xfrm>
+          <a:prstGeom prst="roundRect">
+            <a:avLst/>
+          </a:prstGeom>
+          <a:solidFill>
+            <a:srgbClr val="F6BE98"/>
+          </a:solidFill>
+          <a:ln>
+            <a:noFill/>
+          </a:ln>
+        </p:spPr>
+        <p:style>
+          <a:lnRef idx="0">
+            <a:scrgbClr r="0" g="0" b="0"/>
+          </a:lnRef>
+          <a:fillRef idx="0">
+            <a:scrgbClr r="0" g="0" b="0"/>
+          </a:fillRef>
+          <a:effectRef idx="0">
+            <a:scrgbClr r="0" g="0" b="0"/>
+          </a:effectRef>
+          <a:fontRef idx="minor">
+            <a:schemeClr val="lt1"/>
+          </a:fontRef>
+        </p:style>
+        <p:txBody>
+          <a:bodyPr rtlCol="0" anchor="ctr"/>
+          <a:lstStyle/>
+          <a:p>
+            <a:pPr algn="ctr"/>
+            <a:r>
+              <a:rPr lang="en-GB" dirty="0">
+                <a:latin typeface="Bodoni MT" panose="02070603080606020203" pitchFamily="18" charset="0"/>
+              </a:rPr>
+              <a:t>Character Movement</a:t>
+            </a:r>
+          </a:p>
+        </p:txBody>
+      </p:sp>
+      <p:cxnSp>
+        <p:nvCxnSpPr>
+          <p:cNvPr id="73" name="Straight Arrow Connector 72">
+            <a:extLst>
+              <a:ext uri="{FF2B5EF4-FFF2-40B4-BE49-F238E27FC236}">
+                <a16:creationId xmlns:a16="http://schemas.microsoft.com/office/drawing/2014/main" xmlns="" id="{69C2A71F-34B3-45C5-B5C2-CAD80873AAD3}"/>
+              </a:ext>
+            </a:extLst>
+          </p:cNvPr>
+          <p:cNvCxnSpPr>
+            <a:cxnSpLocks/>
+            <a:stCxn id="12" idx="2"/>
+            <a:endCxn id="33" idx="0"/>
+          </p:cNvCxnSpPr>
+          <p:nvPr/>
+        </p:nvCxnSpPr>
+        <p:spPr>
+          <a:xfrm flipH="1">
+            <a:off x="6095998" y="3262332"/>
+            <a:ext cx="2" cy="241306"/>
+          </a:xfrm>
+          <a:prstGeom prst="straightConnector1">
+            <a:avLst/>
+          </a:prstGeom>
+          <a:ln w="9525" cap="flat" cmpd="sng" algn="ctr">
+            <a:solidFill>
+              <a:schemeClr val="dk1"/>
+            </a:solidFill>
+            <a:prstDash val="solid"/>
+            <a:round/>
+            <a:headEnd type="none" w="med" len="med"/>
+            <a:tailEnd type="arrow" w="med" len="med"/>
+          </a:ln>
+        </p:spPr>
+        <p:style>
+          <a:lnRef idx="0">
+            <a:scrgbClr r="0" g="0" b="0"/>
+          </a:lnRef>
+          <a:fillRef idx="0">
+            <a:scrgbClr r="0" g="0" b="0"/>
+          </a:fillRef>
+          <a:effectRef idx="0">
+            <a:scrgbClr r="0" g="0" b="0"/>
+          </a:effectRef>
+          <a:fontRef idx="minor">
+            <a:schemeClr val="tx1"/>
+          </a:fontRef>
+        </p:style>
+      </p:cxnSp>
+      <p:cxnSp>
+        <p:nvCxnSpPr>
+          <p:cNvPr id="77" name="Straight Arrow Connector 76">
+            <a:extLst>
+              <a:ext uri="{FF2B5EF4-FFF2-40B4-BE49-F238E27FC236}">
+                <a16:creationId xmlns:a16="http://schemas.microsoft.com/office/drawing/2014/main" xmlns="" id="{57464C7E-A3BB-4249-922D-CFCFCCBF91D6}"/>
+              </a:ext>
+            </a:extLst>
+          </p:cNvPr>
+          <p:cNvCxnSpPr>
+            <a:cxnSpLocks/>
+          </p:cNvCxnSpPr>
+          <p:nvPr/>
+        </p:nvCxnSpPr>
+        <p:spPr>
+          <a:xfrm flipH="1">
+            <a:off x="6086630" y="3941471"/>
+            <a:ext cx="2" cy="241306"/>
+          </a:xfrm>
+          <a:prstGeom prst="straightConnector1">
+            <a:avLst/>
+          </a:prstGeom>
+          <a:ln w="9525" cap="flat" cmpd="sng" algn="ctr">
+            <a:solidFill>
+              <a:schemeClr val="dk1"/>
+            </a:solidFill>
+            <a:prstDash val="solid"/>
+            <a:round/>
+            <a:headEnd type="none" w="med" len="med"/>
+            <a:tailEnd type="arrow" w="med" len="med"/>
+          </a:ln>
+        </p:spPr>
+        <p:style>
+          <a:lnRef idx="0">
+            <a:scrgbClr r="0" g="0" b="0"/>
+          </a:lnRef>
+          <a:fillRef idx="0">
+            <a:scrgbClr r="0" g="0" b="0"/>
+          </a:fillRef>
+          <a:effectRef idx="0">
+            <a:scrgbClr r="0" g="0" b="0"/>
+          </a:effectRef>
+          <a:fontRef idx="minor">
+            <a:schemeClr val="tx1"/>
+          </a:fontRef>
+        </p:style>
+      </p:cxnSp>
+      <p:cxnSp>
+        <p:nvCxnSpPr>
+          <p:cNvPr id="78" name="Straight Arrow Connector 77">
+            <a:extLst>
+              <a:ext uri="{FF2B5EF4-FFF2-40B4-BE49-F238E27FC236}">
+                <a16:creationId xmlns:a16="http://schemas.microsoft.com/office/drawing/2014/main" xmlns="" id="{D03E9D33-30E8-457E-9B54-73E66853B100}"/>
+              </a:ext>
+            </a:extLst>
+          </p:cNvPr>
+          <p:cNvCxnSpPr>
+            <a:cxnSpLocks/>
+          </p:cNvCxnSpPr>
+          <p:nvPr/>
+        </p:nvCxnSpPr>
+        <p:spPr>
+          <a:xfrm flipH="1">
+            <a:off x="6095996" y="4944557"/>
+            <a:ext cx="2" cy="241306"/>
+          </a:xfrm>
+          <a:prstGeom prst="straightConnector1">
+            <a:avLst/>
+          </a:prstGeom>
+          <a:ln w="9525" cap="flat" cmpd="sng" algn="ctr">
+            <a:solidFill>
+              <a:schemeClr val="dk1"/>
+            </a:solidFill>
+            <a:prstDash val="solid"/>
+            <a:round/>
+            <a:headEnd type="none" w="med" len="med"/>
+            <a:tailEnd type="arrow" w="med" len="med"/>
+          </a:ln>
+        </p:spPr>
+        <p:style>
+          <a:lnRef idx="0">
+            <a:scrgbClr r="0" g="0" b="0"/>
+          </a:lnRef>
+          <a:fillRef idx="0">
+            <a:scrgbClr r="0" g="0" b="0"/>
+          </a:fillRef>
+          <a:effectRef idx="0">
+            <a:scrgbClr r="0" g="0" b="0"/>
+          </a:effectRef>
+          <a:fontRef idx="minor">
+            <a:schemeClr val="tx1"/>
+          </a:fontRef>
+        </p:style>
+      </p:cxnSp>
+      <p:cxnSp>
+        <p:nvCxnSpPr>
+          <p:cNvPr id="79" name="Straight Arrow Connector 78">
+            <a:extLst>
+              <a:ext uri="{FF2B5EF4-FFF2-40B4-BE49-F238E27FC236}">
+                <a16:creationId xmlns:a16="http://schemas.microsoft.com/office/drawing/2014/main" xmlns="" id="{0A90E022-FEFC-46DE-89ED-17C345356F2C}"/>
+              </a:ext>
+            </a:extLst>
+          </p:cNvPr>
+          <p:cNvCxnSpPr>
+            <a:cxnSpLocks/>
+          </p:cNvCxnSpPr>
+          <p:nvPr/>
+        </p:nvCxnSpPr>
+        <p:spPr>
+          <a:xfrm flipH="1">
+            <a:off x="2381755" y="3233015"/>
+            <a:ext cx="2" cy="241306"/>
+          </a:xfrm>
+          <a:prstGeom prst="straightConnector1">
+            <a:avLst/>
+          </a:prstGeom>
+          <a:ln w="9525" cap="flat" cmpd="sng" algn="ctr">
+            <a:solidFill>
+              <a:schemeClr val="dk1"/>
+            </a:solidFill>
+            <a:prstDash val="solid"/>
+            <a:round/>
+            <a:headEnd type="none" w="med" len="med"/>
+            <a:tailEnd type="arrow" w="med" len="med"/>
+          </a:ln>
+        </p:spPr>
+        <p:style>
+          <a:lnRef idx="0">
+            <a:scrgbClr r="0" g="0" b="0"/>
+          </a:lnRef>
+          <a:fillRef idx="0">
+            <a:scrgbClr r="0" g="0" b="0"/>
+          </a:fillRef>
+          <a:effectRef idx="0">
+            <a:scrgbClr r="0" g="0" b="0"/>
+          </a:effectRef>
+          <a:fontRef idx="minor">
+            <a:schemeClr val="tx1"/>
+          </a:fontRef>
+        </p:style>
+      </p:cxnSp>
+      <p:cxnSp>
+        <p:nvCxnSpPr>
+          <p:cNvPr id="80" name="Straight Arrow Connector 79">
+            <a:extLst>
+              <a:ext uri="{FF2B5EF4-FFF2-40B4-BE49-F238E27FC236}">
+                <a16:creationId xmlns:a16="http://schemas.microsoft.com/office/drawing/2014/main" xmlns="" id="{3A681EC4-C304-44D6-8FE8-F7EBE52D4E19}"/>
+              </a:ext>
+            </a:extLst>
+          </p:cNvPr>
+          <p:cNvCxnSpPr>
+            <a:cxnSpLocks/>
+          </p:cNvCxnSpPr>
+          <p:nvPr/>
+        </p:nvCxnSpPr>
+        <p:spPr>
+          <a:xfrm flipH="1">
+            <a:off x="2381403" y="4044630"/>
+            <a:ext cx="2" cy="241306"/>
+          </a:xfrm>
+          <a:prstGeom prst="straightConnector1">
+            <a:avLst/>
+          </a:prstGeom>
+          <a:ln w="9525" cap="flat" cmpd="sng" algn="ctr">
+            <a:solidFill>
+              <a:schemeClr val="dk1"/>
+            </a:solidFill>
+            <a:prstDash val="solid"/>
+            <a:round/>
+            <a:headEnd type="none" w="med" len="med"/>
+            <a:tailEnd type="arrow" w="med" len="med"/>
+          </a:ln>
+        </p:spPr>
+        <p:style>
+          <a:lnRef idx="0">
+            <a:scrgbClr r="0" g="0" b="0"/>
+          </a:lnRef>
+          <a:fillRef idx="0">
+            <a:scrgbClr r="0" g="0" b="0"/>
+          </a:fillRef>
+          <a:effectRef idx="0">
+            <a:scrgbClr r="0" g="0" b="0"/>
+          </a:effectRef>
+          <a:fontRef idx="minor">
+            <a:schemeClr val="tx1"/>
+          </a:fontRef>
+        </p:style>
+      </p:cxnSp>
+      <p:cxnSp>
+        <p:nvCxnSpPr>
+          <p:cNvPr id="81" name="Straight Arrow Connector 80">
+            <a:extLst>
+              <a:ext uri="{FF2B5EF4-FFF2-40B4-BE49-F238E27FC236}">
+                <a16:creationId xmlns:a16="http://schemas.microsoft.com/office/drawing/2014/main" xmlns="" id="{19F654F4-6D55-4385-8976-5B80EBD24850}"/>
+              </a:ext>
+            </a:extLst>
+          </p:cNvPr>
+          <p:cNvCxnSpPr>
+            <a:cxnSpLocks/>
+          </p:cNvCxnSpPr>
+          <p:nvPr/>
+        </p:nvCxnSpPr>
+        <p:spPr>
+          <a:xfrm flipH="1">
+            <a:off x="2381401" y="4850441"/>
+            <a:ext cx="2" cy="241306"/>
+          </a:xfrm>
+          <a:prstGeom prst="straightConnector1">
+            <a:avLst/>
+          </a:prstGeom>
+          <a:ln w="9525" cap="flat" cmpd="sng" algn="ctr">
+            <a:solidFill>
+              <a:schemeClr val="dk1"/>
+            </a:solidFill>
+            <a:prstDash val="solid"/>
+            <a:round/>
+            <a:headEnd type="none" w="med" len="med"/>
+            <a:tailEnd type="arrow" w="med" len="med"/>
+          </a:ln>
+        </p:spPr>
+        <p:style>
+          <a:lnRef idx="0">
+            <a:scrgbClr r="0" g="0" b="0"/>
+          </a:lnRef>
+          <a:fillRef idx="0">
+            <a:scrgbClr r="0" g="0" b="0"/>
+          </a:fillRef>
+          <a:effectRef idx="0">
+            <a:scrgbClr r="0" g="0" b="0"/>
+          </a:effectRef>
+          <a:fontRef idx="minor">
+            <a:schemeClr val="tx1"/>
+          </a:fontRef>
+        </p:style>
+      </p:cxnSp>
     </p:spTree>
     <p:extLst>
       <p:ext uri="{BB962C8B-B14F-4D97-AF65-F5344CB8AC3E}">
-        <p14:creationId xmlns:p14="http://schemas.microsoft.com/office/powerpoint/2010/main" val="3490831543"/>
+        <p14:creationId xmlns:p14="http://schemas.microsoft.com/office/powerpoint/2010/main" xmlns="" val="2766657188"/>
       </p:ext>
     </p:extLst>
   </p:cSld>
@@ -9140,7 +9854,7 @@
           <p:cNvPr id="7" name="Picture 6">
             <a:extLst>
               <a:ext uri="{FF2B5EF4-FFF2-40B4-BE49-F238E27FC236}">
-                <a16:creationId xmlns:a16="http://schemas.microsoft.com/office/drawing/2014/main" id="{B477D94D-934D-4616-A570-6D98195B104B}"/>
+                <a16:creationId xmlns:a16="http://schemas.microsoft.com/office/drawing/2014/main" xmlns="" id="{0452B86A-B01F-4002-A1C0-9EF0AE9558E4}"/>
               </a:ext>
             </a:extLst>
           </p:cNvPr>
@@ -9149,15 +9863,16 @@
           </p:cNvPicPr>
           <p:nvPr/>
         </p:nvPicPr>
-        <p:blipFill rotWithShape="1">
+        <p:blipFill>
           <a:blip r:embed="rId2"/>
-          <a:srcRect t="857"/>
-          <a:stretch/>
+          <a:stretch>
+            <a:fillRect/>
+          </a:stretch>
         </p:blipFill>
         <p:spPr>
           <a:xfrm>
-            <a:off x="3059891" y="1"/>
-            <a:ext cx="9132109" cy="6857999"/>
+            <a:off x="3065859" y="0"/>
+            <a:ext cx="9126141" cy="6858000"/>
           </a:xfrm>
           <a:prstGeom prst="rect">
             <a:avLst/>
@@ -9166,10 +9881,10 @@
       </p:pic>
       <p:pic>
         <p:nvPicPr>
-          <p:cNvPr id="5" name="Picture 4">
-            <a:extLst>
-              <a:ext uri="{FF2B5EF4-FFF2-40B4-BE49-F238E27FC236}">
-                <a16:creationId xmlns:a16="http://schemas.microsoft.com/office/drawing/2014/main" id="{B41C1CB2-FA0D-4FE8-B995-E97A83ACB1AE}"/>
+          <p:cNvPr id="8" name="Picture 7">
+            <a:extLst>
+              <a:ext uri="{FF2B5EF4-FFF2-40B4-BE49-F238E27FC236}">
+                <a16:creationId xmlns:a16="http://schemas.microsoft.com/office/drawing/2014/main" xmlns="" id="{37F75148-183E-43C0-AC18-81F40A1DD034}"/>
               </a:ext>
             </a:extLst>
           </p:cNvPr>
@@ -9178,15 +9893,16 @@
           </p:cNvPicPr>
           <p:nvPr/>
         </p:nvPicPr>
-        <p:blipFill rotWithShape="1">
+        <p:blipFill>
           <a:blip r:embed="rId2"/>
-          <a:srcRect t="857"/>
-          <a:stretch/>
+          <a:stretch>
+            <a:fillRect/>
+          </a:stretch>
         </p:blipFill>
         <p:spPr>
           <a:xfrm>
             <a:off x="0" y="0"/>
-            <a:ext cx="9132109" cy="6857999"/>
+            <a:ext cx="9126141" cy="6858000"/>
           </a:xfrm>
           <a:prstGeom prst="rect">
             <a:avLst/>
@@ -9198,7 +9914,7 @@
           <p:cNvPr id="2" name="Title 1">
             <a:extLst>
               <a:ext uri="{FF2B5EF4-FFF2-40B4-BE49-F238E27FC236}">
-                <a16:creationId xmlns:a16="http://schemas.microsoft.com/office/drawing/2014/main" id="{DFC049F8-2284-4161-BE3C-431BCD0EFAB7}"/>
+                <a16:creationId xmlns:a16="http://schemas.microsoft.com/office/drawing/2014/main" xmlns="" id="{DFC049F8-2284-4161-BE3C-431BCD0EFAB7}"/>
               </a:ext>
             </a:extLst>
           </p:cNvPr>
@@ -9234,7 +9950,7 @@
               <a:rPr lang="en-GB" dirty="0">
                 <a:latin typeface="Bodoni MT" panose="02070603080606020203" pitchFamily="18" charset="0"/>
               </a:rPr>
-              <a:t>User Testing Methodology</a:t>
+              <a:t>Challenges</a:t>
             </a:r>
           </a:p>
         </p:txBody>
@@ -9244,7 +9960,7 @@
           <p:cNvPr id="3" name="Content Placeholder 2">
             <a:extLst>
               <a:ext uri="{FF2B5EF4-FFF2-40B4-BE49-F238E27FC236}">
-                <a16:creationId xmlns:a16="http://schemas.microsoft.com/office/drawing/2014/main" id="{F2E045F5-714F-4E07-87A1-F5696A62ED28}"/>
+                <a16:creationId xmlns:a16="http://schemas.microsoft.com/office/drawing/2014/main" xmlns="" id="{F2E045F5-714F-4E07-87A1-F5696A62ED28}"/>
               </a:ext>
             </a:extLst>
           </p:cNvPr>
@@ -9295,7 +10011,7 @@
           <p:cNvPr id="6" name="TextBox 5">
             <a:extLst>
               <a:ext uri="{FF2B5EF4-FFF2-40B4-BE49-F238E27FC236}">
-                <a16:creationId xmlns:a16="http://schemas.microsoft.com/office/drawing/2014/main" id="{2A7FCD91-3666-4A23-B530-B70A5977CFC4}"/>
+                <a16:creationId xmlns:a16="http://schemas.microsoft.com/office/drawing/2014/main" xmlns="" id="{2A7FCD91-3666-4A23-B530-B70A5977CFC4}"/>
               </a:ext>
             </a:extLst>
           </p:cNvPr>
@@ -9324,17 +10040,17 @@
                 <a:latin typeface="Bodoni MT" panose="02070603080606020203" pitchFamily="18" charset="0"/>
                 <a:ea typeface="Cambria Math" panose="02040503050406030204" pitchFamily="18" charset="0"/>
               </a:rPr>
-              <a:t>(4)</a:t>
+              <a:t>(3)</a:t>
             </a:r>
           </a:p>
         </p:txBody>
       </p:sp>
       <p:pic>
         <p:nvPicPr>
-          <p:cNvPr id="4" name="Picture 3">
-            <a:extLst>
-              <a:ext uri="{FF2B5EF4-FFF2-40B4-BE49-F238E27FC236}">
-                <a16:creationId xmlns:a16="http://schemas.microsoft.com/office/drawing/2014/main" id="{7DBBE77A-8D3A-40D6-94A0-7EC9A7E761A3}"/>
+          <p:cNvPr id="5" name="Picture 4">
+            <a:extLst>
+              <a:ext uri="{FF2B5EF4-FFF2-40B4-BE49-F238E27FC236}">
+                <a16:creationId xmlns:a16="http://schemas.microsoft.com/office/drawing/2014/main" xmlns="" id="{07E31DEA-147A-4661-8DB9-CB3281426F67}"/>
               </a:ext>
             </a:extLst>
           </p:cNvPr>
@@ -9351,8 +10067,8 @@
         </p:blipFill>
         <p:spPr>
           <a:xfrm>
-            <a:off x="7239682" y="1296302"/>
-            <a:ext cx="3784854" cy="3784854"/>
+            <a:off x="7251583" y="1386866"/>
+            <a:ext cx="3446888" cy="4084268"/>
           </a:xfrm>
           <a:prstGeom prst="rect">
             <a:avLst/>
@@ -9366,10 +10082,10 @@
       </p:pic>
       <p:sp>
         <p:nvSpPr>
-          <p:cNvPr id="8" name="Rectangle 7">
-            <a:extLst>
-              <a:ext uri="{FF2B5EF4-FFF2-40B4-BE49-F238E27FC236}">
-                <a16:creationId xmlns:a16="http://schemas.microsoft.com/office/drawing/2014/main" id="{BBD93274-AD19-4924-B84B-10DE820ED811}"/>
+          <p:cNvPr id="9" name="Rectangle 8">
+            <a:extLst>
+              <a:ext uri="{FF2B5EF4-FFF2-40B4-BE49-F238E27FC236}">
+                <a16:creationId xmlns:a16="http://schemas.microsoft.com/office/drawing/2014/main" xmlns="" id="{639288EF-1393-49D8-9524-1863E2A39901}"/>
               </a:ext>
             </a:extLst>
           </p:cNvPr>
@@ -9379,7 +10095,7 @@
         <p:spPr>
           <a:xfrm>
             <a:off x="1166070" y="1191237"/>
-            <a:ext cx="5757643" cy="4071039"/>
+            <a:ext cx="5757643" cy="4630723"/>
           </a:xfrm>
           <a:prstGeom prst="rect">
             <a:avLst/>
@@ -9413,118 +10129,40 @@
           <a:bodyPr rtlCol="0" anchor="ctr"/>
           <a:lstStyle/>
           <a:p>
+            <a:r>
+              <a:rPr lang="en-GB" b="1" dirty="0">
+                <a:latin typeface="Bodoni MT" panose="02070603080606020203" pitchFamily="18" charset="0"/>
+              </a:rPr>
+              <a:t>HOW DO WE SIDESCROLL WITHOUT A CAMERA?</a:t>
+            </a:r>
+          </a:p>
+          <a:p>
+            <a:r>
+              <a:rPr lang="en-GB" dirty="0">
+                <a:latin typeface="Bodoni MT" panose="02070603080606020203" pitchFamily="18" charset="0"/>
+              </a:rPr>
+              <a:t>Give all objects in the level movement along the X axis. Keep the player centralised and move everything in accordance with the player.</a:t>
+            </a:r>
+          </a:p>
+          <a:p>
             <a:endParaRPr lang="en-GB" dirty="0">
               <a:latin typeface="Bodoni MT" panose="02070603080606020203" pitchFamily="18" charset="0"/>
             </a:endParaRPr>
           </a:p>
-        </p:txBody>
-      </p:sp>
-      <p:sp>
-        <p:nvSpPr>
-          <p:cNvPr id="9" name="TextBox 8">
-            <a:extLst>
-              <a:ext uri="{FF2B5EF4-FFF2-40B4-BE49-F238E27FC236}">
-                <a16:creationId xmlns:a16="http://schemas.microsoft.com/office/drawing/2014/main" id="{614F1665-FB4D-4576-912A-8CB0AE08F8B2}"/>
-              </a:ext>
-            </a:extLst>
-          </p:cNvPr>
-          <p:cNvSpPr txBox="1"/>
-          <p:nvPr/>
-        </p:nvSpPr>
-        <p:spPr>
-          <a:xfrm>
-            <a:off x="1166070" y="1191236"/>
-            <a:ext cx="5751692" cy="377721"/>
-          </a:xfrm>
-          <a:prstGeom prst="rect">
-            <a:avLst/>
-          </a:prstGeom>
-          <a:noFill/>
-          <a:ln>
-            <a:solidFill>
-              <a:schemeClr val="tx1"/>
-            </a:solidFill>
-          </a:ln>
-        </p:spPr>
-        <p:txBody>
-          <a:bodyPr wrap="square" rtlCol="0">
-            <a:spAutoFit/>
-          </a:bodyPr>
-          <a:lstStyle/>
           <a:p>
             <a:r>
               <a:rPr lang="en-GB" b="1" dirty="0">
                 <a:latin typeface="Bodoni MT" panose="02070603080606020203" pitchFamily="18" charset="0"/>
               </a:rPr>
-              <a:t>TESTERS: </a:t>
-            </a:r>
+              <a:t>HOW DO WE ENCOURAGE REPLAYABILITY?</a:t>
+            </a:r>
+          </a:p>
+          <a:p>
             <a:r>
               <a:rPr lang="en-GB" dirty="0">
                 <a:latin typeface="Bodoni MT" panose="02070603080606020203" pitchFamily="18" charset="0"/>
               </a:rPr>
-              <a:t>2</a:t>
-            </a:r>
-            <a:r>
-              <a:rPr lang="en-GB" baseline="30000" dirty="0">
-                <a:latin typeface="Bodoni MT" panose="02070603080606020203" pitchFamily="18" charset="0"/>
-              </a:rPr>
-              <a:t>nd</a:t>
-            </a:r>
-            <a:r>
-              <a:rPr lang="en-GB" dirty="0">
-                <a:latin typeface="Bodoni MT" panose="02070603080606020203" pitchFamily="18" charset="0"/>
-              </a:rPr>
-              <a:t> Year SCC Students.</a:t>
-            </a:r>
-          </a:p>
-        </p:txBody>
-      </p:sp>
-      <p:sp>
-        <p:nvSpPr>
-          <p:cNvPr id="10" name="TextBox 9">
-            <a:extLst>
-              <a:ext uri="{FF2B5EF4-FFF2-40B4-BE49-F238E27FC236}">
-                <a16:creationId xmlns:a16="http://schemas.microsoft.com/office/drawing/2014/main" id="{B73BD718-AF4E-48A2-A46D-2EFB4DF802D3}"/>
-              </a:ext>
-            </a:extLst>
-          </p:cNvPr>
-          <p:cNvSpPr txBox="1"/>
-          <p:nvPr/>
-        </p:nvSpPr>
-        <p:spPr>
-          <a:xfrm>
-            <a:off x="1166070" y="1568957"/>
-            <a:ext cx="5751692" cy="3693319"/>
-          </a:xfrm>
-          <a:prstGeom prst="rect">
-            <a:avLst/>
-          </a:prstGeom>
-          <a:noFill/>
-          <a:ln>
-            <a:solidFill>
-              <a:schemeClr val="tx1"/>
-            </a:solidFill>
-          </a:ln>
-        </p:spPr>
-        <p:txBody>
-          <a:bodyPr wrap="square" rtlCol="0">
-            <a:spAutoFit/>
-          </a:bodyPr>
-          <a:lstStyle/>
-          <a:p>
-            <a:r>
-              <a:rPr lang="en-GB" b="1" dirty="0">
-                <a:latin typeface="Bodoni MT" panose="02070603080606020203" pitchFamily="18" charset="0"/>
-              </a:rPr>
-              <a:t>TESTS CONDUCTED: </a:t>
-            </a:r>
-          </a:p>
-          <a:p>
-            <a:r>
-              <a:rPr lang="en-GB" dirty="0">
-                <a:latin typeface="Bodoni MT" panose="02070603080606020203" pitchFamily="18" charset="0"/>
-              </a:rPr>
-              <a:t>1.   Platforms Only</a:t>
+              <a:t>Create persistent collectables across all levels as an additional optional measure of tracking progress. Collectables are stored and displayed in the main menu.</a:t>
             </a:r>
           </a:p>
           <a:p>
@@ -9533,265 +10171,41 @@
             </a:endParaRPr>
           </a:p>
           <a:p>
-            <a:endParaRPr lang="en-GB" dirty="0">
-              <a:latin typeface="Bodoni MT" panose="02070603080606020203" pitchFamily="18" charset="0"/>
-            </a:endParaRPr>
-          </a:p>
-          <a:p>
-            <a:endParaRPr lang="en-GB" dirty="0">
-              <a:latin typeface="Bodoni MT" panose="02070603080606020203" pitchFamily="18" charset="0"/>
-            </a:endParaRPr>
-          </a:p>
-          <a:p>
-            <a:pPr marL="342900" indent="-342900">
-              <a:buAutoNum type="arabicPeriod" startAt="2"/>
+            <a:r>
+              <a:rPr lang="en-GB" b="1" dirty="0">
+                <a:latin typeface="Bodoni MT" panose="02070603080606020203" pitchFamily="18" charset="0"/>
+              </a:rPr>
+              <a:t>HOW DO WE TRANSLATE REAL LIFE PUZZLES TO NON-MOUSE DRIVEN INTERFACE?</a:t>
+            </a:r>
+          </a:p>
+          <a:p>
+            <a:pPr marL="400050" indent="-400050">
+              <a:buAutoNum type="romanLcPeriod"/>
             </a:pPr>
             <a:r>
               <a:rPr lang="en-GB" dirty="0">
                 <a:latin typeface="Bodoni MT" panose="02070603080606020203" pitchFamily="18" charset="0"/>
               </a:rPr>
-              <a:t>Puzzles Only</a:t>
-            </a:r>
-          </a:p>
-          <a:p>
-            <a:endParaRPr lang="en-GB" dirty="0">
-              <a:latin typeface="Bodoni MT" panose="02070603080606020203" pitchFamily="18" charset="0"/>
-            </a:endParaRPr>
-          </a:p>
-          <a:p>
-            <a:endParaRPr lang="en-GB" dirty="0">
-              <a:latin typeface="Bodoni MT" panose="02070603080606020203" pitchFamily="18" charset="0"/>
-            </a:endParaRPr>
-          </a:p>
-          <a:p>
-            <a:endParaRPr lang="en-GB" dirty="0">
-              <a:latin typeface="Bodoni MT" panose="02070603080606020203" pitchFamily="18" charset="0"/>
-            </a:endParaRPr>
-          </a:p>
-          <a:p>
-            <a:pPr marL="342900" indent="-342900">
-              <a:buAutoNum type="arabicPeriod" startAt="3"/>
+              <a:t>Create a player controlled focal point. (maze, tile).</a:t>
+            </a:r>
+          </a:p>
+          <a:p>
+            <a:pPr marL="400050" indent="-400050">
+              <a:buAutoNum type="romanLcPeriod"/>
             </a:pPr>
             <a:r>
               <a:rPr lang="en-GB" dirty="0">
                 <a:latin typeface="Bodoni MT" panose="02070603080606020203" pitchFamily="18" charset="0"/>
               </a:rPr>
-              <a:t>Full Game Run-through</a:t>
-            </a:r>
-          </a:p>
-          <a:p>
-            <a:pPr marL="342900" indent="-342900">
-              <a:buAutoNum type="arabicPeriod" startAt="3"/>
-            </a:pPr>
-            <a:endParaRPr lang="en-GB" dirty="0">
-              <a:latin typeface="Bodoni MT" panose="02070603080606020203" pitchFamily="18" charset="0"/>
-            </a:endParaRPr>
-          </a:p>
-          <a:p>
-            <a:pPr marL="342900" indent="-342900">
-              <a:buAutoNum type="arabicPeriod" startAt="3"/>
-            </a:pPr>
-            <a:endParaRPr lang="en-GB" dirty="0">
-              <a:latin typeface="Bodoni MT" panose="02070603080606020203" pitchFamily="18" charset="0"/>
-            </a:endParaRPr>
-          </a:p>
-          <a:p>
-            <a:pPr marL="342900" indent="-342900">
-              <a:buAutoNum type="arabicPeriod" startAt="3"/>
-            </a:pPr>
-            <a:endParaRPr lang="en-GB" dirty="0">
-              <a:latin typeface="Bodoni MT" panose="02070603080606020203" pitchFamily="18" charset="0"/>
-            </a:endParaRPr>
-          </a:p>
-        </p:txBody>
-      </p:sp>
-      <p:sp>
-        <p:nvSpPr>
-          <p:cNvPr id="11" name="TextBox 10">
-            <a:extLst>
-              <a:ext uri="{FF2B5EF4-FFF2-40B4-BE49-F238E27FC236}">
-                <a16:creationId xmlns:a16="http://schemas.microsoft.com/office/drawing/2014/main" id="{045FE3E0-C21F-4E84-A6C3-B78C5DA14375}"/>
-              </a:ext>
-            </a:extLst>
-          </p:cNvPr>
-          <p:cNvSpPr txBox="1"/>
-          <p:nvPr/>
-        </p:nvSpPr>
-        <p:spPr>
-          <a:xfrm>
-            <a:off x="1568741" y="2171964"/>
-            <a:ext cx="5349021" cy="646331"/>
-          </a:xfrm>
-          <a:prstGeom prst="rect">
-            <a:avLst/>
-          </a:prstGeom>
-          <a:noFill/>
-          <a:ln>
-            <a:solidFill>
-              <a:schemeClr val="tx1"/>
-            </a:solidFill>
-          </a:ln>
-        </p:spPr>
-        <p:txBody>
-          <a:bodyPr wrap="square" rtlCol="0">
-            <a:spAutoFit/>
-          </a:bodyPr>
-          <a:lstStyle/>
-          <a:p>
-            <a:r>
-              <a:rPr lang="en-GB" dirty="0">
-                <a:latin typeface="Bodoni MT" panose="02070603080606020203" pitchFamily="18" charset="0"/>
-              </a:rPr>
-              <a:t>To test the logical progression and difficulty scaling simply following the platforming sections of the game</a:t>
-            </a:r>
-          </a:p>
-        </p:txBody>
-      </p:sp>
-      <p:sp>
-        <p:nvSpPr>
-          <p:cNvPr id="12" name="TextBox 11">
-            <a:extLst>
-              <a:ext uri="{FF2B5EF4-FFF2-40B4-BE49-F238E27FC236}">
-                <a16:creationId xmlns:a16="http://schemas.microsoft.com/office/drawing/2014/main" id="{715C8695-F831-4AEA-8788-D3F362FE0855}"/>
-              </a:ext>
-            </a:extLst>
-          </p:cNvPr>
-          <p:cNvSpPr txBox="1"/>
-          <p:nvPr/>
-        </p:nvSpPr>
-        <p:spPr>
-          <a:xfrm>
-            <a:off x="1568740" y="3240286"/>
-            <a:ext cx="5349021" cy="646331"/>
-          </a:xfrm>
-          <a:prstGeom prst="rect">
-            <a:avLst/>
-          </a:prstGeom>
-          <a:noFill/>
-          <a:ln>
-            <a:solidFill>
-              <a:schemeClr val="tx1"/>
-            </a:solidFill>
-          </a:ln>
-        </p:spPr>
-        <p:txBody>
-          <a:bodyPr wrap="square" rtlCol="0">
-            <a:spAutoFit/>
-          </a:bodyPr>
-          <a:lstStyle/>
-          <a:p>
-            <a:r>
-              <a:rPr lang="en-GB" dirty="0">
-                <a:latin typeface="Bodoni MT" panose="02070603080606020203" pitchFamily="18" charset="0"/>
-              </a:rPr>
-              <a:t>To test the difficulty and sense of satisfaction or frustration from each puzzle.</a:t>
-            </a:r>
-          </a:p>
-        </p:txBody>
-      </p:sp>
-      <p:sp>
-        <p:nvSpPr>
-          <p:cNvPr id="13" name="TextBox 12">
-            <a:extLst>
-              <a:ext uri="{FF2B5EF4-FFF2-40B4-BE49-F238E27FC236}">
-                <a16:creationId xmlns:a16="http://schemas.microsoft.com/office/drawing/2014/main" id="{3D143883-7E11-42FA-820F-FD25A0706494}"/>
-              </a:ext>
-            </a:extLst>
-          </p:cNvPr>
-          <p:cNvSpPr txBox="1"/>
-          <p:nvPr/>
-        </p:nvSpPr>
-        <p:spPr>
-          <a:xfrm>
-            <a:off x="1568739" y="4408476"/>
-            <a:ext cx="5349021" cy="646331"/>
-          </a:xfrm>
-          <a:prstGeom prst="rect">
-            <a:avLst/>
-          </a:prstGeom>
-          <a:noFill/>
-          <a:ln>
-            <a:solidFill>
-              <a:schemeClr val="tx1"/>
-            </a:solidFill>
-          </a:ln>
-        </p:spPr>
-        <p:txBody>
-          <a:bodyPr wrap="square" rtlCol="0">
-            <a:spAutoFit/>
-          </a:bodyPr>
-          <a:lstStyle/>
-          <a:p>
-            <a:r>
-              <a:rPr lang="en-GB" dirty="0">
-                <a:latin typeface="Bodoni MT" panose="02070603080606020203" pitchFamily="18" charset="0"/>
-              </a:rPr>
-              <a:t>To test the logical progression, difficulty and enjoyment from playing the game from start to finish.</a:t>
-            </a:r>
-          </a:p>
-        </p:txBody>
-      </p:sp>
-      <p:sp>
-        <p:nvSpPr>
-          <p:cNvPr id="14" name="TextBox 13">
-            <a:extLst>
-              <a:ext uri="{FF2B5EF4-FFF2-40B4-BE49-F238E27FC236}">
-                <a16:creationId xmlns:a16="http://schemas.microsoft.com/office/drawing/2014/main" id="{441B9A9E-965F-4808-97BB-765FA754A34C}"/>
-              </a:ext>
-            </a:extLst>
-          </p:cNvPr>
-          <p:cNvSpPr txBox="1"/>
-          <p:nvPr/>
-        </p:nvSpPr>
-        <p:spPr>
-          <a:xfrm>
-            <a:off x="1166070" y="5262275"/>
-            <a:ext cx="5751692" cy="377721"/>
-          </a:xfrm>
-          <a:prstGeom prst="rect">
-            <a:avLst/>
-          </a:prstGeom>
-          <a:noFill/>
-          <a:ln>
-            <a:solidFill>
-              <a:schemeClr val="tx1"/>
-            </a:solidFill>
-          </a:ln>
-        </p:spPr>
-        <p:txBody>
-          <a:bodyPr wrap="square" rtlCol="0">
-            <a:spAutoFit/>
-          </a:bodyPr>
-          <a:lstStyle/>
-          <a:p>
-            <a:r>
-              <a:rPr lang="en-GB" b="1" dirty="0">
-                <a:latin typeface="Bodoni MT" panose="02070603080606020203" pitchFamily="18" charset="0"/>
-              </a:rPr>
-              <a:t>METHOD: </a:t>
-            </a:r>
-            <a:r>
-              <a:rPr lang="en-GB" dirty="0">
-                <a:latin typeface="Bodoni MT" panose="02070603080606020203" pitchFamily="18" charset="0"/>
-              </a:rPr>
-              <a:t>Speak-aloud demos with an observer. </a:t>
-            </a:r>
-            <a:r>
-              <a:rPr lang="en-GB" b="1" dirty="0">
-                <a:latin typeface="Bodoni MT" panose="02070603080606020203" pitchFamily="18" charset="0"/>
-              </a:rPr>
-              <a:t> </a:t>
-            </a:r>
-            <a:endParaRPr lang="en-GB" dirty="0">
-              <a:latin typeface="Bodoni MT" panose="02070603080606020203" pitchFamily="18" charset="0"/>
-            </a:endParaRPr>
+              <a:t>Limit scalability to bindable keys on the keyboard (traffic).</a:t>
+            </a:r>
           </a:p>
         </p:txBody>
       </p:sp>
     </p:spTree>
     <p:extLst>
       <p:ext uri="{BB962C8B-B14F-4D97-AF65-F5344CB8AC3E}">
-        <p14:creationId xmlns:p14="http://schemas.microsoft.com/office/powerpoint/2010/main" val="4096237443"/>
+        <p14:creationId xmlns:p14="http://schemas.microsoft.com/office/powerpoint/2010/main" xmlns="" val="3490831543"/>
       </p:ext>
     </p:extLst>
   </p:cSld>
@@ -9820,10 +10234,10 @@
       </p:grpSpPr>
       <p:pic>
         <p:nvPicPr>
-          <p:cNvPr id="10" name="Picture 9">
-            <a:extLst>
-              <a:ext uri="{FF2B5EF4-FFF2-40B4-BE49-F238E27FC236}">
-                <a16:creationId xmlns:a16="http://schemas.microsoft.com/office/drawing/2014/main" id="{6248F25B-52F9-4CF0-BF52-629A9FD032CE}"/>
+          <p:cNvPr id="7" name="Picture 6">
+            <a:extLst>
+              <a:ext uri="{FF2B5EF4-FFF2-40B4-BE49-F238E27FC236}">
+                <a16:creationId xmlns:a16="http://schemas.microsoft.com/office/drawing/2014/main" xmlns="" id="{B477D94D-934D-4616-A570-6D98195B104B}"/>
               </a:ext>
             </a:extLst>
           </p:cNvPr>
@@ -9834,13 +10248,13 @@
         </p:nvPicPr>
         <p:blipFill rotWithShape="1">
           <a:blip r:embed="rId2"/>
-          <a:srcRect r="52066"/>
+          <a:srcRect t="857"/>
           <a:stretch/>
         </p:blipFill>
         <p:spPr>
           <a:xfrm>
-            <a:off x="7808860" y="0"/>
-            <a:ext cx="4383140" cy="6858000"/>
+            <a:off x="3059891" y="1"/>
+            <a:ext cx="9132109" cy="6857999"/>
           </a:xfrm>
           <a:prstGeom prst="rect">
             <a:avLst/>
@@ -9849,10 +10263,10 @@
       </p:pic>
       <p:pic>
         <p:nvPicPr>
-          <p:cNvPr id="9" name="Picture 8">
-            <a:extLst>
-              <a:ext uri="{FF2B5EF4-FFF2-40B4-BE49-F238E27FC236}">
-                <a16:creationId xmlns:a16="http://schemas.microsoft.com/office/drawing/2014/main" id="{158091B3-A577-4C1D-8D3E-131CBA84C0EE}"/>
+          <p:cNvPr id="5" name="Picture 4">
+            <a:extLst>
+              <a:ext uri="{FF2B5EF4-FFF2-40B4-BE49-F238E27FC236}">
+                <a16:creationId xmlns:a16="http://schemas.microsoft.com/office/drawing/2014/main" xmlns="" id="{B41C1CB2-FA0D-4FE8-B995-E97A83ACB1AE}"/>
               </a:ext>
             </a:extLst>
           </p:cNvPr>
@@ -9861,16 +10275,15 @@
           </p:cNvPicPr>
           <p:nvPr/>
         </p:nvPicPr>
-        <p:blipFill>
+        <p:blipFill rotWithShape="1">
           <a:blip r:embed="rId2"/>
-          <a:stretch>
-            <a:fillRect/>
-          </a:stretch>
+          <a:srcRect t="857"/>
+          <a:stretch/>
         </p:blipFill>
         <p:spPr>
           <a:xfrm>
             <a:off x="0" y="0"/>
-            <a:ext cx="9144000" cy="6858000"/>
+            <a:ext cx="9132109" cy="6857999"/>
           </a:xfrm>
           <a:prstGeom prst="rect">
             <a:avLst/>
@@ -9882,7 +10295,7 @@
           <p:cNvPr id="2" name="Title 1">
             <a:extLst>
               <a:ext uri="{FF2B5EF4-FFF2-40B4-BE49-F238E27FC236}">
-                <a16:creationId xmlns:a16="http://schemas.microsoft.com/office/drawing/2014/main" id="{DFC049F8-2284-4161-BE3C-431BCD0EFAB7}"/>
+                <a16:creationId xmlns:a16="http://schemas.microsoft.com/office/drawing/2014/main" xmlns="" id="{DFC049F8-2284-4161-BE3C-431BCD0EFAB7}"/>
               </a:ext>
             </a:extLst>
           </p:cNvPr>
@@ -9918,7 +10331,7 @@
               <a:rPr lang="en-GB" dirty="0">
                 <a:latin typeface="Bodoni MT" panose="02070603080606020203" pitchFamily="18" charset="0"/>
               </a:rPr>
-              <a:t>User Testing Feedback (i)</a:t>
+              <a:t>User Testing Methodology</a:t>
             </a:r>
           </a:p>
         </p:txBody>
@@ -9928,7 +10341,7 @@
           <p:cNvPr id="3" name="Content Placeholder 2">
             <a:extLst>
               <a:ext uri="{FF2B5EF4-FFF2-40B4-BE49-F238E27FC236}">
-                <a16:creationId xmlns:a16="http://schemas.microsoft.com/office/drawing/2014/main" id="{F2E045F5-714F-4E07-87A1-F5696A62ED28}"/>
+                <a16:creationId xmlns:a16="http://schemas.microsoft.com/office/drawing/2014/main" xmlns="" id="{F2E045F5-714F-4E07-87A1-F5696A62ED28}"/>
               </a:ext>
             </a:extLst>
           </p:cNvPr>
@@ -9979,7 +10392,7 @@
           <p:cNvPr id="6" name="TextBox 5">
             <a:extLst>
               <a:ext uri="{FF2B5EF4-FFF2-40B4-BE49-F238E27FC236}">
-                <a16:creationId xmlns:a16="http://schemas.microsoft.com/office/drawing/2014/main" id="{2A7FCD91-3666-4A23-B530-B70A5977CFC4}"/>
+                <a16:creationId xmlns:a16="http://schemas.microsoft.com/office/drawing/2014/main" xmlns="" id="{2A7FCD91-3666-4A23-B530-B70A5977CFC4}"/>
               </a:ext>
             </a:extLst>
           </p:cNvPr>
@@ -10015,10 +10428,10 @@
       </p:sp>
       <p:pic>
         <p:nvPicPr>
-          <p:cNvPr id="8" name="Picture 7">
-            <a:extLst>
-              <a:ext uri="{FF2B5EF4-FFF2-40B4-BE49-F238E27FC236}">
-                <a16:creationId xmlns:a16="http://schemas.microsoft.com/office/drawing/2014/main" id="{A3117FBC-7DFD-4758-B4B9-29961EBB7136}"/>
+          <p:cNvPr id="4" name="Picture 3">
+            <a:extLst>
+              <a:ext uri="{FF2B5EF4-FFF2-40B4-BE49-F238E27FC236}">
+                <a16:creationId xmlns:a16="http://schemas.microsoft.com/office/drawing/2014/main" xmlns="" id="{7DBBE77A-8D3A-40D6-94A0-7EC9A7E761A3}"/>
               </a:ext>
             </a:extLst>
           </p:cNvPr>
@@ -10035,8 +10448,8 @@
         </p:blipFill>
         <p:spPr>
           <a:xfrm>
-            <a:off x="7105940" y="1632457"/>
-            <a:ext cx="3782621" cy="3770054"/>
+            <a:off x="7239682" y="1296302"/>
+            <a:ext cx="3784854" cy="3784854"/>
           </a:xfrm>
           <a:prstGeom prst="rect">
             <a:avLst/>
@@ -10050,10 +10463,65 @@
       </p:pic>
       <p:sp>
         <p:nvSpPr>
-          <p:cNvPr id="11" name="TextBox 10">
-            <a:extLst>
-              <a:ext uri="{FF2B5EF4-FFF2-40B4-BE49-F238E27FC236}">
-                <a16:creationId xmlns:a16="http://schemas.microsoft.com/office/drawing/2014/main" id="{0B108C47-D011-4547-9642-A8F7197FB2ED}"/>
+          <p:cNvPr id="8" name="Rectangle 7">
+            <a:extLst>
+              <a:ext uri="{FF2B5EF4-FFF2-40B4-BE49-F238E27FC236}">
+                <a16:creationId xmlns:a16="http://schemas.microsoft.com/office/drawing/2014/main" xmlns="" id="{BBD93274-AD19-4924-B84B-10DE820ED811}"/>
+              </a:ext>
+            </a:extLst>
+          </p:cNvPr>
+          <p:cNvSpPr/>
+          <p:nvPr/>
+        </p:nvSpPr>
+        <p:spPr>
+          <a:xfrm>
+            <a:off x="1166070" y="1191237"/>
+            <a:ext cx="5757643" cy="4071039"/>
+          </a:xfrm>
+          <a:prstGeom prst="rect">
+            <a:avLst/>
+          </a:prstGeom>
+          <a:noFill/>
+          <a:ln w="9525" cap="flat" cmpd="sng" algn="ctr">
+            <a:solidFill>
+              <a:schemeClr val="dk1"/>
+            </a:solidFill>
+            <a:prstDash val="solid"/>
+            <a:round/>
+            <a:headEnd type="none" w="med" len="med"/>
+            <a:tailEnd type="none" w="med" len="med"/>
+          </a:ln>
+        </p:spPr>
+        <p:style>
+          <a:lnRef idx="0">
+            <a:scrgbClr r="0" g="0" b="0"/>
+          </a:lnRef>
+          <a:fillRef idx="0">
+            <a:scrgbClr r="0" g="0" b="0"/>
+          </a:fillRef>
+          <a:effectRef idx="0">
+            <a:scrgbClr r="0" g="0" b="0"/>
+          </a:effectRef>
+          <a:fontRef idx="minor">
+            <a:schemeClr val="dk1"/>
+          </a:fontRef>
+        </p:style>
+        <p:txBody>
+          <a:bodyPr rtlCol="0" anchor="ctr"/>
+          <a:lstStyle/>
+          <a:p>
+            <a:endParaRPr lang="en-GB" dirty="0">
+              <a:latin typeface="Bodoni MT" panose="02070603080606020203" pitchFamily="18" charset="0"/>
+            </a:endParaRPr>
+          </a:p>
+        </p:txBody>
+      </p:sp>
+      <p:sp>
+        <p:nvSpPr>
+          <p:cNvPr id="9" name="TextBox 8">
+            <a:extLst>
+              <a:ext uri="{FF2B5EF4-FFF2-40B4-BE49-F238E27FC236}">
+                <a16:creationId xmlns:a16="http://schemas.microsoft.com/office/drawing/2014/main" xmlns="" id="{614F1665-FB4D-4576-912A-8CB0AE08F8B2}"/>
               </a:ext>
             </a:extLst>
           </p:cNvPr>
@@ -10062,8 +10530,8 @@
         </p:nvSpPr>
         <p:spPr>
           <a:xfrm>
-            <a:off x="1229920" y="1296303"/>
-            <a:ext cx="5349021" cy="2031325"/>
+            <a:off x="1166070" y="1191236"/>
+            <a:ext cx="5751692" cy="377721"/>
           </a:xfrm>
           <a:prstGeom prst="rect">
             <a:avLst/>
@@ -10085,62 +10553,35 @@
               <a:rPr lang="en-GB" b="1" dirty="0">
                 <a:latin typeface="Bodoni MT" panose="02070603080606020203" pitchFamily="18" charset="0"/>
               </a:rPr>
-              <a:t>TEST 1: PLATFORMS:</a:t>
-            </a:r>
-          </a:p>
-          <a:p>
-            <a:r>
-              <a:rPr lang="en-GB" i="1" dirty="0">
-                <a:latin typeface="Bodoni MT" panose="02070603080606020203" pitchFamily="18" charset="0"/>
-              </a:rPr>
-              <a:t>Our intention</a:t>
+              <a:t>TESTERS: </a:t>
             </a:r>
             <a:r>
               <a:rPr lang="en-GB" dirty="0">
                 <a:latin typeface="Bodoni MT" panose="02070603080606020203" pitchFamily="18" charset="0"/>
               </a:rPr>
-              <a:t>: For difficulty to scale linearly upwards for each sequential level.</a:t>
-            </a:r>
-          </a:p>
-          <a:p>
-            <a:r>
-              <a:rPr lang="en-GB" i="1" dirty="0">
-                <a:latin typeface="Bodoni MT" panose="02070603080606020203" pitchFamily="18" charset="0"/>
-              </a:rPr>
-              <a:t>Our findings</a:t>
+              <a:t>2</a:t>
+            </a:r>
+            <a:r>
+              <a:rPr lang="en-GB" baseline="30000" dirty="0">
+                <a:latin typeface="Bodoni MT" panose="02070603080606020203" pitchFamily="18" charset="0"/>
+              </a:rPr>
+              <a:t>nd</a:t>
             </a:r>
             <a:r>
               <a:rPr lang="en-GB" dirty="0">
                 <a:latin typeface="Bodoni MT" panose="02070603080606020203" pitchFamily="18" charset="0"/>
               </a:rPr>
-              <a:t>: Participants found level 1 more difficult than level 2.</a:t>
-            </a:r>
-            <a:endParaRPr lang="en-GB" i="1" dirty="0">
-              <a:latin typeface="Bodoni MT" panose="02070603080606020203" pitchFamily="18" charset="0"/>
-            </a:endParaRPr>
-          </a:p>
-          <a:p>
-            <a:r>
-              <a:rPr lang="en-GB" i="1" dirty="0">
-                <a:latin typeface="Bodoni MT" panose="02070603080606020203" pitchFamily="18" charset="0"/>
-              </a:rPr>
-              <a:t>Action Taken</a:t>
-            </a:r>
-            <a:r>
-              <a:rPr lang="en-GB" dirty="0">
-                <a:latin typeface="Bodoni MT" panose="02070603080606020203" pitchFamily="18" charset="0"/>
-              </a:rPr>
-              <a:t>: Increased the number of fall locations and obstacles in level 2.</a:t>
-            </a:r>
-          </a:p>
-        </p:txBody>
-      </p:sp>
-      <p:sp>
-        <p:nvSpPr>
-          <p:cNvPr id="12" name="TextBox 11">
-            <a:extLst>
-              <a:ext uri="{FF2B5EF4-FFF2-40B4-BE49-F238E27FC236}">
-                <a16:creationId xmlns:a16="http://schemas.microsoft.com/office/drawing/2014/main" id="{B703FA5C-A8C2-4740-B5EE-2A5922A54DF9}"/>
+              <a:t> Year SCC Students.</a:t>
+            </a:r>
+          </a:p>
+        </p:txBody>
+      </p:sp>
+      <p:sp>
+        <p:nvSpPr>
+          <p:cNvPr id="10" name="TextBox 9">
+            <a:extLst>
+              <a:ext uri="{FF2B5EF4-FFF2-40B4-BE49-F238E27FC236}">
+                <a16:creationId xmlns:a16="http://schemas.microsoft.com/office/drawing/2014/main" xmlns="" id="{B73BD718-AF4E-48A2-A46D-2EFB4DF802D3}"/>
               </a:ext>
             </a:extLst>
           </p:cNvPr>
@@ -10149,8 +10590,8 @@
         </p:nvSpPr>
         <p:spPr>
           <a:xfrm>
-            <a:off x="1229919" y="3327628"/>
-            <a:ext cx="5349021" cy="2308324"/>
+            <a:off x="1166070" y="1568957"/>
+            <a:ext cx="5751692" cy="3693319"/>
           </a:xfrm>
           <a:prstGeom prst="rect">
             <a:avLst/>
@@ -10172,60 +10613,282 @@
               <a:rPr lang="en-GB" b="1" dirty="0">
                 <a:latin typeface="Bodoni MT" panose="02070603080606020203" pitchFamily="18" charset="0"/>
               </a:rPr>
-              <a:t>TEST 2: PUZZLES:</a:t>
-            </a:r>
-          </a:p>
-          <a:p>
-            <a:r>
-              <a:rPr lang="en-GB" i="1" dirty="0">
-                <a:latin typeface="Bodoni MT" panose="02070603080606020203" pitchFamily="18" charset="0"/>
-              </a:rPr>
-              <a:t>Our intention</a:t>
-            </a:r>
+              <a:t>TESTS CONDUCTED: </a:t>
+            </a:r>
+          </a:p>
+          <a:p>
             <a:r>
               <a:rPr lang="en-GB" dirty="0">
                 <a:latin typeface="Bodoni MT" panose="02070603080606020203" pitchFamily="18" charset="0"/>
               </a:rPr>
-              <a:t>: For each puzzle to be unique and challenging in its own way, but not to cause frustration.</a:t>
-            </a:r>
-          </a:p>
-          <a:p>
-            <a:r>
-              <a:rPr lang="en-GB" i="1" dirty="0">
-                <a:latin typeface="Bodoni MT" panose="02070603080606020203" pitchFamily="18" charset="0"/>
-              </a:rPr>
-              <a:t>Our findings</a:t>
-            </a:r>
-            <a:r>
-              <a:rPr lang="en-GB" dirty="0">
-                <a:latin typeface="Bodoni MT" panose="02070603080606020203" pitchFamily="18" charset="0"/>
-              </a:rPr>
-              <a:t>: Participants found the tile puzzle to be too complex, taking upwards of 10 minutes to solve.</a:t>
-            </a:r>
-            <a:endParaRPr lang="en-GB" i="1" dirty="0">
+              <a:t>1.   Platforms Only</a:t>
+            </a:r>
+          </a:p>
+          <a:p>
+            <a:endParaRPr lang="en-GB" dirty="0">
               <a:latin typeface="Bodoni MT" panose="02070603080606020203" pitchFamily="18" charset="0"/>
             </a:endParaRPr>
           </a:p>
           <a:p>
-            <a:r>
-              <a:rPr lang="en-GB" i="1" dirty="0">
-                <a:latin typeface="Bodoni MT" panose="02070603080606020203" pitchFamily="18" charset="0"/>
-              </a:rPr>
-              <a:t>Action Taken</a:t>
-            </a:r>
+            <a:endParaRPr lang="en-GB" dirty="0">
+              <a:latin typeface="Bodoni MT" panose="02070603080606020203" pitchFamily="18" charset="0"/>
+            </a:endParaRPr>
+          </a:p>
+          <a:p>
+            <a:endParaRPr lang="en-GB" dirty="0">
+              <a:latin typeface="Bodoni MT" panose="02070603080606020203" pitchFamily="18" charset="0"/>
+            </a:endParaRPr>
+          </a:p>
+          <a:p>
+            <a:pPr marL="342900" indent="-342900">
+              <a:buAutoNum type="arabicPeriod" startAt="2"/>
+            </a:pPr>
             <a:r>
               <a:rPr lang="en-GB" dirty="0">
                 <a:latin typeface="Bodoni MT" panose="02070603080606020203" pitchFamily="18" charset="0"/>
               </a:rPr>
-              <a:t>: Reduced the tile size of the tile puzzle from 4x4 to 3x3.</a:t>
-            </a:r>
+              <a:t>Puzzles Only</a:t>
+            </a:r>
+          </a:p>
+          <a:p>
+            <a:endParaRPr lang="en-GB" dirty="0">
+              <a:latin typeface="Bodoni MT" panose="02070603080606020203" pitchFamily="18" charset="0"/>
+            </a:endParaRPr>
+          </a:p>
+          <a:p>
+            <a:endParaRPr lang="en-GB" dirty="0">
+              <a:latin typeface="Bodoni MT" panose="02070603080606020203" pitchFamily="18" charset="0"/>
+            </a:endParaRPr>
+          </a:p>
+          <a:p>
+            <a:endParaRPr lang="en-GB" dirty="0">
+              <a:latin typeface="Bodoni MT" panose="02070603080606020203" pitchFamily="18" charset="0"/>
+            </a:endParaRPr>
+          </a:p>
+          <a:p>
+            <a:pPr marL="342900" indent="-342900">
+              <a:buAutoNum type="arabicPeriod" startAt="3"/>
+            </a:pPr>
+            <a:r>
+              <a:rPr lang="en-GB" dirty="0">
+                <a:latin typeface="Bodoni MT" panose="02070603080606020203" pitchFamily="18" charset="0"/>
+              </a:rPr>
+              <a:t>Full Game Run-through</a:t>
+            </a:r>
+          </a:p>
+          <a:p>
+            <a:pPr marL="342900" indent="-342900">
+              <a:buAutoNum type="arabicPeriod" startAt="3"/>
+            </a:pPr>
+            <a:endParaRPr lang="en-GB" dirty="0">
+              <a:latin typeface="Bodoni MT" panose="02070603080606020203" pitchFamily="18" charset="0"/>
+            </a:endParaRPr>
+          </a:p>
+          <a:p>
+            <a:pPr marL="342900" indent="-342900">
+              <a:buAutoNum type="arabicPeriod" startAt="3"/>
+            </a:pPr>
+            <a:endParaRPr lang="en-GB" dirty="0">
+              <a:latin typeface="Bodoni MT" panose="02070603080606020203" pitchFamily="18" charset="0"/>
+            </a:endParaRPr>
+          </a:p>
+          <a:p>
+            <a:pPr marL="342900" indent="-342900">
+              <a:buAutoNum type="arabicPeriod" startAt="3"/>
+            </a:pPr>
+            <a:endParaRPr lang="en-GB" dirty="0">
+              <a:latin typeface="Bodoni MT" panose="02070603080606020203" pitchFamily="18" charset="0"/>
+            </a:endParaRPr>
+          </a:p>
+        </p:txBody>
+      </p:sp>
+      <p:sp>
+        <p:nvSpPr>
+          <p:cNvPr id="11" name="TextBox 10">
+            <a:extLst>
+              <a:ext uri="{FF2B5EF4-FFF2-40B4-BE49-F238E27FC236}">
+                <a16:creationId xmlns:a16="http://schemas.microsoft.com/office/drawing/2014/main" xmlns="" id="{045FE3E0-C21F-4E84-A6C3-B78C5DA14375}"/>
+              </a:ext>
+            </a:extLst>
+          </p:cNvPr>
+          <p:cNvSpPr txBox="1"/>
+          <p:nvPr/>
+        </p:nvSpPr>
+        <p:spPr>
+          <a:xfrm>
+            <a:off x="1568741" y="2171964"/>
+            <a:ext cx="5349021" cy="646331"/>
+          </a:xfrm>
+          <a:prstGeom prst="rect">
+            <a:avLst/>
+          </a:prstGeom>
+          <a:noFill/>
+          <a:ln>
+            <a:solidFill>
+              <a:schemeClr val="tx1"/>
+            </a:solidFill>
+          </a:ln>
+        </p:spPr>
+        <p:txBody>
+          <a:bodyPr wrap="square" rtlCol="0">
+            <a:spAutoFit/>
+          </a:bodyPr>
+          <a:lstStyle/>
+          <a:p>
+            <a:r>
+              <a:rPr lang="en-GB" dirty="0">
+                <a:latin typeface="Bodoni MT" panose="02070603080606020203" pitchFamily="18" charset="0"/>
+              </a:rPr>
+              <a:t>To test the logical progression and difficulty scaling simply following the platforming sections of the game</a:t>
+            </a:r>
+          </a:p>
+        </p:txBody>
+      </p:sp>
+      <p:sp>
+        <p:nvSpPr>
+          <p:cNvPr id="12" name="TextBox 11">
+            <a:extLst>
+              <a:ext uri="{FF2B5EF4-FFF2-40B4-BE49-F238E27FC236}">
+                <a16:creationId xmlns:a16="http://schemas.microsoft.com/office/drawing/2014/main" xmlns="" id="{715C8695-F831-4AEA-8788-D3F362FE0855}"/>
+              </a:ext>
+            </a:extLst>
+          </p:cNvPr>
+          <p:cNvSpPr txBox="1"/>
+          <p:nvPr/>
+        </p:nvSpPr>
+        <p:spPr>
+          <a:xfrm>
+            <a:off x="1568740" y="3240286"/>
+            <a:ext cx="5349021" cy="646331"/>
+          </a:xfrm>
+          <a:prstGeom prst="rect">
+            <a:avLst/>
+          </a:prstGeom>
+          <a:noFill/>
+          <a:ln>
+            <a:solidFill>
+              <a:schemeClr val="tx1"/>
+            </a:solidFill>
+          </a:ln>
+        </p:spPr>
+        <p:txBody>
+          <a:bodyPr wrap="square" rtlCol="0">
+            <a:spAutoFit/>
+          </a:bodyPr>
+          <a:lstStyle/>
+          <a:p>
+            <a:r>
+              <a:rPr lang="en-GB" dirty="0">
+                <a:latin typeface="Bodoni MT" panose="02070603080606020203" pitchFamily="18" charset="0"/>
+              </a:rPr>
+              <a:t>To test the difficulty and sense of satisfaction or frustration from each puzzle.</a:t>
+            </a:r>
+          </a:p>
+        </p:txBody>
+      </p:sp>
+      <p:sp>
+        <p:nvSpPr>
+          <p:cNvPr id="13" name="TextBox 12">
+            <a:extLst>
+              <a:ext uri="{FF2B5EF4-FFF2-40B4-BE49-F238E27FC236}">
+                <a16:creationId xmlns:a16="http://schemas.microsoft.com/office/drawing/2014/main" xmlns="" id="{3D143883-7E11-42FA-820F-FD25A0706494}"/>
+              </a:ext>
+            </a:extLst>
+          </p:cNvPr>
+          <p:cNvSpPr txBox="1"/>
+          <p:nvPr/>
+        </p:nvSpPr>
+        <p:spPr>
+          <a:xfrm>
+            <a:off x="1568739" y="4408476"/>
+            <a:ext cx="5349021" cy="646331"/>
+          </a:xfrm>
+          <a:prstGeom prst="rect">
+            <a:avLst/>
+          </a:prstGeom>
+          <a:noFill/>
+          <a:ln>
+            <a:solidFill>
+              <a:schemeClr val="tx1"/>
+            </a:solidFill>
+          </a:ln>
+        </p:spPr>
+        <p:txBody>
+          <a:bodyPr wrap="square" rtlCol="0">
+            <a:spAutoFit/>
+          </a:bodyPr>
+          <a:lstStyle/>
+          <a:p>
+            <a:r>
+              <a:rPr lang="en-GB" dirty="0">
+                <a:latin typeface="Bodoni MT" panose="02070603080606020203" pitchFamily="18" charset="0"/>
+              </a:rPr>
+              <a:t>To test the logical progression, difficulty and enjoyment from playing the game from start to finish.</a:t>
+            </a:r>
+          </a:p>
+        </p:txBody>
+      </p:sp>
+      <p:sp>
+        <p:nvSpPr>
+          <p:cNvPr id="14" name="TextBox 13">
+            <a:extLst>
+              <a:ext uri="{FF2B5EF4-FFF2-40B4-BE49-F238E27FC236}">
+                <a16:creationId xmlns:a16="http://schemas.microsoft.com/office/drawing/2014/main" xmlns="" id="{441B9A9E-965F-4808-97BB-765FA754A34C}"/>
+              </a:ext>
+            </a:extLst>
+          </p:cNvPr>
+          <p:cNvSpPr txBox="1"/>
+          <p:nvPr/>
+        </p:nvSpPr>
+        <p:spPr>
+          <a:xfrm>
+            <a:off x="1166070" y="5262275"/>
+            <a:ext cx="5751692" cy="377721"/>
+          </a:xfrm>
+          <a:prstGeom prst="rect">
+            <a:avLst/>
+          </a:prstGeom>
+          <a:noFill/>
+          <a:ln>
+            <a:solidFill>
+              <a:schemeClr val="tx1"/>
+            </a:solidFill>
+          </a:ln>
+        </p:spPr>
+        <p:txBody>
+          <a:bodyPr wrap="square" rtlCol="0">
+            <a:spAutoFit/>
+          </a:bodyPr>
+          <a:lstStyle/>
+          <a:p>
+            <a:r>
+              <a:rPr lang="en-GB" b="1" dirty="0">
+                <a:latin typeface="Bodoni MT" panose="02070603080606020203" pitchFamily="18" charset="0"/>
+              </a:rPr>
+              <a:t>METHOD: </a:t>
+            </a:r>
+            <a:r>
+              <a:rPr lang="en-GB" dirty="0">
+                <a:latin typeface="Bodoni MT" panose="02070603080606020203" pitchFamily="18" charset="0"/>
+              </a:rPr>
+              <a:t>Speak-aloud demos with an observer. </a:t>
+            </a:r>
+            <a:r>
+              <a:rPr lang="en-GB" b="1" dirty="0">
+                <a:latin typeface="Bodoni MT" panose="02070603080606020203" pitchFamily="18" charset="0"/>
+              </a:rPr>
+              <a:t> </a:t>
+            </a:r>
+            <a:endParaRPr lang="en-GB" dirty="0">
+              <a:latin typeface="Bodoni MT" panose="02070603080606020203" pitchFamily="18" charset="0"/>
+            </a:endParaRPr>
           </a:p>
         </p:txBody>
       </p:sp>
     </p:spTree>
     <p:extLst>
       <p:ext uri="{BB962C8B-B14F-4D97-AF65-F5344CB8AC3E}">
-        <p14:creationId xmlns:p14="http://schemas.microsoft.com/office/powerpoint/2010/main" val="3187953464"/>
+        <p14:creationId xmlns:p14="http://schemas.microsoft.com/office/powerpoint/2010/main" xmlns="" val="4096237443"/>
       </p:ext>
     </p:extLst>
   </p:cSld>
@@ -10278,7 +10941,7 @@
     </a:clrScheme>
     <a:fontScheme name="Office">
       <a:majorFont>
-        <a:latin typeface="Calibri Light" panose="020F0302020204030204"/>
+        <a:latin typeface="Calibri Light"/>
         <a:ea typeface=""/>
         <a:cs typeface=""/>
         <a:font script="Jpan" typeface="游ゴシック Light"/>
@@ -10330,7 +10993,7 @@
         <a:font script="Tfng" typeface="Ebrima"/>
       </a:majorFont>
       <a:minorFont>
-        <a:latin typeface="Calibri" panose="020F0502020204030204"/>
+        <a:latin typeface="Calibri"/>
         <a:ea typeface=""/>
         <a:cs typeface=""/>
         <a:font script="Jpan" typeface="游ゴシック"/>
@@ -10524,7 +11187,7 @@
   <a:extraClrSchemeLst/>
   <a:extLst>
     <a:ext uri="{05A4C25C-085E-4340-85A3-A5531E510DB2}">
-      <thm15:themeFamily xmlns:thm15="http://schemas.microsoft.com/office/thememl/2012/main" name="Office Theme" id="{62F939B6-93AF-4DB8-9C6B-D6C7DFDC589F}" vid="{4A3C46E8-61CC-4603-A589-7422A47A8E4A}"/>
+      <thm15:themeFamily xmlns:thm15="http://schemas.microsoft.com/office/thememl/2012/main" xmlns="" name="Office Theme" id="{62F939B6-93AF-4DB8-9C6B-D6C7DFDC589F}" vid="{4A3C46E8-61CC-4603-A589-7422A47A8E4A}"/>
     </a:ext>
   </a:extLst>
 </a:theme>

--- a/D2.pptx
+++ b/D2.pptx
@@ -4,10 +4,13 @@
   <p:sldMasterIdLst>
     <p:sldMasterId id="2147483648" r:id="rId1"/>
   </p:sldMasterIdLst>
+  <p:notesMasterIdLst>
+    <p:notesMasterId r:id="rId14"/>
+  </p:notesMasterIdLst>
   <p:sldIdLst>
     <p:sldId id="256" r:id="rId2"/>
-    <p:sldId id="257" r:id="rId3"/>
-    <p:sldId id="265" r:id="rId4"/>
+    <p:sldId id="265" r:id="rId3"/>
+    <p:sldId id="257" r:id="rId4"/>
     <p:sldId id="259" r:id="rId5"/>
     <p:sldId id="258" r:id="rId6"/>
     <p:sldId id="268" r:id="rId7"/>
@@ -117,10 +120,759 @@
   </p:defaultTextStyle>
   <p:extLst>
     <p:ext uri="{EFAFB233-063F-42B5-8137-9DF3F51BA10A}">
-      <p15:sldGuideLst xmlns:p15="http://schemas.microsoft.com/office/powerpoint/2012/main" xmlns=""/>
+      <p15:sldGuideLst xmlns:p15="http://schemas.microsoft.com/office/powerpoint/2012/main">
+        <p15:guide id="1" orient="horz" pos="2160">
+          <p15:clr>
+            <a:srgbClr val="A4A3A4"/>
+          </p15:clr>
+        </p15:guide>
+        <p15:guide id="2" pos="3840">
+          <p15:clr>
+            <a:srgbClr val="A4A3A4"/>
+          </p15:clr>
+        </p15:guide>
+      </p15:sldGuideLst>
     </p:ext>
   </p:extLst>
 </p:presentation>
+</file>
+
+<file path=ppt/notesMasters/notesMaster1.xml><?xml version="1.0" encoding="utf-8"?>
+<p:notesMaster xmlns:a="http://schemas.openxmlformats.org/drawingml/2006/main" xmlns:r="http://schemas.openxmlformats.org/officeDocument/2006/relationships" xmlns:p="http://schemas.openxmlformats.org/presentationml/2006/main">
+  <p:cSld>
+    <p:bg>
+      <p:bgRef idx="1001">
+        <a:schemeClr val="bg1"/>
+      </p:bgRef>
+    </p:bg>
+    <p:spTree>
+      <p:nvGrpSpPr>
+        <p:cNvPr id="1" name=""/>
+        <p:cNvGrpSpPr/>
+        <p:nvPr/>
+      </p:nvGrpSpPr>
+      <p:grpSpPr>
+        <a:xfrm>
+          <a:off x="0" y="0"/>
+          <a:ext cx="0" cy="0"/>
+          <a:chOff x="0" y="0"/>
+          <a:chExt cx="0" cy="0"/>
+        </a:xfrm>
+      </p:grpSpPr>
+      <p:sp>
+        <p:nvSpPr>
+          <p:cNvPr id="2" name="Header Placeholder 1"/>
+          <p:cNvSpPr>
+            <a:spLocks noGrp="1"/>
+          </p:cNvSpPr>
+          <p:nvPr>
+            <p:ph type="hdr" sz="quarter"/>
+          </p:nvPr>
+        </p:nvSpPr>
+        <p:spPr>
+          <a:xfrm>
+            <a:off x="0" y="0"/>
+            <a:ext cx="2971800" cy="458788"/>
+          </a:xfrm>
+          <a:prstGeom prst="rect">
+            <a:avLst/>
+          </a:prstGeom>
+        </p:spPr>
+        <p:txBody>
+          <a:bodyPr vert="horz" lIns="91440" tIns="45720" rIns="91440" bIns="45720" rtlCol="0"/>
+          <a:lstStyle>
+            <a:lvl1pPr algn="l">
+              <a:defRPr sz="1200"/>
+            </a:lvl1pPr>
+          </a:lstStyle>
+          <a:p>
+            <a:endParaRPr lang="en-GB"/>
+          </a:p>
+        </p:txBody>
+      </p:sp>
+      <p:sp>
+        <p:nvSpPr>
+          <p:cNvPr id="3" name="Date Placeholder 2"/>
+          <p:cNvSpPr>
+            <a:spLocks noGrp="1"/>
+          </p:cNvSpPr>
+          <p:nvPr>
+            <p:ph type="dt" idx="1"/>
+          </p:nvPr>
+        </p:nvSpPr>
+        <p:spPr>
+          <a:xfrm>
+            <a:off x="3884613" y="0"/>
+            <a:ext cx="2971800" cy="458788"/>
+          </a:xfrm>
+          <a:prstGeom prst="rect">
+            <a:avLst/>
+          </a:prstGeom>
+        </p:spPr>
+        <p:txBody>
+          <a:bodyPr vert="horz" lIns="91440" tIns="45720" rIns="91440" bIns="45720" rtlCol="0"/>
+          <a:lstStyle>
+            <a:lvl1pPr algn="r">
+              <a:defRPr sz="1200"/>
+            </a:lvl1pPr>
+          </a:lstStyle>
+          <a:p>
+            <a:fld id="{72120EEF-C798-4279-B1C0-A28BE5B39C66}" type="datetimeFigureOut">
+              <a:rPr lang="en-GB" smtClean="0"/>
+              <a:t>20/02/2018</a:t>
+            </a:fld>
+            <a:endParaRPr lang="en-GB"/>
+          </a:p>
+        </p:txBody>
+      </p:sp>
+      <p:sp>
+        <p:nvSpPr>
+          <p:cNvPr id="4" name="Slide Image Placeholder 3"/>
+          <p:cNvSpPr>
+            <a:spLocks noGrp="1" noRot="1" noChangeAspect="1"/>
+          </p:cNvSpPr>
+          <p:nvPr>
+            <p:ph type="sldImg" idx="2"/>
+          </p:nvPr>
+        </p:nvSpPr>
+        <p:spPr>
+          <a:xfrm>
+            <a:off x="685800" y="1143000"/>
+            <a:ext cx="5486400" cy="3086100"/>
+          </a:xfrm>
+          <a:prstGeom prst="rect">
+            <a:avLst/>
+          </a:prstGeom>
+          <a:noFill/>
+          <a:ln w="12700">
+            <a:solidFill>
+              <a:prstClr val="black"/>
+            </a:solidFill>
+          </a:ln>
+        </p:spPr>
+        <p:txBody>
+          <a:bodyPr vert="horz" lIns="91440" tIns="45720" rIns="91440" bIns="45720" rtlCol="0" anchor="ctr"/>
+          <a:lstStyle/>
+          <a:p>
+            <a:endParaRPr lang="en-GB"/>
+          </a:p>
+        </p:txBody>
+      </p:sp>
+      <p:sp>
+        <p:nvSpPr>
+          <p:cNvPr id="5" name="Notes Placeholder 4"/>
+          <p:cNvSpPr>
+            <a:spLocks noGrp="1"/>
+          </p:cNvSpPr>
+          <p:nvPr>
+            <p:ph type="body" sz="quarter" idx="3"/>
+          </p:nvPr>
+        </p:nvSpPr>
+        <p:spPr>
+          <a:xfrm>
+            <a:off x="685800" y="4400550"/>
+            <a:ext cx="5486400" cy="3600450"/>
+          </a:xfrm>
+          <a:prstGeom prst="rect">
+            <a:avLst/>
+          </a:prstGeom>
+        </p:spPr>
+        <p:txBody>
+          <a:bodyPr vert="horz" lIns="91440" tIns="45720" rIns="91440" bIns="45720" rtlCol="0"/>
+          <a:lstStyle/>
+          <a:p>
+            <a:pPr lvl="0"/>
+            <a:r>
+              <a:rPr lang="en-US" smtClean="0"/>
+              <a:t>Edit Master text styles</a:t>
+            </a:r>
+          </a:p>
+          <a:p>
+            <a:pPr lvl="1"/>
+            <a:r>
+              <a:rPr lang="en-US" smtClean="0"/>
+              <a:t>Second level</a:t>
+            </a:r>
+          </a:p>
+          <a:p>
+            <a:pPr lvl="2"/>
+            <a:r>
+              <a:rPr lang="en-US" smtClean="0"/>
+              <a:t>Third level</a:t>
+            </a:r>
+          </a:p>
+          <a:p>
+            <a:pPr lvl="3"/>
+            <a:r>
+              <a:rPr lang="en-US" smtClean="0"/>
+              <a:t>Fourth level</a:t>
+            </a:r>
+          </a:p>
+          <a:p>
+            <a:pPr lvl="4"/>
+            <a:r>
+              <a:rPr lang="en-US" smtClean="0"/>
+              <a:t>Fifth level</a:t>
+            </a:r>
+            <a:endParaRPr lang="en-GB"/>
+          </a:p>
+        </p:txBody>
+      </p:sp>
+      <p:sp>
+        <p:nvSpPr>
+          <p:cNvPr id="6" name="Footer Placeholder 5"/>
+          <p:cNvSpPr>
+            <a:spLocks noGrp="1"/>
+          </p:cNvSpPr>
+          <p:nvPr>
+            <p:ph type="ftr" sz="quarter" idx="4"/>
+          </p:nvPr>
+        </p:nvSpPr>
+        <p:spPr>
+          <a:xfrm>
+            <a:off x="0" y="8685213"/>
+            <a:ext cx="2971800" cy="458787"/>
+          </a:xfrm>
+          <a:prstGeom prst="rect">
+            <a:avLst/>
+          </a:prstGeom>
+        </p:spPr>
+        <p:txBody>
+          <a:bodyPr vert="horz" lIns="91440" tIns="45720" rIns="91440" bIns="45720" rtlCol="0" anchor="b"/>
+          <a:lstStyle>
+            <a:lvl1pPr algn="l">
+              <a:defRPr sz="1200"/>
+            </a:lvl1pPr>
+          </a:lstStyle>
+          <a:p>
+            <a:endParaRPr lang="en-GB"/>
+          </a:p>
+        </p:txBody>
+      </p:sp>
+      <p:sp>
+        <p:nvSpPr>
+          <p:cNvPr id="7" name="Slide Number Placeholder 6"/>
+          <p:cNvSpPr>
+            <a:spLocks noGrp="1"/>
+          </p:cNvSpPr>
+          <p:nvPr>
+            <p:ph type="sldNum" sz="quarter" idx="5"/>
+          </p:nvPr>
+        </p:nvSpPr>
+        <p:spPr>
+          <a:xfrm>
+            <a:off x="3884613" y="8685213"/>
+            <a:ext cx="2971800" cy="458787"/>
+          </a:xfrm>
+          <a:prstGeom prst="rect">
+            <a:avLst/>
+          </a:prstGeom>
+        </p:spPr>
+        <p:txBody>
+          <a:bodyPr vert="horz" lIns="91440" tIns="45720" rIns="91440" bIns="45720" rtlCol="0" anchor="b"/>
+          <a:lstStyle>
+            <a:lvl1pPr algn="r">
+              <a:defRPr sz="1200"/>
+            </a:lvl1pPr>
+          </a:lstStyle>
+          <a:p>
+            <a:fld id="{B4FD0D0C-5710-4AE3-80D3-D826DB3CA674}" type="slidenum">
+              <a:rPr lang="en-GB" smtClean="0"/>
+              <a:t>‹#›</a:t>
+            </a:fld>
+            <a:endParaRPr lang="en-GB"/>
+          </a:p>
+        </p:txBody>
+      </p:sp>
+    </p:spTree>
+    <p:extLst>
+      <p:ext uri="{BB962C8B-B14F-4D97-AF65-F5344CB8AC3E}">
+        <p14:creationId xmlns:p14="http://schemas.microsoft.com/office/powerpoint/2010/main" val="3478088536"/>
+      </p:ext>
+    </p:extLst>
+  </p:cSld>
+  <p:clrMap bg1="lt1" tx1="dk1" bg2="lt2" tx2="dk2" accent1="accent1" accent2="accent2" accent3="accent3" accent4="accent4" accent5="accent5" accent6="accent6" hlink="hlink" folHlink="folHlink"/>
+  <p:notesStyle>
+    <a:lvl1pPr marL="0" algn="l" defTabSz="914400" rtl="0" eaLnBrk="1" latinLnBrk="0" hangingPunct="1">
+      <a:defRPr sz="1200" kern="1200">
+        <a:solidFill>
+          <a:schemeClr val="tx1"/>
+        </a:solidFill>
+        <a:latin typeface="+mn-lt"/>
+        <a:ea typeface="+mn-ea"/>
+        <a:cs typeface="+mn-cs"/>
+      </a:defRPr>
+    </a:lvl1pPr>
+    <a:lvl2pPr marL="457200" algn="l" defTabSz="914400" rtl="0" eaLnBrk="1" latinLnBrk="0" hangingPunct="1">
+      <a:defRPr sz="1200" kern="1200">
+        <a:solidFill>
+          <a:schemeClr val="tx1"/>
+        </a:solidFill>
+        <a:latin typeface="+mn-lt"/>
+        <a:ea typeface="+mn-ea"/>
+        <a:cs typeface="+mn-cs"/>
+      </a:defRPr>
+    </a:lvl2pPr>
+    <a:lvl3pPr marL="914400" algn="l" defTabSz="914400" rtl="0" eaLnBrk="1" latinLnBrk="0" hangingPunct="1">
+      <a:defRPr sz="1200" kern="1200">
+        <a:solidFill>
+          <a:schemeClr val="tx1"/>
+        </a:solidFill>
+        <a:latin typeface="+mn-lt"/>
+        <a:ea typeface="+mn-ea"/>
+        <a:cs typeface="+mn-cs"/>
+      </a:defRPr>
+    </a:lvl3pPr>
+    <a:lvl4pPr marL="1371600" algn="l" defTabSz="914400" rtl="0" eaLnBrk="1" latinLnBrk="0" hangingPunct="1">
+      <a:defRPr sz="1200" kern="1200">
+        <a:solidFill>
+          <a:schemeClr val="tx1"/>
+        </a:solidFill>
+        <a:latin typeface="+mn-lt"/>
+        <a:ea typeface="+mn-ea"/>
+        <a:cs typeface="+mn-cs"/>
+      </a:defRPr>
+    </a:lvl4pPr>
+    <a:lvl5pPr marL="1828800" algn="l" defTabSz="914400" rtl="0" eaLnBrk="1" latinLnBrk="0" hangingPunct="1">
+      <a:defRPr sz="1200" kern="1200">
+        <a:solidFill>
+          <a:schemeClr val="tx1"/>
+        </a:solidFill>
+        <a:latin typeface="+mn-lt"/>
+        <a:ea typeface="+mn-ea"/>
+        <a:cs typeface="+mn-cs"/>
+      </a:defRPr>
+    </a:lvl5pPr>
+    <a:lvl6pPr marL="2286000" algn="l" defTabSz="914400" rtl="0" eaLnBrk="1" latinLnBrk="0" hangingPunct="1">
+      <a:defRPr sz="1200" kern="1200">
+        <a:solidFill>
+          <a:schemeClr val="tx1"/>
+        </a:solidFill>
+        <a:latin typeface="+mn-lt"/>
+        <a:ea typeface="+mn-ea"/>
+        <a:cs typeface="+mn-cs"/>
+      </a:defRPr>
+    </a:lvl6pPr>
+    <a:lvl7pPr marL="2743200" algn="l" defTabSz="914400" rtl="0" eaLnBrk="1" latinLnBrk="0" hangingPunct="1">
+      <a:defRPr sz="1200" kern="1200">
+        <a:solidFill>
+          <a:schemeClr val="tx1"/>
+        </a:solidFill>
+        <a:latin typeface="+mn-lt"/>
+        <a:ea typeface="+mn-ea"/>
+        <a:cs typeface="+mn-cs"/>
+      </a:defRPr>
+    </a:lvl7pPr>
+    <a:lvl8pPr marL="3200400" algn="l" defTabSz="914400" rtl="0" eaLnBrk="1" latinLnBrk="0" hangingPunct="1">
+      <a:defRPr sz="1200" kern="1200">
+        <a:solidFill>
+          <a:schemeClr val="tx1"/>
+        </a:solidFill>
+        <a:latin typeface="+mn-lt"/>
+        <a:ea typeface="+mn-ea"/>
+        <a:cs typeface="+mn-cs"/>
+      </a:defRPr>
+    </a:lvl8pPr>
+    <a:lvl9pPr marL="3657600" algn="l" defTabSz="914400" rtl="0" eaLnBrk="1" latinLnBrk="0" hangingPunct="1">
+      <a:defRPr sz="1200" kern="1200">
+        <a:solidFill>
+          <a:schemeClr val="tx1"/>
+        </a:solidFill>
+        <a:latin typeface="+mn-lt"/>
+        <a:ea typeface="+mn-ea"/>
+        <a:cs typeface="+mn-cs"/>
+      </a:defRPr>
+    </a:lvl9pPr>
+  </p:notesStyle>
+</p:notesMaster>
+</file>
+
+<file path=ppt/notesSlides/notesSlide1.xml><?xml version="1.0" encoding="utf-8"?>
+<p:notes xmlns:a="http://schemas.openxmlformats.org/drawingml/2006/main" xmlns:r="http://schemas.openxmlformats.org/officeDocument/2006/relationships" xmlns:p="http://schemas.openxmlformats.org/presentationml/2006/main">
+  <p:cSld>
+    <p:spTree>
+      <p:nvGrpSpPr>
+        <p:cNvPr id="1" name=""/>
+        <p:cNvGrpSpPr/>
+        <p:nvPr/>
+      </p:nvGrpSpPr>
+      <p:grpSpPr>
+        <a:xfrm>
+          <a:off x="0" y="0"/>
+          <a:ext cx="0" cy="0"/>
+          <a:chOff x="0" y="0"/>
+          <a:chExt cx="0" cy="0"/>
+        </a:xfrm>
+      </p:grpSpPr>
+      <p:sp>
+        <p:nvSpPr>
+          <p:cNvPr id="2" name="Slide Image Placeholder 1"/>
+          <p:cNvSpPr>
+            <a:spLocks noGrp="1" noRot="1" noChangeAspect="1"/>
+          </p:cNvSpPr>
+          <p:nvPr>
+            <p:ph type="sldImg"/>
+          </p:nvPr>
+        </p:nvSpPr>
+        <p:spPr/>
+      </p:sp>
+      <p:sp>
+        <p:nvSpPr>
+          <p:cNvPr id="3" name="Notes Placeholder 2"/>
+          <p:cNvSpPr>
+            <a:spLocks noGrp="1"/>
+          </p:cNvSpPr>
+          <p:nvPr>
+            <p:ph type="body" idx="1"/>
+          </p:nvPr>
+        </p:nvSpPr>
+        <p:spPr/>
+        <p:txBody>
+          <a:bodyPr/>
+          <a:lstStyle/>
+          <a:p>
+            <a:r>
+              <a:rPr lang="en-GB" dirty="0" smtClean="0"/>
+              <a:t>These are some games we researched before deciding what to do.</a:t>
+            </a:r>
+            <a:r>
+              <a:rPr lang="en-GB" baseline="0" dirty="0" smtClean="0"/>
+              <a:t> </a:t>
+            </a:r>
+            <a:r>
+              <a:rPr lang="en-GB" dirty="0" smtClean="0"/>
+              <a:t> </a:t>
+            </a:r>
+          </a:p>
+          <a:p>
+            <a:r>
+              <a:rPr lang="en-GB" dirty="0" smtClean="0"/>
+              <a:t>We agreed</a:t>
+            </a:r>
+            <a:r>
+              <a:rPr lang="en-GB" baseline="0" dirty="0" smtClean="0"/>
+              <a:t> we would like to do a platform game, with a puzzle at the end of each platform level. </a:t>
+            </a:r>
+          </a:p>
+          <a:p>
+            <a:r>
+              <a:rPr lang="en-GB" baseline="0" dirty="0" smtClean="0"/>
+              <a:t>We decided that we wanted a game for all the family to play. </a:t>
+            </a:r>
+          </a:p>
+          <a:p>
+            <a:r>
+              <a:rPr lang="en-GB" baseline="0" dirty="0" smtClean="0"/>
+              <a:t>We decided we wanted a non-combative game with puzzle and challenges to overcome, and items to collect. </a:t>
+            </a:r>
+            <a:endParaRPr lang="en-GB" dirty="0"/>
+          </a:p>
+        </p:txBody>
+      </p:sp>
+      <p:sp>
+        <p:nvSpPr>
+          <p:cNvPr id="4" name="Slide Number Placeholder 3"/>
+          <p:cNvSpPr>
+            <a:spLocks noGrp="1"/>
+          </p:cNvSpPr>
+          <p:nvPr>
+            <p:ph type="sldNum" sz="quarter" idx="10"/>
+          </p:nvPr>
+        </p:nvSpPr>
+        <p:spPr/>
+        <p:txBody>
+          <a:bodyPr/>
+          <a:lstStyle/>
+          <a:p>
+            <a:fld id="{B4FD0D0C-5710-4AE3-80D3-D826DB3CA674}" type="slidenum">
+              <a:rPr lang="en-GB" smtClean="0"/>
+              <a:t>2</a:t>
+            </a:fld>
+            <a:endParaRPr lang="en-GB"/>
+          </a:p>
+        </p:txBody>
+      </p:sp>
+    </p:spTree>
+    <p:extLst>
+      <p:ext uri="{BB962C8B-B14F-4D97-AF65-F5344CB8AC3E}">
+        <p14:creationId xmlns:p14="http://schemas.microsoft.com/office/powerpoint/2010/main" val="108767136"/>
+      </p:ext>
+    </p:extLst>
+  </p:cSld>
+  <p:clrMapOvr>
+    <a:masterClrMapping/>
+  </p:clrMapOvr>
+</p:notes>
+</file>
+
+<file path=ppt/notesSlides/notesSlide2.xml><?xml version="1.0" encoding="utf-8"?>
+<p:notes xmlns:a="http://schemas.openxmlformats.org/drawingml/2006/main" xmlns:r="http://schemas.openxmlformats.org/officeDocument/2006/relationships" xmlns:p="http://schemas.openxmlformats.org/presentationml/2006/main">
+  <p:cSld>
+    <p:spTree>
+      <p:nvGrpSpPr>
+        <p:cNvPr id="1" name=""/>
+        <p:cNvGrpSpPr/>
+        <p:nvPr/>
+      </p:nvGrpSpPr>
+      <p:grpSpPr>
+        <a:xfrm>
+          <a:off x="0" y="0"/>
+          <a:ext cx="0" cy="0"/>
+          <a:chOff x="0" y="0"/>
+          <a:chExt cx="0" cy="0"/>
+        </a:xfrm>
+      </p:grpSpPr>
+      <p:sp>
+        <p:nvSpPr>
+          <p:cNvPr id="2" name="Slide Image Placeholder 1"/>
+          <p:cNvSpPr>
+            <a:spLocks noGrp="1" noRot="1" noChangeAspect="1"/>
+          </p:cNvSpPr>
+          <p:nvPr>
+            <p:ph type="sldImg"/>
+          </p:nvPr>
+        </p:nvSpPr>
+        <p:spPr/>
+      </p:sp>
+      <p:sp>
+        <p:nvSpPr>
+          <p:cNvPr id="3" name="Notes Placeholder 2"/>
+          <p:cNvSpPr>
+            <a:spLocks noGrp="1"/>
+          </p:cNvSpPr>
+          <p:nvPr>
+            <p:ph type="body" idx="1"/>
+          </p:nvPr>
+        </p:nvSpPr>
+        <p:spPr/>
+        <p:txBody>
+          <a:bodyPr/>
+          <a:lstStyle/>
+          <a:p>
+            <a:r>
+              <a:rPr lang="en-GB" dirty="0" smtClean="0"/>
+              <a:t>We</a:t>
+            </a:r>
+            <a:r>
+              <a:rPr lang="en-GB" baseline="0" dirty="0" smtClean="0"/>
+              <a:t> agreed that the game should have a Christmas theme, and that each level would gradually populate the Christmas Room, building up from a bare room to a room with all the trimmings for Christmas.</a:t>
+            </a:r>
+          </a:p>
+          <a:p>
+            <a:r>
+              <a:rPr lang="en-GB" baseline="0" dirty="0" smtClean="0"/>
+              <a:t>There is a simple player sprite moving through the platforms.  There are no weapons or enemies, but there are hazards to avoid and items to collect.  Each level has one special item, the key, that must be collected to allow the player to exit at the end of the platform.</a:t>
+            </a:r>
+            <a:endParaRPr lang="en-GB" dirty="0"/>
+          </a:p>
+        </p:txBody>
+      </p:sp>
+      <p:sp>
+        <p:nvSpPr>
+          <p:cNvPr id="4" name="Slide Number Placeholder 3"/>
+          <p:cNvSpPr>
+            <a:spLocks noGrp="1"/>
+          </p:cNvSpPr>
+          <p:nvPr>
+            <p:ph type="sldNum" sz="quarter" idx="10"/>
+          </p:nvPr>
+        </p:nvSpPr>
+        <p:spPr/>
+        <p:txBody>
+          <a:bodyPr/>
+          <a:lstStyle/>
+          <a:p>
+            <a:fld id="{B4FD0D0C-5710-4AE3-80D3-D826DB3CA674}" type="slidenum">
+              <a:rPr lang="en-GB" smtClean="0"/>
+              <a:t>3</a:t>
+            </a:fld>
+            <a:endParaRPr lang="en-GB"/>
+          </a:p>
+        </p:txBody>
+      </p:sp>
+    </p:spTree>
+    <p:extLst>
+      <p:ext uri="{BB962C8B-B14F-4D97-AF65-F5344CB8AC3E}">
+        <p14:creationId xmlns:p14="http://schemas.microsoft.com/office/powerpoint/2010/main" val="3079722329"/>
+      </p:ext>
+    </p:extLst>
+  </p:cSld>
+  <p:clrMapOvr>
+    <a:masterClrMapping/>
+  </p:clrMapOvr>
+</p:notes>
+</file>
+
+<file path=ppt/notesSlides/notesSlide3.xml><?xml version="1.0" encoding="utf-8"?>
+<p:notes xmlns:a="http://schemas.openxmlformats.org/drawingml/2006/main" xmlns:r="http://schemas.openxmlformats.org/officeDocument/2006/relationships" xmlns:p="http://schemas.openxmlformats.org/presentationml/2006/main">
+  <p:cSld>
+    <p:spTree>
+      <p:nvGrpSpPr>
+        <p:cNvPr id="1" name=""/>
+        <p:cNvGrpSpPr/>
+        <p:nvPr/>
+      </p:nvGrpSpPr>
+      <p:grpSpPr>
+        <a:xfrm>
+          <a:off x="0" y="0"/>
+          <a:ext cx="0" cy="0"/>
+          <a:chOff x="0" y="0"/>
+          <a:chExt cx="0" cy="0"/>
+        </a:xfrm>
+      </p:grpSpPr>
+      <p:sp>
+        <p:nvSpPr>
+          <p:cNvPr id="2" name="Slide Image Placeholder 1"/>
+          <p:cNvSpPr>
+            <a:spLocks noGrp="1" noRot="1" noChangeAspect="1"/>
+          </p:cNvSpPr>
+          <p:nvPr>
+            <p:ph type="sldImg"/>
+          </p:nvPr>
+        </p:nvSpPr>
+        <p:spPr/>
+      </p:sp>
+      <p:sp>
+        <p:nvSpPr>
+          <p:cNvPr id="3" name="Notes Placeholder 2"/>
+          <p:cNvSpPr>
+            <a:spLocks noGrp="1"/>
+          </p:cNvSpPr>
+          <p:nvPr>
+            <p:ph type="body" idx="1"/>
+          </p:nvPr>
+        </p:nvSpPr>
+        <p:spPr/>
+        <p:txBody>
+          <a:bodyPr/>
+          <a:lstStyle/>
+          <a:p>
+            <a:r>
+              <a:rPr lang="en-GB" dirty="0" smtClean="0"/>
+              <a:t>There</a:t>
+            </a:r>
+            <a:r>
+              <a:rPr lang="en-GB" baseline="0" dirty="0" smtClean="0"/>
+              <a:t> are 4 levels, gradually increasing in difficulty.  The level or puzzle to be played is selected from the game menu.  You can only select a platform/level when you’ve completed the previous platform; you always start at the first platform.</a:t>
+            </a:r>
+          </a:p>
+          <a:p>
+            <a:r>
+              <a:rPr lang="en-GB" baseline="0" dirty="0" smtClean="0"/>
+              <a:t>The Christmas Room needs to be populated with 4 types of item: a tree, decorations, food, and presents.  Each level of the game achieves one type aspect.  The platform and puzzle are paired, and relate to the aspect being achieved.</a:t>
+            </a:r>
+          </a:p>
+          <a:p>
+            <a:endParaRPr lang="en-GB" baseline="0" dirty="0" smtClean="0"/>
+          </a:p>
+          <a:p>
+            <a:r>
+              <a:rPr lang="en-GB" baseline="0" dirty="0" smtClean="0"/>
+              <a:t>Level 1 is in the forest.  The player must cross the lake collecting baubles and the level key, without falling in the water.  The puzzle is a maze, and the player must get to the end to find the Christmas tree.</a:t>
+            </a:r>
+          </a:p>
+          <a:p>
+            <a:endParaRPr lang="en-GB" baseline="0" dirty="0" smtClean="0"/>
+          </a:p>
+          <a:p>
+            <a:r>
+              <a:rPr lang="en-GB" baseline="0" dirty="0" smtClean="0"/>
+              <a:t>Movement in the platform is via WASD or arrow keys.  Moving upwards is done as a jump, and can only be done when the player is standing on something.  The player is affected by gravity. </a:t>
+            </a:r>
+          </a:p>
+          <a:p>
+            <a:endParaRPr lang="en-GB" baseline="0" dirty="0" smtClean="0"/>
+          </a:p>
+          <a:p>
+            <a:r>
+              <a:rPr lang="en-GB" baseline="0" dirty="0" smtClean="0"/>
+              <a:t>Level 2 is in the attic.  The player must search the attic collecting decorations.  This level introduces hazards – there are a few smoke outlets in the attic which must be avoided, and the player needs to avoid falling through the gaps in the ceiling.  The player needs to do more manoeuvring to successfully cross the attic.  There are “tunnels” where the player cannot jump upwards through the ceiling, as well as platforms that can be jumped up/down onto.</a:t>
+            </a:r>
+          </a:p>
+          <a:p>
+            <a:endParaRPr lang="en-GB" baseline="0" dirty="0" smtClean="0"/>
+          </a:p>
+          <a:p>
+            <a:r>
+              <a:rPr lang="en-GB" baseline="0" dirty="0" smtClean="0"/>
+              <a:t>The player has three lives at the start of each level.  Hitting a hazard, or falling off the bottom of the screen, loses a life and resets the character back to the start of that platform (although they retain any items collected so far).</a:t>
+            </a:r>
+          </a:p>
+          <a:p>
+            <a:r>
+              <a:rPr lang="en-GB" baseline="0" dirty="0" smtClean="0"/>
+              <a:t>If they lose all three lives, the platform game exits and they have to start that level again from the beginning. </a:t>
+            </a:r>
+          </a:p>
+          <a:p>
+            <a:r>
+              <a:rPr lang="en-GB" baseline="0" dirty="0" smtClean="0"/>
+              <a:t>When a platform game is successfully completed, all the items collected in that platform are displayed in the Christmas Room above the main menu.</a:t>
+            </a:r>
+          </a:p>
+          <a:p>
+            <a:endParaRPr lang="en-GB" baseline="0" dirty="0" smtClean="0"/>
+          </a:p>
+          <a:p>
+            <a:r>
+              <a:rPr lang="en-GB" baseline="0" dirty="0" smtClean="0"/>
+              <a:t>Level 3 is in the kitchen.  There are a lot more hazards here – fires and knives to be avoided.  These are awkwardly placed, so that care must be taken in navigating the kitchen. </a:t>
+            </a:r>
+          </a:p>
+          <a:p>
+            <a:endParaRPr lang="en-GB" baseline="0" dirty="0" smtClean="0"/>
+          </a:p>
+          <a:p>
+            <a:r>
+              <a:rPr lang="en-GB" baseline="0" dirty="0" smtClean="0"/>
+              <a:t>Level 4 is the Santa’s sleigh navigating the roofs.  Unlike the other platforms, the sleigh moves left/right automatically, and gradually drifts downwards.  The arrow keys can be used to change direction or boost movement.</a:t>
+            </a:r>
+          </a:p>
+          <a:p>
+            <a:r>
+              <a:rPr lang="en-GB" baseline="0" dirty="0" smtClean="0"/>
+              <a:t>In this level the sleigh must avoid the hazardous smoke coming from the chimneys.  There are a lot of chimneys, making navigation surprisingly awkward because of the size and style of movement of the sleigh.  </a:t>
+            </a:r>
+          </a:p>
+          <a:p>
+            <a:endParaRPr lang="en-GB" dirty="0"/>
+          </a:p>
+        </p:txBody>
+      </p:sp>
+      <p:sp>
+        <p:nvSpPr>
+          <p:cNvPr id="4" name="Slide Number Placeholder 3"/>
+          <p:cNvSpPr>
+            <a:spLocks noGrp="1"/>
+          </p:cNvSpPr>
+          <p:nvPr>
+            <p:ph type="sldNum" sz="quarter" idx="10"/>
+          </p:nvPr>
+        </p:nvSpPr>
+        <p:spPr/>
+        <p:txBody>
+          <a:bodyPr/>
+          <a:lstStyle/>
+          <a:p>
+            <a:fld id="{B4FD0D0C-5710-4AE3-80D3-D826DB3CA674}" type="slidenum">
+              <a:rPr lang="en-GB" smtClean="0"/>
+              <a:t>4</a:t>
+            </a:fld>
+            <a:endParaRPr lang="en-GB"/>
+          </a:p>
+        </p:txBody>
+      </p:sp>
+    </p:spTree>
+    <p:extLst>
+      <p:ext uri="{BB962C8B-B14F-4D97-AF65-F5344CB8AC3E}">
+        <p14:creationId xmlns:p14="http://schemas.microsoft.com/office/powerpoint/2010/main" val="1280038544"/>
+      </p:ext>
+    </p:extLst>
+  </p:cSld>
+  <p:clrMapOvr>
+    <a:masterClrMapping/>
+  </p:clrMapOvr>
+</p:notes>
 </file>
 
 <file path=ppt/slideLayouts/slideLayout1.xml><?xml version="1.0" encoding="utf-8"?>
@@ -145,7 +897,7 @@
           <p:cNvPr id="2" name="Title 1">
             <a:extLst>
               <a:ext uri="{FF2B5EF4-FFF2-40B4-BE49-F238E27FC236}">
-                <a16:creationId xmlns:a16="http://schemas.microsoft.com/office/drawing/2014/main" xmlns="" id="{DF83C6BF-9C25-47A7-9E90-203791DC8017}"/>
+                <a16:creationId xmlns:a16="http://schemas.microsoft.com/office/drawing/2014/main" id="{DF83C6BF-9C25-47A7-9E90-203791DC8017}"/>
               </a:ext>
             </a:extLst>
           </p:cNvPr>
@@ -183,7 +935,7 @@
           <p:cNvPr id="3" name="Subtitle 2">
             <a:extLst>
               <a:ext uri="{FF2B5EF4-FFF2-40B4-BE49-F238E27FC236}">
-                <a16:creationId xmlns:a16="http://schemas.microsoft.com/office/drawing/2014/main" xmlns="" id="{F43AB25B-D89F-430B-83D3-AFE59D87A0C9}"/>
+                <a16:creationId xmlns:a16="http://schemas.microsoft.com/office/drawing/2014/main" id="{F43AB25B-D89F-430B-83D3-AFE59D87A0C9}"/>
               </a:ext>
             </a:extLst>
           </p:cNvPr>
@@ -254,7 +1006,7 @@
           <p:cNvPr id="4" name="Date Placeholder 3">
             <a:extLst>
               <a:ext uri="{FF2B5EF4-FFF2-40B4-BE49-F238E27FC236}">
-                <a16:creationId xmlns:a16="http://schemas.microsoft.com/office/drawing/2014/main" xmlns="" id="{FC28D84A-1E26-4ADB-9293-C973C9FDD312}"/>
+                <a16:creationId xmlns:a16="http://schemas.microsoft.com/office/drawing/2014/main" id="{FC28D84A-1E26-4ADB-9293-C973C9FDD312}"/>
               </a:ext>
             </a:extLst>
           </p:cNvPr>
@@ -273,7 +1025,7 @@
             <a:fld id="{24C3A72B-EA9F-49ED-9480-D5BBE463D3C6}" type="datetimeFigureOut">
               <a:rPr lang="en-GB" smtClean="0"/>
               <a:pPr/>
-              <a:t>18/02/2018</a:t>
+              <a:t>20/02/2018</a:t>
             </a:fld>
             <a:endParaRPr lang="en-GB"/>
           </a:p>
@@ -284,7 +1036,7 @@
           <p:cNvPr id="5" name="Footer Placeholder 4">
             <a:extLst>
               <a:ext uri="{FF2B5EF4-FFF2-40B4-BE49-F238E27FC236}">
-                <a16:creationId xmlns:a16="http://schemas.microsoft.com/office/drawing/2014/main" xmlns="" id="{BD1E3808-CC4A-410D-B94B-201CBF8416A2}"/>
+                <a16:creationId xmlns:a16="http://schemas.microsoft.com/office/drawing/2014/main" id="{BD1E3808-CC4A-410D-B94B-201CBF8416A2}"/>
               </a:ext>
             </a:extLst>
           </p:cNvPr>
@@ -309,7 +1061,7 @@
           <p:cNvPr id="6" name="Slide Number Placeholder 5">
             <a:extLst>
               <a:ext uri="{FF2B5EF4-FFF2-40B4-BE49-F238E27FC236}">
-                <a16:creationId xmlns:a16="http://schemas.microsoft.com/office/drawing/2014/main" xmlns="" id="{C929150F-8AB1-49F3-8CBA-F3D34AD36D29}"/>
+                <a16:creationId xmlns:a16="http://schemas.microsoft.com/office/drawing/2014/main" id="{C929150F-8AB1-49F3-8CBA-F3D34AD36D29}"/>
               </a:ext>
             </a:extLst>
           </p:cNvPr>
@@ -337,7 +1089,7 @@
     </p:spTree>
     <p:extLst>
       <p:ext uri="{BB962C8B-B14F-4D97-AF65-F5344CB8AC3E}">
-        <p14:creationId xmlns:p14="http://schemas.microsoft.com/office/powerpoint/2010/main" xmlns="" val="3770199555"/>
+        <p14:creationId xmlns:p14="http://schemas.microsoft.com/office/powerpoint/2010/main" val="3770199555"/>
       </p:ext>
     </p:extLst>
   </p:cSld>
@@ -369,7 +1121,7 @@
           <p:cNvPr id="2" name="Title 1">
             <a:extLst>
               <a:ext uri="{FF2B5EF4-FFF2-40B4-BE49-F238E27FC236}">
-                <a16:creationId xmlns:a16="http://schemas.microsoft.com/office/drawing/2014/main" xmlns="" id="{E7320A48-0F56-4BFE-B5E3-C4B1A8363197}"/>
+                <a16:creationId xmlns:a16="http://schemas.microsoft.com/office/drawing/2014/main" id="{E7320A48-0F56-4BFE-B5E3-C4B1A8363197}"/>
               </a:ext>
             </a:extLst>
           </p:cNvPr>
@@ -398,7 +1150,7 @@
           <p:cNvPr id="3" name="Vertical Text Placeholder 2">
             <a:extLst>
               <a:ext uri="{FF2B5EF4-FFF2-40B4-BE49-F238E27FC236}">
-                <a16:creationId xmlns:a16="http://schemas.microsoft.com/office/drawing/2014/main" xmlns="" id="{92301219-EFB4-4606-92FB-C77A02640AFC}"/>
+                <a16:creationId xmlns:a16="http://schemas.microsoft.com/office/drawing/2014/main" id="{92301219-EFB4-4606-92FB-C77A02640AFC}"/>
               </a:ext>
             </a:extLst>
           </p:cNvPr>
@@ -456,7 +1208,7 @@
           <p:cNvPr id="4" name="Date Placeholder 3">
             <a:extLst>
               <a:ext uri="{FF2B5EF4-FFF2-40B4-BE49-F238E27FC236}">
-                <a16:creationId xmlns:a16="http://schemas.microsoft.com/office/drawing/2014/main" xmlns="" id="{B176B311-50DE-481D-AA1B-0D148FBEB50F}"/>
+                <a16:creationId xmlns:a16="http://schemas.microsoft.com/office/drawing/2014/main" id="{B176B311-50DE-481D-AA1B-0D148FBEB50F}"/>
               </a:ext>
             </a:extLst>
           </p:cNvPr>
@@ -475,7 +1227,7 @@
             <a:fld id="{24C3A72B-EA9F-49ED-9480-D5BBE463D3C6}" type="datetimeFigureOut">
               <a:rPr lang="en-GB" smtClean="0"/>
               <a:pPr/>
-              <a:t>18/02/2018</a:t>
+              <a:t>20/02/2018</a:t>
             </a:fld>
             <a:endParaRPr lang="en-GB"/>
           </a:p>
@@ -486,7 +1238,7 @@
           <p:cNvPr id="5" name="Footer Placeholder 4">
             <a:extLst>
               <a:ext uri="{FF2B5EF4-FFF2-40B4-BE49-F238E27FC236}">
-                <a16:creationId xmlns:a16="http://schemas.microsoft.com/office/drawing/2014/main" xmlns="" id="{6702C4FC-01C0-4882-AB0A-3FC6EEA94812}"/>
+                <a16:creationId xmlns:a16="http://schemas.microsoft.com/office/drawing/2014/main" id="{6702C4FC-01C0-4882-AB0A-3FC6EEA94812}"/>
               </a:ext>
             </a:extLst>
           </p:cNvPr>
@@ -511,7 +1263,7 @@
           <p:cNvPr id="6" name="Slide Number Placeholder 5">
             <a:extLst>
               <a:ext uri="{FF2B5EF4-FFF2-40B4-BE49-F238E27FC236}">
-                <a16:creationId xmlns:a16="http://schemas.microsoft.com/office/drawing/2014/main" xmlns="" id="{441B0672-CB38-4C7F-8FE8-5B7BCF1A143B}"/>
+                <a16:creationId xmlns:a16="http://schemas.microsoft.com/office/drawing/2014/main" id="{441B0672-CB38-4C7F-8FE8-5B7BCF1A143B}"/>
               </a:ext>
             </a:extLst>
           </p:cNvPr>
@@ -539,7 +1291,7 @@
     </p:spTree>
     <p:extLst>
       <p:ext uri="{BB962C8B-B14F-4D97-AF65-F5344CB8AC3E}">
-        <p14:creationId xmlns:p14="http://schemas.microsoft.com/office/powerpoint/2010/main" xmlns="" val="113615128"/>
+        <p14:creationId xmlns:p14="http://schemas.microsoft.com/office/powerpoint/2010/main" val="113615128"/>
       </p:ext>
     </p:extLst>
   </p:cSld>
@@ -571,7 +1323,7 @@
           <p:cNvPr id="2" name="Vertical Title 1">
             <a:extLst>
               <a:ext uri="{FF2B5EF4-FFF2-40B4-BE49-F238E27FC236}">
-                <a16:creationId xmlns:a16="http://schemas.microsoft.com/office/drawing/2014/main" xmlns="" id="{9B3A92BF-0813-4A3B-818D-C11C33E4DEE9}"/>
+                <a16:creationId xmlns:a16="http://schemas.microsoft.com/office/drawing/2014/main" id="{9B3A92BF-0813-4A3B-818D-C11C33E4DEE9}"/>
               </a:ext>
             </a:extLst>
           </p:cNvPr>
@@ -605,7 +1357,7 @@
           <p:cNvPr id="3" name="Vertical Text Placeholder 2">
             <a:extLst>
               <a:ext uri="{FF2B5EF4-FFF2-40B4-BE49-F238E27FC236}">
-                <a16:creationId xmlns:a16="http://schemas.microsoft.com/office/drawing/2014/main" xmlns="" id="{A7B1995E-87E9-464D-BFDD-FFDDCDF93F7E}"/>
+                <a16:creationId xmlns:a16="http://schemas.microsoft.com/office/drawing/2014/main" id="{A7B1995E-87E9-464D-BFDD-FFDDCDF93F7E}"/>
               </a:ext>
             </a:extLst>
           </p:cNvPr>
@@ -668,7 +1420,7 @@
           <p:cNvPr id="4" name="Date Placeholder 3">
             <a:extLst>
               <a:ext uri="{FF2B5EF4-FFF2-40B4-BE49-F238E27FC236}">
-                <a16:creationId xmlns:a16="http://schemas.microsoft.com/office/drawing/2014/main" xmlns="" id="{6CA12D7A-59F4-418F-ADB1-D361AEF263CB}"/>
+                <a16:creationId xmlns:a16="http://schemas.microsoft.com/office/drawing/2014/main" id="{6CA12D7A-59F4-418F-ADB1-D361AEF263CB}"/>
               </a:ext>
             </a:extLst>
           </p:cNvPr>
@@ -687,7 +1439,7 @@
             <a:fld id="{24C3A72B-EA9F-49ED-9480-D5BBE463D3C6}" type="datetimeFigureOut">
               <a:rPr lang="en-GB" smtClean="0"/>
               <a:pPr/>
-              <a:t>18/02/2018</a:t>
+              <a:t>20/02/2018</a:t>
             </a:fld>
             <a:endParaRPr lang="en-GB"/>
           </a:p>
@@ -698,7 +1450,7 @@
           <p:cNvPr id="5" name="Footer Placeholder 4">
             <a:extLst>
               <a:ext uri="{FF2B5EF4-FFF2-40B4-BE49-F238E27FC236}">
-                <a16:creationId xmlns:a16="http://schemas.microsoft.com/office/drawing/2014/main" xmlns="" id="{467DB65F-E560-4A0C-8A4A-8E7A6A91C860}"/>
+                <a16:creationId xmlns:a16="http://schemas.microsoft.com/office/drawing/2014/main" id="{467DB65F-E560-4A0C-8A4A-8E7A6A91C860}"/>
               </a:ext>
             </a:extLst>
           </p:cNvPr>
@@ -723,7 +1475,7 @@
           <p:cNvPr id="6" name="Slide Number Placeholder 5">
             <a:extLst>
               <a:ext uri="{FF2B5EF4-FFF2-40B4-BE49-F238E27FC236}">
-                <a16:creationId xmlns:a16="http://schemas.microsoft.com/office/drawing/2014/main" xmlns="" id="{E8E88C02-5AF6-43A6-9D49-032C7A2D2D72}"/>
+                <a16:creationId xmlns:a16="http://schemas.microsoft.com/office/drawing/2014/main" id="{E8E88C02-5AF6-43A6-9D49-032C7A2D2D72}"/>
               </a:ext>
             </a:extLst>
           </p:cNvPr>
@@ -751,7 +1503,7 @@
     </p:spTree>
     <p:extLst>
       <p:ext uri="{BB962C8B-B14F-4D97-AF65-F5344CB8AC3E}">
-        <p14:creationId xmlns:p14="http://schemas.microsoft.com/office/powerpoint/2010/main" xmlns="" val="3170355863"/>
+        <p14:creationId xmlns:p14="http://schemas.microsoft.com/office/powerpoint/2010/main" val="3170355863"/>
       </p:ext>
     </p:extLst>
   </p:cSld>
@@ -783,7 +1535,7 @@
           <p:cNvPr id="2" name="Title 1">
             <a:extLst>
               <a:ext uri="{FF2B5EF4-FFF2-40B4-BE49-F238E27FC236}">
-                <a16:creationId xmlns:a16="http://schemas.microsoft.com/office/drawing/2014/main" xmlns="" id="{B8856D69-20FF-4661-9073-426B77C624CB}"/>
+                <a16:creationId xmlns:a16="http://schemas.microsoft.com/office/drawing/2014/main" id="{B8856D69-20FF-4661-9073-426B77C624CB}"/>
               </a:ext>
             </a:extLst>
           </p:cNvPr>
@@ -812,7 +1564,7 @@
           <p:cNvPr id="3" name="Content Placeholder 2">
             <a:extLst>
               <a:ext uri="{FF2B5EF4-FFF2-40B4-BE49-F238E27FC236}">
-                <a16:creationId xmlns:a16="http://schemas.microsoft.com/office/drawing/2014/main" xmlns="" id="{4D713998-E95E-442D-BD8B-F99BAFFEBE64}"/>
+                <a16:creationId xmlns:a16="http://schemas.microsoft.com/office/drawing/2014/main" id="{4D713998-E95E-442D-BD8B-F99BAFFEBE64}"/>
               </a:ext>
             </a:extLst>
           </p:cNvPr>
@@ -870,7 +1622,7 @@
           <p:cNvPr id="4" name="Date Placeholder 3">
             <a:extLst>
               <a:ext uri="{FF2B5EF4-FFF2-40B4-BE49-F238E27FC236}">
-                <a16:creationId xmlns:a16="http://schemas.microsoft.com/office/drawing/2014/main" xmlns="" id="{31180D3F-E491-4445-8955-67AFE52FC796}"/>
+                <a16:creationId xmlns:a16="http://schemas.microsoft.com/office/drawing/2014/main" id="{31180D3F-E491-4445-8955-67AFE52FC796}"/>
               </a:ext>
             </a:extLst>
           </p:cNvPr>
@@ -889,7 +1641,7 @@
             <a:fld id="{24C3A72B-EA9F-49ED-9480-D5BBE463D3C6}" type="datetimeFigureOut">
               <a:rPr lang="en-GB" smtClean="0"/>
               <a:pPr/>
-              <a:t>18/02/2018</a:t>
+              <a:t>20/02/2018</a:t>
             </a:fld>
             <a:endParaRPr lang="en-GB"/>
           </a:p>
@@ -900,7 +1652,7 @@
           <p:cNvPr id="5" name="Footer Placeholder 4">
             <a:extLst>
               <a:ext uri="{FF2B5EF4-FFF2-40B4-BE49-F238E27FC236}">
-                <a16:creationId xmlns:a16="http://schemas.microsoft.com/office/drawing/2014/main" xmlns="" id="{5CED9A43-BFD2-4EDD-802E-19797C6D70CA}"/>
+                <a16:creationId xmlns:a16="http://schemas.microsoft.com/office/drawing/2014/main" id="{5CED9A43-BFD2-4EDD-802E-19797C6D70CA}"/>
               </a:ext>
             </a:extLst>
           </p:cNvPr>
@@ -925,7 +1677,7 @@
           <p:cNvPr id="6" name="Slide Number Placeholder 5">
             <a:extLst>
               <a:ext uri="{FF2B5EF4-FFF2-40B4-BE49-F238E27FC236}">
-                <a16:creationId xmlns:a16="http://schemas.microsoft.com/office/drawing/2014/main" xmlns="" id="{28FC87F7-4CBA-466F-863D-11A1CA8764AA}"/>
+                <a16:creationId xmlns:a16="http://schemas.microsoft.com/office/drawing/2014/main" id="{28FC87F7-4CBA-466F-863D-11A1CA8764AA}"/>
               </a:ext>
             </a:extLst>
           </p:cNvPr>
@@ -953,7 +1705,7 @@
     </p:spTree>
     <p:extLst>
       <p:ext uri="{BB962C8B-B14F-4D97-AF65-F5344CB8AC3E}">
-        <p14:creationId xmlns:p14="http://schemas.microsoft.com/office/powerpoint/2010/main" xmlns="" val="1398053472"/>
+        <p14:creationId xmlns:p14="http://schemas.microsoft.com/office/powerpoint/2010/main" val="1398053472"/>
       </p:ext>
     </p:extLst>
   </p:cSld>
@@ -985,7 +1737,7 @@
           <p:cNvPr id="2" name="Title 1">
             <a:extLst>
               <a:ext uri="{FF2B5EF4-FFF2-40B4-BE49-F238E27FC236}">
-                <a16:creationId xmlns:a16="http://schemas.microsoft.com/office/drawing/2014/main" xmlns="" id="{F8713CCA-DA4A-4E8D-A6E6-4D5C06A1CA92}"/>
+                <a16:creationId xmlns:a16="http://schemas.microsoft.com/office/drawing/2014/main" id="{F8713CCA-DA4A-4E8D-A6E6-4D5C06A1CA92}"/>
               </a:ext>
             </a:extLst>
           </p:cNvPr>
@@ -1023,7 +1775,7 @@
           <p:cNvPr id="3" name="Text Placeholder 2">
             <a:extLst>
               <a:ext uri="{FF2B5EF4-FFF2-40B4-BE49-F238E27FC236}">
-                <a16:creationId xmlns:a16="http://schemas.microsoft.com/office/drawing/2014/main" xmlns="" id="{E796A181-893E-4E6D-8829-2ABB545F4D93}"/>
+                <a16:creationId xmlns:a16="http://schemas.microsoft.com/office/drawing/2014/main" id="{E796A181-893E-4E6D-8829-2ABB545F4D93}"/>
               </a:ext>
             </a:extLst>
           </p:cNvPr>
@@ -1148,7 +1900,7 @@
           <p:cNvPr id="4" name="Date Placeholder 3">
             <a:extLst>
               <a:ext uri="{FF2B5EF4-FFF2-40B4-BE49-F238E27FC236}">
-                <a16:creationId xmlns:a16="http://schemas.microsoft.com/office/drawing/2014/main" xmlns="" id="{4F60A353-D637-4AFB-963D-A375C8D7DE15}"/>
+                <a16:creationId xmlns:a16="http://schemas.microsoft.com/office/drawing/2014/main" id="{4F60A353-D637-4AFB-963D-A375C8D7DE15}"/>
               </a:ext>
             </a:extLst>
           </p:cNvPr>
@@ -1167,7 +1919,7 @@
             <a:fld id="{24C3A72B-EA9F-49ED-9480-D5BBE463D3C6}" type="datetimeFigureOut">
               <a:rPr lang="en-GB" smtClean="0"/>
               <a:pPr/>
-              <a:t>18/02/2018</a:t>
+              <a:t>20/02/2018</a:t>
             </a:fld>
             <a:endParaRPr lang="en-GB"/>
           </a:p>
@@ -1178,7 +1930,7 @@
           <p:cNvPr id="5" name="Footer Placeholder 4">
             <a:extLst>
               <a:ext uri="{FF2B5EF4-FFF2-40B4-BE49-F238E27FC236}">
-                <a16:creationId xmlns:a16="http://schemas.microsoft.com/office/drawing/2014/main" xmlns="" id="{14A1034E-26D2-46C4-B048-516F786DA9EC}"/>
+                <a16:creationId xmlns:a16="http://schemas.microsoft.com/office/drawing/2014/main" id="{14A1034E-26D2-46C4-B048-516F786DA9EC}"/>
               </a:ext>
             </a:extLst>
           </p:cNvPr>
@@ -1203,7 +1955,7 @@
           <p:cNvPr id="6" name="Slide Number Placeholder 5">
             <a:extLst>
               <a:ext uri="{FF2B5EF4-FFF2-40B4-BE49-F238E27FC236}">
-                <a16:creationId xmlns:a16="http://schemas.microsoft.com/office/drawing/2014/main" xmlns="" id="{946ACA28-BDA0-401C-B5E5-029DDA8E1D7B}"/>
+                <a16:creationId xmlns:a16="http://schemas.microsoft.com/office/drawing/2014/main" id="{946ACA28-BDA0-401C-B5E5-029DDA8E1D7B}"/>
               </a:ext>
             </a:extLst>
           </p:cNvPr>
@@ -1231,7 +1983,7 @@
     </p:spTree>
     <p:extLst>
       <p:ext uri="{BB962C8B-B14F-4D97-AF65-F5344CB8AC3E}">
-        <p14:creationId xmlns:p14="http://schemas.microsoft.com/office/powerpoint/2010/main" xmlns="" val="1945849922"/>
+        <p14:creationId xmlns:p14="http://schemas.microsoft.com/office/powerpoint/2010/main" val="1945849922"/>
       </p:ext>
     </p:extLst>
   </p:cSld>
@@ -1263,7 +2015,7 @@
           <p:cNvPr id="2" name="Title 1">
             <a:extLst>
               <a:ext uri="{FF2B5EF4-FFF2-40B4-BE49-F238E27FC236}">
-                <a16:creationId xmlns:a16="http://schemas.microsoft.com/office/drawing/2014/main" xmlns="" id="{5C30AE81-C3FC-46F8-A43E-6CEB9925FC44}"/>
+                <a16:creationId xmlns:a16="http://schemas.microsoft.com/office/drawing/2014/main" id="{5C30AE81-C3FC-46F8-A43E-6CEB9925FC44}"/>
               </a:ext>
             </a:extLst>
           </p:cNvPr>
@@ -1292,7 +2044,7 @@
           <p:cNvPr id="3" name="Content Placeholder 2">
             <a:extLst>
               <a:ext uri="{FF2B5EF4-FFF2-40B4-BE49-F238E27FC236}">
-                <a16:creationId xmlns:a16="http://schemas.microsoft.com/office/drawing/2014/main" xmlns="" id="{5088C0F7-4CD0-4904-8A34-D6A4CBE69A6E}"/>
+                <a16:creationId xmlns:a16="http://schemas.microsoft.com/office/drawing/2014/main" id="{5088C0F7-4CD0-4904-8A34-D6A4CBE69A6E}"/>
               </a:ext>
             </a:extLst>
           </p:cNvPr>
@@ -1355,7 +2107,7 @@
           <p:cNvPr id="4" name="Content Placeholder 3">
             <a:extLst>
               <a:ext uri="{FF2B5EF4-FFF2-40B4-BE49-F238E27FC236}">
-                <a16:creationId xmlns:a16="http://schemas.microsoft.com/office/drawing/2014/main" xmlns="" id="{16A80048-D1B9-4999-807E-1BF158739194}"/>
+                <a16:creationId xmlns:a16="http://schemas.microsoft.com/office/drawing/2014/main" id="{16A80048-D1B9-4999-807E-1BF158739194}"/>
               </a:ext>
             </a:extLst>
           </p:cNvPr>
@@ -1418,7 +2170,7 @@
           <p:cNvPr id="5" name="Date Placeholder 4">
             <a:extLst>
               <a:ext uri="{FF2B5EF4-FFF2-40B4-BE49-F238E27FC236}">
-                <a16:creationId xmlns:a16="http://schemas.microsoft.com/office/drawing/2014/main" xmlns="" id="{5F1C4467-5E7A-444D-8C1F-9C85A5350FEC}"/>
+                <a16:creationId xmlns:a16="http://schemas.microsoft.com/office/drawing/2014/main" id="{5F1C4467-5E7A-444D-8C1F-9C85A5350FEC}"/>
               </a:ext>
             </a:extLst>
           </p:cNvPr>
@@ -1437,7 +2189,7 @@
             <a:fld id="{24C3A72B-EA9F-49ED-9480-D5BBE463D3C6}" type="datetimeFigureOut">
               <a:rPr lang="en-GB" smtClean="0"/>
               <a:pPr/>
-              <a:t>18/02/2018</a:t>
+              <a:t>20/02/2018</a:t>
             </a:fld>
             <a:endParaRPr lang="en-GB"/>
           </a:p>
@@ -1448,7 +2200,7 @@
           <p:cNvPr id="6" name="Footer Placeholder 5">
             <a:extLst>
               <a:ext uri="{FF2B5EF4-FFF2-40B4-BE49-F238E27FC236}">
-                <a16:creationId xmlns:a16="http://schemas.microsoft.com/office/drawing/2014/main" xmlns="" id="{384026F4-B643-4CC3-B710-FE767082020C}"/>
+                <a16:creationId xmlns:a16="http://schemas.microsoft.com/office/drawing/2014/main" id="{384026F4-B643-4CC3-B710-FE767082020C}"/>
               </a:ext>
             </a:extLst>
           </p:cNvPr>
@@ -1473,7 +2225,7 @@
           <p:cNvPr id="7" name="Slide Number Placeholder 6">
             <a:extLst>
               <a:ext uri="{FF2B5EF4-FFF2-40B4-BE49-F238E27FC236}">
-                <a16:creationId xmlns:a16="http://schemas.microsoft.com/office/drawing/2014/main" xmlns="" id="{B4F45919-5C3E-4A20-BC4E-1A8950F00937}"/>
+                <a16:creationId xmlns:a16="http://schemas.microsoft.com/office/drawing/2014/main" id="{B4F45919-5C3E-4A20-BC4E-1A8950F00937}"/>
               </a:ext>
             </a:extLst>
           </p:cNvPr>
@@ -1501,7 +2253,7 @@
     </p:spTree>
     <p:extLst>
       <p:ext uri="{BB962C8B-B14F-4D97-AF65-F5344CB8AC3E}">
-        <p14:creationId xmlns:p14="http://schemas.microsoft.com/office/powerpoint/2010/main" xmlns="" val="1382044922"/>
+        <p14:creationId xmlns:p14="http://schemas.microsoft.com/office/powerpoint/2010/main" val="1382044922"/>
       </p:ext>
     </p:extLst>
   </p:cSld>
@@ -1533,7 +2285,7 @@
           <p:cNvPr id="2" name="Title 1">
             <a:extLst>
               <a:ext uri="{FF2B5EF4-FFF2-40B4-BE49-F238E27FC236}">
-                <a16:creationId xmlns:a16="http://schemas.microsoft.com/office/drawing/2014/main" xmlns="" id="{E40FFFB1-649D-426B-B189-1DAD66D14336}"/>
+                <a16:creationId xmlns:a16="http://schemas.microsoft.com/office/drawing/2014/main" id="{E40FFFB1-649D-426B-B189-1DAD66D14336}"/>
               </a:ext>
             </a:extLst>
           </p:cNvPr>
@@ -1567,7 +2319,7 @@
           <p:cNvPr id="3" name="Text Placeholder 2">
             <a:extLst>
               <a:ext uri="{FF2B5EF4-FFF2-40B4-BE49-F238E27FC236}">
-                <a16:creationId xmlns:a16="http://schemas.microsoft.com/office/drawing/2014/main" xmlns="" id="{8772471C-BEC4-47A2-ACB6-54F4C91BFB2A}"/>
+                <a16:creationId xmlns:a16="http://schemas.microsoft.com/office/drawing/2014/main" id="{8772471C-BEC4-47A2-ACB6-54F4C91BFB2A}"/>
               </a:ext>
             </a:extLst>
           </p:cNvPr>
@@ -1638,7 +2390,7 @@
           <p:cNvPr id="4" name="Content Placeholder 3">
             <a:extLst>
               <a:ext uri="{FF2B5EF4-FFF2-40B4-BE49-F238E27FC236}">
-                <a16:creationId xmlns:a16="http://schemas.microsoft.com/office/drawing/2014/main" xmlns="" id="{5AD87827-BA33-4B72-BCD3-C0C3D2AA931B}"/>
+                <a16:creationId xmlns:a16="http://schemas.microsoft.com/office/drawing/2014/main" id="{5AD87827-BA33-4B72-BCD3-C0C3D2AA931B}"/>
               </a:ext>
             </a:extLst>
           </p:cNvPr>
@@ -1701,7 +2453,7 @@
           <p:cNvPr id="5" name="Text Placeholder 4">
             <a:extLst>
               <a:ext uri="{FF2B5EF4-FFF2-40B4-BE49-F238E27FC236}">
-                <a16:creationId xmlns:a16="http://schemas.microsoft.com/office/drawing/2014/main" xmlns="" id="{138A58D4-A5B6-48A1-B509-C37CE93409BD}"/>
+                <a16:creationId xmlns:a16="http://schemas.microsoft.com/office/drawing/2014/main" id="{138A58D4-A5B6-48A1-B509-C37CE93409BD}"/>
               </a:ext>
             </a:extLst>
           </p:cNvPr>
@@ -1772,7 +2524,7 @@
           <p:cNvPr id="6" name="Content Placeholder 5">
             <a:extLst>
               <a:ext uri="{FF2B5EF4-FFF2-40B4-BE49-F238E27FC236}">
-                <a16:creationId xmlns:a16="http://schemas.microsoft.com/office/drawing/2014/main" xmlns="" id="{6CC17053-AB6B-4F65-8F9E-EDC8C39D1399}"/>
+                <a16:creationId xmlns:a16="http://schemas.microsoft.com/office/drawing/2014/main" id="{6CC17053-AB6B-4F65-8F9E-EDC8C39D1399}"/>
               </a:ext>
             </a:extLst>
           </p:cNvPr>
@@ -1835,7 +2587,7 @@
           <p:cNvPr id="7" name="Date Placeholder 6">
             <a:extLst>
               <a:ext uri="{FF2B5EF4-FFF2-40B4-BE49-F238E27FC236}">
-                <a16:creationId xmlns:a16="http://schemas.microsoft.com/office/drawing/2014/main" xmlns="" id="{E3D90822-B7B8-481A-BB0C-B672B0F6A17C}"/>
+                <a16:creationId xmlns:a16="http://schemas.microsoft.com/office/drawing/2014/main" id="{E3D90822-B7B8-481A-BB0C-B672B0F6A17C}"/>
               </a:ext>
             </a:extLst>
           </p:cNvPr>
@@ -1854,7 +2606,7 @@
             <a:fld id="{24C3A72B-EA9F-49ED-9480-D5BBE463D3C6}" type="datetimeFigureOut">
               <a:rPr lang="en-GB" smtClean="0"/>
               <a:pPr/>
-              <a:t>18/02/2018</a:t>
+              <a:t>20/02/2018</a:t>
             </a:fld>
             <a:endParaRPr lang="en-GB"/>
           </a:p>
@@ -1865,7 +2617,7 @@
           <p:cNvPr id="8" name="Footer Placeholder 7">
             <a:extLst>
               <a:ext uri="{FF2B5EF4-FFF2-40B4-BE49-F238E27FC236}">
-                <a16:creationId xmlns:a16="http://schemas.microsoft.com/office/drawing/2014/main" xmlns="" id="{3A433E44-143D-440A-8BD2-8BC9C9CF6734}"/>
+                <a16:creationId xmlns:a16="http://schemas.microsoft.com/office/drawing/2014/main" id="{3A433E44-143D-440A-8BD2-8BC9C9CF6734}"/>
               </a:ext>
             </a:extLst>
           </p:cNvPr>
@@ -1890,7 +2642,7 @@
           <p:cNvPr id="9" name="Slide Number Placeholder 8">
             <a:extLst>
               <a:ext uri="{FF2B5EF4-FFF2-40B4-BE49-F238E27FC236}">
-                <a16:creationId xmlns:a16="http://schemas.microsoft.com/office/drawing/2014/main" xmlns="" id="{EC97B467-9FF0-43E8-9056-E6AB688AFC17}"/>
+                <a16:creationId xmlns:a16="http://schemas.microsoft.com/office/drawing/2014/main" id="{EC97B467-9FF0-43E8-9056-E6AB688AFC17}"/>
               </a:ext>
             </a:extLst>
           </p:cNvPr>
@@ -1918,7 +2670,7 @@
     </p:spTree>
     <p:extLst>
       <p:ext uri="{BB962C8B-B14F-4D97-AF65-F5344CB8AC3E}">
-        <p14:creationId xmlns:p14="http://schemas.microsoft.com/office/powerpoint/2010/main" xmlns="" val="3457634593"/>
+        <p14:creationId xmlns:p14="http://schemas.microsoft.com/office/powerpoint/2010/main" val="3457634593"/>
       </p:ext>
     </p:extLst>
   </p:cSld>
@@ -1950,7 +2702,7 @@
           <p:cNvPr id="2" name="Title 1">
             <a:extLst>
               <a:ext uri="{FF2B5EF4-FFF2-40B4-BE49-F238E27FC236}">
-                <a16:creationId xmlns:a16="http://schemas.microsoft.com/office/drawing/2014/main" xmlns="" id="{126C16E5-B433-42A2-9EFF-55EF20909D15}"/>
+                <a16:creationId xmlns:a16="http://schemas.microsoft.com/office/drawing/2014/main" id="{126C16E5-B433-42A2-9EFF-55EF20909D15}"/>
               </a:ext>
             </a:extLst>
           </p:cNvPr>
@@ -1979,7 +2731,7 @@
           <p:cNvPr id="3" name="Date Placeholder 2">
             <a:extLst>
               <a:ext uri="{FF2B5EF4-FFF2-40B4-BE49-F238E27FC236}">
-                <a16:creationId xmlns:a16="http://schemas.microsoft.com/office/drawing/2014/main" xmlns="" id="{4B69A33F-53FA-4B8F-923C-811A663804E1}"/>
+                <a16:creationId xmlns:a16="http://schemas.microsoft.com/office/drawing/2014/main" id="{4B69A33F-53FA-4B8F-923C-811A663804E1}"/>
               </a:ext>
             </a:extLst>
           </p:cNvPr>
@@ -1998,7 +2750,7 @@
             <a:fld id="{24C3A72B-EA9F-49ED-9480-D5BBE463D3C6}" type="datetimeFigureOut">
               <a:rPr lang="en-GB" smtClean="0"/>
               <a:pPr/>
-              <a:t>18/02/2018</a:t>
+              <a:t>20/02/2018</a:t>
             </a:fld>
             <a:endParaRPr lang="en-GB"/>
           </a:p>
@@ -2009,7 +2761,7 @@
           <p:cNvPr id="4" name="Footer Placeholder 3">
             <a:extLst>
               <a:ext uri="{FF2B5EF4-FFF2-40B4-BE49-F238E27FC236}">
-                <a16:creationId xmlns:a16="http://schemas.microsoft.com/office/drawing/2014/main" xmlns="" id="{CE5979CA-B672-4BE0-9727-E607CF5FBA10}"/>
+                <a16:creationId xmlns:a16="http://schemas.microsoft.com/office/drawing/2014/main" id="{CE5979CA-B672-4BE0-9727-E607CF5FBA10}"/>
               </a:ext>
             </a:extLst>
           </p:cNvPr>
@@ -2034,7 +2786,7 @@
           <p:cNvPr id="5" name="Slide Number Placeholder 4">
             <a:extLst>
               <a:ext uri="{FF2B5EF4-FFF2-40B4-BE49-F238E27FC236}">
-                <a16:creationId xmlns:a16="http://schemas.microsoft.com/office/drawing/2014/main" xmlns="" id="{9F7BAA98-4121-40E6-B29F-2204B30F0C2E}"/>
+                <a16:creationId xmlns:a16="http://schemas.microsoft.com/office/drawing/2014/main" id="{9F7BAA98-4121-40E6-B29F-2204B30F0C2E}"/>
               </a:ext>
             </a:extLst>
           </p:cNvPr>
@@ -2062,7 +2814,7 @@
     </p:spTree>
     <p:extLst>
       <p:ext uri="{BB962C8B-B14F-4D97-AF65-F5344CB8AC3E}">
-        <p14:creationId xmlns:p14="http://schemas.microsoft.com/office/powerpoint/2010/main" xmlns="" val="4070145130"/>
+        <p14:creationId xmlns:p14="http://schemas.microsoft.com/office/powerpoint/2010/main" val="4070145130"/>
       </p:ext>
     </p:extLst>
   </p:cSld>
@@ -2094,7 +2846,7 @@
           <p:cNvPr id="2" name="Date Placeholder 1">
             <a:extLst>
               <a:ext uri="{FF2B5EF4-FFF2-40B4-BE49-F238E27FC236}">
-                <a16:creationId xmlns:a16="http://schemas.microsoft.com/office/drawing/2014/main" xmlns="" id="{5CC14C16-6481-4904-AC0A-7E3279C7059D}"/>
+                <a16:creationId xmlns:a16="http://schemas.microsoft.com/office/drawing/2014/main" id="{5CC14C16-6481-4904-AC0A-7E3279C7059D}"/>
               </a:ext>
             </a:extLst>
           </p:cNvPr>
@@ -2113,7 +2865,7 @@
             <a:fld id="{24C3A72B-EA9F-49ED-9480-D5BBE463D3C6}" type="datetimeFigureOut">
               <a:rPr lang="en-GB" smtClean="0"/>
               <a:pPr/>
-              <a:t>18/02/2018</a:t>
+              <a:t>20/02/2018</a:t>
             </a:fld>
             <a:endParaRPr lang="en-GB"/>
           </a:p>
@@ -2124,7 +2876,7 @@
           <p:cNvPr id="3" name="Footer Placeholder 2">
             <a:extLst>
               <a:ext uri="{FF2B5EF4-FFF2-40B4-BE49-F238E27FC236}">
-                <a16:creationId xmlns:a16="http://schemas.microsoft.com/office/drawing/2014/main" xmlns="" id="{F6C26942-E7C8-4D7B-AF06-F5CBEFE52D52}"/>
+                <a16:creationId xmlns:a16="http://schemas.microsoft.com/office/drawing/2014/main" id="{F6C26942-E7C8-4D7B-AF06-F5CBEFE52D52}"/>
               </a:ext>
             </a:extLst>
           </p:cNvPr>
@@ -2149,7 +2901,7 @@
           <p:cNvPr id="4" name="Slide Number Placeholder 3">
             <a:extLst>
               <a:ext uri="{FF2B5EF4-FFF2-40B4-BE49-F238E27FC236}">
-                <a16:creationId xmlns:a16="http://schemas.microsoft.com/office/drawing/2014/main" xmlns="" id="{F4DAB499-97FD-4827-B6B8-0F96F7C4FE5D}"/>
+                <a16:creationId xmlns:a16="http://schemas.microsoft.com/office/drawing/2014/main" id="{F4DAB499-97FD-4827-B6B8-0F96F7C4FE5D}"/>
               </a:ext>
             </a:extLst>
           </p:cNvPr>
@@ -2177,7 +2929,7 @@
     </p:spTree>
     <p:extLst>
       <p:ext uri="{BB962C8B-B14F-4D97-AF65-F5344CB8AC3E}">
-        <p14:creationId xmlns:p14="http://schemas.microsoft.com/office/powerpoint/2010/main" xmlns="" val="1991650923"/>
+        <p14:creationId xmlns:p14="http://schemas.microsoft.com/office/powerpoint/2010/main" val="1991650923"/>
       </p:ext>
     </p:extLst>
   </p:cSld>
@@ -2209,7 +2961,7 @@
           <p:cNvPr id="2" name="Title 1">
             <a:extLst>
               <a:ext uri="{FF2B5EF4-FFF2-40B4-BE49-F238E27FC236}">
-                <a16:creationId xmlns:a16="http://schemas.microsoft.com/office/drawing/2014/main" xmlns="" id="{8DB1DE1E-A84A-447A-898D-F7D7DEFFBBCD}"/>
+                <a16:creationId xmlns:a16="http://schemas.microsoft.com/office/drawing/2014/main" id="{8DB1DE1E-A84A-447A-898D-F7D7DEFFBBCD}"/>
               </a:ext>
             </a:extLst>
           </p:cNvPr>
@@ -2247,7 +2999,7 @@
           <p:cNvPr id="3" name="Content Placeholder 2">
             <a:extLst>
               <a:ext uri="{FF2B5EF4-FFF2-40B4-BE49-F238E27FC236}">
-                <a16:creationId xmlns:a16="http://schemas.microsoft.com/office/drawing/2014/main" xmlns="" id="{00C215BD-D7D7-49A5-86B5-19FA9FCE98D7}"/>
+                <a16:creationId xmlns:a16="http://schemas.microsoft.com/office/drawing/2014/main" id="{00C215BD-D7D7-49A5-86B5-19FA9FCE98D7}"/>
               </a:ext>
             </a:extLst>
           </p:cNvPr>
@@ -2338,7 +3090,7 @@
           <p:cNvPr id="4" name="Text Placeholder 3">
             <a:extLst>
               <a:ext uri="{FF2B5EF4-FFF2-40B4-BE49-F238E27FC236}">
-                <a16:creationId xmlns:a16="http://schemas.microsoft.com/office/drawing/2014/main" xmlns="" id="{963333A7-986A-4F23-AD4B-645062463568}"/>
+                <a16:creationId xmlns:a16="http://schemas.microsoft.com/office/drawing/2014/main" id="{963333A7-986A-4F23-AD4B-645062463568}"/>
               </a:ext>
             </a:extLst>
           </p:cNvPr>
@@ -2409,7 +3161,7 @@
           <p:cNvPr id="5" name="Date Placeholder 4">
             <a:extLst>
               <a:ext uri="{FF2B5EF4-FFF2-40B4-BE49-F238E27FC236}">
-                <a16:creationId xmlns:a16="http://schemas.microsoft.com/office/drawing/2014/main" xmlns="" id="{3D141368-BD0B-4EC5-894A-09555901F516}"/>
+                <a16:creationId xmlns:a16="http://schemas.microsoft.com/office/drawing/2014/main" id="{3D141368-BD0B-4EC5-894A-09555901F516}"/>
               </a:ext>
             </a:extLst>
           </p:cNvPr>
@@ -2428,7 +3180,7 @@
             <a:fld id="{24C3A72B-EA9F-49ED-9480-D5BBE463D3C6}" type="datetimeFigureOut">
               <a:rPr lang="en-GB" smtClean="0"/>
               <a:pPr/>
-              <a:t>18/02/2018</a:t>
+              <a:t>20/02/2018</a:t>
             </a:fld>
             <a:endParaRPr lang="en-GB"/>
           </a:p>
@@ -2439,7 +3191,7 @@
           <p:cNvPr id="6" name="Footer Placeholder 5">
             <a:extLst>
               <a:ext uri="{FF2B5EF4-FFF2-40B4-BE49-F238E27FC236}">
-                <a16:creationId xmlns:a16="http://schemas.microsoft.com/office/drawing/2014/main" xmlns="" id="{FA6D6A8F-73ED-40EE-9BF6-7C9A264B11E7}"/>
+                <a16:creationId xmlns:a16="http://schemas.microsoft.com/office/drawing/2014/main" id="{FA6D6A8F-73ED-40EE-9BF6-7C9A264B11E7}"/>
               </a:ext>
             </a:extLst>
           </p:cNvPr>
@@ -2464,7 +3216,7 @@
           <p:cNvPr id="7" name="Slide Number Placeholder 6">
             <a:extLst>
               <a:ext uri="{FF2B5EF4-FFF2-40B4-BE49-F238E27FC236}">
-                <a16:creationId xmlns:a16="http://schemas.microsoft.com/office/drawing/2014/main" xmlns="" id="{9FFB6450-457F-4CC9-9642-311C051E1BB6}"/>
+                <a16:creationId xmlns:a16="http://schemas.microsoft.com/office/drawing/2014/main" id="{9FFB6450-457F-4CC9-9642-311C051E1BB6}"/>
               </a:ext>
             </a:extLst>
           </p:cNvPr>
@@ -2492,7 +3244,7 @@
     </p:spTree>
     <p:extLst>
       <p:ext uri="{BB962C8B-B14F-4D97-AF65-F5344CB8AC3E}">
-        <p14:creationId xmlns:p14="http://schemas.microsoft.com/office/powerpoint/2010/main" xmlns="" val="3135145738"/>
+        <p14:creationId xmlns:p14="http://schemas.microsoft.com/office/powerpoint/2010/main" val="3135145738"/>
       </p:ext>
     </p:extLst>
   </p:cSld>
@@ -2524,7 +3276,7 @@
           <p:cNvPr id="2" name="Title 1">
             <a:extLst>
               <a:ext uri="{FF2B5EF4-FFF2-40B4-BE49-F238E27FC236}">
-                <a16:creationId xmlns:a16="http://schemas.microsoft.com/office/drawing/2014/main" xmlns="" id="{8C1296DB-0DB8-4F14-9BF6-5579C0960222}"/>
+                <a16:creationId xmlns:a16="http://schemas.microsoft.com/office/drawing/2014/main" id="{8C1296DB-0DB8-4F14-9BF6-5579C0960222}"/>
               </a:ext>
             </a:extLst>
           </p:cNvPr>
@@ -2562,7 +3314,7 @@
           <p:cNvPr id="3" name="Picture Placeholder 2">
             <a:extLst>
               <a:ext uri="{FF2B5EF4-FFF2-40B4-BE49-F238E27FC236}">
-                <a16:creationId xmlns:a16="http://schemas.microsoft.com/office/drawing/2014/main" xmlns="" id="{7EDD28FD-96ED-49BE-8A09-6B9C86BEA995}"/>
+                <a16:creationId xmlns:a16="http://schemas.microsoft.com/office/drawing/2014/main" id="{7EDD28FD-96ED-49BE-8A09-6B9C86BEA995}"/>
               </a:ext>
             </a:extLst>
           </p:cNvPr>
@@ -2629,7 +3381,7 @@
           <p:cNvPr id="4" name="Text Placeholder 3">
             <a:extLst>
               <a:ext uri="{FF2B5EF4-FFF2-40B4-BE49-F238E27FC236}">
-                <a16:creationId xmlns:a16="http://schemas.microsoft.com/office/drawing/2014/main" xmlns="" id="{ADA4AC5E-4A1B-482A-A3FE-C174ECCF882D}"/>
+                <a16:creationId xmlns:a16="http://schemas.microsoft.com/office/drawing/2014/main" id="{ADA4AC5E-4A1B-482A-A3FE-C174ECCF882D}"/>
               </a:ext>
             </a:extLst>
           </p:cNvPr>
@@ -2700,7 +3452,7 @@
           <p:cNvPr id="5" name="Date Placeholder 4">
             <a:extLst>
               <a:ext uri="{FF2B5EF4-FFF2-40B4-BE49-F238E27FC236}">
-                <a16:creationId xmlns:a16="http://schemas.microsoft.com/office/drawing/2014/main" xmlns="" id="{40D65AD9-E4E1-40E5-BE5B-AB193A4848A3}"/>
+                <a16:creationId xmlns:a16="http://schemas.microsoft.com/office/drawing/2014/main" id="{40D65AD9-E4E1-40E5-BE5B-AB193A4848A3}"/>
               </a:ext>
             </a:extLst>
           </p:cNvPr>
@@ -2719,7 +3471,7 @@
             <a:fld id="{24C3A72B-EA9F-49ED-9480-D5BBE463D3C6}" type="datetimeFigureOut">
               <a:rPr lang="en-GB" smtClean="0"/>
               <a:pPr/>
-              <a:t>18/02/2018</a:t>
+              <a:t>20/02/2018</a:t>
             </a:fld>
             <a:endParaRPr lang="en-GB"/>
           </a:p>
@@ -2730,7 +3482,7 @@
           <p:cNvPr id="6" name="Footer Placeholder 5">
             <a:extLst>
               <a:ext uri="{FF2B5EF4-FFF2-40B4-BE49-F238E27FC236}">
-                <a16:creationId xmlns:a16="http://schemas.microsoft.com/office/drawing/2014/main" xmlns="" id="{B8B67A65-51C4-42C3-BCE1-2B6CDFA11351}"/>
+                <a16:creationId xmlns:a16="http://schemas.microsoft.com/office/drawing/2014/main" id="{B8B67A65-51C4-42C3-BCE1-2B6CDFA11351}"/>
               </a:ext>
             </a:extLst>
           </p:cNvPr>
@@ -2755,7 +3507,7 @@
           <p:cNvPr id="7" name="Slide Number Placeholder 6">
             <a:extLst>
               <a:ext uri="{FF2B5EF4-FFF2-40B4-BE49-F238E27FC236}">
-                <a16:creationId xmlns:a16="http://schemas.microsoft.com/office/drawing/2014/main" xmlns="" id="{8FA693F4-23BB-49C6-947A-E9223A7DD702}"/>
+                <a16:creationId xmlns:a16="http://schemas.microsoft.com/office/drawing/2014/main" id="{8FA693F4-23BB-49C6-947A-E9223A7DD702}"/>
               </a:ext>
             </a:extLst>
           </p:cNvPr>
@@ -2783,7 +3535,7 @@
     </p:spTree>
     <p:extLst>
       <p:ext uri="{BB962C8B-B14F-4D97-AF65-F5344CB8AC3E}">
-        <p14:creationId xmlns:p14="http://schemas.microsoft.com/office/powerpoint/2010/main" xmlns="" val="3595103176"/>
+        <p14:creationId xmlns:p14="http://schemas.microsoft.com/office/powerpoint/2010/main" val="3595103176"/>
       </p:ext>
     </p:extLst>
   </p:cSld>
@@ -2820,7 +3572,7 @@
           <p:cNvPr id="2" name="Title Placeholder 1">
             <a:extLst>
               <a:ext uri="{FF2B5EF4-FFF2-40B4-BE49-F238E27FC236}">
-                <a16:creationId xmlns:a16="http://schemas.microsoft.com/office/drawing/2014/main" xmlns="" id="{84BFBAD9-9BA2-48E1-8F6D-508057E885A8}"/>
+                <a16:creationId xmlns:a16="http://schemas.microsoft.com/office/drawing/2014/main" id="{84BFBAD9-9BA2-48E1-8F6D-508057E885A8}"/>
               </a:ext>
             </a:extLst>
           </p:cNvPr>
@@ -2859,7 +3611,7 @@
           <p:cNvPr id="3" name="Text Placeholder 2">
             <a:extLst>
               <a:ext uri="{FF2B5EF4-FFF2-40B4-BE49-F238E27FC236}">
-                <a16:creationId xmlns:a16="http://schemas.microsoft.com/office/drawing/2014/main" xmlns="" id="{9E540119-8CD7-44A9-8AB4-22B4558FAC90}"/>
+                <a16:creationId xmlns:a16="http://schemas.microsoft.com/office/drawing/2014/main" id="{9E540119-8CD7-44A9-8AB4-22B4558FAC90}"/>
               </a:ext>
             </a:extLst>
           </p:cNvPr>
@@ -2927,7 +3679,7 @@
           <p:cNvPr id="4" name="Date Placeholder 3">
             <a:extLst>
               <a:ext uri="{FF2B5EF4-FFF2-40B4-BE49-F238E27FC236}">
-                <a16:creationId xmlns:a16="http://schemas.microsoft.com/office/drawing/2014/main" xmlns="" id="{6ADDB086-675C-45AE-B2E3-8AB1AC643C42}"/>
+                <a16:creationId xmlns:a16="http://schemas.microsoft.com/office/drawing/2014/main" id="{6ADDB086-675C-45AE-B2E3-8AB1AC643C42}"/>
               </a:ext>
             </a:extLst>
           </p:cNvPr>
@@ -2964,7 +3716,7 @@
             <a:fld id="{24C3A72B-EA9F-49ED-9480-D5BBE463D3C6}" type="datetimeFigureOut">
               <a:rPr lang="en-GB" smtClean="0"/>
               <a:pPr/>
-              <a:t>18/02/2018</a:t>
+              <a:t>20/02/2018</a:t>
             </a:fld>
             <a:endParaRPr lang="en-GB"/>
           </a:p>
@@ -2975,7 +3727,7 @@
           <p:cNvPr id="5" name="Footer Placeholder 4">
             <a:extLst>
               <a:ext uri="{FF2B5EF4-FFF2-40B4-BE49-F238E27FC236}">
-                <a16:creationId xmlns:a16="http://schemas.microsoft.com/office/drawing/2014/main" xmlns="" id="{20964F14-198A-4651-980F-B11F6946BEB6}"/>
+                <a16:creationId xmlns:a16="http://schemas.microsoft.com/office/drawing/2014/main" id="{20964F14-198A-4651-980F-B11F6946BEB6}"/>
               </a:ext>
             </a:extLst>
           </p:cNvPr>
@@ -3018,7 +3770,7 @@
           <p:cNvPr id="6" name="Slide Number Placeholder 5">
             <a:extLst>
               <a:ext uri="{FF2B5EF4-FFF2-40B4-BE49-F238E27FC236}">
-                <a16:creationId xmlns:a16="http://schemas.microsoft.com/office/drawing/2014/main" xmlns="" id="{49641EE6-2A40-457C-A97A-CE775F6542F4}"/>
+                <a16:creationId xmlns:a16="http://schemas.microsoft.com/office/drawing/2014/main" id="{49641EE6-2A40-457C-A97A-CE775F6542F4}"/>
               </a:ext>
             </a:extLst>
           </p:cNvPr>
@@ -3064,7 +3816,7 @@
     </p:spTree>
     <p:extLst>
       <p:ext uri="{BB962C8B-B14F-4D97-AF65-F5344CB8AC3E}">
-        <p14:creationId xmlns:p14="http://schemas.microsoft.com/office/powerpoint/2010/main" xmlns="" val="3074094979"/>
+        <p14:creationId xmlns:p14="http://schemas.microsoft.com/office/powerpoint/2010/main" val="3074094979"/>
       </p:ext>
     </p:extLst>
   </p:cSld>
@@ -3387,7 +4139,7 @@
           <p:cNvPr id="2" name="Title 1">
             <a:extLst>
               <a:ext uri="{FF2B5EF4-FFF2-40B4-BE49-F238E27FC236}">
-                <a16:creationId xmlns:a16="http://schemas.microsoft.com/office/drawing/2014/main" xmlns="" id="{574EBC81-6BDC-4A96-8A0D-185CFAF2037D}"/>
+                <a16:creationId xmlns:a16="http://schemas.microsoft.com/office/drawing/2014/main" id="{574EBC81-6BDC-4A96-8A0D-185CFAF2037D}"/>
               </a:ext>
             </a:extLst>
           </p:cNvPr>
@@ -3417,7 +4169,7 @@
           <p:cNvPr id="3" name="Subtitle 2">
             <a:extLst>
               <a:ext uri="{FF2B5EF4-FFF2-40B4-BE49-F238E27FC236}">
-                <a16:creationId xmlns:a16="http://schemas.microsoft.com/office/drawing/2014/main" xmlns="" id="{BD7C336B-31E1-4FC6-AA62-A69CD2AE8694}"/>
+                <a16:creationId xmlns:a16="http://schemas.microsoft.com/office/drawing/2014/main" id="{BD7C336B-31E1-4FC6-AA62-A69CD2AE8694}"/>
               </a:ext>
             </a:extLst>
           </p:cNvPr>
@@ -3447,7 +4199,7 @@
           <p:cNvPr id="5" name="Picture 4">
             <a:extLst>
               <a:ext uri="{FF2B5EF4-FFF2-40B4-BE49-F238E27FC236}">
-                <a16:creationId xmlns:a16="http://schemas.microsoft.com/office/drawing/2014/main" xmlns="" id="{C58B1723-B844-4200-A120-A2D85833B037}"/>
+                <a16:creationId xmlns:a16="http://schemas.microsoft.com/office/drawing/2014/main" id="{C58B1723-B844-4200-A120-A2D85833B037}"/>
               </a:ext>
             </a:extLst>
           </p:cNvPr>
@@ -3460,7 +4212,7 @@
           <a:blip r:embed="rId2">
             <a:extLst>
               <a:ext uri="{28A0092B-C50C-407E-A947-70E740481C1C}">
-                <a14:useLocalDpi xmlns:a14="http://schemas.microsoft.com/office/drawing/2010/main" xmlns="" val="0"/>
+                <a14:useLocalDpi xmlns:a14="http://schemas.microsoft.com/office/drawing/2010/main" val="0"/>
               </a:ext>
             </a:extLst>
           </a:blip>
@@ -3483,7 +4235,7 @@
           <p:cNvPr id="6" name="Picture 5">
             <a:extLst>
               <a:ext uri="{FF2B5EF4-FFF2-40B4-BE49-F238E27FC236}">
-                <a16:creationId xmlns:a16="http://schemas.microsoft.com/office/drawing/2014/main" xmlns="" id="{17AE45ED-A673-4FA2-B597-465724426CB5}"/>
+                <a16:creationId xmlns:a16="http://schemas.microsoft.com/office/drawing/2014/main" id="{17AE45ED-A673-4FA2-B597-465724426CB5}"/>
               </a:ext>
             </a:extLst>
           </p:cNvPr>
@@ -3496,7 +4248,7 @@
           <a:blip r:embed="rId2">
             <a:extLst>
               <a:ext uri="{28A0092B-C50C-407E-A947-70E740481C1C}">
-                <a14:useLocalDpi xmlns:a14="http://schemas.microsoft.com/office/drawing/2010/main" xmlns="" val="0"/>
+                <a14:useLocalDpi xmlns:a14="http://schemas.microsoft.com/office/drawing/2010/main" val="0"/>
               </a:ext>
             </a:extLst>
           </a:blip>
@@ -3519,7 +4271,7 @@
           <p:cNvPr id="7" name="Picture 6">
             <a:extLst>
               <a:ext uri="{FF2B5EF4-FFF2-40B4-BE49-F238E27FC236}">
-                <a16:creationId xmlns:a16="http://schemas.microsoft.com/office/drawing/2014/main" xmlns="" id="{E90C7CB9-E79E-4A04-A270-74206ED588C1}"/>
+                <a16:creationId xmlns:a16="http://schemas.microsoft.com/office/drawing/2014/main" id="{E90C7CB9-E79E-4A04-A270-74206ED588C1}"/>
               </a:ext>
             </a:extLst>
           </p:cNvPr>
@@ -3532,7 +4284,7 @@
           <a:blip r:embed="rId2">
             <a:extLst>
               <a:ext uri="{28A0092B-C50C-407E-A947-70E740481C1C}">
-                <a14:useLocalDpi xmlns:a14="http://schemas.microsoft.com/office/drawing/2010/main" xmlns="" val="0"/>
+                <a14:useLocalDpi xmlns:a14="http://schemas.microsoft.com/office/drawing/2010/main" val="0"/>
               </a:ext>
             </a:extLst>
           </a:blip>
@@ -3555,7 +4307,7 @@
           <p:cNvPr id="9" name="Picture 8">
             <a:extLst>
               <a:ext uri="{FF2B5EF4-FFF2-40B4-BE49-F238E27FC236}">
-                <a16:creationId xmlns:a16="http://schemas.microsoft.com/office/drawing/2014/main" xmlns="" id="{34E59009-30E3-4D3E-ADAD-7BD4DF00FAE4}"/>
+                <a16:creationId xmlns:a16="http://schemas.microsoft.com/office/drawing/2014/main" id="{34E59009-30E3-4D3E-ADAD-7BD4DF00FAE4}"/>
               </a:ext>
             </a:extLst>
           </p:cNvPr>
@@ -3568,7 +4320,7 @@
           <a:blip r:embed="rId3">
             <a:extLst>
               <a:ext uri="{28A0092B-C50C-407E-A947-70E740481C1C}">
-                <a14:useLocalDpi xmlns:a14="http://schemas.microsoft.com/office/drawing/2010/main" xmlns="" val="0"/>
+                <a14:useLocalDpi xmlns:a14="http://schemas.microsoft.com/office/drawing/2010/main" val="0"/>
               </a:ext>
             </a:extLst>
           </a:blip>
@@ -3591,7 +4343,7 @@
           <p:cNvPr id="11" name="Picture 10">
             <a:extLst>
               <a:ext uri="{FF2B5EF4-FFF2-40B4-BE49-F238E27FC236}">
-                <a16:creationId xmlns:a16="http://schemas.microsoft.com/office/drawing/2014/main" xmlns="" id="{23C87C0A-6BB6-4417-AAE8-9B7AE0A10355}"/>
+                <a16:creationId xmlns:a16="http://schemas.microsoft.com/office/drawing/2014/main" id="{23C87C0A-6BB6-4417-AAE8-9B7AE0A10355}"/>
               </a:ext>
             </a:extLst>
           </p:cNvPr>
@@ -3604,7 +4356,7 @@
           <a:blip r:embed="rId4">
             <a:extLst>
               <a:ext uri="{28A0092B-C50C-407E-A947-70E740481C1C}">
-                <a14:useLocalDpi xmlns:a14="http://schemas.microsoft.com/office/drawing/2010/main" xmlns="" val="0"/>
+                <a14:useLocalDpi xmlns:a14="http://schemas.microsoft.com/office/drawing/2010/main" val="0"/>
               </a:ext>
             </a:extLst>
           </a:blip>
@@ -3627,7 +4379,7 @@
           <p:cNvPr id="15" name="Picture 14">
             <a:extLst>
               <a:ext uri="{FF2B5EF4-FFF2-40B4-BE49-F238E27FC236}">
-                <a16:creationId xmlns:a16="http://schemas.microsoft.com/office/drawing/2014/main" xmlns="" id="{BE9BB441-FB20-4730-8E02-40B0B20C593A}"/>
+                <a16:creationId xmlns:a16="http://schemas.microsoft.com/office/drawing/2014/main" id="{BE9BB441-FB20-4730-8E02-40B0B20C593A}"/>
               </a:ext>
             </a:extLst>
           </p:cNvPr>
@@ -3640,7 +4392,7 @@
           <a:blip r:embed="rId5">
             <a:extLst>
               <a:ext uri="{28A0092B-C50C-407E-A947-70E740481C1C}">
-                <a14:useLocalDpi xmlns:a14="http://schemas.microsoft.com/office/drawing/2010/main" xmlns="" val="0"/>
+                <a14:useLocalDpi xmlns:a14="http://schemas.microsoft.com/office/drawing/2010/main" val="0"/>
               </a:ext>
             </a:extLst>
           </a:blip>
@@ -3663,7 +4415,7 @@
           <p:cNvPr id="17" name="Picture 16">
             <a:extLst>
               <a:ext uri="{FF2B5EF4-FFF2-40B4-BE49-F238E27FC236}">
-                <a16:creationId xmlns:a16="http://schemas.microsoft.com/office/drawing/2014/main" xmlns="" id="{F75BFA48-4F98-48AA-84F5-92035509AB94}"/>
+                <a16:creationId xmlns:a16="http://schemas.microsoft.com/office/drawing/2014/main" id="{F75BFA48-4F98-48AA-84F5-92035509AB94}"/>
               </a:ext>
             </a:extLst>
           </p:cNvPr>
@@ -3676,7 +4428,7 @@
           <a:blip r:embed="rId6">
             <a:extLst>
               <a:ext uri="{28A0092B-C50C-407E-A947-70E740481C1C}">
-                <a14:useLocalDpi xmlns:a14="http://schemas.microsoft.com/office/drawing/2010/main" xmlns="" val="0"/>
+                <a14:useLocalDpi xmlns:a14="http://schemas.microsoft.com/office/drawing/2010/main" val="0"/>
               </a:ext>
             </a:extLst>
           </a:blip>
@@ -3697,7 +4449,7 @@
     </p:spTree>
     <p:extLst>
       <p:ext uri="{BB962C8B-B14F-4D97-AF65-F5344CB8AC3E}">
-        <p14:creationId xmlns:p14="http://schemas.microsoft.com/office/powerpoint/2010/main" xmlns="" val="2535337005"/>
+        <p14:creationId xmlns:p14="http://schemas.microsoft.com/office/powerpoint/2010/main" val="2535337005"/>
       </p:ext>
     </p:extLst>
   </p:cSld>
@@ -3729,7 +4481,7 @@
           <p:cNvPr id="10" name="Picture 9">
             <a:extLst>
               <a:ext uri="{FF2B5EF4-FFF2-40B4-BE49-F238E27FC236}">
-                <a16:creationId xmlns:a16="http://schemas.microsoft.com/office/drawing/2014/main" xmlns="" id="{6248F25B-52F9-4CF0-BF52-629A9FD032CE}"/>
+                <a16:creationId xmlns:a16="http://schemas.microsoft.com/office/drawing/2014/main" id="{6248F25B-52F9-4CF0-BF52-629A9FD032CE}"/>
               </a:ext>
             </a:extLst>
           </p:cNvPr>
@@ -3758,7 +4510,7 @@
           <p:cNvPr id="9" name="Picture 8">
             <a:extLst>
               <a:ext uri="{FF2B5EF4-FFF2-40B4-BE49-F238E27FC236}">
-                <a16:creationId xmlns:a16="http://schemas.microsoft.com/office/drawing/2014/main" xmlns="" id="{158091B3-A577-4C1D-8D3E-131CBA84C0EE}"/>
+                <a16:creationId xmlns:a16="http://schemas.microsoft.com/office/drawing/2014/main" id="{158091B3-A577-4C1D-8D3E-131CBA84C0EE}"/>
               </a:ext>
             </a:extLst>
           </p:cNvPr>
@@ -3788,7 +4540,7 @@
           <p:cNvPr id="2" name="Title 1">
             <a:extLst>
               <a:ext uri="{FF2B5EF4-FFF2-40B4-BE49-F238E27FC236}">
-                <a16:creationId xmlns:a16="http://schemas.microsoft.com/office/drawing/2014/main" xmlns="" id="{DFC049F8-2284-4161-BE3C-431BCD0EFAB7}"/>
+                <a16:creationId xmlns:a16="http://schemas.microsoft.com/office/drawing/2014/main" id="{DFC049F8-2284-4161-BE3C-431BCD0EFAB7}"/>
               </a:ext>
             </a:extLst>
           </p:cNvPr>
@@ -3834,7 +4586,7 @@
           <p:cNvPr id="3" name="Content Placeholder 2">
             <a:extLst>
               <a:ext uri="{FF2B5EF4-FFF2-40B4-BE49-F238E27FC236}">
-                <a16:creationId xmlns:a16="http://schemas.microsoft.com/office/drawing/2014/main" xmlns="" id="{F2E045F5-714F-4E07-87A1-F5696A62ED28}"/>
+                <a16:creationId xmlns:a16="http://schemas.microsoft.com/office/drawing/2014/main" id="{F2E045F5-714F-4E07-87A1-F5696A62ED28}"/>
               </a:ext>
             </a:extLst>
           </p:cNvPr>
@@ -3885,7 +4637,7 @@
           <p:cNvPr id="6" name="TextBox 5">
             <a:extLst>
               <a:ext uri="{FF2B5EF4-FFF2-40B4-BE49-F238E27FC236}">
-                <a16:creationId xmlns:a16="http://schemas.microsoft.com/office/drawing/2014/main" xmlns="" id="{2A7FCD91-3666-4A23-B530-B70A5977CFC4}"/>
+                <a16:creationId xmlns:a16="http://schemas.microsoft.com/office/drawing/2014/main" id="{2A7FCD91-3666-4A23-B530-B70A5977CFC4}"/>
               </a:ext>
             </a:extLst>
           </p:cNvPr>
@@ -3924,7 +4676,7 @@
           <p:cNvPr id="8" name="Picture 7">
             <a:extLst>
               <a:ext uri="{FF2B5EF4-FFF2-40B4-BE49-F238E27FC236}">
-                <a16:creationId xmlns:a16="http://schemas.microsoft.com/office/drawing/2014/main" xmlns="" id="{A3117FBC-7DFD-4758-B4B9-29961EBB7136}"/>
+                <a16:creationId xmlns:a16="http://schemas.microsoft.com/office/drawing/2014/main" id="{A3117FBC-7DFD-4758-B4B9-29961EBB7136}"/>
               </a:ext>
             </a:extLst>
           </p:cNvPr>
@@ -3959,7 +4711,7 @@
           <p:cNvPr id="11" name="TextBox 10">
             <a:extLst>
               <a:ext uri="{FF2B5EF4-FFF2-40B4-BE49-F238E27FC236}">
-                <a16:creationId xmlns:a16="http://schemas.microsoft.com/office/drawing/2014/main" xmlns="" id="{0B108C47-D011-4547-9642-A8F7197FB2ED}"/>
+                <a16:creationId xmlns:a16="http://schemas.microsoft.com/office/drawing/2014/main" id="{0B108C47-D011-4547-9642-A8F7197FB2ED}"/>
               </a:ext>
             </a:extLst>
           </p:cNvPr>
@@ -4046,7 +4798,7 @@
           <p:cNvPr id="12" name="TextBox 11">
             <a:extLst>
               <a:ext uri="{FF2B5EF4-FFF2-40B4-BE49-F238E27FC236}">
-                <a16:creationId xmlns:a16="http://schemas.microsoft.com/office/drawing/2014/main" xmlns="" id="{B703FA5C-A8C2-4740-B5EE-2A5922A54DF9}"/>
+                <a16:creationId xmlns:a16="http://schemas.microsoft.com/office/drawing/2014/main" id="{B703FA5C-A8C2-4740-B5EE-2A5922A54DF9}"/>
               </a:ext>
             </a:extLst>
           </p:cNvPr>
@@ -4131,7 +4883,7 @@
     </p:spTree>
     <p:extLst>
       <p:ext uri="{BB962C8B-B14F-4D97-AF65-F5344CB8AC3E}">
-        <p14:creationId xmlns:p14="http://schemas.microsoft.com/office/powerpoint/2010/main" xmlns="" val="3187953464"/>
+        <p14:creationId xmlns:p14="http://schemas.microsoft.com/office/powerpoint/2010/main" val="3187953464"/>
       </p:ext>
     </p:extLst>
   </p:cSld>
@@ -4163,7 +4915,7 @@
           <p:cNvPr id="10" name="Picture 9">
             <a:extLst>
               <a:ext uri="{FF2B5EF4-FFF2-40B4-BE49-F238E27FC236}">
-                <a16:creationId xmlns:a16="http://schemas.microsoft.com/office/drawing/2014/main" xmlns="" id="{6248F25B-52F9-4CF0-BF52-629A9FD032CE}"/>
+                <a16:creationId xmlns:a16="http://schemas.microsoft.com/office/drawing/2014/main" id="{6248F25B-52F9-4CF0-BF52-629A9FD032CE}"/>
               </a:ext>
             </a:extLst>
           </p:cNvPr>
@@ -4192,7 +4944,7 @@
           <p:cNvPr id="9" name="Picture 8">
             <a:extLst>
               <a:ext uri="{FF2B5EF4-FFF2-40B4-BE49-F238E27FC236}">
-                <a16:creationId xmlns:a16="http://schemas.microsoft.com/office/drawing/2014/main" xmlns="" id="{158091B3-A577-4C1D-8D3E-131CBA84C0EE}"/>
+                <a16:creationId xmlns:a16="http://schemas.microsoft.com/office/drawing/2014/main" id="{158091B3-A577-4C1D-8D3E-131CBA84C0EE}"/>
               </a:ext>
             </a:extLst>
           </p:cNvPr>
@@ -4222,7 +4974,7 @@
           <p:cNvPr id="2" name="Title 1">
             <a:extLst>
               <a:ext uri="{FF2B5EF4-FFF2-40B4-BE49-F238E27FC236}">
-                <a16:creationId xmlns:a16="http://schemas.microsoft.com/office/drawing/2014/main" xmlns="" id="{DFC049F8-2284-4161-BE3C-431BCD0EFAB7}"/>
+                <a16:creationId xmlns:a16="http://schemas.microsoft.com/office/drawing/2014/main" id="{DFC049F8-2284-4161-BE3C-431BCD0EFAB7}"/>
               </a:ext>
             </a:extLst>
           </p:cNvPr>
@@ -4268,7 +5020,7 @@
           <p:cNvPr id="3" name="Content Placeholder 2">
             <a:extLst>
               <a:ext uri="{FF2B5EF4-FFF2-40B4-BE49-F238E27FC236}">
-                <a16:creationId xmlns:a16="http://schemas.microsoft.com/office/drawing/2014/main" xmlns="" id="{F2E045F5-714F-4E07-87A1-F5696A62ED28}"/>
+                <a16:creationId xmlns:a16="http://schemas.microsoft.com/office/drawing/2014/main" id="{F2E045F5-714F-4E07-87A1-F5696A62ED28}"/>
               </a:ext>
             </a:extLst>
           </p:cNvPr>
@@ -4319,7 +5071,7 @@
           <p:cNvPr id="6" name="TextBox 5">
             <a:extLst>
               <a:ext uri="{FF2B5EF4-FFF2-40B4-BE49-F238E27FC236}">
-                <a16:creationId xmlns:a16="http://schemas.microsoft.com/office/drawing/2014/main" xmlns="" id="{2A7FCD91-3666-4A23-B530-B70A5977CFC4}"/>
+                <a16:creationId xmlns:a16="http://schemas.microsoft.com/office/drawing/2014/main" id="{2A7FCD91-3666-4A23-B530-B70A5977CFC4}"/>
               </a:ext>
             </a:extLst>
           </p:cNvPr>
@@ -4358,7 +5110,7 @@
           <p:cNvPr id="8" name="Picture 7">
             <a:extLst>
               <a:ext uri="{FF2B5EF4-FFF2-40B4-BE49-F238E27FC236}">
-                <a16:creationId xmlns:a16="http://schemas.microsoft.com/office/drawing/2014/main" xmlns="" id="{A3117FBC-7DFD-4758-B4B9-29961EBB7136}"/>
+                <a16:creationId xmlns:a16="http://schemas.microsoft.com/office/drawing/2014/main" id="{A3117FBC-7DFD-4758-B4B9-29961EBB7136}"/>
               </a:ext>
             </a:extLst>
           </p:cNvPr>
@@ -4393,7 +5145,7 @@
           <p:cNvPr id="11" name="TextBox 10">
             <a:extLst>
               <a:ext uri="{FF2B5EF4-FFF2-40B4-BE49-F238E27FC236}">
-                <a16:creationId xmlns:a16="http://schemas.microsoft.com/office/drawing/2014/main" xmlns="" id="{0B108C47-D011-4547-9642-A8F7197FB2ED}"/>
+                <a16:creationId xmlns:a16="http://schemas.microsoft.com/office/drawing/2014/main" id="{0B108C47-D011-4547-9642-A8F7197FB2ED}"/>
               </a:ext>
             </a:extLst>
           </p:cNvPr>
@@ -4491,7 +5243,7 @@
           <p:cNvPr id="13" name="TextBox 12">
             <a:extLst>
               <a:ext uri="{FF2B5EF4-FFF2-40B4-BE49-F238E27FC236}">
-                <a16:creationId xmlns:a16="http://schemas.microsoft.com/office/drawing/2014/main" xmlns="" id="{51D2C041-9487-41F5-B1A0-947375EFE397}"/>
+                <a16:creationId xmlns:a16="http://schemas.microsoft.com/office/drawing/2014/main" id="{51D2C041-9487-41F5-B1A0-947375EFE397}"/>
               </a:ext>
             </a:extLst>
           </p:cNvPr>
@@ -4537,7 +5289,7 @@
     </p:spTree>
     <p:extLst>
       <p:ext uri="{BB962C8B-B14F-4D97-AF65-F5344CB8AC3E}">
-        <p14:creationId xmlns:p14="http://schemas.microsoft.com/office/powerpoint/2010/main" xmlns="" val="396850397"/>
+        <p14:creationId xmlns:p14="http://schemas.microsoft.com/office/powerpoint/2010/main" val="396850397"/>
       </p:ext>
     </p:extLst>
   </p:cSld>
@@ -4569,7 +5321,7 @@
           <p:cNvPr id="4" name="Picture 3">
             <a:extLst>
               <a:ext uri="{FF2B5EF4-FFF2-40B4-BE49-F238E27FC236}">
-                <a16:creationId xmlns:a16="http://schemas.microsoft.com/office/drawing/2014/main" xmlns="" id="{1F7B8747-803D-41C8-89FD-730522D4A3D6}"/>
+                <a16:creationId xmlns:a16="http://schemas.microsoft.com/office/drawing/2014/main" id="{1F7B8747-803D-41C8-89FD-730522D4A3D6}"/>
               </a:ext>
             </a:extLst>
           </p:cNvPr>
@@ -4604,7 +5356,7 @@
           <p:cNvPr id="2" name="Title 1">
             <a:extLst>
               <a:ext uri="{FF2B5EF4-FFF2-40B4-BE49-F238E27FC236}">
-                <a16:creationId xmlns:a16="http://schemas.microsoft.com/office/drawing/2014/main" xmlns="" id="{DFC049F8-2284-4161-BE3C-431BCD0EFAB7}"/>
+                <a16:creationId xmlns:a16="http://schemas.microsoft.com/office/drawing/2014/main" id="{DFC049F8-2284-4161-BE3C-431BCD0EFAB7}"/>
               </a:ext>
             </a:extLst>
           </p:cNvPr>
@@ -4650,7 +5402,7 @@
           <p:cNvPr id="3" name="Content Placeholder 2">
             <a:extLst>
               <a:ext uri="{FF2B5EF4-FFF2-40B4-BE49-F238E27FC236}">
-                <a16:creationId xmlns:a16="http://schemas.microsoft.com/office/drawing/2014/main" xmlns="" id="{F2E045F5-714F-4E07-87A1-F5696A62ED28}"/>
+                <a16:creationId xmlns:a16="http://schemas.microsoft.com/office/drawing/2014/main" id="{F2E045F5-714F-4E07-87A1-F5696A62ED28}"/>
               </a:ext>
             </a:extLst>
           </p:cNvPr>
@@ -4746,7 +5498,7 @@
           <p:cNvPr id="6" name="TextBox 5">
             <a:extLst>
               <a:ext uri="{FF2B5EF4-FFF2-40B4-BE49-F238E27FC236}">
-                <a16:creationId xmlns:a16="http://schemas.microsoft.com/office/drawing/2014/main" xmlns="" id="{2A7FCD91-3666-4A23-B530-B70A5977CFC4}"/>
+                <a16:creationId xmlns:a16="http://schemas.microsoft.com/office/drawing/2014/main" id="{2A7FCD91-3666-4A23-B530-B70A5977CFC4}"/>
               </a:ext>
             </a:extLst>
           </p:cNvPr>
@@ -4783,7 +5535,7 @@
     </p:spTree>
     <p:extLst>
       <p:ext uri="{BB962C8B-B14F-4D97-AF65-F5344CB8AC3E}">
-        <p14:creationId xmlns:p14="http://schemas.microsoft.com/office/powerpoint/2010/main" xmlns="" val="3875203172"/>
+        <p14:creationId xmlns:p14="http://schemas.microsoft.com/office/powerpoint/2010/main" val="3875203172"/>
       </p:ext>
     </p:extLst>
   </p:cSld>
@@ -4815,7 +5567,7 @@
           <p:cNvPr id="2" name="Title 1">
             <a:extLst>
               <a:ext uri="{FF2B5EF4-FFF2-40B4-BE49-F238E27FC236}">
-                <a16:creationId xmlns:a16="http://schemas.microsoft.com/office/drawing/2014/main" xmlns="" id="{DFC049F8-2284-4161-BE3C-431BCD0EFAB7}"/>
+                <a16:creationId xmlns:a16="http://schemas.microsoft.com/office/drawing/2014/main" id="{DFC049F8-2284-4161-BE3C-431BCD0EFAB7}"/>
               </a:ext>
             </a:extLst>
           </p:cNvPr>
@@ -4828,8 +5580,8 @@
         </p:nvSpPr>
         <p:spPr>
           <a:xfrm>
-            <a:off x="838200" y="365125"/>
-            <a:ext cx="10515600" cy="566053"/>
+            <a:off x="838199" y="365125"/>
+            <a:ext cx="10515601" cy="566053"/>
           </a:xfrm>
           <a:ln>
             <a:solidFill>
@@ -4848,6 +5600,282 @@
               <a:rPr lang="en-GB" dirty="0">
                 <a:latin typeface="Bodoni MT" panose="02070603080606020203" pitchFamily="18" charset="0"/>
               </a:rPr>
+              <a:t>Planning and Ideas</a:t>
+            </a:r>
+          </a:p>
+        </p:txBody>
+      </p:sp>
+      <p:sp>
+        <p:nvSpPr>
+          <p:cNvPr id="6" name="TextBox 5">
+            <a:extLst>
+              <a:ext uri="{FF2B5EF4-FFF2-40B4-BE49-F238E27FC236}">
+                <a16:creationId xmlns:a16="http://schemas.microsoft.com/office/drawing/2014/main" id="{3F80BD68-2B59-4BE1-A899-630919EAEA8A}"/>
+              </a:ext>
+            </a:extLst>
+          </p:cNvPr>
+          <p:cNvSpPr txBox="1"/>
+          <p:nvPr/>
+        </p:nvSpPr>
+        <p:spPr>
+          <a:xfrm>
+            <a:off x="10233870" y="240664"/>
+            <a:ext cx="1393272" cy="707886"/>
+          </a:xfrm>
+          <a:prstGeom prst="rect">
+            <a:avLst/>
+          </a:prstGeom>
+          <a:noFill/>
+        </p:spPr>
+        <p:txBody>
+          <a:bodyPr wrap="square" rtlCol="0">
+            <a:spAutoFit/>
+          </a:bodyPr>
+          <a:lstStyle/>
+          <a:p>
+            <a:pPr algn="ctr"/>
+            <a:r>
+              <a:rPr lang="en-GB" sz="4000" i="1" dirty="0">
+                <a:latin typeface="Bodoni MT" panose="02070603080606020203" pitchFamily="18" charset="0"/>
+                <a:ea typeface="Cambria Math" panose="02040503050406030204" pitchFamily="18" charset="0"/>
+              </a:rPr>
+              <a:t>(1)</a:t>
+            </a:r>
+          </a:p>
+        </p:txBody>
+      </p:sp>
+      <p:pic>
+        <p:nvPicPr>
+          <p:cNvPr id="5" name="Picture 4">
+            <a:extLst>
+              <a:ext uri="{FF2B5EF4-FFF2-40B4-BE49-F238E27FC236}">
+                <a16:creationId xmlns:a16="http://schemas.microsoft.com/office/drawing/2014/main" id="{020817A5-9300-4D98-B692-D6147E3BD93A}"/>
+              </a:ext>
+            </a:extLst>
+          </p:cNvPr>
+          <p:cNvPicPr/>
+          <p:nvPr/>
+        </p:nvPicPr>
+        <p:blipFill>
+          <a:blip r:embed="rId3" cstate="print">
+            <a:extLst>
+              <a:ext uri="{28A0092B-C50C-407E-A947-70E740481C1C}">
+                <a14:useLocalDpi xmlns:a14="http://schemas.microsoft.com/office/drawing/2010/main" val="0"/>
+              </a:ext>
+            </a:extLst>
+          </a:blip>
+          <a:stretch>
+            <a:fillRect/>
+          </a:stretch>
+        </p:blipFill>
+        <p:spPr>
+          <a:xfrm>
+            <a:off x="838199" y="931178"/>
+            <a:ext cx="5257801" cy="2860646"/>
+          </a:xfrm>
+          <a:prstGeom prst="rect">
+            <a:avLst/>
+          </a:prstGeom>
+          <a:ln>
+            <a:solidFill>
+              <a:schemeClr val="tx1"/>
+            </a:solidFill>
+          </a:ln>
+        </p:spPr>
+      </p:pic>
+      <p:pic>
+        <p:nvPicPr>
+          <p:cNvPr id="7" name="Content Placeholder 6">
+            <a:extLst>
+              <a:ext uri="{FF2B5EF4-FFF2-40B4-BE49-F238E27FC236}">
+                <a16:creationId xmlns:a16="http://schemas.microsoft.com/office/drawing/2014/main" id="{70CDBECA-B97D-4C2C-AC55-CFFC02982EF8}"/>
+              </a:ext>
+            </a:extLst>
+          </p:cNvPr>
+          <p:cNvPicPr>
+            <a:picLocks noGrp="1"/>
+          </p:cNvPicPr>
+          <p:nvPr>
+            <p:ph idx="1"/>
+          </p:nvPr>
+        </p:nvPicPr>
+        <p:blipFill>
+          <a:blip r:embed="rId4" cstate="print">
+            <a:extLst>
+              <a:ext uri="{28A0092B-C50C-407E-A947-70E740481C1C}">
+                <a14:useLocalDpi xmlns:a14="http://schemas.microsoft.com/office/drawing/2010/main" val="0"/>
+              </a:ext>
+            </a:extLst>
+          </a:blip>
+          <a:stretch>
+            <a:fillRect/>
+          </a:stretch>
+        </p:blipFill>
+        <p:spPr>
+          <a:xfrm>
+            <a:off x="6095998" y="931178"/>
+            <a:ext cx="5257801" cy="2860646"/>
+          </a:xfrm>
+          <a:prstGeom prst="rect">
+            <a:avLst/>
+          </a:prstGeom>
+          <a:ln>
+            <a:solidFill>
+              <a:schemeClr val="tx1"/>
+            </a:solidFill>
+          </a:ln>
+        </p:spPr>
+      </p:pic>
+      <p:pic>
+        <p:nvPicPr>
+          <p:cNvPr id="8" name="Picture 7">
+            <a:extLst>
+              <a:ext uri="{FF2B5EF4-FFF2-40B4-BE49-F238E27FC236}">
+                <a16:creationId xmlns:a16="http://schemas.microsoft.com/office/drawing/2014/main" id="{31976AD6-994F-4EFA-9220-B0F8E43BE61B}"/>
+              </a:ext>
+            </a:extLst>
+          </p:cNvPr>
+          <p:cNvPicPr/>
+          <p:nvPr/>
+        </p:nvPicPr>
+        <p:blipFill>
+          <a:blip r:embed="rId5" cstate="print">
+            <a:extLst>
+              <a:ext uri="{28A0092B-C50C-407E-A947-70E740481C1C}">
+                <a14:useLocalDpi xmlns:a14="http://schemas.microsoft.com/office/drawing/2010/main" val="0"/>
+              </a:ext>
+            </a:extLst>
+          </a:blip>
+          <a:stretch>
+            <a:fillRect/>
+          </a:stretch>
+        </p:blipFill>
+        <p:spPr>
+          <a:xfrm>
+            <a:off x="838199" y="3791823"/>
+            <a:ext cx="5257798" cy="2860645"/>
+          </a:xfrm>
+          <a:prstGeom prst="rect">
+            <a:avLst/>
+          </a:prstGeom>
+          <a:ln>
+            <a:solidFill>
+              <a:schemeClr val="tx1"/>
+            </a:solidFill>
+          </a:ln>
+        </p:spPr>
+      </p:pic>
+      <p:pic>
+        <p:nvPicPr>
+          <p:cNvPr id="9" name="Picture 8">
+            <a:extLst>
+              <a:ext uri="{FF2B5EF4-FFF2-40B4-BE49-F238E27FC236}">
+                <a16:creationId xmlns:a16="http://schemas.microsoft.com/office/drawing/2014/main" id="{2820CE08-0969-4652-A714-794DE1C22F36}"/>
+              </a:ext>
+            </a:extLst>
+          </p:cNvPr>
+          <p:cNvPicPr/>
+          <p:nvPr/>
+        </p:nvPicPr>
+        <p:blipFill rotWithShape="1">
+          <a:blip r:embed="rId6" cstate="print">
+            <a:extLst>
+              <a:ext uri="{28A0092B-C50C-407E-A947-70E740481C1C}">
+                <a14:useLocalDpi xmlns:a14="http://schemas.microsoft.com/office/drawing/2010/main" val="0"/>
+              </a:ext>
+            </a:extLst>
+          </a:blip>
+          <a:srcRect/>
+          <a:stretch/>
+        </p:blipFill>
+        <p:spPr bwMode="auto">
+          <a:xfrm>
+            <a:off x="6095997" y="3791822"/>
+            <a:ext cx="5257798" cy="2860645"/>
+          </a:xfrm>
+          <a:prstGeom prst="rect">
+            <a:avLst/>
+          </a:prstGeom>
+          <a:ln>
+            <a:solidFill>
+              <a:schemeClr val="tx1"/>
+            </a:solidFill>
+          </a:ln>
+          <a:extLst>
+            <a:ext uri="{53640926-AAD7-44D8-BBD7-CCE9431645EC}">
+              <a14:shadowObscured xmlns:a14="http://schemas.microsoft.com/office/drawing/2010/main"/>
+            </a:ext>
+          </a:extLst>
+        </p:spPr>
+      </p:pic>
+    </p:spTree>
+    <p:extLst>
+      <p:ext uri="{BB962C8B-B14F-4D97-AF65-F5344CB8AC3E}">
+        <p14:creationId xmlns:p14="http://schemas.microsoft.com/office/powerpoint/2010/main" val="2515389119"/>
+      </p:ext>
+    </p:extLst>
+  </p:cSld>
+  <p:clrMapOvr>
+    <a:masterClrMapping/>
+  </p:clrMapOvr>
+</p:sld>
+</file>
+
+<file path=ppt/slides/slide3.xml><?xml version="1.0" encoding="utf-8"?>
+<p:sld xmlns:a="http://schemas.openxmlformats.org/drawingml/2006/main" xmlns:r="http://schemas.openxmlformats.org/officeDocument/2006/relationships" xmlns:p="http://schemas.openxmlformats.org/presentationml/2006/main">
+  <p:cSld>
+    <p:spTree>
+      <p:nvGrpSpPr>
+        <p:cNvPr id="1" name=""/>
+        <p:cNvGrpSpPr/>
+        <p:nvPr/>
+      </p:nvGrpSpPr>
+      <p:grpSpPr>
+        <a:xfrm>
+          <a:off x="0" y="0"/>
+          <a:ext cx="0" cy="0"/>
+          <a:chOff x="0" y="0"/>
+          <a:chExt cx="0" cy="0"/>
+        </a:xfrm>
+      </p:grpSpPr>
+      <p:sp>
+        <p:nvSpPr>
+          <p:cNvPr id="2" name="Title 1">
+            <a:extLst>
+              <a:ext uri="{FF2B5EF4-FFF2-40B4-BE49-F238E27FC236}">
+                <a16:creationId xmlns:a16="http://schemas.microsoft.com/office/drawing/2014/main" id="{DFC049F8-2284-4161-BE3C-431BCD0EFAB7}"/>
+              </a:ext>
+            </a:extLst>
+          </p:cNvPr>
+          <p:cNvSpPr>
+            <a:spLocks noGrp="1"/>
+          </p:cNvSpPr>
+          <p:nvPr>
+            <p:ph type="title"/>
+          </p:nvPr>
+        </p:nvSpPr>
+        <p:spPr>
+          <a:xfrm>
+            <a:off x="838200" y="365125"/>
+            <a:ext cx="10515600" cy="566053"/>
+          </a:xfrm>
+          <a:ln>
+            <a:solidFill>
+              <a:schemeClr val="tx1"/>
+            </a:solidFill>
+          </a:ln>
+        </p:spPr>
+        <p:txBody>
+          <a:bodyPr>
+            <a:normAutofit fontScale="90000"/>
+          </a:bodyPr>
+          <a:lstStyle/>
+          <a:p>
+            <a:pPr algn="ctr"/>
+            <a:r>
+              <a:rPr lang="en-GB" dirty="0">
+                <a:latin typeface="Bodoni MT" panose="02070603080606020203" pitchFamily="18" charset="0"/>
+              </a:rPr>
               <a:t>Description</a:t>
             </a:r>
           </a:p>
@@ -4858,7 +5886,7 @@
           <p:cNvPr id="3" name="Content Placeholder 2">
             <a:extLst>
               <a:ext uri="{FF2B5EF4-FFF2-40B4-BE49-F238E27FC236}">
-                <a16:creationId xmlns:a16="http://schemas.microsoft.com/office/drawing/2014/main" xmlns="" id="{F2E045F5-714F-4E07-87A1-F5696A62ED28}"/>
+                <a16:creationId xmlns:a16="http://schemas.microsoft.com/office/drawing/2014/main" id="{F2E045F5-714F-4E07-87A1-F5696A62ED28}"/>
               </a:ext>
             </a:extLst>
           </p:cNvPr>
@@ -4943,7 +5971,7 @@
           <p:cNvPr id="4" name="TextBox 3">
             <a:extLst>
               <a:ext uri="{FF2B5EF4-FFF2-40B4-BE49-F238E27FC236}">
-                <a16:creationId xmlns:a16="http://schemas.microsoft.com/office/drawing/2014/main" xmlns="" id="{F5625C9B-D094-4FBC-8055-B24672E9398B}"/>
+                <a16:creationId xmlns:a16="http://schemas.microsoft.com/office/drawing/2014/main" id="{F5625C9B-D094-4FBC-8055-B24672E9398B}"/>
               </a:ext>
             </a:extLst>
           </p:cNvPr>
@@ -4982,7 +6010,7 @@
           <p:cNvPr id="5" name="Content Placeholder 2">
             <a:extLst>
               <a:ext uri="{FF2B5EF4-FFF2-40B4-BE49-F238E27FC236}">
-                <a16:creationId xmlns:a16="http://schemas.microsoft.com/office/drawing/2014/main" xmlns="" id="{C7089040-DF2C-484B-AFBB-ECF62504C88A}"/>
+                <a16:creationId xmlns:a16="http://schemas.microsoft.com/office/drawing/2014/main" id="{C7089040-DF2C-484B-AFBB-ECF62504C88A}"/>
               </a:ext>
             </a:extLst>
           </p:cNvPr>
@@ -5282,7 +6310,7 @@
           <p:cNvPr id="9" name="Picture 8">
             <a:extLst>
               <a:ext uri="{FF2B5EF4-FFF2-40B4-BE49-F238E27FC236}">
-                <a16:creationId xmlns:a16="http://schemas.microsoft.com/office/drawing/2014/main" xmlns="" id="{40C29DDE-834E-4869-B4AB-47C72B5ED44E}"/>
+                <a16:creationId xmlns:a16="http://schemas.microsoft.com/office/drawing/2014/main" id="{40C29DDE-834E-4869-B4AB-47C72B5ED44E}"/>
               </a:ext>
             </a:extLst>
           </p:cNvPr>
@@ -5292,10 +6320,10 @@
           <p:nvPr/>
         </p:nvPicPr>
         <p:blipFill>
-          <a:blip r:embed="rId2">
+          <a:blip r:embed="rId3">
             <a:extLst>
               <a:ext uri="{28A0092B-C50C-407E-A947-70E740481C1C}">
-                <a14:useLocalDpi xmlns:a14="http://schemas.microsoft.com/office/drawing/2010/main" xmlns="" val="0"/>
+                <a14:useLocalDpi xmlns:a14="http://schemas.microsoft.com/office/drawing/2010/main" val="0"/>
               </a:ext>
             </a:extLst>
           </a:blip>
@@ -5321,283 +6349,7 @@
     </p:spTree>
     <p:extLst>
       <p:ext uri="{BB962C8B-B14F-4D97-AF65-F5344CB8AC3E}">
-        <p14:creationId xmlns:p14="http://schemas.microsoft.com/office/powerpoint/2010/main" xmlns="" val="1039289397"/>
-      </p:ext>
-    </p:extLst>
-  </p:cSld>
-  <p:clrMapOvr>
-    <a:masterClrMapping/>
-  </p:clrMapOvr>
-</p:sld>
-</file>
-
-<file path=ppt/slides/slide3.xml><?xml version="1.0" encoding="utf-8"?>
-<p:sld xmlns:a="http://schemas.openxmlformats.org/drawingml/2006/main" xmlns:r="http://schemas.openxmlformats.org/officeDocument/2006/relationships" xmlns:p="http://schemas.openxmlformats.org/presentationml/2006/main">
-  <p:cSld>
-    <p:spTree>
-      <p:nvGrpSpPr>
-        <p:cNvPr id="1" name=""/>
-        <p:cNvGrpSpPr/>
-        <p:nvPr/>
-      </p:nvGrpSpPr>
-      <p:grpSpPr>
-        <a:xfrm>
-          <a:off x="0" y="0"/>
-          <a:ext cx="0" cy="0"/>
-          <a:chOff x="0" y="0"/>
-          <a:chExt cx="0" cy="0"/>
-        </a:xfrm>
-      </p:grpSpPr>
-      <p:sp>
-        <p:nvSpPr>
-          <p:cNvPr id="2" name="Title 1">
-            <a:extLst>
-              <a:ext uri="{FF2B5EF4-FFF2-40B4-BE49-F238E27FC236}">
-                <a16:creationId xmlns:a16="http://schemas.microsoft.com/office/drawing/2014/main" xmlns="" id="{DFC049F8-2284-4161-BE3C-431BCD0EFAB7}"/>
-              </a:ext>
-            </a:extLst>
-          </p:cNvPr>
-          <p:cNvSpPr>
-            <a:spLocks noGrp="1"/>
-          </p:cNvSpPr>
-          <p:nvPr>
-            <p:ph type="title"/>
-          </p:nvPr>
-        </p:nvSpPr>
-        <p:spPr>
-          <a:xfrm>
-            <a:off x="838199" y="365125"/>
-            <a:ext cx="10515601" cy="566053"/>
-          </a:xfrm>
-          <a:ln>
-            <a:solidFill>
-              <a:schemeClr val="tx1"/>
-            </a:solidFill>
-          </a:ln>
-        </p:spPr>
-        <p:txBody>
-          <a:bodyPr>
-            <a:normAutofit fontScale="90000"/>
-          </a:bodyPr>
-          <a:lstStyle/>
-          <a:p>
-            <a:pPr algn="ctr"/>
-            <a:r>
-              <a:rPr lang="en-GB" dirty="0">
-                <a:latin typeface="Bodoni MT" panose="02070603080606020203" pitchFamily="18" charset="0"/>
-              </a:rPr>
-              <a:t>Planning and Ideas</a:t>
-            </a:r>
-          </a:p>
-        </p:txBody>
-      </p:sp>
-      <p:sp>
-        <p:nvSpPr>
-          <p:cNvPr id="6" name="TextBox 5">
-            <a:extLst>
-              <a:ext uri="{FF2B5EF4-FFF2-40B4-BE49-F238E27FC236}">
-                <a16:creationId xmlns:a16="http://schemas.microsoft.com/office/drawing/2014/main" xmlns="" id="{3F80BD68-2B59-4BE1-A899-630919EAEA8A}"/>
-              </a:ext>
-            </a:extLst>
-          </p:cNvPr>
-          <p:cNvSpPr txBox="1"/>
-          <p:nvPr/>
-        </p:nvSpPr>
-        <p:spPr>
-          <a:xfrm>
-            <a:off x="10233870" y="240664"/>
-            <a:ext cx="1393272" cy="707886"/>
-          </a:xfrm>
-          <a:prstGeom prst="rect">
-            <a:avLst/>
-          </a:prstGeom>
-          <a:noFill/>
-        </p:spPr>
-        <p:txBody>
-          <a:bodyPr wrap="square" rtlCol="0">
-            <a:spAutoFit/>
-          </a:bodyPr>
-          <a:lstStyle/>
-          <a:p>
-            <a:pPr algn="ctr"/>
-            <a:r>
-              <a:rPr lang="en-GB" sz="4000" i="1" dirty="0">
-                <a:latin typeface="Bodoni MT" panose="02070603080606020203" pitchFamily="18" charset="0"/>
-                <a:ea typeface="Cambria Math" panose="02040503050406030204" pitchFamily="18" charset="0"/>
-              </a:rPr>
-              <a:t>(1)</a:t>
-            </a:r>
-          </a:p>
-        </p:txBody>
-      </p:sp>
-      <p:pic>
-        <p:nvPicPr>
-          <p:cNvPr id="5" name="Picture 4">
-            <a:extLst>
-              <a:ext uri="{FF2B5EF4-FFF2-40B4-BE49-F238E27FC236}">
-                <a16:creationId xmlns:a16="http://schemas.microsoft.com/office/drawing/2014/main" xmlns="" id="{020817A5-9300-4D98-B692-D6147E3BD93A}"/>
-              </a:ext>
-            </a:extLst>
-          </p:cNvPr>
-          <p:cNvPicPr/>
-          <p:nvPr/>
-        </p:nvPicPr>
-        <p:blipFill>
-          <a:blip r:embed="rId2" cstate="print">
-            <a:extLst>
-              <a:ext uri="{28A0092B-C50C-407E-A947-70E740481C1C}">
-                <a14:useLocalDpi xmlns:a14="http://schemas.microsoft.com/office/drawing/2010/main" xmlns="" val="0"/>
-              </a:ext>
-            </a:extLst>
-          </a:blip>
-          <a:stretch>
-            <a:fillRect/>
-          </a:stretch>
-        </p:blipFill>
-        <p:spPr>
-          <a:xfrm>
-            <a:off x="838199" y="931178"/>
-            <a:ext cx="5257801" cy="2860646"/>
-          </a:xfrm>
-          <a:prstGeom prst="rect">
-            <a:avLst/>
-          </a:prstGeom>
-          <a:ln>
-            <a:solidFill>
-              <a:schemeClr val="tx1"/>
-            </a:solidFill>
-          </a:ln>
-        </p:spPr>
-      </p:pic>
-      <p:pic>
-        <p:nvPicPr>
-          <p:cNvPr id="7" name="Content Placeholder 6">
-            <a:extLst>
-              <a:ext uri="{FF2B5EF4-FFF2-40B4-BE49-F238E27FC236}">
-                <a16:creationId xmlns:a16="http://schemas.microsoft.com/office/drawing/2014/main" xmlns="" id="{70CDBECA-B97D-4C2C-AC55-CFFC02982EF8}"/>
-              </a:ext>
-            </a:extLst>
-          </p:cNvPr>
-          <p:cNvPicPr>
-            <a:picLocks noGrp="1"/>
-          </p:cNvPicPr>
-          <p:nvPr>
-            <p:ph idx="1"/>
-          </p:nvPr>
-        </p:nvPicPr>
-        <p:blipFill>
-          <a:blip r:embed="rId3" cstate="print">
-            <a:extLst>
-              <a:ext uri="{28A0092B-C50C-407E-A947-70E740481C1C}">
-                <a14:useLocalDpi xmlns:a14="http://schemas.microsoft.com/office/drawing/2010/main" xmlns="" val="0"/>
-              </a:ext>
-            </a:extLst>
-          </a:blip>
-          <a:stretch>
-            <a:fillRect/>
-          </a:stretch>
-        </p:blipFill>
-        <p:spPr>
-          <a:xfrm>
-            <a:off x="6095998" y="931178"/>
-            <a:ext cx="5257801" cy="2860646"/>
-          </a:xfrm>
-          <a:prstGeom prst="rect">
-            <a:avLst/>
-          </a:prstGeom>
-          <a:ln>
-            <a:solidFill>
-              <a:schemeClr val="tx1"/>
-            </a:solidFill>
-          </a:ln>
-        </p:spPr>
-      </p:pic>
-      <p:pic>
-        <p:nvPicPr>
-          <p:cNvPr id="8" name="Picture 7">
-            <a:extLst>
-              <a:ext uri="{FF2B5EF4-FFF2-40B4-BE49-F238E27FC236}">
-                <a16:creationId xmlns:a16="http://schemas.microsoft.com/office/drawing/2014/main" xmlns="" id="{31976AD6-994F-4EFA-9220-B0F8E43BE61B}"/>
-              </a:ext>
-            </a:extLst>
-          </p:cNvPr>
-          <p:cNvPicPr/>
-          <p:nvPr/>
-        </p:nvPicPr>
-        <p:blipFill>
-          <a:blip r:embed="rId4" cstate="print">
-            <a:extLst>
-              <a:ext uri="{28A0092B-C50C-407E-A947-70E740481C1C}">
-                <a14:useLocalDpi xmlns:a14="http://schemas.microsoft.com/office/drawing/2010/main" xmlns="" val="0"/>
-              </a:ext>
-            </a:extLst>
-          </a:blip>
-          <a:stretch>
-            <a:fillRect/>
-          </a:stretch>
-        </p:blipFill>
-        <p:spPr>
-          <a:xfrm>
-            <a:off x="838199" y="3791823"/>
-            <a:ext cx="5257798" cy="2860645"/>
-          </a:xfrm>
-          <a:prstGeom prst="rect">
-            <a:avLst/>
-          </a:prstGeom>
-          <a:ln>
-            <a:solidFill>
-              <a:schemeClr val="tx1"/>
-            </a:solidFill>
-          </a:ln>
-        </p:spPr>
-      </p:pic>
-      <p:pic>
-        <p:nvPicPr>
-          <p:cNvPr id="9" name="Picture 8">
-            <a:extLst>
-              <a:ext uri="{FF2B5EF4-FFF2-40B4-BE49-F238E27FC236}">
-                <a16:creationId xmlns:a16="http://schemas.microsoft.com/office/drawing/2014/main" xmlns="" id="{2820CE08-0969-4652-A714-794DE1C22F36}"/>
-              </a:ext>
-            </a:extLst>
-          </p:cNvPr>
-          <p:cNvPicPr/>
-          <p:nvPr/>
-        </p:nvPicPr>
-        <p:blipFill rotWithShape="1">
-          <a:blip r:embed="rId5" cstate="print">
-            <a:extLst>
-              <a:ext uri="{28A0092B-C50C-407E-A947-70E740481C1C}">
-                <a14:useLocalDpi xmlns:a14="http://schemas.microsoft.com/office/drawing/2010/main" xmlns="" val="0"/>
-              </a:ext>
-            </a:extLst>
-          </a:blip>
-          <a:srcRect/>
-          <a:stretch/>
-        </p:blipFill>
-        <p:spPr bwMode="auto">
-          <a:xfrm>
-            <a:off x="6095997" y="3791822"/>
-            <a:ext cx="5257798" cy="2860645"/>
-          </a:xfrm>
-          <a:prstGeom prst="rect">
-            <a:avLst/>
-          </a:prstGeom>
-          <a:ln>
-            <a:solidFill>
-              <a:schemeClr val="tx1"/>
-            </a:solidFill>
-          </a:ln>
-          <a:extLst>
-            <a:ext uri="{53640926-AAD7-44D8-BBD7-CCE9431645EC}">
-              <a14:shadowObscured xmlns:a14="http://schemas.microsoft.com/office/drawing/2010/main" xmlns=""/>
-            </a:ext>
-          </a:extLst>
-        </p:spPr>
-      </p:pic>
-    </p:spTree>
-    <p:extLst>
-      <p:ext uri="{BB962C8B-B14F-4D97-AF65-F5344CB8AC3E}">
-        <p14:creationId xmlns:p14="http://schemas.microsoft.com/office/powerpoint/2010/main" xmlns="" val="2515389119"/>
+        <p14:creationId xmlns:p14="http://schemas.microsoft.com/office/powerpoint/2010/main" val="1039289397"/>
       </p:ext>
     </p:extLst>
   </p:cSld>
@@ -5629,173 +6381,7 @@
           <p:cNvPr id="4" name="Picture 3">
             <a:extLst>
               <a:ext uri="{FF2B5EF4-FFF2-40B4-BE49-F238E27FC236}">
-                <a16:creationId xmlns:a16="http://schemas.microsoft.com/office/drawing/2014/main" xmlns="" id="{22743576-691A-4405-BDDF-B116F148661C}"/>
-              </a:ext>
-            </a:extLst>
-          </p:cNvPr>
-          <p:cNvPicPr>
-            <a:picLocks noChangeAspect="1"/>
-          </p:cNvPicPr>
-          <p:nvPr/>
-        </p:nvPicPr>
-        <p:blipFill>
-          <a:blip r:embed="rId2"/>
-          <a:stretch>
-            <a:fillRect/>
-          </a:stretch>
-        </p:blipFill>
-        <p:spPr>
-          <a:xfrm>
-            <a:off x="0" y="0"/>
-            <a:ext cx="12192000" cy="6859435"/>
-          </a:xfrm>
-          <a:prstGeom prst="rect">
-            <a:avLst/>
-          </a:prstGeom>
-        </p:spPr>
-      </p:pic>
-      <p:sp>
-        <p:nvSpPr>
-          <p:cNvPr id="2" name="Title 1">
-            <a:extLst>
-              <a:ext uri="{FF2B5EF4-FFF2-40B4-BE49-F238E27FC236}">
-                <a16:creationId xmlns:a16="http://schemas.microsoft.com/office/drawing/2014/main" xmlns="" id="{DFC049F8-2284-4161-BE3C-431BCD0EFAB7}"/>
-              </a:ext>
-            </a:extLst>
-          </p:cNvPr>
-          <p:cNvSpPr>
-            <a:spLocks noGrp="1"/>
-          </p:cNvSpPr>
-          <p:nvPr>
-            <p:ph type="title"/>
-          </p:nvPr>
-        </p:nvSpPr>
-        <p:spPr>
-          <a:xfrm>
-            <a:off x="838200" y="365125"/>
-            <a:ext cx="10515600" cy="566053"/>
-          </a:xfrm>
-          <a:solidFill>
-            <a:schemeClr val="bg1"/>
-          </a:solidFill>
-          <a:ln>
-            <a:solidFill>
-              <a:schemeClr val="tx1"/>
-            </a:solidFill>
-          </a:ln>
-        </p:spPr>
-        <p:txBody>
-          <a:bodyPr>
-            <a:normAutofit fontScale="90000"/>
-          </a:bodyPr>
-          <a:lstStyle/>
-          <a:p>
-            <a:pPr algn="ctr"/>
-            <a:r>
-              <a:rPr lang="en-GB" dirty="0">
-                <a:latin typeface="Bodoni MT" panose="02070603080606020203" pitchFamily="18" charset="0"/>
-              </a:rPr>
-              <a:t>Gameplay</a:t>
-            </a:r>
-          </a:p>
-        </p:txBody>
-      </p:sp>
-      <p:sp>
-        <p:nvSpPr>
-          <p:cNvPr id="3" name="Content Placeholder 2">
-            <a:extLst>
-              <a:ext uri="{FF2B5EF4-FFF2-40B4-BE49-F238E27FC236}">
-                <a16:creationId xmlns:a16="http://schemas.microsoft.com/office/drawing/2014/main" xmlns="" id="{F2E045F5-714F-4E07-87A1-F5696A62ED28}"/>
-              </a:ext>
-            </a:extLst>
-          </p:cNvPr>
-          <p:cNvSpPr>
-            <a:spLocks noGrp="1"/>
-          </p:cNvSpPr>
-          <p:nvPr>
-            <p:ph idx="1"/>
-          </p:nvPr>
-        </p:nvSpPr>
-        <p:spPr>
-          <a:xfrm>
-            <a:off x="838200" y="931178"/>
-            <a:ext cx="10515600" cy="5245785"/>
-          </a:xfrm>
-          <a:solidFill>
-            <a:schemeClr val="bg1"/>
-          </a:solidFill>
-          <a:ln>
-            <a:solidFill>
-              <a:schemeClr val="tx1"/>
-            </a:solidFill>
-          </a:ln>
-        </p:spPr>
-        <p:txBody>
-          <a:bodyPr/>
-          <a:lstStyle/>
-          <a:p>
-            <a:pPr marL="0" indent="0">
-              <a:buNone/>
-            </a:pPr>
-            <a:endParaRPr lang="en-GB" b="1" dirty="0">
-              <a:latin typeface="Bodoni MT" panose="02070603080606020203" pitchFamily="18" charset="0"/>
-            </a:endParaRPr>
-          </a:p>
-          <a:p>
-            <a:pPr marL="0" indent="0">
-              <a:buNone/>
-            </a:pPr>
-            <a:endParaRPr lang="en-GB" b="1" dirty="0">
-              <a:latin typeface="Bodoni MT" panose="02070603080606020203" pitchFamily="18" charset="0"/>
-            </a:endParaRPr>
-          </a:p>
-        </p:txBody>
-      </p:sp>
-      <p:sp>
-        <p:nvSpPr>
-          <p:cNvPr id="6" name="TextBox 5">
-            <a:extLst>
-              <a:ext uri="{FF2B5EF4-FFF2-40B4-BE49-F238E27FC236}">
-                <a16:creationId xmlns:a16="http://schemas.microsoft.com/office/drawing/2014/main" xmlns="" id="{3F80BD68-2B59-4BE1-A899-630919EAEA8A}"/>
-              </a:ext>
-            </a:extLst>
-          </p:cNvPr>
-          <p:cNvSpPr txBox="1"/>
-          <p:nvPr/>
-        </p:nvSpPr>
-        <p:spPr>
-          <a:xfrm>
-            <a:off x="10233870" y="240664"/>
-            <a:ext cx="1393272" cy="707886"/>
-          </a:xfrm>
-          <a:prstGeom prst="rect">
-            <a:avLst/>
-          </a:prstGeom>
-          <a:noFill/>
-        </p:spPr>
-        <p:txBody>
-          <a:bodyPr wrap="square" rtlCol="0">
-            <a:spAutoFit/>
-          </a:bodyPr>
-          <a:lstStyle/>
-          <a:p>
-            <a:pPr algn="ctr"/>
-            <a:r>
-              <a:rPr lang="en-GB" sz="4000" i="1" dirty="0">
-                <a:latin typeface="Bodoni MT" panose="02070603080606020203" pitchFamily="18" charset="0"/>
-                <a:ea typeface="Cambria Math" panose="02040503050406030204" pitchFamily="18" charset="0"/>
-              </a:rPr>
-              <a:t>(2)</a:t>
-            </a:r>
-          </a:p>
-        </p:txBody>
-      </p:sp>
-      <p:pic>
-        <p:nvPicPr>
-          <p:cNvPr id="7" name="Picture 6">
-            <a:extLst>
-              <a:ext uri="{FF2B5EF4-FFF2-40B4-BE49-F238E27FC236}">
-                <a16:creationId xmlns:a16="http://schemas.microsoft.com/office/drawing/2014/main" xmlns="" id="{FF382487-E1F7-498D-9230-4BB45A06FCC0}"/>
+                <a16:creationId xmlns:a16="http://schemas.microsoft.com/office/drawing/2014/main" id="{22743576-691A-4405-BDDF-B116F148661C}"/>
               </a:ext>
             </a:extLst>
           </p:cNvPr>
@@ -5812,6 +6398,172 @@
         </p:blipFill>
         <p:spPr>
           <a:xfrm>
+            <a:off x="0" y="0"/>
+            <a:ext cx="12192000" cy="6859435"/>
+          </a:xfrm>
+          <a:prstGeom prst="rect">
+            <a:avLst/>
+          </a:prstGeom>
+        </p:spPr>
+      </p:pic>
+      <p:sp>
+        <p:nvSpPr>
+          <p:cNvPr id="2" name="Title 1">
+            <a:extLst>
+              <a:ext uri="{FF2B5EF4-FFF2-40B4-BE49-F238E27FC236}">
+                <a16:creationId xmlns:a16="http://schemas.microsoft.com/office/drawing/2014/main" id="{DFC049F8-2284-4161-BE3C-431BCD0EFAB7}"/>
+              </a:ext>
+            </a:extLst>
+          </p:cNvPr>
+          <p:cNvSpPr>
+            <a:spLocks noGrp="1"/>
+          </p:cNvSpPr>
+          <p:nvPr>
+            <p:ph type="title"/>
+          </p:nvPr>
+        </p:nvSpPr>
+        <p:spPr>
+          <a:xfrm>
+            <a:off x="838200" y="365125"/>
+            <a:ext cx="10515600" cy="566053"/>
+          </a:xfrm>
+          <a:solidFill>
+            <a:schemeClr val="bg1"/>
+          </a:solidFill>
+          <a:ln>
+            <a:solidFill>
+              <a:schemeClr val="tx1"/>
+            </a:solidFill>
+          </a:ln>
+        </p:spPr>
+        <p:txBody>
+          <a:bodyPr>
+            <a:normAutofit fontScale="90000"/>
+          </a:bodyPr>
+          <a:lstStyle/>
+          <a:p>
+            <a:pPr algn="ctr"/>
+            <a:r>
+              <a:rPr lang="en-GB" dirty="0">
+                <a:latin typeface="Bodoni MT" panose="02070603080606020203" pitchFamily="18" charset="0"/>
+              </a:rPr>
+              <a:t>Gameplay</a:t>
+            </a:r>
+          </a:p>
+        </p:txBody>
+      </p:sp>
+      <p:sp>
+        <p:nvSpPr>
+          <p:cNvPr id="3" name="Content Placeholder 2">
+            <a:extLst>
+              <a:ext uri="{FF2B5EF4-FFF2-40B4-BE49-F238E27FC236}">
+                <a16:creationId xmlns:a16="http://schemas.microsoft.com/office/drawing/2014/main" id="{F2E045F5-714F-4E07-87A1-F5696A62ED28}"/>
+              </a:ext>
+            </a:extLst>
+          </p:cNvPr>
+          <p:cNvSpPr>
+            <a:spLocks noGrp="1"/>
+          </p:cNvSpPr>
+          <p:nvPr>
+            <p:ph idx="1"/>
+          </p:nvPr>
+        </p:nvSpPr>
+        <p:spPr>
+          <a:xfrm>
+            <a:off x="838200" y="931178"/>
+            <a:ext cx="10515600" cy="5245785"/>
+          </a:xfrm>
+          <a:solidFill>
+            <a:schemeClr val="bg1"/>
+          </a:solidFill>
+          <a:ln>
+            <a:solidFill>
+              <a:schemeClr val="tx1"/>
+            </a:solidFill>
+          </a:ln>
+        </p:spPr>
+        <p:txBody>
+          <a:bodyPr/>
+          <a:lstStyle/>
+          <a:p>
+            <a:pPr marL="0" indent="0">
+              <a:buNone/>
+            </a:pPr>
+            <a:endParaRPr lang="en-GB" b="1" dirty="0">
+              <a:latin typeface="Bodoni MT" panose="02070603080606020203" pitchFamily="18" charset="0"/>
+            </a:endParaRPr>
+          </a:p>
+          <a:p>
+            <a:pPr marL="0" indent="0">
+              <a:buNone/>
+            </a:pPr>
+            <a:endParaRPr lang="en-GB" b="1" dirty="0">
+              <a:latin typeface="Bodoni MT" panose="02070603080606020203" pitchFamily="18" charset="0"/>
+            </a:endParaRPr>
+          </a:p>
+        </p:txBody>
+      </p:sp>
+      <p:sp>
+        <p:nvSpPr>
+          <p:cNvPr id="6" name="TextBox 5">
+            <a:extLst>
+              <a:ext uri="{FF2B5EF4-FFF2-40B4-BE49-F238E27FC236}">
+                <a16:creationId xmlns:a16="http://schemas.microsoft.com/office/drawing/2014/main" id="{3F80BD68-2B59-4BE1-A899-630919EAEA8A}"/>
+              </a:ext>
+            </a:extLst>
+          </p:cNvPr>
+          <p:cNvSpPr txBox="1"/>
+          <p:nvPr/>
+        </p:nvSpPr>
+        <p:spPr>
+          <a:xfrm>
+            <a:off x="10233870" y="240664"/>
+            <a:ext cx="1393272" cy="707886"/>
+          </a:xfrm>
+          <a:prstGeom prst="rect">
+            <a:avLst/>
+          </a:prstGeom>
+          <a:noFill/>
+        </p:spPr>
+        <p:txBody>
+          <a:bodyPr wrap="square" rtlCol="0">
+            <a:spAutoFit/>
+          </a:bodyPr>
+          <a:lstStyle/>
+          <a:p>
+            <a:pPr algn="ctr"/>
+            <a:r>
+              <a:rPr lang="en-GB" sz="4000" i="1" dirty="0">
+                <a:latin typeface="Bodoni MT" panose="02070603080606020203" pitchFamily="18" charset="0"/>
+                <a:ea typeface="Cambria Math" panose="02040503050406030204" pitchFamily="18" charset="0"/>
+              </a:rPr>
+              <a:t>(2)</a:t>
+            </a:r>
+          </a:p>
+        </p:txBody>
+      </p:sp>
+      <p:pic>
+        <p:nvPicPr>
+          <p:cNvPr id="7" name="Picture 6">
+            <a:extLst>
+              <a:ext uri="{FF2B5EF4-FFF2-40B4-BE49-F238E27FC236}">
+                <a16:creationId xmlns:a16="http://schemas.microsoft.com/office/drawing/2014/main" id="{FF382487-E1F7-498D-9230-4BB45A06FCC0}"/>
+              </a:ext>
+            </a:extLst>
+          </p:cNvPr>
+          <p:cNvPicPr>
+            <a:picLocks noChangeAspect="1"/>
+          </p:cNvPicPr>
+          <p:nvPr/>
+        </p:nvPicPr>
+        <p:blipFill>
+          <a:blip r:embed="rId4"/>
+          <a:stretch>
+            <a:fillRect/>
+          </a:stretch>
+        </p:blipFill>
+        <p:spPr>
+          <a:xfrm>
             <a:off x="6885134" y="1497231"/>
             <a:ext cx="3629025" cy="3990975"/>
           </a:xfrm>
@@ -5830,7 +6582,7 @@
           <p:cNvPr id="9" name="Rectangle 8">
             <a:extLst>
               <a:ext uri="{FF2B5EF4-FFF2-40B4-BE49-F238E27FC236}">
-                <a16:creationId xmlns:a16="http://schemas.microsoft.com/office/drawing/2014/main" xmlns="" id="{FB310605-3378-4195-AFE3-29D4E582C8A6}"/>
+                <a16:creationId xmlns:a16="http://schemas.microsoft.com/office/drawing/2014/main" id="{FB310605-3378-4195-AFE3-29D4E582C8A6}"/>
               </a:ext>
             </a:extLst>
           </p:cNvPr>
@@ -5970,7 +6722,7 @@
     </p:spTree>
     <p:extLst>
       <p:ext uri="{BB962C8B-B14F-4D97-AF65-F5344CB8AC3E}">
-        <p14:creationId xmlns:p14="http://schemas.microsoft.com/office/powerpoint/2010/main" xmlns="" val="3604554826"/>
+        <p14:creationId xmlns:p14="http://schemas.microsoft.com/office/powerpoint/2010/main" val="3604554826"/>
       </p:ext>
     </p:extLst>
   </p:cSld>
@@ -6002,7 +6754,7 @@
           <p:cNvPr id="4" name="Picture 3">
             <a:extLst>
               <a:ext uri="{FF2B5EF4-FFF2-40B4-BE49-F238E27FC236}">
-                <a16:creationId xmlns:a16="http://schemas.microsoft.com/office/drawing/2014/main" xmlns="" id="{0673D7FF-79D1-47CC-9F17-8BD3F4A92FD2}"/>
+                <a16:creationId xmlns:a16="http://schemas.microsoft.com/office/drawing/2014/main" id="{0673D7FF-79D1-47CC-9F17-8BD3F4A92FD2}"/>
               </a:ext>
             </a:extLst>
           </p:cNvPr>
@@ -6032,7 +6784,7 @@
           <p:cNvPr id="9" name="Picture 8">
             <a:extLst>
               <a:ext uri="{FF2B5EF4-FFF2-40B4-BE49-F238E27FC236}">
-                <a16:creationId xmlns:a16="http://schemas.microsoft.com/office/drawing/2014/main" xmlns="" id="{90E7F56C-9544-4654-9D9C-A258B0BC56B3}"/>
+                <a16:creationId xmlns:a16="http://schemas.microsoft.com/office/drawing/2014/main" id="{90E7F56C-9544-4654-9D9C-A258B0BC56B3}"/>
               </a:ext>
             </a:extLst>
           </p:cNvPr>
@@ -6062,7 +6814,7 @@
           <p:cNvPr id="10" name="Rectangle 9">
             <a:extLst>
               <a:ext uri="{FF2B5EF4-FFF2-40B4-BE49-F238E27FC236}">
-                <a16:creationId xmlns:a16="http://schemas.microsoft.com/office/drawing/2014/main" xmlns="" id="{7CE6DF49-6ADC-40B9-93F3-F6495F2DC7AB}"/>
+                <a16:creationId xmlns:a16="http://schemas.microsoft.com/office/drawing/2014/main" id="{7CE6DF49-6ADC-40B9-93F3-F6495F2DC7AB}"/>
               </a:ext>
             </a:extLst>
           </p:cNvPr>
@@ -6114,7 +6866,7 @@
           <p:cNvPr id="2" name="Title 1">
             <a:extLst>
               <a:ext uri="{FF2B5EF4-FFF2-40B4-BE49-F238E27FC236}">
-                <a16:creationId xmlns:a16="http://schemas.microsoft.com/office/drawing/2014/main" xmlns="" id="{DFC049F8-2284-4161-BE3C-431BCD0EFAB7}"/>
+                <a16:creationId xmlns:a16="http://schemas.microsoft.com/office/drawing/2014/main" id="{DFC049F8-2284-4161-BE3C-431BCD0EFAB7}"/>
               </a:ext>
             </a:extLst>
           </p:cNvPr>
@@ -6160,7 +6912,7 @@
           <p:cNvPr id="3" name="Content Placeholder 2">
             <a:extLst>
               <a:ext uri="{FF2B5EF4-FFF2-40B4-BE49-F238E27FC236}">
-                <a16:creationId xmlns:a16="http://schemas.microsoft.com/office/drawing/2014/main" xmlns="" id="{F2E045F5-714F-4E07-87A1-F5696A62ED28}"/>
+                <a16:creationId xmlns:a16="http://schemas.microsoft.com/office/drawing/2014/main" id="{F2E045F5-714F-4E07-87A1-F5696A62ED28}"/>
               </a:ext>
             </a:extLst>
           </p:cNvPr>
@@ -6211,7 +6963,7 @@
           <p:cNvPr id="6" name="TextBox 5">
             <a:extLst>
               <a:ext uri="{FF2B5EF4-FFF2-40B4-BE49-F238E27FC236}">
-                <a16:creationId xmlns:a16="http://schemas.microsoft.com/office/drawing/2014/main" xmlns="" id="{26C43D78-3AB4-4735-861F-3658B8B6108C}"/>
+                <a16:creationId xmlns:a16="http://schemas.microsoft.com/office/drawing/2014/main" id="{26C43D78-3AB4-4735-861F-3658B8B6108C}"/>
               </a:ext>
             </a:extLst>
           </p:cNvPr>
@@ -6250,7 +7002,7 @@
           <p:cNvPr id="7" name="Picture 6">
             <a:extLst>
               <a:ext uri="{FF2B5EF4-FFF2-40B4-BE49-F238E27FC236}">
-                <a16:creationId xmlns:a16="http://schemas.microsoft.com/office/drawing/2014/main" xmlns="" id="{1119E4FB-68D3-4DFF-B454-B6AECA5CCC92}"/>
+                <a16:creationId xmlns:a16="http://schemas.microsoft.com/office/drawing/2014/main" id="{1119E4FB-68D3-4DFF-B454-B6AECA5CCC92}"/>
               </a:ext>
             </a:extLst>
           </p:cNvPr>
@@ -6263,7 +7015,7 @@
           <a:blip r:embed="rId3">
             <a:extLst>
               <a:ext uri="{28A0092B-C50C-407E-A947-70E740481C1C}">
-                <a14:useLocalDpi xmlns:a14="http://schemas.microsoft.com/office/drawing/2010/main" xmlns="" val="0"/>
+                <a14:useLocalDpi xmlns:a14="http://schemas.microsoft.com/office/drawing/2010/main" val="0"/>
               </a:ext>
             </a:extLst>
           </a:blip>
@@ -6286,7 +7038,7 @@
           <p:cNvPr id="8" name="Picture 7">
             <a:extLst>
               <a:ext uri="{FF2B5EF4-FFF2-40B4-BE49-F238E27FC236}">
-                <a16:creationId xmlns:a16="http://schemas.microsoft.com/office/drawing/2014/main" xmlns="" id="{851FDD01-2E36-4FB2-AEC3-1AD80666AF50}"/>
+                <a16:creationId xmlns:a16="http://schemas.microsoft.com/office/drawing/2014/main" id="{851FDD01-2E36-4FB2-AEC3-1AD80666AF50}"/>
               </a:ext>
             </a:extLst>
           </p:cNvPr>
@@ -6299,7 +7051,7 @@
           <a:blip r:embed="rId4">
             <a:extLst>
               <a:ext uri="{28A0092B-C50C-407E-A947-70E740481C1C}">
-                <a14:useLocalDpi xmlns:a14="http://schemas.microsoft.com/office/drawing/2010/main" xmlns="" val="0"/>
+                <a14:useLocalDpi xmlns:a14="http://schemas.microsoft.com/office/drawing/2010/main" val="0"/>
               </a:ext>
             </a:extLst>
           </a:blip>
@@ -6322,7 +7074,7 @@
           <p:cNvPr id="11" name="Content Placeholder 2">
             <a:extLst>
               <a:ext uri="{FF2B5EF4-FFF2-40B4-BE49-F238E27FC236}">
-                <a16:creationId xmlns:a16="http://schemas.microsoft.com/office/drawing/2014/main" xmlns="" id="{F206CC4A-F7D8-41B6-ABE3-9533F77A18D3}"/>
+                <a16:creationId xmlns:a16="http://schemas.microsoft.com/office/drawing/2014/main" id="{F206CC4A-F7D8-41B6-ABE3-9533F77A18D3}"/>
               </a:ext>
             </a:extLst>
           </p:cNvPr>
@@ -6607,7 +7359,7 @@
           <p:cNvPr id="12" name="Content Placeholder 2">
             <a:extLst>
               <a:ext uri="{FF2B5EF4-FFF2-40B4-BE49-F238E27FC236}">
-                <a16:creationId xmlns:a16="http://schemas.microsoft.com/office/drawing/2014/main" xmlns="" id="{0005FAC1-D63E-4606-9908-2EC64C974176}"/>
+                <a16:creationId xmlns:a16="http://schemas.microsoft.com/office/drawing/2014/main" id="{0005FAC1-D63E-4606-9908-2EC64C974176}"/>
               </a:ext>
             </a:extLst>
           </p:cNvPr>
@@ -6841,7 +7593,7 @@
           <p:cNvPr id="13" name="Content Placeholder 2">
             <a:extLst>
               <a:ext uri="{FF2B5EF4-FFF2-40B4-BE49-F238E27FC236}">
-                <a16:creationId xmlns:a16="http://schemas.microsoft.com/office/drawing/2014/main" xmlns="" id="{A6B71EFB-4EB9-48D0-A7CA-693B1830CB7E}"/>
+                <a16:creationId xmlns:a16="http://schemas.microsoft.com/office/drawing/2014/main" id="{A6B71EFB-4EB9-48D0-A7CA-693B1830CB7E}"/>
               </a:ext>
             </a:extLst>
           </p:cNvPr>
@@ -7085,7 +7837,7 @@
     </p:spTree>
     <p:extLst>
       <p:ext uri="{BB962C8B-B14F-4D97-AF65-F5344CB8AC3E}">
-        <p14:creationId xmlns:p14="http://schemas.microsoft.com/office/powerpoint/2010/main" xmlns="" val="2083772189"/>
+        <p14:creationId xmlns:p14="http://schemas.microsoft.com/office/powerpoint/2010/main" val="2083772189"/>
       </p:ext>
     </p:extLst>
   </p:cSld>
@@ -7117,7 +7869,7 @@
           <p:cNvPr id="4" name="Picture 3">
             <a:extLst>
               <a:ext uri="{FF2B5EF4-FFF2-40B4-BE49-F238E27FC236}">
-                <a16:creationId xmlns:a16="http://schemas.microsoft.com/office/drawing/2014/main" xmlns="" id="{0673D7FF-79D1-47CC-9F17-8BD3F4A92FD2}"/>
+                <a16:creationId xmlns:a16="http://schemas.microsoft.com/office/drawing/2014/main" id="{0673D7FF-79D1-47CC-9F17-8BD3F4A92FD2}"/>
               </a:ext>
             </a:extLst>
           </p:cNvPr>
@@ -7147,7 +7899,7 @@
           <p:cNvPr id="9" name="Picture 8">
             <a:extLst>
               <a:ext uri="{FF2B5EF4-FFF2-40B4-BE49-F238E27FC236}">
-                <a16:creationId xmlns:a16="http://schemas.microsoft.com/office/drawing/2014/main" xmlns="" id="{90E7F56C-9544-4654-9D9C-A258B0BC56B3}"/>
+                <a16:creationId xmlns:a16="http://schemas.microsoft.com/office/drawing/2014/main" id="{90E7F56C-9544-4654-9D9C-A258B0BC56B3}"/>
               </a:ext>
             </a:extLst>
           </p:cNvPr>
@@ -7177,7 +7929,7 @@
           <p:cNvPr id="10" name="Rectangle 9">
             <a:extLst>
               <a:ext uri="{FF2B5EF4-FFF2-40B4-BE49-F238E27FC236}">
-                <a16:creationId xmlns:a16="http://schemas.microsoft.com/office/drawing/2014/main" xmlns="" id="{7CE6DF49-6ADC-40B9-93F3-F6495F2DC7AB}"/>
+                <a16:creationId xmlns:a16="http://schemas.microsoft.com/office/drawing/2014/main" id="{7CE6DF49-6ADC-40B9-93F3-F6495F2DC7AB}"/>
               </a:ext>
             </a:extLst>
           </p:cNvPr>
@@ -7229,7 +7981,7 @@
           <p:cNvPr id="2" name="Title 1">
             <a:extLst>
               <a:ext uri="{FF2B5EF4-FFF2-40B4-BE49-F238E27FC236}">
-                <a16:creationId xmlns:a16="http://schemas.microsoft.com/office/drawing/2014/main" xmlns="" id="{DFC049F8-2284-4161-BE3C-431BCD0EFAB7}"/>
+                <a16:creationId xmlns:a16="http://schemas.microsoft.com/office/drawing/2014/main" id="{DFC049F8-2284-4161-BE3C-431BCD0EFAB7}"/>
               </a:ext>
             </a:extLst>
           </p:cNvPr>
@@ -7278,7 +8030,7 @@
           <p:cNvPr id="3" name="Content Placeholder 2">
             <a:extLst>
               <a:ext uri="{FF2B5EF4-FFF2-40B4-BE49-F238E27FC236}">
-                <a16:creationId xmlns:a16="http://schemas.microsoft.com/office/drawing/2014/main" xmlns="" id="{F2E045F5-714F-4E07-87A1-F5696A62ED28}"/>
+                <a16:creationId xmlns:a16="http://schemas.microsoft.com/office/drawing/2014/main" id="{F2E045F5-714F-4E07-87A1-F5696A62ED28}"/>
               </a:ext>
             </a:extLst>
           </p:cNvPr>
@@ -7415,7 +8167,7 @@
           <p:cNvPr id="6" name="TextBox 5">
             <a:extLst>
               <a:ext uri="{FF2B5EF4-FFF2-40B4-BE49-F238E27FC236}">
-                <a16:creationId xmlns:a16="http://schemas.microsoft.com/office/drawing/2014/main" xmlns="" id="{26C43D78-3AB4-4735-861F-3658B8B6108C}"/>
+                <a16:creationId xmlns:a16="http://schemas.microsoft.com/office/drawing/2014/main" id="{26C43D78-3AB4-4735-861F-3658B8B6108C}"/>
               </a:ext>
             </a:extLst>
           </p:cNvPr>
@@ -7454,7 +8206,7 @@
           <p:cNvPr id="11" name="Content Placeholder 2">
             <a:extLst>
               <a:ext uri="{FF2B5EF4-FFF2-40B4-BE49-F238E27FC236}">
-                <a16:creationId xmlns:a16="http://schemas.microsoft.com/office/drawing/2014/main" xmlns="" id="{F206CC4A-F7D8-41B6-ABE3-9533F77A18D3}"/>
+                <a16:creationId xmlns:a16="http://schemas.microsoft.com/office/drawing/2014/main" id="{F206CC4A-F7D8-41B6-ABE3-9533F77A18D3}"/>
               </a:ext>
             </a:extLst>
           </p:cNvPr>
@@ -7667,7 +8419,7 @@
     </p:spTree>
     <p:extLst>
       <p:ext uri="{BB962C8B-B14F-4D97-AF65-F5344CB8AC3E}">
-        <p14:creationId xmlns:p14="http://schemas.microsoft.com/office/powerpoint/2010/main" xmlns="" val="2083772189"/>
+        <p14:creationId xmlns:p14="http://schemas.microsoft.com/office/powerpoint/2010/main" val="2083772189"/>
       </p:ext>
     </p:extLst>
   </p:cSld>
@@ -7699,7 +8451,7 @@
           <p:cNvPr id="7" name="Picture 6">
             <a:extLst>
               <a:ext uri="{FF2B5EF4-FFF2-40B4-BE49-F238E27FC236}">
-                <a16:creationId xmlns:a16="http://schemas.microsoft.com/office/drawing/2014/main" xmlns="" id="{2FF80050-A6DA-4A1C-B6D8-AA5AA7F78A23}"/>
+                <a16:creationId xmlns:a16="http://schemas.microsoft.com/office/drawing/2014/main" id="{2FF80050-A6DA-4A1C-B6D8-AA5AA7F78A23}"/>
               </a:ext>
             </a:extLst>
           </p:cNvPr>
@@ -7729,7 +8481,7 @@
           <p:cNvPr id="8" name="Rectangle 7">
             <a:extLst>
               <a:ext uri="{FF2B5EF4-FFF2-40B4-BE49-F238E27FC236}">
-                <a16:creationId xmlns:a16="http://schemas.microsoft.com/office/drawing/2014/main" xmlns="" id="{5E3721CF-6C16-4B38-8E56-417FAD19673B}"/>
+                <a16:creationId xmlns:a16="http://schemas.microsoft.com/office/drawing/2014/main" id="{5E3721CF-6C16-4B38-8E56-417FAD19673B}"/>
               </a:ext>
             </a:extLst>
           </p:cNvPr>
@@ -7781,7 +8533,7 @@
           <p:cNvPr id="5" name="Picture 4">
             <a:extLst>
               <a:ext uri="{FF2B5EF4-FFF2-40B4-BE49-F238E27FC236}">
-                <a16:creationId xmlns:a16="http://schemas.microsoft.com/office/drawing/2014/main" xmlns="" id="{BE6895F0-339F-4782-9F13-51BA81259136}"/>
+                <a16:creationId xmlns:a16="http://schemas.microsoft.com/office/drawing/2014/main" id="{BE6895F0-339F-4782-9F13-51BA81259136}"/>
               </a:ext>
             </a:extLst>
           </p:cNvPr>
@@ -7811,7 +8563,7 @@
           <p:cNvPr id="2" name="Title 1">
             <a:extLst>
               <a:ext uri="{FF2B5EF4-FFF2-40B4-BE49-F238E27FC236}">
-                <a16:creationId xmlns:a16="http://schemas.microsoft.com/office/drawing/2014/main" xmlns="" id="{DFC049F8-2284-4161-BE3C-431BCD0EFAB7}"/>
+                <a16:creationId xmlns:a16="http://schemas.microsoft.com/office/drawing/2014/main" id="{DFC049F8-2284-4161-BE3C-431BCD0EFAB7}"/>
               </a:ext>
             </a:extLst>
           </p:cNvPr>
@@ -7857,7 +8609,7 @@
           <p:cNvPr id="3" name="Content Placeholder 2">
             <a:extLst>
               <a:ext uri="{FF2B5EF4-FFF2-40B4-BE49-F238E27FC236}">
-                <a16:creationId xmlns:a16="http://schemas.microsoft.com/office/drawing/2014/main" xmlns="" id="{F2E045F5-714F-4E07-87A1-F5696A62ED28}"/>
+                <a16:creationId xmlns:a16="http://schemas.microsoft.com/office/drawing/2014/main" id="{F2E045F5-714F-4E07-87A1-F5696A62ED28}"/>
               </a:ext>
             </a:extLst>
           </p:cNvPr>
@@ -7908,7 +8660,7 @@
           <p:cNvPr id="6" name="TextBox 5">
             <a:extLst>
               <a:ext uri="{FF2B5EF4-FFF2-40B4-BE49-F238E27FC236}">
-                <a16:creationId xmlns:a16="http://schemas.microsoft.com/office/drawing/2014/main" xmlns="" id="{09C628DE-7462-4395-B6E5-04533CBAF445}"/>
+                <a16:creationId xmlns:a16="http://schemas.microsoft.com/office/drawing/2014/main" id="{09C628DE-7462-4395-B6E5-04533CBAF445}"/>
               </a:ext>
             </a:extLst>
           </p:cNvPr>
@@ -7947,7 +8699,7 @@
           <p:cNvPr id="10" name="Oval 9">
             <a:extLst>
               <a:ext uri="{FF2B5EF4-FFF2-40B4-BE49-F238E27FC236}">
-                <a16:creationId xmlns:a16="http://schemas.microsoft.com/office/drawing/2014/main" xmlns="" id="{C29C5979-7CCB-416B-B3A4-A452F3F30A10}"/>
+                <a16:creationId xmlns:a16="http://schemas.microsoft.com/office/drawing/2014/main" id="{C29C5979-7CCB-416B-B3A4-A452F3F30A10}"/>
               </a:ext>
             </a:extLst>
           </p:cNvPr>
@@ -8004,7 +8756,7 @@
           <p:cNvPr id="11" name="Rectangle: Rounded Corners 10">
             <a:extLst>
               <a:ext uri="{FF2B5EF4-FFF2-40B4-BE49-F238E27FC236}">
-                <a16:creationId xmlns:a16="http://schemas.microsoft.com/office/drawing/2014/main" xmlns="" id="{F6A5F7EB-82A6-484E-9C43-CFB554F813E9}"/>
+                <a16:creationId xmlns:a16="http://schemas.microsoft.com/office/drawing/2014/main" id="{F6A5F7EB-82A6-484E-9C43-CFB554F813E9}"/>
               </a:ext>
             </a:extLst>
           </p:cNvPr>
@@ -8061,7 +8813,7 @@
           <p:cNvPr id="13" name="Rectangle: Rounded Corners 12">
             <a:extLst>
               <a:ext uri="{FF2B5EF4-FFF2-40B4-BE49-F238E27FC236}">
-                <a16:creationId xmlns:a16="http://schemas.microsoft.com/office/drawing/2014/main" xmlns="" id="{3719CF2D-2824-4299-B2CC-CE697E27AA7E}"/>
+                <a16:creationId xmlns:a16="http://schemas.microsoft.com/office/drawing/2014/main" id="{3719CF2D-2824-4299-B2CC-CE697E27AA7E}"/>
               </a:ext>
             </a:extLst>
           </p:cNvPr>
@@ -8118,7 +8870,7 @@
           <p:cNvPr id="15" name="Straight Connector 14">
             <a:extLst>
               <a:ext uri="{FF2B5EF4-FFF2-40B4-BE49-F238E27FC236}">
-                <a16:creationId xmlns:a16="http://schemas.microsoft.com/office/drawing/2014/main" xmlns="" id="{30710670-372E-4F34-950F-06F225466007}"/>
+                <a16:creationId xmlns:a16="http://schemas.microsoft.com/office/drawing/2014/main" id="{30710670-372E-4F34-950F-06F225466007}"/>
               </a:ext>
             </a:extLst>
           </p:cNvPr>
@@ -8163,7 +8915,7 @@
           <p:cNvPr id="16" name="Straight Connector 15">
             <a:extLst>
               <a:ext uri="{FF2B5EF4-FFF2-40B4-BE49-F238E27FC236}">
-                <a16:creationId xmlns:a16="http://schemas.microsoft.com/office/drawing/2014/main" xmlns="" id="{288054B3-BE24-4398-9D5F-A28183FA7014}"/>
+                <a16:creationId xmlns:a16="http://schemas.microsoft.com/office/drawing/2014/main" id="{288054B3-BE24-4398-9D5F-A28183FA7014}"/>
               </a:ext>
             </a:extLst>
           </p:cNvPr>
@@ -8210,7 +8962,7 @@
           <p:cNvPr id="17" name="TextBox 16">
             <a:extLst>
               <a:ext uri="{FF2B5EF4-FFF2-40B4-BE49-F238E27FC236}">
-                <a16:creationId xmlns:a16="http://schemas.microsoft.com/office/drawing/2014/main" xmlns="" id="{971E6CAA-6D6E-412E-9FD7-5D77D4FC053C}"/>
+                <a16:creationId xmlns:a16="http://schemas.microsoft.com/office/drawing/2014/main" id="{971E6CAA-6D6E-412E-9FD7-5D77D4FC053C}"/>
               </a:ext>
             </a:extLst>
           </p:cNvPr>
@@ -8247,7 +8999,7 @@
           <p:cNvPr id="19" name="Straight Connector 18">
             <a:extLst>
               <a:ext uri="{FF2B5EF4-FFF2-40B4-BE49-F238E27FC236}">
-                <a16:creationId xmlns:a16="http://schemas.microsoft.com/office/drawing/2014/main" xmlns="" id="{FFECA4B2-B854-4585-9ECA-1FD3048F8E67}"/>
+                <a16:creationId xmlns:a16="http://schemas.microsoft.com/office/drawing/2014/main" id="{FFECA4B2-B854-4585-9ECA-1FD3048F8E67}"/>
               </a:ext>
             </a:extLst>
           </p:cNvPr>
@@ -8294,7 +9046,7 @@
           <p:cNvPr id="23" name="Straight Arrow Connector 22">
             <a:extLst>
               <a:ext uri="{FF2B5EF4-FFF2-40B4-BE49-F238E27FC236}">
-                <a16:creationId xmlns:a16="http://schemas.microsoft.com/office/drawing/2014/main" xmlns="" id="{7FAC0E52-268B-4550-B064-28EAE19CA4A2}"/>
+                <a16:creationId xmlns:a16="http://schemas.microsoft.com/office/drawing/2014/main" id="{7FAC0E52-268B-4550-B064-28EAE19CA4A2}"/>
               </a:ext>
             </a:extLst>
           </p:cNvPr>
@@ -8341,7 +9093,7 @@
           <p:cNvPr id="24" name="TextBox 23">
             <a:extLst>
               <a:ext uri="{FF2B5EF4-FFF2-40B4-BE49-F238E27FC236}">
-                <a16:creationId xmlns:a16="http://schemas.microsoft.com/office/drawing/2014/main" xmlns="" id="{1FB9C7CE-2331-47EB-A1D2-D8DB9B0C2513}"/>
+                <a16:creationId xmlns:a16="http://schemas.microsoft.com/office/drawing/2014/main" id="{1FB9C7CE-2331-47EB-A1D2-D8DB9B0C2513}"/>
               </a:ext>
             </a:extLst>
           </p:cNvPr>
@@ -8378,7 +9130,7 @@
           <p:cNvPr id="25" name="TextBox 24">
             <a:extLst>
               <a:ext uri="{FF2B5EF4-FFF2-40B4-BE49-F238E27FC236}">
-                <a16:creationId xmlns:a16="http://schemas.microsoft.com/office/drawing/2014/main" xmlns="" id="{DBBC0D55-02A6-4EDB-AF84-B16D0A2B2E7B}"/>
+                <a16:creationId xmlns:a16="http://schemas.microsoft.com/office/drawing/2014/main" id="{DBBC0D55-02A6-4EDB-AF84-B16D0A2B2E7B}"/>
               </a:ext>
             </a:extLst>
           </p:cNvPr>
@@ -8415,7 +9167,7 @@
           <p:cNvPr id="26" name="TextBox 25">
             <a:extLst>
               <a:ext uri="{FF2B5EF4-FFF2-40B4-BE49-F238E27FC236}">
-                <a16:creationId xmlns:a16="http://schemas.microsoft.com/office/drawing/2014/main" xmlns="" id="{C1CD6ED1-DC11-4F49-B765-F575D41091A5}"/>
+                <a16:creationId xmlns:a16="http://schemas.microsoft.com/office/drawing/2014/main" id="{C1CD6ED1-DC11-4F49-B765-F575D41091A5}"/>
               </a:ext>
             </a:extLst>
           </p:cNvPr>
@@ -8452,7 +9204,7 @@
           <p:cNvPr id="27" name="Straight Arrow Connector 26">
             <a:extLst>
               <a:ext uri="{FF2B5EF4-FFF2-40B4-BE49-F238E27FC236}">
-                <a16:creationId xmlns:a16="http://schemas.microsoft.com/office/drawing/2014/main" xmlns="" id="{5E8555D3-376F-417B-8432-5BEEAFCBB21F}"/>
+                <a16:creationId xmlns:a16="http://schemas.microsoft.com/office/drawing/2014/main" id="{5E8555D3-376F-417B-8432-5BEEAFCBB21F}"/>
               </a:ext>
             </a:extLst>
           </p:cNvPr>
@@ -8501,7 +9253,7 @@
           <p:cNvPr id="30" name="Straight Arrow Connector 29">
             <a:extLst>
               <a:ext uri="{FF2B5EF4-FFF2-40B4-BE49-F238E27FC236}">
-                <a16:creationId xmlns:a16="http://schemas.microsoft.com/office/drawing/2014/main" xmlns="" id="{183EB38B-BC90-4354-BB70-B17AD571698C}"/>
+                <a16:creationId xmlns:a16="http://schemas.microsoft.com/office/drawing/2014/main" id="{183EB38B-BC90-4354-BB70-B17AD571698C}"/>
               </a:ext>
             </a:extLst>
           </p:cNvPr>
@@ -8550,7 +9302,7 @@
           <p:cNvPr id="33" name="Rectangle: Rounded Corners 32">
             <a:extLst>
               <a:ext uri="{FF2B5EF4-FFF2-40B4-BE49-F238E27FC236}">
-                <a16:creationId xmlns:a16="http://schemas.microsoft.com/office/drawing/2014/main" xmlns="" id="{5D612AEE-5C5A-45AE-9431-93F8F6FB3305}"/>
+                <a16:creationId xmlns:a16="http://schemas.microsoft.com/office/drawing/2014/main" id="{5D612AEE-5C5A-45AE-9431-93F8F6FB3305}"/>
               </a:ext>
             </a:extLst>
           </p:cNvPr>
@@ -8607,7 +9359,7 @@
           <p:cNvPr id="34" name="Rectangle: Rounded Corners 33">
             <a:extLst>
               <a:ext uri="{FF2B5EF4-FFF2-40B4-BE49-F238E27FC236}">
-                <a16:creationId xmlns:a16="http://schemas.microsoft.com/office/drawing/2014/main" xmlns="" id="{5351534C-969F-4206-A607-10E3CBD3EB6E}"/>
+                <a16:creationId xmlns:a16="http://schemas.microsoft.com/office/drawing/2014/main" id="{5351534C-969F-4206-A607-10E3CBD3EB6E}"/>
               </a:ext>
             </a:extLst>
           </p:cNvPr>
@@ -8664,7 +9416,7 @@
           <p:cNvPr id="35" name="Rectangle: Rounded Corners 34">
             <a:extLst>
               <a:ext uri="{FF2B5EF4-FFF2-40B4-BE49-F238E27FC236}">
-                <a16:creationId xmlns:a16="http://schemas.microsoft.com/office/drawing/2014/main" xmlns="" id="{CC0DB683-0D5F-4A20-8627-22A83FCA57C0}"/>
+                <a16:creationId xmlns:a16="http://schemas.microsoft.com/office/drawing/2014/main" id="{CC0DB683-0D5F-4A20-8627-22A83FCA57C0}"/>
               </a:ext>
             </a:extLst>
           </p:cNvPr>
@@ -8721,7 +9473,7 @@
           <p:cNvPr id="36" name="Rectangle: Rounded Corners 35">
             <a:extLst>
               <a:ext uri="{FF2B5EF4-FFF2-40B4-BE49-F238E27FC236}">
-                <a16:creationId xmlns:a16="http://schemas.microsoft.com/office/drawing/2014/main" xmlns="" id="{58471160-97AC-4E81-A948-3E6D85AFAB8E}"/>
+                <a16:creationId xmlns:a16="http://schemas.microsoft.com/office/drawing/2014/main" id="{58471160-97AC-4E81-A948-3E6D85AFAB8E}"/>
               </a:ext>
             </a:extLst>
           </p:cNvPr>
@@ -8778,7 +9530,7 @@
           <p:cNvPr id="37" name="Rectangle: Rounded Corners 36">
             <a:extLst>
               <a:ext uri="{FF2B5EF4-FFF2-40B4-BE49-F238E27FC236}">
-                <a16:creationId xmlns:a16="http://schemas.microsoft.com/office/drawing/2014/main" xmlns="" id="{92E98563-DB25-47E0-BFE7-B8A52201AFBF}"/>
+                <a16:creationId xmlns:a16="http://schemas.microsoft.com/office/drawing/2014/main" id="{92E98563-DB25-47E0-BFE7-B8A52201AFBF}"/>
               </a:ext>
             </a:extLst>
           </p:cNvPr>
@@ -8835,7 +9587,7 @@
           <p:cNvPr id="38" name="Rectangle: Rounded Corners 37">
             <a:extLst>
               <a:ext uri="{FF2B5EF4-FFF2-40B4-BE49-F238E27FC236}">
-                <a16:creationId xmlns:a16="http://schemas.microsoft.com/office/drawing/2014/main" xmlns="" id="{F9DE6B22-A874-4C5B-A2F4-37E624346379}"/>
+                <a16:creationId xmlns:a16="http://schemas.microsoft.com/office/drawing/2014/main" id="{F9DE6B22-A874-4C5B-A2F4-37E624346379}"/>
               </a:ext>
             </a:extLst>
           </p:cNvPr>
@@ -8892,7 +9644,7 @@
           <p:cNvPr id="39" name="Rectangle: Rounded Corners 38">
             <a:extLst>
               <a:ext uri="{FF2B5EF4-FFF2-40B4-BE49-F238E27FC236}">
-                <a16:creationId xmlns:a16="http://schemas.microsoft.com/office/drawing/2014/main" xmlns="" id="{EB977FAA-DCA6-4B55-ACC4-847FBF97687B}"/>
+                <a16:creationId xmlns:a16="http://schemas.microsoft.com/office/drawing/2014/main" id="{EB977FAA-DCA6-4B55-ACC4-847FBF97687B}"/>
               </a:ext>
             </a:extLst>
           </p:cNvPr>
@@ -8949,7 +9701,7 @@
           <p:cNvPr id="40" name="Rectangle: Rounded Corners 39">
             <a:extLst>
               <a:ext uri="{FF2B5EF4-FFF2-40B4-BE49-F238E27FC236}">
-                <a16:creationId xmlns:a16="http://schemas.microsoft.com/office/drawing/2014/main" xmlns="" id="{57387805-6EE0-4686-A3AD-F33DE6D3DA9D}"/>
+                <a16:creationId xmlns:a16="http://schemas.microsoft.com/office/drawing/2014/main" id="{57387805-6EE0-4686-A3AD-F33DE6D3DA9D}"/>
               </a:ext>
             </a:extLst>
           </p:cNvPr>
@@ -9006,7 +9758,7 @@
           <p:cNvPr id="41" name="Rectangle: Rounded Corners 40">
             <a:extLst>
               <a:ext uri="{FF2B5EF4-FFF2-40B4-BE49-F238E27FC236}">
-                <a16:creationId xmlns:a16="http://schemas.microsoft.com/office/drawing/2014/main" xmlns="" id="{0AF77ADA-8652-49EA-87E9-2EBD25A9D60F}"/>
+                <a16:creationId xmlns:a16="http://schemas.microsoft.com/office/drawing/2014/main" id="{0AF77ADA-8652-49EA-87E9-2EBD25A9D60F}"/>
               </a:ext>
             </a:extLst>
           </p:cNvPr>
@@ -9063,7 +9815,7 @@
           <p:cNvPr id="42" name="Straight Arrow Connector 41">
             <a:extLst>
               <a:ext uri="{FF2B5EF4-FFF2-40B4-BE49-F238E27FC236}">
-                <a16:creationId xmlns:a16="http://schemas.microsoft.com/office/drawing/2014/main" xmlns="" id="{37A39690-B33F-4ED6-BE2F-C59BC2ABAA73}"/>
+                <a16:creationId xmlns:a16="http://schemas.microsoft.com/office/drawing/2014/main" id="{37A39690-B33F-4ED6-BE2F-C59BC2ABAA73}"/>
               </a:ext>
             </a:extLst>
           </p:cNvPr>
@@ -9111,7 +9863,7 @@
           <p:cNvPr id="49" name="Connector: Elbow 48">
             <a:extLst>
               <a:ext uri="{FF2B5EF4-FFF2-40B4-BE49-F238E27FC236}">
-                <a16:creationId xmlns:a16="http://schemas.microsoft.com/office/drawing/2014/main" xmlns="" id="{6F018749-49F9-4969-A271-C3C29767FD5C}"/>
+                <a16:creationId xmlns:a16="http://schemas.microsoft.com/office/drawing/2014/main" id="{6F018749-49F9-4969-A271-C3C29767FD5C}"/>
               </a:ext>
             </a:extLst>
           </p:cNvPr>
@@ -9159,7 +9911,7 @@
           <p:cNvPr id="51" name="Straight Arrow Connector 50">
             <a:extLst>
               <a:ext uri="{FF2B5EF4-FFF2-40B4-BE49-F238E27FC236}">
-                <a16:creationId xmlns:a16="http://schemas.microsoft.com/office/drawing/2014/main" xmlns="" id="{529BEA91-D614-4620-8E3D-97946455F9B8}"/>
+                <a16:creationId xmlns:a16="http://schemas.microsoft.com/office/drawing/2014/main" id="{529BEA91-D614-4620-8E3D-97946455F9B8}"/>
               </a:ext>
             </a:extLst>
           </p:cNvPr>
@@ -9207,7 +9959,7 @@
           <p:cNvPr id="52" name="Straight Arrow Connector 51">
             <a:extLst>
               <a:ext uri="{FF2B5EF4-FFF2-40B4-BE49-F238E27FC236}">
-                <a16:creationId xmlns:a16="http://schemas.microsoft.com/office/drawing/2014/main" xmlns="" id="{5B84C7E6-A42F-4657-A73B-3CBEE18B7E6F}"/>
+                <a16:creationId xmlns:a16="http://schemas.microsoft.com/office/drawing/2014/main" id="{5B84C7E6-A42F-4657-A73B-3CBEE18B7E6F}"/>
               </a:ext>
             </a:extLst>
           </p:cNvPr>
@@ -9254,7 +10006,7 @@
           <p:cNvPr id="55" name="Connector: Elbow 54">
             <a:extLst>
               <a:ext uri="{FF2B5EF4-FFF2-40B4-BE49-F238E27FC236}">
-                <a16:creationId xmlns:a16="http://schemas.microsoft.com/office/drawing/2014/main" xmlns="" id="{0EC221BA-BD1E-4AE7-B1B2-90EE3720F5FB}"/>
+                <a16:creationId xmlns:a16="http://schemas.microsoft.com/office/drawing/2014/main" id="{0EC221BA-BD1E-4AE7-B1B2-90EE3720F5FB}"/>
               </a:ext>
             </a:extLst>
           </p:cNvPr>
@@ -9301,7 +10053,7 @@
           <p:cNvPr id="56" name="Connector: Elbow 55">
             <a:extLst>
               <a:ext uri="{FF2B5EF4-FFF2-40B4-BE49-F238E27FC236}">
-                <a16:creationId xmlns:a16="http://schemas.microsoft.com/office/drawing/2014/main" xmlns="" id="{7ED8B67D-2C95-4C7F-B66D-35ED490532B0}"/>
+                <a16:creationId xmlns:a16="http://schemas.microsoft.com/office/drawing/2014/main" id="{7ED8B67D-2C95-4C7F-B66D-35ED490532B0}"/>
               </a:ext>
             </a:extLst>
           </p:cNvPr>
@@ -9349,7 +10101,7 @@
           <p:cNvPr id="60" name="Straight Connector 59">
             <a:extLst>
               <a:ext uri="{FF2B5EF4-FFF2-40B4-BE49-F238E27FC236}">
-                <a16:creationId xmlns:a16="http://schemas.microsoft.com/office/drawing/2014/main" xmlns="" id="{2DE7001C-61A4-4D8C-9487-D0519BB5C287}"/>
+                <a16:creationId xmlns:a16="http://schemas.microsoft.com/office/drawing/2014/main" id="{2DE7001C-61A4-4D8C-9487-D0519BB5C287}"/>
               </a:ext>
             </a:extLst>
           </p:cNvPr>
@@ -9388,7 +10140,7 @@
           <p:cNvPr id="67" name="Connector: Elbow 66">
             <a:extLst>
               <a:ext uri="{FF2B5EF4-FFF2-40B4-BE49-F238E27FC236}">
-                <a16:creationId xmlns:a16="http://schemas.microsoft.com/office/drawing/2014/main" xmlns="" id="{9BE8C34A-75B0-466E-B230-A6AA0EF6FF90}"/>
+                <a16:creationId xmlns:a16="http://schemas.microsoft.com/office/drawing/2014/main" id="{9BE8C34A-75B0-466E-B230-A6AA0EF6FF90}"/>
               </a:ext>
             </a:extLst>
           </p:cNvPr>
@@ -9438,7 +10190,7 @@
           <p:cNvPr id="66" name="Connector: Elbow 65">
             <a:extLst>
               <a:ext uri="{FF2B5EF4-FFF2-40B4-BE49-F238E27FC236}">
-                <a16:creationId xmlns:a16="http://schemas.microsoft.com/office/drawing/2014/main" xmlns="" id="{2B6EBE20-55B6-4C79-AC8D-3D2DEACD0F27}"/>
+                <a16:creationId xmlns:a16="http://schemas.microsoft.com/office/drawing/2014/main" id="{2B6EBE20-55B6-4C79-AC8D-3D2DEACD0F27}"/>
               </a:ext>
             </a:extLst>
           </p:cNvPr>
@@ -9485,7 +10237,7 @@
           <p:cNvPr id="12" name="Rectangle: Rounded Corners 11">
             <a:extLst>
               <a:ext uri="{FF2B5EF4-FFF2-40B4-BE49-F238E27FC236}">
-                <a16:creationId xmlns:a16="http://schemas.microsoft.com/office/drawing/2014/main" xmlns="" id="{0EF29BEE-62BD-4987-BA52-D89AE53A8B33}"/>
+                <a16:creationId xmlns:a16="http://schemas.microsoft.com/office/drawing/2014/main" id="{0EF29BEE-62BD-4987-BA52-D89AE53A8B33}"/>
               </a:ext>
             </a:extLst>
           </p:cNvPr>
@@ -9540,7 +10292,7 @@
           <p:cNvPr id="73" name="Straight Arrow Connector 72">
             <a:extLst>
               <a:ext uri="{FF2B5EF4-FFF2-40B4-BE49-F238E27FC236}">
-                <a16:creationId xmlns:a16="http://schemas.microsoft.com/office/drawing/2014/main" xmlns="" id="{69C2A71F-34B3-45C5-B5C2-CAD80873AAD3}"/>
+                <a16:creationId xmlns:a16="http://schemas.microsoft.com/office/drawing/2014/main" id="{69C2A71F-34B3-45C5-B5C2-CAD80873AAD3}"/>
               </a:ext>
             </a:extLst>
           </p:cNvPr>
@@ -9589,7 +10341,7 @@
           <p:cNvPr id="77" name="Straight Arrow Connector 76">
             <a:extLst>
               <a:ext uri="{FF2B5EF4-FFF2-40B4-BE49-F238E27FC236}">
-                <a16:creationId xmlns:a16="http://schemas.microsoft.com/office/drawing/2014/main" xmlns="" id="{57464C7E-A3BB-4249-922D-CFCFCCBF91D6}"/>
+                <a16:creationId xmlns:a16="http://schemas.microsoft.com/office/drawing/2014/main" id="{57464C7E-A3BB-4249-922D-CFCFCCBF91D6}"/>
               </a:ext>
             </a:extLst>
           </p:cNvPr>
@@ -9636,7 +10388,7 @@
           <p:cNvPr id="78" name="Straight Arrow Connector 77">
             <a:extLst>
               <a:ext uri="{FF2B5EF4-FFF2-40B4-BE49-F238E27FC236}">
-                <a16:creationId xmlns:a16="http://schemas.microsoft.com/office/drawing/2014/main" xmlns="" id="{D03E9D33-30E8-457E-9B54-73E66853B100}"/>
+                <a16:creationId xmlns:a16="http://schemas.microsoft.com/office/drawing/2014/main" id="{D03E9D33-30E8-457E-9B54-73E66853B100}"/>
               </a:ext>
             </a:extLst>
           </p:cNvPr>
@@ -9683,7 +10435,7 @@
           <p:cNvPr id="79" name="Straight Arrow Connector 78">
             <a:extLst>
               <a:ext uri="{FF2B5EF4-FFF2-40B4-BE49-F238E27FC236}">
-                <a16:creationId xmlns:a16="http://schemas.microsoft.com/office/drawing/2014/main" xmlns="" id="{0A90E022-FEFC-46DE-89ED-17C345356F2C}"/>
+                <a16:creationId xmlns:a16="http://schemas.microsoft.com/office/drawing/2014/main" id="{0A90E022-FEFC-46DE-89ED-17C345356F2C}"/>
               </a:ext>
             </a:extLst>
           </p:cNvPr>
@@ -9730,7 +10482,7 @@
           <p:cNvPr id="80" name="Straight Arrow Connector 79">
             <a:extLst>
               <a:ext uri="{FF2B5EF4-FFF2-40B4-BE49-F238E27FC236}">
-                <a16:creationId xmlns:a16="http://schemas.microsoft.com/office/drawing/2014/main" xmlns="" id="{3A681EC4-C304-44D6-8FE8-F7EBE52D4E19}"/>
+                <a16:creationId xmlns:a16="http://schemas.microsoft.com/office/drawing/2014/main" id="{3A681EC4-C304-44D6-8FE8-F7EBE52D4E19}"/>
               </a:ext>
             </a:extLst>
           </p:cNvPr>
@@ -9777,7 +10529,7 @@
           <p:cNvPr id="81" name="Straight Arrow Connector 80">
             <a:extLst>
               <a:ext uri="{FF2B5EF4-FFF2-40B4-BE49-F238E27FC236}">
-                <a16:creationId xmlns:a16="http://schemas.microsoft.com/office/drawing/2014/main" xmlns="" id="{19F654F4-6D55-4385-8976-5B80EBD24850}"/>
+                <a16:creationId xmlns:a16="http://schemas.microsoft.com/office/drawing/2014/main" id="{19F654F4-6D55-4385-8976-5B80EBD24850}"/>
               </a:ext>
             </a:extLst>
           </p:cNvPr>
@@ -9822,7 +10574,7 @@
     </p:spTree>
     <p:extLst>
       <p:ext uri="{BB962C8B-B14F-4D97-AF65-F5344CB8AC3E}">
-        <p14:creationId xmlns:p14="http://schemas.microsoft.com/office/powerpoint/2010/main" xmlns="" val="2766657188"/>
+        <p14:creationId xmlns:p14="http://schemas.microsoft.com/office/powerpoint/2010/main" val="2766657188"/>
       </p:ext>
     </p:extLst>
   </p:cSld>
@@ -9854,7 +10606,7 @@
           <p:cNvPr id="7" name="Picture 6">
             <a:extLst>
               <a:ext uri="{FF2B5EF4-FFF2-40B4-BE49-F238E27FC236}">
-                <a16:creationId xmlns:a16="http://schemas.microsoft.com/office/drawing/2014/main" xmlns="" id="{0452B86A-B01F-4002-A1C0-9EF0AE9558E4}"/>
+                <a16:creationId xmlns:a16="http://schemas.microsoft.com/office/drawing/2014/main" id="{0452B86A-B01F-4002-A1C0-9EF0AE9558E4}"/>
               </a:ext>
             </a:extLst>
           </p:cNvPr>
@@ -9884,7 +10636,7 @@
           <p:cNvPr id="8" name="Picture 7">
             <a:extLst>
               <a:ext uri="{FF2B5EF4-FFF2-40B4-BE49-F238E27FC236}">
-                <a16:creationId xmlns:a16="http://schemas.microsoft.com/office/drawing/2014/main" xmlns="" id="{37F75148-183E-43C0-AC18-81F40A1DD034}"/>
+                <a16:creationId xmlns:a16="http://schemas.microsoft.com/office/drawing/2014/main" id="{37F75148-183E-43C0-AC18-81F40A1DD034}"/>
               </a:ext>
             </a:extLst>
           </p:cNvPr>
@@ -9914,7 +10666,7 @@
           <p:cNvPr id="2" name="Title 1">
             <a:extLst>
               <a:ext uri="{FF2B5EF4-FFF2-40B4-BE49-F238E27FC236}">
-                <a16:creationId xmlns:a16="http://schemas.microsoft.com/office/drawing/2014/main" xmlns="" id="{DFC049F8-2284-4161-BE3C-431BCD0EFAB7}"/>
+                <a16:creationId xmlns:a16="http://schemas.microsoft.com/office/drawing/2014/main" id="{DFC049F8-2284-4161-BE3C-431BCD0EFAB7}"/>
               </a:ext>
             </a:extLst>
           </p:cNvPr>
@@ -9960,7 +10712,7 @@
           <p:cNvPr id="3" name="Content Placeholder 2">
             <a:extLst>
               <a:ext uri="{FF2B5EF4-FFF2-40B4-BE49-F238E27FC236}">
-                <a16:creationId xmlns:a16="http://schemas.microsoft.com/office/drawing/2014/main" xmlns="" id="{F2E045F5-714F-4E07-87A1-F5696A62ED28}"/>
+                <a16:creationId xmlns:a16="http://schemas.microsoft.com/office/drawing/2014/main" id="{F2E045F5-714F-4E07-87A1-F5696A62ED28}"/>
               </a:ext>
             </a:extLst>
           </p:cNvPr>
@@ -10011,7 +10763,7 @@
           <p:cNvPr id="6" name="TextBox 5">
             <a:extLst>
               <a:ext uri="{FF2B5EF4-FFF2-40B4-BE49-F238E27FC236}">
-                <a16:creationId xmlns:a16="http://schemas.microsoft.com/office/drawing/2014/main" xmlns="" id="{2A7FCD91-3666-4A23-B530-B70A5977CFC4}"/>
+                <a16:creationId xmlns:a16="http://schemas.microsoft.com/office/drawing/2014/main" id="{2A7FCD91-3666-4A23-B530-B70A5977CFC4}"/>
               </a:ext>
             </a:extLst>
           </p:cNvPr>
@@ -10050,7 +10802,7 @@
           <p:cNvPr id="5" name="Picture 4">
             <a:extLst>
               <a:ext uri="{FF2B5EF4-FFF2-40B4-BE49-F238E27FC236}">
-                <a16:creationId xmlns:a16="http://schemas.microsoft.com/office/drawing/2014/main" xmlns="" id="{07E31DEA-147A-4661-8DB9-CB3281426F67}"/>
+                <a16:creationId xmlns:a16="http://schemas.microsoft.com/office/drawing/2014/main" id="{07E31DEA-147A-4661-8DB9-CB3281426F67}"/>
               </a:ext>
             </a:extLst>
           </p:cNvPr>
@@ -10085,7 +10837,7 @@
           <p:cNvPr id="9" name="Rectangle 8">
             <a:extLst>
               <a:ext uri="{FF2B5EF4-FFF2-40B4-BE49-F238E27FC236}">
-                <a16:creationId xmlns:a16="http://schemas.microsoft.com/office/drawing/2014/main" xmlns="" id="{639288EF-1393-49D8-9524-1863E2A39901}"/>
+                <a16:creationId xmlns:a16="http://schemas.microsoft.com/office/drawing/2014/main" id="{639288EF-1393-49D8-9524-1863E2A39901}"/>
               </a:ext>
             </a:extLst>
           </p:cNvPr>
@@ -10205,7 +10957,7 @@
     </p:spTree>
     <p:extLst>
       <p:ext uri="{BB962C8B-B14F-4D97-AF65-F5344CB8AC3E}">
-        <p14:creationId xmlns:p14="http://schemas.microsoft.com/office/powerpoint/2010/main" xmlns="" val="3490831543"/>
+        <p14:creationId xmlns:p14="http://schemas.microsoft.com/office/powerpoint/2010/main" val="3490831543"/>
       </p:ext>
     </p:extLst>
   </p:cSld>
@@ -10237,7 +10989,7 @@
           <p:cNvPr id="7" name="Picture 6">
             <a:extLst>
               <a:ext uri="{FF2B5EF4-FFF2-40B4-BE49-F238E27FC236}">
-                <a16:creationId xmlns:a16="http://schemas.microsoft.com/office/drawing/2014/main" xmlns="" id="{B477D94D-934D-4616-A570-6D98195B104B}"/>
+                <a16:creationId xmlns:a16="http://schemas.microsoft.com/office/drawing/2014/main" id="{B477D94D-934D-4616-A570-6D98195B104B}"/>
               </a:ext>
             </a:extLst>
           </p:cNvPr>
@@ -10266,7 +11018,7 @@
           <p:cNvPr id="5" name="Picture 4">
             <a:extLst>
               <a:ext uri="{FF2B5EF4-FFF2-40B4-BE49-F238E27FC236}">
-                <a16:creationId xmlns:a16="http://schemas.microsoft.com/office/drawing/2014/main" xmlns="" id="{B41C1CB2-FA0D-4FE8-B995-E97A83ACB1AE}"/>
+                <a16:creationId xmlns:a16="http://schemas.microsoft.com/office/drawing/2014/main" id="{B41C1CB2-FA0D-4FE8-B995-E97A83ACB1AE}"/>
               </a:ext>
             </a:extLst>
           </p:cNvPr>
@@ -10295,7 +11047,7 @@
           <p:cNvPr id="2" name="Title 1">
             <a:extLst>
               <a:ext uri="{FF2B5EF4-FFF2-40B4-BE49-F238E27FC236}">
-                <a16:creationId xmlns:a16="http://schemas.microsoft.com/office/drawing/2014/main" xmlns="" id="{DFC049F8-2284-4161-BE3C-431BCD0EFAB7}"/>
+                <a16:creationId xmlns:a16="http://schemas.microsoft.com/office/drawing/2014/main" id="{DFC049F8-2284-4161-BE3C-431BCD0EFAB7}"/>
               </a:ext>
             </a:extLst>
           </p:cNvPr>
@@ -10341,7 +11093,7 @@
           <p:cNvPr id="3" name="Content Placeholder 2">
             <a:extLst>
               <a:ext uri="{FF2B5EF4-FFF2-40B4-BE49-F238E27FC236}">
-                <a16:creationId xmlns:a16="http://schemas.microsoft.com/office/drawing/2014/main" xmlns="" id="{F2E045F5-714F-4E07-87A1-F5696A62ED28}"/>
+                <a16:creationId xmlns:a16="http://schemas.microsoft.com/office/drawing/2014/main" id="{F2E045F5-714F-4E07-87A1-F5696A62ED28}"/>
               </a:ext>
             </a:extLst>
           </p:cNvPr>
@@ -10392,7 +11144,7 @@
           <p:cNvPr id="6" name="TextBox 5">
             <a:extLst>
               <a:ext uri="{FF2B5EF4-FFF2-40B4-BE49-F238E27FC236}">
-                <a16:creationId xmlns:a16="http://schemas.microsoft.com/office/drawing/2014/main" xmlns="" id="{2A7FCD91-3666-4A23-B530-B70A5977CFC4}"/>
+                <a16:creationId xmlns:a16="http://schemas.microsoft.com/office/drawing/2014/main" id="{2A7FCD91-3666-4A23-B530-B70A5977CFC4}"/>
               </a:ext>
             </a:extLst>
           </p:cNvPr>
@@ -10431,7 +11183,7 @@
           <p:cNvPr id="4" name="Picture 3">
             <a:extLst>
               <a:ext uri="{FF2B5EF4-FFF2-40B4-BE49-F238E27FC236}">
-                <a16:creationId xmlns:a16="http://schemas.microsoft.com/office/drawing/2014/main" xmlns="" id="{7DBBE77A-8D3A-40D6-94A0-7EC9A7E761A3}"/>
+                <a16:creationId xmlns:a16="http://schemas.microsoft.com/office/drawing/2014/main" id="{7DBBE77A-8D3A-40D6-94A0-7EC9A7E761A3}"/>
               </a:ext>
             </a:extLst>
           </p:cNvPr>
@@ -10466,7 +11218,7 @@
           <p:cNvPr id="8" name="Rectangle 7">
             <a:extLst>
               <a:ext uri="{FF2B5EF4-FFF2-40B4-BE49-F238E27FC236}">
-                <a16:creationId xmlns:a16="http://schemas.microsoft.com/office/drawing/2014/main" xmlns="" id="{BBD93274-AD19-4924-B84B-10DE820ED811}"/>
+                <a16:creationId xmlns:a16="http://schemas.microsoft.com/office/drawing/2014/main" id="{BBD93274-AD19-4924-B84B-10DE820ED811}"/>
               </a:ext>
             </a:extLst>
           </p:cNvPr>
@@ -10521,7 +11273,7 @@
           <p:cNvPr id="9" name="TextBox 8">
             <a:extLst>
               <a:ext uri="{FF2B5EF4-FFF2-40B4-BE49-F238E27FC236}">
-                <a16:creationId xmlns:a16="http://schemas.microsoft.com/office/drawing/2014/main" xmlns="" id="{614F1665-FB4D-4576-912A-8CB0AE08F8B2}"/>
+                <a16:creationId xmlns:a16="http://schemas.microsoft.com/office/drawing/2014/main" id="{614F1665-FB4D-4576-912A-8CB0AE08F8B2}"/>
               </a:ext>
             </a:extLst>
           </p:cNvPr>
@@ -10581,7 +11333,7 @@
           <p:cNvPr id="10" name="TextBox 9">
             <a:extLst>
               <a:ext uri="{FF2B5EF4-FFF2-40B4-BE49-F238E27FC236}">
-                <a16:creationId xmlns:a16="http://schemas.microsoft.com/office/drawing/2014/main" xmlns="" id="{B73BD718-AF4E-48A2-A46D-2EFB4DF802D3}"/>
+                <a16:creationId xmlns:a16="http://schemas.microsoft.com/office/drawing/2014/main" id="{B73BD718-AF4E-48A2-A46D-2EFB4DF802D3}"/>
               </a:ext>
             </a:extLst>
           </p:cNvPr>
@@ -10707,7 +11459,7 @@
           <p:cNvPr id="11" name="TextBox 10">
             <a:extLst>
               <a:ext uri="{FF2B5EF4-FFF2-40B4-BE49-F238E27FC236}">
-                <a16:creationId xmlns:a16="http://schemas.microsoft.com/office/drawing/2014/main" xmlns="" id="{045FE3E0-C21F-4E84-A6C3-B78C5DA14375}"/>
+                <a16:creationId xmlns:a16="http://schemas.microsoft.com/office/drawing/2014/main" id="{045FE3E0-C21F-4E84-A6C3-B78C5DA14375}"/>
               </a:ext>
             </a:extLst>
           </p:cNvPr>
@@ -10749,7 +11501,7 @@
           <p:cNvPr id="12" name="TextBox 11">
             <a:extLst>
               <a:ext uri="{FF2B5EF4-FFF2-40B4-BE49-F238E27FC236}">
-                <a16:creationId xmlns:a16="http://schemas.microsoft.com/office/drawing/2014/main" xmlns="" id="{715C8695-F831-4AEA-8788-D3F362FE0855}"/>
+                <a16:creationId xmlns:a16="http://schemas.microsoft.com/office/drawing/2014/main" id="{715C8695-F831-4AEA-8788-D3F362FE0855}"/>
               </a:ext>
             </a:extLst>
           </p:cNvPr>
@@ -10791,7 +11543,7 @@
           <p:cNvPr id="13" name="TextBox 12">
             <a:extLst>
               <a:ext uri="{FF2B5EF4-FFF2-40B4-BE49-F238E27FC236}">
-                <a16:creationId xmlns:a16="http://schemas.microsoft.com/office/drawing/2014/main" xmlns="" id="{3D143883-7E11-42FA-820F-FD25A0706494}"/>
+                <a16:creationId xmlns:a16="http://schemas.microsoft.com/office/drawing/2014/main" id="{3D143883-7E11-42FA-820F-FD25A0706494}"/>
               </a:ext>
             </a:extLst>
           </p:cNvPr>
@@ -10833,7 +11585,7 @@
           <p:cNvPr id="14" name="TextBox 13">
             <a:extLst>
               <a:ext uri="{FF2B5EF4-FFF2-40B4-BE49-F238E27FC236}">
-                <a16:creationId xmlns:a16="http://schemas.microsoft.com/office/drawing/2014/main" xmlns="" id="{441B9A9E-965F-4808-97BB-765FA754A34C}"/>
+                <a16:creationId xmlns:a16="http://schemas.microsoft.com/office/drawing/2014/main" id="{441B9A9E-965F-4808-97BB-765FA754A34C}"/>
               </a:ext>
             </a:extLst>
           </p:cNvPr>
@@ -10888,7 +11640,7 @@
     </p:spTree>
     <p:extLst>
       <p:ext uri="{BB962C8B-B14F-4D97-AF65-F5344CB8AC3E}">
-        <p14:creationId xmlns:p14="http://schemas.microsoft.com/office/powerpoint/2010/main" xmlns="" val="4096237443"/>
+        <p14:creationId xmlns:p14="http://schemas.microsoft.com/office/powerpoint/2010/main" val="4096237443"/>
       </p:ext>
     </p:extLst>
   </p:cSld>
@@ -11187,7 +11939,268 @@
   <a:extraClrSchemeLst/>
   <a:extLst>
     <a:ext uri="{05A4C25C-085E-4340-85A3-A5531E510DB2}">
-      <thm15:themeFamily xmlns:thm15="http://schemas.microsoft.com/office/thememl/2012/main" xmlns="" name="Office Theme" id="{62F939B6-93AF-4DB8-9C6B-D6C7DFDC589F}" vid="{4A3C46E8-61CC-4603-A589-7422A47A8E4A}"/>
+      <thm15:themeFamily xmlns:thm15="http://schemas.microsoft.com/office/thememl/2012/main" name="Office Theme" id="{62F939B6-93AF-4DB8-9C6B-D6C7DFDC589F}" vid="{4A3C46E8-61CC-4603-A589-7422A47A8E4A}"/>
+    </a:ext>
+  </a:extLst>
+</a:theme>
+</file>
+
+<file path=ppt/theme/theme2.xml><?xml version="1.0" encoding="utf-8"?>
+<a:theme xmlns:a="http://schemas.openxmlformats.org/drawingml/2006/main" name="Office Theme">
+  <a:themeElements>
+    <a:clrScheme name="Office">
+      <a:dk1>
+        <a:sysClr val="windowText" lastClr="000000"/>
+      </a:dk1>
+      <a:lt1>
+        <a:sysClr val="window" lastClr="FFFFFF"/>
+      </a:lt1>
+      <a:dk2>
+        <a:srgbClr val="44546A"/>
+      </a:dk2>
+      <a:lt2>
+        <a:srgbClr val="E7E6E6"/>
+      </a:lt2>
+      <a:accent1>
+        <a:srgbClr val="5B9BD5"/>
+      </a:accent1>
+      <a:accent2>
+        <a:srgbClr val="ED7D31"/>
+      </a:accent2>
+      <a:accent3>
+        <a:srgbClr val="A5A5A5"/>
+      </a:accent3>
+      <a:accent4>
+        <a:srgbClr val="FFC000"/>
+      </a:accent4>
+      <a:accent5>
+        <a:srgbClr val="4472C4"/>
+      </a:accent5>
+      <a:accent6>
+        <a:srgbClr val="70AD47"/>
+      </a:accent6>
+      <a:hlink>
+        <a:srgbClr val="0563C1"/>
+      </a:hlink>
+      <a:folHlink>
+        <a:srgbClr val="954F72"/>
+      </a:folHlink>
+    </a:clrScheme>
+    <a:fontScheme name="Office">
+      <a:majorFont>
+        <a:latin typeface="Calibri Light" panose="020F0302020204030204"/>
+        <a:ea typeface=""/>
+        <a:cs typeface=""/>
+        <a:font script="Jpan" typeface="游ゴシック Light"/>
+        <a:font script="Hang" typeface="맑은 고딕"/>
+        <a:font script="Hans" typeface="等线 Light"/>
+        <a:font script="Hant" typeface="新細明體"/>
+        <a:font script="Arab" typeface="Times New Roman"/>
+        <a:font script="Hebr" typeface="Times New Roman"/>
+        <a:font script="Thai" typeface="Angsana New"/>
+        <a:font script="Ethi" typeface="Nyala"/>
+        <a:font script="Beng" typeface="Vrinda"/>
+        <a:font script="Gujr" typeface="Shruti"/>
+        <a:font script="Khmr" typeface="MoolBoran"/>
+        <a:font script="Knda" typeface="Tunga"/>
+        <a:font script="Guru" typeface="Raavi"/>
+        <a:font script="Cans" typeface="Euphemia"/>
+        <a:font script="Cher" typeface="Plantagenet Cherokee"/>
+        <a:font script="Yiii" typeface="Microsoft Yi Baiti"/>
+        <a:font script="Tibt" typeface="Microsoft Himalaya"/>
+        <a:font script="Thaa" typeface="MV Boli"/>
+        <a:font script="Deva" typeface="Mangal"/>
+        <a:font script="Telu" typeface="Gautami"/>
+        <a:font script="Taml" typeface="Latha"/>
+        <a:font script="Syrc" typeface="Estrangelo Edessa"/>
+        <a:font script="Orya" typeface="Kalinga"/>
+        <a:font script="Mlym" typeface="Kartika"/>
+        <a:font script="Laoo" typeface="DokChampa"/>
+        <a:font script="Sinh" typeface="Iskoola Pota"/>
+        <a:font script="Mong" typeface="Mongolian Baiti"/>
+        <a:font script="Viet" typeface="Times New Roman"/>
+        <a:font script="Uigh" typeface="Microsoft Uighur"/>
+        <a:font script="Geor" typeface="Sylfaen"/>
+      </a:majorFont>
+      <a:minorFont>
+        <a:latin typeface="Calibri" panose="020F0502020204030204"/>
+        <a:ea typeface=""/>
+        <a:cs typeface=""/>
+        <a:font script="Jpan" typeface="游ゴシック"/>
+        <a:font script="Hang" typeface="맑은 고딕"/>
+        <a:font script="Hans" typeface="等线"/>
+        <a:font script="Hant" typeface="新細明體"/>
+        <a:font script="Arab" typeface="Arial"/>
+        <a:font script="Hebr" typeface="Arial"/>
+        <a:font script="Thai" typeface="Cordia New"/>
+        <a:font script="Ethi" typeface="Nyala"/>
+        <a:font script="Beng" typeface="Vrinda"/>
+        <a:font script="Gujr" typeface="Shruti"/>
+        <a:font script="Khmr" typeface="DaunPenh"/>
+        <a:font script="Knda" typeface="Tunga"/>
+        <a:font script="Guru" typeface="Raavi"/>
+        <a:font script="Cans" typeface="Euphemia"/>
+        <a:font script="Cher" typeface="Plantagenet Cherokee"/>
+        <a:font script="Yiii" typeface="Microsoft Yi Baiti"/>
+        <a:font script="Tibt" typeface="Microsoft Himalaya"/>
+        <a:font script="Thaa" typeface="MV Boli"/>
+        <a:font script="Deva" typeface="Mangal"/>
+        <a:font script="Telu" typeface="Gautami"/>
+        <a:font script="Taml" typeface="Latha"/>
+        <a:font script="Syrc" typeface="Estrangelo Edessa"/>
+        <a:font script="Orya" typeface="Kalinga"/>
+        <a:font script="Mlym" typeface="Kartika"/>
+        <a:font script="Laoo" typeface="DokChampa"/>
+        <a:font script="Sinh" typeface="Iskoola Pota"/>
+        <a:font script="Mong" typeface="Mongolian Baiti"/>
+        <a:font script="Viet" typeface="Arial"/>
+        <a:font script="Uigh" typeface="Microsoft Uighur"/>
+        <a:font script="Geor" typeface="Sylfaen"/>
+      </a:minorFont>
+    </a:fontScheme>
+    <a:fmtScheme name="Office">
+      <a:fillStyleLst>
+        <a:solidFill>
+          <a:schemeClr val="phClr"/>
+        </a:solidFill>
+        <a:gradFill rotWithShape="1">
+          <a:gsLst>
+            <a:gs pos="0">
+              <a:schemeClr val="phClr">
+                <a:lumMod val="110000"/>
+                <a:satMod val="105000"/>
+                <a:tint val="67000"/>
+              </a:schemeClr>
+            </a:gs>
+            <a:gs pos="50000">
+              <a:schemeClr val="phClr">
+                <a:lumMod val="105000"/>
+                <a:satMod val="103000"/>
+                <a:tint val="73000"/>
+              </a:schemeClr>
+            </a:gs>
+            <a:gs pos="100000">
+              <a:schemeClr val="phClr">
+                <a:lumMod val="105000"/>
+                <a:satMod val="109000"/>
+                <a:tint val="81000"/>
+              </a:schemeClr>
+            </a:gs>
+          </a:gsLst>
+          <a:lin ang="5400000" scaled="0"/>
+        </a:gradFill>
+        <a:gradFill rotWithShape="1">
+          <a:gsLst>
+            <a:gs pos="0">
+              <a:schemeClr val="phClr">
+                <a:satMod val="103000"/>
+                <a:lumMod val="102000"/>
+                <a:tint val="94000"/>
+              </a:schemeClr>
+            </a:gs>
+            <a:gs pos="50000">
+              <a:schemeClr val="phClr">
+                <a:satMod val="110000"/>
+                <a:lumMod val="100000"/>
+                <a:shade val="100000"/>
+              </a:schemeClr>
+            </a:gs>
+            <a:gs pos="100000">
+              <a:schemeClr val="phClr">
+                <a:lumMod val="99000"/>
+                <a:satMod val="120000"/>
+                <a:shade val="78000"/>
+              </a:schemeClr>
+            </a:gs>
+          </a:gsLst>
+          <a:lin ang="5400000" scaled="0"/>
+        </a:gradFill>
+      </a:fillStyleLst>
+      <a:lnStyleLst>
+        <a:ln w="6350" cap="flat" cmpd="sng" algn="ctr">
+          <a:solidFill>
+            <a:schemeClr val="phClr"/>
+          </a:solidFill>
+          <a:prstDash val="solid"/>
+          <a:miter lim="800000"/>
+        </a:ln>
+        <a:ln w="12700" cap="flat" cmpd="sng" algn="ctr">
+          <a:solidFill>
+            <a:schemeClr val="phClr"/>
+          </a:solidFill>
+          <a:prstDash val="solid"/>
+          <a:miter lim="800000"/>
+        </a:ln>
+        <a:ln w="19050" cap="flat" cmpd="sng" algn="ctr">
+          <a:solidFill>
+            <a:schemeClr val="phClr"/>
+          </a:solidFill>
+          <a:prstDash val="solid"/>
+          <a:miter lim="800000"/>
+        </a:ln>
+      </a:lnStyleLst>
+      <a:effectStyleLst>
+        <a:effectStyle>
+          <a:effectLst/>
+        </a:effectStyle>
+        <a:effectStyle>
+          <a:effectLst/>
+        </a:effectStyle>
+        <a:effectStyle>
+          <a:effectLst>
+            <a:outerShdw blurRad="57150" dist="19050" dir="5400000" algn="ctr" rotWithShape="0">
+              <a:srgbClr val="000000">
+                <a:alpha val="63000"/>
+              </a:srgbClr>
+            </a:outerShdw>
+          </a:effectLst>
+        </a:effectStyle>
+      </a:effectStyleLst>
+      <a:bgFillStyleLst>
+        <a:solidFill>
+          <a:schemeClr val="phClr"/>
+        </a:solidFill>
+        <a:solidFill>
+          <a:schemeClr val="phClr">
+            <a:tint val="95000"/>
+            <a:satMod val="170000"/>
+          </a:schemeClr>
+        </a:solidFill>
+        <a:gradFill rotWithShape="1">
+          <a:gsLst>
+            <a:gs pos="0">
+              <a:schemeClr val="phClr">
+                <a:tint val="93000"/>
+                <a:satMod val="150000"/>
+                <a:shade val="98000"/>
+                <a:lumMod val="102000"/>
+              </a:schemeClr>
+            </a:gs>
+            <a:gs pos="50000">
+              <a:schemeClr val="phClr">
+                <a:tint val="98000"/>
+                <a:satMod val="130000"/>
+                <a:shade val="90000"/>
+                <a:lumMod val="103000"/>
+              </a:schemeClr>
+            </a:gs>
+            <a:gs pos="100000">
+              <a:schemeClr val="phClr">
+                <a:shade val="63000"/>
+                <a:satMod val="120000"/>
+              </a:schemeClr>
+            </a:gs>
+          </a:gsLst>
+          <a:lin ang="5400000" scaled="0"/>
+        </a:gradFill>
+      </a:bgFillStyleLst>
+    </a:fmtScheme>
+  </a:themeElements>
+  <a:objectDefaults/>
+  <a:extraClrSchemeLst/>
+  <a:extLst>
+    <a:ext uri="{05A4C25C-085E-4340-85A3-A5531E510DB2}">
+      <thm15:themeFamily xmlns:thm15="http://schemas.microsoft.com/office/thememl/2012/main" name="Office Theme" id="{62F939B6-93AF-4DB8-9C6B-D6C7DFDC589F}" vid="{4A3C46E8-61CC-4603-A589-7422A47A8E4A}"/>
     </a:ext>
   </a:extLst>
 </a:theme>

--- a/D2.pptx
+++ b/D2.pptx
@@ -120,7 +120,7 @@
   </p:defaultTextStyle>
   <p:extLst>
     <p:ext uri="{EFAFB233-063F-42B5-8137-9DF3F51BA10A}">
-      <p15:sldGuideLst xmlns:p15="http://schemas.microsoft.com/office/powerpoint/2012/main">
+      <p15:sldGuideLst xmlns:p15="http://schemas.microsoft.com/office/powerpoint/2012/main" xmlns="">
         <p15:guide id="1" orient="horz" pos="2160">
           <p15:clr>
             <a:srgbClr val="A4A3A4"/>
@@ -219,7 +219,8 @@
           <a:p>
             <a:fld id="{72120EEF-C798-4279-B1C0-A28BE5B39C66}" type="datetimeFigureOut">
               <a:rPr lang="en-GB" smtClean="0"/>
-              <a:t>20/02/2018</a:t>
+              <a:pPr/>
+              <a:t>24/02/2018</a:t>
             </a:fld>
             <a:endParaRPr lang="en-GB"/>
           </a:p>
@@ -378,6 +379,7 @@
           <a:p>
             <a:fld id="{B4FD0D0C-5710-4AE3-80D3-D826DB3CA674}" type="slidenum">
               <a:rPr lang="en-GB" smtClean="0"/>
+              <a:pPr/>
               <a:t>‹#›</a:t>
             </a:fld>
             <a:endParaRPr lang="en-GB"/>
@@ -387,7 +389,7 @@
     </p:spTree>
     <p:extLst>
       <p:ext uri="{BB962C8B-B14F-4D97-AF65-F5344CB8AC3E}">
-        <p14:creationId xmlns:p14="http://schemas.microsoft.com/office/powerpoint/2010/main" val="3478088536"/>
+        <p14:creationId xmlns:p14="http://schemas.microsoft.com/office/powerpoint/2010/main" xmlns="" val="3478088536"/>
       </p:ext>
     </p:extLst>
   </p:cSld>
@@ -586,6 +588,7 @@
           <a:p>
             <a:fld id="{B4FD0D0C-5710-4AE3-80D3-D826DB3CA674}" type="slidenum">
               <a:rPr lang="en-GB" smtClean="0"/>
+              <a:pPr/>
               <a:t>2</a:t>
             </a:fld>
             <a:endParaRPr lang="en-GB"/>
@@ -595,7 +598,7 @@
     </p:spTree>
     <p:extLst>
       <p:ext uri="{BB962C8B-B14F-4D97-AF65-F5344CB8AC3E}">
-        <p14:creationId xmlns:p14="http://schemas.microsoft.com/office/powerpoint/2010/main" val="108767136"/>
+        <p14:creationId xmlns:p14="http://schemas.microsoft.com/office/powerpoint/2010/main" xmlns="" val="108767136"/>
       </p:ext>
     </p:extLst>
   </p:cSld>
@@ -684,6 +687,7 @@
           <a:p>
             <a:fld id="{B4FD0D0C-5710-4AE3-80D3-D826DB3CA674}" type="slidenum">
               <a:rPr lang="en-GB" smtClean="0"/>
+              <a:pPr/>
               <a:t>3</a:t>
             </a:fld>
             <a:endParaRPr lang="en-GB"/>
@@ -693,7 +697,7 @@
     </p:spTree>
     <p:extLst>
       <p:ext uri="{BB962C8B-B14F-4D97-AF65-F5344CB8AC3E}">
-        <p14:creationId xmlns:p14="http://schemas.microsoft.com/office/powerpoint/2010/main" val="3079722329"/>
+        <p14:creationId xmlns:p14="http://schemas.microsoft.com/office/powerpoint/2010/main" xmlns="" val="3079722329"/>
       </p:ext>
     </p:extLst>
   </p:cSld>
@@ -856,6 +860,7 @@
           <a:p>
             <a:fld id="{B4FD0D0C-5710-4AE3-80D3-D826DB3CA674}" type="slidenum">
               <a:rPr lang="en-GB" smtClean="0"/>
+              <a:pPr/>
               <a:t>4</a:t>
             </a:fld>
             <a:endParaRPr lang="en-GB"/>
@@ -865,9 +870,371 @@
     </p:spTree>
     <p:extLst>
       <p:ext uri="{BB962C8B-B14F-4D97-AF65-F5344CB8AC3E}">
-        <p14:creationId xmlns:p14="http://schemas.microsoft.com/office/powerpoint/2010/main" val="1280038544"/>
+        <p14:creationId xmlns:p14="http://schemas.microsoft.com/office/powerpoint/2010/main" xmlns="" val="1280038544"/>
       </p:ext>
     </p:extLst>
+  </p:cSld>
+  <p:clrMapOvr>
+    <a:masterClrMapping/>
+  </p:clrMapOvr>
+</p:notes>
+</file>
+
+<file path=ppt/notesSlides/notesSlide4.xml><?xml version="1.0" encoding="utf-8"?>
+<p:notes xmlns:a="http://schemas.openxmlformats.org/drawingml/2006/main" xmlns:r="http://schemas.openxmlformats.org/officeDocument/2006/relationships" xmlns:p="http://schemas.openxmlformats.org/presentationml/2006/main">
+  <p:cSld>
+    <p:spTree>
+      <p:nvGrpSpPr>
+        <p:cNvPr id="1" name=""/>
+        <p:cNvGrpSpPr/>
+        <p:nvPr/>
+      </p:nvGrpSpPr>
+      <p:grpSpPr>
+        <a:xfrm>
+          <a:off x="0" y="0"/>
+          <a:ext cx="0" cy="0"/>
+          <a:chOff x="0" y="0"/>
+          <a:chExt cx="0" cy="0"/>
+        </a:xfrm>
+      </p:grpSpPr>
+      <p:sp>
+        <p:nvSpPr>
+          <p:cNvPr id="2" name="Slide Image Placeholder 1"/>
+          <p:cNvSpPr>
+            <a:spLocks noGrp="1" noRot="1" noChangeAspect="1"/>
+          </p:cNvSpPr>
+          <p:nvPr>
+            <p:ph type="sldImg"/>
+          </p:nvPr>
+        </p:nvSpPr>
+        <p:spPr/>
+      </p:sp>
+      <p:sp>
+        <p:nvSpPr>
+          <p:cNvPr id="3" name="Notes Placeholder 2"/>
+          <p:cNvSpPr>
+            <a:spLocks noGrp="1"/>
+          </p:cNvSpPr>
+          <p:nvPr>
+            <p:ph type="body" idx="1"/>
+          </p:nvPr>
+        </p:nvSpPr>
+        <p:spPr/>
+        <p:txBody>
+          <a:bodyPr>
+            <a:normAutofit lnSpcReduction="10000"/>
+          </a:bodyPr>
+          <a:lstStyle/>
+          <a:p>
+            <a:endParaRPr lang="en-GB" dirty="0"/>
+          </a:p>
+        </p:txBody>
+      </p:sp>
+      <p:sp>
+        <p:nvSpPr>
+          <p:cNvPr id="4" name="Slide Number Placeholder 3"/>
+          <p:cNvSpPr>
+            <a:spLocks noGrp="1"/>
+          </p:cNvSpPr>
+          <p:nvPr>
+            <p:ph type="sldNum" sz="quarter" idx="10"/>
+          </p:nvPr>
+        </p:nvSpPr>
+        <p:spPr/>
+        <p:txBody>
+          <a:bodyPr/>
+          <a:lstStyle/>
+          <a:p>
+            <a:fld id="{B4FD0D0C-5710-4AE3-80D3-D826DB3CA674}" type="slidenum">
+              <a:rPr lang="en-GB" smtClean="0"/>
+              <a:pPr/>
+              <a:t>10</a:t>
+            </a:fld>
+            <a:endParaRPr lang="en-GB"/>
+          </a:p>
+        </p:txBody>
+      </p:sp>
+    </p:spTree>
+  </p:cSld>
+  <p:clrMapOvr>
+    <a:masterClrMapping/>
+  </p:clrMapOvr>
+</p:notes>
+</file>
+
+<file path=ppt/notesSlides/notesSlide5.xml><?xml version="1.0" encoding="utf-8"?>
+<p:notes xmlns:a="http://schemas.openxmlformats.org/drawingml/2006/main" xmlns:r="http://schemas.openxmlformats.org/officeDocument/2006/relationships" xmlns:p="http://schemas.openxmlformats.org/presentationml/2006/main">
+  <p:cSld>
+    <p:spTree>
+      <p:nvGrpSpPr>
+        <p:cNvPr id="1" name=""/>
+        <p:cNvGrpSpPr/>
+        <p:nvPr/>
+      </p:nvGrpSpPr>
+      <p:grpSpPr>
+        <a:xfrm>
+          <a:off x="0" y="0"/>
+          <a:ext cx="0" cy="0"/>
+          <a:chOff x="0" y="0"/>
+          <a:chExt cx="0" cy="0"/>
+        </a:xfrm>
+      </p:grpSpPr>
+      <p:sp>
+        <p:nvSpPr>
+          <p:cNvPr id="2" name="Slide Image Placeholder 1"/>
+          <p:cNvSpPr>
+            <a:spLocks noGrp="1" noRot="1" noChangeAspect="1"/>
+          </p:cNvSpPr>
+          <p:nvPr>
+            <p:ph type="sldImg"/>
+          </p:nvPr>
+        </p:nvSpPr>
+        <p:spPr/>
+      </p:sp>
+      <p:sp>
+        <p:nvSpPr>
+          <p:cNvPr id="3" name="Notes Placeholder 2"/>
+          <p:cNvSpPr>
+            <a:spLocks noGrp="1"/>
+          </p:cNvSpPr>
+          <p:nvPr>
+            <p:ph type="body" idx="1"/>
+          </p:nvPr>
+        </p:nvSpPr>
+        <p:spPr/>
+        <p:txBody>
+          <a:bodyPr>
+            <a:normAutofit fontScale="55000" lnSpcReduction="20000"/>
+          </a:bodyPr>
+          <a:lstStyle/>
+          <a:p>
+            <a:r>
+              <a:rPr lang="en-GB" dirty="0" smtClean="0"/>
+              <a:t>More things we did:</a:t>
+            </a:r>
+          </a:p>
+          <a:p>
+            <a:r>
+              <a:rPr lang="en-GB" dirty="0" smtClean="0"/>
+              <a:t>1. While running along,</a:t>
+            </a:r>
+            <a:r>
+              <a:rPr lang="en-GB" baseline="0" dirty="0" smtClean="0"/>
+              <a:t> p</a:t>
+            </a:r>
+            <a:r>
+              <a:rPr lang="en-GB" dirty="0" smtClean="0"/>
+              <a:t>layer sprite should be able to move up small</a:t>
+            </a:r>
+            <a:r>
+              <a:rPr lang="en-GB" baseline="0" dirty="0" smtClean="0"/>
+              <a:t> amounts without having to jump.  In Level1, below the lake, you have to jump, and you bang your head.</a:t>
+            </a:r>
+          </a:p>
+          <a:p>
+            <a:r>
+              <a:rPr lang="en-GB" baseline="0" dirty="0" smtClean="0"/>
+              <a:t>Fix: amended code to allow small amounts of Y-movement as part of X-movement.  (Banging head is because we can’t allow jump-up-through lake, to prevent player jumping from one side of lake to the other.)</a:t>
+            </a:r>
+          </a:p>
+          <a:p>
+            <a:endParaRPr lang="en-GB" baseline="0" dirty="0" smtClean="0"/>
+          </a:p>
+          <a:p>
+            <a:r>
+              <a:rPr lang="en-GB" baseline="0" dirty="0" smtClean="0"/>
+              <a:t>2. Fall-through holes in attic not clearly visible due to coloration of background</a:t>
+            </a:r>
+          </a:p>
+          <a:p>
+            <a:r>
+              <a:rPr lang="en-GB" baseline="0" dirty="0" smtClean="0"/>
+              <a:t>Fix: moved holes to be in front of black areas of background</a:t>
+            </a:r>
+          </a:p>
+          <a:p>
+            <a:endParaRPr lang="en-GB" baseline="0" dirty="0" smtClean="0"/>
+          </a:p>
+          <a:p>
+            <a:r>
+              <a:rPr lang="en-GB" baseline="0" dirty="0" smtClean="0"/>
+              <a:t>3. In the attic, the obstacles that you can jump on merged into the background because they were all similar colours</a:t>
+            </a:r>
+          </a:p>
+          <a:p>
+            <a:r>
+              <a:rPr lang="en-GB" baseline="0" dirty="0" smtClean="0"/>
+              <a:t>Fix: made foreground obstacles brighter colours</a:t>
+            </a:r>
+          </a:p>
+          <a:p>
+            <a:endParaRPr lang="en-GB" baseline="0" dirty="0" smtClean="0"/>
+          </a:p>
+          <a:p>
+            <a:r>
+              <a:rPr lang="en-GB" baseline="0" dirty="0" smtClean="0"/>
+              <a:t>4. Jumping round to the far side of the lake in Level 1, you’re standing on snow, which isn’t allowed elsewhere</a:t>
+            </a:r>
+          </a:p>
+          <a:p>
+            <a:r>
+              <a:rPr lang="en-GB" baseline="0" dirty="0" smtClean="0"/>
+              <a:t>Fix: use the other lake image so that you’re standing on the lake edge.</a:t>
+            </a:r>
+          </a:p>
+          <a:p>
+            <a:endParaRPr lang="en-GB" baseline="0" dirty="0" smtClean="0"/>
+          </a:p>
+          <a:p>
+            <a:r>
+              <a:rPr lang="en-GB" baseline="0" dirty="0" smtClean="0"/>
+              <a:t>5. In kitchen you can jump up past most shelves, but the lowest one you bang your head.</a:t>
+            </a:r>
+          </a:p>
+          <a:p>
+            <a:r>
+              <a:rPr lang="en-GB" baseline="0" dirty="0" smtClean="0"/>
+              <a:t>Fix: change lowest shelf to be jump-up-able, like the others.</a:t>
+            </a:r>
+          </a:p>
+          <a:p>
+            <a:endParaRPr lang="en-GB" baseline="0" dirty="0" smtClean="0"/>
+          </a:p>
+          <a:p>
+            <a:r>
+              <a:rPr lang="en-GB" baseline="0" dirty="0" smtClean="0"/>
+              <a:t>6. Have the game play in a single window, rather than one for the menu, one for the platform, and one for the puzzle</a:t>
+            </a:r>
+          </a:p>
+          <a:p>
+            <a:r>
+              <a:rPr lang="en-GB" baseline="0" dirty="0" smtClean="0"/>
+              <a:t>Fix: changed to use a single window.</a:t>
+            </a:r>
+          </a:p>
+          <a:p>
+            <a:endParaRPr lang="en-GB" baseline="0" dirty="0" smtClean="0"/>
+          </a:p>
+          <a:p>
+            <a:r>
+              <a:rPr lang="en-GB" baseline="0" dirty="0" smtClean="0"/>
+              <a:t>Things we did not do:</a:t>
+            </a:r>
+          </a:p>
+          <a:p>
+            <a:r>
+              <a:rPr lang="en-GB" baseline="0" dirty="0" smtClean="0"/>
+              <a:t>1. Curvy shapes have rectangular hit boxes which looks odd</a:t>
+            </a:r>
+          </a:p>
+          <a:p>
+            <a:r>
+              <a:rPr lang="en-GB" baseline="0" dirty="0" smtClean="0"/>
+              <a:t>Nothing we can do at this late stage in the game. </a:t>
+            </a:r>
+          </a:p>
+          <a:p>
+            <a:r>
+              <a:rPr lang="en-GB" dirty="0" smtClean="0"/>
+              <a:t>2. Maze puzzle moves too quickly in response to keyboard keys.</a:t>
+            </a:r>
+          </a:p>
+          <a:p>
+            <a:r>
+              <a:rPr lang="en-GB" dirty="0" smtClean="0"/>
+              <a:t>3. Need instructions for how to drive menu (Enter key, not mouse</a:t>
+            </a:r>
+            <a:r>
+              <a:rPr lang="en-GB" baseline="0" dirty="0" smtClean="0"/>
+              <a:t> clicks)</a:t>
+            </a:r>
+          </a:p>
+          <a:p>
+            <a:r>
+              <a:rPr lang="en-GB" baseline="0" dirty="0" smtClean="0"/>
+              <a:t>4. Player sprite continues to move when window has lost focus (is this a feature of </a:t>
+            </a:r>
+            <a:r>
+              <a:rPr lang="en-GB" baseline="0" dirty="0" err="1" smtClean="0"/>
+              <a:t>jsfml</a:t>
+            </a:r>
+            <a:r>
+              <a:rPr lang="en-GB" baseline="0" dirty="0" smtClean="0"/>
+              <a:t>)</a:t>
+            </a:r>
+          </a:p>
+          <a:p>
+            <a:r>
+              <a:rPr lang="en-GB" baseline="0" dirty="0" smtClean="0"/>
+              <a:t>5. Jump down in kitchen, falls past fireplace when it ought to land on top</a:t>
+            </a:r>
+          </a:p>
+          <a:p>
+            <a:r>
+              <a:rPr lang="en-GB" baseline="0" dirty="0" smtClean="0"/>
+              <a:t>This is due to the size of movement due to gravity.  Will take too long to fix at this point.  There’s only one place affected.</a:t>
+            </a:r>
+          </a:p>
+          <a:p>
+            <a:r>
+              <a:rPr lang="en-GB" baseline="0" dirty="0" smtClean="0"/>
+              <a:t>6. Didn’t notice the new items added to the main room above the menu. Maybe it could be animated when newly added?  Maybe you could show the item when you complete the puzzle?</a:t>
+            </a:r>
+          </a:p>
+          <a:p>
+            <a:r>
+              <a:rPr lang="en-GB" baseline="0" dirty="0" smtClean="0"/>
+              <a:t>7. Not clear why you should collect the baubles, or what the points are for.</a:t>
+            </a:r>
+          </a:p>
+          <a:p>
+            <a:r>
+              <a:rPr lang="en-GB" baseline="0" dirty="0" smtClean="0"/>
+              <a:t>8. Add an </a:t>
+            </a:r>
+            <a:r>
+              <a:rPr lang="en-GB" baseline="0" dirty="0" err="1" smtClean="0"/>
+              <a:t>Ooops</a:t>
+            </a:r>
+            <a:r>
+              <a:rPr lang="en-GB" baseline="0" dirty="0" smtClean="0"/>
+              <a:t> on loss of life and death.</a:t>
+            </a:r>
+          </a:p>
+          <a:p>
+            <a:r>
+              <a:rPr lang="en-GB" baseline="0" dirty="0" smtClean="0"/>
+              <a:t>9. The room on the menu screen does not look right – some of it is 3D and some 2D. The bookshelf looks like a door – it would be better with a bit of shading below each shelf. The joints in the floor are not angled like the front of the fireplace. Make the inside of the fireplace not the same colour as the fireplace base.</a:t>
+            </a:r>
+            <a:endParaRPr lang="en-GB" dirty="0"/>
+          </a:p>
+        </p:txBody>
+      </p:sp>
+      <p:sp>
+        <p:nvSpPr>
+          <p:cNvPr id="4" name="Slide Number Placeholder 3"/>
+          <p:cNvSpPr>
+            <a:spLocks noGrp="1"/>
+          </p:cNvSpPr>
+          <p:nvPr>
+            <p:ph type="sldNum" sz="quarter" idx="10"/>
+          </p:nvPr>
+        </p:nvSpPr>
+        <p:spPr/>
+        <p:txBody>
+          <a:bodyPr/>
+          <a:lstStyle/>
+          <a:p>
+            <a:fld id="{B4FD0D0C-5710-4AE3-80D3-D826DB3CA674}" type="slidenum">
+              <a:rPr lang="en-GB" smtClean="0"/>
+              <a:pPr/>
+              <a:t>11</a:t>
+            </a:fld>
+            <a:endParaRPr lang="en-GB"/>
+          </a:p>
+        </p:txBody>
+      </p:sp>
+    </p:spTree>
   </p:cSld>
   <p:clrMapOvr>
     <a:masterClrMapping/>
@@ -897,7 +1264,7 @@
           <p:cNvPr id="2" name="Title 1">
             <a:extLst>
               <a:ext uri="{FF2B5EF4-FFF2-40B4-BE49-F238E27FC236}">
-                <a16:creationId xmlns:a16="http://schemas.microsoft.com/office/drawing/2014/main" id="{DF83C6BF-9C25-47A7-9E90-203791DC8017}"/>
+                <a16:creationId xmlns:a16="http://schemas.microsoft.com/office/drawing/2014/main" xmlns="" id="{DF83C6BF-9C25-47A7-9E90-203791DC8017}"/>
               </a:ext>
             </a:extLst>
           </p:cNvPr>
@@ -935,7 +1302,7 @@
           <p:cNvPr id="3" name="Subtitle 2">
             <a:extLst>
               <a:ext uri="{FF2B5EF4-FFF2-40B4-BE49-F238E27FC236}">
-                <a16:creationId xmlns:a16="http://schemas.microsoft.com/office/drawing/2014/main" id="{F43AB25B-D89F-430B-83D3-AFE59D87A0C9}"/>
+                <a16:creationId xmlns:a16="http://schemas.microsoft.com/office/drawing/2014/main" xmlns="" id="{F43AB25B-D89F-430B-83D3-AFE59D87A0C9}"/>
               </a:ext>
             </a:extLst>
           </p:cNvPr>
@@ -1006,7 +1373,7 @@
           <p:cNvPr id="4" name="Date Placeholder 3">
             <a:extLst>
               <a:ext uri="{FF2B5EF4-FFF2-40B4-BE49-F238E27FC236}">
-                <a16:creationId xmlns:a16="http://schemas.microsoft.com/office/drawing/2014/main" id="{FC28D84A-1E26-4ADB-9293-C973C9FDD312}"/>
+                <a16:creationId xmlns:a16="http://schemas.microsoft.com/office/drawing/2014/main" xmlns="" id="{FC28D84A-1E26-4ADB-9293-C973C9FDD312}"/>
               </a:ext>
             </a:extLst>
           </p:cNvPr>
@@ -1025,7 +1392,7 @@
             <a:fld id="{24C3A72B-EA9F-49ED-9480-D5BBE463D3C6}" type="datetimeFigureOut">
               <a:rPr lang="en-GB" smtClean="0"/>
               <a:pPr/>
-              <a:t>20/02/2018</a:t>
+              <a:t>24/02/2018</a:t>
             </a:fld>
             <a:endParaRPr lang="en-GB"/>
           </a:p>
@@ -1036,7 +1403,7 @@
           <p:cNvPr id="5" name="Footer Placeholder 4">
             <a:extLst>
               <a:ext uri="{FF2B5EF4-FFF2-40B4-BE49-F238E27FC236}">
-                <a16:creationId xmlns:a16="http://schemas.microsoft.com/office/drawing/2014/main" id="{BD1E3808-CC4A-410D-B94B-201CBF8416A2}"/>
+                <a16:creationId xmlns:a16="http://schemas.microsoft.com/office/drawing/2014/main" xmlns="" id="{BD1E3808-CC4A-410D-B94B-201CBF8416A2}"/>
               </a:ext>
             </a:extLst>
           </p:cNvPr>
@@ -1061,7 +1428,7 @@
           <p:cNvPr id="6" name="Slide Number Placeholder 5">
             <a:extLst>
               <a:ext uri="{FF2B5EF4-FFF2-40B4-BE49-F238E27FC236}">
-                <a16:creationId xmlns:a16="http://schemas.microsoft.com/office/drawing/2014/main" id="{C929150F-8AB1-49F3-8CBA-F3D34AD36D29}"/>
+                <a16:creationId xmlns:a16="http://schemas.microsoft.com/office/drawing/2014/main" xmlns="" id="{C929150F-8AB1-49F3-8CBA-F3D34AD36D29}"/>
               </a:ext>
             </a:extLst>
           </p:cNvPr>
@@ -1089,7 +1456,7 @@
     </p:spTree>
     <p:extLst>
       <p:ext uri="{BB962C8B-B14F-4D97-AF65-F5344CB8AC3E}">
-        <p14:creationId xmlns:p14="http://schemas.microsoft.com/office/powerpoint/2010/main" val="3770199555"/>
+        <p14:creationId xmlns:p14="http://schemas.microsoft.com/office/powerpoint/2010/main" xmlns="" val="3770199555"/>
       </p:ext>
     </p:extLst>
   </p:cSld>
@@ -1121,7 +1488,7 @@
           <p:cNvPr id="2" name="Title 1">
             <a:extLst>
               <a:ext uri="{FF2B5EF4-FFF2-40B4-BE49-F238E27FC236}">
-                <a16:creationId xmlns:a16="http://schemas.microsoft.com/office/drawing/2014/main" id="{E7320A48-0F56-4BFE-B5E3-C4B1A8363197}"/>
+                <a16:creationId xmlns:a16="http://schemas.microsoft.com/office/drawing/2014/main" xmlns="" id="{E7320A48-0F56-4BFE-B5E3-C4B1A8363197}"/>
               </a:ext>
             </a:extLst>
           </p:cNvPr>
@@ -1150,7 +1517,7 @@
           <p:cNvPr id="3" name="Vertical Text Placeholder 2">
             <a:extLst>
               <a:ext uri="{FF2B5EF4-FFF2-40B4-BE49-F238E27FC236}">
-                <a16:creationId xmlns:a16="http://schemas.microsoft.com/office/drawing/2014/main" id="{92301219-EFB4-4606-92FB-C77A02640AFC}"/>
+                <a16:creationId xmlns:a16="http://schemas.microsoft.com/office/drawing/2014/main" xmlns="" id="{92301219-EFB4-4606-92FB-C77A02640AFC}"/>
               </a:ext>
             </a:extLst>
           </p:cNvPr>
@@ -1208,7 +1575,7 @@
           <p:cNvPr id="4" name="Date Placeholder 3">
             <a:extLst>
               <a:ext uri="{FF2B5EF4-FFF2-40B4-BE49-F238E27FC236}">
-                <a16:creationId xmlns:a16="http://schemas.microsoft.com/office/drawing/2014/main" id="{B176B311-50DE-481D-AA1B-0D148FBEB50F}"/>
+                <a16:creationId xmlns:a16="http://schemas.microsoft.com/office/drawing/2014/main" xmlns="" id="{B176B311-50DE-481D-AA1B-0D148FBEB50F}"/>
               </a:ext>
             </a:extLst>
           </p:cNvPr>
@@ -1227,7 +1594,7 @@
             <a:fld id="{24C3A72B-EA9F-49ED-9480-D5BBE463D3C6}" type="datetimeFigureOut">
               <a:rPr lang="en-GB" smtClean="0"/>
               <a:pPr/>
-              <a:t>20/02/2018</a:t>
+              <a:t>24/02/2018</a:t>
             </a:fld>
             <a:endParaRPr lang="en-GB"/>
           </a:p>
@@ -1238,7 +1605,7 @@
           <p:cNvPr id="5" name="Footer Placeholder 4">
             <a:extLst>
               <a:ext uri="{FF2B5EF4-FFF2-40B4-BE49-F238E27FC236}">
-                <a16:creationId xmlns:a16="http://schemas.microsoft.com/office/drawing/2014/main" id="{6702C4FC-01C0-4882-AB0A-3FC6EEA94812}"/>
+                <a16:creationId xmlns:a16="http://schemas.microsoft.com/office/drawing/2014/main" xmlns="" id="{6702C4FC-01C0-4882-AB0A-3FC6EEA94812}"/>
               </a:ext>
             </a:extLst>
           </p:cNvPr>
@@ -1263,7 +1630,7 @@
           <p:cNvPr id="6" name="Slide Number Placeholder 5">
             <a:extLst>
               <a:ext uri="{FF2B5EF4-FFF2-40B4-BE49-F238E27FC236}">
-                <a16:creationId xmlns:a16="http://schemas.microsoft.com/office/drawing/2014/main" id="{441B0672-CB38-4C7F-8FE8-5B7BCF1A143B}"/>
+                <a16:creationId xmlns:a16="http://schemas.microsoft.com/office/drawing/2014/main" xmlns="" id="{441B0672-CB38-4C7F-8FE8-5B7BCF1A143B}"/>
               </a:ext>
             </a:extLst>
           </p:cNvPr>
@@ -1291,7 +1658,7 @@
     </p:spTree>
     <p:extLst>
       <p:ext uri="{BB962C8B-B14F-4D97-AF65-F5344CB8AC3E}">
-        <p14:creationId xmlns:p14="http://schemas.microsoft.com/office/powerpoint/2010/main" val="113615128"/>
+        <p14:creationId xmlns:p14="http://schemas.microsoft.com/office/powerpoint/2010/main" xmlns="" val="113615128"/>
       </p:ext>
     </p:extLst>
   </p:cSld>
@@ -1323,7 +1690,7 @@
           <p:cNvPr id="2" name="Vertical Title 1">
             <a:extLst>
               <a:ext uri="{FF2B5EF4-FFF2-40B4-BE49-F238E27FC236}">
-                <a16:creationId xmlns:a16="http://schemas.microsoft.com/office/drawing/2014/main" id="{9B3A92BF-0813-4A3B-818D-C11C33E4DEE9}"/>
+                <a16:creationId xmlns:a16="http://schemas.microsoft.com/office/drawing/2014/main" xmlns="" id="{9B3A92BF-0813-4A3B-818D-C11C33E4DEE9}"/>
               </a:ext>
             </a:extLst>
           </p:cNvPr>
@@ -1357,7 +1724,7 @@
           <p:cNvPr id="3" name="Vertical Text Placeholder 2">
             <a:extLst>
               <a:ext uri="{FF2B5EF4-FFF2-40B4-BE49-F238E27FC236}">
-                <a16:creationId xmlns:a16="http://schemas.microsoft.com/office/drawing/2014/main" id="{A7B1995E-87E9-464D-BFDD-FFDDCDF93F7E}"/>
+                <a16:creationId xmlns:a16="http://schemas.microsoft.com/office/drawing/2014/main" xmlns="" id="{A7B1995E-87E9-464D-BFDD-FFDDCDF93F7E}"/>
               </a:ext>
             </a:extLst>
           </p:cNvPr>
@@ -1420,7 +1787,7 @@
           <p:cNvPr id="4" name="Date Placeholder 3">
             <a:extLst>
               <a:ext uri="{FF2B5EF4-FFF2-40B4-BE49-F238E27FC236}">
-                <a16:creationId xmlns:a16="http://schemas.microsoft.com/office/drawing/2014/main" id="{6CA12D7A-59F4-418F-ADB1-D361AEF263CB}"/>
+                <a16:creationId xmlns:a16="http://schemas.microsoft.com/office/drawing/2014/main" xmlns="" id="{6CA12D7A-59F4-418F-ADB1-D361AEF263CB}"/>
               </a:ext>
             </a:extLst>
           </p:cNvPr>
@@ -1439,7 +1806,7 @@
             <a:fld id="{24C3A72B-EA9F-49ED-9480-D5BBE463D3C6}" type="datetimeFigureOut">
               <a:rPr lang="en-GB" smtClean="0"/>
               <a:pPr/>
-              <a:t>20/02/2018</a:t>
+              <a:t>24/02/2018</a:t>
             </a:fld>
             <a:endParaRPr lang="en-GB"/>
           </a:p>
@@ -1450,7 +1817,7 @@
           <p:cNvPr id="5" name="Footer Placeholder 4">
             <a:extLst>
               <a:ext uri="{FF2B5EF4-FFF2-40B4-BE49-F238E27FC236}">
-                <a16:creationId xmlns:a16="http://schemas.microsoft.com/office/drawing/2014/main" id="{467DB65F-E560-4A0C-8A4A-8E7A6A91C860}"/>
+                <a16:creationId xmlns:a16="http://schemas.microsoft.com/office/drawing/2014/main" xmlns="" id="{467DB65F-E560-4A0C-8A4A-8E7A6A91C860}"/>
               </a:ext>
             </a:extLst>
           </p:cNvPr>
@@ -1475,7 +1842,7 @@
           <p:cNvPr id="6" name="Slide Number Placeholder 5">
             <a:extLst>
               <a:ext uri="{FF2B5EF4-FFF2-40B4-BE49-F238E27FC236}">
-                <a16:creationId xmlns:a16="http://schemas.microsoft.com/office/drawing/2014/main" id="{E8E88C02-5AF6-43A6-9D49-032C7A2D2D72}"/>
+                <a16:creationId xmlns:a16="http://schemas.microsoft.com/office/drawing/2014/main" xmlns="" id="{E8E88C02-5AF6-43A6-9D49-032C7A2D2D72}"/>
               </a:ext>
             </a:extLst>
           </p:cNvPr>
@@ -1503,7 +1870,7 @@
     </p:spTree>
     <p:extLst>
       <p:ext uri="{BB962C8B-B14F-4D97-AF65-F5344CB8AC3E}">
-        <p14:creationId xmlns:p14="http://schemas.microsoft.com/office/powerpoint/2010/main" val="3170355863"/>
+        <p14:creationId xmlns:p14="http://schemas.microsoft.com/office/powerpoint/2010/main" xmlns="" val="3170355863"/>
       </p:ext>
     </p:extLst>
   </p:cSld>
@@ -1535,7 +1902,7 @@
           <p:cNvPr id="2" name="Title 1">
             <a:extLst>
               <a:ext uri="{FF2B5EF4-FFF2-40B4-BE49-F238E27FC236}">
-                <a16:creationId xmlns:a16="http://schemas.microsoft.com/office/drawing/2014/main" id="{B8856D69-20FF-4661-9073-426B77C624CB}"/>
+                <a16:creationId xmlns:a16="http://schemas.microsoft.com/office/drawing/2014/main" xmlns="" id="{B8856D69-20FF-4661-9073-426B77C624CB}"/>
               </a:ext>
             </a:extLst>
           </p:cNvPr>
@@ -1564,7 +1931,7 @@
           <p:cNvPr id="3" name="Content Placeholder 2">
             <a:extLst>
               <a:ext uri="{FF2B5EF4-FFF2-40B4-BE49-F238E27FC236}">
-                <a16:creationId xmlns:a16="http://schemas.microsoft.com/office/drawing/2014/main" id="{4D713998-E95E-442D-BD8B-F99BAFFEBE64}"/>
+                <a16:creationId xmlns:a16="http://schemas.microsoft.com/office/drawing/2014/main" xmlns="" id="{4D713998-E95E-442D-BD8B-F99BAFFEBE64}"/>
               </a:ext>
             </a:extLst>
           </p:cNvPr>
@@ -1622,7 +1989,7 @@
           <p:cNvPr id="4" name="Date Placeholder 3">
             <a:extLst>
               <a:ext uri="{FF2B5EF4-FFF2-40B4-BE49-F238E27FC236}">
-                <a16:creationId xmlns:a16="http://schemas.microsoft.com/office/drawing/2014/main" id="{31180D3F-E491-4445-8955-67AFE52FC796}"/>
+                <a16:creationId xmlns:a16="http://schemas.microsoft.com/office/drawing/2014/main" xmlns="" id="{31180D3F-E491-4445-8955-67AFE52FC796}"/>
               </a:ext>
             </a:extLst>
           </p:cNvPr>
@@ -1641,7 +2008,7 @@
             <a:fld id="{24C3A72B-EA9F-49ED-9480-D5BBE463D3C6}" type="datetimeFigureOut">
               <a:rPr lang="en-GB" smtClean="0"/>
               <a:pPr/>
-              <a:t>20/02/2018</a:t>
+              <a:t>24/02/2018</a:t>
             </a:fld>
             <a:endParaRPr lang="en-GB"/>
           </a:p>
@@ -1652,7 +2019,7 @@
           <p:cNvPr id="5" name="Footer Placeholder 4">
             <a:extLst>
               <a:ext uri="{FF2B5EF4-FFF2-40B4-BE49-F238E27FC236}">
-                <a16:creationId xmlns:a16="http://schemas.microsoft.com/office/drawing/2014/main" id="{5CED9A43-BFD2-4EDD-802E-19797C6D70CA}"/>
+                <a16:creationId xmlns:a16="http://schemas.microsoft.com/office/drawing/2014/main" xmlns="" id="{5CED9A43-BFD2-4EDD-802E-19797C6D70CA}"/>
               </a:ext>
             </a:extLst>
           </p:cNvPr>
@@ -1677,7 +2044,7 @@
           <p:cNvPr id="6" name="Slide Number Placeholder 5">
             <a:extLst>
               <a:ext uri="{FF2B5EF4-FFF2-40B4-BE49-F238E27FC236}">
-                <a16:creationId xmlns:a16="http://schemas.microsoft.com/office/drawing/2014/main" id="{28FC87F7-4CBA-466F-863D-11A1CA8764AA}"/>
+                <a16:creationId xmlns:a16="http://schemas.microsoft.com/office/drawing/2014/main" xmlns="" id="{28FC87F7-4CBA-466F-863D-11A1CA8764AA}"/>
               </a:ext>
             </a:extLst>
           </p:cNvPr>
@@ -1705,7 +2072,7 @@
     </p:spTree>
     <p:extLst>
       <p:ext uri="{BB962C8B-B14F-4D97-AF65-F5344CB8AC3E}">
-        <p14:creationId xmlns:p14="http://schemas.microsoft.com/office/powerpoint/2010/main" val="1398053472"/>
+        <p14:creationId xmlns:p14="http://schemas.microsoft.com/office/powerpoint/2010/main" xmlns="" val="1398053472"/>
       </p:ext>
     </p:extLst>
   </p:cSld>
@@ -1737,7 +2104,7 @@
           <p:cNvPr id="2" name="Title 1">
             <a:extLst>
               <a:ext uri="{FF2B5EF4-FFF2-40B4-BE49-F238E27FC236}">
-                <a16:creationId xmlns:a16="http://schemas.microsoft.com/office/drawing/2014/main" id="{F8713CCA-DA4A-4E8D-A6E6-4D5C06A1CA92}"/>
+                <a16:creationId xmlns:a16="http://schemas.microsoft.com/office/drawing/2014/main" xmlns="" id="{F8713CCA-DA4A-4E8D-A6E6-4D5C06A1CA92}"/>
               </a:ext>
             </a:extLst>
           </p:cNvPr>
@@ -1775,7 +2142,7 @@
           <p:cNvPr id="3" name="Text Placeholder 2">
             <a:extLst>
               <a:ext uri="{FF2B5EF4-FFF2-40B4-BE49-F238E27FC236}">
-                <a16:creationId xmlns:a16="http://schemas.microsoft.com/office/drawing/2014/main" id="{E796A181-893E-4E6D-8829-2ABB545F4D93}"/>
+                <a16:creationId xmlns:a16="http://schemas.microsoft.com/office/drawing/2014/main" xmlns="" id="{E796A181-893E-4E6D-8829-2ABB545F4D93}"/>
               </a:ext>
             </a:extLst>
           </p:cNvPr>
@@ -1900,7 +2267,7 @@
           <p:cNvPr id="4" name="Date Placeholder 3">
             <a:extLst>
               <a:ext uri="{FF2B5EF4-FFF2-40B4-BE49-F238E27FC236}">
-                <a16:creationId xmlns:a16="http://schemas.microsoft.com/office/drawing/2014/main" id="{4F60A353-D637-4AFB-963D-A375C8D7DE15}"/>
+                <a16:creationId xmlns:a16="http://schemas.microsoft.com/office/drawing/2014/main" xmlns="" id="{4F60A353-D637-4AFB-963D-A375C8D7DE15}"/>
               </a:ext>
             </a:extLst>
           </p:cNvPr>
@@ -1919,7 +2286,7 @@
             <a:fld id="{24C3A72B-EA9F-49ED-9480-D5BBE463D3C6}" type="datetimeFigureOut">
               <a:rPr lang="en-GB" smtClean="0"/>
               <a:pPr/>
-              <a:t>20/02/2018</a:t>
+              <a:t>24/02/2018</a:t>
             </a:fld>
             <a:endParaRPr lang="en-GB"/>
           </a:p>
@@ -1930,7 +2297,7 @@
           <p:cNvPr id="5" name="Footer Placeholder 4">
             <a:extLst>
               <a:ext uri="{FF2B5EF4-FFF2-40B4-BE49-F238E27FC236}">
-                <a16:creationId xmlns:a16="http://schemas.microsoft.com/office/drawing/2014/main" id="{14A1034E-26D2-46C4-B048-516F786DA9EC}"/>
+                <a16:creationId xmlns:a16="http://schemas.microsoft.com/office/drawing/2014/main" xmlns="" id="{14A1034E-26D2-46C4-B048-516F786DA9EC}"/>
               </a:ext>
             </a:extLst>
           </p:cNvPr>
@@ -1955,7 +2322,7 @@
           <p:cNvPr id="6" name="Slide Number Placeholder 5">
             <a:extLst>
               <a:ext uri="{FF2B5EF4-FFF2-40B4-BE49-F238E27FC236}">
-                <a16:creationId xmlns:a16="http://schemas.microsoft.com/office/drawing/2014/main" id="{946ACA28-BDA0-401C-B5E5-029DDA8E1D7B}"/>
+                <a16:creationId xmlns:a16="http://schemas.microsoft.com/office/drawing/2014/main" xmlns="" id="{946ACA28-BDA0-401C-B5E5-029DDA8E1D7B}"/>
               </a:ext>
             </a:extLst>
           </p:cNvPr>
@@ -1983,7 +2350,7 @@
     </p:spTree>
     <p:extLst>
       <p:ext uri="{BB962C8B-B14F-4D97-AF65-F5344CB8AC3E}">
-        <p14:creationId xmlns:p14="http://schemas.microsoft.com/office/powerpoint/2010/main" val="1945849922"/>
+        <p14:creationId xmlns:p14="http://schemas.microsoft.com/office/powerpoint/2010/main" xmlns="" val="1945849922"/>
       </p:ext>
     </p:extLst>
   </p:cSld>
@@ -2015,7 +2382,7 @@
           <p:cNvPr id="2" name="Title 1">
             <a:extLst>
               <a:ext uri="{FF2B5EF4-FFF2-40B4-BE49-F238E27FC236}">
-                <a16:creationId xmlns:a16="http://schemas.microsoft.com/office/drawing/2014/main" id="{5C30AE81-C3FC-46F8-A43E-6CEB9925FC44}"/>
+                <a16:creationId xmlns:a16="http://schemas.microsoft.com/office/drawing/2014/main" xmlns="" id="{5C30AE81-C3FC-46F8-A43E-6CEB9925FC44}"/>
               </a:ext>
             </a:extLst>
           </p:cNvPr>
@@ -2044,7 +2411,7 @@
           <p:cNvPr id="3" name="Content Placeholder 2">
             <a:extLst>
               <a:ext uri="{FF2B5EF4-FFF2-40B4-BE49-F238E27FC236}">
-                <a16:creationId xmlns:a16="http://schemas.microsoft.com/office/drawing/2014/main" id="{5088C0F7-4CD0-4904-8A34-D6A4CBE69A6E}"/>
+                <a16:creationId xmlns:a16="http://schemas.microsoft.com/office/drawing/2014/main" xmlns="" id="{5088C0F7-4CD0-4904-8A34-D6A4CBE69A6E}"/>
               </a:ext>
             </a:extLst>
           </p:cNvPr>
@@ -2107,7 +2474,7 @@
           <p:cNvPr id="4" name="Content Placeholder 3">
             <a:extLst>
               <a:ext uri="{FF2B5EF4-FFF2-40B4-BE49-F238E27FC236}">
-                <a16:creationId xmlns:a16="http://schemas.microsoft.com/office/drawing/2014/main" id="{16A80048-D1B9-4999-807E-1BF158739194}"/>
+                <a16:creationId xmlns:a16="http://schemas.microsoft.com/office/drawing/2014/main" xmlns="" id="{16A80048-D1B9-4999-807E-1BF158739194}"/>
               </a:ext>
             </a:extLst>
           </p:cNvPr>
@@ -2170,7 +2537,7 @@
           <p:cNvPr id="5" name="Date Placeholder 4">
             <a:extLst>
               <a:ext uri="{FF2B5EF4-FFF2-40B4-BE49-F238E27FC236}">
-                <a16:creationId xmlns:a16="http://schemas.microsoft.com/office/drawing/2014/main" id="{5F1C4467-5E7A-444D-8C1F-9C85A5350FEC}"/>
+                <a16:creationId xmlns:a16="http://schemas.microsoft.com/office/drawing/2014/main" xmlns="" id="{5F1C4467-5E7A-444D-8C1F-9C85A5350FEC}"/>
               </a:ext>
             </a:extLst>
           </p:cNvPr>
@@ -2189,7 +2556,7 @@
             <a:fld id="{24C3A72B-EA9F-49ED-9480-D5BBE463D3C6}" type="datetimeFigureOut">
               <a:rPr lang="en-GB" smtClean="0"/>
               <a:pPr/>
-              <a:t>20/02/2018</a:t>
+              <a:t>24/02/2018</a:t>
             </a:fld>
             <a:endParaRPr lang="en-GB"/>
           </a:p>
@@ -2200,7 +2567,7 @@
           <p:cNvPr id="6" name="Footer Placeholder 5">
             <a:extLst>
               <a:ext uri="{FF2B5EF4-FFF2-40B4-BE49-F238E27FC236}">
-                <a16:creationId xmlns:a16="http://schemas.microsoft.com/office/drawing/2014/main" id="{384026F4-B643-4CC3-B710-FE767082020C}"/>
+                <a16:creationId xmlns:a16="http://schemas.microsoft.com/office/drawing/2014/main" xmlns="" id="{384026F4-B643-4CC3-B710-FE767082020C}"/>
               </a:ext>
             </a:extLst>
           </p:cNvPr>
@@ -2225,7 +2592,7 @@
           <p:cNvPr id="7" name="Slide Number Placeholder 6">
             <a:extLst>
               <a:ext uri="{FF2B5EF4-FFF2-40B4-BE49-F238E27FC236}">
-                <a16:creationId xmlns:a16="http://schemas.microsoft.com/office/drawing/2014/main" id="{B4F45919-5C3E-4A20-BC4E-1A8950F00937}"/>
+                <a16:creationId xmlns:a16="http://schemas.microsoft.com/office/drawing/2014/main" xmlns="" id="{B4F45919-5C3E-4A20-BC4E-1A8950F00937}"/>
               </a:ext>
             </a:extLst>
           </p:cNvPr>
@@ -2253,7 +2620,7 @@
     </p:spTree>
     <p:extLst>
       <p:ext uri="{BB962C8B-B14F-4D97-AF65-F5344CB8AC3E}">
-        <p14:creationId xmlns:p14="http://schemas.microsoft.com/office/powerpoint/2010/main" val="1382044922"/>
+        <p14:creationId xmlns:p14="http://schemas.microsoft.com/office/powerpoint/2010/main" xmlns="" val="1382044922"/>
       </p:ext>
     </p:extLst>
   </p:cSld>
@@ -2285,7 +2652,7 @@
           <p:cNvPr id="2" name="Title 1">
             <a:extLst>
               <a:ext uri="{FF2B5EF4-FFF2-40B4-BE49-F238E27FC236}">
-                <a16:creationId xmlns:a16="http://schemas.microsoft.com/office/drawing/2014/main" id="{E40FFFB1-649D-426B-B189-1DAD66D14336}"/>
+                <a16:creationId xmlns:a16="http://schemas.microsoft.com/office/drawing/2014/main" xmlns="" id="{E40FFFB1-649D-426B-B189-1DAD66D14336}"/>
               </a:ext>
             </a:extLst>
           </p:cNvPr>
@@ -2319,7 +2686,7 @@
           <p:cNvPr id="3" name="Text Placeholder 2">
             <a:extLst>
               <a:ext uri="{FF2B5EF4-FFF2-40B4-BE49-F238E27FC236}">
-                <a16:creationId xmlns:a16="http://schemas.microsoft.com/office/drawing/2014/main" id="{8772471C-BEC4-47A2-ACB6-54F4C91BFB2A}"/>
+                <a16:creationId xmlns:a16="http://schemas.microsoft.com/office/drawing/2014/main" xmlns="" id="{8772471C-BEC4-47A2-ACB6-54F4C91BFB2A}"/>
               </a:ext>
             </a:extLst>
           </p:cNvPr>
@@ -2390,7 +2757,7 @@
           <p:cNvPr id="4" name="Content Placeholder 3">
             <a:extLst>
               <a:ext uri="{FF2B5EF4-FFF2-40B4-BE49-F238E27FC236}">
-                <a16:creationId xmlns:a16="http://schemas.microsoft.com/office/drawing/2014/main" id="{5AD87827-BA33-4B72-BCD3-C0C3D2AA931B}"/>
+                <a16:creationId xmlns:a16="http://schemas.microsoft.com/office/drawing/2014/main" xmlns="" id="{5AD87827-BA33-4B72-BCD3-C0C3D2AA931B}"/>
               </a:ext>
             </a:extLst>
           </p:cNvPr>
@@ -2453,7 +2820,7 @@
           <p:cNvPr id="5" name="Text Placeholder 4">
             <a:extLst>
               <a:ext uri="{FF2B5EF4-FFF2-40B4-BE49-F238E27FC236}">
-                <a16:creationId xmlns:a16="http://schemas.microsoft.com/office/drawing/2014/main" id="{138A58D4-A5B6-48A1-B509-C37CE93409BD}"/>
+                <a16:creationId xmlns:a16="http://schemas.microsoft.com/office/drawing/2014/main" xmlns="" id="{138A58D4-A5B6-48A1-B509-C37CE93409BD}"/>
               </a:ext>
             </a:extLst>
           </p:cNvPr>
@@ -2524,7 +2891,7 @@
           <p:cNvPr id="6" name="Content Placeholder 5">
             <a:extLst>
               <a:ext uri="{FF2B5EF4-FFF2-40B4-BE49-F238E27FC236}">
-                <a16:creationId xmlns:a16="http://schemas.microsoft.com/office/drawing/2014/main" id="{6CC17053-AB6B-4F65-8F9E-EDC8C39D1399}"/>
+                <a16:creationId xmlns:a16="http://schemas.microsoft.com/office/drawing/2014/main" xmlns="" id="{6CC17053-AB6B-4F65-8F9E-EDC8C39D1399}"/>
               </a:ext>
             </a:extLst>
           </p:cNvPr>
@@ -2587,7 +2954,7 @@
           <p:cNvPr id="7" name="Date Placeholder 6">
             <a:extLst>
               <a:ext uri="{FF2B5EF4-FFF2-40B4-BE49-F238E27FC236}">
-                <a16:creationId xmlns:a16="http://schemas.microsoft.com/office/drawing/2014/main" id="{E3D90822-B7B8-481A-BB0C-B672B0F6A17C}"/>
+                <a16:creationId xmlns:a16="http://schemas.microsoft.com/office/drawing/2014/main" xmlns="" id="{E3D90822-B7B8-481A-BB0C-B672B0F6A17C}"/>
               </a:ext>
             </a:extLst>
           </p:cNvPr>
@@ -2606,7 +2973,7 @@
             <a:fld id="{24C3A72B-EA9F-49ED-9480-D5BBE463D3C6}" type="datetimeFigureOut">
               <a:rPr lang="en-GB" smtClean="0"/>
               <a:pPr/>
-              <a:t>20/02/2018</a:t>
+              <a:t>24/02/2018</a:t>
             </a:fld>
             <a:endParaRPr lang="en-GB"/>
           </a:p>
@@ -2617,7 +2984,7 @@
           <p:cNvPr id="8" name="Footer Placeholder 7">
             <a:extLst>
               <a:ext uri="{FF2B5EF4-FFF2-40B4-BE49-F238E27FC236}">
-                <a16:creationId xmlns:a16="http://schemas.microsoft.com/office/drawing/2014/main" id="{3A433E44-143D-440A-8BD2-8BC9C9CF6734}"/>
+                <a16:creationId xmlns:a16="http://schemas.microsoft.com/office/drawing/2014/main" xmlns="" id="{3A433E44-143D-440A-8BD2-8BC9C9CF6734}"/>
               </a:ext>
             </a:extLst>
           </p:cNvPr>
@@ -2642,7 +3009,7 @@
           <p:cNvPr id="9" name="Slide Number Placeholder 8">
             <a:extLst>
               <a:ext uri="{FF2B5EF4-FFF2-40B4-BE49-F238E27FC236}">
-                <a16:creationId xmlns:a16="http://schemas.microsoft.com/office/drawing/2014/main" id="{EC97B467-9FF0-43E8-9056-E6AB688AFC17}"/>
+                <a16:creationId xmlns:a16="http://schemas.microsoft.com/office/drawing/2014/main" xmlns="" id="{EC97B467-9FF0-43E8-9056-E6AB688AFC17}"/>
               </a:ext>
             </a:extLst>
           </p:cNvPr>
@@ -2670,7 +3037,7 @@
     </p:spTree>
     <p:extLst>
       <p:ext uri="{BB962C8B-B14F-4D97-AF65-F5344CB8AC3E}">
-        <p14:creationId xmlns:p14="http://schemas.microsoft.com/office/powerpoint/2010/main" val="3457634593"/>
+        <p14:creationId xmlns:p14="http://schemas.microsoft.com/office/powerpoint/2010/main" xmlns="" val="3457634593"/>
       </p:ext>
     </p:extLst>
   </p:cSld>
@@ -2702,7 +3069,7 @@
           <p:cNvPr id="2" name="Title 1">
             <a:extLst>
               <a:ext uri="{FF2B5EF4-FFF2-40B4-BE49-F238E27FC236}">
-                <a16:creationId xmlns:a16="http://schemas.microsoft.com/office/drawing/2014/main" id="{126C16E5-B433-42A2-9EFF-55EF20909D15}"/>
+                <a16:creationId xmlns:a16="http://schemas.microsoft.com/office/drawing/2014/main" xmlns="" id="{126C16E5-B433-42A2-9EFF-55EF20909D15}"/>
               </a:ext>
             </a:extLst>
           </p:cNvPr>
@@ -2731,7 +3098,7 @@
           <p:cNvPr id="3" name="Date Placeholder 2">
             <a:extLst>
               <a:ext uri="{FF2B5EF4-FFF2-40B4-BE49-F238E27FC236}">
-                <a16:creationId xmlns:a16="http://schemas.microsoft.com/office/drawing/2014/main" id="{4B69A33F-53FA-4B8F-923C-811A663804E1}"/>
+                <a16:creationId xmlns:a16="http://schemas.microsoft.com/office/drawing/2014/main" xmlns="" id="{4B69A33F-53FA-4B8F-923C-811A663804E1}"/>
               </a:ext>
             </a:extLst>
           </p:cNvPr>
@@ -2750,7 +3117,7 @@
             <a:fld id="{24C3A72B-EA9F-49ED-9480-D5BBE463D3C6}" type="datetimeFigureOut">
               <a:rPr lang="en-GB" smtClean="0"/>
               <a:pPr/>
-              <a:t>20/02/2018</a:t>
+              <a:t>24/02/2018</a:t>
             </a:fld>
             <a:endParaRPr lang="en-GB"/>
           </a:p>
@@ -2761,7 +3128,7 @@
           <p:cNvPr id="4" name="Footer Placeholder 3">
             <a:extLst>
               <a:ext uri="{FF2B5EF4-FFF2-40B4-BE49-F238E27FC236}">
-                <a16:creationId xmlns:a16="http://schemas.microsoft.com/office/drawing/2014/main" id="{CE5979CA-B672-4BE0-9727-E607CF5FBA10}"/>
+                <a16:creationId xmlns:a16="http://schemas.microsoft.com/office/drawing/2014/main" xmlns="" id="{CE5979CA-B672-4BE0-9727-E607CF5FBA10}"/>
               </a:ext>
             </a:extLst>
           </p:cNvPr>
@@ -2786,7 +3153,7 @@
           <p:cNvPr id="5" name="Slide Number Placeholder 4">
             <a:extLst>
               <a:ext uri="{FF2B5EF4-FFF2-40B4-BE49-F238E27FC236}">
-                <a16:creationId xmlns:a16="http://schemas.microsoft.com/office/drawing/2014/main" id="{9F7BAA98-4121-40E6-B29F-2204B30F0C2E}"/>
+                <a16:creationId xmlns:a16="http://schemas.microsoft.com/office/drawing/2014/main" xmlns="" id="{9F7BAA98-4121-40E6-B29F-2204B30F0C2E}"/>
               </a:ext>
             </a:extLst>
           </p:cNvPr>
@@ -2814,7 +3181,7 @@
     </p:spTree>
     <p:extLst>
       <p:ext uri="{BB962C8B-B14F-4D97-AF65-F5344CB8AC3E}">
-        <p14:creationId xmlns:p14="http://schemas.microsoft.com/office/powerpoint/2010/main" val="4070145130"/>
+        <p14:creationId xmlns:p14="http://schemas.microsoft.com/office/powerpoint/2010/main" xmlns="" val="4070145130"/>
       </p:ext>
     </p:extLst>
   </p:cSld>
@@ -2846,7 +3213,7 @@
           <p:cNvPr id="2" name="Date Placeholder 1">
             <a:extLst>
               <a:ext uri="{FF2B5EF4-FFF2-40B4-BE49-F238E27FC236}">
-                <a16:creationId xmlns:a16="http://schemas.microsoft.com/office/drawing/2014/main" id="{5CC14C16-6481-4904-AC0A-7E3279C7059D}"/>
+                <a16:creationId xmlns:a16="http://schemas.microsoft.com/office/drawing/2014/main" xmlns="" id="{5CC14C16-6481-4904-AC0A-7E3279C7059D}"/>
               </a:ext>
             </a:extLst>
           </p:cNvPr>
@@ -2865,7 +3232,7 @@
             <a:fld id="{24C3A72B-EA9F-49ED-9480-D5BBE463D3C6}" type="datetimeFigureOut">
               <a:rPr lang="en-GB" smtClean="0"/>
               <a:pPr/>
-              <a:t>20/02/2018</a:t>
+              <a:t>24/02/2018</a:t>
             </a:fld>
             <a:endParaRPr lang="en-GB"/>
           </a:p>
@@ -2876,7 +3243,7 @@
           <p:cNvPr id="3" name="Footer Placeholder 2">
             <a:extLst>
               <a:ext uri="{FF2B5EF4-FFF2-40B4-BE49-F238E27FC236}">
-                <a16:creationId xmlns:a16="http://schemas.microsoft.com/office/drawing/2014/main" id="{F6C26942-E7C8-4D7B-AF06-F5CBEFE52D52}"/>
+                <a16:creationId xmlns:a16="http://schemas.microsoft.com/office/drawing/2014/main" xmlns="" id="{F6C26942-E7C8-4D7B-AF06-F5CBEFE52D52}"/>
               </a:ext>
             </a:extLst>
           </p:cNvPr>
@@ -2901,7 +3268,7 @@
           <p:cNvPr id="4" name="Slide Number Placeholder 3">
             <a:extLst>
               <a:ext uri="{FF2B5EF4-FFF2-40B4-BE49-F238E27FC236}">
-                <a16:creationId xmlns:a16="http://schemas.microsoft.com/office/drawing/2014/main" id="{F4DAB499-97FD-4827-B6B8-0F96F7C4FE5D}"/>
+                <a16:creationId xmlns:a16="http://schemas.microsoft.com/office/drawing/2014/main" xmlns="" id="{F4DAB499-97FD-4827-B6B8-0F96F7C4FE5D}"/>
               </a:ext>
             </a:extLst>
           </p:cNvPr>
@@ -2929,7 +3296,7 @@
     </p:spTree>
     <p:extLst>
       <p:ext uri="{BB962C8B-B14F-4D97-AF65-F5344CB8AC3E}">
-        <p14:creationId xmlns:p14="http://schemas.microsoft.com/office/powerpoint/2010/main" val="1991650923"/>
+        <p14:creationId xmlns:p14="http://schemas.microsoft.com/office/powerpoint/2010/main" xmlns="" val="1991650923"/>
       </p:ext>
     </p:extLst>
   </p:cSld>
@@ -2961,7 +3328,7 @@
           <p:cNvPr id="2" name="Title 1">
             <a:extLst>
               <a:ext uri="{FF2B5EF4-FFF2-40B4-BE49-F238E27FC236}">
-                <a16:creationId xmlns:a16="http://schemas.microsoft.com/office/drawing/2014/main" id="{8DB1DE1E-A84A-447A-898D-F7D7DEFFBBCD}"/>
+                <a16:creationId xmlns:a16="http://schemas.microsoft.com/office/drawing/2014/main" xmlns="" id="{8DB1DE1E-A84A-447A-898D-F7D7DEFFBBCD}"/>
               </a:ext>
             </a:extLst>
           </p:cNvPr>
@@ -2999,7 +3366,7 @@
           <p:cNvPr id="3" name="Content Placeholder 2">
             <a:extLst>
               <a:ext uri="{FF2B5EF4-FFF2-40B4-BE49-F238E27FC236}">
-                <a16:creationId xmlns:a16="http://schemas.microsoft.com/office/drawing/2014/main" id="{00C215BD-D7D7-49A5-86B5-19FA9FCE98D7}"/>
+                <a16:creationId xmlns:a16="http://schemas.microsoft.com/office/drawing/2014/main" xmlns="" id="{00C215BD-D7D7-49A5-86B5-19FA9FCE98D7}"/>
               </a:ext>
             </a:extLst>
           </p:cNvPr>
@@ -3090,7 +3457,7 @@
           <p:cNvPr id="4" name="Text Placeholder 3">
             <a:extLst>
               <a:ext uri="{FF2B5EF4-FFF2-40B4-BE49-F238E27FC236}">
-                <a16:creationId xmlns:a16="http://schemas.microsoft.com/office/drawing/2014/main" id="{963333A7-986A-4F23-AD4B-645062463568}"/>
+                <a16:creationId xmlns:a16="http://schemas.microsoft.com/office/drawing/2014/main" xmlns="" id="{963333A7-986A-4F23-AD4B-645062463568}"/>
               </a:ext>
             </a:extLst>
           </p:cNvPr>
@@ -3161,7 +3528,7 @@
           <p:cNvPr id="5" name="Date Placeholder 4">
             <a:extLst>
               <a:ext uri="{FF2B5EF4-FFF2-40B4-BE49-F238E27FC236}">
-                <a16:creationId xmlns:a16="http://schemas.microsoft.com/office/drawing/2014/main" id="{3D141368-BD0B-4EC5-894A-09555901F516}"/>
+                <a16:creationId xmlns:a16="http://schemas.microsoft.com/office/drawing/2014/main" xmlns="" id="{3D141368-BD0B-4EC5-894A-09555901F516}"/>
               </a:ext>
             </a:extLst>
           </p:cNvPr>
@@ -3180,7 +3547,7 @@
             <a:fld id="{24C3A72B-EA9F-49ED-9480-D5BBE463D3C6}" type="datetimeFigureOut">
               <a:rPr lang="en-GB" smtClean="0"/>
               <a:pPr/>
-              <a:t>20/02/2018</a:t>
+              <a:t>24/02/2018</a:t>
             </a:fld>
             <a:endParaRPr lang="en-GB"/>
           </a:p>
@@ -3191,7 +3558,7 @@
           <p:cNvPr id="6" name="Footer Placeholder 5">
             <a:extLst>
               <a:ext uri="{FF2B5EF4-FFF2-40B4-BE49-F238E27FC236}">
-                <a16:creationId xmlns:a16="http://schemas.microsoft.com/office/drawing/2014/main" id="{FA6D6A8F-73ED-40EE-9BF6-7C9A264B11E7}"/>
+                <a16:creationId xmlns:a16="http://schemas.microsoft.com/office/drawing/2014/main" xmlns="" id="{FA6D6A8F-73ED-40EE-9BF6-7C9A264B11E7}"/>
               </a:ext>
             </a:extLst>
           </p:cNvPr>
@@ -3216,7 +3583,7 @@
           <p:cNvPr id="7" name="Slide Number Placeholder 6">
             <a:extLst>
               <a:ext uri="{FF2B5EF4-FFF2-40B4-BE49-F238E27FC236}">
-                <a16:creationId xmlns:a16="http://schemas.microsoft.com/office/drawing/2014/main" id="{9FFB6450-457F-4CC9-9642-311C051E1BB6}"/>
+                <a16:creationId xmlns:a16="http://schemas.microsoft.com/office/drawing/2014/main" xmlns="" id="{9FFB6450-457F-4CC9-9642-311C051E1BB6}"/>
               </a:ext>
             </a:extLst>
           </p:cNvPr>
@@ -3244,7 +3611,7 @@
     </p:spTree>
     <p:extLst>
       <p:ext uri="{BB962C8B-B14F-4D97-AF65-F5344CB8AC3E}">
-        <p14:creationId xmlns:p14="http://schemas.microsoft.com/office/powerpoint/2010/main" val="3135145738"/>
+        <p14:creationId xmlns:p14="http://schemas.microsoft.com/office/powerpoint/2010/main" xmlns="" val="3135145738"/>
       </p:ext>
     </p:extLst>
   </p:cSld>
@@ -3276,7 +3643,7 @@
           <p:cNvPr id="2" name="Title 1">
             <a:extLst>
               <a:ext uri="{FF2B5EF4-FFF2-40B4-BE49-F238E27FC236}">
-                <a16:creationId xmlns:a16="http://schemas.microsoft.com/office/drawing/2014/main" id="{8C1296DB-0DB8-4F14-9BF6-5579C0960222}"/>
+                <a16:creationId xmlns:a16="http://schemas.microsoft.com/office/drawing/2014/main" xmlns="" id="{8C1296DB-0DB8-4F14-9BF6-5579C0960222}"/>
               </a:ext>
             </a:extLst>
           </p:cNvPr>
@@ -3314,7 +3681,7 @@
           <p:cNvPr id="3" name="Picture Placeholder 2">
             <a:extLst>
               <a:ext uri="{FF2B5EF4-FFF2-40B4-BE49-F238E27FC236}">
-                <a16:creationId xmlns:a16="http://schemas.microsoft.com/office/drawing/2014/main" id="{7EDD28FD-96ED-49BE-8A09-6B9C86BEA995}"/>
+                <a16:creationId xmlns:a16="http://schemas.microsoft.com/office/drawing/2014/main" xmlns="" id="{7EDD28FD-96ED-49BE-8A09-6B9C86BEA995}"/>
               </a:ext>
             </a:extLst>
           </p:cNvPr>
@@ -3381,7 +3748,7 @@
           <p:cNvPr id="4" name="Text Placeholder 3">
             <a:extLst>
               <a:ext uri="{FF2B5EF4-FFF2-40B4-BE49-F238E27FC236}">
-                <a16:creationId xmlns:a16="http://schemas.microsoft.com/office/drawing/2014/main" id="{ADA4AC5E-4A1B-482A-A3FE-C174ECCF882D}"/>
+                <a16:creationId xmlns:a16="http://schemas.microsoft.com/office/drawing/2014/main" xmlns="" id="{ADA4AC5E-4A1B-482A-A3FE-C174ECCF882D}"/>
               </a:ext>
             </a:extLst>
           </p:cNvPr>
@@ -3452,7 +3819,7 @@
           <p:cNvPr id="5" name="Date Placeholder 4">
             <a:extLst>
               <a:ext uri="{FF2B5EF4-FFF2-40B4-BE49-F238E27FC236}">
-                <a16:creationId xmlns:a16="http://schemas.microsoft.com/office/drawing/2014/main" id="{40D65AD9-E4E1-40E5-BE5B-AB193A4848A3}"/>
+                <a16:creationId xmlns:a16="http://schemas.microsoft.com/office/drawing/2014/main" xmlns="" id="{40D65AD9-E4E1-40E5-BE5B-AB193A4848A3}"/>
               </a:ext>
             </a:extLst>
           </p:cNvPr>
@@ -3471,7 +3838,7 @@
             <a:fld id="{24C3A72B-EA9F-49ED-9480-D5BBE463D3C6}" type="datetimeFigureOut">
               <a:rPr lang="en-GB" smtClean="0"/>
               <a:pPr/>
-              <a:t>20/02/2018</a:t>
+              <a:t>24/02/2018</a:t>
             </a:fld>
             <a:endParaRPr lang="en-GB"/>
           </a:p>
@@ -3482,7 +3849,7 @@
           <p:cNvPr id="6" name="Footer Placeholder 5">
             <a:extLst>
               <a:ext uri="{FF2B5EF4-FFF2-40B4-BE49-F238E27FC236}">
-                <a16:creationId xmlns:a16="http://schemas.microsoft.com/office/drawing/2014/main" id="{B8B67A65-51C4-42C3-BCE1-2B6CDFA11351}"/>
+                <a16:creationId xmlns:a16="http://schemas.microsoft.com/office/drawing/2014/main" xmlns="" id="{B8B67A65-51C4-42C3-BCE1-2B6CDFA11351}"/>
               </a:ext>
             </a:extLst>
           </p:cNvPr>
@@ -3507,7 +3874,7 @@
           <p:cNvPr id="7" name="Slide Number Placeholder 6">
             <a:extLst>
               <a:ext uri="{FF2B5EF4-FFF2-40B4-BE49-F238E27FC236}">
-                <a16:creationId xmlns:a16="http://schemas.microsoft.com/office/drawing/2014/main" id="{8FA693F4-23BB-49C6-947A-E9223A7DD702}"/>
+                <a16:creationId xmlns:a16="http://schemas.microsoft.com/office/drawing/2014/main" xmlns="" id="{8FA693F4-23BB-49C6-947A-E9223A7DD702}"/>
               </a:ext>
             </a:extLst>
           </p:cNvPr>
@@ -3535,7 +3902,7 @@
     </p:spTree>
     <p:extLst>
       <p:ext uri="{BB962C8B-B14F-4D97-AF65-F5344CB8AC3E}">
-        <p14:creationId xmlns:p14="http://schemas.microsoft.com/office/powerpoint/2010/main" val="3595103176"/>
+        <p14:creationId xmlns:p14="http://schemas.microsoft.com/office/powerpoint/2010/main" xmlns="" val="3595103176"/>
       </p:ext>
     </p:extLst>
   </p:cSld>
@@ -3572,7 +3939,7 @@
           <p:cNvPr id="2" name="Title Placeholder 1">
             <a:extLst>
               <a:ext uri="{FF2B5EF4-FFF2-40B4-BE49-F238E27FC236}">
-                <a16:creationId xmlns:a16="http://schemas.microsoft.com/office/drawing/2014/main" id="{84BFBAD9-9BA2-48E1-8F6D-508057E885A8}"/>
+                <a16:creationId xmlns:a16="http://schemas.microsoft.com/office/drawing/2014/main" xmlns="" id="{84BFBAD9-9BA2-48E1-8F6D-508057E885A8}"/>
               </a:ext>
             </a:extLst>
           </p:cNvPr>
@@ -3611,7 +3978,7 @@
           <p:cNvPr id="3" name="Text Placeholder 2">
             <a:extLst>
               <a:ext uri="{FF2B5EF4-FFF2-40B4-BE49-F238E27FC236}">
-                <a16:creationId xmlns:a16="http://schemas.microsoft.com/office/drawing/2014/main" id="{9E540119-8CD7-44A9-8AB4-22B4558FAC90}"/>
+                <a16:creationId xmlns:a16="http://schemas.microsoft.com/office/drawing/2014/main" xmlns="" id="{9E540119-8CD7-44A9-8AB4-22B4558FAC90}"/>
               </a:ext>
             </a:extLst>
           </p:cNvPr>
@@ -3679,7 +4046,7 @@
           <p:cNvPr id="4" name="Date Placeholder 3">
             <a:extLst>
               <a:ext uri="{FF2B5EF4-FFF2-40B4-BE49-F238E27FC236}">
-                <a16:creationId xmlns:a16="http://schemas.microsoft.com/office/drawing/2014/main" id="{6ADDB086-675C-45AE-B2E3-8AB1AC643C42}"/>
+                <a16:creationId xmlns:a16="http://schemas.microsoft.com/office/drawing/2014/main" xmlns="" id="{6ADDB086-675C-45AE-B2E3-8AB1AC643C42}"/>
               </a:ext>
             </a:extLst>
           </p:cNvPr>
@@ -3716,7 +4083,7 @@
             <a:fld id="{24C3A72B-EA9F-49ED-9480-D5BBE463D3C6}" type="datetimeFigureOut">
               <a:rPr lang="en-GB" smtClean="0"/>
               <a:pPr/>
-              <a:t>20/02/2018</a:t>
+              <a:t>24/02/2018</a:t>
             </a:fld>
             <a:endParaRPr lang="en-GB"/>
           </a:p>
@@ -3727,7 +4094,7 @@
           <p:cNvPr id="5" name="Footer Placeholder 4">
             <a:extLst>
               <a:ext uri="{FF2B5EF4-FFF2-40B4-BE49-F238E27FC236}">
-                <a16:creationId xmlns:a16="http://schemas.microsoft.com/office/drawing/2014/main" id="{20964F14-198A-4651-980F-B11F6946BEB6}"/>
+                <a16:creationId xmlns:a16="http://schemas.microsoft.com/office/drawing/2014/main" xmlns="" id="{20964F14-198A-4651-980F-B11F6946BEB6}"/>
               </a:ext>
             </a:extLst>
           </p:cNvPr>
@@ -3770,7 +4137,7 @@
           <p:cNvPr id="6" name="Slide Number Placeholder 5">
             <a:extLst>
               <a:ext uri="{FF2B5EF4-FFF2-40B4-BE49-F238E27FC236}">
-                <a16:creationId xmlns:a16="http://schemas.microsoft.com/office/drawing/2014/main" id="{49641EE6-2A40-457C-A97A-CE775F6542F4}"/>
+                <a16:creationId xmlns:a16="http://schemas.microsoft.com/office/drawing/2014/main" xmlns="" id="{49641EE6-2A40-457C-A97A-CE775F6542F4}"/>
               </a:ext>
             </a:extLst>
           </p:cNvPr>
@@ -3816,7 +4183,7 @@
     </p:spTree>
     <p:extLst>
       <p:ext uri="{BB962C8B-B14F-4D97-AF65-F5344CB8AC3E}">
-        <p14:creationId xmlns:p14="http://schemas.microsoft.com/office/powerpoint/2010/main" val="3074094979"/>
+        <p14:creationId xmlns:p14="http://schemas.microsoft.com/office/powerpoint/2010/main" xmlns="" val="3074094979"/>
       </p:ext>
     </p:extLst>
   </p:cSld>
@@ -4139,7 +4506,7 @@
           <p:cNvPr id="2" name="Title 1">
             <a:extLst>
               <a:ext uri="{FF2B5EF4-FFF2-40B4-BE49-F238E27FC236}">
-                <a16:creationId xmlns:a16="http://schemas.microsoft.com/office/drawing/2014/main" id="{574EBC81-6BDC-4A96-8A0D-185CFAF2037D}"/>
+                <a16:creationId xmlns:a16="http://schemas.microsoft.com/office/drawing/2014/main" xmlns="" id="{574EBC81-6BDC-4A96-8A0D-185CFAF2037D}"/>
               </a:ext>
             </a:extLst>
           </p:cNvPr>
@@ -4169,7 +4536,7 @@
           <p:cNvPr id="3" name="Subtitle 2">
             <a:extLst>
               <a:ext uri="{FF2B5EF4-FFF2-40B4-BE49-F238E27FC236}">
-                <a16:creationId xmlns:a16="http://schemas.microsoft.com/office/drawing/2014/main" id="{BD7C336B-31E1-4FC6-AA62-A69CD2AE8694}"/>
+                <a16:creationId xmlns:a16="http://schemas.microsoft.com/office/drawing/2014/main" xmlns="" id="{BD7C336B-31E1-4FC6-AA62-A69CD2AE8694}"/>
               </a:ext>
             </a:extLst>
           </p:cNvPr>
@@ -4199,7 +4566,7 @@
           <p:cNvPr id="5" name="Picture 4">
             <a:extLst>
               <a:ext uri="{FF2B5EF4-FFF2-40B4-BE49-F238E27FC236}">
-                <a16:creationId xmlns:a16="http://schemas.microsoft.com/office/drawing/2014/main" id="{C58B1723-B844-4200-A120-A2D85833B037}"/>
+                <a16:creationId xmlns:a16="http://schemas.microsoft.com/office/drawing/2014/main" xmlns="" id="{C58B1723-B844-4200-A120-A2D85833B037}"/>
               </a:ext>
             </a:extLst>
           </p:cNvPr>
@@ -4212,7 +4579,7 @@
           <a:blip r:embed="rId2">
             <a:extLst>
               <a:ext uri="{28A0092B-C50C-407E-A947-70E740481C1C}">
-                <a14:useLocalDpi xmlns:a14="http://schemas.microsoft.com/office/drawing/2010/main" val="0"/>
+                <a14:useLocalDpi xmlns:a14="http://schemas.microsoft.com/office/drawing/2010/main" xmlns="" val="0"/>
               </a:ext>
             </a:extLst>
           </a:blip>
@@ -4235,7 +4602,7 @@
           <p:cNvPr id="6" name="Picture 5">
             <a:extLst>
               <a:ext uri="{FF2B5EF4-FFF2-40B4-BE49-F238E27FC236}">
-                <a16:creationId xmlns:a16="http://schemas.microsoft.com/office/drawing/2014/main" id="{17AE45ED-A673-4FA2-B597-465724426CB5}"/>
+                <a16:creationId xmlns:a16="http://schemas.microsoft.com/office/drawing/2014/main" xmlns="" id="{17AE45ED-A673-4FA2-B597-465724426CB5}"/>
               </a:ext>
             </a:extLst>
           </p:cNvPr>
@@ -4248,7 +4615,7 @@
           <a:blip r:embed="rId2">
             <a:extLst>
               <a:ext uri="{28A0092B-C50C-407E-A947-70E740481C1C}">
-                <a14:useLocalDpi xmlns:a14="http://schemas.microsoft.com/office/drawing/2010/main" val="0"/>
+                <a14:useLocalDpi xmlns:a14="http://schemas.microsoft.com/office/drawing/2010/main" xmlns="" val="0"/>
               </a:ext>
             </a:extLst>
           </a:blip>
@@ -4271,7 +4638,7 @@
           <p:cNvPr id="7" name="Picture 6">
             <a:extLst>
               <a:ext uri="{FF2B5EF4-FFF2-40B4-BE49-F238E27FC236}">
-                <a16:creationId xmlns:a16="http://schemas.microsoft.com/office/drawing/2014/main" id="{E90C7CB9-E79E-4A04-A270-74206ED588C1}"/>
+                <a16:creationId xmlns:a16="http://schemas.microsoft.com/office/drawing/2014/main" xmlns="" id="{E90C7CB9-E79E-4A04-A270-74206ED588C1}"/>
               </a:ext>
             </a:extLst>
           </p:cNvPr>
@@ -4284,7 +4651,7 @@
           <a:blip r:embed="rId2">
             <a:extLst>
               <a:ext uri="{28A0092B-C50C-407E-A947-70E740481C1C}">
-                <a14:useLocalDpi xmlns:a14="http://schemas.microsoft.com/office/drawing/2010/main" val="0"/>
+                <a14:useLocalDpi xmlns:a14="http://schemas.microsoft.com/office/drawing/2010/main" xmlns="" val="0"/>
               </a:ext>
             </a:extLst>
           </a:blip>
@@ -4307,7 +4674,7 @@
           <p:cNvPr id="9" name="Picture 8">
             <a:extLst>
               <a:ext uri="{FF2B5EF4-FFF2-40B4-BE49-F238E27FC236}">
-                <a16:creationId xmlns:a16="http://schemas.microsoft.com/office/drawing/2014/main" id="{34E59009-30E3-4D3E-ADAD-7BD4DF00FAE4}"/>
+                <a16:creationId xmlns:a16="http://schemas.microsoft.com/office/drawing/2014/main" xmlns="" id="{34E59009-30E3-4D3E-ADAD-7BD4DF00FAE4}"/>
               </a:ext>
             </a:extLst>
           </p:cNvPr>
@@ -4320,7 +4687,7 @@
           <a:blip r:embed="rId3">
             <a:extLst>
               <a:ext uri="{28A0092B-C50C-407E-A947-70E740481C1C}">
-                <a14:useLocalDpi xmlns:a14="http://schemas.microsoft.com/office/drawing/2010/main" val="0"/>
+                <a14:useLocalDpi xmlns:a14="http://schemas.microsoft.com/office/drawing/2010/main" xmlns="" val="0"/>
               </a:ext>
             </a:extLst>
           </a:blip>
@@ -4343,7 +4710,7 @@
           <p:cNvPr id="11" name="Picture 10">
             <a:extLst>
               <a:ext uri="{FF2B5EF4-FFF2-40B4-BE49-F238E27FC236}">
-                <a16:creationId xmlns:a16="http://schemas.microsoft.com/office/drawing/2014/main" id="{23C87C0A-6BB6-4417-AAE8-9B7AE0A10355}"/>
+                <a16:creationId xmlns:a16="http://schemas.microsoft.com/office/drawing/2014/main" xmlns="" id="{23C87C0A-6BB6-4417-AAE8-9B7AE0A10355}"/>
               </a:ext>
             </a:extLst>
           </p:cNvPr>
@@ -4356,7 +4723,7 @@
           <a:blip r:embed="rId4">
             <a:extLst>
               <a:ext uri="{28A0092B-C50C-407E-A947-70E740481C1C}">
-                <a14:useLocalDpi xmlns:a14="http://schemas.microsoft.com/office/drawing/2010/main" val="0"/>
+                <a14:useLocalDpi xmlns:a14="http://schemas.microsoft.com/office/drawing/2010/main" xmlns="" val="0"/>
               </a:ext>
             </a:extLst>
           </a:blip>
@@ -4379,7 +4746,7 @@
           <p:cNvPr id="15" name="Picture 14">
             <a:extLst>
               <a:ext uri="{FF2B5EF4-FFF2-40B4-BE49-F238E27FC236}">
-                <a16:creationId xmlns:a16="http://schemas.microsoft.com/office/drawing/2014/main" id="{BE9BB441-FB20-4730-8E02-40B0B20C593A}"/>
+                <a16:creationId xmlns:a16="http://schemas.microsoft.com/office/drawing/2014/main" xmlns="" id="{BE9BB441-FB20-4730-8E02-40B0B20C593A}"/>
               </a:ext>
             </a:extLst>
           </p:cNvPr>
@@ -4392,7 +4759,7 @@
           <a:blip r:embed="rId5">
             <a:extLst>
               <a:ext uri="{28A0092B-C50C-407E-A947-70E740481C1C}">
-                <a14:useLocalDpi xmlns:a14="http://schemas.microsoft.com/office/drawing/2010/main" val="0"/>
+                <a14:useLocalDpi xmlns:a14="http://schemas.microsoft.com/office/drawing/2010/main" xmlns="" val="0"/>
               </a:ext>
             </a:extLst>
           </a:blip>
@@ -4415,7 +4782,7 @@
           <p:cNvPr id="17" name="Picture 16">
             <a:extLst>
               <a:ext uri="{FF2B5EF4-FFF2-40B4-BE49-F238E27FC236}">
-                <a16:creationId xmlns:a16="http://schemas.microsoft.com/office/drawing/2014/main" id="{F75BFA48-4F98-48AA-84F5-92035509AB94}"/>
+                <a16:creationId xmlns:a16="http://schemas.microsoft.com/office/drawing/2014/main" xmlns="" id="{F75BFA48-4F98-48AA-84F5-92035509AB94}"/>
               </a:ext>
             </a:extLst>
           </p:cNvPr>
@@ -4428,7 +4795,7 @@
           <a:blip r:embed="rId6">
             <a:extLst>
               <a:ext uri="{28A0092B-C50C-407E-A947-70E740481C1C}">
-                <a14:useLocalDpi xmlns:a14="http://schemas.microsoft.com/office/drawing/2010/main" val="0"/>
+                <a14:useLocalDpi xmlns:a14="http://schemas.microsoft.com/office/drawing/2010/main" xmlns="" val="0"/>
               </a:ext>
             </a:extLst>
           </a:blip>
@@ -4449,7 +4816,7 @@
     </p:spTree>
     <p:extLst>
       <p:ext uri="{BB962C8B-B14F-4D97-AF65-F5344CB8AC3E}">
-        <p14:creationId xmlns:p14="http://schemas.microsoft.com/office/powerpoint/2010/main" val="2535337005"/>
+        <p14:creationId xmlns:p14="http://schemas.microsoft.com/office/powerpoint/2010/main" xmlns="" val="2535337005"/>
       </p:ext>
     </p:extLst>
   </p:cSld>
@@ -4481,7 +4848,7 @@
           <p:cNvPr id="10" name="Picture 9">
             <a:extLst>
               <a:ext uri="{FF2B5EF4-FFF2-40B4-BE49-F238E27FC236}">
-                <a16:creationId xmlns:a16="http://schemas.microsoft.com/office/drawing/2014/main" id="{6248F25B-52F9-4CF0-BF52-629A9FD032CE}"/>
+                <a16:creationId xmlns:a16="http://schemas.microsoft.com/office/drawing/2014/main" xmlns="" id="{6248F25B-52F9-4CF0-BF52-629A9FD032CE}"/>
               </a:ext>
             </a:extLst>
           </p:cNvPr>
@@ -4491,7 +4858,7 @@
           <p:nvPr/>
         </p:nvPicPr>
         <p:blipFill rotWithShape="1">
-          <a:blip r:embed="rId2"/>
+          <a:blip r:embed="rId3"/>
           <a:srcRect r="52066"/>
           <a:stretch/>
         </p:blipFill>
@@ -4510,173 +4877,7 @@
           <p:cNvPr id="9" name="Picture 8">
             <a:extLst>
               <a:ext uri="{FF2B5EF4-FFF2-40B4-BE49-F238E27FC236}">
-                <a16:creationId xmlns:a16="http://schemas.microsoft.com/office/drawing/2014/main" id="{158091B3-A577-4C1D-8D3E-131CBA84C0EE}"/>
-              </a:ext>
-            </a:extLst>
-          </p:cNvPr>
-          <p:cNvPicPr>
-            <a:picLocks noChangeAspect="1"/>
-          </p:cNvPicPr>
-          <p:nvPr/>
-        </p:nvPicPr>
-        <p:blipFill>
-          <a:blip r:embed="rId2"/>
-          <a:stretch>
-            <a:fillRect/>
-          </a:stretch>
-        </p:blipFill>
-        <p:spPr>
-          <a:xfrm>
-            <a:off x="0" y="0"/>
-            <a:ext cx="9144000" cy="6858000"/>
-          </a:xfrm>
-          <a:prstGeom prst="rect">
-            <a:avLst/>
-          </a:prstGeom>
-        </p:spPr>
-      </p:pic>
-      <p:sp>
-        <p:nvSpPr>
-          <p:cNvPr id="2" name="Title 1">
-            <a:extLst>
-              <a:ext uri="{FF2B5EF4-FFF2-40B4-BE49-F238E27FC236}">
-                <a16:creationId xmlns:a16="http://schemas.microsoft.com/office/drawing/2014/main" id="{DFC049F8-2284-4161-BE3C-431BCD0EFAB7}"/>
-              </a:ext>
-            </a:extLst>
-          </p:cNvPr>
-          <p:cNvSpPr>
-            <a:spLocks noGrp="1"/>
-          </p:cNvSpPr>
-          <p:nvPr>
-            <p:ph type="title"/>
-          </p:nvPr>
-        </p:nvSpPr>
-        <p:spPr>
-          <a:xfrm>
-            <a:off x="838200" y="365125"/>
-            <a:ext cx="10515600" cy="566053"/>
-          </a:xfrm>
-          <a:solidFill>
-            <a:schemeClr val="bg1"/>
-          </a:solidFill>
-          <a:ln>
-            <a:solidFill>
-              <a:schemeClr val="tx1"/>
-            </a:solidFill>
-          </a:ln>
-        </p:spPr>
-        <p:txBody>
-          <a:bodyPr>
-            <a:normAutofit fontScale="90000"/>
-          </a:bodyPr>
-          <a:lstStyle/>
-          <a:p>
-            <a:pPr algn="ctr"/>
-            <a:r>
-              <a:rPr lang="en-GB" dirty="0">
-                <a:latin typeface="Bodoni MT" panose="02070603080606020203" pitchFamily="18" charset="0"/>
-              </a:rPr>
-              <a:t>User Testing Feedback (i)</a:t>
-            </a:r>
-          </a:p>
-        </p:txBody>
-      </p:sp>
-      <p:sp>
-        <p:nvSpPr>
-          <p:cNvPr id="3" name="Content Placeholder 2">
-            <a:extLst>
-              <a:ext uri="{FF2B5EF4-FFF2-40B4-BE49-F238E27FC236}">
-                <a16:creationId xmlns:a16="http://schemas.microsoft.com/office/drawing/2014/main" id="{F2E045F5-714F-4E07-87A1-F5696A62ED28}"/>
-              </a:ext>
-            </a:extLst>
-          </p:cNvPr>
-          <p:cNvSpPr>
-            <a:spLocks noGrp="1"/>
-          </p:cNvSpPr>
-          <p:nvPr>
-            <p:ph idx="1"/>
-          </p:nvPr>
-        </p:nvSpPr>
-        <p:spPr>
-          <a:xfrm>
-            <a:off x="838200" y="931178"/>
-            <a:ext cx="10515600" cy="5245785"/>
-          </a:xfrm>
-          <a:solidFill>
-            <a:schemeClr val="bg1"/>
-          </a:solidFill>
-          <a:ln>
-            <a:solidFill>
-              <a:schemeClr val="tx1"/>
-            </a:solidFill>
-          </a:ln>
-        </p:spPr>
-        <p:txBody>
-          <a:bodyPr/>
-          <a:lstStyle/>
-          <a:p>
-            <a:pPr marL="0" indent="0">
-              <a:buNone/>
-            </a:pPr>
-            <a:endParaRPr lang="en-GB" dirty="0">
-              <a:latin typeface="Bodoni MT" panose="02070603080606020203" pitchFamily="18" charset="0"/>
-            </a:endParaRPr>
-          </a:p>
-          <a:p>
-            <a:pPr marL="0" indent="0">
-              <a:buNone/>
-            </a:pPr>
-            <a:endParaRPr lang="en-GB" dirty="0">
-              <a:latin typeface="Bodoni MT" panose="02070603080606020203" pitchFamily="18" charset="0"/>
-            </a:endParaRPr>
-          </a:p>
-        </p:txBody>
-      </p:sp>
-      <p:sp>
-        <p:nvSpPr>
-          <p:cNvPr id="6" name="TextBox 5">
-            <a:extLst>
-              <a:ext uri="{FF2B5EF4-FFF2-40B4-BE49-F238E27FC236}">
-                <a16:creationId xmlns:a16="http://schemas.microsoft.com/office/drawing/2014/main" id="{2A7FCD91-3666-4A23-B530-B70A5977CFC4}"/>
-              </a:ext>
-            </a:extLst>
-          </p:cNvPr>
-          <p:cNvSpPr txBox="1"/>
-          <p:nvPr/>
-        </p:nvSpPr>
-        <p:spPr>
-          <a:xfrm>
-            <a:off x="10233870" y="240664"/>
-            <a:ext cx="1393272" cy="707886"/>
-          </a:xfrm>
-          <a:prstGeom prst="rect">
-            <a:avLst/>
-          </a:prstGeom>
-          <a:noFill/>
-        </p:spPr>
-        <p:txBody>
-          <a:bodyPr wrap="square" rtlCol="0">
-            <a:spAutoFit/>
-          </a:bodyPr>
-          <a:lstStyle/>
-          <a:p>
-            <a:pPr algn="ctr"/>
-            <a:r>
-              <a:rPr lang="en-GB" sz="4000" i="1" dirty="0">
-                <a:latin typeface="Bodoni MT" panose="02070603080606020203" pitchFamily="18" charset="0"/>
-                <a:ea typeface="Cambria Math" panose="02040503050406030204" pitchFamily="18" charset="0"/>
-              </a:rPr>
-              <a:t>(4)</a:t>
-            </a:r>
-          </a:p>
-        </p:txBody>
-      </p:sp>
-      <p:pic>
-        <p:nvPicPr>
-          <p:cNvPr id="8" name="Picture 7">
-            <a:extLst>
-              <a:ext uri="{FF2B5EF4-FFF2-40B4-BE49-F238E27FC236}">
-                <a16:creationId xmlns:a16="http://schemas.microsoft.com/office/drawing/2014/main" id="{A3117FBC-7DFD-4758-B4B9-29961EBB7136}"/>
+                <a16:creationId xmlns:a16="http://schemas.microsoft.com/office/drawing/2014/main" xmlns="" id="{158091B3-A577-4C1D-8D3E-131CBA84C0EE}"/>
               </a:ext>
             </a:extLst>
           </p:cNvPr>
@@ -4693,6 +4894,172 @@
         </p:blipFill>
         <p:spPr>
           <a:xfrm>
+            <a:off x="0" y="0"/>
+            <a:ext cx="9144000" cy="6858000"/>
+          </a:xfrm>
+          <a:prstGeom prst="rect">
+            <a:avLst/>
+          </a:prstGeom>
+        </p:spPr>
+      </p:pic>
+      <p:sp>
+        <p:nvSpPr>
+          <p:cNvPr id="2" name="Title 1">
+            <a:extLst>
+              <a:ext uri="{FF2B5EF4-FFF2-40B4-BE49-F238E27FC236}">
+                <a16:creationId xmlns:a16="http://schemas.microsoft.com/office/drawing/2014/main" xmlns="" id="{DFC049F8-2284-4161-BE3C-431BCD0EFAB7}"/>
+              </a:ext>
+            </a:extLst>
+          </p:cNvPr>
+          <p:cNvSpPr>
+            <a:spLocks noGrp="1"/>
+          </p:cNvSpPr>
+          <p:nvPr>
+            <p:ph type="title"/>
+          </p:nvPr>
+        </p:nvSpPr>
+        <p:spPr>
+          <a:xfrm>
+            <a:off x="838200" y="365125"/>
+            <a:ext cx="10515600" cy="566053"/>
+          </a:xfrm>
+          <a:solidFill>
+            <a:schemeClr val="bg1"/>
+          </a:solidFill>
+          <a:ln>
+            <a:solidFill>
+              <a:schemeClr val="tx1"/>
+            </a:solidFill>
+          </a:ln>
+        </p:spPr>
+        <p:txBody>
+          <a:bodyPr>
+            <a:normAutofit fontScale="90000"/>
+          </a:bodyPr>
+          <a:lstStyle/>
+          <a:p>
+            <a:pPr algn="ctr"/>
+            <a:r>
+              <a:rPr lang="en-GB" dirty="0">
+                <a:latin typeface="Bodoni MT" panose="02070603080606020203" pitchFamily="18" charset="0"/>
+              </a:rPr>
+              <a:t>User Testing Feedback (i)</a:t>
+            </a:r>
+          </a:p>
+        </p:txBody>
+      </p:sp>
+      <p:sp>
+        <p:nvSpPr>
+          <p:cNvPr id="3" name="Content Placeholder 2">
+            <a:extLst>
+              <a:ext uri="{FF2B5EF4-FFF2-40B4-BE49-F238E27FC236}">
+                <a16:creationId xmlns:a16="http://schemas.microsoft.com/office/drawing/2014/main" xmlns="" id="{F2E045F5-714F-4E07-87A1-F5696A62ED28}"/>
+              </a:ext>
+            </a:extLst>
+          </p:cNvPr>
+          <p:cNvSpPr>
+            <a:spLocks noGrp="1"/>
+          </p:cNvSpPr>
+          <p:nvPr>
+            <p:ph idx="1"/>
+          </p:nvPr>
+        </p:nvSpPr>
+        <p:spPr>
+          <a:xfrm>
+            <a:off x="838200" y="931178"/>
+            <a:ext cx="10515600" cy="5245785"/>
+          </a:xfrm>
+          <a:solidFill>
+            <a:schemeClr val="bg1"/>
+          </a:solidFill>
+          <a:ln>
+            <a:solidFill>
+              <a:schemeClr val="tx1"/>
+            </a:solidFill>
+          </a:ln>
+        </p:spPr>
+        <p:txBody>
+          <a:bodyPr/>
+          <a:lstStyle/>
+          <a:p>
+            <a:pPr marL="0" indent="0">
+              <a:buNone/>
+            </a:pPr>
+            <a:endParaRPr lang="en-GB" dirty="0">
+              <a:latin typeface="Bodoni MT" panose="02070603080606020203" pitchFamily="18" charset="0"/>
+            </a:endParaRPr>
+          </a:p>
+          <a:p>
+            <a:pPr marL="0" indent="0">
+              <a:buNone/>
+            </a:pPr>
+            <a:endParaRPr lang="en-GB" dirty="0">
+              <a:latin typeface="Bodoni MT" panose="02070603080606020203" pitchFamily="18" charset="0"/>
+            </a:endParaRPr>
+          </a:p>
+        </p:txBody>
+      </p:sp>
+      <p:sp>
+        <p:nvSpPr>
+          <p:cNvPr id="6" name="TextBox 5">
+            <a:extLst>
+              <a:ext uri="{FF2B5EF4-FFF2-40B4-BE49-F238E27FC236}">
+                <a16:creationId xmlns:a16="http://schemas.microsoft.com/office/drawing/2014/main" xmlns="" id="{2A7FCD91-3666-4A23-B530-B70A5977CFC4}"/>
+              </a:ext>
+            </a:extLst>
+          </p:cNvPr>
+          <p:cNvSpPr txBox="1"/>
+          <p:nvPr/>
+        </p:nvSpPr>
+        <p:spPr>
+          <a:xfrm>
+            <a:off x="10233870" y="240664"/>
+            <a:ext cx="1393272" cy="707886"/>
+          </a:xfrm>
+          <a:prstGeom prst="rect">
+            <a:avLst/>
+          </a:prstGeom>
+          <a:noFill/>
+        </p:spPr>
+        <p:txBody>
+          <a:bodyPr wrap="square" rtlCol="0">
+            <a:spAutoFit/>
+          </a:bodyPr>
+          <a:lstStyle/>
+          <a:p>
+            <a:pPr algn="ctr"/>
+            <a:r>
+              <a:rPr lang="en-GB" sz="4000" i="1" dirty="0">
+                <a:latin typeface="Bodoni MT" panose="02070603080606020203" pitchFamily="18" charset="0"/>
+                <a:ea typeface="Cambria Math" panose="02040503050406030204" pitchFamily="18" charset="0"/>
+              </a:rPr>
+              <a:t>(4)</a:t>
+            </a:r>
+          </a:p>
+        </p:txBody>
+      </p:sp>
+      <p:pic>
+        <p:nvPicPr>
+          <p:cNvPr id="8" name="Picture 7">
+            <a:extLst>
+              <a:ext uri="{FF2B5EF4-FFF2-40B4-BE49-F238E27FC236}">
+                <a16:creationId xmlns:a16="http://schemas.microsoft.com/office/drawing/2014/main" xmlns="" id="{A3117FBC-7DFD-4758-B4B9-29961EBB7136}"/>
+              </a:ext>
+            </a:extLst>
+          </p:cNvPr>
+          <p:cNvPicPr>
+            <a:picLocks noChangeAspect="1"/>
+          </p:cNvPicPr>
+          <p:nvPr/>
+        </p:nvPicPr>
+        <p:blipFill>
+          <a:blip r:embed="rId4"/>
+          <a:stretch>
+            <a:fillRect/>
+          </a:stretch>
+        </p:blipFill>
+        <p:spPr>
+          <a:xfrm>
             <a:off x="7105940" y="1632457"/>
             <a:ext cx="3782621" cy="3770054"/>
           </a:xfrm>
@@ -4711,7 +5078,7 @@
           <p:cNvPr id="11" name="TextBox 10">
             <a:extLst>
               <a:ext uri="{FF2B5EF4-FFF2-40B4-BE49-F238E27FC236}">
-                <a16:creationId xmlns:a16="http://schemas.microsoft.com/office/drawing/2014/main" id="{0B108C47-D011-4547-9642-A8F7197FB2ED}"/>
+                <a16:creationId xmlns:a16="http://schemas.microsoft.com/office/drawing/2014/main" xmlns="" id="{0B108C47-D011-4547-9642-A8F7197FB2ED}"/>
               </a:ext>
             </a:extLst>
           </p:cNvPr>
@@ -4798,7 +5165,7 @@
           <p:cNvPr id="12" name="TextBox 11">
             <a:extLst>
               <a:ext uri="{FF2B5EF4-FFF2-40B4-BE49-F238E27FC236}">
-                <a16:creationId xmlns:a16="http://schemas.microsoft.com/office/drawing/2014/main" id="{B703FA5C-A8C2-4740-B5EE-2A5922A54DF9}"/>
+                <a16:creationId xmlns:a16="http://schemas.microsoft.com/office/drawing/2014/main" xmlns="" id="{B703FA5C-A8C2-4740-B5EE-2A5922A54DF9}"/>
               </a:ext>
             </a:extLst>
           </p:cNvPr>
@@ -4883,7 +5250,7 @@
     </p:spTree>
     <p:extLst>
       <p:ext uri="{BB962C8B-B14F-4D97-AF65-F5344CB8AC3E}">
-        <p14:creationId xmlns:p14="http://schemas.microsoft.com/office/powerpoint/2010/main" val="3187953464"/>
+        <p14:creationId xmlns:p14="http://schemas.microsoft.com/office/powerpoint/2010/main" xmlns="" val="3187953464"/>
       </p:ext>
     </p:extLst>
   </p:cSld>
@@ -4915,7 +5282,7 @@
           <p:cNvPr id="10" name="Picture 9">
             <a:extLst>
               <a:ext uri="{FF2B5EF4-FFF2-40B4-BE49-F238E27FC236}">
-                <a16:creationId xmlns:a16="http://schemas.microsoft.com/office/drawing/2014/main" id="{6248F25B-52F9-4CF0-BF52-629A9FD032CE}"/>
+                <a16:creationId xmlns:a16="http://schemas.microsoft.com/office/drawing/2014/main" xmlns="" id="{6248F25B-52F9-4CF0-BF52-629A9FD032CE}"/>
               </a:ext>
             </a:extLst>
           </p:cNvPr>
@@ -4925,7 +5292,7 @@
           <p:nvPr/>
         </p:nvPicPr>
         <p:blipFill rotWithShape="1">
-          <a:blip r:embed="rId2"/>
+          <a:blip r:embed="rId3"/>
           <a:srcRect r="52066"/>
           <a:stretch/>
         </p:blipFill>
@@ -4944,173 +5311,7 @@
           <p:cNvPr id="9" name="Picture 8">
             <a:extLst>
               <a:ext uri="{FF2B5EF4-FFF2-40B4-BE49-F238E27FC236}">
-                <a16:creationId xmlns:a16="http://schemas.microsoft.com/office/drawing/2014/main" id="{158091B3-A577-4C1D-8D3E-131CBA84C0EE}"/>
-              </a:ext>
-            </a:extLst>
-          </p:cNvPr>
-          <p:cNvPicPr>
-            <a:picLocks noChangeAspect="1"/>
-          </p:cNvPicPr>
-          <p:nvPr/>
-        </p:nvPicPr>
-        <p:blipFill>
-          <a:blip r:embed="rId2"/>
-          <a:stretch>
-            <a:fillRect/>
-          </a:stretch>
-        </p:blipFill>
-        <p:spPr>
-          <a:xfrm>
-            <a:off x="0" y="0"/>
-            <a:ext cx="9144000" cy="6858000"/>
-          </a:xfrm>
-          <a:prstGeom prst="rect">
-            <a:avLst/>
-          </a:prstGeom>
-        </p:spPr>
-      </p:pic>
-      <p:sp>
-        <p:nvSpPr>
-          <p:cNvPr id="2" name="Title 1">
-            <a:extLst>
-              <a:ext uri="{FF2B5EF4-FFF2-40B4-BE49-F238E27FC236}">
-                <a16:creationId xmlns:a16="http://schemas.microsoft.com/office/drawing/2014/main" id="{DFC049F8-2284-4161-BE3C-431BCD0EFAB7}"/>
-              </a:ext>
-            </a:extLst>
-          </p:cNvPr>
-          <p:cNvSpPr>
-            <a:spLocks noGrp="1"/>
-          </p:cNvSpPr>
-          <p:nvPr>
-            <p:ph type="title"/>
-          </p:nvPr>
-        </p:nvSpPr>
-        <p:spPr>
-          <a:xfrm>
-            <a:off x="838200" y="365125"/>
-            <a:ext cx="10515600" cy="566053"/>
-          </a:xfrm>
-          <a:solidFill>
-            <a:schemeClr val="bg1"/>
-          </a:solidFill>
-          <a:ln>
-            <a:solidFill>
-              <a:schemeClr val="tx1"/>
-            </a:solidFill>
-          </a:ln>
-        </p:spPr>
-        <p:txBody>
-          <a:bodyPr>
-            <a:normAutofit fontScale="90000"/>
-          </a:bodyPr>
-          <a:lstStyle/>
-          <a:p>
-            <a:pPr algn="ctr"/>
-            <a:r>
-              <a:rPr lang="en-GB" dirty="0">
-                <a:latin typeface="Bodoni MT" panose="02070603080606020203" pitchFamily="18" charset="0"/>
-              </a:rPr>
-              <a:t>User Testing Feedback (ii)</a:t>
-            </a:r>
-          </a:p>
-        </p:txBody>
-      </p:sp>
-      <p:sp>
-        <p:nvSpPr>
-          <p:cNvPr id="3" name="Content Placeholder 2">
-            <a:extLst>
-              <a:ext uri="{FF2B5EF4-FFF2-40B4-BE49-F238E27FC236}">
-                <a16:creationId xmlns:a16="http://schemas.microsoft.com/office/drawing/2014/main" id="{F2E045F5-714F-4E07-87A1-F5696A62ED28}"/>
-              </a:ext>
-            </a:extLst>
-          </p:cNvPr>
-          <p:cNvSpPr>
-            <a:spLocks noGrp="1"/>
-          </p:cNvSpPr>
-          <p:nvPr>
-            <p:ph idx="1"/>
-          </p:nvPr>
-        </p:nvSpPr>
-        <p:spPr>
-          <a:xfrm>
-            <a:off x="838200" y="931178"/>
-            <a:ext cx="10515600" cy="5245785"/>
-          </a:xfrm>
-          <a:solidFill>
-            <a:schemeClr val="bg1"/>
-          </a:solidFill>
-          <a:ln>
-            <a:solidFill>
-              <a:schemeClr val="tx1"/>
-            </a:solidFill>
-          </a:ln>
-        </p:spPr>
-        <p:txBody>
-          <a:bodyPr/>
-          <a:lstStyle/>
-          <a:p>
-            <a:pPr marL="0" indent="0">
-              <a:buNone/>
-            </a:pPr>
-            <a:endParaRPr lang="en-GB" dirty="0">
-              <a:latin typeface="Bodoni MT" panose="02070603080606020203" pitchFamily="18" charset="0"/>
-            </a:endParaRPr>
-          </a:p>
-          <a:p>
-            <a:pPr marL="0" indent="0">
-              <a:buNone/>
-            </a:pPr>
-            <a:endParaRPr lang="en-GB" dirty="0">
-              <a:latin typeface="Bodoni MT" panose="02070603080606020203" pitchFamily="18" charset="0"/>
-            </a:endParaRPr>
-          </a:p>
-        </p:txBody>
-      </p:sp>
-      <p:sp>
-        <p:nvSpPr>
-          <p:cNvPr id="6" name="TextBox 5">
-            <a:extLst>
-              <a:ext uri="{FF2B5EF4-FFF2-40B4-BE49-F238E27FC236}">
-                <a16:creationId xmlns:a16="http://schemas.microsoft.com/office/drawing/2014/main" id="{2A7FCD91-3666-4A23-B530-B70A5977CFC4}"/>
-              </a:ext>
-            </a:extLst>
-          </p:cNvPr>
-          <p:cNvSpPr txBox="1"/>
-          <p:nvPr/>
-        </p:nvSpPr>
-        <p:spPr>
-          <a:xfrm>
-            <a:off x="10233870" y="240664"/>
-            <a:ext cx="1393272" cy="707886"/>
-          </a:xfrm>
-          <a:prstGeom prst="rect">
-            <a:avLst/>
-          </a:prstGeom>
-          <a:noFill/>
-        </p:spPr>
-        <p:txBody>
-          <a:bodyPr wrap="square" rtlCol="0">
-            <a:spAutoFit/>
-          </a:bodyPr>
-          <a:lstStyle/>
-          <a:p>
-            <a:pPr algn="ctr"/>
-            <a:r>
-              <a:rPr lang="en-GB" sz="4000" i="1" dirty="0">
-                <a:latin typeface="Bodoni MT" panose="02070603080606020203" pitchFamily="18" charset="0"/>
-                <a:ea typeface="Cambria Math" panose="02040503050406030204" pitchFamily="18" charset="0"/>
-              </a:rPr>
-              <a:t>(4)</a:t>
-            </a:r>
-          </a:p>
-        </p:txBody>
-      </p:sp>
-      <p:pic>
-        <p:nvPicPr>
-          <p:cNvPr id="8" name="Picture 7">
-            <a:extLst>
-              <a:ext uri="{FF2B5EF4-FFF2-40B4-BE49-F238E27FC236}">
-                <a16:creationId xmlns:a16="http://schemas.microsoft.com/office/drawing/2014/main" id="{A3117FBC-7DFD-4758-B4B9-29961EBB7136}"/>
+                <a16:creationId xmlns:a16="http://schemas.microsoft.com/office/drawing/2014/main" xmlns="" id="{158091B3-A577-4C1D-8D3E-131CBA84C0EE}"/>
               </a:ext>
             </a:extLst>
           </p:cNvPr>
@@ -5127,6 +5328,172 @@
         </p:blipFill>
         <p:spPr>
           <a:xfrm>
+            <a:off x="0" y="0"/>
+            <a:ext cx="9144000" cy="6858000"/>
+          </a:xfrm>
+          <a:prstGeom prst="rect">
+            <a:avLst/>
+          </a:prstGeom>
+        </p:spPr>
+      </p:pic>
+      <p:sp>
+        <p:nvSpPr>
+          <p:cNvPr id="2" name="Title 1">
+            <a:extLst>
+              <a:ext uri="{FF2B5EF4-FFF2-40B4-BE49-F238E27FC236}">
+                <a16:creationId xmlns:a16="http://schemas.microsoft.com/office/drawing/2014/main" xmlns="" id="{DFC049F8-2284-4161-BE3C-431BCD0EFAB7}"/>
+              </a:ext>
+            </a:extLst>
+          </p:cNvPr>
+          <p:cNvSpPr>
+            <a:spLocks noGrp="1"/>
+          </p:cNvSpPr>
+          <p:nvPr>
+            <p:ph type="title"/>
+          </p:nvPr>
+        </p:nvSpPr>
+        <p:spPr>
+          <a:xfrm>
+            <a:off x="838200" y="365125"/>
+            <a:ext cx="10515600" cy="566053"/>
+          </a:xfrm>
+          <a:solidFill>
+            <a:schemeClr val="bg1"/>
+          </a:solidFill>
+          <a:ln>
+            <a:solidFill>
+              <a:schemeClr val="tx1"/>
+            </a:solidFill>
+          </a:ln>
+        </p:spPr>
+        <p:txBody>
+          <a:bodyPr>
+            <a:normAutofit fontScale="90000"/>
+          </a:bodyPr>
+          <a:lstStyle/>
+          <a:p>
+            <a:pPr algn="ctr"/>
+            <a:r>
+              <a:rPr lang="en-GB" dirty="0">
+                <a:latin typeface="Bodoni MT" panose="02070603080606020203" pitchFamily="18" charset="0"/>
+              </a:rPr>
+              <a:t>User Testing Feedback (ii)</a:t>
+            </a:r>
+          </a:p>
+        </p:txBody>
+      </p:sp>
+      <p:sp>
+        <p:nvSpPr>
+          <p:cNvPr id="3" name="Content Placeholder 2">
+            <a:extLst>
+              <a:ext uri="{FF2B5EF4-FFF2-40B4-BE49-F238E27FC236}">
+                <a16:creationId xmlns:a16="http://schemas.microsoft.com/office/drawing/2014/main" xmlns="" id="{F2E045F5-714F-4E07-87A1-F5696A62ED28}"/>
+              </a:ext>
+            </a:extLst>
+          </p:cNvPr>
+          <p:cNvSpPr>
+            <a:spLocks noGrp="1"/>
+          </p:cNvSpPr>
+          <p:nvPr>
+            <p:ph idx="1"/>
+          </p:nvPr>
+        </p:nvSpPr>
+        <p:spPr>
+          <a:xfrm>
+            <a:off x="838200" y="931178"/>
+            <a:ext cx="10515600" cy="5245785"/>
+          </a:xfrm>
+          <a:solidFill>
+            <a:schemeClr val="bg1"/>
+          </a:solidFill>
+          <a:ln>
+            <a:solidFill>
+              <a:schemeClr val="tx1"/>
+            </a:solidFill>
+          </a:ln>
+        </p:spPr>
+        <p:txBody>
+          <a:bodyPr/>
+          <a:lstStyle/>
+          <a:p>
+            <a:pPr marL="0" indent="0">
+              <a:buNone/>
+            </a:pPr>
+            <a:endParaRPr lang="en-GB" dirty="0">
+              <a:latin typeface="Bodoni MT" panose="02070603080606020203" pitchFamily="18" charset="0"/>
+            </a:endParaRPr>
+          </a:p>
+          <a:p>
+            <a:pPr marL="0" indent="0">
+              <a:buNone/>
+            </a:pPr>
+            <a:endParaRPr lang="en-GB" dirty="0">
+              <a:latin typeface="Bodoni MT" panose="02070603080606020203" pitchFamily="18" charset="0"/>
+            </a:endParaRPr>
+          </a:p>
+        </p:txBody>
+      </p:sp>
+      <p:sp>
+        <p:nvSpPr>
+          <p:cNvPr id="6" name="TextBox 5">
+            <a:extLst>
+              <a:ext uri="{FF2B5EF4-FFF2-40B4-BE49-F238E27FC236}">
+                <a16:creationId xmlns:a16="http://schemas.microsoft.com/office/drawing/2014/main" xmlns="" id="{2A7FCD91-3666-4A23-B530-B70A5977CFC4}"/>
+              </a:ext>
+            </a:extLst>
+          </p:cNvPr>
+          <p:cNvSpPr txBox="1"/>
+          <p:nvPr/>
+        </p:nvSpPr>
+        <p:spPr>
+          <a:xfrm>
+            <a:off x="10233870" y="240664"/>
+            <a:ext cx="1393272" cy="707886"/>
+          </a:xfrm>
+          <a:prstGeom prst="rect">
+            <a:avLst/>
+          </a:prstGeom>
+          <a:noFill/>
+        </p:spPr>
+        <p:txBody>
+          <a:bodyPr wrap="square" rtlCol="0">
+            <a:spAutoFit/>
+          </a:bodyPr>
+          <a:lstStyle/>
+          <a:p>
+            <a:pPr algn="ctr"/>
+            <a:r>
+              <a:rPr lang="en-GB" sz="4000" i="1" dirty="0">
+                <a:latin typeface="Bodoni MT" panose="02070603080606020203" pitchFamily="18" charset="0"/>
+                <a:ea typeface="Cambria Math" panose="02040503050406030204" pitchFamily="18" charset="0"/>
+              </a:rPr>
+              <a:t>(4)</a:t>
+            </a:r>
+          </a:p>
+        </p:txBody>
+      </p:sp>
+      <p:pic>
+        <p:nvPicPr>
+          <p:cNvPr id="8" name="Picture 7">
+            <a:extLst>
+              <a:ext uri="{FF2B5EF4-FFF2-40B4-BE49-F238E27FC236}">
+                <a16:creationId xmlns:a16="http://schemas.microsoft.com/office/drawing/2014/main" xmlns="" id="{A3117FBC-7DFD-4758-B4B9-29961EBB7136}"/>
+              </a:ext>
+            </a:extLst>
+          </p:cNvPr>
+          <p:cNvPicPr>
+            <a:picLocks noChangeAspect="1"/>
+          </p:cNvPicPr>
+          <p:nvPr/>
+        </p:nvPicPr>
+        <p:blipFill>
+          <a:blip r:embed="rId4"/>
+          <a:stretch>
+            <a:fillRect/>
+          </a:stretch>
+        </p:blipFill>
+        <p:spPr>
+          <a:xfrm>
             <a:off x="7105940" y="1632457"/>
             <a:ext cx="3782621" cy="3770054"/>
           </a:xfrm>
@@ -5145,7 +5512,7 @@
           <p:cNvPr id="11" name="TextBox 10">
             <a:extLst>
               <a:ext uri="{FF2B5EF4-FFF2-40B4-BE49-F238E27FC236}">
-                <a16:creationId xmlns:a16="http://schemas.microsoft.com/office/drawing/2014/main" id="{0B108C47-D011-4547-9642-A8F7197FB2ED}"/>
+                <a16:creationId xmlns:a16="http://schemas.microsoft.com/office/drawing/2014/main" xmlns="" id="{0B108C47-D011-4547-9642-A8F7197FB2ED}"/>
               </a:ext>
             </a:extLst>
           </p:cNvPr>
@@ -5243,7 +5610,7 @@
           <p:cNvPr id="13" name="TextBox 12">
             <a:extLst>
               <a:ext uri="{FF2B5EF4-FFF2-40B4-BE49-F238E27FC236}">
-                <a16:creationId xmlns:a16="http://schemas.microsoft.com/office/drawing/2014/main" id="{51D2C041-9487-41F5-B1A0-947375EFE397}"/>
+                <a16:creationId xmlns:a16="http://schemas.microsoft.com/office/drawing/2014/main" xmlns="" id="{51D2C041-9487-41F5-B1A0-947375EFE397}"/>
               </a:ext>
             </a:extLst>
           </p:cNvPr>
@@ -5289,7 +5656,7 @@
     </p:spTree>
     <p:extLst>
       <p:ext uri="{BB962C8B-B14F-4D97-AF65-F5344CB8AC3E}">
-        <p14:creationId xmlns:p14="http://schemas.microsoft.com/office/powerpoint/2010/main" val="396850397"/>
+        <p14:creationId xmlns:p14="http://schemas.microsoft.com/office/powerpoint/2010/main" xmlns="" val="396850397"/>
       </p:ext>
     </p:extLst>
   </p:cSld>
@@ -5321,7 +5688,7 @@
           <p:cNvPr id="4" name="Picture 3">
             <a:extLst>
               <a:ext uri="{FF2B5EF4-FFF2-40B4-BE49-F238E27FC236}">
-                <a16:creationId xmlns:a16="http://schemas.microsoft.com/office/drawing/2014/main" id="{1F7B8747-803D-41C8-89FD-730522D4A3D6}"/>
+                <a16:creationId xmlns:a16="http://schemas.microsoft.com/office/drawing/2014/main" xmlns="" id="{1F7B8747-803D-41C8-89FD-730522D4A3D6}"/>
               </a:ext>
             </a:extLst>
           </p:cNvPr>
@@ -5356,7 +5723,7 @@
           <p:cNvPr id="2" name="Title 1">
             <a:extLst>
               <a:ext uri="{FF2B5EF4-FFF2-40B4-BE49-F238E27FC236}">
-                <a16:creationId xmlns:a16="http://schemas.microsoft.com/office/drawing/2014/main" id="{DFC049F8-2284-4161-BE3C-431BCD0EFAB7}"/>
+                <a16:creationId xmlns:a16="http://schemas.microsoft.com/office/drawing/2014/main" xmlns="" id="{DFC049F8-2284-4161-BE3C-431BCD0EFAB7}"/>
               </a:ext>
             </a:extLst>
           </p:cNvPr>
@@ -5402,7 +5769,7 @@
           <p:cNvPr id="3" name="Content Placeholder 2">
             <a:extLst>
               <a:ext uri="{FF2B5EF4-FFF2-40B4-BE49-F238E27FC236}">
-                <a16:creationId xmlns:a16="http://schemas.microsoft.com/office/drawing/2014/main" id="{F2E045F5-714F-4E07-87A1-F5696A62ED28}"/>
+                <a16:creationId xmlns:a16="http://schemas.microsoft.com/office/drawing/2014/main" xmlns="" id="{F2E045F5-714F-4E07-87A1-F5696A62ED28}"/>
               </a:ext>
             </a:extLst>
           </p:cNvPr>
@@ -5498,7 +5865,7 @@
           <p:cNvPr id="6" name="TextBox 5">
             <a:extLst>
               <a:ext uri="{FF2B5EF4-FFF2-40B4-BE49-F238E27FC236}">
-                <a16:creationId xmlns:a16="http://schemas.microsoft.com/office/drawing/2014/main" id="{2A7FCD91-3666-4A23-B530-B70A5977CFC4}"/>
+                <a16:creationId xmlns:a16="http://schemas.microsoft.com/office/drawing/2014/main" xmlns="" id="{2A7FCD91-3666-4A23-B530-B70A5977CFC4}"/>
               </a:ext>
             </a:extLst>
           </p:cNvPr>
@@ -5535,7 +5902,7 @@
     </p:spTree>
     <p:extLst>
       <p:ext uri="{BB962C8B-B14F-4D97-AF65-F5344CB8AC3E}">
-        <p14:creationId xmlns:p14="http://schemas.microsoft.com/office/powerpoint/2010/main" val="3875203172"/>
+        <p14:creationId xmlns:p14="http://schemas.microsoft.com/office/powerpoint/2010/main" xmlns="" val="3875203172"/>
       </p:ext>
     </p:extLst>
   </p:cSld>
@@ -5567,7 +5934,7 @@
           <p:cNvPr id="2" name="Title 1">
             <a:extLst>
               <a:ext uri="{FF2B5EF4-FFF2-40B4-BE49-F238E27FC236}">
-                <a16:creationId xmlns:a16="http://schemas.microsoft.com/office/drawing/2014/main" id="{DFC049F8-2284-4161-BE3C-431BCD0EFAB7}"/>
+                <a16:creationId xmlns:a16="http://schemas.microsoft.com/office/drawing/2014/main" xmlns="" id="{DFC049F8-2284-4161-BE3C-431BCD0EFAB7}"/>
               </a:ext>
             </a:extLst>
           </p:cNvPr>
@@ -5610,7 +5977,7 @@
           <p:cNvPr id="6" name="TextBox 5">
             <a:extLst>
               <a:ext uri="{FF2B5EF4-FFF2-40B4-BE49-F238E27FC236}">
-                <a16:creationId xmlns:a16="http://schemas.microsoft.com/office/drawing/2014/main" id="{3F80BD68-2B59-4BE1-A899-630919EAEA8A}"/>
+                <a16:creationId xmlns:a16="http://schemas.microsoft.com/office/drawing/2014/main" xmlns="" id="{3F80BD68-2B59-4BE1-A899-630919EAEA8A}"/>
               </a:ext>
             </a:extLst>
           </p:cNvPr>
@@ -5649,7 +6016,7 @@
           <p:cNvPr id="5" name="Picture 4">
             <a:extLst>
               <a:ext uri="{FF2B5EF4-FFF2-40B4-BE49-F238E27FC236}">
-                <a16:creationId xmlns:a16="http://schemas.microsoft.com/office/drawing/2014/main" id="{020817A5-9300-4D98-B692-D6147E3BD93A}"/>
+                <a16:creationId xmlns:a16="http://schemas.microsoft.com/office/drawing/2014/main" xmlns="" id="{020817A5-9300-4D98-B692-D6147E3BD93A}"/>
               </a:ext>
             </a:extLst>
           </p:cNvPr>
@@ -5660,7 +6027,7 @@
           <a:blip r:embed="rId3" cstate="print">
             <a:extLst>
               <a:ext uri="{28A0092B-C50C-407E-A947-70E740481C1C}">
-                <a14:useLocalDpi xmlns:a14="http://schemas.microsoft.com/office/drawing/2010/main" val="0"/>
+                <a14:useLocalDpi xmlns:a14="http://schemas.microsoft.com/office/drawing/2010/main" xmlns="" val="0"/>
               </a:ext>
             </a:extLst>
           </a:blip>
@@ -5688,7 +6055,7 @@
           <p:cNvPr id="7" name="Content Placeholder 6">
             <a:extLst>
               <a:ext uri="{FF2B5EF4-FFF2-40B4-BE49-F238E27FC236}">
-                <a16:creationId xmlns:a16="http://schemas.microsoft.com/office/drawing/2014/main" id="{70CDBECA-B97D-4C2C-AC55-CFFC02982EF8}"/>
+                <a16:creationId xmlns:a16="http://schemas.microsoft.com/office/drawing/2014/main" xmlns="" id="{70CDBECA-B97D-4C2C-AC55-CFFC02982EF8}"/>
               </a:ext>
             </a:extLst>
           </p:cNvPr>
@@ -5703,7 +6070,7 @@
           <a:blip r:embed="rId4" cstate="print">
             <a:extLst>
               <a:ext uri="{28A0092B-C50C-407E-A947-70E740481C1C}">
-                <a14:useLocalDpi xmlns:a14="http://schemas.microsoft.com/office/drawing/2010/main" val="0"/>
+                <a14:useLocalDpi xmlns:a14="http://schemas.microsoft.com/office/drawing/2010/main" xmlns="" val="0"/>
               </a:ext>
             </a:extLst>
           </a:blip>
@@ -5731,7 +6098,7 @@
           <p:cNvPr id="8" name="Picture 7">
             <a:extLst>
               <a:ext uri="{FF2B5EF4-FFF2-40B4-BE49-F238E27FC236}">
-                <a16:creationId xmlns:a16="http://schemas.microsoft.com/office/drawing/2014/main" id="{31976AD6-994F-4EFA-9220-B0F8E43BE61B}"/>
+                <a16:creationId xmlns:a16="http://schemas.microsoft.com/office/drawing/2014/main" xmlns="" id="{31976AD6-994F-4EFA-9220-B0F8E43BE61B}"/>
               </a:ext>
             </a:extLst>
           </p:cNvPr>
@@ -5742,7 +6109,7 @@
           <a:blip r:embed="rId5" cstate="print">
             <a:extLst>
               <a:ext uri="{28A0092B-C50C-407E-A947-70E740481C1C}">
-                <a14:useLocalDpi xmlns:a14="http://schemas.microsoft.com/office/drawing/2010/main" val="0"/>
+                <a14:useLocalDpi xmlns:a14="http://schemas.microsoft.com/office/drawing/2010/main" xmlns="" val="0"/>
               </a:ext>
             </a:extLst>
           </a:blip>
@@ -5770,7 +6137,7 @@
           <p:cNvPr id="9" name="Picture 8">
             <a:extLst>
               <a:ext uri="{FF2B5EF4-FFF2-40B4-BE49-F238E27FC236}">
-                <a16:creationId xmlns:a16="http://schemas.microsoft.com/office/drawing/2014/main" id="{2820CE08-0969-4652-A714-794DE1C22F36}"/>
+                <a16:creationId xmlns:a16="http://schemas.microsoft.com/office/drawing/2014/main" xmlns="" id="{2820CE08-0969-4652-A714-794DE1C22F36}"/>
               </a:ext>
             </a:extLst>
           </p:cNvPr>
@@ -5781,7 +6148,7 @@
           <a:blip r:embed="rId6" cstate="print">
             <a:extLst>
               <a:ext uri="{28A0092B-C50C-407E-A947-70E740481C1C}">
-                <a14:useLocalDpi xmlns:a14="http://schemas.microsoft.com/office/drawing/2010/main" val="0"/>
+                <a14:useLocalDpi xmlns:a14="http://schemas.microsoft.com/office/drawing/2010/main" xmlns="" val="0"/>
               </a:ext>
             </a:extLst>
           </a:blip>
@@ -5803,7 +6170,7 @@
           </a:ln>
           <a:extLst>
             <a:ext uri="{53640926-AAD7-44D8-BBD7-CCE9431645EC}">
-              <a14:shadowObscured xmlns:a14="http://schemas.microsoft.com/office/drawing/2010/main"/>
+              <a14:shadowObscured xmlns:a14="http://schemas.microsoft.com/office/drawing/2010/main" xmlns=""/>
             </a:ext>
           </a:extLst>
         </p:spPr>
@@ -5811,7 +6178,7 @@
     </p:spTree>
     <p:extLst>
       <p:ext uri="{BB962C8B-B14F-4D97-AF65-F5344CB8AC3E}">
-        <p14:creationId xmlns:p14="http://schemas.microsoft.com/office/powerpoint/2010/main" val="2515389119"/>
+        <p14:creationId xmlns:p14="http://schemas.microsoft.com/office/powerpoint/2010/main" xmlns="" val="2515389119"/>
       </p:ext>
     </p:extLst>
   </p:cSld>
@@ -5843,7 +6210,7 @@
           <p:cNvPr id="2" name="Title 1">
             <a:extLst>
               <a:ext uri="{FF2B5EF4-FFF2-40B4-BE49-F238E27FC236}">
-                <a16:creationId xmlns:a16="http://schemas.microsoft.com/office/drawing/2014/main" id="{DFC049F8-2284-4161-BE3C-431BCD0EFAB7}"/>
+                <a16:creationId xmlns:a16="http://schemas.microsoft.com/office/drawing/2014/main" xmlns="" id="{DFC049F8-2284-4161-BE3C-431BCD0EFAB7}"/>
               </a:ext>
             </a:extLst>
           </p:cNvPr>
@@ -5886,7 +6253,7 @@
           <p:cNvPr id="3" name="Content Placeholder 2">
             <a:extLst>
               <a:ext uri="{FF2B5EF4-FFF2-40B4-BE49-F238E27FC236}">
-                <a16:creationId xmlns:a16="http://schemas.microsoft.com/office/drawing/2014/main" id="{F2E045F5-714F-4E07-87A1-F5696A62ED28}"/>
+                <a16:creationId xmlns:a16="http://schemas.microsoft.com/office/drawing/2014/main" xmlns="" id="{F2E045F5-714F-4E07-87A1-F5696A62ED28}"/>
               </a:ext>
             </a:extLst>
           </p:cNvPr>
@@ -5971,7 +6338,7 @@
           <p:cNvPr id="4" name="TextBox 3">
             <a:extLst>
               <a:ext uri="{FF2B5EF4-FFF2-40B4-BE49-F238E27FC236}">
-                <a16:creationId xmlns:a16="http://schemas.microsoft.com/office/drawing/2014/main" id="{F5625C9B-D094-4FBC-8055-B24672E9398B}"/>
+                <a16:creationId xmlns:a16="http://schemas.microsoft.com/office/drawing/2014/main" xmlns="" id="{F5625C9B-D094-4FBC-8055-B24672E9398B}"/>
               </a:ext>
             </a:extLst>
           </p:cNvPr>
@@ -6010,7 +6377,7 @@
           <p:cNvPr id="5" name="Content Placeholder 2">
             <a:extLst>
               <a:ext uri="{FF2B5EF4-FFF2-40B4-BE49-F238E27FC236}">
-                <a16:creationId xmlns:a16="http://schemas.microsoft.com/office/drawing/2014/main" id="{C7089040-DF2C-484B-AFBB-ECF62504C88A}"/>
+                <a16:creationId xmlns:a16="http://schemas.microsoft.com/office/drawing/2014/main" xmlns="" id="{C7089040-DF2C-484B-AFBB-ECF62504C88A}"/>
               </a:ext>
             </a:extLst>
           </p:cNvPr>
@@ -6310,7 +6677,7 @@
           <p:cNvPr id="9" name="Picture 8">
             <a:extLst>
               <a:ext uri="{FF2B5EF4-FFF2-40B4-BE49-F238E27FC236}">
-                <a16:creationId xmlns:a16="http://schemas.microsoft.com/office/drawing/2014/main" id="{40C29DDE-834E-4869-B4AB-47C72B5ED44E}"/>
+                <a16:creationId xmlns:a16="http://schemas.microsoft.com/office/drawing/2014/main" xmlns="" id="{40C29DDE-834E-4869-B4AB-47C72B5ED44E}"/>
               </a:ext>
             </a:extLst>
           </p:cNvPr>
@@ -6323,7 +6690,7 @@
           <a:blip r:embed="rId3">
             <a:extLst>
               <a:ext uri="{28A0092B-C50C-407E-A947-70E740481C1C}">
-                <a14:useLocalDpi xmlns:a14="http://schemas.microsoft.com/office/drawing/2010/main" val="0"/>
+                <a14:useLocalDpi xmlns:a14="http://schemas.microsoft.com/office/drawing/2010/main" xmlns="" val="0"/>
               </a:ext>
             </a:extLst>
           </a:blip>
@@ -6349,7 +6716,7 @@
     </p:spTree>
     <p:extLst>
       <p:ext uri="{BB962C8B-B14F-4D97-AF65-F5344CB8AC3E}">
-        <p14:creationId xmlns:p14="http://schemas.microsoft.com/office/powerpoint/2010/main" val="1039289397"/>
+        <p14:creationId xmlns:p14="http://schemas.microsoft.com/office/powerpoint/2010/main" xmlns="" val="1039289397"/>
       </p:ext>
     </p:extLst>
   </p:cSld>
@@ -6381,7 +6748,7 @@
           <p:cNvPr id="4" name="Picture 3">
             <a:extLst>
               <a:ext uri="{FF2B5EF4-FFF2-40B4-BE49-F238E27FC236}">
-                <a16:creationId xmlns:a16="http://schemas.microsoft.com/office/drawing/2014/main" id="{22743576-691A-4405-BDDF-B116F148661C}"/>
+                <a16:creationId xmlns:a16="http://schemas.microsoft.com/office/drawing/2014/main" xmlns="" id="{22743576-691A-4405-BDDF-B116F148661C}"/>
               </a:ext>
             </a:extLst>
           </p:cNvPr>
@@ -6411,7 +6778,7 @@
           <p:cNvPr id="2" name="Title 1">
             <a:extLst>
               <a:ext uri="{FF2B5EF4-FFF2-40B4-BE49-F238E27FC236}">
-                <a16:creationId xmlns:a16="http://schemas.microsoft.com/office/drawing/2014/main" id="{DFC049F8-2284-4161-BE3C-431BCD0EFAB7}"/>
+                <a16:creationId xmlns:a16="http://schemas.microsoft.com/office/drawing/2014/main" xmlns="" id="{DFC049F8-2284-4161-BE3C-431BCD0EFAB7}"/>
               </a:ext>
             </a:extLst>
           </p:cNvPr>
@@ -6457,7 +6824,7 @@
           <p:cNvPr id="3" name="Content Placeholder 2">
             <a:extLst>
               <a:ext uri="{FF2B5EF4-FFF2-40B4-BE49-F238E27FC236}">
-                <a16:creationId xmlns:a16="http://schemas.microsoft.com/office/drawing/2014/main" id="{F2E045F5-714F-4E07-87A1-F5696A62ED28}"/>
+                <a16:creationId xmlns:a16="http://schemas.microsoft.com/office/drawing/2014/main" xmlns="" id="{F2E045F5-714F-4E07-87A1-F5696A62ED28}"/>
               </a:ext>
             </a:extLst>
           </p:cNvPr>
@@ -6508,7 +6875,7 @@
           <p:cNvPr id="6" name="TextBox 5">
             <a:extLst>
               <a:ext uri="{FF2B5EF4-FFF2-40B4-BE49-F238E27FC236}">
-                <a16:creationId xmlns:a16="http://schemas.microsoft.com/office/drawing/2014/main" id="{3F80BD68-2B59-4BE1-A899-630919EAEA8A}"/>
+                <a16:creationId xmlns:a16="http://schemas.microsoft.com/office/drawing/2014/main" xmlns="" id="{3F80BD68-2B59-4BE1-A899-630919EAEA8A}"/>
               </a:ext>
             </a:extLst>
           </p:cNvPr>
@@ -6547,7 +6914,7 @@
           <p:cNvPr id="7" name="Picture 6">
             <a:extLst>
               <a:ext uri="{FF2B5EF4-FFF2-40B4-BE49-F238E27FC236}">
-                <a16:creationId xmlns:a16="http://schemas.microsoft.com/office/drawing/2014/main" id="{FF382487-E1F7-498D-9230-4BB45A06FCC0}"/>
+                <a16:creationId xmlns:a16="http://schemas.microsoft.com/office/drawing/2014/main" xmlns="" id="{FF382487-E1F7-498D-9230-4BB45A06FCC0}"/>
               </a:ext>
             </a:extLst>
           </p:cNvPr>
@@ -6582,7 +6949,7 @@
           <p:cNvPr id="9" name="Rectangle 8">
             <a:extLst>
               <a:ext uri="{FF2B5EF4-FFF2-40B4-BE49-F238E27FC236}">
-                <a16:creationId xmlns:a16="http://schemas.microsoft.com/office/drawing/2014/main" id="{FB310605-3378-4195-AFE3-29D4E582C8A6}"/>
+                <a16:creationId xmlns:a16="http://schemas.microsoft.com/office/drawing/2014/main" xmlns="" id="{FB310605-3378-4195-AFE3-29D4E582C8A6}"/>
               </a:ext>
             </a:extLst>
           </p:cNvPr>
@@ -6722,7 +7089,7 @@
     </p:spTree>
     <p:extLst>
       <p:ext uri="{BB962C8B-B14F-4D97-AF65-F5344CB8AC3E}">
-        <p14:creationId xmlns:p14="http://schemas.microsoft.com/office/powerpoint/2010/main" val="3604554826"/>
+        <p14:creationId xmlns:p14="http://schemas.microsoft.com/office/powerpoint/2010/main" xmlns="" val="3604554826"/>
       </p:ext>
     </p:extLst>
   </p:cSld>
@@ -6754,7 +7121,7 @@
           <p:cNvPr id="4" name="Picture 3">
             <a:extLst>
               <a:ext uri="{FF2B5EF4-FFF2-40B4-BE49-F238E27FC236}">
-                <a16:creationId xmlns:a16="http://schemas.microsoft.com/office/drawing/2014/main" id="{0673D7FF-79D1-47CC-9F17-8BD3F4A92FD2}"/>
+                <a16:creationId xmlns:a16="http://schemas.microsoft.com/office/drawing/2014/main" xmlns="" id="{0673D7FF-79D1-47CC-9F17-8BD3F4A92FD2}"/>
               </a:ext>
             </a:extLst>
           </p:cNvPr>
@@ -6784,7 +7151,7 @@
           <p:cNvPr id="9" name="Picture 8">
             <a:extLst>
               <a:ext uri="{FF2B5EF4-FFF2-40B4-BE49-F238E27FC236}">
-                <a16:creationId xmlns:a16="http://schemas.microsoft.com/office/drawing/2014/main" id="{90E7F56C-9544-4654-9D9C-A258B0BC56B3}"/>
+                <a16:creationId xmlns:a16="http://schemas.microsoft.com/office/drawing/2014/main" xmlns="" id="{90E7F56C-9544-4654-9D9C-A258B0BC56B3}"/>
               </a:ext>
             </a:extLst>
           </p:cNvPr>
@@ -6814,7 +7181,7 @@
           <p:cNvPr id="10" name="Rectangle 9">
             <a:extLst>
               <a:ext uri="{FF2B5EF4-FFF2-40B4-BE49-F238E27FC236}">
-                <a16:creationId xmlns:a16="http://schemas.microsoft.com/office/drawing/2014/main" id="{7CE6DF49-6ADC-40B9-93F3-F6495F2DC7AB}"/>
+                <a16:creationId xmlns:a16="http://schemas.microsoft.com/office/drawing/2014/main" xmlns="" id="{7CE6DF49-6ADC-40B9-93F3-F6495F2DC7AB}"/>
               </a:ext>
             </a:extLst>
           </p:cNvPr>
@@ -6866,7 +7233,7 @@
           <p:cNvPr id="2" name="Title 1">
             <a:extLst>
               <a:ext uri="{FF2B5EF4-FFF2-40B4-BE49-F238E27FC236}">
-                <a16:creationId xmlns:a16="http://schemas.microsoft.com/office/drawing/2014/main" id="{DFC049F8-2284-4161-BE3C-431BCD0EFAB7}"/>
+                <a16:creationId xmlns:a16="http://schemas.microsoft.com/office/drawing/2014/main" xmlns="" id="{DFC049F8-2284-4161-BE3C-431BCD0EFAB7}"/>
               </a:ext>
             </a:extLst>
           </p:cNvPr>
@@ -6912,7 +7279,7 @@
           <p:cNvPr id="3" name="Content Placeholder 2">
             <a:extLst>
               <a:ext uri="{FF2B5EF4-FFF2-40B4-BE49-F238E27FC236}">
-                <a16:creationId xmlns:a16="http://schemas.microsoft.com/office/drawing/2014/main" id="{F2E045F5-714F-4E07-87A1-F5696A62ED28}"/>
+                <a16:creationId xmlns:a16="http://schemas.microsoft.com/office/drawing/2014/main" xmlns="" id="{F2E045F5-714F-4E07-87A1-F5696A62ED28}"/>
               </a:ext>
             </a:extLst>
           </p:cNvPr>
@@ -6963,7 +7330,7 @@
           <p:cNvPr id="6" name="TextBox 5">
             <a:extLst>
               <a:ext uri="{FF2B5EF4-FFF2-40B4-BE49-F238E27FC236}">
-                <a16:creationId xmlns:a16="http://schemas.microsoft.com/office/drawing/2014/main" id="{26C43D78-3AB4-4735-861F-3658B8B6108C}"/>
+                <a16:creationId xmlns:a16="http://schemas.microsoft.com/office/drawing/2014/main" xmlns="" id="{26C43D78-3AB4-4735-861F-3658B8B6108C}"/>
               </a:ext>
             </a:extLst>
           </p:cNvPr>
@@ -7002,7 +7369,7 @@
           <p:cNvPr id="7" name="Picture 6">
             <a:extLst>
               <a:ext uri="{FF2B5EF4-FFF2-40B4-BE49-F238E27FC236}">
-                <a16:creationId xmlns:a16="http://schemas.microsoft.com/office/drawing/2014/main" id="{1119E4FB-68D3-4DFF-B454-B6AECA5CCC92}"/>
+                <a16:creationId xmlns:a16="http://schemas.microsoft.com/office/drawing/2014/main" xmlns="" id="{1119E4FB-68D3-4DFF-B454-B6AECA5CCC92}"/>
               </a:ext>
             </a:extLst>
           </p:cNvPr>
@@ -7015,7 +7382,7 @@
           <a:blip r:embed="rId3">
             <a:extLst>
               <a:ext uri="{28A0092B-C50C-407E-A947-70E740481C1C}">
-                <a14:useLocalDpi xmlns:a14="http://schemas.microsoft.com/office/drawing/2010/main" val="0"/>
+                <a14:useLocalDpi xmlns:a14="http://schemas.microsoft.com/office/drawing/2010/main" xmlns="" val="0"/>
               </a:ext>
             </a:extLst>
           </a:blip>
@@ -7038,7 +7405,7 @@
           <p:cNvPr id="8" name="Picture 7">
             <a:extLst>
               <a:ext uri="{FF2B5EF4-FFF2-40B4-BE49-F238E27FC236}">
-                <a16:creationId xmlns:a16="http://schemas.microsoft.com/office/drawing/2014/main" id="{851FDD01-2E36-4FB2-AEC3-1AD80666AF50}"/>
+                <a16:creationId xmlns:a16="http://schemas.microsoft.com/office/drawing/2014/main" xmlns="" id="{851FDD01-2E36-4FB2-AEC3-1AD80666AF50}"/>
               </a:ext>
             </a:extLst>
           </p:cNvPr>
@@ -7051,7 +7418,7 @@
           <a:blip r:embed="rId4">
             <a:extLst>
               <a:ext uri="{28A0092B-C50C-407E-A947-70E740481C1C}">
-                <a14:useLocalDpi xmlns:a14="http://schemas.microsoft.com/office/drawing/2010/main" val="0"/>
+                <a14:useLocalDpi xmlns:a14="http://schemas.microsoft.com/office/drawing/2010/main" xmlns="" val="0"/>
               </a:ext>
             </a:extLst>
           </a:blip>
@@ -7074,7 +7441,7 @@
           <p:cNvPr id="11" name="Content Placeholder 2">
             <a:extLst>
               <a:ext uri="{FF2B5EF4-FFF2-40B4-BE49-F238E27FC236}">
-                <a16:creationId xmlns:a16="http://schemas.microsoft.com/office/drawing/2014/main" id="{F206CC4A-F7D8-41B6-ABE3-9533F77A18D3}"/>
+                <a16:creationId xmlns:a16="http://schemas.microsoft.com/office/drawing/2014/main" xmlns="" id="{F206CC4A-F7D8-41B6-ABE3-9533F77A18D3}"/>
               </a:ext>
             </a:extLst>
           </p:cNvPr>
@@ -7359,7 +7726,7 @@
           <p:cNvPr id="12" name="Content Placeholder 2">
             <a:extLst>
               <a:ext uri="{FF2B5EF4-FFF2-40B4-BE49-F238E27FC236}">
-                <a16:creationId xmlns:a16="http://schemas.microsoft.com/office/drawing/2014/main" id="{0005FAC1-D63E-4606-9908-2EC64C974176}"/>
+                <a16:creationId xmlns:a16="http://schemas.microsoft.com/office/drawing/2014/main" xmlns="" id="{0005FAC1-D63E-4606-9908-2EC64C974176}"/>
               </a:ext>
             </a:extLst>
           </p:cNvPr>
@@ -7593,7 +7960,7 @@
           <p:cNvPr id="13" name="Content Placeholder 2">
             <a:extLst>
               <a:ext uri="{FF2B5EF4-FFF2-40B4-BE49-F238E27FC236}">
-                <a16:creationId xmlns:a16="http://schemas.microsoft.com/office/drawing/2014/main" id="{A6B71EFB-4EB9-48D0-A7CA-693B1830CB7E}"/>
+                <a16:creationId xmlns:a16="http://schemas.microsoft.com/office/drawing/2014/main" xmlns="" id="{A6B71EFB-4EB9-48D0-A7CA-693B1830CB7E}"/>
               </a:ext>
             </a:extLst>
           </p:cNvPr>
@@ -7837,7 +8204,7 @@
     </p:spTree>
     <p:extLst>
       <p:ext uri="{BB962C8B-B14F-4D97-AF65-F5344CB8AC3E}">
-        <p14:creationId xmlns:p14="http://schemas.microsoft.com/office/powerpoint/2010/main" val="2083772189"/>
+        <p14:creationId xmlns:p14="http://schemas.microsoft.com/office/powerpoint/2010/main" xmlns="" val="2083772189"/>
       </p:ext>
     </p:extLst>
   </p:cSld>
@@ -7869,7 +8236,7 @@
           <p:cNvPr id="4" name="Picture 3">
             <a:extLst>
               <a:ext uri="{FF2B5EF4-FFF2-40B4-BE49-F238E27FC236}">
-                <a16:creationId xmlns:a16="http://schemas.microsoft.com/office/drawing/2014/main" id="{0673D7FF-79D1-47CC-9F17-8BD3F4A92FD2}"/>
+                <a16:creationId xmlns:a16="http://schemas.microsoft.com/office/drawing/2014/main" xmlns="" id="{0673D7FF-79D1-47CC-9F17-8BD3F4A92FD2}"/>
               </a:ext>
             </a:extLst>
           </p:cNvPr>
@@ -7899,7 +8266,7 @@
           <p:cNvPr id="9" name="Picture 8">
             <a:extLst>
               <a:ext uri="{FF2B5EF4-FFF2-40B4-BE49-F238E27FC236}">
-                <a16:creationId xmlns:a16="http://schemas.microsoft.com/office/drawing/2014/main" id="{90E7F56C-9544-4654-9D9C-A258B0BC56B3}"/>
+                <a16:creationId xmlns:a16="http://schemas.microsoft.com/office/drawing/2014/main" xmlns="" id="{90E7F56C-9544-4654-9D9C-A258B0BC56B3}"/>
               </a:ext>
             </a:extLst>
           </p:cNvPr>
@@ -7929,7 +8296,7 @@
           <p:cNvPr id="10" name="Rectangle 9">
             <a:extLst>
               <a:ext uri="{FF2B5EF4-FFF2-40B4-BE49-F238E27FC236}">
-                <a16:creationId xmlns:a16="http://schemas.microsoft.com/office/drawing/2014/main" id="{7CE6DF49-6ADC-40B9-93F3-F6495F2DC7AB}"/>
+                <a16:creationId xmlns:a16="http://schemas.microsoft.com/office/drawing/2014/main" xmlns="" id="{7CE6DF49-6ADC-40B9-93F3-F6495F2DC7AB}"/>
               </a:ext>
             </a:extLst>
           </p:cNvPr>
@@ -7981,7 +8348,7 @@
           <p:cNvPr id="2" name="Title 1">
             <a:extLst>
               <a:ext uri="{FF2B5EF4-FFF2-40B4-BE49-F238E27FC236}">
-                <a16:creationId xmlns:a16="http://schemas.microsoft.com/office/drawing/2014/main" id="{DFC049F8-2284-4161-BE3C-431BCD0EFAB7}"/>
+                <a16:creationId xmlns:a16="http://schemas.microsoft.com/office/drawing/2014/main" xmlns="" id="{DFC049F8-2284-4161-BE3C-431BCD0EFAB7}"/>
               </a:ext>
             </a:extLst>
           </p:cNvPr>
@@ -8030,7 +8397,7 @@
           <p:cNvPr id="3" name="Content Placeholder 2">
             <a:extLst>
               <a:ext uri="{FF2B5EF4-FFF2-40B4-BE49-F238E27FC236}">
-                <a16:creationId xmlns:a16="http://schemas.microsoft.com/office/drawing/2014/main" id="{F2E045F5-714F-4E07-87A1-F5696A62ED28}"/>
+                <a16:creationId xmlns:a16="http://schemas.microsoft.com/office/drawing/2014/main" xmlns="" id="{F2E045F5-714F-4E07-87A1-F5696A62ED28}"/>
               </a:ext>
             </a:extLst>
           </p:cNvPr>
@@ -8167,7 +8534,7 @@
           <p:cNvPr id="6" name="TextBox 5">
             <a:extLst>
               <a:ext uri="{FF2B5EF4-FFF2-40B4-BE49-F238E27FC236}">
-                <a16:creationId xmlns:a16="http://schemas.microsoft.com/office/drawing/2014/main" id="{26C43D78-3AB4-4735-861F-3658B8B6108C}"/>
+                <a16:creationId xmlns:a16="http://schemas.microsoft.com/office/drawing/2014/main" xmlns="" id="{26C43D78-3AB4-4735-861F-3658B8B6108C}"/>
               </a:ext>
             </a:extLst>
           </p:cNvPr>
@@ -8206,7 +8573,7 @@
           <p:cNvPr id="11" name="Content Placeholder 2">
             <a:extLst>
               <a:ext uri="{FF2B5EF4-FFF2-40B4-BE49-F238E27FC236}">
-                <a16:creationId xmlns:a16="http://schemas.microsoft.com/office/drawing/2014/main" id="{F206CC4A-F7D8-41B6-ABE3-9533F77A18D3}"/>
+                <a16:creationId xmlns:a16="http://schemas.microsoft.com/office/drawing/2014/main" xmlns="" id="{F206CC4A-F7D8-41B6-ABE3-9533F77A18D3}"/>
               </a:ext>
             </a:extLst>
           </p:cNvPr>
@@ -8419,7 +8786,7 @@
     </p:spTree>
     <p:extLst>
       <p:ext uri="{BB962C8B-B14F-4D97-AF65-F5344CB8AC3E}">
-        <p14:creationId xmlns:p14="http://schemas.microsoft.com/office/powerpoint/2010/main" val="2083772189"/>
+        <p14:creationId xmlns:p14="http://schemas.microsoft.com/office/powerpoint/2010/main" xmlns="" val="2083772189"/>
       </p:ext>
     </p:extLst>
   </p:cSld>
@@ -8451,7 +8818,7 @@
           <p:cNvPr id="7" name="Picture 6">
             <a:extLst>
               <a:ext uri="{FF2B5EF4-FFF2-40B4-BE49-F238E27FC236}">
-                <a16:creationId xmlns:a16="http://schemas.microsoft.com/office/drawing/2014/main" id="{2FF80050-A6DA-4A1C-B6D8-AA5AA7F78A23}"/>
+                <a16:creationId xmlns:a16="http://schemas.microsoft.com/office/drawing/2014/main" xmlns="" id="{2FF80050-A6DA-4A1C-B6D8-AA5AA7F78A23}"/>
               </a:ext>
             </a:extLst>
           </p:cNvPr>
@@ -8481,7 +8848,7 @@
           <p:cNvPr id="8" name="Rectangle 7">
             <a:extLst>
               <a:ext uri="{FF2B5EF4-FFF2-40B4-BE49-F238E27FC236}">
-                <a16:creationId xmlns:a16="http://schemas.microsoft.com/office/drawing/2014/main" id="{5E3721CF-6C16-4B38-8E56-417FAD19673B}"/>
+                <a16:creationId xmlns:a16="http://schemas.microsoft.com/office/drawing/2014/main" xmlns="" id="{5E3721CF-6C16-4B38-8E56-417FAD19673B}"/>
               </a:ext>
             </a:extLst>
           </p:cNvPr>
@@ -8533,7 +8900,7 @@
           <p:cNvPr id="5" name="Picture 4">
             <a:extLst>
               <a:ext uri="{FF2B5EF4-FFF2-40B4-BE49-F238E27FC236}">
-                <a16:creationId xmlns:a16="http://schemas.microsoft.com/office/drawing/2014/main" id="{BE6895F0-339F-4782-9F13-51BA81259136}"/>
+                <a16:creationId xmlns:a16="http://schemas.microsoft.com/office/drawing/2014/main" xmlns="" id="{BE6895F0-339F-4782-9F13-51BA81259136}"/>
               </a:ext>
             </a:extLst>
           </p:cNvPr>
@@ -8563,7 +8930,7 @@
           <p:cNvPr id="2" name="Title 1">
             <a:extLst>
               <a:ext uri="{FF2B5EF4-FFF2-40B4-BE49-F238E27FC236}">
-                <a16:creationId xmlns:a16="http://schemas.microsoft.com/office/drawing/2014/main" id="{DFC049F8-2284-4161-BE3C-431BCD0EFAB7}"/>
+                <a16:creationId xmlns:a16="http://schemas.microsoft.com/office/drawing/2014/main" xmlns="" id="{DFC049F8-2284-4161-BE3C-431BCD0EFAB7}"/>
               </a:ext>
             </a:extLst>
           </p:cNvPr>
@@ -8609,7 +8976,7 @@
           <p:cNvPr id="3" name="Content Placeholder 2">
             <a:extLst>
               <a:ext uri="{FF2B5EF4-FFF2-40B4-BE49-F238E27FC236}">
-                <a16:creationId xmlns:a16="http://schemas.microsoft.com/office/drawing/2014/main" id="{F2E045F5-714F-4E07-87A1-F5696A62ED28}"/>
+                <a16:creationId xmlns:a16="http://schemas.microsoft.com/office/drawing/2014/main" xmlns="" id="{F2E045F5-714F-4E07-87A1-F5696A62ED28}"/>
               </a:ext>
             </a:extLst>
           </p:cNvPr>
@@ -8660,7 +9027,7 @@
           <p:cNvPr id="6" name="TextBox 5">
             <a:extLst>
               <a:ext uri="{FF2B5EF4-FFF2-40B4-BE49-F238E27FC236}">
-                <a16:creationId xmlns:a16="http://schemas.microsoft.com/office/drawing/2014/main" id="{09C628DE-7462-4395-B6E5-04533CBAF445}"/>
+                <a16:creationId xmlns:a16="http://schemas.microsoft.com/office/drawing/2014/main" xmlns="" id="{09C628DE-7462-4395-B6E5-04533CBAF445}"/>
               </a:ext>
             </a:extLst>
           </p:cNvPr>
@@ -8699,7 +9066,7 @@
           <p:cNvPr id="10" name="Oval 9">
             <a:extLst>
               <a:ext uri="{FF2B5EF4-FFF2-40B4-BE49-F238E27FC236}">
-                <a16:creationId xmlns:a16="http://schemas.microsoft.com/office/drawing/2014/main" id="{C29C5979-7CCB-416B-B3A4-A452F3F30A10}"/>
+                <a16:creationId xmlns:a16="http://schemas.microsoft.com/office/drawing/2014/main" xmlns="" id="{C29C5979-7CCB-416B-B3A4-A452F3F30A10}"/>
               </a:ext>
             </a:extLst>
           </p:cNvPr>
@@ -8756,7 +9123,7 @@
           <p:cNvPr id="11" name="Rectangle: Rounded Corners 10">
             <a:extLst>
               <a:ext uri="{FF2B5EF4-FFF2-40B4-BE49-F238E27FC236}">
-                <a16:creationId xmlns:a16="http://schemas.microsoft.com/office/drawing/2014/main" id="{F6A5F7EB-82A6-484E-9C43-CFB554F813E9}"/>
+                <a16:creationId xmlns:a16="http://schemas.microsoft.com/office/drawing/2014/main" xmlns="" id="{F6A5F7EB-82A6-484E-9C43-CFB554F813E9}"/>
               </a:ext>
             </a:extLst>
           </p:cNvPr>
@@ -8813,7 +9180,7 @@
           <p:cNvPr id="13" name="Rectangle: Rounded Corners 12">
             <a:extLst>
               <a:ext uri="{FF2B5EF4-FFF2-40B4-BE49-F238E27FC236}">
-                <a16:creationId xmlns:a16="http://schemas.microsoft.com/office/drawing/2014/main" id="{3719CF2D-2824-4299-B2CC-CE697E27AA7E}"/>
+                <a16:creationId xmlns:a16="http://schemas.microsoft.com/office/drawing/2014/main" xmlns="" id="{3719CF2D-2824-4299-B2CC-CE697E27AA7E}"/>
               </a:ext>
             </a:extLst>
           </p:cNvPr>
@@ -8870,7 +9237,7 @@
           <p:cNvPr id="15" name="Straight Connector 14">
             <a:extLst>
               <a:ext uri="{FF2B5EF4-FFF2-40B4-BE49-F238E27FC236}">
-                <a16:creationId xmlns:a16="http://schemas.microsoft.com/office/drawing/2014/main" id="{30710670-372E-4F34-950F-06F225466007}"/>
+                <a16:creationId xmlns:a16="http://schemas.microsoft.com/office/drawing/2014/main" xmlns="" id="{30710670-372E-4F34-950F-06F225466007}"/>
               </a:ext>
             </a:extLst>
           </p:cNvPr>
@@ -8915,7 +9282,7 @@
           <p:cNvPr id="16" name="Straight Connector 15">
             <a:extLst>
               <a:ext uri="{FF2B5EF4-FFF2-40B4-BE49-F238E27FC236}">
-                <a16:creationId xmlns:a16="http://schemas.microsoft.com/office/drawing/2014/main" id="{288054B3-BE24-4398-9D5F-A28183FA7014}"/>
+                <a16:creationId xmlns:a16="http://schemas.microsoft.com/office/drawing/2014/main" xmlns="" id="{288054B3-BE24-4398-9D5F-A28183FA7014}"/>
               </a:ext>
             </a:extLst>
           </p:cNvPr>
@@ -8962,7 +9329,7 @@
           <p:cNvPr id="17" name="TextBox 16">
             <a:extLst>
               <a:ext uri="{FF2B5EF4-FFF2-40B4-BE49-F238E27FC236}">
-                <a16:creationId xmlns:a16="http://schemas.microsoft.com/office/drawing/2014/main" id="{971E6CAA-6D6E-412E-9FD7-5D77D4FC053C}"/>
+                <a16:creationId xmlns:a16="http://schemas.microsoft.com/office/drawing/2014/main" xmlns="" id="{971E6CAA-6D6E-412E-9FD7-5D77D4FC053C}"/>
               </a:ext>
             </a:extLst>
           </p:cNvPr>
@@ -8999,7 +9366,7 @@
           <p:cNvPr id="19" name="Straight Connector 18">
             <a:extLst>
               <a:ext uri="{FF2B5EF4-FFF2-40B4-BE49-F238E27FC236}">
-                <a16:creationId xmlns:a16="http://schemas.microsoft.com/office/drawing/2014/main" id="{FFECA4B2-B854-4585-9ECA-1FD3048F8E67}"/>
+                <a16:creationId xmlns:a16="http://schemas.microsoft.com/office/drawing/2014/main" xmlns="" id="{FFECA4B2-B854-4585-9ECA-1FD3048F8E67}"/>
               </a:ext>
             </a:extLst>
           </p:cNvPr>
@@ -9046,7 +9413,7 @@
           <p:cNvPr id="23" name="Straight Arrow Connector 22">
             <a:extLst>
               <a:ext uri="{FF2B5EF4-FFF2-40B4-BE49-F238E27FC236}">
-                <a16:creationId xmlns:a16="http://schemas.microsoft.com/office/drawing/2014/main" id="{7FAC0E52-268B-4550-B064-28EAE19CA4A2}"/>
+                <a16:creationId xmlns:a16="http://schemas.microsoft.com/office/drawing/2014/main" xmlns="" id="{7FAC0E52-268B-4550-B064-28EAE19CA4A2}"/>
               </a:ext>
             </a:extLst>
           </p:cNvPr>
@@ -9093,7 +9460,7 @@
           <p:cNvPr id="24" name="TextBox 23">
             <a:extLst>
               <a:ext uri="{FF2B5EF4-FFF2-40B4-BE49-F238E27FC236}">
-                <a16:creationId xmlns:a16="http://schemas.microsoft.com/office/drawing/2014/main" id="{1FB9C7CE-2331-47EB-A1D2-D8DB9B0C2513}"/>
+                <a16:creationId xmlns:a16="http://schemas.microsoft.com/office/drawing/2014/main" xmlns="" id="{1FB9C7CE-2331-47EB-A1D2-D8DB9B0C2513}"/>
               </a:ext>
             </a:extLst>
           </p:cNvPr>
@@ -9130,7 +9497,7 @@
           <p:cNvPr id="25" name="TextBox 24">
             <a:extLst>
               <a:ext uri="{FF2B5EF4-FFF2-40B4-BE49-F238E27FC236}">
-                <a16:creationId xmlns:a16="http://schemas.microsoft.com/office/drawing/2014/main" id="{DBBC0D55-02A6-4EDB-AF84-B16D0A2B2E7B}"/>
+                <a16:creationId xmlns:a16="http://schemas.microsoft.com/office/drawing/2014/main" xmlns="" id="{DBBC0D55-02A6-4EDB-AF84-B16D0A2B2E7B}"/>
               </a:ext>
             </a:extLst>
           </p:cNvPr>
@@ -9167,7 +9534,7 @@
           <p:cNvPr id="26" name="TextBox 25">
             <a:extLst>
               <a:ext uri="{FF2B5EF4-FFF2-40B4-BE49-F238E27FC236}">
-                <a16:creationId xmlns:a16="http://schemas.microsoft.com/office/drawing/2014/main" id="{C1CD6ED1-DC11-4F49-B765-F575D41091A5}"/>
+                <a16:creationId xmlns:a16="http://schemas.microsoft.com/office/drawing/2014/main" xmlns="" id="{C1CD6ED1-DC11-4F49-B765-F575D41091A5}"/>
               </a:ext>
             </a:extLst>
           </p:cNvPr>
@@ -9204,7 +9571,7 @@
           <p:cNvPr id="27" name="Straight Arrow Connector 26">
             <a:extLst>
               <a:ext uri="{FF2B5EF4-FFF2-40B4-BE49-F238E27FC236}">
-                <a16:creationId xmlns:a16="http://schemas.microsoft.com/office/drawing/2014/main" id="{5E8555D3-376F-417B-8432-5BEEAFCBB21F}"/>
+                <a16:creationId xmlns:a16="http://schemas.microsoft.com/office/drawing/2014/main" xmlns="" id="{5E8555D3-376F-417B-8432-5BEEAFCBB21F}"/>
               </a:ext>
             </a:extLst>
           </p:cNvPr>
@@ -9253,7 +9620,7 @@
           <p:cNvPr id="30" name="Straight Arrow Connector 29">
             <a:extLst>
               <a:ext uri="{FF2B5EF4-FFF2-40B4-BE49-F238E27FC236}">
-                <a16:creationId xmlns:a16="http://schemas.microsoft.com/office/drawing/2014/main" id="{183EB38B-BC90-4354-BB70-B17AD571698C}"/>
+                <a16:creationId xmlns:a16="http://schemas.microsoft.com/office/drawing/2014/main" xmlns="" id="{183EB38B-BC90-4354-BB70-B17AD571698C}"/>
               </a:ext>
             </a:extLst>
           </p:cNvPr>
@@ -9302,7 +9669,7 @@
           <p:cNvPr id="33" name="Rectangle: Rounded Corners 32">
             <a:extLst>
               <a:ext uri="{FF2B5EF4-FFF2-40B4-BE49-F238E27FC236}">
-                <a16:creationId xmlns:a16="http://schemas.microsoft.com/office/drawing/2014/main" id="{5D612AEE-5C5A-45AE-9431-93F8F6FB3305}"/>
+                <a16:creationId xmlns:a16="http://schemas.microsoft.com/office/drawing/2014/main" xmlns="" id="{5D612AEE-5C5A-45AE-9431-93F8F6FB3305}"/>
               </a:ext>
             </a:extLst>
           </p:cNvPr>
@@ -9359,7 +9726,7 @@
           <p:cNvPr id="34" name="Rectangle: Rounded Corners 33">
             <a:extLst>
               <a:ext uri="{FF2B5EF4-FFF2-40B4-BE49-F238E27FC236}">
-                <a16:creationId xmlns:a16="http://schemas.microsoft.com/office/drawing/2014/main" id="{5351534C-969F-4206-A607-10E3CBD3EB6E}"/>
+                <a16:creationId xmlns:a16="http://schemas.microsoft.com/office/drawing/2014/main" xmlns="" id="{5351534C-969F-4206-A607-10E3CBD3EB6E}"/>
               </a:ext>
             </a:extLst>
           </p:cNvPr>
@@ -9416,7 +9783,7 @@
           <p:cNvPr id="35" name="Rectangle: Rounded Corners 34">
             <a:extLst>
               <a:ext uri="{FF2B5EF4-FFF2-40B4-BE49-F238E27FC236}">
-                <a16:creationId xmlns:a16="http://schemas.microsoft.com/office/drawing/2014/main" id="{CC0DB683-0D5F-4A20-8627-22A83FCA57C0}"/>
+                <a16:creationId xmlns:a16="http://schemas.microsoft.com/office/drawing/2014/main" xmlns="" id="{CC0DB683-0D5F-4A20-8627-22A83FCA57C0}"/>
               </a:ext>
             </a:extLst>
           </p:cNvPr>
@@ -9473,7 +9840,7 @@
           <p:cNvPr id="36" name="Rectangle: Rounded Corners 35">
             <a:extLst>
               <a:ext uri="{FF2B5EF4-FFF2-40B4-BE49-F238E27FC236}">
-                <a16:creationId xmlns:a16="http://schemas.microsoft.com/office/drawing/2014/main" id="{58471160-97AC-4E81-A948-3E6D85AFAB8E}"/>
+                <a16:creationId xmlns:a16="http://schemas.microsoft.com/office/drawing/2014/main" xmlns="" id="{58471160-97AC-4E81-A948-3E6D85AFAB8E}"/>
               </a:ext>
             </a:extLst>
           </p:cNvPr>
@@ -9530,7 +9897,7 @@
           <p:cNvPr id="37" name="Rectangle: Rounded Corners 36">
             <a:extLst>
               <a:ext uri="{FF2B5EF4-FFF2-40B4-BE49-F238E27FC236}">
-                <a16:creationId xmlns:a16="http://schemas.microsoft.com/office/drawing/2014/main" id="{92E98563-DB25-47E0-BFE7-B8A52201AFBF}"/>
+                <a16:creationId xmlns:a16="http://schemas.microsoft.com/office/drawing/2014/main" xmlns="" id="{92E98563-DB25-47E0-BFE7-B8A52201AFBF}"/>
               </a:ext>
             </a:extLst>
           </p:cNvPr>
@@ -9587,7 +9954,7 @@
           <p:cNvPr id="38" name="Rectangle: Rounded Corners 37">
             <a:extLst>
               <a:ext uri="{FF2B5EF4-FFF2-40B4-BE49-F238E27FC236}">
-                <a16:creationId xmlns:a16="http://schemas.microsoft.com/office/drawing/2014/main" id="{F9DE6B22-A874-4C5B-A2F4-37E624346379}"/>
+                <a16:creationId xmlns:a16="http://schemas.microsoft.com/office/drawing/2014/main" xmlns="" id="{F9DE6B22-A874-4C5B-A2F4-37E624346379}"/>
               </a:ext>
             </a:extLst>
           </p:cNvPr>
@@ -9644,7 +10011,7 @@
           <p:cNvPr id="39" name="Rectangle: Rounded Corners 38">
             <a:extLst>
               <a:ext uri="{FF2B5EF4-FFF2-40B4-BE49-F238E27FC236}">
-                <a16:creationId xmlns:a16="http://schemas.microsoft.com/office/drawing/2014/main" id="{EB977FAA-DCA6-4B55-ACC4-847FBF97687B}"/>
+                <a16:creationId xmlns:a16="http://schemas.microsoft.com/office/drawing/2014/main" xmlns="" id="{EB977FAA-DCA6-4B55-ACC4-847FBF97687B}"/>
               </a:ext>
             </a:extLst>
           </p:cNvPr>
@@ -9701,7 +10068,7 @@
           <p:cNvPr id="40" name="Rectangle: Rounded Corners 39">
             <a:extLst>
               <a:ext uri="{FF2B5EF4-FFF2-40B4-BE49-F238E27FC236}">
-                <a16:creationId xmlns:a16="http://schemas.microsoft.com/office/drawing/2014/main" id="{57387805-6EE0-4686-A3AD-F33DE6D3DA9D}"/>
+                <a16:creationId xmlns:a16="http://schemas.microsoft.com/office/drawing/2014/main" xmlns="" id="{57387805-6EE0-4686-A3AD-F33DE6D3DA9D}"/>
               </a:ext>
             </a:extLst>
           </p:cNvPr>
@@ -9758,7 +10125,7 @@
           <p:cNvPr id="41" name="Rectangle: Rounded Corners 40">
             <a:extLst>
               <a:ext uri="{FF2B5EF4-FFF2-40B4-BE49-F238E27FC236}">
-                <a16:creationId xmlns:a16="http://schemas.microsoft.com/office/drawing/2014/main" id="{0AF77ADA-8652-49EA-87E9-2EBD25A9D60F}"/>
+                <a16:creationId xmlns:a16="http://schemas.microsoft.com/office/drawing/2014/main" xmlns="" id="{0AF77ADA-8652-49EA-87E9-2EBD25A9D60F}"/>
               </a:ext>
             </a:extLst>
           </p:cNvPr>
@@ -9815,7 +10182,7 @@
           <p:cNvPr id="42" name="Straight Arrow Connector 41">
             <a:extLst>
               <a:ext uri="{FF2B5EF4-FFF2-40B4-BE49-F238E27FC236}">
-                <a16:creationId xmlns:a16="http://schemas.microsoft.com/office/drawing/2014/main" id="{37A39690-B33F-4ED6-BE2F-C59BC2ABAA73}"/>
+                <a16:creationId xmlns:a16="http://schemas.microsoft.com/office/drawing/2014/main" xmlns="" id="{37A39690-B33F-4ED6-BE2F-C59BC2ABAA73}"/>
               </a:ext>
             </a:extLst>
           </p:cNvPr>
@@ -9863,7 +10230,7 @@
           <p:cNvPr id="49" name="Connector: Elbow 48">
             <a:extLst>
               <a:ext uri="{FF2B5EF4-FFF2-40B4-BE49-F238E27FC236}">
-                <a16:creationId xmlns:a16="http://schemas.microsoft.com/office/drawing/2014/main" id="{6F018749-49F9-4969-A271-C3C29767FD5C}"/>
+                <a16:creationId xmlns:a16="http://schemas.microsoft.com/office/drawing/2014/main" xmlns="" id="{6F018749-49F9-4969-A271-C3C29767FD5C}"/>
               </a:ext>
             </a:extLst>
           </p:cNvPr>
@@ -9911,7 +10278,7 @@
           <p:cNvPr id="51" name="Straight Arrow Connector 50">
             <a:extLst>
               <a:ext uri="{FF2B5EF4-FFF2-40B4-BE49-F238E27FC236}">
-                <a16:creationId xmlns:a16="http://schemas.microsoft.com/office/drawing/2014/main" id="{529BEA91-D614-4620-8E3D-97946455F9B8}"/>
+                <a16:creationId xmlns:a16="http://schemas.microsoft.com/office/drawing/2014/main" xmlns="" id="{529BEA91-D614-4620-8E3D-97946455F9B8}"/>
               </a:ext>
             </a:extLst>
           </p:cNvPr>
@@ -9959,7 +10326,7 @@
           <p:cNvPr id="52" name="Straight Arrow Connector 51">
             <a:extLst>
               <a:ext uri="{FF2B5EF4-FFF2-40B4-BE49-F238E27FC236}">
-                <a16:creationId xmlns:a16="http://schemas.microsoft.com/office/drawing/2014/main" id="{5B84C7E6-A42F-4657-A73B-3CBEE18B7E6F}"/>
+                <a16:creationId xmlns:a16="http://schemas.microsoft.com/office/drawing/2014/main" xmlns="" id="{5B84C7E6-A42F-4657-A73B-3CBEE18B7E6F}"/>
               </a:ext>
             </a:extLst>
           </p:cNvPr>
@@ -10006,7 +10373,7 @@
           <p:cNvPr id="55" name="Connector: Elbow 54">
             <a:extLst>
               <a:ext uri="{FF2B5EF4-FFF2-40B4-BE49-F238E27FC236}">
-                <a16:creationId xmlns:a16="http://schemas.microsoft.com/office/drawing/2014/main" id="{0EC221BA-BD1E-4AE7-B1B2-90EE3720F5FB}"/>
+                <a16:creationId xmlns:a16="http://schemas.microsoft.com/office/drawing/2014/main" xmlns="" id="{0EC221BA-BD1E-4AE7-B1B2-90EE3720F5FB}"/>
               </a:ext>
             </a:extLst>
           </p:cNvPr>
@@ -10053,7 +10420,7 @@
           <p:cNvPr id="56" name="Connector: Elbow 55">
             <a:extLst>
               <a:ext uri="{FF2B5EF4-FFF2-40B4-BE49-F238E27FC236}">
-                <a16:creationId xmlns:a16="http://schemas.microsoft.com/office/drawing/2014/main" id="{7ED8B67D-2C95-4C7F-B66D-35ED490532B0}"/>
+                <a16:creationId xmlns:a16="http://schemas.microsoft.com/office/drawing/2014/main" xmlns="" id="{7ED8B67D-2C95-4C7F-B66D-35ED490532B0}"/>
               </a:ext>
             </a:extLst>
           </p:cNvPr>
@@ -10101,7 +10468,7 @@
           <p:cNvPr id="60" name="Straight Connector 59">
             <a:extLst>
               <a:ext uri="{FF2B5EF4-FFF2-40B4-BE49-F238E27FC236}">
-                <a16:creationId xmlns:a16="http://schemas.microsoft.com/office/drawing/2014/main" id="{2DE7001C-61A4-4D8C-9487-D0519BB5C287}"/>
+                <a16:creationId xmlns:a16="http://schemas.microsoft.com/office/drawing/2014/main" xmlns="" id="{2DE7001C-61A4-4D8C-9487-D0519BB5C287}"/>
               </a:ext>
             </a:extLst>
           </p:cNvPr>
@@ -10140,7 +10507,7 @@
           <p:cNvPr id="67" name="Connector: Elbow 66">
             <a:extLst>
               <a:ext uri="{FF2B5EF4-FFF2-40B4-BE49-F238E27FC236}">
-                <a16:creationId xmlns:a16="http://schemas.microsoft.com/office/drawing/2014/main" id="{9BE8C34A-75B0-466E-B230-A6AA0EF6FF90}"/>
+                <a16:creationId xmlns:a16="http://schemas.microsoft.com/office/drawing/2014/main" xmlns="" id="{9BE8C34A-75B0-466E-B230-A6AA0EF6FF90}"/>
               </a:ext>
             </a:extLst>
           </p:cNvPr>
@@ -10190,7 +10557,7 @@
           <p:cNvPr id="66" name="Connector: Elbow 65">
             <a:extLst>
               <a:ext uri="{FF2B5EF4-FFF2-40B4-BE49-F238E27FC236}">
-                <a16:creationId xmlns:a16="http://schemas.microsoft.com/office/drawing/2014/main" id="{2B6EBE20-55B6-4C79-AC8D-3D2DEACD0F27}"/>
+                <a16:creationId xmlns:a16="http://schemas.microsoft.com/office/drawing/2014/main" xmlns="" id="{2B6EBE20-55B6-4C79-AC8D-3D2DEACD0F27}"/>
               </a:ext>
             </a:extLst>
           </p:cNvPr>
@@ -10237,7 +10604,7 @@
           <p:cNvPr id="12" name="Rectangle: Rounded Corners 11">
             <a:extLst>
               <a:ext uri="{FF2B5EF4-FFF2-40B4-BE49-F238E27FC236}">
-                <a16:creationId xmlns:a16="http://schemas.microsoft.com/office/drawing/2014/main" id="{0EF29BEE-62BD-4987-BA52-D89AE53A8B33}"/>
+                <a16:creationId xmlns:a16="http://schemas.microsoft.com/office/drawing/2014/main" xmlns="" id="{0EF29BEE-62BD-4987-BA52-D89AE53A8B33}"/>
               </a:ext>
             </a:extLst>
           </p:cNvPr>
@@ -10292,7 +10659,7 @@
           <p:cNvPr id="73" name="Straight Arrow Connector 72">
             <a:extLst>
               <a:ext uri="{FF2B5EF4-FFF2-40B4-BE49-F238E27FC236}">
-                <a16:creationId xmlns:a16="http://schemas.microsoft.com/office/drawing/2014/main" id="{69C2A71F-34B3-45C5-B5C2-CAD80873AAD3}"/>
+                <a16:creationId xmlns:a16="http://schemas.microsoft.com/office/drawing/2014/main" xmlns="" id="{69C2A71F-34B3-45C5-B5C2-CAD80873AAD3}"/>
               </a:ext>
             </a:extLst>
           </p:cNvPr>
@@ -10341,7 +10708,7 @@
           <p:cNvPr id="77" name="Straight Arrow Connector 76">
             <a:extLst>
               <a:ext uri="{FF2B5EF4-FFF2-40B4-BE49-F238E27FC236}">
-                <a16:creationId xmlns:a16="http://schemas.microsoft.com/office/drawing/2014/main" id="{57464C7E-A3BB-4249-922D-CFCFCCBF91D6}"/>
+                <a16:creationId xmlns:a16="http://schemas.microsoft.com/office/drawing/2014/main" xmlns="" id="{57464C7E-A3BB-4249-922D-CFCFCCBF91D6}"/>
               </a:ext>
             </a:extLst>
           </p:cNvPr>
@@ -10388,7 +10755,7 @@
           <p:cNvPr id="78" name="Straight Arrow Connector 77">
             <a:extLst>
               <a:ext uri="{FF2B5EF4-FFF2-40B4-BE49-F238E27FC236}">
-                <a16:creationId xmlns:a16="http://schemas.microsoft.com/office/drawing/2014/main" id="{D03E9D33-30E8-457E-9B54-73E66853B100}"/>
+                <a16:creationId xmlns:a16="http://schemas.microsoft.com/office/drawing/2014/main" xmlns="" id="{D03E9D33-30E8-457E-9B54-73E66853B100}"/>
               </a:ext>
             </a:extLst>
           </p:cNvPr>
@@ -10435,7 +10802,7 @@
           <p:cNvPr id="79" name="Straight Arrow Connector 78">
             <a:extLst>
               <a:ext uri="{FF2B5EF4-FFF2-40B4-BE49-F238E27FC236}">
-                <a16:creationId xmlns:a16="http://schemas.microsoft.com/office/drawing/2014/main" id="{0A90E022-FEFC-46DE-89ED-17C345356F2C}"/>
+                <a16:creationId xmlns:a16="http://schemas.microsoft.com/office/drawing/2014/main" xmlns="" id="{0A90E022-FEFC-46DE-89ED-17C345356F2C}"/>
               </a:ext>
             </a:extLst>
           </p:cNvPr>
@@ -10482,7 +10849,7 @@
           <p:cNvPr id="80" name="Straight Arrow Connector 79">
             <a:extLst>
               <a:ext uri="{FF2B5EF4-FFF2-40B4-BE49-F238E27FC236}">
-                <a16:creationId xmlns:a16="http://schemas.microsoft.com/office/drawing/2014/main" id="{3A681EC4-C304-44D6-8FE8-F7EBE52D4E19}"/>
+                <a16:creationId xmlns:a16="http://schemas.microsoft.com/office/drawing/2014/main" xmlns="" id="{3A681EC4-C304-44D6-8FE8-F7EBE52D4E19}"/>
               </a:ext>
             </a:extLst>
           </p:cNvPr>
@@ -10529,7 +10896,7 @@
           <p:cNvPr id="81" name="Straight Arrow Connector 80">
             <a:extLst>
               <a:ext uri="{FF2B5EF4-FFF2-40B4-BE49-F238E27FC236}">
-                <a16:creationId xmlns:a16="http://schemas.microsoft.com/office/drawing/2014/main" id="{19F654F4-6D55-4385-8976-5B80EBD24850}"/>
+                <a16:creationId xmlns:a16="http://schemas.microsoft.com/office/drawing/2014/main" xmlns="" id="{19F654F4-6D55-4385-8976-5B80EBD24850}"/>
               </a:ext>
             </a:extLst>
           </p:cNvPr>
@@ -10574,7 +10941,7 @@
     </p:spTree>
     <p:extLst>
       <p:ext uri="{BB962C8B-B14F-4D97-AF65-F5344CB8AC3E}">
-        <p14:creationId xmlns:p14="http://schemas.microsoft.com/office/powerpoint/2010/main" val="2766657188"/>
+        <p14:creationId xmlns:p14="http://schemas.microsoft.com/office/powerpoint/2010/main" xmlns="" val="2766657188"/>
       </p:ext>
     </p:extLst>
   </p:cSld>
@@ -10606,7 +10973,7 @@
           <p:cNvPr id="7" name="Picture 6">
             <a:extLst>
               <a:ext uri="{FF2B5EF4-FFF2-40B4-BE49-F238E27FC236}">
-                <a16:creationId xmlns:a16="http://schemas.microsoft.com/office/drawing/2014/main" id="{0452B86A-B01F-4002-A1C0-9EF0AE9558E4}"/>
+                <a16:creationId xmlns:a16="http://schemas.microsoft.com/office/drawing/2014/main" xmlns="" id="{0452B86A-B01F-4002-A1C0-9EF0AE9558E4}"/>
               </a:ext>
             </a:extLst>
           </p:cNvPr>
@@ -10636,7 +11003,7 @@
           <p:cNvPr id="8" name="Picture 7">
             <a:extLst>
               <a:ext uri="{FF2B5EF4-FFF2-40B4-BE49-F238E27FC236}">
-                <a16:creationId xmlns:a16="http://schemas.microsoft.com/office/drawing/2014/main" id="{37F75148-183E-43C0-AC18-81F40A1DD034}"/>
+                <a16:creationId xmlns:a16="http://schemas.microsoft.com/office/drawing/2014/main" xmlns="" id="{37F75148-183E-43C0-AC18-81F40A1DD034}"/>
               </a:ext>
             </a:extLst>
           </p:cNvPr>
@@ -10666,7 +11033,7 @@
           <p:cNvPr id="2" name="Title 1">
             <a:extLst>
               <a:ext uri="{FF2B5EF4-FFF2-40B4-BE49-F238E27FC236}">
-                <a16:creationId xmlns:a16="http://schemas.microsoft.com/office/drawing/2014/main" id="{DFC049F8-2284-4161-BE3C-431BCD0EFAB7}"/>
+                <a16:creationId xmlns:a16="http://schemas.microsoft.com/office/drawing/2014/main" xmlns="" id="{DFC049F8-2284-4161-BE3C-431BCD0EFAB7}"/>
               </a:ext>
             </a:extLst>
           </p:cNvPr>
@@ -10712,7 +11079,7 @@
           <p:cNvPr id="3" name="Content Placeholder 2">
             <a:extLst>
               <a:ext uri="{FF2B5EF4-FFF2-40B4-BE49-F238E27FC236}">
-                <a16:creationId xmlns:a16="http://schemas.microsoft.com/office/drawing/2014/main" id="{F2E045F5-714F-4E07-87A1-F5696A62ED28}"/>
+                <a16:creationId xmlns:a16="http://schemas.microsoft.com/office/drawing/2014/main" xmlns="" id="{F2E045F5-714F-4E07-87A1-F5696A62ED28}"/>
               </a:ext>
             </a:extLst>
           </p:cNvPr>
@@ -10763,7 +11130,7 @@
           <p:cNvPr id="6" name="TextBox 5">
             <a:extLst>
               <a:ext uri="{FF2B5EF4-FFF2-40B4-BE49-F238E27FC236}">
-                <a16:creationId xmlns:a16="http://schemas.microsoft.com/office/drawing/2014/main" id="{2A7FCD91-3666-4A23-B530-B70A5977CFC4}"/>
+                <a16:creationId xmlns:a16="http://schemas.microsoft.com/office/drawing/2014/main" xmlns="" id="{2A7FCD91-3666-4A23-B530-B70A5977CFC4}"/>
               </a:ext>
             </a:extLst>
           </p:cNvPr>
@@ -10802,7 +11169,7 @@
           <p:cNvPr id="5" name="Picture 4">
             <a:extLst>
               <a:ext uri="{FF2B5EF4-FFF2-40B4-BE49-F238E27FC236}">
-                <a16:creationId xmlns:a16="http://schemas.microsoft.com/office/drawing/2014/main" id="{07E31DEA-147A-4661-8DB9-CB3281426F67}"/>
+                <a16:creationId xmlns:a16="http://schemas.microsoft.com/office/drawing/2014/main" xmlns="" id="{07E31DEA-147A-4661-8DB9-CB3281426F67}"/>
               </a:ext>
             </a:extLst>
           </p:cNvPr>
@@ -10837,7 +11204,7 @@
           <p:cNvPr id="9" name="Rectangle 8">
             <a:extLst>
               <a:ext uri="{FF2B5EF4-FFF2-40B4-BE49-F238E27FC236}">
-                <a16:creationId xmlns:a16="http://schemas.microsoft.com/office/drawing/2014/main" id="{639288EF-1393-49D8-9524-1863E2A39901}"/>
+                <a16:creationId xmlns:a16="http://schemas.microsoft.com/office/drawing/2014/main" xmlns="" id="{639288EF-1393-49D8-9524-1863E2A39901}"/>
               </a:ext>
             </a:extLst>
           </p:cNvPr>
@@ -10957,7 +11324,7 @@
     </p:spTree>
     <p:extLst>
       <p:ext uri="{BB962C8B-B14F-4D97-AF65-F5344CB8AC3E}">
-        <p14:creationId xmlns:p14="http://schemas.microsoft.com/office/powerpoint/2010/main" val="3490831543"/>
+        <p14:creationId xmlns:p14="http://schemas.microsoft.com/office/powerpoint/2010/main" xmlns="" val="3490831543"/>
       </p:ext>
     </p:extLst>
   </p:cSld>
@@ -10989,7 +11356,7 @@
           <p:cNvPr id="7" name="Picture 6">
             <a:extLst>
               <a:ext uri="{FF2B5EF4-FFF2-40B4-BE49-F238E27FC236}">
-                <a16:creationId xmlns:a16="http://schemas.microsoft.com/office/drawing/2014/main" id="{B477D94D-934D-4616-A570-6D98195B104B}"/>
+                <a16:creationId xmlns:a16="http://schemas.microsoft.com/office/drawing/2014/main" xmlns="" id="{B477D94D-934D-4616-A570-6D98195B104B}"/>
               </a:ext>
             </a:extLst>
           </p:cNvPr>
@@ -11018,7 +11385,7 @@
           <p:cNvPr id="5" name="Picture 4">
             <a:extLst>
               <a:ext uri="{FF2B5EF4-FFF2-40B4-BE49-F238E27FC236}">
-                <a16:creationId xmlns:a16="http://schemas.microsoft.com/office/drawing/2014/main" id="{B41C1CB2-FA0D-4FE8-B995-E97A83ACB1AE}"/>
+                <a16:creationId xmlns:a16="http://schemas.microsoft.com/office/drawing/2014/main" xmlns="" id="{B41C1CB2-FA0D-4FE8-B995-E97A83ACB1AE}"/>
               </a:ext>
             </a:extLst>
           </p:cNvPr>
@@ -11047,7 +11414,7 @@
           <p:cNvPr id="2" name="Title 1">
             <a:extLst>
               <a:ext uri="{FF2B5EF4-FFF2-40B4-BE49-F238E27FC236}">
-                <a16:creationId xmlns:a16="http://schemas.microsoft.com/office/drawing/2014/main" id="{DFC049F8-2284-4161-BE3C-431BCD0EFAB7}"/>
+                <a16:creationId xmlns:a16="http://schemas.microsoft.com/office/drawing/2014/main" xmlns="" id="{DFC049F8-2284-4161-BE3C-431BCD0EFAB7}"/>
               </a:ext>
             </a:extLst>
           </p:cNvPr>
@@ -11093,7 +11460,7 @@
           <p:cNvPr id="3" name="Content Placeholder 2">
             <a:extLst>
               <a:ext uri="{FF2B5EF4-FFF2-40B4-BE49-F238E27FC236}">
-                <a16:creationId xmlns:a16="http://schemas.microsoft.com/office/drawing/2014/main" id="{F2E045F5-714F-4E07-87A1-F5696A62ED28}"/>
+                <a16:creationId xmlns:a16="http://schemas.microsoft.com/office/drawing/2014/main" xmlns="" id="{F2E045F5-714F-4E07-87A1-F5696A62ED28}"/>
               </a:ext>
             </a:extLst>
           </p:cNvPr>
@@ -11144,7 +11511,7 @@
           <p:cNvPr id="6" name="TextBox 5">
             <a:extLst>
               <a:ext uri="{FF2B5EF4-FFF2-40B4-BE49-F238E27FC236}">
-                <a16:creationId xmlns:a16="http://schemas.microsoft.com/office/drawing/2014/main" id="{2A7FCD91-3666-4A23-B530-B70A5977CFC4}"/>
+                <a16:creationId xmlns:a16="http://schemas.microsoft.com/office/drawing/2014/main" xmlns="" id="{2A7FCD91-3666-4A23-B530-B70A5977CFC4}"/>
               </a:ext>
             </a:extLst>
           </p:cNvPr>
@@ -11183,7 +11550,7 @@
           <p:cNvPr id="4" name="Picture 3">
             <a:extLst>
               <a:ext uri="{FF2B5EF4-FFF2-40B4-BE49-F238E27FC236}">
-                <a16:creationId xmlns:a16="http://schemas.microsoft.com/office/drawing/2014/main" id="{7DBBE77A-8D3A-40D6-94A0-7EC9A7E761A3}"/>
+                <a16:creationId xmlns:a16="http://schemas.microsoft.com/office/drawing/2014/main" xmlns="" id="{7DBBE77A-8D3A-40D6-94A0-7EC9A7E761A3}"/>
               </a:ext>
             </a:extLst>
           </p:cNvPr>
@@ -11218,7 +11585,7 @@
           <p:cNvPr id="8" name="Rectangle 7">
             <a:extLst>
               <a:ext uri="{FF2B5EF4-FFF2-40B4-BE49-F238E27FC236}">
-                <a16:creationId xmlns:a16="http://schemas.microsoft.com/office/drawing/2014/main" id="{BBD93274-AD19-4924-B84B-10DE820ED811}"/>
+                <a16:creationId xmlns:a16="http://schemas.microsoft.com/office/drawing/2014/main" xmlns="" id="{BBD93274-AD19-4924-B84B-10DE820ED811}"/>
               </a:ext>
             </a:extLst>
           </p:cNvPr>
@@ -11273,7 +11640,7 @@
           <p:cNvPr id="9" name="TextBox 8">
             <a:extLst>
               <a:ext uri="{FF2B5EF4-FFF2-40B4-BE49-F238E27FC236}">
-                <a16:creationId xmlns:a16="http://schemas.microsoft.com/office/drawing/2014/main" id="{614F1665-FB4D-4576-912A-8CB0AE08F8B2}"/>
+                <a16:creationId xmlns:a16="http://schemas.microsoft.com/office/drawing/2014/main" xmlns="" id="{614F1665-FB4D-4576-912A-8CB0AE08F8B2}"/>
               </a:ext>
             </a:extLst>
           </p:cNvPr>
@@ -11333,7 +11700,7 @@
           <p:cNvPr id="10" name="TextBox 9">
             <a:extLst>
               <a:ext uri="{FF2B5EF4-FFF2-40B4-BE49-F238E27FC236}">
-                <a16:creationId xmlns:a16="http://schemas.microsoft.com/office/drawing/2014/main" id="{B73BD718-AF4E-48A2-A46D-2EFB4DF802D3}"/>
+                <a16:creationId xmlns:a16="http://schemas.microsoft.com/office/drawing/2014/main" xmlns="" id="{B73BD718-AF4E-48A2-A46D-2EFB4DF802D3}"/>
               </a:ext>
             </a:extLst>
           </p:cNvPr>
@@ -11459,7 +11826,7 @@
           <p:cNvPr id="11" name="TextBox 10">
             <a:extLst>
               <a:ext uri="{FF2B5EF4-FFF2-40B4-BE49-F238E27FC236}">
-                <a16:creationId xmlns:a16="http://schemas.microsoft.com/office/drawing/2014/main" id="{045FE3E0-C21F-4E84-A6C3-B78C5DA14375}"/>
+                <a16:creationId xmlns:a16="http://schemas.microsoft.com/office/drawing/2014/main" xmlns="" id="{045FE3E0-C21F-4E84-A6C3-B78C5DA14375}"/>
               </a:ext>
             </a:extLst>
           </p:cNvPr>
@@ -11501,7 +11868,7 @@
           <p:cNvPr id="12" name="TextBox 11">
             <a:extLst>
               <a:ext uri="{FF2B5EF4-FFF2-40B4-BE49-F238E27FC236}">
-                <a16:creationId xmlns:a16="http://schemas.microsoft.com/office/drawing/2014/main" id="{715C8695-F831-4AEA-8788-D3F362FE0855}"/>
+                <a16:creationId xmlns:a16="http://schemas.microsoft.com/office/drawing/2014/main" xmlns="" id="{715C8695-F831-4AEA-8788-D3F362FE0855}"/>
               </a:ext>
             </a:extLst>
           </p:cNvPr>
@@ -11543,7 +11910,7 @@
           <p:cNvPr id="13" name="TextBox 12">
             <a:extLst>
               <a:ext uri="{FF2B5EF4-FFF2-40B4-BE49-F238E27FC236}">
-                <a16:creationId xmlns:a16="http://schemas.microsoft.com/office/drawing/2014/main" id="{3D143883-7E11-42FA-820F-FD25A0706494}"/>
+                <a16:creationId xmlns:a16="http://schemas.microsoft.com/office/drawing/2014/main" xmlns="" id="{3D143883-7E11-42FA-820F-FD25A0706494}"/>
               </a:ext>
             </a:extLst>
           </p:cNvPr>
@@ -11585,7 +11952,7 @@
           <p:cNvPr id="14" name="TextBox 13">
             <a:extLst>
               <a:ext uri="{FF2B5EF4-FFF2-40B4-BE49-F238E27FC236}">
-                <a16:creationId xmlns:a16="http://schemas.microsoft.com/office/drawing/2014/main" id="{441B9A9E-965F-4808-97BB-765FA754A34C}"/>
+                <a16:creationId xmlns:a16="http://schemas.microsoft.com/office/drawing/2014/main" xmlns="" id="{441B9A9E-965F-4808-97BB-765FA754A34C}"/>
               </a:ext>
             </a:extLst>
           </p:cNvPr>
@@ -11640,7 +12007,7 @@
     </p:spTree>
     <p:extLst>
       <p:ext uri="{BB962C8B-B14F-4D97-AF65-F5344CB8AC3E}">
-        <p14:creationId xmlns:p14="http://schemas.microsoft.com/office/powerpoint/2010/main" val="4096237443"/>
+        <p14:creationId xmlns:p14="http://schemas.microsoft.com/office/powerpoint/2010/main" xmlns="" val="4096237443"/>
       </p:ext>
     </p:extLst>
   </p:cSld>
@@ -11939,7 +12306,7 @@
   <a:extraClrSchemeLst/>
   <a:extLst>
     <a:ext uri="{05A4C25C-085E-4340-85A3-A5531E510DB2}">
-      <thm15:themeFamily xmlns:thm15="http://schemas.microsoft.com/office/thememl/2012/main" name="Office Theme" id="{62F939B6-93AF-4DB8-9C6B-D6C7DFDC589F}" vid="{4A3C46E8-61CC-4603-A589-7422A47A8E4A}"/>
+      <thm15:themeFamily xmlns:thm15="http://schemas.microsoft.com/office/thememl/2012/main" xmlns="" name="Office Theme" id="{62F939B6-93AF-4DB8-9C6B-D6C7DFDC589F}" vid="{4A3C46E8-61CC-4603-A589-7422A47A8E4A}"/>
     </a:ext>
   </a:extLst>
 </a:theme>
@@ -11988,7 +12355,7 @@
     </a:clrScheme>
     <a:fontScheme name="Office">
       <a:majorFont>
-        <a:latin typeface="Calibri Light" panose="020F0302020204030204"/>
+        <a:latin typeface="Calibri Light"/>
         <a:ea typeface=""/>
         <a:cs typeface=""/>
         <a:font script="Jpan" typeface="游ゴシック Light"/>
@@ -12023,7 +12390,7 @@
         <a:font script="Geor" typeface="Sylfaen"/>
       </a:majorFont>
       <a:minorFont>
-        <a:latin typeface="Calibri" panose="020F0502020204030204"/>
+        <a:latin typeface="Calibri"/>
         <a:ea typeface=""/>
         <a:cs typeface=""/>
         <a:font script="Jpan" typeface="游ゴシック"/>
@@ -12200,7 +12567,7 @@
   <a:extraClrSchemeLst/>
   <a:extLst>
     <a:ext uri="{05A4C25C-085E-4340-85A3-A5531E510DB2}">
-      <thm15:themeFamily xmlns:thm15="http://schemas.microsoft.com/office/thememl/2012/main" name="Office Theme" id="{62F939B6-93AF-4DB8-9C6B-D6C7DFDC589F}" vid="{4A3C46E8-61CC-4603-A589-7422A47A8E4A}"/>
+      <thm15:themeFamily xmlns:thm15="http://schemas.microsoft.com/office/thememl/2012/main" xmlns="" name="Office Theme" id="{62F939B6-93AF-4DB8-9C6B-D6C7DFDC589F}" vid="{4A3C46E8-61CC-4603-A589-7422A47A8E4A}"/>
     </a:ext>
   </a:extLst>
 </a:theme>

--- a/D2.pptx
+++ b/D2.pptx
@@ -120,7 +120,7 @@
   </p:defaultTextStyle>
   <p:extLst>
     <p:ext uri="{EFAFB233-063F-42B5-8137-9DF3F51BA10A}">
-      <p15:sldGuideLst xmlns:p15="http://schemas.microsoft.com/office/powerpoint/2012/main" xmlns="">
+      <p15:sldGuideLst xmlns:p15="http://schemas.microsoft.com/office/powerpoint/2012/main">
         <p15:guide id="1" orient="horz" pos="2160">
           <p15:clr>
             <a:srgbClr val="A4A3A4"/>
@@ -135,6 +135,10 @@
     </p:ext>
   </p:extLst>
 </p:presentation>
+</file>
+
+<file path=ppt/revisionInfo.xml><?xml version="1.0" encoding="utf-8"?>
+<p1510:revInfo xmlns:a="http://schemas.openxmlformats.org/drawingml/2006/main" xmlns:r="http://schemas.openxmlformats.org/officeDocument/2006/relationships" xmlns:p1510="http://schemas.microsoft.com/office/powerpoint/2015/10/main"/>
 </file>
 
 <file path=ppt/notesMasters/notesMaster1.xml><?xml version="1.0" encoding="utf-8"?>
@@ -220,7 +224,7 @@
             <a:fld id="{72120EEF-C798-4279-B1C0-A28BE5B39C66}" type="datetimeFigureOut">
               <a:rPr lang="en-GB" smtClean="0"/>
               <a:pPr/>
-              <a:t>24/02/2018</a:t>
+              <a:t>25/02/2018</a:t>
             </a:fld>
             <a:endParaRPr lang="en-GB"/>
           </a:p>
@@ -284,35 +288,35 @@
           <a:p>
             <a:pPr lvl="0"/>
             <a:r>
-              <a:rPr lang="en-US" smtClean="0"/>
+              <a:rPr lang="en-US"/>
               <a:t>Edit Master text styles</a:t>
             </a:r>
           </a:p>
           <a:p>
             <a:pPr lvl="1"/>
             <a:r>
-              <a:rPr lang="en-US" smtClean="0"/>
+              <a:rPr lang="en-US"/>
               <a:t>Second level</a:t>
             </a:r>
           </a:p>
           <a:p>
             <a:pPr lvl="2"/>
             <a:r>
-              <a:rPr lang="en-US" smtClean="0"/>
+              <a:rPr lang="en-US"/>
               <a:t>Third level</a:t>
             </a:r>
           </a:p>
           <a:p>
             <a:pPr lvl="3"/>
             <a:r>
-              <a:rPr lang="en-US" smtClean="0"/>
+              <a:rPr lang="en-US"/>
               <a:t>Fourth level</a:t>
             </a:r>
           </a:p>
           <a:p>
             <a:pPr lvl="4"/>
             <a:r>
-              <a:rPr lang="en-US" smtClean="0"/>
+              <a:rPr lang="en-US"/>
               <a:t>Fifth level</a:t>
             </a:r>
             <a:endParaRPr lang="en-GB"/>
@@ -389,7 +393,7 @@
     </p:spTree>
     <p:extLst>
       <p:ext uri="{BB962C8B-B14F-4D97-AF65-F5344CB8AC3E}">
-        <p14:creationId xmlns:p14="http://schemas.microsoft.com/office/powerpoint/2010/main" xmlns="" val="3478088536"/>
+        <p14:creationId xmlns:p14="http://schemas.microsoft.com/office/powerpoint/2010/main" val="3478088536"/>
       </p:ext>
     </p:extLst>
   </p:cSld>
@@ -534,37 +538,37 @@
           <a:lstStyle/>
           <a:p>
             <a:r>
-              <a:rPr lang="en-GB" dirty="0" smtClean="0"/>
+              <a:rPr lang="en-GB" dirty="0"/>
               <a:t>These are some games we researched before deciding what to do.</a:t>
             </a:r>
             <a:r>
-              <a:rPr lang="en-GB" baseline="0" dirty="0" smtClean="0"/>
+              <a:rPr lang="en-GB" baseline="0" dirty="0"/>
               <a:t> </a:t>
             </a:r>
             <a:r>
-              <a:rPr lang="en-GB" dirty="0" smtClean="0"/>
+              <a:rPr lang="en-GB" dirty="0"/>
               <a:t> </a:t>
             </a:r>
           </a:p>
           <a:p>
             <a:r>
-              <a:rPr lang="en-GB" dirty="0" smtClean="0"/>
+              <a:rPr lang="en-GB" dirty="0"/>
               <a:t>We agreed</a:t>
             </a:r>
             <a:r>
-              <a:rPr lang="en-GB" baseline="0" dirty="0" smtClean="0"/>
+              <a:rPr lang="en-GB" baseline="0" dirty="0"/>
               <a:t> we would like to do a platform game, with a puzzle at the end of each platform level. </a:t>
             </a:r>
           </a:p>
           <a:p>
             <a:r>
-              <a:rPr lang="en-GB" baseline="0" dirty="0" smtClean="0"/>
+              <a:rPr lang="en-GB" baseline="0" dirty="0"/>
               <a:t>We decided that we wanted a game for all the family to play. </a:t>
             </a:r>
           </a:p>
           <a:p>
             <a:r>
-              <a:rPr lang="en-GB" baseline="0" dirty="0" smtClean="0"/>
+              <a:rPr lang="en-GB" baseline="0" dirty="0"/>
               <a:t>We decided we wanted a non-combative game with puzzle and challenges to overcome, and items to collect. </a:t>
             </a:r>
             <a:endParaRPr lang="en-GB" dirty="0"/>
@@ -598,7 +602,7 @@
     </p:spTree>
     <p:extLst>
       <p:ext uri="{BB962C8B-B14F-4D97-AF65-F5344CB8AC3E}">
-        <p14:creationId xmlns:p14="http://schemas.microsoft.com/office/powerpoint/2010/main" xmlns="" val="108767136"/>
+        <p14:creationId xmlns:p14="http://schemas.microsoft.com/office/powerpoint/2010/main" val="108767136"/>
       </p:ext>
     </p:extLst>
   </p:cSld>
@@ -653,17 +657,17 @@
           <a:lstStyle/>
           <a:p>
             <a:r>
-              <a:rPr lang="en-GB" dirty="0" smtClean="0"/>
+              <a:rPr lang="en-GB" dirty="0"/>
               <a:t>We</a:t>
             </a:r>
             <a:r>
-              <a:rPr lang="en-GB" baseline="0" dirty="0" smtClean="0"/>
+              <a:rPr lang="en-GB" baseline="0" dirty="0"/>
               <a:t> agreed that the game should have a Christmas theme, and that each level would gradually populate the Christmas Room, building up from a bare room to a room with all the trimmings for Christmas.</a:t>
             </a:r>
           </a:p>
           <a:p>
             <a:r>
-              <a:rPr lang="en-GB" baseline="0" dirty="0" smtClean="0"/>
+              <a:rPr lang="en-GB" baseline="0" dirty="0"/>
               <a:t>There is a simple player sprite moving through the platforms.  There are no weapons or enemies, but there are hazards to avoid and items to collect.  Each level has one special item, the key, that must be collected to allow the player to exit at the end of the platform.</a:t>
             </a:r>
             <a:endParaRPr lang="en-GB" dirty="0"/>
@@ -697,7 +701,7 @@
     </p:spTree>
     <p:extLst>
       <p:ext uri="{BB962C8B-B14F-4D97-AF65-F5344CB8AC3E}">
-        <p14:creationId xmlns:p14="http://schemas.microsoft.com/office/powerpoint/2010/main" xmlns="" val="3079722329"/>
+        <p14:creationId xmlns:p14="http://schemas.microsoft.com/office/powerpoint/2010/main" val="3079722329"/>
       </p:ext>
     </p:extLst>
   </p:cSld>
@@ -752,89 +756,89 @@
           <a:lstStyle/>
           <a:p>
             <a:r>
-              <a:rPr lang="en-GB" dirty="0" smtClean="0"/>
+              <a:rPr lang="en-GB" dirty="0"/>
               <a:t>There</a:t>
             </a:r>
             <a:r>
-              <a:rPr lang="en-GB" baseline="0" dirty="0" smtClean="0"/>
+              <a:rPr lang="en-GB" baseline="0" dirty="0"/>
               <a:t> are 4 levels, gradually increasing in difficulty.  The level or puzzle to be played is selected from the game menu.  You can only select a platform/level when you’ve completed the previous platform; you always start at the first platform.</a:t>
             </a:r>
           </a:p>
           <a:p>
             <a:r>
-              <a:rPr lang="en-GB" baseline="0" dirty="0" smtClean="0"/>
+              <a:rPr lang="en-GB" baseline="0" dirty="0"/>
               <a:t>The Christmas Room needs to be populated with 4 types of item: a tree, decorations, food, and presents.  Each level of the game achieves one type aspect.  The platform and puzzle are paired, and relate to the aspect being achieved.</a:t>
             </a:r>
           </a:p>
           <a:p>
-            <a:endParaRPr lang="en-GB" baseline="0" dirty="0" smtClean="0"/>
-          </a:p>
-          <a:p>
-            <a:r>
-              <a:rPr lang="en-GB" baseline="0" dirty="0" smtClean="0"/>
+            <a:endParaRPr lang="en-GB" baseline="0" dirty="0"/>
+          </a:p>
+          <a:p>
+            <a:r>
+              <a:rPr lang="en-GB" baseline="0" dirty="0"/>
               <a:t>Level 1 is in the forest.  The player must cross the lake collecting baubles and the level key, without falling in the water.  The puzzle is a maze, and the player must get to the end to find the Christmas tree.</a:t>
             </a:r>
           </a:p>
           <a:p>
-            <a:endParaRPr lang="en-GB" baseline="0" dirty="0" smtClean="0"/>
-          </a:p>
-          <a:p>
-            <a:r>
-              <a:rPr lang="en-GB" baseline="0" dirty="0" smtClean="0"/>
+            <a:endParaRPr lang="en-GB" baseline="0" dirty="0"/>
+          </a:p>
+          <a:p>
+            <a:r>
+              <a:rPr lang="en-GB" baseline="0" dirty="0"/>
               <a:t>Movement in the platform is via WASD or arrow keys.  Moving upwards is done as a jump, and can only be done when the player is standing on something.  The player is affected by gravity. </a:t>
             </a:r>
           </a:p>
           <a:p>
-            <a:endParaRPr lang="en-GB" baseline="0" dirty="0" smtClean="0"/>
-          </a:p>
-          <a:p>
-            <a:r>
-              <a:rPr lang="en-GB" baseline="0" dirty="0" smtClean="0"/>
+            <a:endParaRPr lang="en-GB" baseline="0" dirty="0"/>
+          </a:p>
+          <a:p>
+            <a:r>
+              <a:rPr lang="en-GB" baseline="0" dirty="0"/>
               <a:t>Level 2 is in the attic.  The player must search the attic collecting decorations.  This level introduces hazards – there are a few smoke outlets in the attic which must be avoided, and the player needs to avoid falling through the gaps in the ceiling.  The player needs to do more manoeuvring to successfully cross the attic.  There are “tunnels” where the player cannot jump upwards through the ceiling, as well as platforms that can be jumped up/down onto.</a:t>
             </a:r>
           </a:p>
           <a:p>
-            <a:endParaRPr lang="en-GB" baseline="0" dirty="0" smtClean="0"/>
-          </a:p>
-          <a:p>
-            <a:r>
-              <a:rPr lang="en-GB" baseline="0" dirty="0" smtClean="0"/>
+            <a:endParaRPr lang="en-GB" baseline="0" dirty="0"/>
+          </a:p>
+          <a:p>
+            <a:r>
+              <a:rPr lang="en-GB" baseline="0" dirty="0"/>
               <a:t>The player has three lives at the start of each level.  Hitting a hazard, or falling off the bottom of the screen, loses a life and resets the character back to the start of that platform (although they retain any items collected so far).</a:t>
             </a:r>
           </a:p>
           <a:p>
             <a:r>
-              <a:rPr lang="en-GB" baseline="0" dirty="0" smtClean="0"/>
+              <a:rPr lang="en-GB" baseline="0" dirty="0"/>
               <a:t>If they lose all three lives, the platform game exits and they have to start that level again from the beginning. </a:t>
             </a:r>
           </a:p>
           <a:p>
             <a:r>
-              <a:rPr lang="en-GB" baseline="0" dirty="0" smtClean="0"/>
+              <a:rPr lang="en-GB" baseline="0" dirty="0"/>
               <a:t>When a platform game is successfully completed, all the items collected in that platform are displayed in the Christmas Room above the main menu.</a:t>
             </a:r>
           </a:p>
           <a:p>
-            <a:endParaRPr lang="en-GB" baseline="0" dirty="0" smtClean="0"/>
-          </a:p>
-          <a:p>
-            <a:r>
-              <a:rPr lang="en-GB" baseline="0" dirty="0" smtClean="0"/>
+            <a:endParaRPr lang="en-GB" baseline="0" dirty="0"/>
+          </a:p>
+          <a:p>
+            <a:r>
+              <a:rPr lang="en-GB" baseline="0" dirty="0"/>
               <a:t>Level 3 is in the kitchen.  There are a lot more hazards here – fires and knives to be avoided.  These are awkwardly placed, so that care must be taken in navigating the kitchen. </a:t>
             </a:r>
           </a:p>
           <a:p>
-            <a:endParaRPr lang="en-GB" baseline="0" dirty="0" smtClean="0"/>
-          </a:p>
-          <a:p>
-            <a:r>
-              <a:rPr lang="en-GB" baseline="0" dirty="0" smtClean="0"/>
+            <a:endParaRPr lang="en-GB" baseline="0" dirty="0"/>
+          </a:p>
+          <a:p>
+            <a:r>
+              <a:rPr lang="en-GB" baseline="0" dirty="0"/>
               <a:t>Level 4 is the Santa’s sleigh navigating the roofs.  Unlike the other platforms, the sleigh moves left/right automatically, and gradually drifts downwards.  The arrow keys can be used to change direction or boost movement.</a:t>
             </a:r>
           </a:p>
           <a:p>
             <a:r>
-              <a:rPr lang="en-GB" baseline="0" dirty="0" smtClean="0"/>
+              <a:rPr lang="en-GB" baseline="0" dirty="0"/>
               <a:t>In this level the sleigh must avoid the hazardous smoke coming from the chimneys.  There are a lot of chimneys, making navigation surprisingly awkward because of the size and style of movement of the sleigh.  </a:t>
             </a:r>
           </a:p>
@@ -870,7 +874,7 @@
     </p:spTree>
     <p:extLst>
       <p:ext uri="{BB962C8B-B14F-4D97-AF65-F5344CB8AC3E}">
-        <p14:creationId xmlns:p14="http://schemas.microsoft.com/office/powerpoint/2010/main" xmlns="" val="1280038544"/>
+        <p14:creationId xmlns:p14="http://schemas.microsoft.com/office/powerpoint/2010/main" val="1280038544"/>
       </p:ext>
     </p:extLst>
   </p:cSld>
@@ -922,7 +926,7 @@
         <p:spPr/>
         <p:txBody>
           <a:bodyPr>
-            <a:normAutofit lnSpcReduction="10000"/>
+            <a:normAutofit/>
           </a:bodyPr>
           <a:lstStyle/>
           <a:p>
@@ -1009,201 +1013,201 @@
           <a:lstStyle/>
           <a:p>
             <a:r>
-              <a:rPr lang="en-GB" dirty="0" smtClean="0"/>
+              <a:rPr lang="en-GB" dirty="0"/>
               <a:t>More things we did:</a:t>
             </a:r>
           </a:p>
           <a:p>
             <a:r>
-              <a:rPr lang="en-GB" dirty="0" smtClean="0"/>
+              <a:rPr lang="en-GB" dirty="0"/>
               <a:t>1. While running along,</a:t>
             </a:r>
             <a:r>
-              <a:rPr lang="en-GB" baseline="0" dirty="0" smtClean="0"/>
+              <a:rPr lang="en-GB" baseline="0" dirty="0"/>
               <a:t> p</a:t>
             </a:r>
             <a:r>
-              <a:rPr lang="en-GB" dirty="0" smtClean="0"/>
+              <a:rPr lang="en-GB" dirty="0"/>
               <a:t>layer sprite should be able to move up small</a:t>
             </a:r>
             <a:r>
-              <a:rPr lang="en-GB" baseline="0" dirty="0" smtClean="0"/>
+              <a:rPr lang="en-GB" baseline="0" dirty="0"/>
               <a:t> amounts without having to jump.  In Level1, below the lake, you have to jump, and you bang your head.</a:t>
             </a:r>
           </a:p>
           <a:p>
             <a:r>
-              <a:rPr lang="en-GB" baseline="0" dirty="0" smtClean="0"/>
+              <a:rPr lang="en-GB" baseline="0" dirty="0"/>
               <a:t>Fix: amended code to allow small amounts of Y-movement as part of X-movement.  (Banging head is because we can’t allow jump-up-through lake, to prevent player jumping from one side of lake to the other.)</a:t>
             </a:r>
           </a:p>
           <a:p>
-            <a:endParaRPr lang="en-GB" baseline="0" dirty="0" smtClean="0"/>
-          </a:p>
-          <a:p>
-            <a:r>
-              <a:rPr lang="en-GB" baseline="0" dirty="0" smtClean="0"/>
+            <a:endParaRPr lang="en-GB" baseline="0" dirty="0"/>
+          </a:p>
+          <a:p>
+            <a:r>
+              <a:rPr lang="en-GB" baseline="0" dirty="0"/>
               <a:t>2. Fall-through holes in attic not clearly visible due to coloration of background</a:t>
             </a:r>
           </a:p>
           <a:p>
             <a:r>
-              <a:rPr lang="en-GB" baseline="0" dirty="0" smtClean="0"/>
+              <a:rPr lang="en-GB" baseline="0" dirty="0"/>
               <a:t>Fix: moved holes to be in front of black areas of background</a:t>
             </a:r>
           </a:p>
           <a:p>
-            <a:endParaRPr lang="en-GB" baseline="0" dirty="0" smtClean="0"/>
-          </a:p>
-          <a:p>
-            <a:r>
-              <a:rPr lang="en-GB" baseline="0" dirty="0" smtClean="0"/>
+            <a:endParaRPr lang="en-GB" baseline="0" dirty="0"/>
+          </a:p>
+          <a:p>
+            <a:r>
+              <a:rPr lang="en-GB" baseline="0" dirty="0"/>
               <a:t>3. In the attic, the obstacles that you can jump on merged into the background because they were all similar colours</a:t>
             </a:r>
           </a:p>
           <a:p>
             <a:r>
-              <a:rPr lang="en-GB" baseline="0" dirty="0" smtClean="0"/>
+              <a:rPr lang="en-GB" baseline="0" dirty="0"/>
               <a:t>Fix: made foreground obstacles brighter colours</a:t>
             </a:r>
           </a:p>
           <a:p>
-            <a:endParaRPr lang="en-GB" baseline="0" dirty="0" smtClean="0"/>
-          </a:p>
-          <a:p>
-            <a:r>
-              <a:rPr lang="en-GB" baseline="0" dirty="0" smtClean="0"/>
+            <a:endParaRPr lang="en-GB" baseline="0" dirty="0"/>
+          </a:p>
+          <a:p>
+            <a:r>
+              <a:rPr lang="en-GB" baseline="0" dirty="0"/>
               <a:t>4. Jumping round to the far side of the lake in Level 1, you’re standing on snow, which isn’t allowed elsewhere</a:t>
             </a:r>
           </a:p>
           <a:p>
             <a:r>
-              <a:rPr lang="en-GB" baseline="0" dirty="0" smtClean="0"/>
+              <a:rPr lang="en-GB" baseline="0" dirty="0"/>
               <a:t>Fix: use the other lake image so that you’re standing on the lake edge.</a:t>
             </a:r>
           </a:p>
           <a:p>
-            <a:endParaRPr lang="en-GB" baseline="0" dirty="0" smtClean="0"/>
-          </a:p>
-          <a:p>
-            <a:r>
-              <a:rPr lang="en-GB" baseline="0" dirty="0" smtClean="0"/>
+            <a:endParaRPr lang="en-GB" baseline="0" dirty="0"/>
+          </a:p>
+          <a:p>
+            <a:r>
+              <a:rPr lang="en-GB" baseline="0" dirty="0"/>
               <a:t>5. In kitchen you can jump up past most shelves, but the lowest one you bang your head.</a:t>
             </a:r>
           </a:p>
           <a:p>
             <a:r>
-              <a:rPr lang="en-GB" baseline="0" dirty="0" smtClean="0"/>
+              <a:rPr lang="en-GB" baseline="0" dirty="0"/>
               <a:t>Fix: change lowest shelf to be jump-up-able, like the others.</a:t>
             </a:r>
           </a:p>
           <a:p>
-            <a:endParaRPr lang="en-GB" baseline="0" dirty="0" smtClean="0"/>
-          </a:p>
-          <a:p>
-            <a:r>
-              <a:rPr lang="en-GB" baseline="0" dirty="0" smtClean="0"/>
+            <a:endParaRPr lang="en-GB" baseline="0" dirty="0"/>
+          </a:p>
+          <a:p>
+            <a:r>
+              <a:rPr lang="en-GB" baseline="0" dirty="0"/>
               <a:t>6. Have the game play in a single window, rather than one for the menu, one for the platform, and one for the puzzle</a:t>
             </a:r>
           </a:p>
           <a:p>
             <a:r>
-              <a:rPr lang="en-GB" baseline="0" dirty="0" smtClean="0"/>
+              <a:rPr lang="en-GB" baseline="0" dirty="0"/>
               <a:t>Fix: changed to use a single window.</a:t>
             </a:r>
           </a:p>
           <a:p>
-            <a:endParaRPr lang="en-GB" baseline="0" dirty="0" smtClean="0"/>
-          </a:p>
-          <a:p>
-            <a:r>
-              <a:rPr lang="en-GB" baseline="0" dirty="0" smtClean="0"/>
+            <a:endParaRPr lang="en-GB" baseline="0" dirty="0"/>
+          </a:p>
+          <a:p>
+            <a:r>
+              <a:rPr lang="en-GB" baseline="0" dirty="0"/>
               <a:t>Things we did not do:</a:t>
             </a:r>
           </a:p>
           <a:p>
             <a:r>
-              <a:rPr lang="en-GB" baseline="0" dirty="0" smtClean="0"/>
+              <a:rPr lang="en-GB" baseline="0" dirty="0"/>
               <a:t>1. Curvy shapes have rectangular hit boxes which looks odd</a:t>
             </a:r>
           </a:p>
           <a:p>
             <a:r>
-              <a:rPr lang="en-GB" baseline="0" dirty="0" smtClean="0"/>
+              <a:rPr lang="en-GB" baseline="0" dirty="0"/>
               <a:t>Nothing we can do at this late stage in the game. </a:t>
             </a:r>
           </a:p>
           <a:p>
             <a:r>
-              <a:rPr lang="en-GB" dirty="0" smtClean="0"/>
+              <a:rPr lang="en-GB" dirty="0"/>
               <a:t>2. Maze puzzle moves too quickly in response to keyboard keys.</a:t>
             </a:r>
           </a:p>
           <a:p>
             <a:r>
-              <a:rPr lang="en-GB" dirty="0" smtClean="0"/>
+              <a:rPr lang="en-GB" dirty="0"/>
               <a:t>3. Need instructions for how to drive menu (Enter key, not mouse</a:t>
             </a:r>
             <a:r>
-              <a:rPr lang="en-GB" baseline="0" dirty="0" smtClean="0"/>
+              <a:rPr lang="en-GB" baseline="0" dirty="0"/>
               <a:t> clicks)</a:t>
             </a:r>
           </a:p>
           <a:p>
             <a:r>
-              <a:rPr lang="en-GB" baseline="0" dirty="0" smtClean="0"/>
+              <a:rPr lang="en-GB" baseline="0" dirty="0"/>
               <a:t>4. Player sprite continues to move when window has lost focus (is this a feature of </a:t>
             </a:r>
             <a:r>
-              <a:rPr lang="en-GB" baseline="0" dirty="0" err="1" smtClean="0"/>
+              <a:rPr lang="en-GB" baseline="0" dirty="0" err="1"/>
               <a:t>jsfml</a:t>
             </a:r>
             <a:r>
-              <a:rPr lang="en-GB" baseline="0" dirty="0" smtClean="0"/>
+              <a:rPr lang="en-GB" baseline="0" dirty="0"/>
               <a:t>)</a:t>
             </a:r>
           </a:p>
           <a:p>
             <a:r>
-              <a:rPr lang="en-GB" baseline="0" dirty="0" smtClean="0"/>
+              <a:rPr lang="en-GB" baseline="0" dirty="0"/>
               <a:t>5. Jump down in kitchen, falls past fireplace when it ought to land on top</a:t>
             </a:r>
           </a:p>
           <a:p>
             <a:r>
-              <a:rPr lang="en-GB" baseline="0" dirty="0" smtClean="0"/>
+              <a:rPr lang="en-GB" baseline="0" dirty="0"/>
               <a:t>This is due to the size of movement due to gravity.  Will take too long to fix at this point.  There’s only one place affected.</a:t>
             </a:r>
           </a:p>
           <a:p>
             <a:r>
-              <a:rPr lang="en-GB" baseline="0" dirty="0" smtClean="0"/>
+              <a:rPr lang="en-GB" baseline="0" dirty="0"/>
               <a:t>6. Didn’t notice the new items added to the main room above the menu. Maybe it could be animated when newly added?  Maybe you could show the item when you complete the puzzle?</a:t>
             </a:r>
           </a:p>
           <a:p>
             <a:r>
-              <a:rPr lang="en-GB" baseline="0" dirty="0" smtClean="0"/>
+              <a:rPr lang="en-GB" baseline="0" dirty="0"/>
               <a:t>7. Not clear why you should collect the baubles, or what the points are for.</a:t>
             </a:r>
           </a:p>
           <a:p>
             <a:r>
-              <a:rPr lang="en-GB" baseline="0" dirty="0" smtClean="0"/>
+              <a:rPr lang="en-GB" baseline="0" dirty="0"/>
               <a:t>8. Add an </a:t>
             </a:r>
             <a:r>
-              <a:rPr lang="en-GB" baseline="0" dirty="0" err="1" smtClean="0"/>
+              <a:rPr lang="en-GB" baseline="0" dirty="0" err="1"/>
               <a:t>Ooops</a:t>
             </a:r>
             <a:r>
-              <a:rPr lang="en-GB" baseline="0" dirty="0" smtClean="0"/>
+              <a:rPr lang="en-GB" baseline="0" dirty="0"/>
               <a:t> on loss of life and death.</a:t>
             </a:r>
           </a:p>
           <a:p>
             <a:r>
-              <a:rPr lang="en-GB" baseline="0" dirty="0" smtClean="0"/>
+              <a:rPr lang="en-GB" baseline="0" dirty="0"/>
               <a:t>9. The room on the menu screen does not look right – some of it is 3D and some 2D. The bookshelf looks like a door – it would be better with a bit of shading below each shelf. The joints in the floor are not angled like the front of the fireplace. Make the inside of the fireplace not the same colour as the fireplace base.</a:t>
             </a:r>
             <a:endParaRPr lang="en-GB" dirty="0"/>
@@ -1264,7 +1268,7 @@
           <p:cNvPr id="2" name="Title 1">
             <a:extLst>
               <a:ext uri="{FF2B5EF4-FFF2-40B4-BE49-F238E27FC236}">
-                <a16:creationId xmlns:a16="http://schemas.microsoft.com/office/drawing/2014/main" xmlns="" id="{DF83C6BF-9C25-47A7-9E90-203791DC8017}"/>
+                <a16:creationId xmlns:a16="http://schemas.microsoft.com/office/drawing/2014/main" id="{DF83C6BF-9C25-47A7-9E90-203791DC8017}"/>
               </a:ext>
             </a:extLst>
           </p:cNvPr>
@@ -1302,7 +1306,7 @@
           <p:cNvPr id="3" name="Subtitle 2">
             <a:extLst>
               <a:ext uri="{FF2B5EF4-FFF2-40B4-BE49-F238E27FC236}">
-                <a16:creationId xmlns:a16="http://schemas.microsoft.com/office/drawing/2014/main" xmlns="" id="{F43AB25B-D89F-430B-83D3-AFE59D87A0C9}"/>
+                <a16:creationId xmlns:a16="http://schemas.microsoft.com/office/drawing/2014/main" id="{F43AB25B-D89F-430B-83D3-AFE59D87A0C9}"/>
               </a:ext>
             </a:extLst>
           </p:cNvPr>
@@ -1373,7 +1377,7 @@
           <p:cNvPr id="4" name="Date Placeholder 3">
             <a:extLst>
               <a:ext uri="{FF2B5EF4-FFF2-40B4-BE49-F238E27FC236}">
-                <a16:creationId xmlns:a16="http://schemas.microsoft.com/office/drawing/2014/main" xmlns="" id="{FC28D84A-1E26-4ADB-9293-C973C9FDD312}"/>
+                <a16:creationId xmlns:a16="http://schemas.microsoft.com/office/drawing/2014/main" id="{FC28D84A-1E26-4ADB-9293-C973C9FDD312}"/>
               </a:ext>
             </a:extLst>
           </p:cNvPr>
@@ -1392,7 +1396,7 @@
             <a:fld id="{24C3A72B-EA9F-49ED-9480-D5BBE463D3C6}" type="datetimeFigureOut">
               <a:rPr lang="en-GB" smtClean="0"/>
               <a:pPr/>
-              <a:t>24/02/2018</a:t>
+              <a:t>25/02/2018</a:t>
             </a:fld>
             <a:endParaRPr lang="en-GB"/>
           </a:p>
@@ -1403,7 +1407,7 @@
           <p:cNvPr id="5" name="Footer Placeholder 4">
             <a:extLst>
               <a:ext uri="{FF2B5EF4-FFF2-40B4-BE49-F238E27FC236}">
-                <a16:creationId xmlns:a16="http://schemas.microsoft.com/office/drawing/2014/main" xmlns="" id="{BD1E3808-CC4A-410D-B94B-201CBF8416A2}"/>
+                <a16:creationId xmlns:a16="http://schemas.microsoft.com/office/drawing/2014/main" id="{BD1E3808-CC4A-410D-B94B-201CBF8416A2}"/>
               </a:ext>
             </a:extLst>
           </p:cNvPr>
@@ -1428,7 +1432,7 @@
           <p:cNvPr id="6" name="Slide Number Placeholder 5">
             <a:extLst>
               <a:ext uri="{FF2B5EF4-FFF2-40B4-BE49-F238E27FC236}">
-                <a16:creationId xmlns:a16="http://schemas.microsoft.com/office/drawing/2014/main" xmlns="" id="{C929150F-8AB1-49F3-8CBA-F3D34AD36D29}"/>
+                <a16:creationId xmlns:a16="http://schemas.microsoft.com/office/drawing/2014/main" id="{C929150F-8AB1-49F3-8CBA-F3D34AD36D29}"/>
               </a:ext>
             </a:extLst>
           </p:cNvPr>
@@ -1456,7 +1460,7 @@
     </p:spTree>
     <p:extLst>
       <p:ext uri="{BB962C8B-B14F-4D97-AF65-F5344CB8AC3E}">
-        <p14:creationId xmlns:p14="http://schemas.microsoft.com/office/powerpoint/2010/main" xmlns="" val="3770199555"/>
+        <p14:creationId xmlns:p14="http://schemas.microsoft.com/office/powerpoint/2010/main" val="3770199555"/>
       </p:ext>
     </p:extLst>
   </p:cSld>
@@ -1488,7 +1492,7 @@
           <p:cNvPr id="2" name="Title 1">
             <a:extLst>
               <a:ext uri="{FF2B5EF4-FFF2-40B4-BE49-F238E27FC236}">
-                <a16:creationId xmlns:a16="http://schemas.microsoft.com/office/drawing/2014/main" xmlns="" id="{E7320A48-0F56-4BFE-B5E3-C4B1A8363197}"/>
+                <a16:creationId xmlns:a16="http://schemas.microsoft.com/office/drawing/2014/main" id="{E7320A48-0F56-4BFE-B5E3-C4B1A8363197}"/>
               </a:ext>
             </a:extLst>
           </p:cNvPr>
@@ -1517,7 +1521,7 @@
           <p:cNvPr id="3" name="Vertical Text Placeholder 2">
             <a:extLst>
               <a:ext uri="{FF2B5EF4-FFF2-40B4-BE49-F238E27FC236}">
-                <a16:creationId xmlns:a16="http://schemas.microsoft.com/office/drawing/2014/main" xmlns="" id="{92301219-EFB4-4606-92FB-C77A02640AFC}"/>
+                <a16:creationId xmlns:a16="http://schemas.microsoft.com/office/drawing/2014/main" id="{92301219-EFB4-4606-92FB-C77A02640AFC}"/>
               </a:ext>
             </a:extLst>
           </p:cNvPr>
@@ -1575,7 +1579,7 @@
           <p:cNvPr id="4" name="Date Placeholder 3">
             <a:extLst>
               <a:ext uri="{FF2B5EF4-FFF2-40B4-BE49-F238E27FC236}">
-                <a16:creationId xmlns:a16="http://schemas.microsoft.com/office/drawing/2014/main" xmlns="" id="{B176B311-50DE-481D-AA1B-0D148FBEB50F}"/>
+                <a16:creationId xmlns:a16="http://schemas.microsoft.com/office/drawing/2014/main" id="{B176B311-50DE-481D-AA1B-0D148FBEB50F}"/>
               </a:ext>
             </a:extLst>
           </p:cNvPr>
@@ -1594,7 +1598,7 @@
             <a:fld id="{24C3A72B-EA9F-49ED-9480-D5BBE463D3C6}" type="datetimeFigureOut">
               <a:rPr lang="en-GB" smtClean="0"/>
               <a:pPr/>
-              <a:t>24/02/2018</a:t>
+              <a:t>25/02/2018</a:t>
             </a:fld>
             <a:endParaRPr lang="en-GB"/>
           </a:p>
@@ -1605,7 +1609,7 @@
           <p:cNvPr id="5" name="Footer Placeholder 4">
             <a:extLst>
               <a:ext uri="{FF2B5EF4-FFF2-40B4-BE49-F238E27FC236}">
-                <a16:creationId xmlns:a16="http://schemas.microsoft.com/office/drawing/2014/main" xmlns="" id="{6702C4FC-01C0-4882-AB0A-3FC6EEA94812}"/>
+                <a16:creationId xmlns:a16="http://schemas.microsoft.com/office/drawing/2014/main" id="{6702C4FC-01C0-4882-AB0A-3FC6EEA94812}"/>
               </a:ext>
             </a:extLst>
           </p:cNvPr>
@@ -1630,7 +1634,7 @@
           <p:cNvPr id="6" name="Slide Number Placeholder 5">
             <a:extLst>
               <a:ext uri="{FF2B5EF4-FFF2-40B4-BE49-F238E27FC236}">
-                <a16:creationId xmlns:a16="http://schemas.microsoft.com/office/drawing/2014/main" xmlns="" id="{441B0672-CB38-4C7F-8FE8-5B7BCF1A143B}"/>
+                <a16:creationId xmlns:a16="http://schemas.microsoft.com/office/drawing/2014/main" id="{441B0672-CB38-4C7F-8FE8-5B7BCF1A143B}"/>
               </a:ext>
             </a:extLst>
           </p:cNvPr>
@@ -1658,7 +1662,7 @@
     </p:spTree>
     <p:extLst>
       <p:ext uri="{BB962C8B-B14F-4D97-AF65-F5344CB8AC3E}">
-        <p14:creationId xmlns:p14="http://schemas.microsoft.com/office/powerpoint/2010/main" xmlns="" val="113615128"/>
+        <p14:creationId xmlns:p14="http://schemas.microsoft.com/office/powerpoint/2010/main" val="113615128"/>
       </p:ext>
     </p:extLst>
   </p:cSld>
@@ -1690,7 +1694,7 @@
           <p:cNvPr id="2" name="Vertical Title 1">
             <a:extLst>
               <a:ext uri="{FF2B5EF4-FFF2-40B4-BE49-F238E27FC236}">
-                <a16:creationId xmlns:a16="http://schemas.microsoft.com/office/drawing/2014/main" xmlns="" id="{9B3A92BF-0813-4A3B-818D-C11C33E4DEE9}"/>
+                <a16:creationId xmlns:a16="http://schemas.microsoft.com/office/drawing/2014/main" id="{9B3A92BF-0813-4A3B-818D-C11C33E4DEE9}"/>
               </a:ext>
             </a:extLst>
           </p:cNvPr>
@@ -1724,7 +1728,7 @@
           <p:cNvPr id="3" name="Vertical Text Placeholder 2">
             <a:extLst>
               <a:ext uri="{FF2B5EF4-FFF2-40B4-BE49-F238E27FC236}">
-                <a16:creationId xmlns:a16="http://schemas.microsoft.com/office/drawing/2014/main" xmlns="" id="{A7B1995E-87E9-464D-BFDD-FFDDCDF93F7E}"/>
+                <a16:creationId xmlns:a16="http://schemas.microsoft.com/office/drawing/2014/main" id="{A7B1995E-87E9-464D-BFDD-FFDDCDF93F7E}"/>
               </a:ext>
             </a:extLst>
           </p:cNvPr>
@@ -1787,7 +1791,7 @@
           <p:cNvPr id="4" name="Date Placeholder 3">
             <a:extLst>
               <a:ext uri="{FF2B5EF4-FFF2-40B4-BE49-F238E27FC236}">
-                <a16:creationId xmlns:a16="http://schemas.microsoft.com/office/drawing/2014/main" xmlns="" id="{6CA12D7A-59F4-418F-ADB1-D361AEF263CB}"/>
+                <a16:creationId xmlns:a16="http://schemas.microsoft.com/office/drawing/2014/main" id="{6CA12D7A-59F4-418F-ADB1-D361AEF263CB}"/>
               </a:ext>
             </a:extLst>
           </p:cNvPr>
@@ -1806,7 +1810,7 @@
             <a:fld id="{24C3A72B-EA9F-49ED-9480-D5BBE463D3C6}" type="datetimeFigureOut">
               <a:rPr lang="en-GB" smtClean="0"/>
               <a:pPr/>
-              <a:t>24/02/2018</a:t>
+              <a:t>25/02/2018</a:t>
             </a:fld>
             <a:endParaRPr lang="en-GB"/>
           </a:p>
@@ -1817,7 +1821,7 @@
           <p:cNvPr id="5" name="Footer Placeholder 4">
             <a:extLst>
               <a:ext uri="{FF2B5EF4-FFF2-40B4-BE49-F238E27FC236}">
-                <a16:creationId xmlns:a16="http://schemas.microsoft.com/office/drawing/2014/main" xmlns="" id="{467DB65F-E560-4A0C-8A4A-8E7A6A91C860}"/>
+                <a16:creationId xmlns:a16="http://schemas.microsoft.com/office/drawing/2014/main" id="{467DB65F-E560-4A0C-8A4A-8E7A6A91C860}"/>
               </a:ext>
             </a:extLst>
           </p:cNvPr>
@@ -1842,7 +1846,7 @@
           <p:cNvPr id="6" name="Slide Number Placeholder 5">
             <a:extLst>
               <a:ext uri="{FF2B5EF4-FFF2-40B4-BE49-F238E27FC236}">
-                <a16:creationId xmlns:a16="http://schemas.microsoft.com/office/drawing/2014/main" xmlns="" id="{E8E88C02-5AF6-43A6-9D49-032C7A2D2D72}"/>
+                <a16:creationId xmlns:a16="http://schemas.microsoft.com/office/drawing/2014/main" id="{E8E88C02-5AF6-43A6-9D49-032C7A2D2D72}"/>
               </a:ext>
             </a:extLst>
           </p:cNvPr>
@@ -1870,7 +1874,7 @@
     </p:spTree>
     <p:extLst>
       <p:ext uri="{BB962C8B-B14F-4D97-AF65-F5344CB8AC3E}">
-        <p14:creationId xmlns:p14="http://schemas.microsoft.com/office/powerpoint/2010/main" xmlns="" val="3170355863"/>
+        <p14:creationId xmlns:p14="http://schemas.microsoft.com/office/powerpoint/2010/main" val="3170355863"/>
       </p:ext>
     </p:extLst>
   </p:cSld>
@@ -1902,7 +1906,7 @@
           <p:cNvPr id="2" name="Title 1">
             <a:extLst>
               <a:ext uri="{FF2B5EF4-FFF2-40B4-BE49-F238E27FC236}">
-                <a16:creationId xmlns:a16="http://schemas.microsoft.com/office/drawing/2014/main" xmlns="" id="{B8856D69-20FF-4661-9073-426B77C624CB}"/>
+                <a16:creationId xmlns:a16="http://schemas.microsoft.com/office/drawing/2014/main" id="{B8856D69-20FF-4661-9073-426B77C624CB}"/>
               </a:ext>
             </a:extLst>
           </p:cNvPr>
@@ -1931,7 +1935,7 @@
           <p:cNvPr id="3" name="Content Placeholder 2">
             <a:extLst>
               <a:ext uri="{FF2B5EF4-FFF2-40B4-BE49-F238E27FC236}">
-                <a16:creationId xmlns:a16="http://schemas.microsoft.com/office/drawing/2014/main" xmlns="" id="{4D713998-E95E-442D-BD8B-F99BAFFEBE64}"/>
+                <a16:creationId xmlns:a16="http://schemas.microsoft.com/office/drawing/2014/main" id="{4D713998-E95E-442D-BD8B-F99BAFFEBE64}"/>
               </a:ext>
             </a:extLst>
           </p:cNvPr>
@@ -1989,7 +1993,7 @@
           <p:cNvPr id="4" name="Date Placeholder 3">
             <a:extLst>
               <a:ext uri="{FF2B5EF4-FFF2-40B4-BE49-F238E27FC236}">
-                <a16:creationId xmlns:a16="http://schemas.microsoft.com/office/drawing/2014/main" xmlns="" id="{31180D3F-E491-4445-8955-67AFE52FC796}"/>
+                <a16:creationId xmlns:a16="http://schemas.microsoft.com/office/drawing/2014/main" id="{31180D3F-E491-4445-8955-67AFE52FC796}"/>
               </a:ext>
             </a:extLst>
           </p:cNvPr>
@@ -2008,7 +2012,7 @@
             <a:fld id="{24C3A72B-EA9F-49ED-9480-D5BBE463D3C6}" type="datetimeFigureOut">
               <a:rPr lang="en-GB" smtClean="0"/>
               <a:pPr/>
-              <a:t>24/02/2018</a:t>
+              <a:t>25/02/2018</a:t>
             </a:fld>
             <a:endParaRPr lang="en-GB"/>
           </a:p>
@@ -2019,7 +2023,7 @@
           <p:cNvPr id="5" name="Footer Placeholder 4">
             <a:extLst>
               <a:ext uri="{FF2B5EF4-FFF2-40B4-BE49-F238E27FC236}">
-                <a16:creationId xmlns:a16="http://schemas.microsoft.com/office/drawing/2014/main" xmlns="" id="{5CED9A43-BFD2-4EDD-802E-19797C6D70CA}"/>
+                <a16:creationId xmlns:a16="http://schemas.microsoft.com/office/drawing/2014/main" id="{5CED9A43-BFD2-4EDD-802E-19797C6D70CA}"/>
               </a:ext>
             </a:extLst>
           </p:cNvPr>
@@ -2044,7 +2048,7 @@
           <p:cNvPr id="6" name="Slide Number Placeholder 5">
             <a:extLst>
               <a:ext uri="{FF2B5EF4-FFF2-40B4-BE49-F238E27FC236}">
-                <a16:creationId xmlns:a16="http://schemas.microsoft.com/office/drawing/2014/main" xmlns="" id="{28FC87F7-4CBA-466F-863D-11A1CA8764AA}"/>
+                <a16:creationId xmlns:a16="http://schemas.microsoft.com/office/drawing/2014/main" id="{28FC87F7-4CBA-466F-863D-11A1CA8764AA}"/>
               </a:ext>
             </a:extLst>
           </p:cNvPr>
@@ -2072,7 +2076,7 @@
     </p:spTree>
     <p:extLst>
       <p:ext uri="{BB962C8B-B14F-4D97-AF65-F5344CB8AC3E}">
-        <p14:creationId xmlns:p14="http://schemas.microsoft.com/office/powerpoint/2010/main" xmlns="" val="1398053472"/>
+        <p14:creationId xmlns:p14="http://schemas.microsoft.com/office/powerpoint/2010/main" val="1398053472"/>
       </p:ext>
     </p:extLst>
   </p:cSld>
@@ -2104,7 +2108,7 @@
           <p:cNvPr id="2" name="Title 1">
             <a:extLst>
               <a:ext uri="{FF2B5EF4-FFF2-40B4-BE49-F238E27FC236}">
-                <a16:creationId xmlns:a16="http://schemas.microsoft.com/office/drawing/2014/main" xmlns="" id="{F8713CCA-DA4A-4E8D-A6E6-4D5C06A1CA92}"/>
+                <a16:creationId xmlns:a16="http://schemas.microsoft.com/office/drawing/2014/main" id="{F8713CCA-DA4A-4E8D-A6E6-4D5C06A1CA92}"/>
               </a:ext>
             </a:extLst>
           </p:cNvPr>
@@ -2142,7 +2146,7 @@
           <p:cNvPr id="3" name="Text Placeholder 2">
             <a:extLst>
               <a:ext uri="{FF2B5EF4-FFF2-40B4-BE49-F238E27FC236}">
-                <a16:creationId xmlns:a16="http://schemas.microsoft.com/office/drawing/2014/main" xmlns="" id="{E796A181-893E-4E6D-8829-2ABB545F4D93}"/>
+                <a16:creationId xmlns:a16="http://schemas.microsoft.com/office/drawing/2014/main" id="{E796A181-893E-4E6D-8829-2ABB545F4D93}"/>
               </a:ext>
             </a:extLst>
           </p:cNvPr>
@@ -2267,7 +2271,7 @@
           <p:cNvPr id="4" name="Date Placeholder 3">
             <a:extLst>
               <a:ext uri="{FF2B5EF4-FFF2-40B4-BE49-F238E27FC236}">
-                <a16:creationId xmlns:a16="http://schemas.microsoft.com/office/drawing/2014/main" xmlns="" id="{4F60A353-D637-4AFB-963D-A375C8D7DE15}"/>
+                <a16:creationId xmlns:a16="http://schemas.microsoft.com/office/drawing/2014/main" id="{4F60A353-D637-4AFB-963D-A375C8D7DE15}"/>
               </a:ext>
             </a:extLst>
           </p:cNvPr>
@@ -2286,7 +2290,7 @@
             <a:fld id="{24C3A72B-EA9F-49ED-9480-D5BBE463D3C6}" type="datetimeFigureOut">
               <a:rPr lang="en-GB" smtClean="0"/>
               <a:pPr/>
-              <a:t>24/02/2018</a:t>
+              <a:t>25/02/2018</a:t>
             </a:fld>
             <a:endParaRPr lang="en-GB"/>
           </a:p>
@@ -2297,7 +2301,7 @@
           <p:cNvPr id="5" name="Footer Placeholder 4">
             <a:extLst>
               <a:ext uri="{FF2B5EF4-FFF2-40B4-BE49-F238E27FC236}">
-                <a16:creationId xmlns:a16="http://schemas.microsoft.com/office/drawing/2014/main" xmlns="" id="{14A1034E-26D2-46C4-B048-516F786DA9EC}"/>
+                <a16:creationId xmlns:a16="http://schemas.microsoft.com/office/drawing/2014/main" id="{14A1034E-26D2-46C4-B048-516F786DA9EC}"/>
               </a:ext>
             </a:extLst>
           </p:cNvPr>
@@ -2322,7 +2326,7 @@
           <p:cNvPr id="6" name="Slide Number Placeholder 5">
             <a:extLst>
               <a:ext uri="{FF2B5EF4-FFF2-40B4-BE49-F238E27FC236}">
-                <a16:creationId xmlns:a16="http://schemas.microsoft.com/office/drawing/2014/main" xmlns="" id="{946ACA28-BDA0-401C-B5E5-029DDA8E1D7B}"/>
+                <a16:creationId xmlns:a16="http://schemas.microsoft.com/office/drawing/2014/main" id="{946ACA28-BDA0-401C-B5E5-029DDA8E1D7B}"/>
               </a:ext>
             </a:extLst>
           </p:cNvPr>
@@ -2350,7 +2354,7 @@
     </p:spTree>
     <p:extLst>
       <p:ext uri="{BB962C8B-B14F-4D97-AF65-F5344CB8AC3E}">
-        <p14:creationId xmlns:p14="http://schemas.microsoft.com/office/powerpoint/2010/main" xmlns="" val="1945849922"/>
+        <p14:creationId xmlns:p14="http://schemas.microsoft.com/office/powerpoint/2010/main" val="1945849922"/>
       </p:ext>
     </p:extLst>
   </p:cSld>
@@ -2382,7 +2386,7 @@
           <p:cNvPr id="2" name="Title 1">
             <a:extLst>
               <a:ext uri="{FF2B5EF4-FFF2-40B4-BE49-F238E27FC236}">
-                <a16:creationId xmlns:a16="http://schemas.microsoft.com/office/drawing/2014/main" xmlns="" id="{5C30AE81-C3FC-46F8-A43E-6CEB9925FC44}"/>
+                <a16:creationId xmlns:a16="http://schemas.microsoft.com/office/drawing/2014/main" id="{5C30AE81-C3FC-46F8-A43E-6CEB9925FC44}"/>
               </a:ext>
             </a:extLst>
           </p:cNvPr>
@@ -2411,7 +2415,7 @@
           <p:cNvPr id="3" name="Content Placeholder 2">
             <a:extLst>
               <a:ext uri="{FF2B5EF4-FFF2-40B4-BE49-F238E27FC236}">
-                <a16:creationId xmlns:a16="http://schemas.microsoft.com/office/drawing/2014/main" xmlns="" id="{5088C0F7-4CD0-4904-8A34-D6A4CBE69A6E}"/>
+                <a16:creationId xmlns:a16="http://schemas.microsoft.com/office/drawing/2014/main" id="{5088C0F7-4CD0-4904-8A34-D6A4CBE69A6E}"/>
               </a:ext>
             </a:extLst>
           </p:cNvPr>
@@ -2474,7 +2478,7 @@
           <p:cNvPr id="4" name="Content Placeholder 3">
             <a:extLst>
               <a:ext uri="{FF2B5EF4-FFF2-40B4-BE49-F238E27FC236}">
-                <a16:creationId xmlns:a16="http://schemas.microsoft.com/office/drawing/2014/main" xmlns="" id="{16A80048-D1B9-4999-807E-1BF158739194}"/>
+                <a16:creationId xmlns:a16="http://schemas.microsoft.com/office/drawing/2014/main" id="{16A80048-D1B9-4999-807E-1BF158739194}"/>
               </a:ext>
             </a:extLst>
           </p:cNvPr>
@@ -2537,7 +2541,7 @@
           <p:cNvPr id="5" name="Date Placeholder 4">
             <a:extLst>
               <a:ext uri="{FF2B5EF4-FFF2-40B4-BE49-F238E27FC236}">
-                <a16:creationId xmlns:a16="http://schemas.microsoft.com/office/drawing/2014/main" xmlns="" id="{5F1C4467-5E7A-444D-8C1F-9C85A5350FEC}"/>
+                <a16:creationId xmlns:a16="http://schemas.microsoft.com/office/drawing/2014/main" id="{5F1C4467-5E7A-444D-8C1F-9C85A5350FEC}"/>
               </a:ext>
             </a:extLst>
           </p:cNvPr>
@@ -2556,7 +2560,7 @@
             <a:fld id="{24C3A72B-EA9F-49ED-9480-D5BBE463D3C6}" type="datetimeFigureOut">
               <a:rPr lang="en-GB" smtClean="0"/>
               <a:pPr/>
-              <a:t>24/02/2018</a:t>
+              <a:t>25/02/2018</a:t>
             </a:fld>
             <a:endParaRPr lang="en-GB"/>
           </a:p>
@@ -2567,7 +2571,7 @@
           <p:cNvPr id="6" name="Footer Placeholder 5">
             <a:extLst>
               <a:ext uri="{FF2B5EF4-FFF2-40B4-BE49-F238E27FC236}">
-                <a16:creationId xmlns:a16="http://schemas.microsoft.com/office/drawing/2014/main" xmlns="" id="{384026F4-B643-4CC3-B710-FE767082020C}"/>
+                <a16:creationId xmlns:a16="http://schemas.microsoft.com/office/drawing/2014/main" id="{384026F4-B643-4CC3-B710-FE767082020C}"/>
               </a:ext>
             </a:extLst>
           </p:cNvPr>
@@ -2592,7 +2596,7 @@
           <p:cNvPr id="7" name="Slide Number Placeholder 6">
             <a:extLst>
               <a:ext uri="{FF2B5EF4-FFF2-40B4-BE49-F238E27FC236}">
-                <a16:creationId xmlns:a16="http://schemas.microsoft.com/office/drawing/2014/main" xmlns="" id="{B4F45919-5C3E-4A20-BC4E-1A8950F00937}"/>
+                <a16:creationId xmlns:a16="http://schemas.microsoft.com/office/drawing/2014/main" id="{B4F45919-5C3E-4A20-BC4E-1A8950F00937}"/>
               </a:ext>
             </a:extLst>
           </p:cNvPr>
@@ -2620,7 +2624,7 @@
     </p:spTree>
     <p:extLst>
       <p:ext uri="{BB962C8B-B14F-4D97-AF65-F5344CB8AC3E}">
-        <p14:creationId xmlns:p14="http://schemas.microsoft.com/office/powerpoint/2010/main" xmlns="" val="1382044922"/>
+        <p14:creationId xmlns:p14="http://schemas.microsoft.com/office/powerpoint/2010/main" val="1382044922"/>
       </p:ext>
     </p:extLst>
   </p:cSld>
@@ -2652,7 +2656,7 @@
           <p:cNvPr id="2" name="Title 1">
             <a:extLst>
               <a:ext uri="{FF2B5EF4-FFF2-40B4-BE49-F238E27FC236}">
-                <a16:creationId xmlns:a16="http://schemas.microsoft.com/office/drawing/2014/main" xmlns="" id="{E40FFFB1-649D-426B-B189-1DAD66D14336}"/>
+                <a16:creationId xmlns:a16="http://schemas.microsoft.com/office/drawing/2014/main" id="{E40FFFB1-649D-426B-B189-1DAD66D14336}"/>
               </a:ext>
             </a:extLst>
           </p:cNvPr>
@@ -2686,7 +2690,7 @@
           <p:cNvPr id="3" name="Text Placeholder 2">
             <a:extLst>
               <a:ext uri="{FF2B5EF4-FFF2-40B4-BE49-F238E27FC236}">
-                <a16:creationId xmlns:a16="http://schemas.microsoft.com/office/drawing/2014/main" xmlns="" id="{8772471C-BEC4-47A2-ACB6-54F4C91BFB2A}"/>
+                <a16:creationId xmlns:a16="http://schemas.microsoft.com/office/drawing/2014/main" id="{8772471C-BEC4-47A2-ACB6-54F4C91BFB2A}"/>
               </a:ext>
             </a:extLst>
           </p:cNvPr>
@@ -2757,7 +2761,7 @@
           <p:cNvPr id="4" name="Content Placeholder 3">
             <a:extLst>
               <a:ext uri="{FF2B5EF4-FFF2-40B4-BE49-F238E27FC236}">
-                <a16:creationId xmlns:a16="http://schemas.microsoft.com/office/drawing/2014/main" xmlns="" id="{5AD87827-BA33-4B72-BCD3-C0C3D2AA931B}"/>
+                <a16:creationId xmlns:a16="http://schemas.microsoft.com/office/drawing/2014/main" id="{5AD87827-BA33-4B72-BCD3-C0C3D2AA931B}"/>
               </a:ext>
             </a:extLst>
           </p:cNvPr>
@@ -2820,7 +2824,7 @@
           <p:cNvPr id="5" name="Text Placeholder 4">
             <a:extLst>
               <a:ext uri="{FF2B5EF4-FFF2-40B4-BE49-F238E27FC236}">
-                <a16:creationId xmlns:a16="http://schemas.microsoft.com/office/drawing/2014/main" xmlns="" id="{138A58D4-A5B6-48A1-B509-C37CE93409BD}"/>
+                <a16:creationId xmlns:a16="http://schemas.microsoft.com/office/drawing/2014/main" id="{138A58D4-A5B6-48A1-B509-C37CE93409BD}"/>
               </a:ext>
             </a:extLst>
           </p:cNvPr>
@@ -2891,7 +2895,7 @@
           <p:cNvPr id="6" name="Content Placeholder 5">
             <a:extLst>
               <a:ext uri="{FF2B5EF4-FFF2-40B4-BE49-F238E27FC236}">
-                <a16:creationId xmlns:a16="http://schemas.microsoft.com/office/drawing/2014/main" xmlns="" id="{6CC17053-AB6B-4F65-8F9E-EDC8C39D1399}"/>
+                <a16:creationId xmlns:a16="http://schemas.microsoft.com/office/drawing/2014/main" id="{6CC17053-AB6B-4F65-8F9E-EDC8C39D1399}"/>
               </a:ext>
             </a:extLst>
           </p:cNvPr>
@@ -2954,7 +2958,7 @@
           <p:cNvPr id="7" name="Date Placeholder 6">
             <a:extLst>
               <a:ext uri="{FF2B5EF4-FFF2-40B4-BE49-F238E27FC236}">
-                <a16:creationId xmlns:a16="http://schemas.microsoft.com/office/drawing/2014/main" xmlns="" id="{E3D90822-B7B8-481A-BB0C-B672B0F6A17C}"/>
+                <a16:creationId xmlns:a16="http://schemas.microsoft.com/office/drawing/2014/main" id="{E3D90822-B7B8-481A-BB0C-B672B0F6A17C}"/>
               </a:ext>
             </a:extLst>
           </p:cNvPr>
@@ -2973,7 +2977,7 @@
             <a:fld id="{24C3A72B-EA9F-49ED-9480-D5BBE463D3C6}" type="datetimeFigureOut">
               <a:rPr lang="en-GB" smtClean="0"/>
               <a:pPr/>
-              <a:t>24/02/2018</a:t>
+              <a:t>25/02/2018</a:t>
             </a:fld>
             <a:endParaRPr lang="en-GB"/>
           </a:p>
@@ -2984,7 +2988,7 @@
           <p:cNvPr id="8" name="Footer Placeholder 7">
             <a:extLst>
               <a:ext uri="{FF2B5EF4-FFF2-40B4-BE49-F238E27FC236}">
-                <a16:creationId xmlns:a16="http://schemas.microsoft.com/office/drawing/2014/main" xmlns="" id="{3A433E44-143D-440A-8BD2-8BC9C9CF6734}"/>
+                <a16:creationId xmlns:a16="http://schemas.microsoft.com/office/drawing/2014/main" id="{3A433E44-143D-440A-8BD2-8BC9C9CF6734}"/>
               </a:ext>
             </a:extLst>
           </p:cNvPr>
@@ -3009,7 +3013,7 @@
           <p:cNvPr id="9" name="Slide Number Placeholder 8">
             <a:extLst>
               <a:ext uri="{FF2B5EF4-FFF2-40B4-BE49-F238E27FC236}">
-                <a16:creationId xmlns:a16="http://schemas.microsoft.com/office/drawing/2014/main" xmlns="" id="{EC97B467-9FF0-43E8-9056-E6AB688AFC17}"/>
+                <a16:creationId xmlns:a16="http://schemas.microsoft.com/office/drawing/2014/main" id="{EC97B467-9FF0-43E8-9056-E6AB688AFC17}"/>
               </a:ext>
             </a:extLst>
           </p:cNvPr>
@@ -3037,7 +3041,7 @@
     </p:spTree>
     <p:extLst>
       <p:ext uri="{BB962C8B-B14F-4D97-AF65-F5344CB8AC3E}">
-        <p14:creationId xmlns:p14="http://schemas.microsoft.com/office/powerpoint/2010/main" xmlns="" val="3457634593"/>
+        <p14:creationId xmlns:p14="http://schemas.microsoft.com/office/powerpoint/2010/main" val="3457634593"/>
       </p:ext>
     </p:extLst>
   </p:cSld>
@@ -3069,7 +3073,7 @@
           <p:cNvPr id="2" name="Title 1">
             <a:extLst>
               <a:ext uri="{FF2B5EF4-FFF2-40B4-BE49-F238E27FC236}">
-                <a16:creationId xmlns:a16="http://schemas.microsoft.com/office/drawing/2014/main" xmlns="" id="{126C16E5-B433-42A2-9EFF-55EF20909D15}"/>
+                <a16:creationId xmlns:a16="http://schemas.microsoft.com/office/drawing/2014/main" id="{126C16E5-B433-42A2-9EFF-55EF20909D15}"/>
               </a:ext>
             </a:extLst>
           </p:cNvPr>
@@ -3098,7 +3102,7 @@
           <p:cNvPr id="3" name="Date Placeholder 2">
             <a:extLst>
               <a:ext uri="{FF2B5EF4-FFF2-40B4-BE49-F238E27FC236}">
-                <a16:creationId xmlns:a16="http://schemas.microsoft.com/office/drawing/2014/main" xmlns="" id="{4B69A33F-53FA-4B8F-923C-811A663804E1}"/>
+                <a16:creationId xmlns:a16="http://schemas.microsoft.com/office/drawing/2014/main" id="{4B69A33F-53FA-4B8F-923C-811A663804E1}"/>
               </a:ext>
             </a:extLst>
           </p:cNvPr>
@@ -3117,7 +3121,7 @@
             <a:fld id="{24C3A72B-EA9F-49ED-9480-D5BBE463D3C6}" type="datetimeFigureOut">
               <a:rPr lang="en-GB" smtClean="0"/>
               <a:pPr/>
-              <a:t>24/02/2018</a:t>
+              <a:t>25/02/2018</a:t>
             </a:fld>
             <a:endParaRPr lang="en-GB"/>
           </a:p>
@@ -3128,7 +3132,7 @@
           <p:cNvPr id="4" name="Footer Placeholder 3">
             <a:extLst>
               <a:ext uri="{FF2B5EF4-FFF2-40B4-BE49-F238E27FC236}">
-                <a16:creationId xmlns:a16="http://schemas.microsoft.com/office/drawing/2014/main" xmlns="" id="{CE5979CA-B672-4BE0-9727-E607CF5FBA10}"/>
+                <a16:creationId xmlns:a16="http://schemas.microsoft.com/office/drawing/2014/main" id="{CE5979CA-B672-4BE0-9727-E607CF5FBA10}"/>
               </a:ext>
             </a:extLst>
           </p:cNvPr>
@@ -3153,7 +3157,7 @@
           <p:cNvPr id="5" name="Slide Number Placeholder 4">
             <a:extLst>
               <a:ext uri="{FF2B5EF4-FFF2-40B4-BE49-F238E27FC236}">
-                <a16:creationId xmlns:a16="http://schemas.microsoft.com/office/drawing/2014/main" xmlns="" id="{9F7BAA98-4121-40E6-B29F-2204B30F0C2E}"/>
+                <a16:creationId xmlns:a16="http://schemas.microsoft.com/office/drawing/2014/main" id="{9F7BAA98-4121-40E6-B29F-2204B30F0C2E}"/>
               </a:ext>
             </a:extLst>
           </p:cNvPr>
@@ -3181,7 +3185,7 @@
     </p:spTree>
     <p:extLst>
       <p:ext uri="{BB962C8B-B14F-4D97-AF65-F5344CB8AC3E}">
-        <p14:creationId xmlns:p14="http://schemas.microsoft.com/office/powerpoint/2010/main" xmlns="" val="4070145130"/>
+        <p14:creationId xmlns:p14="http://schemas.microsoft.com/office/powerpoint/2010/main" val="4070145130"/>
       </p:ext>
     </p:extLst>
   </p:cSld>
@@ -3213,7 +3217,7 @@
           <p:cNvPr id="2" name="Date Placeholder 1">
             <a:extLst>
               <a:ext uri="{FF2B5EF4-FFF2-40B4-BE49-F238E27FC236}">
-                <a16:creationId xmlns:a16="http://schemas.microsoft.com/office/drawing/2014/main" xmlns="" id="{5CC14C16-6481-4904-AC0A-7E3279C7059D}"/>
+                <a16:creationId xmlns:a16="http://schemas.microsoft.com/office/drawing/2014/main" id="{5CC14C16-6481-4904-AC0A-7E3279C7059D}"/>
               </a:ext>
             </a:extLst>
           </p:cNvPr>
@@ -3232,7 +3236,7 @@
             <a:fld id="{24C3A72B-EA9F-49ED-9480-D5BBE463D3C6}" type="datetimeFigureOut">
               <a:rPr lang="en-GB" smtClean="0"/>
               <a:pPr/>
-              <a:t>24/02/2018</a:t>
+              <a:t>25/02/2018</a:t>
             </a:fld>
             <a:endParaRPr lang="en-GB"/>
           </a:p>
@@ -3243,7 +3247,7 @@
           <p:cNvPr id="3" name="Footer Placeholder 2">
             <a:extLst>
               <a:ext uri="{FF2B5EF4-FFF2-40B4-BE49-F238E27FC236}">
-                <a16:creationId xmlns:a16="http://schemas.microsoft.com/office/drawing/2014/main" xmlns="" id="{F6C26942-E7C8-4D7B-AF06-F5CBEFE52D52}"/>
+                <a16:creationId xmlns:a16="http://schemas.microsoft.com/office/drawing/2014/main" id="{F6C26942-E7C8-4D7B-AF06-F5CBEFE52D52}"/>
               </a:ext>
             </a:extLst>
           </p:cNvPr>
@@ -3268,7 +3272,7 @@
           <p:cNvPr id="4" name="Slide Number Placeholder 3">
             <a:extLst>
               <a:ext uri="{FF2B5EF4-FFF2-40B4-BE49-F238E27FC236}">
-                <a16:creationId xmlns:a16="http://schemas.microsoft.com/office/drawing/2014/main" xmlns="" id="{F4DAB499-97FD-4827-B6B8-0F96F7C4FE5D}"/>
+                <a16:creationId xmlns:a16="http://schemas.microsoft.com/office/drawing/2014/main" id="{F4DAB499-97FD-4827-B6B8-0F96F7C4FE5D}"/>
               </a:ext>
             </a:extLst>
           </p:cNvPr>
@@ -3296,7 +3300,7 @@
     </p:spTree>
     <p:extLst>
       <p:ext uri="{BB962C8B-B14F-4D97-AF65-F5344CB8AC3E}">
-        <p14:creationId xmlns:p14="http://schemas.microsoft.com/office/powerpoint/2010/main" xmlns="" val="1991650923"/>
+        <p14:creationId xmlns:p14="http://schemas.microsoft.com/office/powerpoint/2010/main" val="1991650923"/>
       </p:ext>
     </p:extLst>
   </p:cSld>
@@ -3328,7 +3332,7 @@
           <p:cNvPr id="2" name="Title 1">
             <a:extLst>
               <a:ext uri="{FF2B5EF4-FFF2-40B4-BE49-F238E27FC236}">
-                <a16:creationId xmlns:a16="http://schemas.microsoft.com/office/drawing/2014/main" xmlns="" id="{8DB1DE1E-A84A-447A-898D-F7D7DEFFBBCD}"/>
+                <a16:creationId xmlns:a16="http://schemas.microsoft.com/office/drawing/2014/main" id="{8DB1DE1E-A84A-447A-898D-F7D7DEFFBBCD}"/>
               </a:ext>
             </a:extLst>
           </p:cNvPr>
@@ -3366,7 +3370,7 @@
           <p:cNvPr id="3" name="Content Placeholder 2">
             <a:extLst>
               <a:ext uri="{FF2B5EF4-FFF2-40B4-BE49-F238E27FC236}">
-                <a16:creationId xmlns:a16="http://schemas.microsoft.com/office/drawing/2014/main" xmlns="" id="{00C215BD-D7D7-49A5-86B5-19FA9FCE98D7}"/>
+                <a16:creationId xmlns:a16="http://schemas.microsoft.com/office/drawing/2014/main" id="{00C215BD-D7D7-49A5-86B5-19FA9FCE98D7}"/>
               </a:ext>
             </a:extLst>
           </p:cNvPr>
@@ -3457,7 +3461,7 @@
           <p:cNvPr id="4" name="Text Placeholder 3">
             <a:extLst>
               <a:ext uri="{FF2B5EF4-FFF2-40B4-BE49-F238E27FC236}">
-                <a16:creationId xmlns:a16="http://schemas.microsoft.com/office/drawing/2014/main" xmlns="" id="{963333A7-986A-4F23-AD4B-645062463568}"/>
+                <a16:creationId xmlns:a16="http://schemas.microsoft.com/office/drawing/2014/main" id="{963333A7-986A-4F23-AD4B-645062463568}"/>
               </a:ext>
             </a:extLst>
           </p:cNvPr>
@@ -3528,7 +3532,7 @@
           <p:cNvPr id="5" name="Date Placeholder 4">
             <a:extLst>
               <a:ext uri="{FF2B5EF4-FFF2-40B4-BE49-F238E27FC236}">
-                <a16:creationId xmlns:a16="http://schemas.microsoft.com/office/drawing/2014/main" xmlns="" id="{3D141368-BD0B-4EC5-894A-09555901F516}"/>
+                <a16:creationId xmlns:a16="http://schemas.microsoft.com/office/drawing/2014/main" id="{3D141368-BD0B-4EC5-894A-09555901F516}"/>
               </a:ext>
             </a:extLst>
           </p:cNvPr>
@@ -3547,7 +3551,7 @@
             <a:fld id="{24C3A72B-EA9F-49ED-9480-D5BBE463D3C6}" type="datetimeFigureOut">
               <a:rPr lang="en-GB" smtClean="0"/>
               <a:pPr/>
-              <a:t>24/02/2018</a:t>
+              <a:t>25/02/2018</a:t>
             </a:fld>
             <a:endParaRPr lang="en-GB"/>
           </a:p>
@@ -3558,7 +3562,7 @@
           <p:cNvPr id="6" name="Footer Placeholder 5">
             <a:extLst>
               <a:ext uri="{FF2B5EF4-FFF2-40B4-BE49-F238E27FC236}">
-                <a16:creationId xmlns:a16="http://schemas.microsoft.com/office/drawing/2014/main" xmlns="" id="{FA6D6A8F-73ED-40EE-9BF6-7C9A264B11E7}"/>
+                <a16:creationId xmlns:a16="http://schemas.microsoft.com/office/drawing/2014/main" id="{FA6D6A8F-73ED-40EE-9BF6-7C9A264B11E7}"/>
               </a:ext>
             </a:extLst>
           </p:cNvPr>
@@ -3583,7 +3587,7 @@
           <p:cNvPr id="7" name="Slide Number Placeholder 6">
             <a:extLst>
               <a:ext uri="{FF2B5EF4-FFF2-40B4-BE49-F238E27FC236}">
-                <a16:creationId xmlns:a16="http://schemas.microsoft.com/office/drawing/2014/main" xmlns="" id="{9FFB6450-457F-4CC9-9642-311C051E1BB6}"/>
+                <a16:creationId xmlns:a16="http://schemas.microsoft.com/office/drawing/2014/main" id="{9FFB6450-457F-4CC9-9642-311C051E1BB6}"/>
               </a:ext>
             </a:extLst>
           </p:cNvPr>
@@ -3611,7 +3615,7 @@
     </p:spTree>
     <p:extLst>
       <p:ext uri="{BB962C8B-B14F-4D97-AF65-F5344CB8AC3E}">
-        <p14:creationId xmlns:p14="http://schemas.microsoft.com/office/powerpoint/2010/main" xmlns="" val="3135145738"/>
+        <p14:creationId xmlns:p14="http://schemas.microsoft.com/office/powerpoint/2010/main" val="3135145738"/>
       </p:ext>
     </p:extLst>
   </p:cSld>
@@ -3643,7 +3647,7 @@
           <p:cNvPr id="2" name="Title 1">
             <a:extLst>
               <a:ext uri="{FF2B5EF4-FFF2-40B4-BE49-F238E27FC236}">
-                <a16:creationId xmlns:a16="http://schemas.microsoft.com/office/drawing/2014/main" xmlns="" id="{8C1296DB-0DB8-4F14-9BF6-5579C0960222}"/>
+                <a16:creationId xmlns:a16="http://schemas.microsoft.com/office/drawing/2014/main" id="{8C1296DB-0DB8-4F14-9BF6-5579C0960222}"/>
               </a:ext>
             </a:extLst>
           </p:cNvPr>
@@ -3681,7 +3685,7 @@
           <p:cNvPr id="3" name="Picture Placeholder 2">
             <a:extLst>
               <a:ext uri="{FF2B5EF4-FFF2-40B4-BE49-F238E27FC236}">
-                <a16:creationId xmlns:a16="http://schemas.microsoft.com/office/drawing/2014/main" xmlns="" id="{7EDD28FD-96ED-49BE-8A09-6B9C86BEA995}"/>
+                <a16:creationId xmlns:a16="http://schemas.microsoft.com/office/drawing/2014/main" id="{7EDD28FD-96ED-49BE-8A09-6B9C86BEA995}"/>
               </a:ext>
             </a:extLst>
           </p:cNvPr>
@@ -3748,7 +3752,7 @@
           <p:cNvPr id="4" name="Text Placeholder 3">
             <a:extLst>
               <a:ext uri="{FF2B5EF4-FFF2-40B4-BE49-F238E27FC236}">
-                <a16:creationId xmlns:a16="http://schemas.microsoft.com/office/drawing/2014/main" xmlns="" id="{ADA4AC5E-4A1B-482A-A3FE-C174ECCF882D}"/>
+                <a16:creationId xmlns:a16="http://schemas.microsoft.com/office/drawing/2014/main" id="{ADA4AC5E-4A1B-482A-A3FE-C174ECCF882D}"/>
               </a:ext>
             </a:extLst>
           </p:cNvPr>
@@ -3819,7 +3823,7 @@
           <p:cNvPr id="5" name="Date Placeholder 4">
             <a:extLst>
               <a:ext uri="{FF2B5EF4-FFF2-40B4-BE49-F238E27FC236}">
-                <a16:creationId xmlns:a16="http://schemas.microsoft.com/office/drawing/2014/main" xmlns="" id="{40D65AD9-E4E1-40E5-BE5B-AB193A4848A3}"/>
+                <a16:creationId xmlns:a16="http://schemas.microsoft.com/office/drawing/2014/main" id="{40D65AD9-E4E1-40E5-BE5B-AB193A4848A3}"/>
               </a:ext>
             </a:extLst>
           </p:cNvPr>
@@ -3838,7 +3842,7 @@
             <a:fld id="{24C3A72B-EA9F-49ED-9480-D5BBE463D3C6}" type="datetimeFigureOut">
               <a:rPr lang="en-GB" smtClean="0"/>
               <a:pPr/>
-              <a:t>24/02/2018</a:t>
+              <a:t>25/02/2018</a:t>
             </a:fld>
             <a:endParaRPr lang="en-GB"/>
           </a:p>
@@ -3849,7 +3853,7 @@
           <p:cNvPr id="6" name="Footer Placeholder 5">
             <a:extLst>
               <a:ext uri="{FF2B5EF4-FFF2-40B4-BE49-F238E27FC236}">
-                <a16:creationId xmlns:a16="http://schemas.microsoft.com/office/drawing/2014/main" xmlns="" id="{B8B67A65-51C4-42C3-BCE1-2B6CDFA11351}"/>
+                <a16:creationId xmlns:a16="http://schemas.microsoft.com/office/drawing/2014/main" id="{B8B67A65-51C4-42C3-BCE1-2B6CDFA11351}"/>
               </a:ext>
             </a:extLst>
           </p:cNvPr>
@@ -3874,7 +3878,7 @@
           <p:cNvPr id="7" name="Slide Number Placeholder 6">
             <a:extLst>
               <a:ext uri="{FF2B5EF4-FFF2-40B4-BE49-F238E27FC236}">
-                <a16:creationId xmlns:a16="http://schemas.microsoft.com/office/drawing/2014/main" xmlns="" id="{8FA693F4-23BB-49C6-947A-E9223A7DD702}"/>
+                <a16:creationId xmlns:a16="http://schemas.microsoft.com/office/drawing/2014/main" id="{8FA693F4-23BB-49C6-947A-E9223A7DD702}"/>
               </a:ext>
             </a:extLst>
           </p:cNvPr>
@@ -3902,7 +3906,7 @@
     </p:spTree>
     <p:extLst>
       <p:ext uri="{BB962C8B-B14F-4D97-AF65-F5344CB8AC3E}">
-        <p14:creationId xmlns:p14="http://schemas.microsoft.com/office/powerpoint/2010/main" xmlns="" val="3595103176"/>
+        <p14:creationId xmlns:p14="http://schemas.microsoft.com/office/powerpoint/2010/main" val="3595103176"/>
       </p:ext>
     </p:extLst>
   </p:cSld>
@@ -3939,7 +3943,7 @@
           <p:cNvPr id="2" name="Title Placeholder 1">
             <a:extLst>
               <a:ext uri="{FF2B5EF4-FFF2-40B4-BE49-F238E27FC236}">
-                <a16:creationId xmlns:a16="http://schemas.microsoft.com/office/drawing/2014/main" xmlns="" id="{84BFBAD9-9BA2-48E1-8F6D-508057E885A8}"/>
+                <a16:creationId xmlns:a16="http://schemas.microsoft.com/office/drawing/2014/main" id="{84BFBAD9-9BA2-48E1-8F6D-508057E885A8}"/>
               </a:ext>
             </a:extLst>
           </p:cNvPr>
@@ -3978,7 +3982,7 @@
           <p:cNvPr id="3" name="Text Placeholder 2">
             <a:extLst>
               <a:ext uri="{FF2B5EF4-FFF2-40B4-BE49-F238E27FC236}">
-                <a16:creationId xmlns:a16="http://schemas.microsoft.com/office/drawing/2014/main" xmlns="" id="{9E540119-8CD7-44A9-8AB4-22B4558FAC90}"/>
+                <a16:creationId xmlns:a16="http://schemas.microsoft.com/office/drawing/2014/main" id="{9E540119-8CD7-44A9-8AB4-22B4558FAC90}"/>
               </a:ext>
             </a:extLst>
           </p:cNvPr>
@@ -4046,7 +4050,7 @@
           <p:cNvPr id="4" name="Date Placeholder 3">
             <a:extLst>
               <a:ext uri="{FF2B5EF4-FFF2-40B4-BE49-F238E27FC236}">
-                <a16:creationId xmlns:a16="http://schemas.microsoft.com/office/drawing/2014/main" xmlns="" id="{6ADDB086-675C-45AE-B2E3-8AB1AC643C42}"/>
+                <a16:creationId xmlns:a16="http://schemas.microsoft.com/office/drawing/2014/main" id="{6ADDB086-675C-45AE-B2E3-8AB1AC643C42}"/>
               </a:ext>
             </a:extLst>
           </p:cNvPr>
@@ -4083,7 +4087,7 @@
             <a:fld id="{24C3A72B-EA9F-49ED-9480-D5BBE463D3C6}" type="datetimeFigureOut">
               <a:rPr lang="en-GB" smtClean="0"/>
               <a:pPr/>
-              <a:t>24/02/2018</a:t>
+              <a:t>25/02/2018</a:t>
             </a:fld>
             <a:endParaRPr lang="en-GB"/>
           </a:p>
@@ -4094,7 +4098,7 @@
           <p:cNvPr id="5" name="Footer Placeholder 4">
             <a:extLst>
               <a:ext uri="{FF2B5EF4-FFF2-40B4-BE49-F238E27FC236}">
-                <a16:creationId xmlns:a16="http://schemas.microsoft.com/office/drawing/2014/main" xmlns="" id="{20964F14-198A-4651-980F-B11F6946BEB6}"/>
+                <a16:creationId xmlns:a16="http://schemas.microsoft.com/office/drawing/2014/main" id="{20964F14-198A-4651-980F-B11F6946BEB6}"/>
               </a:ext>
             </a:extLst>
           </p:cNvPr>
@@ -4137,7 +4141,7 @@
           <p:cNvPr id="6" name="Slide Number Placeholder 5">
             <a:extLst>
               <a:ext uri="{FF2B5EF4-FFF2-40B4-BE49-F238E27FC236}">
-                <a16:creationId xmlns:a16="http://schemas.microsoft.com/office/drawing/2014/main" xmlns="" id="{49641EE6-2A40-457C-A97A-CE775F6542F4}"/>
+                <a16:creationId xmlns:a16="http://schemas.microsoft.com/office/drawing/2014/main" id="{49641EE6-2A40-457C-A97A-CE775F6542F4}"/>
               </a:ext>
             </a:extLst>
           </p:cNvPr>
@@ -4183,7 +4187,7 @@
     </p:spTree>
     <p:extLst>
       <p:ext uri="{BB962C8B-B14F-4D97-AF65-F5344CB8AC3E}">
-        <p14:creationId xmlns:p14="http://schemas.microsoft.com/office/powerpoint/2010/main" xmlns="" val="3074094979"/>
+        <p14:creationId xmlns:p14="http://schemas.microsoft.com/office/powerpoint/2010/main" val="3074094979"/>
       </p:ext>
     </p:extLst>
   </p:cSld>
@@ -4506,7 +4510,7 @@
           <p:cNvPr id="2" name="Title 1">
             <a:extLst>
               <a:ext uri="{FF2B5EF4-FFF2-40B4-BE49-F238E27FC236}">
-                <a16:creationId xmlns:a16="http://schemas.microsoft.com/office/drawing/2014/main" xmlns="" id="{574EBC81-6BDC-4A96-8A0D-185CFAF2037D}"/>
+                <a16:creationId xmlns:a16="http://schemas.microsoft.com/office/drawing/2014/main" id="{574EBC81-6BDC-4A96-8A0D-185CFAF2037D}"/>
               </a:ext>
             </a:extLst>
           </p:cNvPr>
@@ -4536,7 +4540,7 @@
           <p:cNvPr id="3" name="Subtitle 2">
             <a:extLst>
               <a:ext uri="{FF2B5EF4-FFF2-40B4-BE49-F238E27FC236}">
-                <a16:creationId xmlns:a16="http://schemas.microsoft.com/office/drawing/2014/main" xmlns="" id="{BD7C336B-31E1-4FC6-AA62-A69CD2AE8694}"/>
+                <a16:creationId xmlns:a16="http://schemas.microsoft.com/office/drawing/2014/main" id="{BD7C336B-31E1-4FC6-AA62-A69CD2AE8694}"/>
               </a:ext>
             </a:extLst>
           </p:cNvPr>
@@ -4566,7 +4570,7 @@
           <p:cNvPr id="5" name="Picture 4">
             <a:extLst>
               <a:ext uri="{FF2B5EF4-FFF2-40B4-BE49-F238E27FC236}">
-                <a16:creationId xmlns:a16="http://schemas.microsoft.com/office/drawing/2014/main" xmlns="" id="{C58B1723-B844-4200-A120-A2D85833B037}"/>
+                <a16:creationId xmlns:a16="http://schemas.microsoft.com/office/drawing/2014/main" id="{C58B1723-B844-4200-A120-A2D85833B037}"/>
               </a:ext>
             </a:extLst>
           </p:cNvPr>
@@ -4579,7 +4583,7 @@
           <a:blip r:embed="rId2">
             <a:extLst>
               <a:ext uri="{28A0092B-C50C-407E-A947-70E740481C1C}">
-                <a14:useLocalDpi xmlns:a14="http://schemas.microsoft.com/office/drawing/2010/main" xmlns="" val="0"/>
+                <a14:useLocalDpi xmlns:a14="http://schemas.microsoft.com/office/drawing/2010/main" val="0"/>
               </a:ext>
             </a:extLst>
           </a:blip>
@@ -4602,7 +4606,7 @@
           <p:cNvPr id="6" name="Picture 5">
             <a:extLst>
               <a:ext uri="{FF2B5EF4-FFF2-40B4-BE49-F238E27FC236}">
-                <a16:creationId xmlns:a16="http://schemas.microsoft.com/office/drawing/2014/main" xmlns="" id="{17AE45ED-A673-4FA2-B597-465724426CB5}"/>
+                <a16:creationId xmlns:a16="http://schemas.microsoft.com/office/drawing/2014/main" id="{17AE45ED-A673-4FA2-B597-465724426CB5}"/>
               </a:ext>
             </a:extLst>
           </p:cNvPr>
@@ -4615,7 +4619,7 @@
           <a:blip r:embed="rId2">
             <a:extLst>
               <a:ext uri="{28A0092B-C50C-407E-A947-70E740481C1C}">
-                <a14:useLocalDpi xmlns:a14="http://schemas.microsoft.com/office/drawing/2010/main" xmlns="" val="0"/>
+                <a14:useLocalDpi xmlns:a14="http://schemas.microsoft.com/office/drawing/2010/main" val="0"/>
               </a:ext>
             </a:extLst>
           </a:blip>
@@ -4638,7 +4642,7 @@
           <p:cNvPr id="7" name="Picture 6">
             <a:extLst>
               <a:ext uri="{FF2B5EF4-FFF2-40B4-BE49-F238E27FC236}">
-                <a16:creationId xmlns:a16="http://schemas.microsoft.com/office/drawing/2014/main" xmlns="" id="{E90C7CB9-E79E-4A04-A270-74206ED588C1}"/>
+                <a16:creationId xmlns:a16="http://schemas.microsoft.com/office/drawing/2014/main" id="{E90C7CB9-E79E-4A04-A270-74206ED588C1}"/>
               </a:ext>
             </a:extLst>
           </p:cNvPr>
@@ -4651,7 +4655,7 @@
           <a:blip r:embed="rId2">
             <a:extLst>
               <a:ext uri="{28A0092B-C50C-407E-A947-70E740481C1C}">
-                <a14:useLocalDpi xmlns:a14="http://schemas.microsoft.com/office/drawing/2010/main" xmlns="" val="0"/>
+                <a14:useLocalDpi xmlns:a14="http://schemas.microsoft.com/office/drawing/2010/main" val="0"/>
               </a:ext>
             </a:extLst>
           </a:blip>
@@ -4674,7 +4678,7 @@
           <p:cNvPr id="9" name="Picture 8">
             <a:extLst>
               <a:ext uri="{FF2B5EF4-FFF2-40B4-BE49-F238E27FC236}">
-                <a16:creationId xmlns:a16="http://schemas.microsoft.com/office/drawing/2014/main" xmlns="" id="{34E59009-30E3-4D3E-ADAD-7BD4DF00FAE4}"/>
+                <a16:creationId xmlns:a16="http://schemas.microsoft.com/office/drawing/2014/main" id="{34E59009-30E3-4D3E-ADAD-7BD4DF00FAE4}"/>
               </a:ext>
             </a:extLst>
           </p:cNvPr>
@@ -4687,7 +4691,7 @@
           <a:blip r:embed="rId3">
             <a:extLst>
               <a:ext uri="{28A0092B-C50C-407E-A947-70E740481C1C}">
-                <a14:useLocalDpi xmlns:a14="http://schemas.microsoft.com/office/drawing/2010/main" xmlns="" val="0"/>
+                <a14:useLocalDpi xmlns:a14="http://schemas.microsoft.com/office/drawing/2010/main" val="0"/>
               </a:ext>
             </a:extLst>
           </a:blip>
@@ -4710,7 +4714,7 @@
           <p:cNvPr id="11" name="Picture 10">
             <a:extLst>
               <a:ext uri="{FF2B5EF4-FFF2-40B4-BE49-F238E27FC236}">
-                <a16:creationId xmlns:a16="http://schemas.microsoft.com/office/drawing/2014/main" xmlns="" id="{23C87C0A-6BB6-4417-AAE8-9B7AE0A10355}"/>
+                <a16:creationId xmlns:a16="http://schemas.microsoft.com/office/drawing/2014/main" id="{23C87C0A-6BB6-4417-AAE8-9B7AE0A10355}"/>
               </a:ext>
             </a:extLst>
           </p:cNvPr>
@@ -4723,7 +4727,7 @@
           <a:blip r:embed="rId4">
             <a:extLst>
               <a:ext uri="{28A0092B-C50C-407E-A947-70E740481C1C}">
-                <a14:useLocalDpi xmlns:a14="http://schemas.microsoft.com/office/drawing/2010/main" xmlns="" val="0"/>
+                <a14:useLocalDpi xmlns:a14="http://schemas.microsoft.com/office/drawing/2010/main" val="0"/>
               </a:ext>
             </a:extLst>
           </a:blip>
@@ -4746,7 +4750,7 @@
           <p:cNvPr id="15" name="Picture 14">
             <a:extLst>
               <a:ext uri="{FF2B5EF4-FFF2-40B4-BE49-F238E27FC236}">
-                <a16:creationId xmlns:a16="http://schemas.microsoft.com/office/drawing/2014/main" xmlns="" id="{BE9BB441-FB20-4730-8E02-40B0B20C593A}"/>
+                <a16:creationId xmlns:a16="http://schemas.microsoft.com/office/drawing/2014/main" id="{BE9BB441-FB20-4730-8E02-40B0B20C593A}"/>
               </a:ext>
             </a:extLst>
           </p:cNvPr>
@@ -4759,7 +4763,7 @@
           <a:blip r:embed="rId5">
             <a:extLst>
               <a:ext uri="{28A0092B-C50C-407E-A947-70E740481C1C}">
-                <a14:useLocalDpi xmlns:a14="http://schemas.microsoft.com/office/drawing/2010/main" xmlns="" val="0"/>
+                <a14:useLocalDpi xmlns:a14="http://schemas.microsoft.com/office/drawing/2010/main" val="0"/>
               </a:ext>
             </a:extLst>
           </a:blip>
@@ -4782,7 +4786,7 @@
           <p:cNvPr id="17" name="Picture 16">
             <a:extLst>
               <a:ext uri="{FF2B5EF4-FFF2-40B4-BE49-F238E27FC236}">
-                <a16:creationId xmlns:a16="http://schemas.microsoft.com/office/drawing/2014/main" xmlns="" id="{F75BFA48-4F98-48AA-84F5-92035509AB94}"/>
+                <a16:creationId xmlns:a16="http://schemas.microsoft.com/office/drawing/2014/main" id="{F75BFA48-4F98-48AA-84F5-92035509AB94}"/>
               </a:ext>
             </a:extLst>
           </p:cNvPr>
@@ -4795,7 +4799,7 @@
           <a:blip r:embed="rId6">
             <a:extLst>
               <a:ext uri="{28A0092B-C50C-407E-A947-70E740481C1C}">
-                <a14:useLocalDpi xmlns:a14="http://schemas.microsoft.com/office/drawing/2010/main" xmlns="" val="0"/>
+                <a14:useLocalDpi xmlns:a14="http://schemas.microsoft.com/office/drawing/2010/main" val="0"/>
               </a:ext>
             </a:extLst>
           </a:blip>
@@ -4816,7 +4820,7 @@
     </p:spTree>
     <p:extLst>
       <p:ext uri="{BB962C8B-B14F-4D97-AF65-F5344CB8AC3E}">
-        <p14:creationId xmlns:p14="http://schemas.microsoft.com/office/powerpoint/2010/main" xmlns="" val="2535337005"/>
+        <p14:creationId xmlns:p14="http://schemas.microsoft.com/office/powerpoint/2010/main" val="2535337005"/>
       </p:ext>
     </p:extLst>
   </p:cSld>
@@ -4848,7 +4852,7 @@
           <p:cNvPr id="10" name="Picture 9">
             <a:extLst>
               <a:ext uri="{FF2B5EF4-FFF2-40B4-BE49-F238E27FC236}">
-                <a16:creationId xmlns:a16="http://schemas.microsoft.com/office/drawing/2014/main" xmlns="" id="{6248F25B-52F9-4CF0-BF52-629A9FD032CE}"/>
+                <a16:creationId xmlns:a16="http://schemas.microsoft.com/office/drawing/2014/main" id="{6248F25B-52F9-4CF0-BF52-629A9FD032CE}"/>
               </a:ext>
             </a:extLst>
           </p:cNvPr>
@@ -4877,7 +4881,7 @@
           <p:cNvPr id="9" name="Picture 8">
             <a:extLst>
               <a:ext uri="{FF2B5EF4-FFF2-40B4-BE49-F238E27FC236}">
-                <a16:creationId xmlns:a16="http://schemas.microsoft.com/office/drawing/2014/main" xmlns="" id="{158091B3-A577-4C1D-8D3E-131CBA84C0EE}"/>
+                <a16:creationId xmlns:a16="http://schemas.microsoft.com/office/drawing/2014/main" id="{158091B3-A577-4C1D-8D3E-131CBA84C0EE}"/>
               </a:ext>
             </a:extLst>
           </p:cNvPr>
@@ -4907,7 +4911,7 @@
           <p:cNvPr id="2" name="Title 1">
             <a:extLst>
               <a:ext uri="{FF2B5EF4-FFF2-40B4-BE49-F238E27FC236}">
-                <a16:creationId xmlns:a16="http://schemas.microsoft.com/office/drawing/2014/main" xmlns="" id="{DFC049F8-2284-4161-BE3C-431BCD0EFAB7}"/>
+                <a16:creationId xmlns:a16="http://schemas.microsoft.com/office/drawing/2014/main" id="{DFC049F8-2284-4161-BE3C-431BCD0EFAB7}"/>
               </a:ext>
             </a:extLst>
           </p:cNvPr>
@@ -4953,7 +4957,7 @@
           <p:cNvPr id="3" name="Content Placeholder 2">
             <a:extLst>
               <a:ext uri="{FF2B5EF4-FFF2-40B4-BE49-F238E27FC236}">
-                <a16:creationId xmlns:a16="http://schemas.microsoft.com/office/drawing/2014/main" xmlns="" id="{F2E045F5-714F-4E07-87A1-F5696A62ED28}"/>
+                <a16:creationId xmlns:a16="http://schemas.microsoft.com/office/drawing/2014/main" id="{F2E045F5-714F-4E07-87A1-F5696A62ED28}"/>
               </a:ext>
             </a:extLst>
           </p:cNvPr>
@@ -5004,7 +5008,7 @@
           <p:cNvPr id="6" name="TextBox 5">
             <a:extLst>
               <a:ext uri="{FF2B5EF4-FFF2-40B4-BE49-F238E27FC236}">
-                <a16:creationId xmlns:a16="http://schemas.microsoft.com/office/drawing/2014/main" xmlns="" id="{2A7FCD91-3666-4A23-B530-B70A5977CFC4}"/>
+                <a16:creationId xmlns:a16="http://schemas.microsoft.com/office/drawing/2014/main" id="{2A7FCD91-3666-4A23-B530-B70A5977CFC4}"/>
               </a:ext>
             </a:extLst>
           </p:cNvPr>
@@ -5043,7 +5047,7 @@
           <p:cNvPr id="8" name="Picture 7">
             <a:extLst>
               <a:ext uri="{FF2B5EF4-FFF2-40B4-BE49-F238E27FC236}">
-                <a16:creationId xmlns:a16="http://schemas.microsoft.com/office/drawing/2014/main" xmlns="" id="{A3117FBC-7DFD-4758-B4B9-29961EBB7136}"/>
+                <a16:creationId xmlns:a16="http://schemas.microsoft.com/office/drawing/2014/main" id="{A3117FBC-7DFD-4758-B4B9-29961EBB7136}"/>
               </a:ext>
             </a:extLst>
           </p:cNvPr>
@@ -5078,7 +5082,7 @@
           <p:cNvPr id="11" name="TextBox 10">
             <a:extLst>
               <a:ext uri="{FF2B5EF4-FFF2-40B4-BE49-F238E27FC236}">
-                <a16:creationId xmlns:a16="http://schemas.microsoft.com/office/drawing/2014/main" xmlns="" id="{0B108C47-D011-4547-9642-A8F7197FB2ED}"/>
+                <a16:creationId xmlns:a16="http://schemas.microsoft.com/office/drawing/2014/main" id="{0B108C47-D011-4547-9642-A8F7197FB2ED}"/>
               </a:ext>
             </a:extLst>
           </p:cNvPr>
@@ -5165,7 +5169,7 @@
           <p:cNvPr id="12" name="TextBox 11">
             <a:extLst>
               <a:ext uri="{FF2B5EF4-FFF2-40B4-BE49-F238E27FC236}">
-                <a16:creationId xmlns:a16="http://schemas.microsoft.com/office/drawing/2014/main" xmlns="" id="{B703FA5C-A8C2-4740-B5EE-2A5922A54DF9}"/>
+                <a16:creationId xmlns:a16="http://schemas.microsoft.com/office/drawing/2014/main" id="{B703FA5C-A8C2-4740-B5EE-2A5922A54DF9}"/>
               </a:ext>
             </a:extLst>
           </p:cNvPr>
@@ -5250,7 +5254,7 @@
     </p:spTree>
     <p:extLst>
       <p:ext uri="{BB962C8B-B14F-4D97-AF65-F5344CB8AC3E}">
-        <p14:creationId xmlns:p14="http://schemas.microsoft.com/office/powerpoint/2010/main" xmlns="" val="3187953464"/>
+        <p14:creationId xmlns:p14="http://schemas.microsoft.com/office/powerpoint/2010/main" val="3187953464"/>
       </p:ext>
     </p:extLst>
   </p:cSld>
@@ -5282,7 +5286,7 @@
           <p:cNvPr id="10" name="Picture 9">
             <a:extLst>
               <a:ext uri="{FF2B5EF4-FFF2-40B4-BE49-F238E27FC236}">
-                <a16:creationId xmlns:a16="http://schemas.microsoft.com/office/drawing/2014/main" xmlns="" id="{6248F25B-52F9-4CF0-BF52-629A9FD032CE}"/>
+                <a16:creationId xmlns:a16="http://schemas.microsoft.com/office/drawing/2014/main" id="{6248F25B-52F9-4CF0-BF52-629A9FD032CE}"/>
               </a:ext>
             </a:extLst>
           </p:cNvPr>
@@ -5311,7 +5315,7 @@
           <p:cNvPr id="9" name="Picture 8">
             <a:extLst>
               <a:ext uri="{FF2B5EF4-FFF2-40B4-BE49-F238E27FC236}">
-                <a16:creationId xmlns:a16="http://schemas.microsoft.com/office/drawing/2014/main" xmlns="" id="{158091B3-A577-4C1D-8D3E-131CBA84C0EE}"/>
+                <a16:creationId xmlns:a16="http://schemas.microsoft.com/office/drawing/2014/main" id="{158091B3-A577-4C1D-8D3E-131CBA84C0EE}"/>
               </a:ext>
             </a:extLst>
           </p:cNvPr>
@@ -5341,7 +5345,7 @@
           <p:cNvPr id="2" name="Title 1">
             <a:extLst>
               <a:ext uri="{FF2B5EF4-FFF2-40B4-BE49-F238E27FC236}">
-                <a16:creationId xmlns:a16="http://schemas.microsoft.com/office/drawing/2014/main" xmlns="" id="{DFC049F8-2284-4161-BE3C-431BCD0EFAB7}"/>
+                <a16:creationId xmlns:a16="http://schemas.microsoft.com/office/drawing/2014/main" id="{DFC049F8-2284-4161-BE3C-431BCD0EFAB7}"/>
               </a:ext>
             </a:extLst>
           </p:cNvPr>
@@ -5387,7 +5391,7 @@
           <p:cNvPr id="3" name="Content Placeholder 2">
             <a:extLst>
               <a:ext uri="{FF2B5EF4-FFF2-40B4-BE49-F238E27FC236}">
-                <a16:creationId xmlns:a16="http://schemas.microsoft.com/office/drawing/2014/main" xmlns="" id="{F2E045F5-714F-4E07-87A1-F5696A62ED28}"/>
+                <a16:creationId xmlns:a16="http://schemas.microsoft.com/office/drawing/2014/main" id="{F2E045F5-714F-4E07-87A1-F5696A62ED28}"/>
               </a:ext>
             </a:extLst>
           </p:cNvPr>
@@ -5438,7 +5442,7 @@
           <p:cNvPr id="6" name="TextBox 5">
             <a:extLst>
               <a:ext uri="{FF2B5EF4-FFF2-40B4-BE49-F238E27FC236}">
-                <a16:creationId xmlns:a16="http://schemas.microsoft.com/office/drawing/2014/main" xmlns="" id="{2A7FCD91-3666-4A23-B530-B70A5977CFC4}"/>
+                <a16:creationId xmlns:a16="http://schemas.microsoft.com/office/drawing/2014/main" id="{2A7FCD91-3666-4A23-B530-B70A5977CFC4}"/>
               </a:ext>
             </a:extLst>
           </p:cNvPr>
@@ -5477,7 +5481,7 @@
           <p:cNvPr id="8" name="Picture 7">
             <a:extLst>
               <a:ext uri="{FF2B5EF4-FFF2-40B4-BE49-F238E27FC236}">
-                <a16:creationId xmlns:a16="http://schemas.microsoft.com/office/drawing/2014/main" xmlns="" id="{A3117FBC-7DFD-4758-B4B9-29961EBB7136}"/>
+                <a16:creationId xmlns:a16="http://schemas.microsoft.com/office/drawing/2014/main" id="{A3117FBC-7DFD-4758-B4B9-29961EBB7136}"/>
               </a:ext>
             </a:extLst>
           </p:cNvPr>
@@ -5512,7 +5516,7 @@
           <p:cNvPr id="11" name="TextBox 10">
             <a:extLst>
               <a:ext uri="{FF2B5EF4-FFF2-40B4-BE49-F238E27FC236}">
-                <a16:creationId xmlns:a16="http://schemas.microsoft.com/office/drawing/2014/main" xmlns="" id="{0B108C47-D011-4547-9642-A8F7197FB2ED}"/>
+                <a16:creationId xmlns:a16="http://schemas.microsoft.com/office/drawing/2014/main" id="{0B108C47-D011-4547-9642-A8F7197FB2ED}"/>
               </a:ext>
             </a:extLst>
           </p:cNvPr>
@@ -5610,7 +5614,7 @@
           <p:cNvPr id="13" name="TextBox 12">
             <a:extLst>
               <a:ext uri="{FF2B5EF4-FFF2-40B4-BE49-F238E27FC236}">
-                <a16:creationId xmlns:a16="http://schemas.microsoft.com/office/drawing/2014/main" xmlns="" id="{51D2C041-9487-41F5-B1A0-947375EFE397}"/>
+                <a16:creationId xmlns:a16="http://schemas.microsoft.com/office/drawing/2014/main" id="{51D2C041-9487-41F5-B1A0-947375EFE397}"/>
               </a:ext>
             </a:extLst>
           </p:cNvPr>
@@ -5656,7 +5660,7 @@
     </p:spTree>
     <p:extLst>
       <p:ext uri="{BB962C8B-B14F-4D97-AF65-F5344CB8AC3E}">
-        <p14:creationId xmlns:p14="http://schemas.microsoft.com/office/powerpoint/2010/main" xmlns="" val="396850397"/>
+        <p14:creationId xmlns:p14="http://schemas.microsoft.com/office/powerpoint/2010/main" val="396850397"/>
       </p:ext>
     </p:extLst>
   </p:cSld>
@@ -5688,7 +5692,7 @@
           <p:cNvPr id="4" name="Picture 3">
             <a:extLst>
               <a:ext uri="{FF2B5EF4-FFF2-40B4-BE49-F238E27FC236}">
-                <a16:creationId xmlns:a16="http://schemas.microsoft.com/office/drawing/2014/main" xmlns="" id="{1F7B8747-803D-41C8-89FD-730522D4A3D6}"/>
+                <a16:creationId xmlns:a16="http://schemas.microsoft.com/office/drawing/2014/main" id="{1F7B8747-803D-41C8-89FD-730522D4A3D6}"/>
               </a:ext>
             </a:extLst>
           </p:cNvPr>
@@ -5723,7 +5727,7 @@
           <p:cNvPr id="2" name="Title 1">
             <a:extLst>
               <a:ext uri="{FF2B5EF4-FFF2-40B4-BE49-F238E27FC236}">
-                <a16:creationId xmlns:a16="http://schemas.microsoft.com/office/drawing/2014/main" xmlns="" id="{DFC049F8-2284-4161-BE3C-431BCD0EFAB7}"/>
+                <a16:creationId xmlns:a16="http://schemas.microsoft.com/office/drawing/2014/main" id="{DFC049F8-2284-4161-BE3C-431BCD0EFAB7}"/>
               </a:ext>
             </a:extLst>
           </p:cNvPr>
@@ -5769,7 +5773,7 @@
           <p:cNvPr id="3" name="Content Placeholder 2">
             <a:extLst>
               <a:ext uri="{FF2B5EF4-FFF2-40B4-BE49-F238E27FC236}">
-                <a16:creationId xmlns:a16="http://schemas.microsoft.com/office/drawing/2014/main" xmlns="" id="{F2E045F5-714F-4E07-87A1-F5696A62ED28}"/>
+                <a16:creationId xmlns:a16="http://schemas.microsoft.com/office/drawing/2014/main" id="{F2E045F5-714F-4E07-87A1-F5696A62ED28}"/>
               </a:ext>
             </a:extLst>
           </p:cNvPr>
@@ -5799,7 +5803,7 @@
           <a:lstStyle/>
           <a:p>
             <a:r>
-              <a:rPr lang="en-GB" dirty="0" smtClean="0">
+              <a:rPr lang="en-GB" dirty="0">
                 <a:latin typeface="Bodoni MT" panose="02070603080606020203" pitchFamily="18" charset="0"/>
               </a:rPr>
               <a:t>Difficulties and how we coped</a:t>
@@ -5807,19 +5811,19 @@
           </a:p>
           <a:p>
             <a:r>
-              <a:rPr lang="en-GB" dirty="0" smtClean="0">
+              <a:rPr lang="en-GB" dirty="0">
                 <a:latin typeface="Bodoni MT" panose="02070603080606020203" pitchFamily="18" charset="0"/>
               </a:rPr>
               <a:t>Did we enjoy it? yes, but </a:t>
             </a:r>
             <a:r>
-              <a:rPr lang="en-GB" dirty="0" err="1" smtClean="0">
+              <a:rPr lang="en-GB" dirty="0" err="1">
                 <a:latin typeface="Bodoni MT" panose="02070603080606020203" pitchFamily="18" charset="0"/>
               </a:rPr>
               <a:t>Jaejoon’s</a:t>
             </a:r>
             <a:r>
-              <a:rPr lang="en-GB" dirty="0" smtClean="0">
+              <a:rPr lang="en-GB" dirty="0">
                 <a:latin typeface="Bodoni MT" panose="02070603080606020203" pitchFamily="18" charset="0"/>
               </a:rPr>
               <a:t> reaction very discouraging</a:t>
@@ -5827,7 +5831,7 @@
           </a:p>
           <a:p>
             <a:r>
-              <a:rPr lang="en-GB" dirty="0" smtClean="0">
+              <a:rPr lang="en-GB" dirty="0">
                 <a:latin typeface="Bodoni MT" panose="02070603080606020203" pitchFamily="18" charset="0"/>
               </a:rPr>
               <a:t>Everyone worked well together – lots of communication; weekly workshops very helpful</a:t>
@@ -5835,7 +5839,7 @@
           </a:p>
           <a:p>
             <a:r>
-              <a:rPr lang="en-GB" dirty="0" smtClean="0">
+              <a:rPr lang="en-GB" dirty="0">
                 <a:latin typeface="Bodoni MT" panose="02070603080606020203" pitchFamily="18" charset="0"/>
               </a:rPr>
               <a:t>What did we learn? Skills/strengths developed</a:t>
@@ -5843,20 +5847,19 @@
           </a:p>
           <a:p>
             <a:r>
-              <a:rPr lang="en-GB" dirty="0" smtClean="0">
-                <a:latin typeface="Bodoni MT" panose="02070603080606020203" pitchFamily="18" charset="0"/>
-              </a:rPr>
-              <a:t>Felt bad that Leo spent so much time generating graphics </a:t>
-            </a:r>
-            <a:r>
-              <a:rPr lang="en-GB" smtClean="0">
-                <a:latin typeface="Bodoni MT" panose="02070603080606020203" pitchFamily="18" charset="0"/>
-              </a:rPr>
-              <a:t>and didn’t get to code</a:t>
-            </a:r>
-            <a:endParaRPr lang="en-GB" dirty="0">
-              <a:latin typeface="Bodoni MT" panose="02070603080606020203" pitchFamily="18" charset="0"/>
-            </a:endParaRPr>
+              <a:rPr lang="en-GB" dirty="0">
+                <a:latin typeface="Bodoni MT" panose="02070603080606020203" pitchFamily="18" charset="0"/>
+              </a:rPr>
+              <a:t>Felt bad that Leo spent so much time generating graphics and didn’t get to code</a:t>
+            </a:r>
+          </a:p>
+          <a:p>
+            <a:r>
+              <a:rPr lang="en-GB" dirty="0">
+                <a:latin typeface="Bodoni MT" panose="02070603080606020203" pitchFamily="18" charset="0"/>
+              </a:rPr>
+              <a:t>Developed collaborative work skills and use of git version control</a:t>
+            </a:r>
           </a:p>
         </p:txBody>
       </p:sp>
@@ -5865,7 +5868,7 @@
           <p:cNvPr id="6" name="TextBox 5">
             <a:extLst>
               <a:ext uri="{FF2B5EF4-FFF2-40B4-BE49-F238E27FC236}">
-                <a16:creationId xmlns:a16="http://schemas.microsoft.com/office/drawing/2014/main" xmlns="" id="{2A7FCD91-3666-4A23-B530-B70A5977CFC4}"/>
+                <a16:creationId xmlns:a16="http://schemas.microsoft.com/office/drawing/2014/main" id="{2A7FCD91-3666-4A23-B530-B70A5977CFC4}"/>
               </a:ext>
             </a:extLst>
           </p:cNvPr>
@@ -5902,7 +5905,7 @@
     </p:spTree>
     <p:extLst>
       <p:ext uri="{BB962C8B-B14F-4D97-AF65-F5344CB8AC3E}">
-        <p14:creationId xmlns:p14="http://schemas.microsoft.com/office/powerpoint/2010/main" xmlns="" val="3875203172"/>
+        <p14:creationId xmlns:p14="http://schemas.microsoft.com/office/powerpoint/2010/main" val="3875203172"/>
       </p:ext>
     </p:extLst>
   </p:cSld>
@@ -5934,7 +5937,7 @@
           <p:cNvPr id="2" name="Title 1">
             <a:extLst>
               <a:ext uri="{FF2B5EF4-FFF2-40B4-BE49-F238E27FC236}">
-                <a16:creationId xmlns:a16="http://schemas.microsoft.com/office/drawing/2014/main" xmlns="" id="{DFC049F8-2284-4161-BE3C-431BCD0EFAB7}"/>
+                <a16:creationId xmlns:a16="http://schemas.microsoft.com/office/drawing/2014/main" id="{DFC049F8-2284-4161-BE3C-431BCD0EFAB7}"/>
               </a:ext>
             </a:extLst>
           </p:cNvPr>
@@ -5977,7 +5980,7 @@
           <p:cNvPr id="6" name="TextBox 5">
             <a:extLst>
               <a:ext uri="{FF2B5EF4-FFF2-40B4-BE49-F238E27FC236}">
-                <a16:creationId xmlns:a16="http://schemas.microsoft.com/office/drawing/2014/main" xmlns="" id="{3F80BD68-2B59-4BE1-A899-630919EAEA8A}"/>
+                <a16:creationId xmlns:a16="http://schemas.microsoft.com/office/drawing/2014/main" id="{3F80BD68-2B59-4BE1-A899-630919EAEA8A}"/>
               </a:ext>
             </a:extLst>
           </p:cNvPr>
@@ -6016,7 +6019,7 @@
           <p:cNvPr id="5" name="Picture 4">
             <a:extLst>
               <a:ext uri="{FF2B5EF4-FFF2-40B4-BE49-F238E27FC236}">
-                <a16:creationId xmlns:a16="http://schemas.microsoft.com/office/drawing/2014/main" xmlns="" id="{020817A5-9300-4D98-B692-D6147E3BD93A}"/>
+                <a16:creationId xmlns:a16="http://schemas.microsoft.com/office/drawing/2014/main" id="{020817A5-9300-4D98-B692-D6147E3BD93A}"/>
               </a:ext>
             </a:extLst>
           </p:cNvPr>
@@ -6027,7 +6030,7 @@
           <a:blip r:embed="rId3" cstate="print">
             <a:extLst>
               <a:ext uri="{28A0092B-C50C-407E-A947-70E740481C1C}">
-                <a14:useLocalDpi xmlns:a14="http://schemas.microsoft.com/office/drawing/2010/main" xmlns="" val="0"/>
+                <a14:useLocalDpi xmlns:a14="http://schemas.microsoft.com/office/drawing/2010/main" val="0"/>
               </a:ext>
             </a:extLst>
           </a:blip>
@@ -6055,7 +6058,7 @@
           <p:cNvPr id="7" name="Content Placeholder 6">
             <a:extLst>
               <a:ext uri="{FF2B5EF4-FFF2-40B4-BE49-F238E27FC236}">
-                <a16:creationId xmlns:a16="http://schemas.microsoft.com/office/drawing/2014/main" xmlns="" id="{70CDBECA-B97D-4C2C-AC55-CFFC02982EF8}"/>
+                <a16:creationId xmlns:a16="http://schemas.microsoft.com/office/drawing/2014/main" id="{70CDBECA-B97D-4C2C-AC55-CFFC02982EF8}"/>
               </a:ext>
             </a:extLst>
           </p:cNvPr>
@@ -6070,7 +6073,7 @@
           <a:blip r:embed="rId4" cstate="print">
             <a:extLst>
               <a:ext uri="{28A0092B-C50C-407E-A947-70E740481C1C}">
-                <a14:useLocalDpi xmlns:a14="http://schemas.microsoft.com/office/drawing/2010/main" xmlns="" val="0"/>
+                <a14:useLocalDpi xmlns:a14="http://schemas.microsoft.com/office/drawing/2010/main" val="0"/>
               </a:ext>
             </a:extLst>
           </a:blip>
@@ -6098,7 +6101,7 @@
           <p:cNvPr id="8" name="Picture 7">
             <a:extLst>
               <a:ext uri="{FF2B5EF4-FFF2-40B4-BE49-F238E27FC236}">
-                <a16:creationId xmlns:a16="http://schemas.microsoft.com/office/drawing/2014/main" xmlns="" id="{31976AD6-994F-4EFA-9220-B0F8E43BE61B}"/>
+                <a16:creationId xmlns:a16="http://schemas.microsoft.com/office/drawing/2014/main" id="{31976AD6-994F-4EFA-9220-B0F8E43BE61B}"/>
               </a:ext>
             </a:extLst>
           </p:cNvPr>
@@ -6109,7 +6112,7 @@
           <a:blip r:embed="rId5" cstate="print">
             <a:extLst>
               <a:ext uri="{28A0092B-C50C-407E-A947-70E740481C1C}">
-                <a14:useLocalDpi xmlns:a14="http://schemas.microsoft.com/office/drawing/2010/main" xmlns="" val="0"/>
+                <a14:useLocalDpi xmlns:a14="http://schemas.microsoft.com/office/drawing/2010/main" val="0"/>
               </a:ext>
             </a:extLst>
           </a:blip>
@@ -6137,7 +6140,7 @@
           <p:cNvPr id="9" name="Picture 8">
             <a:extLst>
               <a:ext uri="{FF2B5EF4-FFF2-40B4-BE49-F238E27FC236}">
-                <a16:creationId xmlns:a16="http://schemas.microsoft.com/office/drawing/2014/main" xmlns="" id="{2820CE08-0969-4652-A714-794DE1C22F36}"/>
+                <a16:creationId xmlns:a16="http://schemas.microsoft.com/office/drawing/2014/main" id="{2820CE08-0969-4652-A714-794DE1C22F36}"/>
               </a:ext>
             </a:extLst>
           </p:cNvPr>
@@ -6148,7 +6151,7 @@
           <a:blip r:embed="rId6" cstate="print">
             <a:extLst>
               <a:ext uri="{28A0092B-C50C-407E-A947-70E740481C1C}">
-                <a14:useLocalDpi xmlns:a14="http://schemas.microsoft.com/office/drawing/2010/main" xmlns="" val="0"/>
+                <a14:useLocalDpi xmlns:a14="http://schemas.microsoft.com/office/drawing/2010/main" val="0"/>
               </a:ext>
             </a:extLst>
           </a:blip>
@@ -6170,7 +6173,7 @@
           </a:ln>
           <a:extLst>
             <a:ext uri="{53640926-AAD7-44D8-BBD7-CCE9431645EC}">
-              <a14:shadowObscured xmlns:a14="http://schemas.microsoft.com/office/drawing/2010/main" xmlns=""/>
+              <a14:shadowObscured xmlns:a14="http://schemas.microsoft.com/office/drawing/2010/main"/>
             </a:ext>
           </a:extLst>
         </p:spPr>
@@ -6178,7 +6181,7 @@
     </p:spTree>
     <p:extLst>
       <p:ext uri="{BB962C8B-B14F-4D97-AF65-F5344CB8AC3E}">
-        <p14:creationId xmlns:p14="http://schemas.microsoft.com/office/powerpoint/2010/main" xmlns="" val="2515389119"/>
+        <p14:creationId xmlns:p14="http://schemas.microsoft.com/office/powerpoint/2010/main" val="2515389119"/>
       </p:ext>
     </p:extLst>
   </p:cSld>
@@ -6210,7 +6213,7 @@
           <p:cNvPr id="2" name="Title 1">
             <a:extLst>
               <a:ext uri="{FF2B5EF4-FFF2-40B4-BE49-F238E27FC236}">
-                <a16:creationId xmlns:a16="http://schemas.microsoft.com/office/drawing/2014/main" xmlns="" id="{DFC049F8-2284-4161-BE3C-431BCD0EFAB7}"/>
+                <a16:creationId xmlns:a16="http://schemas.microsoft.com/office/drawing/2014/main" id="{DFC049F8-2284-4161-BE3C-431BCD0EFAB7}"/>
               </a:ext>
             </a:extLst>
           </p:cNvPr>
@@ -6253,7 +6256,7 @@
           <p:cNvPr id="3" name="Content Placeholder 2">
             <a:extLst>
               <a:ext uri="{FF2B5EF4-FFF2-40B4-BE49-F238E27FC236}">
-                <a16:creationId xmlns:a16="http://schemas.microsoft.com/office/drawing/2014/main" xmlns="" id="{F2E045F5-714F-4E07-87A1-F5696A62ED28}"/>
+                <a16:creationId xmlns:a16="http://schemas.microsoft.com/office/drawing/2014/main" id="{F2E045F5-714F-4E07-87A1-F5696A62ED28}"/>
               </a:ext>
             </a:extLst>
           </p:cNvPr>
@@ -6338,7 +6341,7 @@
           <p:cNvPr id="4" name="TextBox 3">
             <a:extLst>
               <a:ext uri="{FF2B5EF4-FFF2-40B4-BE49-F238E27FC236}">
-                <a16:creationId xmlns:a16="http://schemas.microsoft.com/office/drawing/2014/main" xmlns="" id="{F5625C9B-D094-4FBC-8055-B24672E9398B}"/>
+                <a16:creationId xmlns:a16="http://schemas.microsoft.com/office/drawing/2014/main" id="{F5625C9B-D094-4FBC-8055-B24672E9398B}"/>
               </a:ext>
             </a:extLst>
           </p:cNvPr>
@@ -6377,7 +6380,7 @@
           <p:cNvPr id="5" name="Content Placeholder 2">
             <a:extLst>
               <a:ext uri="{FF2B5EF4-FFF2-40B4-BE49-F238E27FC236}">
-                <a16:creationId xmlns:a16="http://schemas.microsoft.com/office/drawing/2014/main" xmlns="" id="{C7089040-DF2C-484B-AFBB-ECF62504C88A}"/>
+                <a16:creationId xmlns:a16="http://schemas.microsoft.com/office/drawing/2014/main" id="{C7089040-DF2C-484B-AFBB-ECF62504C88A}"/>
               </a:ext>
             </a:extLst>
           </p:cNvPr>
@@ -6677,7 +6680,7 @@
           <p:cNvPr id="9" name="Picture 8">
             <a:extLst>
               <a:ext uri="{FF2B5EF4-FFF2-40B4-BE49-F238E27FC236}">
-                <a16:creationId xmlns:a16="http://schemas.microsoft.com/office/drawing/2014/main" xmlns="" id="{40C29DDE-834E-4869-B4AB-47C72B5ED44E}"/>
+                <a16:creationId xmlns:a16="http://schemas.microsoft.com/office/drawing/2014/main" id="{40C29DDE-834E-4869-B4AB-47C72B5ED44E}"/>
               </a:ext>
             </a:extLst>
           </p:cNvPr>
@@ -6690,7 +6693,7 @@
           <a:blip r:embed="rId3">
             <a:extLst>
               <a:ext uri="{28A0092B-C50C-407E-A947-70E740481C1C}">
-                <a14:useLocalDpi xmlns:a14="http://schemas.microsoft.com/office/drawing/2010/main" xmlns="" val="0"/>
+                <a14:useLocalDpi xmlns:a14="http://schemas.microsoft.com/office/drawing/2010/main" val="0"/>
               </a:ext>
             </a:extLst>
           </a:blip>
@@ -6716,7 +6719,7 @@
     </p:spTree>
     <p:extLst>
       <p:ext uri="{BB962C8B-B14F-4D97-AF65-F5344CB8AC3E}">
-        <p14:creationId xmlns:p14="http://schemas.microsoft.com/office/powerpoint/2010/main" xmlns="" val="1039289397"/>
+        <p14:creationId xmlns:p14="http://schemas.microsoft.com/office/powerpoint/2010/main" val="1039289397"/>
       </p:ext>
     </p:extLst>
   </p:cSld>
@@ -6748,7 +6751,7 @@
           <p:cNvPr id="4" name="Picture 3">
             <a:extLst>
               <a:ext uri="{FF2B5EF4-FFF2-40B4-BE49-F238E27FC236}">
-                <a16:creationId xmlns:a16="http://schemas.microsoft.com/office/drawing/2014/main" xmlns="" id="{22743576-691A-4405-BDDF-B116F148661C}"/>
+                <a16:creationId xmlns:a16="http://schemas.microsoft.com/office/drawing/2014/main" id="{22743576-691A-4405-BDDF-B116F148661C}"/>
               </a:ext>
             </a:extLst>
           </p:cNvPr>
@@ -6778,7 +6781,7 @@
           <p:cNvPr id="2" name="Title 1">
             <a:extLst>
               <a:ext uri="{FF2B5EF4-FFF2-40B4-BE49-F238E27FC236}">
-                <a16:creationId xmlns:a16="http://schemas.microsoft.com/office/drawing/2014/main" xmlns="" id="{DFC049F8-2284-4161-BE3C-431BCD0EFAB7}"/>
+                <a16:creationId xmlns:a16="http://schemas.microsoft.com/office/drawing/2014/main" id="{DFC049F8-2284-4161-BE3C-431BCD0EFAB7}"/>
               </a:ext>
             </a:extLst>
           </p:cNvPr>
@@ -6824,7 +6827,7 @@
           <p:cNvPr id="3" name="Content Placeholder 2">
             <a:extLst>
               <a:ext uri="{FF2B5EF4-FFF2-40B4-BE49-F238E27FC236}">
-                <a16:creationId xmlns:a16="http://schemas.microsoft.com/office/drawing/2014/main" xmlns="" id="{F2E045F5-714F-4E07-87A1-F5696A62ED28}"/>
+                <a16:creationId xmlns:a16="http://schemas.microsoft.com/office/drawing/2014/main" id="{F2E045F5-714F-4E07-87A1-F5696A62ED28}"/>
               </a:ext>
             </a:extLst>
           </p:cNvPr>
@@ -6875,7 +6878,7 @@
           <p:cNvPr id="6" name="TextBox 5">
             <a:extLst>
               <a:ext uri="{FF2B5EF4-FFF2-40B4-BE49-F238E27FC236}">
-                <a16:creationId xmlns:a16="http://schemas.microsoft.com/office/drawing/2014/main" xmlns="" id="{3F80BD68-2B59-4BE1-A899-630919EAEA8A}"/>
+                <a16:creationId xmlns:a16="http://schemas.microsoft.com/office/drawing/2014/main" id="{3F80BD68-2B59-4BE1-A899-630919EAEA8A}"/>
               </a:ext>
             </a:extLst>
           </p:cNvPr>
@@ -6914,7 +6917,7 @@
           <p:cNvPr id="7" name="Picture 6">
             <a:extLst>
               <a:ext uri="{FF2B5EF4-FFF2-40B4-BE49-F238E27FC236}">
-                <a16:creationId xmlns:a16="http://schemas.microsoft.com/office/drawing/2014/main" xmlns="" id="{FF382487-E1F7-498D-9230-4BB45A06FCC0}"/>
+                <a16:creationId xmlns:a16="http://schemas.microsoft.com/office/drawing/2014/main" id="{FF382487-E1F7-498D-9230-4BB45A06FCC0}"/>
               </a:ext>
             </a:extLst>
           </p:cNvPr>
@@ -6949,7 +6952,7 @@
           <p:cNvPr id="9" name="Rectangle 8">
             <a:extLst>
               <a:ext uri="{FF2B5EF4-FFF2-40B4-BE49-F238E27FC236}">
-                <a16:creationId xmlns:a16="http://schemas.microsoft.com/office/drawing/2014/main" xmlns="" id="{FB310605-3378-4195-AFE3-29D4E582C8A6}"/>
+                <a16:creationId xmlns:a16="http://schemas.microsoft.com/office/drawing/2014/main" id="{FB310605-3378-4195-AFE3-29D4E582C8A6}"/>
               </a:ext>
             </a:extLst>
           </p:cNvPr>
@@ -7089,7 +7092,7 @@
     </p:spTree>
     <p:extLst>
       <p:ext uri="{BB962C8B-B14F-4D97-AF65-F5344CB8AC3E}">
-        <p14:creationId xmlns:p14="http://schemas.microsoft.com/office/powerpoint/2010/main" xmlns="" val="3604554826"/>
+        <p14:creationId xmlns:p14="http://schemas.microsoft.com/office/powerpoint/2010/main" val="3604554826"/>
       </p:ext>
     </p:extLst>
   </p:cSld>
@@ -7121,7 +7124,7 @@
           <p:cNvPr id="4" name="Picture 3">
             <a:extLst>
               <a:ext uri="{FF2B5EF4-FFF2-40B4-BE49-F238E27FC236}">
-                <a16:creationId xmlns:a16="http://schemas.microsoft.com/office/drawing/2014/main" xmlns="" id="{0673D7FF-79D1-47CC-9F17-8BD3F4A92FD2}"/>
+                <a16:creationId xmlns:a16="http://schemas.microsoft.com/office/drawing/2014/main" id="{0673D7FF-79D1-47CC-9F17-8BD3F4A92FD2}"/>
               </a:ext>
             </a:extLst>
           </p:cNvPr>
@@ -7151,7 +7154,7 @@
           <p:cNvPr id="9" name="Picture 8">
             <a:extLst>
               <a:ext uri="{FF2B5EF4-FFF2-40B4-BE49-F238E27FC236}">
-                <a16:creationId xmlns:a16="http://schemas.microsoft.com/office/drawing/2014/main" xmlns="" id="{90E7F56C-9544-4654-9D9C-A258B0BC56B3}"/>
+                <a16:creationId xmlns:a16="http://schemas.microsoft.com/office/drawing/2014/main" id="{90E7F56C-9544-4654-9D9C-A258B0BC56B3}"/>
               </a:ext>
             </a:extLst>
           </p:cNvPr>
@@ -7181,7 +7184,7 @@
           <p:cNvPr id="10" name="Rectangle 9">
             <a:extLst>
               <a:ext uri="{FF2B5EF4-FFF2-40B4-BE49-F238E27FC236}">
-                <a16:creationId xmlns:a16="http://schemas.microsoft.com/office/drawing/2014/main" xmlns="" id="{7CE6DF49-6ADC-40B9-93F3-F6495F2DC7AB}"/>
+                <a16:creationId xmlns:a16="http://schemas.microsoft.com/office/drawing/2014/main" id="{7CE6DF49-6ADC-40B9-93F3-F6495F2DC7AB}"/>
               </a:ext>
             </a:extLst>
           </p:cNvPr>
@@ -7233,7 +7236,7 @@
           <p:cNvPr id="2" name="Title 1">
             <a:extLst>
               <a:ext uri="{FF2B5EF4-FFF2-40B4-BE49-F238E27FC236}">
-                <a16:creationId xmlns:a16="http://schemas.microsoft.com/office/drawing/2014/main" xmlns="" id="{DFC049F8-2284-4161-BE3C-431BCD0EFAB7}"/>
+                <a16:creationId xmlns:a16="http://schemas.microsoft.com/office/drawing/2014/main" id="{DFC049F8-2284-4161-BE3C-431BCD0EFAB7}"/>
               </a:ext>
             </a:extLst>
           </p:cNvPr>
@@ -7279,7 +7282,7 @@
           <p:cNvPr id="3" name="Content Placeholder 2">
             <a:extLst>
               <a:ext uri="{FF2B5EF4-FFF2-40B4-BE49-F238E27FC236}">
-                <a16:creationId xmlns:a16="http://schemas.microsoft.com/office/drawing/2014/main" xmlns="" id="{F2E045F5-714F-4E07-87A1-F5696A62ED28}"/>
+                <a16:creationId xmlns:a16="http://schemas.microsoft.com/office/drawing/2014/main" id="{F2E045F5-714F-4E07-87A1-F5696A62ED28}"/>
               </a:ext>
             </a:extLst>
           </p:cNvPr>
@@ -7330,7 +7333,7 @@
           <p:cNvPr id="6" name="TextBox 5">
             <a:extLst>
               <a:ext uri="{FF2B5EF4-FFF2-40B4-BE49-F238E27FC236}">
-                <a16:creationId xmlns:a16="http://schemas.microsoft.com/office/drawing/2014/main" xmlns="" id="{26C43D78-3AB4-4735-861F-3658B8B6108C}"/>
+                <a16:creationId xmlns:a16="http://schemas.microsoft.com/office/drawing/2014/main" id="{26C43D78-3AB4-4735-861F-3658B8B6108C}"/>
               </a:ext>
             </a:extLst>
           </p:cNvPr>
@@ -7369,7 +7372,7 @@
           <p:cNvPr id="7" name="Picture 6">
             <a:extLst>
               <a:ext uri="{FF2B5EF4-FFF2-40B4-BE49-F238E27FC236}">
-                <a16:creationId xmlns:a16="http://schemas.microsoft.com/office/drawing/2014/main" xmlns="" id="{1119E4FB-68D3-4DFF-B454-B6AECA5CCC92}"/>
+                <a16:creationId xmlns:a16="http://schemas.microsoft.com/office/drawing/2014/main" id="{1119E4FB-68D3-4DFF-B454-B6AECA5CCC92}"/>
               </a:ext>
             </a:extLst>
           </p:cNvPr>
@@ -7382,7 +7385,7 @@
           <a:blip r:embed="rId3">
             <a:extLst>
               <a:ext uri="{28A0092B-C50C-407E-A947-70E740481C1C}">
-                <a14:useLocalDpi xmlns:a14="http://schemas.microsoft.com/office/drawing/2010/main" xmlns="" val="0"/>
+                <a14:useLocalDpi xmlns:a14="http://schemas.microsoft.com/office/drawing/2010/main" val="0"/>
               </a:ext>
             </a:extLst>
           </a:blip>
@@ -7405,7 +7408,7 @@
           <p:cNvPr id="8" name="Picture 7">
             <a:extLst>
               <a:ext uri="{FF2B5EF4-FFF2-40B4-BE49-F238E27FC236}">
-                <a16:creationId xmlns:a16="http://schemas.microsoft.com/office/drawing/2014/main" xmlns="" id="{851FDD01-2E36-4FB2-AEC3-1AD80666AF50}"/>
+                <a16:creationId xmlns:a16="http://schemas.microsoft.com/office/drawing/2014/main" id="{851FDD01-2E36-4FB2-AEC3-1AD80666AF50}"/>
               </a:ext>
             </a:extLst>
           </p:cNvPr>
@@ -7418,7 +7421,7 @@
           <a:blip r:embed="rId4">
             <a:extLst>
               <a:ext uri="{28A0092B-C50C-407E-A947-70E740481C1C}">
-                <a14:useLocalDpi xmlns:a14="http://schemas.microsoft.com/office/drawing/2010/main" xmlns="" val="0"/>
+                <a14:useLocalDpi xmlns:a14="http://schemas.microsoft.com/office/drawing/2010/main" val="0"/>
               </a:ext>
             </a:extLst>
           </a:blip>
@@ -7441,7 +7444,7 @@
           <p:cNvPr id="11" name="Content Placeholder 2">
             <a:extLst>
               <a:ext uri="{FF2B5EF4-FFF2-40B4-BE49-F238E27FC236}">
-                <a16:creationId xmlns:a16="http://schemas.microsoft.com/office/drawing/2014/main" xmlns="" id="{F206CC4A-F7D8-41B6-ABE3-9533F77A18D3}"/>
+                <a16:creationId xmlns:a16="http://schemas.microsoft.com/office/drawing/2014/main" id="{F206CC4A-F7D8-41B6-ABE3-9533F77A18D3}"/>
               </a:ext>
             </a:extLst>
           </p:cNvPr>
@@ -7726,7 +7729,7 @@
           <p:cNvPr id="12" name="Content Placeholder 2">
             <a:extLst>
               <a:ext uri="{FF2B5EF4-FFF2-40B4-BE49-F238E27FC236}">
-                <a16:creationId xmlns:a16="http://schemas.microsoft.com/office/drawing/2014/main" xmlns="" id="{0005FAC1-D63E-4606-9908-2EC64C974176}"/>
+                <a16:creationId xmlns:a16="http://schemas.microsoft.com/office/drawing/2014/main" id="{0005FAC1-D63E-4606-9908-2EC64C974176}"/>
               </a:ext>
             </a:extLst>
           </p:cNvPr>
@@ -7960,7 +7963,7 @@
           <p:cNvPr id="13" name="Content Placeholder 2">
             <a:extLst>
               <a:ext uri="{FF2B5EF4-FFF2-40B4-BE49-F238E27FC236}">
-                <a16:creationId xmlns:a16="http://schemas.microsoft.com/office/drawing/2014/main" xmlns="" id="{A6B71EFB-4EB9-48D0-A7CA-693B1830CB7E}"/>
+                <a16:creationId xmlns:a16="http://schemas.microsoft.com/office/drawing/2014/main" id="{A6B71EFB-4EB9-48D0-A7CA-693B1830CB7E}"/>
               </a:ext>
             </a:extLst>
           </p:cNvPr>
@@ -8204,7 +8207,7 @@
     </p:spTree>
     <p:extLst>
       <p:ext uri="{BB962C8B-B14F-4D97-AF65-F5344CB8AC3E}">
-        <p14:creationId xmlns:p14="http://schemas.microsoft.com/office/powerpoint/2010/main" xmlns="" val="2083772189"/>
+        <p14:creationId xmlns:p14="http://schemas.microsoft.com/office/powerpoint/2010/main" val="2083772189"/>
       </p:ext>
     </p:extLst>
   </p:cSld>
@@ -8236,7 +8239,7 @@
           <p:cNvPr id="4" name="Picture 3">
             <a:extLst>
               <a:ext uri="{FF2B5EF4-FFF2-40B4-BE49-F238E27FC236}">
-                <a16:creationId xmlns:a16="http://schemas.microsoft.com/office/drawing/2014/main" xmlns="" id="{0673D7FF-79D1-47CC-9F17-8BD3F4A92FD2}"/>
+                <a16:creationId xmlns:a16="http://schemas.microsoft.com/office/drawing/2014/main" id="{0673D7FF-79D1-47CC-9F17-8BD3F4A92FD2}"/>
               </a:ext>
             </a:extLst>
           </p:cNvPr>
@@ -8266,7 +8269,7 @@
           <p:cNvPr id="9" name="Picture 8">
             <a:extLst>
               <a:ext uri="{FF2B5EF4-FFF2-40B4-BE49-F238E27FC236}">
-                <a16:creationId xmlns:a16="http://schemas.microsoft.com/office/drawing/2014/main" xmlns="" id="{90E7F56C-9544-4654-9D9C-A258B0BC56B3}"/>
+                <a16:creationId xmlns:a16="http://schemas.microsoft.com/office/drawing/2014/main" id="{90E7F56C-9544-4654-9D9C-A258B0BC56B3}"/>
               </a:ext>
             </a:extLst>
           </p:cNvPr>
@@ -8296,7 +8299,7 @@
           <p:cNvPr id="10" name="Rectangle 9">
             <a:extLst>
               <a:ext uri="{FF2B5EF4-FFF2-40B4-BE49-F238E27FC236}">
-                <a16:creationId xmlns:a16="http://schemas.microsoft.com/office/drawing/2014/main" xmlns="" id="{7CE6DF49-6ADC-40B9-93F3-F6495F2DC7AB}"/>
+                <a16:creationId xmlns:a16="http://schemas.microsoft.com/office/drawing/2014/main" id="{7CE6DF49-6ADC-40B9-93F3-F6495F2DC7AB}"/>
               </a:ext>
             </a:extLst>
           </p:cNvPr>
@@ -8348,7 +8351,7 @@
           <p:cNvPr id="2" name="Title 1">
             <a:extLst>
               <a:ext uri="{FF2B5EF4-FFF2-40B4-BE49-F238E27FC236}">
-                <a16:creationId xmlns:a16="http://schemas.microsoft.com/office/drawing/2014/main" xmlns="" id="{DFC049F8-2284-4161-BE3C-431BCD0EFAB7}"/>
+                <a16:creationId xmlns:a16="http://schemas.microsoft.com/office/drawing/2014/main" id="{DFC049F8-2284-4161-BE3C-431BCD0EFAB7}"/>
               </a:ext>
             </a:extLst>
           </p:cNvPr>
@@ -8381,14 +8384,11 @@
           <a:p>
             <a:pPr algn="ctr"/>
             <a:r>
-              <a:rPr lang="en-GB" dirty="0" smtClean="0">
+              <a:rPr lang="en-GB" dirty="0">
                 <a:latin typeface="Bodoni MT" panose="02070603080606020203" pitchFamily="18" charset="0"/>
               </a:rPr>
               <a:t>What Makes a Good Game?</a:t>
             </a:r>
-            <a:endParaRPr lang="en-GB" dirty="0">
-              <a:latin typeface="Bodoni MT" panose="02070603080606020203" pitchFamily="18" charset="0"/>
-            </a:endParaRPr>
           </a:p>
         </p:txBody>
       </p:sp>
@@ -8397,7 +8397,7 @@
           <p:cNvPr id="3" name="Content Placeholder 2">
             <a:extLst>
               <a:ext uri="{FF2B5EF4-FFF2-40B4-BE49-F238E27FC236}">
-                <a16:creationId xmlns:a16="http://schemas.microsoft.com/office/drawing/2014/main" xmlns="" id="{F2E045F5-714F-4E07-87A1-F5696A62ED28}"/>
+                <a16:creationId xmlns:a16="http://schemas.microsoft.com/office/drawing/2014/main" id="{F2E045F5-714F-4E07-87A1-F5696A62ED28}"/>
               </a:ext>
             </a:extLst>
           </p:cNvPr>
@@ -8430,7 +8430,7 @@
               <a:buNone/>
             </a:pPr>
             <a:r>
-              <a:rPr lang="en-GB" dirty="0" smtClean="0">
+              <a:rPr lang="en-GB" dirty="0">
                 <a:latin typeface="Bodoni MT" panose="02070603080606020203" pitchFamily="18" charset="0"/>
               </a:rPr>
               <a:t>Long term Goal: to decorate the Christmas Room</a:t>
@@ -8441,13 +8441,13 @@
               <a:buNone/>
             </a:pPr>
             <a:r>
-              <a:rPr lang="en-GB" dirty="0" err="1" smtClean="0">
+              <a:rPr lang="en-GB" dirty="0" err="1">
                 <a:latin typeface="Bodoni MT" panose="02070603080606020203" pitchFamily="18" charset="0"/>
               </a:rPr>
               <a:t>Subgoals</a:t>
             </a:r>
             <a:r>
-              <a:rPr lang="en-GB" dirty="0" smtClean="0">
+              <a:rPr lang="en-GB" dirty="0">
                 <a:latin typeface="Bodoni MT" panose="02070603080606020203" pitchFamily="18" charset="0"/>
               </a:rPr>
               <a:t>: to complete each level, collecting items</a:t>
@@ -8458,7 +8458,7 @@
               <a:buNone/>
             </a:pPr>
             <a:r>
-              <a:rPr lang="en-GB" dirty="0" smtClean="0">
+              <a:rPr lang="en-GB" dirty="0">
                 <a:latin typeface="Bodoni MT" panose="02070603080606020203" pitchFamily="18" charset="0"/>
               </a:rPr>
               <a:t>Game starts easily, and complexity/difficulty gradually increases</a:t>
@@ -8469,7 +8469,7 @@
               <a:buNone/>
             </a:pPr>
             <a:r>
-              <a:rPr lang="en-GB" dirty="0" smtClean="0">
+              <a:rPr lang="en-GB" dirty="0">
                 <a:latin typeface="Bodoni MT" panose="02070603080606020203" pitchFamily="18" charset="0"/>
               </a:rPr>
               <a:t>Game uses standard controls and concepts. Basic guidance is given.</a:t>
@@ -8480,7 +8480,7 @@
               <a:buNone/>
             </a:pPr>
             <a:r>
-              <a:rPr lang="en-GB" dirty="0" smtClean="0">
+              <a:rPr lang="en-GB" dirty="0">
                 <a:latin typeface="Bodoni MT" panose="02070603080606020203" pitchFamily="18" charset="0"/>
               </a:rPr>
               <a:t>Levels are fairly short; losing a life restarts the level; losing 3 lives goes back to the menu</a:t>
@@ -8491,7 +8491,7 @@
               <a:buNone/>
             </a:pPr>
             <a:r>
-              <a:rPr lang="en-GB" dirty="0" smtClean="0">
+              <a:rPr lang="en-GB" dirty="0">
                 <a:latin typeface="Bodoni MT" panose="02070603080606020203" pitchFamily="18" charset="0"/>
               </a:rPr>
               <a:t>Each level has few clear rewards, which are not too difficult nor too easy to achieve</a:t>
@@ -8502,7 +8502,7 @@
               <a:buNone/>
             </a:pPr>
             <a:r>
-              <a:rPr lang="en-GB" dirty="0" smtClean="0">
+              <a:rPr lang="en-GB" dirty="0">
                 <a:latin typeface="Bodoni MT" panose="02070603080606020203" pitchFamily="18" charset="0"/>
               </a:rPr>
               <a:t>Game has interesting graphics; each level is similar and yet unique</a:t>
@@ -8513,7 +8513,7 @@
               <a:buNone/>
             </a:pPr>
             <a:r>
-              <a:rPr lang="en-GB" dirty="0" smtClean="0">
+              <a:rPr lang="en-GB" dirty="0">
                 <a:latin typeface="Bodoni MT" panose="02070603080606020203" pitchFamily="18" charset="0"/>
               </a:rPr>
               <a:t>Once completed, players can choose to redo any platform or puzzle to collect additional items</a:t>
@@ -8534,7 +8534,7 @@
           <p:cNvPr id="6" name="TextBox 5">
             <a:extLst>
               <a:ext uri="{FF2B5EF4-FFF2-40B4-BE49-F238E27FC236}">
-                <a16:creationId xmlns:a16="http://schemas.microsoft.com/office/drawing/2014/main" xmlns="" id="{26C43D78-3AB4-4735-861F-3658B8B6108C}"/>
+                <a16:creationId xmlns:a16="http://schemas.microsoft.com/office/drawing/2014/main" id="{26C43D78-3AB4-4735-861F-3658B8B6108C}"/>
               </a:ext>
             </a:extLst>
           </p:cNvPr>
@@ -8573,7 +8573,7 @@
           <p:cNvPr id="11" name="Content Placeholder 2">
             <a:extLst>
               <a:ext uri="{FF2B5EF4-FFF2-40B4-BE49-F238E27FC236}">
-                <a16:creationId xmlns:a16="http://schemas.microsoft.com/office/drawing/2014/main" xmlns="" id="{F206CC4A-F7D8-41B6-ABE3-9533F77A18D3}"/>
+                <a16:creationId xmlns:a16="http://schemas.microsoft.com/office/drawing/2014/main" id="{F206CC4A-F7D8-41B6-ABE3-9533F77A18D3}"/>
               </a:ext>
             </a:extLst>
           </p:cNvPr>
@@ -8786,7 +8786,7 @@
     </p:spTree>
     <p:extLst>
       <p:ext uri="{BB962C8B-B14F-4D97-AF65-F5344CB8AC3E}">
-        <p14:creationId xmlns:p14="http://schemas.microsoft.com/office/powerpoint/2010/main" xmlns="" val="2083772189"/>
+        <p14:creationId xmlns:p14="http://schemas.microsoft.com/office/powerpoint/2010/main" val="2083772189"/>
       </p:ext>
     </p:extLst>
   </p:cSld>
@@ -8818,7 +8818,7 @@
           <p:cNvPr id="7" name="Picture 6">
             <a:extLst>
               <a:ext uri="{FF2B5EF4-FFF2-40B4-BE49-F238E27FC236}">
-                <a16:creationId xmlns:a16="http://schemas.microsoft.com/office/drawing/2014/main" xmlns="" id="{2FF80050-A6DA-4A1C-B6D8-AA5AA7F78A23}"/>
+                <a16:creationId xmlns:a16="http://schemas.microsoft.com/office/drawing/2014/main" id="{2FF80050-A6DA-4A1C-B6D8-AA5AA7F78A23}"/>
               </a:ext>
             </a:extLst>
           </p:cNvPr>
@@ -8848,7 +8848,7 @@
           <p:cNvPr id="8" name="Rectangle 7">
             <a:extLst>
               <a:ext uri="{FF2B5EF4-FFF2-40B4-BE49-F238E27FC236}">
-                <a16:creationId xmlns:a16="http://schemas.microsoft.com/office/drawing/2014/main" xmlns="" id="{5E3721CF-6C16-4B38-8E56-417FAD19673B}"/>
+                <a16:creationId xmlns:a16="http://schemas.microsoft.com/office/drawing/2014/main" id="{5E3721CF-6C16-4B38-8E56-417FAD19673B}"/>
               </a:ext>
             </a:extLst>
           </p:cNvPr>
@@ -8900,7 +8900,7 @@
           <p:cNvPr id="5" name="Picture 4">
             <a:extLst>
               <a:ext uri="{FF2B5EF4-FFF2-40B4-BE49-F238E27FC236}">
-                <a16:creationId xmlns:a16="http://schemas.microsoft.com/office/drawing/2014/main" xmlns="" id="{BE6895F0-339F-4782-9F13-51BA81259136}"/>
+                <a16:creationId xmlns:a16="http://schemas.microsoft.com/office/drawing/2014/main" id="{BE6895F0-339F-4782-9F13-51BA81259136}"/>
               </a:ext>
             </a:extLst>
           </p:cNvPr>
@@ -8930,7 +8930,7 @@
           <p:cNvPr id="2" name="Title 1">
             <a:extLst>
               <a:ext uri="{FF2B5EF4-FFF2-40B4-BE49-F238E27FC236}">
-                <a16:creationId xmlns:a16="http://schemas.microsoft.com/office/drawing/2014/main" xmlns="" id="{DFC049F8-2284-4161-BE3C-431BCD0EFAB7}"/>
+                <a16:creationId xmlns:a16="http://schemas.microsoft.com/office/drawing/2014/main" id="{DFC049F8-2284-4161-BE3C-431BCD0EFAB7}"/>
               </a:ext>
             </a:extLst>
           </p:cNvPr>
@@ -8976,7 +8976,7 @@
           <p:cNvPr id="3" name="Content Placeholder 2">
             <a:extLst>
               <a:ext uri="{FF2B5EF4-FFF2-40B4-BE49-F238E27FC236}">
-                <a16:creationId xmlns:a16="http://schemas.microsoft.com/office/drawing/2014/main" xmlns="" id="{F2E045F5-714F-4E07-87A1-F5696A62ED28}"/>
+                <a16:creationId xmlns:a16="http://schemas.microsoft.com/office/drawing/2014/main" id="{F2E045F5-714F-4E07-87A1-F5696A62ED28}"/>
               </a:ext>
             </a:extLst>
           </p:cNvPr>
@@ -9027,7 +9027,7 @@
           <p:cNvPr id="6" name="TextBox 5">
             <a:extLst>
               <a:ext uri="{FF2B5EF4-FFF2-40B4-BE49-F238E27FC236}">
-                <a16:creationId xmlns:a16="http://schemas.microsoft.com/office/drawing/2014/main" xmlns="" id="{09C628DE-7462-4395-B6E5-04533CBAF445}"/>
+                <a16:creationId xmlns:a16="http://schemas.microsoft.com/office/drawing/2014/main" id="{09C628DE-7462-4395-B6E5-04533CBAF445}"/>
               </a:ext>
             </a:extLst>
           </p:cNvPr>
@@ -9066,7 +9066,7 @@
           <p:cNvPr id="10" name="Oval 9">
             <a:extLst>
               <a:ext uri="{FF2B5EF4-FFF2-40B4-BE49-F238E27FC236}">
-                <a16:creationId xmlns:a16="http://schemas.microsoft.com/office/drawing/2014/main" xmlns="" id="{C29C5979-7CCB-416B-B3A4-A452F3F30A10}"/>
+                <a16:creationId xmlns:a16="http://schemas.microsoft.com/office/drawing/2014/main" id="{C29C5979-7CCB-416B-B3A4-A452F3F30A10}"/>
               </a:ext>
             </a:extLst>
           </p:cNvPr>
@@ -9123,7 +9123,7 @@
           <p:cNvPr id="11" name="Rectangle: Rounded Corners 10">
             <a:extLst>
               <a:ext uri="{FF2B5EF4-FFF2-40B4-BE49-F238E27FC236}">
-                <a16:creationId xmlns:a16="http://schemas.microsoft.com/office/drawing/2014/main" xmlns="" id="{F6A5F7EB-82A6-484E-9C43-CFB554F813E9}"/>
+                <a16:creationId xmlns:a16="http://schemas.microsoft.com/office/drawing/2014/main" id="{F6A5F7EB-82A6-484E-9C43-CFB554F813E9}"/>
               </a:ext>
             </a:extLst>
           </p:cNvPr>
@@ -9180,7 +9180,7 @@
           <p:cNvPr id="13" name="Rectangle: Rounded Corners 12">
             <a:extLst>
               <a:ext uri="{FF2B5EF4-FFF2-40B4-BE49-F238E27FC236}">
-                <a16:creationId xmlns:a16="http://schemas.microsoft.com/office/drawing/2014/main" xmlns="" id="{3719CF2D-2824-4299-B2CC-CE697E27AA7E}"/>
+                <a16:creationId xmlns:a16="http://schemas.microsoft.com/office/drawing/2014/main" id="{3719CF2D-2824-4299-B2CC-CE697E27AA7E}"/>
               </a:ext>
             </a:extLst>
           </p:cNvPr>
@@ -9237,7 +9237,7 @@
           <p:cNvPr id="15" name="Straight Connector 14">
             <a:extLst>
               <a:ext uri="{FF2B5EF4-FFF2-40B4-BE49-F238E27FC236}">
-                <a16:creationId xmlns:a16="http://schemas.microsoft.com/office/drawing/2014/main" xmlns="" id="{30710670-372E-4F34-950F-06F225466007}"/>
+                <a16:creationId xmlns:a16="http://schemas.microsoft.com/office/drawing/2014/main" id="{30710670-372E-4F34-950F-06F225466007}"/>
               </a:ext>
             </a:extLst>
           </p:cNvPr>
@@ -9282,7 +9282,7 @@
           <p:cNvPr id="16" name="Straight Connector 15">
             <a:extLst>
               <a:ext uri="{FF2B5EF4-FFF2-40B4-BE49-F238E27FC236}">
-                <a16:creationId xmlns:a16="http://schemas.microsoft.com/office/drawing/2014/main" xmlns="" id="{288054B3-BE24-4398-9D5F-A28183FA7014}"/>
+                <a16:creationId xmlns:a16="http://schemas.microsoft.com/office/drawing/2014/main" id="{288054B3-BE24-4398-9D5F-A28183FA7014}"/>
               </a:ext>
             </a:extLst>
           </p:cNvPr>
@@ -9329,7 +9329,7 @@
           <p:cNvPr id="17" name="TextBox 16">
             <a:extLst>
               <a:ext uri="{FF2B5EF4-FFF2-40B4-BE49-F238E27FC236}">
-                <a16:creationId xmlns:a16="http://schemas.microsoft.com/office/drawing/2014/main" xmlns="" id="{971E6CAA-6D6E-412E-9FD7-5D77D4FC053C}"/>
+                <a16:creationId xmlns:a16="http://schemas.microsoft.com/office/drawing/2014/main" id="{971E6CAA-6D6E-412E-9FD7-5D77D4FC053C}"/>
               </a:ext>
             </a:extLst>
           </p:cNvPr>
@@ -9366,7 +9366,7 @@
           <p:cNvPr id="19" name="Straight Connector 18">
             <a:extLst>
               <a:ext uri="{FF2B5EF4-FFF2-40B4-BE49-F238E27FC236}">
-                <a16:creationId xmlns:a16="http://schemas.microsoft.com/office/drawing/2014/main" xmlns="" id="{FFECA4B2-B854-4585-9ECA-1FD3048F8E67}"/>
+                <a16:creationId xmlns:a16="http://schemas.microsoft.com/office/drawing/2014/main" id="{FFECA4B2-B854-4585-9ECA-1FD3048F8E67}"/>
               </a:ext>
             </a:extLst>
           </p:cNvPr>
@@ -9413,7 +9413,7 @@
           <p:cNvPr id="23" name="Straight Arrow Connector 22">
             <a:extLst>
               <a:ext uri="{FF2B5EF4-FFF2-40B4-BE49-F238E27FC236}">
-                <a16:creationId xmlns:a16="http://schemas.microsoft.com/office/drawing/2014/main" xmlns="" id="{7FAC0E52-268B-4550-B064-28EAE19CA4A2}"/>
+                <a16:creationId xmlns:a16="http://schemas.microsoft.com/office/drawing/2014/main" id="{7FAC0E52-268B-4550-B064-28EAE19CA4A2}"/>
               </a:ext>
             </a:extLst>
           </p:cNvPr>
@@ -9460,7 +9460,7 @@
           <p:cNvPr id="24" name="TextBox 23">
             <a:extLst>
               <a:ext uri="{FF2B5EF4-FFF2-40B4-BE49-F238E27FC236}">
-                <a16:creationId xmlns:a16="http://schemas.microsoft.com/office/drawing/2014/main" xmlns="" id="{1FB9C7CE-2331-47EB-A1D2-D8DB9B0C2513}"/>
+                <a16:creationId xmlns:a16="http://schemas.microsoft.com/office/drawing/2014/main" id="{1FB9C7CE-2331-47EB-A1D2-D8DB9B0C2513}"/>
               </a:ext>
             </a:extLst>
           </p:cNvPr>
@@ -9497,7 +9497,7 @@
           <p:cNvPr id="25" name="TextBox 24">
             <a:extLst>
               <a:ext uri="{FF2B5EF4-FFF2-40B4-BE49-F238E27FC236}">
-                <a16:creationId xmlns:a16="http://schemas.microsoft.com/office/drawing/2014/main" xmlns="" id="{DBBC0D55-02A6-4EDB-AF84-B16D0A2B2E7B}"/>
+                <a16:creationId xmlns:a16="http://schemas.microsoft.com/office/drawing/2014/main" id="{DBBC0D55-02A6-4EDB-AF84-B16D0A2B2E7B}"/>
               </a:ext>
             </a:extLst>
           </p:cNvPr>
@@ -9534,7 +9534,7 @@
           <p:cNvPr id="26" name="TextBox 25">
             <a:extLst>
               <a:ext uri="{FF2B5EF4-FFF2-40B4-BE49-F238E27FC236}">
-                <a16:creationId xmlns:a16="http://schemas.microsoft.com/office/drawing/2014/main" xmlns="" id="{C1CD6ED1-DC11-4F49-B765-F575D41091A5}"/>
+                <a16:creationId xmlns:a16="http://schemas.microsoft.com/office/drawing/2014/main" id="{C1CD6ED1-DC11-4F49-B765-F575D41091A5}"/>
               </a:ext>
             </a:extLst>
           </p:cNvPr>
@@ -9571,7 +9571,7 @@
           <p:cNvPr id="27" name="Straight Arrow Connector 26">
             <a:extLst>
               <a:ext uri="{FF2B5EF4-FFF2-40B4-BE49-F238E27FC236}">
-                <a16:creationId xmlns:a16="http://schemas.microsoft.com/office/drawing/2014/main" xmlns="" id="{5E8555D3-376F-417B-8432-5BEEAFCBB21F}"/>
+                <a16:creationId xmlns:a16="http://schemas.microsoft.com/office/drawing/2014/main" id="{5E8555D3-376F-417B-8432-5BEEAFCBB21F}"/>
               </a:ext>
             </a:extLst>
           </p:cNvPr>
@@ -9620,7 +9620,7 @@
           <p:cNvPr id="30" name="Straight Arrow Connector 29">
             <a:extLst>
               <a:ext uri="{FF2B5EF4-FFF2-40B4-BE49-F238E27FC236}">
-                <a16:creationId xmlns:a16="http://schemas.microsoft.com/office/drawing/2014/main" xmlns="" id="{183EB38B-BC90-4354-BB70-B17AD571698C}"/>
+                <a16:creationId xmlns:a16="http://schemas.microsoft.com/office/drawing/2014/main" id="{183EB38B-BC90-4354-BB70-B17AD571698C}"/>
               </a:ext>
             </a:extLst>
           </p:cNvPr>
@@ -9669,7 +9669,7 @@
           <p:cNvPr id="33" name="Rectangle: Rounded Corners 32">
             <a:extLst>
               <a:ext uri="{FF2B5EF4-FFF2-40B4-BE49-F238E27FC236}">
-                <a16:creationId xmlns:a16="http://schemas.microsoft.com/office/drawing/2014/main" xmlns="" id="{5D612AEE-5C5A-45AE-9431-93F8F6FB3305}"/>
+                <a16:creationId xmlns:a16="http://schemas.microsoft.com/office/drawing/2014/main" id="{5D612AEE-5C5A-45AE-9431-93F8F6FB3305}"/>
               </a:ext>
             </a:extLst>
           </p:cNvPr>
@@ -9726,7 +9726,7 @@
           <p:cNvPr id="34" name="Rectangle: Rounded Corners 33">
             <a:extLst>
               <a:ext uri="{FF2B5EF4-FFF2-40B4-BE49-F238E27FC236}">
-                <a16:creationId xmlns:a16="http://schemas.microsoft.com/office/drawing/2014/main" xmlns="" id="{5351534C-969F-4206-A607-10E3CBD3EB6E}"/>
+                <a16:creationId xmlns:a16="http://schemas.microsoft.com/office/drawing/2014/main" id="{5351534C-969F-4206-A607-10E3CBD3EB6E}"/>
               </a:ext>
             </a:extLst>
           </p:cNvPr>
@@ -9783,7 +9783,7 @@
           <p:cNvPr id="35" name="Rectangle: Rounded Corners 34">
             <a:extLst>
               <a:ext uri="{FF2B5EF4-FFF2-40B4-BE49-F238E27FC236}">
-                <a16:creationId xmlns:a16="http://schemas.microsoft.com/office/drawing/2014/main" xmlns="" id="{CC0DB683-0D5F-4A20-8627-22A83FCA57C0}"/>
+                <a16:creationId xmlns:a16="http://schemas.microsoft.com/office/drawing/2014/main" id="{CC0DB683-0D5F-4A20-8627-22A83FCA57C0}"/>
               </a:ext>
             </a:extLst>
           </p:cNvPr>
@@ -9840,7 +9840,7 @@
           <p:cNvPr id="36" name="Rectangle: Rounded Corners 35">
             <a:extLst>
               <a:ext uri="{FF2B5EF4-FFF2-40B4-BE49-F238E27FC236}">
-                <a16:creationId xmlns:a16="http://schemas.microsoft.com/office/drawing/2014/main" xmlns="" id="{58471160-97AC-4E81-A948-3E6D85AFAB8E}"/>
+                <a16:creationId xmlns:a16="http://schemas.microsoft.com/office/drawing/2014/main" id="{58471160-97AC-4E81-A948-3E6D85AFAB8E}"/>
               </a:ext>
             </a:extLst>
           </p:cNvPr>
@@ -9897,7 +9897,7 @@
           <p:cNvPr id="37" name="Rectangle: Rounded Corners 36">
             <a:extLst>
               <a:ext uri="{FF2B5EF4-FFF2-40B4-BE49-F238E27FC236}">
-                <a16:creationId xmlns:a16="http://schemas.microsoft.com/office/drawing/2014/main" xmlns="" id="{92E98563-DB25-47E0-BFE7-B8A52201AFBF}"/>
+                <a16:creationId xmlns:a16="http://schemas.microsoft.com/office/drawing/2014/main" id="{92E98563-DB25-47E0-BFE7-B8A52201AFBF}"/>
               </a:ext>
             </a:extLst>
           </p:cNvPr>
@@ -9954,7 +9954,7 @@
           <p:cNvPr id="38" name="Rectangle: Rounded Corners 37">
             <a:extLst>
               <a:ext uri="{FF2B5EF4-FFF2-40B4-BE49-F238E27FC236}">
-                <a16:creationId xmlns:a16="http://schemas.microsoft.com/office/drawing/2014/main" xmlns="" id="{F9DE6B22-A874-4C5B-A2F4-37E624346379}"/>
+                <a16:creationId xmlns:a16="http://schemas.microsoft.com/office/drawing/2014/main" id="{F9DE6B22-A874-4C5B-A2F4-37E624346379}"/>
               </a:ext>
             </a:extLst>
           </p:cNvPr>
@@ -10011,7 +10011,7 @@
           <p:cNvPr id="39" name="Rectangle: Rounded Corners 38">
             <a:extLst>
               <a:ext uri="{FF2B5EF4-FFF2-40B4-BE49-F238E27FC236}">
-                <a16:creationId xmlns:a16="http://schemas.microsoft.com/office/drawing/2014/main" xmlns="" id="{EB977FAA-DCA6-4B55-ACC4-847FBF97687B}"/>
+                <a16:creationId xmlns:a16="http://schemas.microsoft.com/office/drawing/2014/main" id="{EB977FAA-DCA6-4B55-ACC4-847FBF97687B}"/>
               </a:ext>
             </a:extLst>
           </p:cNvPr>
@@ -10068,7 +10068,7 @@
           <p:cNvPr id="40" name="Rectangle: Rounded Corners 39">
             <a:extLst>
               <a:ext uri="{FF2B5EF4-FFF2-40B4-BE49-F238E27FC236}">
-                <a16:creationId xmlns:a16="http://schemas.microsoft.com/office/drawing/2014/main" xmlns="" id="{57387805-6EE0-4686-A3AD-F33DE6D3DA9D}"/>
+                <a16:creationId xmlns:a16="http://schemas.microsoft.com/office/drawing/2014/main" id="{57387805-6EE0-4686-A3AD-F33DE6D3DA9D}"/>
               </a:ext>
             </a:extLst>
           </p:cNvPr>
@@ -10125,7 +10125,7 @@
           <p:cNvPr id="41" name="Rectangle: Rounded Corners 40">
             <a:extLst>
               <a:ext uri="{FF2B5EF4-FFF2-40B4-BE49-F238E27FC236}">
-                <a16:creationId xmlns:a16="http://schemas.microsoft.com/office/drawing/2014/main" xmlns="" id="{0AF77ADA-8652-49EA-87E9-2EBD25A9D60F}"/>
+                <a16:creationId xmlns:a16="http://schemas.microsoft.com/office/drawing/2014/main" id="{0AF77ADA-8652-49EA-87E9-2EBD25A9D60F}"/>
               </a:ext>
             </a:extLst>
           </p:cNvPr>
@@ -10182,7 +10182,7 @@
           <p:cNvPr id="42" name="Straight Arrow Connector 41">
             <a:extLst>
               <a:ext uri="{FF2B5EF4-FFF2-40B4-BE49-F238E27FC236}">
-                <a16:creationId xmlns:a16="http://schemas.microsoft.com/office/drawing/2014/main" xmlns="" id="{37A39690-B33F-4ED6-BE2F-C59BC2ABAA73}"/>
+                <a16:creationId xmlns:a16="http://schemas.microsoft.com/office/drawing/2014/main" id="{37A39690-B33F-4ED6-BE2F-C59BC2ABAA73}"/>
               </a:ext>
             </a:extLst>
           </p:cNvPr>
@@ -10230,7 +10230,7 @@
           <p:cNvPr id="49" name="Connector: Elbow 48">
             <a:extLst>
               <a:ext uri="{FF2B5EF4-FFF2-40B4-BE49-F238E27FC236}">
-                <a16:creationId xmlns:a16="http://schemas.microsoft.com/office/drawing/2014/main" xmlns="" id="{6F018749-49F9-4969-A271-C3C29767FD5C}"/>
+                <a16:creationId xmlns:a16="http://schemas.microsoft.com/office/drawing/2014/main" id="{6F018749-49F9-4969-A271-C3C29767FD5C}"/>
               </a:ext>
             </a:extLst>
           </p:cNvPr>
@@ -10278,7 +10278,7 @@
           <p:cNvPr id="51" name="Straight Arrow Connector 50">
             <a:extLst>
               <a:ext uri="{FF2B5EF4-FFF2-40B4-BE49-F238E27FC236}">
-                <a16:creationId xmlns:a16="http://schemas.microsoft.com/office/drawing/2014/main" xmlns="" id="{529BEA91-D614-4620-8E3D-97946455F9B8}"/>
+                <a16:creationId xmlns:a16="http://schemas.microsoft.com/office/drawing/2014/main" id="{529BEA91-D614-4620-8E3D-97946455F9B8}"/>
               </a:ext>
             </a:extLst>
           </p:cNvPr>
@@ -10326,7 +10326,7 @@
           <p:cNvPr id="52" name="Straight Arrow Connector 51">
             <a:extLst>
               <a:ext uri="{FF2B5EF4-FFF2-40B4-BE49-F238E27FC236}">
-                <a16:creationId xmlns:a16="http://schemas.microsoft.com/office/drawing/2014/main" xmlns="" id="{5B84C7E6-A42F-4657-A73B-3CBEE18B7E6F}"/>
+                <a16:creationId xmlns:a16="http://schemas.microsoft.com/office/drawing/2014/main" id="{5B84C7E6-A42F-4657-A73B-3CBEE18B7E6F}"/>
               </a:ext>
             </a:extLst>
           </p:cNvPr>
@@ -10373,7 +10373,7 @@
           <p:cNvPr id="55" name="Connector: Elbow 54">
             <a:extLst>
               <a:ext uri="{FF2B5EF4-FFF2-40B4-BE49-F238E27FC236}">
-                <a16:creationId xmlns:a16="http://schemas.microsoft.com/office/drawing/2014/main" xmlns="" id="{0EC221BA-BD1E-4AE7-B1B2-90EE3720F5FB}"/>
+                <a16:creationId xmlns:a16="http://schemas.microsoft.com/office/drawing/2014/main" id="{0EC221BA-BD1E-4AE7-B1B2-90EE3720F5FB}"/>
               </a:ext>
             </a:extLst>
           </p:cNvPr>
@@ -10420,7 +10420,7 @@
           <p:cNvPr id="56" name="Connector: Elbow 55">
             <a:extLst>
               <a:ext uri="{FF2B5EF4-FFF2-40B4-BE49-F238E27FC236}">
-                <a16:creationId xmlns:a16="http://schemas.microsoft.com/office/drawing/2014/main" xmlns="" id="{7ED8B67D-2C95-4C7F-B66D-35ED490532B0}"/>
+                <a16:creationId xmlns:a16="http://schemas.microsoft.com/office/drawing/2014/main" id="{7ED8B67D-2C95-4C7F-B66D-35ED490532B0}"/>
               </a:ext>
             </a:extLst>
           </p:cNvPr>
@@ -10468,7 +10468,7 @@
           <p:cNvPr id="60" name="Straight Connector 59">
             <a:extLst>
               <a:ext uri="{FF2B5EF4-FFF2-40B4-BE49-F238E27FC236}">
-                <a16:creationId xmlns:a16="http://schemas.microsoft.com/office/drawing/2014/main" xmlns="" id="{2DE7001C-61A4-4D8C-9487-D0519BB5C287}"/>
+                <a16:creationId xmlns:a16="http://schemas.microsoft.com/office/drawing/2014/main" id="{2DE7001C-61A4-4D8C-9487-D0519BB5C287}"/>
               </a:ext>
             </a:extLst>
           </p:cNvPr>
@@ -10507,7 +10507,7 @@
           <p:cNvPr id="67" name="Connector: Elbow 66">
             <a:extLst>
               <a:ext uri="{FF2B5EF4-FFF2-40B4-BE49-F238E27FC236}">
-                <a16:creationId xmlns:a16="http://schemas.microsoft.com/office/drawing/2014/main" xmlns="" id="{9BE8C34A-75B0-466E-B230-A6AA0EF6FF90}"/>
+                <a16:creationId xmlns:a16="http://schemas.microsoft.com/office/drawing/2014/main" id="{9BE8C34A-75B0-466E-B230-A6AA0EF6FF90}"/>
               </a:ext>
             </a:extLst>
           </p:cNvPr>
@@ -10557,7 +10557,7 @@
           <p:cNvPr id="66" name="Connector: Elbow 65">
             <a:extLst>
               <a:ext uri="{FF2B5EF4-FFF2-40B4-BE49-F238E27FC236}">
-                <a16:creationId xmlns:a16="http://schemas.microsoft.com/office/drawing/2014/main" xmlns="" id="{2B6EBE20-55B6-4C79-AC8D-3D2DEACD0F27}"/>
+                <a16:creationId xmlns:a16="http://schemas.microsoft.com/office/drawing/2014/main" id="{2B6EBE20-55B6-4C79-AC8D-3D2DEACD0F27}"/>
               </a:ext>
             </a:extLst>
           </p:cNvPr>
@@ -10604,7 +10604,7 @@
           <p:cNvPr id="12" name="Rectangle: Rounded Corners 11">
             <a:extLst>
               <a:ext uri="{FF2B5EF4-FFF2-40B4-BE49-F238E27FC236}">
-                <a16:creationId xmlns:a16="http://schemas.microsoft.com/office/drawing/2014/main" xmlns="" id="{0EF29BEE-62BD-4987-BA52-D89AE53A8B33}"/>
+                <a16:creationId xmlns:a16="http://schemas.microsoft.com/office/drawing/2014/main" id="{0EF29BEE-62BD-4987-BA52-D89AE53A8B33}"/>
               </a:ext>
             </a:extLst>
           </p:cNvPr>
@@ -10659,7 +10659,7 @@
           <p:cNvPr id="73" name="Straight Arrow Connector 72">
             <a:extLst>
               <a:ext uri="{FF2B5EF4-FFF2-40B4-BE49-F238E27FC236}">
-                <a16:creationId xmlns:a16="http://schemas.microsoft.com/office/drawing/2014/main" xmlns="" id="{69C2A71F-34B3-45C5-B5C2-CAD80873AAD3}"/>
+                <a16:creationId xmlns:a16="http://schemas.microsoft.com/office/drawing/2014/main" id="{69C2A71F-34B3-45C5-B5C2-CAD80873AAD3}"/>
               </a:ext>
             </a:extLst>
           </p:cNvPr>
@@ -10708,7 +10708,7 @@
           <p:cNvPr id="77" name="Straight Arrow Connector 76">
             <a:extLst>
               <a:ext uri="{FF2B5EF4-FFF2-40B4-BE49-F238E27FC236}">
-                <a16:creationId xmlns:a16="http://schemas.microsoft.com/office/drawing/2014/main" xmlns="" id="{57464C7E-A3BB-4249-922D-CFCFCCBF91D6}"/>
+                <a16:creationId xmlns:a16="http://schemas.microsoft.com/office/drawing/2014/main" id="{57464C7E-A3BB-4249-922D-CFCFCCBF91D6}"/>
               </a:ext>
             </a:extLst>
           </p:cNvPr>
@@ -10755,7 +10755,7 @@
           <p:cNvPr id="78" name="Straight Arrow Connector 77">
             <a:extLst>
               <a:ext uri="{FF2B5EF4-FFF2-40B4-BE49-F238E27FC236}">
-                <a16:creationId xmlns:a16="http://schemas.microsoft.com/office/drawing/2014/main" xmlns="" id="{D03E9D33-30E8-457E-9B54-73E66853B100}"/>
+                <a16:creationId xmlns:a16="http://schemas.microsoft.com/office/drawing/2014/main" id="{D03E9D33-30E8-457E-9B54-73E66853B100}"/>
               </a:ext>
             </a:extLst>
           </p:cNvPr>
@@ -10802,7 +10802,7 @@
           <p:cNvPr id="79" name="Straight Arrow Connector 78">
             <a:extLst>
               <a:ext uri="{FF2B5EF4-FFF2-40B4-BE49-F238E27FC236}">
-                <a16:creationId xmlns:a16="http://schemas.microsoft.com/office/drawing/2014/main" xmlns="" id="{0A90E022-FEFC-46DE-89ED-17C345356F2C}"/>
+                <a16:creationId xmlns:a16="http://schemas.microsoft.com/office/drawing/2014/main" id="{0A90E022-FEFC-46DE-89ED-17C345356F2C}"/>
               </a:ext>
             </a:extLst>
           </p:cNvPr>
@@ -10849,7 +10849,7 @@
           <p:cNvPr id="80" name="Straight Arrow Connector 79">
             <a:extLst>
               <a:ext uri="{FF2B5EF4-FFF2-40B4-BE49-F238E27FC236}">
-                <a16:creationId xmlns:a16="http://schemas.microsoft.com/office/drawing/2014/main" xmlns="" id="{3A681EC4-C304-44D6-8FE8-F7EBE52D4E19}"/>
+                <a16:creationId xmlns:a16="http://schemas.microsoft.com/office/drawing/2014/main" id="{3A681EC4-C304-44D6-8FE8-F7EBE52D4E19}"/>
               </a:ext>
             </a:extLst>
           </p:cNvPr>
@@ -10896,7 +10896,7 @@
           <p:cNvPr id="81" name="Straight Arrow Connector 80">
             <a:extLst>
               <a:ext uri="{FF2B5EF4-FFF2-40B4-BE49-F238E27FC236}">
-                <a16:creationId xmlns:a16="http://schemas.microsoft.com/office/drawing/2014/main" xmlns="" id="{19F654F4-6D55-4385-8976-5B80EBD24850}"/>
+                <a16:creationId xmlns:a16="http://schemas.microsoft.com/office/drawing/2014/main" id="{19F654F4-6D55-4385-8976-5B80EBD24850}"/>
               </a:ext>
             </a:extLst>
           </p:cNvPr>
@@ -10941,7 +10941,7 @@
     </p:spTree>
     <p:extLst>
       <p:ext uri="{BB962C8B-B14F-4D97-AF65-F5344CB8AC3E}">
-        <p14:creationId xmlns:p14="http://schemas.microsoft.com/office/powerpoint/2010/main" xmlns="" val="2766657188"/>
+        <p14:creationId xmlns:p14="http://schemas.microsoft.com/office/powerpoint/2010/main" val="2766657188"/>
       </p:ext>
     </p:extLst>
   </p:cSld>
@@ -10973,7 +10973,7 @@
           <p:cNvPr id="7" name="Picture 6">
             <a:extLst>
               <a:ext uri="{FF2B5EF4-FFF2-40B4-BE49-F238E27FC236}">
-                <a16:creationId xmlns:a16="http://schemas.microsoft.com/office/drawing/2014/main" xmlns="" id="{0452B86A-B01F-4002-A1C0-9EF0AE9558E4}"/>
+                <a16:creationId xmlns:a16="http://schemas.microsoft.com/office/drawing/2014/main" id="{0452B86A-B01F-4002-A1C0-9EF0AE9558E4}"/>
               </a:ext>
             </a:extLst>
           </p:cNvPr>
@@ -11003,7 +11003,7 @@
           <p:cNvPr id="8" name="Picture 7">
             <a:extLst>
               <a:ext uri="{FF2B5EF4-FFF2-40B4-BE49-F238E27FC236}">
-                <a16:creationId xmlns:a16="http://schemas.microsoft.com/office/drawing/2014/main" xmlns="" id="{37F75148-183E-43C0-AC18-81F40A1DD034}"/>
+                <a16:creationId xmlns:a16="http://schemas.microsoft.com/office/drawing/2014/main" id="{37F75148-183E-43C0-AC18-81F40A1DD034}"/>
               </a:ext>
             </a:extLst>
           </p:cNvPr>
@@ -11033,7 +11033,7 @@
           <p:cNvPr id="2" name="Title 1">
             <a:extLst>
               <a:ext uri="{FF2B5EF4-FFF2-40B4-BE49-F238E27FC236}">
-                <a16:creationId xmlns:a16="http://schemas.microsoft.com/office/drawing/2014/main" xmlns="" id="{DFC049F8-2284-4161-BE3C-431BCD0EFAB7}"/>
+                <a16:creationId xmlns:a16="http://schemas.microsoft.com/office/drawing/2014/main" id="{DFC049F8-2284-4161-BE3C-431BCD0EFAB7}"/>
               </a:ext>
             </a:extLst>
           </p:cNvPr>
@@ -11079,7 +11079,7 @@
           <p:cNvPr id="3" name="Content Placeholder 2">
             <a:extLst>
               <a:ext uri="{FF2B5EF4-FFF2-40B4-BE49-F238E27FC236}">
-                <a16:creationId xmlns:a16="http://schemas.microsoft.com/office/drawing/2014/main" xmlns="" id="{F2E045F5-714F-4E07-87A1-F5696A62ED28}"/>
+                <a16:creationId xmlns:a16="http://schemas.microsoft.com/office/drawing/2014/main" id="{F2E045F5-714F-4E07-87A1-F5696A62ED28}"/>
               </a:ext>
             </a:extLst>
           </p:cNvPr>
@@ -11130,7 +11130,7 @@
           <p:cNvPr id="6" name="TextBox 5">
             <a:extLst>
               <a:ext uri="{FF2B5EF4-FFF2-40B4-BE49-F238E27FC236}">
-                <a16:creationId xmlns:a16="http://schemas.microsoft.com/office/drawing/2014/main" xmlns="" id="{2A7FCD91-3666-4A23-B530-B70A5977CFC4}"/>
+                <a16:creationId xmlns:a16="http://schemas.microsoft.com/office/drawing/2014/main" id="{2A7FCD91-3666-4A23-B530-B70A5977CFC4}"/>
               </a:ext>
             </a:extLst>
           </p:cNvPr>
@@ -11169,7 +11169,7 @@
           <p:cNvPr id="5" name="Picture 4">
             <a:extLst>
               <a:ext uri="{FF2B5EF4-FFF2-40B4-BE49-F238E27FC236}">
-                <a16:creationId xmlns:a16="http://schemas.microsoft.com/office/drawing/2014/main" xmlns="" id="{07E31DEA-147A-4661-8DB9-CB3281426F67}"/>
+                <a16:creationId xmlns:a16="http://schemas.microsoft.com/office/drawing/2014/main" id="{07E31DEA-147A-4661-8DB9-CB3281426F67}"/>
               </a:ext>
             </a:extLst>
           </p:cNvPr>
@@ -11204,7 +11204,7 @@
           <p:cNvPr id="9" name="Rectangle 8">
             <a:extLst>
               <a:ext uri="{FF2B5EF4-FFF2-40B4-BE49-F238E27FC236}">
-                <a16:creationId xmlns:a16="http://schemas.microsoft.com/office/drawing/2014/main" xmlns="" id="{639288EF-1393-49D8-9524-1863E2A39901}"/>
+                <a16:creationId xmlns:a16="http://schemas.microsoft.com/office/drawing/2014/main" id="{639288EF-1393-49D8-9524-1863E2A39901}"/>
               </a:ext>
             </a:extLst>
           </p:cNvPr>
@@ -11324,7 +11324,7 @@
     </p:spTree>
     <p:extLst>
       <p:ext uri="{BB962C8B-B14F-4D97-AF65-F5344CB8AC3E}">
-        <p14:creationId xmlns:p14="http://schemas.microsoft.com/office/powerpoint/2010/main" xmlns="" val="3490831543"/>
+        <p14:creationId xmlns:p14="http://schemas.microsoft.com/office/powerpoint/2010/main" val="3490831543"/>
       </p:ext>
     </p:extLst>
   </p:cSld>
@@ -11356,7 +11356,7 @@
           <p:cNvPr id="7" name="Picture 6">
             <a:extLst>
               <a:ext uri="{FF2B5EF4-FFF2-40B4-BE49-F238E27FC236}">
-                <a16:creationId xmlns:a16="http://schemas.microsoft.com/office/drawing/2014/main" xmlns="" id="{B477D94D-934D-4616-A570-6D98195B104B}"/>
+                <a16:creationId xmlns:a16="http://schemas.microsoft.com/office/drawing/2014/main" id="{B477D94D-934D-4616-A570-6D98195B104B}"/>
               </a:ext>
             </a:extLst>
           </p:cNvPr>
@@ -11385,7 +11385,7 @@
           <p:cNvPr id="5" name="Picture 4">
             <a:extLst>
               <a:ext uri="{FF2B5EF4-FFF2-40B4-BE49-F238E27FC236}">
-                <a16:creationId xmlns:a16="http://schemas.microsoft.com/office/drawing/2014/main" xmlns="" id="{B41C1CB2-FA0D-4FE8-B995-E97A83ACB1AE}"/>
+                <a16:creationId xmlns:a16="http://schemas.microsoft.com/office/drawing/2014/main" id="{B41C1CB2-FA0D-4FE8-B995-E97A83ACB1AE}"/>
               </a:ext>
             </a:extLst>
           </p:cNvPr>
@@ -11414,7 +11414,7 @@
           <p:cNvPr id="2" name="Title 1">
             <a:extLst>
               <a:ext uri="{FF2B5EF4-FFF2-40B4-BE49-F238E27FC236}">
-                <a16:creationId xmlns:a16="http://schemas.microsoft.com/office/drawing/2014/main" xmlns="" id="{DFC049F8-2284-4161-BE3C-431BCD0EFAB7}"/>
+                <a16:creationId xmlns:a16="http://schemas.microsoft.com/office/drawing/2014/main" id="{DFC049F8-2284-4161-BE3C-431BCD0EFAB7}"/>
               </a:ext>
             </a:extLst>
           </p:cNvPr>
@@ -11460,7 +11460,7 @@
           <p:cNvPr id="3" name="Content Placeholder 2">
             <a:extLst>
               <a:ext uri="{FF2B5EF4-FFF2-40B4-BE49-F238E27FC236}">
-                <a16:creationId xmlns:a16="http://schemas.microsoft.com/office/drawing/2014/main" xmlns="" id="{F2E045F5-714F-4E07-87A1-F5696A62ED28}"/>
+                <a16:creationId xmlns:a16="http://schemas.microsoft.com/office/drawing/2014/main" id="{F2E045F5-714F-4E07-87A1-F5696A62ED28}"/>
               </a:ext>
             </a:extLst>
           </p:cNvPr>
@@ -11511,7 +11511,7 @@
           <p:cNvPr id="6" name="TextBox 5">
             <a:extLst>
               <a:ext uri="{FF2B5EF4-FFF2-40B4-BE49-F238E27FC236}">
-                <a16:creationId xmlns:a16="http://schemas.microsoft.com/office/drawing/2014/main" xmlns="" id="{2A7FCD91-3666-4A23-B530-B70A5977CFC4}"/>
+                <a16:creationId xmlns:a16="http://schemas.microsoft.com/office/drawing/2014/main" id="{2A7FCD91-3666-4A23-B530-B70A5977CFC4}"/>
               </a:ext>
             </a:extLst>
           </p:cNvPr>
@@ -11550,7 +11550,7 @@
           <p:cNvPr id="4" name="Picture 3">
             <a:extLst>
               <a:ext uri="{FF2B5EF4-FFF2-40B4-BE49-F238E27FC236}">
-                <a16:creationId xmlns:a16="http://schemas.microsoft.com/office/drawing/2014/main" xmlns="" id="{7DBBE77A-8D3A-40D6-94A0-7EC9A7E761A3}"/>
+                <a16:creationId xmlns:a16="http://schemas.microsoft.com/office/drawing/2014/main" id="{7DBBE77A-8D3A-40D6-94A0-7EC9A7E761A3}"/>
               </a:ext>
             </a:extLst>
           </p:cNvPr>
@@ -11585,7 +11585,7 @@
           <p:cNvPr id="8" name="Rectangle 7">
             <a:extLst>
               <a:ext uri="{FF2B5EF4-FFF2-40B4-BE49-F238E27FC236}">
-                <a16:creationId xmlns:a16="http://schemas.microsoft.com/office/drawing/2014/main" xmlns="" id="{BBD93274-AD19-4924-B84B-10DE820ED811}"/>
+                <a16:creationId xmlns:a16="http://schemas.microsoft.com/office/drawing/2014/main" id="{BBD93274-AD19-4924-B84B-10DE820ED811}"/>
               </a:ext>
             </a:extLst>
           </p:cNvPr>
@@ -11640,7 +11640,7 @@
           <p:cNvPr id="9" name="TextBox 8">
             <a:extLst>
               <a:ext uri="{FF2B5EF4-FFF2-40B4-BE49-F238E27FC236}">
-                <a16:creationId xmlns:a16="http://schemas.microsoft.com/office/drawing/2014/main" xmlns="" id="{614F1665-FB4D-4576-912A-8CB0AE08F8B2}"/>
+                <a16:creationId xmlns:a16="http://schemas.microsoft.com/office/drawing/2014/main" id="{614F1665-FB4D-4576-912A-8CB0AE08F8B2}"/>
               </a:ext>
             </a:extLst>
           </p:cNvPr>
@@ -11700,7 +11700,7 @@
           <p:cNvPr id="10" name="TextBox 9">
             <a:extLst>
               <a:ext uri="{FF2B5EF4-FFF2-40B4-BE49-F238E27FC236}">
-                <a16:creationId xmlns:a16="http://schemas.microsoft.com/office/drawing/2014/main" xmlns="" id="{B73BD718-AF4E-48A2-A46D-2EFB4DF802D3}"/>
+                <a16:creationId xmlns:a16="http://schemas.microsoft.com/office/drawing/2014/main" id="{B73BD718-AF4E-48A2-A46D-2EFB4DF802D3}"/>
               </a:ext>
             </a:extLst>
           </p:cNvPr>
@@ -11826,7 +11826,7 @@
           <p:cNvPr id="11" name="TextBox 10">
             <a:extLst>
               <a:ext uri="{FF2B5EF4-FFF2-40B4-BE49-F238E27FC236}">
-                <a16:creationId xmlns:a16="http://schemas.microsoft.com/office/drawing/2014/main" xmlns="" id="{045FE3E0-C21F-4E84-A6C3-B78C5DA14375}"/>
+                <a16:creationId xmlns:a16="http://schemas.microsoft.com/office/drawing/2014/main" id="{045FE3E0-C21F-4E84-A6C3-B78C5DA14375}"/>
               </a:ext>
             </a:extLst>
           </p:cNvPr>
@@ -11868,7 +11868,7 @@
           <p:cNvPr id="12" name="TextBox 11">
             <a:extLst>
               <a:ext uri="{FF2B5EF4-FFF2-40B4-BE49-F238E27FC236}">
-                <a16:creationId xmlns:a16="http://schemas.microsoft.com/office/drawing/2014/main" xmlns="" id="{715C8695-F831-4AEA-8788-D3F362FE0855}"/>
+                <a16:creationId xmlns:a16="http://schemas.microsoft.com/office/drawing/2014/main" id="{715C8695-F831-4AEA-8788-D3F362FE0855}"/>
               </a:ext>
             </a:extLst>
           </p:cNvPr>
@@ -11910,7 +11910,7 @@
           <p:cNvPr id="13" name="TextBox 12">
             <a:extLst>
               <a:ext uri="{FF2B5EF4-FFF2-40B4-BE49-F238E27FC236}">
-                <a16:creationId xmlns:a16="http://schemas.microsoft.com/office/drawing/2014/main" xmlns="" id="{3D143883-7E11-42FA-820F-FD25A0706494}"/>
+                <a16:creationId xmlns:a16="http://schemas.microsoft.com/office/drawing/2014/main" id="{3D143883-7E11-42FA-820F-FD25A0706494}"/>
               </a:ext>
             </a:extLst>
           </p:cNvPr>
@@ -11952,7 +11952,7 @@
           <p:cNvPr id="14" name="TextBox 13">
             <a:extLst>
               <a:ext uri="{FF2B5EF4-FFF2-40B4-BE49-F238E27FC236}">
-                <a16:creationId xmlns:a16="http://schemas.microsoft.com/office/drawing/2014/main" xmlns="" id="{441B9A9E-965F-4808-97BB-765FA754A34C}"/>
+                <a16:creationId xmlns:a16="http://schemas.microsoft.com/office/drawing/2014/main" id="{441B9A9E-965F-4808-97BB-765FA754A34C}"/>
               </a:ext>
             </a:extLst>
           </p:cNvPr>
@@ -12007,7 +12007,7 @@
     </p:spTree>
     <p:extLst>
       <p:ext uri="{BB962C8B-B14F-4D97-AF65-F5344CB8AC3E}">
-        <p14:creationId xmlns:p14="http://schemas.microsoft.com/office/powerpoint/2010/main" xmlns="" val="4096237443"/>
+        <p14:creationId xmlns:p14="http://schemas.microsoft.com/office/powerpoint/2010/main" val="4096237443"/>
       </p:ext>
     </p:extLst>
   </p:cSld>
@@ -12306,7 +12306,7 @@
   <a:extraClrSchemeLst/>
   <a:extLst>
     <a:ext uri="{05A4C25C-085E-4340-85A3-A5531E510DB2}">
-      <thm15:themeFamily xmlns:thm15="http://schemas.microsoft.com/office/thememl/2012/main" xmlns="" name="Office Theme" id="{62F939B6-93AF-4DB8-9C6B-D6C7DFDC589F}" vid="{4A3C46E8-61CC-4603-A589-7422A47A8E4A}"/>
+      <thm15:themeFamily xmlns:thm15="http://schemas.microsoft.com/office/thememl/2012/main" name="Office Theme" id="{62F939B6-93AF-4DB8-9C6B-D6C7DFDC589F}" vid="{4A3C46E8-61CC-4603-A589-7422A47A8E4A}"/>
     </a:ext>
   </a:extLst>
 </a:theme>
@@ -12567,7 +12567,7 @@
   <a:extraClrSchemeLst/>
   <a:extLst>
     <a:ext uri="{05A4C25C-085E-4340-85A3-A5531E510DB2}">
-      <thm15:themeFamily xmlns:thm15="http://schemas.microsoft.com/office/thememl/2012/main" xmlns="" name="Office Theme" id="{62F939B6-93AF-4DB8-9C6B-D6C7DFDC589F}" vid="{4A3C46E8-61CC-4603-A589-7422A47A8E4A}"/>
+      <thm15:themeFamily xmlns:thm15="http://schemas.microsoft.com/office/thememl/2012/main" name="Office Theme" id="{62F939B6-93AF-4DB8-9C6B-D6C7DFDC589F}" vid="{4A3C46E8-61CC-4603-A589-7422A47A8E4A}"/>
     </a:ext>
   </a:extLst>
 </a:theme>

--- a/D2.pptx
+++ b/D2.pptx
@@ -5,7 +5,7 @@
     <p:sldMasterId id="2147483648" r:id="rId1"/>
   </p:sldMasterIdLst>
   <p:notesMasterIdLst>
-    <p:notesMasterId r:id="rId14"/>
+    <p:notesMasterId r:id="rId15"/>
   </p:notesMasterIdLst>
   <p:sldIdLst>
     <p:sldId id="256" r:id="rId2"/>
@@ -20,6 +20,7 @@
     <p:sldId id="266" r:id="rId11"/>
     <p:sldId id="267" r:id="rId12"/>
     <p:sldId id="264" r:id="rId13"/>
+    <p:sldId id="269" r:id="rId14"/>
   </p:sldIdLst>
   <p:sldSz cx="12192000" cy="6858000"/>
   <p:notesSz cx="6858000" cy="9144000"/>
@@ -135,10 +136,6 @@
     </p:ext>
   </p:extLst>
 </p:presentation>
-</file>
-
-<file path=ppt/revisionInfo.xml><?xml version="1.0" encoding="utf-8"?>
-<p1510:revInfo xmlns:a="http://schemas.openxmlformats.org/drawingml/2006/main" xmlns:r="http://schemas.openxmlformats.org/officeDocument/2006/relationships" xmlns:p1510="http://schemas.microsoft.com/office/powerpoint/2015/10/main"/>
 </file>
 
 <file path=ppt/notesMasters/notesMaster1.xml><?xml version="1.0" encoding="utf-8"?>
@@ -5763,7 +5760,7 @@
               <a:rPr lang="en-GB" dirty="0">
                 <a:latin typeface="Bodoni MT" panose="02070603080606020203" pitchFamily="18" charset="0"/>
               </a:rPr>
-              <a:t>Project Evaluation</a:t>
+              <a:t>Project Evaluation - Val</a:t>
             </a:r>
           </a:p>
         </p:txBody>
@@ -5906,6 +5903,237 @@
     <p:extLst>
       <p:ext uri="{BB962C8B-B14F-4D97-AF65-F5344CB8AC3E}">
         <p14:creationId xmlns:p14="http://schemas.microsoft.com/office/powerpoint/2010/main" val="3875203172"/>
+      </p:ext>
+    </p:extLst>
+  </p:cSld>
+  <p:clrMapOvr>
+    <a:masterClrMapping/>
+  </p:clrMapOvr>
+</p:sld>
+</file>
+
+<file path=ppt/slides/slide13.xml><?xml version="1.0" encoding="utf-8"?>
+<p:sld xmlns:a="http://schemas.openxmlformats.org/drawingml/2006/main" xmlns:r="http://schemas.openxmlformats.org/officeDocument/2006/relationships" xmlns:p="http://schemas.openxmlformats.org/presentationml/2006/main">
+  <p:cSld>
+    <p:spTree>
+      <p:nvGrpSpPr>
+        <p:cNvPr id="1" name=""/>
+        <p:cNvGrpSpPr/>
+        <p:nvPr/>
+      </p:nvGrpSpPr>
+      <p:grpSpPr>
+        <a:xfrm>
+          <a:off x="0" y="0"/>
+          <a:ext cx="0" cy="0"/>
+          <a:chOff x="0" y="0"/>
+          <a:chExt cx="0" cy="0"/>
+        </a:xfrm>
+      </p:grpSpPr>
+      <p:pic>
+        <p:nvPicPr>
+          <p:cNvPr id="4" name="Picture 3">
+            <a:extLst>
+              <a:ext uri="{FF2B5EF4-FFF2-40B4-BE49-F238E27FC236}">
+                <a16:creationId xmlns:a16="http://schemas.microsoft.com/office/drawing/2014/main" id="{1F7B8747-803D-41C8-89FD-730522D4A3D6}"/>
+              </a:ext>
+            </a:extLst>
+          </p:cNvPr>
+          <p:cNvPicPr>
+            <a:picLocks noChangeAspect="1"/>
+          </p:cNvPicPr>
+          <p:nvPr/>
+        </p:nvPicPr>
+        <p:blipFill>
+          <a:blip r:embed="rId2"/>
+          <a:stretch>
+            <a:fillRect/>
+          </a:stretch>
+        </p:blipFill>
+        <p:spPr>
+          <a:xfrm>
+            <a:off x="0" y="1"/>
+            <a:ext cx="12192000" cy="6858000"/>
+          </a:xfrm>
+          <a:prstGeom prst="rect">
+            <a:avLst/>
+          </a:prstGeom>
+          <a:ln>
+            <a:solidFill>
+              <a:schemeClr val="tx1"/>
+            </a:solidFill>
+          </a:ln>
+        </p:spPr>
+      </p:pic>
+      <p:sp>
+        <p:nvSpPr>
+          <p:cNvPr id="2" name="Title 1">
+            <a:extLst>
+              <a:ext uri="{FF2B5EF4-FFF2-40B4-BE49-F238E27FC236}">
+                <a16:creationId xmlns:a16="http://schemas.microsoft.com/office/drawing/2014/main" id="{DFC049F8-2284-4161-BE3C-431BCD0EFAB7}"/>
+              </a:ext>
+            </a:extLst>
+          </p:cNvPr>
+          <p:cNvSpPr>
+            <a:spLocks noGrp="1"/>
+          </p:cNvSpPr>
+          <p:nvPr>
+            <p:ph type="title"/>
+          </p:nvPr>
+        </p:nvSpPr>
+        <p:spPr>
+          <a:xfrm>
+            <a:off x="838200" y="365125"/>
+            <a:ext cx="10515600" cy="566053"/>
+          </a:xfrm>
+          <a:solidFill>
+            <a:schemeClr val="bg1"/>
+          </a:solidFill>
+          <a:ln>
+            <a:solidFill>
+              <a:schemeClr val="tx1"/>
+            </a:solidFill>
+          </a:ln>
+        </p:spPr>
+        <p:txBody>
+          <a:bodyPr>
+            <a:normAutofit fontScale="90000"/>
+          </a:bodyPr>
+          <a:lstStyle/>
+          <a:p>
+            <a:pPr algn="ctr"/>
+            <a:r>
+              <a:rPr lang="en-GB" dirty="0">
+                <a:latin typeface="Bodoni MT" panose="02070603080606020203" pitchFamily="18" charset="0"/>
+              </a:rPr>
+              <a:t>Project Evaluation - Ben</a:t>
+            </a:r>
+          </a:p>
+        </p:txBody>
+      </p:sp>
+      <p:sp>
+        <p:nvSpPr>
+          <p:cNvPr id="3" name="Content Placeholder 2">
+            <a:extLst>
+              <a:ext uri="{FF2B5EF4-FFF2-40B4-BE49-F238E27FC236}">
+                <a16:creationId xmlns:a16="http://schemas.microsoft.com/office/drawing/2014/main" id="{F2E045F5-714F-4E07-87A1-F5696A62ED28}"/>
+              </a:ext>
+            </a:extLst>
+          </p:cNvPr>
+          <p:cNvSpPr>
+            <a:spLocks noGrp="1"/>
+          </p:cNvSpPr>
+          <p:nvPr>
+            <p:ph idx="1"/>
+          </p:nvPr>
+        </p:nvSpPr>
+        <p:spPr>
+          <a:xfrm>
+            <a:off x="838200" y="931178"/>
+            <a:ext cx="10515600" cy="5427677"/>
+          </a:xfrm>
+          <a:solidFill>
+            <a:schemeClr val="bg1"/>
+          </a:solidFill>
+          <a:ln>
+            <a:solidFill>
+              <a:schemeClr val="tx1"/>
+            </a:solidFill>
+          </a:ln>
+        </p:spPr>
+        <p:txBody>
+          <a:bodyPr>
+            <a:normAutofit/>
+          </a:bodyPr>
+          <a:lstStyle/>
+          <a:p>
+            <a:pPr marL="0" indent="0">
+              <a:buNone/>
+            </a:pPr>
+            <a:r>
+              <a:rPr lang="en-GB" dirty="0">
+                <a:latin typeface="Bodoni MT" panose="02070603080606020203" pitchFamily="18" charset="0"/>
+              </a:rPr>
+              <a:t>Despite having some small scale leadership experience in the past, I thoroughly enjoyed taking the role of team leader in this longer and more in-depth assignment.</a:t>
+            </a:r>
+          </a:p>
+          <a:p>
+            <a:pPr marL="0" indent="0">
+              <a:buNone/>
+            </a:pPr>
+            <a:r>
+              <a:rPr lang="en-GB" dirty="0">
+                <a:latin typeface="Bodoni MT" panose="02070603080606020203" pitchFamily="18" charset="0"/>
+              </a:rPr>
+              <a:t>Personally, I found that I was not always able to accurately describe my mental image of a task to my teammates, and developed methods such as forming reference material, creating lists and diagrams to help others better understand my intentions.</a:t>
+            </a:r>
+          </a:p>
+          <a:p>
+            <a:pPr marL="0" indent="0">
+              <a:buNone/>
+            </a:pPr>
+            <a:r>
+              <a:rPr lang="en-GB" dirty="0">
+                <a:latin typeface="Bodoni MT" panose="02070603080606020203" pitchFamily="18" charset="0"/>
+              </a:rPr>
+              <a:t>I tried to be fair when dividing tasks between group members and always double-checked for their own opinions on the tasks they’d been assigned.</a:t>
+            </a:r>
+          </a:p>
+          <a:p>
+            <a:pPr marL="0" indent="0">
+              <a:buNone/>
+            </a:pPr>
+            <a:r>
+              <a:rPr lang="en-GB" dirty="0">
+                <a:latin typeface="Bodoni MT" panose="02070603080606020203" pitchFamily="18" charset="0"/>
+              </a:rPr>
+              <a:t>I also enjoyed the challenge of translating real-life tangible puzzles that I used to complete as a child onto a computer-orientated format.</a:t>
+            </a:r>
+          </a:p>
+        </p:txBody>
+      </p:sp>
+      <p:sp>
+        <p:nvSpPr>
+          <p:cNvPr id="6" name="TextBox 5">
+            <a:extLst>
+              <a:ext uri="{FF2B5EF4-FFF2-40B4-BE49-F238E27FC236}">
+                <a16:creationId xmlns:a16="http://schemas.microsoft.com/office/drawing/2014/main" id="{2A7FCD91-3666-4A23-B530-B70A5977CFC4}"/>
+              </a:ext>
+            </a:extLst>
+          </p:cNvPr>
+          <p:cNvSpPr txBox="1"/>
+          <p:nvPr/>
+        </p:nvSpPr>
+        <p:spPr>
+          <a:xfrm>
+            <a:off x="10233870" y="240664"/>
+            <a:ext cx="1393272" cy="707886"/>
+          </a:xfrm>
+          <a:prstGeom prst="rect">
+            <a:avLst/>
+          </a:prstGeom>
+          <a:noFill/>
+        </p:spPr>
+        <p:txBody>
+          <a:bodyPr wrap="square" rtlCol="0">
+            <a:spAutoFit/>
+          </a:bodyPr>
+          <a:lstStyle/>
+          <a:p>
+            <a:pPr algn="ctr"/>
+            <a:r>
+              <a:rPr lang="en-GB" sz="4000" i="1" dirty="0">
+                <a:latin typeface="Bodoni MT" panose="02070603080606020203" pitchFamily="18" charset="0"/>
+                <a:ea typeface="Cambria Math" panose="02040503050406030204" pitchFamily="18" charset="0"/>
+              </a:rPr>
+              <a:t>(5)</a:t>
+            </a:r>
+          </a:p>
+        </p:txBody>
+      </p:sp>
+    </p:spTree>
+    <p:extLst>
+      <p:ext uri="{BB962C8B-B14F-4D97-AF65-F5344CB8AC3E}">
+        <p14:creationId xmlns:p14="http://schemas.microsoft.com/office/powerpoint/2010/main" val="2467745637"/>
       </p:ext>
     </p:extLst>
   </p:cSld>

--- a/D2.pptx
+++ b/D2.pptx
@@ -121,7 +121,7 @@
   </p:defaultTextStyle>
   <p:extLst>
     <p:ext uri="{EFAFB233-063F-42B5-8137-9DF3F51BA10A}">
-      <p15:sldGuideLst xmlns:p15="http://schemas.microsoft.com/office/powerpoint/2012/main">
+      <p15:sldGuideLst xmlns:p15="http://schemas.microsoft.com/office/powerpoint/2012/main" xmlns="">
         <p15:guide id="1" orient="horz" pos="2160">
           <p15:clr>
             <a:srgbClr val="A4A3A4"/>
@@ -221,7 +221,7 @@
             <a:fld id="{72120EEF-C798-4279-B1C0-A28BE5B39C66}" type="datetimeFigureOut">
               <a:rPr lang="en-GB" smtClean="0"/>
               <a:pPr/>
-              <a:t>25/02/2018</a:t>
+              <a:t>26/02/2018</a:t>
             </a:fld>
             <a:endParaRPr lang="en-GB"/>
           </a:p>
@@ -390,7 +390,7 @@
     </p:spTree>
     <p:extLst>
       <p:ext uri="{BB962C8B-B14F-4D97-AF65-F5344CB8AC3E}">
-        <p14:creationId xmlns:p14="http://schemas.microsoft.com/office/powerpoint/2010/main" val="3478088536"/>
+        <p14:creationId xmlns:p14="http://schemas.microsoft.com/office/powerpoint/2010/main" xmlns="" val="3478088536"/>
       </p:ext>
     </p:extLst>
   </p:cSld>
@@ -599,7 +599,7 @@
     </p:spTree>
     <p:extLst>
       <p:ext uri="{BB962C8B-B14F-4D97-AF65-F5344CB8AC3E}">
-        <p14:creationId xmlns:p14="http://schemas.microsoft.com/office/powerpoint/2010/main" val="108767136"/>
+        <p14:creationId xmlns:p14="http://schemas.microsoft.com/office/powerpoint/2010/main" xmlns="" val="108767136"/>
       </p:ext>
     </p:extLst>
   </p:cSld>
@@ -698,7 +698,7 @@
     </p:spTree>
     <p:extLst>
       <p:ext uri="{BB962C8B-B14F-4D97-AF65-F5344CB8AC3E}">
-        <p14:creationId xmlns:p14="http://schemas.microsoft.com/office/powerpoint/2010/main" val="3079722329"/>
+        <p14:creationId xmlns:p14="http://schemas.microsoft.com/office/powerpoint/2010/main" xmlns="" val="3079722329"/>
       </p:ext>
     </p:extLst>
   </p:cSld>
@@ -871,7 +871,7 @@
     </p:spTree>
     <p:extLst>
       <p:ext uri="{BB962C8B-B14F-4D97-AF65-F5344CB8AC3E}">
-        <p14:creationId xmlns:p14="http://schemas.microsoft.com/office/powerpoint/2010/main" val="1280038544"/>
+        <p14:creationId xmlns:p14="http://schemas.microsoft.com/office/powerpoint/2010/main" xmlns="" val="1280038544"/>
       </p:ext>
     </p:extLst>
   </p:cSld>
@@ -1110,7 +1110,230 @@
           <a:p>
             <a:r>
               <a:rPr lang="en-GB" baseline="0" dirty="0"/>
-              <a:t>Fix: changed to use a single window.</a:t>
+              <a:t>Fix: changed to use a single window</a:t>
+            </a:r>
+            <a:r>
+              <a:rPr lang="en-GB" baseline="0" dirty="0" smtClean="0"/>
+              <a:t>.</a:t>
+            </a:r>
+          </a:p>
+          <a:p>
+            <a:endParaRPr lang="en-GB" baseline="0" dirty="0" smtClean="0"/>
+          </a:p>
+          <a:p>
+            <a:r>
+              <a:rPr lang="en-GB" baseline="0" dirty="0" smtClean="0"/>
+              <a:t>7. Sprite continues to move when window has lost focus</a:t>
+            </a:r>
+          </a:p>
+          <a:p>
+            <a:r>
+              <a:rPr lang="en-GB" baseline="0" dirty="0" smtClean="0"/>
+              <a:t>Fix: pause when window loses focus, and un-pause when focus regained</a:t>
+            </a:r>
+            <a:endParaRPr lang="en-GB" baseline="0" dirty="0"/>
+          </a:p>
+          <a:p>
+            <a:endParaRPr lang="en-GB" baseline="0" dirty="0" smtClean="0"/>
+          </a:p>
+          <a:p>
+            <a:pPr marL="0" marR="0" indent="0" algn="l" defTabSz="914400" rtl="0" eaLnBrk="1" fontAlgn="auto" latinLnBrk="0" hangingPunct="1">
+              <a:lnSpc>
+                <a:spcPct val="100000"/>
+              </a:lnSpc>
+              <a:spcBef>
+                <a:spcPts val="0"/>
+              </a:spcBef>
+              <a:spcAft>
+                <a:spcPts val="0"/>
+              </a:spcAft>
+              <a:buClrTx/>
+              <a:buSzTx/>
+              <a:buFontTx/>
+              <a:buNone/>
+              <a:tabLst/>
+              <a:defRPr/>
+            </a:pPr>
+            <a:r>
+              <a:rPr lang="en-GB" baseline="0" dirty="0" smtClean="0"/>
+              <a:t>8. Jump down in kitchen, falls past fireplace when it ought to land on top</a:t>
+            </a:r>
+          </a:p>
+          <a:p>
+            <a:pPr marL="0" marR="0" indent="0" algn="l" defTabSz="914400" rtl="0" eaLnBrk="1" fontAlgn="auto" latinLnBrk="0" hangingPunct="1">
+              <a:lnSpc>
+                <a:spcPct val="100000"/>
+              </a:lnSpc>
+              <a:spcBef>
+                <a:spcPts val="0"/>
+              </a:spcBef>
+              <a:spcAft>
+                <a:spcPts val="0"/>
+              </a:spcAft>
+              <a:buClrTx/>
+              <a:buSzTx/>
+              <a:buFontTx/>
+              <a:buNone/>
+              <a:tabLst/>
+              <a:defRPr/>
+            </a:pPr>
+            <a:r>
+              <a:rPr lang="en-GB" baseline="0" dirty="0" smtClean="0"/>
+              <a:t>Changed shelving arrangement so this does not occur</a:t>
+            </a:r>
+          </a:p>
+          <a:p>
+            <a:endParaRPr lang="en-GB" baseline="0" dirty="0" smtClean="0"/>
+          </a:p>
+          <a:p>
+            <a:pPr marL="0" marR="0" indent="0" algn="l" defTabSz="914400" rtl="0" eaLnBrk="1" fontAlgn="auto" latinLnBrk="0" hangingPunct="1">
+              <a:lnSpc>
+                <a:spcPct val="100000"/>
+              </a:lnSpc>
+              <a:spcBef>
+                <a:spcPts val="0"/>
+              </a:spcBef>
+              <a:spcAft>
+                <a:spcPts val="0"/>
+              </a:spcAft>
+              <a:buClrTx/>
+              <a:buSzTx/>
+              <a:buFontTx/>
+              <a:buNone/>
+              <a:tabLst/>
+              <a:defRPr/>
+            </a:pPr>
+            <a:r>
+              <a:rPr lang="en-GB" baseline="0" dirty="0" smtClean="0"/>
+              <a:t>9. Add an </a:t>
+            </a:r>
+            <a:r>
+              <a:rPr lang="en-GB" baseline="0" dirty="0" err="1" smtClean="0"/>
+              <a:t>Ooops</a:t>
+            </a:r>
+            <a:r>
+              <a:rPr lang="en-GB" baseline="0" dirty="0" smtClean="0"/>
+              <a:t> on loss of life and death</a:t>
+            </a:r>
+          </a:p>
+          <a:p>
+            <a:pPr marL="0" marR="0" indent="0" algn="l" defTabSz="914400" rtl="0" eaLnBrk="1" fontAlgn="auto" latinLnBrk="0" hangingPunct="1">
+              <a:lnSpc>
+                <a:spcPct val="100000"/>
+              </a:lnSpc>
+              <a:spcBef>
+                <a:spcPts val="0"/>
+              </a:spcBef>
+              <a:spcAft>
+                <a:spcPts val="0"/>
+              </a:spcAft>
+              <a:buClrTx/>
+              <a:buSzTx/>
+              <a:buFontTx/>
+              <a:buNone/>
+              <a:tabLst/>
+              <a:defRPr/>
+            </a:pPr>
+            <a:r>
+              <a:rPr lang="en-GB" baseline="0" dirty="0" smtClean="0"/>
+              <a:t>Added music, including </a:t>
+            </a:r>
+            <a:r>
+              <a:rPr lang="en-GB" baseline="0" dirty="0" err="1" smtClean="0"/>
+              <a:t>Ooops</a:t>
+            </a:r>
+            <a:r>
+              <a:rPr lang="en-GB" baseline="0" dirty="0" smtClean="0"/>
+              <a:t> sound</a:t>
+            </a:r>
+          </a:p>
+          <a:p>
+            <a:pPr marL="0" marR="0" indent="0" algn="l" defTabSz="914400" rtl="0" eaLnBrk="1" fontAlgn="auto" latinLnBrk="0" hangingPunct="1">
+              <a:lnSpc>
+                <a:spcPct val="100000"/>
+              </a:lnSpc>
+              <a:spcBef>
+                <a:spcPts val="0"/>
+              </a:spcBef>
+              <a:spcAft>
+                <a:spcPts val="0"/>
+              </a:spcAft>
+              <a:buClrTx/>
+              <a:buSzTx/>
+              <a:buFontTx/>
+              <a:buNone/>
+              <a:tabLst/>
+              <a:defRPr/>
+            </a:pPr>
+            <a:endParaRPr lang="en-GB" baseline="0" dirty="0" smtClean="0"/>
+          </a:p>
+          <a:p>
+            <a:pPr marL="0" marR="0" indent="0" algn="l" defTabSz="914400" rtl="0" eaLnBrk="1" fontAlgn="auto" latinLnBrk="0" hangingPunct="1">
+              <a:lnSpc>
+                <a:spcPct val="100000"/>
+              </a:lnSpc>
+              <a:spcBef>
+                <a:spcPts val="0"/>
+              </a:spcBef>
+              <a:spcAft>
+                <a:spcPts val="0"/>
+              </a:spcAft>
+              <a:buClrTx/>
+              <a:buSzTx/>
+              <a:buFontTx/>
+              <a:buNone/>
+              <a:tabLst/>
+              <a:defRPr/>
+            </a:pPr>
+            <a:r>
+              <a:rPr lang="en-GB" baseline="0" dirty="0" smtClean="0"/>
+              <a:t>10. Not clear when you’ve reached the end game state</a:t>
+            </a:r>
+          </a:p>
+          <a:p>
+            <a:pPr marL="0" marR="0" indent="0" algn="l" defTabSz="914400" rtl="0" eaLnBrk="1" fontAlgn="auto" latinLnBrk="0" hangingPunct="1">
+              <a:lnSpc>
+                <a:spcPct val="100000"/>
+              </a:lnSpc>
+              <a:spcBef>
+                <a:spcPts val="0"/>
+              </a:spcBef>
+              <a:spcAft>
+                <a:spcPts val="0"/>
+              </a:spcAft>
+              <a:buClrTx/>
+              <a:buSzTx/>
+              <a:buFontTx/>
+              <a:buNone/>
+              <a:tabLst/>
+              <a:defRPr/>
+            </a:pPr>
+            <a:r>
+              <a:rPr lang="en-GB" baseline="0" dirty="0" smtClean="0"/>
+              <a:t>Fix: updated game instructions to show that game complete</a:t>
+            </a:r>
+          </a:p>
+          <a:p>
+            <a:endParaRPr lang="en-GB" baseline="0" dirty="0" smtClean="0"/>
+          </a:p>
+          <a:p>
+            <a:r>
+              <a:rPr lang="en-GB" baseline="0" dirty="0" smtClean="0"/>
+              <a:t>11. Did not notice collectibles in Christmas Room, nor other Christmas Room updates</a:t>
+            </a:r>
+          </a:p>
+          <a:p>
+            <a:r>
+              <a:rPr lang="en-GB" baseline="0" dirty="0" smtClean="0"/>
+              <a:t>Fix: 1. Add title above shelving to identify that </a:t>
+            </a:r>
+            <a:r>
+              <a:rPr lang="en-GB" baseline="0" smtClean="0"/>
+              <a:t>the collectibles </a:t>
+            </a:r>
+            <a:r>
+              <a:rPr lang="en-GB" baseline="0" dirty="0" smtClean="0"/>
+              <a:t>will be shown there</a:t>
             </a:r>
           </a:p>
           <a:p>
@@ -1137,8 +1360,15 @@
           <a:p>
             <a:r>
               <a:rPr lang="en-GB" dirty="0"/>
-              <a:t>2. Maze puzzle moves too quickly in response to keyboard keys.</a:t>
-            </a:r>
+              <a:t>2. Maze puzzle moves too quickly in response to keyboard </a:t>
+            </a:r>
+            <a:r>
+              <a:rPr lang="en-GB" dirty="0" smtClean="0"/>
+              <a:t>keys</a:t>
+            </a:r>
+          </a:p>
+          <a:p>
+            <a:endParaRPr lang="en-GB" dirty="0"/>
           </a:p>
           <a:p>
             <a:r>
@@ -1152,60 +1382,36 @@
           </a:p>
           <a:p>
             <a:r>
+              <a:rPr lang="en-GB" baseline="0" dirty="0" smtClean="0"/>
+              <a:t>4. </a:t>
+            </a:r>
+            <a:r>
               <a:rPr lang="en-GB" baseline="0" dirty="0"/>
-              <a:t>4. Player sprite continues to move when window has lost focus (is this a feature of </a:t>
-            </a:r>
-            <a:r>
-              <a:rPr lang="en-GB" baseline="0" dirty="0" err="1"/>
-              <a:t>jsfml</a:t>
-            </a:r>
+              <a:t>Didn’t notice the new items added to the main room above the menu. Maybe it could be animated when newly added?  Maybe you could show the item when you complete the puzzle?</a:t>
+            </a:r>
+          </a:p>
+          <a:p>
             <a:r>
               <a:rPr lang="en-GB" baseline="0" dirty="0"/>
-              <a:t>)</a:t>
-            </a:r>
-          </a:p>
-          <a:p>
+              <a:t>5</a:t>
+            </a:r>
+            <a:r>
+              <a:rPr lang="en-GB" baseline="0" dirty="0" smtClean="0"/>
+              <a:t>. </a:t>
+            </a:r>
             <a:r>
               <a:rPr lang="en-GB" baseline="0" dirty="0"/>
-              <a:t>5. Jump down in kitchen, falls past fireplace when it ought to land on top</a:t>
-            </a:r>
-          </a:p>
-          <a:p>
+              <a:t>Not clear why you should collect the baubles, or what the points are for.</a:t>
+            </a:r>
+          </a:p>
+          <a:p>
+            <a:r>
+              <a:rPr lang="en-GB" baseline="0" dirty="0" smtClean="0"/>
+              <a:t>6. </a:t>
+            </a:r>
             <a:r>
               <a:rPr lang="en-GB" baseline="0" dirty="0"/>
-              <a:t>This is due to the size of movement due to gravity.  Will take too long to fix at this point.  There’s only one place affected.</a:t>
-            </a:r>
-          </a:p>
-          <a:p>
-            <a:r>
-              <a:rPr lang="en-GB" baseline="0" dirty="0"/>
-              <a:t>6. Didn’t notice the new items added to the main room above the menu. Maybe it could be animated when newly added?  Maybe you could show the item when you complete the puzzle?</a:t>
-            </a:r>
-          </a:p>
-          <a:p>
-            <a:r>
-              <a:rPr lang="en-GB" baseline="0" dirty="0"/>
-              <a:t>7. Not clear why you should collect the baubles, or what the points are for.</a:t>
-            </a:r>
-          </a:p>
-          <a:p>
-            <a:r>
-              <a:rPr lang="en-GB" baseline="0" dirty="0"/>
-              <a:t>8. Add an </a:t>
-            </a:r>
-            <a:r>
-              <a:rPr lang="en-GB" baseline="0" dirty="0" err="1"/>
-              <a:t>Ooops</a:t>
-            </a:r>
-            <a:r>
-              <a:rPr lang="en-GB" baseline="0" dirty="0"/>
-              <a:t> on loss of life and death.</a:t>
-            </a:r>
-          </a:p>
-          <a:p>
-            <a:r>
-              <a:rPr lang="en-GB" baseline="0" dirty="0"/>
-              <a:t>9. The room on the menu screen does not look right – some of it is 3D and some 2D. The bookshelf looks like a door – it would be better with a bit of shading below each shelf. The joints in the floor are not angled like the front of the fireplace. Make the inside of the fireplace not the same colour as the fireplace base.</a:t>
+              <a:t>The room on the menu screen does not look right – some of it is 3D and some 2D. The bookshelf looks like a door – it would be better with a bit of shading below each shelf. The joints in the floor are not angled like the front of the fireplace. Make the inside of the fireplace not the same colour as the fireplace base.</a:t>
             </a:r>
             <a:endParaRPr lang="en-GB" dirty="0"/>
           </a:p>
@@ -1265,7 +1471,7 @@
           <p:cNvPr id="2" name="Title 1">
             <a:extLst>
               <a:ext uri="{FF2B5EF4-FFF2-40B4-BE49-F238E27FC236}">
-                <a16:creationId xmlns:a16="http://schemas.microsoft.com/office/drawing/2014/main" id="{DF83C6BF-9C25-47A7-9E90-203791DC8017}"/>
+                <a16:creationId xmlns:a16="http://schemas.microsoft.com/office/drawing/2014/main" xmlns="" id="{DF83C6BF-9C25-47A7-9E90-203791DC8017}"/>
               </a:ext>
             </a:extLst>
           </p:cNvPr>
@@ -1303,7 +1509,7 @@
           <p:cNvPr id="3" name="Subtitle 2">
             <a:extLst>
               <a:ext uri="{FF2B5EF4-FFF2-40B4-BE49-F238E27FC236}">
-                <a16:creationId xmlns:a16="http://schemas.microsoft.com/office/drawing/2014/main" id="{F43AB25B-D89F-430B-83D3-AFE59D87A0C9}"/>
+                <a16:creationId xmlns:a16="http://schemas.microsoft.com/office/drawing/2014/main" xmlns="" id="{F43AB25B-D89F-430B-83D3-AFE59D87A0C9}"/>
               </a:ext>
             </a:extLst>
           </p:cNvPr>
@@ -1374,7 +1580,7 @@
           <p:cNvPr id="4" name="Date Placeholder 3">
             <a:extLst>
               <a:ext uri="{FF2B5EF4-FFF2-40B4-BE49-F238E27FC236}">
-                <a16:creationId xmlns:a16="http://schemas.microsoft.com/office/drawing/2014/main" id="{FC28D84A-1E26-4ADB-9293-C973C9FDD312}"/>
+                <a16:creationId xmlns:a16="http://schemas.microsoft.com/office/drawing/2014/main" xmlns="" id="{FC28D84A-1E26-4ADB-9293-C973C9FDD312}"/>
               </a:ext>
             </a:extLst>
           </p:cNvPr>
@@ -1393,7 +1599,7 @@
             <a:fld id="{24C3A72B-EA9F-49ED-9480-D5BBE463D3C6}" type="datetimeFigureOut">
               <a:rPr lang="en-GB" smtClean="0"/>
               <a:pPr/>
-              <a:t>25/02/2018</a:t>
+              <a:t>26/02/2018</a:t>
             </a:fld>
             <a:endParaRPr lang="en-GB"/>
           </a:p>
@@ -1404,7 +1610,7 @@
           <p:cNvPr id="5" name="Footer Placeholder 4">
             <a:extLst>
               <a:ext uri="{FF2B5EF4-FFF2-40B4-BE49-F238E27FC236}">
-                <a16:creationId xmlns:a16="http://schemas.microsoft.com/office/drawing/2014/main" id="{BD1E3808-CC4A-410D-B94B-201CBF8416A2}"/>
+                <a16:creationId xmlns:a16="http://schemas.microsoft.com/office/drawing/2014/main" xmlns="" id="{BD1E3808-CC4A-410D-B94B-201CBF8416A2}"/>
               </a:ext>
             </a:extLst>
           </p:cNvPr>
@@ -1429,7 +1635,7 @@
           <p:cNvPr id="6" name="Slide Number Placeholder 5">
             <a:extLst>
               <a:ext uri="{FF2B5EF4-FFF2-40B4-BE49-F238E27FC236}">
-                <a16:creationId xmlns:a16="http://schemas.microsoft.com/office/drawing/2014/main" id="{C929150F-8AB1-49F3-8CBA-F3D34AD36D29}"/>
+                <a16:creationId xmlns:a16="http://schemas.microsoft.com/office/drawing/2014/main" xmlns="" id="{C929150F-8AB1-49F3-8CBA-F3D34AD36D29}"/>
               </a:ext>
             </a:extLst>
           </p:cNvPr>
@@ -1457,7 +1663,7 @@
     </p:spTree>
     <p:extLst>
       <p:ext uri="{BB962C8B-B14F-4D97-AF65-F5344CB8AC3E}">
-        <p14:creationId xmlns:p14="http://schemas.microsoft.com/office/powerpoint/2010/main" val="3770199555"/>
+        <p14:creationId xmlns:p14="http://schemas.microsoft.com/office/powerpoint/2010/main" xmlns="" val="3770199555"/>
       </p:ext>
     </p:extLst>
   </p:cSld>
@@ -1489,7 +1695,7 @@
           <p:cNvPr id="2" name="Title 1">
             <a:extLst>
               <a:ext uri="{FF2B5EF4-FFF2-40B4-BE49-F238E27FC236}">
-                <a16:creationId xmlns:a16="http://schemas.microsoft.com/office/drawing/2014/main" id="{E7320A48-0F56-4BFE-B5E3-C4B1A8363197}"/>
+                <a16:creationId xmlns:a16="http://schemas.microsoft.com/office/drawing/2014/main" xmlns="" id="{E7320A48-0F56-4BFE-B5E3-C4B1A8363197}"/>
               </a:ext>
             </a:extLst>
           </p:cNvPr>
@@ -1518,7 +1724,7 @@
           <p:cNvPr id="3" name="Vertical Text Placeholder 2">
             <a:extLst>
               <a:ext uri="{FF2B5EF4-FFF2-40B4-BE49-F238E27FC236}">
-                <a16:creationId xmlns:a16="http://schemas.microsoft.com/office/drawing/2014/main" id="{92301219-EFB4-4606-92FB-C77A02640AFC}"/>
+                <a16:creationId xmlns:a16="http://schemas.microsoft.com/office/drawing/2014/main" xmlns="" id="{92301219-EFB4-4606-92FB-C77A02640AFC}"/>
               </a:ext>
             </a:extLst>
           </p:cNvPr>
@@ -1576,7 +1782,7 @@
           <p:cNvPr id="4" name="Date Placeholder 3">
             <a:extLst>
               <a:ext uri="{FF2B5EF4-FFF2-40B4-BE49-F238E27FC236}">
-                <a16:creationId xmlns:a16="http://schemas.microsoft.com/office/drawing/2014/main" id="{B176B311-50DE-481D-AA1B-0D148FBEB50F}"/>
+                <a16:creationId xmlns:a16="http://schemas.microsoft.com/office/drawing/2014/main" xmlns="" id="{B176B311-50DE-481D-AA1B-0D148FBEB50F}"/>
               </a:ext>
             </a:extLst>
           </p:cNvPr>
@@ -1595,7 +1801,7 @@
             <a:fld id="{24C3A72B-EA9F-49ED-9480-D5BBE463D3C6}" type="datetimeFigureOut">
               <a:rPr lang="en-GB" smtClean="0"/>
               <a:pPr/>
-              <a:t>25/02/2018</a:t>
+              <a:t>26/02/2018</a:t>
             </a:fld>
             <a:endParaRPr lang="en-GB"/>
           </a:p>
@@ -1606,7 +1812,7 @@
           <p:cNvPr id="5" name="Footer Placeholder 4">
             <a:extLst>
               <a:ext uri="{FF2B5EF4-FFF2-40B4-BE49-F238E27FC236}">
-                <a16:creationId xmlns:a16="http://schemas.microsoft.com/office/drawing/2014/main" id="{6702C4FC-01C0-4882-AB0A-3FC6EEA94812}"/>
+                <a16:creationId xmlns:a16="http://schemas.microsoft.com/office/drawing/2014/main" xmlns="" id="{6702C4FC-01C0-4882-AB0A-3FC6EEA94812}"/>
               </a:ext>
             </a:extLst>
           </p:cNvPr>
@@ -1631,7 +1837,7 @@
           <p:cNvPr id="6" name="Slide Number Placeholder 5">
             <a:extLst>
               <a:ext uri="{FF2B5EF4-FFF2-40B4-BE49-F238E27FC236}">
-                <a16:creationId xmlns:a16="http://schemas.microsoft.com/office/drawing/2014/main" id="{441B0672-CB38-4C7F-8FE8-5B7BCF1A143B}"/>
+                <a16:creationId xmlns:a16="http://schemas.microsoft.com/office/drawing/2014/main" xmlns="" id="{441B0672-CB38-4C7F-8FE8-5B7BCF1A143B}"/>
               </a:ext>
             </a:extLst>
           </p:cNvPr>
@@ -1659,7 +1865,7 @@
     </p:spTree>
     <p:extLst>
       <p:ext uri="{BB962C8B-B14F-4D97-AF65-F5344CB8AC3E}">
-        <p14:creationId xmlns:p14="http://schemas.microsoft.com/office/powerpoint/2010/main" val="113615128"/>
+        <p14:creationId xmlns:p14="http://schemas.microsoft.com/office/powerpoint/2010/main" xmlns="" val="113615128"/>
       </p:ext>
     </p:extLst>
   </p:cSld>
@@ -1691,7 +1897,7 @@
           <p:cNvPr id="2" name="Vertical Title 1">
             <a:extLst>
               <a:ext uri="{FF2B5EF4-FFF2-40B4-BE49-F238E27FC236}">
-                <a16:creationId xmlns:a16="http://schemas.microsoft.com/office/drawing/2014/main" id="{9B3A92BF-0813-4A3B-818D-C11C33E4DEE9}"/>
+                <a16:creationId xmlns:a16="http://schemas.microsoft.com/office/drawing/2014/main" xmlns="" id="{9B3A92BF-0813-4A3B-818D-C11C33E4DEE9}"/>
               </a:ext>
             </a:extLst>
           </p:cNvPr>
@@ -1725,7 +1931,7 @@
           <p:cNvPr id="3" name="Vertical Text Placeholder 2">
             <a:extLst>
               <a:ext uri="{FF2B5EF4-FFF2-40B4-BE49-F238E27FC236}">
-                <a16:creationId xmlns:a16="http://schemas.microsoft.com/office/drawing/2014/main" id="{A7B1995E-87E9-464D-BFDD-FFDDCDF93F7E}"/>
+                <a16:creationId xmlns:a16="http://schemas.microsoft.com/office/drawing/2014/main" xmlns="" id="{A7B1995E-87E9-464D-BFDD-FFDDCDF93F7E}"/>
               </a:ext>
             </a:extLst>
           </p:cNvPr>
@@ -1788,7 +1994,7 @@
           <p:cNvPr id="4" name="Date Placeholder 3">
             <a:extLst>
               <a:ext uri="{FF2B5EF4-FFF2-40B4-BE49-F238E27FC236}">
-                <a16:creationId xmlns:a16="http://schemas.microsoft.com/office/drawing/2014/main" id="{6CA12D7A-59F4-418F-ADB1-D361AEF263CB}"/>
+                <a16:creationId xmlns:a16="http://schemas.microsoft.com/office/drawing/2014/main" xmlns="" id="{6CA12D7A-59F4-418F-ADB1-D361AEF263CB}"/>
               </a:ext>
             </a:extLst>
           </p:cNvPr>
@@ -1807,7 +2013,7 @@
             <a:fld id="{24C3A72B-EA9F-49ED-9480-D5BBE463D3C6}" type="datetimeFigureOut">
               <a:rPr lang="en-GB" smtClean="0"/>
               <a:pPr/>
-              <a:t>25/02/2018</a:t>
+              <a:t>26/02/2018</a:t>
             </a:fld>
             <a:endParaRPr lang="en-GB"/>
           </a:p>
@@ -1818,7 +2024,7 @@
           <p:cNvPr id="5" name="Footer Placeholder 4">
             <a:extLst>
               <a:ext uri="{FF2B5EF4-FFF2-40B4-BE49-F238E27FC236}">
-                <a16:creationId xmlns:a16="http://schemas.microsoft.com/office/drawing/2014/main" id="{467DB65F-E560-4A0C-8A4A-8E7A6A91C860}"/>
+                <a16:creationId xmlns:a16="http://schemas.microsoft.com/office/drawing/2014/main" xmlns="" id="{467DB65F-E560-4A0C-8A4A-8E7A6A91C860}"/>
               </a:ext>
             </a:extLst>
           </p:cNvPr>
@@ -1843,7 +2049,7 @@
           <p:cNvPr id="6" name="Slide Number Placeholder 5">
             <a:extLst>
               <a:ext uri="{FF2B5EF4-FFF2-40B4-BE49-F238E27FC236}">
-                <a16:creationId xmlns:a16="http://schemas.microsoft.com/office/drawing/2014/main" id="{E8E88C02-5AF6-43A6-9D49-032C7A2D2D72}"/>
+                <a16:creationId xmlns:a16="http://schemas.microsoft.com/office/drawing/2014/main" xmlns="" id="{E8E88C02-5AF6-43A6-9D49-032C7A2D2D72}"/>
               </a:ext>
             </a:extLst>
           </p:cNvPr>
@@ -1871,7 +2077,7 @@
     </p:spTree>
     <p:extLst>
       <p:ext uri="{BB962C8B-B14F-4D97-AF65-F5344CB8AC3E}">
-        <p14:creationId xmlns:p14="http://schemas.microsoft.com/office/powerpoint/2010/main" val="3170355863"/>
+        <p14:creationId xmlns:p14="http://schemas.microsoft.com/office/powerpoint/2010/main" xmlns="" val="3170355863"/>
       </p:ext>
     </p:extLst>
   </p:cSld>
@@ -1903,7 +2109,7 @@
           <p:cNvPr id="2" name="Title 1">
             <a:extLst>
               <a:ext uri="{FF2B5EF4-FFF2-40B4-BE49-F238E27FC236}">
-                <a16:creationId xmlns:a16="http://schemas.microsoft.com/office/drawing/2014/main" id="{B8856D69-20FF-4661-9073-426B77C624CB}"/>
+                <a16:creationId xmlns:a16="http://schemas.microsoft.com/office/drawing/2014/main" xmlns="" id="{B8856D69-20FF-4661-9073-426B77C624CB}"/>
               </a:ext>
             </a:extLst>
           </p:cNvPr>
@@ -1932,7 +2138,7 @@
           <p:cNvPr id="3" name="Content Placeholder 2">
             <a:extLst>
               <a:ext uri="{FF2B5EF4-FFF2-40B4-BE49-F238E27FC236}">
-                <a16:creationId xmlns:a16="http://schemas.microsoft.com/office/drawing/2014/main" id="{4D713998-E95E-442D-BD8B-F99BAFFEBE64}"/>
+                <a16:creationId xmlns:a16="http://schemas.microsoft.com/office/drawing/2014/main" xmlns="" id="{4D713998-E95E-442D-BD8B-F99BAFFEBE64}"/>
               </a:ext>
             </a:extLst>
           </p:cNvPr>
@@ -1990,7 +2196,7 @@
           <p:cNvPr id="4" name="Date Placeholder 3">
             <a:extLst>
               <a:ext uri="{FF2B5EF4-FFF2-40B4-BE49-F238E27FC236}">
-                <a16:creationId xmlns:a16="http://schemas.microsoft.com/office/drawing/2014/main" id="{31180D3F-E491-4445-8955-67AFE52FC796}"/>
+                <a16:creationId xmlns:a16="http://schemas.microsoft.com/office/drawing/2014/main" xmlns="" id="{31180D3F-E491-4445-8955-67AFE52FC796}"/>
               </a:ext>
             </a:extLst>
           </p:cNvPr>
@@ -2009,7 +2215,7 @@
             <a:fld id="{24C3A72B-EA9F-49ED-9480-D5BBE463D3C6}" type="datetimeFigureOut">
               <a:rPr lang="en-GB" smtClean="0"/>
               <a:pPr/>
-              <a:t>25/02/2018</a:t>
+              <a:t>26/02/2018</a:t>
             </a:fld>
             <a:endParaRPr lang="en-GB"/>
           </a:p>
@@ -2020,7 +2226,7 @@
           <p:cNvPr id="5" name="Footer Placeholder 4">
             <a:extLst>
               <a:ext uri="{FF2B5EF4-FFF2-40B4-BE49-F238E27FC236}">
-                <a16:creationId xmlns:a16="http://schemas.microsoft.com/office/drawing/2014/main" id="{5CED9A43-BFD2-4EDD-802E-19797C6D70CA}"/>
+                <a16:creationId xmlns:a16="http://schemas.microsoft.com/office/drawing/2014/main" xmlns="" id="{5CED9A43-BFD2-4EDD-802E-19797C6D70CA}"/>
               </a:ext>
             </a:extLst>
           </p:cNvPr>
@@ -2045,7 +2251,7 @@
           <p:cNvPr id="6" name="Slide Number Placeholder 5">
             <a:extLst>
               <a:ext uri="{FF2B5EF4-FFF2-40B4-BE49-F238E27FC236}">
-                <a16:creationId xmlns:a16="http://schemas.microsoft.com/office/drawing/2014/main" id="{28FC87F7-4CBA-466F-863D-11A1CA8764AA}"/>
+                <a16:creationId xmlns:a16="http://schemas.microsoft.com/office/drawing/2014/main" xmlns="" id="{28FC87F7-4CBA-466F-863D-11A1CA8764AA}"/>
               </a:ext>
             </a:extLst>
           </p:cNvPr>
@@ -2073,7 +2279,7 @@
     </p:spTree>
     <p:extLst>
       <p:ext uri="{BB962C8B-B14F-4D97-AF65-F5344CB8AC3E}">
-        <p14:creationId xmlns:p14="http://schemas.microsoft.com/office/powerpoint/2010/main" val="1398053472"/>
+        <p14:creationId xmlns:p14="http://schemas.microsoft.com/office/powerpoint/2010/main" xmlns="" val="1398053472"/>
       </p:ext>
     </p:extLst>
   </p:cSld>
@@ -2105,7 +2311,7 @@
           <p:cNvPr id="2" name="Title 1">
             <a:extLst>
               <a:ext uri="{FF2B5EF4-FFF2-40B4-BE49-F238E27FC236}">
-                <a16:creationId xmlns:a16="http://schemas.microsoft.com/office/drawing/2014/main" id="{F8713CCA-DA4A-4E8D-A6E6-4D5C06A1CA92}"/>
+                <a16:creationId xmlns:a16="http://schemas.microsoft.com/office/drawing/2014/main" xmlns="" id="{F8713CCA-DA4A-4E8D-A6E6-4D5C06A1CA92}"/>
               </a:ext>
             </a:extLst>
           </p:cNvPr>
@@ -2143,7 +2349,7 @@
           <p:cNvPr id="3" name="Text Placeholder 2">
             <a:extLst>
               <a:ext uri="{FF2B5EF4-FFF2-40B4-BE49-F238E27FC236}">
-                <a16:creationId xmlns:a16="http://schemas.microsoft.com/office/drawing/2014/main" id="{E796A181-893E-4E6D-8829-2ABB545F4D93}"/>
+                <a16:creationId xmlns:a16="http://schemas.microsoft.com/office/drawing/2014/main" xmlns="" id="{E796A181-893E-4E6D-8829-2ABB545F4D93}"/>
               </a:ext>
             </a:extLst>
           </p:cNvPr>
@@ -2268,7 +2474,7 @@
           <p:cNvPr id="4" name="Date Placeholder 3">
             <a:extLst>
               <a:ext uri="{FF2B5EF4-FFF2-40B4-BE49-F238E27FC236}">
-                <a16:creationId xmlns:a16="http://schemas.microsoft.com/office/drawing/2014/main" id="{4F60A353-D637-4AFB-963D-A375C8D7DE15}"/>
+                <a16:creationId xmlns:a16="http://schemas.microsoft.com/office/drawing/2014/main" xmlns="" id="{4F60A353-D637-4AFB-963D-A375C8D7DE15}"/>
               </a:ext>
             </a:extLst>
           </p:cNvPr>
@@ -2287,7 +2493,7 @@
             <a:fld id="{24C3A72B-EA9F-49ED-9480-D5BBE463D3C6}" type="datetimeFigureOut">
               <a:rPr lang="en-GB" smtClean="0"/>
               <a:pPr/>
-              <a:t>25/02/2018</a:t>
+              <a:t>26/02/2018</a:t>
             </a:fld>
             <a:endParaRPr lang="en-GB"/>
           </a:p>
@@ -2298,7 +2504,7 @@
           <p:cNvPr id="5" name="Footer Placeholder 4">
             <a:extLst>
               <a:ext uri="{FF2B5EF4-FFF2-40B4-BE49-F238E27FC236}">
-                <a16:creationId xmlns:a16="http://schemas.microsoft.com/office/drawing/2014/main" id="{14A1034E-26D2-46C4-B048-516F786DA9EC}"/>
+                <a16:creationId xmlns:a16="http://schemas.microsoft.com/office/drawing/2014/main" xmlns="" id="{14A1034E-26D2-46C4-B048-516F786DA9EC}"/>
               </a:ext>
             </a:extLst>
           </p:cNvPr>
@@ -2323,7 +2529,7 @@
           <p:cNvPr id="6" name="Slide Number Placeholder 5">
             <a:extLst>
               <a:ext uri="{FF2B5EF4-FFF2-40B4-BE49-F238E27FC236}">
-                <a16:creationId xmlns:a16="http://schemas.microsoft.com/office/drawing/2014/main" id="{946ACA28-BDA0-401C-B5E5-029DDA8E1D7B}"/>
+                <a16:creationId xmlns:a16="http://schemas.microsoft.com/office/drawing/2014/main" xmlns="" id="{946ACA28-BDA0-401C-B5E5-029DDA8E1D7B}"/>
               </a:ext>
             </a:extLst>
           </p:cNvPr>
@@ -2351,7 +2557,7 @@
     </p:spTree>
     <p:extLst>
       <p:ext uri="{BB962C8B-B14F-4D97-AF65-F5344CB8AC3E}">
-        <p14:creationId xmlns:p14="http://schemas.microsoft.com/office/powerpoint/2010/main" val="1945849922"/>
+        <p14:creationId xmlns:p14="http://schemas.microsoft.com/office/powerpoint/2010/main" xmlns="" val="1945849922"/>
       </p:ext>
     </p:extLst>
   </p:cSld>
@@ -2383,7 +2589,7 @@
           <p:cNvPr id="2" name="Title 1">
             <a:extLst>
               <a:ext uri="{FF2B5EF4-FFF2-40B4-BE49-F238E27FC236}">
-                <a16:creationId xmlns:a16="http://schemas.microsoft.com/office/drawing/2014/main" id="{5C30AE81-C3FC-46F8-A43E-6CEB9925FC44}"/>
+                <a16:creationId xmlns:a16="http://schemas.microsoft.com/office/drawing/2014/main" xmlns="" id="{5C30AE81-C3FC-46F8-A43E-6CEB9925FC44}"/>
               </a:ext>
             </a:extLst>
           </p:cNvPr>
@@ -2412,7 +2618,7 @@
           <p:cNvPr id="3" name="Content Placeholder 2">
             <a:extLst>
               <a:ext uri="{FF2B5EF4-FFF2-40B4-BE49-F238E27FC236}">
-                <a16:creationId xmlns:a16="http://schemas.microsoft.com/office/drawing/2014/main" id="{5088C0F7-4CD0-4904-8A34-D6A4CBE69A6E}"/>
+                <a16:creationId xmlns:a16="http://schemas.microsoft.com/office/drawing/2014/main" xmlns="" id="{5088C0F7-4CD0-4904-8A34-D6A4CBE69A6E}"/>
               </a:ext>
             </a:extLst>
           </p:cNvPr>
@@ -2475,7 +2681,7 @@
           <p:cNvPr id="4" name="Content Placeholder 3">
             <a:extLst>
               <a:ext uri="{FF2B5EF4-FFF2-40B4-BE49-F238E27FC236}">
-                <a16:creationId xmlns:a16="http://schemas.microsoft.com/office/drawing/2014/main" id="{16A80048-D1B9-4999-807E-1BF158739194}"/>
+                <a16:creationId xmlns:a16="http://schemas.microsoft.com/office/drawing/2014/main" xmlns="" id="{16A80048-D1B9-4999-807E-1BF158739194}"/>
               </a:ext>
             </a:extLst>
           </p:cNvPr>
@@ -2538,7 +2744,7 @@
           <p:cNvPr id="5" name="Date Placeholder 4">
             <a:extLst>
               <a:ext uri="{FF2B5EF4-FFF2-40B4-BE49-F238E27FC236}">
-                <a16:creationId xmlns:a16="http://schemas.microsoft.com/office/drawing/2014/main" id="{5F1C4467-5E7A-444D-8C1F-9C85A5350FEC}"/>
+                <a16:creationId xmlns:a16="http://schemas.microsoft.com/office/drawing/2014/main" xmlns="" id="{5F1C4467-5E7A-444D-8C1F-9C85A5350FEC}"/>
               </a:ext>
             </a:extLst>
           </p:cNvPr>
@@ -2557,7 +2763,7 @@
             <a:fld id="{24C3A72B-EA9F-49ED-9480-D5BBE463D3C6}" type="datetimeFigureOut">
               <a:rPr lang="en-GB" smtClean="0"/>
               <a:pPr/>
-              <a:t>25/02/2018</a:t>
+              <a:t>26/02/2018</a:t>
             </a:fld>
             <a:endParaRPr lang="en-GB"/>
           </a:p>
@@ -2568,7 +2774,7 @@
           <p:cNvPr id="6" name="Footer Placeholder 5">
             <a:extLst>
               <a:ext uri="{FF2B5EF4-FFF2-40B4-BE49-F238E27FC236}">
-                <a16:creationId xmlns:a16="http://schemas.microsoft.com/office/drawing/2014/main" id="{384026F4-B643-4CC3-B710-FE767082020C}"/>
+                <a16:creationId xmlns:a16="http://schemas.microsoft.com/office/drawing/2014/main" xmlns="" id="{384026F4-B643-4CC3-B710-FE767082020C}"/>
               </a:ext>
             </a:extLst>
           </p:cNvPr>
@@ -2593,7 +2799,7 @@
           <p:cNvPr id="7" name="Slide Number Placeholder 6">
             <a:extLst>
               <a:ext uri="{FF2B5EF4-FFF2-40B4-BE49-F238E27FC236}">
-                <a16:creationId xmlns:a16="http://schemas.microsoft.com/office/drawing/2014/main" id="{B4F45919-5C3E-4A20-BC4E-1A8950F00937}"/>
+                <a16:creationId xmlns:a16="http://schemas.microsoft.com/office/drawing/2014/main" xmlns="" id="{B4F45919-5C3E-4A20-BC4E-1A8950F00937}"/>
               </a:ext>
             </a:extLst>
           </p:cNvPr>
@@ -2621,7 +2827,7 @@
     </p:spTree>
     <p:extLst>
       <p:ext uri="{BB962C8B-B14F-4D97-AF65-F5344CB8AC3E}">
-        <p14:creationId xmlns:p14="http://schemas.microsoft.com/office/powerpoint/2010/main" val="1382044922"/>
+        <p14:creationId xmlns:p14="http://schemas.microsoft.com/office/powerpoint/2010/main" xmlns="" val="1382044922"/>
       </p:ext>
     </p:extLst>
   </p:cSld>
@@ -2653,7 +2859,7 @@
           <p:cNvPr id="2" name="Title 1">
             <a:extLst>
               <a:ext uri="{FF2B5EF4-FFF2-40B4-BE49-F238E27FC236}">
-                <a16:creationId xmlns:a16="http://schemas.microsoft.com/office/drawing/2014/main" id="{E40FFFB1-649D-426B-B189-1DAD66D14336}"/>
+                <a16:creationId xmlns:a16="http://schemas.microsoft.com/office/drawing/2014/main" xmlns="" id="{E40FFFB1-649D-426B-B189-1DAD66D14336}"/>
               </a:ext>
             </a:extLst>
           </p:cNvPr>
@@ -2687,7 +2893,7 @@
           <p:cNvPr id="3" name="Text Placeholder 2">
             <a:extLst>
               <a:ext uri="{FF2B5EF4-FFF2-40B4-BE49-F238E27FC236}">
-                <a16:creationId xmlns:a16="http://schemas.microsoft.com/office/drawing/2014/main" id="{8772471C-BEC4-47A2-ACB6-54F4C91BFB2A}"/>
+                <a16:creationId xmlns:a16="http://schemas.microsoft.com/office/drawing/2014/main" xmlns="" id="{8772471C-BEC4-47A2-ACB6-54F4C91BFB2A}"/>
               </a:ext>
             </a:extLst>
           </p:cNvPr>
@@ -2758,7 +2964,7 @@
           <p:cNvPr id="4" name="Content Placeholder 3">
             <a:extLst>
               <a:ext uri="{FF2B5EF4-FFF2-40B4-BE49-F238E27FC236}">
-                <a16:creationId xmlns:a16="http://schemas.microsoft.com/office/drawing/2014/main" id="{5AD87827-BA33-4B72-BCD3-C0C3D2AA931B}"/>
+                <a16:creationId xmlns:a16="http://schemas.microsoft.com/office/drawing/2014/main" xmlns="" id="{5AD87827-BA33-4B72-BCD3-C0C3D2AA931B}"/>
               </a:ext>
             </a:extLst>
           </p:cNvPr>
@@ -2821,7 +3027,7 @@
           <p:cNvPr id="5" name="Text Placeholder 4">
             <a:extLst>
               <a:ext uri="{FF2B5EF4-FFF2-40B4-BE49-F238E27FC236}">
-                <a16:creationId xmlns:a16="http://schemas.microsoft.com/office/drawing/2014/main" id="{138A58D4-A5B6-48A1-B509-C37CE93409BD}"/>
+                <a16:creationId xmlns:a16="http://schemas.microsoft.com/office/drawing/2014/main" xmlns="" id="{138A58D4-A5B6-48A1-B509-C37CE93409BD}"/>
               </a:ext>
             </a:extLst>
           </p:cNvPr>
@@ -2892,7 +3098,7 @@
           <p:cNvPr id="6" name="Content Placeholder 5">
             <a:extLst>
               <a:ext uri="{FF2B5EF4-FFF2-40B4-BE49-F238E27FC236}">
-                <a16:creationId xmlns:a16="http://schemas.microsoft.com/office/drawing/2014/main" id="{6CC17053-AB6B-4F65-8F9E-EDC8C39D1399}"/>
+                <a16:creationId xmlns:a16="http://schemas.microsoft.com/office/drawing/2014/main" xmlns="" id="{6CC17053-AB6B-4F65-8F9E-EDC8C39D1399}"/>
               </a:ext>
             </a:extLst>
           </p:cNvPr>
@@ -2955,7 +3161,7 @@
           <p:cNvPr id="7" name="Date Placeholder 6">
             <a:extLst>
               <a:ext uri="{FF2B5EF4-FFF2-40B4-BE49-F238E27FC236}">
-                <a16:creationId xmlns:a16="http://schemas.microsoft.com/office/drawing/2014/main" id="{E3D90822-B7B8-481A-BB0C-B672B0F6A17C}"/>
+                <a16:creationId xmlns:a16="http://schemas.microsoft.com/office/drawing/2014/main" xmlns="" id="{E3D90822-B7B8-481A-BB0C-B672B0F6A17C}"/>
               </a:ext>
             </a:extLst>
           </p:cNvPr>
@@ -2974,7 +3180,7 @@
             <a:fld id="{24C3A72B-EA9F-49ED-9480-D5BBE463D3C6}" type="datetimeFigureOut">
               <a:rPr lang="en-GB" smtClean="0"/>
               <a:pPr/>
-              <a:t>25/02/2018</a:t>
+              <a:t>26/02/2018</a:t>
             </a:fld>
             <a:endParaRPr lang="en-GB"/>
           </a:p>
@@ -2985,7 +3191,7 @@
           <p:cNvPr id="8" name="Footer Placeholder 7">
             <a:extLst>
               <a:ext uri="{FF2B5EF4-FFF2-40B4-BE49-F238E27FC236}">
-                <a16:creationId xmlns:a16="http://schemas.microsoft.com/office/drawing/2014/main" id="{3A433E44-143D-440A-8BD2-8BC9C9CF6734}"/>
+                <a16:creationId xmlns:a16="http://schemas.microsoft.com/office/drawing/2014/main" xmlns="" id="{3A433E44-143D-440A-8BD2-8BC9C9CF6734}"/>
               </a:ext>
             </a:extLst>
           </p:cNvPr>
@@ -3010,7 +3216,7 @@
           <p:cNvPr id="9" name="Slide Number Placeholder 8">
             <a:extLst>
               <a:ext uri="{FF2B5EF4-FFF2-40B4-BE49-F238E27FC236}">
-                <a16:creationId xmlns:a16="http://schemas.microsoft.com/office/drawing/2014/main" id="{EC97B467-9FF0-43E8-9056-E6AB688AFC17}"/>
+                <a16:creationId xmlns:a16="http://schemas.microsoft.com/office/drawing/2014/main" xmlns="" id="{EC97B467-9FF0-43E8-9056-E6AB688AFC17}"/>
               </a:ext>
             </a:extLst>
           </p:cNvPr>
@@ -3038,7 +3244,7 @@
     </p:spTree>
     <p:extLst>
       <p:ext uri="{BB962C8B-B14F-4D97-AF65-F5344CB8AC3E}">
-        <p14:creationId xmlns:p14="http://schemas.microsoft.com/office/powerpoint/2010/main" val="3457634593"/>
+        <p14:creationId xmlns:p14="http://schemas.microsoft.com/office/powerpoint/2010/main" xmlns="" val="3457634593"/>
       </p:ext>
     </p:extLst>
   </p:cSld>
@@ -3070,7 +3276,7 @@
           <p:cNvPr id="2" name="Title 1">
             <a:extLst>
               <a:ext uri="{FF2B5EF4-FFF2-40B4-BE49-F238E27FC236}">
-                <a16:creationId xmlns:a16="http://schemas.microsoft.com/office/drawing/2014/main" id="{126C16E5-B433-42A2-9EFF-55EF20909D15}"/>
+                <a16:creationId xmlns:a16="http://schemas.microsoft.com/office/drawing/2014/main" xmlns="" id="{126C16E5-B433-42A2-9EFF-55EF20909D15}"/>
               </a:ext>
             </a:extLst>
           </p:cNvPr>
@@ -3099,7 +3305,7 @@
           <p:cNvPr id="3" name="Date Placeholder 2">
             <a:extLst>
               <a:ext uri="{FF2B5EF4-FFF2-40B4-BE49-F238E27FC236}">
-                <a16:creationId xmlns:a16="http://schemas.microsoft.com/office/drawing/2014/main" id="{4B69A33F-53FA-4B8F-923C-811A663804E1}"/>
+                <a16:creationId xmlns:a16="http://schemas.microsoft.com/office/drawing/2014/main" xmlns="" id="{4B69A33F-53FA-4B8F-923C-811A663804E1}"/>
               </a:ext>
             </a:extLst>
           </p:cNvPr>
@@ -3118,7 +3324,7 @@
             <a:fld id="{24C3A72B-EA9F-49ED-9480-D5BBE463D3C6}" type="datetimeFigureOut">
               <a:rPr lang="en-GB" smtClean="0"/>
               <a:pPr/>
-              <a:t>25/02/2018</a:t>
+              <a:t>26/02/2018</a:t>
             </a:fld>
             <a:endParaRPr lang="en-GB"/>
           </a:p>
@@ -3129,7 +3335,7 @@
           <p:cNvPr id="4" name="Footer Placeholder 3">
             <a:extLst>
               <a:ext uri="{FF2B5EF4-FFF2-40B4-BE49-F238E27FC236}">
-                <a16:creationId xmlns:a16="http://schemas.microsoft.com/office/drawing/2014/main" id="{CE5979CA-B672-4BE0-9727-E607CF5FBA10}"/>
+                <a16:creationId xmlns:a16="http://schemas.microsoft.com/office/drawing/2014/main" xmlns="" id="{CE5979CA-B672-4BE0-9727-E607CF5FBA10}"/>
               </a:ext>
             </a:extLst>
           </p:cNvPr>
@@ -3154,7 +3360,7 @@
           <p:cNvPr id="5" name="Slide Number Placeholder 4">
             <a:extLst>
               <a:ext uri="{FF2B5EF4-FFF2-40B4-BE49-F238E27FC236}">
-                <a16:creationId xmlns:a16="http://schemas.microsoft.com/office/drawing/2014/main" id="{9F7BAA98-4121-40E6-B29F-2204B30F0C2E}"/>
+                <a16:creationId xmlns:a16="http://schemas.microsoft.com/office/drawing/2014/main" xmlns="" id="{9F7BAA98-4121-40E6-B29F-2204B30F0C2E}"/>
               </a:ext>
             </a:extLst>
           </p:cNvPr>
@@ -3182,7 +3388,7 @@
     </p:spTree>
     <p:extLst>
       <p:ext uri="{BB962C8B-B14F-4D97-AF65-F5344CB8AC3E}">
-        <p14:creationId xmlns:p14="http://schemas.microsoft.com/office/powerpoint/2010/main" val="4070145130"/>
+        <p14:creationId xmlns:p14="http://schemas.microsoft.com/office/powerpoint/2010/main" xmlns="" val="4070145130"/>
       </p:ext>
     </p:extLst>
   </p:cSld>
@@ -3214,7 +3420,7 @@
           <p:cNvPr id="2" name="Date Placeholder 1">
             <a:extLst>
               <a:ext uri="{FF2B5EF4-FFF2-40B4-BE49-F238E27FC236}">
-                <a16:creationId xmlns:a16="http://schemas.microsoft.com/office/drawing/2014/main" id="{5CC14C16-6481-4904-AC0A-7E3279C7059D}"/>
+                <a16:creationId xmlns:a16="http://schemas.microsoft.com/office/drawing/2014/main" xmlns="" id="{5CC14C16-6481-4904-AC0A-7E3279C7059D}"/>
               </a:ext>
             </a:extLst>
           </p:cNvPr>
@@ -3233,7 +3439,7 @@
             <a:fld id="{24C3A72B-EA9F-49ED-9480-D5BBE463D3C6}" type="datetimeFigureOut">
               <a:rPr lang="en-GB" smtClean="0"/>
               <a:pPr/>
-              <a:t>25/02/2018</a:t>
+              <a:t>26/02/2018</a:t>
             </a:fld>
             <a:endParaRPr lang="en-GB"/>
           </a:p>
@@ -3244,7 +3450,7 @@
           <p:cNvPr id="3" name="Footer Placeholder 2">
             <a:extLst>
               <a:ext uri="{FF2B5EF4-FFF2-40B4-BE49-F238E27FC236}">
-                <a16:creationId xmlns:a16="http://schemas.microsoft.com/office/drawing/2014/main" id="{F6C26942-E7C8-4D7B-AF06-F5CBEFE52D52}"/>
+                <a16:creationId xmlns:a16="http://schemas.microsoft.com/office/drawing/2014/main" xmlns="" id="{F6C26942-E7C8-4D7B-AF06-F5CBEFE52D52}"/>
               </a:ext>
             </a:extLst>
           </p:cNvPr>
@@ -3269,7 +3475,7 @@
           <p:cNvPr id="4" name="Slide Number Placeholder 3">
             <a:extLst>
               <a:ext uri="{FF2B5EF4-FFF2-40B4-BE49-F238E27FC236}">
-                <a16:creationId xmlns:a16="http://schemas.microsoft.com/office/drawing/2014/main" id="{F4DAB499-97FD-4827-B6B8-0F96F7C4FE5D}"/>
+                <a16:creationId xmlns:a16="http://schemas.microsoft.com/office/drawing/2014/main" xmlns="" id="{F4DAB499-97FD-4827-B6B8-0F96F7C4FE5D}"/>
               </a:ext>
             </a:extLst>
           </p:cNvPr>
@@ -3297,7 +3503,7 @@
     </p:spTree>
     <p:extLst>
       <p:ext uri="{BB962C8B-B14F-4D97-AF65-F5344CB8AC3E}">
-        <p14:creationId xmlns:p14="http://schemas.microsoft.com/office/powerpoint/2010/main" val="1991650923"/>
+        <p14:creationId xmlns:p14="http://schemas.microsoft.com/office/powerpoint/2010/main" xmlns="" val="1991650923"/>
       </p:ext>
     </p:extLst>
   </p:cSld>
@@ -3329,7 +3535,7 @@
           <p:cNvPr id="2" name="Title 1">
             <a:extLst>
               <a:ext uri="{FF2B5EF4-FFF2-40B4-BE49-F238E27FC236}">
-                <a16:creationId xmlns:a16="http://schemas.microsoft.com/office/drawing/2014/main" id="{8DB1DE1E-A84A-447A-898D-F7D7DEFFBBCD}"/>
+                <a16:creationId xmlns:a16="http://schemas.microsoft.com/office/drawing/2014/main" xmlns="" id="{8DB1DE1E-A84A-447A-898D-F7D7DEFFBBCD}"/>
               </a:ext>
             </a:extLst>
           </p:cNvPr>
@@ -3367,7 +3573,7 @@
           <p:cNvPr id="3" name="Content Placeholder 2">
             <a:extLst>
               <a:ext uri="{FF2B5EF4-FFF2-40B4-BE49-F238E27FC236}">
-                <a16:creationId xmlns:a16="http://schemas.microsoft.com/office/drawing/2014/main" id="{00C215BD-D7D7-49A5-86B5-19FA9FCE98D7}"/>
+                <a16:creationId xmlns:a16="http://schemas.microsoft.com/office/drawing/2014/main" xmlns="" id="{00C215BD-D7D7-49A5-86B5-19FA9FCE98D7}"/>
               </a:ext>
             </a:extLst>
           </p:cNvPr>
@@ -3458,7 +3664,7 @@
           <p:cNvPr id="4" name="Text Placeholder 3">
             <a:extLst>
               <a:ext uri="{FF2B5EF4-FFF2-40B4-BE49-F238E27FC236}">
-                <a16:creationId xmlns:a16="http://schemas.microsoft.com/office/drawing/2014/main" id="{963333A7-986A-4F23-AD4B-645062463568}"/>
+                <a16:creationId xmlns:a16="http://schemas.microsoft.com/office/drawing/2014/main" xmlns="" id="{963333A7-986A-4F23-AD4B-645062463568}"/>
               </a:ext>
             </a:extLst>
           </p:cNvPr>
@@ -3529,7 +3735,7 @@
           <p:cNvPr id="5" name="Date Placeholder 4">
             <a:extLst>
               <a:ext uri="{FF2B5EF4-FFF2-40B4-BE49-F238E27FC236}">
-                <a16:creationId xmlns:a16="http://schemas.microsoft.com/office/drawing/2014/main" id="{3D141368-BD0B-4EC5-894A-09555901F516}"/>
+                <a16:creationId xmlns:a16="http://schemas.microsoft.com/office/drawing/2014/main" xmlns="" id="{3D141368-BD0B-4EC5-894A-09555901F516}"/>
               </a:ext>
             </a:extLst>
           </p:cNvPr>
@@ -3548,7 +3754,7 @@
             <a:fld id="{24C3A72B-EA9F-49ED-9480-D5BBE463D3C6}" type="datetimeFigureOut">
               <a:rPr lang="en-GB" smtClean="0"/>
               <a:pPr/>
-              <a:t>25/02/2018</a:t>
+              <a:t>26/02/2018</a:t>
             </a:fld>
             <a:endParaRPr lang="en-GB"/>
           </a:p>
@@ -3559,7 +3765,7 @@
           <p:cNvPr id="6" name="Footer Placeholder 5">
             <a:extLst>
               <a:ext uri="{FF2B5EF4-FFF2-40B4-BE49-F238E27FC236}">
-                <a16:creationId xmlns:a16="http://schemas.microsoft.com/office/drawing/2014/main" id="{FA6D6A8F-73ED-40EE-9BF6-7C9A264B11E7}"/>
+                <a16:creationId xmlns:a16="http://schemas.microsoft.com/office/drawing/2014/main" xmlns="" id="{FA6D6A8F-73ED-40EE-9BF6-7C9A264B11E7}"/>
               </a:ext>
             </a:extLst>
           </p:cNvPr>
@@ -3584,7 +3790,7 @@
           <p:cNvPr id="7" name="Slide Number Placeholder 6">
             <a:extLst>
               <a:ext uri="{FF2B5EF4-FFF2-40B4-BE49-F238E27FC236}">
-                <a16:creationId xmlns:a16="http://schemas.microsoft.com/office/drawing/2014/main" id="{9FFB6450-457F-4CC9-9642-311C051E1BB6}"/>
+                <a16:creationId xmlns:a16="http://schemas.microsoft.com/office/drawing/2014/main" xmlns="" id="{9FFB6450-457F-4CC9-9642-311C051E1BB6}"/>
               </a:ext>
             </a:extLst>
           </p:cNvPr>
@@ -3612,7 +3818,7 @@
     </p:spTree>
     <p:extLst>
       <p:ext uri="{BB962C8B-B14F-4D97-AF65-F5344CB8AC3E}">
-        <p14:creationId xmlns:p14="http://schemas.microsoft.com/office/powerpoint/2010/main" val="3135145738"/>
+        <p14:creationId xmlns:p14="http://schemas.microsoft.com/office/powerpoint/2010/main" xmlns="" val="3135145738"/>
       </p:ext>
     </p:extLst>
   </p:cSld>
@@ -3644,7 +3850,7 @@
           <p:cNvPr id="2" name="Title 1">
             <a:extLst>
               <a:ext uri="{FF2B5EF4-FFF2-40B4-BE49-F238E27FC236}">
-                <a16:creationId xmlns:a16="http://schemas.microsoft.com/office/drawing/2014/main" id="{8C1296DB-0DB8-4F14-9BF6-5579C0960222}"/>
+                <a16:creationId xmlns:a16="http://schemas.microsoft.com/office/drawing/2014/main" xmlns="" id="{8C1296DB-0DB8-4F14-9BF6-5579C0960222}"/>
               </a:ext>
             </a:extLst>
           </p:cNvPr>
@@ -3682,7 +3888,7 @@
           <p:cNvPr id="3" name="Picture Placeholder 2">
             <a:extLst>
               <a:ext uri="{FF2B5EF4-FFF2-40B4-BE49-F238E27FC236}">
-                <a16:creationId xmlns:a16="http://schemas.microsoft.com/office/drawing/2014/main" id="{7EDD28FD-96ED-49BE-8A09-6B9C86BEA995}"/>
+                <a16:creationId xmlns:a16="http://schemas.microsoft.com/office/drawing/2014/main" xmlns="" id="{7EDD28FD-96ED-49BE-8A09-6B9C86BEA995}"/>
               </a:ext>
             </a:extLst>
           </p:cNvPr>
@@ -3749,7 +3955,7 @@
           <p:cNvPr id="4" name="Text Placeholder 3">
             <a:extLst>
               <a:ext uri="{FF2B5EF4-FFF2-40B4-BE49-F238E27FC236}">
-                <a16:creationId xmlns:a16="http://schemas.microsoft.com/office/drawing/2014/main" id="{ADA4AC5E-4A1B-482A-A3FE-C174ECCF882D}"/>
+                <a16:creationId xmlns:a16="http://schemas.microsoft.com/office/drawing/2014/main" xmlns="" id="{ADA4AC5E-4A1B-482A-A3FE-C174ECCF882D}"/>
               </a:ext>
             </a:extLst>
           </p:cNvPr>
@@ -3820,7 +4026,7 @@
           <p:cNvPr id="5" name="Date Placeholder 4">
             <a:extLst>
               <a:ext uri="{FF2B5EF4-FFF2-40B4-BE49-F238E27FC236}">
-                <a16:creationId xmlns:a16="http://schemas.microsoft.com/office/drawing/2014/main" id="{40D65AD9-E4E1-40E5-BE5B-AB193A4848A3}"/>
+                <a16:creationId xmlns:a16="http://schemas.microsoft.com/office/drawing/2014/main" xmlns="" id="{40D65AD9-E4E1-40E5-BE5B-AB193A4848A3}"/>
               </a:ext>
             </a:extLst>
           </p:cNvPr>
@@ -3839,7 +4045,7 @@
             <a:fld id="{24C3A72B-EA9F-49ED-9480-D5BBE463D3C6}" type="datetimeFigureOut">
               <a:rPr lang="en-GB" smtClean="0"/>
               <a:pPr/>
-              <a:t>25/02/2018</a:t>
+              <a:t>26/02/2018</a:t>
             </a:fld>
             <a:endParaRPr lang="en-GB"/>
           </a:p>
@@ -3850,7 +4056,7 @@
           <p:cNvPr id="6" name="Footer Placeholder 5">
             <a:extLst>
               <a:ext uri="{FF2B5EF4-FFF2-40B4-BE49-F238E27FC236}">
-                <a16:creationId xmlns:a16="http://schemas.microsoft.com/office/drawing/2014/main" id="{B8B67A65-51C4-42C3-BCE1-2B6CDFA11351}"/>
+                <a16:creationId xmlns:a16="http://schemas.microsoft.com/office/drawing/2014/main" xmlns="" id="{B8B67A65-51C4-42C3-BCE1-2B6CDFA11351}"/>
               </a:ext>
             </a:extLst>
           </p:cNvPr>
@@ -3875,7 +4081,7 @@
           <p:cNvPr id="7" name="Slide Number Placeholder 6">
             <a:extLst>
               <a:ext uri="{FF2B5EF4-FFF2-40B4-BE49-F238E27FC236}">
-                <a16:creationId xmlns:a16="http://schemas.microsoft.com/office/drawing/2014/main" id="{8FA693F4-23BB-49C6-947A-E9223A7DD702}"/>
+                <a16:creationId xmlns:a16="http://schemas.microsoft.com/office/drawing/2014/main" xmlns="" id="{8FA693F4-23BB-49C6-947A-E9223A7DD702}"/>
               </a:ext>
             </a:extLst>
           </p:cNvPr>
@@ -3903,7 +4109,7 @@
     </p:spTree>
     <p:extLst>
       <p:ext uri="{BB962C8B-B14F-4D97-AF65-F5344CB8AC3E}">
-        <p14:creationId xmlns:p14="http://schemas.microsoft.com/office/powerpoint/2010/main" val="3595103176"/>
+        <p14:creationId xmlns:p14="http://schemas.microsoft.com/office/powerpoint/2010/main" xmlns="" val="3595103176"/>
       </p:ext>
     </p:extLst>
   </p:cSld>
@@ -3940,7 +4146,7 @@
           <p:cNvPr id="2" name="Title Placeholder 1">
             <a:extLst>
               <a:ext uri="{FF2B5EF4-FFF2-40B4-BE49-F238E27FC236}">
-                <a16:creationId xmlns:a16="http://schemas.microsoft.com/office/drawing/2014/main" id="{84BFBAD9-9BA2-48E1-8F6D-508057E885A8}"/>
+                <a16:creationId xmlns:a16="http://schemas.microsoft.com/office/drawing/2014/main" xmlns="" id="{84BFBAD9-9BA2-48E1-8F6D-508057E885A8}"/>
               </a:ext>
             </a:extLst>
           </p:cNvPr>
@@ -3979,7 +4185,7 @@
           <p:cNvPr id="3" name="Text Placeholder 2">
             <a:extLst>
               <a:ext uri="{FF2B5EF4-FFF2-40B4-BE49-F238E27FC236}">
-                <a16:creationId xmlns:a16="http://schemas.microsoft.com/office/drawing/2014/main" id="{9E540119-8CD7-44A9-8AB4-22B4558FAC90}"/>
+                <a16:creationId xmlns:a16="http://schemas.microsoft.com/office/drawing/2014/main" xmlns="" id="{9E540119-8CD7-44A9-8AB4-22B4558FAC90}"/>
               </a:ext>
             </a:extLst>
           </p:cNvPr>
@@ -4047,7 +4253,7 @@
           <p:cNvPr id="4" name="Date Placeholder 3">
             <a:extLst>
               <a:ext uri="{FF2B5EF4-FFF2-40B4-BE49-F238E27FC236}">
-                <a16:creationId xmlns:a16="http://schemas.microsoft.com/office/drawing/2014/main" id="{6ADDB086-675C-45AE-B2E3-8AB1AC643C42}"/>
+                <a16:creationId xmlns:a16="http://schemas.microsoft.com/office/drawing/2014/main" xmlns="" id="{6ADDB086-675C-45AE-B2E3-8AB1AC643C42}"/>
               </a:ext>
             </a:extLst>
           </p:cNvPr>
@@ -4084,7 +4290,7 @@
             <a:fld id="{24C3A72B-EA9F-49ED-9480-D5BBE463D3C6}" type="datetimeFigureOut">
               <a:rPr lang="en-GB" smtClean="0"/>
               <a:pPr/>
-              <a:t>25/02/2018</a:t>
+              <a:t>26/02/2018</a:t>
             </a:fld>
             <a:endParaRPr lang="en-GB"/>
           </a:p>
@@ -4095,7 +4301,7 @@
           <p:cNvPr id="5" name="Footer Placeholder 4">
             <a:extLst>
               <a:ext uri="{FF2B5EF4-FFF2-40B4-BE49-F238E27FC236}">
-                <a16:creationId xmlns:a16="http://schemas.microsoft.com/office/drawing/2014/main" id="{20964F14-198A-4651-980F-B11F6946BEB6}"/>
+                <a16:creationId xmlns:a16="http://schemas.microsoft.com/office/drawing/2014/main" xmlns="" id="{20964F14-198A-4651-980F-B11F6946BEB6}"/>
               </a:ext>
             </a:extLst>
           </p:cNvPr>
@@ -4138,7 +4344,7 @@
           <p:cNvPr id="6" name="Slide Number Placeholder 5">
             <a:extLst>
               <a:ext uri="{FF2B5EF4-FFF2-40B4-BE49-F238E27FC236}">
-                <a16:creationId xmlns:a16="http://schemas.microsoft.com/office/drawing/2014/main" id="{49641EE6-2A40-457C-A97A-CE775F6542F4}"/>
+                <a16:creationId xmlns:a16="http://schemas.microsoft.com/office/drawing/2014/main" xmlns="" id="{49641EE6-2A40-457C-A97A-CE775F6542F4}"/>
               </a:ext>
             </a:extLst>
           </p:cNvPr>
@@ -4184,7 +4390,7 @@
     </p:spTree>
     <p:extLst>
       <p:ext uri="{BB962C8B-B14F-4D97-AF65-F5344CB8AC3E}">
-        <p14:creationId xmlns:p14="http://schemas.microsoft.com/office/powerpoint/2010/main" val="3074094979"/>
+        <p14:creationId xmlns:p14="http://schemas.microsoft.com/office/powerpoint/2010/main" xmlns="" val="3074094979"/>
       </p:ext>
     </p:extLst>
   </p:cSld>
@@ -4507,7 +4713,7 @@
           <p:cNvPr id="2" name="Title 1">
             <a:extLst>
               <a:ext uri="{FF2B5EF4-FFF2-40B4-BE49-F238E27FC236}">
-                <a16:creationId xmlns:a16="http://schemas.microsoft.com/office/drawing/2014/main" id="{574EBC81-6BDC-4A96-8A0D-185CFAF2037D}"/>
+                <a16:creationId xmlns:a16="http://schemas.microsoft.com/office/drawing/2014/main" xmlns="" id="{574EBC81-6BDC-4A96-8A0D-185CFAF2037D}"/>
               </a:ext>
             </a:extLst>
           </p:cNvPr>
@@ -4537,7 +4743,7 @@
           <p:cNvPr id="3" name="Subtitle 2">
             <a:extLst>
               <a:ext uri="{FF2B5EF4-FFF2-40B4-BE49-F238E27FC236}">
-                <a16:creationId xmlns:a16="http://schemas.microsoft.com/office/drawing/2014/main" id="{BD7C336B-31E1-4FC6-AA62-A69CD2AE8694}"/>
+                <a16:creationId xmlns:a16="http://schemas.microsoft.com/office/drawing/2014/main" xmlns="" id="{BD7C336B-31E1-4FC6-AA62-A69CD2AE8694}"/>
               </a:ext>
             </a:extLst>
           </p:cNvPr>
@@ -4567,7 +4773,7 @@
           <p:cNvPr id="5" name="Picture 4">
             <a:extLst>
               <a:ext uri="{FF2B5EF4-FFF2-40B4-BE49-F238E27FC236}">
-                <a16:creationId xmlns:a16="http://schemas.microsoft.com/office/drawing/2014/main" id="{C58B1723-B844-4200-A120-A2D85833B037}"/>
+                <a16:creationId xmlns:a16="http://schemas.microsoft.com/office/drawing/2014/main" xmlns="" id="{C58B1723-B844-4200-A120-A2D85833B037}"/>
               </a:ext>
             </a:extLst>
           </p:cNvPr>
@@ -4580,7 +4786,7 @@
           <a:blip r:embed="rId2">
             <a:extLst>
               <a:ext uri="{28A0092B-C50C-407E-A947-70E740481C1C}">
-                <a14:useLocalDpi xmlns:a14="http://schemas.microsoft.com/office/drawing/2010/main" val="0"/>
+                <a14:useLocalDpi xmlns:a14="http://schemas.microsoft.com/office/drawing/2010/main" xmlns="" val="0"/>
               </a:ext>
             </a:extLst>
           </a:blip>
@@ -4603,7 +4809,7 @@
           <p:cNvPr id="6" name="Picture 5">
             <a:extLst>
               <a:ext uri="{FF2B5EF4-FFF2-40B4-BE49-F238E27FC236}">
-                <a16:creationId xmlns:a16="http://schemas.microsoft.com/office/drawing/2014/main" id="{17AE45ED-A673-4FA2-B597-465724426CB5}"/>
+                <a16:creationId xmlns:a16="http://schemas.microsoft.com/office/drawing/2014/main" xmlns="" id="{17AE45ED-A673-4FA2-B597-465724426CB5}"/>
               </a:ext>
             </a:extLst>
           </p:cNvPr>
@@ -4616,7 +4822,7 @@
           <a:blip r:embed="rId2">
             <a:extLst>
               <a:ext uri="{28A0092B-C50C-407E-A947-70E740481C1C}">
-                <a14:useLocalDpi xmlns:a14="http://schemas.microsoft.com/office/drawing/2010/main" val="0"/>
+                <a14:useLocalDpi xmlns:a14="http://schemas.microsoft.com/office/drawing/2010/main" xmlns="" val="0"/>
               </a:ext>
             </a:extLst>
           </a:blip>
@@ -4639,7 +4845,7 @@
           <p:cNvPr id="7" name="Picture 6">
             <a:extLst>
               <a:ext uri="{FF2B5EF4-FFF2-40B4-BE49-F238E27FC236}">
-                <a16:creationId xmlns:a16="http://schemas.microsoft.com/office/drawing/2014/main" id="{E90C7CB9-E79E-4A04-A270-74206ED588C1}"/>
+                <a16:creationId xmlns:a16="http://schemas.microsoft.com/office/drawing/2014/main" xmlns="" id="{E90C7CB9-E79E-4A04-A270-74206ED588C1}"/>
               </a:ext>
             </a:extLst>
           </p:cNvPr>
@@ -4652,7 +4858,7 @@
           <a:blip r:embed="rId2">
             <a:extLst>
               <a:ext uri="{28A0092B-C50C-407E-A947-70E740481C1C}">
-                <a14:useLocalDpi xmlns:a14="http://schemas.microsoft.com/office/drawing/2010/main" val="0"/>
+                <a14:useLocalDpi xmlns:a14="http://schemas.microsoft.com/office/drawing/2010/main" xmlns="" val="0"/>
               </a:ext>
             </a:extLst>
           </a:blip>
@@ -4675,7 +4881,7 @@
           <p:cNvPr id="9" name="Picture 8">
             <a:extLst>
               <a:ext uri="{FF2B5EF4-FFF2-40B4-BE49-F238E27FC236}">
-                <a16:creationId xmlns:a16="http://schemas.microsoft.com/office/drawing/2014/main" id="{34E59009-30E3-4D3E-ADAD-7BD4DF00FAE4}"/>
+                <a16:creationId xmlns:a16="http://schemas.microsoft.com/office/drawing/2014/main" xmlns="" id="{34E59009-30E3-4D3E-ADAD-7BD4DF00FAE4}"/>
               </a:ext>
             </a:extLst>
           </p:cNvPr>
@@ -4688,7 +4894,7 @@
           <a:blip r:embed="rId3">
             <a:extLst>
               <a:ext uri="{28A0092B-C50C-407E-A947-70E740481C1C}">
-                <a14:useLocalDpi xmlns:a14="http://schemas.microsoft.com/office/drawing/2010/main" val="0"/>
+                <a14:useLocalDpi xmlns:a14="http://schemas.microsoft.com/office/drawing/2010/main" xmlns="" val="0"/>
               </a:ext>
             </a:extLst>
           </a:blip>
@@ -4711,7 +4917,7 @@
           <p:cNvPr id="11" name="Picture 10">
             <a:extLst>
               <a:ext uri="{FF2B5EF4-FFF2-40B4-BE49-F238E27FC236}">
-                <a16:creationId xmlns:a16="http://schemas.microsoft.com/office/drawing/2014/main" id="{23C87C0A-6BB6-4417-AAE8-9B7AE0A10355}"/>
+                <a16:creationId xmlns:a16="http://schemas.microsoft.com/office/drawing/2014/main" xmlns="" id="{23C87C0A-6BB6-4417-AAE8-9B7AE0A10355}"/>
               </a:ext>
             </a:extLst>
           </p:cNvPr>
@@ -4724,7 +4930,7 @@
           <a:blip r:embed="rId4">
             <a:extLst>
               <a:ext uri="{28A0092B-C50C-407E-A947-70E740481C1C}">
-                <a14:useLocalDpi xmlns:a14="http://schemas.microsoft.com/office/drawing/2010/main" val="0"/>
+                <a14:useLocalDpi xmlns:a14="http://schemas.microsoft.com/office/drawing/2010/main" xmlns="" val="0"/>
               </a:ext>
             </a:extLst>
           </a:blip>
@@ -4747,7 +4953,7 @@
           <p:cNvPr id="15" name="Picture 14">
             <a:extLst>
               <a:ext uri="{FF2B5EF4-FFF2-40B4-BE49-F238E27FC236}">
-                <a16:creationId xmlns:a16="http://schemas.microsoft.com/office/drawing/2014/main" id="{BE9BB441-FB20-4730-8E02-40B0B20C593A}"/>
+                <a16:creationId xmlns:a16="http://schemas.microsoft.com/office/drawing/2014/main" xmlns="" id="{BE9BB441-FB20-4730-8E02-40B0B20C593A}"/>
               </a:ext>
             </a:extLst>
           </p:cNvPr>
@@ -4760,7 +4966,7 @@
           <a:blip r:embed="rId5">
             <a:extLst>
               <a:ext uri="{28A0092B-C50C-407E-A947-70E740481C1C}">
-                <a14:useLocalDpi xmlns:a14="http://schemas.microsoft.com/office/drawing/2010/main" val="0"/>
+                <a14:useLocalDpi xmlns:a14="http://schemas.microsoft.com/office/drawing/2010/main" xmlns="" val="0"/>
               </a:ext>
             </a:extLst>
           </a:blip>
@@ -4783,7 +4989,7 @@
           <p:cNvPr id="17" name="Picture 16">
             <a:extLst>
               <a:ext uri="{FF2B5EF4-FFF2-40B4-BE49-F238E27FC236}">
-                <a16:creationId xmlns:a16="http://schemas.microsoft.com/office/drawing/2014/main" id="{F75BFA48-4F98-48AA-84F5-92035509AB94}"/>
+                <a16:creationId xmlns:a16="http://schemas.microsoft.com/office/drawing/2014/main" xmlns="" id="{F75BFA48-4F98-48AA-84F5-92035509AB94}"/>
               </a:ext>
             </a:extLst>
           </p:cNvPr>
@@ -4796,7 +5002,7 @@
           <a:blip r:embed="rId6">
             <a:extLst>
               <a:ext uri="{28A0092B-C50C-407E-A947-70E740481C1C}">
-                <a14:useLocalDpi xmlns:a14="http://schemas.microsoft.com/office/drawing/2010/main" val="0"/>
+                <a14:useLocalDpi xmlns:a14="http://schemas.microsoft.com/office/drawing/2010/main" xmlns="" val="0"/>
               </a:ext>
             </a:extLst>
           </a:blip>
@@ -4817,7 +5023,7 @@
     </p:spTree>
     <p:extLst>
       <p:ext uri="{BB962C8B-B14F-4D97-AF65-F5344CB8AC3E}">
-        <p14:creationId xmlns:p14="http://schemas.microsoft.com/office/powerpoint/2010/main" val="2535337005"/>
+        <p14:creationId xmlns:p14="http://schemas.microsoft.com/office/powerpoint/2010/main" xmlns="" val="2535337005"/>
       </p:ext>
     </p:extLst>
   </p:cSld>
@@ -4849,7 +5055,7 @@
           <p:cNvPr id="10" name="Picture 9">
             <a:extLst>
               <a:ext uri="{FF2B5EF4-FFF2-40B4-BE49-F238E27FC236}">
-                <a16:creationId xmlns:a16="http://schemas.microsoft.com/office/drawing/2014/main" id="{6248F25B-52F9-4CF0-BF52-629A9FD032CE}"/>
+                <a16:creationId xmlns:a16="http://schemas.microsoft.com/office/drawing/2014/main" xmlns="" id="{6248F25B-52F9-4CF0-BF52-629A9FD032CE}"/>
               </a:ext>
             </a:extLst>
           </p:cNvPr>
@@ -4878,7 +5084,7 @@
           <p:cNvPr id="9" name="Picture 8">
             <a:extLst>
               <a:ext uri="{FF2B5EF4-FFF2-40B4-BE49-F238E27FC236}">
-                <a16:creationId xmlns:a16="http://schemas.microsoft.com/office/drawing/2014/main" id="{158091B3-A577-4C1D-8D3E-131CBA84C0EE}"/>
+                <a16:creationId xmlns:a16="http://schemas.microsoft.com/office/drawing/2014/main" xmlns="" id="{158091B3-A577-4C1D-8D3E-131CBA84C0EE}"/>
               </a:ext>
             </a:extLst>
           </p:cNvPr>
@@ -4908,7 +5114,7 @@
           <p:cNvPr id="2" name="Title 1">
             <a:extLst>
               <a:ext uri="{FF2B5EF4-FFF2-40B4-BE49-F238E27FC236}">
-                <a16:creationId xmlns:a16="http://schemas.microsoft.com/office/drawing/2014/main" id="{DFC049F8-2284-4161-BE3C-431BCD0EFAB7}"/>
+                <a16:creationId xmlns:a16="http://schemas.microsoft.com/office/drawing/2014/main" xmlns="" id="{DFC049F8-2284-4161-BE3C-431BCD0EFAB7}"/>
               </a:ext>
             </a:extLst>
           </p:cNvPr>
@@ -4954,7 +5160,7 @@
           <p:cNvPr id="3" name="Content Placeholder 2">
             <a:extLst>
               <a:ext uri="{FF2B5EF4-FFF2-40B4-BE49-F238E27FC236}">
-                <a16:creationId xmlns:a16="http://schemas.microsoft.com/office/drawing/2014/main" id="{F2E045F5-714F-4E07-87A1-F5696A62ED28}"/>
+                <a16:creationId xmlns:a16="http://schemas.microsoft.com/office/drawing/2014/main" xmlns="" id="{F2E045F5-714F-4E07-87A1-F5696A62ED28}"/>
               </a:ext>
             </a:extLst>
           </p:cNvPr>
@@ -5005,7 +5211,7 @@
           <p:cNvPr id="6" name="TextBox 5">
             <a:extLst>
               <a:ext uri="{FF2B5EF4-FFF2-40B4-BE49-F238E27FC236}">
-                <a16:creationId xmlns:a16="http://schemas.microsoft.com/office/drawing/2014/main" id="{2A7FCD91-3666-4A23-B530-B70A5977CFC4}"/>
+                <a16:creationId xmlns:a16="http://schemas.microsoft.com/office/drawing/2014/main" xmlns="" id="{2A7FCD91-3666-4A23-B530-B70A5977CFC4}"/>
               </a:ext>
             </a:extLst>
           </p:cNvPr>
@@ -5044,7 +5250,7 @@
           <p:cNvPr id="8" name="Picture 7">
             <a:extLst>
               <a:ext uri="{FF2B5EF4-FFF2-40B4-BE49-F238E27FC236}">
-                <a16:creationId xmlns:a16="http://schemas.microsoft.com/office/drawing/2014/main" id="{A3117FBC-7DFD-4758-B4B9-29961EBB7136}"/>
+                <a16:creationId xmlns:a16="http://schemas.microsoft.com/office/drawing/2014/main" xmlns="" id="{A3117FBC-7DFD-4758-B4B9-29961EBB7136}"/>
               </a:ext>
             </a:extLst>
           </p:cNvPr>
@@ -5079,7 +5285,7 @@
           <p:cNvPr id="11" name="TextBox 10">
             <a:extLst>
               <a:ext uri="{FF2B5EF4-FFF2-40B4-BE49-F238E27FC236}">
-                <a16:creationId xmlns:a16="http://schemas.microsoft.com/office/drawing/2014/main" id="{0B108C47-D011-4547-9642-A8F7197FB2ED}"/>
+                <a16:creationId xmlns:a16="http://schemas.microsoft.com/office/drawing/2014/main" xmlns="" id="{0B108C47-D011-4547-9642-A8F7197FB2ED}"/>
               </a:ext>
             </a:extLst>
           </p:cNvPr>
@@ -5166,7 +5372,7 @@
           <p:cNvPr id="12" name="TextBox 11">
             <a:extLst>
               <a:ext uri="{FF2B5EF4-FFF2-40B4-BE49-F238E27FC236}">
-                <a16:creationId xmlns:a16="http://schemas.microsoft.com/office/drawing/2014/main" id="{B703FA5C-A8C2-4740-B5EE-2A5922A54DF9}"/>
+                <a16:creationId xmlns:a16="http://schemas.microsoft.com/office/drawing/2014/main" xmlns="" id="{B703FA5C-A8C2-4740-B5EE-2A5922A54DF9}"/>
               </a:ext>
             </a:extLst>
           </p:cNvPr>
@@ -5251,7 +5457,7 @@
     </p:spTree>
     <p:extLst>
       <p:ext uri="{BB962C8B-B14F-4D97-AF65-F5344CB8AC3E}">
-        <p14:creationId xmlns:p14="http://schemas.microsoft.com/office/powerpoint/2010/main" val="3187953464"/>
+        <p14:creationId xmlns:p14="http://schemas.microsoft.com/office/powerpoint/2010/main" xmlns="" val="3187953464"/>
       </p:ext>
     </p:extLst>
   </p:cSld>
@@ -5283,7 +5489,7 @@
           <p:cNvPr id="10" name="Picture 9">
             <a:extLst>
               <a:ext uri="{FF2B5EF4-FFF2-40B4-BE49-F238E27FC236}">
-                <a16:creationId xmlns:a16="http://schemas.microsoft.com/office/drawing/2014/main" id="{6248F25B-52F9-4CF0-BF52-629A9FD032CE}"/>
+                <a16:creationId xmlns:a16="http://schemas.microsoft.com/office/drawing/2014/main" xmlns="" id="{6248F25B-52F9-4CF0-BF52-629A9FD032CE}"/>
               </a:ext>
             </a:extLst>
           </p:cNvPr>
@@ -5312,7 +5518,7 @@
           <p:cNvPr id="9" name="Picture 8">
             <a:extLst>
               <a:ext uri="{FF2B5EF4-FFF2-40B4-BE49-F238E27FC236}">
-                <a16:creationId xmlns:a16="http://schemas.microsoft.com/office/drawing/2014/main" id="{158091B3-A577-4C1D-8D3E-131CBA84C0EE}"/>
+                <a16:creationId xmlns:a16="http://schemas.microsoft.com/office/drawing/2014/main" xmlns="" id="{158091B3-A577-4C1D-8D3E-131CBA84C0EE}"/>
               </a:ext>
             </a:extLst>
           </p:cNvPr>
@@ -5342,7 +5548,7 @@
           <p:cNvPr id="2" name="Title 1">
             <a:extLst>
               <a:ext uri="{FF2B5EF4-FFF2-40B4-BE49-F238E27FC236}">
-                <a16:creationId xmlns:a16="http://schemas.microsoft.com/office/drawing/2014/main" id="{DFC049F8-2284-4161-BE3C-431BCD0EFAB7}"/>
+                <a16:creationId xmlns:a16="http://schemas.microsoft.com/office/drawing/2014/main" xmlns="" id="{DFC049F8-2284-4161-BE3C-431BCD0EFAB7}"/>
               </a:ext>
             </a:extLst>
           </p:cNvPr>
@@ -5388,7 +5594,7 @@
           <p:cNvPr id="3" name="Content Placeholder 2">
             <a:extLst>
               <a:ext uri="{FF2B5EF4-FFF2-40B4-BE49-F238E27FC236}">
-                <a16:creationId xmlns:a16="http://schemas.microsoft.com/office/drawing/2014/main" id="{F2E045F5-714F-4E07-87A1-F5696A62ED28}"/>
+                <a16:creationId xmlns:a16="http://schemas.microsoft.com/office/drawing/2014/main" xmlns="" id="{F2E045F5-714F-4E07-87A1-F5696A62ED28}"/>
               </a:ext>
             </a:extLst>
           </p:cNvPr>
@@ -5439,7 +5645,7 @@
           <p:cNvPr id="6" name="TextBox 5">
             <a:extLst>
               <a:ext uri="{FF2B5EF4-FFF2-40B4-BE49-F238E27FC236}">
-                <a16:creationId xmlns:a16="http://schemas.microsoft.com/office/drawing/2014/main" id="{2A7FCD91-3666-4A23-B530-B70A5977CFC4}"/>
+                <a16:creationId xmlns:a16="http://schemas.microsoft.com/office/drawing/2014/main" xmlns="" id="{2A7FCD91-3666-4A23-B530-B70A5977CFC4}"/>
               </a:ext>
             </a:extLst>
           </p:cNvPr>
@@ -5478,7 +5684,7 @@
           <p:cNvPr id="8" name="Picture 7">
             <a:extLst>
               <a:ext uri="{FF2B5EF4-FFF2-40B4-BE49-F238E27FC236}">
-                <a16:creationId xmlns:a16="http://schemas.microsoft.com/office/drawing/2014/main" id="{A3117FBC-7DFD-4758-B4B9-29961EBB7136}"/>
+                <a16:creationId xmlns:a16="http://schemas.microsoft.com/office/drawing/2014/main" xmlns="" id="{A3117FBC-7DFD-4758-B4B9-29961EBB7136}"/>
               </a:ext>
             </a:extLst>
           </p:cNvPr>
@@ -5513,7 +5719,7 @@
           <p:cNvPr id="11" name="TextBox 10">
             <a:extLst>
               <a:ext uri="{FF2B5EF4-FFF2-40B4-BE49-F238E27FC236}">
-                <a16:creationId xmlns:a16="http://schemas.microsoft.com/office/drawing/2014/main" id="{0B108C47-D011-4547-9642-A8F7197FB2ED}"/>
+                <a16:creationId xmlns:a16="http://schemas.microsoft.com/office/drawing/2014/main" xmlns="" id="{0B108C47-D011-4547-9642-A8F7197FB2ED}"/>
               </a:ext>
             </a:extLst>
           </p:cNvPr>
@@ -5611,7 +5817,7 @@
           <p:cNvPr id="13" name="TextBox 12">
             <a:extLst>
               <a:ext uri="{FF2B5EF4-FFF2-40B4-BE49-F238E27FC236}">
-                <a16:creationId xmlns:a16="http://schemas.microsoft.com/office/drawing/2014/main" id="{51D2C041-9487-41F5-B1A0-947375EFE397}"/>
+                <a16:creationId xmlns:a16="http://schemas.microsoft.com/office/drawing/2014/main" xmlns="" id="{51D2C041-9487-41F5-B1A0-947375EFE397}"/>
               </a:ext>
             </a:extLst>
           </p:cNvPr>
@@ -5657,7 +5863,7 @@
     </p:spTree>
     <p:extLst>
       <p:ext uri="{BB962C8B-B14F-4D97-AF65-F5344CB8AC3E}">
-        <p14:creationId xmlns:p14="http://schemas.microsoft.com/office/powerpoint/2010/main" val="396850397"/>
+        <p14:creationId xmlns:p14="http://schemas.microsoft.com/office/powerpoint/2010/main" xmlns="" val="396850397"/>
       </p:ext>
     </p:extLst>
   </p:cSld>
@@ -5689,7 +5895,7 @@
           <p:cNvPr id="4" name="Picture 3">
             <a:extLst>
               <a:ext uri="{FF2B5EF4-FFF2-40B4-BE49-F238E27FC236}">
-                <a16:creationId xmlns:a16="http://schemas.microsoft.com/office/drawing/2014/main" id="{1F7B8747-803D-41C8-89FD-730522D4A3D6}"/>
+                <a16:creationId xmlns:a16="http://schemas.microsoft.com/office/drawing/2014/main" xmlns="" id="{1F7B8747-803D-41C8-89FD-730522D4A3D6}"/>
               </a:ext>
             </a:extLst>
           </p:cNvPr>
@@ -5724,7 +5930,7 @@
           <p:cNvPr id="2" name="Title 1">
             <a:extLst>
               <a:ext uri="{FF2B5EF4-FFF2-40B4-BE49-F238E27FC236}">
-                <a16:creationId xmlns:a16="http://schemas.microsoft.com/office/drawing/2014/main" id="{DFC049F8-2284-4161-BE3C-431BCD0EFAB7}"/>
+                <a16:creationId xmlns:a16="http://schemas.microsoft.com/office/drawing/2014/main" xmlns="" id="{DFC049F8-2284-4161-BE3C-431BCD0EFAB7}"/>
               </a:ext>
             </a:extLst>
           </p:cNvPr>
@@ -5770,7 +5976,7 @@
           <p:cNvPr id="3" name="Content Placeholder 2">
             <a:extLst>
               <a:ext uri="{FF2B5EF4-FFF2-40B4-BE49-F238E27FC236}">
-                <a16:creationId xmlns:a16="http://schemas.microsoft.com/office/drawing/2014/main" id="{F2E045F5-714F-4E07-87A1-F5696A62ED28}"/>
+                <a16:creationId xmlns:a16="http://schemas.microsoft.com/office/drawing/2014/main" xmlns="" id="{F2E045F5-714F-4E07-87A1-F5696A62ED28}"/>
               </a:ext>
             </a:extLst>
           </p:cNvPr>
@@ -5865,7 +6071,7 @@
           <p:cNvPr id="6" name="TextBox 5">
             <a:extLst>
               <a:ext uri="{FF2B5EF4-FFF2-40B4-BE49-F238E27FC236}">
-                <a16:creationId xmlns:a16="http://schemas.microsoft.com/office/drawing/2014/main" id="{2A7FCD91-3666-4A23-B530-B70A5977CFC4}"/>
+                <a16:creationId xmlns:a16="http://schemas.microsoft.com/office/drawing/2014/main" xmlns="" id="{2A7FCD91-3666-4A23-B530-B70A5977CFC4}"/>
               </a:ext>
             </a:extLst>
           </p:cNvPr>
@@ -5902,7 +6108,7 @@
     </p:spTree>
     <p:extLst>
       <p:ext uri="{BB962C8B-B14F-4D97-AF65-F5344CB8AC3E}">
-        <p14:creationId xmlns:p14="http://schemas.microsoft.com/office/powerpoint/2010/main" val="3875203172"/>
+        <p14:creationId xmlns:p14="http://schemas.microsoft.com/office/powerpoint/2010/main" xmlns="" val="3875203172"/>
       </p:ext>
     </p:extLst>
   </p:cSld>
@@ -5934,7 +6140,7 @@
           <p:cNvPr id="4" name="Picture 3">
             <a:extLst>
               <a:ext uri="{FF2B5EF4-FFF2-40B4-BE49-F238E27FC236}">
-                <a16:creationId xmlns:a16="http://schemas.microsoft.com/office/drawing/2014/main" id="{1F7B8747-803D-41C8-89FD-730522D4A3D6}"/>
+                <a16:creationId xmlns:a16="http://schemas.microsoft.com/office/drawing/2014/main" xmlns="" id="{1F7B8747-803D-41C8-89FD-730522D4A3D6}"/>
               </a:ext>
             </a:extLst>
           </p:cNvPr>
@@ -5969,7 +6175,7 @@
           <p:cNvPr id="2" name="Title 1">
             <a:extLst>
               <a:ext uri="{FF2B5EF4-FFF2-40B4-BE49-F238E27FC236}">
-                <a16:creationId xmlns:a16="http://schemas.microsoft.com/office/drawing/2014/main" id="{DFC049F8-2284-4161-BE3C-431BCD0EFAB7}"/>
+                <a16:creationId xmlns:a16="http://schemas.microsoft.com/office/drawing/2014/main" xmlns="" id="{DFC049F8-2284-4161-BE3C-431BCD0EFAB7}"/>
               </a:ext>
             </a:extLst>
           </p:cNvPr>
@@ -6015,7 +6221,7 @@
           <p:cNvPr id="3" name="Content Placeholder 2">
             <a:extLst>
               <a:ext uri="{FF2B5EF4-FFF2-40B4-BE49-F238E27FC236}">
-                <a16:creationId xmlns:a16="http://schemas.microsoft.com/office/drawing/2014/main" id="{F2E045F5-714F-4E07-87A1-F5696A62ED28}"/>
+                <a16:creationId xmlns:a16="http://schemas.microsoft.com/office/drawing/2014/main" xmlns="" id="{F2E045F5-714F-4E07-87A1-F5696A62ED28}"/>
               </a:ext>
             </a:extLst>
           </p:cNvPr>
@@ -6096,7 +6302,7 @@
           <p:cNvPr id="6" name="TextBox 5">
             <a:extLst>
               <a:ext uri="{FF2B5EF4-FFF2-40B4-BE49-F238E27FC236}">
-                <a16:creationId xmlns:a16="http://schemas.microsoft.com/office/drawing/2014/main" id="{2A7FCD91-3666-4A23-B530-B70A5977CFC4}"/>
+                <a16:creationId xmlns:a16="http://schemas.microsoft.com/office/drawing/2014/main" xmlns="" id="{2A7FCD91-3666-4A23-B530-B70A5977CFC4}"/>
               </a:ext>
             </a:extLst>
           </p:cNvPr>
@@ -6133,7 +6339,7 @@
     </p:spTree>
     <p:extLst>
       <p:ext uri="{BB962C8B-B14F-4D97-AF65-F5344CB8AC3E}">
-        <p14:creationId xmlns:p14="http://schemas.microsoft.com/office/powerpoint/2010/main" val="2467745637"/>
+        <p14:creationId xmlns:p14="http://schemas.microsoft.com/office/powerpoint/2010/main" xmlns="" val="2467745637"/>
       </p:ext>
     </p:extLst>
   </p:cSld>
@@ -6165,7 +6371,7 @@
           <p:cNvPr id="2" name="Title 1">
             <a:extLst>
               <a:ext uri="{FF2B5EF4-FFF2-40B4-BE49-F238E27FC236}">
-                <a16:creationId xmlns:a16="http://schemas.microsoft.com/office/drawing/2014/main" id="{DFC049F8-2284-4161-BE3C-431BCD0EFAB7}"/>
+                <a16:creationId xmlns:a16="http://schemas.microsoft.com/office/drawing/2014/main" xmlns="" id="{DFC049F8-2284-4161-BE3C-431BCD0EFAB7}"/>
               </a:ext>
             </a:extLst>
           </p:cNvPr>
@@ -6208,7 +6414,7 @@
           <p:cNvPr id="6" name="TextBox 5">
             <a:extLst>
               <a:ext uri="{FF2B5EF4-FFF2-40B4-BE49-F238E27FC236}">
-                <a16:creationId xmlns:a16="http://schemas.microsoft.com/office/drawing/2014/main" id="{3F80BD68-2B59-4BE1-A899-630919EAEA8A}"/>
+                <a16:creationId xmlns:a16="http://schemas.microsoft.com/office/drawing/2014/main" xmlns="" id="{3F80BD68-2B59-4BE1-A899-630919EAEA8A}"/>
               </a:ext>
             </a:extLst>
           </p:cNvPr>
@@ -6247,7 +6453,7 @@
           <p:cNvPr id="5" name="Picture 4">
             <a:extLst>
               <a:ext uri="{FF2B5EF4-FFF2-40B4-BE49-F238E27FC236}">
-                <a16:creationId xmlns:a16="http://schemas.microsoft.com/office/drawing/2014/main" id="{020817A5-9300-4D98-B692-D6147E3BD93A}"/>
+                <a16:creationId xmlns:a16="http://schemas.microsoft.com/office/drawing/2014/main" xmlns="" id="{020817A5-9300-4D98-B692-D6147E3BD93A}"/>
               </a:ext>
             </a:extLst>
           </p:cNvPr>
@@ -6258,7 +6464,7 @@
           <a:blip r:embed="rId3" cstate="print">
             <a:extLst>
               <a:ext uri="{28A0092B-C50C-407E-A947-70E740481C1C}">
-                <a14:useLocalDpi xmlns:a14="http://schemas.microsoft.com/office/drawing/2010/main" val="0"/>
+                <a14:useLocalDpi xmlns:a14="http://schemas.microsoft.com/office/drawing/2010/main" xmlns="" val="0"/>
               </a:ext>
             </a:extLst>
           </a:blip>
@@ -6286,7 +6492,7 @@
           <p:cNvPr id="7" name="Content Placeholder 6">
             <a:extLst>
               <a:ext uri="{FF2B5EF4-FFF2-40B4-BE49-F238E27FC236}">
-                <a16:creationId xmlns:a16="http://schemas.microsoft.com/office/drawing/2014/main" id="{70CDBECA-B97D-4C2C-AC55-CFFC02982EF8}"/>
+                <a16:creationId xmlns:a16="http://schemas.microsoft.com/office/drawing/2014/main" xmlns="" id="{70CDBECA-B97D-4C2C-AC55-CFFC02982EF8}"/>
               </a:ext>
             </a:extLst>
           </p:cNvPr>
@@ -6301,7 +6507,7 @@
           <a:blip r:embed="rId4" cstate="print">
             <a:extLst>
               <a:ext uri="{28A0092B-C50C-407E-A947-70E740481C1C}">
-                <a14:useLocalDpi xmlns:a14="http://schemas.microsoft.com/office/drawing/2010/main" val="0"/>
+                <a14:useLocalDpi xmlns:a14="http://schemas.microsoft.com/office/drawing/2010/main" xmlns="" val="0"/>
               </a:ext>
             </a:extLst>
           </a:blip>
@@ -6329,7 +6535,7 @@
           <p:cNvPr id="8" name="Picture 7">
             <a:extLst>
               <a:ext uri="{FF2B5EF4-FFF2-40B4-BE49-F238E27FC236}">
-                <a16:creationId xmlns:a16="http://schemas.microsoft.com/office/drawing/2014/main" id="{31976AD6-994F-4EFA-9220-B0F8E43BE61B}"/>
+                <a16:creationId xmlns:a16="http://schemas.microsoft.com/office/drawing/2014/main" xmlns="" id="{31976AD6-994F-4EFA-9220-B0F8E43BE61B}"/>
               </a:ext>
             </a:extLst>
           </p:cNvPr>
@@ -6340,7 +6546,7 @@
           <a:blip r:embed="rId5" cstate="print">
             <a:extLst>
               <a:ext uri="{28A0092B-C50C-407E-A947-70E740481C1C}">
-                <a14:useLocalDpi xmlns:a14="http://schemas.microsoft.com/office/drawing/2010/main" val="0"/>
+                <a14:useLocalDpi xmlns:a14="http://schemas.microsoft.com/office/drawing/2010/main" xmlns="" val="0"/>
               </a:ext>
             </a:extLst>
           </a:blip>
@@ -6368,7 +6574,7 @@
           <p:cNvPr id="9" name="Picture 8">
             <a:extLst>
               <a:ext uri="{FF2B5EF4-FFF2-40B4-BE49-F238E27FC236}">
-                <a16:creationId xmlns:a16="http://schemas.microsoft.com/office/drawing/2014/main" id="{2820CE08-0969-4652-A714-794DE1C22F36}"/>
+                <a16:creationId xmlns:a16="http://schemas.microsoft.com/office/drawing/2014/main" xmlns="" id="{2820CE08-0969-4652-A714-794DE1C22F36}"/>
               </a:ext>
             </a:extLst>
           </p:cNvPr>
@@ -6379,7 +6585,7 @@
           <a:blip r:embed="rId6" cstate="print">
             <a:extLst>
               <a:ext uri="{28A0092B-C50C-407E-A947-70E740481C1C}">
-                <a14:useLocalDpi xmlns:a14="http://schemas.microsoft.com/office/drawing/2010/main" val="0"/>
+                <a14:useLocalDpi xmlns:a14="http://schemas.microsoft.com/office/drawing/2010/main" xmlns="" val="0"/>
               </a:ext>
             </a:extLst>
           </a:blip>
@@ -6401,7 +6607,7 @@
           </a:ln>
           <a:extLst>
             <a:ext uri="{53640926-AAD7-44D8-BBD7-CCE9431645EC}">
-              <a14:shadowObscured xmlns:a14="http://schemas.microsoft.com/office/drawing/2010/main"/>
+              <a14:shadowObscured xmlns:a14="http://schemas.microsoft.com/office/drawing/2010/main" xmlns=""/>
             </a:ext>
           </a:extLst>
         </p:spPr>
@@ -6409,7 +6615,7 @@
     </p:spTree>
     <p:extLst>
       <p:ext uri="{BB962C8B-B14F-4D97-AF65-F5344CB8AC3E}">
-        <p14:creationId xmlns:p14="http://schemas.microsoft.com/office/powerpoint/2010/main" val="2515389119"/>
+        <p14:creationId xmlns:p14="http://schemas.microsoft.com/office/powerpoint/2010/main" xmlns="" val="2515389119"/>
       </p:ext>
     </p:extLst>
   </p:cSld>
@@ -6441,7 +6647,7 @@
           <p:cNvPr id="2" name="Title 1">
             <a:extLst>
               <a:ext uri="{FF2B5EF4-FFF2-40B4-BE49-F238E27FC236}">
-                <a16:creationId xmlns:a16="http://schemas.microsoft.com/office/drawing/2014/main" id="{DFC049F8-2284-4161-BE3C-431BCD0EFAB7}"/>
+                <a16:creationId xmlns:a16="http://schemas.microsoft.com/office/drawing/2014/main" xmlns="" id="{DFC049F8-2284-4161-BE3C-431BCD0EFAB7}"/>
               </a:ext>
             </a:extLst>
           </p:cNvPr>
@@ -6484,7 +6690,7 @@
           <p:cNvPr id="3" name="Content Placeholder 2">
             <a:extLst>
               <a:ext uri="{FF2B5EF4-FFF2-40B4-BE49-F238E27FC236}">
-                <a16:creationId xmlns:a16="http://schemas.microsoft.com/office/drawing/2014/main" id="{F2E045F5-714F-4E07-87A1-F5696A62ED28}"/>
+                <a16:creationId xmlns:a16="http://schemas.microsoft.com/office/drawing/2014/main" xmlns="" id="{F2E045F5-714F-4E07-87A1-F5696A62ED28}"/>
               </a:ext>
             </a:extLst>
           </p:cNvPr>
@@ -6569,7 +6775,7 @@
           <p:cNvPr id="4" name="TextBox 3">
             <a:extLst>
               <a:ext uri="{FF2B5EF4-FFF2-40B4-BE49-F238E27FC236}">
-                <a16:creationId xmlns:a16="http://schemas.microsoft.com/office/drawing/2014/main" id="{F5625C9B-D094-4FBC-8055-B24672E9398B}"/>
+                <a16:creationId xmlns:a16="http://schemas.microsoft.com/office/drawing/2014/main" xmlns="" id="{F5625C9B-D094-4FBC-8055-B24672E9398B}"/>
               </a:ext>
             </a:extLst>
           </p:cNvPr>
@@ -6608,7 +6814,7 @@
           <p:cNvPr id="5" name="Content Placeholder 2">
             <a:extLst>
               <a:ext uri="{FF2B5EF4-FFF2-40B4-BE49-F238E27FC236}">
-                <a16:creationId xmlns:a16="http://schemas.microsoft.com/office/drawing/2014/main" id="{C7089040-DF2C-484B-AFBB-ECF62504C88A}"/>
+                <a16:creationId xmlns:a16="http://schemas.microsoft.com/office/drawing/2014/main" xmlns="" id="{C7089040-DF2C-484B-AFBB-ECF62504C88A}"/>
               </a:ext>
             </a:extLst>
           </p:cNvPr>
@@ -6908,7 +7114,7 @@
           <p:cNvPr id="9" name="Picture 8">
             <a:extLst>
               <a:ext uri="{FF2B5EF4-FFF2-40B4-BE49-F238E27FC236}">
-                <a16:creationId xmlns:a16="http://schemas.microsoft.com/office/drawing/2014/main" id="{40C29DDE-834E-4869-B4AB-47C72B5ED44E}"/>
+                <a16:creationId xmlns:a16="http://schemas.microsoft.com/office/drawing/2014/main" xmlns="" id="{40C29DDE-834E-4869-B4AB-47C72B5ED44E}"/>
               </a:ext>
             </a:extLst>
           </p:cNvPr>
@@ -6921,7 +7127,7 @@
           <a:blip r:embed="rId3">
             <a:extLst>
               <a:ext uri="{28A0092B-C50C-407E-A947-70E740481C1C}">
-                <a14:useLocalDpi xmlns:a14="http://schemas.microsoft.com/office/drawing/2010/main" val="0"/>
+                <a14:useLocalDpi xmlns:a14="http://schemas.microsoft.com/office/drawing/2010/main" xmlns="" val="0"/>
               </a:ext>
             </a:extLst>
           </a:blip>
@@ -6947,7 +7153,7 @@
     </p:spTree>
     <p:extLst>
       <p:ext uri="{BB962C8B-B14F-4D97-AF65-F5344CB8AC3E}">
-        <p14:creationId xmlns:p14="http://schemas.microsoft.com/office/powerpoint/2010/main" val="1039289397"/>
+        <p14:creationId xmlns:p14="http://schemas.microsoft.com/office/powerpoint/2010/main" xmlns="" val="1039289397"/>
       </p:ext>
     </p:extLst>
   </p:cSld>
@@ -6979,7 +7185,7 @@
           <p:cNvPr id="4" name="Picture 3">
             <a:extLst>
               <a:ext uri="{FF2B5EF4-FFF2-40B4-BE49-F238E27FC236}">
-                <a16:creationId xmlns:a16="http://schemas.microsoft.com/office/drawing/2014/main" id="{22743576-691A-4405-BDDF-B116F148661C}"/>
+                <a16:creationId xmlns:a16="http://schemas.microsoft.com/office/drawing/2014/main" xmlns="" id="{22743576-691A-4405-BDDF-B116F148661C}"/>
               </a:ext>
             </a:extLst>
           </p:cNvPr>
@@ -7009,7 +7215,7 @@
           <p:cNvPr id="2" name="Title 1">
             <a:extLst>
               <a:ext uri="{FF2B5EF4-FFF2-40B4-BE49-F238E27FC236}">
-                <a16:creationId xmlns:a16="http://schemas.microsoft.com/office/drawing/2014/main" id="{DFC049F8-2284-4161-BE3C-431BCD0EFAB7}"/>
+                <a16:creationId xmlns:a16="http://schemas.microsoft.com/office/drawing/2014/main" xmlns="" id="{DFC049F8-2284-4161-BE3C-431BCD0EFAB7}"/>
               </a:ext>
             </a:extLst>
           </p:cNvPr>
@@ -7055,7 +7261,7 @@
           <p:cNvPr id="3" name="Content Placeholder 2">
             <a:extLst>
               <a:ext uri="{FF2B5EF4-FFF2-40B4-BE49-F238E27FC236}">
-                <a16:creationId xmlns:a16="http://schemas.microsoft.com/office/drawing/2014/main" id="{F2E045F5-714F-4E07-87A1-F5696A62ED28}"/>
+                <a16:creationId xmlns:a16="http://schemas.microsoft.com/office/drawing/2014/main" xmlns="" id="{F2E045F5-714F-4E07-87A1-F5696A62ED28}"/>
               </a:ext>
             </a:extLst>
           </p:cNvPr>
@@ -7106,7 +7312,7 @@
           <p:cNvPr id="6" name="TextBox 5">
             <a:extLst>
               <a:ext uri="{FF2B5EF4-FFF2-40B4-BE49-F238E27FC236}">
-                <a16:creationId xmlns:a16="http://schemas.microsoft.com/office/drawing/2014/main" id="{3F80BD68-2B59-4BE1-A899-630919EAEA8A}"/>
+                <a16:creationId xmlns:a16="http://schemas.microsoft.com/office/drawing/2014/main" xmlns="" id="{3F80BD68-2B59-4BE1-A899-630919EAEA8A}"/>
               </a:ext>
             </a:extLst>
           </p:cNvPr>
@@ -7145,7 +7351,7 @@
           <p:cNvPr id="7" name="Picture 6">
             <a:extLst>
               <a:ext uri="{FF2B5EF4-FFF2-40B4-BE49-F238E27FC236}">
-                <a16:creationId xmlns:a16="http://schemas.microsoft.com/office/drawing/2014/main" id="{FF382487-E1F7-498D-9230-4BB45A06FCC0}"/>
+                <a16:creationId xmlns:a16="http://schemas.microsoft.com/office/drawing/2014/main" xmlns="" id="{FF382487-E1F7-498D-9230-4BB45A06FCC0}"/>
               </a:ext>
             </a:extLst>
           </p:cNvPr>
@@ -7180,7 +7386,7 @@
           <p:cNvPr id="9" name="Rectangle 8">
             <a:extLst>
               <a:ext uri="{FF2B5EF4-FFF2-40B4-BE49-F238E27FC236}">
-                <a16:creationId xmlns:a16="http://schemas.microsoft.com/office/drawing/2014/main" id="{FB310605-3378-4195-AFE3-29D4E582C8A6}"/>
+                <a16:creationId xmlns:a16="http://schemas.microsoft.com/office/drawing/2014/main" xmlns="" id="{FB310605-3378-4195-AFE3-29D4E582C8A6}"/>
               </a:ext>
             </a:extLst>
           </p:cNvPr>
@@ -7320,7 +7526,7 @@
     </p:spTree>
     <p:extLst>
       <p:ext uri="{BB962C8B-B14F-4D97-AF65-F5344CB8AC3E}">
-        <p14:creationId xmlns:p14="http://schemas.microsoft.com/office/powerpoint/2010/main" val="3604554826"/>
+        <p14:creationId xmlns:p14="http://schemas.microsoft.com/office/powerpoint/2010/main" xmlns="" val="3604554826"/>
       </p:ext>
     </p:extLst>
   </p:cSld>
@@ -7352,7 +7558,7 @@
           <p:cNvPr id="4" name="Picture 3">
             <a:extLst>
               <a:ext uri="{FF2B5EF4-FFF2-40B4-BE49-F238E27FC236}">
-                <a16:creationId xmlns:a16="http://schemas.microsoft.com/office/drawing/2014/main" id="{0673D7FF-79D1-47CC-9F17-8BD3F4A92FD2}"/>
+                <a16:creationId xmlns:a16="http://schemas.microsoft.com/office/drawing/2014/main" xmlns="" id="{0673D7FF-79D1-47CC-9F17-8BD3F4A92FD2}"/>
               </a:ext>
             </a:extLst>
           </p:cNvPr>
@@ -7382,7 +7588,7 @@
           <p:cNvPr id="9" name="Picture 8">
             <a:extLst>
               <a:ext uri="{FF2B5EF4-FFF2-40B4-BE49-F238E27FC236}">
-                <a16:creationId xmlns:a16="http://schemas.microsoft.com/office/drawing/2014/main" id="{90E7F56C-9544-4654-9D9C-A258B0BC56B3}"/>
+                <a16:creationId xmlns:a16="http://schemas.microsoft.com/office/drawing/2014/main" xmlns="" id="{90E7F56C-9544-4654-9D9C-A258B0BC56B3}"/>
               </a:ext>
             </a:extLst>
           </p:cNvPr>
@@ -7412,7 +7618,7 @@
           <p:cNvPr id="10" name="Rectangle 9">
             <a:extLst>
               <a:ext uri="{FF2B5EF4-FFF2-40B4-BE49-F238E27FC236}">
-                <a16:creationId xmlns:a16="http://schemas.microsoft.com/office/drawing/2014/main" id="{7CE6DF49-6ADC-40B9-93F3-F6495F2DC7AB}"/>
+                <a16:creationId xmlns:a16="http://schemas.microsoft.com/office/drawing/2014/main" xmlns="" id="{7CE6DF49-6ADC-40B9-93F3-F6495F2DC7AB}"/>
               </a:ext>
             </a:extLst>
           </p:cNvPr>
@@ -7464,7 +7670,7 @@
           <p:cNvPr id="2" name="Title 1">
             <a:extLst>
               <a:ext uri="{FF2B5EF4-FFF2-40B4-BE49-F238E27FC236}">
-                <a16:creationId xmlns:a16="http://schemas.microsoft.com/office/drawing/2014/main" id="{DFC049F8-2284-4161-BE3C-431BCD0EFAB7}"/>
+                <a16:creationId xmlns:a16="http://schemas.microsoft.com/office/drawing/2014/main" xmlns="" id="{DFC049F8-2284-4161-BE3C-431BCD0EFAB7}"/>
               </a:ext>
             </a:extLst>
           </p:cNvPr>
@@ -7510,7 +7716,7 @@
           <p:cNvPr id="3" name="Content Placeholder 2">
             <a:extLst>
               <a:ext uri="{FF2B5EF4-FFF2-40B4-BE49-F238E27FC236}">
-                <a16:creationId xmlns:a16="http://schemas.microsoft.com/office/drawing/2014/main" id="{F2E045F5-714F-4E07-87A1-F5696A62ED28}"/>
+                <a16:creationId xmlns:a16="http://schemas.microsoft.com/office/drawing/2014/main" xmlns="" id="{F2E045F5-714F-4E07-87A1-F5696A62ED28}"/>
               </a:ext>
             </a:extLst>
           </p:cNvPr>
@@ -7561,7 +7767,7 @@
           <p:cNvPr id="6" name="TextBox 5">
             <a:extLst>
               <a:ext uri="{FF2B5EF4-FFF2-40B4-BE49-F238E27FC236}">
-                <a16:creationId xmlns:a16="http://schemas.microsoft.com/office/drawing/2014/main" id="{26C43D78-3AB4-4735-861F-3658B8B6108C}"/>
+                <a16:creationId xmlns:a16="http://schemas.microsoft.com/office/drawing/2014/main" xmlns="" id="{26C43D78-3AB4-4735-861F-3658B8B6108C}"/>
               </a:ext>
             </a:extLst>
           </p:cNvPr>
@@ -7600,7 +7806,7 @@
           <p:cNvPr id="7" name="Picture 6">
             <a:extLst>
               <a:ext uri="{FF2B5EF4-FFF2-40B4-BE49-F238E27FC236}">
-                <a16:creationId xmlns:a16="http://schemas.microsoft.com/office/drawing/2014/main" id="{1119E4FB-68D3-4DFF-B454-B6AECA5CCC92}"/>
+                <a16:creationId xmlns:a16="http://schemas.microsoft.com/office/drawing/2014/main" xmlns="" id="{1119E4FB-68D3-4DFF-B454-B6AECA5CCC92}"/>
               </a:ext>
             </a:extLst>
           </p:cNvPr>
@@ -7613,7 +7819,7 @@
           <a:blip r:embed="rId3">
             <a:extLst>
               <a:ext uri="{28A0092B-C50C-407E-A947-70E740481C1C}">
-                <a14:useLocalDpi xmlns:a14="http://schemas.microsoft.com/office/drawing/2010/main" val="0"/>
+                <a14:useLocalDpi xmlns:a14="http://schemas.microsoft.com/office/drawing/2010/main" xmlns="" val="0"/>
               </a:ext>
             </a:extLst>
           </a:blip>
@@ -7636,7 +7842,7 @@
           <p:cNvPr id="8" name="Picture 7">
             <a:extLst>
               <a:ext uri="{FF2B5EF4-FFF2-40B4-BE49-F238E27FC236}">
-                <a16:creationId xmlns:a16="http://schemas.microsoft.com/office/drawing/2014/main" id="{851FDD01-2E36-4FB2-AEC3-1AD80666AF50}"/>
+                <a16:creationId xmlns:a16="http://schemas.microsoft.com/office/drawing/2014/main" xmlns="" id="{851FDD01-2E36-4FB2-AEC3-1AD80666AF50}"/>
               </a:ext>
             </a:extLst>
           </p:cNvPr>
@@ -7649,7 +7855,7 @@
           <a:blip r:embed="rId4">
             <a:extLst>
               <a:ext uri="{28A0092B-C50C-407E-A947-70E740481C1C}">
-                <a14:useLocalDpi xmlns:a14="http://schemas.microsoft.com/office/drawing/2010/main" val="0"/>
+                <a14:useLocalDpi xmlns:a14="http://schemas.microsoft.com/office/drawing/2010/main" xmlns="" val="0"/>
               </a:ext>
             </a:extLst>
           </a:blip>
@@ -7672,7 +7878,7 @@
           <p:cNvPr id="11" name="Content Placeholder 2">
             <a:extLst>
               <a:ext uri="{FF2B5EF4-FFF2-40B4-BE49-F238E27FC236}">
-                <a16:creationId xmlns:a16="http://schemas.microsoft.com/office/drawing/2014/main" id="{F206CC4A-F7D8-41B6-ABE3-9533F77A18D3}"/>
+                <a16:creationId xmlns:a16="http://schemas.microsoft.com/office/drawing/2014/main" xmlns="" id="{F206CC4A-F7D8-41B6-ABE3-9533F77A18D3}"/>
               </a:ext>
             </a:extLst>
           </p:cNvPr>
@@ -7957,7 +8163,7 @@
           <p:cNvPr id="12" name="Content Placeholder 2">
             <a:extLst>
               <a:ext uri="{FF2B5EF4-FFF2-40B4-BE49-F238E27FC236}">
-                <a16:creationId xmlns:a16="http://schemas.microsoft.com/office/drawing/2014/main" id="{0005FAC1-D63E-4606-9908-2EC64C974176}"/>
+                <a16:creationId xmlns:a16="http://schemas.microsoft.com/office/drawing/2014/main" xmlns="" id="{0005FAC1-D63E-4606-9908-2EC64C974176}"/>
               </a:ext>
             </a:extLst>
           </p:cNvPr>
@@ -8191,7 +8397,7 @@
           <p:cNvPr id="13" name="Content Placeholder 2">
             <a:extLst>
               <a:ext uri="{FF2B5EF4-FFF2-40B4-BE49-F238E27FC236}">
-                <a16:creationId xmlns:a16="http://schemas.microsoft.com/office/drawing/2014/main" id="{A6B71EFB-4EB9-48D0-A7CA-693B1830CB7E}"/>
+                <a16:creationId xmlns:a16="http://schemas.microsoft.com/office/drawing/2014/main" xmlns="" id="{A6B71EFB-4EB9-48D0-A7CA-693B1830CB7E}"/>
               </a:ext>
             </a:extLst>
           </p:cNvPr>
@@ -8435,7 +8641,7 @@
     </p:spTree>
     <p:extLst>
       <p:ext uri="{BB962C8B-B14F-4D97-AF65-F5344CB8AC3E}">
-        <p14:creationId xmlns:p14="http://schemas.microsoft.com/office/powerpoint/2010/main" val="2083772189"/>
+        <p14:creationId xmlns:p14="http://schemas.microsoft.com/office/powerpoint/2010/main" xmlns="" val="2083772189"/>
       </p:ext>
     </p:extLst>
   </p:cSld>
@@ -8467,7 +8673,7 @@
           <p:cNvPr id="4" name="Picture 3">
             <a:extLst>
               <a:ext uri="{FF2B5EF4-FFF2-40B4-BE49-F238E27FC236}">
-                <a16:creationId xmlns:a16="http://schemas.microsoft.com/office/drawing/2014/main" id="{0673D7FF-79D1-47CC-9F17-8BD3F4A92FD2}"/>
+                <a16:creationId xmlns:a16="http://schemas.microsoft.com/office/drawing/2014/main" xmlns="" id="{0673D7FF-79D1-47CC-9F17-8BD3F4A92FD2}"/>
               </a:ext>
             </a:extLst>
           </p:cNvPr>
@@ -8497,7 +8703,7 @@
           <p:cNvPr id="9" name="Picture 8">
             <a:extLst>
               <a:ext uri="{FF2B5EF4-FFF2-40B4-BE49-F238E27FC236}">
-                <a16:creationId xmlns:a16="http://schemas.microsoft.com/office/drawing/2014/main" id="{90E7F56C-9544-4654-9D9C-A258B0BC56B3}"/>
+                <a16:creationId xmlns:a16="http://schemas.microsoft.com/office/drawing/2014/main" xmlns="" id="{90E7F56C-9544-4654-9D9C-A258B0BC56B3}"/>
               </a:ext>
             </a:extLst>
           </p:cNvPr>
@@ -8527,7 +8733,7 @@
           <p:cNvPr id="10" name="Rectangle 9">
             <a:extLst>
               <a:ext uri="{FF2B5EF4-FFF2-40B4-BE49-F238E27FC236}">
-                <a16:creationId xmlns:a16="http://schemas.microsoft.com/office/drawing/2014/main" id="{7CE6DF49-6ADC-40B9-93F3-F6495F2DC7AB}"/>
+                <a16:creationId xmlns:a16="http://schemas.microsoft.com/office/drawing/2014/main" xmlns="" id="{7CE6DF49-6ADC-40B9-93F3-F6495F2DC7AB}"/>
               </a:ext>
             </a:extLst>
           </p:cNvPr>
@@ -8579,7 +8785,7 @@
           <p:cNvPr id="2" name="Title 1">
             <a:extLst>
               <a:ext uri="{FF2B5EF4-FFF2-40B4-BE49-F238E27FC236}">
-                <a16:creationId xmlns:a16="http://schemas.microsoft.com/office/drawing/2014/main" id="{DFC049F8-2284-4161-BE3C-431BCD0EFAB7}"/>
+                <a16:creationId xmlns:a16="http://schemas.microsoft.com/office/drawing/2014/main" xmlns="" id="{DFC049F8-2284-4161-BE3C-431BCD0EFAB7}"/>
               </a:ext>
             </a:extLst>
           </p:cNvPr>
@@ -8625,7 +8831,7 @@
           <p:cNvPr id="3" name="Content Placeholder 2">
             <a:extLst>
               <a:ext uri="{FF2B5EF4-FFF2-40B4-BE49-F238E27FC236}">
-                <a16:creationId xmlns:a16="http://schemas.microsoft.com/office/drawing/2014/main" id="{F2E045F5-714F-4E07-87A1-F5696A62ED28}"/>
+                <a16:creationId xmlns:a16="http://schemas.microsoft.com/office/drawing/2014/main" xmlns="" id="{F2E045F5-714F-4E07-87A1-F5696A62ED28}"/>
               </a:ext>
             </a:extLst>
           </p:cNvPr>
@@ -8762,7 +8968,7 @@
           <p:cNvPr id="6" name="TextBox 5">
             <a:extLst>
               <a:ext uri="{FF2B5EF4-FFF2-40B4-BE49-F238E27FC236}">
-                <a16:creationId xmlns:a16="http://schemas.microsoft.com/office/drawing/2014/main" id="{26C43D78-3AB4-4735-861F-3658B8B6108C}"/>
+                <a16:creationId xmlns:a16="http://schemas.microsoft.com/office/drawing/2014/main" xmlns="" id="{26C43D78-3AB4-4735-861F-3658B8B6108C}"/>
               </a:ext>
             </a:extLst>
           </p:cNvPr>
@@ -8801,7 +9007,7 @@
           <p:cNvPr id="11" name="Content Placeholder 2">
             <a:extLst>
               <a:ext uri="{FF2B5EF4-FFF2-40B4-BE49-F238E27FC236}">
-                <a16:creationId xmlns:a16="http://schemas.microsoft.com/office/drawing/2014/main" id="{F206CC4A-F7D8-41B6-ABE3-9533F77A18D3}"/>
+                <a16:creationId xmlns:a16="http://schemas.microsoft.com/office/drawing/2014/main" xmlns="" id="{F206CC4A-F7D8-41B6-ABE3-9533F77A18D3}"/>
               </a:ext>
             </a:extLst>
           </p:cNvPr>
@@ -9014,7 +9220,7 @@
     </p:spTree>
     <p:extLst>
       <p:ext uri="{BB962C8B-B14F-4D97-AF65-F5344CB8AC3E}">
-        <p14:creationId xmlns:p14="http://schemas.microsoft.com/office/powerpoint/2010/main" val="2083772189"/>
+        <p14:creationId xmlns:p14="http://schemas.microsoft.com/office/powerpoint/2010/main" xmlns="" val="2083772189"/>
       </p:ext>
     </p:extLst>
   </p:cSld>
@@ -9046,7 +9252,7 @@
           <p:cNvPr id="7" name="Picture 6">
             <a:extLst>
               <a:ext uri="{FF2B5EF4-FFF2-40B4-BE49-F238E27FC236}">
-                <a16:creationId xmlns:a16="http://schemas.microsoft.com/office/drawing/2014/main" id="{2FF80050-A6DA-4A1C-B6D8-AA5AA7F78A23}"/>
+                <a16:creationId xmlns:a16="http://schemas.microsoft.com/office/drawing/2014/main" xmlns="" id="{2FF80050-A6DA-4A1C-B6D8-AA5AA7F78A23}"/>
               </a:ext>
             </a:extLst>
           </p:cNvPr>
@@ -9076,7 +9282,7 @@
           <p:cNvPr id="8" name="Rectangle 7">
             <a:extLst>
               <a:ext uri="{FF2B5EF4-FFF2-40B4-BE49-F238E27FC236}">
-                <a16:creationId xmlns:a16="http://schemas.microsoft.com/office/drawing/2014/main" id="{5E3721CF-6C16-4B38-8E56-417FAD19673B}"/>
+                <a16:creationId xmlns:a16="http://schemas.microsoft.com/office/drawing/2014/main" xmlns="" id="{5E3721CF-6C16-4B38-8E56-417FAD19673B}"/>
               </a:ext>
             </a:extLst>
           </p:cNvPr>
@@ -9128,7 +9334,7 @@
           <p:cNvPr id="5" name="Picture 4">
             <a:extLst>
               <a:ext uri="{FF2B5EF4-FFF2-40B4-BE49-F238E27FC236}">
-                <a16:creationId xmlns:a16="http://schemas.microsoft.com/office/drawing/2014/main" id="{BE6895F0-339F-4782-9F13-51BA81259136}"/>
+                <a16:creationId xmlns:a16="http://schemas.microsoft.com/office/drawing/2014/main" xmlns="" id="{BE6895F0-339F-4782-9F13-51BA81259136}"/>
               </a:ext>
             </a:extLst>
           </p:cNvPr>
@@ -9158,7 +9364,7 @@
           <p:cNvPr id="2" name="Title 1">
             <a:extLst>
               <a:ext uri="{FF2B5EF4-FFF2-40B4-BE49-F238E27FC236}">
-                <a16:creationId xmlns:a16="http://schemas.microsoft.com/office/drawing/2014/main" id="{DFC049F8-2284-4161-BE3C-431BCD0EFAB7}"/>
+                <a16:creationId xmlns:a16="http://schemas.microsoft.com/office/drawing/2014/main" xmlns="" id="{DFC049F8-2284-4161-BE3C-431BCD0EFAB7}"/>
               </a:ext>
             </a:extLst>
           </p:cNvPr>
@@ -9204,7 +9410,7 @@
           <p:cNvPr id="3" name="Content Placeholder 2">
             <a:extLst>
               <a:ext uri="{FF2B5EF4-FFF2-40B4-BE49-F238E27FC236}">
-                <a16:creationId xmlns:a16="http://schemas.microsoft.com/office/drawing/2014/main" id="{F2E045F5-714F-4E07-87A1-F5696A62ED28}"/>
+                <a16:creationId xmlns:a16="http://schemas.microsoft.com/office/drawing/2014/main" xmlns="" id="{F2E045F5-714F-4E07-87A1-F5696A62ED28}"/>
               </a:ext>
             </a:extLst>
           </p:cNvPr>
@@ -9255,7 +9461,7 @@
           <p:cNvPr id="6" name="TextBox 5">
             <a:extLst>
               <a:ext uri="{FF2B5EF4-FFF2-40B4-BE49-F238E27FC236}">
-                <a16:creationId xmlns:a16="http://schemas.microsoft.com/office/drawing/2014/main" id="{09C628DE-7462-4395-B6E5-04533CBAF445}"/>
+                <a16:creationId xmlns:a16="http://schemas.microsoft.com/office/drawing/2014/main" xmlns="" id="{09C628DE-7462-4395-B6E5-04533CBAF445}"/>
               </a:ext>
             </a:extLst>
           </p:cNvPr>
@@ -9294,7 +9500,7 @@
           <p:cNvPr id="10" name="Oval 9">
             <a:extLst>
               <a:ext uri="{FF2B5EF4-FFF2-40B4-BE49-F238E27FC236}">
-                <a16:creationId xmlns:a16="http://schemas.microsoft.com/office/drawing/2014/main" id="{C29C5979-7CCB-416B-B3A4-A452F3F30A10}"/>
+                <a16:creationId xmlns:a16="http://schemas.microsoft.com/office/drawing/2014/main" xmlns="" id="{C29C5979-7CCB-416B-B3A4-A452F3F30A10}"/>
               </a:ext>
             </a:extLst>
           </p:cNvPr>
@@ -9351,7 +9557,7 @@
           <p:cNvPr id="11" name="Rectangle: Rounded Corners 10">
             <a:extLst>
               <a:ext uri="{FF2B5EF4-FFF2-40B4-BE49-F238E27FC236}">
-                <a16:creationId xmlns:a16="http://schemas.microsoft.com/office/drawing/2014/main" id="{F6A5F7EB-82A6-484E-9C43-CFB554F813E9}"/>
+                <a16:creationId xmlns:a16="http://schemas.microsoft.com/office/drawing/2014/main" xmlns="" id="{F6A5F7EB-82A6-484E-9C43-CFB554F813E9}"/>
               </a:ext>
             </a:extLst>
           </p:cNvPr>
@@ -9408,7 +9614,7 @@
           <p:cNvPr id="13" name="Rectangle: Rounded Corners 12">
             <a:extLst>
               <a:ext uri="{FF2B5EF4-FFF2-40B4-BE49-F238E27FC236}">
-                <a16:creationId xmlns:a16="http://schemas.microsoft.com/office/drawing/2014/main" id="{3719CF2D-2824-4299-B2CC-CE697E27AA7E}"/>
+                <a16:creationId xmlns:a16="http://schemas.microsoft.com/office/drawing/2014/main" xmlns="" id="{3719CF2D-2824-4299-B2CC-CE697E27AA7E}"/>
               </a:ext>
             </a:extLst>
           </p:cNvPr>
@@ -9465,7 +9671,7 @@
           <p:cNvPr id="15" name="Straight Connector 14">
             <a:extLst>
               <a:ext uri="{FF2B5EF4-FFF2-40B4-BE49-F238E27FC236}">
-                <a16:creationId xmlns:a16="http://schemas.microsoft.com/office/drawing/2014/main" id="{30710670-372E-4F34-950F-06F225466007}"/>
+                <a16:creationId xmlns:a16="http://schemas.microsoft.com/office/drawing/2014/main" xmlns="" id="{30710670-372E-4F34-950F-06F225466007}"/>
               </a:ext>
             </a:extLst>
           </p:cNvPr>
@@ -9510,7 +9716,7 @@
           <p:cNvPr id="16" name="Straight Connector 15">
             <a:extLst>
               <a:ext uri="{FF2B5EF4-FFF2-40B4-BE49-F238E27FC236}">
-                <a16:creationId xmlns:a16="http://schemas.microsoft.com/office/drawing/2014/main" id="{288054B3-BE24-4398-9D5F-A28183FA7014}"/>
+                <a16:creationId xmlns:a16="http://schemas.microsoft.com/office/drawing/2014/main" xmlns="" id="{288054B3-BE24-4398-9D5F-A28183FA7014}"/>
               </a:ext>
             </a:extLst>
           </p:cNvPr>
@@ -9557,7 +9763,7 @@
           <p:cNvPr id="17" name="TextBox 16">
             <a:extLst>
               <a:ext uri="{FF2B5EF4-FFF2-40B4-BE49-F238E27FC236}">
-                <a16:creationId xmlns:a16="http://schemas.microsoft.com/office/drawing/2014/main" id="{971E6CAA-6D6E-412E-9FD7-5D77D4FC053C}"/>
+                <a16:creationId xmlns:a16="http://schemas.microsoft.com/office/drawing/2014/main" xmlns="" id="{971E6CAA-6D6E-412E-9FD7-5D77D4FC053C}"/>
               </a:ext>
             </a:extLst>
           </p:cNvPr>
@@ -9594,7 +9800,7 @@
           <p:cNvPr id="19" name="Straight Connector 18">
             <a:extLst>
               <a:ext uri="{FF2B5EF4-FFF2-40B4-BE49-F238E27FC236}">
-                <a16:creationId xmlns:a16="http://schemas.microsoft.com/office/drawing/2014/main" id="{FFECA4B2-B854-4585-9ECA-1FD3048F8E67}"/>
+                <a16:creationId xmlns:a16="http://schemas.microsoft.com/office/drawing/2014/main" xmlns="" id="{FFECA4B2-B854-4585-9ECA-1FD3048F8E67}"/>
               </a:ext>
             </a:extLst>
           </p:cNvPr>
@@ -9641,7 +9847,7 @@
           <p:cNvPr id="23" name="Straight Arrow Connector 22">
             <a:extLst>
               <a:ext uri="{FF2B5EF4-FFF2-40B4-BE49-F238E27FC236}">
-                <a16:creationId xmlns:a16="http://schemas.microsoft.com/office/drawing/2014/main" id="{7FAC0E52-268B-4550-B064-28EAE19CA4A2}"/>
+                <a16:creationId xmlns:a16="http://schemas.microsoft.com/office/drawing/2014/main" xmlns="" id="{7FAC0E52-268B-4550-B064-28EAE19CA4A2}"/>
               </a:ext>
             </a:extLst>
           </p:cNvPr>
@@ -9688,7 +9894,7 @@
           <p:cNvPr id="24" name="TextBox 23">
             <a:extLst>
               <a:ext uri="{FF2B5EF4-FFF2-40B4-BE49-F238E27FC236}">
-                <a16:creationId xmlns:a16="http://schemas.microsoft.com/office/drawing/2014/main" id="{1FB9C7CE-2331-47EB-A1D2-D8DB9B0C2513}"/>
+                <a16:creationId xmlns:a16="http://schemas.microsoft.com/office/drawing/2014/main" xmlns="" id="{1FB9C7CE-2331-47EB-A1D2-D8DB9B0C2513}"/>
               </a:ext>
             </a:extLst>
           </p:cNvPr>
@@ -9725,7 +9931,7 @@
           <p:cNvPr id="25" name="TextBox 24">
             <a:extLst>
               <a:ext uri="{FF2B5EF4-FFF2-40B4-BE49-F238E27FC236}">
-                <a16:creationId xmlns:a16="http://schemas.microsoft.com/office/drawing/2014/main" id="{DBBC0D55-02A6-4EDB-AF84-B16D0A2B2E7B}"/>
+                <a16:creationId xmlns:a16="http://schemas.microsoft.com/office/drawing/2014/main" xmlns="" id="{DBBC0D55-02A6-4EDB-AF84-B16D0A2B2E7B}"/>
               </a:ext>
             </a:extLst>
           </p:cNvPr>
@@ -9762,7 +9968,7 @@
           <p:cNvPr id="26" name="TextBox 25">
             <a:extLst>
               <a:ext uri="{FF2B5EF4-FFF2-40B4-BE49-F238E27FC236}">
-                <a16:creationId xmlns:a16="http://schemas.microsoft.com/office/drawing/2014/main" id="{C1CD6ED1-DC11-4F49-B765-F575D41091A5}"/>
+                <a16:creationId xmlns:a16="http://schemas.microsoft.com/office/drawing/2014/main" xmlns="" id="{C1CD6ED1-DC11-4F49-B765-F575D41091A5}"/>
               </a:ext>
             </a:extLst>
           </p:cNvPr>
@@ -9799,7 +10005,7 @@
           <p:cNvPr id="27" name="Straight Arrow Connector 26">
             <a:extLst>
               <a:ext uri="{FF2B5EF4-FFF2-40B4-BE49-F238E27FC236}">
-                <a16:creationId xmlns:a16="http://schemas.microsoft.com/office/drawing/2014/main" id="{5E8555D3-376F-417B-8432-5BEEAFCBB21F}"/>
+                <a16:creationId xmlns:a16="http://schemas.microsoft.com/office/drawing/2014/main" xmlns="" id="{5E8555D3-376F-417B-8432-5BEEAFCBB21F}"/>
               </a:ext>
             </a:extLst>
           </p:cNvPr>
@@ -9848,7 +10054,7 @@
           <p:cNvPr id="30" name="Straight Arrow Connector 29">
             <a:extLst>
               <a:ext uri="{FF2B5EF4-FFF2-40B4-BE49-F238E27FC236}">
-                <a16:creationId xmlns:a16="http://schemas.microsoft.com/office/drawing/2014/main" id="{183EB38B-BC90-4354-BB70-B17AD571698C}"/>
+                <a16:creationId xmlns:a16="http://schemas.microsoft.com/office/drawing/2014/main" xmlns="" id="{183EB38B-BC90-4354-BB70-B17AD571698C}"/>
               </a:ext>
             </a:extLst>
           </p:cNvPr>
@@ -9897,7 +10103,7 @@
           <p:cNvPr id="33" name="Rectangle: Rounded Corners 32">
             <a:extLst>
               <a:ext uri="{FF2B5EF4-FFF2-40B4-BE49-F238E27FC236}">
-                <a16:creationId xmlns:a16="http://schemas.microsoft.com/office/drawing/2014/main" id="{5D612AEE-5C5A-45AE-9431-93F8F6FB3305}"/>
+                <a16:creationId xmlns:a16="http://schemas.microsoft.com/office/drawing/2014/main" xmlns="" id="{5D612AEE-5C5A-45AE-9431-93F8F6FB3305}"/>
               </a:ext>
             </a:extLst>
           </p:cNvPr>
@@ -9954,7 +10160,7 @@
           <p:cNvPr id="34" name="Rectangle: Rounded Corners 33">
             <a:extLst>
               <a:ext uri="{FF2B5EF4-FFF2-40B4-BE49-F238E27FC236}">
-                <a16:creationId xmlns:a16="http://schemas.microsoft.com/office/drawing/2014/main" id="{5351534C-969F-4206-A607-10E3CBD3EB6E}"/>
+                <a16:creationId xmlns:a16="http://schemas.microsoft.com/office/drawing/2014/main" xmlns="" id="{5351534C-969F-4206-A607-10E3CBD3EB6E}"/>
               </a:ext>
             </a:extLst>
           </p:cNvPr>
@@ -10011,7 +10217,7 @@
           <p:cNvPr id="35" name="Rectangle: Rounded Corners 34">
             <a:extLst>
               <a:ext uri="{FF2B5EF4-FFF2-40B4-BE49-F238E27FC236}">
-                <a16:creationId xmlns:a16="http://schemas.microsoft.com/office/drawing/2014/main" id="{CC0DB683-0D5F-4A20-8627-22A83FCA57C0}"/>
+                <a16:creationId xmlns:a16="http://schemas.microsoft.com/office/drawing/2014/main" xmlns="" id="{CC0DB683-0D5F-4A20-8627-22A83FCA57C0}"/>
               </a:ext>
             </a:extLst>
           </p:cNvPr>
@@ -10068,7 +10274,7 @@
           <p:cNvPr id="36" name="Rectangle: Rounded Corners 35">
             <a:extLst>
               <a:ext uri="{FF2B5EF4-FFF2-40B4-BE49-F238E27FC236}">
-                <a16:creationId xmlns:a16="http://schemas.microsoft.com/office/drawing/2014/main" id="{58471160-97AC-4E81-A948-3E6D85AFAB8E}"/>
+                <a16:creationId xmlns:a16="http://schemas.microsoft.com/office/drawing/2014/main" xmlns="" id="{58471160-97AC-4E81-A948-3E6D85AFAB8E}"/>
               </a:ext>
             </a:extLst>
           </p:cNvPr>
@@ -10125,7 +10331,7 @@
           <p:cNvPr id="37" name="Rectangle: Rounded Corners 36">
             <a:extLst>
               <a:ext uri="{FF2B5EF4-FFF2-40B4-BE49-F238E27FC236}">
-                <a16:creationId xmlns:a16="http://schemas.microsoft.com/office/drawing/2014/main" id="{92E98563-DB25-47E0-BFE7-B8A52201AFBF}"/>
+                <a16:creationId xmlns:a16="http://schemas.microsoft.com/office/drawing/2014/main" xmlns="" id="{92E98563-DB25-47E0-BFE7-B8A52201AFBF}"/>
               </a:ext>
             </a:extLst>
           </p:cNvPr>
@@ -10182,7 +10388,7 @@
           <p:cNvPr id="38" name="Rectangle: Rounded Corners 37">
             <a:extLst>
               <a:ext uri="{FF2B5EF4-FFF2-40B4-BE49-F238E27FC236}">
-                <a16:creationId xmlns:a16="http://schemas.microsoft.com/office/drawing/2014/main" id="{F9DE6B22-A874-4C5B-A2F4-37E624346379}"/>
+                <a16:creationId xmlns:a16="http://schemas.microsoft.com/office/drawing/2014/main" xmlns="" id="{F9DE6B22-A874-4C5B-A2F4-37E624346379}"/>
               </a:ext>
             </a:extLst>
           </p:cNvPr>
@@ -10239,7 +10445,7 @@
           <p:cNvPr id="39" name="Rectangle: Rounded Corners 38">
             <a:extLst>
               <a:ext uri="{FF2B5EF4-FFF2-40B4-BE49-F238E27FC236}">
-                <a16:creationId xmlns:a16="http://schemas.microsoft.com/office/drawing/2014/main" id="{EB977FAA-DCA6-4B55-ACC4-847FBF97687B}"/>
+                <a16:creationId xmlns:a16="http://schemas.microsoft.com/office/drawing/2014/main" xmlns="" id="{EB977FAA-DCA6-4B55-ACC4-847FBF97687B}"/>
               </a:ext>
             </a:extLst>
           </p:cNvPr>
@@ -10296,7 +10502,7 @@
           <p:cNvPr id="40" name="Rectangle: Rounded Corners 39">
             <a:extLst>
               <a:ext uri="{FF2B5EF4-FFF2-40B4-BE49-F238E27FC236}">
-                <a16:creationId xmlns:a16="http://schemas.microsoft.com/office/drawing/2014/main" id="{57387805-6EE0-4686-A3AD-F33DE6D3DA9D}"/>
+                <a16:creationId xmlns:a16="http://schemas.microsoft.com/office/drawing/2014/main" xmlns="" id="{57387805-6EE0-4686-A3AD-F33DE6D3DA9D}"/>
               </a:ext>
             </a:extLst>
           </p:cNvPr>
@@ -10353,7 +10559,7 @@
           <p:cNvPr id="41" name="Rectangle: Rounded Corners 40">
             <a:extLst>
               <a:ext uri="{FF2B5EF4-FFF2-40B4-BE49-F238E27FC236}">
-                <a16:creationId xmlns:a16="http://schemas.microsoft.com/office/drawing/2014/main" id="{0AF77ADA-8652-49EA-87E9-2EBD25A9D60F}"/>
+                <a16:creationId xmlns:a16="http://schemas.microsoft.com/office/drawing/2014/main" xmlns="" id="{0AF77ADA-8652-49EA-87E9-2EBD25A9D60F}"/>
               </a:ext>
             </a:extLst>
           </p:cNvPr>
@@ -10410,7 +10616,7 @@
           <p:cNvPr id="42" name="Straight Arrow Connector 41">
             <a:extLst>
               <a:ext uri="{FF2B5EF4-FFF2-40B4-BE49-F238E27FC236}">
-                <a16:creationId xmlns:a16="http://schemas.microsoft.com/office/drawing/2014/main" id="{37A39690-B33F-4ED6-BE2F-C59BC2ABAA73}"/>
+                <a16:creationId xmlns:a16="http://schemas.microsoft.com/office/drawing/2014/main" xmlns="" id="{37A39690-B33F-4ED6-BE2F-C59BC2ABAA73}"/>
               </a:ext>
             </a:extLst>
           </p:cNvPr>
@@ -10458,7 +10664,7 @@
           <p:cNvPr id="49" name="Connector: Elbow 48">
             <a:extLst>
               <a:ext uri="{FF2B5EF4-FFF2-40B4-BE49-F238E27FC236}">
-                <a16:creationId xmlns:a16="http://schemas.microsoft.com/office/drawing/2014/main" id="{6F018749-49F9-4969-A271-C3C29767FD5C}"/>
+                <a16:creationId xmlns:a16="http://schemas.microsoft.com/office/drawing/2014/main" xmlns="" id="{6F018749-49F9-4969-A271-C3C29767FD5C}"/>
               </a:ext>
             </a:extLst>
           </p:cNvPr>
@@ -10506,7 +10712,7 @@
           <p:cNvPr id="51" name="Straight Arrow Connector 50">
             <a:extLst>
               <a:ext uri="{FF2B5EF4-FFF2-40B4-BE49-F238E27FC236}">
-                <a16:creationId xmlns:a16="http://schemas.microsoft.com/office/drawing/2014/main" id="{529BEA91-D614-4620-8E3D-97946455F9B8}"/>
+                <a16:creationId xmlns:a16="http://schemas.microsoft.com/office/drawing/2014/main" xmlns="" id="{529BEA91-D614-4620-8E3D-97946455F9B8}"/>
               </a:ext>
             </a:extLst>
           </p:cNvPr>
@@ -10554,7 +10760,7 @@
           <p:cNvPr id="52" name="Straight Arrow Connector 51">
             <a:extLst>
               <a:ext uri="{FF2B5EF4-FFF2-40B4-BE49-F238E27FC236}">
-                <a16:creationId xmlns:a16="http://schemas.microsoft.com/office/drawing/2014/main" id="{5B84C7E6-A42F-4657-A73B-3CBEE18B7E6F}"/>
+                <a16:creationId xmlns:a16="http://schemas.microsoft.com/office/drawing/2014/main" xmlns="" id="{5B84C7E6-A42F-4657-A73B-3CBEE18B7E6F}"/>
               </a:ext>
             </a:extLst>
           </p:cNvPr>
@@ -10601,7 +10807,7 @@
           <p:cNvPr id="55" name="Connector: Elbow 54">
             <a:extLst>
               <a:ext uri="{FF2B5EF4-FFF2-40B4-BE49-F238E27FC236}">
-                <a16:creationId xmlns:a16="http://schemas.microsoft.com/office/drawing/2014/main" id="{0EC221BA-BD1E-4AE7-B1B2-90EE3720F5FB}"/>
+                <a16:creationId xmlns:a16="http://schemas.microsoft.com/office/drawing/2014/main" xmlns="" id="{0EC221BA-BD1E-4AE7-B1B2-90EE3720F5FB}"/>
               </a:ext>
             </a:extLst>
           </p:cNvPr>
@@ -10648,7 +10854,7 @@
           <p:cNvPr id="56" name="Connector: Elbow 55">
             <a:extLst>
               <a:ext uri="{FF2B5EF4-FFF2-40B4-BE49-F238E27FC236}">
-                <a16:creationId xmlns:a16="http://schemas.microsoft.com/office/drawing/2014/main" id="{7ED8B67D-2C95-4C7F-B66D-35ED490532B0}"/>
+                <a16:creationId xmlns:a16="http://schemas.microsoft.com/office/drawing/2014/main" xmlns="" id="{7ED8B67D-2C95-4C7F-B66D-35ED490532B0}"/>
               </a:ext>
             </a:extLst>
           </p:cNvPr>
@@ -10696,7 +10902,7 @@
           <p:cNvPr id="60" name="Straight Connector 59">
             <a:extLst>
               <a:ext uri="{FF2B5EF4-FFF2-40B4-BE49-F238E27FC236}">
-                <a16:creationId xmlns:a16="http://schemas.microsoft.com/office/drawing/2014/main" id="{2DE7001C-61A4-4D8C-9487-D0519BB5C287}"/>
+                <a16:creationId xmlns:a16="http://schemas.microsoft.com/office/drawing/2014/main" xmlns="" id="{2DE7001C-61A4-4D8C-9487-D0519BB5C287}"/>
               </a:ext>
             </a:extLst>
           </p:cNvPr>
@@ -10735,7 +10941,7 @@
           <p:cNvPr id="67" name="Connector: Elbow 66">
             <a:extLst>
               <a:ext uri="{FF2B5EF4-FFF2-40B4-BE49-F238E27FC236}">
-                <a16:creationId xmlns:a16="http://schemas.microsoft.com/office/drawing/2014/main" id="{9BE8C34A-75B0-466E-B230-A6AA0EF6FF90}"/>
+                <a16:creationId xmlns:a16="http://schemas.microsoft.com/office/drawing/2014/main" xmlns="" id="{9BE8C34A-75B0-466E-B230-A6AA0EF6FF90}"/>
               </a:ext>
             </a:extLst>
           </p:cNvPr>
@@ -10785,7 +10991,7 @@
           <p:cNvPr id="66" name="Connector: Elbow 65">
             <a:extLst>
               <a:ext uri="{FF2B5EF4-FFF2-40B4-BE49-F238E27FC236}">
-                <a16:creationId xmlns:a16="http://schemas.microsoft.com/office/drawing/2014/main" id="{2B6EBE20-55B6-4C79-AC8D-3D2DEACD0F27}"/>
+                <a16:creationId xmlns:a16="http://schemas.microsoft.com/office/drawing/2014/main" xmlns="" id="{2B6EBE20-55B6-4C79-AC8D-3D2DEACD0F27}"/>
               </a:ext>
             </a:extLst>
           </p:cNvPr>
@@ -10832,7 +11038,7 @@
           <p:cNvPr id="12" name="Rectangle: Rounded Corners 11">
             <a:extLst>
               <a:ext uri="{FF2B5EF4-FFF2-40B4-BE49-F238E27FC236}">
-                <a16:creationId xmlns:a16="http://schemas.microsoft.com/office/drawing/2014/main" id="{0EF29BEE-62BD-4987-BA52-D89AE53A8B33}"/>
+                <a16:creationId xmlns:a16="http://schemas.microsoft.com/office/drawing/2014/main" xmlns="" id="{0EF29BEE-62BD-4987-BA52-D89AE53A8B33}"/>
               </a:ext>
             </a:extLst>
           </p:cNvPr>
@@ -10887,7 +11093,7 @@
           <p:cNvPr id="73" name="Straight Arrow Connector 72">
             <a:extLst>
               <a:ext uri="{FF2B5EF4-FFF2-40B4-BE49-F238E27FC236}">
-                <a16:creationId xmlns:a16="http://schemas.microsoft.com/office/drawing/2014/main" id="{69C2A71F-34B3-45C5-B5C2-CAD80873AAD3}"/>
+                <a16:creationId xmlns:a16="http://schemas.microsoft.com/office/drawing/2014/main" xmlns="" id="{69C2A71F-34B3-45C5-B5C2-CAD80873AAD3}"/>
               </a:ext>
             </a:extLst>
           </p:cNvPr>
@@ -10936,7 +11142,7 @@
           <p:cNvPr id="77" name="Straight Arrow Connector 76">
             <a:extLst>
               <a:ext uri="{FF2B5EF4-FFF2-40B4-BE49-F238E27FC236}">
-                <a16:creationId xmlns:a16="http://schemas.microsoft.com/office/drawing/2014/main" id="{57464C7E-A3BB-4249-922D-CFCFCCBF91D6}"/>
+                <a16:creationId xmlns:a16="http://schemas.microsoft.com/office/drawing/2014/main" xmlns="" id="{57464C7E-A3BB-4249-922D-CFCFCCBF91D6}"/>
               </a:ext>
             </a:extLst>
           </p:cNvPr>
@@ -10983,7 +11189,7 @@
           <p:cNvPr id="78" name="Straight Arrow Connector 77">
             <a:extLst>
               <a:ext uri="{FF2B5EF4-FFF2-40B4-BE49-F238E27FC236}">
-                <a16:creationId xmlns:a16="http://schemas.microsoft.com/office/drawing/2014/main" id="{D03E9D33-30E8-457E-9B54-73E66853B100}"/>
+                <a16:creationId xmlns:a16="http://schemas.microsoft.com/office/drawing/2014/main" xmlns="" id="{D03E9D33-30E8-457E-9B54-73E66853B100}"/>
               </a:ext>
             </a:extLst>
           </p:cNvPr>
@@ -11030,7 +11236,7 @@
           <p:cNvPr id="79" name="Straight Arrow Connector 78">
             <a:extLst>
               <a:ext uri="{FF2B5EF4-FFF2-40B4-BE49-F238E27FC236}">
-                <a16:creationId xmlns:a16="http://schemas.microsoft.com/office/drawing/2014/main" id="{0A90E022-FEFC-46DE-89ED-17C345356F2C}"/>
+                <a16:creationId xmlns:a16="http://schemas.microsoft.com/office/drawing/2014/main" xmlns="" id="{0A90E022-FEFC-46DE-89ED-17C345356F2C}"/>
               </a:ext>
             </a:extLst>
           </p:cNvPr>
@@ -11077,7 +11283,7 @@
           <p:cNvPr id="80" name="Straight Arrow Connector 79">
             <a:extLst>
               <a:ext uri="{FF2B5EF4-FFF2-40B4-BE49-F238E27FC236}">
-                <a16:creationId xmlns:a16="http://schemas.microsoft.com/office/drawing/2014/main" id="{3A681EC4-C304-44D6-8FE8-F7EBE52D4E19}"/>
+                <a16:creationId xmlns:a16="http://schemas.microsoft.com/office/drawing/2014/main" xmlns="" id="{3A681EC4-C304-44D6-8FE8-F7EBE52D4E19}"/>
               </a:ext>
             </a:extLst>
           </p:cNvPr>
@@ -11124,7 +11330,7 @@
           <p:cNvPr id="81" name="Straight Arrow Connector 80">
             <a:extLst>
               <a:ext uri="{FF2B5EF4-FFF2-40B4-BE49-F238E27FC236}">
-                <a16:creationId xmlns:a16="http://schemas.microsoft.com/office/drawing/2014/main" id="{19F654F4-6D55-4385-8976-5B80EBD24850}"/>
+                <a16:creationId xmlns:a16="http://schemas.microsoft.com/office/drawing/2014/main" xmlns="" id="{19F654F4-6D55-4385-8976-5B80EBD24850}"/>
               </a:ext>
             </a:extLst>
           </p:cNvPr>
@@ -11169,7 +11375,7 @@
     </p:spTree>
     <p:extLst>
       <p:ext uri="{BB962C8B-B14F-4D97-AF65-F5344CB8AC3E}">
-        <p14:creationId xmlns:p14="http://schemas.microsoft.com/office/powerpoint/2010/main" val="2766657188"/>
+        <p14:creationId xmlns:p14="http://schemas.microsoft.com/office/powerpoint/2010/main" xmlns="" val="2766657188"/>
       </p:ext>
     </p:extLst>
   </p:cSld>
@@ -11201,7 +11407,7 @@
           <p:cNvPr id="7" name="Picture 6">
             <a:extLst>
               <a:ext uri="{FF2B5EF4-FFF2-40B4-BE49-F238E27FC236}">
-                <a16:creationId xmlns:a16="http://schemas.microsoft.com/office/drawing/2014/main" id="{0452B86A-B01F-4002-A1C0-9EF0AE9558E4}"/>
+                <a16:creationId xmlns:a16="http://schemas.microsoft.com/office/drawing/2014/main" xmlns="" id="{0452B86A-B01F-4002-A1C0-9EF0AE9558E4}"/>
               </a:ext>
             </a:extLst>
           </p:cNvPr>
@@ -11231,7 +11437,7 @@
           <p:cNvPr id="8" name="Picture 7">
             <a:extLst>
               <a:ext uri="{FF2B5EF4-FFF2-40B4-BE49-F238E27FC236}">
-                <a16:creationId xmlns:a16="http://schemas.microsoft.com/office/drawing/2014/main" id="{37F75148-183E-43C0-AC18-81F40A1DD034}"/>
+                <a16:creationId xmlns:a16="http://schemas.microsoft.com/office/drawing/2014/main" xmlns="" id="{37F75148-183E-43C0-AC18-81F40A1DD034}"/>
               </a:ext>
             </a:extLst>
           </p:cNvPr>
@@ -11261,7 +11467,7 @@
           <p:cNvPr id="2" name="Title 1">
             <a:extLst>
               <a:ext uri="{FF2B5EF4-FFF2-40B4-BE49-F238E27FC236}">
-                <a16:creationId xmlns:a16="http://schemas.microsoft.com/office/drawing/2014/main" id="{DFC049F8-2284-4161-BE3C-431BCD0EFAB7}"/>
+                <a16:creationId xmlns:a16="http://schemas.microsoft.com/office/drawing/2014/main" xmlns="" id="{DFC049F8-2284-4161-BE3C-431BCD0EFAB7}"/>
               </a:ext>
             </a:extLst>
           </p:cNvPr>
@@ -11307,7 +11513,7 @@
           <p:cNvPr id="3" name="Content Placeholder 2">
             <a:extLst>
               <a:ext uri="{FF2B5EF4-FFF2-40B4-BE49-F238E27FC236}">
-                <a16:creationId xmlns:a16="http://schemas.microsoft.com/office/drawing/2014/main" id="{F2E045F5-714F-4E07-87A1-F5696A62ED28}"/>
+                <a16:creationId xmlns:a16="http://schemas.microsoft.com/office/drawing/2014/main" xmlns="" id="{F2E045F5-714F-4E07-87A1-F5696A62ED28}"/>
               </a:ext>
             </a:extLst>
           </p:cNvPr>
@@ -11358,7 +11564,7 @@
           <p:cNvPr id="6" name="TextBox 5">
             <a:extLst>
               <a:ext uri="{FF2B5EF4-FFF2-40B4-BE49-F238E27FC236}">
-                <a16:creationId xmlns:a16="http://schemas.microsoft.com/office/drawing/2014/main" id="{2A7FCD91-3666-4A23-B530-B70A5977CFC4}"/>
+                <a16:creationId xmlns:a16="http://schemas.microsoft.com/office/drawing/2014/main" xmlns="" id="{2A7FCD91-3666-4A23-B530-B70A5977CFC4}"/>
               </a:ext>
             </a:extLst>
           </p:cNvPr>
@@ -11397,7 +11603,7 @@
           <p:cNvPr id="5" name="Picture 4">
             <a:extLst>
               <a:ext uri="{FF2B5EF4-FFF2-40B4-BE49-F238E27FC236}">
-                <a16:creationId xmlns:a16="http://schemas.microsoft.com/office/drawing/2014/main" id="{07E31DEA-147A-4661-8DB9-CB3281426F67}"/>
+                <a16:creationId xmlns:a16="http://schemas.microsoft.com/office/drawing/2014/main" xmlns="" id="{07E31DEA-147A-4661-8DB9-CB3281426F67}"/>
               </a:ext>
             </a:extLst>
           </p:cNvPr>
@@ -11432,7 +11638,7 @@
           <p:cNvPr id="9" name="Rectangle 8">
             <a:extLst>
               <a:ext uri="{FF2B5EF4-FFF2-40B4-BE49-F238E27FC236}">
-                <a16:creationId xmlns:a16="http://schemas.microsoft.com/office/drawing/2014/main" id="{639288EF-1393-49D8-9524-1863E2A39901}"/>
+                <a16:creationId xmlns:a16="http://schemas.microsoft.com/office/drawing/2014/main" xmlns="" id="{639288EF-1393-49D8-9524-1863E2A39901}"/>
               </a:ext>
             </a:extLst>
           </p:cNvPr>
@@ -11552,7 +11758,7 @@
     </p:spTree>
     <p:extLst>
       <p:ext uri="{BB962C8B-B14F-4D97-AF65-F5344CB8AC3E}">
-        <p14:creationId xmlns:p14="http://schemas.microsoft.com/office/powerpoint/2010/main" val="3490831543"/>
+        <p14:creationId xmlns:p14="http://schemas.microsoft.com/office/powerpoint/2010/main" xmlns="" val="3490831543"/>
       </p:ext>
     </p:extLst>
   </p:cSld>
@@ -11584,7 +11790,7 @@
           <p:cNvPr id="7" name="Picture 6">
             <a:extLst>
               <a:ext uri="{FF2B5EF4-FFF2-40B4-BE49-F238E27FC236}">
-                <a16:creationId xmlns:a16="http://schemas.microsoft.com/office/drawing/2014/main" id="{B477D94D-934D-4616-A570-6D98195B104B}"/>
+                <a16:creationId xmlns:a16="http://schemas.microsoft.com/office/drawing/2014/main" xmlns="" id="{B477D94D-934D-4616-A570-6D98195B104B}"/>
               </a:ext>
             </a:extLst>
           </p:cNvPr>
@@ -11613,7 +11819,7 @@
           <p:cNvPr id="5" name="Picture 4">
             <a:extLst>
               <a:ext uri="{FF2B5EF4-FFF2-40B4-BE49-F238E27FC236}">
-                <a16:creationId xmlns:a16="http://schemas.microsoft.com/office/drawing/2014/main" id="{B41C1CB2-FA0D-4FE8-B995-E97A83ACB1AE}"/>
+                <a16:creationId xmlns:a16="http://schemas.microsoft.com/office/drawing/2014/main" xmlns="" id="{B41C1CB2-FA0D-4FE8-B995-E97A83ACB1AE}"/>
               </a:ext>
             </a:extLst>
           </p:cNvPr>
@@ -11642,7 +11848,7 @@
           <p:cNvPr id="2" name="Title 1">
             <a:extLst>
               <a:ext uri="{FF2B5EF4-FFF2-40B4-BE49-F238E27FC236}">
-                <a16:creationId xmlns:a16="http://schemas.microsoft.com/office/drawing/2014/main" id="{DFC049F8-2284-4161-BE3C-431BCD0EFAB7}"/>
+                <a16:creationId xmlns:a16="http://schemas.microsoft.com/office/drawing/2014/main" xmlns="" id="{DFC049F8-2284-4161-BE3C-431BCD0EFAB7}"/>
               </a:ext>
             </a:extLst>
           </p:cNvPr>
@@ -11688,7 +11894,7 @@
           <p:cNvPr id="3" name="Content Placeholder 2">
             <a:extLst>
               <a:ext uri="{FF2B5EF4-FFF2-40B4-BE49-F238E27FC236}">
-                <a16:creationId xmlns:a16="http://schemas.microsoft.com/office/drawing/2014/main" id="{F2E045F5-714F-4E07-87A1-F5696A62ED28}"/>
+                <a16:creationId xmlns:a16="http://schemas.microsoft.com/office/drawing/2014/main" xmlns="" id="{F2E045F5-714F-4E07-87A1-F5696A62ED28}"/>
               </a:ext>
             </a:extLst>
           </p:cNvPr>
@@ -11739,7 +11945,7 @@
           <p:cNvPr id="6" name="TextBox 5">
             <a:extLst>
               <a:ext uri="{FF2B5EF4-FFF2-40B4-BE49-F238E27FC236}">
-                <a16:creationId xmlns:a16="http://schemas.microsoft.com/office/drawing/2014/main" id="{2A7FCD91-3666-4A23-B530-B70A5977CFC4}"/>
+                <a16:creationId xmlns:a16="http://schemas.microsoft.com/office/drawing/2014/main" xmlns="" id="{2A7FCD91-3666-4A23-B530-B70A5977CFC4}"/>
               </a:ext>
             </a:extLst>
           </p:cNvPr>
@@ -11778,7 +11984,7 @@
           <p:cNvPr id="4" name="Picture 3">
             <a:extLst>
               <a:ext uri="{FF2B5EF4-FFF2-40B4-BE49-F238E27FC236}">
-                <a16:creationId xmlns:a16="http://schemas.microsoft.com/office/drawing/2014/main" id="{7DBBE77A-8D3A-40D6-94A0-7EC9A7E761A3}"/>
+                <a16:creationId xmlns:a16="http://schemas.microsoft.com/office/drawing/2014/main" xmlns="" id="{7DBBE77A-8D3A-40D6-94A0-7EC9A7E761A3}"/>
               </a:ext>
             </a:extLst>
           </p:cNvPr>
@@ -11813,7 +12019,7 @@
           <p:cNvPr id="8" name="Rectangle 7">
             <a:extLst>
               <a:ext uri="{FF2B5EF4-FFF2-40B4-BE49-F238E27FC236}">
-                <a16:creationId xmlns:a16="http://schemas.microsoft.com/office/drawing/2014/main" id="{BBD93274-AD19-4924-B84B-10DE820ED811}"/>
+                <a16:creationId xmlns:a16="http://schemas.microsoft.com/office/drawing/2014/main" xmlns="" id="{BBD93274-AD19-4924-B84B-10DE820ED811}"/>
               </a:ext>
             </a:extLst>
           </p:cNvPr>
@@ -11868,7 +12074,7 @@
           <p:cNvPr id="9" name="TextBox 8">
             <a:extLst>
               <a:ext uri="{FF2B5EF4-FFF2-40B4-BE49-F238E27FC236}">
-                <a16:creationId xmlns:a16="http://schemas.microsoft.com/office/drawing/2014/main" id="{614F1665-FB4D-4576-912A-8CB0AE08F8B2}"/>
+                <a16:creationId xmlns:a16="http://schemas.microsoft.com/office/drawing/2014/main" xmlns="" id="{614F1665-FB4D-4576-912A-8CB0AE08F8B2}"/>
               </a:ext>
             </a:extLst>
           </p:cNvPr>
@@ -11928,7 +12134,7 @@
           <p:cNvPr id="10" name="TextBox 9">
             <a:extLst>
               <a:ext uri="{FF2B5EF4-FFF2-40B4-BE49-F238E27FC236}">
-                <a16:creationId xmlns:a16="http://schemas.microsoft.com/office/drawing/2014/main" id="{B73BD718-AF4E-48A2-A46D-2EFB4DF802D3}"/>
+                <a16:creationId xmlns:a16="http://schemas.microsoft.com/office/drawing/2014/main" xmlns="" id="{B73BD718-AF4E-48A2-A46D-2EFB4DF802D3}"/>
               </a:ext>
             </a:extLst>
           </p:cNvPr>
@@ -12054,7 +12260,7 @@
           <p:cNvPr id="11" name="TextBox 10">
             <a:extLst>
               <a:ext uri="{FF2B5EF4-FFF2-40B4-BE49-F238E27FC236}">
-                <a16:creationId xmlns:a16="http://schemas.microsoft.com/office/drawing/2014/main" id="{045FE3E0-C21F-4E84-A6C3-B78C5DA14375}"/>
+                <a16:creationId xmlns:a16="http://schemas.microsoft.com/office/drawing/2014/main" xmlns="" id="{045FE3E0-C21F-4E84-A6C3-B78C5DA14375}"/>
               </a:ext>
             </a:extLst>
           </p:cNvPr>
@@ -12096,7 +12302,7 @@
           <p:cNvPr id="12" name="TextBox 11">
             <a:extLst>
               <a:ext uri="{FF2B5EF4-FFF2-40B4-BE49-F238E27FC236}">
-                <a16:creationId xmlns:a16="http://schemas.microsoft.com/office/drawing/2014/main" id="{715C8695-F831-4AEA-8788-D3F362FE0855}"/>
+                <a16:creationId xmlns:a16="http://schemas.microsoft.com/office/drawing/2014/main" xmlns="" id="{715C8695-F831-4AEA-8788-D3F362FE0855}"/>
               </a:ext>
             </a:extLst>
           </p:cNvPr>
@@ -12138,7 +12344,7 @@
           <p:cNvPr id="13" name="TextBox 12">
             <a:extLst>
               <a:ext uri="{FF2B5EF4-FFF2-40B4-BE49-F238E27FC236}">
-                <a16:creationId xmlns:a16="http://schemas.microsoft.com/office/drawing/2014/main" id="{3D143883-7E11-42FA-820F-FD25A0706494}"/>
+                <a16:creationId xmlns:a16="http://schemas.microsoft.com/office/drawing/2014/main" xmlns="" id="{3D143883-7E11-42FA-820F-FD25A0706494}"/>
               </a:ext>
             </a:extLst>
           </p:cNvPr>
@@ -12180,7 +12386,7 @@
           <p:cNvPr id="14" name="TextBox 13">
             <a:extLst>
               <a:ext uri="{FF2B5EF4-FFF2-40B4-BE49-F238E27FC236}">
-                <a16:creationId xmlns:a16="http://schemas.microsoft.com/office/drawing/2014/main" id="{441B9A9E-965F-4808-97BB-765FA754A34C}"/>
+                <a16:creationId xmlns:a16="http://schemas.microsoft.com/office/drawing/2014/main" xmlns="" id="{441B9A9E-965F-4808-97BB-765FA754A34C}"/>
               </a:ext>
             </a:extLst>
           </p:cNvPr>
@@ -12235,7 +12441,7 @@
     </p:spTree>
     <p:extLst>
       <p:ext uri="{BB962C8B-B14F-4D97-AF65-F5344CB8AC3E}">
-        <p14:creationId xmlns:p14="http://schemas.microsoft.com/office/powerpoint/2010/main" val="4096237443"/>
+        <p14:creationId xmlns:p14="http://schemas.microsoft.com/office/powerpoint/2010/main" xmlns="" val="4096237443"/>
       </p:ext>
     </p:extLst>
   </p:cSld>
@@ -12534,7 +12740,7 @@
   <a:extraClrSchemeLst/>
   <a:extLst>
     <a:ext uri="{05A4C25C-085E-4340-85A3-A5531E510DB2}">
-      <thm15:themeFamily xmlns:thm15="http://schemas.microsoft.com/office/thememl/2012/main" name="Office Theme" id="{62F939B6-93AF-4DB8-9C6B-D6C7DFDC589F}" vid="{4A3C46E8-61CC-4603-A589-7422A47A8E4A}"/>
+      <thm15:themeFamily xmlns:thm15="http://schemas.microsoft.com/office/thememl/2012/main" xmlns="" name="Office Theme" id="{62F939B6-93AF-4DB8-9C6B-D6C7DFDC589F}" vid="{4A3C46E8-61CC-4603-A589-7422A47A8E4A}"/>
     </a:ext>
   </a:extLst>
 </a:theme>
@@ -12795,7 +13001,7 @@
   <a:extraClrSchemeLst/>
   <a:extLst>
     <a:ext uri="{05A4C25C-085E-4340-85A3-A5531E510DB2}">
-      <thm15:themeFamily xmlns:thm15="http://schemas.microsoft.com/office/thememl/2012/main" name="Office Theme" id="{62F939B6-93AF-4DB8-9C6B-D6C7DFDC589F}" vid="{4A3C46E8-61CC-4603-A589-7422A47A8E4A}"/>
+      <thm15:themeFamily xmlns:thm15="http://schemas.microsoft.com/office/thememl/2012/main" xmlns="" name="Office Theme" id="{62F939B6-93AF-4DB8-9C6B-D6C7DFDC589F}" vid="{4A3C46E8-61CC-4603-A589-7422A47A8E4A}"/>
     </a:ext>
   </a:extLst>
 </a:theme>

--- a/D2.pptx
+++ b/D2.pptx
@@ -5,7 +5,7 @@
     <p:sldMasterId id="2147483648" r:id="rId1"/>
   </p:sldMasterIdLst>
   <p:notesMasterIdLst>
-    <p:notesMasterId r:id="rId20"/>
+    <p:notesMasterId r:id="rId21"/>
   </p:notesMasterIdLst>
   <p:sldIdLst>
     <p:sldId id="275" r:id="rId2"/>
@@ -24,8 +24,9 @@
     <p:sldId id="279" r:id="rId15"/>
     <p:sldId id="280" r:id="rId16"/>
     <p:sldId id="281" r:id="rId17"/>
-    <p:sldId id="264" r:id="rId18"/>
-    <p:sldId id="269" r:id="rId19"/>
+    <p:sldId id="282" r:id="rId18"/>
+    <p:sldId id="264" r:id="rId19"/>
+    <p:sldId id="269" r:id="rId20"/>
   </p:sldIdLst>
   <p:sldSz cx="12192000" cy="6858000"/>
   <p:notesSz cx="6858000" cy="9144000"/>
@@ -126,7 +127,7 @@
   </p:defaultTextStyle>
   <p:extLst>
     <p:ext uri="{EFAFB233-063F-42B5-8137-9DF3F51BA10A}">
-      <p15:sldGuideLst xmlns:p15="http://schemas.microsoft.com/office/powerpoint/2012/main" xmlns="">
+      <p15:sldGuideLst xmlns="" xmlns:p15="http://schemas.microsoft.com/office/powerpoint/2012/main">
         <p15:guide id="1" orient="horz" pos="2160">
           <p15:clr>
             <a:srgbClr val="A4A3A4"/>
@@ -226,7 +227,7 @@
             <a:fld id="{72120EEF-C798-4279-B1C0-A28BE5B39C66}" type="datetimeFigureOut">
               <a:rPr lang="en-GB" smtClean="0"/>
               <a:pPr/>
-              <a:t>02/03/2018</a:t>
+              <a:t>03/03/2018</a:t>
             </a:fld>
             <a:endParaRPr lang="en-GB"/>
           </a:p>
@@ -395,7 +396,7 @@
     </p:spTree>
     <p:extLst>
       <p:ext uri="{BB962C8B-B14F-4D97-AF65-F5344CB8AC3E}">
-        <p14:creationId xmlns:p14="http://schemas.microsoft.com/office/powerpoint/2010/main" xmlns="" val="3478088536"/>
+        <p14:creationId xmlns="" xmlns:p14="http://schemas.microsoft.com/office/powerpoint/2010/main" val="3478088536"/>
       </p:ext>
     </p:extLst>
   </p:cSld>
@@ -1018,13 +1019,6 @@
           <a:p>
             <a:endParaRPr lang="en-GB" baseline="0" dirty="0" smtClean="0"/>
           </a:p>
-          <a:p>
-            <a:r>
-              <a:rPr lang="en-GB" baseline="0" dirty="0" smtClean="0"/>
-              <a:t>HAVE ASKED USER TO DO FRESH FEEDBACK BASED ON SUBMITTED CODE – I will add an extra slide for this</a:t>
-            </a:r>
-            <a:endParaRPr lang="en-GB" dirty="0"/>
-          </a:p>
         </p:txBody>
       </p:sp>
       <p:sp>
@@ -1046,6 +1040,153 @@
               <a:rPr lang="en-GB" smtClean="0"/>
               <a:pPr/>
               <a:t>16</a:t>
+            </a:fld>
+            <a:endParaRPr lang="en-GB"/>
+          </a:p>
+        </p:txBody>
+      </p:sp>
+    </p:spTree>
+  </p:cSld>
+  <p:clrMapOvr>
+    <a:masterClrMapping/>
+  </p:clrMapOvr>
+</p:notes>
+</file>
+
+<file path=ppt/notesSlides/notesSlide15.xml><?xml version="1.0" encoding="utf-8"?>
+<p:notes xmlns:a="http://schemas.openxmlformats.org/drawingml/2006/main" xmlns:r="http://schemas.openxmlformats.org/officeDocument/2006/relationships" xmlns:p="http://schemas.openxmlformats.org/presentationml/2006/main">
+  <p:cSld>
+    <p:spTree>
+      <p:nvGrpSpPr>
+        <p:cNvPr id="1" name=""/>
+        <p:cNvGrpSpPr/>
+        <p:nvPr/>
+      </p:nvGrpSpPr>
+      <p:grpSpPr>
+        <a:xfrm>
+          <a:off x="0" y="0"/>
+          <a:ext cx="0" cy="0"/>
+          <a:chOff x="0" y="0"/>
+          <a:chExt cx="0" cy="0"/>
+        </a:xfrm>
+      </p:grpSpPr>
+      <p:sp>
+        <p:nvSpPr>
+          <p:cNvPr id="2" name="Slide Image Placeholder 1"/>
+          <p:cNvSpPr>
+            <a:spLocks noGrp="1" noRot="1" noChangeAspect="1"/>
+          </p:cNvSpPr>
+          <p:nvPr>
+            <p:ph type="sldImg"/>
+          </p:nvPr>
+        </p:nvSpPr>
+        <p:spPr/>
+      </p:sp>
+      <p:sp>
+        <p:nvSpPr>
+          <p:cNvPr id="3" name="Notes Placeholder 2"/>
+          <p:cNvSpPr>
+            <a:spLocks noGrp="1"/>
+          </p:cNvSpPr>
+          <p:nvPr>
+            <p:ph type="body" idx="1"/>
+          </p:nvPr>
+        </p:nvSpPr>
+        <p:spPr/>
+        <p:txBody>
+          <a:bodyPr>
+            <a:normAutofit/>
+          </a:bodyPr>
+          <a:lstStyle/>
+          <a:p>
+            <a:r>
+              <a:rPr lang="en-GB" dirty="0" smtClean="0"/>
+              <a:t>This questionnaire</a:t>
+            </a:r>
+            <a:r>
+              <a:rPr lang="en-GB" baseline="0" dirty="0" smtClean="0"/>
+              <a:t> was from one tester, and was </a:t>
+            </a:r>
+            <a:r>
+              <a:rPr lang="en-GB" baseline="0" dirty="0" smtClean="0"/>
+              <a:t>after we </a:t>
+            </a:r>
+            <a:r>
+              <a:rPr lang="en-GB" baseline="0" dirty="0" smtClean="0"/>
+              <a:t>did all the </a:t>
+            </a:r>
+            <a:r>
+              <a:rPr lang="en-GB" baseline="0" dirty="0" smtClean="0"/>
+              <a:t>fixes.</a:t>
+            </a:r>
+          </a:p>
+          <a:p>
+            <a:r>
+              <a:rPr lang="en-GB" baseline="0" dirty="0" smtClean="0"/>
+              <a:t>The tester was not told what fixes had been applied; they were simply asked to re-test the game and submit </a:t>
+            </a:r>
+            <a:r>
+              <a:rPr lang="en-GB" baseline="0" smtClean="0"/>
+              <a:t>new feedback.</a:t>
+            </a:r>
+            <a:endParaRPr lang="en-GB" baseline="0" dirty="0" smtClean="0"/>
+          </a:p>
+          <a:p>
+            <a:endParaRPr lang="en-GB" baseline="0" dirty="0" smtClean="0"/>
+          </a:p>
+          <a:p>
+            <a:r>
+              <a:rPr lang="en-GB" baseline="0" dirty="0" smtClean="0"/>
+              <a:t>Their feedback was:</a:t>
+            </a:r>
+          </a:p>
+          <a:p>
+            <a:r>
+              <a:rPr lang="en-GB" baseline="0" dirty="0" smtClean="0"/>
+              <a:t>“</a:t>
+            </a:r>
+            <a:r>
+              <a:rPr lang="en-GB" sz="1200" dirty="0" smtClean="0"/>
+              <a:t>A lot better. There are still irritating bits, but it is improved, and looks nice.</a:t>
+            </a:r>
+            <a:br>
+              <a:rPr lang="en-GB" sz="1200" dirty="0" smtClean="0"/>
+            </a:br>
+            <a:r>
+              <a:rPr lang="en-GB" sz="1200" dirty="0" smtClean="0"/>
+              <a:t>I found it easy to move the player where I wanted - Mostly very good,</a:t>
+            </a:r>
+            <a:r>
+              <a:rPr lang="en-GB" sz="1200" baseline="0" dirty="0" smtClean="0"/>
+              <a:t> though</a:t>
+            </a:r>
+            <a:r>
+              <a:rPr lang="en-GB" sz="1200" dirty="0" smtClean="0"/>
+              <a:t> the elf maze still moves many steps unless I jab at the keyboard to only move one.”</a:t>
+            </a:r>
+            <a:endParaRPr lang="en-GB" baseline="0" dirty="0" smtClean="0"/>
+          </a:p>
+        </p:txBody>
+      </p:sp>
+      <p:sp>
+        <p:nvSpPr>
+          <p:cNvPr id="4" name="Slide Number Placeholder 3"/>
+          <p:cNvSpPr>
+            <a:spLocks noGrp="1"/>
+          </p:cNvSpPr>
+          <p:nvPr>
+            <p:ph type="sldNum" sz="quarter" idx="10"/>
+          </p:nvPr>
+        </p:nvSpPr>
+        <p:spPr/>
+        <p:txBody>
+          <a:bodyPr/>
+          <a:lstStyle/>
+          <a:p>
+            <a:fld id="{B4FD0D0C-5710-4AE3-80D3-D826DB3CA674}" type="slidenum">
+              <a:rPr lang="en-GB" smtClean="0"/>
+              <a:pPr/>
+              <a:t>17</a:t>
             </a:fld>
             <a:endParaRPr lang="en-GB"/>
           </a:p>
@@ -1176,7 +1317,7 @@
     </p:spTree>
     <p:extLst>
       <p:ext uri="{BB962C8B-B14F-4D97-AF65-F5344CB8AC3E}">
-        <p14:creationId xmlns:p14="http://schemas.microsoft.com/office/powerpoint/2010/main" xmlns="" val="108767136"/>
+        <p14:creationId xmlns="" xmlns:p14="http://schemas.microsoft.com/office/powerpoint/2010/main" val="108767136"/>
       </p:ext>
     </p:extLst>
   </p:cSld>
@@ -1356,7 +1497,7 @@
     </p:spTree>
     <p:extLst>
       <p:ext uri="{BB962C8B-B14F-4D97-AF65-F5344CB8AC3E}">
-        <p14:creationId xmlns:p14="http://schemas.microsoft.com/office/powerpoint/2010/main" xmlns="" val="3079722329"/>
+        <p14:creationId xmlns="" xmlns:p14="http://schemas.microsoft.com/office/powerpoint/2010/main" val="3079722329"/>
       </p:ext>
     </p:extLst>
   </p:cSld>
@@ -1605,7 +1746,7 @@
     </p:spTree>
     <p:extLst>
       <p:ext uri="{BB962C8B-B14F-4D97-AF65-F5344CB8AC3E}">
-        <p14:creationId xmlns:p14="http://schemas.microsoft.com/office/powerpoint/2010/main" xmlns="" val="1280038544"/>
+        <p14:creationId xmlns="" xmlns:p14="http://schemas.microsoft.com/office/powerpoint/2010/main" val="1280038544"/>
       </p:ext>
     </p:extLst>
   </p:cSld>
@@ -1906,7 +2047,7 @@
     </p:spTree>
     <p:extLst>
       <p:ext uri="{BB962C8B-B14F-4D97-AF65-F5344CB8AC3E}">
-        <p14:creationId xmlns:p14="http://schemas.microsoft.com/office/powerpoint/2010/main" xmlns="" val="1280038544"/>
+        <p14:creationId xmlns="" xmlns:p14="http://schemas.microsoft.com/office/powerpoint/2010/main" val="1280038544"/>
       </p:ext>
     </p:extLst>
   </p:cSld>
@@ -2215,7 +2356,7 @@
           <p:cNvPr id="2" name="Title 1">
             <a:extLst>
               <a:ext uri="{FF2B5EF4-FFF2-40B4-BE49-F238E27FC236}">
-                <a16:creationId xmlns:a16="http://schemas.microsoft.com/office/drawing/2014/main" xmlns="" id="{DF83C6BF-9C25-47A7-9E90-203791DC8017}"/>
+                <a16:creationId xmlns="" xmlns:a16="http://schemas.microsoft.com/office/drawing/2014/main" id="{DF83C6BF-9C25-47A7-9E90-203791DC8017}"/>
               </a:ext>
             </a:extLst>
           </p:cNvPr>
@@ -2253,7 +2394,7 @@
           <p:cNvPr id="3" name="Subtitle 2">
             <a:extLst>
               <a:ext uri="{FF2B5EF4-FFF2-40B4-BE49-F238E27FC236}">
-                <a16:creationId xmlns:a16="http://schemas.microsoft.com/office/drawing/2014/main" xmlns="" id="{F43AB25B-D89F-430B-83D3-AFE59D87A0C9}"/>
+                <a16:creationId xmlns="" xmlns:a16="http://schemas.microsoft.com/office/drawing/2014/main" id="{F43AB25B-D89F-430B-83D3-AFE59D87A0C9}"/>
               </a:ext>
             </a:extLst>
           </p:cNvPr>
@@ -2324,7 +2465,7 @@
           <p:cNvPr id="4" name="Date Placeholder 3">
             <a:extLst>
               <a:ext uri="{FF2B5EF4-FFF2-40B4-BE49-F238E27FC236}">
-                <a16:creationId xmlns:a16="http://schemas.microsoft.com/office/drawing/2014/main" xmlns="" id="{FC28D84A-1E26-4ADB-9293-C973C9FDD312}"/>
+                <a16:creationId xmlns="" xmlns:a16="http://schemas.microsoft.com/office/drawing/2014/main" id="{FC28D84A-1E26-4ADB-9293-C973C9FDD312}"/>
               </a:ext>
             </a:extLst>
           </p:cNvPr>
@@ -2343,7 +2484,7 @@
             <a:fld id="{24C3A72B-EA9F-49ED-9480-D5BBE463D3C6}" type="datetimeFigureOut">
               <a:rPr lang="en-GB" smtClean="0"/>
               <a:pPr/>
-              <a:t>02/03/2018</a:t>
+              <a:t>03/03/2018</a:t>
             </a:fld>
             <a:endParaRPr lang="en-GB"/>
           </a:p>
@@ -2354,7 +2495,7 @@
           <p:cNvPr id="5" name="Footer Placeholder 4">
             <a:extLst>
               <a:ext uri="{FF2B5EF4-FFF2-40B4-BE49-F238E27FC236}">
-                <a16:creationId xmlns:a16="http://schemas.microsoft.com/office/drawing/2014/main" xmlns="" id="{BD1E3808-CC4A-410D-B94B-201CBF8416A2}"/>
+                <a16:creationId xmlns="" xmlns:a16="http://schemas.microsoft.com/office/drawing/2014/main" id="{BD1E3808-CC4A-410D-B94B-201CBF8416A2}"/>
               </a:ext>
             </a:extLst>
           </p:cNvPr>
@@ -2379,7 +2520,7 @@
           <p:cNvPr id="6" name="Slide Number Placeholder 5">
             <a:extLst>
               <a:ext uri="{FF2B5EF4-FFF2-40B4-BE49-F238E27FC236}">
-                <a16:creationId xmlns:a16="http://schemas.microsoft.com/office/drawing/2014/main" xmlns="" id="{C929150F-8AB1-49F3-8CBA-F3D34AD36D29}"/>
+                <a16:creationId xmlns="" xmlns:a16="http://schemas.microsoft.com/office/drawing/2014/main" id="{C929150F-8AB1-49F3-8CBA-F3D34AD36D29}"/>
               </a:ext>
             </a:extLst>
           </p:cNvPr>
@@ -2407,7 +2548,7 @@
     </p:spTree>
     <p:extLst>
       <p:ext uri="{BB962C8B-B14F-4D97-AF65-F5344CB8AC3E}">
-        <p14:creationId xmlns:p14="http://schemas.microsoft.com/office/powerpoint/2010/main" xmlns="" val="3770199555"/>
+        <p14:creationId xmlns="" xmlns:p14="http://schemas.microsoft.com/office/powerpoint/2010/main" val="3770199555"/>
       </p:ext>
     </p:extLst>
   </p:cSld>
@@ -2439,7 +2580,7 @@
           <p:cNvPr id="2" name="Title 1">
             <a:extLst>
               <a:ext uri="{FF2B5EF4-FFF2-40B4-BE49-F238E27FC236}">
-                <a16:creationId xmlns:a16="http://schemas.microsoft.com/office/drawing/2014/main" xmlns="" id="{E7320A48-0F56-4BFE-B5E3-C4B1A8363197}"/>
+                <a16:creationId xmlns="" xmlns:a16="http://schemas.microsoft.com/office/drawing/2014/main" id="{E7320A48-0F56-4BFE-B5E3-C4B1A8363197}"/>
               </a:ext>
             </a:extLst>
           </p:cNvPr>
@@ -2468,7 +2609,7 @@
           <p:cNvPr id="3" name="Vertical Text Placeholder 2">
             <a:extLst>
               <a:ext uri="{FF2B5EF4-FFF2-40B4-BE49-F238E27FC236}">
-                <a16:creationId xmlns:a16="http://schemas.microsoft.com/office/drawing/2014/main" xmlns="" id="{92301219-EFB4-4606-92FB-C77A02640AFC}"/>
+                <a16:creationId xmlns="" xmlns:a16="http://schemas.microsoft.com/office/drawing/2014/main" id="{92301219-EFB4-4606-92FB-C77A02640AFC}"/>
               </a:ext>
             </a:extLst>
           </p:cNvPr>
@@ -2526,7 +2667,7 @@
           <p:cNvPr id="4" name="Date Placeholder 3">
             <a:extLst>
               <a:ext uri="{FF2B5EF4-FFF2-40B4-BE49-F238E27FC236}">
-                <a16:creationId xmlns:a16="http://schemas.microsoft.com/office/drawing/2014/main" xmlns="" id="{B176B311-50DE-481D-AA1B-0D148FBEB50F}"/>
+                <a16:creationId xmlns="" xmlns:a16="http://schemas.microsoft.com/office/drawing/2014/main" id="{B176B311-50DE-481D-AA1B-0D148FBEB50F}"/>
               </a:ext>
             </a:extLst>
           </p:cNvPr>
@@ -2545,7 +2686,7 @@
             <a:fld id="{24C3A72B-EA9F-49ED-9480-D5BBE463D3C6}" type="datetimeFigureOut">
               <a:rPr lang="en-GB" smtClean="0"/>
               <a:pPr/>
-              <a:t>02/03/2018</a:t>
+              <a:t>03/03/2018</a:t>
             </a:fld>
             <a:endParaRPr lang="en-GB"/>
           </a:p>
@@ -2556,7 +2697,7 @@
           <p:cNvPr id="5" name="Footer Placeholder 4">
             <a:extLst>
               <a:ext uri="{FF2B5EF4-FFF2-40B4-BE49-F238E27FC236}">
-                <a16:creationId xmlns:a16="http://schemas.microsoft.com/office/drawing/2014/main" xmlns="" id="{6702C4FC-01C0-4882-AB0A-3FC6EEA94812}"/>
+                <a16:creationId xmlns="" xmlns:a16="http://schemas.microsoft.com/office/drawing/2014/main" id="{6702C4FC-01C0-4882-AB0A-3FC6EEA94812}"/>
               </a:ext>
             </a:extLst>
           </p:cNvPr>
@@ -2581,7 +2722,7 @@
           <p:cNvPr id="6" name="Slide Number Placeholder 5">
             <a:extLst>
               <a:ext uri="{FF2B5EF4-FFF2-40B4-BE49-F238E27FC236}">
-                <a16:creationId xmlns:a16="http://schemas.microsoft.com/office/drawing/2014/main" xmlns="" id="{441B0672-CB38-4C7F-8FE8-5B7BCF1A143B}"/>
+                <a16:creationId xmlns="" xmlns:a16="http://schemas.microsoft.com/office/drawing/2014/main" id="{441B0672-CB38-4C7F-8FE8-5B7BCF1A143B}"/>
               </a:ext>
             </a:extLst>
           </p:cNvPr>
@@ -2609,7 +2750,7 @@
     </p:spTree>
     <p:extLst>
       <p:ext uri="{BB962C8B-B14F-4D97-AF65-F5344CB8AC3E}">
-        <p14:creationId xmlns:p14="http://schemas.microsoft.com/office/powerpoint/2010/main" xmlns="" val="113615128"/>
+        <p14:creationId xmlns="" xmlns:p14="http://schemas.microsoft.com/office/powerpoint/2010/main" val="113615128"/>
       </p:ext>
     </p:extLst>
   </p:cSld>
@@ -2641,7 +2782,7 @@
           <p:cNvPr id="2" name="Vertical Title 1">
             <a:extLst>
               <a:ext uri="{FF2B5EF4-FFF2-40B4-BE49-F238E27FC236}">
-                <a16:creationId xmlns:a16="http://schemas.microsoft.com/office/drawing/2014/main" xmlns="" id="{9B3A92BF-0813-4A3B-818D-C11C33E4DEE9}"/>
+                <a16:creationId xmlns="" xmlns:a16="http://schemas.microsoft.com/office/drawing/2014/main" id="{9B3A92BF-0813-4A3B-818D-C11C33E4DEE9}"/>
               </a:ext>
             </a:extLst>
           </p:cNvPr>
@@ -2675,7 +2816,7 @@
           <p:cNvPr id="3" name="Vertical Text Placeholder 2">
             <a:extLst>
               <a:ext uri="{FF2B5EF4-FFF2-40B4-BE49-F238E27FC236}">
-                <a16:creationId xmlns:a16="http://schemas.microsoft.com/office/drawing/2014/main" xmlns="" id="{A7B1995E-87E9-464D-BFDD-FFDDCDF93F7E}"/>
+                <a16:creationId xmlns="" xmlns:a16="http://schemas.microsoft.com/office/drawing/2014/main" id="{A7B1995E-87E9-464D-BFDD-FFDDCDF93F7E}"/>
               </a:ext>
             </a:extLst>
           </p:cNvPr>
@@ -2738,7 +2879,7 @@
           <p:cNvPr id="4" name="Date Placeholder 3">
             <a:extLst>
               <a:ext uri="{FF2B5EF4-FFF2-40B4-BE49-F238E27FC236}">
-                <a16:creationId xmlns:a16="http://schemas.microsoft.com/office/drawing/2014/main" xmlns="" id="{6CA12D7A-59F4-418F-ADB1-D361AEF263CB}"/>
+                <a16:creationId xmlns="" xmlns:a16="http://schemas.microsoft.com/office/drawing/2014/main" id="{6CA12D7A-59F4-418F-ADB1-D361AEF263CB}"/>
               </a:ext>
             </a:extLst>
           </p:cNvPr>
@@ -2757,7 +2898,7 @@
             <a:fld id="{24C3A72B-EA9F-49ED-9480-D5BBE463D3C6}" type="datetimeFigureOut">
               <a:rPr lang="en-GB" smtClean="0"/>
               <a:pPr/>
-              <a:t>02/03/2018</a:t>
+              <a:t>03/03/2018</a:t>
             </a:fld>
             <a:endParaRPr lang="en-GB"/>
           </a:p>
@@ -2768,7 +2909,7 @@
           <p:cNvPr id="5" name="Footer Placeholder 4">
             <a:extLst>
               <a:ext uri="{FF2B5EF4-FFF2-40B4-BE49-F238E27FC236}">
-                <a16:creationId xmlns:a16="http://schemas.microsoft.com/office/drawing/2014/main" xmlns="" id="{467DB65F-E560-4A0C-8A4A-8E7A6A91C860}"/>
+                <a16:creationId xmlns="" xmlns:a16="http://schemas.microsoft.com/office/drawing/2014/main" id="{467DB65F-E560-4A0C-8A4A-8E7A6A91C860}"/>
               </a:ext>
             </a:extLst>
           </p:cNvPr>
@@ -2793,7 +2934,7 @@
           <p:cNvPr id="6" name="Slide Number Placeholder 5">
             <a:extLst>
               <a:ext uri="{FF2B5EF4-FFF2-40B4-BE49-F238E27FC236}">
-                <a16:creationId xmlns:a16="http://schemas.microsoft.com/office/drawing/2014/main" xmlns="" id="{E8E88C02-5AF6-43A6-9D49-032C7A2D2D72}"/>
+                <a16:creationId xmlns="" xmlns:a16="http://schemas.microsoft.com/office/drawing/2014/main" id="{E8E88C02-5AF6-43A6-9D49-032C7A2D2D72}"/>
               </a:ext>
             </a:extLst>
           </p:cNvPr>
@@ -2821,7 +2962,7 @@
     </p:spTree>
     <p:extLst>
       <p:ext uri="{BB962C8B-B14F-4D97-AF65-F5344CB8AC3E}">
-        <p14:creationId xmlns:p14="http://schemas.microsoft.com/office/powerpoint/2010/main" xmlns="" val="3170355863"/>
+        <p14:creationId xmlns="" xmlns:p14="http://schemas.microsoft.com/office/powerpoint/2010/main" val="3170355863"/>
       </p:ext>
     </p:extLst>
   </p:cSld>
@@ -2853,7 +2994,7 @@
           <p:cNvPr id="2" name="Title 1">
             <a:extLst>
               <a:ext uri="{FF2B5EF4-FFF2-40B4-BE49-F238E27FC236}">
-                <a16:creationId xmlns:a16="http://schemas.microsoft.com/office/drawing/2014/main" xmlns="" id="{B8856D69-20FF-4661-9073-426B77C624CB}"/>
+                <a16:creationId xmlns="" xmlns:a16="http://schemas.microsoft.com/office/drawing/2014/main" id="{B8856D69-20FF-4661-9073-426B77C624CB}"/>
               </a:ext>
             </a:extLst>
           </p:cNvPr>
@@ -2882,7 +3023,7 @@
           <p:cNvPr id="3" name="Content Placeholder 2">
             <a:extLst>
               <a:ext uri="{FF2B5EF4-FFF2-40B4-BE49-F238E27FC236}">
-                <a16:creationId xmlns:a16="http://schemas.microsoft.com/office/drawing/2014/main" xmlns="" id="{4D713998-E95E-442D-BD8B-F99BAFFEBE64}"/>
+                <a16:creationId xmlns="" xmlns:a16="http://schemas.microsoft.com/office/drawing/2014/main" id="{4D713998-E95E-442D-BD8B-F99BAFFEBE64}"/>
               </a:ext>
             </a:extLst>
           </p:cNvPr>
@@ -2940,7 +3081,7 @@
           <p:cNvPr id="4" name="Date Placeholder 3">
             <a:extLst>
               <a:ext uri="{FF2B5EF4-FFF2-40B4-BE49-F238E27FC236}">
-                <a16:creationId xmlns:a16="http://schemas.microsoft.com/office/drawing/2014/main" xmlns="" id="{31180D3F-E491-4445-8955-67AFE52FC796}"/>
+                <a16:creationId xmlns="" xmlns:a16="http://schemas.microsoft.com/office/drawing/2014/main" id="{31180D3F-E491-4445-8955-67AFE52FC796}"/>
               </a:ext>
             </a:extLst>
           </p:cNvPr>
@@ -2959,7 +3100,7 @@
             <a:fld id="{24C3A72B-EA9F-49ED-9480-D5BBE463D3C6}" type="datetimeFigureOut">
               <a:rPr lang="en-GB" smtClean="0"/>
               <a:pPr/>
-              <a:t>02/03/2018</a:t>
+              <a:t>03/03/2018</a:t>
             </a:fld>
             <a:endParaRPr lang="en-GB"/>
           </a:p>
@@ -2970,7 +3111,7 @@
           <p:cNvPr id="5" name="Footer Placeholder 4">
             <a:extLst>
               <a:ext uri="{FF2B5EF4-FFF2-40B4-BE49-F238E27FC236}">
-                <a16:creationId xmlns:a16="http://schemas.microsoft.com/office/drawing/2014/main" xmlns="" id="{5CED9A43-BFD2-4EDD-802E-19797C6D70CA}"/>
+                <a16:creationId xmlns="" xmlns:a16="http://schemas.microsoft.com/office/drawing/2014/main" id="{5CED9A43-BFD2-4EDD-802E-19797C6D70CA}"/>
               </a:ext>
             </a:extLst>
           </p:cNvPr>
@@ -2995,7 +3136,7 @@
           <p:cNvPr id="6" name="Slide Number Placeholder 5">
             <a:extLst>
               <a:ext uri="{FF2B5EF4-FFF2-40B4-BE49-F238E27FC236}">
-                <a16:creationId xmlns:a16="http://schemas.microsoft.com/office/drawing/2014/main" xmlns="" id="{28FC87F7-4CBA-466F-863D-11A1CA8764AA}"/>
+                <a16:creationId xmlns="" xmlns:a16="http://schemas.microsoft.com/office/drawing/2014/main" id="{28FC87F7-4CBA-466F-863D-11A1CA8764AA}"/>
               </a:ext>
             </a:extLst>
           </p:cNvPr>
@@ -3023,7 +3164,7 @@
     </p:spTree>
     <p:extLst>
       <p:ext uri="{BB962C8B-B14F-4D97-AF65-F5344CB8AC3E}">
-        <p14:creationId xmlns:p14="http://schemas.microsoft.com/office/powerpoint/2010/main" xmlns="" val="1398053472"/>
+        <p14:creationId xmlns="" xmlns:p14="http://schemas.microsoft.com/office/powerpoint/2010/main" val="1398053472"/>
       </p:ext>
     </p:extLst>
   </p:cSld>
@@ -3055,7 +3196,7 @@
           <p:cNvPr id="2" name="Title 1">
             <a:extLst>
               <a:ext uri="{FF2B5EF4-FFF2-40B4-BE49-F238E27FC236}">
-                <a16:creationId xmlns:a16="http://schemas.microsoft.com/office/drawing/2014/main" xmlns="" id="{F8713CCA-DA4A-4E8D-A6E6-4D5C06A1CA92}"/>
+                <a16:creationId xmlns="" xmlns:a16="http://schemas.microsoft.com/office/drawing/2014/main" id="{F8713CCA-DA4A-4E8D-A6E6-4D5C06A1CA92}"/>
               </a:ext>
             </a:extLst>
           </p:cNvPr>
@@ -3093,7 +3234,7 @@
           <p:cNvPr id="3" name="Text Placeholder 2">
             <a:extLst>
               <a:ext uri="{FF2B5EF4-FFF2-40B4-BE49-F238E27FC236}">
-                <a16:creationId xmlns:a16="http://schemas.microsoft.com/office/drawing/2014/main" xmlns="" id="{E796A181-893E-4E6D-8829-2ABB545F4D93}"/>
+                <a16:creationId xmlns="" xmlns:a16="http://schemas.microsoft.com/office/drawing/2014/main" id="{E796A181-893E-4E6D-8829-2ABB545F4D93}"/>
               </a:ext>
             </a:extLst>
           </p:cNvPr>
@@ -3218,7 +3359,7 @@
           <p:cNvPr id="4" name="Date Placeholder 3">
             <a:extLst>
               <a:ext uri="{FF2B5EF4-FFF2-40B4-BE49-F238E27FC236}">
-                <a16:creationId xmlns:a16="http://schemas.microsoft.com/office/drawing/2014/main" xmlns="" id="{4F60A353-D637-4AFB-963D-A375C8D7DE15}"/>
+                <a16:creationId xmlns="" xmlns:a16="http://schemas.microsoft.com/office/drawing/2014/main" id="{4F60A353-D637-4AFB-963D-A375C8D7DE15}"/>
               </a:ext>
             </a:extLst>
           </p:cNvPr>
@@ -3237,7 +3378,7 @@
             <a:fld id="{24C3A72B-EA9F-49ED-9480-D5BBE463D3C6}" type="datetimeFigureOut">
               <a:rPr lang="en-GB" smtClean="0"/>
               <a:pPr/>
-              <a:t>02/03/2018</a:t>
+              <a:t>03/03/2018</a:t>
             </a:fld>
             <a:endParaRPr lang="en-GB"/>
           </a:p>
@@ -3248,7 +3389,7 @@
           <p:cNvPr id="5" name="Footer Placeholder 4">
             <a:extLst>
               <a:ext uri="{FF2B5EF4-FFF2-40B4-BE49-F238E27FC236}">
-                <a16:creationId xmlns:a16="http://schemas.microsoft.com/office/drawing/2014/main" xmlns="" id="{14A1034E-26D2-46C4-B048-516F786DA9EC}"/>
+                <a16:creationId xmlns="" xmlns:a16="http://schemas.microsoft.com/office/drawing/2014/main" id="{14A1034E-26D2-46C4-B048-516F786DA9EC}"/>
               </a:ext>
             </a:extLst>
           </p:cNvPr>
@@ -3273,7 +3414,7 @@
           <p:cNvPr id="6" name="Slide Number Placeholder 5">
             <a:extLst>
               <a:ext uri="{FF2B5EF4-FFF2-40B4-BE49-F238E27FC236}">
-                <a16:creationId xmlns:a16="http://schemas.microsoft.com/office/drawing/2014/main" xmlns="" id="{946ACA28-BDA0-401C-B5E5-029DDA8E1D7B}"/>
+                <a16:creationId xmlns="" xmlns:a16="http://schemas.microsoft.com/office/drawing/2014/main" id="{946ACA28-BDA0-401C-B5E5-029DDA8E1D7B}"/>
               </a:ext>
             </a:extLst>
           </p:cNvPr>
@@ -3301,7 +3442,7 @@
     </p:spTree>
     <p:extLst>
       <p:ext uri="{BB962C8B-B14F-4D97-AF65-F5344CB8AC3E}">
-        <p14:creationId xmlns:p14="http://schemas.microsoft.com/office/powerpoint/2010/main" xmlns="" val="1945849922"/>
+        <p14:creationId xmlns="" xmlns:p14="http://schemas.microsoft.com/office/powerpoint/2010/main" val="1945849922"/>
       </p:ext>
     </p:extLst>
   </p:cSld>
@@ -3333,7 +3474,7 @@
           <p:cNvPr id="2" name="Title 1">
             <a:extLst>
               <a:ext uri="{FF2B5EF4-FFF2-40B4-BE49-F238E27FC236}">
-                <a16:creationId xmlns:a16="http://schemas.microsoft.com/office/drawing/2014/main" xmlns="" id="{5C30AE81-C3FC-46F8-A43E-6CEB9925FC44}"/>
+                <a16:creationId xmlns="" xmlns:a16="http://schemas.microsoft.com/office/drawing/2014/main" id="{5C30AE81-C3FC-46F8-A43E-6CEB9925FC44}"/>
               </a:ext>
             </a:extLst>
           </p:cNvPr>
@@ -3362,7 +3503,7 @@
           <p:cNvPr id="3" name="Content Placeholder 2">
             <a:extLst>
               <a:ext uri="{FF2B5EF4-FFF2-40B4-BE49-F238E27FC236}">
-                <a16:creationId xmlns:a16="http://schemas.microsoft.com/office/drawing/2014/main" xmlns="" id="{5088C0F7-4CD0-4904-8A34-D6A4CBE69A6E}"/>
+                <a16:creationId xmlns="" xmlns:a16="http://schemas.microsoft.com/office/drawing/2014/main" id="{5088C0F7-4CD0-4904-8A34-D6A4CBE69A6E}"/>
               </a:ext>
             </a:extLst>
           </p:cNvPr>
@@ -3425,7 +3566,7 @@
           <p:cNvPr id="4" name="Content Placeholder 3">
             <a:extLst>
               <a:ext uri="{FF2B5EF4-FFF2-40B4-BE49-F238E27FC236}">
-                <a16:creationId xmlns:a16="http://schemas.microsoft.com/office/drawing/2014/main" xmlns="" id="{16A80048-D1B9-4999-807E-1BF158739194}"/>
+                <a16:creationId xmlns="" xmlns:a16="http://schemas.microsoft.com/office/drawing/2014/main" id="{16A80048-D1B9-4999-807E-1BF158739194}"/>
               </a:ext>
             </a:extLst>
           </p:cNvPr>
@@ -3488,7 +3629,7 @@
           <p:cNvPr id="5" name="Date Placeholder 4">
             <a:extLst>
               <a:ext uri="{FF2B5EF4-FFF2-40B4-BE49-F238E27FC236}">
-                <a16:creationId xmlns:a16="http://schemas.microsoft.com/office/drawing/2014/main" xmlns="" id="{5F1C4467-5E7A-444D-8C1F-9C85A5350FEC}"/>
+                <a16:creationId xmlns="" xmlns:a16="http://schemas.microsoft.com/office/drawing/2014/main" id="{5F1C4467-5E7A-444D-8C1F-9C85A5350FEC}"/>
               </a:ext>
             </a:extLst>
           </p:cNvPr>
@@ -3507,7 +3648,7 @@
             <a:fld id="{24C3A72B-EA9F-49ED-9480-D5BBE463D3C6}" type="datetimeFigureOut">
               <a:rPr lang="en-GB" smtClean="0"/>
               <a:pPr/>
-              <a:t>02/03/2018</a:t>
+              <a:t>03/03/2018</a:t>
             </a:fld>
             <a:endParaRPr lang="en-GB"/>
           </a:p>
@@ -3518,7 +3659,7 @@
           <p:cNvPr id="6" name="Footer Placeholder 5">
             <a:extLst>
               <a:ext uri="{FF2B5EF4-FFF2-40B4-BE49-F238E27FC236}">
-                <a16:creationId xmlns:a16="http://schemas.microsoft.com/office/drawing/2014/main" xmlns="" id="{384026F4-B643-4CC3-B710-FE767082020C}"/>
+                <a16:creationId xmlns="" xmlns:a16="http://schemas.microsoft.com/office/drawing/2014/main" id="{384026F4-B643-4CC3-B710-FE767082020C}"/>
               </a:ext>
             </a:extLst>
           </p:cNvPr>
@@ -3543,7 +3684,7 @@
           <p:cNvPr id="7" name="Slide Number Placeholder 6">
             <a:extLst>
               <a:ext uri="{FF2B5EF4-FFF2-40B4-BE49-F238E27FC236}">
-                <a16:creationId xmlns:a16="http://schemas.microsoft.com/office/drawing/2014/main" xmlns="" id="{B4F45919-5C3E-4A20-BC4E-1A8950F00937}"/>
+                <a16:creationId xmlns="" xmlns:a16="http://schemas.microsoft.com/office/drawing/2014/main" id="{B4F45919-5C3E-4A20-BC4E-1A8950F00937}"/>
               </a:ext>
             </a:extLst>
           </p:cNvPr>
@@ -3571,7 +3712,7 @@
     </p:spTree>
     <p:extLst>
       <p:ext uri="{BB962C8B-B14F-4D97-AF65-F5344CB8AC3E}">
-        <p14:creationId xmlns:p14="http://schemas.microsoft.com/office/powerpoint/2010/main" xmlns="" val="1382044922"/>
+        <p14:creationId xmlns="" xmlns:p14="http://schemas.microsoft.com/office/powerpoint/2010/main" val="1382044922"/>
       </p:ext>
     </p:extLst>
   </p:cSld>
@@ -3603,7 +3744,7 @@
           <p:cNvPr id="2" name="Title 1">
             <a:extLst>
               <a:ext uri="{FF2B5EF4-FFF2-40B4-BE49-F238E27FC236}">
-                <a16:creationId xmlns:a16="http://schemas.microsoft.com/office/drawing/2014/main" xmlns="" id="{E40FFFB1-649D-426B-B189-1DAD66D14336}"/>
+                <a16:creationId xmlns="" xmlns:a16="http://schemas.microsoft.com/office/drawing/2014/main" id="{E40FFFB1-649D-426B-B189-1DAD66D14336}"/>
               </a:ext>
             </a:extLst>
           </p:cNvPr>
@@ -3637,7 +3778,7 @@
           <p:cNvPr id="3" name="Text Placeholder 2">
             <a:extLst>
               <a:ext uri="{FF2B5EF4-FFF2-40B4-BE49-F238E27FC236}">
-                <a16:creationId xmlns:a16="http://schemas.microsoft.com/office/drawing/2014/main" xmlns="" id="{8772471C-BEC4-47A2-ACB6-54F4C91BFB2A}"/>
+                <a16:creationId xmlns="" xmlns:a16="http://schemas.microsoft.com/office/drawing/2014/main" id="{8772471C-BEC4-47A2-ACB6-54F4C91BFB2A}"/>
               </a:ext>
             </a:extLst>
           </p:cNvPr>
@@ -3708,7 +3849,7 @@
           <p:cNvPr id="4" name="Content Placeholder 3">
             <a:extLst>
               <a:ext uri="{FF2B5EF4-FFF2-40B4-BE49-F238E27FC236}">
-                <a16:creationId xmlns:a16="http://schemas.microsoft.com/office/drawing/2014/main" xmlns="" id="{5AD87827-BA33-4B72-BCD3-C0C3D2AA931B}"/>
+                <a16:creationId xmlns="" xmlns:a16="http://schemas.microsoft.com/office/drawing/2014/main" id="{5AD87827-BA33-4B72-BCD3-C0C3D2AA931B}"/>
               </a:ext>
             </a:extLst>
           </p:cNvPr>
@@ -3771,7 +3912,7 @@
           <p:cNvPr id="5" name="Text Placeholder 4">
             <a:extLst>
               <a:ext uri="{FF2B5EF4-FFF2-40B4-BE49-F238E27FC236}">
-                <a16:creationId xmlns:a16="http://schemas.microsoft.com/office/drawing/2014/main" xmlns="" id="{138A58D4-A5B6-48A1-B509-C37CE93409BD}"/>
+                <a16:creationId xmlns="" xmlns:a16="http://schemas.microsoft.com/office/drawing/2014/main" id="{138A58D4-A5B6-48A1-B509-C37CE93409BD}"/>
               </a:ext>
             </a:extLst>
           </p:cNvPr>
@@ -3842,7 +3983,7 @@
           <p:cNvPr id="6" name="Content Placeholder 5">
             <a:extLst>
               <a:ext uri="{FF2B5EF4-FFF2-40B4-BE49-F238E27FC236}">
-                <a16:creationId xmlns:a16="http://schemas.microsoft.com/office/drawing/2014/main" xmlns="" id="{6CC17053-AB6B-4F65-8F9E-EDC8C39D1399}"/>
+                <a16:creationId xmlns="" xmlns:a16="http://schemas.microsoft.com/office/drawing/2014/main" id="{6CC17053-AB6B-4F65-8F9E-EDC8C39D1399}"/>
               </a:ext>
             </a:extLst>
           </p:cNvPr>
@@ -3905,7 +4046,7 @@
           <p:cNvPr id="7" name="Date Placeholder 6">
             <a:extLst>
               <a:ext uri="{FF2B5EF4-FFF2-40B4-BE49-F238E27FC236}">
-                <a16:creationId xmlns:a16="http://schemas.microsoft.com/office/drawing/2014/main" xmlns="" id="{E3D90822-B7B8-481A-BB0C-B672B0F6A17C}"/>
+                <a16:creationId xmlns="" xmlns:a16="http://schemas.microsoft.com/office/drawing/2014/main" id="{E3D90822-B7B8-481A-BB0C-B672B0F6A17C}"/>
               </a:ext>
             </a:extLst>
           </p:cNvPr>
@@ -3924,7 +4065,7 @@
             <a:fld id="{24C3A72B-EA9F-49ED-9480-D5BBE463D3C6}" type="datetimeFigureOut">
               <a:rPr lang="en-GB" smtClean="0"/>
               <a:pPr/>
-              <a:t>02/03/2018</a:t>
+              <a:t>03/03/2018</a:t>
             </a:fld>
             <a:endParaRPr lang="en-GB"/>
           </a:p>
@@ -3935,7 +4076,7 @@
           <p:cNvPr id="8" name="Footer Placeholder 7">
             <a:extLst>
               <a:ext uri="{FF2B5EF4-FFF2-40B4-BE49-F238E27FC236}">
-                <a16:creationId xmlns:a16="http://schemas.microsoft.com/office/drawing/2014/main" xmlns="" id="{3A433E44-143D-440A-8BD2-8BC9C9CF6734}"/>
+                <a16:creationId xmlns="" xmlns:a16="http://schemas.microsoft.com/office/drawing/2014/main" id="{3A433E44-143D-440A-8BD2-8BC9C9CF6734}"/>
               </a:ext>
             </a:extLst>
           </p:cNvPr>
@@ -3960,7 +4101,7 @@
           <p:cNvPr id="9" name="Slide Number Placeholder 8">
             <a:extLst>
               <a:ext uri="{FF2B5EF4-FFF2-40B4-BE49-F238E27FC236}">
-                <a16:creationId xmlns:a16="http://schemas.microsoft.com/office/drawing/2014/main" xmlns="" id="{EC97B467-9FF0-43E8-9056-E6AB688AFC17}"/>
+                <a16:creationId xmlns="" xmlns:a16="http://schemas.microsoft.com/office/drawing/2014/main" id="{EC97B467-9FF0-43E8-9056-E6AB688AFC17}"/>
               </a:ext>
             </a:extLst>
           </p:cNvPr>
@@ -3988,7 +4129,7 @@
     </p:spTree>
     <p:extLst>
       <p:ext uri="{BB962C8B-B14F-4D97-AF65-F5344CB8AC3E}">
-        <p14:creationId xmlns:p14="http://schemas.microsoft.com/office/powerpoint/2010/main" xmlns="" val="3457634593"/>
+        <p14:creationId xmlns="" xmlns:p14="http://schemas.microsoft.com/office/powerpoint/2010/main" val="3457634593"/>
       </p:ext>
     </p:extLst>
   </p:cSld>
@@ -4020,7 +4161,7 @@
           <p:cNvPr id="2" name="Title 1">
             <a:extLst>
               <a:ext uri="{FF2B5EF4-FFF2-40B4-BE49-F238E27FC236}">
-                <a16:creationId xmlns:a16="http://schemas.microsoft.com/office/drawing/2014/main" xmlns="" id="{126C16E5-B433-42A2-9EFF-55EF20909D15}"/>
+                <a16:creationId xmlns="" xmlns:a16="http://schemas.microsoft.com/office/drawing/2014/main" id="{126C16E5-B433-42A2-9EFF-55EF20909D15}"/>
               </a:ext>
             </a:extLst>
           </p:cNvPr>
@@ -4049,7 +4190,7 @@
           <p:cNvPr id="3" name="Date Placeholder 2">
             <a:extLst>
               <a:ext uri="{FF2B5EF4-FFF2-40B4-BE49-F238E27FC236}">
-                <a16:creationId xmlns:a16="http://schemas.microsoft.com/office/drawing/2014/main" xmlns="" id="{4B69A33F-53FA-4B8F-923C-811A663804E1}"/>
+                <a16:creationId xmlns="" xmlns:a16="http://schemas.microsoft.com/office/drawing/2014/main" id="{4B69A33F-53FA-4B8F-923C-811A663804E1}"/>
               </a:ext>
             </a:extLst>
           </p:cNvPr>
@@ -4068,7 +4209,7 @@
             <a:fld id="{24C3A72B-EA9F-49ED-9480-D5BBE463D3C6}" type="datetimeFigureOut">
               <a:rPr lang="en-GB" smtClean="0"/>
               <a:pPr/>
-              <a:t>02/03/2018</a:t>
+              <a:t>03/03/2018</a:t>
             </a:fld>
             <a:endParaRPr lang="en-GB"/>
           </a:p>
@@ -4079,7 +4220,7 @@
           <p:cNvPr id="4" name="Footer Placeholder 3">
             <a:extLst>
               <a:ext uri="{FF2B5EF4-FFF2-40B4-BE49-F238E27FC236}">
-                <a16:creationId xmlns:a16="http://schemas.microsoft.com/office/drawing/2014/main" xmlns="" id="{CE5979CA-B672-4BE0-9727-E607CF5FBA10}"/>
+                <a16:creationId xmlns="" xmlns:a16="http://schemas.microsoft.com/office/drawing/2014/main" id="{CE5979CA-B672-4BE0-9727-E607CF5FBA10}"/>
               </a:ext>
             </a:extLst>
           </p:cNvPr>
@@ -4104,7 +4245,7 @@
           <p:cNvPr id="5" name="Slide Number Placeholder 4">
             <a:extLst>
               <a:ext uri="{FF2B5EF4-FFF2-40B4-BE49-F238E27FC236}">
-                <a16:creationId xmlns:a16="http://schemas.microsoft.com/office/drawing/2014/main" xmlns="" id="{9F7BAA98-4121-40E6-B29F-2204B30F0C2E}"/>
+                <a16:creationId xmlns="" xmlns:a16="http://schemas.microsoft.com/office/drawing/2014/main" id="{9F7BAA98-4121-40E6-B29F-2204B30F0C2E}"/>
               </a:ext>
             </a:extLst>
           </p:cNvPr>
@@ -4132,7 +4273,7 @@
     </p:spTree>
     <p:extLst>
       <p:ext uri="{BB962C8B-B14F-4D97-AF65-F5344CB8AC3E}">
-        <p14:creationId xmlns:p14="http://schemas.microsoft.com/office/powerpoint/2010/main" xmlns="" val="4070145130"/>
+        <p14:creationId xmlns="" xmlns:p14="http://schemas.microsoft.com/office/powerpoint/2010/main" val="4070145130"/>
       </p:ext>
     </p:extLst>
   </p:cSld>
@@ -4164,7 +4305,7 @@
           <p:cNvPr id="2" name="Date Placeholder 1">
             <a:extLst>
               <a:ext uri="{FF2B5EF4-FFF2-40B4-BE49-F238E27FC236}">
-                <a16:creationId xmlns:a16="http://schemas.microsoft.com/office/drawing/2014/main" xmlns="" id="{5CC14C16-6481-4904-AC0A-7E3279C7059D}"/>
+                <a16:creationId xmlns="" xmlns:a16="http://schemas.microsoft.com/office/drawing/2014/main" id="{5CC14C16-6481-4904-AC0A-7E3279C7059D}"/>
               </a:ext>
             </a:extLst>
           </p:cNvPr>
@@ -4183,7 +4324,7 @@
             <a:fld id="{24C3A72B-EA9F-49ED-9480-D5BBE463D3C6}" type="datetimeFigureOut">
               <a:rPr lang="en-GB" smtClean="0"/>
               <a:pPr/>
-              <a:t>02/03/2018</a:t>
+              <a:t>03/03/2018</a:t>
             </a:fld>
             <a:endParaRPr lang="en-GB"/>
           </a:p>
@@ -4194,7 +4335,7 @@
           <p:cNvPr id="3" name="Footer Placeholder 2">
             <a:extLst>
               <a:ext uri="{FF2B5EF4-FFF2-40B4-BE49-F238E27FC236}">
-                <a16:creationId xmlns:a16="http://schemas.microsoft.com/office/drawing/2014/main" xmlns="" id="{F6C26942-E7C8-4D7B-AF06-F5CBEFE52D52}"/>
+                <a16:creationId xmlns="" xmlns:a16="http://schemas.microsoft.com/office/drawing/2014/main" id="{F6C26942-E7C8-4D7B-AF06-F5CBEFE52D52}"/>
               </a:ext>
             </a:extLst>
           </p:cNvPr>
@@ -4219,7 +4360,7 @@
           <p:cNvPr id="4" name="Slide Number Placeholder 3">
             <a:extLst>
               <a:ext uri="{FF2B5EF4-FFF2-40B4-BE49-F238E27FC236}">
-                <a16:creationId xmlns:a16="http://schemas.microsoft.com/office/drawing/2014/main" xmlns="" id="{F4DAB499-97FD-4827-B6B8-0F96F7C4FE5D}"/>
+                <a16:creationId xmlns="" xmlns:a16="http://schemas.microsoft.com/office/drawing/2014/main" id="{F4DAB499-97FD-4827-B6B8-0F96F7C4FE5D}"/>
               </a:ext>
             </a:extLst>
           </p:cNvPr>
@@ -4247,7 +4388,7 @@
     </p:spTree>
     <p:extLst>
       <p:ext uri="{BB962C8B-B14F-4D97-AF65-F5344CB8AC3E}">
-        <p14:creationId xmlns:p14="http://schemas.microsoft.com/office/powerpoint/2010/main" xmlns="" val="1991650923"/>
+        <p14:creationId xmlns="" xmlns:p14="http://schemas.microsoft.com/office/powerpoint/2010/main" val="1991650923"/>
       </p:ext>
     </p:extLst>
   </p:cSld>
@@ -4279,7 +4420,7 @@
           <p:cNvPr id="2" name="Title 1">
             <a:extLst>
               <a:ext uri="{FF2B5EF4-FFF2-40B4-BE49-F238E27FC236}">
-                <a16:creationId xmlns:a16="http://schemas.microsoft.com/office/drawing/2014/main" xmlns="" id="{8DB1DE1E-A84A-447A-898D-F7D7DEFFBBCD}"/>
+                <a16:creationId xmlns="" xmlns:a16="http://schemas.microsoft.com/office/drawing/2014/main" id="{8DB1DE1E-A84A-447A-898D-F7D7DEFFBBCD}"/>
               </a:ext>
             </a:extLst>
           </p:cNvPr>
@@ -4317,7 +4458,7 @@
           <p:cNvPr id="3" name="Content Placeholder 2">
             <a:extLst>
               <a:ext uri="{FF2B5EF4-FFF2-40B4-BE49-F238E27FC236}">
-                <a16:creationId xmlns:a16="http://schemas.microsoft.com/office/drawing/2014/main" xmlns="" id="{00C215BD-D7D7-49A5-86B5-19FA9FCE98D7}"/>
+                <a16:creationId xmlns="" xmlns:a16="http://schemas.microsoft.com/office/drawing/2014/main" id="{00C215BD-D7D7-49A5-86B5-19FA9FCE98D7}"/>
               </a:ext>
             </a:extLst>
           </p:cNvPr>
@@ -4408,7 +4549,7 @@
           <p:cNvPr id="4" name="Text Placeholder 3">
             <a:extLst>
               <a:ext uri="{FF2B5EF4-FFF2-40B4-BE49-F238E27FC236}">
-                <a16:creationId xmlns:a16="http://schemas.microsoft.com/office/drawing/2014/main" xmlns="" id="{963333A7-986A-4F23-AD4B-645062463568}"/>
+                <a16:creationId xmlns="" xmlns:a16="http://schemas.microsoft.com/office/drawing/2014/main" id="{963333A7-986A-4F23-AD4B-645062463568}"/>
               </a:ext>
             </a:extLst>
           </p:cNvPr>
@@ -4479,7 +4620,7 @@
           <p:cNvPr id="5" name="Date Placeholder 4">
             <a:extLst>
               <a:ext uri="{FF2B5EF4-FFF2-40B4-BE49-F238E27FC236}">
-                <a16:creationId xmlns:a16="http://schemas.microsoft.com/office/drawing/2014/main" xmlns="" id="{3D141368-BD0B-4EC5-894A-09555901F516}"/>
+                <a16:creationId xmlns="" xmlns:a16="http://schemas.microsoft.com/office/drawing/2014/main" id="{3D141368-BD0B-4EC5-894A-09555901F516}"/>
               </a:ext>
             </a:extLst>
           </p:cNvPr>
@@ -4498,7 +4639,7 @@
             <a:fld id="{24C3A72B-EA9F-49ED-9480-D5BBE463D3C6}" type="datetimeFigureOut">
               <a:rPr lang="en-GB" smtClean="0"/>
               <a:pPr/>
-              <a:t>02/03/2018</a:t>
+              <a:t>03/03/2018</a:t>
             </a:fld>
             <a:endParaRPr lang="en-GB"/>
           </a:p>
@@ -4509,7 +4650,7 @@
           <p:cNvPr id="6" name="Footer Placeholder 5">
             <a:extLst>
               <a:ext uri="{FF2B5EF4-FFF2-40B4-BE49-F238E27FC236}">
-                <a16:creationId xmlns:a16="http://schemas.microsoft.com/office/drawing/2014/main" xmlns="" id="{FA6D6A8F-73ED-40EE-9BF6-7C9A264B11E7}"/>
+                <a16:creationId xmlns="" xmlns:a16="http://schemas.microsoft.com/office/drawing/2014/main" id="{FA6D6A8F-73ED-40EE-9BF6-7C9A264B11E7}"/>
               </a:ext>
             </a:extLst>
           </p:cNvPr>
@@ -4534,7 +4675,7 @@
           <p:cNvPr id="7" name="Slide Number Placeholder 6">
             <a:extLst>
               <a:ext uri="{FF2B5EF4-FFF2-40B4-BE49-F238E27FC236}">
-                <a16:creationId xmlns:a16="http://schemas.microsoft.com/office/drawing/2014/main" xmlns="" id="{9FFB6450-457F-4CC9-9642-311C051E1BB6}"/>
+                <a16:creationId xmlns="" xmlns:a16="http://schemas.microsoft.com/office/drawing/2014/main" id="{9FFB6450-457F-4CC9-9642-311C051E1BB6}"/>
               </a:ext>
             </a:extLst>
           </p:cNvPr>
@@ -4562,7 +4703,7 @@
     </p:spTree>
     <p:extLst>
       <p:ext uri="{BB962C8B-B14F-4D97-AF65-F5344CB8AC3E}">
-        <p14:creationId xmlns:p14="http://schemas.microsoft.com/office/powerpoint/2010/main" xmlns="" val="3135145738"/>
+        <p14:creationId xmlns="" xmlns:p14="http://schemas.microsoft.com/office/powerpoint/2010/main" val="3135145738"/>
       </p:ext>
     </p:extLst>
   </p:cSld>
@@ -4594,7 +4735,7 @@
           <p:cNvPr id="2" name="Title 1">
             <a:extLst>
               <a:ext uri="{FF2B5EF4-FFF2-40B4-BE49-F238E27FC236}">
-                <a16:creationId xmlns:a16="http://schemas.microsoft.com/office/drawing/2014/main" xmlns="" id="{8C1296DB-0DB8-4F14-9BF6-5579C0960222}"/>
+                <a16:creationId xmlns="" xmlns:a16="http://schemas.microsoft.com/office/drawing/2014/main" id="{8C1296DB-0DB8-4F14-9BF6-5579C0960222}"/>
               </a:ext>
             </a:extLst>
           </p:cNvPr>
@@ -4632,7 +4773,7 @@
           <p:cNvPr id="3" name="Picture Placeholder 2">
             <a:extLst>
               <a:ext uri="{FF2B5EF4-FFF2-40B4-BE49-F238E27FC236}">
-                <a16:creationId xmlns:a16="http://schemas.microsoft.com/office/drawing/2014/main" xmlns="" id="{7EDD28FD-96ED-49BE-8A09-6B9C86BEA995}"/>
+                <a16:creationId xmlns="" xmlns:a16="http://schemas.microsoft.com/office/drawing/2014/main" id="{7EDD28FD-96ED-49BE-8A09-6B9C86BEA995}"/>
               </a:ext>
             </a:extLst>
           </p:cNvPr>
@@ -4699,7 +4840,7 @@
           <p:cNvPr id="4" name="Text Placeholder 3">
             <a:extLst>
               <a:ext uri="{FF2B5EF4-FFF2-40B4-BE49-F238E27FC236}">
-                <a16:creationId xmlns:a16="http://schemas.microsoft.com/office/drawing/2014/main" xmlns="" id="{ADA4AC5E-4A1B-482A-A3FE-C174ECCF882D}"/>
+                <a16:creationId xmlns="" xmlns:a16="http://schemas.microsoft.com/office/drawing/2014/main" id="{ADA4AC5E-4A1B-482A-A3FE-C174ECCF882D}"/>
               </a:ext>
             </a:extLst>
           </p:cNvPr>
@@ -4770,7 +4911,7 @@
           <p:cNvPr id="5" name="Date Placeholder 4">
             <a:extLst>
               <a:ext uri="{FF2B5EF4-FFF2-40B4-BE49-F238E27FC236}">
-                <a16:creationId xmlns:a16="http://schemas.microsoft.com/office/drawing/2014/main" xmlns="" id="{40D65AD9-E4E1-40E5-BE5B-AB193A4848A3}"/>
+                <a16:creationId xmlns="" xmlns:a16="http://schemas.microsoft.com/office/drawing/2014/main" id="{40D65AD9-E4E1-40E5-BE5B-AB193A4848A3}"/>
               </a:ext>
             </a:extLst>
           </p:cNvPr>
@@ -4789,7 +4930,7 @@
             <a:fld id="{24C3A72B-EA9F-49ED-9480-D5BBE463D3C6}" type="datetimeFigureOut">
               <a:rPr lang="en-GB" smtClean="0"/>
               <a:pPr/>
-              <a:t>02/03/2018</a:t>
+              <a:t>03/03/2018</a:t>
             </a:fld>
             <a:endParaRPr lang="en-GB"/>
           </a:p>
@@ -4800,7 +4941,7 @@
           <p:cNvPr id="6" name="Footer Placeholder 5">
             <a:extLst>
               <a:ext uri="{FF2B5EF4-FFF2-40B4-BE49-F238E27FC236}">
-                <a16:creationId xmlns:a16="http://schemas.microsoft.com/office/drawing/2014/main" xmlns="" id="{B8B67A65-51C4-42C3-BCE1-2B6CDFA11351}"/>
+                <a16:creationId xmlns="" xmlns:a16="http://schemas.microsoft.com/office/drawing/2014/main" id="{B8B67A65-51C4-42C3-BCE1-2B6CDFA11351}"/>
               </a:ext>
             </a:extLst>
           </p:cNvPr>
@@ -4825,7 +4966,7 @@
           <p:cNvPr id="7" name="Slide Number Placeholder 6">
             <a:extLst>
               <a:ext uri="{FF2B5EF4-FFF2-40B4-BE49-F238E27FC236}">
-                <a16:creationId xmlns:a16="http://schemas.microsoft.com/office/drawing/2014/main" xmlns="" id="{8FA693F4-23BB-49C6-947A-E9223A7DD702}"/>
+                <a16:creationId xmlns="" xmlns:a16="http://schemas.microsoft.com/office/drawing/2014/main" id="{8FA693F4-23BB-49C6-947A-E9223A7DD702}"/>
               </a:ext>
             </a:extLst>
           </p:cNvPr>
@@ -4853,7 +4994,7 @@
     </p:spTree>
     <p:extLst>
       <p:ext uri="{BB962C8B-B14F-4D97-AF65-F5344CB8AC3E}">
-        <p14:creationId xmlns:p14="http://schemas.microsoft.com/office/powerpoint/2010/main" xmlns="" val="3595103176"/>
+        <p14:creationId xmlns="" xmlns:p14="http://schemas.microsoft.com/office/powerpoint/2010/main" val="3595103176"/>
       </p:ext>
     </p:extLst>
   </p:cSld>
@@ -4890,7 +5031,7 @@
           <p:cNvPr id="2" name="Title Placeholder 1">
             <a:extLst>
               <a:ext uri="{FF2B5EF4-FFF2-40B4-BE49-F238E27FC236}">
-                <a16:creationId xmlns:a16="http://schemas.microsoft.com/office/drawing/2014/main" xmlns="" id="{84BFBAD9-9BA2-48E1-8F6D-508057E885A8}"/>
+                <a16:creationId xmlns="" xmlns:a16="http://schemas.microsoft.com/office/drawing/2014/main" id="{84BFBAD9-9BA2-48E1-8F6D-508057E885A8}"/>
               </a:ext>
             </a:extLst>
           </p:cNvPr>
@@ -4929,7 +5070,7 @@
           <p:cNvPr id="3" name="Text Placeholder 2">
             <a:extLst>
               <a:ext uri="{FF2B5EF4-FFF2-40B4-BE49-F238E27FC236}">
-                <a16:creationId xmlns:a16="http://schemas.microsoft.com/office/drawing/2014/main" xmlns="" id="{9E540119-8CD7-44A9-8AB4-22B4558FAC90}"/>
+                <a16:creationId xmlns="" xmlns:a16="http://schemas.microsoft.com/office/drawing/2014/main" id="{9E540119-8CD7-44A9-8AB4-22B4558FAC90}"/>
               </a:ext>
             </a:extLst>
           </p:cNvPr>
@@ -4997,7 +5138,7 @@
           <p:cNvPr id="4" name="Date Placeholder 3">
             <a:extLst>
               <a:ext uri="{FF2B5EF4-FFF2-40B4-BE49-F238E27FC236}">
-                <a16:creationId xmlns:a16="http://schemas.microsoft.com/office/drawing/2014/main" xmlns="" id="{6ADDB086-675C-45AE-B2E3-8AB1AC643C42}"/>
+                <a16:creationId xmlns="" xmlns:a16="http://schemas.microsoft.com/office/drawing/2014/main" id="{6ADDB086-675C-45AE-B2E3-8AB1AC643C42}"/>
               </a:ext>
             </a:extLst>
           </p:cNvPr>
@@ -5034,7 +5175,7 @@
             <a:fld id="{24C3A72B-EA9F-49ED-9480-D5BBE463D3C6}" type="datetimeFigureOut">
               <a:rPr lang="en-GB" smtClean="0"/>
               <a:pPr/>
-              <a:t>02/03/2018</a:t>
+              <a:t>03/03/2018</a:t>
             </a:fld>
             <a:endParaRPr lang="en-GB"/>
           </a:p>
@@ -5045,7 +5186,7 @@
           <p:cNvPr id="5" name="Footer Placeholder 4">
             <a:extLst>
               <a:ext uri="{FF2B5EF4-FFF2-40B4-BE49-F238E27FC236}">
-                <a16:creationId xmlns:a16="http://schemas.microsoft.com/office/drawing/2014/main" xmlns="" id="{20964F14-198A-4651-980F-B11F6946BEB6}"/>
+                <a16:creationId xmlns="" xmlns:a16="http://schemas.microsoft.com/office/drawing/2014/main" id="{20964F14-198A-4651-980F-B11F6946BEB6}"/>
               </a:ext>
             </a:extLst>
           </p:cNvPr>
@@ -5088,7 +5229,7 @@
           <p:cNvPr id="6" name="Slide Number Placeholder 5">
             <a:extLst>
               <a:ext uri="{FF2B5EF4-FFF2-40B4-BE49-F238E27FC236}">
-                <a16:creationId xmlns:a16="http://schemas.microsoft.com/office/drawing/2014/main" xmlns="" id="{49641EE6-2A40-457C-A97A-CE775F6542F4}"/>
+                <a16:creationId xmlns="" xmlns:a16="http://schemas.microsoft.com/office/drawing/2014/main" id="{49641EE6-2A40-457C-A97A-CE775F6542F4}"/>
               </a:ext>
             </a:extLst>
           </p:cNvPr>
@@ -5134,7 +5275,7 @@
     </p:spTree>
     <p:extLst>
       <p:ext uri="{BB962C8B-B14F-4D97-AF65-F5344CB8AC3E}">
-        <p14:creationId xmlns:p14="http://schemas.microsoft.com/office/powerpoint/2010/main" xmlns="" val="3074094979"/>
+        <p14:creationId xmlns="" xmlns:p14="http://schemas.microsoft.com/office/powerpoint/2010/main" val="3074094979"/>
       </p:ext>
     </p:extLst>
   </p:cSld>
@@ -5622,7 +5763,7 @@
           <p:cNvPr id="7" name="Picture 6">
             <a:extLst>
               <a:ext uri="{FF2B5EF4-FFF2-40B4-BE49-F238E27FC236}">
-                <a16:creationId xmlns:a16="http://schemas.microsoft.com/office/drawing/2014/main" xmlns="" id="{0452B86A-B01F-4002-A1C0-9EF0AE9558E4}"/>
+                <a16:creationId xmlns="" xmlns:a16="http://schemas.microsoft.com/office/drawing/2014/main" id="{0452B86A-B01F-4002-A1C0-9EF0AE9558E4}"/>
               </a:ext>
             </a:extLst>
           </p:cNvPr>
@@ -5652,7 +5793,7 @@
           <p:cNvPr id="8" name="Picture 7">
             <a:extLst>
               <a:ext uri="{FF2B5EF4-FFF2-40B4-BE49-F238E27FC236}">
-                <a16:creationId xmlns:a16="http://schemas.microsoft.com/office/drawing/2014/main" xmlns="" id="{37F75148-183E-43C0-AC18-81F40A1DD034}"/>
+                <a16:creationId xmlns="" xmlns:a16="http://schemas.microsoft.com/office/drawing/2014/main" id="{37F75148-183E-43C0-AC18-81F40A1DD034}"/>
               </a:ext>
             </a:extLst>
           </p:cNvPr>
@@ -5682,7 +5823,7 @@
           <p:cNvPr id="2" name="Title 1">
             <a:extLst>
               <a:ext uri="{FF2B5EF4-FFF2-40B4-BE49-F238E27FC236}">
-                <a16:creationId xmlns:a16="http://schemas.microsoft.com/office/drawing/2014/main" xmlns="" id="{DFC049F8-2284-4161-BE3C-431BCD0EFAB7}"/>
+                <a16:creationId xmlns="" xmlns:a16="http://schemas.microsoft.com/office/drawing/2014/main" id="{DFC049F8-2284-4161-BE3C-431BCD0EFAB7}"/>
               </a:ext>
             </a:extLst>
           </p:cNvPr>
@@ -5742,7 +5883,7 @@
           <p:cNvPr id="3" name="Content Placeholder 2">
             <a:extLst>
               <a:ext uri="{FF2B5EF4-FFF2-40B4-BE49-F238E27FC236}">
-                <a16:creationId xmlns:a16="http://schemas.microsoft.com/office/drawing/2014/main" xmlns="" id="{F2E045F5-714F-4E07-87A1-F5696A62ED28}"/>
+                <a16:creationId xmlns="" xmlns:a16="http://schemas.microsoft.com/office/drawing/2014/main" id="{F2E045F5-714F-4E07-87A1-F5696A62ED28}"/>
               </a:ext>
             </a:extLst>
           </p:cNvPr>
@@ -5793,7 +5934,7 @@
           <p:cNvPr id="9" name="Rectangle 8">
             <a:extLst>
               <a:ext uri="{FF2B5EF4-FFF2-40B4-BE49-F238E27FC236}">
-                <a16:creationId xmlns:a16="http://schemas.microsoft.com/office/drawing/2014/main" xmlns="" id="{639288EF-1393-49D8-9524-1863E2A39901}"/>
+                <a16:creationId xmlns="" xmlns:a16="http://schemas.microsoft.com/office/drawing/2014/main" id="{639288EF-1393-49D8-9524-1863E2A39901}"/>
               </a:ext>
             </a:extLst>
           </p:cNvPr>
@@ -6078,7 +6219,7 @@
     </p:spTree>
     <p:extLst>
       <p:ext uri="{BB962C8B-B14F-4D97-AF65-F5344CB8AC3E}">
-        <p14:creationId xmlns:p14="http://schemas.microsoft.com/office/powerpoint/2010/main" xmlns="" val="3490831543"/>
+        <p14:creationId xmlns="" xmlns:p14="http://schemas.microsoft.com/office/powerpoint/2010/main" val="3490831543"/>
       </p:ext>
     </p:extLst>
   </p:cSld>
@@ -6110,7 +6251,7 @@
           <p:cNvPr id="7" name="Picture 6">
             <a:extLst>
               <a:ext uri="{FF2B5EF4-FFF2-40B4-BE49-F238E27FC236}">
-                <a16:creationId xmlns:a16="http://schemas.microsoft.com/office/drawing/2014/main" xmlns="" id="{B477D94D-934D-4616-A570-6D98195B104B}"/>
+                <a16:creationId xmlns="" xmlns:a16="http://schemas.microsoft.com/office/drawing/2014/main" id="{B477D94D-934D-4616-A570-6D98195B104B}"/>
               </a:ext>
             </a:extLst>
           </p:cNvPr>
@@ -6139,7 +6280,7 @@
           <p:cNvPr id="5" name="Picture 4">
             <a:extLst>
               <a:ext uri="{FF2B5EF4-FFF2-40B4-BE49-F238E27FC236}">
-                <a16:creationId xmlns:a16="http://schemas.microsoft.com/office/drawing/2014/main" xmlns="" id="{B41C1CB2-FA0D-4FE8-B995-E97A83ACB1AE}"/>
+                <a16:creationId xmlns="" xmlns:a16="http://schemas.microsoft.com/office/drawing/2014/main" id="{B41C1CB2-FA0D-4FE8-B995-E97A83ACB1AE}"/>
               </a:ext>
             </a:extLst>
           </p:cNvPr>
@@ -6168,7 +6309,7 @@
           <p:cNvPr id="2" name="Title 1">
             <a:extLst>
               <a:ext uri="{FF2B5EF4-FFF2-40B4-BE49-F238E27FC236}">
-                <a16:creationId xmlns:a16="http://schemas.microsoft.com/office/drawing/2014/main" xmlns="" id="{DFC049F8-2284-4161-BE3C-431BCD0EFAB7}"/>
+                <a16:creationId xmlns="" xmlns:a16="http://schemas.microsoft.com/office/drawing/2014/main" id="{DFC049F8-2284-4161-BE3C-431BCD0EFAB7}"/>
               </a:ext>
             </a:extLst>
           </p:cNvPr>
@@ -6228,7 +6369,7 @@
           <p:cNvPr id="3" name="Content Placeholder 2">
             <a:extLst>
               <a:ext uri="{FF2B5EF4-FFF2-40B4-BE49-F238E27FC236}">
-                <a16:creationId xmlns:a16="http://schemas.microsoft.com/office/drawing/2014/main" xmlns="" id="{F2E045F5-714F-4E07-87A1-F5696A62ED28}"/>
+                <a16:creationId xmlns="" xmlns:a16="http://schemas.microsoft.com/office/drawing/2014/main" id="{F2E045F5-714F-4E07-87A1-F5696A62ED28}"/>
               </a:ext>
             </a:extLst>
           </p:cNvPr>
@@ -6279,7 +6420,7 @@
           <p:cNvPr id="15" name="Rectangle 14">
             <a:extLst>
               <a:ext uri="{FF2B5EF4-FFF2-40B4-BE49-F238E27FC236}">
-                <a16:creationId xmlns:a16="http://schemas.microsoft.com/office/drawing/2014/main" xmlns="" id="{639288EF-1393-49D8-9524-1863E2A39901}"/>
+                <a16:creationId xmlns="" xmlns:a16="http://schemas.microsoft.com/office/drawing/2014/main" id="{639288EF-1393-49D8-9524-1863E2A39901}"/>
               </a:ext>
             </a:extLst>
           </p:cNvPr>
@@ -6388,7 +6529,7 @@
     </p:spTree>
     <p:extLst>
       <p:ext uri="{BB962C8B-B14F-4D97-AF65-F5344CB8AC3E}">
-        <p14:creationId xmlns:p14="http://schemas.microsoft.com/office/powerpoint/2010/main" xmlns="" val="4096237443"/>
+        <p14:creationId xmlns="" xmlns:p14="http://schemas.microsoft.com/office/powerpoint/2010/main" val="4096237443"/>
       </p:ext>
     </p:extLst>
   </p:cSld>
@@ -6420,7 +6561,7 @@
           <p:cNvPr id="7" name="Picture 6">
             <a:extLst>
               <a:ext uri="{FF2B5EF4-FFF2-40B4-BE49-F238E27FC236}">
-                <a16:creationId xmlns:a16="http://schemas.microsoft.com/office/drawing/2014/main" xmlns="" id="{B477D94D-934D-4616-A570-6D98195B104B}"/>
+                <a16:creationId xmlns="" xmlns:a16="http://schemas.microsoft.com/office/drawing/2014/main" id="{B477D94D-934D-4616-A570-6D98195B104B}"/>
               </a:ext>
             </a:extLst>
           </p:cNvPr>
@@ -6449,7 +6590,7 @@
           <p:cNvPr id="5" name="Picture 4">
             <a:extLst>
               <a:ext uri="{FF2B5EF4-FFF2-40B4-BE49-F238E27FC236}">
-                <a16:creationId xmlns:a16="http://schemas.microsoft.com/office/drawing/2014/main" xmlns="" id="{B41C1CB2-FA0D-4FE8-B995-E97A83ACB1AE}"/>
+                <a16:creationId xmlns="" xmlns:a16="http://schemas.microsoft.com/office/drawing/2014/main" id="{B41C1CB2-FA0D-4FE8-B995-E97A83ACB1AE}"/>
               </a:ext>
             </a:extLst>
           </p:cNvPr>
@@ -6478,7 +6619,7 @@
           <p:cNvPr id="2" name="Title 1">
             <a:extLst>
               <a:ext uri="{FF2B5EF4-FFF2-40B4-BE49-F238E27FC236}">
-                <a16:creationId xmlns:a16="http://schemas.microsoft.com/office/drawing/2014/main" xmlns="" id="{DFC049F8-2284-4161-BE3C-431BCD0EFAB7}"/>
+                <a16:creationId xmlns="" xmlns:a16="http://schemas.microsoft.com/office/drawing/2014/main" id="{DFC049F8-2284-4161-BE3C-431BCD0EFAB7}"/>
               </a:ext>
             </a:extLst>
           </p:cNvPr>
@@ -6550,7 +6691,7 @@
           <p:cNvPr id="3" name="Content Placeholder 2">
             <a:extLst>
               <a:ext uri="{FF2B5EF4-FFF2-40B4-BE49-F238E27FC236}">
-                <a16:creationId xmlns:a16="http://schemas.microsoft.com/office/drawing/2014/main" xmlns="" id="{F2E045F5-714F-4E07-87A1-F5696A62ED28}"/>
+                <a16:creationId xmlns="" xmlns:a16="http://schemas.microsoft.com/office/drawing/2014/main" id="{F2E045F5-714F-4E07-87A1-F5696A62ED28}"/>
               </a:ext>
             </a:extLst>
           </p:cNvPr>
@@ -6601,7 +6742,7 @@
           <p:cNvPr id="4" name="Picture 3">
             <a:extLst>
               <a:ext uri="{FF2B5EF4-FFF2-40B4-BE49-F238E27FC236}">
-                <a16:creationId xmlns:a16="http://schemas.microsoft.com/office/drawing/2014/main" xmlns="" id="{7DBBE77A-8D3A-40D6-94A0-7EC9A7E761A3}"/>
+                <a16:creationId xmlns="" xmlns:a16="http://schemas.microsoft.com/office/drawing/2014/main" id="{7DBBE77A-8D3A-40D6-94A0-7EC9A7E761A3}"/>
               </a:ext>
             </a:extLst>
           </p:cNvPr>
@@ -6636,7 +6777,7 @@
           <p:cNvPr id="8" name="Rectangle 7">
             <a:extLst>
               <a:ext uri="{FF2B5EF4-FFF2-40B4-BE49-F238E27FC236}">
-                <a16:creationId xmlns:a16="http://schemas.microsoft.com/office/drawing/2014/main" xmlns="" id="{BBD93274-AD19-4924-B84B-10DE820ED811}"/>
+                <a16:creationId xmlns="" xmlns:a16="http://schemas.microsoft.com/office/drawing/2014/main" id="{BBD93274-AD19-4924-B84B-10DE820ED811}"/>
               </a:ext>
             </a:extLst>
           </p:cNvPr>
@@ -6691,7 +6832,7 @@
           <p:cNvPr id="9" name="TextBox 8">
             <a:extLst>
               <a:ext uri="{FF2B5EF4-FFF2-40B4-BE49-F238E27FC236}">
-                <a16:creationId xmlns:a16="http://schemas.microsoft.com/office/drawing/2014/main" xmlns="" id="{614F1665-FB4D-4576-912A-8CB0AE08F8B2}"/>
+                <a16:creationId xmlns="" xmlns:a16="http://schemas.microsoft.com/office/drawing/2014/main" id="{614F1665-FB4D-4576-912A-8CB0AE08F8B2}"/>
               </a:ext>
             </a:extLst>
           </p:cNvPr>
@@ -6748,7 +6889,7 @@
           <p:cNvPr id="10" name="TextBox 9">
             <a:extLst>
               <a:ext uri="{FF2B5EF4-FFF2-40B4-BE49-F238E27FC236}">
-                <a16:creationId xmlns:a16="http://schemas.microsoft.com/office/drawing/2014/main" xmlns="" id="{B73BD718-AF4E-48A2-A46D-2EFB4DF802D3}"/>
+                <a16:creationId xmlns="" xmlns:a16="http://schemas.microsoft.com/office/drawing/2014/main" id="{B73BD718-AF4E-48A2-A46D-2EFB4DF802D3}"/>
               </a:ext>
             </a:extLst>
           </p:cNvPr>
@@ -6852,7 +6993,7 @@
           <p:cNvPr id="11" name="TextBox 10">
             <a:extLst>
               <a:ext uri="{FF2B5EF4-FFF2-40B4-BE49-F238E27FC236}">
-                <a16:creationId xmlns:a16="http://schemas.microsoft.com/office/drawing/2014/main" xmlns="" id="{045FE3E0-C21F-4E84-A6C3-B78C5DA14375}"/>
+                <a16:creationId xmlns="" xmlns:a16="http://schemas.microsoft.com/office/drawing/2014/main" id="{045FE3E0-C21F-4E84-A6C3-B78C5DA14375}"/>
               </a:ext>
             </a:extLst>
           </p:cNvPr>
@@ -6900,7 +7041,7 @@
           <p:cNvPr id="12" name="TextBox 11">
             <a:extLst>
               <a:ext uri="{FF2B5EF4-FFF2-40B4-BE49-F238E27FC236}">
-                <a16:creationId xmlns:a16="http://schemas.microsoft.com/office/drawing/2014/main" xmlns="" id="{715C8695-F831-4AEA-8788-D3F362FE0855}"/>
+                <a16:creationId xmlns="" xmlns:a16="http://schemas.microsoft.com/office/drawing/2014/main" id="{715C8695-F831-4AEA-8788-D3F362FE0855}"/>
               </a:ext>
             </a:extLst>
           </p:cNvPr>
@@ -6945,7 +7086,7 @@
           <p:cNvPr id="13" name="TextBox 12">
             <a:extLst>
               <a:ext uri="{FF2B5EF4-FFF2-40B4-BE49-F238E27FC236}">
-                <a16:creationId xmlns:a16="http://schemas.microsoft.com/office/drawing/2014/main" xmlns="" id="{3D143883-7E11-42FA-820F-FD25A0706494}"/>
+                <a16:creationId xmlns="" xmlns:a16="http://schemas.microsoft.com/office/drawing/2014/main" id="{3D143883-7E11-42FA-820F-FD25A0706494}"/>
               </a:ext>
             </a:extLst>
           </p:cNvPr>
@@ -6990,7 +7131,7 @@
           <p:cNvPr id="14" name="TextBox 13">
             <a:extLst>
               <a:ext uri="{FF2B5EF4-FFF2-40B4-BE49-F238E27FC236}">
-                <a16:creationId xmlns:a16="http://schemas.microsoft.com/office/drawing/2014/main" xmlns="" id="{441B9A9E-965F-4808-97BB-765FA754A34C}"/>
+                <a16:creationId xmlns="" xmlns:a16="http://schemas.microsoft.com/office/drawing/2014/main" id="{441B9A9E-965F-4808-97BB-765FA754A34C}"/>
               </a:ext>
             </a:extLst>
           </p:cNvPr>
@@ -7045,7 +7186,7 @@
     </p:spTree>
     <p:extLst>
       <p:ext uri="{BB962C8B-B14F-4D97-AF65-F5344CB8AC3E}">
-        <p14:creationId xmlns:p14="http://schemas.microsoft.com/office/powerpoint/2010/main" xmlns="" val="4096237443"/>
+        <p14:creationId xmlns="" xmlns:p14="http://schemas.microsoft.com/office/powerpoint/2010/main" val="4096237443"/>
       </p:ext>
     </p:extLst>
   </p:cSld>
@@ -7077,7 +7218,7 @@
           <p:cNvPr id="10" name="Picture 9">
             <a:extLst>
               <a:ext uri="{FF2B5EF4-FFF2-40B4-BE49-F238E27FC236}">
-                <a16:creationId xmlns:a16="http://schemas.microsoft.com/office/drawing/2014/main" xmlns="" id="{6248F25B-52F9-4CF0-BF52-629A9FD032CE}"/>
+                <a16:creationId xmlns="" xmlns:a16="http://schemas.microsoft.com/office/drawing/2014/main" id="{6248F25B-52F9-4CF0-BF52-629A9FD032CE}"/>
               </a:ext>
             </a:extLst>
           </p:cNvPr>
@@ -7106,7 +7247,7 @@
           <p:cNvPr id="9" name="Picture 8">
             <a:extLst>
               <a:ext uri="{FF2B5EF4-FFF2-40B4-BE49-F238E27FC236}">
-                <a16:creationId xmlns:a16="http://schemas.microsoft.com/office/drawing/2014/main" xmlns="" id="{158091B3-A577-4C1D-8D3E-131CBA84C0EE}"/>
+                <a16:creationId xmlns="" xmlns:a16="http://schemas.microsoft.com/office/drawing/2014/main" id="{158091B3-A577-4C1D-8D3E-131CBA84C0EE}"/>
               </a:ext>
             </a:extLst>
           </p:cNvPr>
@@ -7136,7 +7277,7 @@
           <p:cNvPr id="2" name="Title 1">
             <a:extLst>
               <a:ext uri="{FF2B5EF4-FFF2-40B4-BE49-F238E27FC236}">
-                <a16:creationId xmlns:a16="http://schemas.microsoft.com/office/drawing/2014/main" xmlns="" id="{DFC049F8-2284-4161-BE3C-431BCD0EFAB7}"/>
+                <a16:creationId xmlns="" xmlns:a16="http://schemas.microsoft.com/office/drawing/2014/main" id="{DFC049F8-2284-4161-BE3C-431BCD0EFAB7}"/>
               </a:ext>
             </a:extLst>
           </p:cNvPr>
@@ -7214,7 +7355,7 @@
           <p:cNvPr id="3" name="Content Placeholder 2">
             <a:extLst>
               <a:ext uri="{FF2B5EF4-FFF2-40B4-BE49-F238E27FC236}">
-                <a16:creationId xmlns:a16="http://schemas.microsoft.com/office/drawing/2014/main" xmlns="" id="{F2E045F5-714F-4E07-87A1-F5696A62ED28}"/>
+                <a16:creationId xmlns="" xmlns:a16="http://schemas.microsoft.com/office/drawing/2014/main" id="{F2E045F5-714F-4E07-87A1-F5696A62ED28}"/>
               </a:ext>
             </a:extLst>
           </p:cNvPr>
@@ -7265,7 +7406,7 @@
           <p:cNvPr id="8" name="Picture 7">
             <a:extLst>
               <a:ext uri="{FF2B5EF4-FFF2-40B4-BE49-F238E27FC236}">
-                <a16:creationId xmlns:a16="http://schemas.microsoft.com/office/drawing/2014/main" xmlns="" id="{A3117FBC-7DFD-4758-B4B9-29961EBB7136}"/>
+                <a16:creationId xmlns="" xmlns:a16="http://schemas.microsoft.com/office/drawing/2014/main" id="{A3117FBC-7DFD-4758-B4B9-29961EBB7136}"/>
               </a:ext>
             </a:extLst>
           </p:cNvPr>
@@ -7300,7 +7441,7 @@
           <p:cNvPr id="11" name="TextBox 10">
             <a:extLst>
               <a:ext uri="{FF2B5EF4-FFF2-40B4-BE49-F238E27FC236}">
-                <a16:creationId xmlns:a16="http://schemas.microsoft.com/office/drawing/2014/main" xmlns="" id="{0B108C47-D011-4547-9642-A8F7197FB2ED}"/>
+                <a16:creationId xmlns="" xmlns:a16="http://schemas.microsoft.com/office/drawing/2014/main" id="{0B108C47-D011-4547-9642-A8F7197FB2ED}"/>
               </a:ext>
             </a:extLst>
           </p:cNvPr>
@@ -7395,7 +7536,7 @@
           <p:cNvPr id="12" name="TextBox 11">
             <a:extLst>
               <a:ext uri="{FF2B5EF4-FFF2-40B4-BE49-F238E27FC236}">
-                <a16:creationId xmlns:a16="http://schemas.microsoft.com/office/drawing/2014/main" xmlns="" id="{B703FA5C-A8C2-4740-B5EE-2A5922A54DF9}"/>
+                <a16:creationId xmlns="" xmlns:a16="http://schemas.microsoft.com/office/drawing/2014/main" id="{B703FA5C-A8C2-4740-B5EE-2A5922A54DF9}"/>
               </a:ext>
             </a:extLst>
           </p:cNvPr>
@@ -7490,7 +7631,7 @@
           <p:cNvPr id="13" name="TextBox 12">
             <a:extLst>
               <a:ext uri="{FF2B5EF4-FFF2-40B4-BE49-F238E27FC236}">
-                <a16:creationId xmlns:a16="http://schemas.microsoft.com/office/drawing/2014/main" xmlns="" id="{0B108C47-D011-4547-9642-A8F7197FB2ED}"/>
+                <a16:creationId xmlns="" xmlns:a16="http://schemas.microsoft.com/office/drawing/2014/main" id="{0B108C47-D011-4547-9642-A8F7197FB2ED}"/>
               </a:ext>
             </a:extLst>
           </p:cNvPr>
@@ -7612,7 +7753,7 @@
           <p:cNvPr id="14" name="TextBox 13">
             <a:extLst>
               <a:ext uri="{FF2B5EF4-FFF2-40B4-BE49-F238E27FC236}">
-                <a16:creationId xmlns:a16="http://schemas.microsoft.com/office/drawing/2014/main" xmlns="" id="{51D2C041-9487-41F5-B1A0-947375EFE397}"/>
+                <a16:creationId xmlns="" xmlns:a16="http://schemas.microsoft.com/office/drawing/2014/main" id="{51D2C041-9487-41F5-B1A0-947375EFE397}"/>
               </a:ext>
             </a:extLst>
           </p:cNvPr>
@@ -7652,7 +7793,7 @@
     </p:spTree>
     <p:extLst>
       <p:ext uri="{BB962C8B-B14F-4D97-AF65-F5344CB8AC3E}">
-        <p14:creationId xmlns:p14="http://schemas.microsoft.com/office/powerpoint/2010/main" xmlns="" val="3187953464"/>
+        <p14:creationId xmlns="" xmlns:p14="http://schemas.microsoft.com/office/powerpoint/2010/main" val="3187953464"/>
       </p:ext>
     </p:extLst>
   </p:cSld>
@@ -7684,7 +7825,7 @@
           <p:cNvPr id="4" name="Picture 3">
             <a:extLst>
               <a:ext uri="{FF2B5EF4-FFF2-40B4-BE49-F238E27FC236}">
-                <a16:creationId xmlns:a16="http://schemas.microsoft.com/office/drawing/2014/main" xmlns="" id="{0673D7FF-79D1-47CC-9F17-8BD3F4A92FD2}"/>
+                <a16:creationId xmlns="" xmlns:a16="http://schemas.microsoft.com/office/drawing/2014/main" id="{0673D7FF-79D1-47CC-9F17-8BD3F4A92FD2}"/>
               </a:ext>
             </a:extLst>
           </p:cNvPr>
@@ -7714,7 +7855,7 @@
           <p:cNvPr id="9" name="Picture 8">
             <a:extLst>
               <a:ext uri="{FF2B5EF4-FFF2-40B4-BE49-F238E27FC236}">
-                <a16:creationId xmlns:a16="http://schemas.microsoft.com/office/drawing/2014/main" xmlns="" id="{90E7F56C-9544-4654-9D9C-A258B0BC56B3}"/>
+                <a16:creationId xmlns="" xmlns:a16="http://schemas.microsoft.com/office/drawing/2014/main" id="{90E7F56C-9544-4654-9D9C-A258B0BC56B3}"/>
               </a:ext>
             </a:extLst>
           </p:cNvPr>
@@ -7744,7 +7885,7 @@
           <p:cNvPr id="10" name="Rectangle 9">
             <a:extLst>
               <a:ext uri="{FF2B5EF4-FFF2-40B4-BE49-F238E27FC236}">
-                <a16:creationId xmlns:a16="http://schemas.microsoft.com/office/drawing/2014/main" xmlns="" id="{7CE6DF49-6ADC-40B9-93F3-F6495F2DC7AB}"/>
+                <a16:creationId xmlns="" xmlns:a16="http://schemas.microsoft.com/office/drawing/2014/main" id="{7CE6DF49-6ADC-40B9-93F3-F6495F2DC7AB}"/>
               </a:ext>
             </a:extLst>
           </p:cNvPr>
@@ -7796,7 +7937,7 @@
           <p:cNvPr id="2" name="Title 1">
             <a:extLst>
               <a:ext uri="{FF2B5EF4-FFF2-40B4-BE49-F238E27FC236}">
-                <a16:creationId xmlns:a16="http://schemas.microsoft.com/office/drawing/2014/main" xmlns="" id="{DFC049F8-2284-4161-BE3C-431BCD0EFAB7}"/>
+                <a16:creationId xmlns="" xmlns:a16="http://schemas.microsoft.com/office/drawing/2014/main" id="{DFC049F8-2284-4161-BE3C-431BCD0EFAB7}"/>
               </a:ext>
             </a:extLst>
           </p:cNvPr>
@@ -7856,7 +7997,7 @@
           <p:cNvPr id="16" name="Content Placeholder 2">
             <a:extLst>
               <a:ext uri="{FF2B5EF4-FFF2-40B4-BE49-F238E27FC236}">
-                <a16:creationId xmlns:a16="http://schemas.microsoft.com/office/drawing/2014/main" xmlns="" id="{F2E045F5-714F-4E07-87A1-F5696A62ED28}"/>
+                <a16:creationId xmlns="" xmlns:a16="http://schemas.microsoft.com/office/drawing/2014/main" id="{F2E045F5-714F-4E07-87A1-F5696A62ED28}"/>
               </a:ext>
             </a:extLst>
           </p:cNvPr>
@@ -7979,11 +8120,7 @@
           <a:p>
             <a:r>
               <a:rPr lang="en-GB" dirty="0" smtClean="0"/>
-              <a:t>1:  Player </a:t>
-            </a:r>
-            <a:r>
-              <a:rPr lang="en-GB" dirty="0" smtClean="0"/>
-              <a:t>should be able to move up small amounts without having to jump, e.g. below lake</a:t>
+              <a:t>1:  Player should be able to move up small amounts without having to jump, e.g. below lake</a:t>
             </a:r>
           </a:p>
           <a:p>
@@ -8001,15 +8138,7 @@
                   <a:srgbClr val="0070C0"/>
                 </a:solidFill>
               </a:rPr>
-              <a:t>: amended code to allow small amounts of Y-movement as part of </a:t>
-            </a:r>
-            <a:r>
-              <a:rPr lang="en-GB" dirty="0" smtClean="0">
-                <a:solidFill>
-                  <a:srgbClr val="0070C0"/>
-                </a:solidFill>
-              </a:rPr>
-              <a:t>X-movement</a:t>
+              <a:t>: amended code to allow small amounts of Y-movement as part of X-movement</a:t>
             </a:r>
           </a:p>
         </p:txBody>
@@ -8078,19 +8207,7 @@
             </a:pPr>
             <a:r>
               <a:rPr lang="en-GB" dirty="0" smtClean="0"/>
-              <a:t>2: Pitfalls </a:t>
-            </a:r>
-            <a:r>
-              <a:rPr lang="en-GB" dirty="0" smtClean="0"/>
-              <a:t>in attic </a:t>
-            </a:r>
-            <a:r>
-              <a:rPr lang="en-GB" dirty="0" smtClean="0"/>
-              <a:t>are not </a:t>
-            </a:r>
-            <a:r>
-              <a:rPr lang="en-GB" dirty="0" smtClean="0"/>
-              <a:t>clearly visible due to coloration of background</a:t>
+              <a:t>2: Pitfalls in attic are not clearly visible due to coloration of background</a:t>
             </a:r>
           </a:p>
           <a:p>
@@ -8108,31 +8225,7 @@
                   <a:srgbClr val="0070C0"/>
                 </a:solidFill>
               </a:rPr>
-              <a:t>: moved </a:t>
-            </a:r>
-            <a:r>
-              <a:rPr lang="en-GB" dirty="0" smtClean="0">
-                <a:solidFill>
-                  <a:srgbClr val="0070C0"/>
-                </a:solidFill>
-              </a:rPr>
-              <a:t>pitfalls to </a:t>
-            </a:r>
-            <a:r>
-              <a:rPr lang="en-GB" dirty="0" smtClean="0">
-                <a:solidFill>
-                  <a:srgbClr val="0070C0"/>
-                </a:solidFill>
-              </a:rPr>
-              <a:t>be in front of black areas of </a:t>
-            </a:r>
-            <a:r>
-              <a:rPr lang="en-GB" dirty="0" smtClean="0">
-                <a:solidFill>
-                  <a:srgbClr val="0070C0"/>
-                </a:solidFill>
-              </a:rPr>
-              <a:t>background</a:t>
+              <a:t>: moved pitfalls to be in front of black areas of background</a:t>
             </a:r>
           </a:p>
           <a:p>
@@ -8143,35 +8236,7 @@
             </a:pPr>
             <a:r>
               <a:rPr lang="en-GB" dirty="0" smtClean="0"/>
-              <a:t>3. </a:t>
-            </a:r>
-            <a:r>
-              <a:rPr lang="en-GB" dirty="0" smtClean="0"/>
-              <a:t>In the attic, the </a:t>
-            </a:r>
-            <a:r>
-              <a:rPr lang="en-GB" dirty="0" smtClean="0"/>
-              <a:t>obstacles </a:t>
-            </a:r>
-            <a:r>
-              <a:rPr lang="en-GB" dirty="0" smtClean="0"/>
-              <a:t>you can jump on </a:t>
-            </a:r>
-            <a:r>
-              <a:rPr lang="en-GB" dirty="0" smtClean="0"/>
-              <a:t>merge </a:t>
-            </a:r>
-            <a:r>
-              <a:rPr lang="en-GB" dirty="0" smtClean="0"/>
-              <a:t>into the background because they a</a:t>
-            </a:r>
-            <a:r>
-              <a:rPr lang="en-GB" dirty="0" smtClean="0"/>
-              <a:t>re </a:t>
-            </a:r>
-            <a:r>
-              <a:rPr lang="en-GB" dirty="0" smtClean="0"/>
-              <a:t>all similar colours</a:t>
+              <a:t>3. In the attic, the obstacles you can jump on merge into the background because they are all similar colours</a:t>
             </a:r>
           </a:p>
           <a:p>
@@ -8189,27 +8254,14 @@
                   <a:srgbClr val="0070C0"/>
                 </a:solidFill>
               </a:rPr>
-              <a:t>: made foreground obstacles brighter </a:t>
-            </a:r>
-            <a:r>
-              <a:rPr lang="en-GB" dirty="0" smtClean="0">
-                <a:solidFill>
-                  <a:srgbClr val="0070C0"/>
-                </a:solidFill>
-              </a:rPr>
-              <a:t>colours</a:t>
-            </a:r>
-            <a:endParaRPr lang="en-GB" dirty="0" smtClean="0">
-              <a:solidFill>
-                <a:srgbClr val="0070C0"/>
-              </a:solidFill>
-            </a:endParaRPr>
+              <a:t>: made foreground obstacles brighter colours</a:t>
+            </a:r>
           </a:p>
         </p:txBody>
       </p:sp>
       <p:pic>
         <p:nvPicPr>
-          <p:cNvPr id="17" name="Picture 16"/>
+          <p:cNvPr id="17" name="Content Placeholder 16"/>
           <p:cNvPicPr>
             <a:picLocks noGrp="1" noChangeAspect="1" noChangeArrowheads="1"/>
           </p:cNvPicPr>
@@ -8271,52 +8323,15 @@
             </a:pPr>
             <a:r>
               <a:rPr lang="en-GB" dirty="0" smtClean="0"/>
-              <a:t>4</a:t>
-            </a:r>
-            <a:r>
-              <a:rPr lang="en-GB" dirty="0" smtClean="0"/>
-              <a:t>: When you jump </a:t>
-            </a:r>
-            <a:r>
-              <a:rPr lang="en-GB" dirty="0" smtClean="0"/>
-              <a:t>round to </a:t>
-            </a:r>
-            <a:r>
-              <a:rPr lang="en-GB" dirty="0" smtClean="0"/>
-              <a:t>the far </a:t>
-            </a:r>
-            <a:r>
-              <a:rPr lang="en-GB" dirty="0" smtClean="0"/>
-              <a:t>side of </a:t>
-            </a:r>
-            <a:r>
-              <a:rPr lang="en-GB" dirty="0" smtClean="0"/>
-              <a:t>the lake </a:t>
-            </a:r>
-            <a:r>
-              <a:rPr lang="en-GB" dirty="0" smtClean="0"/>
-              <a:t>in Level 1, you’re standing on snow, </a:t>
-            </a:r>
-            <a:r>
-              <a:rPr lang="en-GB" dirty="0" smtClean="0"/>
-              <a:t/>
+              <a:t>4: When you jump round to the far side of the lake in Level 1, you’re standing on snow, </a:t>
             </a:r>
             <a:br>
               <a:rPr lang="en-GB" dirty="0" smtClean="0"/>
             </a:br>
             <a:r>
               <a:rPr lang="en-GB" dirty="0" smtClean="0"/>
-              <a:t>which </a:t>
-            </a:r>
-            <a:r>
-              <a:rPr lang="en-GB" dirty="0" smtClean="0"/>
-              <a:t>isn’t </a:t>
-            </a:r>
-            <a:r>
-              <a:rPr lang="en-GB" dirty="0" smtClean="0"/>
-              <a:t>allowed elsewhere</a:t>
-            </a:r>
-            <a:endParaRPr lang="en-GB" dirty="0" smtClean="0"/>
+              <a:t>which isn’t allowed elsewhere</a:t>
+            </a:r>
           </a:p>
           <a:p>
             <a:r>
@@ -8333,15 +8348,7 @@
                   <a:srgbClr val="0070C0"/>
                 </a:solidFill>
               </a:rPr>
-              <a:t>: </a:t>
-            </a:r>
-            <a:r>
-              <a:rPr lang="en-GB" dirty="0" smtClean="0">
-                <a:solidFill>
-                  <a:srgbClr val="0070C0"/>
-                </a:solidFill>
-              </a:rPr>
-              <a:t>use other lake image so that you’re standing on the lake edge</a:t>
+              <a:t>: use other lake image so that you’re standing on the lake edge</a:t>
             </a:r>
           </a:p>
           <a:p>
@@ -8381,33 +8388,8 @@
             </a:pPr>
             <a:r>
               <a:rPr lang="en-GB" dirty="0" smtClean="0"/>
-              <a:t>6. </a:t>
-            </a:r>
-            <a:r>
-              <a:rPr lang="en-GB" dirty="0" smtClean="0"/>
-              <a:t>Have the game play in a single window, rather than </a:t>
-            </a:r>
-            <a:r>
-              <a:rPr lang="en-GB" dirty="0" smtClean="0"/>
-              <a:t>separate windows for menu</a:t>
-            </a:r>
-            <a:r>
-              <a:rPr lang="en-GB" dirty="0" smtClean="0"/>
-              <a:t>, </a:t>
-            </a:r>
-            <a:r>
-              <a:rPr lang="en-GB" dirty="0" smtClean="0"/>
-              <a:t>platform </a:t>
-            </a:r>
-            <a:r>
-              <a:rPr lang="en-GB" dirty="0" smtClean="0"/>
-              <a:t>and </a:t>
-            </a:r>
-            <a:r>
-              <a:rPr lang="en-GB" dirty="0" smtClean="0"/>
-              <a:t>puzzle</a:t>
-            </a:r>
-            <a:endParaRPr lang="en-GB" dirty="0" smtClean="0"/>
+              <a:t>6. Have the game play in a single window, rather than separate windows for menu, platform and puzzle</a:t>
+            </a:r>
           </a:p>
           <a:p>
             <a:r>
@@ -8424,37 +8406,8 @@
                   <a:srgbClr val="0070C0"/>
                 </a:solidFill>
               </a:rPr>
-              <a:t>: </a:t>
-            </a:r>
-            <a:r>
-              <a:rPr lang="en-GB" dirty="0" smtClean="0">
-                <a:solidFill>
-                  <a:srgbClr val="0070C0"/>
-                </a:solidFill>
-              </a:rPr>
-              <a:t>change </a:t>
-            </a:r>
-            <a:r>
-              <a:rPr lang="en-GB" dirty="0" smtClean="0">
-                <a:solidFill>
-                  <a:srgbClr val="0070C0"/>
-                </a:solidFill>
-              </a:rPr>
-              <a:t>to use </a:t>
-            </a:r>
-            <a:r>
-              <a:rPr lang="en-GB" dirty="0" smtClean="0">
-                <a:solidFill>
-                  <a:srgbClr val="0070C0"/>
-                </a:solidFill>
-              </a:rPr>
-              <a:t>single window</a:t>
-            </a:r>
-            <a:endParaRPr lang="en-GB" dirty="0" smtClean="0">
-              <a:solidFill>
-                <a:srgbClr val="0070C0"/>
-              </a:solidFill>
-            </a:endParaRPr>
+              <a:t>: change to use single window</a:t>
+            </a:r>
           </a:p>
         </p:txBody>
       </p:sp>
@@ -8496,7 +8449,7 @@
     </p:spTree>
     <p:extLst>
       <p:ext uri="{BB962C8B-B14F-4D97-AF65-F5344CB8AC3E}">
-        <p14:creationId xmlns:p14="http://schemas.microsoft.com/office/powerpoint/2010/main" xmlns="" val="2083772189"/>
+        <p14:creationId xmlns="" xmlns:p14="http://schemas.microsoft.com/office/powerpoint/2010/main" val="2083772189"/>
       </p:ext>
     </p:extLst>
   </p:cSld>
@@ -8535,7 +8488,7 @@
           <p:cNvPr id="4" name="Picture 3">
             <a:extLst>
               <a:ext uri="{FF2B5EF4-FFF2-40B4-BE49-F238E27FC236}">
-                <a16:creationId xmlns:a16="http://schemas.microsoft.com/office/drawing/2014/main" xmlns="" id="{0673D7FF-79D1-47CC-9F17-8BD3F4A92FD2}"/>
+                <a16:creationId xmlns="" xmlns:a16="http://schemas.microsoft.com/office/drawing/2014/main" id="{0673D7FF-79D1-47CC-9F17-8BD3F4A92FD2}"/>
               </a:ext>
             </a:extLst>
           </p:cNvPr>
@@ -8565,7 +8518,7 @@
           <p:cNvPr id="9" name="Picture 8">
             <a:extLst>
               <a:ext uri="{FF2B5EF4-FFF2-40B4-BE49-F238E27FC236}">
-                <a16:creationId xmlns:a16="http://schemas.microsoft.com/office/drawing/2014/main" xmlns="" id="{90E7F56C-9544-4654-9D9C-A258B0BC56B3}"/>
+                <a16:creationId xmlns="" xmlns:a16="http://schemas.microsoft.com/office/drawing/2014/main" id="{90E7F56C-9544-4654-9D9C-A258B0BC56B3}"/>
               </a:ext>
             </a:extLst>
           </p:cNvPr>
@@ -8595,7 +8548,7 @@
           <p:cNvPr id="10" name="Rectangle 9">
             <a:extLst>
               <a:ext uri="{FF2B5EF4-FFF2-40B4-BE49-F238E27FC236}">
-                <a16:creationId xmlns:a16="http://schemas.microsoft.com/office/drawing/2014/main" xmlns="" id="{7CE6DF49-6ADC-40B9-93F3-F6495F2DC7AB}"/>
+                <a16:creationId xmlns="" xmlns:a16="http://schemas.microsoft.com/office/drawing/2014/main" id="{7CE6DF49-6ADC-40B9-93F3-F6495F2DC7AB}"/>
               </a:ext>
             </a:extLst>
           </p:cNvPr>
@@ -8647,7 +8600,7 @@
           <p:cNvPr id="2" name="Title 1">
             <a:extLst>
               <a:ext uri="{FF2B5EF4-FFF2-40B4-BE49-F238E27FC236}">
-                <a16:creationId xmlns:a16="http://schemas.microsoft.com/office/drawing/2014/main" xmlns="" id="{DFC049F8-2284-4161-BE3C-431BCD0EFAB7}"/>
+                <a16:creationId xmlns="" xmlns:a16="http://schemas.microsoft.com/office/drawing/2014/main" id="{DFC049F8-2284-4161-BE3C-431BCD0EFAB7}"/>
               </a:ext>
             </a:extLst>
           </p:cNvPr>
@@ -8688,19 +8641,7 @@
               <a:rPr lang="en-GB" dirty="0" smtClean="0">
                 <a:latin typeface="+mn-lt"/>
               </a:rPr>
-              <a:t>	User Testing Feedback (</a:t>
-            </a:r>
-            <a:r>
-              <a:rPr lang="en-GB" dirty="0" smtClean="0">
-                <a:latin typeface="+mn-lt"/>
-              </a:rPr>
-              <a:t>iii</a:t>
-            </a:r>
-            <a:r>
-              <a:rPr lang="en-GB" dirty="0" smtClean="0">
-                <a:latin typeface="+mn-lt"/>
-              </a:rPr>
-              <a:t>)	</a:t>
+              <a:t>	User Testing Feedback (iii)	</a:t>
             </a:r>
             <a:r>
               <a:rPr lang="en-GB" i="1" dirty="0" smtClean="0">
@@ -8719,7 +8660,7 @@
           <p:cNvPr id="16" name="Content Placeholder 2">
             <a:extLst>
               <a:ext uri="{FF2B5EF4-FFF2-40B4-BE49-F238E27FC236}">
-                <a16:creationId xmlns:a16="http://schemas.microsoft.com/office/drawing/2014/main" xmlns="" id="{F2E045F5-714F-4E07-87A1-F5696A62ED28}"/>
+                <a16:creationId xmlns="" xmlns:a16="http://schemas.microsoft.com/office/drawing/2014/main" id="{F2E045F5-714F-4E07-87A1-F5696A62ED28}"/>
               </a:ext>
             </a:extLst>
           </p:cNvPr>
@@ -8849,7 +8790,6 @@
               <a:rPr lang="en-GB" dirty="0" smtClean="0"/>
               <a:t>9: Add an Oops sound on loss of life, and death</a:t>
             </a:r>
-            <a:endParaRPr lang="en-GB" dirty="0" smtClean="0"/>
           </a:p>
           <a:p>
             <a:r>
@@ -8866,21 +8806,8 @@
                   <a:srgbClr val="0070C0"/>
                 </a:solidFill>
               </a:rPr>
-              <a:t>: </a:t>
-            </a:r>
-            <a:r>
-              <a:rPr lang="en-GB" dirty="0" smtClean="0">
-                <a:solidFill>
-                  <a:srgbClr val="0070C0"/>
-                </a:solidFill>
-              </a:rPr>
-              <a:t>Add music, including Oops sound</a:t>
-            </a:r>
-            <a:endParaRPr lang="en-GB" dirty="0" smtClean="0">
-              <a:solidFill>
-                <a:srgbClr val="0070C0"/>
-              </a:solidFill>
-            </a:endParaRPr>
+              <a:t>: Add music, including Oops sound</a:t>
+            </a:r>
           </a:p>
           <a:p>
             <a:pPr>
@@ -8892,7 +8819,6 @@
               <a:rPr lang="en-GB" dirty="0" smtClean="0"/>
               <a:t>10: Not clear when you’ve reached the end game state</a:t>
             </a:r>
-            <a:endParaRPr lang="en-GB" dirty="0" smtClean="0"/>
           </a:p>
           <a:p>
             <a:r>
@@ -8909,21 +8835,8 @@
                   <a:srgbClr val="0070C0"/>
                 </a:solidFill>
               </a:rPr>
-              <a:t>: </a:t>
-            </a:r>
-            <a:r>
-              <a:rPr lang="en-GB" dirty="0" smtClean="0">
-                <a:solidFill>
-                  <a:srgbClr val="0070C0"/>
-                </a:solidFill>
-              </a:rPr>
-              <a:t>update instructions in main menu to show that game complete</a:t>
-            </a:r>
-            <a:endParaRPr lang="en-GB" dirty="0" smtClean="0">
-              <a:solidFill>
-                <a:srgbClr val="0070C0"/>
-              </a:solidFill>
-            </a:endParaRPr>
+              <a:t>: update instructions in main menu to show that game complete</a:t>
+            </a:r>
           </a:p>
           <a:p>
             <a:pPr>
@@ -8935,7 +8848,6 @@
               <a:rPr lang="en-GB" dirty="0" smtClean="0"/>
               <a:t>11: Did not notice collected items in Christmas Room, nor other Christmas Room updates</a:t>
             </a:r>
-            <a:endParaRPr lang="en-GB" dirty="0" smtClean="0"/>
           </a:p>
           <a:p>
             <a:r>
@@ -8952,15 +8864,7 @@
                   <a:srgbClr val="0070C0"/>
                 </a:solidFill>
               </a:rPr>
-              <a:t>: </a:t>
-            </a:r>
-            <a:r>
-              <a:rPr lang="en-GB" dirty="0" smtClean="0">
-                <a:solidFill>
-                  <a:srgbClr val="0070C0"/>
-                </a:solidFill>
-              </a:rPr>
-              <a:t>Add text above shelving that collected items will be shown there</a:t>
+              <a:t>: Add text above shelving that collected items will be shown there</a:t>
             </a:r>
           </a:p>
           <a:p>
@@ -9076,7 +8980,6 @@
               <a:rPr lang="en-GB" dirty="0" smtClean="0"/>
               <a:t>7: Sprite continues to move when window has lost focus</a:t>
             </a:r>
-            <a:endParaRPr lang="en-GB" dirty="0" smtClean="0"/>
           </a:p>
           <a:p>
             <a:r>
@@ -9093,15 +8996,7 @@
                   <a:srgbClr val="0070C0"/>
                 </a:solidFill>
               </a:rPr>
-              <a:t>: </a:t>
-            </a:r>
-            <a:r>
-              <a:rPr lang="en-GB" dirty="0" smtClean="0">
-                <a:solidFill>
-                  <a:srgbClr val="0070C0"/>
-                </a:solidFill>
-              </a:rPr>
-              <a:t>pause when window loses focus, and un-pause when focus regained</a:t>
+              <a:t>: pause when window loses focus, and un-pause when focus regained</a:t>
             </a:r>
           </a:p>
           <a:p>
@@ -9112,11 +9007,7 @@
             </a:pPr>
             <a:r>
               <a:rPr lang="en-GB" dirty="0" smtClean="0"/>
-              <a:t>8: Jump down in kitchen falls past fireplace when it ought to land </a:t>
-            </a:r>
-            <a:r>
-              <a:rPr lang="en-GB" dirty="0" smtClean="0"/>
-              <a:t>on top</a:t>
+              <a:t>8: Jump down in kitchen falls past fireplace when it ought to land on top</a:t>
             </a:r>
           </a:p>
           <a:p>
@@ -9134,28 +9025,15 @@
                   <a:srgbClr val="0070C0"/>
                 </a:solidFill>
               </a:rPr>
-              <a:t>: </a:t>
-            </a:r>
-            <a:r>
-              <a:rPr lang="en-GB" dirty="0" smtClean="0">
-                <a:solidFill>
-                  <a:srgbClr val="0070C0"/>
-                </a:solidFill>
-              </a:rPr>
-              <a:t>change shelving arrangement so this does not occur</a:t>
-            </a:r>
-            <a:endParaRPr lang="en-GB" dirty="0" smtClean="0">
-              <a:solidFill>
-                <a:srgbClr val="0070C0"/>
-              </a:solidFill>
-            </a:endParaRPr>
+              <a:t>: change shelving arrangement so this does not occur</a:t>
+            </a:r>
           </a:p>
         </p:txBody>
       </p:sp>
     </p:spTree>
     <p:extLst>
       <p:ext uri="{BB962C8B-B14F-4D97-AF65-F5344CB8AC3E}">
-        <p14:creationId xmlns:p14="http://schemas.microsoft.com/office/powerpoint/2010/main" xmlns="" val="2083772189"/>
+        <p14:creationId xmlns="" xmlns:p14="http://schemas.microsoft.com/office/powerpoint/2010/main" val="2083772189"/>
       </p:ext>
     </p:extLst>
   </p:cSld>
@@ -9194,7 +9072,7 @@
           <p:cNvPr id="4" name="Picture 3">
             <a:extLst>
               <a:ext uri="{FF2B5EF4-FFF2-40B4-BE49-F238E27FC236}">
-                <a16:creationId xmlns:a16="http://schemas.microsoft.com/office/drawing/2014/main" xmlns="" id="{0673D7FF-79D1-47CC-9F17-8BD3F4A92FD2}"/>
+                <a16:creationId xmlns="" xmlns:a16="http://schemas.microsoft.com/office/drawing/2014/main" id="{0673D7FF-79D1-47CC-9F17-8BD3F4A92FD2}"/>
               </a:ext>
             </a:extLst>
           </p:cNvPr>
@@ -9224,7 +9102,7 @@
           <p:cNvPr id="9" name="Picture 8">
             <a:extLst>
               <a:ext uri="{FF2B5EF4-FFF2-40B4-BE49-F238E27FC236}">
-                <a16:creationId xmlns:a16="http://schemas.microsoft.com/office/drawing/2014/main" xmlns="" id="{90E7F56C-9544-4654-9D9C-A258B0BC56B3}"/>
+                <a16:creationId xmlns="" xmlns:a16="http://schemas.microsoft.com/office/drawing/2014/main" id="{90E7F56C-9544-4654-9D9C-A258B0BC56B3}"/>
               </a:ext>
             </a:extLst>
           </p:cNvPr>
@@ -9254,7 +9132,7 @@
           <p:cNvPr id="10" name="Rectangle 9">
             <a:extLst>
               <a:ext uri="{FF2B5EF4-FFF2-40B4-BE49-F238E27FC236}">
-                <a16:creationId xmlns:a16="http://schemas.microsoft.com/office/drawing/2014/main" xmlns="" id="{7CE6DF49-6ADC-40B9-93F3-F6495F2DC7AB}"/>
+                <a16:creationId xmlns="" xmlns:a16="http://schemas.microsoft.com/office/drawing/2014/main" id="{7CE6DF49-6ADC-40B9-93F3-F6495F2DC7AB}"/>
               </a:ext>
             </a:extLst>
           </p:cNvPr>
@@ -9306,7 +9184,7 @@
           <p:cNvPr id="2" name="Title 1">
             <a:extLst>
               <a:ext uri="{FF2B5EF4-FFF2-40B4-BE49-F238E27FC236}">
-                <a16:creationId xmlns:a16="http://schemas.microsoft.com/office/drawing/2014/main" xmlns="" id="{DFC049F8-2284-4161-BE3C-431BCD0EFAB7}"/>
+                <a16:creationId xmlns="" xmlns:a16="http://schemas.microsoft.com/office/drawing/2014/main" id="{DFC049F8-2284-4161-BE3C-431BCD0EFAB7}"/>
               </a:ext>
             </a:extLst>
           </p:cNvPr>
@@ -9347,13 +9225,25 @@
               <a:rPr lang="en-GB" dirty="0" smtClean="0">
                 <a:latin typeface="+mn-lt"/>
               </a:rPr>
-              <a:t>	User </a:t>
+              <a:t>	User Feedback </a:t>
             </a:r>
             <a:r>
               <a:rPr lang="en-GB" dirty="0" smtClean="0">
                 <a:latin typeface="+mn-lt"/>
               </a:rPr>
-              <a:t>Feedback - Questionnaire</a:t>
+              <a:t>– Questionnaire (</a:t>
+            </a:r>
+            <a:r>
+              <a:rPr lang="en-GB" dirty="0" err="1" smtClean="0">
+                <a:latin typeface="+mn-lt"/>
+              </a:rPr>
+              <a:t>i</a:t>
+            </a:r>
+            <a:r>
+              <a:rPr lang="en-GB" dirty="0" smtClean="0">
+                <a:latin typeface="+mn-lt"/>
+              </a:rPr>
+              <a:t>)</a:t>
             </a:r>
             <a:r>
               <a:rPr lang="en-GB" dirty="0" smtClean="0">
@@ -9378,7 +9268,7 @@
           <p:cNvPr id="16" name="Content Placeholder 2">
             <a:extLst>
               <a:ext uri="{FF2B5EF4-FFF2-40B4-BE49-F238E27FC236}">
-                <a16:creationId xmlns:a16="http://schemas.microsoft.com/office/drawing/2014/main" xmlns="" id="{F2E045F5-714F-4E07-87A1-F5696A62ED28}"/>
+                <a16:creationId xmlns="" xmlns:a16="http://schemas.microsoft.com/office/drawing/2014/main" id="{F2E045F5-714F-4E07-87A1-F5696A62ED28}"/>
               </a:ext>
             </a:extLst>
           </p:cNvPr>
@@ -10238,8 +10128,30 @@
                     <a:bodyPr/>
                     <a:lstStyle/>
                     <a:p>
-                      <a:pPr algn="ctr"/>
-                      <a:endParaRPr lang="en-GB" sz="1600" dirty="0"/>
+                      <a:pPr marL="0" marR="0" indent="0" algn="ctr" defTabSz="914400" rtl="0" eaLnBrk="1" fontAlgn="auto" latinLnBrk="0" hangingPunct="1">
+                        <a:lnSpc>
+                          <a:spcPct val="100000"/>
+                        </a:lnSpc>
+                        <a:spcBef>
+                          <a:spcPts val="0"/>
+                        </a:spcBef>
+                        <a:spcAft>
+                          <a:spcPts val="0"/>
+                        </a:spcAft>
+                        <a:buClrTx/>
+                        <a:buSzTx/>
+                        <a:buFontTx/>
+                        <a:buNone/>
+                        <a:tabLst/>
+                        <a:defRPr/>
+                      </a:pPr>
+                      <a:r>
+                        <a:rPr lang="en-GB" sz="2000" dirty="0" smtClean="0">
+                          <a:sym typeface="Wingdings"/>
+                        </a:rPr>
+                        <a:t></a:t>
+                      </a:r>
+                      <a:endParaRPr lang="en-GB" sz="2000" dirty="0" smtClean="0"/>
                     </a:p>
                   </a:txBody>
                   <a:tcPr anchor="ctr">
@@ -10273,12 +10185,6 @@
                         <a:tabLst/>
                         <a:defRPr/>
                       </a:pPr>
-                      <a:r>
-                        <a:rPr lang="en-GB" sz="2000" dirty="0" smtClean="0">
-                          <a:sym typeface="Wingdings"/>
-                        </a:rPr>
-                        <a:t></a:t>
-                      </a:r>
                       <a:endParaRPr lang="en-GB" sz="2000" dirty="0" smtClean="0"/>
                     </a:p>
                   </a:txBody>
@@ -10773,7 +10679,7 @@
     </p:spTree>
     <p:extLst>
       <p:ext uri="{BB962C8B-B14F-4D97-AF65-F5344CB8AC3E}">
-        <p14:creationId xmlns:p14="http://schemas.microsoft.com/office/powerpoint/2010/main" xmlns="" val="2083772189"/>
+        <p14:creationId xmlns="" xmlns:p14="http://schemas.microsoft.com/office/powerpoint/2010/main" val="2083772189"/>
       </p:ext>
     </p:extLst>
   </p:cSld>
@@ -10812,7 +10718,1710 @@
           <p:cNvPr id="4" name="Picture 3">
             <a:extLst>
               <a:ext uri="{FF2B5EF4-FFF2-40B4-BE49-F238E27FC236}">
-                <a16:creationId xmlns:a16="http://schemas.microsoft.com/office/drawing/2014/main" xmlns="" id="{1F7B8747-803D-41C8-89FD-730522D4A3D6}"/>
+                <a16:creationId xmlns="" xmlns:a16="http://schemas.microsoft.com/office/drawing/2014/main" id="{0673D7FF-79D1-47CC-9F17-8BD3F4A92FD2}"/>
+              </a:ext>
+            </a:extLst>
+          </p:cNvPr>
+          <p:cNvPicPr>
+            <a:picLocks noChangeAspect="1"/>
+          </p:cNvPicPr>
+          <p:nvPr/>
+        </p:nvPicPr>
+        <p:blipFill>
+          <a:blip r:embed="rId3"/>
+          <a:stretch>
+            <a:fillRect/>
+          </a:stretch>
+        </p:blipFill>
+        <p:spPr>
+          <a:xfrm>
+            <a:off x="0" y="0"/>
+            <a:ext cx="9141027" cy="6858000"/>
+          </a:xfrm>
+          <a:prstGeom prst="rect">
+            <a:avLst/>
+          </a:prstGeom>
+        </p:spPr>
+      </p:pic>
+      <p:pic>
+        <p:nvPicPr>
+          <p:cNvPr id="9" name="Picture 8">
+            <a:extLst>
+              <a:ext uri="{FF2B5EF4-FFF2-40B4-BE49-F238E27FC236}">
+                <a16:creationId xmlns="" xmlns:a16="http://schemas.microsoft.com/office/drawing/2014/main" id="{90E7F56C-9544-4654-9D9C-A258B0BC56B3}"/>
+              </a:ext>
+            </a:extLst>
+          </p:cNvPr>
+          <p:cNvPicPr>
+            <a:picLocks noChangeAspect="1"/>
+          </p:cNvPicPr>
+          <p:nvPr/>
+        </p:nvPicPr>
+        <p:blipFill>
+          <a:blip r:embed="rId3"/>
+          <a:stretch>
+            <a:fillRect/>
+          </a:stretch>
+        </p:blipFill>
+        <p:spPr>
+          <a:xfrm>
+            <a:off x="3050973" y="0"/>
+            <a:ext cx="9141027" cy="6858000"/>
+          </a:xfrm>
+          <a:prstGeom prst="rect">
+            <a:avLst/>
+          </a:prstGeom>
+        </p:spPr>
+      </p:pic>
+      <p:sp>
+        <p:nvSpPr>
+          <p:cNvPr id="10" name="Rectangle 9">
+            <a:extLst>
+              <a:ext uri="{FF2B5EF4-FFF2-40B4-BE49-F238E27FC236}">
+                <a16:creationId xmlns="" xmlns:a16="http://schemas.microsoft.com/office/drawing/2014/main" id="{7CE6DF49-6ADC-40B9-93F3-F6495F2DC7AB}"/>
+              </a:ext>
+            </a:extLst>
+          </p:cNvPr>
+          <p:cNvSpPr/>
+          <p:nvPr/>
+        </p:nvSpPr>
+        <p:spPr>
+          <a:xfrm>
+            <a:off x="2625754" y="0"/>
+            <a:ext cx="2357307" cy="566053"/>
+          </a:xfrm>
+          <a:prstGeom prst="rect">
+            <a:avLst/>
+          </a:prstGeom>
+          <a:solidFill>
+            <a:srgbClr val="46CDFE"/>
+          </a:solidFill>
+          <a:ln>
+            <a:noFill/>
+          </a:ln>
+        </p:spPr>
+        <p:style>
+          <a:lnRef idx="2">
+            <a:schemeClr val="accent1">
+              <a:shade val="50000"/>
+            </a:schemeClr>
+          </a:lnRef>
+          <a:fillRef idx="1">
+            <a:schemeClr val="accent1"/>
+          </a:fillRef>
+          <a:effectRef idx="0">
+            <a:schemeClr val="accent1"/>
+          </a:effectRef>
+          <a:fontRef idx="minor">
+            <a:schemeClr val="lt1"/>
+          </a:fontRef>
+        </p:style>
+        <p:txBody>
+          <a:bodyPr rtlCol="0" anchor="ctr"/>
+          <a:lstStyle/>
+          <a:p>
+            <a:pPr algn="ctr"/>
+            <a:endParaRPr lang="en-GB"/>
+          </a:p>
+        </p:txBody>
+      </p:sp>
+      <p:sp>
+        <p:nvSpPr>
+          <p:cNvPr id="2" name="Title 1">
+            <a:extLst>
+              <a:ext uri="{FF2B5EF4-FFF2-40B4-BE49-F238E27FC236}">
+                <a16:creationId xmlns="" xmlns:a16="http://schemas.microsoft.com/office/drawing/2014/main" id="{DFC049F8-2284-4161-BE3C-431BCD0EFAB7}"/>
+              </a:ext>
+            </a:extLst>
+          </p:cNvPr>
+          <p:cNvSpPr>
+            <a:spLocks noGrp="1"/>
+          </p:cNvSpPr>
+          <p:nvPr>
+            <p:ph type="title"/>
+          </p:nvPr>
+        </p:nvSpPr>
+        <p:spPr>
+          <a:xfrm>
+            <a:off x="523836" y="365125"/>
+            <a:ext cx="11001452" cy="566053"/>
+          </a:xfrm>
+          <a:solidFill>
+            <a:schemeClr val="bg1"/>
+          </a:solidFill>
+          <a:ln>
+            <a:solidFill>
+              <a:schemeClr val="tx1"/>
+            </a:solidFill>
+          </a:ln>
+        </p:spPr>
+        <p:txBody>
+          <a:bodyPr>
+            <a:normAutofit fontScale="90000"/>
+          </a:bodyPr>
+          <a:lstStyle/>
+          <a:p>
+            <a:pPr>
+              <a:tabLst>
+                <a:tab pos="5383213" algn="ctr"/>
+                <a:tab pos="10817225" algn="r"/>
+              </a:tabLst>
+            </a:pPr>
+            <a:r>
+              <a:rPr lang="en-GB" dirty="0" smtClean="0">
+                <a:latin typeface="+mn-lt"/>
+              </a:rPr>
+              <a:t>	User Feedback </a:t>
+            </a:r>
+            <a:r>
+              <a:rPr lang="en-GB" dirty="0" smtClean="0">
+                <a:latin typeface="+mn-lt"/>
+              </a:rPr>
+              <a:t>– Questionnaire (ii)</a:t>
+            </a:r>
+            <a:r>
+              <a:rPr lang="en-GB" dirty="0" smtClean="0">
+                <a:latin typeface="+mn-lt"/>
+              </a:rPr>
+              <a:t>	</a:t>
+            </a:r>
+            <a:r>
+              <a:rPr lang="en-GB" i="1" dirty="0" smtClean="0">
+                <a:latin typeface="+mn-lt"/>
+              </a:rPr>
+              <a:t>(4)</a:t>
+            </a:r>
+            <a:endParaRPr lang="en-GB" i="1" dirty="0">
+              <a:latin typeface="+mn-lt"/>
+            </a:endParaRPr>
+          </a:p>
+        </p:txBody>
+      </p:sp>
+      <p:sp>
+        <p:nvSpPr>
+          <p:cNvPr id="16" name="Content Placeholder 2">
+            <a:extLst>
+              <a:ext uri="{FF2B5EF4-FFF2-40B4-BE49-F238E27FC236}">
+                <a16:creationId xmlns="" xmlns:a16="http://schemas.microsoft.com/office/drawing/2014/main" id="{F2E045F5-714F-4E07-87A1-F5696A62ED28}"/>
+              </a:ext>
+            </a:extLst>
+          </p:cNvPr>
+          <p:cNvSpPr txBox="1">
+            <a:spLocks/>
+          </p:cNvSpPr>
+          <p:nvPr/>
+        </p:nvSpPr>
+        <p:spPr>
+          <a:xfrm>
+            <a:off x="523836" y="928670"/>
+            <a:ext cx="11001452" cy="5245785"/>
+          </a:xfrm>
+          <a:prstGeom prst="rect">
+            <a:avLst/>
+          </a:prstGeom>
+          <a:solidFill>
+            <a:schemeClr val="bg1"/>
+          </a:solidFill>
+          <a:ln>
+            <a:solidFill>
+              <a:schemeClr val="tx1"/>
+            </a:solidFill>
+          </a:ln>
+        </p:spPr>
+        <p:txBody>
+          <a:bodyPr vert="horz" lIns="91440" tIns="45720" rIns="91440" bIns="45720" rtlCol="0">
+            <a:normAutofit/>
+          </a:bodyPr>
+          <a:lstStyle/>
+          <a:p>
+            <a:pPr marL="0" marR="0" lvl="0" indent="0" algn="l" defTabSz="914400" rtl="0" eaLnBrk="1" fontAlgn="auto" latinLnBrk="0" hangingPunct="1">
+              <a:lnSpc>
+                <a:spcPct val="90000"/>
+              </a:lnSpc>
+              <a:spcBef>
+                <a:spcPts val="1000"/>
+              </a:spcBef>
+              <a:spcAft>
+                <a:spcPts val="0"/>
+              </a:spcAft>
+              <a:buClrTx/>
+              <a:buSzTx/>
+              <a:buFont typeface="Arial" panose="020B0604020202020204" pitchFamily="34" charset="0"/>
+              <a:buNone/>
+              <a:tabLst/>
+              <a:defRPr/>
+            </a:pPr>
+            <a:endParaRPr kumimoji="0" lang="en-GB" sz="2800" b="0" i="0" u="none" strike="noStrike" kern="1200" cap="none" spc="0" normalizeH="0" baseline="0" noProof="0" smtClean="0">
+              <a:ln>
+                <a:noFill/>
+              </a:ln>
+              <a:solidFill>
+                <a:schemeClr val="tx1"/>
+              </a:solidFill>
+              <a:effectLst/>
+              <a:uLnTx/>
+              <a:uFillTx/>
+              <a:latin typeface="Bodoni MT" panose="02070603080606020203" pitchFamily="18" charset="0"/>
+              <a:ea typeface="+mn-ea"/>
+              <a:cs typeface="+mn-cs"/>
+            </a:endParaRPr>
+          </a:p>
+          <a:p>
+            <a:pPr marL="0" marR="0" lvl="0" indent="0" algn="l" defTabSz="914400" rtl="0" eaLnBrk="1" fontAlgn="auto" latinLnBrk="0" hangingPunct="1">
+              <a:lnSpc>
+                <a:spcPct val="90000"/>
+              </a:lnSpc>
+              <a:spcBef>
+                <a:spcPts val="1000"/>
+              </a:spcBef>
+              <a:spcAft>
+                <a:spcPts val="0"/>
+              </a:spcAft>
+              <a:buClrTx/>
+              <a:buSzTx/>
+              <a:buFont typeface="Arial" panose="020B0604020202020204" pitchFamily="34" charset="0"/>
+              <a:buNone/>
+              <a:tabLst/>
+              <a:defRPr/>
+            </a:pPr>
+            <a:endParaRPr kumimoji="0" lang="en-GB" sz="2800" b="0" i="0" u="none" strike="noStrike" kern="1200" cap="none" spc="0" normalizeH="0" baseline="0" noProof="0" dirty="0">
+              <a:ln>
+                <a:noFill/>
+              </a:ln>
+              <a:solidFill>
+                <a:schemeClr val="tx1"/>
+              </a:solidFill>
+              <a:effectLst/>
+              <a:uLnTx/>
+              <a:uFillTx/>
+              <a:latin typeface="Bodoni MT" panose="02070603080606020203" pitchFamily="18" charset="0"/>
+              <a:ea typeface="+mn-ea"/>
+              <a:cs typeface="+mn-cs"/>
+            </a:endParaRPr>
+          </a:p>
+        </p:txBody>
+      </p:sp>
+      <p:graphicFrame>
+        <p:nvGraphicFramePr>
+          <p:cNvPr id="12" name="Content Placeholder 3"/>
+          <p:cNvGraphicFramePr>
+            <a:graphicFrameLocks noGrp="1"/>
+          </p:cNvGraphicFramePr>
+          <p:nvPr>
+            <p:ph idx="1"/>
+          </p:nvPr>
+        </p:nvGraphicFramePr>
+        <p:xfrm>
+          <a:off x="881026" y="1234456"/>
+          <a:ext cx="10215634" cy="4480560"/>
+        </p:xfrm>
+        <a:graphic>
+          <a:graphicData uri="http://schemas.openxmlformats.org/drawingml/2006/table">
+            <a:tbl>
+              <a:tblPr firstRow="1" bandRow="1">
+                <a:tableStyleId>{5C22544A-7EE6-4342-B048-85BDC9FD1C3A}</a:tableStyleId>
+              </a:tblPr>
+              <a:tblGrid>
+                <a:gridCol w="5500726"/>
+                <a:gridCol w="1000132"/>
+                <a:gridCol w="970036"/>
+                <a:gridCol w="925801"/>
+                <a:gridCol w="820418"/>
+                <a:gridCol w="998521"/>
+              </a:tblGrid>
+              <a:tr h="370840">
+                <a:tc>
+                  <a:txBody>
+                    <a:bodyPr/>
+                    <a:lstStyle/>
+                    <a:p>
+                      <a:endParaRPr lang="en-GB" sz="1600" dirty="0"/>
+                    </a:p>
+                  </a:txBody>
+                  <a:tcPr>
+                    <a:solidFill>
+                      <a:schemeClr val="accent5">
+                        <a:lumMod val="75000"/>
+                      </a:schemeClr>
+                    </a:solidFill>
+                  </a:tcPr>
+                </a:tc>
+                <a:tc>
+                  <a:txBody>
+                    <a:bodyPr/>
+                    <a:lstStyle/>
+                    <a:p>
+                      <a:pPr algn="ctr"/>
+                      <a:r>
+                        <a:rPr lang="en-GB" sz="1600" dirty="0" smtClean="0"/>
+                        <a:t>Strongly Disagree</a:t>
+                      </a:r>
+                      <a:endParaRPr lang="en-GB" sz="1600" dirty="0"/>
+                    </a:p>
+                  </a:txBody>
+                  <a:tcPr>
+                    <a:solidFill>
+                      <a:schemeClr val="accent5">
+                        <a:lumMod val="75000"/>
+                      </a:schemeClr>
+                    </a:solidFill>
+                  </a:tcPr>
+                </a:tc>
+                <a:tc>
+                  <a:txBody>
+                    <a:bodyPr/>
+                    <a:lstStyle/>
+                    <a:p>
+                      <a:pPr algn="ctr"/>
+                      <a:r>
+                        <a:rPr lang="en-GB" sz="1600" dirty="0" smtClean="0"/>
+                        <a:t>Disagree</a:t>
+                      </a:r>
+                      <a:endParaRPr lang="en-GB" sz="1600" dirty="0"/>
+                    </a:p>
+                  </a:txBody>
+                  <a:tcPr>
+                    <a:solidFill>
+                      <a:schemeClr val="accent5">
+                        <a:lumMod val="75000"/>
+                      </a:schemeClr>
+                    </a:solidFill>
+                  </a:tcPr>
+                </a:tc>
+                <a:tc>
+                  <a:txBody>
+                    <a:bodyPr/>
+                    <a:lstStyle/>
+                    <a:p>
+                      <a:pPr algn="ctr"/>
+                      <a:r>
+                        <a:rPr lang="en-GB" sz="1600" dirty="0" smtClean="0"/>
+                        <a:t>Neutral</a:t>
+                      </a:r>
+                      <a:endParaRPr lang="en-GB" sz="1600" dirty="0"/>
+                    </a:p>
+                  </a:txBody>
+                  <a:tcPr>
+                    <a:solidFill>
+                      <a:schemeClr val="accent5">
+                        <a:lumMod val="75000"/>
+                      </a:schemeClr>
+                    </a:solidFill>
+                  </a:tcPr>
+                </a:tc>
+                <a:tc>
+                  <a:txBody>
+                    <a:bodyPr/>
+                    <a:lstStyle/>
+                    <a:p>
+                      <a:pPr algn="ctr"/>
+                      <a:r>
+                        <a:rPr lang="en-GB" sz="1600" dirty="0" smtClean="0"/>
+                        <a:t>Agree</a:t>
+                      </a:r>
+                      <a:endParaRPr lang="en-GB" sz="1600" dirty="0"/>
+                    </a:p>
+                  </a:txBody>
+                  <a:tcPr>
+                    <a:solidFill>
+                      <a:schemeClr val="accent5">
+                        <a:lumMod val="75000"/>
+                      </a:schemeClr>
+                    </a:solidFill>
+                  </a:tcPr>
+                </a:tc>
+                <a:tc>
+                  <a:txBody>
+                    <a:bodyPr/>
+                    <a:lstStyle/>
+                    <a:p>
+                      <a:pPr algn="ctr"/>
+                      <a:r>
+                        <a:rPr lang="en-GB" sz="1600" dirty="0" smtClean="0"/>
+                        <a:t>Strongly</a:t>
+                      </a:r>
+                      <a:r>
+                        <a:rPr lang="en-GB" sz="1600" baseline="0" dirty="0" smtClean="0"/>
+                        <a:t> Agree</a:t>
+                      </a:r>
+                      <a:endParaRPr lang="en-GB" sz="1600" dirty="0"/>
+                    </a:p>
+                  </a:txBody>
+                  <a:tcPr>
+                    <a:solidFill>
+                      <a:schemeClr val="accent5">
+                        <a:lumMod val="75000"/>
+                      </a:schemeClr>
+                    </a:solidFill>
+                  </a:tcPr>
+                </a:tc>
+              </a:tr>
+              <a:tr h="370840">
+                <a:tc>
+                  <a:txBody>
+                    <a:bodyPr/>
+                    <a:lstStyle/>
+                    <a:p>
+                      <a:r>
+                        <a:rPr lang="en-GB" sz="1800" kern="1200" dirty="0" smtClean="0">
+                          <a:solidFill>
+                            <a:schemeClr val="dk1"/>
+                          </a:solidFill>
+                          <a:latin typeface="+mn-lt"/>
+                          <a:ea typeface="+mn-ea"/>
+                          <a:cs typeface="+mn-cs"/>
+                        </a:rPr>
+                        <a:t>The game was fun to play</a:t>
+                      </a:r>
+                      <a:endParaRPr lang="en-GB" sz="1800" dirty="0"/>
+                    </a:p>
+                  </a:txBody>
+                  <a:tcPr>
+                    <a:solidFill>
+                      <a:schemeClr val="accent5">
+                        <a:lumMod val="20000"/>
+                        <a:lumOff val="80000"/>
+                      </a:schemeClr>
+                    </a:solidFill>
+                  </a:tcPr>
+                </a:tc>
+                <a:tc>
+                  <a:txBody>
+                    <a:bodyPr/>
+                    <a:lstStyle/>
+                    <a:p>
+                      <a:pPr algn="ctr"/>
+                      <a:endParaRPr lang="en-GB" sz="1600" dirty="0"/>
+                    </a:p>
+                  </a:txBody>
+                  <a:tcPr anchor="ctr">
+                    <a:solidFill>
+                      <a:schemeClr val="accent5">
+                        <a:lumMod val="20000"/>
+                        <a:lumOff val="80000"/>
+                      </a:schemeClr>
+                    </a:solidFill>
+                  </a:tcPr>
+                </a:tc>
+                <a:tc>
+                  <a:txBody>
+                    <a:bodyPr/>
+                    <a:lstStyle/>
+                    <a:p>
+                      <a:pPr algn="ctr"/>
+                      <a:endParaRPr lang="en-GB" sz="1600" dirty="0"/>
+                    </a:p>
+                  </a:txBody>
+                  <a:tcPr anchor="ctr">
+                    <a:solidFill>
+                      <a:schemeClr val="accent5">
+                        <a:lumMod val="20000"/>
+                        <a:lumOff val="80000"/>
+                      </a:schemeClr>
+                    </a:solidFill>
+                  </a:tcPr>
+                </a:tc>
+                <a:tc>
+                  <a:txBody>
+                    <a:bodyPr/>
+                    <a:lstStyle/>
+                    <a:p>
+                      <a:pPr algn="ctr"/>
+                      <a:endParaRPr lang="en-GB" sz="1600" dirty="0"/>
+                    </a:p>
+                  </a:txBody>
+                  <a:tcPr anchor="ctr">
+                    <a:solidFill>
+                      <a:schemeClr val="accent5">
+                        <a:lumMod val="20000"/>
+                        <a:lumOff val="80000"/>
+                      </a:schemeClr>
+                    </a:solidFill>
+                  </a:tcPr>
+                </a:tc>
+                <a:tc>
+                  <a:txBody>
+                    <a:bodyPr/>
+                    <a:lstStyle/>
+                    <a:p>
+                      <a:pPr algn="ctr"/>
+                      <a:r>
+                        <a:rPr lang="en-GB" sz="2000" dirty="0" smtClean="0">
+                          <a:sym typeface="Wingdings"/>
+                        </a:rPr>
+                        <a:t></a:t>
+                      </a:r>
+                      <a:endParaRPr lang="en-GB" sz="2000" dirty="0"/>
+                    </a:p>
+                  </a:txBody>
+                  <a:tcPr anchor="ctr">
+                    <a:solidFill>
+                      <a:schemeClr val="accent5">
+                        <a:lumMod val="20000"/>
+                        <a:lumOff val="80000"/>
+                      </a:schemeClr>
+                    </a:solidFill>
+                  </a:tcPr>
+                </a:tc>
+                <a:tc>
+                  <a:txBody>
+                    <a:bodyPr/>
+                    <a:lstStyle/>
+                    <a:p>
+                      <a:pPr algn="ctr"/>
+                      <a:endParaRPr lang="en-GB" sz="1600" dirty="0"/>
+                    </a:p>
+                  </a:txBody>
+                  <a:tcPr anchor="ctr">
+                    <a:solidFill>
+                      <a:schemeClr val="accent5">
+                        <a:lumMod val="20000"/>
+                        <a:lumOff val="80000"/>
+                      </a:schemeClr>
+                    </a:solidFill>
+                  </a:tcPr>
+                </a:tc>
+              </a:tr>
+              <a:tr h="370840">
+                <a:tc>
+                  <a:txBody>
+                    <a:bodyPr/>
+                    <a:lstStyle/>
+                    <a:p>
+                      <a:r>
+                        <a:rPr lang="en-GB" sz="1800" kern="1200" dirty="0" smtClean="0">
+                          <a:solidFill>
+                            <a:schemeClr val="dk1"/>
+                          </a:solidFill>
+                          <a:latin typeface="+mn-lt"/>
+                          <a:ea typeface="+mn-ea"/>
+                          <a:cs typeface="+mn-cs"/>
+                        </a:rPr>
+                        <a:t>It felt festive (good for Christmas)</a:t>
+                      </a:r>
+                      <a:endParaRPr lang="en-GB" sz="1800" dirty="0"/>
+                    </a:p>
+                  </a:txBody>
+                  <a:tcPr>
+                    <a:solidFill>
+                      <a:schemeClr val="accent5">
+                        <a:lumMod val="40000"/>
+                        <a:lumOff val="60000"/>
+                      </a:schemeClr>
+                    </a:solidFill>
+                  </a:tcPr>
+                </a:tc>
+                <a:tc>
+                  <a:txBody>
+                    <a:bodyPr/>
+                    <a:lstStyle/>
+                    <a:p>
+                      <a:pPr algn="ctr"/>
+                      <a:endParaRPr lang="en-GB" sz="1600" dirty="0"/>
+                    </a:p>
+                  </a:txBody>
+                  <a:tcPr anchor="ctr">
+                    <a:solidFill>
+                      <a:schemeClr val="accent5">
+                        <a:lumMod val="40000"/>
+                        <a:lumOff val="60000"/>
+                      </a:schemeClr>
+                    </a:solidFill>
+                  </a:tcPr>
+                </a:tc>
+                <a:tc>
+                  <a:txBody>
+                    <a:bodyPr/>
+                    <a:lstStyle/>
+                    <a:p>
+                      <a:pPr algn="ctr"/>
+                      <a:endParaRPr lang="en-GB" sz="1600" dirty="0"/>
+                    </a:p>
+                  </a:txBody>
+                  <a:tcPr anchor="ctr">
+                    <a:solidFill>
+                      <a:schemeClr val="accent5">
+                        <a:lumMod val="40000"/>
+                        <a:lumOff val="60000"/>
+                      </a:schemeClr>
+                    </a:solidFill>
+                  </a:tcPr>
+                </a:tc>
+                <a:tc>
+                  <a:txBody>
+                    <a:bodyPr/>
+                    <a:lstStyle/>
+                    <a:p>
+                      <a:pPr algn="ctr"/>
+                      <a:endParaRPr lang="en-GB" sz="1600" dirty="0"/>
+                    </a:p>
+                  </a:txBody>
+                  <a:tcPr anchor="ctr">
+                    <a:solidFill>
+                      <a:schemeClr val="accent5">
+                        <a:lumMod val="40000"/>
+                        <a:lumOff val="60000"/>
+                      </a:schemeClr>
+                    </a:solidFill>
+                  </a:tcPr>
+                </a:tc>
+                <a:tc>
+                  <a:txBody>
+                    <a:bodyPr/>
+                    <a:lstStyle/>
+                    <a:p>
+                      <a:pPr algn="ctr"/>
+                      <a:endParaRPr lang="en-GB" sz="1600" dirty="0"/>
+                    </a:p>
+                  </a:txBody>
+                  <a:tcPr anchor="ctr">
+                    <a:solidFill>
+                      <a:schemeClr val="accent5">
+                        <a:lumMod val="40000"/>
+                        <a:lumOff val="60000"/>
+                      </a:schemeClr>
+                    </a:solidFill>
+                  </a:tcPr>
+                </a:tc>
+                <a:tc>
+                  <a:txBody>
+                    <a:bodyPr/>
+                    <a:lstStyle/>
+                    <a:p>
+                      <a:pPr algn="ctr"/>
+                      <a:r>
+                        <a:rPr lang="en-GB" sz="2000" dirty="0" smtClean="0">
+                          <a:sym typeface="Wingdings"/>
+                        </a:rPr>
+                        <a:t></a:t>
+                      </a:r>
+                      <a:endParaRPr lang="en-GB" sz="2000" dirty="0"/>
+                    </a:p>
+                  </a:txBody>
+                  <a:tcPr anchor="ctr">
+                    <a:solidFill>
+                      <a:schemeClr val="accent5">
+                        <a:lumMod val="40000"/>
+                        <a:lumOff val="60000"/>
+                      </a:schemeClr>
+                    </a:solidFill>
+                  </a:tcPr>
+                </a:tc>
+              </a:tr>
+              <a:tr h="370840">
+                <a:tc>
+                  <a:txBody>
+                    <a:bodyPr/>
+                    <a:lstStyle/>
+                    <a:p>
+                      <a:r>
+                        <a:rPr lang="en-GB" sz="1800" kern="1200" dirty="0" smtClean="0">
+                          <a:solidFill>
+                            <a:schemeClr val="dk1"/>
+                          </a:solidFill>
+                          <a:latin typeface="+mn-lt"/>
+                          <a:ea typeface="+mn-ea"/>
+                          <a:cs typeface="+mn-cs"/>
+                        </a:rPr>
+                        <a:t>The game flowed smoothly</a:t>
+                      </a:r>
+                      <a:endParaRPr lang="en-GB" sz="1600" dirty="0"/>
+                    </a:p>
+                  </a:txBody>
+                  <a:tcPr>
+                    <a:solidFill>
+                      <a:schemeClr val="accent5">
+                        <a:lumMod val="20000"/>
+                        <a:lumOff val="80000"/>
+                      </a:schemeClr>
+                    </a:solidFill>
+                  </a:tcPr>
+                </a:tc>
+                <a:tc>
+                  <a:txBody>
+                    <a:bodyPr/>
+                    <a:lstStyle/>
+                    <a:p>
+                      <a:pPr algn="ctr"/>
+                      <a:endParaRPr lang="en-GB" sz="1600" dirty="0"/>
+                    </a:p>
+                  </a:txBody>
+                  <a:tcPr anchor="ctr">
+                    <a:solidFill>
+                      <a:schemeClr val="accent5">
+                        <a:lumMod val="20000"/>
+                        <a:lumOff val="80000"/>
+                      </a:schemeClr>
+                    </a:solidFill>
+                  </a:tcPr>
+                </a:tc>
+                <a:tc>
+                  <a:txBody>
+                    <a:bodyPr/>
+                    <a:lstStyle/>
+                    <a:p>
+                      <a:pPr algn="ctr"/>
+                      <a:endParaRPr lang="en-GB" sz="1600" dirty="0"/>
+                    </a:p>
+                  </a:txBody>
+                  <a:tcPr anchor="ctr">
+                    <a:solidFill>
+                      <a:schemeClr val="accent5">
+                        <a:lumMod val="20000"/>
+                        <a:lumOff val="80000"/>
+                      </a:schemeClr>
+                    </a:solidFill>
+                  </a:tcPr>
+                </a:tc>
+                <a:tc>
+                  <a:txBody>
+                    <a:bodyPr/>
+                    <a:lstStyle/>
+                    <a:p>
+                      <a:pPr marL="0" marR="0" indent="0" algn="ctr" defTabSz="914400" rtl="0" eaLnBrk="1" fontAlgn="auto" latinLnBrk="0" hangingPunct="1">
+                        <a:lnSpc>
+                          <a:spcPct val="100000"/>
+                        </a:lnSpc>
+                        <a:spcBef>
+                          <a:spcPts val="0"/>
+                        </a:spcBef>
+                        <a:spcAft>
+                          <a:spcPts val="0"/>
+                        </a:spcAft>
+                        <a:buClrTx/>
+                        <a:buSzTx/>
+                        <a:buFontTx/>
+                        <a:buNone/>
+                        <a:tabLst/>
+                        <a:defRPr/>
+                      </a:pPr>
+                      <a:endParaRPr lang="en-GB" sz="2000" dirty="0" smtClean="0"/>
+                    </a:p>
+                  </a:txBody>
+                  <a:tcPr anchor="ctr">
+                    <a:solidFill>
+                      <a:schemeClr val="accent5">
+                        <a:lumMod val="20000"/>
+                        <a:lumOff val="80000"/>
+                      </a:schemeClr>
+                    </a:solidFill>
+                  </a:tcPr>
+                </a:tc>
+                <a:tc>
+                  <a:txBody>
+                    <a:bodyPr/>
+                    <a:lstStyle/>
+                    <a:p>
+                      <a:pPr marL="0" marR="0" indent="0" algn="ctr" defTabSz="914400" rtl="0" eaLnBrk="1" fontAlgn="auto" latinLnBrk="0" hangingPunct="1">
+                        <a:lnSpc>
+                          <a:spcPct val="100000"/>
+                        </a:lnSpc>
+                        <a:spcBef>
+                          <a:spcPts val="0"/>
+                        </a:spcBef>
+                        <a:spcAft>
+                          <a:spcPts val="0"/>
+                        </a:spcAft>
+                        <a:buClrTx/>
+                        <a:buSzTx/>
+                        <a:buFontTx/>
+                        <a:buNone/>
+                        <a:tabLst/>
+                        <a:defRPr/>
+                      </a:pPr>
+                      <a:r>
+                        <a:rPr lang="en-GB" sz="2000" dirty="0" smtClean="0">
+                          <a:solidFill>
+                            <a:srgbClr val="FF0000"/>
+                          </a:solidFill>
+                          <a:sym typeface="Wingdings"/>
+                        </a:rPr>
+                        <a:t></a:t>
+                      </a:r>
+                      <a:endParaRPr lang="en-GB" sz="2000" dirty="0" smtClean="0">
+                        <a:solidFill>
+                          <a:srgbClr val="FF0000"/>
+                        </a:solidFill>
+                      </a:endParaRPr>
+                    </a:p>
+                  </a:txBody>
+                  <a:tcPr anchor="ctr">
+                    <a:solidFill>
+                      <a:schemeClr val="accent5">
+                        <a:lumMod val="20000"/>
+                        <a:lumOff val="80000"/>
+                      </a:schemeClr>
+                    </a:solidFill>
+                  </a:tcPr>
+                </a:tc>
+                <a:tc>
+                  <a:txBody>
+                    <a:bodyPr/>
+                    <a:lstStyle/>
+                    <a:p>
+                      <a:pPr algn="ctr"/>
+                      <a:endParaRPr lang="en-GB" sz="1600" dirty="0"/>
+                    </a:p>
+                  </a:txBody>
+                  <a:tcPr anchor="ctr">
+                    <a:solidFill>
+                      <a:schemeClr val="accent5">
+                        <a:lumMod val="20000"/>
+                        <a:lumOff val="80000"/>
+                      </a:schemeClr>
+                    </a:solidFill>
+                  </a:tcPr>
+                </a:tc>
+              </a:tr>
+              <a:tr h="370840">
+                <a:tc>
+                  <a:txBody>
+                    <a:bodyPr/>
+                    <a:lstStyle/>
+                    <a:p>
+                      <a:r>
+                        <a:rPr lang="en-GB" sz="1800" kern="1200" dirty="0" smtClean="0">
+                          <a:solidFill>
+                            <a:schemeClr val="dk1"/>
+                          </a:solidFill>
+                          <a:latin typeface="+mn-lt"/>
+                          <a:ea typeface="+mn-ea"/>
+                          <a:cs typeface="+mn-cs"/>
+                        </a:rPr>
+                        <a:t>I was happy with the length of time to complete the game</a:t>
+                      </a:r>
+                      <a:endParaRPr lang="en-GB" sz="1600" dirty="0"/>
+                    </a:p>
+                  </a:txBody>
+                  <a:tcPr>
+                    <a:solidFill>
+                      <a:schemeClr val="accent5">
+                        <a:lumMod val="40000"/>
+                        <a:lumOff val="60000"/>
+                      </a:schemeClr>
+                    </a:solidFill>
+                  </a:tcPr>
+                </a:tc>
+                <a:tc>
+                  <a:txBody>
+                    <a:bodyPr/>
+                    <a:lstStyle/>
+                    <a:p>
+                      <a:pPr algn="ctr"/>
+                      <a:endParaRPr lang="en-GB" sz="1600" dirty="0"/>
+                    </a:p>
+                  </a:txBody>
+                  <a:tcPr anchor="ctr">
+                    <a:solidFill>
+                      <a:schemeClr val="accent5">
+                        <a:lumMod val="40000"/>
+                        <a:lumOff val="60000"/>
+                      </a:schemeClr>
+                    </a:solidFill>
+                  </a:tcPr>
+                </a:tc>
+                <a:tc>
+                  <a:txBody>
+                    <a:bodyPr/>
+                    <a:lstStyle/>
+                    <a:p>
+                      <a:pPr algn="ctr"/>
+                      <a:endParaRPr lang="en-GB" sz="1600" dirty="0"/>
+                    </a:p>
+                  </a:txBody>
+                  <a:tcPr anchor="ctr">
+                    <a:solidFill>
+                      <a:schemeClr val="accent5">
+                        <a:lumMod val="40000"/>
+                        <a:lumOff val="60000"/>
+                      </a:schemeClr>
+                    </a:solidFill>
+                  </a:tcPr>
+                </a:tc>
+                <a:tc>
+                  <a:txBody>
+                    <a:bodyPr/>
+                    <a:lstStyle/>
+                    <a:p>
+                      <a:pPr algn="ctr"/>
+                      <a:endParaRPr lang="en-GB" sz="1600" dirty="0"/>
+                    </a:p>
+                  </a:txBody>
+                  <a:tcPr anchor="ctr">
+                    <a:solidFill>
+                      <a:schemeClr val="accent5">
+                        <a:lumMod val="40000"/>
+                        <a:lumOff val="60000"/>
+                      </a:schemeClr>
+                    </a:solidFill>
+                  </a:tcPr>
+                </a:tc>
+                <a:tc>
+                  <a:txBody>
+                    <a:bodyPr/>
+                    <a:lstStyle/>
+                    <a:p>
+                      <a:pPr marL="0" marR="0" indent="0" algn="ctr" defTabSz="914400" rtl="0" eaLnBrk="1" fontAlgn="auto" latinLnBrk="0" hangingPunct="1">
+                        <a:lnSpc>
+                          <a:spcPct val="100000"/>
+                        </a:lnSpc>
+                        <a:spcBef>
+                          <a:spcPts val="0"/>
+                        </a:spcBef>
+                        <a:spcAft>
+                          <a:spcPts val="0"/>
+                        </a:spcAft>
+                        <a:buClrTx/>
+                        <a:buSzTx/>
+                        <a:buFontTx/>
+                        <a:buNone/>
+                        <a:tabLst/>
+                        <a:defRPr/>
+                      </a:pPr>
+                      <a:r>
+                        <a:rPr lang="en-GB" sz="2000" dirty="0" smtClean="0">
+                          <a:sym typeface="Wingdings"/>
+                        </a:rPr>
+                        <a:t></a:t>
+                      </a:r>
+                      <a:endParaRPr lang="en-GB" sz="2000" dirty="0" smtClean="0"/>
+                    </a:p>
+                  </a:txBody>
+                  <a:tcPr anchor="ctr">
+                    <a:solidFill>
+                      <a:schemeClr val="accent5">
+                        <a:lumMod val="40000"/>
+                        <a:lumOff val="60000"/>
+                      </a:schemeClr>
+                    </a:solidFill>
+                  </a:tcPr>
+                </a:tc>
+                <a:tc>
+                  <a:txBody>
+                    <a:bodyPr/>
+                    <a:lstStyle/>
+                    <a:p>
+                      <a:pPr algn="ctr"/>
+                      <a:endParaRPr lang="en-GB" sz="1600" dirty="0"/>
+                    </a:p>
+                  </a:txBody>
+                  <a:tcPr anchor="ctr">
+                    <a:solidFill>
+                      <a:schemeClr val="accent5">
+                        <a:lumMod val="40000"/>
+                        <a:lumOff val="60000"/>
+                      </a:schemeClr>
+                    </a:solidFill>
+                  </a:tcPr>
+                </a:tc>
+              </a:tr>
+              <a:tr h="370840">
+                <a:tc>
+                  <a:txBody>
+                    <a:bodyPr/>
+                    <a:lstStyle/>
+                    <a:p>
+                      <a:r>
+                        <a:rPr lang="en-GB" sz="1800" kern="1200" dirty="0" smtClean="0">
+                          <a:solidFill>
+                            <a:schemeClr val="dk1"/>
+                          </a:solidFill>
+                          <a:latin typeface="+mn-lt"/>
+                          <a:ea typeface="+mn-ea"/>
+                          <a:cs typeface="+mn-cs"/>
+                        </a:rPr>
+                        <a:t>I found it easy to move the player where I wanted</a:t>
+                      </a:r>
+                      <a:endParaRPr lang="en-GB" sz="1600" dirty="0"/>
+                    </a:p>
+                  </a:txBody>
+                  <a:tcPr>
+                    <a:solidFill>
+                      <a:schemeClr val="accent5">
+                        <a:lumMod val="20000"/>
+                        <a:lumOff val="80000"/>
+                      </a:schemeClr>
+                    </a:solidFill>
+                  </a:tcPr>
+                </a:tc>
+                <a:tc>
+                  <a:txBody>
+                    <a:bodyPr/>
+                    <a:lstStyle/>
+                    <a:p>
+                      <a:pPr algn="ctr"/>
+                      <a:endParaRPr lang="en-GB" sz="1600" dirty="0"/>
+                    </a:p>
+                  </a:txBody>
+                  <a:tcPr anchor="ctr">
+                    <a:solidFill>
+                      <a:schemeClr val="accent5">
+                        <a:lumMod val="20000"/>
+                        <a:lumOff val="80000"/>
+                      </a:schemeClr>
+                    </a:solidFill>
+                  </a:tcPr>
+                </a:tc>
+                <a:tc>
+                  <a:txBody>
+                    <a:bodyPr/>
+                    <a:lstStyle/>
+                    <a:p>
+                      <a:pPr algn="ctr"/>
+                      <a:endParaRPr lang="en-GB" sz="1600" dirty="0"/>
+                    </a:p>
+                  </a:txBody>
+                  <a:tcPr anchor="ctr">
+                    <a:solidFill>
+                      <a:schemeClr val="accent5">
+                        <a:lumMod val="20000"/>
+                        <a:lumOff val="80000"/>
+                      </a:schemeClr>
+                    </a:solidFill>
+                  </a:tcPr>
+                </a:tc>
+                <a:tc>
+                  <a:txBody>
+                    <a:bodyPr/>
+                    <a:lstStyle/>
+                    <a:p>
+                      <a:pPr algn="ctr"/>
+                      <a:r>
+                        <a:rPr lang="en-GB" sz="2000" dirty="0" smtClean="0">
+                          <a:sym typeface="Wingdings"/>
+                        </a:rPr>
+                        <a:t></a:t>
+                      </a:r>
+                      <a:endParaRPr lang="en-GB" sz="2000" dirty="0"/>
+                    </a:p>
+                  </a:txBody>
+                  <a:tcPr anchor="ctr">
+                    <a:solidFill>
+                      <a:schemeClr val="accent5">
+                        <a:lumMod val="20000"/>
+                        <a:lumOff val="80000"/>
+                      </a:schemeClr>
+                    </a:solidFill>
+                  </a:tcPr>
+                </a:tc>
+                <a:tc>
+                  <a:txBody>
+                    <a:bodyPr/>
+                    <a:lstStyle/>
+                    <a:p>
+                      <a:pPr marL="0" marR="0" indent="0" algn="ctr" defTabSz="914400" rtl="0" eaLnBrk="1" fontAlgn="auto" latinLnBrk="0" hangingPunct="1">
+                        <a:lnSpc>
+                          <a:spcPct val="100000"/>
+                        </a:lnSpc>
+                        <a:spcBef>
+                          <a:spcPts val="0"/>
+                        </a:spcBef>
+                        <a:spcAft>
+                          <a:spcPts val="0"/>
+                        </a:spcAft>
+                        <a:buClrTx/>
+                        <a:buSzTx/>
+                        <a:buFontTx/>
+                        <a:buNone/>
+                        <a:tabLst/>
+                        <a:defRPr/>
+                      </a:pPr>
+                      <a:endParaRPr lang="en-GB" sz="2000" dirty="0" smtClean="0"/>
+                    </a:p>
+                  </a:txBody>
+                  <a:tcPr anchor="ctr">
+                    <a:solidFill>
+                      <a:schemeClr val="accent5">
+                        <a:lumMod val="20000"/>
+                        <a:lumOff val="80000"/>
+                      </a:schemeClr>
+                    </a:solidFill>
+                  </a:tcPr>
+                </a:tc>
+                <a:tc>
+                  <a:txBody>
+                    <a:bodyPr/>
+                    <a:lstStyle/>
+                    <a:p>
+                      <a:pPr algn="ctr"/>
+                      <a:endParaRPr lang="en-GB" sz="1600" dirty="0"/>
+                    </a:p>
+                  </a:txBody>
+                  <a:tcPr anchor="ctr">
+                    <a:solidFill>
+                      <a:schemeClr val="accent5">
+                        <a:lumMod val="20000"/>
+                        <a:lumOff val="80000"/>
+                      </a:schemeClr>
+                    </a:solidFill>
+                  </a:tcPr>
+                </a:tc>
+              </a:tr>
+              <a:tr h="370840">
+                <a:tc>
+                  <a:txBody>
+                    <a:bodyPr/>
+                    <a:lstStyle/>
+                    <a:p>
+                      <a:r>
+                        <a:rPr lang="en-GB" sz="1800" kern="1200" dirty="0" smtClean="0">
+                          <a:solidFill>
+                            <a:schemeClr val="dk1"/>
+                          </a:solidFill>
+                          <a:latin typeface="+mn-lt"/>
+                          <a:ea typeface="+mn-ea"/>
+                          <a:cs typeface="+mn-cs"/>
+                        </a:rPr>
+                        <a:t>I found the design attractive (characters, backgrounds, puzzles)</a:t>
+                      </a:r>
+                      <a:endParaRPr lang="en-GB" sz="1600" dirty="0"/>
+                    </a:p>
+                  </a:txBody>
+                  <a:tcPr>
+                    <a:solidFill>
+                      <a:schemeClr val="accent5">
+                        <a:lumMod val="40000"/>
+                        <a:lumOff val="60000"/>
+                      </a:schemeClr>
+                    </a:solidFill>
+                  </a:tcPr>
+                </a:tc>
+                <a:tc>
+                  <a:txBody>
+                    <a:bodyPr/>
+                    <a:lstStyle/>
+                    <a:p>
+                      <a:pPr algn="ctr"/>
+                      <a:endParaRPr lang="en-GB" sz="1600" dirty="0"/>
+                    </a:p>
+                  </a:txBody>
+                  <a:tcPr anchor="ctr">
+                    <a:solidFill>
+                      <a:schemeClr val="accent5">
+                        <a:lumMod val="40000"/>
+                        <a:lumOff val="60000"/>
+                      </a:schemeClr>
+                    </a:solidFill>
+                  </a:tcPr>
+                </a:tc>
+                <a:tc>
+                  <a:txBody>
+                    <a:bodyPr/>
+                    <a:lstStyle/>
+                    <a:p>
+                      <a:pPr algn="ctr"/>
+                      <a:endParaRPr lang="en-GB" sz="1600" dirty="0"/>
+                    </a:p>
+                  </a:txBody>
+                  <a:tcPr anchor="ctr">
+                    <a:solidFill>
+                      <a:schemeClr val="accent5">
+                        <a:lumMod val="40000"/>
+                        <a:lumOff val="60000"/>
+                      </a:schemeClr>
+                    </a:solidFill>
+                  </a:tcPr>
+                </a:tc>
+                <a:tc>
+                  <a:txBody>
+                    <a:bodyPr/>
+                    <a:lstStyle/>
+                    <a:p>
+                      <a:pPr algn="ctr"/>
+                      <a:endParaRPr lang="en-GB" sz="1600" dirty="0"/>
+                    </a:p>
+                  </a:txBody>
+                  <a:tcPr anchor="ctr">
+                    <a:solidFill>
+                      <a:schemeClr val="accent5">
+                        <a:lumMod val="40000"/>
+                        <a:lumOff val="60000"/>
+                      </a:schemeClr>
+                    </a:solidFill>
+                  </a:tcPr>
+                </a:tc>
+                <a:tc>
+                  <a:txBody>
+                    <a:bodyPr/>
+                    <a:lstStyle/>
+                    <a:p>
+                      <a:pPr algn="ctr"/>
+                      <a:endParaRPr lang="en-GB" sz="1600" dirty="0"/>
+                    </a:p>
+                  </a:txBody>
+                  <a:tcPr anchor="ctr">
+                    <a:solidFill>
+                      <a:schemeClr val="accent5">
+                        <a:lumMod val="40000"/>
+                        <a:lumOff val="60000"/>
+                      </a:schemeClr>
+                    </a:solidFill>
+                  </a:tcPr>
+                </a:tc>
+                <a:tc>
+                  <a:txBody>
+                    <a:bodyPr/>
+                    <a:lstStyle/>
+                    <a:p>
+                      <a:pPr marL="0" marR="0" indent="0" algn="ctr" defTabSz="914400" rtl="0" eaLnBrk="1" fontAlgn="auto" latinLnBrk="0" hangingPunct="1">
+                        <a:lnSpc>
+                          <a:spcPct val="100000"/>
+                        </a:lnSpc>
+                        <a:spcBef>
+                          <a:spcPts val="0"/>
+                        </a:spcBef>
+                        <a:spcAft>
+                          <a:spcPts val="0"/>
+                        </a:spcAft>
+                        <a:buClrTx/>
+                        <a:buSzTx/>
+                        <a:buFontTx/>
+                        <a:buNone/>
+                        <a:tabLst/>
+                        <a:defRPr/>
+                      </a:pPr>
+                      <a:r>
+                        <a:rPr lang="en-GB" sz="2000" dirty="0" smtClean="0">
+                          <a:sym typeface="Wingdings"/>
+                        </a:rPr>
+                        <a:t></a:t>
+                      </a:r>
+                      <a:endParaRPr lang="en-GB" sz="2000" dirty="0" smtClean="0"/>
+                    </a:p>
+                  </a:txBody>
+                  <a:tcPr anchor="ctr">
+                    <a:solidFill>
+                      <a:schemeClr val="accent5">
+                        <a:lumMod val="40000"/>
+                        <a:lumOff val="60000"/>
+                      </a:schemeClr>
+                    </a:solidFill>
+                  </a:tcPr>
+                </a:tc>
+              </a:tr>
+              <a:tr h="370840">
+                <a:tc>
+                  <a:txBody>
+                    <a:bodyPr/>
+                    <a:lstStyle/>
+                    <a:p>
+                      <a:r>
+                        <a:rPr lang="en-GB" sz="1800" kern="1200" dirty="0" smtClean="0">
+                          <a:solidFill>
+                            <a:schemeClr val="dk1"/>
+                          </a:solidFill>
+                          <a:latin typeface="+mn-lt"/>
+                          <a:ea typeface="+mn-ea"/>
+                          <a:cs typeface="+mn-cs"/>
+                        </a:rPr>
+                        <a:t>The game flowed well between platforms and puzzles</a:t>
+                      </a:r>
+                      <a:endParaRPr lang="en-GB" sz="1600" dirty="0"/>
+                    </a:p>
+                  </a:txBody>
+                  <a:tcPr>
+                    <a:solidFill>
+                      <a:schemeClr val="accent5">
+                        <a:lumMod val="20000"/>
+                        <a:lumOff val="80000"/>
+                      </a:schemeClr>
+                    </a:solidFill>
+                  </a:tcPr>
+                </a:tc>
+                <a:tc>
+                  <a:txBody>
+                    <a:bodyPr/>
+                    <a:lstStyle/>
+                    <a:p>
+                      <a:pPr algn="ctr"/>
+                      <a:endParaRPr lang="en-GB" sz="1600" dirty="0"/>
+                    </a:p>
+                  </a:txBody>
+                  <a:tcPr anchor="ctr">
+                    <a:solidFill>
+                      <a:schemeClr val="accent5">
+                        <a:lumMod val="20000"/>
+                        <a:lumOff val="80000"/>
+                      </a:schemeClr>
+                    </a:solidFill>
+                  </a:tcPr>
+                </a:tc>
+                <a:tc>
+                  <a:txBody>
+                    <a:bodyPr/>
+                    <a:lstStyle/>
+                    <a:p>
+                      <a:pPr marL="0" marR="0" indent="0" algn="ctr" defTabSz="914400" rtl="0" eaLnBrk="1" fontAlgn="auto" latinLnBrk="0" hangingPunct="1">
+                        <a:lnSpc>
+                          <a:spcPct val="100000"/>
+                        </a:lnSpc>
+                        <a:spcBef>
+                          <a:spcPts val="0"/>
+                        </a:spcBef>
+                        <a:spcAft>
+                          <a:spcPts val="0"/>
+                        </a:spcAft>
+                        <a:buClrTx/>
+                        <a:buSzTx/>
+                        <a:buFontTx/>
+                        <a:buNone/>
+                        <a:tabLst/>
+                        <a:defRPr/>
+                      </a:pPr>
+                      <a:endParaRPr lang="en-GB" sz="2000" dirty="0" smtClean="0"/>
+                    </a:p>
+                  </a:txBody>
+                  <a:tcPr anchor="ctr">
+                    <a:solidFill>
+                      <a:schemeClr val="accent5">
+                        <a:lumMod val="20000"/>
+                        <a:lumOff val="80000"/>
+                      </a:schemeClr>
+                    </a:solidFill>
+                  </a:tcPr>
+                </a:tc>
+                <a:tc>
+                  <a:txBody>
+                    <a:bodyPr/>
+                    <a:lstStyle/>
+                    <a:p>
+                      <a:pPr algn="ctr"/>
+                      <a:endParaRPr lang="en-GB" sz="1600" dirty="0"/>
+                    </a:p>
+                  </a:txBody>
+                  <a:tcPr anchor="ctr">
+                    <a:solidFill>
+                      <a:schemeClr val="accent5">
+                        <a:lumMod val="20000"/>
+                        <a:lumOff val="80000"/>
+                      </a:schemeClr>
+                    </a:solidFill>
+                  </a:tcPr>
+                </a:tc>
+                <a:tc>
+                  <a:txBody>
+                    <a:bodyPr/>
+                    <a:lstStyle/>
+                    <a:p>
+                      <a:pPr marL="0" marR="0" indent="0" algn="ctr" defTabSz="914400" rtl="0" eaLnBrk="1" fontAlgn="auto" latinLnBrk="0" hangingPunct="1">
+                        <a:lnSpc>
+                          <a:spcPct val="100000"/>
+                        </a:lnSpc>
+                        <a:spcBef>
+                          <a:spcPts val="0"/>
+                        </a:spcBef>
+                        <a:spcAft>
+                          <a:spcPts val="0"/>
+                        </a:spcAft>
+                        <a:buClrTx/>
+                        <a:buSzTx/>
+                        <a:buFontTx/>
+                        <a:buNone/>
+                        <a:tabLst/>
+                        <a:defRPr/>
+                      </a:pPr>
+                      <a:r>
+                        <a:rPr lang="en-GB" sz="2000" dirty="0" smtClean="0">
+                          <a:solidFill>
+                            <a:srgbClr val="FF0000"/>
+                          </a:solidFill>
+                          <a:sym typeface="Wingdings"/>
+                        </a:rPr>
+                        <a:t></a:t>
+                      </a:r>
+                      <a:endParaRPr lang="en-GB" sz="1600" dirty="0" smtClean="0">
+                        <a:solidFill>
+                          <a:srgbClr val="FF0000"/>
+                        </a:solidFill>
+                      </a:endParaRPr>
+                    </a:p>
+                  </a:txBody>
+                  <a:tcPr anchor="ctr">
+                    <a:solidFill>
+                      <a:schemeClr val="accent5">
+                        <a:lumMod val="20000"/>
+                        <a:lumOff val="80000"/>
+                      </a:schemeClr>
+                    </a:solidFill>
+                  </a:tcPr>
+                </a:tc>
+                <a:tc>
+                  <a:txBody>
+                    <a:bodyPr/>
+                    <a:lstStyle/>
+                    <a:p>
+                      <a:pPr algn="ctr"/>
+                      <a:endParaRPr lang="en-GB" sz="1600" dirty="0"/>
+                    </a:p>
+                  </a:txBody>
+                  <a:tcPr anchor="ctr">
+                    <a:solidFill>
+                      <a:schemeClr val="accent5">
+                        <a:lumMod val="20000"/>
+                        <a:lumOff val="80000"/>
+                      </a:schemeClr>
+                    </a:solidFill>
+                  </a:tcPr>
+                </a:tc>
+              </a:tr>
+              <a:tr h="370840">
+                <a:tc>
+                  <a:txBody>
+                    <a:bodyPr/>
+                    <a:lstStyle/>
+                    <a:p>
+                      <a:r>
+                        <a:rPr lang="en-GB" sz="1800" kern="1200" dirty="0" smtClean="0">
+                          <a:solidFill>
+                            <a:schemeClr val="dk1"/>
+                          </a:solidFill>
+                          <a:latin typeface="+mn-lt"/>
+                          <a:ea typeface="+mn-ea"/>
+                          <a:cs typeface="+mn-cs"/>
+                        </a:rPr>
+                        <a:t>I thought the idea of the Christmas room integrated well with the game</a:t>
+                      </a:r>
+                      <a:endParaRPr lang="en-GB" sz="1600" dirty="0"/>
+                    </a:p>
+                  </a:txBody>
+                  <a:tcPr>
+                    <a:solidFill>
+                      <a:schemeClr val="accent5">
+                        <a:lumMod val="40000"/>
+                        <a:lumOff val="60000"/>
+                      </a:schemeClr>
+                    </a:solidFill>
+                  </a:tcPr>
+                </a:tc>
+                <a:tc>
+                  <a:txBody>
+                    <a:bodyPr/>
+                    <a:lstStyle/>
+                    <a:p>
+                      <a:pPr algn="ctr"/>
+                      <a:endParaRPr lang="en-GB" sz="1600" dirty="0"/>
+                    </a:p>
+                  </a:txBody>
+                  <a:tcPr anchor="ctr">
+                    <a:solidFill>
+                      <a:schemeClr val="accent5">
+                        <a:lumMod val="40000"/>
+                        <a:lumOff val="60000"/>
+                      </a:schemeClr>
+                    </a:solidFill>
+                  </a:tcPr>
+                </a:tc>
+                <a:tc>
+                  <a:txBody>
+                    <a:bodyPr/>
+                    <a:lstStyle/>
+                    <a:p>
+                      <a:pPr algn="ctr"/>
+                      <a:endParaRPr lang="en-GB" sz="1600" dirty="0"/>
+                    </a:p>
+                  </a:txBody>
+                  <a:tcPr anchor="ctr">
+                    <a:solidFill>
+                      <a:schemeClr val="accent5">
+                        <a:lumMod val="40000"/>
+                        <a:lumOff val="60000"/>
+                      </a:schemeClr>
+                    </a:solidFill>
+                  </a:tcPr>
+                </a:tc>
+                <a:tc>
+                  <a:txBody>
+                    <a:bodyPr/>
+                    <a:lstStyle/>
+                    <a:p>
+                      <a:pPr marL="0" marR="0" indent="0" algn="ctr" defTabSz="914400" rtl="0" eaLnBrk="1" fontAlgn="auto" latinLnBrk="0" hangingPunct="1">
+                        <a:lnSpc>
+                          <a:spcPct val="100000"/>
+                        </a:lnSpc>
+                        <a:spcBef>
+                          <a:spcPts val="0"/>
+                        </a:spcBef>
+                        <a:spcAft>
+                          <a:spcPts val="0"/>
+                        </a:spcAft>
+                        <a:buClrTx/>
+                        <a:buSzTx/>
+                        <a:buFontTx/>
+                        <a:buNone/>
+                        <a:tabLst/>
+                        <a:defRPr/>
+                      </a:pPr>
+                      <a:endParaRPr lang="en-GB" sz="2000" dirty="0" smtClean="0"/>
+                    </a:p>
+                  </a:txBody>
+                  <a:tcPr anchor="ctr">
+                    <a:solidFill>
+                      <a:schemeClr val="accent5">
+                        <a:lumMod val="40000"/>
+                        <a:lumOff val="60000"/>
+                      </a:schemeClr>
+                    </a:solidFill>
+                  </a:tcPr>
+                </a:tc>
+                <a:tc>
+                  <a:txBody>
+                    <a:bodyPr/>
+                    <a:lstStyle/>
+                    <a:p>
+                      <a:pPr algn="ctr"/>
+                      <a:endParaRPr lang="en-GB" sz="1600" dirty="0"/>
+                    </a:p>
+                  </a:txBody>
+                  <a:tcPr anchor="ctr">
+                    <a:solidFill>
+                      <a:schemeClr val="accent5">
+                        <a:lumMod val="40000"/>
+                        <a:lumOff val="60000"/>
+                      </a:schemeClr>
+                    </a:solidFill>
+                  </a:tcPr>
+                </a:tc>
+                <a:tc>
+                  <a:txBody>
+                    <a:bodyPr/>
+                    <a:lstStyle/>
+                    <a:p>
+                      <a:pPr marL="0" marR="0" indent="0" algn="ctr" defTabSz="914400" rtl="0" eaLnBrk="1" fontAlgn="auto" latinLnBrk="0" hangingPunct="1">
+                        <a:lnSpc>
+                          <a:spcPct val="100000"/>
+                        </a:lnSpc>
+                        <a:spcBef>
+                          <a:spcPts val="0"/>
+                        </a:spcBef>
+                        <a:spcAft>
+                          <a:spcPts val="0"/>
+                        </a:spcAft>
+                        <a:buClrTx/>
+                        <a:buSzTx/>
+                        <a:buFontTx/>
+                        <a:buNone/>
+                        <a:tabLst/>
+                        <a:defRPr/>
+                      </a:pPr>
+                      <a:r>
+                        <a:rPr lang="en-GB" sz="2000" dirty="0" smtClean="0">
+                          <a:solidFill>
+                            <a:srgbClr val="FF0000"/>
+                          </a:solidFill>
+                          <a:sym typeface="Wingdings"/>
+                        </a:rPr>
+                        <a:t></a:t>
+                      </a:r>
+                      <a:endParaRPr lang="en-GB" sz="1200" dirty="0" smtClean="0">
+                        <a:solidFill>
+                          <a:srgbClr val="FF0000"/>
+                        </a:solidFill>
+                      </a:endParaRPr>
+                    </a:p>
+                  </a:txBody>
+                  <a:tcPr anchor="ctr">
+                    <a:solidFill>
+                      <a:schemeClr val="accent5">
+                        <a:lumMod val="40000"/>
+                        <a:lumOff val="60000"/>
+                      </a:schemeClr>
+                    </a:solidFill>
+                  </a:tcPr>
+                </a:tc>
+              </a:tr>
+            </a:tbl>
+          </a:graphicData>
+        </a:graphic>
+      </p:graphicFrame>
+      <p:sp>
+        <p:nvSpPr>
+          <p:cNvPr id="13" name="TextBox 12"/>
+          <p:cNvSpPr txBox="1"/>
+          <p:nvPr/>
+        </p:nvSpPr>
+        <p:spPr>
+          <a:xfrm>
+            <a:off x="881026" y="5786454"/>
+            <a:ext cx="10215634" cy="338554"/>
+          </a:xfrm>
+          <a:prstGeom prst="rect">
+            <a:avLst/>
+          </a:prstGeom>
+          <a:noFill/>
+        </p:spPr>
+        <p:txBody>
+          <a:bodyPr wrap="square" rtlCol="0">
+            <a:spAutoFit/>
+          </a:bodyPr>
+          <a:lstStyle/>
+          <a:p>
+            <a:r>
+              <a:rPr lang="en-GB" sz="1600" i="1" dirty="0" smtClean="0"/>
+              <a:t>Based on feedback from a </a:t>
+            </a:r>
+            <a:r>
+              <a:rPr lang="en-GB" sz="1600" i="1" dirty="0" smtClean="0"/>
+              <a:t>same single </a:t>
+            </a:r>
+            <a:r>
+              <a:rPr lang="en-GB" sz="1600" i="1" dirty="0" smtClean="0"/>
+              <a:t>tester, </a:t>
+            </a:r>
+            <a:r>
+              <a:rPr lang="en-GB" sz="1600" i="1" dirty="0" smtClean="0"/>
+              <a:t>after we </a:t>
+            </a:r>
+            <a:r>
+              <a:rPr lang="en-GB" sz="1600" i="1" dirty="0" smtClean="0"/>
+              <a:t>did all the fixes arising from their observations</a:t>
+            </a:r>
+            <a:endParaRPr lang="en-GB" sz="1600" i="1" dirty="0"/>
+          </a:p>
+        </p:txBody>
+      </p:sp>
+    </p:spTree>
+    <p:extLst>
+      <p:ext uri="{BB962C8B-B14F-4D97-AF65-F5344CB8AC3E}">
+        <p14:creationId xmlns="" xmlns:p14="http://schemas.microsoft.com/office/powerpoint/2010/main" val="2083772189"/>
+      </p:ext>
+    </p:extLst>
+  </p:cSld>
+  <p:clrMapOvr>
+    <a:masterClrMapping/>
+  </p:clrMapOvr>
+  <p:timing>
+    <p:tnLst>
+      <p:par>
+        <p:cTn id="1" dur="indefinite" restart="never" nodeType="tmRoot"/>
+      </p:par>
+    </p:tnLst>
+  </p:timing>
+</p:sld>
+</file>
+
+<file path=ppt/slides/slide18.xml><?xml version="1.0" encoding="utf-8"?>
+<p:sld xmlns:a="http://schemas.openxmlformats.org/drawingml/2006/main" xmlns:r="http://schemas.openxmlformats.org/officeDocument/2006/relationships" xmlns:p="http://schemas.openxmlformats.org/presentationml/2006/main">
+  <p:cSld>
+    <p:spTree>
+      <p:nvGrpSpPr>
+        <p:cNvPr id="1" name=""/>
+        <p:cNvGrpSpPr/>
+        <p:nvPr/>
+      </p:nvGrpSpPr>
+      <p:grpSpPr>
+        <a:xfrm>
+          <a:off x="0" y="0"/>
+          <a:ext cx="0" cy="0"/>
+          <a:chOff x="0" y="0"/>
+          <a:chExt cx="0" cy="0"/>
+        </a:xfrm>
+      </p:grpSpPr>
+      <p:pic>
+        <p:nvPicPr>
+          <p:cNvPr id="4" name="Picture 3">
+            <a:extLst>
+              <a:ext uri="{FF2B5EF4-FFF2-40B4-BE49-F238E27FC236}">
+                <a16:creationId xmlns="" xmlns:a16="http://schemas.microsoft.com/office/drawing/2014/main" id="{1F7B8747-803D-41C8-89FD-730522D4A3D6}"/>
               </a:ext>
             </a:extLst>
           </p:cNvPr>
@@ -10847,7 +12456,7 @@
           <p:cNvPr id="2" name="Title 1">
             <a:extLst>
               <a:ext uri="{FF2B5EF4-FFF2-40B4-BE49-F238E27FC236}">
-                <a16:creationId xmlns:a16="http://schemas.microsoft.com/office/drawing/2014/main" xmlns="" id="{DFC049F8-2284-4161-BE3C-431BCD0EFAB7}"/>
+                <a16:creationId xmlns="" xmlns:a16="http://schemas.microsoft.com/office/drawing/2014/main" id="{DFC049F8-2284-4161-BE3C-431BCD0EFAB7}"/>
               </a:ext>
             </a:extLst>
           </p:cNvPr>
@@ -10919,7 +12528,7 @@
           <p:cNvPr id="3" name="Content Placeholder 2">
             <a:extLst>
               <a:ext uri="{FF2B5EF4-FFF2-40B4-BE49-F238E27FC236}">
-                <a16:creationId xmlns:a16="http://schemas.microsoft.com/office/drawing/2014/main" xmlns="" id="{F2E045F5-714F-4E07-87A1-F5696A62ED28}"/>
+                <a16:creationId xmlns="" xmlns:a16="http://schemas.microsoft.com/office/drawing/2014/main" id="{F2E045F5-714F-4E07-87A1-F5696A62ED28}"/>
               </a:ext>
             </a:extLst>
           </p:cNvPr>
@@ -10999,7 +12608,7 @@
     </p:spTree>
     <p:extLst>
       <p:ext uri="{BB962C8B-B14F-4D97-AF65-F5344CB8AC3E}">
-        <p14:creationId xmlns:p14="http://schemas.microsoft.com/office/powerpoint/2010/main" xmlns="" val="3875203172"/>
+        <p14:creationId xmlns="" xmlns:p14="http://schemas.microsoft.com/office/powerpoint/2010/main" val="3875203172"/>
       </p:ext>
     </p:extLst>
   </p:cSld>
@@ -11009,7 +12618,7 @@
 </p:sld>
 </file>
 
-<file path=ppt/slides/slide18.xml><?xml version="1.0" encoding="utf-8"?>
+<file path=ppt/slides/slide19.xml><?xml version="1.0" encoding="utf-8"?>
 <p:sld xmlns:a="http://schemas.openxmlformats.org/drawingml/2006/main" xmlns:r="http://schemas.openxmlformats.org/officeDocument/2006/relationships" xmlns:p="http://schemas.openxmlformats.org/presentationml/2006/main">
   <p:cSld>
     <p:spTree>
@@ -11031,7 +12640,7 @@
           <p:cNvPr id="4" name="Picture 3">
             <a:extLst>
               <a:ext uri="{FF2B5EF4-FFF2-40B4-BE49-F238E27FC236}">
-                <a16:creationId xmlns:a16="http://schemas.microsoft.com/office/drawing/2014/main" xmlns="" id="{1F7B8747-803D-41C8-89FD-730522D4A3D6}"/>
+                <a16:creationId xmlns="" xmlns:a16="http://schemas.microsoft.com/office/drawing/2014/main" id="{1F7B8747-803D-41C8-89FD-730522D4A3D6}"/>
               </a:ext>
             </a:extLst>
           </p:cNvPr>
@@ -11066,7 +12675,7 @@
           <p:cNvPr id="2" name="Title 1">
             <a:extLst>
               <a:ext uri="{FF2B5EF4-FFF2-40B4-BE49-F238E27FC236}">
-                <a16:creationId xmlns:a16="http://schemas.microsoft.com/office/drawing/2014/main" xmlns="" id="{DFC049F8-2284-4161-BE3C-431BCD0EFAB7}"/>
+                <a16:creationId xmlns="" xmlns:a16="http://schemas.microsoft.com/office/drawing/2014/main" id="{DFC049F8-2284-4161-BE3C-431BCD0EFAB7}"/>
               </a:ext>
             </a:extLst>
           </p:cNvPr>
@@ -11119,13 +12728,7 @@
               <a:rPr lang="en-GB" dirty="0" smtClean="0">
                 <a:latin typeface="Bodoni MT" panose="02070603080606020203" pitchFamily="18" charset="0"/>
               </a:rPr>
-              <a:t>-</a:t>
-            </a:r>
-            <a:r>
-              <a:rPr lang="en-GB" dirty="0" smtClean="0">
-                <a:latin typeface="Bodoni MT" panose="02070603080606020203" pitchFamily="18" charset="0"/>
-              </a:rPr>
-              <a:t> Ben	</a:t>
+              <a:t>- Ben	</a:t>
             </a:r>
             <a:r>
               <a:rPr lang="en-GB" i="1" dirty="0" smtClean="0">
@@ -11144,7 +12747,7 @@
           <p:cNvPr id="3" name="Content Placeholder 2">
             <a:extLst>
               <a:ext uri="{FF2B5EF4-FFF2-40B4-BE49-F238E27FC236}">
-                <a16:creationId xmlns:a16="http://schemas.microsoft.com/office/drawing/2014/main" xmlns="" id="{F2E045F5-714F-4E07-87A1-F5696A62ED28}"/>
+                <a16:creationId xmlns="" xmlns:a16="http://schemas.microsoft.com/office/drawing/2014/main" id="{F2E045F5-714F-4E07-87A1-F5696A62ED28}"/>
               </a:ext>
             </a:extLst>
           </p:cNvPr>
@@ -11215,7 +12818,7 @@
     </p:spTree>
     <p:extLst>
       <p:ext uri="{BB962C8B-B14F-4D97-AF65-F5344CB8AC3E}">
-        <p14:creationId xmlns:p14="http://schemas.microsoft.com/office/powerpoint/2010/main" xmlns="" val="2467745637"/>
+        <p14:creationId xmlns="" xmlns:p14="http://schemas.microsoft.com/office/powerpoint/2010/main" val="2467745637"/>
       </p:ext>
     </p:extLst>
   </p:cSld>
@@ -11524,7 +13127,7 @@
             <p:cNvPr id="11" name="Picture 10">
               <a:extLst>
                 <a:ext uri="{FF2B5EF4-FFF2-40B4-BE49-F238E27FC236}">
-                  <a16:creationId xmlns:a16="http://schemas.microsoft.com/office/drawing/2014/main" xmlns="" id="{17AE45ED-A673-4FA2-B597-465724426CB5}"/>
+                  <a16:creationId xmlns="" xmlns:a16="http://schemas.microsoft.com/office/drawing/2014/main" id="{17AE45ED-A673-4FA2-B597-465724426CB5}"/>
                 </a:ext>
               </a:extLst>
             </p:cNvPr>
@@ -11537,7 +13140,7 @@
             <a:blip r:embed="rId5">
               <a:extLst>
                 <a:ext uri="{28A0092B-C50C-407E-A947-70E740481C1C}">
-                  <a14:useLocalDpi xmlns:a14="http://schemas.microsoft.com/office/drawing/2010/main" xmlns="" val="0"/>
+                  <a14:useLocalDpi xmlns="" xmlns:a14="http://schemas.microsoft.com/office/drawing/2010/main" val="0"/>
                 </a:ext>
               </a:extLst>
             </a:blip>
@@ -11560,7 +13163,7 @@
             <p:cNvPr id="12" name="Picture 11">
               <a:extLst>
                 <a:ext uri="{FF2B5EF4-FFF2-40B4-BE49-F238E27FC236}">
-                  <a16:creationId xmlns:a16="http://schemas.microsoft.com/office/drawing/2014/main" xmlns="" id="{17AE45ED-A673-4FA2-B597-465724426CB5}"/>
+                  <a16:creationId xmlns="" xmlns:a16="http://schemas.microsoft.com/office/drawing/2014/main" id="{17AE45ED-A673-4FA2-B597-465724426CB5}"/>
                 </a:ext>
               </a:extLst>
             </p:cNvPr>
@@ -11573,7 +13176,7 @@
             <a:blip r:embed="rId5">
               <a:extLst>
                 <a:ext uri="{28A0092B-C50C-407E-A947-70E740481C1C}">
-                  <a14:useLocalDpi xmlns:a14="http://schemas.microsoft.com/office/drawing/2010/main" xmlns="" val="0"/>
+                  <a14:useLocalDpi xmlns="" xmlns:a14="http://schemas.microsoft.com/office/drawing/2010/main" val="0"/>
                 </a:ext>
               </a:extLst>
             </a:blip>
@@ -11596,7 +13199,7 @@
             <p:cNvPr id="13" name="Picture 12">
               <a:extLst>
                 <a:ext uri="{FF2B5EF4-FFF2-40B4-BE49-F238E27FC236}">
-                  <a16:creationId xmlns:a16="http://schemas.microsoft.com/office/drawing/2014/main" xmlns="" id="{17AE45ED-A673-4FA2-B597-465724426CB5}"/>
+                  <a16:creationId xmlns="" xmlns:a16="http://schemas.microsoft.com/office/drawing/2014/main" id="{17AE45ED-A673-4FA2-B597-465724426CB5}"/>
                 </a:ext>
               </a:extLst>
             </p:cNvPr>
@@ -11609,7 +13212,7 @@
             <a:blip r:embed="rId5">
               <a:extLst>
                 <a:ext uri="{28A0092B-C50C-407E-A947-70E740481C1C}">
-                  <a14:useLocalDpi xmlns:a14="http://schemas.microsoft.com/office/drawing/2010/main" xmlns="" val="0"/>
+                  <a14:useLocalDpi xmlns="" xmlns:a14="http://schemas.microsoft.com/office/drawing/2010/main" val="0"/>
                 </a:ext>
               </a:extLst>
             </a:blip>
@@ -11632,7 +13235,7 @@
             <p:cNvPr id="14" name="Picture 13">
               <a:extLst>
                 <a:ext uri="{FF2B5EF4-FFF2-40B4-BE49-F238E27FC236}">
-                  <a16:creationId xmlns:a16="http://schemas.microsoft.com/office/drawing/2014/main" xmlns="" id="{23C87C0A-6BB6-4417-AAE8-9B7AE0A10355}"/>
+                  <a16:creationId xmlns="" xmlns:a16="http://schemas.microsoft.com/office/drawing/2014/main" id="{23C87C0A-6BB6-4417-AAE8-9B7AE0A10355}"/>
                 </a:ext>
               </a:extLst>
             </p:cNvPr>
@@ -11645,7 +13248,7 @@
             <a:blip r:embed="rId6">
               <a:extLst>
                 <a:ext uri="{28A0092B-C50C-407E-A947-70E740481C1C}">
-                  <a14:useLocalDpi xmlns:a14="http://schemas.microsoft.com/office/drawing/2010/main" xmlns="" val="0"/>
+                  <a14:useLocalDpi xmlns="" xmlns:a14="http://schemas.microsoft.com/office/drawing/2010/main" val="0"/>
                 </a:ext>
               </a:extLst>
             </a:blip>
@@ -11821,7 +13424,7 @@
           <p:cNvPr id="2" name="Title 1">
             <a:extLst>
               <a:ext uri="{FF2B5EF4-FFF2-40B4-BE49-F238E27FC236}">
-                <a16:creationId xmlns:a16="http://schemas.microsoft.com/office/drawing/2014/main" xmlns="" id="{DFC049F8-2284-4161-BE3C-431BCD0EFAB7}"/>
+                <a16:creationId xmlns="" xmlns:a16="http://schemas.microsoft.com/office/drawing/2014/main" id="{DFC049F8-2284-4161-BE3C-431BCD0EFAB7}"/>
               </a:ext>
             </a:extLst>
           </p:cNvPr>
@@ -11890,7 +13493,7 @@
           <p:cNvPr id="5" name="Picture 4">
             <a:extLst>
               <a:ext uri="{FF2B5EF4-FFF2-40B4-BE49-F238E27FC236}">
-                <a16:creationId xmlns:a16="http://schemas.microsoft.com/office/drawing/2014/main" xmlns="" id="{020817A5-9300-4D98-B692-D6147E3BD93A}"/>
+                <a16:creationId xmlns="" xmlns:a16="http://schemas.microsoft.com/office/drawing/2014/main" id="{020817A5-9300-4D98-B692-D6147E3BD93A}"/>
               </a:ext>
             </a:extLst>
           </p:cNvPr>
@@ -11901,7 +13504,7 @@
           <a:blip r:embed="rId3" cstate="print">
             <a:extLst>
               <a:ext uri="{28A0092B-C50C-407E-A947-70E740481C1C}">
-                <a14:useLocalDpi xmlns:a14="http://schemas.microsoft.com/office/drawing/2010/main" xmlns="" val="0"/>
+                <a14:useLocalDpi xmlns="" xmlns:a14="http://schemas.microsoft.com/office/drawing/2010/main" val="0"/>
               </a:ext>
             </a:extLst>
           </a:blip>
@@ -11929,7 +13532,7 @@
           <p:cNvPr id="7" name="Content Placeholder 6">
             <a:extLst>
               <a:ext uri="{FF2B5EF4-FFF2-40B4-BE49-F238E27FC236}">
-                <a16:creationId xmlns:a16="http://schemas.microsoft.com/office/drawing/2014/main" xmlns="" id="{70CDBECA-B97D-4C2C-AC55-CFFC02982EF8}"/>
+                <a16:creationId xmlns="" xmlns:a16="http://schemas.microsoft.com/office/drawing/2014/main" id="{70CDBECA-B97D-4C2C-AC55-CFFC02982EF8}"/>
               </a:ext>
             </a:extLst>
           </p:cNvPr>
@@ -11944,7 +13547,7 @@
           <a:blip r:embed="rId4" cstate="print">
             <a:extLst>
               <a:ext uri="{28A0092B-C50C-407E-A947-70E740481C1C}">
-                <a14:useLocalDpi xmlns:a14="http://schemas.microsoft.com/office/drawing/2010/main" xmlns="" val="0"/>
+                <a14:useLocalDpi xmlns="" xmlns:a14="http://schemas.microsoft.com/office/drawing/2010/main" val="0"/>
               </a:ext>
             </a:extLst>
           </a:blip>
@@ -11972,7 +13575,7 @@
           <p:cNvPr id="8" name="Picture 7">
             <a:extLst>
               <a:ext uri="{FF2B5EF4-FFF2-40B4-BE49-F238E27FC236}">
-                <a16:creationId xmlns:a16="http://schemas.microsoft.com/office/drawing/2014/main" xmlns="" id="{31976AD6-994F-4EFA-9220-B0F8E43BE61B}"/>
+                <a16:creationId xmlns="" xmlns:a16="http://schemas.microsoft.com/office/drawing/2014/main" id="{31976AD6-994F-4EFA-9220-B0F8E43BE61B}"/>
               </a:ext>
             </a:extLst>
           </p:cNvPr>
@@ -11983,7 +13586,7 @@
           <a:blip r:embed="rId5" cstate="print">
             <a:extLst>
               <a:ext uri="{28A0092B-C50C-407E-A947-70E740481C1C}">
-                <a14:useLocalDpi xmlns:a14="http://schemas.microsoft.com/office/drawing/2010/main" xmlns="" val="0"/>
+                <a14:useLocalDpi xmlns="" xmlns:a14="http://schemas.microsoft.com/office/drawing/2010/main" val="0"/>
               </a:ext>
             </a:extLst>
           </a:blip>
@@ -12011,7 +13614,7 @@
           <p:cNvPr id="9" name="Picture 8">
             <a:extLst>
               <a:ext uri="{FF2B5EF4-FFF2-40B4-BE49-F238E27FC236}">
-                <a16:creationId xmlns:a16="http://schemas.microsoft.com/office/drawing/2014/main" xmlns="" id="{2820CE08-0969-4652-A714-794DE1C22F36}"/>
+                <a16:creationId xmlns="" xmlns:a16="http://schemas.microsoft.com/office/drawing/2014/main" id="{2820CE08-0969-4652-A714-794DE1C22F36}"/>
               </a:ext>
             </a:extLst>
           </p:cNvPr>
@@ -12024,7 +13627,7 @@
           <a:blip r:embed="rId6" cstate="print">
             <a:extLst>
               <a:ext uri="{28A0092B-C50C-407E-A947-70E740481C1C}">
-                <a14:useLocalDpi xmlns:a14="http://schemas.microsoft.com/office/drawing/2010/main" xmlns="" val="0"/>
+                <a14:useLocalDpi xmlns="" xmlns:a14="http://schemas.microsoft.com/office/drawing/2010/main" val="0"/>
               </a:ext>
             </a:extLst>
           </a:blip>
@@ -12046,7 +13649,7 @@
           </a:ln>
           <a:extLst>
             <a:ext uri="{53640926-AAD7-44D8-BBD7-CCE9431645EC}">
-              <a14:shadowObscured xmlns:a14="http://schemas.microsoft.com/office/drawing/2010/main" xmlns=""/>
+              <a14:shadowObscured xmlns="" xmlns:a14="http://schemas.microsoft.com/office/drawing/2010/main"/>
             </a:ext>
           </a:extLst>
         </p:spPr>
@@ -12193,7 +13796,7 @@
     </p:spTree>
     <p:extLst>
       <p:ext uri="{BB962C8B-B14F-4D97-AF65-F5344CB8AC3E}">
-        <p14:creationId xmlns:p14="http://schemas.microsoft.com/office/powerpoint/2010/main" xmlns="" val="2515389119"/>
+        <p14:creationId xmlns="" xmlns:p14="http://schemas.microsoft.com/office/powerpoint/2010/main" val="2515389119"/>
       </p:ext>
     </p:extLst>
   </p:cSld>
@@ -12232,7 +13835,7 @@
           <p:cNvPr id="2" name="Title 1">
             <a:extLst>
               <a:ext uri="{FF2B5EF4-FFF2-40B4-BE49-F238E27FC236}">
-                <a16:creationId xmlns:a16="http://schemas.microsoft.com/office/drawing/2014/main" xmlns="" id="{DFC049F8-2284-4161-BE3C-431BCD0EFAB7}"/>
+                <a16:creationId xmlns="" xmlns:a16="http://schemas.microsoft.com/office/drawing/2014/main" id="{DFC049F8-2284-4161-BE3C-431BCD0EFAB7}"/>
               </a:ext>
             </a:extLst>
           </p:cNvPr>
@@ -12289,7 +13892,7 @@
           <p:cNvPr id="3" name="Content Placeholder 2">
             <a:extLst>
               <a:ext uri="{FF2B5EF4-FFF2-40B4-BE49-F238E27FC236}">
-                <a16:creationId xmlns:a16="http://schemas.microsoft.com/office/drawing/2014/main" xmlns="" id="{F2E045F5-714F-4E07-87A1-F5696A62ED28}"/>
+                <a16:creationId xmlns="" xmlns:a16="http://schemas.microsoft.com/office/drawing/2014/main" id="{F2E045F5-714F-4E07-87A1-F5696A62ED28}"/>
               </a:ext>
             </a:extLst>
           </p:cNvPr>
@@ -12393,7 +13996,7 @@
           <p:cNvPr id="5" name="Content Placeholder 2">
             <a:extLst>
               <a:ext uri="{FF2B5EF4-FFF2-40B4-BE49-F238E27FC236}">
-                <a16:creationId xmlns:a16="http://schemas.microsoft.com/office/drawing/2014/main" xmlns="" id="{C7089040-DF2C-484B-AFBB-ECF62504C88A}"/>
+                <a16:creationId xmlns="" xmlns:a16="http://schemas.microsoft.com/office/drawing/2014/main" id="{C7089040-DF2C-484B-AFBB-ECF62504C88A}"/>
               </a:ext>
             </a:extLst>
           </p:cNvPr>
@@ -12727,7 +14330,7 @@
           <p:cNvPr id="9" name="Picture 8">
             <a:extLst>
               <a:ext uri="{FF2B5EF4-FFF2-40B4-BE49-F238E27FC236}">
-                <a16:creationId xmlns:a16="http://schemas.microsoft.com/office/drawing/2014/main" xmlns="" id="{40C29DDE-834E-4869-B4AB-47C72B5ED44E}"/>
+                <a16:creationId xmlns="" xmlns:a16="http://schemas.microsoft.com/office/drawing/2014/main" id="{40C29DDE-834E-4869-B4AB-47C72B5ED44E}"/>
               </a:ext>
             </a:extLst>
           </p:cNvPr>
@@ -12740,7 +14343,7 @@
           <a:blip r:embed="rId3">
             <a:extLst>
               <a:ext uri="{28A0092B-C50C-407E-A947-70E740481C1C}">
-                <a14:useLocalDpi xmlns:a14="http://schemas.microsoft.com/office/drawing/2010/main" xmlns="" val="0"/>
+                <a14:useLocalDpi xmlns="" xmlns:a14="http://schemas.microsoft.com/office/drawing/2010/main" val="0"/>
               </a:ext>
             </a:extLst>
           </a:blip>
@@ -12768,7 +14371,7 @@
           <p:cNvPr id="7" name="Content Placeholder 2">
             <a:extLst>
               <a:ext uri="{FF2B5EF4-FFF2-40B4-BE49-F238E27FC236}">
-                <a16:creationId xmlns:a16="http://schemas.microsoft.com/office/drawing/2014/main" xmlns="" id="{C7089040-DF2C-484B-AFBB-ECF62504C88A}"/>
+                <a16:creationId xmlns="" xmlns:a16="http://schemas.microsoft.com/office/drawing/2014/main" id="{C7089040-DF2C-484B-AFBB-ECF62504C88A}"/>
               </a:ext>
             </a:extLst>
           </p:cNvPr>
@@ -13031,7 +14634,7 @@
     </p:spTree>
     <p:extLst>
       <p:ext uri="{BB962C8B-B14F-4D97-AF65-F5344CB8AC3E}">
-        <p14:creationId xmlns:p14="http://schemas.microsoft.com/office/powerpoint/2010/main" xmlns="" val="1039289397"/>
+        <p14:creationId xmlns="" xmlns:p14="http://schemas.microsoft.com/office/powerpoint/2010/main" val="1039289397"/>
       </p:ext>
     </p:extLst>
   </p:cSld>
@@ -13070,7 +14673,7 @@
           <p:cNvPr id="4" name="Picture 3">
             <a:extLst>
               <a:ext uri="{FF2B5EF4-FFF2-40B4-BE49-F238E27FC236}">
-                <a16:creationId xmlns:a16="http://schemas.microsoft.com/office/drawing/2014/main" xmlns="" id="{22743576-691A-4405-BDDF-B116F148661C}"/>
+                <a16:creationId xmlns="" xmlns:a16="http://schemas.microsoft.com/office/drawing/2014/main" id="{22743576-691A-4405-BDDF-B116F148661C}"/>
               </a:ext>
             </a:extLst>
           </p:cNvPr>
@@ -13100,7 +14703,7 @@
           <p:cNvPr id="2" name="Title 1">
             <a:extLst>
               <a:ext uri="{FF2B5EF4-FFF2-40B4-BE49-F238E27FC236}">
-                <a16:creationId xmlns:a16="http://schemas.microsoft.com/office/drawing/2014/main" xmlns="" id="{DFC049F8-2284-4161-BE3C-431BCD0EFAB7}"/>
+                <a16:creationId xmlns="" xmlns:a16="http://schemas.microsoft.com/office/drawing/2014/main" id="{DFC049F8-2284-4161-BE3C-431BCD0EFAB7}"/>
               </a:ext>
             </a:extLst>
           </p:cNvPr>
@@ -13172,7 +14775,7 @@
           <p:cNvPr id="3" name="Content Placeholder 2">
             <a:extLst>
               <a:ext uri="{FF2B5EF4-FFF2-40B4-BE49-F238E27FC236}">
-                <a16:creationId xmlns:a16="http://schemas.microsoft.com/office/drawing/2014/main" xmlns="" id="{F2E045F5-714F-4E07-87A1-F5696A62ED28}"/>
+                <a16:creationId xmlns="" xmlns:a16="http://schemas.microsoft.com/office/drawing/2014/main" id="{F2E045F5-714F-4E07-87A1-F5696A62ED28}"/>
               </a:ext>
             </a:extLst>
           </p:cNvPr>
@@ -13223,7 +14826,7 @@
           <p:cNvPr id="9" name="Rectangle 8">
             <a:extLst>
               <a:ext uri="{FF2B5EF4-FFF2-40B4-BE49-F238E27FC236}">
-                <a16:creationId xmlns:a16="http://schemas.microsoft.com/office/drawing/2014/main" xmlns="" id="{FB310605-3378-4195-AFE3-29D4E582C8A6}"/>
+                <a16:creationId xmlns="" xmlns:a16="http://schemas.microsoft.com/office/drawing/2014/main" id="{FB310605-3378-4195-AFE3-29D4E582C8A6}"/>
               </a:ext>
             </a:extLst>
           </p:cNvPr>
@@ -13455,7 +15058,7 @@
     </p:spTree>
     <p:extLst>
       <p:ext uri="{BB962C8B-B14F-4D97-AF65-F5344CB8AC3E}">
-        <p14:creationId xmlns:p14="http://schemas.microsoft.com/office/powerpoint/2010/main" xmlns="" val="3604554826"/>
+        <p14:creationId xmlns="" xmlns:p14="http://schemas.microsoft.com/office/powerpoint/2010/main" val="3604554826"/>
       </p:ext>
     </p:extLst>
   </p:cSld>
@@ -13494,7 +15097,7 @@
           <p:cNvPr id="4" name="Picture 3">
             <a:extLst>
               <a:ext uri="{FF2B5EF4-FFF2-40B4-BE49-F238E27FC236}">
-                <a16:creationId xmlns:a16="http://schemas.microsoft.com/office/drawing/2014/main" xmlns="" id="{0673D7FF-79D1-47CC-9F17-8BD3F4A92FD2}"/>
+                <a16:creationId xmlns="" xmlns:a16="http://schemas.microsoft.com/office/drawing/2014/main" id="{0673D7FF-79D1-47CC-9F17-8BD3F4A92FD2}"/>
               </a:ext>
             </a:extLst>
           </p:cNvPr>
@@ -13524,7 +15127,7 @@
           <p:cNvPr id="9" name="Picture 8">
             <a:extLst>
               <a:ext uri="{FF2B5EF4-FFF2-40B4-BE49-F238E27FC236}">
-                <a16:creationId xmlns:a16="http://schemas.microsoft.com/office/drawing/2014/main" xmlns="" id="{90E7F56C-9544-4654-9D9C-A258B0BC56B3}"/>
+                <a16:creationId xmlns="" xmlns:a16="http://schemas.microsoft.com/office/drawing/2014/main" id="{90E7F56C-9544-4654-9D9C-A258B0BC56B3}"/>
               </a:ext>
             </a:extLst>
           </p:cNvPr>
@@ -13554,7 +15157,7 @@
           <p:cNvPr id="10" name="Rectangle 9">
             <a:extLst>
               <a:ext uri="{FF2B5EF4-FFF2-40B4-BE49-F238E27FC236}">
-                <a16:creationId xmlns:a16="http://schemas.microsoft.com/office/drawing/2014/main" xmlns="" id="{7CE6DF49-6ADC-40B9-93F3-F6495F2DC7AB}"/>
+                <a16:creationId xmlns="" xmlns:a16="http://schemas.microsoft.com/office/drawing/2014/main" id="{7CE6DF49-6ADC-40B9-93F3-F6495F2DC7AB}"/>
               </a:ext>
             </a:extLst>
           </p:cNvPr>
@@ -13606,7 +15209,7 @@
           <p:cNvPr id="3" name="Content Placeholder 2">
             <a:extLst>
               <a:ext uri="{FF2B5EF4-FFF2-40B4-BE49-F238E27FC236}">
-                <a16:creationId xmlns:a16="http://schemas.microsoft.com/office/drawing/2014/main" xmlns="" id="{F2E045F5-714F-4E07-87A1-F5696A62ED28}"/>
+                <a16:creationId xmlns="" xmlns:a16="http://schemas.microsoft.com/office/drawing/2014/main" id="{F2E045F5-714F-4E07-87A1-F5696A62ED28}"/>
               </a:ext>
             </a:extLst>
           </p:cNvPr>
@@ -13657,7 +15260,7 @@
           <p:cNvPr id="7" name="Picture 6">
             <a:extLst>
               <a:ext uri="{FF2B5EF4-FFF2-40B4-BE49-F238E27FC236}">
-                <a16:creationId xmlns:a16="http://schemas.microsoft.com/office/drawing/2014/main" xmlns="" id="{1119E4FB-68D3-4DFF-B454-B6AECA5CCC92}"/>
+                <a16:creationId xmlns="" xmlns:a16="http://schemas.microsoft.com/office/drawing/2014/main" id="{1119E4FB-68D3-4DFF-B454-B6AECA5CCC92}"/>
               </a:ext>
             </a:extLst>
           </p:cNvPr>
@@ -13670,7 +15273,7 @@
           <a:blip r:embed="rId4">
             <a:extLst>
               <a:ext uri="{28A0092B-C50C-407E-A947-70E740481C1C}">
-                <a14:useLocalDpi xmlns:a14="http://schemas.microsoft.com/office/drawing/2010/main" xmlns="" val="0"/>
+                <a14:useLocalDpi xmlns="" xmlns:a14="http://schemas.microsoft.com/office/drawing/2010/main" val="0"/>
               </a:ext>
             </a:extLst>
           </a:blip>
@@ -13693,7 +15296,7 @@
           <p:cNvPr id="8" name="Picture 7">
             <a:extLst>
               <a:ext uri="{FF2B5EF4-FFF2-40B4-BE49-F238E27FC236}">
-                <a16:creationId xmlns:a16="http://schemas.microsoft.com/office/drawing/2014/main" xmlns="" id="{851FDD01-2E36-4FB2-AEC3-1AD80666AF50}"/>
+                <a16:creationId xmlns="" xmlns:a16="http://schemas.microsoft.com/office/drawing/2014/main" id="{851FDD01-2E36-4FB2-AEC3-1AD80666AF50}"/>
               </a:ext>
             </a:extLst>
           </p:cNvPr>
@@ -13706,7 +15309,7 @@
           <a:blip r:embed="rId5">
             <a:extLst>
               <a:ext uri="{28A0092B-C50C-407E-A947-70E740481C1C}">
-                <a14:useLocalDpi xmlns:a14="http://schemas.microsoft.com/office/drawing/2010/main" xmlns="" val="0"/>
+                <a14:useLocalDpi xmlns="" xmlns:a14="http://schemas.microsoft.com/office/drawing/2010/main" val="0"/>
               </a:ext>
             </a:extLst>
           </a:blip>
@@ -13729,7 +15332,7 @@
           <p:cNvPr id="13" name="Content Placeholder 2">
             <a:extLst>
               <a:ext uri="{FF2B5EF4-FFF2-40B4-BE49-F238E27FC236}">
-                <a16:creationId xmlns:a16="http://schemas.microsoft.com/office/drawing/2014/main" xmlns="" id="{A6B71EFB-4EB9-48D0-A7CA-693B1830CB7E}"/>
+                <a16:creationId xmlns="" xmlns:a16="http://schemas.microsoft.com/office/drawing/2014/main" id="{A6B71EFB-4EB9-48D0-A7CA-693B1830CB7E}"/>
               </a:ext>
             </a:extLst>
           </p:cNvPr>
@@ -13988,7 +15591,7 @@
           <p:cNvPr id="15" name="Title 1">
             <a:extLst>
               <a:ext uri="{FF2B5EF4-FFF2-40B4-BE49-F238E27FC236}">
-                <a16:creationId xmlns:a16="http://schemas.microsoft.com/office/drawing/2014/main" xmlns="" id="{DFC049F8-2284-4161-BE3C-431BCD0EFAB7}"/>
+                <a16:creationId xmlns="" xmlns:a16="http://schemas.microsoft.com/office/drawing/2014/main" id="{DFC049F8-2284-4161-BE3C-431BCD0EFAB7}"/>
               </a:ext>
             </a:extLst>
           </p:cNvPr>
@@ -14206,7 +15809,7 @@
           <p:cNvPr id="20" name="Picture 19">
             <a:extLst>
               <a:ext uri="{FF2B5EF4-FFF2-40B4-BE49-F238E27FC236}">
-                <a16:creationId xmlns:a16="http://schemas.microsoft.com/office/drawing/2014/main" xmlns="" id="{23C87C0A-6BB6-4417-AAE8-9B7AE0A10355}"/>
+                <a16:creationId xmlns="" xmlns:a16="http://schemas.microsoft.com/office/drawing/2014/main" id="{23C87C0A-6BB6-4417-AAE8-9B7AE0A10355}"/>
               </a:ext>
             </a:extLst>
           </p:cNvPr>
@@ -14219,7 +15822,7 @@
           <a:blip r:embed="rId9">
             <a:extLst>
               <a:ext uri="{28A0092B-C50C-407E-A947-70E740481C1C}">
-                <a14:useLocalDpi xmlns:a14="http://schemas.microsoft.com/office/drawing/2010/main" xmlns="" val="0"/>
+                <a14:useLocalDpi xmlns="" xmlns:a14="http://schemas.microsoft.com/office/drawing/2010/main" val="0"/>
               </a:ext>
             </a:extLst>
           </a:blip>
@@ -14283,7 +15886,7 @@
     </p:spTree>
     <p:extLst>
       <p:ext uri="{BB962C8B-B14F-4D97-AF65-F5344CB8AC3E}">
-        <p14:creationId xmlns:p14="http://schemas.microsoft.com/office/powerpoint/2010/main" xmlns="" val="2083772189"/>
+        <p14:creationId xmlns="" xmlns:p14="http://schemas.microsoft.com/office/powerpoint/2010/main" val="2083772189"/>
       </p:ext>
     </p:extLst>
   </p:cSld>
@@ -14322,7 +15925,7 @@
           <p:cNvPr id="4" name="Picture 3">
             <a:extLst>
               <a:ext uri="{FF2B5EF4-FFF2-40B4-BE49-F238E27FC236}">
-                <a16:creationId xmlns:a16="http://schemas.microsoft.com/office/drawing/2014/main" xmlns="" id="{22743576-691A-4405-BDDF-B116F148661C}"/>
+                <a16:creationId xmlns="" xmlns:a16="http://schemas.microsoft.com/office/drawing/2014/main" id="{22743576-691A-4405-BDDF-B116F148661C}"/>
               </a:ext>
             </a:extLst>
           </p:cNvPr>
@@ -14352,7 +15955,7 @@
           <p:cNvPr id="2" name="Title 1">
             <a:extLst>
               <a:ext uri="{FF2B5EF4-FFF2-40B4-BE49-F238E27FC236}">
-                <a16:creationId xmlns:a16="http://schemas.microsoft.com/office/drawing/2014/main" xmlns="" id="{DFC049F8-2284-4161-BE3C-431BCD0EFAB7}"/>
+                <a16:creationId xmlns="" xmlns:a16="http://schemas.microsoft.com/office/drawing/2014/main" id="{DFC049F8-2284-4161-BE3C-431BCD0EFAB7}"/>
               </a:ext>
             </a:extLst>
           </p:cNvPr>
@@ -14424,7 +16027,7 @@
           <p:cNvPr id="3" name="Content Placeholder 2">
             <a:extLst>
               <a:ext uri="{FF2B5EF4-FFF2-40B4-BE49-F238E27FC236}">
-                <a16:creationId xmlns:a16="http://schemas.microsoft.com/office/drawing/2014/main" xmlns="" id="{F2E045F5-714F-4E07-87A1-F5696A62ED28}"/>
+                <a16:creationId xmlns="" xmlns:a16="http://schemas.microsoft.com/office/drawing/2014/main" id="{F2E045F5-714F-4E07-87A1-F5696A62ED28}"/>
               </a:ext>
             </a:extLst>
           </p:cNvPr>
@@ -14475,7 +16078,7 @@
           <p:cNvPr id="9" name="Rectangle 8">
             <a:extLst>
               <a:ext uri="{FF2B5EF4-FFF2-40B4-BE49-F238E27FC236}">
-                <a16:creationId xmlns:a16="http://schemas.microsoft.com/office/drawing/2014/main" xmlns="" id="{FB310605-3378-4195-AFE3-29D4E582C8A6}"/>
+                <a16:creationId xmlns="" xmlns:a16="http://schemas.microsoft.com/office/drawing/2014/main" id="{FB310605-3378-4195-AFE3-29D4E582C8A6}"/>
               </a:ext>
             </a:extLst>
           </p:cNvPr>
@@ -14924,7 +16527,7 @@
     </p:spTree>
     <p:extLst>
       <p:ext uri="{BB962C8B-B14F-4D97-AF65-F5344CB8AC3E}">
-        <p14:creationId xmlns:p14="http://schemas.microsoft.com/office/powerpoint/2010/main" xmlns="" val="3604554826"/>
+        <p14:creationId xmlns="" xmlns:p14="http://schemas.microsoft.com/office/powerpoint/2010/main" val="3604554826"/>
       </p:ext>
     </p:extLst>
   </p:cSld>
@@ -14963,7 +16566,7 @@
           <p:cNvPr id="4" name="Picture 3">
             <a:extLst>
               <a:ext uri="{FF2B5EF4-FFF2-40B4-BE49-F238E27FC236}">
-                <a16:creationId xmlns:a16="http://schemas.microsoft.com/office/drawing/2014/main" xmlns="" id="{0673D7FF-79D1-47CC-9F17-8BD3F4A92FD2}"/>
+                <a16:creationId xmlns="" xmlns:a16="http://schemas.microsoft.com/office/drawing/2014/main" id="{0673D7FF-79D1-47CC-9F17-8BD3F4A92FD2}"/>
               </a:ext>
             </a:extLst>
           </p:cNvPr>
@@ -14993,7 +16596,7 @@
           <p:cNvPr id="9" name="Picture 8">
             <a:extLst>
               <a:ext uri="{FF2B5EF4-FFF2-40B4-BE49-F238E27FC236}">
-                <a16:creationId xmlns:a16="http://schemas.microsoft.com/office/drawing/2014/main" xmlns="" id="{90E7F56C-9544-4654-9D9C-A258B0BC56B3}"/>
+                <a16:creationId xmlns="" xmlns:a16="http://schemas.microsoft.com/office/drawing/2014/main" id="{90E7F56C-9544-4654-9D9C-A258B0BC56B3}"/>
               </a:ext>
             </a:extLst>
           </p:cNvPr>
@@ -15023,7 +16626,7 @@
           <p:cNvPr id="10" name="Rectangle 9">
             <a:extLst>
               <a:ext uri="{FF2B5EF4-FFF2-40B4-BE49-F238E27FC236}">
-                <a16:creationId xmlns:a16="http://schemas.microsoft.com/office/drawing/2014/main" xmlns="" id="{7CE6DF49-6ADC-40B9-93F3-F6495F2DC7AB}"/>
+                <a16:creationId xmlns="" xmlns:a16="http://schemas.microsoft.com/office/drawing/2014/main" id="{7CE6DF49-6ADC-40B9-93F3-F6495F2DC7AB}"/>
               </a:ext>
             </a:extLst>
           </p:cNvPr>
@@ -15075,7 +16678,7 @@
           <p:cNvPr id="2" name="Title 1">
             <a:extLst>
               <a:ext uri="{FF2B5EF4-FFF2-40B4-BE49-F238E27FC236}">
-                <a16:creationId xmlns:a16="http://schemas.microsoft.com/office/drawing/2014/main" xmlns="" id="{DFC049F8-2284-4161-BE3C-431BCD0EFAB7}"/>
+                <a16:creationId xmlns="" xmlns:a16="http://schemas.microsoft.com/office/drawing/2014/main" id="{DFC049F8-2284-4161-BE3C-431BCD0EFAB7}"/>
               </a:ext>
             </a:extLst>
           </p:cNvPr>
@@ -15147,7 +16750,7 @@
           <p:cNvPr id="3" name="Content Placeholder 2">
             <a:extLst>
               <a:ext uri="{FF2B5EF4-FFF2-40B4-BE49-F238E27FC236}">
-                <a16:creationId xmlns:a16="http://schemas.microsoft.com/office/drawing/2014/main" xmlns="" id="{F2E045F5-714F-4E07-87A1-F5696A62ED28}"/>
+                <a16:creationId xmlns="" xmlns:a16="http://schemas.microsoft.com/office/drawing/2014/main" id="{F2E045F5-714F-4E07-87A1-F5696A62ED28}"/>
               </a:ext>
             </a:extLst>
           </p:cNvPr>
@@ -15328,7 +16931,7 @@
     </p:spTree>
     <p:extLst>
       <p:ext uri="{BB962C8B-B14F-4D97-AF65-F5344CB8AC3E}">
-        <p14:creationId xmlns:p14="http://schemas.microsoft.com/office/powerpoint/2010/main" xmlns="" val="2083772189"/>
+        <p14:creationId xmlns="" xmlns:p14="http://schemas.microsoft.com/office/powerpoint/2010/main" val="2083772189"/>
       </p:ext>
     </p:extLst>
   </p:cSld>
@@ -15367,7 +16970,7 @@
           <p:cNvPr id="7" name="Picture 6">
             <a:extLst>
               <a:ext uri="{FF2B5EF4-FFF2-40B4-BE49-F238E27FC236}">
-                <a16:creationId xmlns:a16="http://schemas.microsoft.com/office/drawing/2014/main" xmlns="" id="{2FF80050-A6DA-4A1C-B6D8-AA5AA7F78A23}"/>
+                <a16:creationId xmlns="" xmlns:a16="http://schemas.microsoft.com/office/drawing/2014/main" id="{2FF80050-A6DA-4A1C-B6D8-AA5AA7F78A23}"/>
               </a:ext>
             </a:extLst>
           </p:cNvPr>
@@ -15397,7 +17000,7 @@
           <p:cNvPr id="8" name="Rectangle 7">
             <a:extLst>
               <a:ext uri="{FF2B5EF4-FFF2-40B4-BE49-F238E27FC236}">
-                <a16:creationId xmlns:a16="http://schemas.microsoft.com/office/drawing/2014/main" xmlns="" id="{5E3721CF-6C16-4B38-8E56-417FAD19673B}"/>
+                <a16:creationId xmlns="" xmlns:a16="http://schemas.microsoft.com/office/drawing/2014/main" id="{5E3721CF-6C16-4B38-8E56-417FAD19673B}"/>
               </a:ext>
             </a:extLst>
           </p:cNvPr>
@@ -15449,7 +17052,7 @@
           <p:cNvPr id="5" name="Picture 4">
             <a:extLst>
               <a:ext uri="{FF2B5EF4-FFF2-40B4-BE49-F238E27FC236}">
-                <a16:creationId xmlns:a16="http://schemas.microsoft.com/office/drawing/2014/main" xmlns="" id="{BE6895F0-339F-4782-9F13-51BA81259136}"/>
+                <a16:creationId xmlns="" xmlns:a16="http://schemas.microsoft.com/office/drawing/2014/main" id="{BE6895F0-339F-4782-9F13-51BA81259136}"/>
               </a:ext>
             </a:extLst>
           </p:cNvPr>
@@ -15479,7 +17082,7 @@
           <p:cNvPr id="2" name="Title 1">
             <a:extLst>
               <a:ext uri="{FF2B5EF4-FFF2-40B4-BE49-F238E27FC236}">
-                <a16:creationId xmlns:a16="http://schemas.microsoft.com/office/drawing/2014/main" xmlns="" id="{DFC049F8-2284-4161-BE3C-431BCD0EFAB7}"/>
+                <a16:creationId xmlns="" xmlns:a16="http://schemas.microsoft.com/office/drawing/2014/main" id="{DFC049F8-2284-4161-BE3C-431BCD0EFAB7}"/>
               </a:ext>
             </a:extLst>
           </p:cNvPr>
@@ -15539,7 +17142,7 @@
           <p:cNvPr id="3" name="Content Placeholder 2">
             <a:extLst>
               <a:ext uri="{FF2B5EF4-FFF2-40B4-BE49-F238E27FC236}">
-                <a16:creationId xmlns:a16="http://schemas.microsoft.com/office/drawing/2014/main" xmlns="" id="{F2E045F5-714F-4E07-87A1-F5696A62ED28}"/>
+                <a16:creationId xmlns="" xmlns:a16="http://schemas.microsoft.com/office/drawing/2014/main" id="{F2E045F5-714F-4E07-87A1-F5696A62ED28}"/>
               </a:ext>
             </a:extLst>
           </p:cNvPr>
@@ -15586,7 +17189,7 @@
           <p:cNvPr id="10" name="Oval 9">
             <a:extLst>
               <a:ext uri="{FF2B5EF4-FFF2-40B4-BE49-F238E27FC236}">
-                <a16:creationId xmlns:a16="http://schemas.microsoft.com/office/drawing/2014/main" xmlns="" id="{C29C5979-7CCB-416B-B3A4-A452F3F30A10}"/>
+                <a16:creationId xmlns="" xmlns:a16="http://schemas.microsoft.com/office/drawing/2014/main" id="{C29C5979-7CCB-416B-B3A4-A452F3F30A10}"/>
               </a:ext>
             </a:extLst>
           </p:cNvPr>
@@ -15641,7 +17244,7 @@
           <p:cNvPr id="11" name="Rectangle: Rounded Corners 10">
             <a:extLst>
               <a:ext uri="{FF2B5EF4-FFF2-40B4-BE49-F238E27FC236}">
-                <a16:creationId xmlns:a16="http://schemas.microsoft.com/office/drawing/2014/main" xmlns="" id="{F6A5F7EB-82A6-484E-9C43-CFB554F813E9}"/>
+                <a16:creationId xmlns="" xmlns:a16="http://schemas.microsoft.com/office/drawing/2014/main" id="{F6A5F7EB-82A6-484E-9C43-CFB554F813E9}"/>
               </a:ext>
             </a:extLst>
           </p:cNvPr>
@@ -15696,7 +17299,7 @@
           <p:cNvPr id="13" name="Rectangle: Rounded Corners 12">
             <a:extLst>
               <a:ext uri="{FF2B5EF4-FFF2-40B4-BE49-F238E27FC236}">
-                <a16:creationId xmlns:a16="http://schemas.microsoft.com/office/drawing/2014/main" xmlns="" id="{3719CF2D-2824-4299-B2CC-CE697E27AA7E}"/>
+                <a16:creationId xmlns="" xmlns:a16="http://schemas.microsoft.com/office/drawing/2014/main" id="{3719CF2D-2824-4299-B2CC-CE697E27AA7E}"/>
               </a:ext>
             </a:extLst>
           </p:cNvPr>
@@ -15751,7 +17354,7 @@
           <p:cNvPr id="15" name="Straight Connector 14">
             <a:extLst>
               <a:ext uri="{FF2B5EF4-FFF2-40B4-BE49-F238E27FC236}">
-                <a16:creationId xmlns:a16="http://schemas.microsoft.com/office/drawing/2014/main" xmlns="" id="{30710670-372E-4F34-950F-06F225466007}"/>
+                <a16:creationId xmlns="" xmlns:a16="http://schemas.microsoft.com/office/drawing/2014/main" id="{30710670-372E-4F34-950F-06F225466007}"/>
               </a:ext>
             </a:extLst>
           </p:cNvPr>
@@ -15796,7 +17399,7 @@
           <p:cNvPr id="16" name="Straight Connector 15">
             <a:extLst>
               <a:ext uri="{FF2B5EF4-FFF2-40B4-BE49-F238E27FC236}">
-                <a16:creationId xmlns:a16="http://schemas.microsoft.com/office/drawing/2014/main" xmlns="" id="{288054B3-BE24-4398-9D5F-A28183FA7014}"/>
+                <a16:creationId xmlns="" xmlns:a16="http://schemas.microsoft.com/office/drawing/2014/main" id="{288054B3-BE24-4398-9D5F-A28183FA7014}"/>
               </a:ext>
             </a:extLst>
           </p:cNvPr>
@@ -15843,7 +17446,7 @@
           <p:cNvPr id="17" name="TextBox 16">
             <a:extLst>
               <a:ext uri="{FF2B5EF4-FFF2-40B4-BE49-F238E27FC236}">
-                <a16:creationId xmlns:a16="http://schemas.microsoft.com/office/drawing/2014/main" xmlns="" id="{971E6CAA-6D6E-412E-9FD7-5D77D4FC053C}"/>
+                <a16:creationId xmlns="" xmlns:a16="http://schemas.microsoft.com/office/drawing/2014/main" id="{971E6CAA-6D6E-412E-9FD7-5D77D4FC053C}"/>
               </a:ext>
             </a:extLst>
           </p:cNvPr>
@@ -15878,7 +17481,7 @@
           <p:cNvPr id="19" name="Straight Connector 18">
             <a:extLst>
               <a:ext uri="{FF2B5EF4-FFF2-40B4-BE49-F238E27FC236}">
-                <a16:creationId xmlns:a16="http://schemas.microsoft.com/office/drawing/2014/main" xmlns="" id="{FFECA4B2-B854-4585-9ECA-1FD3048F8E67}"/>
+                <a16:creationId xmlns="" xmlns:a16="http://schemas.microsoft.com/office/drawing/2014/main" id="{FFECA4B2-B854-4585-9ECA-1FD3048F8E67}"/>
               </a:ext>
             </a:extLst>
           </p:cNvPr>
@@ -15925,7 +17528,7 @@
           <p:cNvPr id="23" name="Straight Arrow Connector 22">
             <a:extLst>
               <a:ext uri="{FF2B5EF4-FFF2-40B4-BE49-F238E27FC236}">
-                <a16:creationId xmlns:a16="http://schemas.microsoft.com/office/drawing/2014/main" xmlns="" id="{7FAC0E52-268B-4550-B064-28EAE19CA4A2}"/>
+                <a16:creationId xmlns="" xmlns:a16="http://schemas.microsoft.com/office/drawing/2014/main" id="{7FAC0E52-268B-4550-B064-28EAE19CA4A2}"/>
               </a:ext>
             </a:extLst>
           </p:cNvPr>
@@ -15972,7 +17575,7 @@
           <p:cNvPr id="24" name="TextBox 23">
             <a:extLst>
               <a:ext uri="{FF2B5EF4-FFF2-40B4-BE49-F238E27FC236}">
-                <a16:creationId xmlns:a16="http://schemas.microsoft.com/office/drawing/2014/main" xmlns="" id="{1FB9C7CE-2331-47EB-A1D2-D8DB9B0C2513}"/>
+                <a16:creationId xmlns="" xmlns:a16="http://schemas.microsoft.com/office/drawing/2014/main" id="{1FB9C7CE-2331-47EB-A1D2-D8DB9B0C2513}"/>
               </a:ext>
             </a:extLst>
           </p:cNvPr>
@@ -16007,7 +17610,7 @@
           <p:cNvPr id="25" name="TextBox 24">
             <a:extLst>
               <a:ext uri="{FF2B5EF4-FFF2-40B4-BE49-F238E27FC236}">
-                <a16:creationId xmlns:a16="http://schemas.microsoft.com/office/drawing/2014/main" xmlns="" id="{DBBC0D55-02A6-4EDB-AF84-B16D0A2B2E7B}"/>
+                <a16:creationId xmlns="" xmlns:a16="http://schemas.microsoft.com/office/drawing/2014/main" id="{DBBC0D55-02A6-4EDB-AF84-B16D0A2B2E7B}"/>
               </a:ext>
             </a:extLst>
           </p:cNvPr>
@@ -16042,7 +17645,7 @@
           <p:cNvPr id="26" name="TextBox 25">
             <a:extLst>
               <a:ext uri="{FF2B5EF4-FFF2-40B4-BE49-F238E27FC236}">
-                <a16:creationId xmlns:a16="http://schemas.microsoft.com/office/drawing/2014/main" xmlns="" id="{C1CD6ED1-DC11-4F49-B765-F575D41091A5}"/>
+                <a16:creationId xmlns="" xmlns:a16="http://schemas.microsoft.com/office/drawing/2014/main" id="{C1CD6ED1-DC11-4F49-B765-F575D41091A5}"/>
               </a:ext>
             </a:extLst>
           </p:cNvPr>
@@ -16077,7 +17680,7 @@
           <p:cNvPr id="27" name="Straight Arrow Connector 26">
             <a:extLst>
               <a:ext uri="{FF2B5EF4-FFF2-40B4-BE49-F238E27FC236}">
-                <a16:creationId xmlns:a16="http://schemas.microsoft.com/office/drawing/2014/main" xmlns="" id="{5E8555D3-376F-417B-8432-5BEEAFCBB21F}"/>
+                <a16:creationId xmlns="" xmlns:a16="http://schemas.microsoft.com/office/drawing/2014/main" id="{5E8555D3-376F-417B-8432-5BEEAFCBB21F}"/>
               </a:ext>
             </a:extLst>
           </p:cNvPr>
@@ -16126,7 +17729,7 @@
           <p:cNvPr id="30" name="Straight Arrow Connector 29">
             <a:extLst>
               <a:ext uri="{FF2B5EF4-FFF2-40B4-BE49-F238E27FC236}">
-                <a16:creationId xmlns:a16="http://schemas.microsoft.com/office/drawing/2014/main" xmlns="" id="{183EB38B-BC90-4354-BB70-B17AD571698C}"/>
+                <a16:creationId xmlns="" xmlns:a16="http://schemas.microsoft.com/office/drawing/2014/main" id="{183EB38B-BC90-4354-BB70-B17AD571698C}"/>
               </a:ext>
             </a:extLst>
           </p:cNvPr>
@@ -16175,7 +17778,7 @@
           <p:cNvPr id="33" name="Rectangle: Rounded Corners 32">
             <a:extLst>
               <a:ext uri="{FF2B5EF4-FFF2-40B4-BE49-F238E27FC236}">
-                <a16:creationId xmlns:a16="http://schemas.microsoft.com/office/drawing/2014/main" xmlns="" id="{5D612AEE-5C5A-45AE-9431-93F8F6FB3305}"/>
+                <a16:creationId xmlns="" xmlns:a16="http://schemas.microsoft.com/office/drawing/2014/main" id="{5D612AEE-5C5A-45AE-9431-93F8F6FB3305}"/>
               </a:ext>
             </a:extLst>
           </p:cNvPr>
@@ -16231,7 +17834,7 @@
           <p:cNvPr id="34" name="Rectangle: Rounded Corners 33">
             <a:extLst>
               <a:ext uri="{FF2B5EF4-FFF2-40B4-BE49-F238E27FC236}">
-                <a16:creationId xmlns:a16="http://schemas.microsoft.com/office/drawing/2014/main" xmlns="" id="{5351534C-969F-4206-A607-10E3CBD3EB6E}"/>
+                <a16:creationId xmlns="" xmlns:a16="http://schemas.microsoft.com/office/drawing/2014/main" id="{5351534C-969F-4206-A607-10E3CBD3EB6E}"/>
               </a:ext>
             </a:extLst>
           </p:cNvPr>
@@ -16287,7 +17890,7 @@
           <p:cNvPr id="35" name="Rectangle: Rounded Corners 34">
             <a:extLst>
               <a:ext uri="{FF2B5EF4-FFF2-40B4-BE49-F238E27FC236}">
-                <a16:creationId xmlns:a16="http://schemas.microsoft.com/office/drawing/2014/main" xmlns="" id="{CC0DB683-0D5F-4A20-8627-22A83FCA57C0}"/>
+                <a16:creationId xmlns="" xmlns:a16="http://schemas.microsoft.com/office/drawing/2014/main" id="{CC0DB683-0D5F-4A20-8627-22A83FCA57C0}"/>
               </a:ext>
             </a:extLst>
           </p:cNvPr>
@@ -16342,7 +17945,7 @@
           <p:cNvPr id="36" name="Rectangle: Rounded Corners 35">
             <a:extLst>
               <a:ext uri="{FF2B5EF4-FFF2-40B4-BE49-F238E27FC236}">
-                <a16:creationId xmlns:a16="http://schemas.microsoft.com/office/drawing/2014/main" xmlns="" id="{58471160-97AC-4E81-A948-3E6D85AFAB8E}"/>
+                <a16:creationId xmlns="" xmlns:a16="http://schemas.microsoft.com/office/drawing/2014/main" id="{58471160-97AC-4E81-A948-3E6D85AFAB8E}"/>
               </a:ext>
             </a:extLst>
           </p:cNvPr>
@@ -16397,7 +18000,7 @@
           <p:cNvPr id="37" name="Rectangle: Rounded Corners 36">
             <a:extLst>
               <a:ext uri="{FF2B5EF4-FFF2-40B4-BE49-F238E27FC236}">
-                <a16:creationId xmlns:a16="http://schemas.microsoft.com/office/drawing/2014/main" xmlns="" id="{92E98563-DB25-47E0-BFE7-B8A52201AFBF}"/>
+                <a16:creationId xmlns="" xmlns:a16="http://schemas.microsoft.com/office/drawing/2014/main" id="{92E98563-DB25-47E0-BFE7-B8A52201AFBF}"/>
               </a:ext>
             </a:extLst>
           </p:cNvPr>
@@ -16452,7 +18055,7 @@
           <p:cNvPr id="38" name="Rectangle: Rounded Corners 37">
             <a:extLst>
               <a:ext uri="{FF2B5EF4-FFF2-40B4-BE49-F238E27FC236}">
-                <a16:creationId xmlns:a16="http://schemas.microsoft.com/office/drawing/2014/main" xmlns="" id="{F9DE6B22-A874-4C5B-A2F4-37E624346379}"/>
+                <a16:creationId xmlns="" xmlns:a16="http://schemas.microsoft.com/office/drawing/2014/main" id="{F9DE6B22-A874-4C5B-A2F4-37E624346379}"/>
               </a:ext>
             </a:extLst>
           </p:cNvPr>
@@ -16507,7 +18110,7 @@
           <p:cNvPr id="39" name="Rectangle: Rounded Corners 38">
             <a:extLst>
               <a:ext uri="{FF2B5EF4-FFF2-40B4-BE49-F238E27FC236}">
-                <a16:creationId xmlns:a16="http://schemas.microsoft.com/office/drawing/2014/main" xmlns="" id="{EB977FAA-DCA6-4B55-ACC4-847FBF97687B}"/>
+                <a16:creationId xmlns="" xmlns:a16="http://schemas.microsoft.com/office/drawing/2014/main" id="{EB977FAA-DCA6-4B55-ACC4-847FBF97687B}"/>
               </a:ext>
             </a:extLst>
           </p:cNvPr>
@@ -16562,7 +18165,7 @@
           <p:cNvPr id="40" name="Rectangle: Rounded Corners 39">
             <a:extLst>
               <a:ext uri="{FF2B5EF4-FFF2-40B4-BE49-F238E27FC236}">
-                <a16:creationId xmlns:a16="http://schemas.microsoft.com/office/drawing/2014/main" xmlns="" id="{57387805-6EE0-4686-A3AD-F33DE6D3DA9D}"/>
+                <a16:creationId xmlns="" xmlns:a16="http://schemas.microsoft.com/office/drawing/2014/main" id="{57387805-6EE0-4686-A3AD-F33DE6D3DA9D}"/>
               </a:ext>
             </a:extLst>
           </p:cNvPr>
@@ -16617,7 +18220,7 @@
           <p:cNvPr id="41" name="Rectangle: Rounded Corners 40">
             <a:extLst>
               <a:ext uri="{FF2B5EF4-FFF2-40B4-BE49-F238E27FC236}">
-                <a16:creationId xmlns:a16="http://schemas.microsoft.com/office/drawing/2014/main" xmlns="" id="{0AF77ADA-8652-49EA-87E9-2EBD25A9D60F}"/>
+                <a16:creationId xmlns="" xmlns:a16="http://schemas.microsoft.com/office/drawing/2014/main" id="{0AF77ADA-8652-49EA-87E9-2EBD25A9D60F}"/>
               </a:ext>
             </a:extLst>
           </p:cNvPr>
@@ -16672,7 +18275,7 @@
           <p:cNvPr id="42" name="Straight Arrow Connector 41">
             <a:extLst>
               <a:ext uri="{FF2B5EF4-FFF2-40B4-BE49-F238E27FC236}">
-                <a16:creationId xmlns:a16="http://schemas.microsoft.com/office/drawing/2014/main" xmlns="" id="{37A39690-B33F-4ED6-BE2F-C59BC2ABAA73}"/>
+                <a16:creationId xmlns="" xmlns:a16="http://schemas.microsoft.com/office/drawing/2014/main" id="{37A39690-B33F-4ED6-BE2F-C59BC2ABAA73}"/>
               </a:ext>
             </a:extLst>
           </p:cNvPr>
@@ -16720,7 +18323,7 @@
           <p:cNvPr id="49" name="Connector: Elbow 48">
             <a:extLst>
               <a:ext uri="{FF2B5EF4-FFF2-40B4-BE49-F238E27FC236}">
-                <a16:creationId xmlns:a16="http://schemas.microsoft.com/office/drawing/2014/main" xmlns="" id="{6F018749-49F9-4969-A271-C3C29767FD5C}"/>
+                <a16:creationId xmlns="" xmlns:a16="http://schemas.microsoft.com/office/drawing/2014/main" id="{6F018749-49F9-4969-A271-C3C29767FD5C}"/>
               </a:ext>
             </a:extLst>
           </p:cNvPr>
@@ -16768,7 +18371,7 @@
           <p:cNvPr id="51" name="Straight Arrow Connector 50">
             <a:extLst>
               <a:ext uri="{FF2B5EF4-FFF2-40B4-BE49-F238E27FC236}">
-                <a16:creationId xmlns:a16="http://schemas.microsoft.com/office/drawing/2014/main" xmlns="" id="{529BEA91-D614-4620-8E3D-97946455F9B8}"/>
+                <a16:creationId xmlns="" xmlns:a16="http://schemas.microsoft.com/office/drawing/2014/main" id="{529BEA91-D614-4620-8E3D-97946455F9B8}"/>
               </a:ext>
             </a:extLst>
           </p:cNvPr>
@@ -16816,7 +18419,7 @@
           <p:cNvPr id="52" name="Straight Arrow Connector 51">
             <a:extLst>
               <a:ext uri="{FF2B5EF4-FFF2-40B4-BE49-F238E27FC236}">
-                <a16:creationId xmlns:a16="http://schemas.microsoft.com/office/drawing/2014/main" xmlns="" id="{5B84C7E6-A42F-4657-A73B-3CBEE18B7E6F}"/>
+                <a16:creationId xmlns="" xmlns:a16="http://schemas.microsoft.com/office/drawing/2014/main" id="{5B84C7E6-A42F-4657-A73B-3CBEE18B7E6F}"/>
               </a:ext>
             </a:extLst>
           </p:cNvPr>
@@ -16863,7 +18466,7 @@
           <p:cNvPr id="55" name="Connector: Elbow 54">
             <a:extLst>
               <a:ext uri="{FF2B5EF4-FFF2-40B4-BE49-F238E27FC236}">
-                <a16:creationId xmlns:a16="http://schemas.microsoft.com/office/drawing/2014/main" xmlns="" id="{0EC221BA-BD1E-4AE7-B1B2-90EE3720F5FB}"/>
+                <a16:creationId xmlns="" xmlns:a16="http://schemas.microsoft.com/office/drawing/2014/main" id="{0EC221BA-BD1E-4AE7-B1B2-90EE3720F5FB}"/>
               </a:ext>
             </a:extLst>
           </p:cNvPr>
@@ -16910,7 +18513,7 @@
           <p:cNvPr id="56" name="Connector: Elbow 55">
             <a:extLst>
               <a:ext uri="{FF2B5EF4-FFF2-40B4-BE49-F238E27FC236}">
-                <a16:creationId xmlns:a16="http://schemas.microsoft.com/office/drawing/2014/main" xmlns="" id="{7ED8B67D-2C95-4C7F-B66D-35ED490532B0}"/>
+                <a16:creationId xmlns="" xmlns:a16="http://schemas.microsoft.com/office/drawing/2014/main" id="{7ED8B67D-2C95-4C7F-B66D-35ED490532B0}"/>
               </a:ext>
             </a:extLst>
           </p:cNvPr>
@@ -16958,7 +18561,7 @@
           <p:cNvPr id="60" name="Straight Connector 59">
             <a:extLst>
               <a:ext uri="{FF2B5EF4-FFF2-40B4-BE49-F238E27FC236}">
-                <a16:creationId xmlns:a16="http://schemas.microsoft.com/office/drawing/2014/main" xmlns="" id="{2DE7001C-61A4-4D8C-9487-D0519BB5C287}"/>
+                <a16:creationId xmlns="" xmlns:a16="http://schemas.microsoft.com/office/drawing/2014/main" id="{2DE7001C-61A4-4D8C-9487-D0519BB5C287}"/>
               </a:ext>
             </a:extLst>
           </p:cNvPr>
@@ -16997,7 +18600,7 @@
           <p:cNvPr id="67" name="Connector: Elbow 66">
             <a:extLst>
               <a:ext uri="{FF2B5EF4-FFF2-40B4-BE49-F238E27FC236}">
-                <a16:creationId xmlns:a16="http://schemas.microsoft.com/office/drawing/2014/main" xmlns="" id="{9BE8C34A-75B0-466E-B230-A6AA0EF6FF90}"/>
+                <a16:creationId xmlns="" xmlns:a16="http://schemas.microsoft.com/office/drawing/2014/main" id="{9BE8C34A-75B0-466E-B230-A6AA0EF6FF90}"/>
               </a:ext>
             </a:extLst>
           </p:cNvPr>
@@ -17046,7 +18649,7 @@
           <p:cNvPr id="66" name="Connector: Elbow 65">
             <a:extLst>
               <a:ext uri="{FF2B5EF4-FFF2-40B4-BE49-F238E27FC236}">
-                <a16:creationId xmlns:a16="http://schemas.microsoft.com/office/drawing/2014/main" xmlns="" id="{2B6EBE20-55B6-4C79-AC8D-3D2DEACD0F27}"/>
+                <a16:creationId xmlns="" xmlns:a16="http://schemas.microsoft.com/office/drawing/2014/main" id="{2B6EBE20-55B6-4C79-AC8D-3D2DEACD0F27}"/>
               </a:ext>
             </a:extLst>
           </p:cNvPr>
@@ -17093,7 +18696,7 @@
           <p:cNvPr id="12" name="Rectangle: Rounded Corners 11">
             <a:extLst>
               <a:ext uri="{FF2B5EF4-FFF2-40B4-BE49-F238E27FC236}">
-                <a16:creationId xmlns:a16="http://schemas.microsoft.com/office/drawing/2014/main" xmlns="" id="{0EF29BEE-62BD-4987-BA52-D89AE53A8B33}"/>
+                <a16:creationId xmlns="" xmlns:a16="http://schemas.microsoft.com/office/drawing/2014/main" id="{0EF29BEE-62BD-4987-BA52-D89AE53A8B33}"/>
               </a:ext>
             </a:extLst>
           </p:cNvPr>
@@ -17146,7 +18749,7 @@
           <p:cNvPr id="73" name="Straight Arrow Connector 72">
             <a:extLst>
               <a:ext uri="{FF2B5EF4-FFF2-40B4-BE49-F238E27FC236}">
-                <a16:creationId xmlns:a16="http://schemas.microsoft.com/office/drawing/2014/main" xmlns="" id="{69C2A71F-34B3-45C5-B5C2-CAD80873AAD3}"/>
+                <a16:creationId xmlns="" xmlns:a16="http://schemas.microsoft.com/office/drawing/2014/main" id="{69C2A71F-34B3-45C5-B5C2-CAD80873AAD3}"/>
               </a:ext>
             </a:extLst>
           </p:cNvPr>
@@ -17195,7 +18798,7 @@
           <p:cNvPr id="77" name="Straight Arrow Connector 76">
             <a:extLst>
               <a:ext uri="{FF2B5EF4-FFF2-40B4-BE49-F238E27FC236}">
-                <a16:creationId xmlns:a16="http://schemas.microsoft.com/office/drawing/2014/main" xmlns="" id="{57464C7E-A3BB-4249-922D-CFCFCCBF91D6}"/>
+                <a16:creationId xmlns="" xmlns:a16="http://schemas.microsoft.com/office/drawing/2014/main" id="{57464C7E-A3BB-4249-922D-CFCFCCBF91D6}"/>
               </a:ext>
             </a:extLst>
           </p:cNvPr>
@@ -17243,7 +18846,7 @@
           <p:cNvPr id="78" name="Straight Arrow Connector 77">
             <a:extLst>
               <a:ext uri="{FF2B5EF4-FFF2-40B4-BE49-F238E27FC236}">
-                <a16:creationId xmlns:a16="http://schemas.microsoft.com/office/drawing/2014/main" xmlns="" id="{D03E9D33-30E8-457E-9B54-73E66853B100}"/>
+                <a16:creationId xmlns="" xmlns:a16="http://schemas.microsoft.com/office/drawing/2014/main" id="{D03E9D33-30E8-457E-9B54-73E66853B100}"/>
               </a:ext>
             </a:extLst>
           </p:cNvPr>
@@ -17290,7 +18893,7 @@
           <p:cNvPr id="79" name="Straight Arrow Connector 78">
             <a:extLst>
               <a:ext uri="{FF2B5EF4-FFF2-40B4-BE49-F238E27FC236}">
-                <a16:creationId xmlns:a16="http://schemas.microsoft.com/office/drawing/2014/main" xmlns="" id="{0A90E022-FEFC-46DE-89ED-17C345356F2C}"/>
+                <a16:creationId xmlns="" xmlns:a16="http://schemas.microsoft.com/office/drawing/2014/main" id="{0A90E022-FEFC-46DE-89ED-17C345356F2C}"/>
               </a:ext>
             </a:extLst>
           </p:cNvPr>
@@ -17337,7 +18940,7 @@
           <p:cNvPr id="80" name="Straight Arrow Connector 79">
             <a:extLst>
               <a:ext uri="{FF2B5EF4-FFF2-40B4-BE49-F238E27FC236}">
-                <a16:creationId xmlns:a16="http://schemas.microsoft.com/office/drawing/2014/main" xmlns="" id="{3A681EC4-C304-44D6-8FE8-F7EBE52D4E19}"/>
+                <a16:creationId xmlns="" xmlns:a16="http://schemas.microsoft.com/office/drawing/2014/main" id="{3A681EC4-C304-44D6-8FE8-F7EBE52D4E19}"/>
               </a:ext>
             </a:extLst>
           </p:cNvPr>
@@ -17384,7 +18987,7 @@
           <p:cNvPr id="81" name="Straight Arrow Connector 80">
             <a:extLst>
               <a:ext uri="{FF2B5EF4-FFF2-40B4-BE49-F238E27FC236}">
-                <a16:creationId xmlns:a16="http://schemas.microsoft.com/office/drawing/2014/main" xmlns="" id="{19F654F4-6D55-4385-8976-5B80EBD24850}"/>
+                <a16:creationId xmlns="" xmlns:a16="http://schemas.microsoft.com/office/drawing/2014/main" id="{19F654F4-6D55-4385-8976-5B80EBD24850}"/>
               </a:ext>
             </a:extLst>
           </p:cNvPr>
@@ -17429,7 +19032,7 @@
     </p:spTree>
     <p:extLst>
       <p:ext uri="{BB962C8B-B14F-4D97-AF65-F5344CB8AC3E}">
-        <p14:creationId xmlns:p14="http://schemas.microsoft.com/office/powerpoint/2010/main" xmlns="" val="2766657188"/>
+        <p14:creationId xmlns="" xmlns:p14="http://schemas.microsoft.com/office/powerpoint/2010/main" val="2766657188"/>
       </p:ext>
     </p:extLst>
   </p:cSld>
@@ -17735,7 +19338,7 @@
   <a:extraClrSchemeLst/>
   <a:extLst>
     <a:ext uri="{05A4C25C-085E-4340-85A3-A5531E510DB2}">
-      <thm15:themeFamily xmlns:thm15="http://schemas.microsoft.com/office/thememl/2012/main" xmlns="" name="Office Theme" id="{62F939B6-93AF-4DB8-9C6B-D6C7DFDC589F}" vid="{4A3C46E8-61CC-4603-A589-7422A47A8E4A}"/>
+      <thm15:themeFamily xmlns="" xmlns:thm15="http://schemas.microsoft.com/office/thememl/2012/main" name="Office Theme" id="{62F939B6-93AF-4DB8-9C6B-D6C7DFDC589F}" vid="{4A3C46E8-61CC-4603-A589-7422A47A8E4A}"/>
     </a:ext>
   </a:extLst>
 </a:theme>
@@ -17996,7 +19599,7 @@
   <a:extraClrSchemeLst/>
   <a:extLst>
     <a:ext uri="{05A4C25C-085E-4340-85A3-A5531E510DB2}">
-      <thm15:themeFamily xmlns:thm15="http://schemas.microsoft.com/office/thememl/2012/main" xmlns="" name="Office Theme" id="{62F939B6-93AF-4DB8-9C6B-D6C7DFDC589F}" vid="{4A3C46E8-61CC-4603-A589-7422A47A8E4A}"/>
+      <thm15:themeFamily xmlns="" xmlns:thm15="http://schemas.microsoft.com/office/thememl/2012/main" name="Office Theme" id="{62F939B6-93AF-4DB8-9C6B-D6C7DFDC589F}" vid="{4A3C46E8-61CC-4603-A589-7422A47A8E4A}"/>
     </a:ext>
   </a:extLst>
 </a:theme>

--- a/D2.pptx
+++ b/D2.pptx
@@ -127,7 +127,7 @@
   </p:defaultTextStyle>
   <p:extLst>
     <p:ext uri="{EFAFB233-063F-42B5-8137-9DF3F51BA10A}">
-      <p15:sldGuideLst xmlns="" xmlns:p15="http://schemas.microsoft.com/office/powerpoint/2012/main">
+      <p15:sldGuideLst xmlns:p15="http://schemas.microsoft.com/office/powerpoint/2012/main">
         <p15:guide id="1" orient="horz" pos="2160">
           <p15:clr>
             <a:srgbClr val="A4A3A4"/>
@@ -227,7 +227,7 @@
             <a:fld id="{72120EEF-C798-4279-B1C0-A28BE5B39C66}" type="datetimeFigureOut">
               <a:rPr lang="en-GB" smtClean="0"/>
               <a:pPr/>
-              <a:t>03/03/2018</a:t>
+              <a:t>05/03/2018</a:t>
             </a:fld>
             <a:endParaRPr lang="en-GB"/>
           </a:p>
@@ -396,7 +396,7 @@
     </p:spTree>
     <p:extLst>
       <p:ext uri="{BB962C8B-B14F-4D97-AF65-F5344CB8AC3E}">
-        <p14:creationId xmlns="" xmlns:p14="http://schemas.microsoft.com/office/powerpoint/2010/main" val="3478088536"/>
+        <p14:creationId xmlns:p14="http://schemas.microsoft.com/office/powerpoint/2010/main" val="3478088536"/>
       </p:ext>
     </p:extLst>
   </p:cSld>
@@ -543,11 +543,11 @@
           <a:lstStyle/>
           <a:p>
             <a:r>
-              <a:rPr lang="en-GB" dirty="0" smtClean="0"/>
+              <a:rPr lang="en-GB" dirty="0"/>
               <a:t>Val: I’ve changed the font used in this presentation, because I found the previous</a:t>
             </a:r>
             <a:r>
-              <a:rPr lang="en-GB" baseline="0" dirty="0" smtClean="0"/>
+              <a:rPr lang="en-GB" baseline="0" dirty="0"/>
               <a:t> one difficult to read.  Calibri is very sharp and clear.</a:t>
             </a:r>
             <a:endParaRPr lang="en-GB" dirty="0"/>
@@ -879,53 +879,56 @@
           <a:lstStyle/>
           <a:p>
             <a:r>
-              <a:rPr lang="en-GB" baseline="0" dirty="0" smtClean="0"/>
+              <a:rPr lang="en-GB" baseline="0" dirty="0"/>
               <a:t>Things we did not do:</a:t>
             </a:r>
           </a:p>
           <a:p>
             <a:r>
-              <a:rPr lang="en-GB" baseline="0" dirty="0" smtClean="0"/>
+              <a:rPr lang="en-GB" baseline="0" dirty="0"/>
               <a:t>1. Curvy shapes have rectangular hit boxes which looks odd</a:t>
             </a:r>
           </a:p>
           <a:p>
             <a:r>
-              <a:rPr lang="en-GB" baseline="0" dirty="0" smtClean="0"/>
+              <a:rPr lang="en-GB" baseline="0" dirty="0"/>
               <a:t>Nothing we can do at this late stage in the game. </a:t>
             </a:r>
           </a:p>
           <a:p>
             <a:r>
-              <a:rPr lang="en-GB" dirty="0" smtClean="0"/>
+              <a:rPr lang="en-GB" dirty="0"/>
               <a:t>2. Maze puzzle moves too quickly in response to keyboard keys</a:t>
             </a:r>
           </a:p>
           <a:p>
             <a:r>
-              <a:rPr lang="en-GB" dirty="0" smtClean="0"/>
+              <a:rPr lang="en-GB" dirty="0"/>
               <a:t>3. Need instructions for how to drive menu (Enter key, not mouse</a:t>
             </a:r>
             <a:r>
-              <a:rPr lang="en-GB" baseline="0" dirty="0" smtClean="0"/>
+              <a:rPr lang="en-GB" baseline="0" dirty="0"/>
               <a:t> clicks)</a:t>
             </a:r>
           </a:p>
           <a:p>
             <a:r>
-              <a:rPr lang="en-GB" baseline="0" dirty="0" smtClean="0"/>
+              <a:rPr lang="en-GB" baseline="0" dirty="0"/>
               <a:t>4. Not clear why you should collect the baubles, or what the points are for.</a:t>
             </a:r>
           </a:p>
           <a:p>
             <a:r>
-              <a:rPr lang="en-GB" baseline="0" dirty="0" smtClean="0"/>
+              <a:rPr lang="en-GB" baseline="0" dirty="0"/>
               <a:t>5. The room on the menu screen does not look right – some of it is 3D and some 2D. The bookshelf looks like a door – it would be better with a bit of shading below each shelf. The joints in the floor are not angled like the front of the fireplace. Make the inside of the fireplace not the same colour as the fireplace base.</a:t>
             </a:r>
-            <a:endParaRPr lang="en-GB" dirty="0" smtClean="0"/>
-          </a:p>
-          <a:p>
             <a:endParaRPr lang="en-GB" dirty="0"/>
+          </a:p>
+          <a:p>
+            <a:r>
+              <a:rPr lang="en-GB" dirty="0"/>
+              <a:t>6. Need a proper start menu to introduce the storyline to players and to access settings of the game, which is not implemented (which should be able to adjust volume and player outfit)</a:t>
+            </a:r>
           </a:p>
         </p:txBody>
       </p:sp>
@@ -1008,16 +1011,16 @@
           <a:lstStyle/>
           <a:p>
             <a:r>
-              <a:rPr lang="en-GB" dirty="0" smtClean="0"/>
+              <a:rPr lang="en-GB" dirty="0"/>
               <a:t>This questionnaire</a:t>
             </a:r>
             <a:r>
-              <a:rPr lang="en-GB" baseline="0" dirty="0" smtClean="0"/>
-              <a:t> was from one tester, and was before we did all the fixes</a:t>
-            </a:r>
-          </a:p>
-          <a:p>
-            <a:endParaRPr lang="en-GB" baseline="0" dirty="0" smtClean="0"/>
+              <a:rPr lang="en-GB" baseline="0" dirty="0"/>
+              <a:t> was from three testers, and was before we did all the fixes</a:t>
+            </a:r>
+          </a:p>
+          <a:p>
+            <a:endParaRPr lang="en-GB" baseline="0" dirty="0"/>
           </a:p>
         </p:txBody>
       </p:sp>
@@ -1100,71 +1103,62 @@
           <a:lstStyle/>
           <a:p>
             <a:r>
-              <a:rPr lang="en-GB" dirty="0" smtClean="0"/>
+              <a:rPr lang="en-GB" dirty="0"/>
               <a:t>This questionnaire</a:t>
             </a:r>
             <a:r>
-              <a:rPr lang="en-GB" baseline="0" dirty="0" smtClean="0"/>
-              <a:t> was from one tester, and was </a:t>
-            </a:r>
-            <a:r>
-              <a:rPr lang="en-GB" baseline="0" dirty="0" smtClean="0"/>
-              <a:t>after we </a:t>
-            </a:r>
-            <a:r>
-              <a:rPr lang="en-GB" baseline="0" dirty="0" smtClean="0"/>
-              <a:t>did all the </a:t>
-            </a:r>
-            <a:r>
-              <a:rPr lang="en-GB" baseline="0" dirty="0" smtClean="0"/>
-              <a:t>fixes.</a:t>
-            </a:r>
-          </a:p>
-          <a:p>
-            <a:r>
-              <a:rPr lang="en-GB" baseline="0" dirty="0" smtClean="0"/>
-              <a:t>The tester was not told what fixes had been applied; they were simply asked to re-test the game and submit </a:t>
-            </a:r>
-            <a:r>
-              <a:rPr lang="en-GB" baseline="0" smtClean="0"/>
-              <a:t>new feedback.</a:t>
-            </a:r>
-            <a:endParaRPr lang="en-GB" baseline="0" dirty="0" smtClean="0"/>
-          </a:p>
-          <a:p>
-            <a:endParaRPr lang="en-GB" baseline="0" dirty="0" smtClean="0"/>
-          </a:p>
-          <a:p>
-            <a:r>
-              <a:rPr lang="en-GB" baseline="0" dirty="0" smtClean="0"/>
+              <a:rPr lang="en-GB" baseline="0" dirty="0"/>
+              <a:t> was from the previous testers, and was after we did all the fixes.</a:t>
+            </a:r>
+          </a:p>
+          <a:p>
+            <a:r>
+              <a:rPr lang="en-GB" baseline="0" dirty="0"/>
+              <a:t>The testers were not told what fixes had been applied; they were simply asked to re-test the game and submit new feedback.</a:t>
+            </a:r>
+          </a:p>
+          <a:p>
+            <a:endParaRPr lang="en-GB" baseline="0" dirty="0"/>
+          </a:p>
+          <a:p>
+            <a:r>
+              <a:rPr lang="en-GB" baseline="0" dirty="0"/>
               <a:t>Their feedback was:</a:t>
             </a:r>
           </a:p>
           <a:p>
             <a:r>
-              <a:rPr lang="en-GB" baseline="0" dirty="0" smtClean="0"/>
+              <a:rPr lang="en-GB" baseline="0" dirty="0"/>
               <a:t>“</a:t>
             </a:r>
             <a:r>
-              <a:rPr lang="en-GB" sz="1200" dirty="0" smtClean="0"/>
+              <a:rPr lang="en-GB" sz="1200" dirty="0"/>
               <a:t>A lot better. There are still irritating bits, but it is improved, and looks nice.</a:t>
             </a:r>
             <a:br>
-              <a:rPr lang="en-GB" sz="1200" dirty="0" smtClean="0"/>
+              <a:rPr lang="en-GB" sz="1200" dirty="0"/>
             </a:br>
             <a:r>
-              <a:rPr lang="en-GB" sz="1200" dirty="0" smtClean="0"/>
+              <a:rPr lang="en-GB" sz="1200" dirty="0"/>
               <a:t>I found it easy to move the player where I wanted - Mostly very good,</a:t>
             </a:r>
             <a:r>
-              <a:rPr lang="en-GB" sz="1200" baseline="0" dirty="0" smtClean="0"/>
+              <a:rPr lang="en-GB" sz="1200" baseline="0" dirty="0"/>
               <a:t> though</a:t>
             </a:r>
             <a:r>
-              <a:rPr lang="en-GB" sz="1200" dirty="0" smtClean="0"/>
-              <a:t> the elf maze still moves many steps unless I jab at the keyboard to only move one.”</a:t>
-            </a:r>
-            <a:endParaRPr lang="en-GB" baseline="0" dirty="0" smtClean="0"/>
+              <a:rPr lang="en-GB" sz="1200" dirty="0"/>
+              <a:t> the elf maze still moves many steps unless I jab at the keyboard to only move one. The gameplay is more connected to the </a:t>
+            </a:r>
+            <a:r>
+              <a:rPr lang="en-GB" sz="1200"/>
+              <a:t>storylinex </a:t>
+            </a:r>
+            <a:r>
+              <a:rPr lang="en-GB" sz="1200" dirty="0"/>
+              <a:t>after noticing the elf is fixing the house for Christmas. ”</a:t>
+            </a:r>
+            <a:endParaRPr lang="en-GB" baseline="0" dirty="0"/>
           </a:p>
         </p:txBody>
       </p:sp>
@@ -1276,15 +1270,7 @@
           <a:p>
             <a:r>
               <a:rPr lang="en-GB" baseline="0" dirty="0"/>
-              <a:t>We decided we wanted a non-combative game with </a:t>
-            </a:r>
-            <a:r>
-              <a:rPr lang="en-GB" baseline="0" dirty="0" smtClean="0"/>
-              <a:t>puzzles </a:t>
-            </a:r>
-            <a:r>
-              <a:rPr lang="en-GB" baseline="0" dirty="0"/>
-              <a:t>and challenges to overcome, and items to collect. </a:t>
+              <a:t>We decided we wanted a non-combative game with puzzles and challenges to overcome, and items to collect. </a:t>
             </a:r>
             <a:endParaRPr lang="en-GB" dirty="0"/>
           </a:p>
@@ -1317,7 +1303,7 @@
     </p:spTree>
     <p:extLst>
       <p:ext uri="{BB962C8B-B14F-4D97-AF65-F5344CB8AC3E}">
-        <p14:creationId xmlns="" xmlns:p14="http://schemas.microsoft.com/office/powerpoint/2010/main" val="108767136"/>
+        <p14:creationId xmlns:p14="http://schemas.microsoft.com/office/powerpoint/2010/main" val="108767136"/>
       </p:ext>
     </p:extLst>
   </p:cSld>
@@ -1377,96 +1363,91 @@
             </a:r>
             <a:r>
               <a:rPr lang="en-GB" baseline="0" dirty="0"/>
-              <a:t> agreed that the game should have a Christmas theme, and that each level would gradually populate the Christmas Room, building up from a bare room to a room with all the trimmings for Christmas</a:t>
-            </a:r>
-            <a:r>
-              <a:rPr lang="en-GB" baseline="0" dirty="0" smtClean="0"/>
-              <a:t>. </a:t>
-            </a:r>
-          </a:p>
-          <a:p>
-            <a:endParaRPr lang="en-GB" baseline="0" dirty="0" smtClean="0"/>
-          </a:p>
-          <a:p>
-            <a:r>
-              <a:rPr lang="en-GB" baseline="0" dirty="0" smtClean="0"/>
+              <a:t> agreed that the game should have a Christmas theme, and that each level would gradually populate the Christmas Room, building up from a bare room to a room with all the trimmings for Christmas. </a:t>
+            </a:r>
+          </a:p>
+          <a:p>
+            <a:endParaRPr lang="en-GB" baseline="0" dirty="0"/>
+          </a:p>
+          <a:p>
+            <a:r>
+              <a:rPr lang="en-GB" baseline="0" dirty="0"/>
               <a:t>Leo was very keen to develop the graphics, and produced a suggestion sprite which we were very happy with. </a:t>
             </a:r>
           </a:p>
           <a:p>
             <a:r>
-              <a:rPr lang="en-GB" baseline="0" dirty="0" smtClean="0"/>
+              <a:rPr lang="en-GB" baseline="0" dirty="0"/>
               <a:t>Gary developed the ideas for the platform levels and how they would be laid out. </a:t>
             </a:r>
           </a:p>
           <a:p>
             <a:r>
-              <a:rPr lang="en-GB" baseline="0" dirty="0" smtClean="0"/>
+              <a:rPr lang="en-GB" baseline="0" dirty="0"/>
               <a:t>Ben came up with most of the ideas for the puzzles, and then coded these. </a:t>
             </a:r>
           </a:p>
           <a:p>
             <a:r>
-              <a:rPr lang="en-GB" baseline="0" dirty="0" smtClean="0"/>
+              <a:rPr lang="en-GB" baseline="0" dirty="0"/>
               <a:t>Val developed the </a:t>
             </a:r>
             <a:r>
-              <a:rPr lang="en-GB" baseline="0" dirty="0" err="1" smtClean="0"/>
+              <a:rPr lang="en-GB" baseline="0" dirty="0" err="1"/>
               <a:t>platforming</a:t>
             </a:r>
             <a:r>
-              <a:rPr lang="en-GB" baseline="0" dirty="0" smtClean="0"/>
+              <a:rPr lang="en-GB" baseline="0" dirty="0"/>
               <a:t>, developing movement and touching code using ideas from our first Java Swing games (balls bouncing inside a window, rebounding off each other, and with effects of gravity). </a:t>
             </a:r>
           </a:p>
           <a:p>
             <a:r>
-              <a:rPr lang="en-GB" baseline="0" dirty="0" smtClean="0"/>
+              <a:rPr lang="en-GB" baseline="0" dirty="0"/>
               <a:t>Alex set up the document and </a:t>
             </a:r>
             <a:r>
-              <a:rPr lang="en-GB" baseline="0" dirty="0" err="1" smtClean="0"/>
+              <a:rPr lang="en-GB" baseline="0" dirty="0" err="1"/>
               <a:t>github</a:t>
             </a:r>
             <a:r>
-              <a:rPr lang="en-GB" baseline="0" dirty="0" smtClean="0"/>
+              <a:rPr lang="en-GB" baseline="0" dirty="0"/>
               <a:t> areas, and the </a:t>
             </a:r>
             <a:r>
-              <a:rPr lang="en-GB" baseline="0" dirty="0" err="1" smtClean="0"/>
+              <a:rPr lang="en-GB" baseline="0" dirty="0" err="1"/>
               <a:t>facebook</a:t>
             </a:r>
             <a:r>
-              <a:rPr lang="en-GB" baseline="0" dirty="0" smtClean="0"/>
+              <a:rPr lang="en-GB" baseline="0" dirty="0"/>
               <a:t> group, and then did supporting code such as the main menu, lives and animation. </a:t>
             </a:r>
           </a:p>
           <a:p>
-            <a:endParaRPr lang="en-GB" baseline="0" dirty="0" smtClean="0"/>
-          </a:p>
-          <a:p>
-            <a:r>
-              <a:rPr lang="en-GB" baseline="0" dirty="0" smtClean="0"/>
+            <a:endParaRPr lang="en-GB" baseline="0" dirty="0"/>
+          </a:p>
+          <a:p>
+            <a:r>
+              <a:rPr lang="en-GB" baseline="0" dirty="0"/>
               <a:t>Code was always kept up to date in </a:t>
             </a:r>
             <a:r>
-              <a:rPr lang="en-GB" baseline="0" dirty="0" err="1" smtClean="0"/>
+              <a:rPr lang="en-GB" baseline="0" dirty="0" err="1"/>
               <a:t>github</a:t>
             </a:r>
             <a:r>
-              <a:rPr lang="en-GB" baseline="0" dirty="0" smtClean="0"/>
+              <a:rPr lang="en-GB" baseline="0" dirty="0"/>
               <a:t> – generally people were working on different areas, so there were rarely any clashes.</a:t>
             </a:r>
           </a:p>
           <a:p>
-            <a:endParaRPr lang="en-GB" baseline="0" dirty="0" smtClean="0"/>
-          </a:p>
-          <a:p>
-            <a:r>
-              <a:rPr lang="en-GB" baseline="0" dirty="0" smtClean="0"/>
+            <a:endParaRPr lang="en-GB" baseline="0" dirty="0"/>
+          </a:p>
+          <a:p>
+            <a:r>
+              <a:rPr lang="en-GB" baseline="0" dirty="0"/>
               <a:t>The weekly lab sessions were well attended and very useful.  We often spent 4hrs there reviewing what we’d achieved, what we should do next, who and how to do the next steps, and targets for getting things done.  Some weeks we also did group programming sessions which were very productive.  This is how we got started with the development at the start of Term2. </a:t>
             </a:r>
-            <a:endParaRPr lang="en-GB" baseline="0" dirty="0"/>
           </a:p>
         </p:txBody>
       </p:sp>
@@ -1497,7 +1478,7 @@
     </p:spTree>
     <p:extLst>
       <p:ext uri="{BB962C8B-B14F-4D97-AF65-F5344CB8AC3E}">
-        <p14:creationId xmlns="" xmlns:p14="http://schemas.microsoft.com/office/powerpoint/2010/main" val="3079722329"/>
+        <p14:creationId xmlns:p14="http://schemas.microsoft.com/office/powerpoint/2010/main" val="3079722329"/>
       </p:ext>
     </p:extLst>
   </p:cSld>
@@ -1563,19 +1544,7 @@
           <a:p>
             <a:r>
               <a:rPr lang="en-GB" baseline="0" dirty="0"/>
-              <a:t>The Christmas Room needs to be populated with 4 types of item: a tree, decorations, food, and presents.  Each level of the game achieves one </a:t>
-            </a:r>
-            <a:r>
-              <a:rPr lang="en-GB" baseline="0" dirty="0" smtClean="0"/>
-              <a:t>type of </a:t>
-            </a:r>
-            <a:r>
-              <a:rPr lang="en-GB" baseline="0" dirty="0"/>
-              <a:t>aspect.  The platform and puzzle are paired, and relate to the aspect being achieved</a:t>
-            </a:r>
-            <a:r>
-              <a:rPr lang="en-GB" baseline="0" dirty="0" smtClean="0"/>
-              <a:t>.</a:t>
+              <a:t>The Christmas Room needs to be populated with 4 types of item: a tree, decorations, food, and presents.  Each level of the game achieves one type of aspect.  The platform and puzzle are paired, and relate to the aspect being achieved.</a:t>
             </a:r>
           </a:p>
           <a:p>
@@ -1596,7 +1565,7 @@
               <a:tabLst/>
               <a:defRPr/>
             </a:pPr>
-            <a:endParaRPr lang="en-GB" baseline="0" dirty="0" smtClean="0"/>
+            <a:endParaRPr lang="en-GB" baseline="0" dirty="0"/>
           </a:p>
           <a:p>
             <a:pPr marL="0" marR="0" indent="0" algn="l" defTabSz="914400" rtl="0" eaLnBrk="1" fontAlgn="auto" latinLnBrk="0" hangingPunct="1">
@@ -1617,38 +1586,18 @@
               <a:defRPr/>
             </a:pPr>
             <a:r>
-              <a:rPr lang="en-GB" baseline="0" dirty="0" smtClean="0"/>
+              <a:rPr lang="en-GB" baseline="0" dirty="0"/>
               <a:t>There is a simple player sprite moving through the platforms.  There are no weapons or enemies, but there are hazards to avoid and items to collect.  Each level has one special item, the key, that must be collected to allow the player to exit at the end of the platform.</a:t>
             </a:r>
-            <a:endParaRPr lang="en-GB" dirty="0" smtClean="0"/>
+            <a:endParaRPr lang="en-GB" dirty="0"/>
           </a:p>
           <a:p>
             <a:endParaRPr lang="en-GB" baseline="0" dirty="0"/>
           </a:p>
           <a:p>
             <a:r>
-              <a:rPr lang="en-GB" baseline="0" dirty="0" smtClean="0"/>
-              <a:t>Level </a:t>
-            </a:r>
-            <a:r>
               <a:rPr lang="en-GB" baseline="0" dirty="0"/>
-              <a:t>1 is in the forest.  The player must cross the lake collecting baubles and </a:t>
-            </a:r>
-            <a:r>
-              <a:rPr lang="en-GB" baseline="0" dirty="0" smtClean="0"/>
-              <a:t>the </a:t>
-            </a:r>
-            <a:r>
-              <a:rPr lang="en-GB" baseline="0" dirty="0"/>
-              <a:t>key, without falling in the water.  The puzzle </a:t>
-            </a:r>
-            <a:r>
-              <a:rPr lang="en-GB" baseline="0" dirty="0" smtClean="0"/>
-              <a:t>at the end of this platform is </a:t>
-            </a:r>
-            <a:r>
-              <a:rPr lang="en-GB" baseline="0" dirty="0"/>
-              <a:t>a maze, and the player must get to the end to find the Christmas tree.</a:t>
+              <a:t>Level 1 is in the forest.  The player must cross the lake collecting baubles and the key, without falling in the water.  The puzzle at the end of this platform is a maze, and the player must get to the end to find the Christmas tree.</a:t>
             </a:r>
           </a:p>
           <a:p>
@@ -1746,7 +1695,7 @@
     </p:spTree>
     <p:extLst>
       <p:ext uri="{BB962C8B-B14F-4D97-AF65-F5344CB8AC3E}">
-        <p14:creationId xmlns="" xmlns:p14="http://schemas.microsoft.com/office/powerpoint/2010/main" val="1280038544"/>
+        <p14:creationId xmlns:p14="http://schemas.microsoft.com/office/powerpoint/2010/main" val="1280038544"/>
       </p:ext>
     </p:extLst>
   </p:cSld>
@@ -1820,14 +1769,14 @@
               <a:defRPr/>
             </a:pPr>
             <a:r>
-              <a:rPr lang="en-GB" b="1" dirty="0" smtClean="0"/>
+              <a:rPr lang="en-GB" b="1" dirty="0"/>
               <a:t>PROGRESS: </a:t>
             </a:r>
             <a:r>
-              <a:rPr lang="en-GB" dirty="0" smtClean="0"/>
+              <a:rPr lang="en-GB" dirty="0"/>
               <a:t>After each level, the player is returned to the menu, where they can see the newly decorated Christmas Room and the items they have collected.</a:t>
             </a:r>
-            <a:endParaRPr lang="en-GB" b="1" dirty="0" smtClean="0"/>
+            <a:endParaRPr lang="en-GB" b="1" dirty="0"/>
           </a:p>
           <a:p>
             <a:endParaRPr lang="en-GB" dirty="0"/>
@@ -1911,28 +1860,8 @@
           <a:lstStyle/>
           <a:p>
             <a:r>
-              <a:rPr lang="en-GB" baseline="0" dirty="0" smtClean="0"/>
-              <a:t>Level </a:t>
-            </a:r>
-            <a:r>
               <a:rPr lang="en-GB" baseline="0" dirty="0"/>
-              <a:t>1 is in the forest.  The player must cross the lake collecting baubles and </a:t>
-            </a:r>
-            <a:r>
-              <a:rPr lang="en-GB" baseline="0" dirty="0" smtClean="0"/>
-              <a:t>the </a:t>
-            </a:r>
-            <a:r>
-              <a:rPr lang="en-GB" baseline="0" dirty="0"/>
-              <a:t>key, without falling in the water</a:t>
-            </a:r>
-            <a:r>
-              <a:rPr lang="en-GB" baseline="0" dirty="0" smtClean="0"/>
-              <a:t>.  This introduces the style of movement using WASD (or arrow keys and space), how platforms are navigated and the pitfalls.  Moving </a:t>
-            </a:r>
-            <a:r>
-              <a:rPr lang="en-GB" baseline="0" dirty="0"/>
-              <a:t>upwards is done as a jump, and can only be done when the player is standing on something.  The player is affected by gravity. </a:t>
+              <a:t>Level 1 is in the forest.  The player must cross the lake collecting baubles and the key, without falling in the water.  This introduces the style of movement using WASD (or arrow keys and space), how platforms are navigated and the pitfalls.  Moving upwards is done as a jump, and can only be done when the player is standing on something.  The player is affected by gravity. </a:t>
             </a:r>
           </a:p>
           <a:p>
@@ -1965,54 +1894,22 @@
           <a:p>
             <a:r>
               <a:rPr lang="en-GB" baseline="0" dirty="0"/>
-              <a:t>Level 3 is in the kitchen.  There are a lot more hazards here – fires and knives to be avoided.  These are awkwardly placed, so that </a:t>
-            </a:r>
-            <a:r>
-              <a:rPr lang="en-GB" baseline="0" dirty="0" smtClean="0"/>
-              <a:t>great care </a:t>
-            </a:r>
+              <a:t>Level 3 is in the kitchen.  There are a lot more hazards here – fires and knives to be avoided.  These are awkwardly placed, so that great care must be taken in navigating the kitchen. </a:t>
+            </a:r>
+          </a:p>
+          <a:p>
+            <a:endParaRPr lang="en-GB" baseline="0" dirty="0"/>
+          </a:p>
+          <a:p>
             <a:r>
               <a:rPr lang="en-GB" baseline="0" dirty="0"/>
-              <a:t>must be taken in navigating the kitchen. </a:t>
-            </a:r>
-          </a:p>
-          <a:p>
-            <a:endParaRPr lang="en-GB" baseline="0" dirty="0"/>
+              <a:t>Level 4 is Santa’s sleigh navigating roofs.  Unlike the other platforms, the sleigh moves left/right automatically, and gradually drifts downwards.  The arrow keys can be used to change direction or boost movement.</a:t>
+            </a:r>
           </a:p>
           <a:p>
             <a:r>
               <a:rPr lang="en-GB" baseline="0" dirty="0"/>
-              <a:t>Level 4 is </a:t>
-            </a:r>
-            <a:r>
-              <a:rPr lang="en-GB" baseline="0" dirty="0" smtClean="0"/>
-              <a:t>Santa’s </a:t>
-            </a:r>
-            <a:r>
-              <a:rPr lang="en-GB" baseline="0" dirty="0"/>
-              <a:t>sleigh navigating </a:t>
-            </a:r>
-            <a:r>
-              <a:rPr lang="en-GB" baseline="0" dirty="0" smtClean="0"/>
-              <a:t>roofs</a:t>
-            </a:r>
-            <a:r>
-              <a:rPr lang="en-GB" baseline="0" dirty="0"/>
-              <a:t>.  Unlike the other platforms, the sleigh moves left/right automatically, and gradually drifts downwards.  The arrow keys can be used to change direction or boost movement.</a:t>
-            </a:r>
-          </a:p>
-          <a:p>
-            <a:r>
-              <a:rPr lang="en-GB" baseline="0" dirty="0"/>
-              <a:t>In this level the sleigh must avoid the hazardous smoke coming from the chimneys.  There are a lot of chimneys, making navigation surprisingly awkward because of the </a:t>
-            </a:r>
-            <a:r>
-              <a:rPr lang="en-GB" baseline="0" dirty="0" smtClean="0"/>
-              <a:t>size </a:t>
-            </a:r>
-            <a:r>
-              <a:rPr lang="en-GB" baseline="0" dirty="0"/>
-              <a:t>and style of movement of the sleigh.  </a:t>
+              <a:t>In this level the sleigh must avoid the hazardous smoke coming from the chimneys.  There are a lot of chimneys, making navigation surprisingly awkward because of the size and style of movement of the sleigh.  </a:t>
             </a:r>
           </a:p>
           <a:p>
@@ -2047,7 +1944,7 @@
     </p:spTree>
     <p:extLst>
       <p:ext uri="{BB962C8B-B14F-4D97-AF65-F5344CB8AC3E}">
-        <p14:creationId xmlns="" xmlns:p14="http://schemas.microsoft.com/office/powerpoint/2010/main" val="1280038544"/>
+        <p14:creationId xmlns:p14="http://schemas.microsoft.com/office/powerpoint/2010/main" val="1280038544"/>
       </p:ext>
     </p:extLst>
   </p:cSld>
@@ -2104,11 +2001,11 @@
           <a:lstStyle/>
           <a:p>
             <a:r>
-              <a:rPr lang="en-GB" dirty="0" smtClean="0"/>
+              <a:rPr lang="en-GB" dirty="0"/>
               <a:t>Redo this slide to make it more obvious what we’re are judging</a:t>
             </a:r>
             <a:r>
-              <a:rPr lang="en-GB" baseline="0" dirty="0" smtClean="0"/>
+              <a:rPr lang="en-GB" baseline="0" dirty="0"/>
               <a:t> against</a:t>
             </a:r>
             <a:endParaRPr lang="en-GB" dirty="0"/>
@@ -2194,11 +2091,11 @@
           <a:lstStyle/>
           <a:p>
             <a:r>
-              <a:rPr lang="en-GB" dirty="0" smtClean="0"/>
+              <a:rPr lang="en-GB" dirty="0"/>
               <a:t>I don’t like this</a:t>
             </a:r>
             <a:r>
-              <a:rPr lang="en-GB" baseline="0" dirty="0" smtClean="0"/>
+              <a:rPr lang="en-GB" baseline="0" dirty="0"/>
               <a:t> slide.  It takes up space and says very little.</a:t>
             </a:r>
           </a:p>
@@ -2283,19 +2180,19 @@
           <a:lstStyle/>
           <a:p>
             <a:r>
-              <a:rPr lang="en-GB" dirty="0" smtClean="0"/>
+              <a:rPr lang="en-GB" dirty="0"/>
               <a:t>Do we want to add anything about ‘touching’? This</a:t>
             </a:r>
             <a:r>
-              <a:rPr lang="en-GB" baseline="0" dirty="0" smtClean="0"/>
+              <a:rPr lang="en-GB" baseline="0" dirty="0"/>
               <a:t> was what everyone said they were pleased with when </a:t>
             </a:r>
             <a:r>
-              <a:rPr lang="en-GB" baseline="0" dirty="0" err="1" smtClean="0"/>
+              <a:rPr lang="en-GB" baseline="0" dirty="0" err="1"/>
               <a:t>Jaejoon</a:t>
             </a:r>
             <a:r>
-              <a:rPr lang="en-GB" baseline="0" dirty="0" smtClean="0"/>
+              <a:rPr lang="en-GB" baseline="0" dirty="0"/>
               <a:t> asked.</a:t>
             </a:r>
             <a:endParaRPr lang="en-GB" dirty="0"/>
@@ -2356,7 +2253,7 @@
           <p:cNvPr id="2" name="Title 1">
             <a:extLst>
               <a:ext uri="{FF2B5EF4-FFF2-40B4-BE49-F238E27FC236}">
-                <a16:creationId xmlns="" xmlns:a16="http://schemas.microsoft.com/office/drawing/2014/main" id="{DF83C6BF-9C25-47A7-9E90-203791DC8017}"/>
+                <a16:creationId xmlns:a16="http://schemas.microsoft.com/office/drawing/2014/main" id="{DF83C6BF-9C25-47A7-9E90-203791DC8017}"/>
               </a:ext>
             </a:extLst>
           </p:cNvPr>
@@ -2394,7 +2291,7 @@
           <p:cNvPr id="3" name="Subtitle 2">
             <a:extLst>
               <a:ext uri="{FF2B5EF4-FFF2-40B4-BE49-F238E27FC236}">
-                <a16:creationId xmlns="" xmlns:a16="http://schemas.microsoft.com/office/drawing/2014/main" id="{F43AB25B-D89F-430B-83D3-AFE59D87A0C9}"/>
+                <a16:creationId xmlns:a16="http://schemas.microsoft.com/office/drawing/2014/main" id="{F43AB25B-D89F-430B-83D3-AFE59D87A0C9}"/>
               </a:ext>
             </a:extLst>
           </p:cNvPr>
@@ -2465,7 +2362,7 @@
           <p:cNvPr id="4" name="Date Placeholder 3">
             <a:extLst>
               <a:ext uri="{FF2B5EF4-FFF2-40B4-BE49-F238E27FC236}">
-                <a16:creationId xmlns="" xmlns:a16="http://schemas.microsoft.com/office/drawing/2014/main" id="{FC28D84A-1E26-4ADB-9293-C973C9FDD312}"/>
+                <a16:creationId xmlns:a16="http://schemas.microsoft.com/office/drawing/2014/main" id="{FC28D84A-1E26-4ADB-9293-C973C9FDD312}"/>
               </a:ext>
             </a:extLst>
           </p:cNvPr>
@@ -2484,7 +2381,7 @@
             <a:fld id="{24C3A72B-EA9F-49ED-9480-D5BBE463D3C6}" type="datetimeFigureOut">
               <a:rPr lang="en-GB" smtClean="0"/>
               <a:pPr/>
-              <a:t>03/03/2018</a:t>
+              <a:t>05/03/2018</a:t>
             </a:fld>
             <a:endParaRPr lang="en-GB"/>
           </a:p>
@@ -2495,7 +2392,7 @@
           <p:cNvPr id="5" name="Footer Placeholder 4">
             <a:extLst>
               <a:ext uri="{FF2B5EF4-FFF2-40B4-BE49-F238E27FC236}">
-                <a16:creationId xmlns="" xmlns:a16="http://schemas.microsoft.com/office/drawing/2014/main" id="{BD1E3808-CC4A-410D-B94B-201CBF8416A2}"/>
+                <a16:creationId xmlns:a16="http://schemas.microsoft.com/office/drawing/2014/main" id="{BD1E3808-CC4A-410D-B94B-201CBF8416A2}"/>
               </a:ext>
             </a:extLst>
           </p:cNvPr>
@@ -2520,7 +2417,7 @@
           <p:cNvPr id="6" name="Slide Number Placeholder 5">
             <a:extLst>
               <a:ext uri="{FF2B5EF4-FFF2-40B4-BE49-F238E27FC236}">
-                <a16:creationId xmlns="" xmlns:a16="http://schemas.microsoft.com/office/drawing/2014/main" id="{C929150F-8AB1-49F3-8CBA-F3D34AD36D29}"/>
+                <a16:creationId xmlns:a16="http://schemas.microsoft.com/office/drawing/2014/main" id="{C929150F-8AB1-49F3-8CBA-F3D34AD36D29}"/>
               </a:ext>
             </a:extLst>
           </p:cNvPr>
@@ -2548,7 +2445,7 @@
     </p:spTree>
     <p:extLst>
       <p:ext uri="{BB962C8B-B14F-4D97-AF65-F5344CB8AC3E}">
-        <p14:creationId xmlns="" xmlns:p14="http://schemas.microsoft.com/office/powerpoint/2010/main" val="3770199555"/>
+        <p14:creationId xmlns:p14="http://schemas.microsoft.com/office/powerpoint/2010/main" val="3770199555"/>
       </p:ext>
     </p:extLst>
   </p:cSld>
@@ -2580,7 +2477,7 @@
           <p:cNvPr id="2" name="Title 1">
             <a:extLst>
               <a:ext uri="{FF2B5EF4-FFF2-40B4-BE49-F238E27FC236}">
-                <a16:creationId xmlns="" xmlns:a16="http://schemas.microsoft.com/office/drawing/2014/main" id="{E7320A48-0F56-4BFE-B5E3-C4B1A8363197}"/>
+                <a16:creationId xmlns:a16="http://schemas.microsoft.com/office/drawing/2014/main" id="{E7320A48-0F56-4BFE-B5E3-C4B1A8363197}"/>
               </a:ext>
             </a:extLst>
           </p:cNvPr>
@@ -2609,7 +2506,7 @@
           <p:cNvPr id="3" name="Vertical Text Placeholder 2">
             <a:extLst>
               <a:ext uri="{FF2B5EF4-FFF2-40B4-BE49-F238E27FC236}">
-                <a16:creationId xmlns="" xmlns:a16="http://schemas.microsoft.com/office/drawing/2014/main" id="{92301219-EFB4-4606-92FB-C77A02640AFC}"/>
+                <a16:creationId xmlns:a16="http://schemas.microsoft.com/office/drawing/2014/main" id="{92301219-EFB4-4606-92FB-C77A02640AFC}"/>
               </a:ext>
             </a:extLst>
           </p:cNvPr>
@@ -2667,7 +2564,7 @@
           <p:cNvPr id="4" name="Date Placeholder 3">
             <a:extLst>
               <a:ext uri="{FF2B5EF4-FFF2-40B4-BE49-F238E27FC236}">
-                <a16:creationId xmlns="" xmlns:a16="http://schemas.microsoft.com/office/drawing/2014/main" id="{B176B311-50DE-481D-AA1B-0D148FBEB50F}"/>
+                <a16:creationId xmlns:a16="http://schemas.microsoft.com/office/drawing/2014/main" id="{B176B311-50DE-481D-AA1B-0D148FBEB50F}"/>
               </a:ext>
             </a:extLst>
           </p:cNvPr>
@@ -2686,7 +2583,7 @@
             <a:fld id="{24C3A72B-EA9F-49ED-9480-D5BBE463D3C6}" type="datetimeFigureOut">
               <a:rPr lang="en-GB" smtClean="0"/>
               <a:pPr/>
-              <a:t>03/03/2018</a:t>
+              <a:t>05/03/2018</a:t>
             </a:fld>
             <a:endParaRPr lang="en-GB"/>
           </a:p>
@@ -2697,7 +2594,7 @@
           <p:cNvPr id="5" name="Footer Placeholder 4">
             <a:extLst>
               <a:ext uri="{FF2B5EF4-FFF2-40B4-BE49-F238E27FC236}">
-                <a16:creationId xmlns="" xmlns:a16="http://schemas.microsoft.com/office/drawing/2014/main" id="{6702C4FC-01C0-4882-AB0A-3FC6EEA94812}"/>
+                <a16:creationId xmlns:a16="http://schemas.microsoft.com/office/drawing/2014/main" id="{6702C4FC-01C0-4882-AB0A-3FC6EEA94812}"/>
               </a:ext>
             </a:extLst>
           </p:cNvPr>
@@ -2722,7 +2619,7 @@
           <p:cNvPr id="6" name="Slide Number Placeholder 5">
             <a:extLst>
               <a:ext uri="{FF2B5EF4-FFF2-40B4-BE49-F238E27FC236}">
-                <a16:creationId xmlns="" xmlns:a16="http://schemas.microsoft.com/office/drawing/2014/main" id="{441B0672-CB38-4C7F-8FE8-5B7BCF1A143B}"/>
+                <a16:creationId xmlns:a16="http://schemas.microsoft.com/office/drawing/2014/main" id="{441B0672-CB38-4C7F-8FE8-5B7BCF1A143B}"/>
               </a:ext>
             </a:extLst>
           </p:cNvPr>
@@ -2750,7 +2647,7 @@
     </p:spTree>
     <p:extLst>
       <p:ext uri="{BB962C8B-B14F-4D97-AF65-F5344CB8AC3E}">
-        <p14:creationId xmlns="" xmlns:p14="http://schemas.microsoft.com/office/powerpoint/2010/main" val="113615128"/>
+        <p14:creationId xmlns:p14="http://schemas.microsoft.com/office/powerpoint/2010/main" val="113615128"/>
       </p:ext>
     </p:extLst>
   </p:cSld>
@@ -2782,7 +2679,7 @@
           <p:cNvPr id="2" name="Vertical Title 1">
             <a:extLst>
               <a:ext uri="{FF2B5EF4-FFF2-40B4-BE49-F238E27FC236}">
-                <a16:creationId xmlns="" xmlns:a16="http://schemas.microsoft.com/office/drawing/2014/main" id="{9B3A92BF-0813-4A3B-818D-C11C33E4DEE9}"/>
+                <a16:creationId xmlns:a16="http://schemas.microsoft.com/office/drawing/2014/main" id="{9B3A92BF-0813-4A3B-818D-C11C33E4DEE9}"/>
               </a:ext>
             </a:extLst>
           </p:cNvPr>
@@ -2816,7 +2713,7 @@
           <p:cNvPr id="3" name="Vertical Text Placeholder 2">
             <a:extLst>
               <a:ext uri="{FF2B5EF4-FFF2-40B4-BE49-F238E27FC236}">
-                <a16:creationId xmlns="" xmlns:a16="http://schemas.microsoft.com/office/drawing/2014/main" id="{A7B1995E-87E9-464D-BFDD-FFDDCDF93F7E}"/>
+                <a16:creationId xmlns:a16="http://schemas.microsoft.com/office/drawing/2014/main" id="{A7B1995E-87E9-464D-BFDD-FFDDCDF93F7E}"/>
               </a:ext>
             </a:extLst>
           </p:cNvPr>
@@ -2879,7 +2776,7 @@
           <p:cNvPr id="4" name="Date Placeholder 3">
             <a:extLst>
               <a:ext uri="{FF2B5EF4-FFF2-40B4-BE49-F238E27FC236}">
-                <a16:creationId xmlns="" xmlns:a16="http://schemas.microsoft.com/office/drawing/2014/main" id="{6CA12D7A-59F4-418F-ADB1-D361AEF263CB}"/>
+                <a16:creationId xmlns:a16="http://schemas.microsoft.com/office/drawing/2014/main" id="{6CA12D7A-59F4-418F-ADB1-D361AEF263CB}"/>
               </a:ext>
             </a:extLst>
           </p:cNvPr>
@@ -2898,7 +2795,7 @@
             <a:fld id="{24C3A72B-EA9F-49ED-9480-D5BBE463D3C6}" type="datetimeFigureOut">
               <a:rPr lang="en-GB" smtClean="0"/>
               <a:pPr/>
-              <a:t>03/03/2018</a:t>
+              <a:t>05/03/2018</a:t>
             </a:fld>
             <a:endParaRPr lang="en-GB"/>
           </a:p>
@@ -2909,7 +2806,7 @@
           <p:cNvPr id="5" name="Footer Placeholder 4">
             <a:extLst>
               <a:ext uri="{FF2B5EF4-FFF2-40B4-BE49-F238E27FC236}">
-                <a16:creationId xmlns="" xmlns:a16="http://schemas.microsoft.com/office/drawing/2014/main" id="{467DB65F-E560-4A0C-8A4A-8E7A6A91C860}"/>
+                <a16:creationId xmlns:a16="http://schemas.microsoft.com/office/drawing/2014/main" id="{467DB65F-E560-4A0C-8A4A-8E7A6A91C860}"/>
               </a:ext>
             </a:extLst>
           </p:cNvPr>
@@ -2934,7 +2831,7 @@
           <p:cNvPr id="6" name="Slide Number Placeholder 5">
             <a:extLst>
               <a:ext uri="{FF2B5EF4-FFF2-40B4-BE49-F238E27FC236}">
-                <a16:creationId xmlns="" xmlns:a16="http://schemas.microsoft.com/office/drawing/2014/main" id="{E8E88C02-5AF6-43A6-9D49-032C7A2D2D72}"/>
+                <a16:creationId xmlns:a16="http://schemas.microsoft.com/office/drawing/2014/main" id="{E8E88C02-5AF6-43A6-9D49-032C7A2D2D72}"/>
               </a:ext>
             </a:extLst>
           </p:cNvPr>
@@ -2962,7 +2859,7 @@
     </p:spTree>
     <p:extLst>
       <p:ext uri="{BB962C8B-B14F-4D97-AF65-F5344CB8AC3E}">
-        <p14:creationId xmlns="" xmlns:p14="http://schemas.microsoft.com/office/powerpoint/2010/main" val="3170355863"/>
+        <p14:creationId xmlns:p14="http://schemas.microsoft.com/office/powerpoint/2010/main" val="3170355863"/>
       </p:ext>
     </p:extLst>
   </p:cSld>
@@ -2994,7 +2891,7 @@
           <p:cNvPr id="2" name="Title 1">
             <a:extLst>
               <a:ext uri="{FF2B5EF4-FFF2-40B4-BE49-F238E27FC236}">
-                <a16:creationId xmlns="" xmlns:a16="http://schemas.microsoft.com/office/drawing/2014/main" id="{B8856D69-20FF-4661-9073-426B77C624CB}"/>
+                <a16:creationId xmlns:a16="http://schemas.microsoft.com/office/drawing/2014/main" id="{B8856D69-20FF-4661-9073-426B77C624CB}"/>
               </a:ext>
             </a:extLst>
           </p:cNvPr>
@@ -3023,7 +2920,7 @@
           <p:cNvPr id="3" name="Content Placeholder 2">
             <a:extLst>
               <a:ext uri="{FF2B5EF4-FFF2-40B4-BE49-F238E27FC236}">
-                <a16:creationId xmlns="" xmlns:a16="http://schemas.microsoft.com/office/drawing/2014/main" id="{4D713998-E95E-442D-BD8B-F99BAFFEBE64}"/>
+                <a16:creationId xmlns:a16="http://schemas.microsoft.com/office/drawing/2014/main" id="{4D713998-E95E-442D-BD8B-F99BAFFEBE64}"/>
               </a:ext>
             </a:extLst>
           </p:cNvPr>
@@ -3081,7 +2978,7 @@
           <p:cNvPr id="4" name="Date Placeholder 3">
             <a:extLst>
               <a:ext uri="{FF2B5EF4-FFF2-40B4-BE49-F238E27FC236}">
-                <a16:creationId xmlns="" xmlns:a16="http://schemas.microsoft.com/office/drawing/2014/main" id="{31180D3F-E491-4445-8955-67AFE52FC796}"/>
+                <a16:creationId xmlns:a16="http://schemas.microsoft.com/office/drawing/2014/main" id="{31180D3F-E491-4445-8955-67AFE52FC796}"/>
               </a:ext>
             </a:extLst>
           </p:cNvPr>
@@ -3100,7 +2997,7 @@
             <a:fld id="{24C3A72B-EA9F-49ED-9480-D5BBE463D3C6}" type="datetimeFigureOut">
               <a:rPr lang="en-GB" smtClean="0"/>
               <a:pPr/>
-              <a:t>03/03/2018</a:t>
+              <a:t>05/03/2018</a:t>
             </a:fld>
             <a:endParaRPr lang="en-GB"/>
           </a:p>
@@ -3111,7 +3008,7 @@
           <p:cNvPr id="5" name="Footer Placeholder 4">
             <a:extLst>
               <a:ext uri="{FF2B5EF4-FFF2-40B4-BE49-F238E27FC236}">
-                <a16:creationId xmlns="" xmlns:a16="http://schemas.microsoft.com/office/drawing/2014/main" id="{5CED9A43-BFD2-4EDD-802E-19797C6D70CA}"/>
+                <a16:creationId xmlns:a16="http://schemas.microsoft.com/office/drawing/2014/main" id="{5CED9A43-BFD2-4EDD-802E-19797C6D70CA}"/>
               </a:ext>
             </a:extLst>
           </p:cNvPr>
@@ -3136,7 +3033,7 @@
           <p:cNvPr id="6" name="Slide Number Placeholder 5">
             <a:extLst>
               <a:ext uri="{FF2B5EF4-FFF2-40B4-BE49-F238E27FC236}">
-                <a16:creationId xmlns="" xmlns:a16="http://schemas.microsoft.com/office/drawing/2014/main" id="{28FC87F7-4CBA-466F-863D-11A1CA8764AA}"/>
+                <a16:creationId xmlns:a16="http://schemas.microsoft.com/office/drawing/2014/main" id="{28FC87F7-4CBA-466F-863D-11A1CA8764AA}"/>
               </a:ext>
             </a:extLst>
           </p:cNvPr>
@@ -3164,7 +3061,7 @@
     </p:spTree>
     <p:extLst>
       <p:ext uri="{BB962C8B-B14F-4D97-AF65-F5344CB8AC3E}">
-        <p14:creationId xmlns="" xmlns:p14="http://schemas.microsoft.com/office/powerpoint/2010/main" val="1398053472"/>
+        <p14:creationId xmlns:p14="http://schemas.microsoft.com/office/powerpoint/2010/main" val="1398053472"/>
       </p:ext>
     </p:extLst>
   </p:cSld>
@@ -3196,7 +3093,7 @@
           <p:cNvPr id="2" name="Title 1">
             <a:extLst>
               <a:ext uri="{FF2B5EF4-FFF2-40B4-BE49-F238E27FC236}">
-                <a16:creationId xmlns="" xmlns:a16="http://schemas.microsoft.com/office/drawing/2014/main" id="{F8713CCA-DA4A-4E8D-A6E6-4D5C06A1CA92}"/>
+                <a16:creationId xmlns:a16="http://schemas.microsoft.com/office/drawing/2014/main" id="{F8713CCA-DA4A-4E8D-A6E6-4D5C06A1CA92}"/>
               </a:ext>
             </a:extLst>
           </p:cNvPr>
@@ -3234,7 +3131,7 @@
           <p:cNvPr id="3" name="Text Placeholder 2">
             <a:extLst>
               <a:ext uri="{FF2B5EF4-FFF2-40B4-BE49-F238E27FC236}">
-                <a16:creationId xmlns="" xmlns:a16="http://schemas.microsoft.com/office/drawing/2014/main" id="{E796A181-893E-4E6D-8829-2ABB545F4D93}"/>
+                <a16:creationId xmlns:a16="http://schemas.microsoft.com/office/drawing/2014/main" id="{E796A181-893E-4E6D-8829-2ABB545F4D93}"/>
               </a:ext>
             </a:extLst>
           </p:cNvPr>
@@ -3359,7 +3256,7 @@
           <p:cNvPr id="4" name="Date Placeholder 3">
             <a:extLst>
               <a:ext uri="{FF2B5EF4-FFF2-40B4-BE49-F238E27FC236}">
-                <a16:creationId xmlns="" xmlns:a16="http://schemas.microsoft.com/office/drawing/2014/main" id="{4F60A353-D637-4AFB-963D-A375C8D7DE15}"/>
+                <a16:creationId xmlns:a16="http://schemas.microsoft.com/office/drawing/2014/main" id="{4F60A353-D637-4AFB-963D-A375C8D7DE15}"/>
               </a:ext>
             </a:extLst>
           </p:cNvPr>
@@ -3378,7 +3275,7 @@
             <a:fld id="{24C3A72B-EA9F-49ED-9480-D5BBE463D3C6}" type="datetimeFigureOut">
               <a:rPr lang="en-GB" smtClean="0"/>
               <a:pPr/>
-              <a:t>03/03/2018</a:t>
+              <a:t>05/03/2018</a:t>
             </a:fld>
             <a:endParaRPr lang="en-GB"/>
           </a:p>
@@ -3389,7 +3286,7 @@
           <p:cNvPr id="5" name="Footer Placeholder 4">
             <a:extLst>
               <a:ext uri="{FF2B5EF4-FFF2-40B4-BE49-F238E27FC236}">
-                <a16:creationId xmlns="" xmlns:a16="http://schemas.microsoft.com/office/drawing/2014/main" id="{14A1034E-26D2-46C4-B048-516F786DA9EC}"/>
+                <a16:creationId xmlns:a16="http://schemas.microsoft.com/office/drawing/2014/main" id="{14A1034E-26D2-46C4-B048-516F786DA9EC}"/>
               </a:ext>
             </a:extLst>
           </p:cNvPr>
@@ -3414,7 +3311,7 @@
           <p:cNvPr id="6" name="Slide Number Placeholder 5">
             <a:extLst>
               <a:ext uri="{FF2B5EF4-FFF2-40B4-BE49-F238E27FC236}">
-                <a16:creationId xmlns="" xmlns:a16="http://schemas.microsoft.com/office/drawing/2014/main" id="{946ACA28-BDA0-401C-B5E5-029DDA8E1D7B}"/>
+                <a16:creationId xmlns:a16="http://schemas.microsoft.com/office/drawing/2014/main" id="{946ACA28-BDA0-401C-B5E5-029DDA8E1D7B}"/>
               </a:ext>
             </a:extLst>
           </p:cNvPr>
@@ -3442,7 +3339,7 @@
     </p:spTree>
     <p:extLst>
       <p:ext uri="{BB962C8B-B14F-4D97-AF65-F5344CB8AC3E}">
-        <p14:creationId xmlns="" xmlns:p14="http://schemas.microsoft.com/office/powerpoint/2010/main" val="1945849922"/>
+        <p14:creationId xmlns:p14="http://schemas.microsoft.com/office/powerpoint/2010/main" val="1945849922"/>
       </p:ext>
     </p:extLst>
   </p:cSld>
@@ -3474,7 +3371,7 @@
           <p:cNvPr id="2" name="Title 1">
             <a:extLst>
               <a:ext uri="{FF2B5EF4-FFF2-40B4-BE49-F238E27FC236}">
-                <a16:creationId xmlns="" xmlns:a16="http://schemas.microsoft.com/office/drawing/2014/main" id="{5C30AE81-C3FC-46F8-A43E-6CEB9925FC44}"/>
+                <a16:creationId xmlns:a16="http://schemas.microsoft.com/office/drawing/2014/main" id="{5C30AE81-C3FC-46F8-A43E-6CEB9925FC44}"/>
               </a:ext>
             </a:extLst>
           </p:cNvPr>
@@ -3503,7 +3400,7 @@
           <p:cNvPr id="3" name="Content Placeholder 2">
             <a:extLst>
               <a:ext uri="{FF2B5EF4-FFF2-40B4-BE49-F238E27FC236}">
-                <a16:creationId xmlns="" xmlns:a16="http://schemas.microsoft.com/office/drawing/2014/main" id="{5088C0F7-4CD0-4904-8A34-D6A4CBE69A6E}"/>
+                <a16:creationId xmlns:a16="http://schemas.microsoft.com/office/drawing/2014/main" id="{5088C0F7-4CD0-4904-8A34-D6A4CBE69A6E}"/>
               </a:ext>
             </a:extLst>
           </p:cNvPr>
@@ -3566,7 +3463,7 @@
           <p:cNvPr id="4" name="Content Placeholder 3">
             <a:extLst>
               <a:ext uri="{FF2B5EF4-FFF2-40B4-BE49-F238E27FC236}">
-                <a16:creationId xmlns="" xmlns:a16="http://schemas.microsoft.com/office/drawing/2014/main" id="{16A80048-D1B9-4999-807E-1BF158739194}"/>
+                <a16:creationId xmlns:a16="http://schemas.microsoft.com/office/drawing/2014/main" id="{16A80048-D1B9-4999-807E-1BF158739194}"/>
               </a:ext>
             </a:extLst>
           </p:cNvPr>
@@ -3629,7 +3526,7 @@
           <p:cNvPr id="5" name="Date Placeholder 4">
             <a:extLst>
               <a:ext uri="{FF2B5EF4-FFF2-40B4-BE49-F238E27FC236}">
-                <a16:creationId xmlns="" xmlns:a16="http://schemas.microsoft.com/office/drawing/2014/main" id="{5F1C4467-5E7A-444D-8C1F-9C85A5350FEC}"/>
+                <a16:creationId xmlns:a16="http://schemas.microsoft.com/office/drawing/2014/main" id="{5F1C4467-5E7A-444D-8C1F-9C85A5350FEC}"/>
               </a:ext>
             </a:extLst>
           </p:cNvPr>
@@ -3648,7 +3545,7 @@
             <a:fld id="{24C3A72B-EA9F-49ED-9480-D5BBE463D3C6}" type="datetimeFigureOut">
               <a:rPr lang="en-GB" smtClean="0"/>
               <a:pPr/>
-              <a:t>03/03/2018</a:t>
+              <a:t>05/03/2018</a:t>
             </a:fld>
             <a:endParaRPr lang="en-GB"/>
           </a:p>
@@ -3659,7 +3556,7 @@
           <p:cNvPr id="6" name="Footer Placeholder 5">
             <a:extLst>
               <a:ext uri="{FF2B5EF4-FFF2-40B4-BE49-F238E27FC236}">
-                <a16:creationId xmlns="" xmlns:a16="http://schemas.microsoft.com/office/drawing/2014/main" id="{384026F4-B643-4CC3-B710-FE767082020C}"/>
+                <a16:creationId xmlns:a16="http://schemas.microsoft.com/office/drawing/2014/main" id="{384026F4-B643-4CC3-B710-FE767082020C}"/>
               </a:ext>
             </a:extLst>
           </p:cNvPr>
@@ -3684,7 +3581,7 @@
           <p:cNvPr id="7" name="Slide Number Placeholder 6">
             <a:extLst>
               <a:ext uri="{FF2B5EF4-FFF2-40B4-BE49-F238E27FC236}">
-                <a16:creationId xmlns="" xmlns:a16="http://schemas.microsoft.com/office/drawing/2014/main" id="{B4F45919-5C3E-4A20-BC4E-1A8950F00937}"/>
+                <a16:creationId xmlns:a16="http://schemas.microsoft.com/office/drawing/2014/main" id="{B4F45919-5C3E-4A20-BC4E-1A8950F00937}"/>
               </a:ext>
             </a:extLst>
           </p:cNvPr>
@@ -3712,7 +3609,7 @@
     </p:spTree>
     <p:extLst>
       <p:ext uri="{BB962C8B-B14F-4D97-AF65-F5344CB8AC3E}">
-        <p14:creationId xmlns="" xmlns:p14="http://schemas.microsoft.com/office/powerpoint/2010/main" val="1382044922"/>
+        <p14:creationId xmlns:p14="http://schemas.microsoft.com/office/powerpoint/2010/main" val="1382044922"/>
       </p:ext>
     </p:extLst>
   </p:cSld>
@@ -3744,7 +3641,7 @@
           <p:cNvPr id="2" name="Title 1">
             <a:extLst>
               <a:ext uri="{FF2B5EF4-FFF2-40B4-BE49-F238E27FC236}">
-                <a16:creationId xmlns="" xmlns:a16="http://schemas.microsoft.com/office/drawing/2014/main" id="{E40FFFB1-649D-426B-B189-1DAD66D14336}"/>
+                <a16:creationId xmlns:a16="http://schemas.microsoft.com/office/drawing/2014/main" id="{E40FFFB1-649D-426B-B189-1DAD66D14336}"/>
               </a:ext>
             </a:extLst>
           </p:cNvPr>
@@ -3778,7 +3675,7 @@
           <p:cNvPr id="3" name="Text Placeholder 2">
             <a:extLst>
               <a:ext uri="{FF2B5EF4-FFF2-40B4-BE49-F238E27FC236}">
-                <a16:creationId xmlns="" xmlns:a16="http://schemas.microsoft.com/office/drawing/2014/main" id="{8772471C-BEC4-47A2-ACB6-54F4C91BFB2A}"/>
+                <a16:creationId xmlns:a16="http://schemas.microsoft.com/office/drawing/2014/main" id="{8772471C-BEC4-47A2-ACB6-54F4C91BFB2A}"/>
               </a:ext>
             </a:extLst>
           </p:cNvPr>
@@ -3849,7 +3746,7 @@
           <p:cNvPr id="4" name="Content Placeholder 3">
             <a:extLst>
               <a:ext uri="{FF2B5EF4-FFF2-40B4-BE49-F238E27FC236}">
-                <a16:creationId xmlns="" xmlns:a16="http://schemas.microsoft.com/office/drawing/2014/main" id="{5AD87827-BA33-4B72-BCD3-C0C3D2AA931B}"/>
+                <a16:creationId xmlns:a16="http://schemas.microsoft.com/office/drawing/2014/main" id="{5AD87827-BA33-4B72-BCD3-C0C3D2AA931B}"/>
               </a:ext>
             </a:extLst>
           </p:cNvPr>
@@ -3912,7 +3809,7 @@
           <p:cNvPr id="5" name="Text Placeholder 4">
             <a:extLst>
               <a:ext uri="{FF2B5EF4-FFF2-40B4-BE49-F238E27FC236}">
-                <a16:creationId xmlns="" xmlns:a16="http://schemas.microsoft.com/office/drawing/2014/main" id="{138A58D4-A5B6-48A1-B509-C37CE93409BD}"/>
+                <a16:creationId xmlns:a16="http://schemas.microsoft.com/office/drawing/2014/main" id="{138A58D4-A5B6-48A1-B509-C37CE93409BD}"/>
               </a:ext>
             </a:extLst>
           </p:cNvPr>
@@ -3983,7 +3880,7 @@
           <p:cNvPr id="6" name="Content Placeholder 5">
             <a:extLst>
               <a:ext uri="{FF2B5EF4-FFF2-40B4-BE49-F238E27FC236}">
-                <a16:creationId xmlns="" xmlns:a16="http://schemas.microsoft.com/office/drawing/2014/main" id="{6CC17053-AB6B-4F65-8F9E-EDC8C39D1399}"/>
+                <a16:creationId xmlns:a16="http://schemas.microsoft.com/office/drawing/2014/main" id="{6CC17053-AB6B-4F65-8F9E-EDC8C39D1399}"/>
               </a:ext>
             </a:extLst>
           </p:cNvPr>
@@ -4046,7 +3943,7 @@
           <p:cNvPr id="7" name="Date Placeholder 6">
             <a:extLst>
               <a:ext uri="{FF2B5EF4-FFF2-40B4-BE49-F238E27FC236}">
-                <a16:creationId xmlns="" xmlns:a16="http://schemas.microsoft.com/office/drawing/2014/main" id="{E3D90822-B7B8-481A-BB0C-B672B0F6A17C}"/>
+                <a16:creationId xmlns:a16="http://schemas.microsoft.com/office/drawing/2014/main" id="{E3D90822-B7B8-481A-BB0C-B672B0F6A17C}"/>
               </a:ext>
             </a:extLst>
           </p:cNvPr>
@@ -4065,7 +3962,7 @@
             <a:fld id="{24C3A72B-EA9F-49ED-9480-D5BBE463D3C6}" type="datetimeFigureOut">
               <a:rPr lang="en-GB" smtClean="0"/>
               <a:pPr/>
-              <a:t>03/03/2018</a:t>
+              <a:t>05/03/2018</a:t>
             </a:fld>
             <a:endParaRPr lang="en-GB"/>
           </a:p>
@@ -4076,7 +3973,7 @@
           <p:cNvPr id="8" name="Footer Placeholder 7">
             <a:extLst>
               <a:ext uri="{FF2B5EF4-FFF2-40B4-BE49-F238E27FC236}">
-                <a16:creationId xmlns="" xmlns:a16="http://schemas.microsoft.com/office/drawing/2014/main" id="{3A433E44-143D-440A-8BD2-8BC9C9CF6734}"/>
+                <a16:creationId xmlns:a16="http://schemas.microsoft.com/office/drawing/2014/main" id="{3A433E44-143D-440A-8BD2-8BC9C9CF6734}"/>
               </a:ext>
             </a:extLst>
           </p:cNvPr>
@@ -4101,7 +3998,7 @@
           <p:cNvPr id="9" name="Slide Number Placeholder 8">
             <a:extLst>
               <a:ext uri="{FF2B5EF4-FFF2-40B4-BE49-F238E27FC236}">
-                <a16:creationId xmlns="" xmlns:a16="http://schemas.microsoft.com/office/drawing/2014/main" id="{EC97B467-9FF0-43E8-9056-E6AB688AFC17}"/>
+                <a16:creationId xmlns:a16="http://schemas.microsoft.com/office/drawing/2014/main" id="{EC97B467-9FF0-43E8-9056-E6AB688AFC17}"/>
               </a:ext>
             </a:extLst>
           </p:cNvPr>
@@ -4129,7 +4026,7 @@
     </p:spTree>
     <p:extLst>
       <p:ext uri="{BB962C8B-B14F-4D97-AF65-F5344CB8AC3E}">
-        <p14:creationId xmlns="" xmlns:p14="http://schemas.microsoft.com/office/powerpoint/2010/main" val="3457634593"/>
+        <p14:creationId xmlns:p14="http://schemas.microsoft.com/office/powerpoint/2010/main" val="3457634593"/>
       </p:ext>
     </p:extLst>
   </p:cSld>
@@ -4161,7 +4058,7 @@
           <p:cNvPr id="2" name="Title 1">
             <a:extLst>
               <a:ext uri="{FF2B5EF4-FFF2-40B4-BE49-F238E27FC236}">
-                <a16:creationId xmlns="" xmlns:a16="http://schemas.microsoft.com/office/drawing/2014/main" id="{126C16E5-B433-42A2-9EFF-55EF20909D15}"/>
+                <a16:creationId xmlns:a16="http://schemas.microsoft.com/office/drawing/2014/main" id="{126C16E5-B433-42A2-9EFF-55EF20909D15}"/>
               </a:ext>
             </a:extLst>
           </p:cNvPr>
@@ -4190,7 +4087,7 @@
           <p:cNvPr id="3" name="Date Placeholder 2">
             <a:extLst>
               <a:ext uri="{FF2B5EF4-FFF2-40B4-BE49-F238E27FC236}">
-                <a16:creationId xmlns="" xmlns:a16="http://schemas.microsoft.com/office/drawing/2014/main" id="{4B69A33F-53FA-4B8F-923C-811A663804E1}"/>
+                <a16:creationId xmlns:a16="http://schemas.microsoft.com/office/drawing/2014/main" id="{4B69A33F-53FA-4B8F-923C-811A663804E1}"/>
               </a:ext>
             </a:extLst>
           </p:cNvPr>
@@ -4209,7 +4106,7 @@
             <a:fld id="{24C3A72B-EA9F-49ED-9480-D5BBE463D3C6}" type="datetimeFigureOut">
               <a:rPr lang="en-GB" smtClean="0"/>
               <a:pPr/>
-              <a:t>03/03/2018</a:t>
+              <a:t>05/03/2018</a:t>
             </a:fld>
             <a:endParaRPr lang="en-GB"/>
           </a:p>
@@ -4220,7 +4117,7 @@
           <p:cNvPr id="4" name="Footer Placeholder 3">
             <a:extLst>
               <a:ext uri="{FF2B5EF4-FFF2-40B4-BE49-F238E27FC236}">
-                <a16:creationId xmlns="" xmlns:a16="http://schemas.microsoft.com/office/drawing/2014/main" id="{CE5979CA-B672-4BE0-9727-E607CF5FBA10}"/>
+                <a16:creationId xmlns:a16="http://schemas.microsoft.com/office/drawing/2014/main" id="{CE5979CA-B672-4BE0-9727-E607CF5FBA10}"/>
               </a:ext>
             </a:extLst>
           </p:cNvPr>
@@ -4245,7 +4142,7 @@
           <p:cNvPr id="5" name="Slide Number Placeholder 4">
             <a:extLst>
               <a:ext uri="{FF2B5EF4-FFF2-40B4-BE49-F238E27FC236}">
-                <a16:creationId xmlns="" xmlns:a16="http://schemas.microsoft.com/office/drawing/2014/main" id="{9F7BAA98-4121-40E6-B29F-2204B30F0C2E}"/>
+                <a16:creationId xmlns:a16="http://schemas.microsoft.com/office/drawing/2014/main" id="{9F7BAA98-4121-40E6-B29F-2204B30F0C2E}"/>
               </a:ext>
             </a:extLst>
           </p:cNvPr>
@@ -4273,7 +4170,7 @@
     </p:spTree>
     <p:extLst>
       <p:ext uri="{BB962C8B-B14F-4D97-AF65-F5344CB8AC3E}">
-        <p14:creationId xmlns="" xmlns:p14="http://schemas.microsoft.com/office/powerpoint/2010/main" val="4070145130"/>
+        <p14:creationId xmlns:p14="http://schemas.microsoft.com/office/powerpoint/2010/main" val="4070145130"/>
       </p:ext>
     </p:extLst>
   </p:cSld>
@@ -4305,7 +4202,7 @@
           <p:cNvPr id="2" name="Date Placeholder 1">
             <a:extLst>
               <a:ext uri="{FF2B5EF4-FFF2-40B4-BE49-F238E27FC236}">
-                <a16:creationId xmlns="" xmlns:a16="http://schemas.microsoft.com/office/drawing/2014/main" id="{5CC14C16-6481-4904-AC0A-7E3279C7059D}"/>
+                <a16:creationId xmlns:a16="http://schemas.microsoft.com/office/drawing/2014/main" id="{5CC14C16-6481-4904-AC0A-7E3279C7059D}"/>
               </a:ext>
             </a:extLst>
           </p:cNvPr>
@@ -4324,7 +4221,7 @@
             <a:fld id="{24C3A72B-EA9F-49ED-9480-D5BBE463D3C6}" type="datetimeFigureOut">
               <a:rPr lang="en-GB" smtClean="0"/>
               <a:pPr/>
-              <a:t>03/03/2018</a:t>
+              <a:t>05/03/2018</a:t>
             </a:fld>
             <a:endParaRPr lang="en-GB"/>
           </a:p>
@@ -4335,7 +4232,7 @@
           <p:cNvPr id="3" name="Footer Placeholder 2">
             <a:extLst>
               <a:ext uri="{FF2B5EF4-FFF2-40B4-BE49-F238E27FC236}">
-                <a16:creationId xmlns="" xmlns:a16="http://schemas.microsoft.com/office/drawing/2014/main" id="{F6C26942-E7C8-4D7B-AF06-F5CBEFE52D52}"/>
+                <a16:creationId xmlns:a16="http://schemas.microsoft.com/office/drawing/2014/main" id="{F6C26942-E7C8-4D7B-AF06-F5CBEFE52D52}"/>
               </a:ext>
             </a:extLst>
           </p:cNvPr>
@@ -4360,7 +4257,7 @@
           <p:cNvPr id="4" name="Slide Number Placeholder 3">
             <a:extLst>
               <a:ext uri="{FF2B5EF4-FFF2-40B4-BE49-F238E27FC236}">
-                <a16:creationId xmlns="" xmlns:a16="http://schemas.microsoft.com/office/drawing/2014/main" id="{F4DAB499-97FD-4827-B6B8-0F96F7C4FE5D}"/>
+                <a16:creationId xmlns:a16="http://schemas.microsoft.com/office/drawing/2014/main" id="{F4DAB499-97FD-4827-B6B8-0F96F7C4FE5D}"/>
               </a:ext>
             </a:extLst>
           </p:cNvPr>
@@ -4388,7 +4285,7 @@
     </p:spTree>
     <p:extLst>
       <p:ext uri="{BB962C8B-B14F-4D97-AF65-F5344CB8AC3E}">
-        <p14:creationId xmlns="" xmlns:p14="http://schemas.microsoft.com/office/powerpoint/2010/main" val="1991650923"/>
+        <p14:creationId xmlns:p14="http://schemas.microsoft.com/office/powerpoint/2010/main" val="1991650923"/>
       </p:ext>
     </p:extLst>
   </p:cSld>
@@ -4420,7 +4317,7 @@
           <p:cNvPr id="2" name="Title 1">
             <a:extLst>
               <a:ext uri="{FF2B5EF4-FFF2-40B4-BE49-F238E27FC236}">
-                <a16:creationId xmlns="" xmlns:a16="http://schemas.microsoft.com/office/drawing/2014/main" id="{8DB1DE1E-A84A-447A-898D-F7D7DEFFBBCD}"/>
+                <a16:creationId xmlns:a16="http://schemas.microsoft.com/office/drawing/2014/main" id="{8DB1DE1E-A84A-447A-898D-F7D7DEFFBBCD}"/>
               </a:ext>
             </a:extLst>
           </p:cNvPr>
@@ -4458,7 +4355,7 @@
           <p:cNvPr id="3" name="Content Placeholder 2">
             <a:extLst>
               <a:ext uri="{FF2B5EF4-FFF2-40B4-BE49-F238E27FC236}">
-                <a16:creationId xmlns="" xmlns:a16="http://schemas.microsoft.com/office/drawing/2014/main" id="{00C215BD-D7D7-49A5-86B5-19FA9FCE98D7}"/>
+                <a16:creationId xmlns:a16="http://schemas.microsoft.com/office/drawing/2014/main" id="{00C215BD-D7D7-49A5-86B5-19FA9FCE98D7}"/>
               </a:ext>
             </a:extLst>
           </p:cNvPr>
@@ -4549,7 +4446,7 @@
           <p:cNvPr id="4" name="Text Placeholder 3">
             <a:extLst>
               <a:ext uri="{FF2B5EF4-FFF2-40B4-BE49-F238E27FC236}">
-                <a16:creationId xmlns="" xmlns:a16="http://schemas.microsoft.com/office/drawing/2014/main" id="{963333A7-986A-4F23-AD4B-645062463568}"/>
+                <a16:creationId xmlns:a16="http://schemas.microsoft.com/office/drawing/2014/main" id="{963333A7-986A-4F23-AD4B-645062463568}"/>
               </a:ext>
             </a:extLst>
           </p:cNvPr>
@@ -4620,7 +4517,7 @@
           <p:cNvPr id="5" name="Date Placeholder 4">
             <a:extLst>
               <a:ext uri="{FF2B5EF4-FFF2-40B4-BE49-F238E27FC236}">
-                <a16:creationId xmlns="" xmlns:a16="http://schemas.microsoft.com/office/drawing/2014/main" id="{3D141368-BD0B-4EC5-894A-09555901F516}"/>
+                <a16:creationId xmlns:a16="http://schemas.microsoft.com/office/drawing/2014/main" id="{3D141368-BD0B-4EC5-894A-09555901F516}"/>
               </a:ext>
             </a:extLst>
           </p:cNvPr>
@@ -4639,7 +4536,7 @@
             <a:fld id="{24C3A72B-EA9F-49ED-9480-D5BBE463D3C6}" type="datetimeFigureOut">
               <a:rPr lang="en-GB" smtClean="0"/>
               <a:pPr/>
-              <a:t>03/03/2018</a:t>
+              <a:t>05/03/2018</a:t>
             </a:fld>
             <a:endParaRPr lang="en-GB"/>
           </a:p>
@@ -4650,7 +4547,7 @@
           <p:cNvPr id="6" name="Footer Placeholder 5">
             <a:extLst>
               <a:ext uri="{FF2B5EF4-FFF2-40B4-BE49-F238E27FC236}">
-                <a16:creationId xmlns="" xmlns:a16="http://schemas.microsoft.com/office/drawing/2014/main" id="{FA6D6A8F-73ED-40EE-9BF6-7C9A264B11E7}"/>
+                <a16:creationId xmlns:a16="http://schemas.microsoft.com/office/drawing/2014/main" id="{FA6D6A8F-73ED-40EE-9BF6-7C9A264B11E7}"/>
               </a:ext>
             </a:extLst>
           </p:cNvPr>
@@ -4675,7 +4572,7 @@
           <p:cNvPr id="7" name="Slide Number Placeholder 6">
             <a:extLst>
               <a:ext uri="{FF2B5EF4-FFF2-40B4-BE49-F238E27FC236}">
-                <a16:creationId xmlns="" xmlns:a16="http://schemas.microsoft.com/office/drawing/2014/main" id="{9FFB6450-457F-4CC9-9642-311C051E1BB6}"/>
+                <a16:creationId xmlns:a16="http://schemas.microsoft.com/office/drawing/2014/main" id="{9FFB6450-457F-4CC9-9642-311C051E1BB6}"/>
               </a:ext>
             </a:extLst>
           </p:cNvPr>
@@ -4703,7 +4600,7 @@
     </p:spTree>
     <p:extLst>
       <p:ext uri="{BB962C8B-B14F-4D97-AF65-F5344CB8AC3E}">
-        <p14:creationId xmlns="" xmlns:p14="http://schemas.microsoft.com/office/powerpoint/2010/main" val="3135145738"/>
+        <p14:creationId xmlns:p14="http://schemas.microsoft.com/office/powerpoint/2010/main" val="3135145738"/>
       </p:ext>
     </p:extLst>
   </p:cSld>
@@ -4735,7 +4632,7 @@
           <p:cNvPr id="2" name="Title 1">
             <a:extLst>
               <a:ext uri="{FF2B5EF4-FFF2-40B4-BE49-F238E27FC236}">
-                <a16:creationId xmlns="" xmlns:a16="http://schemas.microsoft.com/office/drawing/2014/main" id="{8C1296DB-0DB8-4F14-9BF6-5579C0960222}"/>
+                <a16:creationId xmlns:a16="http://schemas.microsoft.com/office/drawing/2014/main" id="{8C1296DB-0DB8-4F14-9BF6-5579C0960222}"/>
               </a:ext>
             </a:extLst>
           </p:cNvPr>
@@ -4773,7 +4670,7 @@
           <p:cNvPr id="3" name="Picture Placeholder 2">
             <a:extLst>
               <a:ext uri="{FF2B5EF4-FFF2-40B4-BE49-F238E27FC236}">
-                <a16:creationId xmlns="" xmlns:a16="http://schemas.microsoft.com/office/drawing/2014/main" id="{7EDD28FD-96ED-49BE-8A09-6B9C86BEA995}"/>
+                <a16:creationId xmlns:a16="http://schemas.microsoft.com/office/drawing/2014/main" id="{7EDD28FD-96ED-49BE-8A09-6B9C86BEA995}"/>
               </a:ext>
             </a:extLst>
           </p:cNvPr>
@@ -4840,7 +4737,7 @@
           <p:cNvPr id="4" name="Text Placeholder 3">
             <a:extLst>
               <a:ext uri="{FF2B5EF4-FFF2-40B4-BE49-F238E27FC236}">
-                <a16:creationId xmlns="" xmlns:a16="http://schemas.microsoft.com/office/drawing/2014/main" id="{ADA4AC5E-4A1B-482A-A3FE-C174ECCF882D}"/>
+                <a16:creationId xmlns:a16="http://schemas.microsoft.com/office/drawing/2014/main" id="{ADA4AC5E-4A1B-482A-A3FE-C174ECCF882D}"/>
               </a:ext>
             </a:extLst>
           </p:cNvPr>
@@ -4911,7 +4808,7 @@
           <p:cNvPr id="5" name="Date Placeholder 4">
             <a:extLst>
               <a:ext uri="{FF2B5EF4-FFF2-40B4-BE49-F238E27FC236}">
-                <a16:creationId xmlns="" xmlns:a16="http://schemas.microsoft.com/office/drawing/2014/main" id="{40D65AD9-E4E1-40E5-BE5B-AB193A4848A3}"/>
+                <a16:creationId xmlns:a16="http://schemas.microsoft.com/office/drawing/2014/main" id="{40D65AD9-E4E1-40E5-BE5B-AB193A4848A3}"/>
               </a:ext>
             </a:extLst>
           </p:cNvPr>
@@ -4930,7 +4827,7 @@
             <a:fld id="{24C3A72B-EA9F-49ED-9480-D5BBE463D3C6}" type="datetimeFigureOut">
               <a:rPr lang="en-GB" smtClean="0"/>
               <a:pPr/>
-              <a:t>03/03/2018</a:t>
+              <a:t>05/03/2018</a:t>
             </a:fld>
             <a:endParaRPr lang="en-GB"/>
           </a:p>
@@ -4941,7 +4838,7 @@
           <p:cNvPr id="6" name="Footer Placeholder 5">
             <a:extLst>
               <a:ext uri="{FF2B5EF4-FFF2-40B4-BE49-F238E27FC236}">
-                <a16:creationId xmlns="" xmlns:a16="http://schemas.microsoft.com/office/drawing/2014/main" id="{B8B67A65-51C4-42C3-BCE1-2B6CDFA11351}"/>
+                <a16:creationId xmlns:a16="http://schemas.microsoft.com/office/drawing/2014/main" id="{B8B67A65-51C4-42C3-BCE1-2B6CDFA11351}"/>
               </a:ext>
             </a:extLst>
           </p:cNvPr>
@@ -4966,7 +4863,7 @@
           <p:cNvPr id="7" name="Slide Number Placeholder 6">
             <a:extLst>
               <a:ext uri="{FF2B5EF4-FFF2-40B4-BE49-F238E27FC236}">
-                <a16:creationId xmlns="" xmlns:a16="http://schemas.microsoft.com/office/drawing/2014/main" id="{8FA693F4-23BB-49C6-947A-E9223A7DD702}"/>
+                <a16:creationId xmlns:a16="http://schemas.microsoft.com/office/drawing/2014/main" id="{8FA693F4-23BB-49C6-947A-E9223A7DD702}"/>
               </a:ext>
             </a:extLst>
           </p:cNvPr>
@@ -4994,7 +4891,7 @@
     </p:spTree>
     <p:extLst>
       <p:ext uri="{BB962C8B-B14F-4D97-AF65-F5344CB8AC3E}">
-        <p14:creationId xmlns="" xmlns:p14="http://schemas.microsoft.com/office/powerpoint/2010/main" val="3595103176"/>
+        <p14:creationId xmlns:p14="http://schemas.microsoft.com/office/powerpoint/2010/main" val="3595103176"/>
       </p:ext>
     </p:extLst>
   </p:cSld>
@@ -5031,7 +4928,7 @@
           <p:cNvPr id="2" name="Title Placeholder 1">
             <a:extLst>
               <a:ext uri="{FF2B5EF4-FFF2-40B4-BE49-F238E27FC236}">
-                <a16:creationId xmlns="" xmlns:a16="http://schemas.microsoft.com/office/drawing/2014/main" id="{84BFBAD9-9BA2-48E1-8F6D-508057E885A8}"/>
+                <a16:creationId xmlns:a16="http://schemas.microsoft.com/office/drawing/2014/main" id="{84BFBAD9-9BA2-48E1-8F6D-508057E885A8}"/>
               </a:ext>
             </a:extLst>
           </p:cNvPr>
@@ -5070,7 +4967,7 @@
           <p:cNvPr id="3" name="Text Placeholder 2">
             <a:extLst>
               <a:ext uri="{FF2B5EF4-FFF2-40B4-BE49-F238E27FC236}">
-                <a16:creationId xmlns="" xmlns:a16="http://schemas.microsoft.com/office/drawing/2014/main" id="{9E540119-8CD7-44A9-8AB4-22B4558FAC90}"/>
+                <a16:creationId xmlns:a16="http://schemas.microsoft.com/office/drawing/2014/main" id="{9E540119-8CD7-44A9-8AB4-22B4558FAC90}"/>
               </a:ext>
             </a:extLst>
           </p:cNvPr>
@@ -5138,7 +5035,7 @@
           <p:cNvPr id="4" name="Date Placeholder 3">
             <a:extLst>
               <a:ext uri="{FF2B5EF4-FFF2-40B4-BE49-F238E27FC236}">
-                <a16:creationId xmlns="" xmlns:a16="http://schemas.microsoft.com/office/drawing/2014/main" id="{6ADDB086-675C-45AE-B2E3-8AB1AC643C42}"/>
+                <a16:creationId xmlns:a16="http://schemas.microsoft.com/office/drawing/2014/main" id="{6ADDB086-675C-45AE-B2E3-8AB1AC643C42}"/>
               </a:ext>
             </a:extLst>
           </p:cNvPr>
@@ -5175,7 +5072,7 @@
             <a:fld id="{24C3A72B-EA9F-49ED-9480-D5BBE463D3C6}" type="datetimeFigureOut">
               <a:rPr lang="en-GB" smtClean="0"/>
               <a:pPr/>
-              <a:t>03/03/2018</a:t>
+              <a:t>05/03/2018</a:t>
             </a:fld>
             <a:endParaRPr lang="en-GB"/>
           </a:p>
@@ -5186,7 +5083,7 @@
           <p:cNvPr id="5" name="Footer Placeholder 4">
             <a:extLst>
               <a:ext uri="{FF2B5EF4-FFF2-40B4-BE49-F238E27FC236}">
-                <a16:creationId xmlns="" xmlns:a16="http://schemas.microsoft.com/office/drawing/2014/main" id="{20964F14-198A-4651-980F-B11F6946BEB6}"/>
+                <a16:creationId xmlns:a16="http://schemas.microsoft.com/office/drawing/2014/main" id="{20964F14-198A-4651-980F-B11F6946BEB6}"/>
               </a:ext>
             </a:extLst>
           </p:cNvPr>
@@ -5229,7 +5126,7 @@
           <p:cNvPr id="6" name="Slide Number Placeholder 5">
             <a:extLst>
               <a:ext uri="{FF2B5EF4-FFF2-40B4-BE49-F238E27FC236}">
-                <a16:creationId xmlns="" xmlns:a16="http://schemas.microsoft.com/office/drawing/2014/main" id="{49641EE6-2A40-457C-A97A-CE775F6542F4}"/>
+                <a16:creationId xmlns:a16="http://schemas.microsoft.com/office/drawing/2014/main" id="{49641EE6-2A40-457C-A97A-CE775F6542F4}"/>
               </a:ext>
             </a:extLst>
           </p:cNvPr>
@@ -5275,7 +5172,7 @@
     </p:spTree>
     <p:extLst>
       <p:ext uri="{BB962C8B-B14F-4D97-AF65-F5344CB8AC3E}">
-        <p14:creationId xmlns="" xmlns:p14="http://schemas.microsoft.com/office/powerpoint/2010/main" val="3074094979"/>
+        <p14:creationId xmlns:p14="http://schemas.microsoft.com/office/powerpoint/2010/main" val="3074094979"/>
       </p:ext>
     </p:extLst>
   </p:cSld>
@@ -5612,22 +5509,18 @@
           <a:p>
             <a:pPr algn="ctr"/>
             <a:r>
-              <a:rPr lang="en-GB" b="1" dirty="0" smtClean="0"/>
+              <a:rPr lang="en-GB" b="1" dirty="0"/>
               <a:t>Requirements for this Presentation </a:t>
             </a:r>
             <a:r>
-              <a:rPr lang="en-GB" sz="3600" dirty="0" smtClean="0"/>
+              <a:rPr lang="en-GB" sz="3600" dirty="0"/>
               <a:t>(with % marks)</a:t>
             </a:r>
-            <a:r>
-              <a:rPr lang="en-GB" dirty="0" smtClean="0"/>
-              <a:t/>
-            </a:r>
             <a:br>
-              <a:rPr lang="en-GB" dirty="0" smtClean="0"/>
+              <a:rPr lang="en-GB" dirty="0"/>
             </a:br>
             <a:r>
-              <a:rPr lang="en-GB" sz="2800" dirty="0" smtClean="0"/>
+              <a:rPr lang="en-GB" sz="2800" dirty="0"/>
               <a:t>(delete this slide when we’re finished)</a:t>
             </a:r>
             <a:endParaRPr lang="en-GB" dirty="0"/>
@@ -5658,73 +5551,73 @@
               <a:buNone/>
             </a:pPr>
             <a:r>
-              <a:rPr lang="en-GB" dirty="0" smtClean="0"/>
+              <a:rPr lang="en-GB" dirty="0"/>
               <a:t>We have 15 </a:t>
             </a:r>
             <a:r>
-              <a:rPr lang="en-GB" dirty="0" err="1" smtClean="0"/>
+              <a:rPr lang="en-GB" dirty="0" err="1"/>
               <a:t>mins</a:t>
             </a:r>
             <a:r>
-              <a:rPr lang="en-GB" dirty="0" smtClean="0"/>
+              <a:rPr lang="en-GB" dirty="0"/>
               <a:t> - that’s a maximum of 15 slides:</a:t>
             </a:r>
           </a:p>
           <a:p>
             <a:r>
-              <a:rPr lang="en-GB" dirty="0" smtClean="0"/>
+              <a:rPr lang="en-GB" dirty="0"/>
               <a:t>1 title slide</a:t>
             </a:r>
           </a:p>
           <a:p>
             <a:r>
-              <a:rPr lang="en-GB" dirty="0" smtClean="0"/>
+              <a:rPr lang="en-GB" dirty="0"/>
               <a:t>2 slides describing overall project (5%)</a:t>
             </a:r>
           </a:p>
           <a:p>
             <a:r>
-              <a:rPr lang="en-GB" dirty="0" smtClean="0"/>
+              <a:rPr lang="en-GB" dirty="0"/>
               <a:t>4 slides on </a:t>
             </a:r>
             <a:r>
-              <a:rPr lang="en-GB" dirty="0" err="1" smtClean="0"/>
+              <a:rPr lang="en-GB" dirty="0" err="1"/>
               <a:t>gameplay</a:t>
             </a:r>
             <a:r>
-              <a:rPr lang="en-GB" dirty="0" smtClean="0"/>
+              <a:rPr lang="en-GB" dirty="0"/>
               <a:t> (30%)</a:t>
             </a:r>
           </a:p>
           <a:p>
             <a:pPr lvl="1"/>
             <a:r>
-              <a:rPr lang="en-GB" dirty="0" smtClean="0"/>
+              <a:rPr lang="en-GB" dirty="0"/>
               <a:t>3 slides describing levels</a:t>
             </a:r>
           </a:p>
           <a:p>
             <a:pPr lvl="1"/>
             <a:r>
-              <a:rPr lang="en-GB" dirty="0" smtClean="0"/>
+              <a:rPr lang="en-GB" dirty="0"/>
               <a:t>1 slide referring to game design principles</a:t>
             </a:r>
           </a:p>
           <a:p>
             <a:r>
-              <a:rPr lang="en-GB" dirty="0" smtClean="0"/>
+              <a:rPr lang="en-GB" dirty="0"/>
               <a:t>2-3 slides on implementation challenges (30%)</a:t>
             </a:r>
           </a:p>
           <a:p>
             <a:r>
-              <a:rPr lang="en-GB" dirty="0" smtClean="0"/>
+              <a:rPr lang="en-GB" dirty="0"/>
               <a:t>3 slides on user testing/evaluation  (20%)</a:t>
             </a:r>
           </a:p>
           <a:p>
             <a:r>
-              <a:rPr lang="en-GB" dirty="0" smtClean="0"/>
+              <a:rPr lang="en-GB" dirty="0"/>
               <a:t>3-2 slides on reflective evaluation (15%)</a:t>
             </a:r>
           </a:p>
@@ -5763,7 +5656,7 @@
           <p:cNvPr id="7" name="Picture 6">
             <a:extLst>
               <a:ext uri="{FF2B5EF4-FFF2-40B4-BE49-F238E27FC236}">
-                <a16:creationId xmlns="" xmlns:a16="http://schemas.microsoft.com/office/drawing/2014/main" id="{0452B86A-B01F-4002-A1C0-9EF0AE9558E4}"/>
+                <a16:creationId xmlns:a16="http://schemas.microsoft.com/office/drawing/2014/main" id="{0452B86A-B01F-4002-A1C0-9EF0AE9558E4}"/>
               </a:ext>
             </a:extLst>
           </p:cNvPr>
@@ -5793,7 +5686,7 @@
           <p:cNvPr id="8" name="Picture 7">
             <a:extLst>
               <a:ext uri="{FF2B5EF4-FFF2-40B4-BE49-F238E27FC236}">
-                <a16:creationId xmlns="" xmlns:a16="http://schemas.microsoft.com/office/drawing/2014/main" id="{37F75148-183E-43C0-AC18-81F40A1DD034}"/>
+                <a16:creationId xmlns:a16="http://schemas.microsoft.com/office/drawing/2014/main" id="{37F75148-183E-43C0-AC18-81F40A1DD034}"/>
               </a:ext>
             </a:extLst>
           </p:cNvPr>
@@ -5823,7 +5716,7 @@
           <p:cNvPr id="2" name="Title 1">
             <a:extLst>
               <a:ext uri="{FF2B5EF4-FFF2-40B4-BE49-F238E27FC236}">
-                <a16:creationId xmlns="" xmlns:a16="http://schemas.microsoft.com/office/drawing/2014/main" id="{DFC049F8-2284-4161-BE3C-431BCD0EFAB7}"/>
+                <a16:creationId xmlns:a16="http://schemas.microsoft.com/office/drawing/2014/main" id="{DFC049F8-2284-4161-BE3C-431BCD0EFAB7}"/>
               </a:ext>
             </a:extLst>
           </p:cNvPr>
@@ -5861,20 +5754,17 @@
               </a:tabLst>
             </a:pPr>
             <a:r>
-              <a:rPr lang="en-GB" dirty="0" smtClean="0">
+              <a:rPr lang="en-GB" dirty="0">
                 <a:latin typeface="+mn-lt"/>
               </a:rPr>
               <a:t>	Implementation Challenges	</a:t>
             </a:r>
             <a:r>
-              <a:rPr lang="en-GB" i="1" dirty="0" smtClean="0">
+              <a:rPr lang="en-GB" i="1" dirty="0">
                 <a:latin typeface="+mn-lt"/>
               </a:rPr>
               <a:t>(3)</a:t>
             </a:r>
-            <a:endParaRPr lang="en-GB" i="1" dirty="0">
-              <a:latin typeface="+mn-lt"/>
-            </a:endParaRPr>
           </a:p>
         </p:txBody>
       </p:sp>
@@ -5883,7 +5773,7 @@
           <p:cNvPr id="3" name="Content Placeholder 2">
             <a:extLst>
               <a:ext uri="{FF2B5EF4-FFF2-40B4-BE49-F238E27FC236}">
-                <a16:creationId xmlns="" xmlns:a16="http://schemas.microsoft.com/office/drawing/2014/main" id="{F2E045F5-714F-4E07-87A1-F5696A62ED28}"/>
+                <a16:creationId xmlns:a16="http://schemas.microsoft.com/office/drawing/2014/main" id="{F2E045F5-714F-4E07-87A1-F5696A62ED28}"/>
               </a:ext>
             </a:extLst>
           </p:cNvPr>
@@ -5934,7 +5824,7 @@
           <p:cNvPr id="9" name="Rectangle 8">
             <a:extLst>
               <a:ext uri="{FF2B5EF4-FFF2-40B4-BE49-F238E27FC236}">
-                <a16:creationId xmlns="" xmlns:a16="http://schemas.microsoft.com/office/drawing/2014/main" id="{639288EF-1393-49D8-9524-1863E2A39901}"/>
+                <a16:creationId xmlns:a16="http://schemas.microsoft.com/office/drawing/2014/main" id="{639288EF-1393-49D8-9524-1863E2A39901}"/>
               </a:ext>
             </a:extLst>
           </p:cNvPr>
@@ -5977,21 +5867,21 @@
           <a:lstStyle/>
           <a:p>
             <a:r>
-              <a:rPr lang="en-GB" b="1" dirty="0" smtClean="0"/>
+              <a:rPr lang="en-GB" b="1" dirty="0"/>
               <a:t>How to </a:t>
             </a:r>
             <a:r>
-              <a:rPr lang="en-GB" b="1" dirty="0" err="1" smtClean="0"/>
+              <a:rPr lang="en-GB" b="1" dirty="0" err="1"/>
               <a:t>sidescroll</a:t>
             </a:r>
             <a:r>
-              <a:rPr lang="en-GB" b="1" dirty="0" smtClean="0"/>
+              <a:rPr lang="en-GB" b="1" dirty="0"/>
               <a:t> without a camera?</a:t>
             </a:r>
           </a:p>
           <a:p>
             <a:r>
-              <a:rPr lang="en-GB" dirty="0" smtClean="0"/>
+              <a:rPr lang="en-GB" dirty="0"/>
               <a:t>Keep the player horizontally central and move everything else in relation to the player.</a:t>
             </a:r>
           </a:p>
@@ -6002,39 +5892,22 @@
               </a:spcBef>
             </a:pPr>
             <a:r>
-              <a:rPr lang="en-GB" b="1" dirty="0" smtClean="0"/>
+              <a:rPr lang="en-GB" b="1" dirty="0"/>
               <a:t>How to encourage </a:t>
             </a:r>
             <a:r>
-              <a:rPr lang="en-GB" b="1" dirty="0" err="1" smtClean="0"/>
+              <a:rPr lang="en-GB" b="1" dirty="0" err="1"/>
               <a:t>replayability</a:t>
             </a:r>
             <a:r>
-              <a:rPr lang="en-GB" b="1" dirty="0" smtClean="0"/>
+              <a:rPr lang="en-GB" b="1" dirty="0"/>
               <a:t>?</a:t>
             </a:r>
-            <a:endParaRPr lang="en-GB" b="1" dirty="0"/>
           </a:p>
           <a:p>
             <a:r>
               <a:rPr lang="en-GB" dirty="0"/>
-              <a:t>Create persistent </a:t>
-            </a:r>
-            <a:r>
-              <a:rPr lang="en-GB" dirty="0" smtClean="0"/>
-              <a:t>collectibles </a:t>
-            </a:r>
-            <a:r>
-              <a:rPr lang="en-GB" dirty="0"/>
-              <a:t>across all levels as an additional optional measure of tracking progress. </a:t>
-            </a:r>
-            <a:r>
-              <a:rPr lang="en-GB" dirty="0" smtClean="0"/>
-              <a:t>Display collectibles from each level in </a:t>
-            </a:r>
-            <a:r>
-              <a:rPr lang="en-GB" dirty="0"/>
-              <a:t>the main menu.</a:t>
+              <a:t>Create persistent collectibles across all levels as an additional optional measure of tracking progress. Display collectibles from each level in the main menu.</a:t>
             </a:r>
           </a:p>
           <a:p>
@@ -6044,10 +5917,9 @@
               </a:spcBef>
             </a:pPr>
             <a:r>
-              <a:rPr lang="en-GB" b="1" dirty="0" smtClean="0"/>
+              <a:rPr lang="en-GB" b="1" dirty="0"/>
               <a:t>How to translate real life (physical) puzzle games to computer with a non-mouse driven interface?</a:t>
             </a:r>
-            <a:endParaRPr lang="en-GB" b="1" dirty="0"/>
           </a:p>
           <a:p>
             <a:pPr marL="400050" indent="-400050">
@@ -6055,21 +5927,8 @@
             </a:pPr>
             <a:r>
               <a:rPr lang="en-GB" dirty="0"/>
-              <a:t>Create a player controlled focal </a:t>
-            </a:r>
-            <a:r>
-              <a:rPr lang="en-GB" dirty="0" smtClean="0"/>
-              <a:t>point </a:t>
-            </a:r>
-            <a:r>
-              <a:rPr lang="en-GB" dirty="0"/>
-              <a:t>(maze, tile</a:t>
-            </a:r>
-            <a:r>
-              <a:rPr lang="en-GB" dirty="0" smtClean="0"/>
-              <a:t>)</a:t>
-            </a:r>
-            <a:endParaRPr lang="en-GB" dirty="0"/>
+              <a:t>Create a player controlled focal point (maze, tile)</a:t>
+            </a:r>
           </a:p>
           <a:p>
             <a:pPr marL="400050" indent="-400050">
@@ -6077,11 +5936,7 @@
             </a:pPr>
             <a:r>
               <a:rPr lang="en-GB" dirty="0"/>
-              <a:t>Limit scalability to bindable keys on the keyboard (traffic</a:t>
-            </a:r>
-            <a:r>
-              <a:rPr lang="en-GB" dirty="0" smtClean="0"/>
-              <a:t>).</a:t>
+              <a:t>Limit scalability to bindable keys on the keyboard (traffic).</a:t>
             </a:r>
           </a:p>
           <a:p>
@@ -6091,27 +5946,27 @@
               </a:spcBef>
             </a:pPr>
             <a:r>
-              <a:rPr lang="en-GB" b="1" dirty="0" smtClean="0"/>
+              <a:rPr lang="en-GB" b="1" dirty="0"/>
               <a:t>How to create moving hazards?</a:t>
             </a:r>
           </a:p>
           <a:p>
             <a:r>
-              <a:rPr lang="en-GB" dirty="0" smtClean="0"/>
+              <a:rPr lang="en-GB" dirty="0"/>
               <a:t>Animate hazard using a timed thread, so that hazard causes harm </a:t>
             </a:r>
             <a:br>
-              <a:rPr lang="en-GB" dirty="0" smtClean="0"/>
+              <a:rPr lang="en-GB" dirty="0"/>
             </a:br>
             <a:r>
-              <a:rPr lang="en-GB" dirty="0" smtClean="0"/>
+              <a:rPr lang="en-GB" dirty="0"/>
               <a:t>only when displayed in hazardous position. </a:t>
             </a:r>
             <a:br>
-              <a:rPr lang="en-GB" dirty="0" smtClean="0"/>
+              <a:rPr lang="en-GB" dirty="0"/>
             </a:br>
             <a:r>
-              <a:rPr lang="en-GB" dirty="0" smtClean="0"/>
+              <a:rPr lang="en-GB" dirty="0"/>
               <a:t>Scroll through images to animate</a:t>
             </a:r>
           </a:p>
@@ -6219,7 +6074,7 @@
     </p:spTree>
     <p:extLst>
       <p:ext uri="{BB962C8B-B14F-4D97-AF65-F5344CB8AC3E}">
-        <p14:creationId xmlns="" xmlns:p14="http://schemas.microsoft.com/office/powerpoint/2010/main" val="3490831543"/>
+        <p14:creationId xmlns:p14="http://schemas.microsoft.com/office/powerpoint/2010/main" val="3490831543"/>
       </p:ext>
     </p:extLst>
   </p:cSld>
@@ -6251,7 +6106,7 @@
           <p:cNvPr id="7" name="Picture 6">
             <a:extLst>
               <a:ext uri="{FF2B5EF4-FFF2-40B4-BE49-F238E27FC236}">
-                <a16:creationId xmlns="" xmlns:a16="http://schemas.microsoft.com/office/drawing/2014/main" id="{B477D94D-934D-4616-A570-6D98195B104B}"/>
+                <a16:creationId xmlns:a16="http://schemas.microsoft.com/office/drawing/2014/main" id="{B477D94D-934D-4616-A570-6D98195B104B}"/>
               </a:ext>
             </a:extLst>
           </p:cNvPr>
@@ -6280,7 +6135,7 @@
           <p:cNvPr id="5" name="Picture 4">
             <a:extLst>
               <a:ext uri="{FF2B5EF4-FFF2-40B4-BE49-F238E27FC236}">
-                <a16:creationId xmlns="" xmlns:a16="http://schemas.microsoft.com/office/drawing/2014/main" id="{B41C1CB2-FA0D-4FE8-B995-E97A83ACB1AE}"/>
+                <a16:creationId xmlns:a16="http://schemas.microsoft.com/office/drawing/2014/main" id="{B41C1CB2-FA0D-4FE8-B995-E97A83ACB1AE}"/>
               </a:ext>
             </a:extLst>
           </p:cNvPr>
@@ -6309,7 +6164,7 @@
           <p:cNvPr id="2" name="Title 1">
             <a:extLst>
               <a:ext uri="{FF2B5EF4-FFF2-40B4-BE49-F238E27FC236}">
-                <a16:creationId xmlns="" xmlns:a16="http://schemas.microsoft.com/office/drawing/2014/main" id="{DFC049F8-2284-4161-BE3C-431BCD0EFAB7}"/>
+                <a16:creationId xmlns:a16="http://schemas.microsoft.com/office/drawing/2014/main" id="{DFC049F8-2284-4161-BE3C-431BCD0EFAB7}"/>
               </a:ext>
             </a:extLst>
           </p:cNvPr>
@@ -6347,20 +6202,17 @@
               </a:tabLst>
             </a:pPr>
             <a:r>
-              <a:rPr lang="en-GB" dirty="0" smtClean="0">
+              <a:rPr lang="en-GB" dirty="0">
                 <a:latin typeface="+mn-lt"/>
               </a:rPr>
               <a:t>	Design Changes	</a:t>
             </a:r>
             <a:r>
-              <a:rPr lang="en-GB" i="1" dirty="0" smtClean="0">
+              <a:rPr lang="en-GB" i="1" dirty="0">
                 <a:latin typeface="+mn-lt"/>
               </a:rPr>
               <a:t>(3)</a:t>
             </a:r>
-            <a:endParaRPr lang="en-GB" i="1" dirty="0">
-              <a:latin typeface="+mn-lt"/>
-            </a:endParaRPr>
           </a:p>
         </p:txBody>
       </p:sp>
@@ -6369,7 +6221,7 @@
           <p:cNvPr id="3" name="Content Placeholder 2">
             <a:extLst>
               <a:ext uri="{FF2B5EF4-FFF2-40B4-BE49-F238E27FC236}">
-                <a16:creationId xmlns="" xmlns:a16="http://schemas.microsoft.com/office/drawing/2014/main" id="{F2E045F5-714F-4E07-87A1-F5696A62ED28}"/>
+                <a16:creationId xmlns:a16="http://schemas.microsoft.com/office/drawing/2014/main" id="{F2E045F5-714F-4E07-87A1-F5696A62ED28}"/>
               </a:ext>
             </a:extLst>
           </p:cNvPr>
@@ -6420,7 +6272,7 @@
           <p:cNvPr id="15" name="Rectangle 14">
             <a:extLst>
               <a:ext uri="{FF2B5EF4-FFF2-40B4-BE49-F238E27FC236}">
-                <a16:creationId xmlns="" xmlns:a16="http://schemas.microsoft.com/office/drawing/2014/main" id="{639288EF-1393-49D8-9524-1863E2A39901}"/>
+                <a16:creationId xmlns:a16="http://schemas.microsoft.com/office/drawing/2014/main" id="{639288EF-1393-49D8-9524-1863E2A39901}"/>
               </a:ext>
             </a:extLst>
           </p:cNvPr>
@@ -6463,11 +6315,11 @@
           <a:lstStyle/>
           <a:p>
             <a:r>
-              <a:rPr lang="en-GB" b="1" dirty="0" smtClean="0"/>
+              <a:rPr lang="en-GB" b="1" dirty="0"/>
               <a:t>Moveable Objects:  </a:t>
             </a:r>
             <a:r>
-              <a:rPr lang="en-GB" dirty="0" smtClean="0"/>
+              <a:rPr lang="en-GB" dirty="0"/>
               <a:t>During development, we added functionality incrementally.  We thought it more important to resolve problems identified during testing rather than include moveable objects.  We did not have time to do both, adding moveable objects is not straightforward, and the game works perfectly well without them.</a:t>
             </a:r>
           </a:p>
@@ -6478,11 +6330,11 @@
               </a:spcBef>
             </a:pPr>
             <a:r>
-              <a:rPr lang="en-GB" b="1" dirty="0" smtClean="0"/>
+              <a:rPr lang="en-GB" b="1" dirty="0"/>
               <a:t>Hazard Invincibility:  </a:t>
             </a:r>
             <a:r>
-              <a:rPr lang="en-GB" dirty="0" smtClean="0"/>
+              <a:rPr lang="en-GB" dirty="0"/>
               <a:t>We originally expected that a hazard would cause damage with some visible notification (e.g. flashing), and the player would have a short period of invincibility to get out of danger.  However, it was easier and more consistent to implement hazards the same as falling down through a pit, i.e. by moving the player back to the start of the platform (or back to the main menu if they’ve used all their lives).</a:t>
             </a:r>
           </a:p>
@@ -6493,11 +6345,11 @@
               </a:spcBef>
             </a:pPr>
             <a:r>
-              <a:rPr lang="en-GB" b="1" dirty="0" smtClean="0"/>
+              <a:rPr lang="en-GB" b="1" dirty="0"/>
               <a:t>Sleigh Movement:  </a:t>
             </a:r>
             <a:r>
-              <a:rPr lang="en-GB" dirty="0" smtClean="0"/>
+              <a:rPr lang="en-GB" dirty="0"/>
               <a:t>We expected to control the height of the sleigh using the space bar.  We had also expected to make the sprite jump using the space bar.  The space bar does function in this way.  However, vertical movement is also achieved using W (or Up arrow).</a:t>
             </a:r>
           </a:p>
@@ -6508,28 +6360,27 @@
               </a:spcBef>
             </a:pPr>
             <a:r>
-              <a:rPr lang="en-GB" b="1" dirty="0" smtClean="0"/>
+              <a:rPr lang="en-GB" b="1" dirty="0"/>
               <a:t>Timing and Player Score:  </a:t>
             </a:r>
             <a:r>
-              <a:rPr lang="en-GB" dirty="0" smtClean="0"/>
+              <a:rPr lang="en-GB" dirty="0"/>
               <a:t>We expected to track the playing time per level; this was never implemented.</a:t>
             </a:r>
             <a:br>
-              <a:rPr lang="en-GB" dirty="0" smtClean="0"/>
+              <a:rPr lang="en-GB" dirty="0"/>
             </a:br>
             <a:r>
-              <a:rPr lang="en-GB" dirty="0" smtClean="0"/>
+              <a:rPr lang="en-GB" dirty="0"/>
               <a:t>We did not fully think through how to handle scores.  The game keeps track of scores within a platform level, but this adds nothing over tracking items collected (100 points per item).  This aspect is not fully implemented.</a:t>
             </a:r>
-            <a:endParaRPr lang="en-GB" dirty="0"/>
           </a:p>
         </p:txBody>
       </p:sp>
     </p:spTree>
     <p:extLst>
       <p:ext uri="{BB962C8B-B14F-4D97-AF65-F5344CB8AC3E}">
-        <p14:creationId xmlns="" xmlns:p14="http://schemas.microsoft.com/office/powerpoint/2010/main" val="4096237443"/>
+        <p14:creationId xmlns:p14="http://schemas.microsoft.com/office/powerpoint/2010/main" val="4096237443"/>
       </p:ext>
     </p:extLst>
   </p:cSld>
@@ -6561,7 +6412,7 @@
           <p:cNvPr id="7" name="Picture 6">
             <a:extLst>
               <a:ext uri="{FF2B5EF4-FFF2-40B4-BE49-F238E27FC236}">
-                <a16:creationId xmlns="" xmlns:a16="http://schemas.microsoft.com/office/drawing/2014/main" id="{B477D94D-934D-4616-A570-6D98195B104B}"/>
+                <a16:creationId xmlns:a16="http://schemas.microsoft.com/office/drawing/2014/main" id="{B477D94D-934D-4616-A570-6D98195B104B}"/>
               </a:ext>
             </a:extLst>
           </p:cNvPr>
@@ -6590,7 +6441,7 @@
           <p:cNvPr id="5" name="Picture 4">
             <a:extLst>
               <a:ext uri="{FF2B5EF4-FFF2-40B4-BE49-F238E27FC236}">
-                <a16:creationId xmlns="" xmlns:a16="http://schemas.microsoft.com/office/drawing/2014/main" id="{B41C1CB2-FA0D-4FE8-B995-E97A83ACB1AE}"/>
+                <a16:creationId xmlns:a16="http://schemas.microsoft.com/office/drawing/2014/main" id="{B41C1CB2-FA0D-4FE8-B995-E97A83ACB1AE}"/>
               </a:ext>
             </a:extLst>
           </p:cNvPr>
@@ -6619,7 +6470,7 @@
           <p:cNvPr id="2" name="Title 1">
             <a:extLst>
               <a:ext uri="{FF2B5EF4-FFF2-40B4-BE49-F238E27FC236}">
-                <a16:creationId xmlns="" xmlns:a16="http://schemas.microsoft.com/office/drawing/2014/main" id="{DFC049F8-2284-4161-BE3C-431BCD0EFAB7}"/>
+                <a16:creationId xmlns:a16="http://schemas.microsoft.com/office/drawing/2014/main" id="{DFC049F8-2284-4161-BE3C-431BCD0EFAB7}"/>
               </a:ext>
             </a:extLst>
           </p:cNvPr>
@@ -6657,32 +6508,17 @@
               </a:tabLst>
             </a:pPr>
             <a:r>
-              <a:rPr lang="en-GB" dirty="0" smtClean="0">
-                <a:latin typeface="Bodoni MT" panose="02070603080606020203" pitchFamily="18" charset="0"/>
-              </a:rPr>
-              <a:t>	User </a:t>
-            </a:r>
-            <a:r>
               <a:rPr lang="en-GB" dirty="0">
                 <a:latin typeface="Bodoni MT" panose="02070603080606020203" pitchFamily="18" charset="0"/>
               </a:rPr>
-              <a:t>Testing </a:t>
-            </a:r>
-            <a:r>
-              <a:rPr lang="en-GB" dirty="0" smtClean="0">
-                <a:latin typeface="Bodoni MT" panose="02070603080606020203" pitchFamily="18" charset="0"/>
-              </a:rPr>
-              <a:t>Methodology	(</a:t>
-            </a:r>
-            <a:r>
-              <a:rPr lang="en-GB" i="1" dirty="0" smtClean="0">
+              <a:t>	User Testing Methodology	(</a:t>
+            </a:r>
+            <a:r>
+              <a:rPr lang="en-GB" i="1" dirty="0">
                 <a:latin typeface="Bodoni MT" panose="02070603080606020203" pitchFamily="18" charset="0"/>
               </a:rPr>
               <a:t>4)</a:t>
             </a:r>
-            <a:endParaRPr lang="en-GB" i="1" dirty="0">
-              <a:latin typeface="Bodoni MT" panose="02070603080606020203" pitchFamily="18" charset="0"/>
-            </a:endParaRPr>
           </a:p>
         </p:txBody>
       </p:sp>
@@ -6691,7 +6527,7 @@
           <p:cNvPr id="3" name="Content Placeholder 2">
             <a:extLst>
               <a:ext uri="{FF2B5EF4-FFF2-40B4-BE49-F238E27FC236}">
-                <a16:creationId xmlns="" xmlns:a16="http://schemas.microsoft.com/office/drawing/2014/main" id="{F2E045F5-714F-4E07-87A1-F5696A62ED28}"/>
+                <a16:creationId xmlns:a16="http://schemas.microsoft.com/office/drawing/2014/main" id="{F2E045F5-714F-4E07-87A1-F5696A62ED28}"/>
               </a:ext>
             </a:extLst>
           </p:cNvPr>
@@ -6742,7 +6578,7 @@
           <p:cNvPr id="4" name="Picture 3">
             <a:extLst>
               <a:ext uri="{FF2B5EF4-FFF2-40B4-BE49-F238E27FC236}">
-                <a16:creationId xmlns="" xmlns:a16="http://schemas.microsoft.com/office/drawing/2014/main" id="{7DBBE77A-8D3A-40D6-94A0-7EC9A7E761A3}"/>
+                <a16:creationId xmlns:a16="http://schemas.microsoft.com/office/drawing/2014/main" id="{7DBBE77A-8D3A-40D6-94A0-7EC9A7E761A3}"/>
               </a:ext>
             </a:extLst>
           </p:cNvPr>
@@ -6777,7 +6613,7 @@
           <p:cNvPr id="8" name="Rectangle 7">
             <a:extLst>
               <a:ext uri="{FF2B5EF4-FFF2-40B4-BE49-F238E27FC236}">
-                <a16:creationId xmlns="" xmlns:a16="http://schemas.microsoft.com/office/drawing/2014/main" id="{BBD93274-AD19-4924-B84B-10DE820ED811}"/>
+                <a16:creationId xmlns:a16="http://schemas.microsoft.com/office/drawing/2014/main" id="{BBD93274-AD19-4924-B84B-10DE820ED811}"/>
               </a:ext>
             </a:extLst>
           </p:cNvPr>
@@ -6832,7 +6668,7 @@
           <p:cNvPr id="9" name="TextBox 8">
             <a:extLst>
               <a:ext uri="{FF2B5EF4-FFF2-40B4-BE49-F238E27FC236}">
-                <a16:creationId xmlns="" xmlns:a16="http://schemas.microsoft.com/office/drawing/2014/main" id="{614F1665-FB4D-4576-912A-8CB0AE08F8B2}"/>
+                <a16:creationId xmlns:a16="http://schemas.microsoft.com/office/drawing/2014/main" id="{614F1665-FB4D-4576-912A-8CB0AE08F8B2}"/>
               </a:ext>
             </a:extLst>
           </p:cNvPr>
@@ -6874,13 +6710,8 @@
             </a:r>
             <a:r>
               <a:rPr lang="en-GB" dirty="0"/>
-              <a:t> Year SCC </a:t>
-            </a:r>
-            <a:r>
-              <a:rPr lang="en-GB" dirty="0" smtClean="0"/>
-              <a:t>Students, plus friends and family</a:t>
-            </a:r>
-            <a:endParaRPr lang="en-GB" dirty="0"/>
+              <a:t> Year SCC Students, plus friends and family</a:t>
+            </a:r>
           </a:p>
         </p:txBody>
       </p:sp>
@@ -6889,7 +6720,7 @@
           <p:cNvPr id="10" name="TextBox 9">
             <a:extLst>
               <a:ext uri="{FF2B5EF4-FFF2-40B4-BE49-F238E27FC236}">
-                <a16:creationId xmlns="" xmlns:a16="http://schemas.microsoft.com/office/drawing/2014/main" id="{B73BD718-AF4E-48A2-A46D-2EFB4DF802D3}"/>
+                <a16:creationId xmlns:a16="http://schemas.microsoft.com/office/drawing/2014/main" id="{B73BD718-AF4E-48A2-A46D-2EFB4DF802D3}"/>
               </a:ext>
             </a:extLst>
           </p:cNvPr>
@@ -6993,7 +6824,7 @@
           <p:cNvPr id="11" name="TextBox 10">
             <a:extLst>
               <a:ext uri="{FF2B5EF4-FFF2-40B4-BE49-F238E27FC236}">
-                <a16:creationId xmlns="" xmlns:a16="http://schemas.microsoft.com/office/drawing/2014/main" id="{045FE3E0-C21F-4E84-A6C3-B78C5DA14375}"/>
+                <a16:creationId xmlns:a16="http://schemas.microsoft.com/office/drawing/2014/main" id="{045FE3E0-C21F-4E84-A6C3-B78C5DA14375}"/>
               </a:ext>
             </a:extLst>
           </p:cNvPr>
@@ -7023,15 +6854,7 @@
           <a:p>
             <a:r>
               <a:rPr lang="en-GB" dirty="0"/>
-              <a:t>To test the logical progression and difficulty scaling </a:t>
-            </a:r>
-            <a:r>
-              <a:rPr lang="en-GB" dirty="0" smtClean="0"/>
-              <a:t>by simply </a:t>
-            </a:r>
-            <a:r>
-              <a:rPr lang="en-GB" dirty="0"/>
-              <a:t>following the platforming sections of the game</a:t>
+              <a:t>To test the logical progression and difficulty scaling by simply following the platforming sections of the game</a:t>
             </a:r>
           </a:p>
         </p:txBody>
@@ -7041,7 +6864,7 @@
           <p:cNvPr id="12" name="TextBox 11">
             <a:extLst>
               <a:ext uri="{FF2B5EF4-FFF2-40B4-BE49-F238E27FC236}">
-                <a16:creationId xmlns="" xmlns:a16="http://schemas.microsoft.com/office/drawing/2014/main" id="{715C8695-F831-4AEA-8788-D3F362FE0855}"/>
+                <a16:creationId xmlns:a16="http://schemas.microsoft.com/office/drawing/2014/main" id="{715C8695-F831-4AEA-8788-D3F362FE0855}"/>
               </a:ext>
             </a:extLst>
           </p:cNvPr>
@@ -7071,13 +6894,8 @@
           <a:p>
             <a:r>
               <a:rPr lang="en-GB" dirty="0"/>
-              <a:t>To test the difficulty and sense of satisfaction or frustration from each </a:t>
-            </a:r>
-            <a:r>
-              <a:rPr lang="en-GB" dirty="0" smtClean="0"/>
-              <a:t>puzzle</a:t>
-            </a:r>
-            <a:endParaRPr lang="en-GB" dirty="0"/>
+              <a:t>To test the difficulty and sense of satisfaction or frustration from each puzzle</a:t>
+            </a:r>
           </a:p>
         </p:txBody>
       </p:sp>
@@ -7086,7 +6904,7 @@
           <p:cNvPr id="13" name="TextBox 12">
             <a:extLst>
               <a:ext uri="{FF2B5EF4-FFF2-40B4-BE49-F238E27FC236}">
-                <a16:creationId xmlns="" xmlns:a16="http://schemas.microsoft.com/office/drawing/2014/main" id="{3D143883-7E11-42FA-820F-FD25A0706494}"/>
+                <a16:creationId xmlns:a16="http://schemas.microsoft.com/office/drawing/2014/main" id="{3D143883-7E11-42FA-820F-FD25A0706494}"/>
               </a:ext>
             </a:extLst>
           </p:cNvPr>
@@ -7116,13 +6934,8 @@
           <a:p>
             <a:r>
               <a:rPr lang="en-GB" dirty="0"/>
-              <a:t>To test the logical progression, difficulty and enjoyment from playing the game from start to </a:t>
-            </a:r>
-            <a:r>
-              <a:rPr lang="en-GB" dirty="0" smtClean="0"/>
-              <a:t>finish</a:t>
-            </a:r>
-            <a:endParaRPr lang="en-GB" dirty="0"/>
+              <a:t>To test the logical progression, difficulty and enjoyment from playing the game from start to finish</a:t>
+            </a:r>
           </a:p>
         </p:txBody>
       </p:sp>
@@ -7131,7 +6944,7 @@
           <p:cNvPr id="14" name="TextBox 13">
             <a:extLst>
               <a:ext uri="{FF2B5EF4-FFF2-40B4-BE49-F238E27FC236}">
-                <a16:creationId xmlns="" xmlns:a16="http://schemas.microsoft.com/office/drawing/2014/main" id="{441B9A9E-965F-4808-97BB-765FA754A34C}"/>
+                <a16:creationId xmlns:a16="http://schemas.microsoft.com/office/drawing/2014/main" id="{441B9A9E-965F-4808-97BB-765FA754A34C}"/>
               </a:ext>
             </a:extLst>
           </p:cNvPr>
@@ -7161,32 +6974,19 @@
           <a:p>
             <a:r>
               <a:rPr lang="en-GB" b="1" dirty="0"/>
-              <a:t>METHOD: </a:t>
-            </a:r>
-            <a:r>
-              <a:rPr lang="en-GB" b="1" dirty="0" smtClean="0"/>
-              <a:t> </a:t>
-            </a:r>
-            <a:r>
-              <a:rPr lang="en-GB" dirty="0" smtClean="0"/>
-              <a:t>Speak-aloud </a:t>
+              <a:t>METHOD:  </a:t>
             </a:r>
             <a:r>
               <a:rPr lang="en-GB" dirty="0"/>
-              <a:t>demos with an </a:t>
-            </a:r>
-            <a:r>
-              <a:rPr lang="en-GB" dirty="0" smtClean="0"/>
-              <a:t>observer, plus testers playing the game independently</a:t>
-            </a:r>
-            <a:endParaRPr lang="en-GB" dirty="0"/>
+              <a:t>Speak-aloud demos with an observer, plus testers playing the game independently</a:t>
+            </a:r>
           </a:p>
         </p:txBody>
       </p:sp>
     </p:spTree>
     <p:extLst>
       <p:ext uri="{BB962C8B-B14F-4D97-AF65-F5344CB8AC3E}">
-        <p14:creationId xmlns="" xmlns:p14="http://schemas.microsoft.com/office/powerpoint/2010/main" val="4096237443"/>
+        <p14:creationId xmlns:p14="http://schemas.microsoft.com/office/powerpoint/2010/main" val="4096237443"/>
       </p:ext>
     </p:extLst>
   </p:cSld>
@@ -7218,7 +7018,7 @@
           <p:cNvPr id="10" name="Picture 9">
             <a:extLst>
               <a:ext uri="{FF2B5EF4-FFF2-40B4-BE49-F238E27FC236}">
-                <a16:creationId xmlns="" xmlns:a16="http://schemas.microsoft.com/office/drawing/2014/main" id="{6248F25B-52F9-4CF0-BF52-629A9FD032CE}"/>
+                <a16:creationId xmlns:a16="http://schemas.microsoft.com/office/drawing/2014/main" id="{6248F25B-52F9-4CF0-BF52-629A9FD032CE}"/>
               </a:ext>
             </a:extLst>
           </p:cNvPr>
@@ -7247,7 +7047,7 @@
           <p:cNvPr id="9" name="Picture 8">
             <a:extLst>
               <a:ext uri="{FF2B5EF4-FFF2-40B4-BE49-F238E27FC236}">
-                <a16:creationId xmlns="" xmlns:a16="http://schemas.microsoft.com/office/drawing/2014/main" id="{158091B3-A577-4C1D-8D3E-131CBA84C0EE}"/>
+                <a16:creationId xmlns:a16="http://schemas.microsoft.com/office/drawing/2014/main" id="{158091B3-A577-4C1D-8D3E-131CBA84C0EE}"/>
               </a:ext>
             </a:extLst>
           </p:cNvPr>
@@ -7277,7 +7077,7 @@
           <p:cNvPr id="2" name="Title 1">
             <a:extLst>
               <a:ext uri="{FF2B5EF4-FFF2-40B4-BE49-F238E27FC236}">
-                <a16:creationId xmlns="" xmlns:a16="http://schemas.microsoft.com/office/drawing/2014/main" id="{DFC049F8-2284-4161-BE3C-431BCD0EFAB7}"/>
+                <a16:creationId xmlns:a16="http://schemas.microsoft.com/office/drawing/2014/main" id="{DFC049F8-2284-4161-BE3C-431BCD0EFAB7}"/>
               </a:ext>
             </a:extLst>
           </p:cNvPr>
@@ -7315,16 +7115,10 @@
               </a:tabLst>
             </a:pPr>
             <a:r>
-              <a:rPr lang="en-GB" dirty="0" smtClean="0">
-                <a:latin typeface="+mn-lt"/>
-              </a:rPr>
-              <a:t>	User </a:t>
-            </a:r>
-            <a:r>
               <a:rPr lang="en-GB" dirty="0">
                 <a:latin typeface="+mn-lt"/>
               </a:rPr>
-              <a:t>Testing Feedback (</a:t>
+              <a:t>	User Testing Feedback (</a:t>
             </a:r>
             <a:r>
               <a:rPr lang="en-GB" dirty="0" err="1">
@@ -7333,20 +7127,17 @@
               <a:t>i</a:t>
             </a:r>
             <a:r>
-              <a:rPr lang="en-GB" dirty="0" smtClean="0">
+              <a:rPr lang="en-GB" dirty="0">
                 <a:latin typeface="+mn-lt"/>
               </a:rPr>
               <a:t>)	</a:t>
             </a:r>
             <a:r>
-              <a:rPr lang="en-GB" i="1" dirty="0" smtClean="0">
+              <a:rPr lang="en-GB" i="1" dirty="0">
                 <a:latin typeface="+mn-lt"/>
               </a:rPr>
               <a:t>(4)</a:t>
             </a:r>
-            <a:endParaRPr lang="en-GB" i="1" dirty="0">
-              <a:latin typeface="+mn-lt"/>
-            </a:endParaRPr>
           </a:p>
         </p:txBody>
       </p:sp>
@@ -7355,7 +7146,7 @@
           <p:cNvPr id="3" name="Content Placeholder 2">
             <a:extLst>
               <a:ext uri="{FF2B5EF4-FFF2-40B4-BE49-F238E27FC236}">
-                <a16:creationId xmlns="" xmlns:a16="http://schemas.microsoft.com/office/drawing/2014/main" id="{F2E045F5-714F-4E07-87A1-F5696A62ED28}"/>
+                <a16:creationId xmlns:a16="http://schemas.microsoft.com/office/drawing/2014/main" id="{F2E045F5-714F-4E07-87A1-F5696A62ED28}"/>
               </a:ext>
             </a:extLst>
           </p:cNvPr>
@@ -7406,7 +7197,7 @@
           <p:cNvPr id="8" name="Picture 7">
             <a:extLst>
               <a:ext uri="{FF2B5EF4-FFF2-40B4-BE49-F238E27FC236}">
-                <a16:creationId xmlns="" xmlns:a16="http://schemas.microsoft.com/office/drawing/2014/main" id="{A3117FBC-7DFD-4758-B4B9-29961EBB7136}"/>
+                <a16:creationId xmlns:a16="http://schemas.microsoft.com/office/drawing/2014/main" id="{A3117FBC-7DFD-4758-B4B9-29961EBB7136}"/>
               </a:ext>
             </a:extLst>
           </p:cNvPr>
@@ -7441,7 +7232,7 @@
           <p:cNvPr id="11" name="TextBox 10">
             <a:extLst>
               <a:ext uri="{FF2B5EF4-FFF2-40B4-BE49-F238E27FC236}">
-                <a16:creationId xmlns="" xmlns:a16="http://schemas.microsoft.com/office/drawing/2014/main" id="{0B108C47-D011-4547-9642-A8F7197FB2ED}"/>
+                <a16:creationId xmlns:a16="http://schemas.microsoft.com/office/drawing/2014/main" id="{0B108C47-D011-4547-9642-A8F7197FB2ED}"/>
               </a:ext>
             </a:extLst>
           </p:cNvPr>
@@ -7471,38 +7262,22 @@
           <a:p>
             <a:r>
               <a:rPr lang="en-GB" b="1" dirty="0"/>
-              <a:t>TEST </a:t>
-            </a:r>
-            <a:r>
-              <a:rPr lang="en-GB" b="1" dirty="0" smtClean="0"/>
-              <a:t>AREA 1</a:t>
-            </a:r>
-            <a:r>
-              <a:rPr lang="en-GB" b="1" dirty="0"/>
-              <a:t>: PLATFORMS:</a:t>
-            </a:r>
-          </a:p>
-          <a:p>
-            <a:r>
-              <a:rPr lang="en-GB" i="1" dirty="0" smtClean="0"/>
+              <a:t>TEST AREA 1: PLATFORMS:</a:t>
+            </a:r>
+          </a:p>
+          <a:p>
+            <a:r>
+              <a:rPr lang="en-GB" i="1" dirty="0"/>
               <a:t>Intention</a:t>
             </a:r>
             <a:r>
               <a:rPr lang="en-GB" dirty="0"/>
-              <a:t>: </a:t>
-            </a:r>
-            <a:r>
-              <a:rPr lang="en-GB" dirty="0" smtClean="0"/>
-              <a:t>Difficulty </a:t>
-            </a:r>
-            <a:r>
-              <a:rPr lang="en-GB" dirty="0"/>
-              <a:t>to scale linearly upwards for each sequential level.</a:t>
-            </a:r>
-          </a:p>
-          <a:p>
-            <a:r>
-              <a:rPr lang="en-GB" i="1" dirty="0" smtClean="0"/>
+              <a:t>: Difficulty to scale linearly upwards for each sequential level.</a:t>
+            </a:r>
+          </a:p>
+          <a:p>
+            <a:r>
+              <a:rPr lang="en-GB" i="1" dirty="0"/>
               <a:t>Findings</a:t>
             </a:r>
             <a:r>
@@ -7518,15 +7293,7 @@
             </a:r>
             <a:r>
               <a:rPr lang="en-GB" dirty="0"/>
-              <a:t>: Increased </a:t>
-            </a:r>
-            <a:r>
-              <a:rPr lang="en-GB" dirty="0" smtClean="0"/>
-              <a:t>pitfalls and </a:t>
-            </a:r>
-            <a:r>
-              <a:rPr lang="en-GB" dirty="0"/>
-              <a:t>obstacles in level 2.</a:t>
+              <a:t>: Increased pitfalls and obstacles in level 2.</a:t>
             </a:r>
           </a:p>
         </p:txBody>
@@ -7536,7 +7303,7 @@
           <p:cNvPr id="12" name="TextBox 11">
             <a:extLst>
               <a:ext uri="{FF2B5EF4-FFF2-40B4-BE49-F238E27FC236}">
-                <a16:creationId xmlns="" xmlns:a16="http://schemas.microsoft.com/office/drawing/2014/main" id="{B703FA5C-A8C2-4740-B5EE-2A5922A54DF9}"/>
+                <a16:creationId xmlns:a16="http://schemas.microsoft.com/office/drawing/2014/main" id="{B703FA5C-A8C2-4740-B5EE-2A5922A54DF9}"/>
               </a:ext>
             </a:extLst>
           </p:cNvPr>
@@ -7566,38 +7333,22 @@
           <a:p>
             <a:r>
               <a:rPr lang="en-GB" b="1" dirty="0"/>
-              <a:t>TEST </a:t>
-            </a:r>
-            <a:r>
-              <a:rPr lang="en-GB" b="1" dirty="0" smtClean="0"/>
-              <a:t>AREA 2</a:t>
-            </a:r>
-            <a:r>
-              <a:rPr lang="en-GB" b="1" dirty="0"/>
-              <a:t>: PUZZLES:</a:t>
-            </a:r>
-          </a:p>
-          <a:p>
-            <a:r>
-              <a:rPr lang="en-GB" i="1" dirty="0" smtClean="0"/>
+              <a:t>TEST AREA 2: PUZZLES:</a:t>
+            </a:r>
+          </a:p>
+          <a:p>
+            <a:r>
+              <a:rPr lang="en-GB" i="1" dirty="0"/>
               <a:t>Intention</a:t>
             </a:r>
             <a:r>
               <a:rPr lang="en-GB" dirty="0"/>
-              <a:t>: </a:t>
-            </a:r>
-            <a:r>
-              <a:rPr lang="en-GB" dirty="0" smtClean="0"/>
-              <a:t>Each </a:t>
-            </a:r>
-            <a:r>
-              <a:rPr lang="en-GB" dirty="0"/>
-              <a:t>puzzle to be unique and challenging in its own way, but not to cause frustration.</a:t>
-            </a:r>
-          </a:p>
-          <a:p>
-            <a:r>
-              <a:rPr lang="en-GB" i="1" dirty="0" smtClean="0"/>
+              <a:t>: Each puzzle to be unique and challenging in its own way, but not to cause frustration.</a:t>
+            </a:r>
+          </a:p>
+          <a:p>
+            <a:r>
+              <a:rPr lang="en-GB" i="1" dirty="0"/>
               <a:t>Findings</a:t>
             </a:r>
             <a:r>
@@ -7613,15 +7364,7 @@
             </a:r>
             <a:r>
               <a:rPr lang="en-GB" dirty="0"/>
-              <a:t>: </a:t>
-            </a:r>
-            <a:r>
-              <a:rPr lang="en-GB" dirty="0" smtClean="0"/>
-              <a:t>Reduced tile </a:t>
-            </a:r>
-            <a:r>
-              <a:rPr lang="en-GB" dirty="0"/>
-              <a:t>puzzle from 4x4 to 3x3.</a:t>
+              <a:t>: Reduced tile puzzle from 4x4 to 3x3.</a:t>
             </a:r>
           </a:p>
         </p:txBody>
@@ -7631,7 +7374,7 @@
           <p:cNvPr id="13" name="TextBox 12">
             <a:extLst>
               <a:ext uri="{FF2B5EF4-FFF2-40B4-BE49-F238E27FC236}">
-                <a16:creationId xmlns="" xmlns:a16="http://schemas.microsoft.com/office/drawing/2014/main" id="{0B108C47-D011-4547-9642-A8F7197FB2ED}"/>
+                <a16:creationId xmlns:a16="http://schemas.microsoft.com/office/drawing/2014/main" id="{0B108C47-D011-4547-9642-A8F7197FB2ED}"/>
               </a:ext>
             </a:extLst>
           </p:cNvPr>
@@ -7661,62 +7404,28 @@
           <a:p>
             <a:r>
               <a:rPr lang="en-GB" b="1" dirty="0"/>
-              <a:t>TEST </a:t>
-            </a:r>
-            <a:r>
-              <a:rPr lang="en-GB" b="1" dirty="0" smtClean="0"/>
-              <a:t>AREA 3</a:t>
-            </a:r>
-            <a:r>
-              <a:rPr lang="en-GB" b="1" dirty="0"/>
-              <a:t>: FULL RUN-THROUGH:</a:t>
-            </a:r>
-          </a:p>
-          <a:p>
-            <a:r>
-              <a:rPr lang="en-GB" i="1" dirty="0" smtClean="0"/>
+              <a:t>TEST AREA 3: FULL RUN-THROUGH:</a:t>
+            </a:r>
+          </a:p>
+          <a:p>
+            <a:r>
+              <a:rPr lang="en-GB" i="1" dirty="0"/>
               <a:t>Intention</a:t>
             </a:r>
             <a:r>
               <a:rPr lang="en-GB" dirty="0"/>
-              <a:t>: </a:t>
-            </a:r>
-            <a:r>
-              <a:rPr lang="en-GB" dirty="0" smtClean="0"/>
-              <a:t>Experience </a:t>
+              <a:t>: Experience to be both enjoyable and challenging</a:t>
+            </a:r>
+          </a:p>
+          <a:p>
+            <a:r>
+              <a:rPr lang="en-GB" i="1" dirty="0"/>
+              <a:t>Findings</a:t>
             </a:r>
             <a:r>
               <a:rPr lang="en-GB" dirty="0"/>
-              <a:t>to be </a:t>
-            </a:r>
-            <a:r>
-              <a:rPr lang="en-GB" dirty="0" smtClean="0"/>
-              <a:t>both enjoyable </a:t>
-            </a:r>
-            <a:r>
-              <a:rPr lang="en-GB" dirty="0"/>
-              <a:t>and </a:t>
-            </a:r>
-            <a:r>
-              <a:rPr lang="en-GB" dirty="0" smtClean="0"/>
-              <a:t>challenging</a:t>
-            </a:r>
-            <a:endParaRPr lang="en-GB" dirty="0"/>
-          </a:p>
-          <a:p>
-            <a:r>
-              <a:rPr lang="en-GB" i="1" dirty="0" smtClean="0"/>
-              <a:t>Findings</a:t>
-            </a:r>
-            <a:r>
-              <a:rPr lang="en-GB" dirty="0"/>
-              <a:t>: Participants felt a disconnect between their character and the aim of the </a:t>
-            </a:r>
-            <a:r>
-              <a:rPr lang="en-GB" dirty="0" smtClean="0"/>
-              <a:t>game</a:t>
-            </a:r>
-            <a:endParaRPr lang="en-GB" dirty="0"/>
+              <a:t>: Participants felt a disconnect between their character and the aim of the game</a:t>
+            </a:r>
           </a:p>
           <a:p>
             <a:r>
@@ -7735,15 +7444,7 @@
             </a:r>
             <a:r>
               <a:rPr lang="en-GB" dirty="0"/>
-              <a:t>: Added the character to the </a:t>
-            </a:r>
-            <a:r>
-              <a:rPr lang="en-GB" dirty="0" smtClean="0"/>
-              <a:t>background </a:t>
-            </a:r>
-            <a:r>
-              <a:rPr lang="en-GB" dirty="0"/>
-              <a:t>in the main menu to create a mental link.</a:t>
+              <a:t>: Added the character to the background in the main menu to create a mental link.</a:t>
             </a:r>
           </a:p>
         </p:txBody>
@@ -7753,7 +7454,7 @@
           <p:cNvPr id="14" name="TextBox 13">
             <a:extLst>
               <a:ext uri="{FF2B5EF4-FFF2-40B4-BE49-F238E27FC236}">
-                <a16:creationId xmlns="" xmlns:a16="http://schemas.microsoft.com/office/drawing/2014/main" id="{51D2C041-9487-41F5-B1A0-947375EFE397}"/>
+                <a16:creationId xmlns:a16="http://schemas.microsoft.com/office/drawing/2014/main" id="{51D2C041-9487-41F5-B1A0-947375EFE397}"/>
               </a:ext>
             </a:extLst>
           </p:cNvPr>
@@ -7793,7 +7494,7 @@
     </p:spTree>
     <p:extLst>
       <p:ext uri="{BB962C8B-B14F-4D97-AF65-F5344CB8AC3E}">
-        <p14:creationId xmlns="" xmlns:p14="http://schemas.microsoft.com/office/powerpoint/2010/main" val="3187953464"/>
+        <p14:creationId xmlns:p14="http://schemas.microsoft.com/office/powerpoint/2010/main" val="3187953464"/>
       </p:ext>
     </p:extLst>
   </p:cSld>
@@ -7825,7 +7526,7 @@
           <p:cNvPr id="4" name="Picture 3">
             <a:extLst>
               <a:ext uri="{FF2B5EF4-FFF2-40B4-BE49-F238E27FC236}">
-                <a16:creationId xmlns="" xmlns:a16="http://schemas.microsoft.com/office/drawing/2014/main" id="{0673D7FF-79D1-47CC-9F17-8BD3F4A92FD2}"/>
+                <a16:creationId xmlns:a16="http://schemas.microsoft.com/office/drawing/2014/main" id="{0673D7FF-79D1-47CC-9F17-8BD3F4A92FD2}"/>
               </a:ext>
             </a:extLst>
           </p:cNvPr>
@@ -7855,7 +7556,7 @@
           <p:cNvPr id="9" name="Picture 8">
             <a:extLst>
               <a:ext uri="{FF2B5EF4-FFF2-40B4-BE49-F238E27FC236}">
-                <a16:creationId xmlns="" xmlns:a16="http://schemas.microsoft.com/office/drawing/2014/main" id="{90E7F56C-9544-4654-9D9C-A258B0BC56B3}"/>
+                <a16:creationId xmlns:a16="http://schemas.microsoft.com/office/drawing/2014/main" id="{90E7F56C-9544-4654-9D9C-A258B0BC56B3}"/>
               </a:ext>
             </a:extLst>
           </p:cNvPr>
@@ -7885,7 +7586,7 @@
           <p:cNvPr id="10" name="Rectangle 9">
             <a:extLst>
               <a:ext uri="{FF2B5EF4-FFF2-40B4-BE49-F238E27FC236}">
-                <a16:creationId xmlns="" xmlns:a16="http://schemas.microsoft.com/office/drawing/2014/main" id="{7CE6DF49-6ADC-40B9-93F3-F6495F2DC7AB}"/>
+                <a16:creationId xmlns:a16="http://schemas.microsoft.com/office/drawing/2014/main" id="{7CE6DF49-6ADC-40B9-93F3-F6495F2DC7AB}"/>
               </a:ext>
             </a:extLst>
           </p:cNvPr>
@@ -7937,7 +7638,7 @@
           <p:cNvPr id="2" name="Title 1">
             <a:extLst>
               <a:ext uri="{FF2B5EF4-FFF2-40B4-BE49-F238E27FC236}">
-                <a16:creationId xmlns="" xmlns:a16="http://schemas.microsoft.com/office/drawing/2014/main" id="{DFC049F8-2284-4161-BE3C-431BCD0EFAB7}"/>
+                <a16:creationId xmlns:a16="http://schemas.microsoft.com/office/drawing/2014/main" id="{DFC049F8-2284-4161-BE3C-431BCD0EFAB7}"/>
               </a:ext>
             </a:extLst>
           </p:cNvPr>
@@ -7975,20 +7676,17 @@
               </a:tabLst>
             </a:pPr>
             <a:r>
-              <a:rPr lang="en-GB" dirty="0" smtClean="0">
+              <a:rPr lang="en-GB" dirty="0">
                 <a:latin typeface="+mn-lt"/>
               </a:rPr>
               <a:t>	User Testing Feedback (ii)	</a:t>
             </a:r>
             <a:r>
-              <a:rPr lang="en-GB" i="1" dirty="0" smtClean="0">
+              <a:rPr lang="en-GB" i="1" dirty="0">
                 <a:latin typeface="+mn-lt"/>
               </a:rPr>
               <a:t>(4)</a:t>
             </a:r>
-            <a:endParaRPr lang="en-GB" i="1" dirty="0">
-              <a:latin typeface="+mn-lt"/>
-            </a:endParaRPr>
           </a:p>
         </p:txBody>
       </p:sp>
@@ -7997,7 +7695,7 @@
           <p:cNvPr id="16" name="Content Placeholder 2">
             <a:extLst>
               <a:ext uri="{FF2B5EF4-FFF2-40B4-BE49-F238E27FC236}">
-                <a16:creationId xmlns="" xmlns:a16="http://schemas.microsoft.com/office/drawing/2014/main" id="{F2E045F5-714F-4E07-87A1-F5696A62ED28}"/>
+                <a16:creationId xmlns:a16="http://schemas.microsoft.com/office/drawing/2014/main" id="{F2E045F5-714F-4E07-87A1-F5696A62ED28}"/>
               </a:ext>
             </a:extLst>
           </p:cNvPr>
@@ -8046,7 +7744,7 @@
               <a:tabLst/>
               <a:defRPr/>
             </a:pPr>
-            <a:endParaRPr kumimoji="0" lang="en-GB" sz="2800" b="0" i="0" u="none" strike="noStrike" kern="1200" cap="none" spc="0" normalizeH="0" baseline="0" noProof="0" smtClean="0">
+            <a:endParaRPr kumimoji="0" lang="en-GB" sz="2800" b="0" i="0" u="none" strike="noStrike" kern="1200" cap="none" spc="0" normalizeH="0" baseline="0" noProof="0">
               <a:ln>
                 <a:noFill/>
               </a:ln>
@@ -8119,13 +7817,13 @@
           <a:lstStyle/>
           <a:p>
             <a:r>
-              <a:rPr lang="en-GB" dirty="0" smtClean="0"/>
+              <a:rPr lang="en-GB" dirty="0"/>
               <a:t>1:  Player should be able to move up small amounts without having to jump, e.g. below lake</a:t>
             </a:r>
           </a:p>
           <a:p>
             <a:r>
-              <a:rPr lang="en-GB" i="1" dirty="0" smtClean="0">
+              <a:rPr lang="en-GB" i="1" dirty="0">
                 <a:solidFill>
                   <a:srgbClr val="0070C0"/>
                 </a:solidFill>
@@ -8133,7 +7831,7 @@
               <a:t>Fix</a:t>
             </a:r>
             <a:r>
-              <a:rPr lang="en-GB" dirty="0" smtClean="0">
+              <a:rPr lang="en-GB" dirty="0">
                 <a:solidFill>
                   <a:srgbClr val="0070C0"/>
                 </a:solidFill>
@@ -8206,13 +7904,13 @@
               </a:spcBef>
             </a:pPr>
             <a:r>
-              <a:rPr lang="en-GB" dirty="0" smtClean="0"/>
+              <a:rPr lang="en-GB" dirty="0"/>
               <a:t>2: Pitfalls in attic are not clearly visible due to coloration of background</a:t>
             </a:r>
           </a:p>
           <a:p>
             <a:r>
-              <a:rPr lang="en-GB" i="1" dirty="0" smtClean="0">
+              <a:rPr lang="en-GB" i="1" dirty="0">
                 <a:solidFill>
                   <a:srgbClr val="0070C0"/>
                 </a:solidFill>
@@ -8220,7 +7918,7 @@
               <a:t>Fix</a:t>
             </a:r>
             <a:r>
-              <a:rPr lang="en-GB" dirty="0" smtClean="0">
+              <a:rPr lang="en-GB" dirty="0">
                 <a:solidFill>
                   <a:srgbClr val="0070C0"/>
                 </a:solidFill>
@@ -8235,13 +7933,13 @@
               </a:spcBef>
             </a:pPr>
             <a:r>
-              <a:rPr lang="en-GB" dirty="0" smtClean="0"/>
+              <a:rPr lang="en-GB" dirty="0"/>
               <a:t>3. In the attic, the obstacles you can jump on merge into the background because they are all similar colours</a:t>
             </a:r>
           </a:p>
           <a:p>
             <a:r>
-              <a:rPr lang="en-GB" i="1" dirty="0" smtClean="0">
+              <a:rPr lang="en-GB" i="1" dirty="0">
                 <a:solidFill>
                   <a:srgbClr val="0070C0"/>
                 </a:solidFill>
@@ -8249,7 +7947,7 @@
               <a:t>Fix</a:t>
             </a:r>
             <a:r>
-              <a:rPr lang="en-GB" dirty="0" smtClean="0">
+              <a:rPr lang="en-GB" dirty="0">
                 <a:solidFill>
                   <a:srgbClr val="0070C0"/>
                 </a:solidFill>
@@ -8322,20 +8020,20 @@
               </a:spcBef>
             </a:pPr>
             <a:r>
-              <a:rPr lang="en-GB" dirty="0" smtClean="0"/>
+              <a:rPr lang="en-GB" dirty="0"/>
               <a:t>4: When you jump round to the far side of the lake in Level 1, you’re standing on snow, </a:t>
             </a:r>
             <a:br>
-              <a:rPr lang="en-GB" dirty="0" smtClean="0"/>
+              <a:rPr lang="en-GB" dirty="0"/>
             </a:br>
             <a:r>
-              <a:rPr lang="en-GB" dirty="0" smtClean="0"/>
+              <a:rPr lang="en-GB" dirty="0"/>
               <a:t>which isn’t allowed elsewhere</a:t>
             </a:r>
           </a:p>
           <a:p>
             <a:r>
-              <a:rPr lang="en-GB" i="1" dirty="0" smtClean="0">
+              <a:rPr lang="en-GB" i="1" dirty="0">
                 <a:solidFill>
                   <a:srgbClr val="0070C0"/>
                 </a:solidFill>
@@ -8343,7 +8041,7 @@
               <a:t>Fix</a:t>
             </a:r>
             <a:r>
-              <a:rPr lang="en-GB" dirty="0" smtClean="0">
+              <a:rPr lang="en-GB" dirty="0">
                 <a:solidFill>
                   <a:srgbClr val="0070C0"/>
                 </a:solidFill>
@@ -8358,13 +8056,13 @@
               </a:spcBef>
             </a:pPr>
             <a:r>
-              <a:rPr lang="en-GB" dirty="0" smtClean="0"/>
+              <a:rPr lang="en-GB" dirty="0"/>
               <a:t>5. In kitchen you can jump up past most shelves, but the lowest one you bang your head</a:t>
             </a:r>
           </a:p>
           <a:p>
             <a:r>
-              <a:rPr lang="en-GB" i="1" dirty="0" smtClean="0">
+              <a:rPr lang="en-GB" i="1" dirty="0">
                 <a:solidFill>
                   <a:srgbClr val="0070C0"/>
                 </a:solidFill>
@@ -8372,7 +8070,7 @@
               <a:t>Fix</a:t>
             </a:r>
             <a:r>
-              <a:rPr lang="en-GB" dirty="0" smtClean="0">
+              <a:rPr lang="en-GB" dirty="0">
                 <a:solidFill>
                   <a:srgbClr val="0070C0"/>
                 </a:solidFill>
@@ -8387,13 +8085,13 @@
               </a:spcBef>
             </a:pPr>
             <a:r>
-              <a:rPr lang="en-GB" dirty="0" smtClean="0"/>
+              <a:rPr lang="en-GB" dirty="0"/>
               <a:t>6. Have the game play in a single window, rather than separate windows for menu, platform and puzzle</a:t>
             </a:r>
           </a:p>
           <a:p>
             <a:r>
-              <a:rPr lang="en-GB" i="1" dirty="0" smtClean="0">
+              <a:rPr lang="en-GB" i="1" dirty="0">
                 <a:solidFill>
                   <a:srgbClr val="0070C0"/>
                 </a:solidFill>
@@ -8401,7 +8099,7 @@
               <a:t>Fix</a:t>
             </a:r>
             <a:r>
-              <a:rPr lang="en-GB" dirty="0" smtClean="0">
+              <a:rPr lang="en-GB" dirty="0">
                 <a:solidFill>
                   <a:srgbClr val="0070C0"/>
                 </a:solidFill>
@@ -8449,20 +8147,13 @@
     </p:spTree>
     <p:extLst>
       <p:ext uri="{BB962C8B-B14F-4D97-AF65-F5344CB8AC3E}">
-        <p14:creationId xmlns="" xmlns:p14="http://schemas.microsoft.com/office/powerpoint/2010/main" val="2083772189"/>
+        <p14:creationId xmlns:p14="http://schemas.microsoft.com/office/powerpoint/2010/main" val="2083772189"/>
       </p:ext>
     </p:extLst>
   </p:cSld>
   <p:clrMapOvr>
     <a:masterClrMapping/>
   </p:clrMapOvr>
-  <p:timing>
-    <p:tnLst>
-      <p:par>
-        <p:cTn id="1" dur="indefinite" restart="never" nodeType="tmRoot"/>
-      </p:par>
-    </p:tnLst>
-  </p:timing>
 </p:sld>
 </file>
 
@@ -8488,7 +8179,7 @@
           <p:cNvPr id="4" name="Picture 3">
             <a:extLst>
               <a:ext uri="{FF2B5EF4-FFF2-40B4-BE49-F238E27FC236}">
-                <a16:creationId xmlns="" xmlns:a16="http://schemas.microsoft.com/office/drawing/2014/main" id="{0673D7FF-79D1-47CC-9F17-8BD3F4A92FD2}"/>
+                <a16:creationId xmlns:a16="http://schemas.microsoft.com/office/drawing/2014/main" id="{0673D7FF-79D1-47CC-9F17-8BD3F4A92FD2}"/>
               </a:ext>
             </a:extLst>
           </p:cNvPr>
@@ -8518,7 +8209,7 @@
           <p:cNvPr id="9" name="Picture 8">
             <a:extLst>
               <a:ext uri="{FF2B5EF4-FFF2-40B4-BE49-F238E27FC236}">
-                <a16:creationId xmlns="" xmlns:a16="http://schemas.microsoft.com/office/drawing/2014/main" id="{90E7F56C-9544-4654-9D9C-A258B0BC56B3}"/>
+                <a16:creationId xmlns:a16="http://schemas.microsoft.com/office/drawing/2014/main" id="{90E7F56C-9544-4654-9D9C-A258B0BC56B3}"/>
               </a:ext>
             </a:extLst>
           </p:cNvPr>
@@ -8548,7 +8239,7 @@
           <p:cNvPr id="10" name="Rectangle 9">
             <a:extLst>
               <a:ext uri="{FF2B5EF4-FFF2-40B4-BE49-F238E27FC236}">
-                <a16:creationId xmlns="" xmlns:a16="http://schemas.microsoft.com/office/drawing/2014/main" id="{7CE6DF49-6ADC-40B9-93F3-F6495F2DC7AB}"/>
+                <a16:creationId xmlns:a16="http://schemas.microsoft.com/office/drawing/2014/main" id="{7CE6DF49-6ADC-40B9-93F3-F6495F2DC7AB}"/>
               </a:ext>
             </a:extLst>
           </p:cNvPr>
@@ -8600,7 +8291,7 @@
           <p:cNvPr id="2" name="Title 1">
             <a:extLst>
               <a:ext uri="{FF2B5EF4-FFF2-40B4-BE49-F238E27FC236}">
-                <a16:creationId xmlns="" xmlns:a16="http://schemas.microsoft.com/office/drawing/2014/main" id="{DFC049F8-2284-4161-BE3C-431BCD0EFAB7}"/>
+                <a16:creationId xmlns:a16="http://schemas.microsoft.com/office/drawing/2014/main" id="{DFC049F8-2284-4161-BE3C-431BCD0EFAB7}"/>
               </a:ext>
             </a:extLst>
           </p:cNvPr>
@@ -8638,20 +8329,17 @@
               </a:tabLst>
             </a:pPr>
             <a:r>
-              <a:rPr lang="en-GB" dirty="0" smtClean="0">
+              <a:rPr lang="en-GB" dirty="0">
                 <a:latin typeface="+mn-lt"/>
               </a:rPr>
               <a:t>	User Testing Feedback (iii)	</a:t>
             </a:r>
             <a:r>
-              <a:rPr lang="en-GB" i="1" dirty="0" smtClean="0">
+              <a:rPr lang="en-GB" i="1" dirty="0">
                 <a:latin typeface="+mn-lt"/>
               </a:rPr>
               <a:t>(4)</a:t>
             </a:r>
-            <a:endParaRPr lang="en-GB" i="1" dirty="0">
-              <a:latin typeface="+mn-lt"/>
-            </a:endParaRPr>
           </a:p>
         </p:txBody>
       </p:sp>
@@ -8660,7 +8348,7 @@
           <p:cNvPr id="16" name="Content Placeholder 2">
             <a:extLst>
               <a:ext uri="{FF2B5EF4-FFF2-40B4-BE49-F238E27FC236}">
-                <a16:creationId xmlns="" xmlns:a16="http://schemas.microsoft.com/office/drawing/2014/main" id="{F2E045F5-714F-4E07-87A1-F5696A62ED28}"/>
+                <a16:creationId xmlns:a16="http://schemas.microsoft.com/office/drawing/2014/main" id="{F2E045F5-714F-4E07-87A1-F5696A62ED28}"/>
               </a:ext>
             </a:extLst>
           </p:cNvPr>
@@ -8709,7 +8397,7 @@
               <a:tabLst/>
               <a:defRPr/>
             </a:pPr>
-            <a:endParaRPr kumimoji="0" lang="en-GB" sz="2800" b="0" i="0" u="none" strike="noStrike" kern="1200" cap="none" spc="0" normalizeH="0" baseline="0" noProof="0" smtClean="0">
+            <a:endParaRPr kumimoji="0" lang="en-GB" sz="2800" b="0" i="0" u="none" strike="noStrike" kern="1200" cap="none" spc="0" normalizeH="0" baseline="0" noProof="0">
               <a:ln>
                 <a:noFill/>
               </a:ln>
@@ -8787,13 +8475,13 @@
               </a:spcBef>
             </a:pPr>
             <a:r>
-              <a:rPr lang="en-GB" dirty="0" smtClean="0"/>
+              <a:rPr lang="en-GB" dirty="0"/>
               <a:t>9: Add an Oops sound on loss of life, and death</a:t>
             </a:r>
           </a:p>
           <a:p>
             <a:r>
-              <a:rPr lang="en-GB" i="1" dirty="0" smtClean="0">
+              <a:rPr lang="en-GB" i="1" dirty="0">
                 <a:solidFill>
                   <a:srgbClr val="0070C0"/>
                 </a:solidFill>
@@ -8801,7 +8489,7 @@
               <a:t>Fix</a:t>
             </a:r>
             <a:r>
-              <a:rPr lang="en-GB" dirty="0" smtClean="0">
+              <a:rPr lang="en-GB" dirty="0">
                 <a:solidFill>
                   <a:srgbClr val="0070C0"/>
                 </a:solidFill>
@@ -8816,13 +8504,13 @@
               </a:spcBef>
             </a:pPr>
             <a:r>
-              <a:rPr lang="en-GB" dirty="0" smtClean="0"/>
+              <a:rPr lang="en-GB" dirty="0"/>
               <a:t>10: Not clear when you’ve reached the end game state</a:t>
             </a:r>
           </a:p>
           <a:p>
             <a:r>
-              <a:rPr lang="en-GB" i="1" dirty="0" smtClean="0">
+              <a:rPr lang="en-GB" i="1" dirty="0">
                 <a:solidFill>
                   <a:srgbClr val="0070C0"/>
                 </a:solidFill>
@@ -8830,7 +8518,7 @@
               <a:t>Fix</a:t>
             </a:r>
             <a:r>
-              <a:rPr lang="en-GB" dirty="0" smtClean="0">
+              <a:rPr lang="en-GB" dirty="0">
                 <a:solidFill>
                   <a:srgbClr val="0070C0"/>
                 </a:solidFill>
@@ -8845,13 +8533,13 @@
               </a:spcBef>
             </a:pPr>
             <a:r>
-              <a:rPr lang="en-GB" dirty="0" smtClean="0"/>
+              <a:rPr lang="en-GB" dirty="0"/>
               <a:t>11: Did not notice collected items in Christmas Room, nor other Christmas Room updates</a:t>
             </a:r>
           </a:p>
           <a:p>
             <a:r>
-              <a:rPr lang="en-GB" i="1" dirty="0" smtClean="0">
+              <a:rPr lang="en-GB" i="1" dirty="0">
                 <a:solidFill>
                   <a:srgbClr val="0070C0"/>
                 </a:solidFill>
@@ -8859,7 +8547,7 @@
               <a:t>Fix</a:t>
             </a:r>
             <a:r>
-              <a:rPr lang="en-GB" dirty="0" smtClean="0">
+              <a:rPr lang="en-GB" dirty="0">
                 <a:solidFill>
                   <a:srgbClr val="0070C0"/>
                 </a:solidFill>
@@ -8869,7 +8557,7 @@
           </a:p>
           <a:p>
             <a:r>
-              <a:rPr lang="en-GB" dirty="0" smtClean="0">
+              <a:rPr lang="en-GB" dirty="0">
                 <a:solidFill>
                   <a:srgbClr val="0070C0"/>
                 </a:solidFill>
@@ -8877,10 +8565,10 @@
               <a:t>Show new aspect of Christmas Room beside completed puzzle before going back to main menu </a:t>
             </a:r>
             <a:r>
-              <a:rPr lang="en-GB" i="1" dirty="0" smtClean="0"/>
+              <a:rPr lang="en-GB" i="1" dirty="0"/>
               <a:t>(shown earlier)</a:t>
             </a:r>
-            <a:endParaRPr lang="en-GB" dirty="0" smtClean="0">
+            <a:endParaRPr lang="en-GB" dirty="0">
               <a:solidFill>
                 <a:srgbClr val="0070C0"/>
               </a:solidFill>
@@ -8977,13 +8665,13 @@
           <a:lstStyle/>
           <a:p>
             <a:r>
-              <a:rPr lang="en-GB" dirty="0" smtClean="0"/>
+              <a:rPr lang="en-GB" dirty="0"/>
               <a:t>7: Sprite continues to move when window has lost focus</a:t>
             </a:r>
           </a:p>
           <a:p>
             <a:r>
-              <a:rPr lang="en-GB" i="1" dirty="0" smtClean="0">
+              <a:rPr lang="en-GB" i="1" dirty="0">
                 <a:solidFill>
                   <a:srgbClr val="0070C0"/>
                 </a:solidFill>
@@ -8991,7 +8679,7 @@
               <a:t>Fix</a:t>
             </a:r>
             <a:r>
-              <a:rPr lang="en-GB" dirty="0" smtClean="0">
+              <a:rPr lang="en-GB" dirty="0">
                 <a:solidFill>
                   <a:srgbClr val="0070C0"/>
                 </a:solidFill>
@@ -9006,13 +8694,13 @@
               </a:spcBef>
             </a:pPr>
             <a:r>
-              <a:rPr lang="en-GB" dirty="0" smtClean="0"/>
+              <a:rPr lang="en-GB" dirty="0"/>
               <a:t>8: Jump down in kitchen falls past fireplace when it ought to land on top</a:t>
             </a:r>
           </a:p>
           <a:p>
             <a:r>
-              <a:rPr lang="en-GB" i="1" dirty="0" smtClean="0">
+              <a:rPr lang="en-GB" i="1" dirty="0">
                 <a:solidFill>
                   <a:srgbClr val="0070C0"/>
                 </a:solidFill>
@@ -9020,7 +8708,7 @@
               <a:t>Fix</a:t>
             </a:r>
             <a:r>
-              <a:rPr lang="en-GB" dirty="0" smtClean="0">
+              <a:rPr lang="en-GB" dirty="0">
                 <a:solidFill>
                   <a:srgbClr val="0070C0"/>
                 </a:solidFill>
@@ -9033,20 +8721,13 @@
     </p:spTree>
     <p:extLst>
       <p:ext uri="{BB962C8B-B14F-4D97-AF65-F5344CB8AC3E}">
-        <p14:creationId xmlns="" xmlns:p14="http://schemas.microsoft.com/office/powerpoint/2010/main" val="2083772189"/>
+        <p14:creationId xmlns:p14="http://schemas.microsoft.com/office/powerpoint/2010/main" val="2083772189"/>
       </p:ext>
     </p:extLst>
   </p:cSld>
   <p:clrMapOvr>
     <a:masterClrMapping/>
   </p:clrMapOvr>
-  <p:timing>
-    <p:tnLst>
-      <p:par>
-        <p:cTn id="1" dur="indefinite" restart="never" nodeType="tmRoot"/>
-      </p:par>
-    </p:tnLst>
-  </p:timing>
 </p:sld>
 </file>
 
@@ -9072,7 +8753,7 @@
           <p:cNvPr id="4" name="Picture 3">
             <a:extLst>
               <a:ext uri="{FF2B5EF4-FFF2-40B4-BE49-F238E27FC236}">
-                <a16:creationId xmlns="" xmlns:a16="http://schemas.microsoft.com/office/drawing/2014/main" id="{0673D7FF-79D1-47CC-9F17-8BD3F4A92FD2}"/>
+                <a16:creationId xmlns:a16="http://schemas.microsoft.com/office/drawing/2014/main" id="{0673D7FF-79D1-47CC-9F17-8BD3F4A92FD2}"/>
               </a:ext>
             </a:extLst>
           </p:cNvPr>
@@ -9102,7 +8783,7 @@
           <p:cNvPr id="9" name="Picture 8">
             <a:extLst>
               <a:ext uri="{FF2B5EF4-FFF2-40B4-BE49-F238E27FC236}">
-                <a16:creationId xmlns="" xmlns:a16="http://schemas.microsoft.com/office/drawing/2014/main" id="{90E7F56C-9544-4654-9D9C-A258B0BC56B3}"/>
+                <a16:creationId xmlns:a16="http://schemas.microsoft.com/office/drawing/2014/main" id="{90E7F56C-9544-4654-9D9C-A258B0BC56B3}"/>
               </a:ext>
             </a:extLst>
           </p:cNvPr>
@@ -9132,7 +8813,7 @@
           <p:cNvPr id="10" name="Rectangle 9">
             <a:extLst>
               <a:ext uri="{FF2B5EF4-FFF2-40B4-BE49-F238E27FC236}">
-                <a16:creationId xmlns="" xmlns:a16="http://schemas.microsoft.com/office/drawing/2014/main" id="{7CE6DF49-6ADC-40B9-93F3-F6495F2DC7AB}"/>
+                <a16:creationId xmlns:a16="http://schemas.microsoft.com/office/drawing/2014/main" id="{7CE6DF49-6ADC-40B9-93F3-F6495F2DC7AB}"/>
               </a:ext>
             </a:extLst>
           </p:cNvPr>
@@ -9184,7 +8865,7 @@
           <p:cNvPr id="2" name="Title 1">
             <a:extLst>
               <a:ext uri="{FF2B5EF4-FFF2-40B4-BE49-F238E27FC236}">
-                <a16:creationId xmlns="" xmlns:a16="http://schemas.microsoft.com/office/drawing/2014/main" id="{DFC049F8-2284-4161-BE3C-431BCD0EFAB7}"/>
+                <a16:creationId xmlns:a16="http://schemas.microsoft.com/office/drawing/2014/main" id="{DFC049F8-2284-4161-BE3C-431BCD0EFAB7}"/>
               </a:ext>
             </a:extLst>
           </p:cNvPr>
@@ -9222,44 +8903,29 @@
               </a:tabLst>
             </a:pPr>
             <a:r>
-              <a:rPr lang="en-GB" dirty="0" smtClean="0">
+              <a:rPr lang="en-GB" dirty="0">
                 <a:latin typeface="+mn-lt"/>
               </a:rPr>
-              <a:t>	User Feedback </a:t>
-            </a:r>
-            <a:r>
-              <a:rPr lang="en-GB" dirty="0" smtClean="0">
-                <a:latin typeface="+mn-lt"/>
-              </a:rPr>
-              <a:t>– Questionnaire (</a:t>
-            </a:r>
-            <a:r>
-              <a:rPr lang="en-GB" dirty="0" err="1" smtClean="0">
+              <a:t>	User Feedback – Questionnaire (</a:t>
+            </a:r>
+            <a:r>
+              <a:rPr lang="en-GB" dirty="0" err="1">
                 <a:latin typeface="+mn-lt"/>
               </a:rPr>
               <a:t>i</a:t>
             </a:r>
             <a:r>
-              <a:rPr lang="en-GB" dirty="0" smtClean="0">
+              <a:rPr lang="en-GB" dirty="0">
                 <a:latin typeface="+mn-lt"/>
               </a:rPr>
-              <a:t>)</a:t>
-            </a:r>
-            <a:r>
-              <a:rPr lang="en-GB" dirty="0" smtClean="0">
-                <a:latin typeface="+mn-lt"/>
-              </a:rPr>
-              <a:t>	</a:t>
-            </a:r>
-            <a:r>
-              <a:rPr lang="en-GB" i="1" dirty="0" smtClean="0">
+              <a:t>)	</a:t>
+            </a:r>
+            <a:r>
+              <a:rPr lang="en-GB" i="1" dirty="0">
                 <a:latin typeface="+mn-lt"/>
               </a:rPr>
               <a:t>(4)</a:t>
             </a:r>
-            <a:endParaRPr lang="en-GB" i="1" dirty="0">
-              <a:latin typeface="+mn-lt"/>
-            </a:endParaRPr>
           </a:p>
         </p:txBody>
       </p:sp>
@@ -9268,7 +8934,7 @@
           <p:cNvPr id="16" name="Content Placeholder 2">
             <a:extLst>
               <a:ext uri="{FF2B5EF4-FFF2-40B4-BE49-F238E27FC236}">
-                <a16:creationId xmlns="" xmlns:a16="http://schemas.microsoft.com/office/drawing/2014/main" id="{F2E045F5-714F-4E07-87A1-F5696A62ED28}"/>
+                <a16:creationId xmlns:a16="http://schemas.microsoft.com/office/drawing/2014/main" id="{F2E045F5-714F-4E07-87A1-F5696A62ED28}"/>
               </a:ext>
             </a:extLst>
           </p:cNvPr>
@@ -9317,7 +8983,7 @@
               <a:tabLst/>
               <a:defRPr/>
             </a:pPr>
-            <a:endParaRPr kumimoji="0" lang="en-GB" sz="2800" b="0" i="0" u="none" strike="noStrike" kern="1200" cap="none" spc="0" normalizeH="0" baseline="0" noProof="0" smtClean="0">
+            <a:endParaRPr kumimoji="0" lang="en-GB" sz="2800" b="0" i="0" u="none" strike="noStrike" kern="1200" cap="none" spc="0" normalizeH="0" baseline="0" noProof="0">
               <a:ln>
                 <a:noFill/>
               </a:ln>
@@ -9375,6 +9041,11 @@
           </p:cNvGraphicFramePr>
           <p:nvPr>
             <p:ph idx="1"/>
+            <p:extLst>
+              <p:ext uri="{D42A27DB-BD31-4B8C-83A1-F6EECF244321}">
+                <p14:modId xmlns:p14="http://schemas.microsoft.com/office/powerpoint/2010/main" val="852549540"/>
+              </p:ext>
+            </p:extLst>
           </p:nvPr>
         </p:nvGraphicFramePr>
         <p:xfrm>
@@ -9388,12 +9059,48 @@
                 <a:tableStyleId>{5C22544A-7EE6-4342-B048-85BDC9FD1C3A}</a:tableStyleId>
               </a:tblPr>
               <a:tblGrid>
-                <a:gridCol w="5500726"/>
-                <a:gridCol w="1000132"/>
-                <a:gridCol w="970036"/>
-                <a:gridCol w="925801"/>
-                <a:gridCol w="820418"/>
-                <a:gridCol w="998521"/>
+                <a:gridCol w="5500726">
+                  <a:extLst>
+                    <a:ext uri="{9D8B030D-6E8A-4147-A177-3AD203B41FA5}">
+                      <a16:colId xmlns:a16="http://schemas.microsoft.com/office/drawing/2014/main" val="20000"/>
+                    </a:ext>
+                  </a:extLst>
+                </a:gridCol>
+                <a:gridCol w="1000132">
+                  <a:extLst>
+                    <a:ext uri="{9D8B030D-6E8A-4147-A177-3AD203B41FA5}">
+                      <a16:colId xmlns:a16="http://schemas.microsoft.com/office/drawing/2014/main" val="20001"/>
+                    </a:ext>
+                  </a:extLst>
+                </a:gridCol>
+                <a:gridCol w="970036">
+                  <a:extLst>
+                    <a:ext uri="{9D8B030D-6E8A-4147-A177-3AD203B41FA5}">
+                      <a16:colId xmlns:a16="http://schemas.microsoft.com/office/drawing/2014/main" val="20002"/>
+                    </a:ext>
+                  </a:extLst>
+                </a:gridCol>
+                <a:gridCol w="925801">
+                  <a:extLst>
+                    <a:ext uri="{9D8B030D-6E8A-4147-A177-3AD203B41FA5}">
+                      <a16:colId xmlns:a16="http://schemas.microsoft.com/office/drawing/2014/main" val="20003"/>
+                    </a:ext>
+                  </a:extLst>
+                </a:gridCol>
+                <a:gridCol w="820418">
+                  <a:extLst>
+                    <a:ext uri="{9D8B030D-6E8A-4147-A177-3AD203B41FA5}">
+                      <a16:colId xmlns:a16="http://schemas.microsoft.com/office/drawing/2014/main" val="20004"/>
+                    </a:ext>
+                  </a:extLst>
+                </a:gridCol>
+                <a:gridCol w="998521">
+                  <a:extLst>
+                    <a:ext uri="{9D8B030D-6E8A-4147-A177-3AD203B41FA5}">
+                      <a16:colId xmlns:a16="http://schemas.microsoft.com/office/drawing/2014/main" val="20005"/>
+                    </a:ext>
+                  </a:extLst>
+                </a:gridCol>
               </a:tblGrid>
               <a:tr h="370840">
                 <a:tc>
@@ -9419,10 +9126,9 @@
                     <a:p>
                       <a:pPr algn="ctr"/>
                       <a:r>
-                        <a:rPr lang="en-GB" sz="1600" dirty="0" smtClean="0"/>
+                        <a:rPr lang="en-GB" sz="1600" dirty="0"/>
                         <a:t>Strongly Disagree</a:t>
                       </a:r>
-                      <a:endParaRPr lang="en-GB" sz="1600" dirty="0"/>
                     </a:p>
                   </a:txBody>
                   <a:tcPr>
@@ -9440,10 +9146,9 @@
                     <a:p>
                       <a:pPr algn="ctr"/>
                       <a:r>
-                        <a:rPr lang="en-GB" sz="1600" dirty="0" smtClean="0"/>
+                        <a:rPr lang="en-GB" sz="1600" dirty="0"/>
                         <a:t>Disagree</a:t>
                       </a:r>
-                      <a:endParaRPr lang="en-GB" sz="1600" dirty="0"/>
                     </a:p>
                   </a:txBody>
                   <a:tcPr>
@@ -9461,10 +9166,9 @@
                     <a:p>
                       <a:pPr algn="ctr"/>
                       <a:r>
-                        <a:rPr lang="en-GB" sz="1600" dirty="0" smtClean="0"/>
+                        <a:rPr lang="en-GB" sz="1600" dirty="0"/>
                         <a:t>Neutral</a:t>
                       </a:r>
-                      <a:endParaRPr lang="en-GB" sz="1600" dirty="0"/>
                     </a:p>
                   </a:txBody>
                   <a:tcPr>
@@ -9482,10 +9186,9 @@
                     <a:p>
                       <a:pPr algn="ctr"/>
                       <a:r>
-                        <a:rPr lang="en-GB" sz="1600" dirty="0" smtClean="0"/>
+                        <a:rPr lang="en-GB" sz="1600" dirty="0"/>
                         <a:t>Agree</a:t>
                       </a:r>
-                      <a:endParaRPr lang="en-GB" sz="1600" dirty="0"/>
                     </a:p>
                   </a:txBody>
                   <a:tcPr>
@@ -9503,11 +9206,11 @@
                     <a:p>
                       <a:pPr algn="ctr"/>
                       <a:r>
-                        <a:rPr lang="en-GB" sz="1600" dirty="0" smtClean="0"/>
+                        <a:rPr lang="en-GB" sz="1600" dirty="0"/>
                         <a:t>Strongly</a:t>
                       </a:r>
                       <a:r>
-                        <a:rPr lang="en-GB" sz="1600" baseline="0" dirty="0" smtClean="0"/>
+                        <a:rPr lang="en-GB" sz="1600" baseline="0" dirty="0"/>
                         <a:t> Agree</a:t>
                       </a:r>
                       <a:endParaRPr lang="en-GB" sz="1600" dirty="0"/>
@@ -9521,6 +9224,11 @@
                     </a:solidFill>
                   </a:tcPr>
                 </a:tc>
+                <a:extLst>
+                  <a:ext uri="{0D108BD9-81ED-4DB2-BD59-A6C34878D82A}">
+                    <a16:rowId xmlns:a16="http://schemas.microsoft.com/office/drawing/2014/main" val="10000"/>
+                  </a:ext>
+                </a:extLst>
               </a:tr>
               <a:tr h="370840">
                 <a:tc>
@@ -9529,7 +9237,7 @@
                     <a:lstStyle/>
                     <a:p>
                       <a:r>
-                        <a:rPr lang="en-GB" sz="1800" kern="1200" dirty="0" smtClean="0">
+                        <a:rPr lang="en-GB" sz="1800" kern="1200" dirty="0">
                           <a:solidFill>
                             <a:schemeClr val="dk1"/>
                           </a:solidFill>
@@ -9593,6 +9301,12 @@
                     <a:lstStyle/>
                     <a:p>
                       <a:pPr algn="ctr"/>
+                      <a:r>
+                        <a:rPr lang="en-GB" sz="2000" dirty="0">
+                          <a:sym typeface="Wingdings"/>
+                        </a:rPr>
+                        <a:t></a:t>
+                      </a:r>
                       <a:endParaRPr lang="en-GB" sz="1600" dirty="0"/>
                     </a:p>
                   </a:txBody>
@@ -9612,10 +9326,10 @@
                     <a:p>
                       <a:pPr algn="ctr"/>
                       <a:r>
-                        <a:rPr lang="en-GB" sz="2000" dirty="0" smtClean="0">
+                        <a:rPr lang="en-GB" sz="2000" dirty="0">
                           <a:sym typeface="Wingdings"/>
                         </a:rPr>
-                        <a:t></a:t>
+                        <a:t></a:t>
                       </a:r>
                       <a:endParaRPr lang="en-GB" sz="2000" dirty="0"/>
                     </a:p>
@@ -9647,6 +9361,11 @@
                     </a:solidFill>
                   </a:tcPr>
                 </a:tc>
+                <a:extLst>
+                  <a:ext uri="{0D108BD9-81ED-4DB2-BD59-A6C34878D82A}">
+                    <a16:rowId xmlns:a16="http://schemas.microsoft.com/office/drawing/2014/main" val="10001"/>
+                  </a:ext>
+                </a:extLst>
               </a:tr>
               <a:tr h="370840">
                 <a:tc>
@@ -9655,7 +9374,7 @@
                     <a:lstStyle/>
                     <a:p>
                       <a:r>
-                        <a:rPr lang="en-GB" sz="1800" kern="1200" dirty="0" smtClean="0">
+                        <a:rPr lang="en-GB" sz="1800" kern="1200" dirty="0">
                           <a:solidFill>
                             <a:schemeClr val="dk1"/>
                           </a:solidFill>
@@ -9756,10 +9475,10 @@
                     <a:p>
                       <a:pPr algn="ctr"/>
                       <a:r>
-                        <a:rPr lang="en-GB" sz="2000" dirty="0" smtClean="0">
+                        <a:rPr lang="en-GB" sz="2000" dirty="0">
                           <a:sym typeface="Wingdings"/>
                         </a:rPr>
-                        <a:t></a:t>
+                        <a:t></a:t>
                       </a:r>
                       <a:endParaRPr lang="en-GB" sz="2000" dirty="0"/>
                     </a:p>
@@ -9773,6 +9492,11 @@
                     </a:solidFill>
                   </a:tcPr>
                 </a:tc>
+                <a:extLst>
+                  <a:ext uri="{0D108BD9-81ED-4DB2-BD59-A6C34878D82A}">
+                    <a16:rowId xmlns:a16="http://schemas.microsoft.com/office/drawing/2014/main" val="10002"/>
+                  </a:ext>
+                </a:extLst>
               </a:tr>
               <a:tr h="370840">
                 <a:tc>
@@ -9781,7 +9505,7 @@
                     <a:lstStyle/>
                     <a:p>
                       <a:r>
-                        <a:rPr lang="en-GB" sz="1800" kern="1200" dirty="0" smtClean="0">
+                        <a:rPr lang="en-GB" sz="1800" kern="1200" dirty="0">
                           <a:solidFill>
                             <a:schemeClr val="dk1"/>
                           </a:solidFill>
@@ -9862,12 +9586,12 @@
                         <a:defRPr/>
                       </a:pPr>
                       <a:r>
-                        <a:rPr lang="en-GB" sz="2000" dirty="0" smtClean="0">
+                        <a:rPr lang="en-GB" sz="2000" dirty="0">
                           <a:sym typeface="Wingdings"/>
                         </a:rPr>
-                        <a:t></a:t>
+                        <a:t></a:t>
                       </a:r>
-                      <a:endParaRPr lang="en-GB" sz="2000" dirty="0" smtClean="0"/>
+                      <a:endParaRPr lang="en-GB" sz="2000" dirty="0"/>
                     </a:p>
                   </a:txBody>
                   <a:tcPr anchor="ctr">
@@ -9885,6 +9609,12 @@
                     <a:lstStyle/>
                     <a:p>
                       <a:pPr algn="ctr"/>
+                      <a:r>
+                        <a:rPr lang="en-GB" sz="2000" dirty="0">
+                          <a:sym typeface="Wingdings"/>
+                        </a:rPr>
+                        <a:t></a:t>
+                      </a:r>
                       <a:endParaRPr lang="en-GB" sz="1600" dirty="0"/>
                     </a:p>
                   </a:txBody>
@@ -9915,6 +9645,11 @@
                     </a:solidFill>
                   </a:tcPr>
                 </a:tc>
+                <a:extLst>
+                  <a:ext uri="{0D108BD9-81ED-4DB2-BD59-A6C34878D82A}">
+                    <a16:rowId xmlns:a16="http://schemas.microsoft.com/office/drawing/2014/main" val="10003"/>
+                  </a:ext>
+                </a:extLst>
               </a:tr>
               <a:tr h="370840">
                 <a:tc>
@@ -9923,7 +9658,7 @@
                     <a:lstStyle/>
                     <a:p>
                       <a:r>
-                        <a:rPr lang="en-GB" sz="1800" kern="1200" dirty="0" smtClean="0">
+                        <a:rPr lang="en-GB" sz="1800" kern="1200" dirty="0">
                           <a:solidFill>
                             <a:schemeClr val="dk1"/>
                           </a:solidFill>
@@ -10022,12 +9757,12 @@
                         <a:defRPr/>
                       </a:pPr>
                       <a:r>
-                        <a:rPr lang="en-GB" sz="2000" dirty="0" smtClean="0">
+                        <a:rPr lang="en-GB" sz="2000" dirty="0">
                           <a:sym typeface="Wingdings"/>
                         </a:rPr>
-                        <a:t></a:t>
+                        <a:t></a:t>
                       </a:r>
-                      <a:endParaRPr lang="en-GB" sz="2000" dirty="0" smtClean="0"/>
+                      <a:endParaRPr lang="en-GB" sz="2000" dirty="0"/>
                     </a:p>
                   </a:txBody>
                   <a:tcPr anchor="ctr">
@@ -10045,7 +9780,13 @@
                     <a:lstStyle/>
                     <a:p>
                       <a:pPr algn="ctr"/>
-                      <a:endParaRPr lang="en-GB" sz="1600" dirty="0"/>
+                      <a:r>
+                        <a:rPr lang="en-GB" sz="2000" dirty="0">
+                          <a:sym typeface="Wingdings"/>
+                        </a:rPr>
+                        <a:t></a:t>
+                      </a:r>
+                      <a:endParaRPr lang="en-GB" sz="1600" b="1" dirty="0"/>
                     </a:p>
                   </a:txBody>
                   <a:tcPr anchor="ctr">
@@ -10057,6 +9798,11 @@
                     </a:solidFill>
                   </a:tcPr>
                 </a:tc>
+                <a:extLst>
+                  <a:ext uri="{0D108BD9-81ED-4DB2-BD59-A6C34878D82A}">
+                    <a16:rowId xmlns:a16="http://schemas.microsoft.com/office/drawing/2014/main" val="10004"/>
+                  </a:ext>
+                </a:extLst>
               </a:tr>
               <a:tr h="370840">
                 <a:tc>
@@ -10065,7 +9811,7 @@
                     <a:lstStyle/>
                     <a:p>
                       <a:r>
-                        <a:rPr lang="en-GB" sz="1800" kern="1200" dirty="0" smtClean="0">
+                        <a:rPr lang="en-GB" sz="1800" kern="1200" dirty="0">
                           <a:solidFill>
                             <a:schemeClr val="dk1"/>
                           </a:solidFill>
@@ -10145,13 +9891,7 @@
                         <a:tabLst/>
                         <a:defRPr/>
                       </a:pPr>
-                      <a:r>
-                        <a:rPr lang="en-GB" sz="2000" dirty="0" smtClean="0">
-                          <a:sym typeface="Wingdings"/>
-                        </a:rPr>
-                        <a:t></a:t>
-                      </a:r>
-                      <a:endParaRPr lang="en-GB" sz="2000" dirty="0" smtClean="0"/>
+                      <a:endParaRPr lang="en-GB" sz="2000" dirty="0"/>
                     </a:p>
                   </a:txBody>
                   <a:tcPr anchor="ctr">
@@ -10185,7 +9925,13 @@
                         <a:tabLst/>
                         <a:defRPr/>
                       </a:pPr>
-                      <a:endParaRPr lang="en-GB" sz="2000" dirty="0" smtClean="0"/>
+                      <a:r>
+                        <a:rPr lang="en-GB" sz="2000" dirty="0">
+                          <a:sym typeface="Wingdings"/>
+                        </a:rPr>
+                        <a:t></a:t>
+                      </a:r>
+                      <a:endParaRPr lang="en-GB" sz="2000" dirty="0"/>
                     </a:p>
                   </a:txBody>
                   <a:tcPr anchor="ctr">
@@ -10203,6 +9949,12 @@
                     <a:lstStyle/>
                     <a:p>
                       <a:pPr algn="ctr"/>
+                      <a:r>
+                        <a:rPr lang="en-GB" sz="2000" dirty="0">
+                          <a:sym typeface="Wingdings"/>
+                        </a:rPr>
+                        <a:t></a:t>
+                      </a:r>
                       <a:endParaRPr lang="en-GB" sz="1600" dirty="0"/>
                     </a:p>
                   </a:txBody>
@@ -10215,6 +9967,11 @@
                     </a:solidFill>
                   </a:tcPr>
                 </a:tc>
+                <a:extLst>
+                  <a:ext uri="{0D108BD9-81ED-4DB2-BD59-A6C34878D82A}">
+                    <a16:rowId xmlns:a16="http://schemas.microsoft.com/office/drawing/2014/main" val="10005"/>
+                  </a:ext>
+                </a:extLst>
               </a:tr>
               <a:tr h="370840">
                 <a:tc>
@@ -10223,7 +9980,7 @@
                     <a:lstStyle/>
                     <a:p>
                       <a:r>
-                        <a:rPr lang="en-GB" sz="1800" kern="1200" dirty="0" smtClean="0">
+                        <a:rPr lang="en-GB" sz="1800" kern="1200" dirty="0">
                           <a:solidFill>
                             <a:schemeClr val="dk1"/>
                           </a:solidFill>
@@ -10287,6 +10044,12 @@
                     <a:lstStyle/>
                     <a:p>
                       <a:pPr algn="ctr"/>
+                      <a:r>
+                        <a:rPr lang="en-GB" sz="2000" dirty="0">
+                          <a:sym typeface="Wingdings"/>
+                        </a:rPr>
+                        <a:t></a:t>
+                      </a:r>
                       <a:endParaRPr lang="en-GB" sz="1600" dirty="0"/>
                     </a:p>
                   </a:txBody>
@@ -10305,6 +10068,12 @@
                     <a:lstStyle/>
                     <a:p>
                       <a:pPr algn="ctr"/>
+                      <a:r>
+                        <a:rPr lang="en-GB" sz="2000" dirty="0">
+                          <a:sym typeface="Wingdings"/>
+                        </a:rPr>
+                        <a:t></a:t>
+                      </a:r>
                       <a:endParaRPr lang="en-GB" sz="1600" dirty="0"/>
                     </a:p>
                   </a:txBody>
@@ -10340,12 +10109,12 @@
                         <a:defRPr/>
                       </a:pPr>
                       <a:r>
-                        <a:rPr lang="en-GB" sz="2000" dirty="0" smtClean="0">
+                        <a:rPr lang="en-GB" sz="2000" dirty="0">
                           <a:sym typeface="Wingdings"/>
                         </a:rPr>
                         <a:t></a:t>
                       </a:r>
-                      <a:endParaRPr lang="en-GB" sz="2000" dirty="0" smtClean="0"/>
+                      <a:endParaRPr lang="en-GB" sz="2000" dirty="0"/>
                     </a:p>
                   </a:txBody>
                   <a:tcPr anchor="ctr">
@@ -10357,6 +10126,11 @@
                     </a:solidFill>
                   </a:tcPr>
                 </a:tc>
+                <a:extLst>
+                  <a:ext uri="{0D108BD9-81ED-4DB2-BD59-A6C34878D82A}">
+                    <a16:rowId xmlns:a16="http://schemas.microsoft.com/office/drawing/2014/main" val="10006"/>
+                  </a:ext>
+                </a:extLst>
               </a:tr>
               <a:tr h="370840">
                 <a:tc>
@@ -10365,7 +10139,7 @@
                     <a:lstStyle/>
                     <a:p>
                       <a:r>
-                        <a:rPr lang="en-GB" sz="1800" kern="1200" dirty="0" smtClean="0">
+                        <a:rPr lang="en-GB" sz="1800" kern="1200" dirty="0">
                           <a:solidFill>
                             <a:schemeClr val="dk1"/>
                           </a:solidFill>
@@ -10427,13 +10201,7 @@
                         <a:tabLst/>
                         <a:defRPr/>
                       </a:pPr>
-                      <a:r>
-                        <a:rPr lang="en-GB" sz="2000" dirty="0" smtClean="0">
-                          <a:sym typeface="Wingdings"/>
-                        </a:rPr>
-                        <a:t></a:t>
-                      </a:r>
-                      <a:endParaRPr lang="en-GB" sz="2000" dirty="0" smtClean="0"/>
+                      <a:endParaRPr lang="en-GB" sz="2000" dirty="0"/>
                     </a:p>
                   </a:txBody>
                   <a:tcPr anchor="ctr">
@@ -10451,6 +10219,36 @@
                     <a:lstStyle/>
                     <a:p>
                       <a:pPr algn="ctr"/>
+                      <a:r>
+                        <a:rPr lang="en-GB" sz="2000" dirty="0">
+                          <a:sym typeface="Wingdings"/>
+                        </a:rPr>
+                        <a:t></a:t>
+                      </a:r>
+                      <a:endParaRPr lang="en-GB" sz="1600" dirty="0"/>
+                    </a:p>
+                  </a:txBody>
+                  <a:tcPr anchor="ctr">
+                    <a:solidFill>
+                      <a:schemeClr val="accent5">
+                        <a:lumMod val="20000"/>
+                        <a:lumOff val="80000"/>
+                      </a:schemeClr>
+                    </a:solidFill>
+                  </a:tcPr>
+                </a:tc>
+                <a:tc>
+                  <a:txBody>
+                    <a:bodyPr/>
+                    <a:lstStyle/>
+                    <a:p>
+                      <a:pPr algn="ctr"/>
+                      <a:r>
+                        <a:rPr lang="en-GB" sz="2000" dirty="0">
+                          <a:sym typeface="Wingdings"/>
+                        </a:rPr>
+                        <a:t></a:t>
+                      </a:r>
                       <a:endParaRPr lang="en-GB" sz="1600" dirty="0"/>
                     </a:p>
                   </a:txBody>
@@ -10481,24 +10279,11 @@
                     </a:solidFill>
                   </a:tcPr>
                 </a:tc>
-                <a:tc>
-                  <a:txBody>
-                    <a:bodyPr/>
-                    <a:lstStyle/>
-                    <a:p>
-                      <a:pPr algn="ctr"/>
-                      <a:endParaRPr lang="en-GB" sz="1600" dirty="0"/>
-                    </a:p>
-                  </a:txBody>
-                  <a:tcPr anchor="ctr">
-                    <a:solidFill>
-                      <a:schemeClr val="accent5">
-                        <a:lumMod val="20000"/>
-                        <a:lumOff val="80000"/>
-                      </a:schemeClr>
-                    </a:solidFill>
-                  </a:tcPr>
-                </a:tc>
+                <a:extLst>
+                  <a:ext uri="{0D108BD9-81ED-4DB2-BD59-A6C34878D82A}">
+                    <a16:rowId xmlns:a16="http://schemas.microsoft.com/office/drawing/2014/main" val="10007"/>
+                  </a:ext>
+                </a:extLst>
               </a:tr>
               <a:tr h="370840">
                 <a:tc>
@@ -10507,7 +10292,7 @@
                     <a:lstStyle/>
                     <a:p>
                       <a:r>
-                        <a:rPr lang="en-GB" sz="1800" kern="1200" dirty="0" smtClean="0">
+                        <a:rPr lang="en-GB" sz="1800" kern="1200" dirty="0">
                           <a:solidFill>
                             <a:schemeClr val="dk1"/>
                           </a:solidFill>
@@ -10588,12 +10373,12 @@
                         <a:defRPr/>
                       </a:pPr>
                       <a:r>
-                        <a:rPr lang="en-GB" sz="2000" dirty="0" smtClean="0">
+                        <a:rPr lang="en-GB" sz="2000" dirty="0">
                           <a:sym typeface="Wingdings"/>
                         </a:rPr>
                         <a:t></a:t>
                       </a:r>
-                      <a:endParaRPr lang="en-GB" sz="2000" dirty="0" smtClean="0"/>
+                      <a:endParaRPr lang="en-GB" sz="2000" dirty="0"/>
                     </a:p>
                   </a:txBody>
                   <a:tcPr anchor="ctr">
@@ -10611,6 +10396,12 @@
                     <a:lstStyle/>
                     <a:p>
                       <a:pPr algn="ctr"/>
+                      <a:r>
+                        <a:rPr lang="en-GB" sz="2000" dirty="0">
+                          <a:sym typeface="Wingdings"/>
+                        </a:rPr>
+                        <a:t></a:t>
+                      </a:r>
                       <a:endParaRPr lang="en-GB" sz="1600" dirty="0"/>
                     </a:p>
                   </a:txBody>
@@ -10641,6 +10432,11 @@
                     </a:solidFill>
                   </a:tcPr>
                 </a:tc>
+                <a:extLst>
+                  <a:ext uri="{0D108BD9-81ED-4DB2-BD59-A6C34878D82A}">
+                    <a16:rowId xmlns:a16="http://schemas.microsoft.com/office/drawing/2014/main" val="10008"/>
+                  </a:ext>
+                </a:extLst>
               </a:tr>
             </a:tbl>
           </a:graphicData>
@@ -10669,30 +10465,22 @@
           <a:lstStyle/>
           <a:p>
             <a:r>
-              <a:rPr lang="en-GB" sz="1600" i="1" dirty="0" smtClean="0"/>
-              <a:t>Based on feedback from a single tester, and before we did all the fixes arising from their observations</a:t>
-            </a:r>
-            <a:endParaRPr lang="en-GB" sz="1600" i="1" dirty="0"/>
+              <a:rPr lang="en-GB" sz="1600" i="1" dirty="0"/>
+              <a:t>Based on feedback from three testers, and before we did all the fixes arising from their observations</a:t>
+            </a:r>
           </a:p>
         </p:txBody>
       </p:sp>
     </p:spTree>
     <p:extLst>
       <p:ext uri="{BB962C8B-B14F-4D97-AF65-F5344CB8AC3E}">
-        <p14:creationId xmlns="" xmlns:p14="http://schemas.microsoft.com/office/powerpoint/2010/main" val="2083772189"/>
+        <p14:creationId xmlns:p14="http://schemas.microsoft.com/office/powerpoint/2010/main" val="2083772189"/>
       </p:ext>
     </p:extLst>
   </p:cSld>
   <p:clrMapOvr>
     <a:masterClrMapping/>
   </p:clrMapOvr>
-  <p:timing>
-    <p:tnLst>
-      <p:par>
-        <p:cTn id="1" dur="indefinite" restart="never" nodeType="tmRoot"/>
-      </p:par>
-    </p:tnLst>
-  </p:timing>
 </p:sld>
 </file>
 
@@ -10718,7 +10506,7 @@
           <p:cNvPr id="4" name="Picture 3">
             <a:extLst>
               <a:ext uri="{FF2B5EF4-FFF2-40B4-BE49-F238E27FC236}">
-                <a16:creationId xmlns="" xmlns:a16="http://schemas.microsoft.com/office/drawing/2014/main" id="{0673D7FF-79D1-47CC-9F17-8BD3F4A92FD2}"/>
+                <a16:creationId xmlns:a16="http://schemas.microsoft.com/office/drawing/2014/main" id="{0673D7FF-79D1-47CC-9F17-8BD3F4A92FD2}"/>
               </a:ext>
             </a:extLst>
           </p:cNvPr>
@@ -10748,7 +10536,7 @@
           <p:cNvPr id="9" name="Picture 8">
             <a:extLst>
               <a:ext uri="{FF2B5EF4-FFF2-40B4-BE49-F238E27FC236}">
-                <a16:creationId xmlns="" xmlns:a16="http://schemas.microsoft.com/office/drawing/2014/main" id="{90E7F56C-9544-4654-9D9C-A258B0BC56B3}"/>
+                <a16:creationId xmlns:a16="http://schemas.microsoft.com/office/drawing/2014/main" id="{90E7F56C-9544-4654-9D9C-A258B0BC56B3}"/>
               </a:ext>
             </a:extLst>
           </p:cNvPr>
@@ -10778,7 +10566,7 @@
           <p:cNvPr id="10" name="Rectangle 9">
             <a:extLst>
               <a:ext uri="{FF2B5EF4-FFF2-40B4-BE49-F238E27FC236}">
-                <a16:creationId xmlns="" xmlns:a16="http://schemas.microsoft.com/office/drawing/2014/main" id="{7CE6DF49-6ADC-40B9-93F3-F6495F2DC7AB}"/>
+                <a16:creationId xmlns:a16="http://schemas.microsoft.com/office/drawing/2014/main" id="{7CE6DF49-6ADC-40B9-93F3-F6495F2DC7AB}"/>
               </a:ext>
             </a:extLst>
           </p:cNvPr>
@@ -10830,7 +10618,7 @@
           <p:cNvPr id="2" name="Title 1">
             <a:extLst>
               <a:ext uri="{FF2B5EF4-FFF2-40B4-BE49-F238E27FC236}">
-                <a16:creationId xmlns="" xmlns:a16="http://schemas.microsoft.com/office/drawing/2014/main" id="{DFC049F8-2284-4161-BE3C-431BCD0EFAB7}"/>
+                <a16:creationId xmlns:a16="http://schemas.microsoft.com/office/drawing/2014/main" id="{DFC049F8-2284-4161-BE3C-431BCD0EFAB7}"/>
               </a:ext>
             </a:extLst>
           </p:cNvPr>
@@ -10868,32 +10656,17 @@
               </a:tabLst>
             </a:pPr>
             <a:r>
-              <a:rPr lang="en-GB" dirty="0" smtClean="0">
+              <a:rPr lang="en-GB" dirty="0">
                 <a:latin typeface="+mn-lt"/>
               </a:rPr>
-              <a:t>	User Feedback </a:t>
-            </a:r>
-            <a:r>
-              <a:rPr lang="en-GB" dirty="0" smtClean="0">
-                <a:latin typeface="+mn-lt"/>
-              </a:rPr>
-              <a:t>– Questionnaire (ii)</a:t>
-            </a:r>
-            <a:r>
-              <a:rPr lang="en-GB" dirty="0" smtClean="0">
-                <a:latin typeface="+mn-lt"/>
-              </a:rPr>
-              <a:t>	</a:t>
-            </a:r>
-            <a:r>
-              <a:rPr lang="en-GB" i="1" dirty="0" smtClean="0">
+              <a:t>	User Feedback – Questionnaire (ii)	</a:t>
+            </a:r>
+            <a:r>
+              <a:rPr lang="en-GB" i="1" dirty="0">
                 <a:latin typeface="+mn-lt"/>
               </a:rPr>
               <a:t>(4)</a:t>
             </a:r>
-            <a:endParaRPr lang="en-GB" i="1" dirty="0">
-              <a:latin typeface="+mn-lt"/>
-            </a:endParaRPr>
           </a:p>
         </p:txBody>
       </p:sp>
@@ -10902,7 +10675,7 @@
           <p:cNvPr id="16" name="Content Placeholder 2">
             <a:extLst>
               <a:ext uri="{FF2B5EF4-FFF2-40B4-BE49-F238E27FC236}">
-                <a16:creationId xmlns="" xmlns:a16="http://schemas.microsoft.com/office/drawing/2014/main" id="{F2E045F5-714F-4E07-87A1-F5696A62ED28}"/>
+                <a16:creationId xmlns:a16="http://schemas.microsoft.com/office/drawing/2014/main" id="{F2E045F5-714F-4E07-87A1-F5696A62ED28}"/>
               </a:ext>
             </a:extLst>
           </p:cNvPr>
@@ -10951,7 +10724,7 @@
               <a:tabLst/>
               <a:defRPr/>
             </a:pPr>
-            <a:endParaRPr kumimoji="0" lang="en-GB" sz="2800" b="0" i="0" u="none" strike="noStrike" kern="1200" cap="none" spc="0" normalizeH="0" baseline="0" noProof="0" smtClean="0">
+            <a:endParaRPr kumimoji="0" lang="en-GB" sz="2800" b="0" i="0" u="none" strike="noStrike" kern="1200" cap="none" spc="0" normalizeH="0" baseline="0" noProof="0">
               <a:ln>
                 <a:noFill/>
               </a:ln>
@@ -11009,6 +10782,11 @@
           </p:cNvGraphicFramePr>
           <p:nvPr>
             <p:ph idx="1"/>
+            <p:extLst>
+              <p:ext uri="{D42A27DB-BD31-4B8C-83A1-F6EECF244321}">
+                <p14:modId xmlns:p14="http://schemas.microsoft.com/office/powerpoint/2010/main" val="942104435"/>
+              </p:ext>
+            </p:extLst>
           </p:nvPr>
         </p:nvGraphicFramePr>
         <p:xfrm>
@@ -11022,12 +10800,48 @@
                 <a:tableStyleId>{5C22544A-7EE6-4342-B048-85BDC9FD1C3A}</a:tableStyleId>
               </a:tblPr>
               <a:tblGrid>
-                <a:gridCol w="5500726"/>
-                <a:gridCol w="1000132"/>
-                <a:gridCol w="970036"/>
-                <a:gridCol w="925801"/>
-                <a:gridCol w="820418"/>
-                <a:gridCol w="998521"/>
+                <a:gridCol w="5500726">
+                  <a:extLst>
+                    <a:ext uri="{9D8B030D-6E8A-4147-A177-3AD203B41FA5}">
+                      <a16:colId xmlns:a16="http://schemas.microsoft.com/office/drawing/2014/main" val="20000"/>
+                    </a:ext>
+                  </a:extLst>
+                </a:gridCol>
+                <a:gridCol w="1000132">
+                  <a:extLst>
+                    <a:ext uri="{9D8B030D-6E8A-4147-A177-3AD203B41FA5}">
+                      <a16:colId xmlns:a16="http://schemas.microsoft.com/office/drawing/2014/main" val="20001"/>
+                    </a:ext>
+                  </a:extLst>
+                </a:gridCol>
+                <a:gridCol w="970036">
+                  <a:extLst>
+                    <a:ext uri="{9D8B030D-6E8A-4147-A177-3AD203B41FA5}">
+                      <a16:colId xmlns:a16="http://schemas.microsoft.com/office/drawing/2014/main" val="20002"/>
+                    </a:ext>
+                  </a:extLst>
+                </a:gridCol>
+                <a:gridCol w="925801">
+                  <a:extLst>
+                    <a:ext uri="{9D8B030D-6E8A-4147-A177-3AD203B41FA5}">
+                      <a16:colId xmlns:a16="http://schemas.microsoft.com/office/drawing/2014/main" val="20003"/>
+                    </a:ext>
+                  </a:extLst>
+                </a:gridCol>
+                <a:gridCol w="820418">
+                  <a:extLst>
+                    <a:ext uri="{9D8B030D-6E8A-4147-A177-3AD203B41FA5}">
+                      <a16:colId xmlns:a16="http://schemas.microsoft.com/office/drawing/2014/main" val="20004"/>
+                    </a:ext>
+                  </a:extLst>
+                </a:gridCol>
+                <a:gridCol w="998521">
+                  <a:extLst>
+                    <a:ext uri="{9D8B030D-6E8A-4147-A177-3AD203B41FA5}">
+                      <a16:colId xmlns:a16="http://schemas.microsoft.com/office/drawing/2014/main" val="20005"/>
+                    </a:ext>
+                  </a:extLst>
+                </a:gridCol>
               </a:tblGrid>
               <a:tr h="370840">
                 <a:tc>
@@ -11053,10 +10867,9 @@
                     <a:p>
                       <a:pPr algn="ctr"/>
                       <a:r>
-                        <a:rPr lang="en-GB" sz="1600" dirty="0" smtClean="0"/>
+                        <a:rPr lang="en-GB" sz="1600" dirty="0"/>
                         <a:t>Strongly Disagree</a:t>
                       </a:r>
-                      <a:endParaRPr lang="en-GB" sz="1600" dirty="0"/>
                     </a:p>
                   </a:txBody>
                   <a:tcPr>
@@ -11074,10 +10887,9 @@
                     <a:p>
                       <a:pPr algn="ctr"/>
                       <a:r>
-                        <a:rPr lang="en-GB" sz="1600" dirty="0" smtClean="0"/>
+                        <a:rPr lang="en-GB" sz="1600" dirty="0"/>
                         <a:t>Disagree</a:t>
                       </a:r>
-                      <a:endParaRPr lang="en-GB" sz="1600" dirty="0"/>
                     </a:p>
                   </a:txBody>
                   <a:tcPr>
@@ -11095,10 +10907,9 @@
                     <a:p>
                       <a:pPr algn="ctr"/>
                       <a:r>
-                        <a:rPr lang="en-GB" sz="1600" dirty="0" smtClean="0"/>
+                        <a:rPr lang="en-GB" sz="1600" dirty="0"/>
                         <a:t>Neutral</a:t>
                       </a:r>
-                      <a:endParaRPr lang="en-GB" sz="1600" dirty="0"/>
                     </a:p>
                   </a:txBody>
                   <a:tcPr>
@@ -11116,10 +10927,9 @@
                     <a:p>
                       <a:pPr algn="ctr"/>
                       <a:r>
-                        <a:rPr lang="en-GB" sz="1600" dirty="0" smtClean="0"/>
+                        <a:rPr lang="en-GB" sz="1600" dirty="0"/>
                         <a:t>Agree</a:t>
                       </a:r>
-                      <a:endParaRPr lang="en-GB" sz="1600" dirty="0"/>
                     </a:p>
                   </a:txBody>
                   <a:tcPr>
@@ -11137,11 +10947,11 @@
                     <a:p>
                       <a:pPr algn="ctr"/>
                       <a:r>
-                        <a:rPr lang="en-GB" sz="1600" dirty="0" smtClean="0"/>
+                        <a:rPr lang="en-GB" sz="1600" dirty="0"/>
                         <a:t>Strongly</a:t>
                       </a:r>
                       <a:r>
-                        <a:rPr lang="en-GB" sz="1600" baseline="0" dirty="0" smtClean="0"/>
+                        <a:rPr lang="en-GB" sz="1600" baseline="0" dirty="0"/>
                         <a:t> Agree</a:t>
                       </a:r>
                       <a:endParaRPr lang="en-GB" sz="1600" dirty="0"/>
@@ -11155,6 +10965,11 @@
                     </a:solidFill>
                   </a:tcPr>
                 </a:tc>
+                <a:extLst>
+                  <a:ext uri="{0D108BD9-81ED-4DB2-BD59-A6C34878D82A}">
+                    <a16:rowId xmlns:a16="http://schemas.microsoft.com/office/drawing/2014/main" val="10000"/>
+                  </a:ext>
+                </a:extLst>
               </a:tr>
               <a:tr h="370840">
                 <a:tc>
@@ -11163,7 +10978,7 @@
                     <a:lstStyle/>
                     <a:p>
                       <a:r>
-                        <a:rPr lang="en-GB" sz="1800" kern="1200" dirty="0" smtClean="0">
+                        <a:rPr lang="en-GB" sz="1800" kern="1200" dirty="0">
                           <a:solidFill>
                             <a:schemeClr val="dk1"/>
                           </a:solidFill>
@@ -11246,12 +11061,25 @@
                     <a:p>
                       <a:pPr algn="ctr"/>
                       <a:r>
-                        <a:rPr lang="en-GB" sz="2000" dirty="0" smtClean="0">
+                        <a:rPr lang="en-GB" sz="2000" dirty="0">
+                          <a:sym typeface="Wingdings"/>
+                        </a:rPr>
+                        <a:t></a:t>
+                      </a:r>
+                      <a:r>
+                        <a:rPr lang="en-GB" sz="2000" dirty="0">
+                          <a:solidFill>
+                            <a:srgbClr val="FF0000"/>
+                          </a:solidFill>
                           <a:sym typeface="Wingdings"/>
                         </a:rPr>
                         <a:t></a:t>
                       </a:r>
-                      <a:endParaRPr lang="en-GB" sz="2000" dirty="0"/>
+                      <a:endParaRPr lang="en-GB" sz="2000" dirty="0">
+                        <a:solidFill>
+                          <a:srgbClr val="FF0000"/>
+                        </a:solidFill>
+                      </a:endParaRPr>
                     </a:p>
                   </a:txBody>
                   <a:tcPr anchor="ctr">
@@ -11281,6 +11109,11 @@
                     </a:solidFill>
                   </a:tcPr>
                 </a:tc>
+                <a:extLst>
+                  <a:ext uri="{0D108BD9-81ED-4DB2-BD59-A6C34878D82A}">
+                    <a16:rowId xmlns:a16="http://schemas.microsoft.com/office/drawing/2014/main" val="10001"/>
+                  </a:ext>
+                </a:extLst>
               </a:tr>
               <a:tr h="370840">
                 <a:tc>
@@ -11289,7 +11122,7 @@
                     <a:lstStyle/>
                     <a:p>
                       <a:r>
-                        <a:rPr lang="en-GB" sz="1800" kern="1200" dirty="0" smtClean="0">
+                        <a:rPr lang="en-GB" sz="1800" kern="1200" dirty="0">
                           <a:solidFill>
                             <a:schemeClr val="dk1"/>
                           </a:solidFill>
@@ -11390,10 +11223,10 @@
                     <a:p>
                       <a:pPr algn="ctr"/>
                       <a:r>
-                        <a:rPr lang="en-GB" sz="2000" dirty="0" smtClean="0">
+                        <a:rPr lang="en-GB" sz="2000" dirty="0">
                           <a:sym typeface="Wingdings"/>
                         </a:rPr>
-                        <a:t></a:t>
+                        <a:t></a:t>
                       </a:r>
                       <a:endParaRPr lang="en-GB" sz="2000" dirty="0"/>
                     </a:p>
@@ -11407,6 +11240,11 @@
                     </a:solidFill>
                   </a:tcPr>
                 </a:tc>
+                <a:extLst>
+                  <a:ext uri="{0D108BD9-81ED-4DB2-BD59-A6C34878D82A}">
+                    <a16:rowId xmlns:a16="http://schemas.microsoft.com/office/drawing/2014/main" val="10002"/>
+                  </a:ext>
+                </a:extLst>
               </a:tr>
               <a:tr h="370840">
                 <a:tc>
@@ -11415,7 +11253,7 @@
                     <a:lstStyle/>
                     <a:p>
                       <a:r>
-                        <a:rPr lang="en-GB" sz="1800" kern="1200" dirty="0" smtClean="0">
+                        <a:rPr lang="en-GB" sz="1800" kern="1200" dirty="0">
                           <a:solidFill>
                             <a:schemeClr val="dk1"/>
                           </a:solidFill>
@@ -11495,7 +11333,13 @@
                         <a:tabLst/>
                         <a:defRPr/>
                       </a:pPr>
-                      <a:endParaRPr lang="en-GB" sz="2000" dirty="0" smtClean="0"/>
+                      <a:r>
+                        <a:rPr lang="en-GB" sz="2000" dirty="0">
+                          <a:sym typeface="Wingdings"/>
+                        </a:rPr>
+                        <a:t></a:t>
+                      </a:r>
+                      <a:endParaRPr lang="en-GB" sz="2000" dirty="0"/>
                     </a:p>
                   </a:txBody>
                   <a:tcPr anchor="ctr">
@@ -11530,7 +11374,13 @@
                         <a:defRPr/>
                       </a:pPr>
                       <a:r>
-                        <a:rPr lang="en-GB" sz="2000" dirty="0" smtClean="0">
+                        <a:rPr lang="en-GB" sz="2000" dirty="0">
+                          <a:sym typeface="Wingdings"/>
+                        </a:rPr>
+                        <a:t></a:t>
+                      </a:r>
+                      <a:r>
+                        <a:rPr lang="en-GB" sz="2000" dirty="0">
                           <a:solidFill>
                             <a:srgbClr val="FF0000"/>
                           </a:solidFill>
@@ -11538,7 +11388,7 @@
                         </a:rPr>
                         <a:t></a:t>
                       </a:r>
-                      <a:endParaRPr lang="en-GB" sz="2000" dirty="0" smtClean="0">
+                      <a:endParaRPr lang="en-GB" sz="2000" dirty="0">
                         <a:solidFill>
                           <a:srgbClr val="FF0000"/>
                         </a:solidFill>
@@ -11572,6 +11422,11 @@
                     </a:solidFill>
                   </a:tcPr>
                 </a:tc>
+                <a:extLst>
+                  <a:ext uri="{0D108BD9-81ED-4DB2-BD59-A6C34878D82A}">
+                    <a16:rowId xmlns:a16="http://schemas.microsoft.com/office/drawing/2014/main" val="10003"/>
+                  </a:ext>
+                </a:extLst>
               </a:tr>
               <a:tr h="370840">
                 <a:tc>
@@ -11580,7 +11435,7 @@
                     <a:lstStyle/>
                     <a:p>
                       <a:r>
-                        <a:rPr lang="en-GB" sz="1800" kern="1200" dirty="0" smtClean="0">
+                        <a:rPr lang="en-GB" sz="1800" kern="1200" dirty="0">
                           <a:solidFill>
                             <a:schemeClr val="dk1"/>
                           </a:solidFill>
@@ -11679,12 +11534,12 @@
                         <a:defRPr/>
                       </a:pPr>
                       <a:r>
-                        <a:rPr lang="en-GB" sz="2000" dirty="0" smtClean="0">
+                        <a:rPr lang="en-GB" sz="2000" dirty="0">
                           <a:sym typeface="Wingdings"/>
                         </a:rPr>
-                        <a:t></a:t>
+                        <a:t></a:t>
                       </a:r>
-                      <a:endParaRPr lang="en-GB" sz="2000" dirty="0" smtClean="0"/>
+                      <a:endParaRPr lang="en-GB" sz="2000" dirty="0"/>
                     </a:p>
                   </a:txBody>
                   <a:tcPr anchor="ctr">
@@ -11702,6 +11557,12 @@
                     <a:lstStyle/>
                     <a:p>
                       <a:pPr algn="ctr"/>
+                      <a:r>
+                        <a:rPr lang="en-GB" sz="2000" dirty="0">
+                          <a:sym typeface="Wingdings"/>
+                        </a:rPr>
+                        <a:t></a:t>
+                      </a:r>
                       <a:endParaRPr lang="en-GB" sz="1600" dirty="0"/>
                     </a:p>
                   </a:txBody>
@@ -11714,6 +11575,11 @@
                     </a:solidFill>
                   </a:tcPr>
                 </a:tc>
+                <a:extLst>
+                  <a:ext uri="{0D108BD9-81ED-4DB2-BD59-A6C34878D82A}">
+                    <a16:rowId xmlns:a16="http://schemas.microsoft.com/office/drawing/2014/main" val="10004"/>
+                  </a:ext>
+                </a:extLst>
               </a:tr>
               <a:tr h="370840">
                 <a:tc>
@@ -11722,7 +11588,7 @@
                     <a:lstStyle/>
                     <a:p>
                       <a:r>
-                        <a:rPr lang="en-GB" sz="1800" kern="1200" dirty="0" smtClean="0">
+                        <a:rPr lang="en-GB" sz="1800" kern="1200" dirty="0">
                           <a:solidFill>
                             <a:schemeClr val="dk1"/>
                           </a:solidFill>
@@ -11786,12 +11652,6 @@
                     <a:lstStyle/>
                     <a:p>
                       <a:pPr algn="ctr"/>
-                      <a:r>
-                        <a:rPr lang="en-GB" sz="2000" dirty="0" smtClean="0">
-                          <a:sym typeface="Wingdings"/>
-                        </a:rPr>
-                        <a:t></a:t>
-                      </a:r>
                       <a:endParaRPr lang="en-GB" sz="2000" dirty="0"/>
                     </a:p>
                   </a:txBody>
@@ -11826,7 +11686,13 @@
                         <a:tabLst/>
                         <a:defRPr/>
                       </a:pPr>
-                      <a:endParaRPr lang="en-GB" sz="2000" dirty="0" smtClean="0"/>
+                      <a:r>
+                        <a:rPr lang="en-GB" sz="2000" dirty="0">
+                          <a:sym typeface="Wingdings"/>
+                        </a:rPr>
+                        <a:t></a:t>
+                      </a:r>
+                      <a:endParaRPr lang="en-GB" sz="2000" dirty="0"/>
                     </a:p>
                   </a:txBody>
                   <a:tcPr anchor="ctr">
@@ -11844,6 +11710,12 @@
                     <a:lstStyle/>
                     <a:p>
                       <a:pPr algn="ctr"/>
+                      <a:r>
+                        <a:rPr lang="en-GB" sz="2000" dirty="0">
+                          <a:sym typeface="Wingdings"/>
+                        </a:rPr>
+                        <a:t></a:t>
+                      </a:r>
                       <a:endParaRPr lang="en-GB" sz="1600" dirty="0"/>
                     </a:p>
                   </a:txBody>
@@ -11856,6 +11728,11 @@
                     </a:solidFill>
                   </a:tcPr>
                 </a:tc>
+                <a:extLst>
+                  <a:ext uri="{0D108BD9-81ED-4DB2-BD59-A6C34878D82A}">
+                    <a16:rowId xmlns:a16="http://schemas.microsoft.com/office/drawing/2014/main" val="10005"/>
+                  </a:ext>
+                </a:extLst>
               </a:tr>
               <a:tr h="370840">
                 <a:tc>
@@ -11864,7 +11741,7 @@
                     <a:lstStyle/>
                     <a:p>
                       <a:r>
-                        <a:rPr lang="en-GB" sz="1800" kern="1200" dirty="0" smtClean="0">
+                        <a:rPr lang="en-GB" sz="1800" kern="1200" dirty="0">
                           <a:solidFill>
                             <a:schemeClr val="dk1"/>
                           </a:solidFill>
@@ -11928,6 +11805,12 @@
                     <a:lstStyle/>
                     <a:p>
                       <a:pPr algn="ctr"/>
+                      <a:r>
+                        <a:rPr lang="en-GB" sz="2000" dirty="0">
+                          <a:sym typeface="Wingdings"/>
+                        </a:rPr>
+                        <a:t></a:t>
+                      </a:r>
                       <a:endParaRPr lang="en-GB" sz="1600" dirty="0"/>
                     </a:p>
                   </a:txBody>
@@ -11946,6 +11829,12 @@
                     <a:lstStyle/>
                     <a:p>
                       <a:pPr algn="ctr"/>
+                      <a:r>
+                        <a:rPr lang="en-GB" sz="2000" dirty="0">
+                          <a:sym typeface="Wingdings"/>
+                        </a:rPr>
+                        <a:t></a:t>
+                      </a:r>
                       <a:endParaRPr lang="en-GB" sz="1600" dirty="0"/>
                     </a:p>
                   </a:txBody>
@@ -11981,12 +11870,12 @@
                         <a:defRPr/>
                       </a:pPr>
                       <a:r>
-                        <a:rPr lang="en-GB" sz="2000" dirty="0" smtClean="0">
+                        <a:rPr lang="en-GB" sz="2000" dirty="0">
                           <a:sym typeface="Wingdings"/>
                         </a:rPr>
                         <a:t></a:t>
                       </a:r>
-                      <a:endParaRPr lang="en-GB" sz="2000" dirty="0" smtClean="0"/>
+                      <a:endParaRPr lang="en-GB" sz="2000" dirty="0"/>
                     </a:p>
                   </a:txBody>
                   <a:tcPr anchor="ctr">
@@ -11998,6 +11887,11 @@
                     </a:solidFill>
                   </a:tcPr>
                 </a:tc>
+                <a:extLst>
+                  <a:ext uri="{0D108BD9-81ED-4DB2-BD59-A6C34878D82A}">
+                    <a16:rowId xmlns:a16="http://schemas.microsoft.com/office/drawing/2014/main" val="10006"/>
+                  </a:ext>
+                </a:extLst>
               </a:tr>
               <a:tr h="370840">
                 <a:tc>
@@ -12006,7 +11900,7 @@
                     <a:lstStyle/>
                     <a:p>
                       <a:r>
-                        <a:rPr lang="en-GB" sz="1800" kern="1200" dirty="0" smtClean="0">
+                        <a:rPr lang="en-GB" sz="1800" kern="1200" dirty="0">
                           <a:solidFill>
                             <a:schemeClr val="dk1"/>
                           </a:solidFill>
@@ -12068,7 +11962,7 @@
                         <a:tabLst/>
                         <a:defRPr/>
                       </a:pPr>
-                      <a:endParaRPr lang="en-GB" sz="2000" dirty="0" smtClean="0"/>
+                      <a:endParaRPr lang="en-GB" sz="2000" dirty="0"/>
                     </a:p>
                   </a:txBody>
                   <a:tcPr anchor="ctr">
@@ -12086,6 +11980,12 @@
                     <a:lstStyle/>
                     <a:p>
                       <a:pPr algn="ctr"/>
+                      <a:r>
+                        <a:rPr lang="en-GB" sz="2000" dirty="0">
+                          <a:sym typeface="Wingdings"/>
+                        </a:rPr>
+                        <a:t></a:t>
+                      </a:r>
                       <a:endParaRPr lang="en-GB" sz="1600" dirty="0"/>
                     </a:p>
                   </a:txBody>
@@ -12121,7 +12021,13 @@
                         <a:defRPr/>
                       </a:pPr>
                       <a:r>
-                        <a:rPr lang="en-GB" sz="2000" dirty="0" smtClean="0">
+                        <a:rPr lang="en-GB" sz="2000" dirty="0">
+                          <a:sym typeface="Wingdings"/>
+                        </a:rPr>
+                        <a:t></a:t>
+                      </a:r>
+                      <a:r>
+                        <a:rPr lang="en-GB" sz="2000" dirty="0">
                           <a:solidFill>
                             <a:srgbClr val="FF0000"/>
                           </a:solidFill>
@@ -12129,7 +12035,7 @@
                         </a:rPr>
                         <a:t></a:t>
                       </a:r>
-                      <a:endParaRPr lang="en-GB" sz="1600" dirty="0" smtClean="0">
+                      <a:endParaRPr lang="en-GB" sz="1600" dirty="0">
                         <a:solidFill>
                           <a:srgbClr val="FF0000"/>
                         </a:solidFill>
@@ -12163,6 +12069,11 @@
                     </a:solidFill>
                   </a:tcPr>
                 </a:tc>
+                <a:extLst>
+                  <a:ext uri="{0D108BD9-81ED-4DB2-BD59-A6C34878D82A}">
+                    <a16:rowId xmlns:a16="http://schemas.microsoft.com/office/drawing/2014/main" val="10007"/>
+                  </a:ext>
+                </a:extLst>
               </a:tr>
               <a:tr h="370840">
                 <a:tc>
@@ -12171,7 +12082,7 @@
                     <a:lstStyle/>
                     <a:p>
                       <a:r>
-                        <a:rPr lang="en-GB" sz="1800" kern="1200" dirty="0" smtClean="0">
+                        <a:rPr lang="en-GB" sz="1800" kern="1200" dirty="0">
                           <a:solidFill>
                             <a:schemeClr val="dk1"/>
                           </a:solidFill>
@@ -12251,7 +12162,7 @@
                         <a:tabLst/>
                         <a:defRPr/>
                       </a:pPr>
-                      <a:endParaRPr lang="en-GB" sz="2000" dirty="0" smtClean="0"/>
+                      <a:endParaRPr lang="en-GB" sz="2000" dirty="0"/>
                     </a:p>
                   </a:txBody>
                   <a:tcPr anchor="ctr">
@@ -12269,6 +12180,12 @@
                     <a:lstStyle/>
                     <a:p>
                       <a:pPr algn="ctr"/>
+                      <a:r>
+                        <a:rPr lang="en-GB" sz="2000" dirty="0">
+                          <a:sym typeface="Wingdings"/>
+                        </a:rPr>
+                        <a:t></a:t>
+                      </a:r>
                       <a:endParaRPr lang="en-GB" sz="1600" dirty="0"/>
                     </a:p>
                   </a:txBody>
@@ -12304,7 +12221,7 @@
                         <a:defRPr/>
                       </a:pPr>
                       <a:r>
-                        <a:rPr lang="en-GB" sz="2000" dirty="0" smtClean="0">
+                        <a:rPr lang="en-GB" sz="2000" dirty="0">
                           <a:solidFill>
                             <a:srgbClr val="FF0000"/>
                           </a:solidFill>
@@ -12312,7 +12229,7 @@
                         </a:rPr>
                         <a:t></a:t>
                       </a:r>
-                      <a:endParaRPr lang="en-GB" sz="1200" dirty="0" smtClean="0">
+                      <a:endParaRPr lang="en-GB" sz="1200" dirty="0">
                         <a:solidFill>
                           <a:srgbClr val="FF0000"/>
                         </a:solidFill>
@@ -12328,6 +12245,11 @@
                     </a:solidFill>
                   </a:tcPr>
                 </a:tc>
+                <a:extLst>
+                  <a:ext uri="{0D108BD9-81ED-4DB2-BD59-A6C34878D82A}">
+                    <a16:rowId xmlns:a16="http://schemas.microsoft.com/office/drawing/2014/main" val="10008"/>
+                  </a:ext>
+                </a:extLst>
               </a:tr>
             </a:tbl>
           </a:graphicData>
@@ -12356,46 +12278,22 @@
           <a:lstStyle/>
           <a:p>
             <a:r>
-              <a:rPr lang="en-GB" sz="1600" i="1" dirty="0" smtClean="0"/>
-              <a:t>Based on feedback from a </a:t>
-            </a:r>
-            <a:r>
-              <a:rPr lang="en-GB" sz="1600" i="1" dirty="0" smtClean="0"/>
-              <a:t>same single </a:t>
-            </a:r>
-            <a:r>
-              <a:rPr lang="en-GB" sz="1600" i="1" dirty="0" smtClean="0"/>
-              <a:t>tester, </a:t>
-            </a:r>
-            <a:r>
-              <a:rPr lang="en-GB" sz="1600" i="1" dirty="0" smtClean="0"/>
-              <a:t>after we </a:t>
-            </a:r>
-            <a:r>
-              <a:rPr lang="en-GB" sz="1600" i="1" dirty="0" smtClean="0"/>
-              <a:t>did all the fixes arising from their observations</a:t>
-            </a:r>
-            <a:endParaRPr lang="en-GB" sz="1600" i="1" dirty="0"/>
+              <a:rPr lang="en-GB" sz="1600" i="1" dirty="0"/>
+              <a:t>Based on feedback from the three same tester, after we did all the fixes arising from their observations</a:t>
+            </a:r>
           </a:p>
         </p:txBody>
       </p:sp>
     </p:spTree>
     <p:extLst>
       <p:ext uri="{BB962C8B-B14F-4D97-AF65-F5344CB8AC3E}">
-        <p14:creationId xmlns="" xmlns:p14="http://schemas.microsoft.com/office/powerpoint/2010/main" val="2083772189"/>
+        <p14:creationId xmlns:p14="http://schemas.microsoft.com/office/powerpoint/2010/main" val="2083772189"/>
       </p:ext>
     </p:extLst>
   </p:cSld>
   <p:clrMapOvr>
     <a:masterClrMapping/>
   </p:clrMapOvr>
-  <p:timing>
-    <p:tnLst>
-      <p:par>
-        <p:cTn id="1" dur="indefinite" restart="never" nodeType="tmRoot"/>
-      </p:par>
-    </p:tnLst>
-  </p:timing>
 </p:sld>
 </file>
 
@@ -12421,7 +12319,7 @@
           <p:cNvPr id="4" name="Picture 3">
             <a:extLst>
               <a:ext uri="{FF2B5EF4-FFF2-40B4-BE49-F238E27FC236}">
-                <a16:creationId xmlns="" xmlns:a16="http://schemas.microsoft.com/office/drawing/2014/main" id="{1F7B8747-803D-41C8-89FD-730522D4A3D6}"/>
+                <a16:creationId xmlns:a16="http://schemas.microsoft.com/office/drawing/2014/main" id="{1F7B8747-803D-41C8-89FD-730522D4A3D6}"/>
               </a:ext>
             </a:extLst>
           </p:cNvPr>
@@ -12456,7 +12354,7 @@
           <p:cNvPr id="2" name="Title 1">
             <a:extLst>
               <a:ext uri="{FF2B5EF4-FFF2-40B4-BE49-F238E27FC236}">
-                <a16:creationId xmlns="" xmlns:a16="http://schemas.microsoft.com/office/drawing/2014/main" id="{DFC049F8-2284-4161-BE3C-431BCD0EFAB7}"/>
+                <a16:creationId xmlns:a16="http://schemas.microsoft.com/office/drawing/2014/main" id="{DFC049F8-2284-4161-BE3C-431BCD0EFAB7}"/>
               </a:ext>
             </a:extLst>
           </p:cNvPr>
@@ -12494,32 +12392,17 @@
               </a:tabLst>
             </a:pPr>
             <a:r>
-              <a:rPr lang="en-GB" dirty="0" smtClean="0">
-                <a:latin typeface="+mn-lt"/>
-              </a:rPr>
-              <a:t>	Project </a:t>
-            </a:r>
-            <a:r>
               <a:rPr lang="en-GB" dirty="0">
                 <a:latin typeface="+mn-lt"/>
               </a:rPr>
-              <a:t>Evaluation </a:t>
-            </a:r>
-            <a:r>
-              <a:rPr lang="en-GB" dirty="0" smtClean="0">
-                <a:latin typeface="+mn-lt"/>
-              </a:rPr>
-              <a:t>- Val	</a:t>
-            </a:r>
-            <a:r>
-              <a:rPr lang="en-GB" i="1" dirty="0" smtClean="0">
+              <a:t>	Project Evaluation - Val	</a:t>
+            </a:r>
+            <a:r>
+              <a:rPr lang="en-GB" i="1" dirty="0">
                 <a:latin typeface="+mn-lt"/>
               </a:rPr>
               <a:t>(5)</a:t>
             </a:r>
-            <a:endParaRPr lang="en-GB" i="1" dirty="0">
-              <a:latin typeface="+mn-lt"/>
-            </a:endParaRPr>
           </a:p>
         </p:txBody>
       </p:sp>
@@ -12528,7 +12411,7 @@
           <p:cNvPr id="3" name="Content Placeholder 2">
             <a:extLst>
               <a:ext uri="{FF2B5EF4-FFF2-40B4-BE49-F238E27FC236}">
-                <a16:creationId xmlns="" xmlns:a16="http://schemas.microsoft.com/office/drawing/2014/main" id="{F2E045F5-714F-4E07-87A1-F5696A62ED28}"/>
+                <a16:creationId xmlns:a16="http://schemas.microsoft.com/office/drawing/2014/main" id="{F2E045F5-714F-4E07-87A1-F5696A62ED28}"/>
               </a:ext>
             </a:extLst>
           </p:cNvPr>
@@ -12558,49 +12441,20 @@
           <a:lstStyle/>
           <a:p>
             <a:r>
-              <a:rPr lang="en-GB" dirty="0" smtClean="0"/>
-              <a:t>Everyone </a:t>
-            </a:r>
-            <a:r>
               <a:rPr lang="en-GB" dirty="0"/>
-              <a:t>worked well together – </a:t>
-            </a:r>
-            <a:r>
-              <a:rPr lang="en-GB" dirty="0" smtClean="0"/>
-              <a:t>frequent, useful messaging; </a:t>
-            </a:r>
+              <a:t>Everyone worked well together – frequent, useful messaging; weekly workshops achieved a lot and were enjoyable</a:t>
+            </a:r>
+          </a:p>
+          <a:p>
             <a:r>
               <a:rPr lang="en-GB" dirty="0"/>
-              <a:t>weekly workshops </a:t>
-            </a:r>
-            <a:r>
-              <a:rPr lang="en-GB" dirty="0" smtClean="0"/>
-              <a:t>achieved a lot and were enjoyable</a:t>
-            </a:r>
-            <a:endParaRPr lang="en-GB" dirty="0"/>
-          </a:p>
-          <a:p>
-            <a:r>
-              <a:rPr lang="en-GB" dirty="0" smtClean="0"/>
-              <a:t>Felt </a:t>
-            </a:r>
+              <a:t>Felt bad that Leo spent so much time generating graphics and didn’t get to code</a:t>
+            </a:r>
+          </a:p>
+          <a:p>
             <a:r>
               <a:rPr lang="en-GB" dirty="0"/>
-              <a:t>bad that Leo spent so much time generating graphics and didn’t get to code</a:t>
-            </a:r>
-          </a:p>
-          <a:p>
-            <a:r>
-              <a:rPr lang="en-GB" dirty="0"/>
-              <a:t>Developed collaborative work skills and </a:t>
-            </a:r>
-            <a:r>
-              <a:rPr lang="en-GB" dirty="0" smtClean="0"/>
-              <a:t>use </a:t>
-            </a:r>
-            <a:r>
-              <a:rPr lang="en-GB" dirty="0"/>
-              <a:t>of git version control</a:t>
+              <a:t>Developed collaborative work skills and use of git version control</a:t>
             </a:r>
           </a:p>
         </p:txBody>
@@ -12608,7 +12462,7 @@
     </p:spTree>
     <p:extLst>
       <p:ext uri="{BB962C8B-B14F-4D97-AF65-F5344CB8AC3E}">
-        <p14:creationId xmlns="" xmlns:p14="http://schemas.microsoft.com/office/powerpoint/2010/main" val="3875203172"/>
+        <p14:creationId xmlns:p14="http://schemas.microsoft.com/office/powerpoint/2010/main" val="3875203172"/>
       </p:ext>
     </p:extLst>
   </p:cSld>
@@ -12640,7 +12494,7 @@
           <p:cNvPr id="4" name="Picture 3">
             <a:extLst>
               <a:ext uri="{FF2B5EF4-FFF2-40B4-BE49-F238E27FC236}">
-                <a16:creationId xmlns="" xmlns:a16="http://schemas.microsoft.com/office/drawing/2014/main" id="{1F7B8747-803D-41C8-89FD-730522D4A3D6}"/>
+                <a16:creationId xmlns:a16="http://schemas.microsoft.com/office/drawing/2014/main" id="{1F7B8747-803D-41C8-89FD-730522D4A3D6}"/>
               </a:ext>
             </a:extLst>
           </p:cNvPr>
@@ -12675,7 +12529,7 @@
           <p:cNvPr id="2" name="Title 1">
             <a:extLst>
               <a:ext uri="{FF2B5EF4-FFF2-40B4-BE49-F238E27FC236}">
-                <a16:creationId xmlns="" xmlns:a16="http://schemas.microsoft.com/office/drawing/2014/main" id="{DFC049F8-2284-4161-BE3C-431BCD0EFAB7}"/>
+                <a16:creationId xmlns:a16="http://schemas.microsoft.com/office/drawing/2014/main" id="{DFC049F8-2284-4161-BE3C-431BCD0EFAB7}"/>
               </a:ext>
             </a:extLst>
           </p:cNvPr>
@@ -12713,32 +12567,17 @@
               </a:tabLst>
             </a:pPr>
             <a:r>
-              <a:rPr lang="en-GB" dirty="0" smtClean="0">
-                <a:latin typeface="Bodoni MT" panose="02070603080606020203" pitchFamily="18" charset="0"/>
-              </a:rPr>
-              <a:t>	Project </a:t>
-            </a:r>
-            <a:r>
               <a:rPr lang="en-GB" dirty="0">
                 <a:latin typeface="Bodoni MT" panose="02070603080606020203" pitchFamily="18" charset="0"/>
               </a:rPr>
-              <a:t>Evaluation </a:t>
-            </a:r>
-            <a:r>
-              <a:rPr lang="en-GB" dirty="0" smtClean="0">
-                <a:latin typeface="Bodoni MT" panose="02070603080606020203" pitchFamily="18" charset="0"/>
-              </a:rPr>
-              <a:t>- Ben	</a:t>
-            </a:r>
-            <a:r>
-              <a:rPr lang="en-GB" i="1" dirty="0" smtClean="0">
+              <a:t>	Project Evaluation - Ben	</a:t>
+            </a:r>
+            <a:r>
+              <a:rPr lang="en-GB" i="1" dirty="0">
                 <a:latin typeface="Bodoni MT" panose="02070603080606020203" pitchFamily="18" charset="0"/>
               </a:rPr>
               <a:t>(5)</a:t>
             </a:r>
-            <a:endParaRPr lang="en-GB" i="1" dirty="0">
-              <a:latin typeface="Bodoni MT" panose="02070603080606020203" pitchFamily="18" charset="0"/>
-            </a:endParaRPr>
           </a:p>
         </p:txBody>
       </p:sp>
@@ -12747,7 +12586,7 @@
           <p:cNvPr id="3" name="Content Placeholder 2">
             <a:extLst>
               <a:ext uri="{FF2B5EF4-FFF2-40B4-BE49-F238E27FC236}">
-                <a16:creationId xmlns="" xmlns:a16="http://schemas.microsoft.com/office/drawing/2014/main" id="{F2E045F5-714F-4E07-87A1-F5696A62ED28}"/>
+                <a16:creationId xmlns:a16="http://schemas.microsoft.com/office/drawing/2014/main" id="{F2E045F5-714F-4E07-87A1-F5696A62ED28}"/>
               </a:ext>
             </a:extLst>
           </p:cNvPr>
@@ -12818,7 +12657,7 @@
     </p:spTree>
     <p:extLst>
       <p:ext uri="{BB962C8B-B14F-4D97-AF65-F5344CB8AC3E}">
-        <p14:creationId xmlns="" xmlns:p14="http://schemas.microsoft.com/office/powerpoint/2010/main" val="2467745637"/>
+        <p14:creationId xmlns:p14="http://schemas.microsoft.com/office/powerpoint/2010/main" val="2467745637"/>
       </p:ext>
     </p:extLst>
   </p:cSld>
@@ -12971,18 +12810,13 @@
             <a:p>
               <a:pPr algn="ctr"/>
               <a:r>
-                <a:rPr lang="en-GB" sz="6600" dirty="0" smtClean="0">
+                <a:rPr lang="en-GB" sz="6600" dirty="0">
                   <a:solidFill>
                     <a:schemeClr val="bg1"/>
                   </a:solidFill>
                 </a:rPr>
                 <a:t>D2 Presentation</a:t>
               </a:r>
-              <a:endParaRPr lang="en-GB" sz="6600" dirty="0">
-                <a:solidFill>
-                  <a:schemeClr val="bg1"/>
-                </a:solidFill>
-              </a:endParaRPr>
             </a:p>
           </p:txBody>
         </p:sp>
@@ -13010,7 +12844,7 @@
             <a:p>
               <a:pPr algn="ctr"/>
               <a:r>
-                <a:rPr lang="en-GB" sz="4000" dirty="0" smtClean="0">
+                <a:rPr lang="en-GB" sz="4000" dirty="0">
                   <a:solidFill>
                     <a:schemeClr val="bg1"/>
                   </a:solidFill>
@@ -13021,7 +12855,7 @@
             <a:p>
               <a:pPr algn="ctr"/>
               <a:r>
-                <a:rPr lang="en-GB" sz="2800" dirty="0" smtClean="0">
+                <a:rPr lang="en-GB" sz="2800" dirty="0">
                   <a:solidFill>
                     <a:schemeClr val="bg1"/>
                   </a:solidFill>
@@ -13029,7 +12863,7 @@
                 <a:t>Alex </a:t>
               </a:r>
               <a:r>
-                <a:rPr lang="en-GB" sz="2800" dirty="0" err="1" smtClean="0">
+                <a:rPr lang="en-GB" sz="2800" dirty="0" err="1">
                   <a:solidFill>
                     <a:schemeClr val="bg1"/>
                   </a:solidFill>
@@ -13037,7 +12871,7 @@
                 <a:t>Carolan</a:t>
               </a:r>
               <a:r>
-                <a:rPr lang="en-GB" sz="2800" dirty="0" smtClean="0">
+                <a:rPr lang="en-GB" sz="2800" dirty="0">
                   <a:solidFill>
                     <a:schemeClr val="bg1"/>
                   </a:solidFill>
@@ -13045,7 +12879,7 @@
                 <a:t>, </a:t>
               </a:r>
               <a:r>
-                <a:rPr lang="en-GB" sz="2800" dirty="0" err="1" smtClean="0">
+                <a:rPr lang="en-GB" sz="2800" dirty="0" err="1">
                   <a:solidFill>
                     <a:schemeClr val="bg1"/>
                   </a:solidFill>
@@ -13053,7 +12887,7 @@
                 <a:t>Matty</a:t>
               </a:r>
               <a:r>
-                <a:rPr lang="en-GB" sz="2800" dirty="0" smtClean="0">
+                <a:rPr lang="en-GB" sz="2800" dirty="0">
                   <a:solidFill>
                     <a:schemeClr val="bg1"/>
                   </a:solidFill>
@@ -13061,14 +12895,14 @@
                 <a:t> Conway, Gary Fung, </a:t>
               </a:r>
               <a:br>
-                <a:rPr lang="en-GB" sz="2800" dirty="0" smtClean="0">
+                <a:rPr lang="en-GB" sz="2800" dirty="0">
                   <a:solidFill>
                     <a:schemeClr val="bg1"/>
                   </a:solidFill>
                 </a:rPr>
               </a:br>
               <a:r>
-                <a:rPr lang="en-GB" sz="2800" dirty="0" smtClean="0">
+                <a:rPr lang="en-GB" sz="2800" dirty="0">
                   <a:solidFill>
                     <a:schemeClr val="bg1"/>
                   </a:solidFill>
@@ -13107,18 +12941,13 @@
             <a:p>
               <a:pPr algn="ctr"/>
               <a:r>
-                <a:rPr lang="en-GB" sz="6600" dirty="0" smtClean="0">
+                <a:rPr lang="en-GB" sz="6600" dirty="0">
                   <a:solidFill>
                     <a:srgbClr val="7030A0"/>
                   </a:solidFill>
                 </a:rPr>
                 <a:t>The Christmas Game</a:t>
               </a:r>
-              <a:endParaRPr lang="en-GB" sz="6600" dirty="0">
-                <a:solidFill>
-                  <a:srgbClr val="7030A0"/>
-                </a:solidFill>
-              </a:endParaRPr>
             </a:p>
           </p:txBody>
         </p:sp>
@@ -13127,7 +12956,7 @@
             <p:cNvPr id="11" name="Picture 10">
               <a:extLst>
                 <a:ext uri="{FF2B5EF4-FFF2-40B4-BE49-F238E27FC236}">
-                  <a16:creationId xmlns="" xmlns:a16="http://schemas.microsoft.com/office/drawing/2014/main" id="{17AE45ED-A673-4FA2-B597-465724426CB5}"/>
+                  <a16:creationId xmlns:a16="http://schemas.microsoft.com/office/drawing/2014/main" id="{17AE45ED-A673-4FA2-B597-465724426CB5}"/>
                 </a:ext>
               </a:extLst>
             </p:cNvPr>
@@ -13140,7 +12969,7 @@
             <a:blip r:embed="rId5">
               <a:extLst>
                 <a:ext uri="{28A0092B-C50C-407E-A947-70E740481C1C}">
-                  <a14:useLocalDpi xmlns="" xmlns:a14="http://schemas.microsoft.com/office/drawing/2010/main" val="0"/>
+                  <a14:useLocalDpi xmlns:a14="http://schemas.microsoft.com/office/drawing/2010/main" val="0"/>
                 </a:ext>
               </a:extLst>
             </a:blip>
@@ -13163,7 +12992,7 @@
             <p:cNvPr id="12" name="Picture 11">
               <a:extLst>
                 <a:ext uri="{FF2B5EF4-FFF2-40B4-BE49-F238E27FC236}">
-                  <a16:creationId xmlns="" xmlns:a16="http://schemas.microsoft.com/office/drawing/2014/main" id="{17AE45ED-A673-4FA2-B597-465724426CB5}"/>
+                  <a16:creationId xmlns:a16="http://schemas.microsoft.com/office/drawing/2014/main" id="{17AE45ED-A673-4FA2-B597-465724426CB5}"/>
                 </a:ext>
               </a:extLst>
             </p:cNvPr>
@@ -13176,7 +13005,7 @@
             <a:blip r:embed="rId5">
               <a:extLst>
                 <a:ext uri="{28A0092B-C50C-407E-A947-70E740481C1C}">
-                  <a14:useLocalDpi xmlns="" xmlns:a14="http://schemas.microsoft.com/office/drawing/2010/main" val="0"/>
+                  <a14:useLocalDpi xmlns:a14="http://schemas.microsoft.com/office/drawing/2010/main" val="0"/>
                 </a:ext>
               </a:extLst>
             </a:blip>
@@ -13199,7 +13028,7 @@
             <p:cNvPr id="13" name="Picture 12">
               <a:extLst>
                 <a:ext uri="{FF2B5EF4-FFF2-40B4-BE49-F238E27FC236}">
-                  <a16:creationId xmlns="" xmlns:a16="http://schemas.microsoft.com/office/drawing/2014/main" id="{17AE45ED-A673-4FA2-B597-465724426CB5}"/>
+                  <a16:creationId xmlns:a16="http://schemas.microsoft.com/office/drawing/2014/main" id="{17AE45ED-A673-4FA2-B597-465724426CB5}"/>
                 </a:ext>
               </a:extLst>
             </p:cNvPr>
@@ -13212,7 +13041,7 @@
             <a:blip r:embed="rId5">
               <a:extLst>
                 <a:ext uri="{28A0092B-C50C-407E-A947-70E740481C1C}">
-                  <a14:useLocalDpi xmlns="" xmlns:a14="http://schemas.microsoft.com/office/drawing/2010/main" val="0"/>
+                  <a14:useLocalDpi xmlns:a14="http://schemas.microsoft.com/office/drawing/2010/main" val="0"/>
                 </a:ext>
               </a:extLst>
             </a:blip>
@@ -13235,7 +13064,7 @@
             <p:cNvPr id="14" name="Picture 13">
               <a:extLst>
                 <a:ext uri="{FF2B5EF4-FFF2-40B4-BE49-F238E27FC236}">
-                  <a16:creationId xmlns="" xmlns:a16="http://schemas.microsoft.com/office/drawing/2014/main" id="{23C87C0A-6BB6-4417-AAE8-9B7AE0A10355}"/>
+                  <a16:creationId xmlns:a16="http://schemas.microsoft.com/office/drawing/2014/main" id="{23C87C0A-6BB6-4417-AAE8-9B7AE0A10355}"/>
                 </a:ext>
               </a:extLst>
             </p:cNvPr>
@@ -13248,7 +13077,7 @@
             <a:blip r:embed="rId6">
               <a:extLst>
                 <a:ext uri="{28A0092B-C50C-407E-A947-70E740481C1C}">
-                  <a14:useLocalDpi xmlns="" xmlns:a14="http://schemas.microsoft.com/office/drawing/2010/main" val="0"/>
+                  <a14:useLocalDpi xmlns:a14="http://schemas.microsoft.com/office/drawing/2010/main" val="0"/>
                 </a:ext>
               </a:extLst>
             </a:blip>
@@ -13392,13 +13221,6 @@
   <p:clrMapOvr>
     <a:masterClrMapping/>
   </p:clrMapOvr>
-  <p:timing>
-    <p:tnLst>
-      <p:par>
-        <p:cTn id="1" dur="indefinite" restart="never" nodeType="tmRoot"/>
-      </p:par>
-    </p:tnLst>
-  </p:timing>
 </p:sld>
 </file>
 
@@ -13424,7 +13246,7 @@
           <p:cNvPr id="2" name="Title 1">
             <a:extLst>
               <a:ext uri="{FF2B5EF4-FFF2-40B4-BE49-F238E27FC236}">
-                <a16:creationId xmlns="" xmlns:a16="http://schemas.microsoft.com/office/drawing/2014/main" id="{DFC049F8-2284-4161-BE3C-431BCD0EFAB7}"/>
+                <a16:creationId xmlns:a16="http://schemas.microsoft.com/office/drawing/2014/main" id="{DFC049F8-2284-4161-BE3C-431BCD0EFAB7}"/>
               </a:ext>
             </a:extLst>
           </p:cNvPr>
@@ -13459,32 +13281,17 @@
               </a:tabLst>
             </a:pPr>
             <a:r>
-              <a:rPr lang="en-GB" dirty="0" smtClean="0">
-                <a:latin typeface="+mn-lt"/>
-              </a:rPr>
-              <a:t>	Planning </a:t>
-            </a:r>
-            <a:r>
               <a:rPr lang="en-GB" dirty="0">
                 <a:latin typeface="+mn-lt"/>
               </a:rPr>
-              <a:t>and </a:t>
-            </a:r>
-            <a:r>
-              <a:rPr lang="en-GB" dirty="0" smtClean="0">
-                <a:latin typeface="+mn-lt"/>
-              </a:rPr>
-              <a:t>Ideas	</a:t>
-            </a:r>
-            <a:r>
-              <a:rPr lang="en-GB" i="1" dirty="0" smtClean="0">
+              <a:t>	Planning and Ideas	</a:t>
+            </a:r>
+            <a:r>
+              <a:rPr lang="en-GB" i="1" dirty="0">
                 <a:latin typeface="+mn-lt"/>
               </a:rPr>
               <a:t>(1)</a:t>
             </a:r>
-            <a:endParaRPr lang="en-GB" i="1" dirty="0">
-              <a:latin typeface="+mn-lt"/>
-            </a:endParaRPr>
           </a:p>
         </p:txBody>
       </p:sp>
@@ -13493,7 +13300,7 @@
           <p:cNvPr id="5" name="Picture 4">
             <a:extLst>
               <a:ext uri="{FF2B5EF4-FFF2-40B4-BE49-F238E27FC236}">
-                <a16:creationId xmlns="" xmlns:a16="http://schemas.microsoft.com/office/drawing/2014/main" id="{020817A5-9300-4D98-B692-D6147E3BD93A}"/>
+                <a16:creationId xmlns:a16="http://schemas.microsoft.com/office/drawing/2014/main" id="{020817A5-9300-4D98-B692-D6147E3BD93A}"/>
               </a:ext>
             </a:extLst>
           </p:cNvPr>
@@ -13504,7 +13311,7 @@
           <a:blip r:embed="rId3" cstate="print">
             <a:extLst>
               <a:ext uri="{28A0092B-C50C-407E-A947-70E740481C1C}">
-                <a14:useLocalDpi xmlns="" xmlns:a14="http://schemas.microsoft.com/office/drawing/2010/main" val="0"/>
+                <a14:useLocalDpi xmlns:a14="http://schemas.microsoft.com/office/drawing/2010/main" val="0"/>
               </a:ext>
             </a:extLst>
           </a:blip>
@@ -13532,7 +13339,7 @@
           <p:cNvPr id="7" name="Content Placeholder 6">
             <a:extLst>
               <a:ext uri="{FF2B5EF4-FFF2-40B4-BE49-F238E27FC236}">
-                <a16:creationId xmlns="" xmlns:a16="http://schemas.microsoft.com/office/drawing/2014/main" id="{70CDBECA-B97D-4C2C-AC55-CFFC02982EF8}"/>
+                <a16:creationId xmlns:a16="http://schemas.microsoft.com/office/drawing/2014/main" id="{70CDBECA-B97D-4C2C-AC55-CFFC02982EF8}"/>
               </a:ext>
             </a:extLst>
           </p:cNvPr>
@@ -13547,7 +13354,7 @@
           <a:blip r:embed="rId4" cstate="print">
             <a:extLst>
               <a:ext uri="{28A0092B-C50C-407E-A947-70E740481C1C}">
-                <a14:useLocalDpi xmlns="" xmlns:a14="http://schemas.microsoft.com/office/drawing/2010/main" val="0"/>
+                <a14:useLocalDpi xmlns:a14="http://schemas.microsoft.com/office/drawing/2010/main" val="0"/>
               </a:ext>
             </a:extLst>
           </a:blip>
@@ -13575,7 +13382,7 @@
           <p:cNvPr id="8" name="Picture 7">
             <a:extLst>
               <a:ext uri="{FF2B5EF4-FFF2-40B4-BE49-F238E27FC236}">
-                <a16:creationId xmlns="" xmlns:a16="http://schemas.microsoft.com/office/drawing/2014/main" id="{31976AD6-994F-4EFA-9220-B0F8E43BE61B}"/>
+                <a16:creationId xmlns:a16="http://schemas.microsoft.com/office/drawing/2014/main" id="{31976AD6-994F-4EFA-9220-B0F8E43BE61B}"/>
               </a:ext>
             </a:extLst>
           </p:cNvPr>
@@ -13586,7 +13393,7 @@
           <a:blip r:embed="rId5" cstate="print">
             <a:extLst>
               <a:ext uri="{28A0092B-C50C-407E-A947-70E740481C1C}">
-                <a14:useLocalDpi xmlns="" xmlns:a14="http://schemas.microsoft.com/office/drawing/2010/main" val="0"/>
+                <a14:useLocalDpi xmlns:a14="http://schemas.microsoft.com/office/drawing/2010/main" val="0"/>
               </a:ext>
             </a:extLst>
           </a:blip>
@@ -13614,7 +13421,7 @@
           <p:cNvPr id="9" name="Picture 8">
             <a:extLst>
               <a:ext uri="{FF2B5EF4-FFF2-40B4-BE49-F238E27FC236}">
-                <a16:creationId xmlns="" xmlns:a16="http://schemas.microsoft.com/office/drawing/2014/main" id="{2820CE08-0969-4652-A714-794DE1C22F36}"/>
+                <a16:creationId xmlns:a16="http://schemas.microsoft.com/office/drawing/2014/main" id="{2820CE08-0969-4652-A714-794DE1C22F36}"/>
               </a:ext>
             </a:extLst>
           </p:cNvPr>
@@ -13627,7 +13434,7 @@
           <a:blip r:embed="rId6" cstate="print">
             <a:extLst>
               <a:ext uri="{28A0092B-C50C-407E-A947-70E740481C1C}">
-                <a14:useLocalDpi xmlns="" xmlns:a14="http://schemas.microsoft.com/office/drawing/2010/main" val="0"/>
+                <a14:useLocalDpi xmlns:a14="http://schemas.microsoft.com/office/drawing/2010/main" val="0"/>
               </a:ext>
             </a:extLst>
           </a:blip>
@@ -13649,7 +13456,7 @@
           </a:ln>
           <a:extLst>
             <a:ext uri="{53640926-AAD7-44D8-BBD7-CCE9431645EC}">
-              <a14:shadowObscured xmlns="" xmlns:a14="http://schemas.microsoft.com/office/drawing/2010/main"/>
+              <a14:shadowObscured xmlns:a14="http://schemas.microsoft.com/office/drawing/2010/main"/>
             </a:ext>
           </a:extLst>
         </p:spPr>
@@ -13677,18 +13484,13 @@
           <a:lstStyle/>
           <a:p>
             <a:r>
-              <a:rPr lang="en-GB" dirty="0" smtClean="0">
+              <a:rPr lang="en-GB" dirty="0">
                 <a:solidFill>
                   <a:schemeClr val="bg1"/>
                 </a:solidFill>
               </a:rPr>
               <a:t>Turtle Odyssey</a:t>
             </a:r>
-            <a:endParaRPr lang="en-GB" dirty="0">
-              <a:solidFill>
-                <a:schemeClr val="bg1"/>
-              </a:solidFill>
-            </a:endParaRPr>
           </a:p>
         </p:txBody>
       </p:sp>
@@ -13716,7 +13518,7 @@
           <a:p>
             <a:pPr algn="r"/>
             <a:r>
-              <a:rPr lang="en-GB" dirty="0" err="1" smtClean="0">
+              <a:rPr lang="en-GB" dirty="0" err="1">
                 <a:solidFill>
                   <a:schemeClr val="bg1"/>
                 </a:solidFill>
@@ -13755,10 +13557,9 @@
           <a:p>
             <a:pPr algn="ctr"/>
             <a:r>
-              <a:rPr lang="en-GB" dirty="0" smtClean="0"/>
+              <a:rPr lang="en-GB" dirty="0"/>
               <a:t>Super Mario Bros</a:t>
             </a:r>
-            <a:endParaRPr lang="en-GB" dirty="0"/>
           </a:p>
         </p:txBody>
       </p:sp>
@@ -13786,30 +13587,22 @@
           <a:p>
             <a:pPr algn="ctr"/>
             <a:r>
-              <a:rPr lang="en-GB" dirty="0" smtClean="0"/>
+              <a:rPr lang="en-GB" dirty="0"/>
               <a:t>Fez</a:t>
             </a:r>
-            <a:endParaRPr lang="en-GB" dirty="0"/>
           </a:p>
         </p:txBody>
       </p:sp>
     </p:spTree>
     <p:extLst>
       <p:ext uri="{BB962C8B-B14F-4D97-AF65-F5344CB8AC3E}">
-        <p14:creationId xmlns="" xmlns:p14="http://schemas.microsoft.com/office/powerpoint/2010/main" val="2515389119"/>
+        <p14:creationId xmlns:p14="http://schemas.microsoft.com/office/powerpoint/2010/main" val="2515389119"/>
       </p:ext>
     </p:extLst>
   </p:cSld>
   <p:clrMapOvr>
     <a:masterClrMapping/>
   </p:clrMapOvr>
-  <p:timing>
-    <p:tnLst>
-      <p:par>
-        <p:cTn id="1" dur="indefinite" restart="never" nodeType="tmRoot"/>
-      </p:par>
-    </p:tnLst>
-  </p:timing>
 </p:sld>
 </file>
 
@@ -13835,7 +13628,7 @@
           <p:cNvPr id="2" name="Title 1">
             <a:extLst>
               <a:ext uri="{FF2B5EF4-FFF2-40B4-BE49-F238E27FC236}">
-                <a16:creationId xmlns="" xmlns:a16="http://schemas.microsoft.com/office/drawing/2014/main" id="{DFC049F8-2284-4161-BE3C-431BCD0EFAB7}"/>
+                <a16:creationId xmlns:a16="http://schemas.microsoft.com/office/drawing/2014/main" id="{DFC049F8-2284-4161-BE3C-431BCD0EFAB7}"/>
               </a:ext>
             </a:extLst>
           </p:cNvPr>
@@ -13870,20 +13663,17 @@
               </a:tabLst>
             </a:pPr>
             <a:r>
-              <a:rPr lang="en-GB" dirty="0" smtClean="0">
+              <a:rPr lang="en-GB" dirty="0">
                 <a:latin typeface="+mn-lt"/>
               </a:rPr>
               <a:t>	Description of Project &amp; Management	</a:t>
             </a:r>
             <a:r>
-              <a:rPr lang="en-GB" i="1" dirty="0" smtClean="0">
+              <a:rPr lang="en-GB" i="1" dirty="0">
                 <a:latin typeface="+mn-lt"/>
               </a:rPr>
               <a:t>(1)</a:t>
             </a:r>
-            <a:endParaRPr lang="en-GB" i="1" dirty="0">
-              <a:latin typeface="+mn-lt"/>
-            </a:endParaRPr>
           </a:p>
         </p:txBody>
       </p:sp>
@@ -13892,7 +13682,7 @@
           <p:cNvPr id="3" name="Content Placeholder 2">
             <a:extLst>
               <a:ext uri="{FF2B5EF4-FFF2-40B4-BE49-F238E27FC236}">
-                <a16:creationId xmlns="" xmlns:a16="http://schemas.microsoft.com/office/drawing/2014/main" id="{F2E045F5-714F-4E07-87A1-F5696A62ED28}"/>
+                <a16:creationId xmlns:a16="http://schemas.microsoft.com/office/drawing/2014/main" id="{F2E045F5-714F-4E07-87A1-F5696A62ED28}"/>
               </a:ext>
             </a:extLst>
           </p:cNvPr>
@@ -13930,20 +13720,12 @@
               <a:buNone/>
             </a:pPr>
             <a:r>
-              <a:rPr lang="en-GB" sz="2000" b="1" dirty="0" smtClean="0"/>
+              <a:rPr lang="en-GB" sz="2000" b="1" dirty="0"/>
               <a:t>Style:  </a:t>
             </a:r>
             <a:r>
-              <a:rPr lang="en-GB" sz="2000" dirty="0" smtClean="0"/>
-              <a:t>2D </a:t>
-            </a:r>
-            <a:r>
               <a:rPr lang="en-GB" sz="2000" dirty="0"/>
-              <a:t>Platforming &amp; Puzzle </a:t>
-            </a:r>
-            <a:r>
-              <a:rPr lang="en-GB" sz="2000" dirty="0" smtClean="0"/>
-              <a:t>Game</a:t>
+              <a:t>2D Platforming &amp; Puzzle Game</a:t>
             </a:r>
           </a:p>
           <a:p>
@@ -13957,16 +13739,12 @@
               <a:buNone/>
             </a:pPr>
             <a:r>
-              <a:rPr lang="en-GB" sz="2000" b="1" dirty="0" smtClean="0"/>
+              <a:rPr lang="en-GB" sz="2000" b="1" dirty="0"/>
               <a:t>Audience:  </a:t>
             </a:r>
             <a:r>
-              <a:rPr lang="en-GB" sz="2000" dirty="0" smtClean="0"/>
-              <a:t>Family </a:t>
-            </a:r>
-            <a:r>
               <a:rPr lang="en-GB" sz="2000" dirty="0"/>
-              <a:t>/ Children (ages 7+)</a:t>
+              <a:t>Family / Children (ages 7+)</a:t>
             </a:r>
           </a:p>
           <a:p>
@@ -13980,14 +13758,13 @@
               <a:buNone/>
             </a:pPr>
             <a:r>
-              <a:rPr lang="en-GB" sz="2000" b="1" dirty="0" smtClean="0"/>
+              <a:rPr lang="en-GB" sz="2000" b="1" dirty="0"/>
               <a:t>Theme:	 </a:t>
             </a:r>
             <a:r>
-              <a:rPr lang="en-GB" sz="2000" dirty="0" smtClean="0"/>
+              <a:rPr lang="en-GB" sz="2000" dirty="0"/>
               <a:t>Christmas</a:t>
             </a:r>
-            <a:endParaRPr lang="en-GB" sz="2000" dirty="0"/>
           </a:p>
         </p:txBody>
       </p:sp>
@@ -13996,7 +13773,7 @@
           <p:cNvPr id="5" name="Content Placeholder 2">
             <a:extLst>
               <a:ext uri="{FF2B5EF4-FFF2-40B4-BE49-F238E27FC236}">
-                <a16:creationId xmlns="" xmlns:a16="http://schemas.microsoft.com/office/drawing/2014/main" id="{C7089040-DF2C-484B-AFBB-ECF62504C88A}"/>
+                <a16:creationId xmlns:a16="http://schemas.microsoft.com/office/drawing/2014/main" id="{C7089040-DF2C-484B-AFBB-ECF62504C88A}"/>
               </a:ext>
             </a:extLst>
           </p:cNvPr>
@@ -14199,16 +13976,12 @@
               <a:buNone/>
             </a:pPr>
             <a:r>
-              <a:rPr lang="en-GB" sz="2000" b="1" dirty="0" smtClean="0"/>
+              <a:rPr lang="en-GB" sz="2000" b="1" dirty="0"/>
               <a:t>Roles:	</a:t>
             </a:r>
             <a:r>
-              <a:rPr lang="en-GB" sz="2000" dirty="0" smtClean="0"/>
-              <a:t>Team </a:t>
-            </a:r>
-            <a:r>
               <a:rPr lang="en-GB" sz="2000" dirty="0"/>
-              <a:t>Lead &amp; Puzzle Developer: </a:t>
+              <a:t>Team Lead &amp; Puzzle Developer: </a:t>
             </a:r>
             <a:r>
               <a:rPr lang="en-GB" sz="2000" i="1" dirty="0">
@@ -14231,12 +14004,8 @@
               <a:buNone/>
             </a:pPr>
             <a:r>
-              <a:rPr lang="en-GB" sz="2000" dirty="0" smtClean="0"/>
-              <a:t>	Art </a:t>
-            </a:r>
-            <a:r>
               <a:rPr lang="en-GB" sz="2000" dirty="0"/>
-              <a:t>Director: </a:t>
+              <a:t>	Art Director: </a:t>
             </a:r>
             <a:r>
               <a:rPr lang="en-GB" sz="2000" i="1" dirty="0">
@@ -14267,12 +14036,8 @@
               <a:buNone/>
             </a:pPr>
             <a:r>
-              <a:rPr lang="en-GB" sz="2000" dirty="0" smtClean="0"/>
-              <a:t>	Game </a:t>
-            </a:r>
-            <a:r>
               <a:rPr lang="en-GB" sz="2000" dirty="0"/>
-              <a:t>Engine &amp; Platform Developer: </a:t>
+              <a:t>	Game Engine &amp; Platform Developer: </a:t>
             </a:r>
             <a:r>
               <a:rPr lang="en-GB" sz="2000" i="1" dirty="0">
@@ -14307,12 +14072,8 @@
               <a:buNone/>
             </a:pPr>
             <a:r>
-              <a:rPr lang="en-GB" sz="2000" dirty="0" smtClean="0"/>
-              <a:t>	Level </a:t>
-            </a:r>
-            <a:r>
               <a:rPr lang="en-GB" sz="2000" dirty="0"/>
-              <a:t>Designer: </a:t>
+              <a:t>	Level Designer: </a:t>
             </a:r>
             <a:r>
               <a:rPr lang="en-GB" sz="2000" i="1" dirty="0">
@@ -14330,7 +14091,7 @@
           <p:cNvPr id="9" name="Picture 8">
             <a:extLst>
               <a:ext uri="{FF2B5EF4-FFF2-40B4-BE49-F238E27FC236}">
-                <a16:creationId xmlns="" xmlns:a16="http://schemas.microsoft.com/office/drawing/2014/main" id="{40C29DDE-834E-4869-B4AB-47C72B5ED44E}"/>
+                <a16:creationId xmlns:a16="http://schemas.microsoft.com/office/drawing/2014/main" id="{40C29DDE-834E-4869-B4AB-47C72B5ED44E}"/>
               </a:ext>
             </a:extLst>
           </p:cNvPr>
@@ -14343,7 +14104,7 @@
           <a:blip r:embed="rId3">
             <a:extLst>
               <a:ext uri="{28A0092B-C50C-407E-A947-70E740481C1C}">
-                <a14:useLocalDpi xmlns="" xmlns:a14="http://schemas.microsoft.com/office/drawing/2010/main" val="0"/>
+                <a14:useLocalDpi xmlns:a14="http://schemas.microsoft.com/office/drawing/2010/main" val="0"/>
               </a:ext>
             </a:extLst>
           </a:blip>
@@ -14371,7 +14132,7 @@
           <p:cNvPr id="7" name="Content Placeholder 2">
             <a:extLst>
               <a:ext uri="{FF2B5EF4-FFF2-40B4-BE49-F238E27FC236}">
-                <a16:creationId xmlns="" xmlns:a16="http://schemas.microsoft.com/office/drawing/2014/main" id="{C7089040-DF2C-484B-AFBB-ECF62504C88A}"/>
+                <a16:creationId xmlns:a16="http://schemas.microsoft.com/office/drawing/2014/main" id="{C7089040-DF2C-484B-AFBB-ECF62504C88A}"/>
               </a:ext>
             </a:extLst>
           </p:cNvPr>
@@ -14573,19 +14334,19 @@
               <a:buNone/>
             </a:pPr>
             <a:r>
-              <a:rPr lang="en-GB" sz="2000" b="1" dirty="0" smtClean="0"/>
+              <a:rPr lang="en-GB" sz="2000" b="1" dirty="0"/>
               <a:t>Group Working:	</a:t>
             </a:r>
             <a:r>
-              <a:rPr lang="en-GB" sz="2000" dirty="0" smtClean="0"/>
+              <a:rPr lang="en-GB" sz="2000" dirty="0"/>
               <a:t>Code in </a:t>
             </a:r>
             <a:r>
-              <a:rPr lang="en-GB" sz="2000" dirty="0" err="1" smtClean="0"/>
+              <a:rPr lang="en-GB" sz="2000" dirty="0" err="1"/>
               <a:t>github</a:t>
             </a:r>
             <a:r>
-              <a:rPr lang="en-GB" sz="2000" dirty="0" smtClean="0"/>
+              <a:rPr lang="en-GB" sz="2000" dirty="0"/>
               <a:t>, documents in cloud</a:t>
             </a:r>
           </a:p>
@@ -14601,15 +14362,15 @@
               <a:buNone/>
             </a:pPr>
             <a:r>
-              <a:rPr lang="en-GB" sz="2000" dirty="0" smtClean="0"/>
+              <a:rPr lang="en-GB" sz="2000" dirty="0"/>
               <a:t>Lots of discussion (updates and queries) using </a:t>
             </a:r>
             <a:r>
-              <a:rPr lang="en-GB" sz="2000" dirty="0" err="1" smtClean="0"/>
+              <a:rPr lang="en-GB" sz="2000" dirty="0" err="1"/>
               <a:t>Facebook</a:t>
             </a:r>
             <a:r>
-              <a:rPr lang="en-GB" sz="2000" dirty="0" smtClean="0"/>
+              <a:rPr lang="en-GB" sz="2000" dirty="0"/>
               <a:t> Messenger</a:t>
             </a:r>
           </a:p>
@@ -14625,7 +14386,7 @@
               <a:buNone/>
             </a:pPr>
             <a:r>
-              <a:rPr lang="en-GB" sz="2000" dirty="0" smtClean="0"/>
+              <a:rPr lang="en-GB" sz="2000" dirty="0"/>
               <a:t>4hr lab sessions discuss progress, agree approach and share out tasks.  Also  “pair programming”</a:t>
             </a:r>
           </a:p>
@@ -14634,20 +14395,13 @@
     </p:spTree>
     <p:extLst>
       <p:ext uri="{BB962C8B-B14F-4D97-AF65-F5344CB8AC3E}">
-        <p14:creationId xmlns="" xmlns:p14="http://schemas.microsoft.com/office/powerpoint/2010/main" val="1039289397"/>
+        <p14:creationId xmlns:p14="http://schemas.microsoft.com/office/powerpoint/2010/main" val="1039289397"/>
       </p:ext>
     </p:extLst>
   </p:cSld>
   <p:clrMapOvr>
     <a:masterClrMapping/>
   </p:clrMapOvr>
-  <p:timing>
-    <p:tnLst>
-      <p:par>
-        <p:cTn id="1" dur="indefinite" restart="never" nodeType="tmRoot"/>
-      </p:par>
-    </p:tnLst>
-  </p:timing>
 </p:sld>
 </file>
 
@@ -14673,7 +14427,7 @@
           <p:cNvPr id="4" name="Picture 3">
             <a:extLst>
               <a:ext uri="{FF2B5EF4-FFF2-40B4-BE49-F238E27FC236}">
-                <a16:creationId xmlns="" xmlns:a16="http://schemas.microsoft.com/office/drawing/2014/main" id="{22743576-691A-4405-BDDF-B116F148661C}"/>
+                <a16:creationId xmlns:a16="http://schemas.microsoft.com/office/drawing/2014/main" id="{22743576-691A-4405-BDDF-B116F148661C}"/>
               </a:ext>
             </a:extLst>
           </p:cNvPr>
@@ -14703,7 +14457,7 @@
           <p:cNvPr id="2" name="Title 1">
             <a:extLst>
               <a:ext uri="{FF2B5EF4-FFF2-40B4-BE49-F238E27FC236}">
-                <a16:creationId xmlns="" xmlns:a16="http://schemas.microsoft.com/office/drawing/2014/main" id="{DFC049F8-2284-4161-BE3C-431BCD0EFAB7}"/>
+                <a16:creationId xmlns:a16="http://schemas.microsoft.com/office/drawing/2014/main" id="{DFC049F8-2284-4161-BE3C-431BCD0EFAB7}"/>
               </a:ext>
             </a:extLst>
           </p:cNvPr>
@@ -14741,32 +14495,29 @@
               </a:tabLst>
             </a:pPr>
             <a:r>
-              <a:rPr lang="en-GB" dirty="0" smtClean="0">
+              <a:rPr lang="en-GB" dirty="0">
                 <a:latin typeface="+mn-lt"/>
               </a:rPr>
               <a:t>	</a:t>
             </a:r>
             <a:r>
-              <a:rPr lang="en-GB" dirty="0" err="1" smtClean="0">
+              <a:rPr lang="en-GB" dirty="0" err="1">
                 <a:latin typeface="+mn-lt"/>
               </a:rPr>
               <a:t>Gameplay</a:t>
             </a:r>
             <a:r>
-              <a:rPr lang="en-GB" dirty="0" smtClean="0">
+              <a:rPr lang="en-GB" dirty="0">
                 <a:latin typeface="+mn-lt"/>
               </a:rPr>
               <a:t>	</a:t>
             </a:r>
             <a:r>
-              <a:rPr lang="en-GB" i="1" dirty="0" smtClean="0">
+              <a:rPr lang="en-GB" i="1" dirty="0">
                 <a:latin typeface="+mn-lt"/>
               </a:rPr>
               <a:t>(2)</a:t>
             </a:r>
-            <a:endParaRPr lang="en-GB" i="1" dirty="0">
-              <a:latin typeface="+mn-lt"/>
-            </a:endParaRPr>
           </a:p>
         </p:txBody>
       </p:sp>
@@ -14775,7 +14526,7 @@
           <p:cNvPr id="3" name="Content Placeholder 2">
             <a:extLst>
               <a:ext uri="{FF2B5EF4-FFF2-40B4-BE49-F238E27FC236}">
-                <a16:creationId xmlns="" xmlns:a16="http://schemas.microsoft.com/office/drawing/2014/main" id="{F2E045F5-714F-4E07-87A1-F5696A62ED28}"/>
+                <a16:creationId xmlns:a16="http://schemas.microsoft.com/office/drawing/2014/main" id="{F2E045F5-714F-4E07-87A1-F5696A62ED28}"/>
               </a:ext>
             </a:extLst>
           </p:cNvPr>
@@ -14826,7 +14577,7 @@
           <p:cNvPr id="9" name="Rectangle 8">
             <a:extLst>
               <a:ext uri="{FF2B5EF4-FFF2-40B4-BE49-F238E27FC236}">
-                <a16:creationId xmlns="" xmlns:a16="http://schemas.microsoft.com/office/drawing/2014/main" id="{FB310605-3378-4195-AFE3-29D4E582C8A6}"/>
+                <a16:creationId xmlns:a16="http://schemas.microsoft.com/office/drawing/2014/main" id="{FB310605-3378-4195-AFE3-29D4E582C8A6}"/>
               </a:ext>
             </a:extLst>
           </p:cNvPr>
@@ -14869,22 +14620,13 @@
           <a:lstStyle/>
           <a:p>
             <a:r>
-              <a:rPr lang="en-GB" b="1" dirty="0" smtClean="0"/>
+              <a:rPr lang="en-GB" b="1" dirty="0"/>
               <a:t>Aim: </a:t>
             </a:r>
             <a:r>
-              <a:rPr lang="en-GB" dirty="0" smtClean="0"/>
-              <a:t>Complete 4 </a:t>
-            </a:r>
-            <a:r>
               <a:rPr lang="en-GB" dirty="0"/>
-              <a:t>levels to </a:t>
-            </a:r>
-            <a:r>
-              <a:rPr lang="en-GB" dirty="0" smtClean="0"/>
-              <a:t>decorate the Christmas Room.  Each level is themed around a particular aspect of Christmas : ‘Christmas Tree’ , ‘Decorations’, ‘Roast Turkey’  and ‘Presents’.   Completing a level adds the themed item(s) to the room. </a:t>
-            </a:r>
-            <a:endParaRPr lang="en-GB" dirty="0"/>
+              <a:t>Complete 4 levels to decorate the Christmas Room.  Each level is themed around a particular aspect of Christmas : ‘Christmas Tree’ , ‘Decorations’, ‘Roast Turkey’  and ‘Presents’.   Completing a level adds the themed item(s) to the room. </a:t>
+            </a:r>
           </a:p>
           <a:p>
             <a:pPr>
@@ -14893,16 +14635,12 @@
               </a:spcBef>
             </a:pPr>
             <a:r>
-              <a:rPr lang="en-GB" b="1" dirty="0" smtClean="0"/>
+              <a:rPr lang="en-GB" b="1" dirty="0"/>
               <a:t>Level Composition: </a:t>
             </a:r>
             <a:r>
               <a:rPr lang="en-GB" dirty="0"/>
-              <a:t>Each level </a:t>
-            </a:r>
-            <a:r>
-              <a:rPr lang="en-GB" dirty="0" smtClean="0"/>
-              <a:t>contains:</a:t>
+              <a:t>Each level contains:</a:t>
             </a:r>
             <a:endParaRPr lang="en-GB" b="1" dirty="0"/>
           </a:p>
@@ -14911,52 +14649,26 @@
               <a:buAutoNum type="arabicPeriod"/>
             </a:pPr>
             <a:r>
-              <a:rPr lang="en-GB" b="1" dirty="0" smtClean="0"/>
+              <a:rPr lang="en-GB" b="1" dirty="0"/>
               <a:t>Platform: </a:t>
             </a:r>
             <a:r>
               <a:rPr lang="en-GB" dirty="0"/>
-              <a:t>A side-scrolling platforming section with challenges such as </a:t>
-            </a:r>
-            <a:r>
-              <a:rPr lang="en-GB" dirty="0" smtClean="0"/>
-              <a:t>hazards and </a:t>
-            </a:r>
-            <a:r>
-              <a:rPr lang="en-GB" dirty="0"/>
-              <a:t>bottomless pits which reset the </a:t>
-            </a:r>
-            <a:r>
-              <a:rPr lang="en-GB" dirty="0" smtClean="0"/>
-              <a:t>player’s </a:t>
-            </a:r>
-            <a:r>
-              <a:rPr lang="en-GB" dirty="0"/>
-              <a:t>progress</a:t>
-            </a:r>
-            <a:r>
-              <a:rPr lang="en-GB" dirty="0" smtClean="0"/>
-              <a:t>.  The player must collect the key to be able to complete the platform.  There are also extra items to collect along the way.</a:t>
-            </a:r>
-            <a:endParaRPr lang="en-GB" dirty="0"/>
+              <a:t>A side-scrolling platforming section with challenges such as hazards and bottomless pits which reset the player’s progress.  The player must collect the key to be able to complete the platform.  There are also extra items to collect along the way.</a:t>
+            </a:r>
           </a:p>
           <a:p>
             <a:pPr marL="271463" indent="-271463">
               <a:buAutoNum type="arabicPeriod"/>
             </a:pPr>
             <a:r>
-              <a:rPr lang="en-GB" b="1" dirty="0" smtClean="0"/>
+              <a:rPr lang="en-GB" b="1" dirty="0"/>
               <a:t>Puzzle: </a:t>
             </a:r>
             <a:r>
               <a:rPr lang="en-GB" dirty="0"/>
-              <a:t>A different puzzle for each </a:t>
-            </a:r>
-            <a:r>
-              <a:rPr lang="en-GB" dirty="0" smtClean="0"/>
-              <a:t>level.</a:t>
-            </a:r>
-            <a:endParaRPr lang="en-GB" dirty="0"/>
+              <a:t>A different puzzle for each level.</a:t>
+            </a:r>
           </a:p>
           <a:p>
             <a:pPr>
@@ -14965,23 +14677,23 @@
               </a:spcBef>
             </a:pPr>
             <a:r>
-              <a:rPr lang="en-GB" b="1" dirty="0" smtClean="0"/>
+              <a:rPr lang="en-GB" b="1" dirty="0"/>
               <a:t>Navigation: </a:t>
             </a:r>
             <a:r>
-              <a:rPr lang="en-GB" dirty="0" smtClean="0"/>
+              <a:rPr lang="en-GB" dirty="0"/>
               <a:t> WASD or arrow keys to move through menu, platform  and puzzles. </a:t>
             </a:r>
           </a:p>
           <a:p>
             <a:r>
-              <a:rPr lang="en-GB" dirty="0" smtClean="0"/>
+              <a:rPr lang="en-GB" dirty="0"/>
               <a:t>Enter to select platform/puzzle from menu.</a:t>
             </a:r>
           </a:p>
           <a:p>
             <a:r>
-              <a:rPr lang="en-GB" dirty="0" smtClean="0"/>
+              <a:rPr lang="en-GB" dirty="0"/>
               <a:t>Number  keys  also used to select items in puzzle 4.</a:t>
             </a:r>
           </a:p>
@@ -15058,20 +14770,13 @@
     </p:spTree>
     <p:extLst>
       <p:ext uri="{BB962C8B-B14F-4D97-AF65-F5344CB8AC3E}">
-        <p14:creationId xmlns="" xmlns:p14="http://schemas.microsoft.com/office/powerpoint/2010/main" val="3604554826"/>
+        <p14:creationId xmlns:p14="http://schemas.microsoft.com/office/powerpoint/2010/main" val="3604554826"/>
       </p:ext>
     </p:extLst>
   </p:cSld>
   <p:clrMapOvr>
     <a:masterClrMapping/>
   </p:clrMapOvr>
-  <p:timing>
-    <p:tnLst>
-      <p:par>
-        <p:cTn id="1" dur="indefinite" restart="never" nodeType="tmRoot"/>
-      </p:par>
-    </p:tnLst>
-  </p:timing>
 </p:sld>
 </file>
 
@@ -15097,7 +14802,7 @@
           <p:cNvPr id="4" name="Picture 3">
             <a:extLst>
               <a:ext uri="{FF2B5EF4-FFF2-40B4-BE49-F238E27FC236}">
-                <a16:creationId xmlns="" xmlns:a16="http://schemas.microsoft.com/office/drawing/2014/main" id="{0673D7FF-79D1-47CC-9F17-8BD3F4A92FD2}"/>
+                <a16:creationId xmlns:a16="http://schemas.microsoft.com/office/drawing/2014/main" id="{0673D7FF-79D1-47CC-9F17-8BD3F4A92FD2}"/>
               </a:ext>
             </a:extLst>
           </p:cNvPr>
@@ -15127,7 +14832,7 @@
           <p:cNvPr id="9" name="Picture 8">
             <a:extLst>
               <a:ext uri="{FF2B5EF4-FFF2-40B4-BE49-F238E27FC236}">
-                <a16:creationId xmlns="" xmlns:a16="http://schemas.microsoft.com/office/drawing/2014/main" id="{90E7F56C-9544-4654-9D9C-A258B0BC56B3}"/>
+                <a16:creationId xmlns:a16="http://schemas.microsoft.com/office/drawing/2014/main" id="{90E7F56C-9544-4654-9D9C-A258B0BC56B3}"/>
               </a:ext>
             </a:extLst>
           </p:cNvPr>
@@ -15157,7 +14862,7 @@
           <p:cNvPr id="10" name="Rectangle 9">
             <a:extLst>
               <a:ext uri="{FF2B5EF4-FFF2-40B4-BE49-F238E27FC236}">
-                <a16:creationId xmlns="" xmlns:a16="http://schemas.microsoft.com/office/drawing/2014/main" id="{7CE6DF49-6ADC-40B9-93F3-F6495F2DC7AB}"/>
+                <a16:creationId xmlns:a16="http://schemas.microsoft.com/office/drawing/2014/main" id="{7CE6DF49-6ADC-40B9-93F3-F6495F2DC7AB}"/>
               </a:ext>
             </a:extLst>
           </p:cNvPr>
@@ -15209,7 +14914,7 @@
           <p:cNvPr id="3" name="Content Placeholder 2">
             <a:extLst>
               <a:ext uri="{FF2B5EF4-FFF2-40B4-BE49-F238E27FC236}">
-                <a16:creationId xmlns="" xmlns:a16="http://schemas.microsoft.com/office/drawing/2014/main" id="{F2E045F5-714F-4E07-87A1-F5696A62ED28}"/>
+                <a16:creationId xmlns:a16="http://schemas.microsoft.com/office/drawing/2014/main" id="{F2E045F5-714F-4E07-87A1-F5696A62ED28}"/>
               </a:ext>
             </a:extLst>
           </p:cNvPr>
@@ -15260,7 +14965,7 @@
           <p:cNvPr id="7" name="Picture 6">
             <a:extLst>
               <a:ext uri="{FF2B5EF4-FFF2-40B4-BE49-F238E27FC236}">
-                <a16:creationId xmlns="" xmlns:a16="http://schemas.microsoft.com/office/drawing/2014/main" id="{1119E4FB-68D3-4DFF-B454-B6AECA5CCC92}"/>
+                <a16:creationId xmlns:a16="http://schemas.microsoft.com/office/drawing/2014/main" id="{1119E4FB-68D3-4DFF-B454-B6AECA5CCC92}"/>
               </a:ext>
             </a:extLst>
           </p:cNvPr>
@@ -15273,7 +14978,7 @@
           <a:blip r:embed="rId4">
             <a:extLst>
               <a:ext uri="{28A0092B-C50C-407E-A947-70E740481C1C}">
-                <a14:useLocalDpi xmlns="" xmlns:a14="http://schemas.microsoft.com/office/drawing/2010/main" val="0"/>
+                <a14:useLocalDpi xmlns:a14="http://schemas.microsoft.com/office/drawing/2010/main" val="0"/>
               </a:ext>
             </a:extLst>
           </a:blip>
@@ -15296,7 +15001,7 @@
           <p:cNvPr id="8" name="Picture 7">
             <a:extLst>
               <a:ext uri="{FF2B5EF4-FFF2-40B4-BE49-F238E27FC236}">
-                <a16:creationId xmlns="" xmlns:a16="http://schemas.microsoft.com/office/drawing/2014/main" id="{851FDD01-2E36-4FB2-AEC3-1AD80666AF50}"/>
+                <a16:creationId xmlns:a16="http://schemas.microsoft.com/office/drawing/2014/main" id="{851FDD01-2E36-4FB2-AEC3-1AD80666AF50}"/>
               </a:ext>
             </a:extLst>
           </p:cNvPr>
@@ -15309,7 +15014,7 @@
           <a:blip r:embed="rId5">
             <a:extLst>
               <a:ext uri="{28A0092B-C50C-407E-A947-70E740481C1C}">
-                <a14:useLocalDpi xmlns="" xmlns:a14="http://schemas.microsoft.com/office/drawing/2010/main" val="0"/>
+                <a14:useLocalDpi xmlns:a14="http://schemas.microsoft.com/office/drawing/2010/main" val="0"/>
               </a:ext>
             </a:extLst>
           </a:blip>
@@ -15332,7 +15037,7 @@
           <p:cNvPr id="13" name="Content Placeholder 2">
             <a:extLst>
               <a:ext uri="{FF2B5EF4-FFF2-40B4-BE49-F238E27FC236}">
-                <a16:creationId xmlns="" xmlns:a16="http://schemas.microsoft.com/office/drawing/2014/main" id="{A6B71EFB-4EB9-48D0-A7CA-693B1830CB7E}"/>
+                <a16:creationId xmlns:a16="http://schemas.microsoft.com/office/drawing/2014/main" id="{A6B71EFB-4EB9-48D0-A7CA-693B1830CB7E}"/>
               </a:ext>
             </a:extLst>
           </p:cNvPr>
@@ -15527,36 +15232,12 @@
               <a:buNone/>
             </a:pPr>
             <a:r>
-              <a:rPr lang="en-GB" sz="1800" b="1" dirty="0" smtClean="0"/>
+              <a:rPr lang="en-GB" sz="1800" b="1" dirty="0"/>
               <a:t>Level Progression:  </a:t>
             </a:r>
             <a:r>
-              <a:rPr lang="en-GB" sz="1800" dirty="0" smtClean="0"/>
-              <a:t>To </a:t>
-            </a:r>
-            <a:r>
               <a:rPr lang="en-GB" sz="1800" dirty="0"/>
-              <a:t>complete each level, the player must </a:t>
-            </a:r>
-            <a:r>
-              <a:rPr lang="en-GB" sz="1800" dirty="0" smtClean="0"/>
-              <a:t>find </a:t>
-            </a:r>
-            <a:r>
-              <a:rPr lang="en-GB" sz="1800" dirty="0"/>
-              <a:t>the </a:t>
-            </a:r>
-            <a:r>
-              <a:rPr lang="en-GB" sz="1800" dirty="0" smtClean="0"/>
-              <a:t>scroll near the </a:t>
-            </a:r>
-            <a:r>
-              <a:rPr lang="en-GB" sz="1800" dirty="0"/>
-              <a:t>end of the </a:t>
-            </a:r>
-            <a:r>
-              <a:rPr lang="en-GB" sz="1800" dirty="0" smtClean="0"/>
-              <a:t>level.</a:t>
+              <a:t>To complete each level, the player must find the scroll near the end of the level.</a:t>
             </a:r>
           </a:p>
           <a:p>
@@ -15565,7 +15246,7 @@
               <a:buNone/>
             </a:pPr>
             <a:r>
-              <a:rPr lang="en-GB" sz="1800" dirty="0" smtClean="0"/>
+              <a:rPr lang="en-GB" sz="1800" dirty="0"/>
               <a:t>To unlock the scroll, the player must collect the key.  Reaching the unlocked scroll moves the player on to the related puzzle.</a:t>
             </a:r>
           </a:p>
@@ -15575,14 +15256,13 @@
               <a:buNone/>
             </a:pPr>
             <a:r>
-              <a:rPr lang="en-GB" sz="1800" b="1" dirty="0" smtClean="0"/>
+              <a:rPr lang="en-GB" sz="1800" b="1" dirty="0"/>
               <a:t>Puzzle Completion:</a:t>
             </a:r>
             <a:r>
-              <a:rPr lang="en-GB" sz="1800" dirty="0" smtClean="0"/>
+              <a:rPr lang="en-GB" sz="1800" dirty="0"/>
               <a:t>  Completion of each puzzle shows the item(s) added to the Christmas Room for that level.</a:t>
             </a:r>
-            <a:endParaRPr lang="en-GB" sz="1800" dirty="0"/>
           </a:p>
         </p:txBody>
       </p:sp>
@@ -15591,7 +15271,7 @@
           <p:cNvPr id="15" name="Title 1">
             <a:extLst>
               <a:ext uri="{FF2B5EF4-FFF2-40B4-BE49-F238E27FC236}">
-                <a16:creationId xmlns="" xmlns:a16="http://schemas.microsoft.com/office/drawing/2014/main" id="{DFC049F8-2284-4161-BE3C-431BCD0EFAB7}"/>
+                <a16:creationId xmlns:a16="http://schemas.microsoft.com/office/drawing/2014/main" id="{DFC049F8-2284-4161-BE3C-431BCD0EFAB7}"/>
               </a:ext>
             </a:extLst>
           </p:cNvPr>
@@ -15629,32 +15309,29 @@
               </a:tabLst>
             </a:pPr>
             <a:r>
-              <a:rPr lang="en-GB" dirty="0" smtClean="0">
+              <a:rPr lang="en-GB" dirty="0">
                 <a:latin typeface="+mn-lt"/>
               </a:rPr>
               <a:t>	</a:t>
             </a:r>
             <a:r>
-              <a:rPr lang="en-GB" dirty="0" err="1" smtClean="0">
+              <a:rPr lang="en-GB" dirty="0" err="1">
                 <a:latin typeface="+mn-lt"/>
               </a:rPr>
               <a:t>Gameplay</a:t>
             </a:r>
             <a:r>
-              <a:rPr lang="en-GB" dirty="0" smtClean="0">
+              <a:rPr lang="en-GB" dirty="0">
                 <a:latin typeface="+mn-lt"/>
               </a:rPr>
               <a:t>	</a:t>
             </a:r>
             <a:r>
-              <a:rPr lang="en-GB" i="1" dirty="0" smtClean="0">
+              <a:rPr lang="en-GB" i="1" dirty="0">
                 <a:latin typeface="+mn-lt"/>
               </a:rPr>
               <a:t>(2)</a:t>
             </a:r>
-            <a:endParaRPr lang="en-GB" i="1" dirty="0">
-              <a:latin typeface="+mn-lt"/>
-            </a:endParaRPr>
           </a:p>
         </p:txBody>
       </p:sp>
@@ -15809,7 +15486,7 @@
           <p:cNvPr id="20" name="Picture 19">
             <a:extLst>
               <a:ext uri="{FF2B5EF4-FFF2-40B4-BE49-F238E27FC236}">
-                <a16:creationId xmlns="" xmlns:a16="http://schemas.microsoft.com/office/drawing/2014/main" id="{23C87C0A-6BB6-4417-AAE8-9B7AE0A10355}"/>
+                <a16:creationId xmlns:a16="http://schemas.microsoft.com/office/drawing/2014/main" id="{23C87C0A-6BB6-4417-AAE8-9B7AE0A10355}"/>
               </a:ext>
             </a:extLst>
           </p:cNvPr>
@@ -15822,7 +15499,7 @@
           <a:blip r:embed="rId9">
             <a:extLst>
               <a:ext uri="{28A0092B-C50C-407E-A947-70E740481C1C}">
-                <a14:useLocalDpi xmlns="" xmlns:a14="http://schemas.microsoft.com/office/drawing/2010/main" val="0"/>
+                <a14:useLocalDpi xmlns:a14="http://schemas.microsoft.com/office/drawing/2010/main" val="0"/>
               </a:ext>
             </a:extLst>
           </a:blip>
@@ -15886,20 +15563,13 @@
     </p:spTree>
     <p:extLst>
       <p:ext uri="{BB962C8B-B14F-4D97-AF65-F5344CB8AC3E}">
-        <p14:creationId xmlns="" xmlns:p14="http://schemas.microsoft.com/office/powerpoint/2010/main" val="2083772189"/>
+        <p14:creationId xmlns:p14="http://schemas.microsoft.com/office/powerpoint/2010/main" val="2083772189"/>
       </p:ext>
     </p:extLst>
   </p:cSld>
   <p:clrMapOvr>
     <a:masterClrMapping/>
   </p:clrMapOvr>
-  <p:timing>
-    <p:tnLst>
-      <p:par>
-        <p:cTn id="1" dur="indefinite" restart="never" nodeType="tmRoot"/>
-      </p:par>
-    </p:tnLst>
-  </p:timing>
 </p:sld>
 </file>
 
@@ -15925,7 +15595,7 @@
           <p:cNvPr id="4" name="Picture 3">
             <a:extLst>
               <a:ext uri="{FF2B5EF4-FFF2-40B4-BE49-F238E27FC236}">
-                <a16:creationId xmlns="" xmlns:a16="http://schemas.microsoft.com/office/drawing/2014/main" id="{22743576-691A-4405-BDDF-B116F148661C}"/>
+                <a16:creationId xmlns:a16="http://schemas.microsoft.com/office/drawing/2014/main" id="{22743576-691A-4405-BDDF-B116F148661C}"/>
               </a:ext>
             </a:extLst>
           </p:cNvPr>
@@ -15955,7 +15625,7 @@
           <p:cNvPr id="2" name="Title 1">
             <a:extLst>
               <a:ext uri="{FF2B5EF4-FFF2-40B4-BE49-F238E27FC236}">
-                <a16:creationId xmlns="" xmlns:a16="http://schemas.microsoft.com/office/drawing/2014/main" id="{DFC049F8-2284-4161-BE3C-431BCD0EFAB7}"/>
+                <a16:creationId xmlns:a16="http://schemas.microsoft.com/office/drawing/2014/main" id="{DFC049F8-2284-4161-BE3C-431BCD0EFAB7}"/>
               </a:ext>
             </a:extLst>
           </p:cNvPr>
@@ -15993,32 +15663,29 @@
               </a:tabLst>
             </a:pPr>
             <a:r>
-              <a:rPr lang="en-GB" dirty="0" smtClean="0">
+              <a:rPr lang="en-GB" dirty="0">
                 <a:latin typeface="+mn-lt"/>
               </a:rPr>
               <a:t>	</a:t>
             </a:r>
             <a:r>
-              <a:rPr lang="en-GB" dirty="0" err="1" smtClean="0">
+              <a:rPr lang="en-GB" dirty="0" err="1">
                 <a:latin typeface="+mn-lt"/>
               </a:rPr>
               <a:t>Gameplay</a:t>
             </a:r>
             <a:r>
-              <a:rPr lang="en-GB" dirty="0" smtClean="0">
+              <a:rPr lang="en-GB" dirty="0">
                 <a:latin typeface="+mn-lt"/>
               </a:rPr>
               <a:t> – Increasing Difficulty	</a:t>
             </a:r>
             <a:r>
-              <a:rPr lang="en-GB" i="1" dirty="0" smtClean="0">
+              <a:rPr lang="en-GB" i="1" dirty="0">
                 <a:latin typeface="+mn-lt"/>
               </a:rPr>
               <a:t>(2)</a:t>
             </a:r>
-            <a:endParaRPr lang="en-GB" i="1" dirty="0">
-              <a:latin typeface="+mn-lt"/>
-            </a:endParaRPr>
           </a:p>
         </p:txBody>
       </p:sp>
@@ -16027,7 +15694,7 @@
           <p:cNvPr id="3" name="Content Placeholder 2">
             <a:extLst>
               <a:ext uri="{FF2B5EF4-FFF2-40B4-BE49-F238E27FC236}">
-                <a16:creationId xmlns="" xmlns:a16="http://schemas.microsoft.com/office/drawing/2014/main" id="{F2E045F5-714F-4E07-87A1-F5696A62ED28}"/>
+                <a16:creationId xmlns:a16="http://schemas.microsoft.com/office/drawing/2014/main" id="{F2E045F5-714F-4E07-87A1-F5696A62ED28}"/>
               </a:ext>
             </a:extLst>
           </p:cNvPr>
@@ -16078,7 +15745,7 @@
           <p:cNvPr id="9" name="Rectangle 8">
             <a:extLst>
               <a:ext uri="{FF2B5EF4-FFF2-40B4-BE49-F238E27FC236}">
-                <a16:creationId xmlns="" xmlns:a16="http://schemas.microsoft.com/office/drawing/2014/main" id="{FB310605-3378-4195-AFE3-29D4E582C8A6}"/>
+                <a16:creationId xmlns:a16="http://schemas.microsoft.com/office/drawing/2014/main" id="{FB310605-3378-4195-AFE3-29D4E582C8A6}"/>
               </a:ext>
             </a:extLst>
           </p:cNvPr>
@@ -16128,11 +15795,11 @@
               </a:spcBef>
             </a:pPr>
             <a:r>
-              <a:rPr lang="en-GB" b="1" dirty="0" smtClean="0"/>
+              <a:rPr lang="en-GB" b="1" dirty="0"/>
               <a:t>Level 1 Forest</a:t>
             </a:r>
             <a:r>
-              <a:rPr lang="en-GB" dirty="0" smtClean="0"/>
+              <a:rPr lang="en-GB" dirty="0"/>
               <a:t>: Cross frozen lake, jumping between stepping stones without falling into the water.</a:t>
             </a:r>
           </a:p>
@@ -16143,18 +15810,18 @@
               </a:spcBef>
             </a:pPr>
             <a:r>
-              <a:rPr lang="en-GB" b="1" dirty="0" smtClean="0"/>
+              <a:rPr lang="en-GB" b="1" dirty="0"/>
               <a:t>Level 2 Attic</a:t>
             </a:r>
             <a:r>
-              <a:rPr lang="en-GB" dirty="0" smtClean="0"/>
+              <a:rPr lang="en-GB" dirty="0"/>
               <a:t>: Manoeuvre around tops of walls without falling down gaps.  Avoid the smoke that vents through the attic. </a:t>
             </a:r>
             <a:br>
-              <a:rPr lang="en-GB" dirty="0" smtClean="0"/>
+              <a:rPr lang="en-GB" dirty="0"/>
             </a:br>
             <a:r>
-              <a:rPr lang="en-GB" dirty="0" smtClean="0"/>
+              <a:rPr lang="en-GB" dirty="0"/>
               <a:t>Level introduces on/off hazards and running under platforms.</a:t>
             </a:r>
           </a:p>
@@ -16165,18 +15832,18 @@
               </a:spcBef>
             </a:pPr>
             <a:r>
-              <a:rPr lang="en-GB" b="1" dirty="0" smtClean="0"/>
+              <a:rPr lang="en-GB" b="1" dirty="0"/>
               <a:t>Level 3 Kitchen</a:t>
             </a:r>
             <a:r>
-              <a:rPr lang="en-GB" dirty="0" smtClean="0"/>
+              <a:rPr lang="en-GB" dirty="0"/>
               <a:t>: Run round the various workspaces avoiding the flashing knives and the fires that flare up, and without falling in the pit of hot oil. </a:t>
             </a:r>
             <a:br>
-              <a:rPr lang="en-GB" dirty="0" smtClean="0"/>
+              <a:rPr lang="en-GB" dirty="0"/>
             </a:br>
             <a:r>
-              <a:rPr lang="en-GB" dirty="0" smtClean="0"/>
+              <a:rPr lang="en-GB" dirty="0"/>
               <a:t>Manoeuvring to collect items is challenging; timing is crucial.</a:t>
             </a:r>
           </a:p>
@@ -16187,11 +15854,11 @@
               </a:spcBef>
             </a:pPr>
             <a:r>
-              <a:rPr lang="en-GB" b="1" dirty="0" smtClean="0"/>
+              <a:rPr lang="en-GB" b="1" dirty="0"/>
               <a:t>Level 4 Sleigh</a:t>
             </a:r>
             <a:r>
-              <a:rPr lang="en-GB" dirty="0" smtClean="0"/>
+              <a:rPr lang="en-GB" dirty="0"/>
               <a:t>: Once you start the sleigh, it keeps moving forwards.  You need to boost upwards to counter gravity.  The challenge here is to avoid the smoke from the many chimneys without being able to stop. </a:t>
             </a:r>
           </a:p>
@@ -16270,10 +15937,9 @@
             <a:p>
               <a:pPr algn="ctr"/>
               <a:r>
-                <a:rPr lang="en-GB" sz="1200" dirty="0" smtClean="0"/>
+                <a:rPr lang="en-GB" sz="1200" dirty="0"/>
                 <a:t>Level 1 falling in the water</a:t>
               </a:r>
-              <a:endParaRPr lang="en-GB" sz="1200" dirty="0"/>
             </a:p>
           </p:txBody>
         </p:sp>
@@ -16319,10 +15985,9 @@
             <a:p>
               <a:pPr algn="ctr"/>
               <a:r>
-                <a:rPr lang="en-GB" sz="1200" dirty="0" smtClean="0"/>
+                <a:rPr lang="en-GB" sz="1200" dirty="0"/>
                 <a:t>Level 2 smoke hazards and pitfalls</a:t>
               </a:r>
-              <a:endParaRPr lang="en-GB" sz="1200" dirty="0"/>
             </a:p>
           </p:txBody>
         </p:sp>
@@ -16435,10 +16100,9 @@
             <a:p>
               <a:pPr algn="ctr"/>
               <a:r>
-                <a:rPr lang="en-GB" sz="1200" dirty="0" smtClean="0"/>
+                <a:rPr lang="en-GB" sz="1200" dirty="0"/>
                 <a:t>Level 3 movement around fire and knife hazards and pitfall</a:t>
               </a:r>
-              <a:endParaRPr lang="en-GB" sz="1200" dirty="0"/>
             </a:p>
           </p:txBody>
         </p:sp>
@@ -16516,10 +16180,9 @@
             <a:p>
               <a:pPr algn="ctr"/>
               <a:r>
-                <a:rPr lang="en-GB" sz="1200" dirty="0" smtClean="0"/>
+                <a:rPr lang="en-GB" sz="1200" dirty="0"/>
                 <a:t>Level 4 flying around chimney smoke</a:t>
               </a:r>
-              <a:endParaRPr lang="en-GB" sz="1200" dirty="0"/>
             </a:p>
           </p:txBody>
         </p:sp>
@@ -16527,20 +16190,13 @@
     </p:spTree>
     <p:extLst>
       <p:ext uri="{BB962C8B-B14F-4D97-AF65-F5344CB8AC3E}">
-        <p14:creationId xmlns="" xmlns:p14="http://schemas.microsoft.com/office/powerpoint/2010/main" val="3604554826"/>
+        <p14:creationId xmlns:p14="http://schemas.microsoft.com/office/powerpoint/2010/main" val="3604554826"/>
       </p:ext>
     </p:extLst>
   </p:cSld>
   <p:clrMapOvr>
     <a:masterClrMapping/>
   </p:clrMapOvr>
-  <p:timing>
-    <p:tnLst>
-      <p:par>
-        <p:cTn id="1" dur="indefinite" restart="never" nodeType="tmRoot"/>
-      </p:par>
-    </p:tnLst>
-  </p:timing>
 </p:sld>
 </file>
 
@@ -16566,7 +16222,7 @@
           <p:cNvPr id="4" name="Picture 3">
             <a:extLst>
               <a:ext uri="{FF2B5EF4-FFF2-40B4-BE49-F238E27FC236}">
-                <a16:creationId xmlns="" xmlns:a16="http://schemas.microsoft.com/office/drawing/2014/main" id="{0673D7FF-79D1-47CC-9F17-8BD3F4A92FD2}"/>
+                <a16:creationId xmlns:a16="http://schemas.microsoft.com/office/drawing/2014/main" id="{0673D7FF-79D1-47CC-9F17-8BD3F4A92FD2}"/>
               </a:ext>
             </a:extLst>
           </p:cNvPr>
@@ -16596,7 +16252,7 @@
           <p:cNvPr id="9" name="Picture 8">
             <a:extLst>
               <a:ext uri="{FF2B5EF4-FFF2-40B4-BE49-F238E27FC236}">
-                <a16:creationId xmlns="" xmlns:a16="http://schemas.microsoft.com/office/drawing/2014/main" id="{90E7F56C-9544-4654-9D9C-A258B0BC56B3}"/>
+                <a16:creationId xmlns:a16="http://schemas.microsoft.com/office/drawing/2014/main" id="{90E7F56C-9544-4654-9D9C-A258B0BC56B3}"/>
               </a:ext>
             </a:extLst>
           </p:cNvPr>
@@ -16626,7 +16282,7 @@
           <p:cNvPr id="10" name="Rectangle 9">
             <a:extLst>
               <a:ext uri="{FF2B5EF4-FFF2-40B4-BE49-F238E27FC236}">
-                <a16:creationId xmlns="" xmlns:a16="http://schemas.microsoft.com/office/drawing/2014/main" id="{7CE6DF49-6ADC-40B9-93F3-F6495F2DC7AB}"/>
+                <a16:creationId xmlns:a16="http://schemas.microsoft.com/office/drawing/2014/main" id="{7CE6DF49-6ADC-40B9-93F3-F6495F2DC7AB}"/>
               </a:ext>
             </a:extLst>
           </p:cNvPr>
@@ -16678,7 +16334,7 @@
           <p:cNvPr id="2" name="Title 1">
             <a:extLst>
               <a:ext uri="{FF2B5EF4-FFF2-40B4-BE49-F238E27FC236}">
-                <a16:creationId xmlns="" xmlns:a16="http://schemas.microsoft.com/office/drawing/2014/main" id="{DFC049F8-2284-4161-BE3C-431BCD0EFAB7}"/>
+                <a16:creationId xmlns:a16="http://schemas.microsoft.com/office/drawing/2014/main" id="{DFC049F8-2284-4161-BE3C-431BCD0EFAB7}"/>
               </a:ext>
             </a:extLst>
           </p:cNvPr>
@@ -16716,32 +16372,17 @@
               </a:tabLst>
             </a:pPr>
             <a:r>
-              <a:rPr lang="en-GB" dirty="0" smtClean="0">
-                <a:latin typeface="+mn-lt"/>
-              </a:rPr>
-              <a:t>	What </a:t>
-            </a:r>
-            <a:r>
               <a:rPr lang="en-GB" dirty="0">
                 <a:latin typeface="+mn-lt"/>
               </a:rPr>
-              <a:t>Makes a Good Game</a:t>
-            </a:r>
-            <a:r>
-              <a:rPr lang="en-GB" dirty="0" smtClean="0">
-                <a:latin typeface="+mn-lt"/>
-              </a:rPr>
-              <a:t>?	</a:t>
-            </a:r>
-            <a:r>
-              <a:rPr lang="en-GB" i="1" dirty="0" smtClean="0">
+              <a:t>	What Makes a Good Game?	</a:t>
+            </a:r>
+            <a:r>
+              <a:rPr lang="en-GB" i="1" dirty="0">
                 <a:latin typeface="+mn-lt"/>
               </a:rPr>
               <a:t>(2)</a:t>
             </a:r>
-            <a:endParaRPr lang="en-GB" i="1" dirty="0">
-              <a:latin typeface="+mn-lt"/>
-            </a:endParaRPr>
           </a:p>
         </p:txBody>
       </p:sp>
@@ -16750,7 +16391,7 @@
           <p:cNvPr id="3" name="Content Placeholder 2">
             <a:extLst>
               <a:ext uri="{FF2B5EF4-FFF2-40B4-BE49-F238E27FC236}">
-                <a16:creationId xmlns="" xmlns:a16="http://schemas.microsoft.com/office/drawing/2014/main" id="{F2E045F5-714F-4E07-87A1-F5696A62ED28}"/>
+                <a16:creationId xmlns:a16="http://schemas.microsoft.com/office/drawing/2014/main" id="{F2E045F5-714F-4E07-87A1-F5696A62ED28}"/>
               </a:ext>
             </a:extLst>
           </p:cNvPr>
@@ -16787,15 +16428,7 @@
             </a:pPr>
             <a:r>
               <a:rPr lang="en-GB" dirty="0"/>
-              <a:t>Long term Goal: to decorate </a:t>
-            </a:r>
-            <a:r>
-              <a:rPr lang="en-GB" dirty="0" smtClean="0"/>
-              <a:t>Christmas </a:t>
-            </a:r>
-            <a:r>
-              <a:rPr lang="en-GB" dirty="0"/>
-              <a:t>Room</a:t>
+              <a:t>Long term Goal: to decorate Christmas Room</a:t>
             </a:r>
           </a:p>
           <a:p>
@@ -16809,13 +16442,8 @@
             </a:r>
             <a:r>
               <a:rPr lang="en-GB" dirty="0"/>
-              <a:t>: to complete each level, collecting </a:t>
-            </a:r>
-            <a:r>
-              <a:rPr lang="en-GB" dirty="0" smtClean="0"/>
-              <a:t>items; collected items are shown on menu screen</a:t>
-            </a:r>
-            <a:endParaRPr lang="en-GB" dirty="0"/>
+              <a:t>: to complete each level, collecting items; collected items are shown on menu screen</a:t>
+            </a:r>
           </a:p>
           <a:p>
             <a:pPr marL="361950" indent="-361950">
@@ -16824,13 +16452,8 @@
             </a:pPr>
             <a:r>
               <a:rPr lang="en-GB" dirty="0"/>
-              <a:t>Game starts easily, and complexity/difficulty gradually </a:t>
-            </a:r>
-            <a:r>
-              <a:rPr lang="en-GB" dirty="0" smtClean="0"/>
-              <a:t>increases (manoeuvring to items, avoiding pitfalls and hazards)</a:t>
-            </a:r>
-            <a:endParaRPr lang="en-GB" dirty="0"/>
+              <a:t>Game starts easily, and complexity/difficulty gradually increases (manoeuvring to items, avoiding pitfalls and hazards)</a:t>
+            </a:r>
           </a:p>
           <a:p>
             <a:pPr marL="361950" indent="-361950">
@@ -16859,31 +16482,7 @@
             </a:pPr>
             <a:r>
               <a:rPr lang="en-GB" dirty="0"/>
-              <a:t>Each level has </a:t>
-            </a:r>
-            <a:r>
-              <a:rPr lang="en-GB" dirty="0" smtClean="0"/>
-              <a:t>a few </a:t>
-            </a:r>
-            <a:r>
-              <a:rPr lang="en-GB" dirty="0"/>
-              <a:t>clear rewards, which are not too </a:t>
-            </a:r>
-            <a:r>
-              <a:rPr lang="en-GB" dirty="0" smtClean="0"/>
-              <a:t>easy nor </a:t>
-            </a:r>
-            <a:r>
-              <a:rPr lang="en-GB" dirty="0"/>
-              <a:t>too </a:t>
-            </a:r>
-            <a:r>
-              <a:rPr lang="en-GB" dirty="0" smtClean="0"/>
-              <a:t>difficult to </a:t>
-            </a:r>
-            <a:r>
-              <a:rPr lang="en-GB" dirty="0"/>
-              <a:t>achieve</a:t>
+              <a:t>Each level has a few clear rewards, which are not too easy nor too difficult to achieve</a:t>
             </a:r>
           </a:p>
           <a:p>
@@ -16893,11 +16492,7 @@
             </a:pPr>
             <a:r>
               <a:rPr lang="en-GB" dirty="0"/>
-              <a:t>Game has interesting graphics; each level is similar and yet </a:t>
-            </a:r>
-            <a:r>
-              <a:rPr lang="en-GB" dirty="0" smtClean="0"/>
-              <a:t>unique</a:t>
+              <a:t>Game has interesting graphics; each level is similar and yet unique</a:t>
             </a:r>
           </a:p>
           <a:p>
@@ -16906,10 +16501,9 @@
               <a:buAutoNum type="arabicParenR"/>
             </a:pPr>
             <a:r>
-              <a:rPr lang="en-GB" dirty="0" smtClean="0"/>
+              <a:rPr lang="en-GB" dirty="0"/>
               <a:t>Completed puzzle shows what was achieved this level, which is then shown on menu screen</a:t>
             </a:r>
-            <a:endParaRPr lang="en-GB" dirty="0"/>
           </a:p>
           <a:p>
             <a:pPr marL="361950" indent="-361950">
@@ -16918,33 +16512,21 @@
             </a:pPr>
             <a:r>
               <a:rPr lang="en-GB" dirty="0"/>
-              <a:t>Once completed, players can choose to redo any platform or puzzle to collect additional </a:t>
-            </a:r>
-            <a:r>
-              <a:rPr lang="en-GB" dirty="0" smtClean="0"/>
-              <a:t>items</a:t>
-            </a:r>
-            <a:endParaRPr lang="en-GB" dirty="0"/>
+              <a:t>Once completed, players can choose to redo any platform or puzzle to collect additional items</a:t>
+            </a:r>
           </a:p>
         </p:txBody>
       </p:sp>
     </p:spTree>
     <p:extLst>
       <p:ext uri="{BB962C8B-B14F-4D97-AF65-F5344CB8AC3E}">
-        <p14:creationId xmlns="" xmlns:p14="http://schemas.microsoft.com/office/powerpoint/2010/main" val="2083772189"/>
+        <p14:creationId xmlns:p14="http://schemas.microsoft.com/office/powerpoint/2010/main" val="2083772189"/>
       </p:ext>
     </p:extLst>
   </p:cSld>
   <p:clrMapOvr>
     <a:masterClrMapping/>
   </p:clrMapOvr>
-  <p:timing>
-    <p:tnLst>
-      <p:par>
-        <p:cTn id="1" dur="indefinite" restart="never" nodeType="tmRoot"/>
-      </p:par>
-    </p:tnLst>
-  </p:timing>
 </p:sld>
 </file>
 
@@ -16970,7 +16552,7 @@
           <p:cNvPr id="7" name="Picture 6">
             <a:extLst>
               <a:ext uri="{FF2B5EF4-FFF2-40B4-BE49-F238E27FC236}">
-                <a16:creationId xmlns="" xmlns:a16="http://schemas.microsoft.com/office/drawing/2014/main" id="{2FF80050-A6DA-4A1C-B6D8-AA5AA7F78A23}"/>
+                <a16:creationId xmlns:a16="http://schemas.microsoft.com/office/drawing/2014/main" id="{2FF80050-A6DA-4A1C-B6D8-AA5AA7F78A23}"/>
               </a:ext>
             </a:extLst>
           </p:cNvPr>
@@ -17000,7 +16582,7 @@
           <p:cNvPr id="8" name="Rectangle 7">
             <a:extLst>
               <a:ext uri="{FF2B5EF4-FFF2-40B4-BE49-F238E27FC236}">
-                <a16:creationId xmlns="" xmlns:a16="http://schemas.microsoft.com/office/drawing/2014/main" id="{5E3721CF-6C16-4B38-8E56-417FAD19673B}"/>
+                <a16:creationId xmlns:a16="http://schemas.microsoft.com/office/drawing/2014/main" id="{5E3721CF-6C16-4B38-8E56-417FAD19673B}"/>
               </a:ext>
             </a:extLst>
           </p:cNvPr>
@@ -17052,7 +16634,7 @@
           <p:cNvPr id="5" name="Picture 4">
             <a:extLst>
               <a:ext uri="{FF2B5EF4-FFF2-40B4-BE49-F238E27FC236}">
-                <a16:creationId xmlns="" xmlns:a16="http://schemas.microsoft.com/office/drawing/2014/main" id="{BE6895F0-339F-4782-9F13-51BA81259136}"/>
+                <a16:creationId xmlns:a16="http://schemas.microsoft.com/office/drawing/2014/main" id="{BE6895F0-339F-4782-9F13-51BA81259136}"/>
               </a:ext>
             </a:extLst>
           </p:cNvPr>
@@ -17082,7 +16664,7 @@
           <p:cNvPr id="2" name="Title 1">
             <a:extLst>
               <a:ext uri="{FF2B5EF4-FFF2-40B4-BE49-F238E27FC236}">
-                <a16:creationId xmlns="" xmlns:a16="http://schemas.microsoft.com/office/drawing/2014/main" id="{DFC049F8-2284-4161-BE3C-431BCD0EFAB7}"/>
+                <a16:creationId xmlns:a16="http://schemas.microsoft.com/office/drawing/2014/main" id="{DFC049F8-2284-4161-BE3C-431BCD0EFAB7}"/>
               </a:ext>
             </a:extLst>
           </p:cNvPr>
@@ -17120,20 +16702,17 @@
               </a:tabLst>
             </a:pPr>
             <a:r>
-              <a:rPr lang="en-GB" dirty="0" smtClean="0">
+              <a:rPr lang="en-GB" dirty="0">
                 <a:latin typeface="+mn-lt"/>
               </a:rPr>
               <a:t>	Implementation	</a:t>
             </a:r>
             <a:r>
-              <a:rPr lang="en-GB" i="1" dirty="0" smtClean="0">
+              <a:rPr lang="en-GB" i="1" dirty="0">
                 <a:latin typeface="+mn-lt"/>
               </a:rPr>
               <a:t>(3)</a:t>
             </a:r>
-            <a:endParaRPr lang="en-GB" i="1" dirty="0">
-              <a:latin typeface="+mn-lt"/>
-            </a:endParaRPr>
           </a:p>
         </p:txBody>
       </p:sp>
@@ -17142,7 +16721,7 @@
           <p:cNvPr id="3" name="Content Placeholder 2">
             <a:extLst>
               <a:ext uri="{FF2B5EF4-FFF2-40B4-BE49-F238E27FC236}">
-                <a16:creationId xmlns="" xmlns:a16="http://schemas.microsoft.com/office/drawing/2014/main" id="{F2E045F5-714F-4E07-87A1-F5696A62ED28}"/>
+                <a16:creationId xmlns:a16="http://schemas.microsoft.com/office/drawing/2014/main" id="{F2E045F5-714F-4E07-87A1-F5696A62ED28}"/>
               </a:ext>
             </a:extLst>
           </p:cNvPr>
@@ -17189,7 +16768,7 @@
           <p:cNvPr id="10" name="Oval 9">
             <a:extLst>
               <a:ext uri="{FF2B5EF4-FFF2-40B4-BE49-F238E27FC236}">
-                <a16:creationId xmlns="" xmlns:a16="http://schemas.microsoft.com/office/drawing/2014/main" id="{C29C5979-7CCB-416B-B3A4-A452F3F30A10}"/>
+                <a16:creationId xmlns:a16="http://schemas.microsoft.com/office/drawing/2014/main" id="{C29C5979-7CCB-416B-B3A4-A452F3F30A10}"/>
               </a:ext>
             </a:extLst>
           </p:cNvPr>
@@ -17244,7 +16823,7 @@
           <p:cNvPr id="11" name="Rectangle: Rounded Corners 10">
             <a:extLst>
               <a:ext uri="{FF2B5EF4-FFF2-40B4-BE49-F238E27FC236}">
-                <a16:creationId xmlns="" xmlns:a16="http://schemas.microsoft.com/office/drawing/2014/main" id="{F6A5F7EB-82A6-484E-9C43-CFB554F813E9}"/>
+                <a16:creationId xmlns:a16="http://schemas.microsoft.com/office/drawing/2014/main" id="{F6A5F7EB-82A6-484E-9C43-CFB554F813E9}"/>
               </a:ext>
             </a:extLst>
           </p:cNvPr>
@@ -17299,7 +16878,7 @@
           <p:cNvPr id="13" name="Rectangle: Rounded Corners 12">
             <a:extLst>
               <a:ext uri="{FF2B5EF4-FFF2-40B4-BE49-F238E27FC236}">
-                <a16:creationId xmlns="" xmlns:a16="http://schemas.microsoft.com/office/drawing/2014/main" id="{3719CF2D-2824-4299-B2CC-CE697E27AA7E}"/>
+                <a16:creationId xmlns:a16="http://schemas.microsoft.com/office/drawing/2014/main" id="{3719CF2D-2824-4299-B2CC-CE697E27AA7E}"/>
               </a:ext>
             </a:extLst>
           </p:cNvPr>
@@ -17354,7 +16933,7 @@
           <p:cNvPr id="15" name="Straight Connector 14">
             <a:extLst>
               <a:ext uri="{FF2B5EF4-FFF2-40B4-BE49-F238E27FC236}">
-                <a16:creationId xmlns="" xmlns:a16="http://schemas.microsoft.com/office/drawing/2014/main" id="{30710670-372E-4F34-950F-06F225466007}"/>
+                <a16:creationId xmlns:a16="http://schemas.microsoft.com/office/drawing/2014/main" id="{30710670-372E-4F34-950F-06F225466007}"/>
               </a:ext>
             </a:extLst>
           </p:cNvPr>
@@ -17399,7 +16978,7 @@
           <p:cNvPr id="16" name="Straight Connector 15">
             <a:extLst>
               <a:ext uri="{FF2B5EF4-FFF2-40B4-BE49-F238E27FC236}">
-                <a16:creationId xmlns="" xmlns:a16="http://schemas.microsoft.com/office/drawing/2014/main" id="{288054B3-BE24-4398-9D5F-A28183FA7014}"/>
+                <a16:creationId xmlns:a16="http://schemas.microsoft.com/office/drawing/2014/main" id="{288054B3-BE24-4398-9D5F-A28183FA7014}"/>
               </a:ext>
             </a:extLst>
           </p:cNvPr>
@@ -17446,7 +17025,7 @@
           <p:cNvPr id="17" name="TextBox 16">
             <a:extLst>
               <a:ext uri="{FF2B5EF4-FFF2-40B4-BE49-F238E27FC236}">
-                <a16:creationId xmlns="" xmlns:a16="http://schemas.microsoft.com/office/drawing/2014/main" id="{971E6CAA-6D6E-412E-9FD7-5D77D4FC053C}"/>
+                <a16:creationId xmlns:a16="http://schemas.microsoft.com/office/drawing/2014/main" id="{971E6CAA-6D6E-412E-9FD7-5D77D4FC053C}"/>
               </a:ext>
             </a:extLst>
           </p:cNvPr>
@@ -17481,7 +17060,7 @@
           <p:cNvPr id="19" name="Straight Connector 18">
             <a:extLst>
               <a:ext uri="{FF2B5EF4-FFF2-40B4-BE49-F238E27FC236}">
-                <a16:creationId xmlns="" xmlns:a16="http://schemas.microsoft.com/office/drawing/2014/main" id="{FFECA4B2-B854-4585-9ECA-1FD3048F8E67}"/>
+                <a16:creationId xmlns:a16="http://schemas.microsoft.com/office/drawing/2014/main" id="{FFECA4B2-B854-4585-9ECA-1FD3048F8E67}"/>
               </a:ext>
             </a:extLst>
           </p:cNvPr>
@@ -17528,7 +17107,7 @@
           <p:cNvPr id="23" name="Straight Arrow Connector 22">
             <a:extLst>
               <a:ext uri="{FF2B5EF4-FFF2-40B4-BE49-F238E27FC236}">
-                <a16:creationId xmlns="" xmlns:a16="http://schemas.microsoft.com/office/drawing/2014/main" id="{7FAC0E52-268B-4550-B064-28EAE19CA4A2}"/>
+                <a16:creationId xmlns:a16="http://schemas.microsoft.com/office/drawing/2014/main" id="{7FAC0E52-268B-4550-B064-28EAE19CA4A2}"/>
               </a:ext>
             </a:extLst>
           </p:cNvPr>
@@ -17575,7 +17154,7 @@
           <p:cNvPr id="24" name="TextBox 23">
             <a:extLst>
               <a:ext uri="{FF2B5EF4-FFF2-40B4-BE49-F238E27FC236}">
-                <a16:creationId xmlns="" xmlns:a16="http://schemas.microsoft.com/office/drawing/2014/main" id="{1FB9C7CE-2331-47EB-A1D2-D8DB9B0C2513}"/>
+                <a16:creationId xmlns:a16="http://schemas.microsoft.com/office/drawing/2014/main" id="{1FB9C7CE-2331-47EB-A1D2-D8DB9B0C2513}"/>
               </a:ext>
             </a:extLst>
           </p:cNvPr>
@@ -17610,7 +17189,7 @@
           <p:cNvPr id="25" name="TextBox 24">
             <a:extLst>
               <a:ext uri="{FF2B5EF4-FFF2-40B4-BE49-F238E27FC236}">
-                <a16:creationId xmlns="" xmlns:a16="http://schemas.microsoft.com/office/drawing/2014/main" id="{DBBC0D55-02A6-4EDB-AF84-B16D0A2B2E7B}"/>
+                <a16:creationId xmlns:a16="http://schemas.microsoft.com/office/drawing/2014/main" id="{DBBC0D55-02A6-4EDB-AF84-B16D0A2B2E7B}"/>
               </a:ext>
             </a:extLst>
           </p:cNvPr>
@@ -17645,7 +17224,7 @@
           <p:cNvPr id="26" name="TextBox 25">
             <a:extLst>
               <a:ext uri="{FF2B5EF4-FFF2-40B4-BE49-F238E27FC236}">
-                <a16:creationId xmlns="" xmlns:a16="http://schemas.microsoft.com/office/drawing/2014/main" id="{C1CD6ED1-DC11-4F49-B765-F575D41091A5}"/>
+                <a16:creationId xmlns:a16="http://schemas.microsoft.com/office/drawing/2014/main" id="{C1CD6ED1-DC11-4F49-B765-F575D41091A5}"/>
               </a:ext>
             </a:extLst>
           </p:cNvPr>
@@ -17680,7 +17259,7 @@
           <p:cNvPr id="27" name="Straight Arrow Connector 26">
             <a:extLst>
               <a:ext uri="{FF2B5EF4-FFF2-40B4-BE49-F238E27FC236}">
-                <a16:creationId xmlns="" xmlns:a16="http://schemas.microsoft.com/office/drawing/2014/main" id="{5E8555D3-376F-417B-8432-5BEEAFCBB21F}"/>
+                <a16:creationId xmlns:a16="http://schemas.microsoft.com/office/drawing/2014/main" id="{5E8555D3-376F-417B-8432-5BEEAFCBB21F}"/>
               </a:ext>
             </a:extLst>
           </p:cNvPr>
@@ -17729,7 +17308,7 @@
           <p:cNvPr id="30" name="Straight Arrow Connector 29">
             <a:extLst>
               <a:ext uri="{FF2B5EF4-FFF2-40B4-BE49-F238E27FC236}">
-                <a16:creationId xmlns="" xmlns:a16="http://schemas.microsoft.com/office/drawing/2014/main" id="{183EB38B-BC90-4354-BB70-B17AD571698C}"/>
+                <a16:creationId xmlns:a16="http://schemas.microsoft.com/office/drawing/2014/main" id="{183EB38B-BC90-4354-BB70-B17AD571698C}"/>
               </a:ext>
             </a:extLst>
           </p:cNvPr>
@@ -17778,7 +17357,7 @@
           <p:cNvPr id="33" name="Rectangle: Rounded Corners 32">
             <a:extLst>
               <a:ext uri="{FF2B5EF4-FFF2-40B4-BE49-F238E27FC236}">
-                <a16:creationId xmlns="" xmlns:a16="http://schemas.microsoft.com/office/drawing/2014/main" id="{5D612AEE-5C5A-45AE-9431-93F8F6FB3305}"/>
+                <a16:creationId xmlns:a16="http://schemas.microsoft.com/office/drawing/2014/main" id="{5D612AEE-5C5A-45AE-9431-93F8F6FB3305}"/>
               </a:ext>
             </a:extLst>
           </p:cNvPr>
@@ -17822,10 +17401,9 @@
           <a:p>
             <a:pPr algn="ctr"/>
             <a:r>
-              <a:rPr lang="en-GB" dirty="0" smtClean="0"/>
+              <a:rPr lang="en-GB" dirty="0"/>
               <a:t>Collision &amp; Hazards</a:t>
             </a:r>
-            <a:endParaRPr lang="en-GB" dirty="0"/>
           </a:p>
         </p:txBody>
       </p:sp>
@@ -17834,7 +17412,7 @@
           <p:cNvPr id="34" name="Rectangle: Rounded Corners 33">
             <a:extLst>
               <a:ext uri="{FF2B5EF4-FFF2-40B4-BE49-F238E27FC236}">
-                <a16:creationId xmlns="" xmlns:a16="http://schemas.microsoft.com/office/drawing/2014/main" id="{5351534C-969F-4206-A607-10E3CBD3EB6E}"/>
+                <a16:creationId xmlns:a16="http://schemas.microsoft.com/office/drawing/2014/main" id="{5351534C-969F-4206-A607-10E3CBD3EB6E}"/>
               </a:ext>
             </a:extLst>
           </p:cNvPr>
@@ -17878,10 +17456,9 @@
           <a:p>
             <a:pPr algn="ctr"/>
             <a:r>
-              <a:rPr lang="en-GB" dirty="0" smtClean="0"/>
+              <a:rPr lang="en-GB" dirty="0"/>
               <a:t>Layout of Platforms &amp; Items</a:t>
             </a:r>
-            <a:endParaRPr lang="en-GB" dirty="0"/>
           </a:p>
         </p:txBody>
       </p:sp>
@@ -17890,7 +17467,7 @@
           <p:cNvPr id="35" name="Rectangle: Rounded Corners 34">
             <a:extLst>
               <a:ext uri="{FF2B5EF4-FFF2-40B4-BE49-F238E27FC236}">
-                <a16:creationId xmlns="" xmlns:a16="http://schemas.microsoft.com/office/drawing/2014/main" id="{CC0DB683-0D5F-4A20-8627-22A83FCA57C0}"/>
+                <a16:creationId xmlns:a16="http://schemas.microsoft.com/office/drawing/2014/main" id="{CC0DB683-0D5F-4A20-8627-22A83FCA57C0}"/>
               </a:ext>
             </a:extLst>
           </p:cNvPr>
@@ -17945,7 +17522,7 @@
           <p:cNvPr id="36" name="Rectangle: Rounded Corners 35">
             <a:extLst>
               <a:ext uri="{FF2B5EF4-FFF2-40B4-BE49-F238E27FC236}">
-                <a16:creationId xmlns="" xmlns:a16="http://schemas.microsoft.com/office/drawing/2014/main" id="{58471160-97AC-4E81-A948-3E6D85AFAB8E}"/>
+                <a16:creationId xmlns:a16="http://schemas.microsoft.com/office/drawing/2014/main" id="{58471160-97AC-4E81-A948-3E6D85AFAB8E}"/>
               </a:ext>
             </a:extLst>
           </p:cNvPr>
@@ -18000,7 +17577,7 @@
           <p:cNvPr id="37" name="Rectangle: Rounded Corners 36">
             <a:extLst>
               <a:ext uri="{FF2B5EF4-FFF2-40B4-BE49-F238E27FC236}">
-                <a16:creationId xmlns="" xmlns:a16="http://schemas.microsoft.com/office/drawing/2014/main" id="{92E98563-DB25-47E0-BFE7-B8A52201AFBF}"/>
+                <a16:creationId xmlns:a16="http://schemas.microsoft.com/office/drawing/2014/main" id="{92E98563-DB25-47E0-BFE7-B8A52201AFBF}"/>
               </a:ext>
             </a:extLst>
           </p:cNvPr>
@@ -18055,7 +17632,7 @@
           <p:cNvPr id="38" name="Rectangle: Rounded Corners 37">
             <a:extLst>
               <a:ext uri="{FF2B5EF4-FFF2-40B4-BE49-F238E27FC236}">
-                <a16:creationId xmlns="" xmlns:a16="http://schemas.microsoft.com/office/drawing/2014/main" id="{F9DE6B22-A874-4C5B-A2F4-37E624346379}"/>
+                <a16:creationId xmlns:a16="http://schemas.microsoft.com/office/drawing/2014/main" id="{F9DE6B22-A874-4C5B-A2F4-37E624346379}"/>
               </a:ext>
             </a:extLst>
           </p:cNvPr>
@@ -18110,7 +17687,7 @@
           <p:cNvPr id="39" name="Rectangle: Rounded Corners 38">
             <a:extLst>
               <a:ext uri="{FF2B5EF4-FFF2-40B4-BE49-F238E27FC236}">
-                <a16:creationId xmlns="" xmlns:a16="http://schemas.microsoft.com/office/drawing/2014/main" id="{EB977FAA-DCA6-4B55-ACC4-847FBF97687B}"/>
+                <a16:creationId xmlns:a16="http://schemas.microsoft.com/office/drawing/2014/main" id="{EB977FAA-DCA6-4B55-ACC4-847FBF97687B}"/>
               </a:ext>
             </a:extLst>
           </p:cNvPr>
@@ -18165,7 +17742,7 @@
           <p:cNvPr id="40" name="Rectangle: Rounded Corners 39">
             <a:extLst>
               <a:ext uri="{FF2B5EF4-FFF2-40B4-BE49-F238E27FC236}">
-                <a16:creationId xmlns="" xmlns:a16="http://schemas.microsoft.com/office/drawing/2014/main" id="{57387805-6EE0-4686-A3AD-F33DE6D3DA9D}"/>
+                <a16:creationId xmlns:a16="http://schemas.microsoft.com/office/drawing/2014/main" id="{57387805-6EE0-4686-A3AD-F33DE6D3DA9D}"/>
               </a:ext>
             </a:extLst>
           </p:cNvPr>
@@ -18220,7 +17797,7 @@
           <p:cNvPr id="41" name="Rectangle: Rounded Corners 40">
             <a:extLst>
               <a:ext uri="{FF2B5EF4-FFF2-40B4-BE49-F238E27FC236}">
-                <a16:creationId xmlns="" xmlns:a16="http://schemas.microsoft.com/office/drawing/2014/main" id="{0AF77ADA-8652-49EA-87E9-2EBD25A9D60F}"/>
+                <a16:creationId xmlns:a16="http://schemas.microsoft.com/office/drawing/2014/main" id="{0AF77ADA-8652-49EA-87E9-2EBD25A9D60F}"/>
               </a:ext>
             </a:extLst>
           </p:cNvPr>
@@ -18275,7 +17852,7 @@
           <p:cNvPr id="42" name="Straight Arrow Connector 41">
             <a:extLst>
               <a:ext uri="{FF2B5EF4-FFF2-40B4-BE49-F238E27FC236}">
-                <a16:creationId xmlns="" xmlns:a16="http://schemas.microsoft.com/office/drawing/2014/main" id="{37A39690-B33F-4ED6-BE2F-C59BC2ABAA73}"/>
+                <a16:creationId xmlns:a16="http://schemas.microsoft.com/office/drawing/2014/main" id="{37A39690-B33F-4ED6-BE2F-C59BC2ABAA73}"/>
               </a:ext>
             </a:extLst>
           </p:cNvPr>
@@ -18323,7 +17900,7 @@
           <p:cNvPr id="49" name="Connector: Elbow 48">
             <a:extLst>
               <a:ext uri="{FF2B5EF4-FFF2-40B4-BE49-F238E27FC236}">
-                <a16:creationId xmlns="" xmlns:a16="http://schemas.microsoft.com/office/drawing/2014/main" id="{6F018749-49F9-4969-A271-C3C29767FD5C}"/>
+                <a16:creationId xmlns:a16="http://schemas.microsoft.com/office/drawing/2014/main" id="{6F018749-49F9-4969-A271-C3C29767FD5C}"/>
               </a:ext>
             </a:extLst>
           </p:cNvPr>
@@ -18371,7 +17948,7 @@
           <p:cNvPr id="51" name="Straight Arrow Connector 50">
             <a:extLst>
               <a:ext uri="{FF2B5EF4-FFF2-40B4-BE49-F238E27FC236}">
-                <a16:creationId xmlns="" xmlns:a16="http://schemas.microsoft.com/office/drawing/2014/main" id="{529BEA91-D614-4620-8E3D-97946455F9B8}"/>
+                <a16:creationId xmlns:a16="http://schemas.microsoft.com/office/drawing/2014/main" id="{529BEA91-D614-4620-8E3D-97946455F9B8}"/>
               </a:ext>
             </a:extLst>
           </p:cNvPr>
@@ -18419,7 +17996,7 @@
           <p:cNvPr id="52" name="Straight Arrow Connector 51">
             <a:extLst>
               <a:ext uri="{FF2B5EF4-FFF2-40B4-BE49-F238E27FC236}">
-                <a16:creationId xmlns="" xmlns:a16="http://schemas.microsoft.com/office/drawing/2014/main" id="{5B84C7E6-A42F-4657-A73B-3CBEE18B7E6F}"/>
+                <a16:creationId xmlns:a16="http://schemas.microsoft.com/office/drawing/2014/main" id="{5B84C7E6-A42F-4657-A73B-3CBEE18B7E6F}"/>
               </a:ext>
             </a:extLst>
           </p:cNvPr>
@@ -18466,7 +18043,7 @@
           <p:cNvPr id="55" name="Connector: Elbow 54">
             <a:extLst>
               <a:ext uri="{FF2B5EF4-FFF2-40B4-BE49-F238E27FC236}">
-                <a16:creationId xmlns="" xmlns:a16="http://schemas.microsoft.com/office/drawing/2014/main" id="{0EC221BA-BD1E-4AE7-B1B2-90EE3720F5FB}"/>
+                <a16:creationId xmlns:a16="http://schemas.microsoft.com/office/drawing/2014/main" id="{0EC221BA-BD1E-4AE7-B1B2-90EE3720F5FB}"/>
               </a:ext>
             </a:extLst>
           </p:cNvPr>
@@ -18513,7 +18090,7 @@
           <p:cNvPr id="56" name="Connector: Elbow 55">
             <a:extLst>
               <a:ext uri="{FF2B5EF4-FFF2-40B4-BE49-F238E27FC236}">
-                <a16:creationId xmlns="" xmlns:a16="http://schemas.microsoft.com/office/drawing/2014/main" id="{7ED8B67D-2C95-4C7F-B66D-35ED490532B0}"/>
+                <a16:creationId xmlns:a16="http://schemas.microsoft.com/office/drawing/2014/main" id="{7ED8B67D-2C95-4C7F-B66D-35ED490532B0}"/>
               </a:ext>
             </a:extLst>
           </p:cNvPr>
@@ -18561,7 +18138,7 @@
           <p:cNvPr id="60" name="Straight Connector 59">
             <a:extLst>
               <a:ext uri="{FF2B5EF4-FFF2-40B4-BE49-F238E27FC236}">
-                <a16:creationId xmlns="" xmlns:a16="http://schemas.microsoft.com/office/drawing/2014/main" id="{2DE7001C-61A4-4D8C-9487-D0519BB5C287}"/>
+                <a16:creationId xmlns:a16="http://schemas.microsoft.com/office/drawing/2014/main" id="{2DE7001C-61A4-4D8C-9487-D0519BB5C287}"/>
               </a:ext>
             </a:extLst>
           </p:cNvPr>
@@ -18600,7 +18177,7 @@
           <p:cNvPr id="67" name="Connector: Elbow 66">
             <a:extLst>
               <a:ext uri="{FF2B5EF4-FFF2-40B4-BE49-F238E27FC236}">
-                <a16:creationId xmlns="" xmlns:a16="http://schemas.microsoft.com/office/drawing/2014/main" id="{9BE8C34A-75B0-466E-B230-A6AA0EF6FF90}"/>
+                <a16:creationId xmlns:a16="http://schemas.microsoft.com/office/drawing/2014/main" id="{9BE8C34A-75B0-466E-B230-A6AA0EF6FF90}"/>
               </a:ext>
             </a:extLst>
           </p:cNvPr>
@@ -18649,7 +18226,7 @@
           <p:cNvPr id="66" name="Connector: Elbow 65">
             <a:extLst>
               <a:ext uri="{FF2B5EF4-FFF2-40B4-BE49-F238E27FC236}">
-                <a16:creationId xmlns="" xmlns:a16="http://schemas.microsoft.com/office/drawing/2014/main" id="{2B6EBE20-55B6-4C79-AC8D-3D2DEACD0F27}"/>
+                <a16:creationId xmlns:a16="http://schemas.microsoft.com/office/drawing/2014/main" id="{2B6EBE20-55B6-4C79-AC8D-3D2DEACD0F27}"/>
               </a:ext>
             </a:extLst>
           </p:cNvPr>
@@ -18696,7 +18273,7 @@
           <p:cNvPr id="12" name="Rectangle: Rounded Corners 11">
             <a:extLst>
               <a:ext uri="{FF2B5EF4-FFF2-40B4-BE49-F238E27FC236}">
-                <a16:creationId xmlns="" xmlns:a16="http://schemas.microsoft.com/office/drawing/2014/main" id="{0EF29BEE-62BD-4987-BA52-D89AE53A8B33}"/>
+                <a16:creationId xmlns:a16="http://schemas.microsoft.com/office/drawing/2014/main" id="{0EF29BEE-62BD-4987-BA52-D89AE53A8B33}"/>
               </a:ext>
             </a:extLst>
           </p:cNvPr>
@@ -18749,7 +18326,7 @@
           <p:cNvPr id="73" name="Straight Arrow Connector 72">
             <a:extLst>
               <a:ext uri="{FF2B5EF4-FFF2-40B4-BE49-F238E27FC236}">
-                <a16:creationId xmlns="" xmlns:a16="http://schemas.microsoft.com/office/drawing/2014/main" id="{69C2A71F-34B3-45C5-B5C2-CAD80873AAD3}"/>
+                <a16:creationId xmlns:a16="http://schemas.microsoft.com/office/drawing/2014/main" id="{69C2A71F-34B3-45C5-B5C2-CAD80873AAD3}"/>
               </a:ext>
             </a:extLst>
           </p:cNvPr>
@@ -18798,7 +18375,7 @@
           <p:cNvPr id="77" name="Straight Arrow Connector 76">
             <a:extLst>
               <a:ext uri="{FF2B5EF4-FFF2-40B4-BE49-F238E27FC236}">
-                <a16:creationId xmlns="" xmlns:a16="http://schemas.microsoft.com/office/drawing/2014/main" id="{57464C7E-A3BB-4249-922D-CFCFCCBF91D6}"/>
+                <a16:creationId xmlns:a16="http://schemas.microsoft.com/office/drawing/2014/main" id="{57464C7E-A3BB-4249-922D-CFCFCCBF91D6}"/>
               </a:ext>
             </a:extLst>
           </p:cNvPr>
@@ -18846,7 +18423,7 @@
           <p:cNvPr id="78" name="Straight Arrow Connector 77">
             <a:extLst>
               <a:ext uri="{FF2B5EF4-FFF2-40B4-BE49-F238E27FC236}">
-                <a16:creationId xmlns="" xmlns:a16="http://schemas.microsoft.com/office/drawing/2014/main" id="{D03E9D33-30E8-457E-9B54-73E66853B100}"/>
+                <a16:creationId xmlns:a16="http://schemas.microsoft.com/office/drawing/2014/main" id="{D03E9D33-30E8-457E-9B54-73E66853B100}"/>
               </a:ext>
             </a:extLst>
           </p:cNvPr>
@@ -18893,7 +18470,7 @@
           <p:cNvPr id="79" name="Straight Arrow Connector 78">
             <a:extLst>
               <a:ext uri="{FF2B5EF4-FFF2-40B4-BE49-F238E27FC236}">
-                <a16:creationId xmlns="" xmlns:a16="http://schemas.microsoft.com/office/drawing/2014/main" id="{0A90E022-FEFC-46DE-89ED-17C345356F2C}"/>
+                <a16:creationId xmlns:a16="http://schemas.microsoft.com/office/drawing/2014/main" id="{0A90E022-FEFC-46DE-89ED-17C345356F2C}"/>
               </a:ext>
             </a:extLst>
           </p:cNvPr>
@@ -18940,7 +18517,7 @@
           <p:cNvPr id="80" name="Straight Arrow Connector 79">
             <a:extLst>
               <a:ext uri="{FF2B5EF4-FFF2-40B4-BE49-F238E27FC236}">
-                <a16:creationId xmlns="" xmlns:a16="http://schemas.microsoft.com/office/drawing/2014/main" id="{3A681EC4-C304-44D6-8FE8-F7EBE52D4E19}"/>
+                <a16:creationId xmlns:a16="http://schemas.microsoft.com/office/drawing/2014/main" id="{3A681EC4-C304-44D6-8FE8-F7EBE52D4E19}"/>
               </a:ext>
             </a:extLst>
           </p:cNvPr>
@@ -18987,7 +18564,7 @@
           <p:cNvPr id="81" name="Straight Arrow Connector 80">
             <a:extLst>
               <a:ext uri="{FF2B5EF4-FFF2-40B4-BE49-F238E27FC236}">
-                <a16:creationId xmlns="" xmlns:a16="http://schemas.microsoft.com/office/drawing/2014/main" id="{19F654F4-6D55-4385-8976-5B80EBD24850}"/>
+                <a16:creationId xmlns:a16="http://schemas.microsoft.com/office/drawing/2014/main" id="{19F654F4-6D55-4385-8976-5B80EBD24850}"/>
               </a:ext>
             </a:extLst>
           </p:cNvPr>
@@ -19032,20 +18609,13 @@
     </p:spTree>
     <p:extLst>
       <p:ext uri="{BB962C8B-B14F-4D97-AF65-F5344CB8AC3E}">
-        <p14:creationId xmlns="" xmlns:p14="http://schemas.microsoft.com/office/powerpoint/2010/main" val="2766657188"/>
+        <p14:creationId xmlns:p14="http://schemas.microsoft.com/office/powerpoint/2010/main" val="2766657188"/>
       </p:ext>
     </p:extLst>
   </p:cSld>
   <p:clrMapOvr>
     <a:masterClrMapping/>
   </p:clrMapOvr>
-  <p:timing>
-    <p:tnLst>
-      <p:par>
-        <p:cTn id="1" dur="indefinite" restart="never" nodeType="tmRoot"/>
-      </p:par>
-    </p:tnLst>
-  </p:timing>
 </p:sld>
 </file>
 
@@ -19338,7 +18908,7 @@
   <a:extraClrSchemeLst/>
   <a:extLst>
     <a:ext uri="{05A4C25C-085E-4340-85A3-A5531E510DB2}">
-      <thm15:themeFamily xmlns="" xmlns:thm15="http://schemas.microsoft.com/office/thememl/2012/main" name="Office Theme" id="{62F939B6-93AF-4DB8-9C6B-D6C7DFDC589F}" vid="{4A3C46E8-61CC-4603-A589-7422A47A8E4A}"/>
+      <thm15:themeFamily xmlns:thm15="http://schemas.microsoft.com/office/thememl/2012/main" name="Office Theme" id="{62F939B6-93AF-4DB8-9C6B-D6C7DFDC589F}" vid="{4A3C46E8-61CC-4603-A589-7422A47A8E4A}"/>
     </a:ext>
   </a:extLst>
 </a:theme>
@@ -19599,7 +19169,7 @@
   <a:extraClrSchemeLst/>
   <a:extLst>
     <a:ext uri="{05A4C25C-085E-4340-85A3-A5531E510DB2}">
-      <thm15:themeFamily xmlns="" xmlns:thm15="http://schemas.microsoft.com/office/thememl/2012/main" name="Office Theme" id="{62F939B6-93AF-4DB8-9C6B-D6C7DFDC589F}" vid="{4A3C46E8-61CC-4603-A589-7422A47A8E4A}"/>
+      <thm15:themeFamily xmlns:thm15="http://schemas.microsoft.com/office/thememl/2012/main" name="Office Theme" id="{62F939B6-93AF-4DB8-9C6B-D6C7DFDC589F}" vid="{4A3C46E8-61CC-4603-A589-7422A47A8E4A}"/>
     </a:ext>
   </a:extLst>
 </a:theme>

--- a/D2.pptx
+++ b/D2.pptx
@@ -2,31 +2,31 @@
 <file path=ppt/presentation.xml><?xml version="1.0" encoding="utf-8"?>
 <p:presentation xmlns:a="http://schemas.openxmlformats.org/drawingml/2006/main" xmlns:r="http://schemas.openxmlformats.org/officeDocument/2006/relationships" xmlns:p="http://schemas.openxmlformats.org/presentationml/2006/main">
   <p:sldMasterIdLst>
-    <p:sldMasterId id="2147483648" r:id="rId5"/>
+    <p:sldMasterId id="2147483648" r:id="rId1"/>
   </p:sldMasterIdLst>
   <p:notesMasterIdLst>
-    <p:notesMasterId r:id="rId7"/>
+    <p:notesMasterId r:id="rId21"/>
   </p:notesMasterIdLst>
   <p:sldIdLst>
-    <p:sldId id="256" r:id="rId8"/>
-    <p:sldId id="257" r:id="rId9"/>
-    <p:sldId id="258" r:id="rId10"/>
-    <p:sldId id="259" r:id="rId11"/>
-    <p:sldId id="260" r:id="rId12"/>
-    <p:sldId id="261" r:id="rId13"/>
-    <p:sldId id="262" r:id="rId14"/>
-    <p:sldId id="263" r:id="rId15"/>
-    <p:sldId id="264" r:id="rId16"/>
-    <p:sldId id="265" r:id="rId17"/>
-    <p:sldId id="266" r:id="rId18"/>
-    <p:sldId id="267" r:id="rId19"/>
-    <p:sldId id="268" r:id="rId20"/>
-    <p:sldId id="269" r:id="rId21"/>
-    <p:sldId id="270" r:id="rId22"/>
-    <p:sldId id="271" r:id="rId23"/>
-    <p:sldId id="272" r:id="rId24"/>
-    <p:sldId id="273" r:id="rId25"/>
-    <p:sldId id="274" r:id="rId26"/>
+    <p:sldId id="256" r:id="rId2"/>
+    <p:sldId id="257" r:id="rId3"/>
+    <p:sldId id="258" r:id="rId4"/>
+    <p:sldId id="259" r:id="rId5"/>
+    <p:sldId id="260" r:id="rId6"/>
+    <p:sldId id="261" r:id="rId7"/>
+    <p:sldId id="262" r:id="rId8"/>
+    <p:sldId id="263" r:id="rId9"/>
+    <p:sldId id="264" r:id="rId10"/>
+    <p:sldId id="265" r:id="rId11"/>
+    <p:sldId id="266" r:id="rId12"/>
+    <p:sldId id="267" r:id="rId13"/>
+    <p:sldId id="268" r:id="rId14"/>
+    <p:sldId id="269" r:id="rId15"/>
+    <p:sldId id="270" r:id="rId16"/>
+    <p:sldId id="271" r:id="rId17"/>
+    <p:sldId id="272" r:id="rId18"/>
+    <p:sldId id="273" r:id="rId19"/>
+    <p:sldId id="274" r:id="rId20"/>
   </p:sldIdLst>
   <p:sldSz cx="12192000" cy="6858000"/>
   <p:notesSz cx="6858000" cy="9144000"/>
@@ -46,7 +46,7 @@
       <a:buFontTx/>
       <a:buNone/>
       <a:tabLst/>
-      <a:defRPr b="0" baseline="0" cap="none" i="0" spc="0" strike="noStrike" sz="1800" u="none" kumimoji="0" normalizeH="0">
+      <a:defRPr kumimoji="0" sz="1800" b="0" i="0" u="none" strike="noStrike" cap="none" spc="0" normalizeH="0" baseline="0">
         <a:ln>
           <a:noFill/>
         </a:ln>
@@ -72,7 +72,7 @@
       <a:buFontTx/>
       <a:buNone/>
       <a:tabLst/>
-      <a:defRPr b="0" baseline="0" cap="none" i="0" spc="0" strike="noStrike" sz="1800" u="none" kumimoji="0" normalizeH="0">
+      <a:defRPr kumimoji="0" sz="1800" b="0" i="0" u="none" strike="noStrike" cap="none" spc="0" normalizeH="0" baseline="0">
         <a:ln>
           <a:noFill/>
         </a:ln>
@@ -102,7 +102,7 @@
       <a:buFontTx/>
       <a:buNone/>
       <a:tabLst/>
-      <a:defRPr b="0" baseline="0" cap="none" i="0" spc="0" strike="noStrike" sz="1800" u="none" kumimoji="0" normalizeH="0">
+      <a:defRPr kumimoji="0" sz="1800" b="0" i="0" u="none" strike="noStrike" cap="none" spc="0" normalizeH="0" baseline="0">
         <a:ln>
           <a:noFill/>
         </a:ln>
@@ -132,7 +132,7 @@
       <a:buFontTx/>
       <a:buNone/>
       <a:tabLst/>
-      <a:defRPr b="0" baseline="0" cap="none" i="0" spc="0" strike="noStrike" sz="1800" u="none" kumimoji="0" normalizeH="0">
+      <a:defRPr kumimoji="0" sz="1800" b="0" i="0" u="none" strike="noStrike" cap="none" spc="0" normalizeH="0" baseline="0">
         <a:ln>
           <a:noFill/>
         </a:ln>
@@ -162,7 +162,7 @@
       <a:buFontTx/>
       <a:buNone/>
       <a:tabLst/>
-      <a:defRPr b="0" baseline="0" cap="none" i="0" spc="0" strike="noStrike" sz="1800" u="none" kumimoji="0" normalizeH="0">
+      <a:defRPr kumimoji="0" sz="1800" b="0" i="0" u="none" strike="noStrike" cap="none" spc="0" normalizeH="0" baseline="0">
         <a:ln>
           <a:noFill/>
         </a:ln>
@@ -192,7 +192,7 @@
       <a:buFontTx/>
       <a:buNone/>
       <a:tabLst/>
-      <a:defRPr b="0" baseline="0" cap="none" i="0" spc="0" strike="noStrike" sz="1800" u="none" kumimoji="0" normalizeH="0">
+      <a:defRPr kumimoji="0" sz="1800" b="0" i="0" u="none" strike="noStrike" cap="none" spc="0" normalizeH="0" baseline="0">
         <a:ln>
           <a:noFill/>
         </a:ln>
@@ -222,7 +222,7 @@
       <a:buFontTx/>
       <a:buNone/>
       <a:tabLst/>
-      <a:defRPr b="0" baseline="0" cap="none" i="0" spc="0" strike="noStrike" sz="1800" u="none" kumimoji="0" normalizeH="0">
+      <a:defRPr kumimoji="0" sz="1800" b="0" i="0" u="none" strike="noStrike" cap="none" spc="0" normalizeH="0" baseline="0">
         <a:ln>
           <a:noFill/>
         </a:ln>
@@ -252,7 +252,7 @@
       <a:buFontTx/>
       <a:buNone/>
       <a:tabLst/>
-      <a:defRPr b="0" baseline="0" cap="none" i="0" spc="0" strike="noStrike" sz="1800" u="none" kumimoji="0" normalizeH="0">
+      <a:defRPr kumimoji="0" sz="1800" b="0" i="0" u="none" strike="noStrike" cap="none" spc="0" normalizeH="0" baseline="0">
         <a:ln>
           <a:noFill/>
         </a:ln>
@@ -282,7 +282,7 @@
       <a:buFontTx/>
       <a:buNone/>
       <a:tabLst/>
-      <a:defRPr b="0" baseline="0" cap="none" i="0" spc="0" strike="noStrike" sz="1800" u="none" kumimoji="0" normalizeH="0">
+      <a:defRPr kumimoji="0" sz="1800" b="0" i="0" u="none" strike="noStrike" cap="none" spc="0" normalizeH="0" baseline="0">
         <a:ln>
           <a:noFill/>
         </a:ln>
@@ -312,7 +312,7 @@
       <a:buFontTx/>
       <a:buNone/>
       <a:tabLst/>
-      <a:defRPr b="0" baseline="0" cap="none" i="0" spc="0" strike="noStrike" sz="1800" u="none" kumimoji="0" normalizeH="0">
+      <a:defRPr kumimoji="0" sz="1800" b="0" i="0" u="none" strike="noStrike" cap="none" spc="0" normalizeH="0" baseline="0">
         <a:ln>
           <a:noFill/>
         </a:ln>
@@ -331,13 +331,18 @@
 </p:presentation>
 </file>
 
-<file path=ppt/commentAuthors.xml><?xml version="1.0" encoding="utf-8"?>
-<p:cmAuthorLst xmlns:a="http://schemas.openxmlformats.org/drawingml/2006/main" xmlns:r="http://schemas.openxmlformats.org/officeDocument/2006/relationships" xmlns:p="http://schemas.openxmlformats.org/presentationml/2006/main"/>
+<file path=ppt/revisionInfo.xml><?xml version="1.0" encoding="utf-8"?>
+<p1510:revInfo xmlns:a="http://schemas.openxmlformats.org/drawingml/2006/main" xmlns:r="http://schemas.openxmlformats.org/officeDocument/2006/relationships" xmlns:p1510="http://schemas.microsoft.com/office/powerpoint/2015/10/main"/>
 </file>
 
 <file path=ppt/notesMasters/notesMaster1.xml><?xml version="1.0" encoding="utf-8"?>
 <p:notesMaster xmlns:a="http://schemas.openxmlformats.org/drawingml/2006/main" xmlns:r="http://schemas.openxmlformats.org/officeDocument/2006/relationships" xmlns:p="http://schemas.openxmlformats.org/presentationml/2006/main">
   <p:cSld>
+    <p:bg>
+      <p:bgRef idx="1001">
+        <a:schemeClr val="bg1"/>
+      </p:bgRef>
+    </p:bg>
     <p:spTree>
       <p:nvGrpSpPr>
         <p:cNvPr id="1" name=""/>
@@ -355,7 +360,9 @@
       <p:sp>
         <p:nvSpPr>
           <p:cNvPr id="19" name="Shape 19"/>
-          <p:cNvSpPr/>
+          <p:cNvSpPr>
+            <a:spLocks noGrp="1" noRot="1" noChangeAspect="1"/>
+          </p:cNvSpPr>
           <p:nvPr>
             <p:ph type="sldImg"/>
           </p:nvPr>
@@ -373,14 +380,16 @@
           <a:bodyPr/>
           <a:lstStyle/>
           <a:p>
-            <a:pPr/>
+            <a:endParaRPr/>
           </a:p>
         </p:txBody>
       </p:sp>
       <p:sp>
         <p:nvSpPr>
           <p:cNvPr id="20" name="Shape 20"/>
-          <p:cNvSpPr/>
+          <p:cNvSpPr>
+            <a:spLocks noGrp="1"/>
+          </p:cNvSpPr>
           <p:nvPr>
             <p:ph type="body" sz="quarter" idx="1"/>
           </p:nvPr>
@@ -398,7 +407,7 @@
           <a:bodyPr/>
           <a:lstStyle/>
           <a:p>
-            <a:pPr/>
+            <a:endParaRPr/>
           </a:p>
         </p:txBody>
       </p:sp>
@@ -483,7 +492,7 @@
 </file>
 
 <file path=ppt/notesSlides/notesSlide1.xml><?xml version="1.0" encoding="utf-8"?>
-<p:notes xmlns:a="http://schemas.openxmlformats.org/drawingml/2006/main" xmlns:r="http://schemas.openxmlformats.org/officeDocument/2006/relationships" xmlns:p="http://schemas.openxmlformats.org/presentationml/2006/main" showMasterSp="1" showMasterPhAnim="1">
+<p:notes xmlns:a="http://schemas.openxmlformats.org/drawingml/2006/main" xmlns:r="http://schemas.openxmlformats.org/officeDocument/2006/relationships" xmlns:p="http://schemas.openxmlformats.org/presentationml/2006/main">
   <p:cSld>
     <p:spTree>
       <p:nvGrpSpPr>
@@ -502,7 +511,9 @@
       <p:sp>
         <p:nvSpPr>
           <p:cNvPr id="24" name="Shape 24"/>
-          <p:cNvSpPr/>
+          <p:cNvSpPr>
+            <a:spLocks noGrp="1" noRot="1" noChangeAspect="1"/>
+          </p:cNvSpPr>
           <p:nvPr>
             <p:ph type="sldImg"/>
           </p:nvPr>
@@ -516,14 +527,16 @@
           <a:bodyPr/>
           <a:lstStyle/>
           <a:p>
-            <a:pPr/>
+            <a:endParaRPr/>
           </a:p>
         </p:txBody>
       </p:sp>
       <p:sp>
         <p:nvSpPr>
           <p:cNvPr id="25" name="Shape 25"/>
-          <p:cNvSpPr/>
+          <p:cNvSpPr>
+            <a:spLocks noGrp="1"/>
+          </p:cNvSpPr>
           <p:nvPr>
             <p:ph type="body" sz="quarter" idx="1"/>
           </p:nvPr>
@@ -537,7 +550,6 @@
           <a:bodyPr/>
           <a:lstStyle/>
           <a:p>
-            <a:pPr/>
             <a:r>
               <a:t>Val: I’ve changed the font used in this presentation, because I found the previous one difficult to read.  Calibri is very sharp and clear.</a:t>
             </a:r>
@@ -553,7 +565,7 @@
 </file>
 
 <file path=ppt/notesSlides/notesSlide10.xml><?xml version="1.0" encoding="utf-8"?>
-<p:notes xmlns:a="http://schemas.openxmlformats.org/drawingml/2006/main" xmlns:r="http://schemas.openxmlformats.org/officeDocument/2006/relationships" xmlns:p="http://schemas.openxmlformats.org/presentationml/2006/main" showMasterSp="1" showMasterPhAnim="1">
+<p:notes xmlns:a="http://schemas.openxmlformats.org/drawingml/2006/main" xmlns:r="http://schemas.openxmlformats.org/officeDocument/2006/relationships" xmlns:p="http://schemas.openxmlformats.org/presentationml/2006/main">
   <p:cSld>
     <p:spTree>
       <p:nvGrpSpPr>
@@ -572,12 +584,18 @@
       <p:sp>
         <p:nvSpPr>
           <p:cNvPr id="255" name="Shape 255"/>
-          <p:cNvSpPr/>
+          <p:cNvSpPr>
+            <a:spLocks noGrp="1" noRot="1" noChangeAspect="1"/>
+          </p:cNvSpPr>
           <p:nvPr>
             <p:ph type="sldImg"/>
           </p:nvPr>
         </p:nvSpPr>
         <p:spPr>
+          <a:xfrm>
+            <a:off x="381000" y="685800"/>
+            <a:ext cx="6096000" cy="3429000"/>
+          </a:xfrm>
           <a:prstGeom prst="rect">
             <a:avLst/>
           </a:prstGeom>
@@ -586,14 +604,16 @@
           <a:bodyPr/>
           <a:lstStyle/>
           <a:p>
-            <a:pPr/>
+            <a:endParaRPr/>
           </a:p>
         </p:txBody>
       </p:sp>
       <p:sp>
         <p:nvSpPr>
           <p:cNvPr id="256" name="Shape 256"/>
-          <p:cNvSpPr/>
+          <p:cNvSpPr>
+            <a:spLocks noGrp="1"/>
+          </p:cNvSpPr>
           <p:nvPr>
             <p:ph type="body" sz="quarter" idx="1"/>
           </p:nvPr>
@@ -607,55 +627,46 @@
           <a:bodyPr/>
           <a:lstStyle/>
           <a:p>
-            <a:pPr/>
             <a:r>
               <a:t>Things we did not do:</a:t>
             </a:r>
           </a:p>
           <a:p>
-            <a:pPr/>
             <a:r>
               <a:t>1. Curvy shapes have rectangular hit boxes which looks odd</a:t>
             </a:r>
           </a:p>
           <a:p>
-            <a:pPr/>
             <a:r>
               <a:t>Nothing we can do at this late stage in the game. </a:t>
             </a:r>
           </a:p>
           <a:p>
-            <a:pPr/>
             <a:r>
               <a:t>2. Maze puzzle moves too quickly in response to keyboard keys</a:t>
             </a:r>
           </a:p>
           <a:p>
-            <a:pPr/>
             <a:r>
               <a:t>3. Need instructions for how to drive menu (Enter key, not mouse clicks)</a:t>
             </a:r>
           </a:p>
           <a:p>
-            <a:pPr/>
             <a:r>
               <a:t>4. Not clear why you should collect the baubles, or what the points are for.</a:t>
             </a:r>
           </a:p>
           <a:p>
-            <a:pPr/>
             <a:r>
               <a:t>5. The room on the menu screen does not look right – some of it is 3D and some 2D. The bookshelf looks like a door – it would be better with a bit of shading below each shelf. The joints in the floor are not angled like the front of the fireplace. Make the inside of the fireplace not the same colour as the fireplace base.</a:t>
             </a:r>
           </a:p>
           <a:p>
-            <a:pPr/>
             <a:r>
               <a:t>6. Need a proper start menu to introduce the storyline to players and to access settings of the game, which is not implemented (which should be able to adjust volume and player outfit)</a:t>
             </a:r>
           </a:p>
           <a:p>
-            <a:pPr/>
             <a:r>
               <a:t>7. Things that are included in the first term design report but not implemented (moving obstacles, high score table, incrementing timer, etc)</a:t>
             </a:r>
@@ -671,7 +682,7 @@
 </file>
 
 <file path=ppt/notesSlides/notesSlide11.xml><?xml version="1.0" encoding="utf-8"?>
-<p:notes xmlns:a="http://schemas.openxmlformats.org/drawingml/2006/main" xmlns:r="http://schemas.openxmlformats.org/officeDocument/2006/relationships" xmlns:p="http://schemas.openxmlformats.org/presentationml/2006/main" showMasterSp="1" showMasterPhAnim="1">
+<p:notes xmlns:a="http://schemas.openxmlformats.org/drawingml/2006/main" xmlns:r="http://schemas.openxmlformats.org/officeDocument/2006/relationships" xmlns:p="http://schemas.openxmlformats.org/presentationml/2006/main">
   <p:cSld>
     <p:spTree>
       <p:nvGrpSpPr>
@@ -690,12 +701,18 @@
       <p:sp>
         <p:nvSpPr>
           <p:cNvPr id="265" name="Shape 265"/>
-          <p:cNvSpPr/>
+          <p:cNvSpPr>
+            <a:spLocks noGrp="1" noRot="1" noChangeAspect="1"/>
+          </p:cNvSpPr>
           <p:nvPr>
             <p:ph type="sldImg"/>
           </p:nvPr>
         </p:nvSpPr>
         <p:spPr>
+          <a:xfrm>
+            <a:off x="381000" y="685800"/>
+            <a:ext cx="6096000" cy="3429000"/>
+          </a:xfrm>
           <a:prstGeom prst="rect">
             <a:avLst/>
           </a:prstGeom>
@@ -704,14 +721,16 @@
           <a:bodyPr/>
           <a:lstStyle/>
           <a:p>
-            <a:pPr/>
+            <a:endParaRPr/>
           </a:p>
         </p:txBody>
       </p:sp>
       <p:sp>
         <p:nvSpPr>
           <p:cNvPr id="266" name="Shape 266"/>
-          <p:cNvSpPr/>
+          <p:cNvSpPr>
+            <a:spLocks noGrp="1"/>
+          </p:cNvSpPr>
           <p:nvPr>
             <p:ph type="body" sz="quarter" idx="1"/>
           </p:nvPr>
@@ -725,8 +744,8 @@
           <a:bodyPr/>
           <a:lstStyle/>
           <a:p>
-            <a:pPr/>
-            <a:r>
+            <a:r>
+              <a:rPr dirty="0"/>
               <a:t>This questionnaire was from three testers, and was before we did all the fixes</a:t>
             </a:r>
           </a:p>
@@ -741,7 +760,7 @@
 </file>
 
 <file path=ppt/notesSlides/notesSlide12.xml><?xml version="1.0" encoding="utf-8"?>
-<p:notes xmlns:a="http://schemas.openxmlformats.org/drawingml/2006/main" xmlns:r="http://schemas.openxmlformats.org/officeDocument/2006/relationships" xmlns:p="http://schemas.openxmlformats.org/presentationml/2006/main" showMasterSp="1" showMasterPhAnim="1">
+<p:notes xmlns:a="http://schemas.openxmlformats.org/drawingml/2006/main" xmlns:r="http://schemas.openxmlformats.org/officeDocument/2006/relationships" xmlns:p="http://schemas.openxmlformats.org/presentationml/2006/main">
   <p:cSld>
     <p:spTree>
       <p:nvGrpSpPr>
@@ -760,12 +779,18 @@
       <p:sp>
         <p:nvSpPr>
           <p:cNvPr id="275" name="Shape 275"/>
-          <p:cNvSpPr/>
+          <p:cNvSpPr>
+            <a:spLocks noGrp="1" noRot="1" noChangeAspect="1"/>
+          </p:cNvSpPr>
           <p:nvPr>
             <p:ph type="sldImg"/>
           </p:nvPr>
         </p:nvSpPr>
         <p:spPr>
+          <a:xfrm>
+            <a:off x="381000" y="685800"/>
+            <a:ext cx="6096000" cy="3429000"/>
+          </a:xfrm>
           <a:prstGeom prst="rect">
             <a:avLst/>
           </a:prstGeom>
@@ -774,14 +799,16 @@
           <a:bodyPr/>
           <a:lstStyle/>
           <a:p>
-            <a:pPr/>
+            <a:endParaRPr/>
           </a:p>
         </p:txBody>
       </p:sp>
       <p:sp>
         <p:nvSpPr>
           <p:cNvPr id="276" name="Shape 276"/>
-          <p:cNvSpPr/>
+          <p:cNvSpPr>
+            <a:spLocks noGrp="1"/>
+          </p:cNvSpPr>
           <p:nvPr>
             <p:ph type="body" sz="quarter" idx="1"/>
           </p:nvPr>
@@ -795,33 +822,36 @@
           <a:bodyPr/>
           <a:lstStyle/>
           <a:p>
-            <a:pPr/>
-            <a:r>
+            <a:r>
+              <a:rPr dirty="0"/>
               <a:t>This questionnaire was from the previous testers, and was after we did all the fixes.</a:t>
             </a:r>
           </a:p>
           <a:p>
-            <a:pPr/>
-            <a:r>
+            <a:r>
+              <a:rPr dirty="0"/>
               <a:t>The testers were not told what fixes had been applied; they were simply asked to re-test the game and submit new feedback.</a:t>
             </a:r>
           </a:p>
           <a:p>
-            <a:pPr/>
-          </a:p>
-          <a:p>
-            <a:pPr/>
-            <a:r>
+            <a:endParaRPr dirty="0"/>
+          </a:p>
+          <a:p>
+            <a:r>
+              <a:rPr dirty="0"/>
               <a:t>Their feedback was:</a:t>
             </a:r>
           </a:p>
           <a:p>
-            <a:pPr/>
-            <a:r>
+            <a:r>
+              <a:rPr dirty="0"/>
               <a:t>“A lot better. There are still irritating bits, but it is improved, and looks nice.</a:t>
             </a:r>
-            <a:br/>
-            <a:r>
+            <a:br>
+              <a:rPr dirty="0"/>
+            </a:br>
+            <a:r>
+              <a:rPr dirty="0"/>
               <a:t>I found it easy to move the player where I wanted - Mostly very good, though the elf maze still moves many steps unless I jab at the keyboard to only move one. The gameplay is more connected to the storyline after noticing the elf is fixing the house for Christmas. ”</a:t>
             </a:r>
           </a:p>
@@ -836,7 +866,7 @@
 </file>
 
 <file path=ppt/notesSlides/notesSlide2.xml><?xml version="1.0" encoding="utf-8"?>
-<p:notes xmlns:a="http://schemas.openxmlformats.org/drawingml/2006/main" xmlns:r="http://schemas.openxmlformats.org/officeDocument/2006/relationships" xmlns:p="http://schemas.openxmlformats.org/presentationml/2006/main" showMasterSp="1" showMasterPhAnim="1">
+<p:notes xmlns:a="http://schemas.openxmlformats.org/drawingml/2006/main" xmlns:r="http://schemas.openxmlformats.org/officeDocument/2006/relationships" xmlns:p="http://schemas.openxmlformats.org/presentationml/2006/main">
   <p:cSld>
     <p:spTree>
       <p:nvGrpSpPr>
@@ -855,12 +885,18 @@
       <p:sp>
         <p:nvSpPr>
           <p:cNvPr id="54" name="Shape 54"/>
-          <p:cNvSpPr/>
+          <p:cNvSpPr>
+            <a:spLocks noGrp="1" noRot="1" noChangeAspect="1"/>
+          </p:cNvSpPr>
           <p:nvPr>
             <p:ph type="sldImg"/>
           </p:nvPr>
         </p:nvSpPr>
         <p:spPr>
+          <a:xfrm>
+            <a:off x="381000" y="685800"/>
+            <a:ext cx="6096000" cy="3429000"/>
+          </a:xfrm>
           <a:prstGeom prst="rect">
             <a:avLst/>
           </a:prstGeom>
@@ -869,14 +905,16 @@
           <a:bodyPr/>
           <a:lstStyle/>
           <a:p>
-            <a:pPr/>
+            <a:endParaRPr/>
           </a:p>
         </p:txBody>
       </p:sp>
       <p:sp>
         <p:nvSpPr>
           <p:cNvPr id="55" name="Shape 55"/>
-          <p:cNvSpPr/>
+          <p:cNvSpPr>
+            <a:spLocks noGrp="1"/>
+          </p:cNvSpPr>
           <p:nvPr>
             <p:ph type="body" sz="quarter" idx="1"/>
           </p:nvPr>
@@ -890,25 +928,21 @@
           <a:bodyPr/>
           <a:lstStyle/>
           <a:p>
-            <a:pPr/>
             <a:r>
               <a:t>These are some games we researched before deciding what to do.  </a:t>
             </a:r>
           </a:p>
           <a:p>
-            <a:pPr/>
             <a:r>
               <a:t>We agreed we would like to do a platform game, with a puzzle at the end of each platform level. </a:t>
             </a:r>
           </a:p>
           <a:p>
-            <a:pPr/>
             <a:r>
               <a:t>We decided that we wanted a game for all the family to play. </a:t>
             </a:r>
           </a:p>
           <a:p>
-            <a:pPr/>
             <a:r>
               <a:t>We decided we wanted a non-combative game with puzzles and challenges to overcome, and items to collect. </a:t>
             </a:r>
@@ -924,7 +958,7 @@
 </file>
 
 <file path=ppt/notesSlides/notesSlide3.xml><?xml version="1.0" encoding="utf-8"?>
-<p:notes xmlns:a="http://schemas.openxmlformats.org/drawingml/2006/main" xmlns:r="http://schemas.openxmlformats.org/officeDocument/2006/relationships" xmlns:p="http://schemas.openxmlformats.org/presentationml/2006/main" showMasterSp="1" showMasterPhAnim="1">
+<p:notes xmlns:a="http://schemas.openxmlformats.org/drawingml/2006/main" xmlns:r="http://schemas.openxmlformats.org/officeDocument/2006/relationships" xmlns:p="http://schemas.openxmlformats.org/presentationml/2006/main">
   <p:cSld>
     <p:spTree>
       <p:nvGrpSpPr>
@@ -943,12 +977,18 @@
       <p:sp>
         <p:nvSpPr>
           <p:cNvPr id="66" name="Shape 66"/>
-          <p:cNvSpPr/>
+          <p:cNvSpPr>
+            <a:spLocks noGrp="1" noRot="1" noChangeAspect="1"/>
+          </p:cNvSpPr>
           <p:nvPr>
             <p:ph type="sldImg"/>
           </p:nvPr>
         </p:nvSpPr>
         <p:spPr>
+          <a:xfrm>
+            <a:off x="381000" y="685800"/>
+            <a:ext cx="6096000" cy="3429000"/>
+          </a:xfrm>
           <a:prstGeom prst="rect">
             <a:avLst/>
           </a:prstGeom>
@@ -957,14 +997,16 @@
           <a:bodyPr/>
           <a:lstStyle/>
           <a:p>
-            <a:pPr/>
+            <a:endParaRPr/>
           </a:p>
         </p:txBody>
       </p:sp>
       <p:sp>
         <p:nvSpPr>
           <p:cNvPr id="67" name="Shape 67"/>
-          <p:cNvSpPr/>
+          <p:cNvSpPr>
+            <a:spLocks noGrp="1"/>
+          </p:cNvSpPr>
           <p:nvPr>
             <p:ph type="body" sz="quarter" idx="1"/>
           </p:nvPr>
@@ -978,58 +1020,50 @@
           <a:bodyPr/>
           <a:lstStyle/>
           <a:p>
-            <a:pPr/>
             <a:r>
               <a:t>We agreed that the game should have a Christmas theme, and that each level would gradually populate the Christmas Room, building up from a bare room to a room with all the trimmings for Christmas. </a:t>
             </a:r>
           </a:p>
           <a:p>
-            <a:pPr/>
-          </a:p>
-          <a:p>
-            <a:pPr/>
+            <a:endParaRPr/>
+          </a:p>
+          <a:p>
             <a:r>
               <a:t>Leo was very keen to develop the graphics, and produced a suggestion sprite which we were very happy with. </a:t>
             </a:r>
           </a:p>
           <a:p>
-            <a:pPr/>
             <a:r>
               <a:t>Gary developed the ideas for the platform levels and how they would be laid out. </a:t>
             </a:r>
           </a:p>
           <a:p>
-            <a:pPr/>
             <a:r>
               <a:t>Ben came up with most of the ideas for the puzzles, and then coded these. </a:t>
             </a:r>
           </a:p>
           <a:p>
-            <a:pPr/>
             <a:r>
               <a:t>Val developed the platforming, developing movement and touching code using ideas from our first Java Swing games (balls bouncing inside a window, rebounding off each other, and with effects of gravity). </a:t>
             </a:r>
           </a:p>
           <a:p>
-            <a:pPr/>
             <a:r>
               <a:t>Alex set up the document and github areas, and the facebook group, and then did supporting code such as the main menu, lives and animation. </a:t>
             </a:r>
           </a:p>
           <a:p>
-            <a:pPr/>
-          </a:p>
-          <a:p>
-            <a:pPr/>
+            <a:endParaRPr/>
+          </a:p>
+          <a:p>
             <a:r>
               <a:t>Code was always kept up to date in github – generally people were working on different areas, so there were rarely any clashes.</a:t>
             </a:r>
           </a:p>
           <a:p>
-            <a:pPr/>
-          </a:p>
-          <a:p>
-            <a:pPr/>
+            <a:endParaRPr/>
+          </a:p>
+          <a:p>
             <a:r>
               <a:t>The weekly lab sessions were well attended and very useful.  We often spent 4hrs there reviewing what we’d achieved, what we should do next, who and how to do the next steps, and targets for getting things done.  Some weeks we also did group programming sessions which were very productive.  This is how we got started with the development at the start of Term2. </a:t>
             </a:r>
@@ -1045,7 +1079,7 @@
 </file>
 
 <file path=ppt/notesSlides/notesSlide4.xml><?xml version="1.0" encoding="utf-8"?>
-<p:notes xmlns:a="http://schemas.openxmlformats.org/drawingml/2006/main" xmlns:r="http://schemas.openxmlformats.org/officeDocument/2006/relationships" xmlns:p="http://schemas.openxmlformats.org/presentationml/2006/main" showMasterSp="1" showMasterPhAnim="1">
+<p:notes xmlns:a="http://schemas.openxmlformats.org/drawingml/2006/main" xmlns:r="http://schemas.openxmlformats.org/officeDocument/2006/relationships" xmlns:p="http://schemas.openxmlformats.org/presentationml/2006/main">
   <p:cSld>
     <p:spTree>
       <p:nvGrpSpPr>
@@ -1064,12 +1098,18 @@
       <p:sp>
         <p:nvSpPr>
           <p:cNvPr id="75" name="Shape 75"/>
-          <p:cNvSpPr/>
+          <p:cNvSpPr>
+            <a:spLocks noGrp="1" noRot="1" noChangeAspect="1"/>
+          </p:cNvSpPr>
           <p:nvPr>
             <p:ph type="sldImg"/>
           </p:nvPr>
         </p:nvSpPr>
         <p:spPr>
+          <a:xfrm>
+            <a:off x="381000" y="685800"/>
+            <a:ext cx="6096000" cy="3429000"/>
+          </a:xfrm>
           <a:prstGeom prst="rect">
             <a:avLst/>
           </a:prstGeom>
@@ -1078,14 +1118,16 @@
           <a:bodyPr/>
           <a:lstStyle/>
           <a:p>
-            <a:pPr/>
+            <a:endParaRPr/>
           </a:p>
         </p:txBody>
       </p:sp>
       <p:sp>
         <p:nvSpPr>
           <p:cNvPr id="76" name="Shape 76"/>
-          <p:cNvSpPr/>
+          <p:cNvSpPr>
+            <a:spLocks noGrp="1"/>
+          </p:cNvSpPr>
           <p:nvPr>
             <p:ph type="body" sz="quarter" idx="1"/>
           </p:nvPr>
@@ -1099,94 +1141,82 @@
           <a:bodyPr/>
           <a:lstStyle/>
           <a:p>
-            <a:pPr/>
             <a:r>
               <a:t>There are 4 levels, gradually increasing in difficulty.  The level or puzzle to be played is selected from the game menu.  You can only select a platform/level when you’ve completed the previous platform; you always start at the first platform.</a:t>
             </a:r>
           </a:p>
           <a:p>
-            <a:pPr/>
             <a:r>
               <a:t>The Christmas Room needs to be populated with 4 types of item: a tree, decorations, food, and presents.  Each level of the game achieves one type of aspect.  The platform and puzzle are paired, and relate to the aspect being achieved.</a:t>
             </a:r>
           </a:p>
           <a:p>
-            <a:pPr/>
-          </a:p>
-          <a:p>
-            <a:pPr/>
+            <a:endParaRPr/>
+          </a:p>
+          <a:p>
             <a:r>
               <a:t>There is a simple player sprite moving through the platforms.  There are no weapons or enemies, but there are hazards to avoid and items to collect.  Each level has one special item, the key, that must be collected to allow the player to exit at the end of the platform.</a:t>
             </a:r>
           </a:p>
           <a:p>
-            <a:pPr/>
-          </a:p>
-          <a:p>
-            <a:pPr/>
+            <a:endParaRPr/>
+          </a:p>
+          <a:p>
             <a:r>
               <a:t>Level 1 is in the forest.  The player must cross the lake collecting baubles and the key, without falling in the water.  The puzzle at the end of this platform is a maze, and the player must get to the end to find the Christmas tree.</a:t>
             </a:r>
           </a:p>
           <a:p>
-            <a:pPr/>
-          </a:p>
-          <a:p>
-            <a:pPr/>
+            <a:endParaRPr/>
+          </a:p>
+          <a:p>
             <a:r>
               <a:t>Movement in the platform is via WASD or arrow keys.  Moving upwards is done as a jump, and can only be done when the player is standing on something.  The player is affected by gravity. </a:t>
             </a:r>
           </a:p>
           <a:p>
-            <a:pPr/>
-          </a:p>
-          <a:p>
-            <a:pPr/>
+            <a:endParaRPr/>
+          </a:p>
+          <a:p>
             <a:r>
               <a:t>Level 2 is in the attic.  The player must search the attic collecting decorations.  This level introduces hazards – there are a few smoke outlets in the attic which must be avoided, and the player needs to avoid falling through the gaps in the ceiling.  The player needs to do more manoeuvring to successfully cross the attic.  There are “tunnels” where the player cannot jump upwards through the ceiling, as well as platforms that can be jumped up/down onto.</a:t>
             </a:r>
           </a:p>
           <a:p>
-            <a:pPr/>
-          </a:p>
-          <a:p>
-            <a:pPr/>
+            <a:endParaRPr/>
+          </a:p>
+          <a:p>
             <a:r>
               <a:t>The player has three lives at the start of each level.  Hitting a hazard, or falling off the bottom of the screen, loses a life and resets the character back to the start of that platform (although they retain any items collected so far).</a:t>
             </a:r>
           </a:p>
           <a:p>
-            <a:pPr/>
             <a:r>
               <a:t>If they lose all three lives, the platform game exits and they have to start that level again from the beginning. </a:t>
             </a:r>
           </a:p>
           <a:p>
-            <a:pPr/>
             <a:r>
               <a:t>When a platform game is successfully completed, all the items collected in that platform are displayed in the Christmas Room above the main menu.</a:t>
             </a:r>
           </a:p>
           <a:p>
-            <a:pPr/>
-          </a:p>
-          <a:p>
-            <a:pPr/>
+            <a:endParaRPr/>
+          </a:p>
+          <a:p>
             <a:r>
               <a:t>Level 3 is in the kitchen.  There are a lot more hazards here – fires and knives to be avoided.  These are awkwardly placed, so that care must be taken in navigating the kitchen. </a:t>
             </a:r>
           </a:p>
           <a:p>
-            <a:pPr/>
-          </a:p>
-          <a:p>
-            <a:pPr/>
+            <a:endParaRPr/>
+          </a:p>
+          <a:p>
             <a:r>
               <a:t>Level 4 is the Santa’s sleigh navigating the roofs.  Unlike the other platforms, the sleigh moves left/right automatically, and gradually drifts downwards.  The arrow keys can be used to change direction or boost movement.</a:t>
             </a:r>
           </a:p>
           <a:p>
-            <a:pPr/>
             <a:r>
               <a:t>In this level the sleigh must avoid the hazardous smoke coming from the chimneys.  There are a lot of chimneys, making navigation surprisingly awkward because of the size and style of movement of the sleigh.  </a:t>
             </a:r>
@@ -1202,7 +1232,7 @@
 </file>
 
 <file path=ppt/notesSlides/notesSlide5.xml><?xml version="1.0" encoding="utf-8"?>
-<p:notes xmlns:a="http://schemas.openxmlformats.org/drawingml/2006/main" xmlns:r="http://schemas.openxmlformats.org/officeDocument/2006/relationships" xmlns:p="http://schemas.openxmlformats.org/presentationml/2006/main" showMasterSp="1" showMasterPhAnim="1">
+<p:notes xmlns:a="http://schemas.openxmlformats.org/drawingml/2006/main" xmlns:r="http://schemas.openxmlformats.org/officeDocument/2006/relationships" xmlns:p="http://schemas.openxmlformats.org/presentationml/2006/main">
   <p:cSld>
     <p:spTree>
       <p:nvGrpSpPr>
@@ -1221,12 +1251,18 @@
       <p:sp>
         <p:nvSpPr>
           <p:cNvPr id="92" name="Shape 92"/>
-          <p:cNvSpPr/>
+          <p:cNvSpPr>
+            <a:spLocks noGrp="1" noRot="1" noChangeAspect="1"/>
+          </p:cNvSpPr>
           <p:nvPr>
             <p:ph type="sldImg"/>
           </p:nvPr>
         </p:nvSpPr>
         <p:spPr>
+          <a:xfrm>
+            <a:off x="381000" y="685800"/>
+            <a:ext cx="6096000" cy="3429000"/>
+          </a:xfrm>
           <a:prstGeom prst="rect">
             <a:avLst/>
           </a:prstGeom>
@@ -1235,14 +1271,16 @@
           <a:bodyPr/>
           <a:lstStyle/>
           <a:p>
-            <a:pPr/>
+            <a:endParaRPr/>
           </a:p>
         </p:txBody>
       </p:sp>
       <p:sp>
         <p:nvSpPr>
           <p:cNvPr id="93" name="Shape 93"/>
-          <p:cNvSpPr/>
+          <p:cNvSpPr>
+            <a:spLocks noGrp="1"/>
+          </p:cNvSpPr>
           <p:nvPr>
             <p:ph type="body" sz="quarter" idx="1"/>
           </p:nvPr>
@@ -1278,7 +1316,7 @@
 </file>
 
 <file path=ppt/notesSlides/notesSlide6.xml><?xml version="1.0" encoding="utf-8"?>
-<p:notes xmlns:a="http://schemas.openxmlformats.org/drawingml/2006/main" xmlns:r="http://schemas.openxmlformats.org/officeDocument/2006/relationships" xmlns:p="http://schemas.openxmlformats.org/presentationml/2006/main" showMasterSp="1" showMasterPhAnim="1">
+<p:notes xmlns:a="http://schemas.openxmlformats.org/drawingml/2006/main" xmlns:r="http://schemas.openxmlformats.org/officeDocument/2006/relationships" xmlns:p="http://schemas.openxmlformats.org/presentationml/2006/main">
   <p:cSld>
     <p:spTree>
       <p:nvGrpSpPr>
@@ -1297,12 +1335,18 @@
       <p:sp>
         <p:nvSpPr>
           <p:cNvPr id="111" name="Shape 111"/>
-          <p:cNvSpPr/>
+          <p:cNvSpPr>
+            <a:spLocks noGrp="1" noRot="1" noChangeAspect="1"/>
+          </p:cNvSpPr>
           <p:nvPr>
             <p:ph type="sldImg"/>
           </p:nvPr>
         </p:nvSpPr>
         <p:spPr>
+          <a:xfrm>
+            <a:off x="381000" y="685800"/>
+            <a:ext cx="6096000" cy="3429000"/>
+          </a:xfrm>
           <a:prstGeom prst="rect">
             <a:avLst/>
           </a:prstGeom>
@@ -1311,14 +1355,16 @@
           <a:bodyPr/>
           <a:lstStyle/>
           <a:p>
-            <a:pPr/>
+            <a:endParaRPr/>
           </a:p>
         </p:txBody>
       </p:sp>
       <p:sp>
         <p:nvSpPr>
           <p:cNvPr id="112" name="Shape 112"/>
-          <p:cNvSpPr/>
+          <p:cNvSpPr>
+            <a:spLocks noGrp="1"/>
+          </p:cNvSpPr>
           <p:nvPr>
             <p:ph type="body" sz="quarter" idx="1"/>
           </p:nvPr>
@@ -1332,55 +1378,48 @@
           <a:bodyPr/>
           <a:lstStyle/>
           <a:p>
-            <a:pPr/>
             <a:r>
               <a:t>Level 1 is in the forest.  The player must cross the lake collecting baubles and the key, without falling in the water.  This introduces the style of movement using WASD (or arrow keys and space), how platforms are navigated and the pitfalls.  Moving upwards is done as a jump, and can only be done when the player is standing on something.  The player is affected by gravity. </a:t>
             </a:r>
           </a:p>
           <a:p>
-            <a:pPr/>
-          </a:p>
-          <a:p>
-            <a:pPr/>
+            <a:endParaRPr/>
+          </a:p>
+          <a:p>
             <a:r>
               <a:t>Level 2 is in the attic.  The player must search the attic collecting decorations.  This level introduces hazards – there are a few smoke outlets in the attic which must be avoided, and the player needs to avoid falling through the gaps in the ceiling.  The player needs to do more manoeuvring to successfully cross the attic.  There are “tunnels” where the player cannot jump upwards through the ceiling, as well as platforms that can be jumped up/down onto.</a:t>
             </a:r>
           </a:p>
           <a:p>
-            <a:pPr/>
-          </a:p>
-          <a:p>
-            <a:pPr/>
+            <a:endParaRPr/>
+          </a:p>
+          <a:p>
             <a:r>
               <a:t>The player has three lives at the start of each level.  Hitting a hazard, or falling off the bottom of the screen, loses a life and resets the character back to the start of that platform (although they retain any items collected so far).</a:t>
             </a:r>
           </a:p>
           <a:p>
-            <a:pPr/>
             <a:r>
               <a:t>If they lose all three lives, the platform game exits and they have to start that level again from the beginning. </a:t>
             </a:r>
           </a:p>
           <a:p>
-            <a:pPr/>
-          </a:p>
-          <a:p>
-            <a:pPr/>
+            <a:endParaRPr/>
+          </a:p>
+          <a:p>
             <a:r>
               <a:t>Level 3 is in the kitchen.  There are a lot more hazards here – fires and knives to be avoided.  These are awkwardly placed, so that great care must be taken in navigating the kitchen. </a:t>
             </a:r>
           </a:p>
           <a:p>
-            <a:pPr/>
-          </a:p>
-          <a:p>
-            <a:pPr/>
+            <a:endParaRPr/>
+          </a:p>
+          <a:p>
             <a:r>
               <a:t>Level 4 is Santa’s sleigh navigating roofs.  Unlike the other platforms, the sleigh moves left/right automatically, and gradually drifts downwards.  The arrow keys can be used to change direction or boost movement.</a:t>
             </a:r>
           </a:p>
           <a:p>
-            <a:pPr/>
             <a:r>
               <a:t>In this level the sleigh must avoid the hazardous smoke coming from the chimneys.  There are a lot of chimneys, making navigation surprisingly awkward because of the size and style of movement of the sleigh.  </a:t>
             </a:r>
@@ -1396,7 +1435,7 @@
 </file>
 
 <file path=ppt/notesSlides/notesSlide7.xml><?xml version="1.0" encoding="utf-8"?>
-<p:notes xmlns:a="http://schemas.openxmlformats.org/drawingml/2006/main" xmlns:r="http://schemas.openxmlformats.org/officeDocument/2006/relationships" xmlns:p="http://schemas.openxmlformats.org/presentationml/2006/main" showMasterSp="1" showMasterPhAnim="1">
+<p:notes xmlns:a="http://schemas.openxmlformats.org/drawingml/2006/main" xmlns:r="http://schemas.openxmlformats.org/officeDocument/2006/relationships" xmlns:p="http://schemas.openxmlformats.org/presentationml/2006/main">
   <p:cSld>
     <p:spTree>
       <p:nvGrpSpPr>
@@ -1415,12 +1454,18 @@
       <p:sp>
         <p:nvSpPr>
           <p:cNvPr id="119" name="Shape 119"/>
-          <p:cNvSpPr/>
+          <p:cNvSpPr>
+            <a:spLocks noGrp="1" noRot="1" noChangeAspect="1"/>
+          </p:cNvSpPr>
           <p:nvPr>
             <p:ph type="sldImg"/>
           </p:nvPr>
         </p:nvSpPr>
         <p:spPr>
+          <a:xfrm>
+            <a:off x="381000" y="685800"/>
+            <a:ext cx="6096000" cy="3429000"/>
+          </a:xfrm>
           <a:prstGeom prst="rect">
             <a:avLst/>
           </a:prstGeom>
@@ -1429,14 +1474,16 @@
           <a:bodyPr/>
           <a:lstStyle/>
           <a:p>
-            <a:pPr/>
+            <a:endParaRPr/>
           </a:p>
         </p:txBody>
       </p:sp>
       <p:sp>
         <p:nvSpPr>
           <p:cNvPr id="120" name="Shape 120"/>
-          <p:cNvSpPr/>
+          <p:cNvSpPr>
+            <a:spLocks noGrp="1"/>
+          </p:cNvSpPr>
           <p:nvPr>
             <p:ph type="body" sz="quarter" idx="1"/>
           </p:nvPr>
@@ -1450,7 +1497,6 @@
           <a:bodyPr/>
           <a:lstStyle/>
           <a:p>
-            <a:pPr/>
             <a:r>
               <a:t>Redo this slide to make it more obvious what we’re are judging against</a:t>
             </a:r>
@@ -1466,7 +1512,7 @@
 </file>
 
 <file path=ppt/notesSlides/notesSlide8.xml><?xml version="1.0" encoding="utf-8"?>
-<p:notes xmlns:a="http://schemas.openxmlformats.org/drawingml/2006/main" xmlns:r="http://schemas.openxmlformats.org/officeDocument/2006/relationships" xmlns:p="http://schemas.openxmlformats.org/presentationml/2006/main" showMasterSp="1" showMasterPhAnim="1">
+<p:notes xmlns:a="http://schemas.openxmlformats.org/drawingml/2006/main" xmlns:r="http://schemas.openxmlformats.org/officeDocument/2006/relationships" xmlns:p="http://schemas.openxmlformats.org/presentationml/2006/main">
   <p:cSld>
     <p:spTree>
       <p:nvGrpSpPr>
@@ -1485,12 +1531,18 @@
       <p:sp>
         <p:nvSpPr>
           <p:cNvPr id="191" name="Shape 191"/>
-          <p:cNvSpPr/>
+          <p:cNvSpPr>
+            <a:spLocks noGrp="1" noRot="1" noChangeAspect="1"/>
+          </p:cNvSpPr>
           <p:nvPr>
             <p:ph type="sldImg"/>
           </p:nvPr>
         </p:nvSpPr>
         <p:spPr>
+          <a:xfrm>
+            <a:off x="381000" y="685800"/>
+            <a:ext cx="6096000" cy="3429000"/>
+          </a:xfrm>
           <a:prstGeom prst="rect">
             <a:avLst/>
           </a:prstGeom>
@@ -1499,14 +1551,16 @@
           <a:bodyPr/>
           <a:lstStyle/>
           <a:p>
-            <a:pPr/>
+            <a:endParaRPr/>
           </a:p>
         </p:txBody>
       </p:sp>
       <p:sp>
         <p:nvSpPr>
           <p:cNvPr id="192" name="Shape 192"/>
-          <p:cNvSpPr/>
+          <p:cNvSpPr>
+            <a:spLocks noGrp="1"/>
+          </p:cNvSpPr>
           <p:nvPr>
             <p:ph type="body" sz="quarter" idx="1"/>
           </p:nvPr>
@@ -1520,7 +1574,6 @@
           <a:bodyPr/>
           <a:lstStyle/>
           <a:p>
-            <a:pPr/>
             <a:r>
               <a:t>I don’t like this slide.  It takes up space and says very little.</a:t>
             </a:r>
@@ -1536,7 +1589,7 @@
 </file>
 
 <file path=ppt/notesSlides/notesSlide9.xml><?xml version="1.0" encoding="utf-8"?>
-<p:notes xmlns:a="http://schemas.openxmlformats.org/drawingml/2006/main" xmlns:r="http://schemas.openxmlformats.org/officeDocument/2006/relationships" xmlns:p="http://schemas.openxmlformats.org/presentationml/2006/main" showMasterSp="1" showMasterPhAnim="1">
+<p:notes xmlns:a="http://schemas.openxmlformats.org/drawingml/2006/main" xmlns:r="http://schemas.openxmlformats.org/officeDocument/2006/relationships" xmlns:p="http://schemas.openxmlformats.org/presentationml/2006/main">
   <p:cSld>
     <p:spTree>
       <p:nvGrpSpPr>
@@ -1555,12 +1608,18 @@
       <p:sp>
         <p:nvSpPr>
           <p:cNvPr id="202" name="Shape 202"/>
-          <p:cNvSpPr/>
+          <p:cNvSpPr>
+            <a:spLocks noGrp="1" noRot="1" noChangeAspect="1"/>
+          </p:cNvSpPr>
           <p:nvPr>
             <p:ph type="sldImg"/>
           </p:nvPr>
         </p:nvSpPr>
         <p:spPr>
+          <a:xfrm>
+            <a:off x="381000" y="685800"/>
+            <a:ext cx="6096000" cy="3429000"/>
+          </a:xfrm>
           <a:prstGeom prst="rect">
             <a:avLst/>
           </a:prstGeom>
@@ -1569,14 +1628,16 @@
           <a:bodyPr/>
           <a:lstStyle/>
           <a:p>
-            <a:pPr/>
+            <a:endParaRPr/>
           </a:p>
         </p:txBody>
       </p:sp>
       <p:sp>
         <p:nvSpPr>
           <p:cNvPr id="203" name="Shape 203"/>
-          <p:cNvSpPr/>
+          <p:cNvSpPr>
+            <a:spLocks noGrp="1"/>
+          </p:cNvSpPr>
           <p:nvPr>
             <p:ph type="body" sz="quarter" idx="1"/>
           </p:nvPr>
@@ -1590,7 +1651,6 @@
           <a:bodyPr/>
           <a:lstStyle/>
           <a:p>
-            <a:pPr/>
             <a:r>
               <a:t>Do we want to add anything about ‘touching’? This was what everyone said they were pleased with when Jaejoon asked.</a:t>
             </a:r>
@@ -1606,7 +1666,7 @@
 </file>
 
 <file path=ppt/slideLayouts/slideLayout1.xml><?xml version="1.0" encoding="utf-8"?>
-<p:sldLayout xmlns:a="http://schemas.openxmlformats.org/drawingml/2006/main" xmlns:r="http://schemas.openxmlformats.org/officeDocument/2006/relationships" xmlns:p="http://schemas.openxmlformats.org/presentationml/2006/main" type="tx" showMasterSp="1" showMasterPhAnim="1">
+<p:sldLayout xmlns:a="http://schemas.openxmlformats.org/drawingml/2006/main" xmlns:r="http://schemas.openxmlformats.org/officeDocument/2006/relationships" xmlns:p="http://schemas.openxmlformats.org/presentationml/2006/main" type="tx">
   <p:cSld name="Default">
     <p:spTree>
       <p:nvGrpSpPr>
@@ -1625,7 +1685,9 @@
       <p:sp>
         <p:nvSpPr>
           <p:cNvPr id="11" name="Title Text"/>
-          <p:cNvSpPr txBox="1"/>
+          <p:cNvSpPr txBox="1">
+            <a:spLocks noGrp="1"/>
+          </p:cNvSpPr>
           <p:nvPr>
             <p:ph type="title"/>
           </p:nvPr>
@@ -1639,7 +1701,6 @@
           <a:bodyPr/>
           <a:lstStyle/>
           <a:p>
-            <a:pPr/>
             <a:r>
               <a:t>Title Text</a:t>
             </a:r>
@@ -1649,7 +1710,9 @@
       <p:sp>
         <p:nvSpPr>
           <p:cNvPr id="12" name="Body Level One…"/>
-          <p:cNvSpPr txBox="1"/>
+          <p:cNvSpPr txBox="1">
+            <a:spLocks noGrp="1"/>
+          </p:cNvSpPr>
           <p:nvPr>
             <p:ph type="body" idx="1"/>
           </p:nvPr>
@@ -1663,7 +1726,6 @@
           <a:bodyPr/>
           <a:lstStyle/>
           <a:p>
-            <a:pPr/>
             <a:r>
               <a:t>Body Level One</a:t>
             </a:r>
@@ -1697,7 +1759,9 @@
       <p:sp>
         <p:nvSpPr>
           <p:cNvPr id="13" name="Slide Number"/>
-          <p:cNvSpPr txBox="1"/>
+          <p:cNvSpPr txBox="1">
+            <a:spLocks noGrp="1"/>
+          </p:cNvSpPr>
           <p:nvPr>
             <p:ph type="sldNum" sz="quarter" idx="2"/>
           </p:nvPr>
@@ -1711,8 +1775,10 @@
           <a:bodyPr/>
           <a:lstStyle/>
           <a:p>
-            <a:pPr/>
-            <a:fld id="{86CB4B4D-7CA3-9044-876B-883B54F8677D}" type="slidenum"/>
+            <a:fld id="{86CB4B4D-7CA3-9044-876B-883B54F8677D}" type="slidenum">
+              <a:t>‹#›</a:t>
+            </a:fld>
+            <a:endParaRPr/>
           </a:p>
         </p:txBody>
       </p:sp>
@@ -1721,7 +1787,7 @@
   <p:clrMapOvr>
     <a:masterClrMapping/>
   </p:clrMapOvr>
-  <p:transition xmlns:p14="http://schemas.microsoft.com/office/powerpoint/2010/main" spd="med" advClick="1"/>
+  <p:transition spd="med"/>
 </p:sldLayout>
 </file>
 
@@ -1733,6 +1799,7 @@
         <a:solidFill>
           <a:srgbClr val="FFFFFF"/>
         </a:solidFill>
+        <a:effectLst/>
       </p:bgPr>
     </p:bg>
     <p:spTree>
@@ -1752,7 +1819,9 @@
       <p:sp>
         <p:nvSpPr>
           <p:cNvPr id="2" name="Title Text"/>
-          <p:cNvSpPr txBox="1"/>
+          <p:cNvSpPr txBox="1">
+            <a:spLocks noGrp="1"/>
+          </p:cNvSpPr>
           <p:nvPr>
             <p:ph type="title"/>
           </p:nvPr>
@@ -1770,17 +1839,16 @@
           </a:ln>
           <a:extLst>
             <a:ext uri="{C572A759-6A51-4108-AA02-DFA0A04FC94B}">
-              <ma14:wrappingTextBoxFlag xmlns:ma14="http://schemas.microsoft.com/office/mac/drawingml/2011/main" val="1"/>
+              <ma14:wrappingTextBoxFlag xmlns:ma14="http://schemas.microsoft.com/office/mac/drawingml/2011/main" xmlns="" val="1"/>
             </a:ext>
           </a:extLst>
         </p:spPr>
         <p:txBody>
           <a:bodyPr lIns="45719" rIns="45719" anchor="ctr">
-            <a:normAutofit fontScale="100000" lnSpcReduction="0"/>
+            <a:normAutofit/>
           </a:bodyPr>
           <a:lstStyle/>
           <a:p>
-            <a:pPr/>
             <a:r>
               <a:t>Title Text</a:t>
             </a:r>
@@ -1790,7 +1858,9 @@
       <p:sp>
         <p:nvSpPr>
           <p:cNvPr id="3" name="Body Level One…"/>
-          <p:cNvSpPr txBox="1"/>
+          <p:cNvSpPr txBox="1">
+            <a:spLocks noGrp="1"/>
+          </p:cNvSpPr>
           <p:nvPr>
             <p:ph type="body" idx="1"/>
           </p:nvPr>
@@ -1808,17 +1878,16 @@
           </a:ln>
           <a:extLst>
             <a:ext uri="{C572A759-6A51-4108-AA02-DFA0A04FC94B}">
-              <ma14:wrappingTextBoxFlag xmlns:ma14="http://schemas.microsoft.com/office/mac/drawingml/2011/main" val="1"/>
+              <ma14:wrappingTextBoxFlag xmlns:ma14="http://schemas.microsoft.com/office/mac/drawingml/2011/main" xmlns="" val="1"/>
             </a:ext>
           </a:extLst>
         </p:spPr>
         <p:txBody>
           <a:bodyPr lIns="45719" rIns="45719">
-            <a:normAutofit fontScale="100000" lnSpcReduction="0"/>
+            <a:normAutofit/>
           </a:bodyPr>
           <a:lstStyle/>
           <a:p>
-            <a:pPr/>
             <a:r>
               <a:t>Body Level One</a:t>
             </a:r>
@@ -1852,7 +1921,9 @@
       <p:sp>
         <p:nvSpPr>
           <p:cNvPr id="4" name="Slide Number"/>
-          <p:cNvSpPr txBox="1"/>
+          <p:cNvSpPr txBox="1">
+            <a:spLocks noGrp="1"/>
+          </p:cNvSpPr>
           <p:nvPr>
             <p:ph type="sldNum" sz="quarter" idx="2"/>
           </p:nvPr>
@@ -1883,8 +1954,10 @@
             </a:lvl1pPr>
           </a:lstStyle>
           <a:p>
-            <a:pPr/>
-            <a:fld id="{86CB4B4D-7CA3-9044-876B-883B54F8677D}" type="slidenum"/>
+            <a:fld id="{86CB4B4D-7CA3-9044-876B-883B54F8677D}" type="slidenum">
+              <a:t>‹#›</a:t>
+            </a:fld>
+            <a:endParaRPr/>
           </a:p>
         </p:txBody>
       </p:sp>
@@ -1892,9 +1965,9 @@
   </p:cSld>
   <p:clrMap bg1="lt1" tx1="dk1" bg2="lt2" tx2="dk2" accent1="accent1" accent2="accent2" accent3="accent3" accent4="accent4" accent5="accent5" accent6="accent6" hlink="hlink" folHlink="folHlink"/>
   <p:sldLayoutIdLst>
-    <p:sldLayoutId id="2147483649" r:id="rId2"/>
+    <p:sldLayoutId id="2147483649" r:id="rId1"/>
   </p:sldLayoutIdLst>
-  <p:transition xmlns:p14="http://schemas.microsoft.com/office/powerpoint/2010/main" spd="med" advClick="1"/>
+  <p:transition spd="med"/>
   <p:txStyles>
     <p:titleStyle>
       <a:lvl1pPr marL="0" marR="0" indent="0" algn="l" defTabSz="914400" rtl="0" latinLnBrk="0">
@@ -1912,7 +1985,7 @@
         <a:buFontTx/>
         <a:buNone/>
         <a:tabLst/>
-        <a:defRPr b="0" baseline="0" cap="none" i="0" spc="0" strike="noStrike" sz="4400" u="none">
+        <a:defRPr sz="4400" b="0" i="0" u="none" strike="noStrike" cap="none" spc="0" baseline="0">
           <a:ln>
             <a:noFill/>
           </a:ln>
@@ -1941,7 +2014,7 @@
         <a:buFontTx/>
         <a:buNone/>
         <a:tabLst/>
-        <a:defRPr b="0" baseline="0" cap="none" i="0" spc="0" strike="noStrike" sz="4400" u="none">
+        <a:defRPr sz="4400" b="0" i="0" u="none" strike="noStrike" cap="none" spc="0" baseline="0">
           <a:ln>
             <a:noFill/>
           </a:ln>
@@ -1970,7 +2043,7 @@
         <a:buFontTx/>
         <a:buNone/>
         <a:tabLst/>
-        <a:defRPr b="0" baseline="0" cap="none" i="0" spc="0" strike="noStrike" sz="4400" u="none">
+        <a:defRPr sz="4400" b="0" i="0" u="none" strike="noStrike" cap="none" spc="0" baseline="0">
           <a:ln>
             <a:noFill/>
           </a:ln>
@@ -1999,7 +2072,7 @@
         <a:buFontTx/>
         <a:buNone/>
         <a:tabLst/>
-        <a:defRPr b="0" baseline="0" cap="none" i="0" spc="0" strike="noStrike" sz="4400" u="none">
+        <a:defRPr sz="4400" b="0" i="0" u="none" strike="noStrike" cap="none" spc="0" baseline="0">
           <a:ln>
             <a:noFill/>
           </a:ln>
@@ -2028,7 +2101,7 @@
         <a:buFontTx/>
         <a:buNone/>
         <a:tabLst/>
-        <a:defRPr b="0" baseline="0" cap="none" i="0" spc="0" strike="noStrike" sz="4400" u="none">
+        <a:defRPr sz="4400" b="0" i="0" u="none" strike="noStrike" cap="none" spc="0" baseline="0">
           <a:ln>
             <a:noFill/>
           </a:ln>
@@ -2057,7 +2130,7 @@
         <a:buFontTx/>
         <a:buNone/>
         <a:tabLst/>
-        <a:defRPr b="0" baseline="0" cap="none" i="0" spc="0" strike="noStrike" sz="4400" u="none">
+        <a:defRPr sz="4400" b="0" i="0" u="none" strike="noStrike" cap="none" spc="0" baseline="0">
           <a:ln>
             <a:noFill/>
           </a:ln>
@@ -2086,7 +2159,7 @@
         <a:buFontTx/>
         <a:buNone/>
         <a:tabLst/>
-        <a:defRPr b="0" baseline="0" cap="none" i="0" spc="0" strike="noStrike" sz="4400" u="none">
+        <a:defRPr sz="4400" b="0" i="0" u="none" strike="noStrike" cap="none" spc="0" baseline="0">
           <a:ln>
             <a:noFill/>
           </a:ln>
@@ -2115,7 +2188,7 @@
         <a:buFontTx/>
         <a:buNone/>
         <a:tabLst/>
-        <a:defRPr b="0" baseline="0" cap="none" i="0" spc="0" strike="noStrike" sz="4400" u="none">
+        <a:defRPr sz="4400" b="0" i="0" u="none" strike="noStrike" cap="none" spc="0" baseline="0">
           <a:ln>
             <a:noFill/>
           </a:ln>
@@ -2144,7 +2217,7 @@
         <a:buFontTx/>
         <a:buNone/>
         <a:tabLst/>
-        <a:defRPr b="0" baseline="0" cap="none" i="0" spc="0" strike="noStrike" sz="4400" u="none">
+        <a:defRPr sz="4400" b="0" i="0" u="none" strike="noStrike" cap="none" spc="0" baseline="0">
           <a:ln>
             <a:noFill/>
           </a:ln>
@@ -2175,7 +2248,7 @@
         <a:buFont typeface="Arial"/>
         <a:buChar char="•"/>
         <a:tabLst/>
-        <a:defRPr b="0" baseline="0" cap="none" i="0" spc="0" strike="noStrike" sz="2800" u="none">
+        <a:defRPr sz="2800" b="0" i="0" u="none" strike="noStrike" cap="none" spc="0" baseline="0">
           <a:ln>
             <a:noFill/>
           </a:ln>
@@ -2204,7 +2277,7 @@
         <a:buFont typeface="Arial"/>
         <a:buChar char="•"/>
         <a:tabLst/>
-        <a:defRPr b="0" baseline="0" cap="none" i="0" spc="0" strike="noStrike" sz="2800" u="none">
+        <a:defRPr sz="2800" b="0" i="0" u="none" strike="noStrike" cap="none" spc="0" baseline="0">
           <a:ln>
             <a:noFill/>
           </a:ln>
@@ -2233,7 +2306,7 @@
         <a:buFont typeface="Arial"/>
         <a:buChar char="•"/>
         <a:tabLst/>
-        <a:defRPr b="0" baseline="0" cap="none" i="0" spc="0" strike="noStrike" sz="2800" u="none">
+        <a:defRPr sz="2800" b="0" i="0" u="none" strike="noStrike" cap="none" spc="0" baseline="0">
           <a:ln>
             <a:noFill/>
           </a:ln>
@@ -2262,7 +2335,7 @@
         <a:buFont typeface="Arial"/>
         <a:buChar char="•"/>
         <a:tabLst/>
-        <a:defRPr b="0" baseline="0" cap="none" i="0" spc="0" strike="noStrike" sz="2800" u="none">
+        <a:defRPr sz="2800" b="0" i="0" u="none" strike="noStrike" cap="none" spc="0" baseline="0">
           <a:ln>
             <a:noFill/>
           </a:ln>
@@ -2291,7 +2364,7 @@
         <a:buFont typeface="Arial"/>
         <a:buChar char="•"/>
         <a:tabLst/>
-        <a:defRPr b="0" baseline="0" cap="none" i="0" spc="0" strike="noStrike" sz="2800" u="none">
+        <a:defRPr sz="2800" b="0" i="0" u="none" strike="noStrike" cap="none" spc="0" baseline="0">
           <a:ln>
             <a:noFill/>
           </a:ln>
@@ -2320,7 +2393,7 @@
         <a:buFont typeface="Arial"/>
         <a:buChar char=""/>
         <a:tabLst/>
-        <a:defRPr b="0" baseline="0" cap="none" i="0" spc="0" strike="noStrike" sz="2800" u="none">
+        <a:defRPr sz="2800" b="0" i="0" u="none" strike="noStrike" cap="none" spc="0" baseline="0">
           <a:ln>
             <a:noFill/>
           </a:ln>
@@ -2349,7 +2422,7 @@
         <a:buFont typeface="Arial"/>
         <a:buChar char=""/>
         <a:tabLst/>
-        <a:defRPr b="0" baseline="0" cap="none" i="0" spc="0" strike="noStrike" sz="2800" u="none">
+        <a:defRPr sz="2800" b="0" i="0" u="none" strike="noStrike" cap="none" spc="0" baseline="0">
           <a:ln>
             <a:noFill/>
           </a:ln>
@@ -2378,7 +2451,7 @@
         <a:buFont typeface="Arial"/>
         <a:buChar char=""/>
         <a:tabLst/>
-        <a:defRPr b="0" baseline="0" cap="none" i="0" spc="0" strike="noStrike" sz="2800" u="none">
+        <a:defRPr sz="2800" b="0" i="0" u="none" strike="noStrike" cap="none" spc="0" baseline="0">
           <a:ln>
             <a:noFill/>
           </a:ln>
@@ -2407,7 +2480,7 @@
         <a:buFont typeface="Arial"/>
         <a:buChar char=""/>
         <a:tabLst/>
-        <a:defRPr b="0" baseline="0" cap="none" i="0" spc="0" strike="noStrike" sz="2800" u="none">
+        <a:defRPr sz="2800" b="0" i="0" u="none" strike="noStrike" cap="none" spc="0" baseline="0">
           <a:ln>
             <a:noFill/>
           </a:ln>
@@ -2438,7 +2511,7 @@
         <a:buFontTx/>
         <a:buNone/>
         <a:tabLst/>
-        <a:defRPr b="0" baseline="0" cap="none" i="0" spc="0" strike="noStrike" sz="1200" u="none">
+        <a:defRPr sz="1200" b="0" i="0" u="none" strike="noStrike" cap="none" spc="0" baseline="0">
           <a:ln>
             <a:noFill/>
           </a:ln>
@@ -2467,7 +2540,7 @@
         <a:buFontTx/>
         <a:buNone/>
         <a:tabLst/>
-        <a:defRPr b="0" baseline="0" cap="none" i="0" spc="0" strike="noStrike" sz="1200" u="none">
+        <a:defRPr sz="1200" b="0" i="0" u="none" strike="noStrike" cap="none" spc="0" baseline="0">
           <a:ln>
             <a:noFill/>
           </a:ln>
@@ -2496,7 +2569,7 @@
         <a:buFontTx/>
         <a:buNone/>
         <a:tabLst/>
-        <a:defRPr b="0" baseline="0" cap="none" i="0" spc="0" strike="noStrike" sz="1200" u="none">
+        <a:defRPr sz="1200" b="0" i="0" u="none" strike="noStrike" cap="none" spc="0" baseline="0">
           <a:ln>
             <a:noFill/>
           </a:ln>
@@ -2525,7 +2598,7 @@
         <a:buFontTx/>
         <a:buNone/>
         <a:tabLst/>
-        <a:defRPr b="0" baseline="0" cap="none" i="0" spc="0" strike="noStrike" sz="1200" u="none">
+        <a:defRPr sz="1200" b="0" i="0" u="none" strike="noStrike" cap="none" spc="0" baseline="0">
           <a:ln>
             <a:noFill/>
           </a:ln>
@@ -2554,7 +2627,7 @@
         <a:buFontTx/>
         <a:buNone/>
         <a:tabLst/>
-        <a:defRPr b="0" baseline="0" cap="none" i="0" spc="0" strike="noStrike" sz="1200" u="none">
+        <a:defRPr sz="1200" b="0" i="0" u="none" strike="noStrike" cap="none" spc="0" baseline="0">
           <a:ln>
             <a:noFill/>
           </a:ln>
@@ -2583,7 +2656,7 @@
         <a:buFontTx/>
         <a:buNone/>
         <a:tabLst/>
-        <a:defRPr b="0" baseline="0" cap="none" i="0" spc="0" strike="noStrike" sz="1200" u="none">
+        <a:defRPr sz="1200" b="0" i="0" u="none" strike="noStrike" cap="none" spc="0" baseline="0">
           <a:ln>
             <a:noFill/>
           </a:ln>
@@ -2612,7 +2685,7 @@
         <a:buFontTx/>
         <a:buNone/>
         <a:tabLst/>
-        <a:defRPr b="0" baseline="0" cap="none" i="0" spc="0" strike="noStrike" sz="1200" u="none">
+        <a:defRPr sz="1200" b="0" i="0" u="none" strike="noStrike" cap="none" spc="0" baseline="0">
           <a:ln>
             <a:noFill/>
           </a:ln>
@@ -2641,7 +2714,7 @@
         <a:buFontTx/>
         <a:buNone/>
         <a:tabLst/>
-        <a:defRPr b="0" baseline="0" cap="none" i="0" spc="0" strike="noStrike" sz="1200" u="none">
+        <a:defRPr sz="1200" b="0" i="0" u="none" strike="noStrike" cap="none" spc="0" baseline="0">
           <a:ln>
             <a:noFill/>
           </a:ln>
@@ -2670,7 +2743,7 @@
         <a:buFontTx/>
         <a:buNone/>
         <a:tabLst/>
-        <a:defRPr b="0" baseline="0" cap="none" i="0" spc="0" strike="noStrike" sz="1200" u="none">
+        <a:defRPr sz="1200" b="0" i="0" u="none" strike="noStrike" cap="none" spc="0" baseline="0">
           <a:ln>
             <a:noFill/>
           </a:ln>
@@ -2690,7 +2763,7 @@
 </file>
 
 <file path=ppt/slides/slide1.xml><?xml version="1.0" encoding="utf-8"?>
-<p:sld xmlns:a="http://schemas.openxmlformats.org/drawingml/2006/main" xmlns:r="http://schemas.openxmlformats.org/officeDocument/2006/relationships" xmlns:p="http://schemas.openxmlformats.org/presentationml/2006/main" showMasterSp="1" showMasterPhAnim="1">
+<p:sld xmlns:a="http://schemas.openxmlformats.org/drawingml/2006/main" xmlns:r="http://schemas.openxmlformats.org/officeDocument/2006/relationships" xmlns:p="http://schemas.openxmlformats.org/presentationml/2006/main">
   <p:cSld>
     <p:spTree>
       <p:nvGrpSpPr>
@@ -2709,7 +2782,9 @@
       <p:sp>
         <p:nvSpPr>
           <p:cNvPr id="22" name="Title 1"/>
-          <p:cNvSpPr txBox="1"/>
+          <p:cNvSpPr txBox="1">
+            <a:spLocks noGrp="1"/>
+          </p:cNvSpPr>
           <p:nvPr>
             <p:ph type="title"/>
           </p:nvPr>
@@ -2746,7 +2821,9 @@
       <p:sp>
         <p:nvSpPr>
           <p:cNvPr id="23" name="Content Placeholder 2"/>
-          <p:cNvSpPr txBox="1"/>
+          <p:cNvSpPr txBox="1">
+            <a:spLocks noGrp="1"/>
+          </p:cNvSpPr>
           <p:nvPr>
             <p:ph type="body" idx="1"/>
           </p:nvPr>
@@ -2769,29 +2846,30 @@
               <a:buNone/>
             </a:pPr>
             <a:r>
+              <a:rPr dirty="0"/>
               <a:t>We have 15 mins - that’s a maximum of 15 slides:</a:t>
             </a:r>
           </a:p>
           <a:p>
-            <a:pPr/>
-            <a:r>
+            <a:r>
+              <a:rPr dirty="0"/>
               <a:t>1 title slide</a:t>
             </a:r>
           </a:p>
           <a:p>
-            <a:pPr/>
-            <a:r>
+            <a:r>
+              <a:rPr dirty="0"/>
               <a:t>2 slides describing overall project (5%)</a:t>
             </a:r>
           </a:p>
           <a:p>
-            <a:pPr/>
-            <a:r>
+            <a:r>
+              <a:rPr dirty="0"/>
               <a:t>4 slides on gameplay (30%)</a:t>
             </a:r>
           </a:p>
           <a:p>
-            <a:pPr lvl="1" marL="685800" indent="-228600">
+            <a:pPr marL="685800" lvl="1" indent="-228600">
               <a:lnSpc>
                 <a:spcPct val="100000"/>
               </a:lnSpc>
@@ -2801,11 +2879,12 @@
               <a:defRPr sz="2400"/>
             </a:pPr>
             <a:r>
+              <a:rPr dirty="0"/>
               <a:t>3 slides describing levels</a:t>
             </a:r>
           </a:p>
           <a:p>
-            <a:pPr lvl="1" marL="685800" indent="-228600">
+            <a:pPr marL="685800" lvl="1" indent="-228600">
               <a:lnSpc>
                 <a:spcPct val="100000"/>
               </a:lnSpc>
@@ -2815,24 +2894,25 @@
               <a:defRPr sz="2400"/>
             </a:pPr>
             <a:r>
+              <a:rPr dirty="0"/>
               <a:t>1 slide referring to game design principles</a:t>
             </a:r>
           </a:p>
           <a:p>
-            <a:pPr/>
-            <a:r>
+            <a:r>
+              <a:rPr dirty="0"/>
               <a:t>2-3 slides on implementation challenges (30%)</a:t>
             </a:r>
           </a:p>
           <a:p>
-            <a:pPr/>
-            <a:r>
+            <a:r>
+              <a:rPr dirty="0"/>
               <a:t>3 slides on user testing/evaluation  (20%)</a:t>
             </a:r>
           </a:p>
           <a:p>
-            <a:pPr/>
-            <a:r>
+            <a:r>
+              <a:rPr dirty="0"/>
               <a:t>3-2 slides on reflective evaluation (15%)</a:t>
             </a:r>
           </a:p>
@@ -2843,12 +2923,12 @@
   <p:clrMapOvr>
     <a:masterClrMapping/>
   </p:clrMapOvr>
-  <p:transition xmlns:p14="http://schemas.microsoft.com/office/powerpoint/2010/main" spd="med" advClick="1"/>
+  <p:transition spd="med"/>
 </p:sld>
 </file>
 
 <file path=ppt/slides/slide10.xml><?xml version="1.0" encoding="utf-8"?>
-<p:sld xmlns:a="http://schemas.openxmlformats.org/drawingml/2006/main" xmlns:r="http://schemas.openxmlformats.org/officeDocument/2006/relationships" xmlns:p="http://schemas.openxmlformats.org/presentationml/2006/main" showMasterSp="1" showMasterPhAnim="1">
+<p:sld xmlns:a="http://schemas.openxmlformats.org/drawingml/2006/main" xmlns:r="http://schemas.openxmlformats.org/officeDocument/2006/relationships" xmlns:p="http://schemas.openxmlformats.org/presentationml/2006/main">
   <p:cSld>
     <p:spTree>
       <p:nvGrpSpPr>
@@ -2925,7 +3005,9 @@
       <p:sp>
         <p:nvSpPr>
           <p:cNvPr id="196" name="Title 1"/>
-          <p:cNvSpPr txBox="1"/>
+          <p:cNvSpPr txBox="1">
+            <a:spLocks noGrp="1"/>
+          </p:cNvSpPr>
           <p:nvPr>
             <p:ph type="title"/>
           </p:nvPr>
@@ -2949,13 +3031,15 @@
           </a:ln>
         </p:spPr>
         <p:txBody>
-          <a:bodyPr/>
+          <a:bodyPr>
+            <a:normAutofit/>
+          </a:bodyPr>
           <a:lstStyle/>
           <a:p>
             <a:pPr defTabSz="708342">
               <a:tabLst>
-                <a:tab pos="4025900" algn="r"/>
-                <a:tab pos="7988300" algn="r"/>
+                <a:tab pos="5197475" algn="ctr"/>
+                <a:tab pos="10312400" algn="r"/>
               </a:tabLst>
               <a:defRPr sz="3007">
                 <a:latin typeface="+mn-lt"/>
@@ -2965,10 +3049,11 @@
               </a:defRPr>
             </a:pPr>
             <a:r>
+              <a:rPr dirty="0"/>
               <a:t>	Implementation Challenges	</a:t>
             </a:r>
             <a:r>
-              <a:rPr i="1"/>
+              <a:rPr i="1" dirty="0"/>
               <a:t>(3)</a:t>
             </a:r>
           </a:p>
@@ -2977,7 +3062,9 @@
       <p:sp>
         <p:nvSpPr>
           <p:cNvPr id="197" name="Content Placeholder 2"/>
-          <p:cNvSpPr txBox="1"/>
+          <p:cNvSpPr txBox="1">
+            <a:spLocks noGrp="1"/>
+          </p:cNvSpPr>
           <p:nvPr>
             <p:ph type="body" idx="1"/>
           </p:nvPr>
@@ -3004,7 +3091,14 @@
           <a:bodyPr/>
           <a:lstStyle/>
           <a:p>
-            <a:pPr/>
+            <a:pPr marL="0" indent="0">
+              <a:buNone/>
+            </a:pPr>
+            <a:r>
+              <a:rPr lang="en-GB" dirty="0"/>
+              <a:t> </a:t>
+            </a:r>
+            <a:endParaRPr dirty="0"/>
           </a:p>
         </p:txBody>
       </p:sp>
@@ -3027,7 +3121,7 @@
           </a:ln>
           <a:extLst>
             <a:ext uri="{C572A759-6A51-4108-AA02-DFA0A04FC94B}">
-              <ma14:wrappingTextBoxFlag xmlns:ma14="http://schemas.microsoft.com/office/mac/drawingml/2011/main" val="1"/>
+              <ma14:wrappingTextBoxFlag xmlns:ma14="http://schemas.microsoft.com/office/mac/drawingml/2011/main" xmlns="" val="1"/>
             </a:ext>
           </a:extLst>
         </p:spPr>
@@ -3037,87 +3131,131 @@
           </a:bodyPr>
           <a:lstStyle/>
           <a:p>
-            <a:pPr marL="88900" indent="-88900">
+            <a:pPr>
               <a:defRPr b="1"/>
             </a:pPr>
             <a:r>
-              <a:t>How to sidescroll without a camera?</a:t>
-            </a:r>
-          </a:p>
-          <a:p>
-            <a:pPr marL="88900" indent="-88900"/>
-            <a:r>
+              <a:rPr dirty="0"/>
+              <a:t>How to </a:t>
+            </a:r>
+            <a:r>
+              <a:rPr dirty="0" err="1"/>
+              <a:t>sidescroll</a:t>
+            </a:r>
+            <a:r>
+              <a:rPr dirty="0"/>
+              <a:t> without a camera?</a:t>
+            </a:r>
+          </a:p>
+          <a:p>
+            <a:r>
+              <a:rPr dirty="0"/>
               <a:t>Keep the player horizontally central and move everything else in relation to the player.</a:t>
             </a:r>
           </a:p>
           <a:p>
-            <a:pPr marL="88900" indent="-88900">
+            <a:pPr>
               <a:spcBef>
                 <a:spcPts val="600"/>
               </a:spcBef>
               <a:defRPr b="1"/>
             </a:pPr>
             <a:r>
-              <a:t>How to encourage replayability?</a:t>
-            </a:r>
-          </a:p>
-          <a:p>
-            <a:pPr marL="88900" indent="-88900"/>
-            <a:r>
-              <a:t>Create persistent collectibles across all levels as an additional optional measure of tracking progress. Display collectibles from each level in the main menu.</a:t>
-            </a:r>
-          </a:p>
-          <a:p>
-            <a:pPr marL="88900" indent="-88900">
+              <a:rPr dirty="0"/>
+              <a:t>How to encourage </a:t>
+            </a:r>
+            <a:r>
+              <a:rPr dirty="0" err="1"/>
+              <a:t>replayability</a:t>
+            </a:r>
+            <a:r>
+              <a:rPr dirty="0"/>
+              <a:t>?</a:t>
+            </a:r>
+          </a:p>
+          <a:p>
+            <a:r>
+              <a:rPr dirty="0"/>
+              <a:t>Create persistent collectibles across all levels as an additional optional measure of tracking progress.</a:t>
+            </a:r>
+            <a:r>
+              <a:rPr lang="en-GB" dirty="0"/>
+              <a:t> </a:t>
+            </a:r>
+            <a:r>
+              <a:rPr dirty="0"/>
+              <a:t>Display collectibles from each level in the main menu.</a:t>
+            </a:r>
+          </a:p>
+          <a:p>
+            <a:pPr>
               <a:spcBef>
                 <a:spcPts val="600"/>
               </a:spcBef>
               <a:defRPr b="1"/>
             </a:pPr>
             <a:r>
+              <a:rPr dirty="0"/>
               <a:t>How to translate real life (physical) puzzle games to computer with a non-mouse driven interface?</a:t>
             </a:r>
           </a:p>
           <a:p>
-            <a:pPr marL="88900" indent="-88900">
+            <a:pPr marL="266700" indent="-266700">
               <a:buSzPct val="100000"/>
-              <a:buAutoNum type="romanLcPeriod" startAt="1"/>
+              <a:buAutoNum type="romanLcPeriod"/>
             </a:pPr>
             <a:r>
+              <a:rPr dirty="0"/>
               <a:t>Create a player controlled focal point (maze, tile)</a:t>
             </a:r>
           </a:p>
           <a:p>
-            <a:pPr marL="88900" indent="-88900">
+            <a:pPr marL="266700" indent="-266700">
               <a:buSzPct val="100000"/>
-              <a:buAutoNum type="romanLcPeriod" startAt="1"/>
+              <a:buAutoNum type="romanLcPeriod"/>
             </a:pPr>
             <a:r>
-              <a:t>Limit scalability to bindable keys on the keyboard (traffic).</a:t>
-            </a:r>
-          </a:p>
-          <a:p>
-            <a:pPr marL="88900" indent="-88900">
+              <a:rPr dirty="0"/>
+              <a:t>Limit scalability to </a:t>
+            </a:r>
+            <a:r>
+              <a:rPr dirty="0" err="1"/>
+              <a:t>bindable</a:t>
+            </a:r>
+            <a:r>
+              <a:rPr dirty="0"/>
+              <a:t> keys on the keyboard (traffic).</a:t>
+            </a:r>
+          </a:p>
+          <a:p>
+            <a:pPr>
               <a:spcBef>
                 <a:spcPts val="600"/>
               </a:spcBef>
               <a:defRPr b="1"/>
             </a:pPr>
             <a:r>
+              <a:rPr dirty="0"/>
               <a:t>How to create moving hazards?</a:t>
             </a:r>
           </a:p>
           <a:p>
-            <a:pPr marL="88900" indent="-88900"/>
-            <a:r>
+            <a:r>
+              <a:rPr dirty="0"/>
               <a:t>Animate hazard using a timed thread, so that hazard causes harm </a:t>
             </a:r>
-            <a:br/>
-            <a:r>
+            <a:br>
+              <a:rPr dirty="0"/>
+            </a:br>
+            <a:r>
+              <a:rPr dirty="0"/>
               <a:t>only when displayed in hazardous position. </a:t>
             </a:r>
-            <a:br/>
-            <a:r>
+            <a:br>
+              <a:rPr dirty="0"/>
+            </a:br>
+            <a:r>
+              <a:rPr dirty="0"/>
               <a:t>Scroll through images to animate</a:t>
             </a:r>
           </a:p>
@@ -3215,12 +3353,12 @@
   <p:clrMapOvr>
     <a:masterClrMapping/>
   </p:clrMapOvr>
-  <p:transition xmlns:p14="http://schemas.microsoft.com/office/powerpoint/2010/main" spd="med" advClick="1"/>
+  <p:transition spd="med"/>
 </p:sld>
 </file>
 
 <file path=ppt/slides/slide11.xml><?xml version="1.0" encoding="utf-8"?>
-<p:sld xmlns:a="http://schemas.openxmlformats.org/drawingml/2006/main" xmlns:r="http://schemas.openxmlformats.org/officeDocument/2006/relationships" xmlns:p="http://schemas.openxmlformats.org/presentationml/2006/main" showMasterSp="1" showMasterPhAnim="1">
+<p:sld xmlns:a="http://schemas.openxmlformats.org/drawingml/2006/main" xmlns:r="http://schemas.openxmlformats.org/officeDocument/2006/relationships" xmlns:p="http://schemas.openxmlformats.org/presentationml/2006/main">
   <p:cSld>
     <p:spTree>
       <p:nvGrpSpPr>
@@ -3248,7 +3386,7 @@
           <a:blip r:embed="rId2">
             <a:extLst/>
           </a:blip>
-          <a:srcRect l="0" t="856" r="0" b="0"/>
+          <a:srcRect t="856"/>
           <a:stretch>
             <a:fillRect/>
           </a:stretch>
@@ -3278,7 +3416,7 @@
           <a:blip r:embed="rId2">
             <a:extLst/>
           </a:blip>
-          <a:srcRect l="0" t="856" r="0" b="0"/>
+          <a:srcRect t="856"/>
           <a:stretch>
             <a:fillRect/>
           </a:stretch>
@@ -3299,7 +3437,9 @@
       <p:sp>
         <p:nvSpPr>
           <p:cNvPr id="207" name="Title 1"/>
-          <p:cNvSpPr txBox="1"/>
+          <p:cNvSpPr txBox="1">
+            <a:spLocks noGrp="1"/>
+          </p:cNvSpPr>
           <p:nvPr>
             <p:ph type="title"/>
           </p:nvPr>
@@ -3323,13 +3463,15 @@
           </a:ln>
         </p:spPr>
         <p:txBody>
-          <a:bodyPr/>
+          <a:bodyPr>
+            <a:normAutofit/>
+          </a:bodyPr>
           <a:lstStyle/>
           <a:p>
             <a:pPr defTabSz="708342">
               <a:tabLst>
-                <a:tab pos="4025900" algn="r"/>
-                <a:tab pos="7988300" algn="r"/>
+                <a:tab pos="5197475" algn="ctr"/>
+                <a:tab pos="10406063" algn="r"/>
               </a:tabLst>
               <a:defRPr sz="3007">
                 <a:latin typeface="+mn-lt"/>
@@ -3339,10 +3481,11 @@
               </a:defRPr>
             </a:pPr>
             <a:r>
+              <a:rPr dirty="0"/>
               <a:t>	Design Changes	</a:t>
             </a:r>
             <a:r>
-              <a:rPr i="1"/>
+              <a:rPr i="1" dirty="0"/>
               <a:t>(3)</a:t>
             </a:r>
           </a:p>
@@ -3351,7 +3494,9 @@
       <p:sp>
         <p:nvSpPr>
           <p:cNvPr id="208" name="Content Placeholder 2"/>
-          <p:cNvSpPr txBox="1"/>
+          <p:cNvSpPr txBox="1">
+            <a:spLocks noGrp="1"/>
+          </p:cNvSpPr>
           <p:nvPr>
             <p:ph type="body" idx="1"/>
           </p:nvPr>
@@ -3378,7 +3523,14 @@
           <a:bodyPr/>
           <a:lstStyle/>
           <a:p>
-            <a:pPr/>
+            <a:pPr marL="0" indent="0">
+              <a:buNone/>
+            </a:pPr>
+            <a:r>
+              <a:rPr lang="en-GB" dirty="0"/>
+              <a:t> </a:t>
+            </a:r>
+            <a:endParaRPr dirty="0"/>
           </a:p>
         </p:txBody>
       </p:sp>
@@ -3401,7 +3553,7 @@
           </a:ln>
           <a:extLst>
             <a:ext uri="{C572A759-6A51-4108-AA02-DFA0A04FC94B}">
-              <ma14:wrappingTextBoxFlag xmlns:ma14="http://schemas.microsoft.com/office/mac/drawingml/2011/main" val="1"/>
+              <ma14:wrappingTextBoxFlag xmlns:ma14="http://schemas.microsoft.com/office/mac/drawingml/2011/main" xmlns="" val="1"/>
             </a:ext>
           </a:extLst>
         </p:spPr>
@@ -3415,13 +3567,13 @@
               <a:defRPr b="1"/>
             </a:pPr>
             <a:r>
+              <a:rPr dirty="0"/>
               <a:t>Moveable Objects:  </a:t>
             </a:r>
             <a:r>
-              <a:rPr b="0"/>
+              <a:rPr b="0" dirty="0"/>
               <a:t>During development, we added functionality incrementally.  We thought it more important to resolve problems identified during testing rather than include moveable objects.  We did not have time to do both, adding moveable objects is not straightforward, and the game works perfectly well without them.</a:t>
             </a:r>
-            <a:endParaRPr b="0"/>
           </a:p>
           <a:p>
             <a:pPr>
@@ -3431,13 +3583,13 @@
               <a:defRPr b="1"/>
             </a:pPr>
             <a:r>
+              <a:rPr dirty="0"/>
               <a:t>Hazard Invincibility:  </a:t>
             </a:r>
             <a:r>
-              <a:rPr b="0"/>
+              <a:rPr b="0" dirty="0"/>
               <a:t>We originally expected that a hazard would cause damage with some visible notification (e.g. flashing), and the player would have a short period of invincibility to get out of danger.  However, it was easier and more consistent to implement hazards the same as falling down through a pit, i.e. by moving the player back to the start of the platform (or back to the main menu if they’ve used all their lives).</a:t>
             </a:r>
-            <a:endParaRPr b="0"/>
           </a:p>
           <a:p>
             <a:pPr>
@@ -3447,13 +3599,13 @@
               <a:defRPr b="1"/>
             </a:pPr>
             <a:r>
+              <a:rPr dirty="0"/>
               <a:t>Sleigh Movement:  </a:t>
             </a:r>
             <a:r>
-              <a:rPr b="0"/>
+              <a:rPr b="0" dirty="0"/>
               <a:t>We expected to control the height of the sleigh using the space bar.  We had also expected to make the sprite jump using the space bar.  The space bar does function in this way.  However, vertical movement is also achieved using W (or Up arrow).</a:t>
             </a:r>
-            <a:endParaRPr b="0"/>
           </a:p>
           <a:p>
             <a:pPr>
@@ -3463,18 +3615,27 @@
               <a:defRPr b="1"/>
             </a:pPr>
             <a:r>
+              <a:rPr dirty="0"/>
               <a:t>Timing and Player Score:  </a:t>
             </a:r>
             <a:r>
-              <a:rPr b="0"/>
+              <a:rPr b="0" dirty="0"/>
               <a:t>We expected to track the playing time per level; this was never implemented.</a:t>
             </a:r>
             <a:br>
-              <a:rPr b="0"/>
+              <a:rPr b="0" dirty="0"/>
             </a:br>
             <a:r>
-              <a:rPr b="0"/>
-              <a:t>We did not fully think through how to handle scores.  The game keeps track of scores within a platform level, but this adds nothing over tracking items collected (100 points per item).  This aspect is not fully implemented.</a:t>
+              <a:rPr b="0" dirty="0"/>
+              <a:t>We did not fully think through how to handle scores.  The game track</a:t>
+            </a:r>
+            <a:r>
+              <a:rPr lang="en-GB" b="0" dirty="0"/>
+              <a:t>s</a:t>
+            </a:r>
+            <a:r>
+              <a:rPr b="0" dirty="0"/>
+              <a:t> scores within a platform level, but this adds nothing over tracking items collected (100 points per item).  This aspect is not fully implemented.</a:t>
             </a:r>
           </a:p>
         </p:txBody>
@@ -3484,12 +3645,12 @@
   <p:clrMapOvr>
     <a:masterClrMapping/>
   </p:clrMapOvr>
-  <p:transition xmlns:p14="http://schemas.microsoft.com/office/powerpoint/2010/main" spd="med" advClick="1"/>
+  <p:transition spd="med"/>
 </p:sld>
 </file>
 
 <file path=ppt/slides/slide12.xml><?xml version="1.0" encoding="utf-8"?>
-<p:sld xmlns:a="http://schemas.openxmlformats.org/drawingml/2006/main" xmlns:r="http://schemas.openxmlformats.org/officeDocument/2006/relationships" xmlns:p="http://schemas.openxmlformats.org/presentationml/2006/main" showMasterSp="1" showMasterPhAnim="1">
+<p:sld xmlns:a="http://schemas.openxmlformats.org/drawingml/2006/main" xmlns:r="http://schemas.openxmlformats.org/officeDocument/2006/relationships" xmlns:p="http://schemas.openxmlformats.org/presentationml/2006/main">
   <p:cSld>
     <p:spTree>
       <p:nvGrpSpPr>
@@ -3517,7 +3678,7 @@
           <a:blip r:embed="rId2">
             <a:extLst/>
           </a:blip>
-          <a:srcRect l="0" t="856" r="0" b="0"/>
+          <a:srcRect t="856"/>
           <a:stretch>
             <a:fillRect/>
           </a:stretch>
@@ -3547,7 +3708,7 @@
           <a:blip r:embed="rId2">
             <a:extLst/>
           </a:blip>
-          <a:srcRect l="0" t="856" r="0" b="0"/>
+          <a:srcRect t="856"/>
           <a:stretch>
             <a:fillRect/>
           </a:stretch>
@@ -3568,7 +3729,9 @@
       <p:sp>
         <p:nvSpPr>
           <p:cNvPr id="213" name="Title 1"/>
-          <p:cNvSpPr txBox="1"/>
+          <p:cNvSpPr txBox="1">
+            <a:spLocks noGrp="1"/>
+          </p:cNvSpPr>
           <p:nvPr>
             <p:ph type="title"/>
           </p:nvPr>
@@ -3592,13 +3755,15 @@
           </a:ln>
         </p:spPr>
         <p:txBody>
-          <a:bodyPr/>
+          <a:bodyPr>
+            <a:normAutofit/>
+          </a:bodyPr>
           <a:lstStyle/>
           <a:p>
             <a:pPr defTabSz="693737">
               <a:tabLst>
-                <a:tab pos="3937000" algn="r"/>
-                <a:tab pos="7835900" algn="r"/>
+                <a:tab pos="5197475" algn="ctr"/>
+                <a:tab pos="10312400" algn="r"/>
               </a:tabLst>
               <a:defRPr sz="2900">
                 <a:latin typeface="Bodoni MT"/>
@@ -3608,10 +3773,11 @@
               </a:defRPr>
             </a:pPr>
             <a:r>
+              <a:rPr dirty="0"/>
               <a:t>	User Testing Methodology	(</a:t>
             </a:r>
             <a:r>
-              <a:rPr i="1"/>
+              <a:rPr i="1" dirty="0"/>
               <a:t>4)</a:t>
             </a:r>
           </a:p>
@@ -3620,14 +3786,16 @@
       <p:sp>
         <p:nvSpPr>
           <p:cNvPr id="214" name="Content Placeholder 2"/>
-          <p:cNvSpPr txBox="1"/>
+          <p:cNvSpPr txBox="1">
+            <a:spLocks noGrp="1"/>
+          </p:cNvSpPr>
           <p:nvPr>
             <p:ph type="body" idx="1"/>
           </p:nvPr>
         </p:nvSpPr>
         <p:spPr>
           <a:xfrm>
-            <a:off x="838200" y="930274"/>
+            <a:off x="838200" y="930275"/>
             <a:ext cx="10515600" cy="5246689"/>
           </a:xfrm>
           <a:prstGeom prst="rect">
@@ -3647,7 +3815,14 @@
           <a:bodyPr/>
           <a:lstStyle/>
           <a:p>
-            <a:pPr/>
+            <a:pPr marL="0" indent="0">
+              <a:buNone/>
+            </a:pPr>
+            <a:r>
+              <a:rPr lang="en-GB" dirty="0"/>
+              <a:t> </a:t>
+            </a:r>
+            <a:endParaRPr dirty="0"/>
           </a:p>
         </p:txBody>
       </p:sp>
@@ -3714,6 +3889,7 @@
                 <a:sym typeface="Bodoni MT"/>
               </a:defRPr>
             </a:pPr>
+            <a:endParaRPr/>
           </a:p>
         </p:txBody>
       </p:sp>
@@ -3725,7 +3901,184 @@
         </p:nvSpPr>
         <p:spPr>
           <a:xfrm>
-            <a:off x="1165225" y="1190625"/>
+            <a:off x="1165225" y="1323141"/>
+            <a:ext cx="5751513" cy="369332"/>
+          </a:xfrm>
+          <a:prstGeom prst="rect">
+            <a:avLst/>
+          </a:prstGeom>
+          <a:ln>
+            <a:noFill/>
+          </a:ln>
+          <a:extLst>
+            <a:ext uri="{C572A759-6A51-4108-AA02-DFA0A04FC94B}">
+              <ma14:wrappingTextBoxFlag xmlns:ma14="http://schemas.microsoft.com/office/mac/drawingml/2011/main" xmlns="" val="1"/>
+            </a:ext>
+          </a:extLst>
+        </p:spPr>
+        <p:txBody>
+          <a:bodyPr lIns="45719" rIns="45719" anchor="ctr" anchorCtr="0">
+            <a:spAutoFit/>
+          </a:bodyPr>
+          <a:lstStyle/>
+          <a:p>
+            <a:pPr>
+              <a:spcBef>
+                <a:spcPts val="600"/>
+              </a:spcBef>
+              <a:spcAft>
+                <a:spcPts val="600"/>
+              </a:spcAft>
+              <a:defRPr b="1"/>
+            </a:pPr>
+            <a:r>
+              <a:rPr dirty="0"/>
+              <a:t>TESTERS: </a:t>
+            </a:r>
+            <a:r>
+              <a:rPr b="0" dirty="0"/>
+              <a:t>2</a:t>
+            </a:r>
+            <a:r>
+              <a:rPr b="0" baseline="30000" dirty="0"/>
+              <a:t>nd</a:t>
+            </a:r>
+            <a:r>
+              <a:rPr b="0" dirty="0"/>
+              <a:t> Year SCC Students, plus friends and family</a:t>
+            </a:r>
+          </a:p>
+        </p:txBody>
+      </p:sp>
+      <p:sp>
+        <p:nvSpPr>
+          <p:cNvPr id="218" name="TextBox 9"/>
+          <p:cNvSpPr txBox="1"/>
+          <p:nvPr/>
+        </p:nvSpPr>
+        <p:spPr>
+          <a:xfrm>
+            <a:off x="1175218" y="1840985"/>
+            <a:ext cx="5751513" cy="3323987"/>
+          </a:xfrm>
+          <a:prstGeom prst="rect">
+            <a:avLst/>
+          </a:prstGeom>
+          <a:ln>
+            <a:noFill/>
+          </a:ln>
+          <a:extLst>
+            <a:ext uri="{C572A759-6A51-4108-AA02-DFA0A04FC94B}">
+              <ma14:wrappingTextBoxFlag xmlns:ma14="http://schemas.microsoft.com/office/mac/drawingml/2011/main" xmlns="" val="1"/>
+            </a:ext>
+          </a:extLst>
+        </p:spPr>
+        <p:txBody>
+          <a:bodyPr lIns="45719" rIns="45719">
+            <a:spAutoFit/>
+          </a:bodyPr>
+          <a:lstStyle/>
+          <a:p>
+            <a:pPr marL="114300" indent="-114300">
+              <a:defRPr b="1"/>
+            </a:pPr>
+            <a:r>
+              <a:rPr dirty="0"/>
+              <a:t>TESTS CONDUCTED: </a:t>
+            </a:r>
+          </a:p>
+          <a:p>
+            <a:pPr marL="358775" indent="-358775">
+              <a:spcBef>
+                <a:spcPts val="600"/>
+              </a:spcBef>
+            </a:pPr>
+            <a:r>
+              <a:rPr dirty="0"/>
+              <a:t>1.</a:t>
+            </a:r>
+            <a:r>
+              <a:rPr lang="en-GB" dirty="0"/>
+              <a:t>	</a:t>
+            </a:r>
+            <a:r>
+              <a:rPr dirty="0"/>
+              <a:t>Platforms Only</a:t>
+            </a:r>
+          </a:p>
+          <a:p>
+            <a:pPr marL="358775">
+              <a:spcBef>
+                <a:spcPts val="600"/>
+              </a:spcBef>
+              <a:spcAft>
+                <a:spcPts val="600"/>
+              </a:spcAft>
+            </a:pPr>
+            <a:r>
+              <a:rPr lang="en-GB" dirty="0"/>
+              <a:t>To test the logical progression and difficulty scaling by simply following the platforming sections of the game</a:t>
+            </a:r>
+          </a:p>
+          <a:p>
+            <a:pPr marL="358775" indent="-358775"/>
+            <a:r>
+              <a:rPr lang="en-GB" dirty="0"/>
+              <a:t>2.	Puzzles Only</a:t>
+            </a:r>
+            <a:endParaRPr dirty="0"/>
+          </a:p>
+          <a:p>
+            <a:pPr marL="358775">
+              <a:spcBef>
+                <a:spcPts val="600"/>
+              </a:spcBef>
+              <a:spcAft>
+                <a:spcPts val="600"/>
+              </a:spcAft>
+            </a:pPr>
+            <a:r>
+              <a:rPr lang="en-GB" dirty="0"/>
+              <a:t>To test the difficulty and sense of satisfaction or frustration from each puzzle</a:t>
+            </a:r>
+          </a:p>
+          <a:p>
+            <a:pPr marL="358775" indent="-358775">
+              <a:buSzPct val="100000"/>
+              <a:buAutoNum type="arabicPeriod" startAt="3"/>
+            </a:pPr>
+            <a:r>
+              <a:rPr dirty="0"/>
+              <a:t>Full Game Run-through</a:t>
+            </a:r>
+            <a:endParaRPr lang="en-GB" dirty="0"/>
+          </a:p>
+          <a:p>
+            <a:pPr marL="358775">
+              <a:spcBef>
+                <a:spcPts val="600"/>
+              </a:spcBef>
+              <a:spcAft>
+                <a:spcPts val="600"/>
+              </a:spcAft>
+              <a:buSzPct val="100000"/>
+            </a:pPr>
+            <a:r>
+              <a:rPr lang="en-GB" dirty="0"/>
+              <a:t>To test the logical progression, difficulty and enjoyment from playing the game from start to finish</a:t>
+            </a:r>
+          </a:p>
+        </p:txBody>
+      </p:sp>
+      <p:sp>
+        <p:nvSpPr>
+          <p:cNvPr id="222" name="TextBox 13"/>
+          <p:cNvSpPr txBox="1"/>
+          <p:nvPr/>
+        </p:nvSpPr>
+        <p:spPr>
+          <a:xfrm>
+            <a:off x="1165225" y="5260975"/>
             <a:ext cx="5751513" cy="634365"/>
           </a:xfrm>
           <a:prstGeom prst="rect">
@@ -3738,7 +4091,7 @@
           </a:ln>
           <a:extLst>
             <a:ext uri="{C572A759-6A51-4108-AA02-DFA0A04FC94B}">
-              <ma14:wrappingTextBoxFlag xmlns:ma14="http://schemas.microsoft.com/office/mac/drawingml/2011/main" val="1"/>
+              <ma14:wrappingTextBoxFlag xmlns:ma14="http://schemas.microsoft.com/office/mac/drawingml/2011/main" xmlns="" val="1"/>
             </a:ext>
           </a:extLst>
         </p:spPr>
@@ -3752,266 +4105,95 @@
               <a:defRPr b="1"/>
             </a:pPr>
             <a:r>
-              <a:t>TESTERS: </a:t>
-            </a:r>
-            <a:r>
-              <a:rPr b="0"/>
-              <a:t>2</a:t>
-            </a:r>
-            <a:r>
-              <a:rPr b="0" baseline="30000"/>
-              <a:t>nd</a:t>
-            </a:r>
-            <a:r>
-              <a:rPr b="0"/>
-              <a:t> Year SCC Students, plus friends and family</a:t>
+              <a:rPr dirty="0"/>
+              <a:t>METHOD:  </a:t>
+            </a:r>
+            <a:r>
+              <a:rPr b="0" dirty="0"/>
+              <a:t>Speak-aloud demos with an observer, plus testers playing the game independently</a:t>
             </a:r>
           </a:p>
         </p:txBody>
       </p:sp>
       <p:sp>
         <p:nvSpPr>
-          <p:cNvPr id="218" name="TextBox 9"/>
-          <p:cNvSpPr txBox="1"/>
+          <p:cNvPr id="2" name="Rectangle 1">
+            <a:extLst>
+              <a:ext uri="{FF2B5EF4-FFF2-40B4-BE49-F238E27FC236}">
+                <a16:creationId xmlns:a16="http://schemas.microsoft.com/office/drawing/2014/main" id="{30CD834E-659E-46C8-B0AF-D058211E4C1B}"/>
+              </a:ext>
+            </a:extLst>
+          </p:cNvPr>
+          <p:cNvSpPr/>
           <p:nvPr/>
         </p:nvSpPr>
         <p:spPr>
           <a:xfrm>
-            <a:off x="1165225" y="1568450"/>
-            <a:ext cx="5751513" cy="3326765"/>
+            <a:off x="1163642" y="1189038"/>
+            <a:ext cx="5759445" cy="555944"/>
           </a:xfrm>
           <a:prstGeom prst="rect">
             <a:avLst/>
           </a:prstGeom>
-          <a:ln>
+          <a:noFill/>
+          <a:ln w="12700" cap="flat">
             <a:solidFill>
-              <a:srgbClr val="000000"/>
+              <a:schemeClr val="tx1"/>
             </a:solidFill>
+            <a:prstDash val="solid"/>
+            <a:round/>
           </a:ln>
-          <a:extLst>
-            <a:ext uri="{C572A759-6A51-4108-AA02-DFA0A04FC94B}">
-              <ma14:wrappingTextBoxFlag xmlns:ma14="http://schemas.microsoft.com/office/mac/drawingml/2011/main" val="1"/>
-            </a:ext>
-          </a:extLst>
-        </p:spPr>
+          <a:effectLst/>
+          <a:sp3d/>
+        </p:spPr>
+        <p:style>
+          <a:lnRef idx="0">
+            <a:scrgbClr r="0" g="0" b="0"/>
+          </a:lnRef>
+          <a:fillRef idx="0">
+            <a:scrgbClr r="0" g="0" b="0"/>
+          </a:fillRef>
+          <a:effectRef idx="0">
+            <a:scrgbClr r="0" g="0" b="0"/>
+          </a:effectRef>
+          <a:fontRef idx="none"/>
+        </p:style>
         <p:txBody>
-          <a:bodyPr lIns="45719" rIns="45719">
+          <a:bodyPr rot="0" spcFirstLastPara="1" vertOverflow="overflow" horzOverflow="overflow" vert="horz" wrap="square" lIns="45719" tIns="45719" rIns="45719" bIns="45719" numCol="1" spcCol="38100" rtlCol="0" anchor="ctr">
             <a:spAutoFit/>
           </a:bodyPr>
           <a:lstStyle/>
           <a:p>
-            <a:pPr marL="114300" indent="-114300">
-              <a:defRPr b="1"/>
+            <a:pPr marL="0" marR="0" indent="0" algn="l" defTabSz="914400" rtl="0" fontAlgn="auto" latinLnBrk="0" hangingPunct="0">
+              <a:lnSpc>
+                <a:spcPct val="100000"/>
+              </a:lnSpc>
+              <a:spcBef>
+                <a:spcPts val="0"/>
+              </a:spcBef>
+              <a:spcAft>
+                <a:spcPts val="0"/>
+              </a:spcAft>
+              <a:buClrTx/>
+              <a:buSzTx/>
+              <a:buFontTx/>
+              <a:buNone/>
+              <a:tabLst/>
             </a:pPr>
-            <a:r>
-              <a:t>TESTS CONDUCTED: </a:t>
-            </a:r>
-          </a:p>
-          <a:p>
-            <a:pPr marL="114300" indent="-114300"/>
-            <a:r>
-              <a:t>1.   Platforms Only</a:t>
-            </a:r>
-          </a:p>
-          <a:p>
-            <a:pPr marL="114300" indent="-114300"/>
-          </a:p>
-          <a:p>
-            <a:pPr marL="114300" indent="-114300"/>
-          </a:p>
-          <a:p>
-            <a:pPr marL="114300" indent="-114300"/>
-          </a:p>
-          <a:p>
-            <a:pPr marL="114300" indent="-114300">
-              <a:buSzPct val="100000"/>
-              <a:buAutoNum type="arabicPeriod" startAt="2"/>
-            </a:pPr>
-            <a:r>
-              <a:t>Puzzles Only</a:t>
-            </a:r>
-          </a:p>
-          <a:p>
-            <a:pPr marL="114300" indent="-114300"/>
-          </a:p>
-          <a:p>
-            <a:pPr marL="114300" indent="-114300"/>
-          </a:p>
-          <a:p>
-            <a:pPr marL="114300" indent="-114300"/>
-          </a:p>
-          <a:p>
-            <a:pPr marL="114300" indent="-114300">
-              <a:buSzPct val="100000"/>
-              <a:buAutoNum type="arabicPeriod" startAt="3"/>
-            </a:pPr>
-            <a:r>
-              <a:t>Full Game Run-through</a:t>
-            </a:r>
-          </a:p>
-          <a:p>
-            <a:pPr marL="114300" indent="-114300">
-              <a:buSzPct val="100000"/>
-              <a:buAutoNum type="arabicPeriod" startAt="3"/>
-            </a:pPr>
-          </a:p>
-        </p:txBody>
-      </p:sp>
-      <p:sp>
-        <p:nvSpPr>
-          <p:cNvPr id="219" name="TextBox 10"/>
-          <p:cNvSpPr txBox="1"/>
-          <p:nvPr/>
-        </p:nvSpPr>
-        <p:spPr>
-          <a:xfrm>
-            <a:off x="1568450" y="2171700"/>
-            <a:ext cx="5348288" cy="901065"/>
-          </a:xfrm>
-          <a:prstGeom prst="rect">
-            <a:avLst/>
-          </a:prstGeom>
-          <a:ln>
-            <a:solidFill>
-              <a:srgbClr val="000000"/>
-            </a:solidFill>
-          </a:ln>
-          <a:extLst>
-            <a:ext uri="{C572A759-6A51-4108-AA02-DFA0A04FC94B}">
-              <ma14:wrappingTextBoxFlag xmlns:ma14="http://schemas.microsoft.com/office/mac/drawingml/2011/main" val="1"/>
-            </a:ext>
-          </a:extLst>
-        </p:spPr>
-        <p:txBody>
-          <a:bodyPr lIns="45719" rIns="45719">
-            <a:spAutoFit/>
-          </a:bodyPr>
-          <a:lstStyle/>
-          <a:p>
-            <a:pPr/>
-            <a:r>
-              <a:t>To test the logical progression and difficulty scaling by simply following the platforming sections of the game</a:t>
-            </a:r>
-          </a:p>
-        </p:txBody>
-      </p:sp>
-      <p:sp>
-        <p:nvSpPr>
-          <p:cNvPr id="220" name="TextBox 11"/>
-          <p:cNvSpPr txBox="1"/>
-          <p:nvPr/>
-        </p:nvSpPr>
-        <p:spPr>
-          <a:xfrm>
-            <a:off x="1568450" y="3240087"/>
-            <a:ext cx="5348288" cy="634366"/>
-          </a:xfrm>
-          <a:prstGeom prst="rect">
-            <a:avLst/>
-          </a:prstGeom>
-          <a:ln>
-            <a:solidFill>
-              <a:srgbClr val="000000"/>
-            </a:solidFill>
-          </a:ln>
-          <a:extLst>
-            <a:ext uri="{C572A759-6A51-4108-AA02-DFA0A04FC94B}">
-              <ma14:wrappingTextBoxFlag xmlns:ma14="http://schemas.microsoft.com/office/mac/drawingml/2011/main" val="1"/>
-            </a:ext>
-          </a:extLst>
-        </p:spPr>
-        <p:txBody>
-          <a:bodyPr lIns="45719" rIns="45719">
-            <a:spAutoFit/>
-          </a:bodyPr>
-          <a:lstStyle/>
-          <a:p>
-            <a:pPr/>
-            <a:r>
-              <a:t>To test the difficulty and sense of satisfaction or frustration from each puzzle</a:t>
-            </a:r>
-          </a:p>
-        </p:txBody>
-      </p:sp>
-      <p:sp>
-        <p:nvSpPr>
-          <p:cNvPr id="221" name="TextBox 12"/>
-          <p:cNvSpPr txBox="1"/>
-          <p:nvPr/>
-        </p:nvSpPr>
-        <p:spPr>
-          <a:xfrm>
-            <a:off x="1568450" y="4365625"/>
-            <a:ext cx="5348288" cy="901065"/>
-          </a:xfrm>
-          <a:prstGeom prst="rect">
-            <a:avLst/>
-          </a:prstGeom>
-          <a:ln>
-            <a:solidFill>
-              <a:srgbClr val="000000"/>
-            </a:solidFill>
-          </a:ln>
-          <a:extLst>
-            <a:ext uri="{C572A759-6A51-4108-AA02-DFA0A04FC94B}">
-              <ma14:wrappingTextBoxFlag xmlns:ma14="http://schemas.microsoft.com/office/mac/drawingml/2011/main" val="1"/>
-            </a:ext>
-          </a:extLst>
-        </p:spPr>
-        <p:txBody>
-          <a:bodyPr lIns="45719" rIns="45719">
-            <a:spAutoFit/>
-          </a:bodyPr>
-          <a:lstStyle/>
-          <a:p>
-            <a:pPr/>
-            <a:r>
-              <a:t>To test the logical progression, difficulty and enjoyment from playing the game from start to finish</a:t>
-            </a:r>
-          </a:p>
-        </p:txBody>
-      </p:sp>
-      <p:sp>
-        <p:nvSpPr>
-          <p:cNvPr id="222" name="TextBox 13"/>
-          <p:cNvSpPr txBox="1"/>
-          <p:nvPr/>
-        </p:nvSpPr>
-        <p:spPr>
-          <a:xfrm>
-            <a:off x="1165225" y="5260975"/>
-            <a:ext cx="5751513" cy="634365"/>
-          </a:xfrm>
-          <a:prstGeom prst="rect">
-            <a:avLst/>
-          </a:prstGeom>
-          <a:ln>
-            <a:solidFill>
-              <a:srgbClr val="000000"/>
-            </a:solidFill>
-          </a:ln>
-          <a:extLst>
-            <a:ext uri="{C572A759-6A51-4108-AA02-DFA0A04FC94B}">
-              <ma14:wrappingTextBoxFlag xmlns:ma14="http://schemas.microsoft.com/office/mac/drawingml/2011/main" val="1"/>
-            </a:ext>
-          </a:extLst>
-        </p:spPr>
-        <p:txBody>
-          <a:bodyPr lIns="45719" rIns="45719">
-            <a:spAutoFit/>
-          </a:bodyPr>
-          <a:lstStyle/>
-          <a:p>
-            <a:pPr>
-              <a:defRPr b="1"/>
-            </a:pPr>
-            <a:r>
-              <a:t>METHOD:  </a:t>
-            </a:r>
-            <a:r>
-              <a:rPr b="0"/>
-              <a:t>Speak-aloud demos with an observer, plus testers playing the game independently</a:t>
-            </a:r>
+            <a:endParaRPr kumimoji="0" lang="en-GB" sz="1800" b="0" i="0" u="none" strike="noStrike" cap="none" spc="0" normalizeH="0" baseline="0">
+              <a:ln>
+                <a:noFill/>
+              </a:ln>
+              <a:solidFill>
+                <a:srgbClr val="000000"/>
+              </a:solidFill>
+              <a:effectLst/>
+              <a:uFillTx/>
+              <a:latin typeface="+mn-lt"/>
+              <a:ea typeface="+mn-ea"/>
+              <a:cs typeface="+mn-cs"/>
+              <a:sym typeface="Calibri"/>
+            </a:endParaRPr>
           </a:p>
         </p:txBody>
       </p:sp>
@@ -4020,12 +4202,12 @@
   <p:clrMapOvr>
     <a:masterClrMapping/>
   </p:clrMapOvr>
-  <p:transition xmlns:p14="http://schemas.microsoft.com/office/powerpoint/2010/main" spd="med" advClick="1"/>
+  <p:transition spd="med"/>
 </p:sld>
 </file>
 
 <file path=ppt/slides/slide13.xml><?xml version="1.0" encoding="utf-8"?>
-<p:sld xmlns:a="http://schemas.openxmlformats.org/drawingml/2006/main" xmlns:r="http://schemas.openxmlformats.org/officeDocument/2006/relationships" xmlns:p="http://schemas.openxmlformats.org/presentationml/2006/main" showMasterSp="1" showMasterPhAnim="1">
+<p:sld xmlns:a="http://schemas.openxmlformats.org/drawingml/2006/main" xmlns:r="http://schemas.openxmlformats.org/officeDocument/2006/relationships" xmlns:p="http://schemas.openxmlformats.org/presentationml/2006/main">
   <p:cSld>
     <p:spTree>
       <p:nvGrpSpPr>
@@ -4102,7 +4284,9 @@
       <p:sp>
         <p:nvSpPr>
           <p:cNvPr id="226" name="Title 1"/>
-          <p:cNvSpPr txBox="1"/>
+          <p:cNvSpPr txBox="1">
+            <a:spLocks noGrp="1"/>
+          </p:cNvSpPr>
           <p:nvPr>
             <p:ph type="title"/>
           </p:nvPr>
@@ -4126,13 +4310,15 @@
           </a:ln>
         </p:spPr>
         <p:txBody>
-          <a:bodyPr/>
+          <a:bodyPr>
+            <a:normAutofit/>
+          </a:bodyPr>
           <a:lstStyle/>
           <a:p>
             <a:pPr defTabSz="708342">
               <a:tabLst>
-                <a:tab pos="4025900" algn="r"/>
-                <a:tab pos="7988300" algn="r"/>
+                <a:tab pos="5197475" algn="ctr"/>
+                <a:tab pos="10312400" algn="r"/>
               </a:tabLst>
               <a:defRPr sz="3007">
                 <a:latin typeface="+mn-lt"/>
@@ -4142,10 +4328,19 @@
               </a:defRPr>
             </a:pPr>
             <a:r>
-              <a:t>	User Testing Feedback (i)	</a:t>
-            </a:r>
-            <a:r>
-              <a:rPr i="1"/>
+              <a:rPr dirty="0"/>
+              <a:t>	User Testing Feedback (</a:t>
+            </a:r>
+            <a:r>
+              <a:rPr dirty="0" err="1"/>
+              <a:t>i</a:t>
+            </a:r>
+            <a:r>
+              <a:rPr dirty="0"/>
+              <a:t>)	</a:t>
+            </a:r>
+            <a:r>
+              <a:rPr i="1" dirty="0"/>
               <a:t>(4)</a:t>
             </a:r>
           </a:p>
@@ -4154,7 +4349,9 @@
       <p:sp>
         <p:nvSpPr>
           <p:cNvPr id="227" name="Content Placeholder 2"/>
-          <p:cNvSpPr txBox="1"/>
+          <p:cNvSpPr txBox="1">
+            <a:spLocks noGrp="1"/>
+          </p:cNvSpPr>
           <p:nvPr>
             <p:ph type="body" idx="1"/>
           </p:nvPr>
@@ -4181,7 +4378,14 @@
           <a:bodyPr/>
           <a:lstStyle/>
           <a:p>
-            <a:pPr/>
+            <a:pPr marL="0" indent="0">
+              <a:buNone/>
+            </a:pPr>
+            <a:r>
+              <a:rPr lang="en-GB" dirty="0"/>
+              <a:t> </a:t>
+            </a:r>
+            <a:endParaRPr dirty="0"/>
           </a:p>
         </p:txBody>
       </p:sp>
@@ -4231,13 +4435,11 @@
             <a:avLst/>
           </a:prstGeom>
           <a:ln>
-            <a:solidFill>
-              <a:srgbClr val="000000"/>
-            </a:solidFill>
+            <a:noFill/>
           </a:ln>
           <a:extLst>
             <a:ext uri="{C572A759-6A51-4108-AA02-DFA0A04FC94B}">
-              <ma14:wrappingTextBoxFlag xmlns:ma14="http://schemas.microsoft.com/office/mac/drawingml/2011/main" val="1"/>
+              <ma14:wrappingTextBoxFlag xmlns:ma14="http://schemas.microsoft.com/office/mac/drawingml/2011/main" xmlns="" val="1"/>
             </a:ext>
           </a:extLst>
         </p:spPr>
@@ -4251,6 +4453,7 @@
               <a:defRPr b="1"/>
             </a:pPr>
             <a:r>
+              <a:rPr dirty="0"/>
               <a:t>TEST AREA 1: PLATFORMS:</a:t>
             </a:r>
           </a:p>
@@ -4259,23 +4462,24 @@
               <a:defRPr i="1"/>
             </a:pPr>
             <a:r>
+              <a:rPr dirty="0"/>
               <a:t>Intention</a:t>
             </a:r>
             <a:r>
-              <a:rPr i="0"/>
+              <a:rPr i="0" dirty="0"/>
               <a:t>: Difficulty to scale linearly upwards for each sequential level.</a:t>
             </a:r>
-            <a:endParaRPr i="0"/>
           </a:p>
           <a:p>
             <a:pPr>
               <a:defRPr i="1"/>
             </a:pPr>
             <a:r>
+              <a:rPr dirty="0"/>
               <a:t>Findings</a:t>
             </a:r>
             <a:r>
-              <a:rPr i="0"/>
+              <a:rPr i="0" dirty="0"/>
               <a:t>: Participants found level 1 more difficult than level 2.</a:t>
             </a:r>
           </a:p>
@@ -4284,10 +4488,11 @@
               <a:defRPr i="1"/>
             </a:pPr>
             <a:r>
+              <a:rPr dirty="0"/>
               <a:t>Action Taken</a:t>
             </a:r>
             <a:r>
-              <a:rPr i="0"/>
+              <a:rPr i="0" dirty="0"/>
               <a:t>: Increased pitfalls and obstacles in level 2.</a:t>
             </a:r>
           </a:p>
@@ -4301,20 +4506,18 @@
         </p:nvSpPr>
         <p:spPr>
           <a:xfrm>
-            <a:off x="1093787" y="2343150"/>
+            <a:off x="1093787" y="2401025"/>
             <a:ext cx="6999288" cy="1701165"/>
           </a:xfrm>
           <a:prstGeom prst="rect">
             <a:avLst/>
           </a:prstGeom>
           <a:ln>
-            <a:solidFill>
-              <a:srgbClr val="000000"/>
-            </a:solidFill>
+            <a:noFill/>
           </a:ln>
           <a:extLst>
             <a:ext uri="{C572A759-6A51-4108-AA02-DFA0A04FC94B}">
-              <ma14:wrappingTextBoxFlag xmlns:ma14="http://schemas.microsoft.com/office/mac/drawingml/2011/main" val="1"/>
+              <ma14:wrappingTextBoxFlag xmlns:ma14="http://schemas.microsoft.com/office/mac/drawingml/2011/main" xmlns="" val="1"/>
             </a:ext>
           </a:extLst>
         </p:spPr>
@@ -4328,6 +4531,7 @@
               <a:defRPr b="1"/>
             </a:pPr>
             <a:r>
+              <a:rPr dirty="0"/>
               <a:t>TEST AREA 2: PUZZLES:</a:t>
             </a:r>
           </a:p>
@@ -4336,23 +4540,24 @@
               <a:defRPr i="1"/>
             </a:pPr>
             <a:r>
+              <a:rPr dirty="0"/>
               <a:t>Intention</a:t>
             </a:r>
             <a:r>
-              <a:rPr i="0"/>
+              <a:rPr i="0" dirty="0"/>
               <a:t>: Each puzzle to be unique and challenging in its own way, but not to cause frustration.</a:t>
             </a:r>
-            <a:endParaRPr i="0"/>
           </a:p>
           <a:p>
             <a:pPr>
               <a:defRPr i="1"/>
             </a:pPr>
             <a:r>
+              <a:rPr dirty="0"/>
               <a:t>Findings</a:t>
             </a:r>
             <a:r>
-              <a:rPr i="0"/>
+              <a:rPr i="0" dirty="0"/>
               <a:t>: Participants found the tile puzzle to be too complex, taking upwards of 10 minutes to solve.</a:t>
             </a:r>
           </a:p>
@@ -4361,10 +4566,11 @@
               <a:defRPr i="1"/>
             </a:pPr>
             <a:r>
+              <a:rPr dirty="0"/>
               <a:t>Action Taken</a:t>
             </a:r>
             <a:r>
-              <a:rPr i="0"/>
+              <a:rPr i="0" dirty="0"/>
               <a:t>: Reduced tile puzzle from 4x4 to 3x3.</a:t>
             </a:r>
           </a:p>
@@ -4378,20 +4584,18 @@
         </p:nvSpPr>
         <p:spPr>
           <a:xfrm>
-            <a:off x="1093787" y="4097337"/>
+            <a:off x="1093787" y="4178362"/>
             <a:ext cx="10069514" cy="1434466"/>
           </a:xfrm>
           <a:prstGeom prst="rect">
             <a:avLst/>
           </a:prstGeom>
           <a:ln>
-            <a:solidFill>
-              <a:srgbClr val="000000"/>
-            </a:solidFill>
+            <a:noFill/>
           </a:ln>
           <a:extLst>
             <a:ext uri="{C572A759-6A51-4108-AA02-DFA0A04FC94B}">
-              <ma14:wrappingTextBoxFlag xmlns:ma14="http://schemas.microsoft.com/office/mac/drawingml/2011/main" val="1"/>
+              <ma14:wrappingTextBoxFlag xmlns:ma14="http://schemas.microsoft.com/office/mac/drawingml/2011/main" xmlns="" val="1"/>
             </a:ext>
           </a:extLst>
         </p:spPr>
@@ -4405,6 +4609,7 @@
               <a:defRPr b="1"/>
             </a:pPr>
             <a:r>
+              <a:rPr dirty="0"/>
               <a:t>TEST AREA 3: FULL RUN-THROUGH:</a:t>
             </a:r>
           </a:p>
@@ -4413,49 +4618,50 @@
               <a:defRPr i="1"/>
             </a:pPr>
             <a:r>
+              <a:rPr dirty="0"/>
               <a:t>Intention</a:t>
             </a:r>
             <a:r>
-              <a:rPr i="0"/>
+              <a:rPr i="0" dirty="0"/>
               <a:t>: Experience to be both enjoyable and challenging</a:t>
             </a:r>
-            <a:endParaRPr i="0"/>
           </a:p>
           <a:p>
             <a:pPr>
               <a:defRPr i="1"/>
             </a:pPr>
             <a:r>
+              <a:rPr dirty="0"/>
               <a:t>Findings</a:t>
             </a:r>
             <a:r>
-              <a:rPr i="0"/>
+              <a:rPr i="0" dirty="0"/>
               <a:t>: Participants felt a disconnect between their character and the aim of the game</a:t>
             </a:r>
-            <a:endParaRPr i="0"/>
           </a:p>
           <a:p>
             <a:pPr>
               <a:defRPr i="1"/>
             </a:pPr>
             <a:r>
+              <a:rPr dirty="0"/>
               <a:t>QUOTE: </a:t>
             </a:r>
             <a:r>
-              <a:rPr i="0"/>
+              <a:rPr i="0" dirty="0"/>
               <a:t>“Why is this elf fixing the house?”</a:t>
             </a:r>
-            <a:endParaRPr i="0"/>
           </a:p>
           <a:p>
             <a:pPr>
               <a:defRPr i="1"/>
             </a:pPr>
             <a:r>
+              <a:rPr dirty="0"/>
               <a:t>Action Taken</a:t>
             </a:r>
             <a:r>
-              <a:rPr i="0"/>
+              <a:rPr i="0" dirty="0"/>
               <a:t>: Added the character to the background in the main menu to create a mental link.</a:t>
             </a:r>
           </a:p>
@@ -4469,8 +4675,8 @@
         </p:nvSpPr>
         <p:spPr>
           <a:xfrm>
-            <a:off x="1093787" y="5573712"/>
-            <a:ext cx="10069514" cy="358141"/>
+            <a:off x="1093787" y="5608437"/>
+            <a:ext cx="10069514" cy="338554"/>
           </a:xfrm>
           <a:prstGeom prst="rect">
             <a:avLst/>
@@ -4480,7 +4686,7 @@
           </a:ln>
           <a:extLst>
             <a:ext uri="{C572A759-6A51-4108-AA02-DFA0A04FC94B}">
-              <ma14:wrappingTextBoxFlag xmlns:ma14="http://schemas.microsoft.com/office/mac/drawingml/2011/main" val="1"/>
+              <ma14:wrappingTextBoxFlag xmlns:ma14="http://schemas.microsoft.com/office/mac/drawingml/2011/main" xmlns="" val="1"/>
             </a:ext>
           </a:extLst>
         </p:spPr>
@@ -4494,10 +4700,11 @@
               <a:defRPr b="1" i="1"/>
             </a:pPr>
             <a:r>
+              <a:rPr sz="1600" dirty="0"/>
               <a:t>NOTE: </a:t>
             </a:r>
             <a:r>
-              <a:rPr b="0"/>
+              <a:rPr sz="1600" b="0" dirty="0"/>
               <a:t>Test 3 was completed after the changes made following Tests 1 and 2.</a:t>
             </a:r>
           </a:p>
@@ -4508,12 +4715,12 @@
   <p:clrMapOvr>
     <a:masterClrMapping/>
   </p:clrMapOvr>
-  <p:transition xmlns:p14="http://schemas.microsoft.com/office/powerpoint/2010/main" spd="med" advClick="1"/>
+  <p:transition spd="med"/>
 </p:sld>
 </file>
 
 <file path=ppt/slides/slide14.xml><?xml version="1.0" encoding="utf-8"?>
-<p:sld xmlns:a="http://schemas.openxmlformats.org/drawingml/2006/main" xmlns:r="http://schemas.openxmlformats.org/officeDocument/2006/relationships" xmlns:p="http://schemas.openxmlformats.org/presentationml/2006/main" showMasterSp="1" showMasterPhAnim="1">
+<p:sld xmlns:a="http://schemas.openxmlformats.org/drawingml/2006/main" xmlns:r="http://schemas.openxmlformats.org/officeDocument/2006/relationships" xmlns:p="http://schemas.openxmlformats.org/presentationml/2006/main">
   <p:cSld>
     <p:spTree>
       <p:nvGrpSpPr>
@@ -4619,13 +4826,16 @@
                 </a:solidFill>
               </a:defRPr>
             </a:pPr>
+            <a:endParaRPr/>
           </a:p>
         </p:txBody>
       </p:sp>
       <p:sp>
         <p:nvSpPr>
           <p:cNvPr id="237" name="Title 1"/>
-          <p:cNvSpPr txBox="1"/>
+          <p:cNvSpPr txBox="1">
+            <a:spLocks noGrp="1"/>
+          </p:cNvSpPr>
           <p:nvPr>
             <p:ph type="title"/>
           </p:nvPr>
@@ -4649,13 +4859,15 @@
           </a:ln>
         </p:spPr>
         <p:txBody>
-          <a:bodyPr/>
+          <a:bodyPr>
+            <a:normAutofit/>
+          </a:bodyPr>
           <a:lstStyle/>
           <a:p>
             <a:pPr defTabSz="708342">
               <a:tabLst>
-                <a:tab pos="4152900" algn="r"/>
-                <a:tab pos="8369300" algn="r"/>
+                <a:tab pos="5381625" algn="ctr"/>
+                <a:tab pos="10856913" algn="r"/>
               </a:tabLst>
               <a:defRPr sz="3007">
                 <a:latin typeface="+mn-lt"/>
@@ -4665,10 +4877,11 @@
               </a:defRPr>
             </a:pPr>
             <a:r>
+              <a:rPr dirty="0"/>
               <a:t>	User Testing Feedback (ii)	</a:t>
             </a:r>
             <a:r>
-              <a:rPr i="1"/>
+              <a:rPr i="1" dirty="0"/>
               <a:t>(4)</a:t>
             </a:r>
           </a:p>
@@ -4715,6 +4928,7 @@
                 <a:sym typeface="Bodoni MT"/>
               </a:defRPr>
             </a:pPr>
+            <a:endParaRPr/>
           </a:p>
         </p:txBody>
       </p:sp>
@@ -4737,7 +4951,7 @@
           </a:ln>
           <a:extLst>
             <a:ext uri="{C572A759-6A51-4108-AA02-DFA0A04FC94B}">
-              <ma14:wrappingTextBoxFlag xmlns:ma14="http://schemas.microsoft.com/office/mac/drawingml/2011/main" val="1"/>
+              <ma14:wrappingTextBoxFlag xmlns:ma14="http://schemas.microsoft.com/office/mac/drawingml/2011/main" xmlns="" val="1"/>
             </a:ext>
           </a:extLst>
         </p:spPr>
@@ -4747,7 +4961,6 @@
           </a:bodyPr>
           <a:lstStyle/>
           <a:p>
-            <a:pPr/>
             <a:r>
               <a:t>1:  Player should be able to move up small amounts without having to jump, e.g. below lake</a:t>
             </a:r>
@@ -4821,7 +5034,7 @@
           </a:ln>
           <a:extLst>
             <a:ext uri="{C572A759-6A51-4108-AA02-DFA0A04FC94B}">
-              <ma14:wrappingTextBoxFlag xmlns:ma14="http://schemas.microsoft.com/office/mac/drawingml/2011/main" val="1"/>
+              <ma14:wrappingTextBoxFlag xmlns:ma14="http://schemas.microsoft.com/office/mac/drawingml/2011/main" xmlns="" val="1"/>
             </a:ext>
           </a:extLst>
         </p:spPr>
@@ -4896,7 +5109,7 @@
           <a:blip r:embed="rId4">
             <a:extLst/>
           </a:blip>
-          <a:srcRect l="8840" t="51754" r="2508" b="0"/>
+          <a:srcRect l="8840" t="51754" r="2508"/>
           <a:stretch>
             <a:fillRect/>
           </a:stretch>
@@ -4933,7 +5146,7 @@
           </a:ln>
           <a:extLst>
             <a:ext uri="{C572A759-6A51-4108-AA02-DFA0A04FC94B}">
-              <ma14:wrappingTextBoxFlag xmlns:ma14="http://schemas.microsoft.com/office/mac/drawingml/2011/main" val="1"/>
+              <ma14:wrappingTextBoxFlag xmlns:ma14="http://schemas.microsoft.com/office/mac/drawingml/2011/main" xmlns="" val="1"/>
             </a:ext>
           </a:extLst>
         </p:spPr>
@@ -5063,12 +5276,12 @@
   <p:clrMapOvr>
     <a:masterClrMapping/>
   </p:clrMapOvr>
-  <p:transition xmlns:p14="http://schemas.microsoft.com/office/powerpoint/2010/main" spd="med" advClick="1"/>
+  <p:transition spd="med"/>
 </p:sld>
 </file>
 
 <file path=ppt/slides/slide15.xml><?xml version="1.0" encoding="utf-8"?>
-<p:sld xmlns:a="http://schemas.openxmlformats.org/drawingml/2006/main" xmlns:r="http://schemas.openxmlformats.org/officeDocument/2006/relationships" xmlns:p="http://schemas.openxmlformats.org/presentationml/2006/main" showMasterSp="1" showMasterPhAnim="1">
+<p:sld xmlns:a="http://schemas.openxmlformats.org/drawingml/2006/main" xmlns:r="http://schemas.openxmlformats.org/officeDocument/2006/relationships" xmlns:p="http://schemas.openxmlformats.org/presentationml/2006/main">
   <p:cSld>
     <p:spTree>
       <p:nvGrpSpPr>
@@ -5174,13 +5387,16 @@
                 </a:solidFill>
               </a:defRPr>
             </a:pPr>
+            <a:endParaRPr/>
           </a:p>
         </p:txBody>
       </p:sp>
       <p:sp>
         <p:nvSpPr>
           <p:cNvPr id="249" name="Title 1"/>
-          <p:cNvSpPr txBox="1"/>
+          <p:cNvSpPr txBox="1">
+            <a:spLocks noGrp="1"/>
+          </p:cNvSpPr>
           <p:nvPr>
             <p:ph type="title"/>
           </p:nvPr>
@@ -5204,13 +5420,15 @@
           </a:ln>
         </p:spPr>
         <p:txBody>
-          <a:bodyPr/>
+          <a:bodyPr>
+            <a:normAutofit/>
+          </a:bodyPr>
           <a:lstStyle/>
           <a:p>
             <a:pPr defTabSz="708342">
               <a:tabLst>
-                <a:tab pos="4152900" algn="r"/>
-                <a:tab pos="8369300" algn="r"/>
+                <a:tab pos="5381625" algn="ctr"/>
+                <a:tab pos="10856913" algn="r"/>
               </a:tabLst>
               <a:defRPr sz="3007">
                 <a:latin typeface="+mn-lt"/>
@@ -5220,10 +5438,11 @@
               </a:defRPr>
             </a:pPr>
             <a:r>
+              <a:rPr dirty="0"/>
               <a:t>	User Testing Feedback (iii)	</a:t>
             </a:r>
             <a:r>
-              <a:rPr i="1"/>
+              <a:rPr i="1" dirty="0"/>
               <a:t>(4)</a:t>
             </a:r>
           </a:p>
@@ -5270,6 +5489,7 @@
                 <a:sym typeface="Bodoni MT"/>
               </a:defRPr>
             </a:pPr>
+            <a:endParaRPr/>
           </a:p>
         </p:txBody>
       </p:sp>
@@ -5292,7 +5512,7 @@
           </a:ln>
           <a:extLst>
             <a:ext uri="{C572A759-6A51-4108-AA02-DFA0A04FC94B}">
-              <ma14:wrappingTextBoxFlag xmlns:ma14="http://schemas.microsoft.com/office/mac/drawingml/2011/main" val="1"/>
+              <ma14:wrappingTextBoxFlag xmlns:ma14="http://schemas.microsoft.com/office/mac/drawingml/2011/main" xmlns="" val="1"/>
             </a:ext>
           </a:extLst>
         </p:spPr>
@@ -5479,7 +5699,7 @@
           </a:ln>
           <a:extLst>
             <a:ext uri="{C572A759-6A51-4108-AA02-DFA0A04FC94B}">
-              <ma14:wrappingTextBoxFlag xmlns:ma14="http://schemas.microsoft.com/office/mac/drawingml/2011/main" val="1"/>
+              <ma14:wrappingTextBoxFlag xmlns:ma14="http://schemas.microsoft.com/office/mac/drawingml/2011/main" xmlns="" val="1"/>
             </a:ext>
           </a:extLst>
         </p:spPr>
@@ -5489,7 +5709,6 @@
           </a:bodyPr>
           <a:lstStyle/>
           <a:p>
-            <a:pPr/>
             <a:r>
               <a:t>7: Sprite continues to move when window has lost focus</a:t>
             </a:r>
@@ -5543,12 +5762,12 @@
   <p:clrMapOvr>
     <a:masterClrMapping/>
   </p:clrMapOvr>
-  <p:transition xmlns:p14="http://schemas.microsoft.com/office/powerpoint/2010/main" spd="med" advClick="1"/>
+  <p:transition spd="med"/>
 </p:sld>
 </file>
 
 <file path=ppt/slides/slide16.xml><?xml version="1.0" encoding="utf-8"?>
-<p:sld xmlns:a="http://schemas.openxmlformats.org/drawingml/2006/main" xmlns:r="http://schemas.openxmlformats.org/officeDocument/2006/relationships" xmlns:p="http://schemas.openxmlformats.org/presentationml/2006/main" showMasterSp="1" showMasterPhAnim="1">
+<p:sld xmlns:a="http://schemas.openxmlformats.org/drawingml/2006/main" xmlns:r="http://schemas.openxmlformats.org/officeDocument/2006/relationships" xmlns:p="http://schemas.openxmlformats.org/presentationml/2006/main">
   <p:cSld>
     <p:spTree>
       <p:nvGrpSpPr>
@@ -5654,13 +5873,16 @@
                 </a:solidFill>
               </a:defRPr>
             </a:pPr>
+            <a:endParaRPr/>
           </a:p>
         </p:txBody>
       </p:sp>
       <p:sp>
         <p:nvSpPr>
           <p:cNvPr id="261" name="Title 1"/>
-          <p:cNvSpPr txBox="1"/>
+          <p:cNvSpPr txBox="1">
+            <a:spLocks noGrp="1"/>
+          </p:cNvSpPr>
           <p:nvPr>
             <p:ph type="title"/>
           </p:nvPr>
@@ -5684,13 +5906,15 @@
           </a:ln>
         </p:spPr>
         <p:txBody>
-          <a:bodyPr/>
+          <a:bodyPr>
+            <a:normAutofit/>
+          </a:bodyPr>
           <a:lstStyle/>
           <a:p>
             <a:pPr defTabSz="708342">
               <a:tabLst>
-                <a:tab pos="4152900" algn="r"/>
-                <a:tab pos="8369300" algn="r"/>
+                <a:tab pos="5381625" algn="ctr"/>
+                <a:tab pos="10856913" algn="r"/>
               </a:tabLst>
               <a:defRPr sz="3007">
                 <a:latin typeface="+mn-lt"/>
@@ -5700,10 +5924,19 @@
               </a:defRPr>
             </a:pPr>
             <a:r>
-              <a:t>	User Feedback – Questionnaire (i)	</a:t>
-            </a:r>
-            <a:r>
-              <a:rPr i="1"/>
+              <a:rPr dirty="0"/>
+              <a:t>	User Feedback – Questionnaire (</a:t>
+            </a:r>
+            <a:r>
+              <a:rPr dirty="0" err="1"/>
+              <a:t>i</a:t>
+            </a:r>
+            <a:r>
+              <a:rPr dirty="0"/>
+              <a:t>)	</a:t>
+            </a:r>
+            <a:r>
+              <a:rPr i="1" dirty="0"/>
               <a:t>(4)</a:t>
             </a:r>
           </a:p>
@@ -5750,6 +5983,7 @@
                 <a:sym typeface="Bodoni MT"/>
               </a:defRPr>
             </a:pPr>
+            <a:endParaRPr/>
           </a:p>
         </p:txBody>
       </p:sp>
@@ -5757,25 +5991,67 @@
         <p:nvGraphicFramePr>
           <p:cNvPr id="263" name="Table"/>
           <p:cNvGraphicFramePr/>
-          <p:nvPr/>
+          <p:nvPr>
+            <p:extLst>
+              <p:ext uri="{D42A27DB-BD31-4B8C-83A1-F6EECF244321}">
+                <p14:modId xmlns:p14="http://schemas.microsoft.com/office/powerpoint/2010/main" val="3346910817"/>
+              </p:ext>
+            </p:extLst>
+          </p:nvPr>
         </p:nvGraphicFramePr>
         <p:xfrm>
-          <a:off x="879475" y="1233487"/>
-          <a:ext cx="10215563" cy="4752976"/>
+          <a:off x="915988" y="1050607"/>
+          <a:ext cx="10215560" cy="4756785"/>
         </p:xfrm>
-        <a:graphic xmlns:a="http://schemas.openxmlformats.org/drawingml/2006/main">
+        <a:graphic>
           <a:graphicData uri="http://schemas.openxmlformats.org/drawingml/2006/table">
             <a:tbl>
-              <a:tblPr firstCol="0" firstRow="0" lastCol="0" lastRow="0" bandCol="0" bandRow="0" rtl="0">
+              <a:tblPr>
                 <a:tableStyleId>{4C3C2611-4C71-4FC5-86AE-919BDF0F9419}</a:tableStyleId>
               </a:tblPr>
               <a:tblGrid>
-                <a:gridCol w="5500687"/>
-                <a:gridCol w="1000125"/>
-                <a:gridCol w="969962"/>
-                <a:gridCol w="925512"/>
-                <a:gridCol w="820737"/>
-                <a:gridCol w="998537"/>
+                <a:gridCol w="5500687">
+                  <a:extLst>
+                    <a:ext uri="{9D8B030D-6E8A-4147-A177-3AD203B41FA5}">
+                      <a16:colId xmlns:a16="http://schemas.microsoft.com/office/drawing/2014/main" val="20000"/>
+                    </a:ext>
+                  </a:extLst>
+                </a:gridCol>
+                <a:gridCol w="1000125">
+                  <a:extLst>
+                    <a:ext uri="{9D8B030D-6E8A-4147-A177-3AD203B41FA5}">
+                      <a16:colId xmlns:a16="http://schemas.microsoft.com/office/drawing/2014/main" val="20001"/>
+                    </a:ext>
+                  </a:extLst>
+                </a:gridCol>
+                <a:gridCol w="969962">
+                  <a:extLst>
+                    <a:ext uri="{9D8B030D-6E8A-4147-A177-3AD203B41FA5}">
+                      <a16:colId xmlns:a16="http://schemas.microsoft.com/office/drawing/2014/main" val="20002"/>
+                    </a:ext>
+                  </a:extLst>
+                </a:gridCol>
+                <a:gridCol w="925512">
+                  <a:extLst>
+                    <a:ext uri="{9D8B030D-6E8A-4147-A177-3AD203B41FA5}">
+                      <a16:colId xmlns:a16="http://schemas.microsoft.com/office/drawing/2014/main" val="20003"/>
+                    </a:ext>
+                  </a:extLst>
+                </a:gridCol>
+                <a:gridCol w="820737">
+                  <a:extLst>
+                    <a:ext uri="{9D8B030D-6E8A-4147-A177-3AD203B41FA5}">
+                      <a16:colId xmlns:a16="http://schemas.microsoft.com/office/drawing/2014/main" val="20004"/>
+                    </a:ext>
+                  </a:extLst>
+                </a:gridCol>
+                <a:gridCol w="998537">
+                  <a:extLst>
+                    <a:ext uri="{9D8B030D-6E8A-4147-A177-3AD203B41FA5}">
+                      <a16:colId xmlns:a16="http://schemas.microsoft.com/office/drawing/2014/main" val="20005"/>
+                    </a:ext>
+                  </a:extLst>
+                </a:gridCol>
               </a:tblGrid>
               <a:tr h="600075">
                 <a:tc>
@@ -5784,15 +6060,16 @@
                     <a:lstStyle/>
                     <a:p>
                       <a:pPr algn="l">
-                        <a:defRPr b="1" sz="1600">
+                        <a:defRPr sz="1600" b="1">
                           <a:solidFill>
                             <a:srgbClr val="FFFFFF"/>
                           </a:solidFill>
                         </a:defRPr>
                       </a:pPr>
+                      <a:endParaRPr dirty="0"/>
                     </a:p>
                   </a:txBody>
-                  <a:tcPr marL="45720" marR="45720" marT="45720" marB="45720" anchor="t" anchorCtr="0" horzOverflow="overflow">
+                  <a:tcPr marL="45720" marR="45720" horzOverflow="overflow">
                     <a:lnB w="38100">
                       <a:solidFill>
                         <a:srgbClr val="FFFFFF"/>
@@ -5812,7 +6089,7 @@
                         <a:defRPr sz="1800"/>
                       </a:pPr>
                       <a:r>
-                        <a:rPr b="1" sz="1600">
+                        <a:rPr sz="1600" b="1">
                           <a:solidFill>
                             <a:srgbClr val="FFFFFF"/>
                           </a:solidFill>
@@ -5821,7 +6098,7 @@
                       </a:r>
                     </a:p>
                   </a:txBody>
-                  <a:tcPr marL="45720" marR="45720" marT="45720" marB="45720" anchor="t" anchorCtr="0" horzOverflow="overflow">
+                  <a:tcPr marL="45720" marR="45720" horzOverflow="overflow">
                     <a:lnB w="38100">
                       <a:solidFill>
                         <a:srgbClr val="FFFFFF"/>
@@ -5841,7 +6118,7 @@
                         <a:defRPr sz="1800"/>
                       </a:pPr>
                       <a:r>
-                        <a:rPr b="1" sz="1600">
+                        <a:rPr sz="1600" b="1">
                           <a:solidFill>
                             <a:srgbClr val="FFFFFF"/>
                           </a:solidFill>
@@ -5850,7 +6127,7 @@
                       </a:r>
                     </a:p>
                   </a:txBody>
-                  <a:tcPr marL="45720" marR="45720" marT="45720" marB="45720" anchor="t" anchorCtr="0" horzOverflow="overflow">
+                  <a:tcPr marL="45720" marR="45720" horzOverflow="overflow">
                     <a:lnB w="38100">
                       <a:solidFill>
                         <a:srgbClr val="FFFFFF"/>
@@ -5870,7 +6147,7 @@
                         <a:defRPr sz="1800"/>
                       </a:pPr>
                       <a:r>
-                        <a:rPr b="1" sz="1600">
+                        <a:rPr sz="1600" b="1">
                           <a:solidFill>
                             <a:srgbClr val="FFFFFF"/>
                           </a:solidFill>
@@ -5879,7 +6156,7 @@
                       </a:r>
                     </a:p>
                   </a:txBody>
-                  <a:tcPr marL="45720" marR="45720" marT="45720" marB="45720" anchor="t" anchorCtr="0" horzOverflow="overflow">
+                  <a:tcPr marL="45720" marR="45720" horzOverflow="overflow">
                     <a:lnB w="38100">
                       <a:solidFill>
                         <a:srgbClr val="FFFFFF"/>
@@ -5899,7 +6176,7 @@
                         <a:defRPr sz="1800"/>
                       </a:pPr>
                       <a:r>
-                        <a:rPr b="1" sz="1600">
+                        <a:rPr sz="1600" b="1">
                           <a:solidFill>
                             <a:srgbClr val="FFFFFF"/>
                           </a:solidFill>
@@ -5908,7 +6185,7 @@
                       </a:r>
                     </a:p>
                   </a:txBody>
-                  <a:tcPr marL="45720" marR="45720" marT="45720" marB="45720" anchor="t" anchorCtr="0" horzOverflow="overflow">
+                  <a:tcPr marL="45720" marR="45720" horzOverflow="overflow">
                     <a:lnB w="38100">
                       <a:solidFill>
                         <a:srgbClr val="FFFFFF"/>
@@ -5928,7 +6205,7 @@
                         <a:defRPr sz="1800"/>
                       </a:pPr>
                       <a:r>
-                        <a:rPr b="1" sz="1600">
+                        <a:rPr sz="1600" b="1">
                           <a:solidFill>
                             <a:srgbClr val="FFFFFF"/>
                           </a:solidFill>
@@ -5937,7 +6214,7 @@
                       </a:r>
                     </a:p>
                   </a:txBody>
-                  <a:tcPr marL="45720" marR="45720" marT="45720" marB="45720" anchor="t" anchorCtr="0" horzOverflow="overflow">
+                  <a:tcPr marL="45720" marR="45720" horzOverflow="overflow">
                     <a:lnB w="38100">
                       <a:solidFill>
                         <a:srgbClr val="FFFFFF"/>
@@ -5948,6 +6225,11 @@
                     </a:solidFill>
                   </a:tcPr>
                 </a:tc>
+                <a:extLst>
+                  <a:ext uri="{0D108BD9-81ED-4DB2-BD59-A6C34878D82A}">
+                    <a16:rowId xmlns:a16="http://schemas.microsoft.com/office/drawing/2014/main" val="10000"/>
+                  </a:ext>
+                </a:extLst>
               </a:tr>
               <a:tr h="409575">
                 <a:tc>
@@ -5963,7 +6245,7 @@
                       </a:r>
                     </a:p>
                   </a:txBody>
-                  <a:tcPr marL="45720" marR="45720" marT="45720" marB="45720" anchor="t" anchorCtr="0" horzOverflow="overflow">
+                  <a:tcPr marL="45720" marR="45720" horzOverflow="overflow">
                     <a:lnT w="38100">
                       <a:solidFill>
                         <a:srgbClr val="FFFFFF"/>
@@ -5982,9 +6264,10 @@
                       <a:pPr algn="ctr">
                         <a:defRPr sz="1600"/>
                       </a:pPr>
+                      <a:endParaRPr/>
                     </a:p>
                   </a:txBody>
-                  <a:tcPr marL="45720" marR="45720" marT="45720" marB="45720" anchor="ctr" anchorCtr="0" horzOverflow="overflow">
+                  <a:tcPr marL="45720" marR="45720" anchor="ctr" horzOverflow="overflow">
                     <a:lnT w="38100">
                       <a:solidFill>
                         <a:srgbClr val="FFFFFF"/>
@@ -6003,9 +6286,10 @@
                       <a:pPr algn="ctr">
                         <a:defRPr sz="1600"/>
                       </a:pPr>
+                      <a:endParaRPr/>
                     </a:p>
                   </a:txBody>
-                  <a:tcPr marL="45720" marR="45720" marT="45720" marB="45720" anchor="ctr" anchorCtr="0" horzOverflow="overflow">
+                  <a:tcPr marL="45720" marR="45720" anchor="ctr" horzOverflow="overflow">
                     <a:lnT w="38100">
                       <a:solidFill>
                         <a:srgbClr val="FFFFFF"/>
@@ -6025,7 +6309,7 @@
                         <a:defRPr sz="1800"/>
                       </a:pPr>
                       <a:r>
-                        <a:rPr sz="2000">
+                        <a:rPr sz="2000" dirty="0">
                           <a:latin typeface="Wingdings"/>
                           <a:ea typeface="Wingdings"/>
                           <a:cs typeface="Wingdings"/>
@@ -6035,7 +6319,7 @@
                       </a:r>
                     </a:p>
                   </a:txBody>
-                  <a:tcPr marL="45720" marR="45720" marT="45720" marB="45720" anchor="ctr" anchorCtr="0" horzOverflow="overflow">
+                  <a:tcPr marL="45720" marR="45720" anchor="ctr" horzOverflow="overflow">
                     <a:lnT w="38100">
                       <a:solidFill>
                         <a:srgbClr val="FFFFFF"/>
@@ -6065,7 +6349,7 @@
                       </a:r>
                     </a:p>
                   </a:txBody>
-                  <a:tcPr marL="45720" marR="45720" marT="45720" marB="45720" anchor="ctr" anchorCtr="0" horzOverflow="overflow">
+                  <a:tcPr marL="45720" marR="45720" anchor="ctr" horzOverflow="overflow">
                     <a:lnT w="38100">
                       <a:solidFill>
                         <a:srgbClr val="FFFFFF"/>
@@ -6084,9 +6368,10 @@
                       <a:pPr algn="ctr">
                         <a:defRPr sz="1600"/>
                       </a:pPr>
+                      <a:endParaRPr/>
                     </a:p>
                   </a:txBody>
-                  <a:tcPr marL="45720" marR="45720" marT="45720" marB="45720" anchor="ctr" anchorCtr="0" horzOverflow="overflow">
+                  <a:tcPr marL="45720" marR="45720" anchor="ctr" horzOverflow="overflow">
                     <a:lnT w="38100">
                       <a:solidFill>
                         <a:srgbClr val="FFFFFF"/>
@@ -6097,6 +6382,11 @@
                     </a:solidFill>
                   </a:tcPr>
                 </a:tc>
+                <a:extLst>
+                  <a:ext uri="{0D108BD9-81ED-4DB2-BD59-A6C34878D82A}">
+                    <a16:rowId xmlns:a16="http://schemas.microsoft.com/office/drawing/2014/main" val="10001"/>
+                  </a:ext>
+                </a:extLst>
               </a:tr>
               <a:tr h="396875">
                 <a:tc>
@@ -6112,7 +6402,7 @@
                       </a:r>
                     </a:p>
                   </a:txBody>
-                  <a:tcPr marL="45720" marR="45720" marT="45720" marB="45720" anchor="t" anchorCtr="0" horzOverflow="overflow">
+                  <a:tcPr marL="45720" marR="45720" horzOverflow="overflow">
                     <a:solidFill>
                       <a:srgbClr val="BDD7EE"/>
                     </a:solidFill>
@@ -6126,9 +6416,10 @@
                       <a:pPr algn="ctr">
                         <a:defRPr sz="1600"/>
                       </a:pPr>
+                      <a:endParaRPr/>
                     </a:p>
                   </a:txBody>
-                  <a:tcPr marL="45720" marR="45720" marT="45720" marB="45720" anchor="ctr" anchorCtr="0" horzOverflow="overflow">
+                  <a:tcPr marL="45720" marR="45720" anchor="ctr" horzOverflow="overflow">
                     <a:solidFill>
                       <a:srgbClr val="BDD7EE"/>
                     </a:solidFill>
@@ -6142,9 +6433,10 @@
                       <a:pPr algn="ctr">
                         <a:defRPr sz="1600"/>
                       </a:pPr>
+                      <a:endParaRPr/>
                     </a:p>
                   </a:txBody>
-                  <a:tcPr marL="45720" marR="45720" marT="45720" marB="45720" anchor="ctr" anchorCtr="0" horzOverflow="overflow">
+                  <a:tcPr marL="45720" marR="45720" anchor="ctr" horzOverflow="overflow">
                     <a:solidFill>
                       <a:srgbClr val="BDD7EE"/>
                     </a:solidFill>
@@ -6158,9 +6450,10 @@
                       <a:pPr algn="ctr">
                         <a:defRPr sz="1600"/>
                       </a:pPr>
+                      <a:endParaRPr/>
                     </a:p>
                   </a:txBody>
-                  <a:tcPr marL="45720" marR="45720" marT="45720" marB="45720" anchor="ctr" anchorCtr="0" horzOverflow="overflow">
+                  <a:tcPr marL="45720" marR="45720" anchor="ctr" horzOverflow="overflow">
                     <a:solidFill>
                       <a:srgbClr val="BDD7EE"/>
                     </a:solidFill>
@@ -6174,9 +6467,10 @@
                       <a:pPr algn="ctr">
                         <a:defRPr sz="1600"/>
                       </a:pPr>
+                      <a:endParaRPr/>
                     </a:p>
                   </a:txBody>
-                  <a:tcPr marL="45720" marR="45720" marT="45720" marB="45720" anchor="ctr" anchorCtr="0" horzOverflow="overflow">
+                  <a:tcPr marL="45720" marR="45720" anchor="ctr" horzOverflow="overflow">
                     <a:solidFill>
                       <a:srgbClr val="BDD7EE"/>
                     </a:solidFill>
@@ -6201,12 +6495,17 @@
                       </a:r>
                     </a:p>
                   </a:txBody>
-                  <a:tcPr marL="45720" marR="45720" marT="45720" marB="45720" anchor="ctr" anchorCtr="0" horzOverflow="overflow">
+                  <a:tcPr marL="45720" marR="45720" anchor="ctr" horzOverflow="overflow">
                     <a:solidFill>
                       <a:srgbClr val="BDD7EE"/>
                     </a:solidFill>
                   </a:tcPr>
                 </a:tc>
+                <a:extLst>
+                  <a:ext uri="{0D108BD9-81ED-4DB2-BD59-A6C34878D82A}">
+                    <a16:rowId xmlns:a16="http://schemas.microsoft.com/office/drawing/2014/main" val="10002"/>
+                  </a:ext>
+                </a:extLst>
               </a:tr>
               <a:tr h="396875">
                 <a:tc>
@@ -6222,7 +6521,7 @@
                       </a:r>
                     </a:p>
                   </a:txBody>
-                  <a:tcPr marL="45720" marR="45720" marT="45720" marB="45720" anchor="t" anchorCtr="0" horzOverflow="overflow">
+                  <a:tcPr marL="45720" marR="45720" horzOverflow="overflow">
                     <a:solidFill>
                       <a:srgbClr val="DEEBF7"/>
                     </a:solidFill>
@@ -6236,9 +6535,10 @@
                       <a:pPr algn="ctr">
                         <a:defRPr sz="1600"/>
                       </a:pPr>
+                      <a:endParaRPr/>
                     </a:p>
                   </a:txBody>
-                  <a:tcPr marL="45720" marR="45720" marT="45720" marB="45720" anchor="ctr" anchorCtr="0" horzOverflow="overflow">
+                  <a:tcPr marL="45720" marR="45720" anchor="ctr" horzOverflow="overflow">
                     <a:solidFill>
                       <a:srgbClr val="DEEBF7"/>
                     </a:solidFill>
@@ -6252,9 +6552,10 @@
                       <a:pPr algn="ctr">
                         <a:defRPr sz="1600"/>
                       </a:pPr>
+                      <a:endParaRPr/>
                     </a:p>
                   </a:txBody>
-                  <a:tcPr marL="45720" marR="45720" marT="45720" marB="45720" anchor="ctr" anchorCtr="0" horzOverflow="overflow">
+                  <a:tcPr marL="45720" marR="45720" anchor="ctr" horzOverflow="overflow">
                     <a:solidFill>
                       <a:srgbClr val="DEEBF7"/>
                     </a:solidFill>
@@ -6279,7 +6580,7 @@
                       </a:r>
                     </a:p>
                   </a:txBody>
-                  <a:tcPr marL="45720" marR="45720" marT="45720" marB="45720" anchor="ctr" anchorCtr="0" horzOverflow="overflow">
+                  <a:tcPr marL="45720" marR="45720" anchor="ctr" horzOverflow="overflow">
                     <a:solidFill>
                       <a:srgbClr val="DEEBF7"/>
                     </a:solidFill>
@@ -6304,7 +6605,7 @@
                       </a:r>
                     </a:p>
                   </a:txBody>
-                  <a:tcPr marL="45720" marR="45720" marT="45720" marB="45720" anchor="ctr" anchorCtr="0" horzOverflow="overflow">
+                  <a:tcPr marL="45720" marR="45720" anchor="ctr" horzOverflow="overflow">
                     <a:solidFill>
                       <a:srgbClr val="DEEBF7"/>
                     </a:solidFill>
@@ -6318,14 +6619,20 @@
                       <a:pPr algn="ctr">
                         <a:defRPr sz="1600"/>
                       </a:pPr>
+                      <a:endParaRPr/>
                     </a:p>
                   </a:txBody>
-                  <a:tcPr marL="45720" marR="45720" marT="45720" marB="45720" anchor="ctr" anchorCtr="0" horzOverflow="overflow">
+                  <a:tcPr marL="45720" marR="45720" anchor="ctr" horzOverflow="overflow">
                     <a:solidFill>
                       <a:srgbClr val="DEEBF7"/>
                     </a:solidFill>
                   </a:tcPr>
                 </a:tc>
+                <a:extLst>
+                  <a:ext uri="{0D108BD9-81ED-4DB2-BD59-A6C34878D82A}">
+                    <a16:rowId xmlns:a16="http://schemas.microsoft.com/office/drawing/2014/main" val="10003"/>
+                  </a:ext>
+                </a:extLst>
               </a:tr>
               <a:tr h="638175">
                 <a:tc>
@@ -6341,7 +6648,7 @@
                       </a:r>
                     </a:p>
                   </a:txBody>
-                  <a:tcPr marL="45720" marR="45720" marT="45720" marB="45720" anchor="t" anchorCtr="0" horzOverflow="overflow">
+                  <a:tcPr marL="45720" marR="45720" horzOverflow="overflow">
                     <a:solidFill>
                       <a:srgbClr val="BDD7EE"/>
                     </a:solidFill>
@@ -6355,9 +6662,10 @@
                       <a:pPr algn="ctr">
                         <a:defRPr sz="1600"/>
                       </a:pPr>
+                      <a:endParaRPr/>
                     </a:p>
                   </a:txBody>
-                  <a:tcPr marL="45720" marR="45720" marT="45720" marB="45720" anchor="ctr" anchorCtr="0" horzOverflow="overflow">
+                  <a:tcPr marL="45720" marR="45720" anchor="ctr" horzOverflow="overflow">
                     <a:solidFill>
                       <a:srgbClr val="BDD7EE"/>
                     </a:solidFill>
@@ -6371,9 +6679,10 @@
                       <a:pPr algn="ctr">
                         <a:defRPr sz="1600"/>
                       </a:pPr>
+                      <a:endParaRPr/>
                     </a:p>
                   </a:txBody>
-                  <a:tcPr marL="45720" marR="45720" marT="45720" marB="45720" anchor="ctr" anchorCtr="0" horzOverflow="overflow">
+                  <a:tcPr marL="45720" marR="45720" anchor="ctr" horzOverflow="overflow">
                     <a:solidFill>
                       <a:srgbClr val="BDD7EE"/>
                     </a:solidFill>
@@ -6387,9 +6696,10 @@
                       <a:pPr algn="ctr">
                         <a:defRPr sz="1600"/>
                       </a:pPr>
+                      <a:endParaRPr/>
                     </a:p>
                   </a:txBody>
-                  <a:tcPr marL="45720" marR="45720" marT="45720" marB="45720" anchor="ctr" anchorCtr="0" horzOverflow="overflow">
+                  <a:tcPr marL="45720" marR="45720" anchor="ctr" horzOverflow="overflow">
                     <a:solidFill>
                       <a:srgbClr val="BDD7EE"/>
                     </a:solidFill>
@@ -6414,7 +6724,7 @@
                       </a:r>
                     </a:p>
                   </a:txBody>
-                  <a:tcPr marL="45720" marR="45720" marT="45720" marB="45720" anchor="ctr" anchorCtr="0" horzOverflow="overflow">
+                  <a:tcPr marL="45720" marR="45720" anchor="ctr" horzOverflow="overflow">
                     <a:solidFill>
                       <a:srgbClr val="BDD7EE"/>
                     </a:solidFill>
@@ -6439,12 +6749,17 @@
                       </a:r>
                     </a:p>
                   </a:txBody>
-                  <a:tcPr marL="45720" marR="45720" marT="45720" marB="45720" anchor="ctr" anchorCtr="0" horzOverflow="overflow">
+                  <a:tcPr marL="45720" marR="45720" anchor="ctr" horzOverflow="overflow">
                     <a:solidFill>
                       <a:srgbClr val="BDD7EE"/>
                     </a:solidFill>
                   </a:tcPr>
                 </a:tc>
+                <a:extLst>
+                  <a:ext uri="{0D108BD9-81ED-4DB2-BD59-A6C34878D82A}">
+                    <a16:rowId xmlns:a16="http://schemas.microsoft.com/office/drawing/2014/main" val="10004"/>
+                  </a:ext>
+                </a:extLst>
               </a:tr>
               <a:tr h="396875">
                 <a:tc>
@@ -6460,7 +6775,7 @@
                       </a:r>
                     </a:p>
                   </a:txBody>
-                  <a:tcPr marL="45720" marR="45720" marT="45720" marB="45720" anchor="t" anchorCtr="0" horzOverflow="overflow">
+                  <a:tcPr marL="45720" marR="45720" horzOverflow="overflow">
                     <a:solidFill>
                       <a:srgbClr val="DEEBF7"/>
                     </a:solidFill>
@@ -6474,9 +6789,10 @@
                       <a:pPr algn="ctr">
                         <a:defRPr sz="1600"/>
                       </a:pPr>
+                      <a:endParaRPr/>
                     </a:p>
                   </a:txBody>
-                  <a:tcPr marL="45720" marR="45720" marT="45720" marB="45720" anchor="ctr" anchorCtr="0" horzOverflow="overflow">
+                  <a:tcPr marL="45720" marR="45720" anchor="ctr" horzOverflow="overflow">
                     <a:solidFill>
                       <a:srgbClr val="DEEBF7"/>
                     </a:solidFill>
@@ -6490,9 +6806,10 @@
                       <a:pPr algn="ctr">
                         <a:defRPr sz="1600"/>
                       </a:pPr>
+                      <a:endParaRPr/>
                     </a:p>
                   </a:txBody>
-                  <a:tcPr marL="45720" marR="45720" marT="45720" marB="45720" anchor="ctr" anchorCtr="0" horzOverflow="overflow">
+                  <a:tcPr marL="45720" marR="45720" anchor="ctr" horzOverflow="overflow">
                     <a:solidFill>
                       <a:srgbClr val="DEEBF7"/>
                     </a:solidFill>
@@ -6506,9 +6823,10 @@
                       <a:pPr algn="ctr">
                         <a:defRPr sz="2000"/>
                       </a:pPr>
+                      <a:endParaRPr/>
                     </a:p>
                   </a:txBody>
-                  <a:tcPr marL="45720" marR="45720" marT="45720" marB="45720" anchor="ctr" anchorCtr="0" horzOverflow="overflow">
+                  <a:tcPr marL="45720" marR="45720" anchor="ctr" horzOverflow="overflow">
                     <a:solidFill>
                       <a:srgbClr val="DEEBF7"/>
                     </a:solidFill>
@@ -6533,7 +6851,7 @@
                       </a:r>
                     </a:p>
                   </a:txBody>
-                  <a:tcPr marL="45720" marR="45720" marT="45720" marB="45720" anchor="ctr" anchorCtr="0" horzOverflow="overflow">
+                  <a:tcPr marL="45720" marR="45720" anchor="ctr" horzOverflow="overflow">
                     <a:solidFill>
                       <a:srgbClr val="DEEBF7"/>
                     </a:solidFill>
@@ -6558,12 +6876,17 @@
                       </a:r>
                     </a:p>
                   </a:txBody>
-                  <a:tcPr marL="45720" marR="45720" marT="45720" marB="45720" anchor="ctr" anchorCtr="0" horzOverflow="overflow">
+                  <a:tcPr marL="45720" marR="45720" anchor="ctr" horzOverflow="overflow">
                     <a:solidFill>
                       <a:srgbClr val="DEEBF7"/>
                     </a:solidFill>
                   </a:tcPr>
                 </a:tc>
+                <a:extLst>
+                  <a:ext uri="{0D108BD9-81ED-4DB2-BD59-A6C34878D82A}">
+                    <a16:rowId xmlns:a16="http://schemas.microsoft.com/office/drawing/2014/main" val="10005"/>
+                  </a:ext>
+                </a:extLst>
               </a:tr>
               <a:tr h="638175">
                 <a:tc>
@@ -6579,7 +6902,7 @@
                       </a:r>
                     </a:p>
                   </a:txBody>
-                  <a:tcPr marL="45720" marR="45720" marT="45720" marB="45720" anchor="t" anchorCtr="0" horzOverflow="overflow">
+                  <a:tcPr marL="45720" marR="45720" horzOverflow="overflow">
                     <a:solidFill>
                       <a:srgbClr val="BDD7EE"/>
                     </a:solidFill>
@@ -6593,9 +6916,10 @@
                       <a:pPr algn="ctr">
                         <a:defRPr sz="1600"/>
                       </a:pPr>
+                      <a:endParaRPr/>
                     </a:p>
                   </a:txBody>
-                  <a:tcPr marL="45720" marR="45720" marT="45720" marB="45720" anchor="ctr" anchorCtr="0" horzOverflow="overflow">
+                  <a:tcPr marL="45720" marR="45720" anchor="ctr" horzOverflow="overflow">
                     <a:solidFill>
                       <a:srgbClr val="BDD7EE"/>
                     </a:solidFill>
@@ -6609,9 +6933,10 @@
                       <a:pPr algn="ctr">
                         <a:defRPr sz="1600"/>
                       </a:pPr>
+                      <a:endParaRPr/>
                     </a:p>
                   </a:txBody>
-                  <a:tcPr marL="45720" marR="45720" marT="45720" marB="45720" anchor="ctr" anchorCtr="0" horzOverflow="overflow">
+                  <a:tcPr marL="45720" marR="45720" anchor="ctr" horzOverflow="overflow">
                     <a:solidFill>
                       <a:srgbClr val="BDD7EE"/>
                     </a:solidFill>
@@ -6636,7 +6961,7 @@
                       </a:r>
                     </a:p>
                   </a:txBody>
-                  <a:tcPr marL="45720" marR="45720" marT="45720" marB="45720" anchor="ctr" anchorCtr="0" horzOverflow="overflow">
+                  <a:tcPr marL="45720" marR="45720" anchor="ctr" horzOverflow="overflow">
                     <a:solidFill>
                       <a:srgbClr val="BDD7EE"/>
                     </a:solidFill>
@@ -6661,7 +6986,7 @@
                       </a:r>
                     </a:p>
                   </a:txBody>
-                  <a:tcPr marL="45720" marR="45720" marT="45720" marB="45720" anchor="ctr" anchorCtr="0" horzOverflow="overflow">
+                  <a:tcPr marL="45720" marR="45720" anchor="ctr" horzOverflow="overflow">
                     <a:solidFill>
                       <a:srgbClr val="BDD7EE"/>
                     </a:solidFill>
@@ -6686,12 +7011,17 @@
                       </a:r>
                     </a:p>
                   </a:txBody>
-                  <a:tcPr marL="45720" marR="45720" marT="45720" marB="45720" anchor="ctr" anchorCtr="0" horzOverflow="overflow">
+                  <a:tcPr marL="45720" marR="45720" anchor="ctr" horzOverflow="overflow">
                     <a:solidFill>
                       <a:srgbClr val="BDD7EE"/>
                     </a:solidFill>
                   </a:tcPr>
                 </a:tc>
+                <a:extLst>
+                  <a:ext uri="{0D108BD9-81ED-4DB2-BD59-A6C34878D82A}">
+                    <a16:rowId xmlns:a16="http://schemas.microsoft.com/office/drawing/2014/main" val="10006"/>
+                  </a:ext>
+                </a:extLst>
               </a:tr>
               <a:tr h="638175">
                 <a:tc>
@@ -6707,7 +7037,7 @@
                       </a:r>
                     </a:p>
                   </a:txBody>
-                  <a:tcPr marL="45720" marR="45720" marT="45720" marB="45720" anchor="t" anchorCtr="0" horzOverflow="overflow">
+                  <a:tcPr marL="45720" marR="45720" horzOverflow="overflow">
                     <a:solidFill>
                       <a:srgbClr val="DEEBF7"/>
                     </a:solidFill>
@@ -6721,9 +7051,10 @@
                       <a:pPr algn="ctr">
                         <a:defRPr sz="1600"/>
                       </a:pPr>
+                      <a:endParaRPr/>
                     </a:p>
                   </a:txBody>
-                  <a:tcPr marL="45720" marR="45720" marT="45720" marB="45720" anchor="ctr" anchorCtr="0" horzOverflow="overflow">
+                  <a:tcPr marL="45720" marR="45720" anchor="ctr" horzOverflow="overflow">
                     <a:solidFill>
                       <a:srgbClr val="DEEBF7"/>
                     </a:solidFill>
@@ -6737,9 +7068,10 @@
                       <a:pPr algn="ctr">
                         <a:defRPr sz="2000"/>
                       </a:pPr>
+                      <a:endParaRPr/>
                     </a:p>
                   </a:txBody>
-                  <a:tcPr marL="45720" marR="45720" marT="45720" marB="45720" anchor="ctr" anchorCtr="0" horzOverflow="overflow">
+                  <a:tcPr marL="45720" marR="45720" anchor="ctr" horzOverflow="overflow">
                     <a:solidFill>
                       <a:srgbClr val="DEEBF7"/>
                     </a:solidFill>
@@ -6764,7 +7096,7 @@
                       </a:r>
                     </a:p>
                   </a:txBody>
-                  <a:tcPr marL="45720" marR="45720" marT="45720" marB="45720" anchor="ctr" anchorCtr="0" horzOverflow="overflow">
+                  <a:tcPr marL="45720" marR="45720" anchor="ctr" horzOverflow="overflow">
                     <a:solidFill>
                       <a:srgbClr val="DEEBF7"/>
                     </a:solidFill>
@@ -6789,7 +7121,7 @@
                       </a:r>
                     </a:p>
                   </a:txBody>
-                  <a:tcPr marL="45720" marR="45720" marT="45720" marB="45720" anchor="ctr" anchorCtr="0" horzOverflow="overflow">
+                  <a:tcPr marL="45720" marR="45720" anchor="ctr" horzOverflow="overflow">
                     <a:solidFill>
                       <a:srgbClr val="DEEBF7"/>
                     </a:solidFill>
@@ -6803,14 +7135,20 @@
                       <a:pPr algn="ctr">
                         <a:defRPr sz="1600"/>
                       </a:pPr>
+                      <a:endParaRPr/>
                     </a:p>
                   </a:txBody>
-                  <a:tcPr marL="45720" marR="45720" marT="45720" marB="45720" anchor="ctr" anchorCtr="0" horzOverflow="overflow">
+                  <a:tcPr marL="45720" marR="45720" anchor="ctr" horzOverflow="overflow">
                     <a:solidFill>
                       <a:srgbClr val="DEEBF7"/>
                     </a:solidFill>
                   </a:tcPr>
                 </a:tc>
+                <a:extLst>
+                  <a:ext uri="{0D108BD9-81ED-4DB2-BD59-A6C34878D82A}">
+                    <a16:rowId xmlns:a16="http://schemas.microsoft.com/office/drawing/2014/main" val="10007"/>
+                  </a:ext>
+                </a:extLst>
               </a:tr>
               <a:tr h="638175">
                 <a:tc>
@@ -6826,7 +7164,7 @@
                       </a:r>
                     </a:p>
                   </a:txBody>
-                  <a:tcPr marL="45720" marR="45720" marT="45720" marB="45720" anchor="t" anchorCtr="0" horzOverflow="overflow">
+                  <a:tcPr marL="45720" marR="45720" horzOverflow="overflow">
                     <a:solidFill>
                       <a:srgbClr val="BDD7EE"/>
                     </a:solidFill>
@@ -6840,9 +7178,10 @@
                       <a:pPr algn="ctr">
                         <a:defRPr sz="1600"/>
                       </a:pPr>
+                      <a:endParaRPr/>
                     </a:p>
                   </a:txBody>
-                  <a:tcPr marL="45720" marR="45720" marT="45720" marB="45720" anchor="ctr" anchorCtr="0" horzOverflow="overflow">
+                  <a:tcPr marL="45720" marR="45720" anchor="ctr" horzOverflow="overflow">
                     <a:solidFill>
                       <a:srgbClr val="BDD7EE"/>
                     </a:solidFill>
@@ -6856,9 +7195,10 @@
                       <a:pPr algn="ctr">
                         <a:defRPr sz="1600"/>
                       </a:pPr>
+                      <a:endParaRPr/>
                     </a:p>
                   </a:txBody>
-                  <a:tcPr marL="45720" marR="45720" marT="45720" marB="45720" anchor="ctr" anchorCtr="0" horzOverflow="overflow">
+                  <a:tcPr marL="45720" marR="45720" anchor="ctr" horzOverflow="overflow">
                     <a:solidFill>
                       <a:srgbClr val="BDD7EE"/>
                     </a:solidFill>
@@ -6883,7 +7223,7 @@
                       </a:r>
                     </a:p>
                   </a:txBody>
-                  <a:tcPr marL="45720" marR="45720" marT="45720" marB="45720" anchor="ctr" anchorCtr="0" horzOverflow="overflow">
+                  <a:tcPr marL="45720" marR="45720" anchor="ctr" horzOverflow="overflow">
                     <a:solidFill>
                       <a:srgbClr val="BDD7EE"/>
                     </a:solidFill>
@@ -6908,7 +7248,7 @@
                       </a:r>
                     </a:p>
                   </a:txBody>
-                  <a:tcPr marL="45720" marR="45720" marT="45720" marB="45720" anchor="ctr" anchorCtr="0" horzOverflow="overflow">
+                  <a:tcPr marL="45720" marR="45720" anchor="ctr" horzOverflow="overflow">
                     <a:solidFill>
                       <a:srgbClr val="BDD7EE"/>
                     </a:solidFill>
@@ -6922,14 +7262,20 @@
                       <a:pPr algn="ctr">
                         <a:defRPr sz="1600"/>
                       </a:pPr>
+                      <a:endParaRPr dirty="0"/>
                     </a:p>
                   </a:txBody>
-                  <a:tcPr marL="45720" marR="45720" marT="45720" marB="45720" anchor="ctr" anchorCtr="0" horzOverflow="overflow">
+                  <a:tcPr marL="45720" marR="45720" anchor="ctr" horzOverflow="overflow">
                     <a:solidFill>
                       <a:srgbClr val="BDD7EE"/>
                     </a:solidFill>
                   </a:tcPr>
                 </a:tc>
+                <a:extLst>
+                  <a:ext uri="{0D108BD9-81ED-4DB2-BD59-A6C34878D82A}">
+                    <a16:rowId xmlns:a16="http://schemas.microsoft.com/office/drawing/2014/main" val="10008"/>
+                  </a:ext>
+                </a:extLst>
               </a:tr>
             </a:tbl>
           </a:graphicData>
@@ -6954,7 +7300,7 @@
           </a:ln>
           <a:extLst>
             <a:ext uri="{C572A759-6A51-4108-AA02-DFA0A04FC94B}">
-              <ma14:wrappingTextBoxFlag xmlns:ma14="http://schemas.microsoft.com/office/mac/drawingml/2011/main" val="1"/>
+              <ma14:wrappingTextBoxFlag xmlns:ma14="http://schemas.microsoft.com/office/mac/drawingml/2011/main" xmlns="" val="1"/>
             </a:ext>
           </a:extLst>
         </p:spPr>
@@ -6964,11 +7310,10 @@
           </a:bodyPr>
           <a:lstStyle>
             <a:lvl1pPr>
-              <a:defRPr i="1" sz="1600"/>
+              <a:defRPr sz="1600" i="1"/>
             </a:lvl1pPr>
           </a:lstStyle>
           <a:p>
-            <a:pPr/>
             <a:r>
               <a:t>Based on feedback from three testers, and before we did all the fixes arising from their observations</a:t>
             </a:r>
@@ -6980,12 +7325,12 @@
   <p:clrMapOvr>
     <a:masterClrMapping/>
   </p:clrMapOvr>
-  <p:transition xmlns:p14="http://schemas.microsoft.com/office/powerpoint/2010/main" spd="med" advClick="1"/>
+  <p:transition spd="med"/>
 </p:sld>
 </file>
 
 <file path=ppt/slides/slide17.xml><?xml version="1.0" encoding="utf-8"?>
-<p:sld xmlns:a="http://schemas.openxmlformats.org/drawingml/2006/main" xmlns:r="http://schemas.openxmlformats.org/officeDocument/2006/relationships" xmlns:p="http://schemas.openxmlformats.org/presentationml/2006/main" showMasterSp="1" showMasterPhAnim="1">
+<p:sld xmlns:a="http://schemas.openxmlformats.org/drawingml/2006/main" xmlns:r="http://schemas.openxmlformats.org/officeDocument/2006/relationships" xmlns:p="http://schemas.openxmlformats.org/presentationml/2006/main">
   <p:cSld>
     <p:spTree>
       <p:nvGrpSpPr>
@@ -7091,13 +7436,16 @@
                 </a:solidFill>
               </a:defRPr>
             </a:pPr>
+            <a:endParaRPr/>
           </a:p>
         </p:txBody>
       </p:sp>
       <p:sp>
         <p:nvSpPr>
           <p:cNvPr id="271" name="Title 1"/>
-          <p:cNvSpPr txBox="1"/>
+          <p:cNvSpPr txBox="1">
+            <a:spLocks noGrp="1"/>
+          </p:cNvSpPr>
           <p:nvPr>
             <p:ph type="title"/>
           </p:nvPr>
@@ -7121,13 +7469,15 @@
           </a:ln>
         </p:spPr>
         <p:txBody>
-          <a:bodyPr/>
+          <a:bodyPr>
+            <a:normAutofit/>
+          </a:bodyPr>
           <a:lstStyle/>
           <a:p>
             <a:pPr defTabSz="708342">
               <a:tabLst>
-                <a:tab pos="4152900" algn="r"/>
-                <a:tab pos="8369300" algn="r"/>
+                <a:tab pos="5381625" algn="ctr"/>
+                <a:tab pos="10764838" algn="r"/>
               </a:tabLst>
               <a:defRPr sz="3007">
                 <a:latin typeface="+mn-lt"/>
@@ -7137,10 +7487,11 @@
               </a:defRPr>
             </a:pPr>
             <a:r>
+              <a:rPr dirty="0"/>
               <a:t>	User Feedback – Questionnaire (ii)	</a:t>
             </a:r>
             <a:r>
-              <a:rPr i="1"/>
+              <a:rPr i="1" dirty="0"/>
               <a:t>(4)</a:t>
             </a:r>
           </a:p>
@@ -7187,6 +7538,7 @@
                 <a:sym typeface="Bodoni MT"/>
               </a:defRPr>
             </a:pPr>
+            <a:endParaRPr/>
           </a:p>
         </p:txBody>
       </p:sp>
@@ -7194,25 +7546,67 @@
         <p:nvGraphicFramePr>
           <p:cNvPr id="273" name="Table"/>
           <p:cNvGraphicFramePr/>
-          <p:nvPr/>
+          <p:nvPr>
+            <p:extLst>
+              <p:ext uri="{D42A27DB-BD31-4B8C-83A1-F6EECF244321}">
+                <p14:modId xmlns:p14="http://schemas.microsoft.com/office/powerpoint/2010/main" val="2867559060"/>
+              </p:ext>
+            </p:extLst>
+          </p:nvPr>
         </p:nvGraphicFramePr>
         <p:xfrm>
-          <a:off x="879475" y="1233487"/>
-          <a:ext cx="10215563" cy="4752976"/>
+          <a:off x="879475" y="1050607"/>
+          <a:ext cx="10215560" cy="4756785"/>
         </p:xfrm>
-        <a:graphic xmlns:a="http://schemas.openxmlformats.org/drawingml/2006/main">
+        <a:graphic>
           <a:graphicData uri="http://schemas.openxmlformats.org/drawingml/2006/table">
             <a:tbl>
-              <a:tblPr firstCol="0" firstRow="0" lastCol="0" lastRow="0" bandCol="0" bandRow="0" rtl="0">
+              <a:tblPr>
                 <a:tableStyleId>{4C3C2611-4C71-4FC5-86AE-919BDF0F9419}</a:tableStyleId>
               </a:tblPr>
               <a:tblGrid>
-                <a:gridCol w="5500687"/>
-                <a:gridCol w="1000125"/>
-                <a:gridCol w="969962"/>
-                <a:gridCol w="925512"/>
-                <a:gridCol w="820737"/>
-                <a:gridCol w="998537"/>
+                <a:gridCol w="5500687">
+                  <a:extLst>
+                    <a:ext uri="{9D8B030D-6E8A-4147-A177-3AD203B41FA5}">
+                      <a16:colId xmlns:a16="http://schemas.microsoft.com/office/drawing/2014/main" val="20000"/>
+                    </a:ext>
+                  </a:extLst>
+                </a:gridCol>
+                <a:gridCol w="1000125">
+                  <a:extLst>
+                    <a:ext uri="{9D8B030D-6E8A-4147-A177-3AD203B41FA5}">
+                      <a16:colId xmlns:a16="http://schemas.microsoft.com/office/drawing/2014/main" val="20001"/>
+                    </a:ext>
+                  </a:extLst>
+                </a:gridCol>
+                <a:gridCol w="969962">
+                  <a:extLst>
+                    <a:ext uri="{9D8B030D-6E8A-4147-A177-3AD203B41FA5}">
+                      <a16:colId xmlns:a16="http://schemas.microsoft.com/office/drawing/2014/main" val="20002"/>
+                    </a:ext>
+                  </a:extLst>
+                </a:gridCol>
+                <a:gridCol w="925512">
+                  <a:extLst>
+                    <a:ext uri="{9D8B030D-6E8A-4147-A177-3AD203B41FA5}">
+                      <a16:colId xmlns:a16="http://schemas.microsoft.com/office/drawing/2014/main" val="20003"/>
+                    </a:ext>
+                  </a:extLst>
+                </a:gridCol>
+                <a:gridCol w="820737">
+                  <a:extLst>
+                    <a:ext uri="{9D8B030D-6E8A-4147-A177-3AD203B41FA5}">
+                      <a16:colId xmlns:a16="http://schemas.microsoft.com/office/drawing/2014/main" val="20004"/>
+                    </a:ext>
+                  </a:extLst>
+                </a:gridCol>
+                <a:gridCol w="998537">
+                  <a:extLst>
+                    <a:ext uri="{9D8B030D-6E8A-4147-A177-3AD203B41FA5}">
+                      <a16:colId xmlns:a16="http://schemas.microsoft.com/office/drawing/2014/main" val="20005"/>
+                    </a:ext>
+                  </a:extLst>
+                </a:gridCol>
               </a:tblGrid>
               <a:tr h="600075">
                 <a:tc>
@@ -7221,15 +7615,16 @@
                     <a:lstStyle/>
                     <a:p>
                       <a:pPr algn="l">
-                        <a:defRPr b="1" sz="1600">
+                        <a:defRPr sz="1600" b="1">
                           <a:solidFill>
                             <a:srgbClr val="FFFFFF"/>
                           </a:solidFill>
                         </a:defRPr>
                       </a:pPr>
+                      <a:endParaRPr dirty="0"/>
                     </a:p>
                   </a:txBody>
-                  <a:tcPr marL="45720" marR="45720" marT="45720" marB="45720" anchor="t" anchorCtr="0" horzOverflow="overflow">
+                  <a:tcPr marL="45720" marR="45720" horzOverflow="overflow">
                     <a:lnB w="38100">
                       <a:solidFill>
                         <a:srgbClr val="FFFFFF"/>
@@ -7249,7 +7644,7 @@
                         <a:defRPr sz="1800"/>
                       </a:pPr>
                       <a:r>
-                        <a:rPr b="1" sz="1600">
+                        <a:rPr sz="1600" b="1">
                           <a:solidFill>
                             <a:srgbClr val="FFFFFF"/>
                           </a:solidFill>
@@ -7258,7 +7653,7 @@
                       </a:r>
                     </a:p>
                   </a:txBody>
-                  <a:tcPr marL="45720" marR="45720" marT="45720" marB="45720" anchor="t" anchorCtr="0" horzOverflow="overflow">
+                  <a:tcPr marL="45720" marR="45720" horzOverflow="overflow">
                     <a:lnB w="38100">
                       <a:solidFill>
                         <a:srgbClr val="FFFFFF"/>
@@ -7278,7 +7673,7 @@
                         <a:defRPr sz="1800"/>
                       </a:pPr>
                       <a:r>
-                        <a:rPr b="1" sz="1600">
+                        <a:rPr sz="1600" b="1">
                           <a:solidFill>
                             <a:srgbClr val="FFFFFF"/>
                           </a:solidFill>
@@ -7287,7 +7682,7 @@
                       </a:r>
                     </a:p>
                   </a:txBody>
-                  <a:tcPr marL="45720" marR="45720" marT="45720" marB="45720" anchor="t" anchorCtr="0" horzOverflow="overflow">
+                  <a:tcPr marL="45720" marR="45720" horzOverflow="overflow">
                     <a:lnB w="38100">
                       <a:solidFill>
                         <a:srgbClr val="FFFFFF"/>
@@ -7307,7 +7702,7 @@
                         <a:defRPr sz="1800"/>
                       </a:pPr>
                       <a:r>
-                        <a:rPr b="1" sz="1600">
+                        <a:rPr sz="1600" b="1">
                           <a:solidFill>
                             <a:srgbClr val="FFFFFF"/>
                           </a:solidFill>
@@ -7316,7 +7711,7 @@
                       </a:r>
                     </a:p>
                   </a:txBody>
-                  <a:tcPr marL="45720" marR="45720" marT="45720" marB="45720" anchor="t" anchorCtr="0" horzOverflow="overflow">
+                  <a:tcPr marL="45720" marR="45720" horzOverflow="overflow">
                     <a:lnB w="38100">
                       <a:solidFill>
                         <a:srgbClr val="FFFFFF"/>
@@ -7336,7 +7731,7 @@
                         <a:defRPr sz="1800"/>
                       </a:pPr>
                       <a:r>
-                        <a:rPr b="1" sz="1600">
+                        <a:rPr sz="1600" b="1">
                           <a:solidFill>
                             <a:srgbClr val="FFFFFF"/>
                           </a:solidFill>
@@ -7345,7 +7740,7 @@
                       </a:r>
                     </a:p>
                   </a:txBody>
-                  <a:tcPr marL="45720" marR="45720" marT="45720" marB="45720" anchor="t" anchorCtr="0" horzOverflow="overflow">
+                  <a:tcPr marL="45720" marR="45720" horzOverflow="overflow">
                     <a:lnB w="38100">
                       <a:solidFill>
                         <a:srgbClr val="FFFFFF"/>
@@ -7365,7 +7760,7 @@
                         <a:defRPr sz="1800"/>
                       </a:pPr>
                       <a:r>
-                        <a:rPr b="1" sz="1600">
+                        <a:rPr sz="1600" b="1">
                           <a:solidFill>
                             <a:srgbClr val="FFFFFF"/>
                           </a:solidFill>
@@ -7374,7 +7769,7 @@
                       </a:r>
                     </a:p>
                   </a:txBody>
-                  <a:tcPr marL="45720" marR="45720" marT="45720" marB="45720" anchor="t" anchorCtr="0" horzOverflow="overflow">
+                  <a:tcPr marL="45720" marR="45720" horzOverflow="overflow">
                     <a:lnB w="38100">
                       <a:solidFill>
                         <a:srgbClr val="FFFFFF"/>
@@ -7385,6 +7780,11 @@
                     </a:solidFill>
                   </a:tcPr>
                 </a:tc>
+                <a:extLst>
+                  <a:ext uri="{0D108BD9-81ED-4DB2-BD59-A6C34878D82A}">
+                    <a16:rowId xmlns:a16="http://schemas.microsoft.com/office/drawing/2014/main" val="10000"/>
+                  </a:ext>
+                </a:extLst>
               </a:tr>
               <a:tr h="409575">
                 <a:tc>
@@ -7400,7 +7800,7 @@
                       </a:r>
                     </a:p>
                   </a:txBody>
-                  <a:tcPr marL="45720" marR="45720" marT="45720" marB="45720" anchor="t" anchorCtr="0" horzOverflow="overflow">
+                  <a:tcPr marL="45720" marR="45720" horzOverflow="overflow">
                     <a:lnT w="38100">
                       <a:solidFill>
                         <a:srgbClr val="FFFFFF"/>
@@ -7419,9 +7819,10 @@
                       <a:pPr algn="ctr">
                         <a:defRPr sz="1600"/>
                       </a:pPr>
+                      <a:endParaRPr/>
                     </a:p>
                   </a:txBody>
-                  <a:tcPr marL="45720" marR="45720" marT="45720" marB="45720" anchor="ctr" anchorCtr="0" horzOverflow="overflow">
+                  <a:tcPr marL="45720" marR="45720" anchor="ctr" horzOverflow="overflow">
                     <a:lnT w="38100">
                       <a:solidFill>
                         <a:srgbClr val="FFFFFF"/>
@@ -7440,9 +7841,10 @@
                       <a:pPr algn="ctr">
                         <a:defRPr sz="1600"/>
                       </a:pPr>
+                      <a:endParaRPr/>
                     </a:p>
                   </a:txBody>
-                  <a:tcPr marL="45720" marR="45720" marT="45720" marB="45720" anchor="ctr" anchorCtr="0" horzOverflow="overflow">
+                  <a:tcPr marL="45720" marR="45720" anchor="ctr" horzOverflow="overflow">
                     <a:lnT w="38100">
                       <a:solidFill>
                         <a:srgbClr val="FFFFFF"/>
@@ -7461,9 +7863,10 @@
                       <a:pPr algn="ctr">
                         <a:defRPr sz="1600"/>
                       </a:pPr>
+                      <a:endParaRPr/>
                     </a:p>
                   </a:txBody>
-                  <a:tcPr marL="45720" marR="45720" marT="45720" marB="45720" anchor="ctr" anchorCtr="0" horzOverflow="overflow">
+                  <a:tcPr marL="45720" marR="45720" anchor="ctr" horzOverflow="overflow">
                     <a:lnT w="38100">
                       <a:solidFill>
                         <a:srgbClr val="FFFFFF"/>
@@ -7500,7 +7903,7 @@
                       </a:r>
                     </a:p>
                   </a:txBody>
-                  <a:tcPr marL="45720" marR="45720" marT="45720" marB="45720" anchor="ctr" anchorCtr="0" horzOverflow="overflow">
+                  <a:tcPr marL="45720" marR="45720" anchor="ctr" horzOverflow="overflow">
                     <a:lnT w="38100">
                       <a:solidFill>
                         <a:srgbClr val="FFFFFF"/>
@@ -7519,9 +7922,10 @@
                       <a:pPr algn="ctr">
                         <a:defRPr sz="1600"/>
                       </a:pPr>
+                      <a:endParaRPr/>
                     </a:p>
                   </a:txBody>
-                  <a:tcPr marL="45720" marR="45720" marT="45720" marB="45720" anchor="ctr" anchorCtr="0" horzOverflow="overflow">
+                  <a:tcPr marL="45720" marR="45720" anchor="ctr" horzOverflow="overflow">
                     <a:lnT w="38100">
                       <a:solidFill>
                         <a:srgbClr val="FFFFFF"/>
@@ -7532,6 +7936,11 @@
                     </a:solidFill>
                   </a:tcPr>
                 </a:tc>
+                <a:extLst>
+                  <a:ext uri="{0D108BD9-81ED-4DB2-BD59-A6C34878D82A}">
+                    <a16:rowId xmlns:a16="http://schemas.microsoft.com/office/drawing/2014/main" val="10001"/>
+                  </a:ext>
+                </a:extLst>
               </a:tr>
               <a:tr h="396875">
                 <a:tc>
@@ -7547,7 +7956,7 @@
                       </a:r>
                     </a:p>
                   </a:txBody>
-                  <a:tcPr marL="45720" marR="45720" marT="45720" marB="45720" anchor="t" anchorCtr="0" horzOverflow="overflow">
+                  <a:tcPr marL="45720" marR="45720" horzOverflow="overflow">
                     <a:solidFill>
                       <a:srgbClr val="BDD7EE"/>
                     </a:solidFill>
@@ -7561,9 +7970,10 @@
                       <a:pPr algn="ctr">
                         <a:defRPr sz="1600"/>
                       </a:pPr>
+                      <a:endParaRPr/>
                     </a:p>
                   </a:txBody>
-                  <a:tcPr marL="45720" marR="45720" marT="45720" marB="45720" anchor="ctr" anchorCtr="0" horzOverflow="overflow">
+                  <a:tcPr marL="45720" marR="45720" anchor="ctr" horzOverflow="overflow">
                     <a:solidFill>
                       <a:srgbClr val="BDD7EE"/>
                     </a:solidFill>
@@ -7577,9 +7987,10 @@
                       <a:pPr algn="ctr">
                         <a:defRPr sz="1600"/>
                       </a:pPr>
+                      <a:endParaRPr/>
                     </a:p>
                   </a:txBody>
-                  <a:tcPr marL="45720" marR="45720" marT="45720" marB="45720" anchor="ctr" anchorCtr="0" horzOverflow="overflow">
+                  <a:tcPr marL="45720" marR="45720" anchor="ctr" horzOverflow="overflow">
                     <a:solidFill>
                       <a:srgbClr val="BDD7EE"/>
                     </a:solidFill>
@@ -7593,9 +8004,10 @@
                       <a:pPr algn="ctr">
                         <a:defRPr sz="1600"/>
                       </a:pPr>
+                      <a:endParaRPr/>
                     </a:p>
                   </a:txBody>
-                  <a:tcPr marL="45720" marR="45720" marT="45720" marB="45720" anchor="ctr" anchorCtr="0" horzOverflow="overflow">
+                  <a:tcPr marL="45720" marR="45720" anchor="ctr" horzOverflow="overflow">
                     <a:solidFill>
                       <a:srgbClr val="BDD7EE"/>
                     </a:solidFill>
@@ -7609,9 +8021,10 @@
                       <a:pPr algn="ctr">
                         <a:defRPr sz="1600"/>
                       </a:pPr>
+                      <a:endParaRPr/>
                     </a:p>
                   </a:txBody>
-                  <a:tcPr marL="45720" marR="45720" marT="45720" marB="45720" anchor="ctr" anchorCtr="0" horzOverflow="overflow">
+                  <a:tcPr marL="45720" marR="45720" anchor="ctr" horzOverflow="overflow">
                     <a:solidFill>
                       <a:srgbClr val="BDD7EE"/>
                     </a:solidFill>
@@ -7636,12 +8049,17 @@
                       </a:r>
                     </a:p>
                   </a:txBody>
-                  <a:tcPr marL="45720" marR="45720" marT="45720" marB="45720" anchor="ctr" anchorCtr="0" horzOverflow="overflow">
+                  <a:tcPr marL="45720" marR="45720" anchor="ctr" horzOverflow="overflow">
                     <a:solidFill>
                       <a:srgbClr val="BDD7EE"/>
                     </a:solidFill>
                   </a:tcPr>
                 </a:tc>
+                <a:extLst>
+                  <a:ext uri="{0D108BD9-81ED-4DB2-BD59-A6C34878D82A}">
+                    <a16:rowId xmlns:a16="http://schemas.microsoft.com/office/drawing/2014/main" val="10002"/>
+                  </a:ext>
+                </a:extLst>
               </a:tr>
               <a:tr h="396875">
                 <a:tc>
@@ -7657,7 +8075,7 @@
                       </a:r>
                     </a:p>
                   </a:txBody>
-                  <a:tcPr marL="45720" marR="45720" marT="45720" marB="45720" anchor="t" anchorCtr="0" horzOverflow="overflow">
+                  <a:tcPr marL="45720" marR="45720" horzOverflow="overflow">
                     <a:solidFill>
                       <a:srgbClr val="DEEBF7"/>
                     </a:solidFill>
@@ -7671,9 +8089,10 @@
                       <a:pPr algn="ctr">
                         <a:defRPr sz="1600"/>
                       </a:pPr>
+                      <a:endParaRPr/>
                     </a:p>
                   </a:txBody>
-                  <a:tcPr marL="45720" marR="45720" marT="45720" marB="45720" anchor="ctr" anchorCtr="0" horzOverflow="overflow">
+                  <a:tcPr marL="45720" marR="45720" anchor="ctr" horzOverflow="overflow">
                     <a:solidFill>
                       <a:srgbClr val="DEEBF7"/>
                     </a:solidFill>
@@ -7687,9 +8106,10 @@
                       <a:pPr algn="ctr">
                         <a:defRPr sz="1600"/>
                       </a:pPr>
+                      <a:endParaRPr/>
                     </a:p>
                   </a:txBody>
-                  <a:tcPr marL="45720" marR="45720" marT="45720" marB="45720" anchor="ctr" anchorCtr="0" horzOverflow="overflow">
+                  <a:tcPr marL="45720" marR="45720" anchor="ctr" horzOverflow="overflow">
                     <a:solidFill>
                       <a:srgbClr val="DEEBF7"/>
                     </a:solidFill>
@@ -7714,7 +8134,7 @@
                       </a:r>
                     </a:p>
                   </a:txBody>
-                  <a:tcPr marL="45720" marR="45720" marT="45720" marB="45720" anchor="ctr" anchorCtr="0" horzOverflow="overflow">
+                  <a:tcPr marL="45720" marR="45720" anchor="ctr" horzOverflow="overflow">
                     <a:solidFill>
                       <a:srgbClr val="DEEBF7"/>
                     </a:solidFill>
@@ -7746,7 +8166,7 @@
                       </a:r>
                     </a:p>
                   </a:txBody>
-                  <a:tcPr marL="45720" marR="45720" marT="45720" marB="45720" anchor="ctr" anchorCtr="0" horzOverflow="overflow">
+                  <a:tcPr marL="45720" marR="45720" anchor="ctr" horzOverflow="overflow">
                     <a:solidFill>
                       <a:srgbClr val="DEEBF7"/>
                     </a:solidFill>
@@ -7760,14 +8180,20 @@
                       <a:pPr algn="ctr">
                         <a:defRPr sz="1600"/>
                       </a:pPr>
+                      <a:endParaRPr/>
                     </a:p>
                   </a:txBody>
-                  <a:tcPr marL="45720" marR="45720" marT="45720" marB="45720" anchor="ctr" anchorCtr="0" horzOverflow="overflow">
+                  <a:tcPr marL="45720" marR="45720" anchor="ctr" horzOverflow="overflow">
                     <a:solidFill>
                       <a:srgbClr val="DEEBF7"/>
                     </a:solidFill>
                   </a:tcPr>
                 </a:tc>
+                <a:extLst>
+                  <a:ext uri="{0D108BD9-81ED-4DB2-BD59-A6C34878D82A}">
+                    <a16:rowId xmlns:a16="http://schemas.microsoft.com/office/drawing/2014/main" val="10003"/>
+                  </a:ext>
+                </a:extLst>
               </a:tr>
               <a:tr h="638175">
                 <a:tc>
@@ -7783,7 +8209,7 @@
                       </a:r>
                     </a:p>
                   </a:txBody>
-                  <a:tcPr marL="45720" marR="45720" marT="45720" marB="45720" anchor="t" anchorCtr="0" horzOverflow="overflow">
+                  <a:tcPr marL="45720" marR="45720" horzOverflow="overflow">
                     <a:solidFill>
                       <a:srgbClr val="BDD7EE"/>
                     </a:solidFill>
@@ -7797,9 +8223,10 @@
                       <a:pPr algn="ctr">
                         <a:defRPr sz="1600"/>
                       </a:pPr>
+                      <a:endParaRPr/>
                     </a:p>
                   </a:txBody>
-                  <a:tcPr marL="45720" marR="45720" marT="45720" marB="45720" anchor="ctr" anchorCtr="0" horzOverflow="overflow">
+                  <a:tcPr marL="45720" marR="45720" anchor="ctr" horzOverflow="overflow">
                     <a:solidFill>
                       <a:srgbClr val="BDD7EE"/>
                     </a:solidFill>
@@ -7813,9 +8240,10 @@
                       <a:pPr algn="ctr">
                         <a:defRPr sz="1600"/>
                       </a:pPr>
+                      <a:endParaRPr/>
                     </a:p>
                   </a:txBody>
-                  <a:tcPr marL="45720" marR="45720" marT="45720" marB="45720" anchor="ctr" anchorCtr="0" horzOverflow="overflow">
+                  <a:tcPr marL="45720" marR="45720" anchor="ctr" horzOverflow="overflow">
                     <a:solidFill>
                       <a:srgbClr val="BDD7EE"/>
                     </a:solidFill>
@@ -7829,9 +8257,10 @@
                       <a:pPr algn="ctr">
                         <a:defRPr sz="1600"/>
                       </a:pPr>
+                      <a:endParaRPr/>
                     </a:p>
                   </a:txBody>
-                  <a:tcPr marL="45720" marR="45720" marT="45720" marB="45720" anchor="ctr" anchorCtr="0" horzOverflow="overflow">
+                  <a:tcPr marL="45720" marR="45720" anchor="ctr" horzOverflow="overflow">
                     <a:solidFill>
                       <a:srgbClr val="BDD7EE"/>
                     </a:solidFill>
@@ -7856,7 +8285,7 @@
                       </a:r>
                     </a:p>
                   </a:txBody>
-                  <a:tcPr marL="45720" marR="45720" marT="45720" marB="45720" anchor="ctr" anchorCtr="0" horzOverflow="overflow">
+                  <a:tcPr marL="45720" marR="45720" anchor="ctr" horzOverflow="overflow">
                     <a:solidFill>
                       <a:srgbClr val="BDD7EE"/>
                     </a:solidFill>
@@ -7881,12 +8310,17 @@
                       </a:r>
                     </a:p>
                   </a:txBody>
-                  <a:tcPr marL="45720" marR="45720" marT="45720" marB="45720" anchor="ctr" anchorCtr="0" horzOverflow="overflow">
+                  <a:tcPr marL="45720" marR="45720" anchor="ctr" horzOverflow="overflow">
                     <a:solidFill>
                       <a:srgbClr val="BDD7EE"/>
                     </a:solidFill>
                   </a:tcPr>
                 </a:tc>
+                <a:extLst>
+                  <a:ext uri="{0D108BD9-81ED-4DB2-BD59-A6C34878D82A}">
+                    <a16:rowId xmlns:a16="http://schemas.microsoft.com/office/drawing/2014/main" val="10004"/>
+                  </a:ext>
+                </a:extLst>
               </a:tr>
               <a:tr h="396875">
                 <a:tc>
@@ -7902,7 +8336,7 @@
                       </a:r>
                     </a:p>
                   </a:txBody>
-                  <a:tcPr marL="45720" marR="45720" marT="45720" marB="45720" anchor="t" anchorCtr="0" horzOverflow="overflow">
+                  <a:tcPr marL="45720" marR="45720" horzOverflow="overflow">
                     <a:solidFill>
                       <a:srgbClr val="DEEBF7"/>
                     </a:solidFill>
@@ -7916,9 +8350,10 @@
                       <a:pPr algn="ctr">
                         <a:defRPr sz="1600"/>
                       </a:pPr>
+                      <a:endParaRPr/>
                     </a:p>
                   </a:txBody>
-                  <a:tcPr marL="45720" marR="45720" marT="45720" marB="45720" anchor="ctr" anchorCtr="0" horzOverflow="overflow">
+                  <a:tcPr marL="45720" marR="45720" anchor="ctr" horzOverflow="overflow">
                     <a:solidFill>
                       <a:srgbClr val="DEEBF7"/>
                     </a:solidFill>
@@ -7932,9 +8367,10 @@
                       <a:pPr algn="ctr">
                         <a:defRPr sz="1600"/>
                       </a:pPr>
+                      <a:endParaRPr/>
                     </a:p>
                   </a:txBody>
-                  <a:tcPr marL="45720" marR="45720" marT="45720" marB="45720" anchor="ctr" anchorCtr="0" horzOverflow="overflow">
+                  <a:tcPr marL="45720" marR="45720" anchor="ctr" horzOverflow="overflow">
                     <a:solidFill>
                       <a:srgbClr val="DEEBF7"/>
                     </a:solidFill>
@@ -7948,9 +8384,10 @@
                       <a:pPr algn="ctr">
                         <a:defRPr sz="2000"/>
                       </a:pPr>
+                      <a:endParaRPr/>
                     </a:p>
                   </a:txBody>
-                  <a:tcPr marL="45720" marR="45720" marT="45720" marB="45720" anchor="ctr" anchorCtr="0" horzOverflow="overflow">
+                  <a:tcPr marL="45720" marR="45720" anchor="ctr" horzOverflow="overflow">
                     <a:solidFill>
                       <a:srgbClr val="DEEBF7"/>
                     </a:solidFill>
@@ -7975,7 +8412,7 @@
                       </a:r>
                     </a:p>
                   </a:txBody>
-                  <a:tcPr marL="45720" marR="45720" marT="45720" marB="45720" anchor="ctr" anchorCtr="0" horzOverflow="overflow">
+                  <a:tcPr marL="45720" marR="45720" anchor="ctr" horzOverflow="overflow">
                     <a:solidFill>
                       <a:srgbClr val="DEEBF7"/>
                     </a:solidFill>
@@ -8000,12 +8437,17 @@
                       </a:r>
                     </a:p>
                   </a:txBody>
-                  <a:tcPr marL="45720" marR="45720" marT="45720" marB="45720" anchor="ctr" anchorCtr="0" horzOverflow="overflow">
+                  <a:tcPr marL="45720" marR="45720" anchor="ctr" horzOverflow="overflow">
                     <a:solidFill>
                       <a:srgbClr val="DEEBF7"/>
                     </a:solidFill>
                   </a:tcPr>
                 </a:tc>
+                <a:extLst>
+                  <a:ext uri="{0D108BD9-81ED-4DB2-BD59-A6C34878D82A}">
+                    <a16:rowId xmlns:a16="http://schemas.microsoft.com/office/drawing/2014/main" val="10005"/>
+                  </a:ext>
+                </a:extLst>
               </a:tr>
               <a:tr h="638175">
                 <a:tc>
@@ -8021,7 +8463,7 @@
                       </a:r>
                     </a:p>
                   </a:txBody>
-                  <a:tcPr marL="45720" marR="45720" marT="45720" marB="45720" anchor="t" anchorCtr="0" horzOverflow="overflow">
+                  <a:tcPr marL="45720" marR="45720" horzOverflow="overflow">
                     <a:solidFill>
                       <a:srgbClr val="BDD7EE"/>
                     </a:solidFill>
@@ -8035,9 +8477,10 @@
                       <a:pPr algn="ctr">
                         <a:defRPr sz="1600"/>
                       </a:pPr>
+                      <a:endParaRPr/>
                     </a:p>
                   </a:txBody>
-                  <a:tcPr marL="45720" marR="45720" marT="45720" marB="45720" anchor="ctr" anchorCtr="0" horzOverflow="overflow">
+                  <a:tcPr marL="45720" marR="45720" anchor="ctr" horzOverflow="overflow">
                     <a:solidFill>
                       <a:srgbClr val="BDD7EE"/>
                     </a:solidFill>
@@ -8051,9 +8494,10 @@
                       <a:pPr algn="ctr">
                         <a:defRPr sz="1600"/>
                       </a:pPr>
+                      <a:endParaRPr/>
                     </a:p>
                   </a:txBody>
-                  <a:tcPr marL="45720" marR="45720" marT="45720" marB="45720" anchor="ctr" anchorCtr="0" horzOverflow="overflow">
+                  <a:tcPr marL="45720" marR="45720" anchor="ctr" horzOverflow="overflow">
                     <a:solidFill>
                       <a:srgbClr val="BDD7EE"/>
                     </a:solidFill>
@@ -8078,7 +8522,7 @@
                       </a:r>
                     </a:p>
                   </a:txBody>
-                  <a:tcPr marL="45720" marR="45720" marT="45720" marB="45720" anchor="ctr" anchorCtr="0" horzOverflow="overflow">
+                  <a:tcPr marL="45720" marR="45720" anchor="ctr" horzOverflow="overflow">
                     <a:solidFill>
                       <a:srgbClr val="BDD7EE"/>
                     </a:solidFill>
@@ -8103,7 +8547,7 @@
                       </a:r>
                     </a:p>
                   </a:txBody>
-                  <a:tcPr marL="45720" marR="45720" marT="45720" marB="45720" anchor="ctr" anchorCtr="0" horzOverflow="overflow">
+                  <a:tcPr marL="45720" marR="45720" anchor="ctr" horzOverflow="overflow">
                     <a:solidFill>
                       <a:srgbClr val="BDD7EE"/>
                     </a:solidFill>
@@ -8128,12 +8572,17 @@
                       </a:r>
                     </a:p>
                   </a:txBody>
-                  <a:tcPr marL="45720" marR="45720" marT="45720" marB="45720" anchor="ctr" anchorCtr="0" horzOverflow="overflow">
+                  <a:tcPr marL="45720" marR="45720" anchor="ctr" horzOverflow="overflow">
                     <a:solidFill>
                       <a:srgbClr val="BDD7EE"/>
                     </a:solidFill>
                   </a:tcPr>
                 </a:tc>
+                <a:extLst>
+                  <a:ext uri="{0D108BD9-81ED-4DB2-BD59-A6C34878D82A}">
+                    <a16:rowId xmlns:a16="http://schemas.microsoft.com/office/drawing/2014/main" val="10006"/>
+                  </a:ext>
+                </a:extLst>
               </a:tr>
               <a:tr h="638175">
                 <a:tc>
@@ -8149,7 +8598,7 @@
                       </a:r>
                     </a:p>
                   </a:txBody>
-                  <a:tcPr marL="45720" marR="45720" marT="45720" marB="45720" anchor="t" anchorCtr="0" horzOverflow="overflow">
+                  <a:tcPr marL="45720" marR="45720" horzOverflow="overflow">
                     <a:solidFill>
                       <a:srgbClr val="DEEBF7"/>
                     </a:solidFill>
@@ -8163,9 +8612,10 @@
                       <a:pPr algn="ctr">
                         <a:defRPr sz="1600"/>
                       </a:pPr>
+                      <a:endParaRPr/>
                     </a:p>
                   </a:txBody>
-                  <a:tcPr marL="45720" marR="45720" marT="45720" marB="45720" anchor="ctr" anchorCtr="0" horzOverflow="overflow">
+                  <a:tcPr marL="45720" marR="45720" anchor="ctr" horzOverflow="overflow">
                     <a:solidFill>
                       <a:srgbClr val="DEEBF7"/>
                     </a:solidFill>
@@ -8179,9 +8629,10 @@
                       <a:pPr algn="ctr">
                         <a:defRPr sz="2000"/>
                       </a:pPr>
+                      <a:endParaRPr/>
                     </a:p>
                   </a:txBody>
-                  <a:tcPr marL="45720" marR="45720" marT="45720" marB="45720" anchor="ctr" anchorCtr="0" horzOverflow="overflow">
+                  <a:tcPr marL="45720" marR="45720" anchor="ctr" horzOverflow="overflow">
                     <a:solidFill>
                       <a:srgbClr val="DEEBF7"/>
                     </a:solidFill>
@@ -8206,7 +8657,7 @@
                       </a:r>
                     </a:p>
                   </a:txBody>
-                  <a:tcPr marL="45720" marR="45720" marT="45720" marB="45720" anchor="ctr" anchorCtr="0" horzOverflow="overflow">
+                  <a:tcPr marL="45720" marR="45720" anchor="ctr" horzOverflow="overflow">
                     <a:solidFill>
                       <a:srgbClr val="DEEBF7"/>
                     </a:solidFill>
@@ -8238,7 +8689,7 @@
                       </a:r>
                     </a:p>
                   </a:txBody>
-                  <a:tcPr marL="45720" marR="45720" marT="45720" marB="45720" anchor="ctr" anchorCtr="0" horzOverflow="overflow">
+                  <a:tcPr marL="45720" marR="45720" anchor="ctr" horzOverflow="overflow">
                     <a:solidFill>
                       <a:srgbClr val="DEEBF7"/>
                     </a:solidFill>
@@ -8252,14 +8703,20 @@
                       <a:pPr algn="ctr">
                         <a:defRPr sz="1600"/>
                       </a:pPr>
+                      <a:endParaRPr/>
                     </a:p>
                   </a:txBody>
-                  <a:tcPr marL="45720" marR="45720" marT="45720" marB="45720" anchor="ctr" anchorCtr="0" horzOverflow="overflow">
+                  <a:tcPr marL="45720" marR="45720" anchor="ctr" horzOverflow="overflow">
                     <a:solidFill>
                       <a:srgbClr val="DEEBF7"/>
                     </a:solidFill>
                   </a:tcPr>
                 </a:tc>
+                <a:extLst>
+                  <a:ext uri="{0D108BD9-81ED-4DB2-BD59-A6C34878D82A}">
+                    <a16:rowId xmlns:a16="http://schemas.microsoft.com/office/drawing/2014/main" val="10007"/>
+                  </a:ext>
+                </a:extLst>
               </a:tr>
               <a:tr h="638175">
                 <a:tc>
@@ -8275,7 +8732,7 @@
                       </a:r>
                     </a:p>
                   </a:txBody>
-                  <a:tcPr marL="45720" marR="45720" marT="45720" marB="45720" anchor="t" anchorCtr="0" horzOverflow="overflow">
+                  <a:tcPr marL="45720" marR="45720" horzOverflow="overflow">
                     <a:solidFill>
                       <a:srgbClr val="BDD7EE"/>
                     </a:solidFill>
@@ -8289,9 +8746,10 @@
                       <a:pPr algn="ctr">
                         <a:defRPr sz="1600"/>
                       </a:pPr>
+                      <a:endParaRPr/>
                     </a:p>
                   </a:txBody>
-                  <a:tcPr marL="45720" marR="45720" marT="45720" marB="45720" anchor="ctr" anchorCtr="0" horzOverflow="overflow">
+                  <a:tcPr marL="45720" marR="45720" anchor="ctr" horzOverflow="overflow">
                     <a:solidFill>
                       <a:srgbClr val="BDD7EE"/>
                     </a:solidFill>
@@ -8305,9 +8763,10 @@
                       <a:pPr algn="ctr">
                         <a:defRPr sz="1600"/>
                       </a:pPr>
+                      <a:endParaRPr/>
                     </a:p>
                   </a:txBody>
-                  <a:tcPr marL="45720" marR="45720" marT="45720" marB="45720" anchor="ctr" anchorCtr="0" horzOverflow="overflow">
+                  <a:tcPr marL="45720" marR="45720" anchor="ctr" horzOverflow="overflow">
                     <a:solidFill>
                       <a:srgbClr val="BDD7EE"/>
                     </a:solidFill>
@@ -8321,9 +8780,10 @@
                       <a:pPr algn="ctr">
                         <a:defRPr sz="2000"/>
                       </a:pPr>
+                      <a:endParaRPr/>
                     </a:p>
                   </a:txBody>
-                  <a:tcPr marL="45720" marR="45720" marT="45720" marB="45720" anchor="ctr" anchorCtr="0" horzOverflow="overflow">
+                  <a:tcPr marL="45720" marR="45720" anchor="ctr" horzOverflow="overflow">
                     <a:solidFill>
                       <a:srgbClr val="BDD7EE"/>
                     </a:solidFill>
@@ -8348,7 +8808,7 @@
                       </a:r>
                     </a:p>
                   </a:txBody>
-                  <a:tcPr marL="45720" marR="45720" marT="45720" marB="45720" anchor="ctr" anchorCtr="0" horzOverflow="overflow">
+                  <a:tcPr marL="45720" marR="45720" anchor="ctr" horzOverflow="overflow">
                     <a:solidFill>
                       <a:srgbClr val="BDD7EE"/>
                     </a:solidFill>
@@ -8363,7 +8823,7 @@
                         <a:defRPr sz="1800"/>
                       </a:pPr>
                       <a:r>
-                        <a:rPr sz="2000">
+                        <a:rPr sz="2000" dirty="0">
                           <a:solidFill>
                             <a:srgbClr val="FF0000"/>
                           </a:solidFill>
@@ -8376,12 +8836,17 @@
                       </a:r>
                     </a:p>
                   </a:txBody>
-                  <a:tcPr marL="45720" marR="45720" marT="45720" marB="45720" anchor="ctr" anchorCtr="0" horzOverflow="overflow">
+                  <a:tcPr marL="45720" marR="45720" anchor="ctr" horzOverflow="overflow">
                     <a:solidFill>
                       <a:srgbClr val="BDD7EE"/>
                     </a:solidFill>
                   </a:tcPr>
                 </a:tc>
+                <a:extLst>
+                  <a:ext uri="{0D108BD9-81ED-4DB2-BD59-A6C34878D82A}">
+                    <a16:rowId xmlns:a16="http://schemas.microsoft.com/office/drawing/2014/main" val="10008"/>
+                  </a:ext>
+                </a:extLst>
               </a:tr>
             </a:tbl>
           </a:graphicData>
@@ -8396,7 +8861,7 @@
         <p:spPr>
           <a:xfrm>
             <a:off x="879475" y="5786437"/>
-            <a:ext cx="10217150" cy="332741"/>
+            <a:ext cx="10217150" cy="338554"/>
           </a:xfrm>
           <a:prstGeom prst="rect">
             <a:avLst/>
@@ -8406,7 +8871,7 @@
           </a:ln>
           <a:extLst>
             <a:ext uri="{C572A759-6A51-4108-AA02-DFA0A04FC94B}">
-              <ma14:wrappingTextBoxFlag xmlns:ma14="http://schemas.microsoft.com/office/mac/drawingml/2011/main" val="1"/>
+              <ma14:wrappingTextBoxFlag xmlns:ma14="http://schemas.microsoft.com/office/mac/drawingml/2011/main" xmlns="" val="1"/>
             </a:ext>
           </a:extLst>
         </p:spPr>
@@ -8416,13 +8881,29 @@
           </a:bodyPr>
           <a:lstStyle>
             <a:lvl1pPr>
-              <a:defRPr i="1" sz="1600"/>
+              <a:defRPr sz="1600" i="1"/>
             </a:lvl1pPr>
           </a:lstStyle>
           <a:p>
-            <a:pPr/>
-            <a:r>
-              <a:t>Based on feedback from the three same tester, after we did all the fixes arising from their observations</a:t>
+            <a:r>
+              <a:rPr dirty="0"/>
+              <a:t>Based on feedback from </a:t>
+            </a:r>
+            <a:r>
+              <a:rPr lang="en-GB" dirty="0"/>
+              <a:t>same</a:t>
+            </a:r>
+            <a:r>
+              <a:rPr dirty="0"/>
+              <a:t> three tester</a:t>
+            </a:r>
+            <a:r>
+              <a:rPr lang="en-GB" dirty="0"/>
+              <a:t>s</a:t>
+            </a:r>
+            <a:r>
+              <a:rPr dirty="0"/>
+              <a:t>, after we did fixes arising from their observations</a:t>
             </a:r>
           </a:p>
         </p:txBody>
@@ -8432,12 +8913,12 @@
   <p:clrMapOvr>
     <a:masterClrMapping/>
   </p:clrMapOvr>
-  <p:transition xmlns:p14="http://schemas.microsoft.com/office/powerpoint/2010/main" spd="med" advClick="1"/>
+  <p:transition spd="med"/>
 </p:sld>
 </file>
 
 <file path=ppt/slides/slide18.xml><?xml version="1.0" encoding="utf-8"?>
-<p:sld xmlns:a="http://schemas.openxmlformats.org/drawingml/2006/main" xmlns:r="http://schemas.openxmlformats.org/officeDocument/2006/relationships" xmlns:p="http://schemas.openxmlformats.org/presentationml/2006/main" showMasterSp="1" showMasterPhAnim="1">
+<p:sld xmlns:a="http://schemas.openxmlformats.org/drawingml/2006/main" xmlns:r="http://schemas.openxmlformats.org/officeDocument/2006/relationships" xmlns:p="http://schemas.openxmlformats.org/presentationml/2006/main">
   <p:cSld>
     <p:spTree>
       <p:nvGrpSpPr>
@@ -8487,7 +8968,9 @@
       <p:sp>
         <p:nvSpPr>
           <p:cNvPr id="279" name="Title 1"/>
-          <p:cNvSpPr txBox="1"/>
+          <p:cNvSpPr txBox="1">
+            <a:spLocks noGrp="1"/>
+          </p:cNvSpPr>
           <p:nvPr>
             <p:ph type="title"/>
           </p:nvPr>
@@ -8511,13 +8994,15 @@
           </a:ln>
         </p:spPr>
         <p:txBody>
-          <a:bodyPr/>
+          <a:bodyPr>
+            <a:normAutofit/>
+          </a:bodyPr>
           <a:lstStyle/>
           <a:p>
             <a:pPr defTabSz="708342">
               <a:tabLst>
-                <a:tab pos="4025900" algn="r"/>
-                <a:tab pos="7988300" algn="r"/>
+                <a:tab pos="5197475" algn="ctr"/>
+                <a:tab pos="10312400" algn="r"/>
               </a:tabLst>
               <a:defRPr sz="3007">
                 <a:latin typeface="+mn-lt"/>
@@ -8527,10 +9012,11 @@
               </a:defRPr>
             </a:pPr>
             <a:r>
+              <a:rPr dirty="0"/>
               <a:t>	Project Evaluation - Val	</a:t>
             </a:r>
             <a:r>
-              <a:rPr i="1"/>
+              <a:rPr i="1" dirty="0"/>
               <a:t>(5)</a:t>
             </a:r>
           </a:p>
@@ -8539,7 +9025,9 @@
       <p:sp>
         <p:nvSpPr>
           <p:cNvPr id="280" name="Content Placeholder 2"/>
-          <p:cNvSpPr txBox="1"/>
+          <p:cNvSpPr txBox="1">
+            <a:spLocks noGrp="1"/>
+          </p:cNvSpPr>
           <p:nvPr>
             <p:ph type="body" idx="1"/>
           </p:nvPr>
@@ -8566,19 +9054,16 @@
           <a:bodyPr/>
           <a:lstStyle/>
           <a:p>
-            <a:pPr/>
             <a:r>
               <a:t>Everyone worked well together – frequent, useful messaging; weekly workshops achieved a lot and were enjoyable</a:t>
             </a:r>
           </a:p>
           <a:p>
-            <a:pPr/>
             <a:r>
               <a:t>Felt bad that Leo spent so much time generating graphics and didn’t get to code</a:t>
             </a:r>
           </a:p>
           <a:p>
-            <a:pPr/>
             <a:r>
               <a:t>Developed collaborative work skills and use of git version control</a:t>
             </a:r>
@@ -8590,12 +9075,12 @@
   <p:clrMapOvr>
     <a:masterClrMapping/>
   </p:clrMapOvr>
-  <p:transition xmlns:p14="http://schemas.microsoft.com/office/powerpoint/2010/main" spd="med" advClick="1"/>
+  <p:transition spd="med"/>
 </p:sld>
 </file>
 
 <file path=ppt/slides/slide19.xml><?xml version="1.0" encoding="utf-8"?>
-<p:sld xmlns:a="http://schemas.openxmlformats.org/drawingml/2006/main" xmlns:r="http://schemas.openxmlformats.org/officeDocument/2006/relationships" xmlns:p="http://schemas.openxmlformats.org/presentationml/2006/main" showMasterSp="1" showMasterPhAnim="1">
+<p:sld xmlns:a="http://schemas.openxmlformats.org/drawingml/2006/main" xmlns:r="http://schemas.openxmlformats.org/officeDocument/2006/relationships" xmlns:p="http://schemas.openxmlformats.org/presentationml/2006/main">
   <p:cSld>
     <p:spTree>
       <p:nvGrpSpPr>
@@ -8645,7 +9130,9 @@
       <p:sp>
         <p:nvSpPr>
           <p:cNvPr id="283" name="Title 1"/>
-          <p:cNvSpPr txBox="1"/>
+          <p:cNvSpPr txBox="1">
+            <a:spLocks noGrp="1"/>
+          </p:cNvSpPr>
           <p:nvPr>
             <p:ph type="title"/>
           </p:nvPr>
@@ -8669,13 +9156,15 @@
           </a:ln>
         </p:spPr>
         <p:txBody>
-          <a:bodyPr/>
+          <a:bodyPr>
+            <a:normAutofit/>
+          </a:bodyPr>
           <a:lstStyle/>
           <a:p>
             <a:pPr defTabSz="693737">
               <a:tabLst>
-                <a:tab pos="3937000" algn="r"/>
-                <a:tab pos="7835900" algn="r"/>
+                <a:tab pos="5289550" algn="ctr"/>
+                <a:tab pos="10312400" algn="r"/>
               </a:tabLst>
               <a:defRPr sz="2900">
                 <a:latin typeface="Bodoni MT"/>
@@ -8685,10 +9174,19 @@
               </a:defRPr>
             </a:pPr>
             <a:r>
-              <a:t>	Project Evaluation - Ben	</a:t>
-            </a:r>
-            <a:r>
-              <a:rPr i="1"/>
+              <a:rPr dirty="0"/>
+              <a:t>	</a:t>
+            </a:r>
+            <a:r>
+              <a:rPr dirty="0">
+                <a:latin typeface="+mn-lt"/>
+              </a:rPr>
+              <a:t>Project Evaluation - Ben	</a:t>
+            </a:r>
+            <a:r>
+              <a:rPr i="1" dirty="0">
+                <a:latin typeface="+mn-lt"/>
+              </a:rPr>
               <a:t>(5)</a:t>
             </a:r>
           </a:p>
@@ -8697,7 +9195,9 @@
       <p:sp>
         <p:nvSpPr>
           <p:cNvPr id="284" name="Content Placeholder 2"/>
-          <p:cNvSpPr txBox="1"/>
+          <p:cNvSpPr txBox="1">
+            <a:spLocks noGrp="1"/>
+          </p:cNvSpPr>
           <p:nvPr>
             <p:ph type="body" idx="1"/>
           </p:nvPr>
@@ -8782,12 +9282,12 @@
   <p:clrMapOvr>
     <a:masterClrMapping/>
   </p:clrMapOvr>
-  <p:transition xmlns:p14="http://schemas.microsoft.com/office/powerpoint/2010/main" spd="med" advClick="1"/>
+  <p:transition spd="med"/>
 </p:sld>
 </file>
 
 <file path=ppt/slides/slide2.xml><?xml version="1.0" encoding="utf-8"?>
-<p:sld xmlns:a="http://schemas.openxmlformats.org/drawingml/2006/main" xmlns:r="http://schemas.openxmlformats.org/officeDocument/2006/relationships" xmlns:p="http://schemas.openxmlformats.org/presentationml/2006/main" showMasterSp="1" showMasterPhAnim="1">
+<p:sld xmlns:a="http://schemas.openxmlformats.org/drawingml/2006/main" xmlns:r="http://schemas.openxmlformats.org/officeDocument/2006/relationships" xmlns:p="http://schemas.openxmlformats.org/presentationml/2006/main">
   <p:cSld>
     <p:spTree>
       <p:nvGrpSpPr>
@@ -8947,7 +9447,7 @@
             <a:effectLst/>
             <a:extLst>
               <a:ext uri="{C572A759-6A51-4108-AA02-DFA0A04FC94B}">
-                <ma14:wrappingTextBoxFlag xmlns:ma14="http://schemas.microsoft.com/office/mac/drawingml/2011/main" val="1"/>
+                <ma14:wrappingTextBoxFlag xmlns:ma14="http://schemas.microsoft.com/office/mac/drawingml/2011/main" xmlns="" val="1"/>
               </a:ext>
             </a:extLst>
           </p:spPr>
@@ -8965,7 +9465,6 @@
               </a:lvl1pPr>
             </a:lstStyle>
             <a:p>
-              <a:pPr/>
               <a:r>
                 <a:t>D2 Presentation</a:t>
               </a:r>
@@ -8994,7 +9493,7 @@
             <a:effectLst/>
             <a:extLst>
               <a:ext uri="{C572A759-6A51-4108-AA02-DFA0A04FC94B}">
-                <ma14:wrappingTextBoxFlag xmlns:ma14="http://schemas.microsoft.com/office/mac/drawingml/2011/main" val="1"/>
+                <ma14:wrappingTextBoxFlag xmlns:ma14="http://schemas.microsoft.com/office/mac/drawingml/2011/main" xmlns="" val="1"/>
               </a:ext>
             </a:extLst>
           </p:spPr>
@@ -9055,7 +9554,7 @@
             <a:effectLst/>
             <a:extLst>
               <a:ext uri="{C572A759-6A51-4108-AA02-DFA0A04FC94B}">
-                <ma14:wrappingTextBoxFlag xmlns:ma14="http://schemas.microsoft.com/office/mac/drawingml/2011/main" val="1"/>
+                <ma14:wrappingTextBoxFlag xmlns:ma14="http://schemas.microsoft.com/office/mac/drawingml/2011/main" xmlns="" val="1"/>
               </a:ext>
             </a:extLst>
           </p:spPr>
@@ -9073,7 +9572,6 @@
               </a:lvl1pPr>
             </a:lstStyle>
             <a:p>
-              <a:pPr/>
               <a:r>
                 <a:t>The Christmas Game</a:t>
               </a:r>
@@ -9365,12 +9863,12 @@
   <p:clrMapOvr>
     <a:masterClrMapping/>
   </p:clrMapOvr>
-  <p:transition xmlns:p14="http://schemas.microsoft.com/office/powerpoint/2010/main" spd="med" advClick="1"/>
+  <p:transition spd="med"/>
 </p:sld>
 </file>
 
 <file path=ppt/slides/slide3.xml><?xml version="1.0" encoding="utf-8"?>
-<p:sld xmlns:a="http://schemas.openxmlformats.org/drawingml/2006/main" xmlns:r="http://schemas.openxmlformats.org/officeDocument/2006/relationships" xmlns:p="http://schemas.openxmlformats.org/presentationml/2006/main" showMasterSp="1" showMasterPhAnim="1">
+<p:sld xmlns:a="http://schemas.openxmlformats.org/drawingml/2006/main" xmlns:r="http://schemas.openxmlformats.org/officeDocument/2006/relationships" xmlns:p="http://schemas.openxmlformats.org/presentationml/2006/main">
   <p:cSld>
     <p:spTree>
       <p:nvGrpSpPr>
@@ -9389,7 +9887,9 @@
       <p:sp>
         <p:nvSpPr>
           <p:cNvPr id="45" name="Title 1"/>
-          <p:cNvSpPr txBox="1"/>
+          <p:cNvSpPr txBox="1">
+            <a:spLocks noGrp="1"/>
+          </p:cNvSpPr>
           <p:nvPr>
             <p:ph type="title"/>
           </p:nvPr>
@@ -9410,13 +9910,15 @@
           </a:ln>
         </p:spPr>
         <p:txBody>
-          <a:bodyPr/>
+          <a:bodyPr>
+            <a:normAutofit/>
+          </a:bodyPr>
           <a:lstStyle/>
           <a:p>
             <a:pPr defTabSz="708342">
               <a:tabLst>
-                <a:tab pos="4038600" algn="r"/>
-                <a:tab pos="8026400" algn="r"/>
+                <a:tab pos="5197475" algn="ctr"/>
+                <a:tab pos="10406063" algn="r"/>
               </a:tabLst>
               <a:defRPr sz="3007">
                 <a:latin typeface="+mn-lt"/>
@@ -9426,10 +9928,11 @@
               </a:defRPr>
             </a:pPr>
             <a:r>
+              <a:rPr dirty="0"/>
               <a:t>	Planning and Ideas	</a:t>
             </a:r>
             <a:r>
-              <a:rPr i="1"/>
+              <a:rPr i="1" dirty="0"/>
               <a:t>(1)</a:t>
             </a:r>
           </a:p>
@@ -9578,7 +10081,7 @@
           </a:ln>
           <a:extLst>
             <a:ext uri="{C572A759-6A51-4108-AA02-DFA0A04FC94B}">
-              <ma14:wrappingTextBoxFlag xmlns:ma14="http://schemas.microsoft.com/office/mac/drawingml/2011/main" val="1"/>
+              <ma14:wrappingTextBoxFlag xmlns:ma14="http://schemas.microsoft.com/office/mac/drawingml/2011/main" xmlns="" val="1"/>
             </a:ext>
           </a:extLst>
         </p:spPr>
@@ -9596,7 +10099,6 @@
             </a:lvl1pPr>
           </a:lstStyle>
           <a:p>
-            <a:pPr/>
             <a:r>
               <a:t>Turtle Odyssey</a:t>
             </a:r>
@@ -9622,7 +10124,7 @@
           </a:ln>
           <a:extLst>
             <a:ext uri="{C572A759-6A51-4108-AA02-DFA0A04FC94B}">
-              <ma14:wrappingTextBoxFlag xmlns:ma14="http://schemas.microsoft.com/office/mac/drawingml/2011/main" val="1"/>
+              <ma14:wrappingTextBoxFlag xmlns:ma14="http://schemas.microsoft.com/office/mac/drawingml/2011/main" xmlns="" val="1"/>
             </a:ext>
           </a:extLst>
         </p:spPr>
@@ -9640,7 +10142,6 @@
             </a:lvl1pPr>
           </a:lstStyle>
           <a:p>
-            <a:pPr/>
             <a:r>
               <a:t>Spelunky</a:t>
             </a:r>
@@ -9666,7 +10167,7 @@
           </a:ln>
           <a:extLst>
             <a:ext uri="{C572A759-6A51-4108-AA02-DFA0A04FC94B}">
-              <ma14:wrappingTextBoxFlag xmlns:ma14="http://schemas.microsoft.com/office/mac/drawingml/2011/main" val="1"/>
+              <ma14:wrappingTextBoxFlag xmlns:ma14="http://schemas.microsoft.com/office/mac/drawingml/2011/main" xmlns="" val="1"/>
             </a:ext>
           </a:extLst>
         </p:spPr>
@@ -9678,7 +10179,6 @@
             <a:lvl1pPr algn="ctr"/>
           </a:lstStyle>
           <a:p>
-            <a:pPr/>
             <a:r>
               <a:t>Super Mario Bros</a:t>
             </a:r>
@@ -9704,7 +10204,7 @@
           </a:ln>
           <a:extLst>
             <a:ext uri="{C572A759-6A51-4108-AA02-DFA0A04FC94B}">
-              <ma14:wrappingTextBoxFlag xmlns:ma14="http://schemas.microsoft.com/office/mac/drawingml/2011/main" val="1"/>
+              <ma14:wrappingTextBoxFlag xmlns:ma14="http://schemas.microsoft.com/office/mac/drawingml/2011/main" xmlns="" val="1"/>
             </a:ext>
           </a:extLst>
         </p:spPr>
@@ -9716,7 +10216,6 @@
             <a:lvl1pPr algn="ctr"/>
           </a:lstStyle>
           <a:p>
-            <a:pPr/>
             <a:r>
               <a:t>Fez</a:t>
             </a:r>
@@ -9728,12 +10227,12 @@
   <p:clrMapOvr>
     <a:masterClrMapping/>
   </p:clrMapOvr>
-  <p:transition xmlns:p14="http://schemas.microsoft.com/office/powerpoint/2010/main" spd="med" advClick="1"/>
+  <p:transition spd="med"/>
 </p:sld>
 </file>
 
 <file path=ppt/slides/slide4.xml><?xml version="1.0" encoding="utf-8"?>
-<p:sld xmlns:a="http://schemas.openxmlformats.org/drawingml/2006/main" xmlns:r="http://schemas.openxmlformats.org/officeDocument/2006/relationships" xmlns:p="http://schemas.openxmlformats.org/presentationml/2006/main" showMasterSp="1" showMasterPhAnim="1">
+<p:sld xmlns:a="http://schemas.openxmlformats.org/drawingml/2006/main" xmlns:r="http://schemas.openxmlformats.org/officeDocument/2006/relationships" xmlns:p="http://schemas.openxmlformats.org/presentationml/2006/main">
   <p:cSld>
     <p:spTree>
       <p:nvGrpSpPr>
@@ -9752,7 +10251,9 @@
       <p:sp>
         <p:nvSpPr>
           <p:cNvPr id="57" name="Title 1"/>
-          <p:cNvSpPr txBox="1"/>
+          <p:cNvSpPr txBox="1">
+            <a:spLocks noGrp="1"/>
+          </p:cNvSpPr>
           <p:nvPr>
             <p:ph type="title"/>
           </p:nvPr>
@@ -9773,13 +10274,15 @@
           </a:ln>
         </p:spPr>
         <p:txBody>
-          <a:bodyPr/>
+          <a:bodyPr>
+            <a:normAutofit/>
+          </a:bodyPr>
           <a:lstStyle/>
           <a:p>
             <a:pPr defTabSz="708342">
               <a:tabLst>
-                <a:tab pos="4038600" algn="r"/>
-                <a:tab pos="7975600" algn="r"/>
+                <a:tab pos="5197475" algn="ctr"/>
+                <a:tab pos="10406063" algn="r"/>
               </a:tabLst>
               <a:defRPr sz="3007">
                 <a:latin typeface="+mn-lt"/>
@@ -9789,10 +10292,15 @@
               </a:defRPr>
             </a:pPr>
             <a:r>
-              <a:t>	Description of Project &amp; Management	</a:t>
-            </a:r>
-            <a:r>
-              <a:rPr i="1"/>
+              <a:rPr lang="en-GB" dirty="0"/>
+              <a:t>	</a:t>
+            </a:r>
+            <a:r>
+              <a:rPr dirty="0"/>
+              <a:t>Description of Project &amp; Management	</a:t>
+            </a:r>
+            <a:r>
+              <a:rPr i="1" dirty="0"/>
               <a:t>(1)</a:t>
             </a:r>
           </a:p>
@@ -9801,7 +10309,9 @@
       <p:sp>
         <p:nvSpPr>
           <p:cNvPr id="58" name="Content Placeholder 2"/>
-          <p:cNvSpPr txBox="1"/>
+          <p:cNvSpPr txBox="1">
+            <a:spLocks noGrp="1"/>
+          </p:cNvSpPr>
           <p:nvPr>
             <p:ph type="body" sz="quarter" idx="1"/>
           </p:nvPr>
@@ -9834,7 +10344,7 @@
               </a:spcBef>
               <a:buSzTx/>
               <a:buNone/>
-              <a:defRPr b="1" sz="2000"/>
+              <a:defRPr sz="2000" b="1"/>
             </a:pPr>
             <a:r>
               <a:t>Style:  </a:t>
@@ -9854,7 +10364,7 @@
               </a:spcBef>
               <a:buSzTx/>
               <a:buNone/>
-              <a:defRPr b="1" sz="2000"/>
+              <a:defRPr sz="2000" b="1"/>
             </a:pPr>
             <a:r>
               <a:t>Audience:  </a:t>
@@ -9874,7 +10384,7 @@
               </a:spcBef>
               <a:buSzTx/>
               <a:buNone/>
-              <a:defRPr b="1" sz="2000"/>
+              <a:defRPr sz="2000" b="1"/>
             </a:pPr>
             <a:r>
               <a:t>Theme:	 </a:t>
@@ -9935,6 +10445,7 @@
                   <a:spcPct val="90000"/>
                 </a:lnSpc>
               </a:pPr>
+              <a:endParaRPr/>
             </a:p>
           </p:txBody>
         </p:sp>
@@ -9960,7 +10471,7 @@
             <a:effectLst/>
             <a:extLst>
               <a:ext uri="{C572A759-6A51-4108-AA02-DFA0A04FC94B}">
-                <ma14:wrappingTextBoxFlag xmlns:ma14="http://schemas.microsoft.com/office/mac/drawingml/2011/main" val="1"/>
+                <ma14:wrappingTextBoxFlag xmlns:ma14="http://schemas.microsoft.com/office/mac/drawingml/2011/main" xmlns="" val="1"/>
               </a:ext>
             </a:extLst>
           </p:spPr>
@@ -10151,6 +10662,7 @@
                   <a:spcPct val="90000"/>
                 </a:lnSpc>
               </a:pPr>
+              <a:endParaRPr/>
             </a:p>
           </p:txBody>
         </p:sp>
@@ -10176,7 +10688,7 @@
             <a:effectLst/>
             <a:extLst>
               <a:ext uri="{C572A759-6A51-4108-AA02-DFA0A04FC94B}">
-                <ma14:wrappingTextBoxFlag xmlns:ma14="http://schemas.microsoft.com/office/mac/drawingml/2011/main" val="1"/>
+                <ma14:wrappingTextBoxFlag xmlns:ma14="http://schemas.microsoft.com/office/mac/drawingml/2011/main" xmlns="" val="1"/>
               </a:ext>
             </a:extLst>
           </p:spPr>
@@ -10230,12 +10742,12 @@
   <p:clrMapOvr>
     <a:masterClrMapping/>
   </p:clrMapOvr>
-  <p:transition xmlns:p14="http://schemas.microsoft.com/office/powerpoint/2010/main" spd="med" advClick="1"/>
+  <p:transition spd="med"/>
 </p:sld>
 </file>
 
 <file path=ppt/slides/slide5.xml><?xml version="1.0" encoding="utf-8"?>
-<p:sld xmlns:a="http://schemas.openxmlformats.org/drawingml/2006/main" xmlns:r="http://schemas.openxmlformats.org/officeDocument/2006/relationships" xmlns:p="http://schemas.openxmlformats.org/presentationml/2006/main" showMasterSp="1" showMasterPhAnim="1">
+<p:sld xmlns:a="http://schemas.openxmlformats.org/drawingml/2006/main" xmlns:r="http://schemas.openxmlformats.org/officeDocument/2006/relationships" xmlns:p="http://schemas.openxmlformats.org/presentationml/2006/main">
   <p:cSld>
     <p:spTree>
       <p:nvGrpSpPr>
@@ -10283,7 +10795,9 @@
       <p:sp>
         <p:nvSpPr>
           <p:cNvPr id="70" name="Title 1"/>
-          <p:cNvSpPr txBox="1"/>
+          <p:cNvSpPr txBox="1">
+            <a:spLocks noGrp="1"/>
+          </p:cNvSpPr>
           <p:nvPr>
             <p:ph type="title"/>
           </p:nvPr>
@@ -10307,13 +10821,15 @@
           </a:ln>
         </p:spPr>
         <p:txBody>
-          <a:bodyPr/>
+          <a:bodyPr>
+            <a:normAutofit/>
+          </a:bodyPr>
           <a:lstStyle/>
           <a:p>
             <a:pPr defTabSz="730250">
               <a:tabLst>
-                <a:tab pos="4292600" algn="r"/>
-                <a:tab pos="8585200" algn="r"/>
+                <a:tab pos="5289550" algn="ctr"/>
+                <a:tab pos="10764838" algn="r"/>
               </a:tabLst>
               <a:defRPr sz="3100">
                 <a:latin typeface="+mn-lt"/>
@@ -10323,10 +10839,11 @@
               </a:defRPr>
             </a:pPr>
             <a:r>
+              <a:rPr dirty="0"/>
               <a:t>	Gameplay	</a:t>
             </a:r>
             <a:r>
-              <a:rPr i="1"/>
+              <a:rPr i="1" dirty="0"/>
               <a:t>(2)</a:t>
             </a:r>
           </a:p>
@@ -10335,7 +10852,9 @@
       <p:sp>
         <p:nvSpPr>
           <p:cNvPr id="71" name="Content Placeholder 2"/>
-          <p:cNvSpPr txBox="1"/>
+          <p:cNvSpPr txBox="1">
+            <a:spLocks noGrp="1"/>
+          </p:cNvSpPr>
           <p:nvPr>
             <p:ph type="body" idx="1"/>
           </p:nvPr>
@@ -10362,123 +10881,14 @@
           <a:bodyPr/>
           <a:lstStyle/>
           <a:p>
-            <a:pPr/>
-          </a:p>
-        </p:txBody>
-      </p:sp>
-      <p:sp>
-        <p:nvSpPr>
-          <p:cNvPr id="72" name="Rectangle 8"/>
-          <p:cNvSpPr txBox="1"/>
-          <p:nvPr/>
-        </p:nvSpPr>
-        <p:spPr>
-          <a:xfrm>
-            <a:off x="742950" y="941705"/>
-            <a:ext cx="5424488" cy="5196841"/>
-          </a:xfrm>
-          <a:prstGeom prst="rect">
-            <a:avLst/>
-          </a:prstGeom>
-          <a:ln w="12700">
-            <a:miter lim="400000"/>
-          </a:ln>
-          <a:extLst>
-            <a:ext uri="{C572A759-6A51-4108-AA02-DFA0A04FC94B}">
-              <ma14:wrappingTextBoxFlag xmlns:ma14="http://schemas.microsoft.com/office/mac/drawingml/2011/main" val="1"/>
-            </a:ext>
-          </a:extLst>
-        </p:spPr>
-        <p:txBody>
-          <a:bodyPr lIns="45719" rIns="45719" anchor="ctr">
-            <a:spAutoFit/>
-          </a:bodyPr>
-          <a:lstStyle/>
-          <a:p>
-            <a:pPr marL="76200" indent="-76200">
-              <a:defRPr b="1"/>
+            <a:pPr marL="0" indent="0">
+              <a:buNone/>
             </a:pPr>
             <a:r>
-              <a:t>Aim: </a:t>
-            </a:r>
-            <a:r>
-              <a:rPr b="0"/>
-              <a:t>Complete 4 levels to decorate the Christmas Room.  Each level is themed around a particular aspect of Christmas : ‘Christmas Tree’ , ‘Decorations’, ‘Roast Turkey’  and ‘Presents’.   Completing a level adds the themed item(s) to the room. </a:t>
-            </a:r>
-            <a:endParaRPr b="0"/>
-          </a:p>
-          <a:p>
-            <a:pPr marL="76200" indent="-76200">
-              <a:spcBef>
-                <a:spcPts val="1200"/>
-              </a:spcBef>
-              <a:defRPr b="1"/>
-            </a:pPr>
-            <a:r>
-              <a:t>Level Composition: </a:t>
-            </a:r>
-            <a:r>
-              <a:rPr b="0"/>
-              <a:t>Each level contains:</a:t>
-            </a:r>
-          </a:p>
-          <a:p>
-            <a:pPr marL="76200" indent="-76200">
-              <a:buSzPct val="100000"/>
-              <a:buAutoNum type="arabicPeriod" startAt="1"/>
-              <a:defRPr b="1"/>
-            </a:pPr>
-            <a:r>
-              <a:t>Platform: </a:t>
-            </a:r>
-            <a:r>
-              <a:rPr b="0"/>
-              <a:t>A side-scrolling platforming section with challenges such as hazards and bottomless pits which reset the player’s progress.  The player must collect the key to be able to complete the platform.  There are also extra items to collect along the way.</a:t>
-            </a:r>
-            <a:endParaRPr b="0"/>
-          </a:p>
-          <a:p>
-            <a:pPr marL="76200" indent="-76200">
-              <a:buSzPct val="100000"/>
-              <a:buAutoNum type="arabicPeriod" startAt="1"/>
-              <a:defRPr b="1"/>
-            </a:pPr>
-            <a:r>
-              <a:t>Puzzle: </a:t>
-            </a:r>
-            <a:r>
-              <a:rPr b="0"/>
-              <a:t>A different puzzle for each level.</a:t>
-            </a:r>
-            <a:endParaRPr b="0"/>
-          </a:p>
-          <a:p>
-            <a:pPr marL="76200" indent="-76200">
-              <a:spcBef>
-                <a:spcPts val="1200"/>
-              </a:spcBef>
-              <a:defRPr b="1"/>
-            </a:pPr>
-            <a:r>
-              <a:t>Navigation: </a:t>
-            </a:r>
-            <a:r>
-              <a:rPr b="0"/>
-              <a:t> WASD or arrow keys to move through menu, platform  and puzzles. </a:t>
-            </a:r>
-            <a:endParaRPr b="0"/>
-          </a:p>
-          <a:p>
-            <a:pPr marL="76200" indent="-76200"/>
-            <a:r>
-              <a:t>Enter to select platform/puzzle from menu.</a:t>
-            </a:r>
-          </a:p>
-          <a:p>
-            <a:pPr marL="76200" indent="-76200"/>
-            <a:r>
-              <a:t>Number  keys  also used to select items in puzzle 4.</a:t>
-            </a:r>
+              <a:rPr lang="en-GB" dirty="0"/>
+              <a:t> </a:t>
+            </a:r>
+            <a:endParaRPr dirty="0"/>
           </a:p>
         </p:txBody>
       </p:sp>
@@ -10543,17 +10953,152 @@
           </a:ln>
         </p:spPr>
       </p:pic>
+      <p:sp>
+        <p:nvSpPr>
+          <p:cNvPr id="8" name="Rectangle 8">
+            <a:extLst>
+              <a:ext uri="{FF2B5EF4-FFF2-40B4-BE49-F238E27FC236}">
+                <a16:creationId xmlns:a16="http://schemas.microsoft.com/office/drawing/2014/main" id="{C426B240-CB03-487B-BECA-9A122959C5CD}"/>
+              </a:ext>
+            </a:extLst>
+          </p:cNvPr>
+          <p:cNvSpPr txBox="1"/>
+          <p:nvPr/>
+        </p:nvSpPr>
+        <p:spPr>
+          <a:xfrm>
+            <a:off x="742950" y="1124079"/>
+            <a:ext cx="5424488" cy="4832092"/>
+          </a:xfrm>
+          <a:prstGeom prst="rect">
+            <a:avLst/>
+          </a:prstGeom>
+          <a:ln w="12700">
+            <a:miter lim="400000"/>
+          </a:ln>
+          <a:extLst>
+            <a:ext uri="{C572A759-6A51-4108-AA02-DFA0A04FC94B}">
+              <ma14:wrappingTextBoxFlag xmlns:ma14="http://schemas.microsoft.com/office/mac/drawingml/2011/main" xmlns="" val="1"/>
+            </a:ext>
+          </a:extLst>
+        </p:spPr>
+        <p:txBody>
+          <a:bodyPr lIns="45719" rIns="45719" anchor="ctr">
+            <a:spAutoFit/>
+          </a:bodyPr>
+          <a:lstStyle/>
+          <a:p>
+            <a:pPr marL="76200" indent="-76200">
+              <a:defRPr b="1"/>
+            </a:pPr>
+            <a:r>
+              <a:rPr dirty="0"/>
+              <a:t>Aim: </a:t>
+            </a:r>
+            <a:r>
+              <a:rPr b="0" dirty="0"/>
+              <a:t>Complete 4 levels to decorate the Christmas Room.  Each level is themed around a particular aspect of Christmas : ‘Christmas Tree’ , ‘Decorations’, ‘Roast Turkey’ and ‘Presents’.  Completing a level adds the themed item(s) to the room. </a:t>
+            </a:r>
+          </a:p>
+          <a:p>
+            <a:pPr marL="76200" indent="-76200">
+              <a:spcBef>
+                <a:spcPts val="1200"/>
+              </a:spcBef>
+              <a:defRPr b="1"/>
+            </a:pPr>
+            <a:r>
+              <a:rPr dirty="0"/>
+              <a:t>Level Composition: </a:t>
+            </a:r>
+            <a:r>
+              <a:rPr b="0" dirty="0"/>
+              <a:t>Each level contains:</a:t>
+            </a:r>
+          </a:p>
+          <a:p>
+            <a:pPr marL="358775" indent="-358775">
+              <a:buSzPct val="100000"/>
+              <a:buAutoNum type="arabicPeriod"/>
+              <a:defRPr b="1"/>
+            </a:pPr>
+            <a:r>
+              <a:rPr dirty="0"/>
+              <a:t>Platform: </a:t>
+            </a:r>
+            <a:r>
+              <a:rPr b="0" dirty="0"/>
+              <a:t>A side-scrolling platforming section with challenges such as hazards and bottomless pits which reset the player’s progress.  The player must collect the key to be able to complete the platform.  There are also extra items to collect along the way.</a:t>
+            </a:r>
+          </a:p>
+          <a:p>
+            <a:pPr marL="358775" indent="-358775">
+              <a:buSzPct val="100000"/>
+              <a:buAutoNum type="arabicPeriod"/>
+              <a:defRPr b="1"/>
+            </a:pPr>
+            <a:r>
+              <a:rPr dirty="0"/>
+              <a:t>Puzzle: </a:t>
+            </a:r>
+            <a:r>
+              <a:rPr b="0" dirty="0"/>
+              <a:t>A different puzzle for each level.</a:t>
+            </a:r>
+          </a:p>
+          <a:p>
+            <a:pPr marL="92075" indent="-92075">
+              <a:spcBef>
+                <a:spcPts val="1200"/>
+              </a:spcBef>
+              <a:defRPr b="1"/>
+            </a:pPr>
+            <a:r>
+              <a:rPr dirty="0"/>
+              <a:t>Navigation: </a:t>
+            </a:r>
+            <a:r>
+              <a:rPr b="0" dirty="0"/>
+              <a:t> WASD or arrow keys to move through menu, platform and puzzles </a:t>
+            </a:r>
+          </a:p>
+          <a:p>
+            <a:pPr marL="76200" indent="-76200"/>
+            <a:r>
+              <a:rPr dirty="0"/>
+              <a:t>Enter to select platform/puzzle from menu</a:t>
+            </a:r>
+            <a:r>
+              <a:rPr lang="en-GB" dirty="0"/>
+              <a:t> </a:t>
+            </a:r>
+            <a:endParaRPr dirty="0"/>
+          </a:p>
+          <a:p>
+            <a:pPr marL="76200" indent="-76200"/>
+            <a:r>
+              <a:rPr dirty="0"/>
+              <a:t>Number keys also used to select items in puzzle 4</a:t>
+            </a:r>
+            <a:r>
+              <a:rPr lang="en-GB" dirty="0"/>
+              <a:t> </a:t>
+            </a:r>
+            <a:endParaRPr dirty="0"/>
+          </a:p>
+        </p:txBody>
+      </p:sp>
     </p:spTree>
   </p:cSld>
   <p:clrMapOvr>
     <a:masterClrMapping/>
   </p:clrMapOvr>
-  <p:transition xmlns:p14="http://schemas.microsoft.com/office/powerpoint/2010/main" spd="med" advClick="1"/>
+  <p:transition spd="med"/>
 </p:sld>
 </file>
 
 <file path=ppt/slides/slide6.xml><?xml version="1.0" encoding="utf-8"?>
-<p:sld xmlns:a="http://schemas.openxmlformats.org/drawingml/2006/main" xmlns:r="http://schemas.openxmlformats.org/officeDocument/2006/relationships" xmlns:p="http://schemas.openxmlformats.org/presentationml/2006/main" showMasterSp="1" showMasterPhAnim="1">
+<p:sld xmlns:a="http://schemas.openxmlformats.org/drawingml/2006/main" xmlns:r="http://schemas.openxmlformats.org/officeDocument/2006/relationships" xmlns:p="http://schemas.openxmlformats.org/presentationml/2006/main">
   <p:cSld>
     <p:spTree>
       <p:nvGrpSpPr>
@@ -10659,13 +11204,16 @@
                 </a:solidFill>
               </a:defRPr>
             </a:pPr>
+            <a:endParaRPr/>
           </a:p>
         </p:txBody>
       </p:sp>
       <p:sp>
         <p:nvSpPr>
           <p:cNvPr id="81" name="Content Placeholder 2"/>
-          <p:cNvSpPr txBox="1"/>
+          <p:cNvSpPr txBox="1">
+            <a:spLocks noGrp="1"/>
+          </p:cNvSpPr>
           <p:nvPr>
             <p:ph type="body" idx="1"/>
           </p:nvPr>
@@ -10692,7 +11240,14 @@
           <a:bodyPr/>
           <a:lstStyle/>
           <a:p>
-            <a:pPr/>
+            <a:pPr marL="0" indent="0">
+              <a:buNone/>
+            </a:pPr>
+            <a:r>
+              <a:rPr lang="en-GB" dirty="0"/>
+              <a:t> </a:t>
+            </a:r>
+            <a:endParaRPr dirty="0"/>
           </a:p>
         </p:txBody>
       </p:sp>
@@ -10773,7 +11328,7 @@
           </a:ln>
           <a:extLst>
             <a:ext uri="{C572A759-6A51-4108-AA02-DFA0A04FC94B}">
-              <ma14:wrappingTextBoxFlag xmlns:ma14="http://schemas.microsoft.com/office/mac/drawingml/2011/main" val="1"/>
+              <ma14:wrappingTextBoxFlag xmlns:ma14="http://schemas.microsoft.com/office/mac/drawingml/2011/main" xmlns="" val="1"/>
             </a:ext>
           </a:extLst>
         </p:spPr>
@@ -10790,7 +11345,7 @@
               <a:spcBef>
                 <a:spcPts val="900"/>
               </a:spcBef>
-              <a:defRPr b="1" sz="1700"/>
+              <a:defRPr sz="1700" b="1"/>
             </a:pPr>
             <a:r>
               <a:t>Level Progression:  </a:t>
@@ -10824,7 +11379,7 @@
               <a:spcBef>
                 <a:spcPts val="900"/>
               </a:spcBef>
-              <a:defRPr b="1" sz="1700"/>
+              <a:defRPr sz="1700" b="1"/>
             </a:pPr>
             <a:r>
               <a:t>Puzzle Completion:</a:t>
@@ -10839,7 +11394,9 @@
       <p:sp>
         <p:nvSpPr>
           <p:cNvPr id="85" name="Title 1"/>
-          <p:cNvSpPr txBox="1"/>
+          <p:cNvSpPr txBox="1">
+            <a:spLocks noGrp="1"/>
+          </p:cNvSpPr>
           <p:nvPr>
             <p:ph type="title"/>
           </p:nvPr>
@@ -10863,13 +11420,15 @@
           </a:ln>
         </p:spPr>
         <p:txBody>
-          <a:bodyPr/>
+          <a:bodyPr>
+            <a:normAutofit/>
+          </a:bodyPr>
           <a:lstStyle/>
           <a:p>
             <a:pPr defTabSz="730250">
               <a:tabLst>
-                <a:tab pos="4292600" algn="r"/>
-                <a:tab pos="8585200" algn="r"/>
+                <a:tab pos="5289550" algn="ctr"/>
+                <a:tab pos="10764838" algn="r"/>
               </a:tabLst>
               <a:defRPr sz="3100">
                 <a:latin typeface="+mn-lt"/>
@@ -10879,10 +11438,11 @@
               </a:defRPr>
             </a:pPr>
             <a:r>
+              <a:rPr dirty="0"/>
               <a:t>	Gameplay	</a:t>
             </a:r>
             <a:r>
-              <a:rPr i="1"/>
+              <a:rPr i="1" dirty="0"/>
               <a:t>(2)</a:t>
             </a:r>
           </a:p>
@@ -11019,6 +11579,7 @@
                 </a:solidFill>
               </a:defRPr>
             </a:pPr>
+            <a:endParaRPr/>
           </a:p>
         </p:txBody>
       </p:sp>
@@ -11089,6 +11650,7 @@
                 </a:solidFill>
               </a:defRPr>
             </a:pPr>
+            <a:endParaRPr/>
           </a:p>
         </p:txBody>
       </p:sp>
@@ -11097,12 +11659,12 @@
   <p:clrMapOvr>
     <a:masterClrMapping/>
   </p:clrMapOvr>
-  <p:transition xmlns:p14="http://schemas.microsoft.com/office/powerpoint/2010/main" spd="med" advClick="1"/>
+  <p:transition spd="med"/>
 </p:sld>
 </file>
 
 <file path=ppt/slides/slide7.xml><?xml version="1.0" encoding="utf-8"?>
-<p:sld xmlns:a="http://schemas.openxmlformats.org/drawingml/2006/main" xmlns:r="http://schemas.openxmlformats.org/officeDocument/2006/relationships" xmlns:p="http://schemas.openxmlformats.org/presentationml/2006/main" showMasterSp="1" showMasterPhAnim="1">
+<p:sld xmlns:a="http://schemas.openxmlformats.org/drawingml/2006/main" xmlns:r="http://schemas.openxmlformats.org/officeDocument/2006/relationships" xmlns:p="http://schemas.openxmlformats.org/presentationml/2006/main">
   <p:cSld>
     <p:spTree>
       <p:nvGrpSpPr>
@@ -11150,7 +11712,9 @@
       <p:sp>
         <p:nvSpPr>
           <p:cNvPr id="96" name="Title 1"/>
-          <p:cNvSpPr txBox="1"/>
+          <p:cNvSpPr txBox="1">
+            <a:spLocks noGrp="1"/>
+          </p:cNvSpPr>
           <p:nvPr>
             <p:ph type="title"/>
           </p:nvPr>
@@ -11174,13 +11738,15 @@
           </a:ln>
         </p:spPr>
         <p:txBody>
-          <a:bodyPr/>
+          <a:bodyPr>
+            <a:normAutofit/>
+          </a:bodyPr>
           <a:lstStyle/>
           <a:p>
             <a:pPr defTabSz="730250">
               <a:tabLst>
-                <a:tab pos="4292600" algn="r"/>
-                <a:tab pos="8585200" algn="r"/>
+                <a:tab pos="5381625" algn="ctr"/>
+                <a:tab pos="10764838" algn="r"/>
               </a:tabLst>
               <a:defRPr sz="3100">
                 <a:latin typeface="+mn-lt"/>
@@ -11190,10 +11756,11 @@
               </a:defRPr>
             </a:pPr>
             <a:r>
+              <a:rPr dirty="0"/>
               <a:t>	Gameplay – Increasing Difficulty	</a:t>
             </a:r>
             <a:r>
-              <a:rPr i="1"/>
+              <a:rPr i="1" dirty="0"/>
               <a:t>(2)</a:t>
             </a:r>
           </a:p>
@@ -11202,7 +11769,9 @@
       <p:sp>
         <p:nvSpPr>
           <p:cNvPr id="97" name="Content Placeholder 2"/>
-          <p:cNvSpPr txBox="1"/>
+          <p:cNvSpPr txBox="1">
+            <a:spLocks noGrp="1"/>
+          </p:cNvSpPr>
           <p:nvPr>
             <p:ph type="body" idx="1"/>
           </p:nvPr>
@@ -11229,7 +11798,14 @@
           <a:bodyPr/>
           <a:lstStyle/>
           <a:p>
-            <a:pPr/>
+            <a:pPr marL="0" indent="0">
+              <a:buNone/>
+            </a:pPr>
+            <a:r>
+              <a:rPr lang="en-GB" dirty="0"/>
+              <a:t> </a:t>
+            </a:r>
+            <a:endParaRPr dirty="0"/>
           </a:p>
         </p:txBody>
       </p:sp>
@@ -11252,7 +11828,7 @@
           </a:ln>
           <a:extLst>
             <a:ext uri="{C572A759-6A51-4108-AA02-DFA0A04FC94B}">
-              <ma14:wrappingTextBoxFlag xmlns:ma14="http://schemas.microsoft.com/office/mac/drawingml/2011/main" val="1"/>
+              <ma14:wrappingTextBoxFlag xmlns:ma14="http://schemas.microsoft.com/office/mac/drawingml/2011/main" xmlns="" val="1"/>
             </a:ext>
           </a:extLst>
         </p:spPr>
@@ -11269,7 +11845,7 @@
               <a:spcBef>
                 <a:spcPts val="600"/>
               </a:spcBef>
-              <a:defRPr b="1" sz="1600"/>
+              <a:defRPr sz="1600" b="1"/>
             </a:pPr>
             <a:r>
               <a:t>Level 1 Forest</a:t>
@@ -11287,7 +11863,7 @@
               <a:spcBef>
                 <a:spcPts val="600"/>
               </a:spcBef>
-              <a:defRPr b="1" sz="1600"/>
+              <a:defRPr sz="1600" b="1"/>
             </a:pPr>
             <a:r>
               <a:t>Level 2 Attic</a:t>
@@ -11312,7 +11888,7 @@
               <a:spcBef>
                 <a:spcPts val="600"/>
               </a:spcBef>
-              <a:defRPr b="1" sz="1600"/>
+              <a:defRPr sz="1600" b="1"/>
             </a:pPr>
             <a:r>
               <a:t>Level 3 Kitchen</a:t>
@@ -11337,7 +11913,7 @@
               <a:spcBef>
                 <a:spcPts val="600"/>
               </a:spcBef>
-              <a:defRPr b="1" sz="1600"/>
+              <a:defRPr sz="1600" b="1"/>
             </a:pPr>
             <a:r>
               <a:t>Level 4 Sleigh</a:t>
@@ -11419,7 +11995,7 @@
             <a:effectLst/>
             <a:extLst>
               <a:ext uri="{C572A759-6A51-4108-AA02-DFA0A04FC94B}">
-                <ma14:wrappingTextBoxFlag xmlns:ma14="http://schemas.microsoft.com/office/mac/drawingml/2011/main" val="1"/>
+                <ma14:wrappingTextBoxFlag xmlns:ma14="http://schemas.microsoft.com/office/mac/drawingml/2011/main" xmlns="" val="1"/>
               </a:ext>
             </a:extLst>
           </p:spPr>
@@ -11433,7 +12009,6 @@
               </a:lvl1pPr>
             </a:lstStyle>
             <a:p>
-              <a:pPr/>
               <a:r>
                 <a:t>Level 1 falling in the water</a:t>
               </a:r>
@@ -11477,7 +12052,7 @@
             <a:effectLst/>
             <a:extLst>
               <a:ext uri="{C572A759-6A51-4108-AA02-DFA0A04FC94B}">
-                <ma14:wrappingTextBoxFlag xmlns:ma14="http://schemas.microsoft.com/office/mac/drawingml/2011/main" val="1"/>
+                <ma14:wrappingTextBoxFlag xmlns:ma14="http://schemas.microsoft.com/office/mac/drawingml/2011/main" xmlns="" val="1"/>
               </a:ext>
             </a:extLst>
           </p:spPr>
@@ -11491,7 +12066,6 @@
               </a:lvl1pPr>
             </a:lstStyle>
             <a:p>
-              <a:pPr/>
               <a:r>
                 <a:t>Level 2 smoke hazards and pitfalls</a:t>
               </a:r>
@@ -11603,7 +12177,7 @@
             <a:effectLst/>
             <a:extLst>
               <a:ext uri="{C572A759-6A51-4108-AA02-DFA0A04FC94B}">
-                <ma14:wrappingTextBoxFlag xmlns:ma14="http://schemas.microsoft.com/office/mac/drawingml/2011/main" val="1"/>
+                <ma14:wrappingTextBoxFlag xmlns:ma14="http://schemas.microsoft.com/office/mac/drawingml/2011/main" xmlns="" val="1"/>
               </a:ext>
             </a:extLst>
           </p:spPr>
@@ -11617,7 +12191,6 @@
               </a:lvl1pPr>
             </a:lstStyle>
             <a:p>
-              <a:pPr/>
               <a:r>
                 <a:t>Level 3 movement around fire and knife hazards and pitfall</a:t>
               </a:r>
@@ -11695,7 +12268,7 @@
             <a:effectLst/>
             <a:extLst>
               <a:ext uri="{C572A759-6A51-4108-AA02-DFA0A04FC94B}">
-                <ma14:wrappingTextBoxFlag xmlns:ma14="http://schemas.microsoft.com/office/mac/drawingml/2011/main" val="1"/>
+                <ma14:wrappingTextBoxFlag xmlns:ma14="http://schemas.microsoft.com/office/mac/drawingml/2011/main" xmlns="" val="1"/>
               </a:ext>
             </a:extLst>
           </p:spPr>
@@ -11709,7 +12282,6 @@
               </a:lvl1pPr>
             </a:lstStyle>
             <a:p>
-              <a:pPr/>
               <a:r>
                 <a:t>Level 4 flying around chimney smoke</a:t>
               </a:r>
@@ -11722,12 +12294,12 @@
   <p:clrMapOvr>
     <a:masterClrMapping/>
   </p:clrMapOvr>
-  <p:transition xmlns:p14="http://schemas.microsoft.com/office/powerpoint/2010/main" spd="med" advClick="1"/>
+  <p:transition spd="med"/>
 </p:sld>
 </file>
 
 <file path=ppt/slides/slide8.xml><?xml version="1.0" encoding="utf-8"?>
-<p:sld xmlns:a="http://schemas.openxmlformats.org/drawingml/2006/main" xmlns:r="http://schemas.openxmlformats.org/officeDocument/2006/relationships" xmlns:p="http://schemas.openxmlformats.org/presentationml/2006/main" showMasterSp="1" showMasterPhAnim="1">
+<p:sld xmlns:a="http://schemas.openxmlformats.org/drawingml/2006/main" xmlns:r="http://schemas.openxmlformats.org/officeDocument/2006/relationships" xmlns:p="http://schemas.openxmlformats.org/presentationml/2006/main">
   <p:cSld>
     <p:spTree>
       <p:nvGrpSpPr>
@@ -11833,21 +12405,24 @@
                 </a:solidFill>
               </a:defRPr>
             </a:pPr>
+            <a:endParaRPr/>
           </a:p>
         </p:txBody>
       </p:sp>
       <p:sp>
         <p:nvSpPr>
           <p:cNvPr id="117" name="Title 1"/>
-          <p:cNvSpPr txBox="1"/>
+          <p:cNvSpPr txBox="1">
+            <a:spLocks noGrp="1"/>
+          </p:cNvSpPr>
           <p:nvPr>
             <p:ph type="title"/>
           </p:nvPr>
         </p:nvSpPr>
         <p:spPr>
           <a:xfrm>
-            <a:off x="549275" y="365125"/>
-            <a:ext cx="10995025" cy="565150"/>
+            <a:off x="694482" y="365125"/>
+            <a:ext cx="10706582" cy="618723"/>
           </a:xfrm>
           <a:prstGeom prst="rect">
             <a:avLst/>
@@ -11863,13 +12438,15 @@
           </a:ln>
         </p:spPr>
         <p:txBody>
-          <a:bodyPr/>
+          <a:bodyPr>
+            <a:normAutofit/>
+          </a:bodyPr>
           <a:lstStyle/>
           <a:p>
             <a:pPr defTabSz="708342">
               <a:tabLst>
-                <a:tab pos="4025900" algn="r"/>
-                <a:tab pos="7988300" algn="r"/>
+                <a:tab pos="5197475" algn="ctr"/>
+                <a:tab pos="10579100" algn="r"/>
               </a:tabLst>
               <a:defRPr sz="3007">
                 <a:latin typeface="+mn-lt"/>
@@ -11879,10 +12456,11 @@
               </a:defRPr>
             </a:pPr>
             <a:r>
+              <a:rPr sz="3200" dirty="0"/>
               <a:t>	What Makes a Good Game?	</a:t>
             </a:r>
             <a:r>
-              <a:rPr i="1"/>
+              <a:rPr sz="3200" i="1" dirty="0"/>
               <a:t>(2)</a:t>
             </a:r>
           </a:p>
@@ -11891,15 +12469,17 @@
       <p:sp>
         <p:nvSpPr>
           <p:cNvPr id="118" name="Content Placeholder 2"/>
-          <p:cNvSpPr txBox="1"/>
+          <p:cNvSpPr txBox="1">
+            <a:spLocks noGrp="1"/>
+          </p:cNvSpPr>
           <p:nvPr>
             <p:ph type="body" idx="1"/>
           </p:nvPr>
         </p:nvSpPr>
         <p:spPr>
           <a:xfrm>
-            <a:off x="549275" y="930274"/>
-            <a:ext cx="10995025" cy="5246689"/>
+            <a:off x="694482" y="983849"/>
+            <a:ext cx="10706582" cy="4977114"/>
           </a:xfrm>
           <a:prstGeom prst="rect">
             <a:avLst/>
@@ -11918,119 +12498,140 @@
           <a:bodyPr anchor="ctr"/>
           <a:lstStyle/>
           <a:p>
-            <a:pPr marL="360362" indent="-360362">
+            <a:pPr marL="457200" indent="-457200">
               <a:lnSpc>
                 <a:spcPct val="72000"/>
               </a:lnSpc>
-              <a:buFontTx/>
-              <a:buAutoNum type="arabicParenR" startAt="1"/>
+              <a:buFont typeface="+mj-lt"/>
+              <a:buAutoNum type="arabicPeriod"/>
               <a:defRPr sz="2300"/>
             </a:pPr>
             <a:r>
+              <a:rPr dirty="0"/>
               <a:t>Long term Goal: to decorate Christmas Room</a:t>
             </a:r>
           </a:p>
           <a:p>
-            <a:pPr marL="360362" indent="-360362">
+            <a:pPr marL="457200" indent="-457200">
               <a:lnSpc>
                 <a:spcPct val="72000"/>
               </a:lnSpc>
-              <a:buFontTx/>
-              <a:buAutoNum type="arabicParenR" startAt="1"/>
+              <a:buFont typeface="+mj-lt"/>
+              <a:buAutoNum type="arabicPeriod"/>
               <a:defRPr sz="2300"/>
             </a:pPr>
             <a:r>
-              <a:t>Subgoals: to complete each level, collecting items; collected items are shown on menu screen</a:t>
-            </a:r>
-          </a:p>
-          <a:p>
-            <a:pPr marL="360362" indent="-360362">
+              <a:rPr dirty="0" err="1"/>
+              <a:t>Subgoals</a:t>
+            </a:r>
+            <a:r>
+              <a:rPr dirty="0"/>
+              <a:t>: to complete each level, collecting items; collected items are shown on menu screen</a:t>
+            </a:r>
+          </a:p>
+          <a:p>
+            <a:pPr marL="457200" indent="-457200">
               <a:lnSpc>
                 <a:spcPct val="72000"/>
               </a:lnSpc>
-              <a:buFontTx/>
-              <a:buAutoNum type="arabicParenR" startAt="1"/>
+              <a:buFont typeface="+mj-lt"/>
+              <a:buAutoNum type="arabicPeriod"/>
               <a:defRPr sz="2300"/>
             </a:pPr>
             <a:r>
-              <a:t>Game starts easily, and complexity/difficulty gradually increases (manoeuvring to items, avoiding pitfalls and hazards)</a:t>
-            </a:r>
-          </a:p>
-          <a:p>
-            <a:pPr marL="360362" indent="-360362">
+              <a:rPr dirty="0"/>
+              <a:t>Game starts easily, and complexity/difficulty gradually increases (</a:t>
+            </a:r>
+            <a:r>
+              <a:rPr dirty="0" err="1"/>
+              <a:t>manoeuvring</a:t>
+            </a:r>
+            <a:r>
+              <a:rPr dirty="0"/>
+              <a:t> to items, avoiding pitfalls and hazards)</a:t>
+            </a:r>
+          </a:p>
+          <a:p>
+            <a:pPr marL="457200" indent="-457200">
               <a:lnSpc>
                 <a:spcPct val="72000"/>
               </a:lnSpc>
-              <a:buFontTx/>
-              <a:buAutoNum type="arabicParenR" startAt="1"/>
+              <a:buFont typeface="+mj-lt"/>
+              <a:buAutoNum type="arabicPeriod"/>
               <a:defRPr sz="2300"/>
             </a:pPr>
             <a:r>
+              <a:rPr dirty="0"/>
               <a:t>Game uses standard controls and concepts. Basic guidance is given.</a:t>
             </a:r>
           </a:p>
           <a:p>
-            <a:pPr marL="360362" indent="-360362">
+            <a:pPr marL="457200" indent="-457200">
               <a:lnSpc>
                 <a:spcPct val="72000"/>
               </a:lnSpc>
-              <a:buFontTx/>
-              <a:buAutoNum type="arabicParenR" startAt="1"/>
+              <a:buFont typeface="+mj-lt"/>
+              <a:buAutoNum type="arabicPeriod"/>
               <a:defRPr sz="2300"/>
             </a:pPr>
             <a:r>
+              <a:rPr dirty="0"/>
               <a:t>Levels are fairly short; losing a life restarts the level; losing 3 lives goes back to the menu</a:t>
             </a:r>
           </a:p>
           <a:p>
-            <a:pPr marL="360362" indent="-360362">
+            <a:pPr marL="457200" indent="-457200">
               <a:lnSpc>
                 <a:spcPct val="72000"/>
               </a:lnSpc>
-              <a:buFontTx/>
-              <a:buAutoNum type="arabicParenR" startAt="1"/>
+              <a:buFont typeface="+mj-lt"/>
+              <a:buAutoNum type="arabicPeriod"/>
               <a:defRPr sz="2300"/>
             </a:pPr>
             <a:r>
+              <a:rPr dirty="0"/>
               <a:t>Each level has a few clear rewards, which are not too easy nor too difficult to achieve</a:t>
             </a:r>
           </a:p>
           <a:p>
-            <a:pPr marL="360362" indent="-360362">
+            <a:pPr marL="457200" indent="-457200">
               <a:lnSpc>
                 <a:spcPct val="72000"/>
               </a:lnSpc>
-              <a:buFontTx/>
-              <a:buAutoNum type="arabicParenR" startAt="1"/>
+              <a:buFont typeface="+mj-lt"/>
+              <a:buAutoNum type="arabicPeriod"/>
               <a:defRPr sz="2300"/>
             </a:pPr>
             <a:r>
+              <a:rPr dirty="0"/>
               <a:t>Game has interesting graphics; each level is similar and yet unique</a:t>
             </a:r>
           </a:p>
           <a:p>
-            <a:pPr marL="360362" indent="-360362">
+            <a:pPr marL="457200" indent="-457200">
               <a:lnSpc>
                 <a:spcPct val="72000"/>
               </a:lnSpc>
-              <a:buFontTx/>
-              <a:buAutoNum type="arabicParenR" startAt="1"/>
+              <a:buFont typeface="+mj-lt"/>
+              <a:buAutoNum type="arabicPeriod"/>
               <a:defRPr sz="2300"/>
             </a:pPr>
             <a:r>
+              <a:rPr dirty="0"/>
               <a:t>Completed puzzle shows what was achieved this level, which is then shown on menu screen</a:t>
             </a:r>
           </a:p>
           <a:p>
-            <a:pPr marL="360362" indent="-360362">
+            <a:pPr marL="457200" indent="-457200">
               <a:lnSpc>
                 <a:spcPct val="72000"/>
               </a:lnSpc>
-              <a:buFontTx/>
-              <a:buAutoNum type="arabicParenR" startAt="1"/>
+              <a:buFont typeface="+mj-lt"/>
+              <a:buAutoNum type="arabicPeriod"/>
               <a:defRPr sz="2300"/>
             </a:pPr>
             <a:r>
+              <a:rPr dirty="0"/>
               <a:t>Once completed, players can choose to redo any platform or puzzle to collect additional items</a:t>
             </a:r>
           </a:p>
@@ -12041,12 +12642,12 @@
   <p:clrMapOvr>
     <a:masterClrMapping/>
   </p:clrMapOvr>
-  <p:transition xmlns:p14="http://schemas.microsoft.com/office/powerpoint/2010/main" spd="med" advClick="1"/>
+  <p:transition spd="med"/>
 </p:sld>
 </file>
 
 <file path=ppt/slides/slide9.xml><?xml version="1.0" encoding="utf-8"?>
-<p:sld xmlns:a="http://schemas.openxmlformats.org/drawingml/2006/main" xmlns:r="http://schemas.openxmlformats.org/officeDocument/2006/relationships" xmlns:p="http://schemas.openxmlformats.org/presentationml/2006/main" showMasterSp="1" showMasterPhAnim="1">
+<p:sld xmlns:a="http://schemas.openxmlformats.org/drawingml/2006/main" xmlns:r="http://schemas.openxmlformats.org/officeDocument/2006/relationships" xmlns:p="http://schemas.openxmlformats.org/presentationml/2006/main">
   <p:cSld>
     <p:spTree>
       <p:nvGrpSpPr>
@@ -12123,6 +12724,7 @@
                 </a:solidFill>
               </a:defRPr>
             </a:pPr>
+            <a:endParaRPr/>
           </a:p>
         </p:txBody>
       </p:sp>
@@ -12158,7 +12760,9 @@
       <p:sp>
         <p:nvSpPr>
           <p:cNvPr id="125" name="Title 1"/>
-          <p:cNvSpPr txBox="1"/>
+          <p:cNvSpPr txBox="1">
+            <a:spLocks noGrp="1"/>
+          </p:cNvSpPr>
           <p:nvPr>
             <p:ph type="title"/>
           </p:nvPr>
@@ -12182,13 +12786,15 @@
           </a:ln>
         </p:spPr>
         <p:txBody>
-          <a:bodyPr/>
+          <a:bodyPr>
+            <a:normAutofit/>
+          </a:bodyPr>
           <a:lstStyle/>
           <a:p>
             <a:pPr defTabSz="708342">
               <a:tabLst>
-                <a:tab pos="4025900" algn="r"/>
-                <a:tab pos="7988300" algn="r"/>
+                <a:tab pos="5197475" algn="ctr"/>
+                <a:tab pos="10406063" algn="r"/>
               </a:tabLst>
               <a:defRPr sz="3007">
                 <a:latin typeface="+mn-lt"/>
@@ -12198,10 +12804,11 @@
               </a:defRPr>
             </a:pPr>
             <a:r>
+              <a:rPr dirty="0"/>
               <a:t>	Implementation	</a:t>
             </a:r>
             <a:r>
-              <a:rPr i="1"/>
+              <a:rPr i="1" dirty="0"/>
               <a:t>(3)</a:t>
             </a:r>
           </a:p>
@@ -12210,7 +12817,9 @@
       <p:sp>
         <p:nvSpPr>
           <p:cNvPr id="126" name="Content Placeholder 2"/>
-          <p:cNvSpPr txBox="1"/>
+          <p:cNvSpPr txBox="1">
+            <a:spLocks noGrp="1"/>
+          </p:cNvSpPr>
           <p:nvPr>
             <p:ph type="body" idx="1"/>
           </p:nvPr>
@@ -12237,7 +12846,14 @@
           <a:bodyPr/>
           <a:lstStyle/>
           <a:p>
-            <a:pPr/>
+            <a:pPr marL="0" indent="0">
+              <a:buNone/>
+            </a:pPr>
+            <a:r>
+              <a:rPr lang="en-GB" dirty="0"/>
+              <a:t> </a:t>
+            </a:r>
+            <a:endParaRPr dirty="0"/>
           </a:p>
         </p:txBody>
       </p:sp>
@@ -12294,6 +12910,7 @@
                   </a:solidFill>
                 </a:defRPr>
               </a:pPr>
+              <a:endParaRPr/>
             </a:p>
           </p:txBody>
         </p:sp>
@@ -12319,7 +12936,7 @@
             <a:effectLst/>
             <a:extLst>
               <a:ext uri="{C572A759-6A51-4108-AA02-DFA0A04FC94B}">
-                <ma14:wrappingTextBoxFlag xmlns:ma14="http://schemas.microsoft.com/office/mac/drawingml/2011/main" val="1"/>
+                <ma14:wrappingTextBoxFlag xmlns:ma14="http://schemas.microsoft.com/office/mac/drawingml/2011/main" xmlns="" val="1"/>
               </a:ext>
             </a:extLst>
           </p:spPr>
@@ -12337,7 +12954,6 @@
               </a:lvl1pPr>
             </a:lstStyle>
             <a:p>
-              <a:pPr/>
               <a:r>
                 <a:t>Design Spec.</a:t>
               </a:r>
@@ -12399,6 +13015,7 @@
                   </a:solidFill>
                 </a:defRPr>
               </a:pPr>
+              <a:endParaRPr/>
             </a:p>
           </p:txBody>
         </p:sp>
@@ -12424,7 +13041,7 @@
             <a:effectLst/>
             <a:extLst>
               <a:ext uri="{C572A759-6A51-4108-AA02-DFA0A04FC94B}">
-                <ma14:wrappingTextBoxFlag xmlns:ma14="http://schemas.microsoft.com/office/mac/drawingml/2011/main" val="1"/>
+                <ma14:wrappingTextBoxFlag xmlns:ma14="http://schemas.microsoft.com/office/mac/drawingml/2011/main" xmlns="" val="1"/>
               </a:ext>
             </a:extLst>
           </p:spPr>
@@ -12442,7 +13059,6 @@
               </a:lvl1pPr>
             </a:lstStyle>
             <a:p>
-              <a:pPr/>
               <a:r>
                 <a:t>Base Tile Set</a:t>
               </a:r>
@@ -12504,6 +13120,7 @@
                   </a:solidFill>
                 </a:defRPr>
               </a:pPr>
+              <a:endParaRPr/>
             </a:p>
           </p:txBody>
         </p:sp>
@@ -12529,7 +13146,7 @@
             <a:effectLst/>
             <a:extLst>
               <a:ext uri="{C572A759-6A51-4108-AA02-DFA0A04FC94B}">
-                <ma14:wrappingTextBoxFlag xmlns:ma14="http://schemas.microsoft.com/office/mac/drawingml/2011/main" val="1"/>
+                <ma14:wrappingTextBoxFlag xmlns:ma14="http://schemas.microsoft.com/office/mac/drawingml/2011/main" xmlns="" val="1"/>
               </a:ext>
             </a:extLst>
           </p:spPr>
@@ -12547,7 +13164,6 @@
               </a:lvl1pPr>
             </a:lstStyle>
             <a:p>
-              <a:pPr/>
               <a:r>
                 <a:t>Placeholders</a:t>
               </a:r>
@@ -12580,7 +13196,7 @@
           <a:bodyPr lIns="45719" rIns="45719"/>
           <a:lstStyle/>
           <a:p>
-            <a:pPr/>
+            <a:endParaRPr/>
           </a:p>
         </p:txBody>
       </p:sp>
@@ -12609,7 +13225,7 @@
           <a:bodyPr lIns="45719" rIns="45719"/>
           <a:lstStyle/>
           <a:p>
-            <a:pPr/>
+            <a:endParaRPr/>
           </a:p>
         </p:txBody>
       </p:sp>
@@ -12632,7 +13248,7 @@
           </a:ln>
           <a:extLst>
             <a:ext uri="{C572A759-6A51-4108-AA02-DFA0A04FC94B}">
-              <ma14:wrappingTextBoxFlag xmlns:ma14="http://schemas.microsoft.com/office/mac/drawingml/2011/main" val="1"/>
+              <ma14:wrappingTextBoxFlag xmlns:ma14="http://schemas.microsoft.com/office/mac/drawingml/2011/main" xmlns="" val="1"/>
             </a:ext>
           </a:extLst>
         </p:spPr>
@@ -12642,7 +13258,6 @@
           </a:bodyPr>
           <a:lstStyle/>
           <a:p>
-            <a:pPr/>
             <a:r>
               <a:t>Artwork</a:t>
             </a:r>
@@ -12674,7 +13289,7 @@
           <a:bodyPr lIns="45719" rIns="45719"/>
           <a:lstStyle/>
           <a:p>
-            <a:pPr/>
+            <a:endParaRPr/>
           </a:p>
         </p:txBody>
       </p:sp>
@@ -12703,7 +13318,7 @@
           <a:bodyPr lIns="45719" rIns="45719"/>
           <a:lstStyle/>
           <a:p>
-            <a:pPr/>
+            <a:endParaRPr/>
           </a:p>
         </p:txBody>
       </p:sp>
@@ -12726,7 +13341,7 @@
           </a:ln>
           <a:extLst>
             <a:ext uri="{C572A759-6A51-4108-AA02-DFA0A04FC94B}">
-              <ma14:wrappingTextBoxFlag xmlns:ma14="http://schemas.microsoft.com/office/mac/drawingml/2011/main" val="1"/>
+              <ma14:wrappingTextBoxFlag xmlns:ma14="http://schemas.microsoft.com/office/mac/drawingml/2011/main" xmlns="" val="1"/>
             </a:ext>
           </a:extLst>
         </p:spPr>
@@ -12736,7 +13351,6 @@
           </a:bodyPr>
           <a:lstStyle/>
           <a:p>
-            <a:pPr/>
             <a:r>
               <a:t>Platforming</a:t>
             </a:r>
@@ -12762,7 +13376,7 @@
           </a:ln>
           <a:extLst>
             <a:ext uri="{C572A759-6A51-4108-AA02-DFA0A04FC94B}">
-              <ma14:wrappingTextBoxFlag xmlns:ma14="http://schemas.microsoft.com/office/mac/drawingml/2011/main" val="1"/>
+              <ma14:wrappingTextBoxFlag xmlns:ma14="http://schemas.microsoft.com/office/mac/drawingml/2011/main" xmlns="" val="1"/>
             </a:ext>
           </a:extLst>
         </p:spPr>
@@ -12772,7 +13386,6 @@
           </a:bodyPr>
           <a:lstStyle/>
           <a:p>
-            <a:pPr/>
             <a:r>
               <a:t>Gameplay</a:t>
             </a:r>
@@ -12798,7 +13411,7 @@
           </a:ln>
           <a:extLst>
             <a:ext uri="{C572A759-6A51-4108-AA02-DFA0A04FC94B}">
-              <ma14:wrappingTextBoxFlag xmlns:ma14="http://schemas.microsoft.com/office/mac/drawingml/2011/main" val="1"/>
+              <ma14:wrappingTextBoxFlag xmlns:ma14="http://schemas.microsoft.com/office/mac/drawingml/2011/main" xmlns="" val="1"/>
             </a:ext>
           </a:extLst>
         </p:spPr>
@@ -12808,7 +13421,6 @@
           </a:bodyPr>
           <a:lstStyle/>
           <a:p>
-            <a:pPr/>
             <a:r>
               <a:t>Puzzles</a:t>
             </a:r>
@@ -12840,7 +13452,7 @@
           <a:bodyPr lIns="45719" rIns="45719"/>
           <a:lstStyle/>
           <a:p>
-            <a:pPr/>
+            <a:endParaRPr/>
           </a:p>
         </p:txBody>
       </p:sp>
@@ -12869,7 +13481,7 @@
           <a:bodyPr lIns="45719" rIns="45719"/>
           <a:lstStyle/>
           <a:p>
-            <a:pPr/>
+            <a:endParaRPr/>
           </a:p>
         </p:txBody>
       </p:sp>
@@ -12927,6 +13539,7 @@
                   </a:solidFill>
                 </a:defRPr>
               </a:pPr>
+              <a:endParaRPr/>
             </a:p>
           </p:txBody>
         </p:sp>
@@ -12952,7 +13565,7 @@
             <a:effectLst/>
             <a:extLst>
               <a:ext uri="{C572A759-6A51-4108-AA02-DFA0A04FC94B}">
-                <ma14:wrappingTextBoxFlag xmlns:ma14="http://schemas.microsoft.com/office/mac/drawingml/2011/main" val="1"/>
+                <ma14:wrappingTextBoxFlag xmlns:ma14="http://schemas.microsoft.com/office/mac/drawingml/2011/main" xmlns="" val="1"/>
               </a:ext>
             </a:extLst>
           </p:spPr>
@@ -12970,7 +13583,6 @@
               </a:lvl1pPr>
             </a:lstStyle>
             <a:p>
-              <a:pPr/>
               <a:r>
                 <a:t>Collision &amp; Hazards</a:t>
               </a:r>
@@ -13032,6 +13644,7 @@
                   </a:solidFill>
                 </a:defRPr>
               </a:pPr>
+              <a:endParaRPr/>
             </a:p>
           </p:txBody>
         </p:sp>
@@ -13057,7 +13670,7 @@
             <a:effectLst/>
             <a:extLst>
               <a:ext uri="{C572A759-6A51-4108-AA02-DFA0A04FC94B}">
-                <ma14:wrappingTextBoxFlag xmlns:ma14="http://schemas.microsoft.com/office/mac/drawingml/2011/main" val="1"/>
+                <ma14:wrappingTextBoxFlag xmlns:ma14="http://schemas.microsoft.com/office/mac/drawingml/2011/main" xmlns="" val="1"/>
               </a:ext>
             </a:extLst>
           </p:spPr>
@@ -13075,7 +13688,6 @@
               </a:lvl1pPr>
             </a:lstStyle>
             <a:p>
-              <a:pPr/>
               <a:r>
                 <a:t>Layout of Platforms &amp; Items</a:t>
               </a:r>
@@ -13137,6 +13749,7 @@
                   </a:solidFill>
                 </a:defRPr>
               </a:pPr>
+              <a:endParaRPr/>
             </a:p>
           </p:txBody>
         </p:sp>
@@ -13162,7 +13775,7 @@
             <a:effectLst/>
             <a:extLst>
               <a:ext uri="{C572A759-6A51-4108-AA02-DFA0A04FC94B}">
-                <ma14:wrappingTextBoxFlag xmlns:ma14="http://schemas.microsoft.com/office/mac/drawingml/2011/main" val="1"/>
+                <ma14:wrappingTextBoxFlag xmlns:ma14="http://schemas.microsoft.com/office/mac/drawingml/2011/main" xmlns="" val="1"/>
               </a:ext>
             </a:extLst>
           </p:spPr>
@@ -13180,7 +13793,6 @@
               </a:lvl1pPr>
             </a:lstStyle>
             <a:p>
-              <a:pPr/>
               <a:r>
                 <a:t>Failure and Success conditions</a:t>
               </a:r>
@@ -13242,6 +13854,7 @@
                   </a:solidFill>
                 </a:defRPr>
               </a:pPr>
+              <a:endParaRPr/>
             </a:p>
           </p:txBody>
         </p:sp>
@@ -13267,7 +13880,7 @@
             <a:effectLst/>
             <a:extLst>
               <a:ext uri="{C572A759-6A51-4108-AA02-DFA0A04FC94B}">
-                <ma14:wrappingTextBoxFlag xmlns:ma14="http://schemas.microsoft.com/office/mac/drawingml/2011/main" val="1"/>
+                <ma14:wrappingTextBoxFlag xmlns:ma14="http://schemas.microsoft.com/office/mac/drawingml/2011/main" xmlns="" val="1"/>
               </a:ext>
             </a:extLst>
           </p:spPr>
@@ -13285,7 +13898,6 @@
               </a:lvl1pPr>
             </a:lstStyle>
             <a:p>
-              <a:pPr/>
               <a:r>
                 <a:t>Specification for each puzzle</a:t>
               </a:r>
@@ -13347,6 +13959,7 @@
                   </a:solidFill>
                 </a:defRPr>
               </a:pPr>
+              <a:endParaRPr/>
             </a:p>
           </p:txBody>
         </p:sp>
@@ -13372,7 +13985,7 @@
             <a:effectLst/>
             <a:extLst>
               <a:ext uri="{C572A759-6A51-4108-AA02-DFA0A04FC94B}">
-                <ma14:wrappingTextBoxFlag xmlns:ma14="http://schemas.microsoft.com/office/mac/drawingml/2011/main" val="1"/>
+                <ma14:wrappingTextBoxFlag xmlns:ma14="http://schemas.microsoft.com/office/mac/drawingml/2011/main" xmlns="" val="1"/>
               </a:ext>
             </a:extLst>
           </p:spPr>
@@ -13390,7 +14003,6 @@
               </a:lvl1pPr>
             </a:lstStyle>
             <a:p>
-              <a:pPr/>
               <a:r>
                 <a:t>Puzzle Interaction</a:t>
               </a:r>
@@ -13452,6 +14064,7 @@
                   </a:solidFill>
                 </a:defRPr>
               </a:pPr>
+              <a:endParaRPr/>
             </a:p>
           </p:txBody>
         </p:sp>
@@ -13477,7 +14090,7 @@
             <a:effectLst/>
             <a:extLst>
               <a:ext uri="{C572A759-6A51-4108-AA02-DFA0A04FC94B}">
-                <ma14:wrappingTextBoxFlag xmlns:ma14="http://schemas.microsoft.com/office/mac/drawingml/2011/main" val="1"/>
+                <ma14:wrappingTextBoxFlag xmlns:ma14="http://schemas.microsoft.com/office/mac/drawingml/2011/main" xmlns="" val="1"/>
               </a:ext>
             </a:extLst>
           </p:spPr>
@@ -13495,7 +14108,6 @@
               </a:lvl1pPr>
             </a:lstStyle>
             <a:p>
-              <a:pPr/>
               <a:r>
                 <a:t>Success Conditions</a:t>
               </a:r>
@@ -13557,6 +14169,7 @@
                   </a:solidFill>
                 </a:defRPr>
               </a:pPr>
+              <a:endParaRPr/>
             </a:p>
           </p:txBody>
         </p:sp>
@@ -13582,7 +14195,7 @@
             <a:effectLst/>
             <a:extLst>
               <a:ext uri="{C572A759-6A51-4108-AA02-DFA0A04FC94B}">
-                <ma14:wrappingTextBoxFlag xmlns:ma14="http://schemas.microsoft.com/office/mac/drawingml/2011/main" val="1"/>
+                <ma14:wrappingTextBoxFlag xmlns:ma14="http://schemas.microsoft.com/office/mac/drawingml/2011/main" xmlns="" val="1"/>
               </a:ext>
             </a:extLst>
           </p:spPr>
@@ -13600,7 +14213,6 @@
               </a:lvl1pPr>
             </a:lstStyle>
             <a:p>
-              <a:pPr/>
               <a:r>
                 <a:t>Sprites</a:t>
               </a:r>
@@ -13662,6 +14274,7 @@
                   </a:solidFill>
                 </a:defRPr>
               </a:pPr>
+              <a:endParaRPr/>
             </a:p>
           </p:txBody>
         </p:sp>
@@ -13687,7 +14300,7 @@
             <a:effectLst/>
             <a:extLst>
               <a:ext uri="{C572A759-6A51-4108-AA02-DFA0A04FC94B}">
-                <ma14:wrappingTextBoxFlag xmlns:ma14="http://schemas.microsoft.com/office/mac/drawingml/2011/main" val="1"/>
+                <ma14:wrappingTextBoxFlag xmlns:ma14="http://schemas.microsoft.com/office/mac/drawingml/2011/main" xmlns="" val="1"/>
               </a:ext>
             </a:extLst>
           </p:spPr>
@@ -13705,7 +14318,6 @@
               </a:lvl1pPr>
             </a:lstStyle>
             <a:p>
-              <a:pPr/>
               <a:r>
                 <a:t>Backgrounds &amp; Platforms</a:t>
               </a:r>
@@ -13767,6 +14379,7 @@
                   </a:solidFill>
                 </a:defRPr>
               </a:pPr>
+              <a:endParaRPr/>
             </a:p>
           </p:txBody>
         </p:sp>
@@ -13792,7 +14405,7 @@
             <a:effectLst/>
             <a:extLst>
               <a:ext uri="{C572A759-6A51-4108-AA02-DFA0A04FC94B}">
-                <ma14:wrappingTextBoxFlag xmlns:ma14="http://schemas.microsoft.com/office/mac/drawingml/2011/main" val="1"/>
+                <ma14:wrappingTextBoxFlag xmlns:ma14="http://schemas.microsoft.com/office/mac/drawingml/2011/main" xmlns="" val="1"/>
               </a:ext>
             </a:extLst>
           </p:spPr>
@@ -13810,7 +14423,6 @@
               </a:lvl1pPr>
             </a:lstStyle>
             <a:p>
-              <a:pPr/>
               <a:r>
                 <a:t>Puzzle Tiles</a:t>
               </a:r>
@@ -13843,7 +14455,7 @@
           <a:bodyPr lIns="45719" rIns="45719"/>
           <a:lstStyle/>
           <a:p>
-            <a:pPr/>
+            <a:endParaRPr/>
           </a:p>
         </p:txBody>
       </p:sp>
@@ -13878,7 +14490,7 @@
             </a:cxnLst>
             <a:rect l="0" t="0" r="r" b="b"/>
             <a:pathLst>
-              <a:path w="21600" h="21600" fill="norm" stroke="1" extrusionOk="0">
+              <a:path w="21600" h="21600" extrusionOk="0">
                 <a:moveTo>
                   <a:pt x="0" y="0"/>
                 </a:moveTo>
@@ -13902,7 +14514,7 @@
           <a:bodyPr lIns="45719" rIns="45719" anchor="ctr"/>
           <a:lstStyle/>
           <a:p>
-            <a:pPr/>
+            <a:endParaRPr/>
           </a:p>
         </p:txBody>
       </p:sp>
@@ -13931,7 +14543,7 @@
           <a:bodyPr lIns="45719" rIns="45719"/>
           <a:lstStyle/>
           <a:p>
-            <a:pPr/>
+            <a:endParaRPr/>
           </a:p>
         </p:txBody>
       </p:sp>
@@ -13960,7 +14572,7 @@
           <a:bodyPr lIns="45719" rIns="45719"/>
           <a:lstStyle/>
           <a:p>
-            <a:pPr/>
+            <a:endParaRPr/>
           </a:p>
         </p:txBody>
       </p:sp>
@@ -13971,7 +14583,7 @@
           <p:nvPr/>
         </p:nvSpPr>
         <p:spPr>
-          <a:xfrm flipV="1" rot="10800000">
+          <a:xfrm rot="10800000" flipV="1">
             <a:off x="7842250" y="2827337"/>
             <a:ext cx="1035050" cy="763588"/>
           </a:xfrm>
@@ -13995,7 +14607,7 @@
             </a:cxnLst>
             <a:rect l="0" t="0" r="r" b="b"/>
             <a:pathLst>
-              <a:path w="21600" h="21600" fill="norm" stroke="1" extrusionOk="0">
+              <a:path w="21600" h="21600" extrusionOk="0">
                 <a:moveTo>
                   <a:pt x="0" y="0"/>
                 </a:moveTo>
@@ -14022,7 +14634,7 @@
           <a:bodyPr lIns="45719" rIns="45719" anchor="ctr"/>
           <a:lstStyle/>
           <a:p>
-            <a:pPr/>
+            <a:endParaRPr/>
           </a:p>
         </p:txBody>
       </p:sp>
@@ -14057,7 +14669,7 @@
             </a:cxnLst>
             <a:rect l="0" t="0" r="r" b="b"/>
             <a:pathLst>
-              <a:path w="21600" h="21600" fill="norm" stroke="1" extrusionOk="0">
+              <a:path w="21600" h="21600" extrusionOk="0">
                 <a:moveTo>
                   <a:pt x="0" y="0"/>
                 </a:moveTo>
@@ -14081,7 +14693,7 @@
           <a:bodyPr lIns="45719" rIns="45719" anchor="ctr"/>
           <a:lstStyle/>
           <a:p>
-            <a:pPr/>
+            <a:endParaRPr/>
           </a:p>
         </p:txBody>
       </p:sp>
@@ -14109,7 +14721,7 @@
           <a:bodyPr lIns="45719" rIns="45719"/>
           <a:lstStyle/>
           <a:p>
-            <a:pPr/>
+            <a:endParaRPr/>
           </a:p>
         </p:txBody>
       </p:sp>
@@ -14144,7 +14756,7 @@
             </a:cxnLst>
             <a:rect l="0" t="0" r="r" b="b"/>
             <a:pathLst>
-              <a:path w="21600" h="21600" fill="norm" stroke="1" extrusionOk="0">
+              <a:path w="21600" h="21600" extrusionOk="0">
                 <a:moveTo>
                   <a:pt x="0" y="0"/>
                 </a:moveTo>
@@ -14171,7 +14783,7 @@
           <a:bodyPr lIns="45719" rIns="45719" anchor="ctr"/>
           <a:lstStyle/>
           <a:p>
-            <a:pPr/>
+            <a:endParaRPr/>
           </a:p>
         </p:txBody>
       </p:sp>
@@ -14206,7 +14818,7 @@
             </a:cxnLst>
             <a:rect l="0" t="0" r="r" b="b"/>
             <a:pathLst>
-              <a:path w="21600" h="21600" fill="norm" stroke="1" extrusionOk="0">
+              <a:path w="21600" h="21600" extrusionOk="0">
                 <a:moveTo>
                   <a:pt x="0" y="0"/>
                 </a:moveTo>
@@ -14230,7 +14842,7 @@
           <a:bodyPr lIns="45719" rIns="45719" anchor="ctr"/>
           <a:lstStyle/>
           <a:p>
-            <a:pPr/>
+            <a:endParaRPr/>
           </a:p>
         </p:txBody>
       </p:sp>
@@ -14288,6 +14900,7 @@
                   </a:solidFill>
                 </a:defRPr>
               </a:pPr>
+              <a:endParaRPr/>
             </a:p>
           </p:txBody>
         </p:sp>
@@ -14313,7 +14926,7 @@
             <a:effectLst/>
             <a:extLst>
               <a:ext uri="{C572A759-6A51-4108-AA02-DFA0A04FC94B}">
-                <ma14:wrappingTextBoxFlag xmlns:ma14="http://schemas.microsoft.com/office/mac/drawingml/2011/main" val="1"/>
+                <ma14:wrappingTextBoxFlag xmlns:ma14="http://schemas.microsoft.com/office/mac/drawingml/2011/main" xmlns="" val="1"/>
               </a:ext>
             </a:extLst>
           </p:spPr>
@@ -14331,7 +14944,6 @@
               </a:lvl1pPr>
             </a:lstStyle>
             <a:p>
-              <a:pPr/>
               <a:r>
                 <a:t>Character Movement</a:t>
               </a:r>
@@ -14364,7 +14976,7 @@
           <a:bodyPr lIns="45719" rIns="45719"/>
           <a:lstStyle/>
           <a:p>
-            <a:pPr/>
+            <a:endParaRPr/>
           </a:p>
         </p:txBody>
       </p:sp>
@@ -14393,7 +15005,7 @@
           <a:bodyPr lIns="45719" rIns="45719"/>
           <a:lstStyle/>
           <a:p>
-            <a:pPr/>
+            <a:endParaRPr/>
           </a:p>
         </p:txBody>
       </p:sp>
@@ -14422,7 +15034,7 @@
           <a:bodyPr lIns="45719" rIns="45719"/>
           <a:lstStyle/>
           <a:p>
-            <a:pPr/>
+            <a:endParaRPr/>
           </a:p>
         </p:txBody>
       </p:sp>
@@ -14451,7 +15063,7 @@
           <a:bodyPr lIns="45719" rIns="45719"/>
           <a:lstStyle/>
           <a:p>
-            <a:pPr/>
+            <a:endParaRPr/>
           </a:p>
         </p:txBody>
       </p:sp>
@@ -14480,7 +15092,7 @@
           <a:bodyPr lIns="45719" rIns="45719"/>
           <a:lstStyle/>
           <a:p>
-            <a:pPr/>
+            <a:endParaRPr/>
           </a:p>
         </p:txBody>
       </p:sp>
@@ -14509,7 +15121,7 @@
           <a:bodyPr lIns="45719" rIns="45719"/>
           <a:lstStyle/>
           <a:p>
-            <a:pPr/>
+            <a:endParaRPr/>
           </a:p>
         </p:txBody>
       </p:sp>
@@ -14518,12 +15130,12 @@
   <p:clrMapOvr>
     <a:masterClrMapping/>
   </p:clrMapOvr>
-  <p:transition xmlns:p14="http://schemas.microsoft.com/office/powerpoint/2010/main" spd="med" advClick="1"/>
+  <p:transition spd="med"/>
 </p:sld>
 </file>
 
 <file path=ppt/theme/theme1.xml><?xml version="1.0" encoding="utf-8"?>
-<a:theme xmlns:a="http://schemas.openxmlformats.org/drawingml/2006/main" xmlns:r="http://schemas.openxmlformats.org/officeDocument/2006/relationships" name="Office Theme">
+<a:theme xmlns:a="http://schemas.openxmlformats.org/drawingml/2006/main" name="Office Theme">
   <a:themeElements>
     <a:clrScheme name="Office Theme">
       <a:dk1>
@@ -14655,7 +15267,7 @@
         </a:effectStyle>
         <a:effectStyle>
           <a:effectLst>
-            <a:outerShdw sx="100000" sy="100000" kx="0" ky="0" algn="b" rotWithShape="0" blurRad="38100" dist="20000" dir="5400000">
+            <a:outerShdw blurRad="38100" dist="20000" dir="5400000" rotWithShape="0">
               <a:srgbClr val="000000">
                 <a:alpha val="38000"/>
               </a:srgbClr>
@@ -14731,7 +15343,7 @@
         <a:effectLst/>
         <a:sp3d/>
       </a:spPr>
-      <a:bodyPr rot="0" spcFirstLastPara="1" vertOverflow="overflow" horzOverflow="overflow" vert="horz" wrap="square" lIns="45719" tIns="45719" rIns="45719" bIns="45719" numCol="1" spcCol="38100" rtlCol="0" anchor="ctr" upright="0">
+      <a:bodyPr rot="0" spcFirstLastPara="1" vertOverflow="overflow" horzOverflow="overflow" vert="horz" wrap="square" lIns="45719" tIns="45719" rIns="45719" bIns="45719" numCol="1" spcCol="38100" rtlCol="0" anchor="ctr">
         <a:spAutoFit/>
       </a:bodyPr>
       <a:lstStyle>
@@ -14750,7 +15362,7 @@
           <a:buFontTx/>
           <a:buNone/>
           <a:tabLst/>
-          <a:defRPr b="0" baseline="0" cap="none" i="0" spc="0" strike="noStrike" sz="1800" u="none" kumimoji="0" normalizeH="0">
+          <a:defRPr kumimoji="0" sz="1800" b="0" i="0" u="none" strike="noStrike" cap="none" spc="0" normalizeH="0" baseline="0">
             <a:ln>
               <a:noFill/>
             </a:ln>
@@ -14780,7 +15392,7 @@
           <a:buFontTx/>
           <a:buNone/>
           <a:tabLst/>
-          <a:defRPr b="0" baseline="0" cap="none" i="0" spc="0" strike="noStrike" sz="1800" u="none" kumimoji="0" normalizeH="0">
+          <a:defRPr kumimoji="0" sz="1800" b="0" i="0" u="none" strike="noStrike" cap="none" spc="0" normalizeH="0" baseline="0">
             <a:ln>
               <a:noFill/>
             </a:ln>
@@ -14806,7 +15418,7 @@
           <a:buFontTx/>
           <a:buNone/>
           <a:tabLst/>
-          <a:defRPr b="0" baseline="0" cap="none" i="0" spc="0" strike="noStrike" sz="1800" u="none" kumimoji="0" normalizeH="0">
+          <a:defRPr kumimoji="0" sz="1800" b="0" i="0" u="none" strike="noStrike" cap="none" spc="0" normalizeH="0" baseline="0">
             <a:ln>
               <a:noFill/>
             </a:ln>
@@ -14832,7 +15444,7 @@
           <a:buFontTx/>
           <a:buNone/>
           <a:tabLst/>
-          <a:defRPr b="0" baseline="0" cap="none" i="0" spc="0" strike="noStrike" sz="1800" u="none" kumimoji="0" normalizeH="0">
+          <a:defRPr kumimoji="0" sz="1800" b="0" i="0" u="none" strike="noStrike" cap="none" spc="0" normalizeH="0" baseline="0">
             <a:ln>
               <a:noFill/>
             </a:ln>
@@ -14858,7 +15470,7 @@
           <a:buFontTx/>
           <a:buNone/>
           <a:tabLst/>
-          <a:defRPr b="0" baseline="0" cap="none" i="0" spc="0" strike="noStrike" sz="1800" u="none" kumimoji="0" normalizeH="0">
+          <a:defRPr kumimoji="0" sz="1800" b="0" i="0" u="none" strike="noStrike" cap="none" spc="0" normalizeH="0" baseline="0">
             <a:ln>
               <a:noFill/>
             </a:ln>
@@ -14884,7 +15496,7 @@
           <a:buFontTx/>
           <a:buNone/>
           <a:tabLst/>
-          <a:defRPr b="0" baseline="0" cap="none" i="0" spc="0" strike="noStrike" sz="1800" u="none" kumimoji="0" normalizeH="0">
+          <a:defRPr kumimoji="0" sz="1800" b="0" i="0" u="none" strike="noStrike" cap="none" spc="0" normalizeH="0" baseline="0">
             <a:ln>
               <a:noFill/>
             </a:ln>
@@ -14910,7 +15522,7 @@
           <a:buFontTx/>
           <a:buNone/>
           <a:tabLst/>
-          <a:defRPr b="0" baseline="0" cap="none" i="0" spc="0" strike="noStrike" sz="1800" u="none" kumimoji="0" normalizeH="0">
+          <a:defRPr kumimoji="0" sz="1800" b="0" i="0" u="none" strike="noStrike" cap="none" spc="0" normalizeH="0" baseline="0">
             <a:ln>
               <a:noFill/>
             </a:ln>
@@ -14936,7 +15548,7 @@
           <a:buFontTx/>
           <a:buNone/>
           <a:tabLst/>
-          <a:defRPr b="0" baseline="0" cap="none" i="0" spc="0" strike="noStrike" sz="1800" u="none" kumimoji="0" normalizeH="0">
+          <a:defRPr kumimoji="0" sz="1800" b="0" i="0" u="none" strike="noStrike" cap="none" spc="0" normalizeH="0" baseline="0">
             <a:ln>
               <a:noFill/>
             </a:ln>
@@ -14962,7 +15574,7 @@
           <a:buFontTx/>
           <a:buNone/>
           <a:tabLst/>
-          <a:defRPr b="0" baseline="0" cap="none" i="0" spc="0" strike="noStrike" sz="1800" u="none" kumimoji="0" normalizeH="0">
+          <a:defRPr kumimoji="0" sz="1800" b="0" i="0" u="none" strike="noStrike" cap="none" spc="0" normalizeH="0" baseline="0">
             <a:ln>
               <a:noFill/>
             </a:ln>
@@ -14988,7 +15600,7 @@
           <a:buFontTx/>
           <a:buNone/>
           <a:tabLst/>
-          <a:defRPr b="0" baseline="0" cap="none" i="0" spc="0" strike="noStrike" sz="1800" u="none" kumimoji="0" normalizeH="0">
+          <a:defRPr kumimoji="0" sz="1800" b="0" i="0" u="none" strike="noStrike" cap="none" spc="0" normalizeH="0" baseline="0">
             <a:ln>
               <a:noFill/>
             </a:ln>
@@ -15001,9 +15613,15 @@
         </a:lvl9pPr>
       </a:lstStyle>
       <a:style>
-        <a:lnRef idx="0"/>
-        <a:fillRef idx="0"/>
-        <a:effectRef idx="0"/>
+        <a:lnRef idx="0">
+          <a:scrgbClr r="0" g="0" b="0"/>
+        </a:lnRef>
+        <a:fillRef idx="0">
+          <a:scrgbClr r="0" g="0" b="0"/>
+        </a:fillRef>
+        <a:effectRef idx="0">
+          <a:scrgbClr r="0" g="0" b="0"/>
+        </a:effectRef>
         <a:fontRef idx="none"/>
       </a:style>
     </a:spDef>
@@ -15018,7 +15636,7 @@
           <a:round/>
         </a:ln>
         <a:effectLst>
-          <a:outerShdw sx="100000" sy="100000" kx="0" ky="0" algn="b" rotWithShape="0" blurRad="38100" dist="20000" dir="5400000">
+          <a:outerShdw blurRad="38100" dist="20000" dir="5400000" rotWithShape="0">
             <a:srgbClr val="000000">
               <a:alpha val="38000"/>
             </a:srgbClr>
@@ -15026,7 +15644,7 @@
         </a:effectLst>
         <a:sp3d/>
       </a:spPr>
-      <a:bodyPr rot="0" spcFirstLastPara="1" vertOverflow="overflow" horzOverflow="overflow" vert="horz" wrap="square" lIns="91439" tIns="45719" rIns="91439" bIns="45719" numCol="1" spcCol="38100" rtlCol="0" anchor="t" upright="0">
+      <a:bodyPr rot="0" spcFirstLastPara="1" vertOverflow="overflow" horzOverflow="overflow" vert="horz" wrap="square" lIns="91439" tIns="45719" rIns="91439" bIns="45719" numCol="1" spcCol="38100" rtlCol="0" anchor="t">
         <a:noAutofit/>
       </a:bodyPr>
       <a:lstStyle>
@@ -15045,7 +15663,7 @@
           <a:buFontTx/>
           <a:buNone/>
           <a:tabLst/>
-          <a:defRPr b="0" baseline="0" cap="none" i="0" spc="0" strike="noStrike" sz="1800" u="none" kumimoji="0" normalizeH="0">
+          <a:defRPr kumimoji="0" sz="1800" b="0" i="0" u="none" strike="noStrike" cap="none" spc="0" normalizeH="0" baseline="0">
             <a:ln>
               <a:noFill/>
             </a:ln>
@@ -15071,7 +15689,7 @@
           <a:buFontTx/>
           <a:buNone/>
           <a:tabLst/>
-          <a:defRPr b="0" baseline="0" cap="none" i="0" spc="0" strike="noStrike" sz="1800" u="none" kumimoji="0" normalizeH="0">
+          <a:defRPr kumimoji="0" sz="1800" b="0" i="0" u="none" strike="noStrike" cap="none" spc="0" normalizeH="0" baseline="0">
             <a:ln>
               <a:noFill/>
             </a:ln>
@@ -15097,7 +15715,7 @@
           <a:buFontTx/>
           <a:buNone/>
           <a:tabLst/>
-          <a:defRPr b="0" baseline="0" cap="none" i="0" spc="0" strike="noStrike" sz="1800" u="none" kumimoji="0" normalizeH="0">
+          <a:defRPr kumimoji="0" sz="1800" b="0" i="0" u="none" strike="noStrike" cap="none" spc="0" normalizeH="0" baseline="0">
             <a:ln>
               <a:noFill/>
             </a:ln>
@@ -15123,7 +15741,7 @@
           <a:buFontTx/>
           <a:buNone/>
           <a:tabLst/>
-          <a:defRPr b="0" baseline="0" cap="none" i="0" spc="0" strike="noStrike" sz="1800" u="none" kumimoji="0" normalizeH="0">
+          <a:defRPr kumimoji="0" sz="1800" b="0" i="0" u="none" strike="noStrike" cap="none" spc="0" normalizeH="0" baseline="0">
             <a:ln>
               <a:noFill/>
             </a:ln>
@@ -15149,7 +15767,7 @@
           <a:buFontTx/>
           <a:buNone/>
           <a:tabLst/>
-          <a:defRPr b="0" baseline="0" cap="none" i="0" spc="0" strike="noStrike" sz="1800" u="none" kumimoji="0" normalizeH="0">
+          <a:defRPr kumimoji="0" sz="1800" b="0" i="0" u="none" strike="noStrike" cap="none" spc="0" normalizeH="0" baseline="0">
             <a:ln>
               <a:noFill/>
             </a:ln>
@@ -15175,7 +15793,7 @@
           <a:buFontTx/>
           <a:buNone/>
           <a:tabLst/>
-          <a:defRPr b="0" baseline="0" cap="none" i="0" spc="0" strike="noStrike" sz="1800" u="none" kumimoji="0" normalizeH="0">
+          <a:defRPr kumimoji="0" sz="1800" b="0" i="0" u="none" strike="noStrike" cap="none" spc="0" normalizeH="0" baseline="0">
             <a:ln>
               <a:noFill/>
             </a:ln>
@@ -15201,7 +15819,7 @@
           <a:buFontTx/>
           <a:buNone/>
           <a:tabLst/>
-          <a:defRPr b="0" baseline="0" cap="none" i="0" spc="0" strike="noStrike" sz="1800" u="none" kumimoji="0" normalizeH="0">
+          <a:defRPr kumimoji="0" sz="1800" b="0" i="0" u="none" strike="noStrike" cap="none" spc="0" normalizeH="0" baseline="0">
             <a:ln>
               <a:noFill/>
             </a:ln>
@@ -15227,7 +15845,7 @@
           <a:buFontTx/>
           <a:buNone/>
           <a:tabLst/>
-          <a:defRPr b="0" baseline="0" cap="none" i="0" spc="0" strike="noStrike" sz="1800" u="none" kumimoji="0" normalizeH="0">
+          <a:defRPr kumimoji="0" sz="1800" b="0" i="0" u="none" strike="noStrike" cap="none" spc="0" normalizeH="0" baseline="0">
             <a:ln>
               <a:noFill/>
             </a:ln>
@@ -15253,7 +15871,7 @@
           <a:buFontTx/>
           <a:buNone/>
           <a:tabLst/>
-          <a:defRPr b="0" baseline="0" cap="none" i="0" spc="0" strike="noStrike" sz="1800" u="none" kumimoji="0" normalizeH="0">
+          <a:defRPr kumimoji="0" sz="1800" b="0" i="0" u="none" strike="noStrike" cap="none" spc="0" normalizeH="0" baseline="0">
             <a:ln>
               <a:noFill/>
             </a:ln>
@@ -15279,7 +15897,7 @@
           <a:buFontTx/>
           <a:buNone/>
           <a:tabLst/>
-          <a:defRPr b="0" baseline="0" cap="none" i="0" spc="0" strike="noStrike" sz="1800" u="none" kumimoji="0" normalizeH="0">
+          <a:defRPr kumimoji="0" sz="1800" b="0" i="0" u="none" strike="noStrike" cap="none" spc="0" normalizeH="0" baseline="0">
             <a:ln>
               <a:noFill/>
             </a:ln>
@@ -15292,9 +15910,15 @@
         </a:lvl9pPr>
       </a:lstStyle>
       <a:style>
-        <a:lnRef idx="0"/>
-        <a:fillRef idx="0"/>
-        <a:effectRef idx="0"/>
+        <a:lnRef idx="0">
+          <a:scrgbClr r="0" g="0" b="0"/>
+        </a:lnRef>
+        <a:fillRef idx="0">
+          <a:scrgbClr r="0" g="0" b="0"/>
+        </a:fillRef>
+        <a:effectRef idx="0">
+          <a:scrgbClr r="0" g="0" b="0"/>
+        </a:effectRef>
         <a:fontRef idx="none"/>
       </a:style>
     </a:lnDef>
@@ -15308,7 +15932,7 @@
         <a:effectLst/>
         <a:sp3d/>
       </a:spPr>
-      <a:bodyPr rot="0" spcFirstLastPara="1" vertOverflow="overflow" horzOverflow="overflow" vert="horz" wrap="square" lIns="45719" tIns="45719" rIns="45719" bIns="45719" numCol="1" spcCol="38100" rtlCol="0" anchor="ctr" upright="0">
+      <a:bodyPr rot="0" spcFirstLastPara="1" vertOverflow="overflow" horzOverflow="overflow" vert="horz" wrap="square" lIns="45719" tIns="45719" rIns="45719" bIns="45719" numCol="1" spcCol="38100" rtlCol="0" anchor="ctr">
         <a:spAutoFit/>
       </a:bodyPr>
       <a:lstStyle>
@@ -15327,7 +15951,7 @@
           <a:buFontTx/>
           <a:buNone/>
           <a:tabLst/>
-          <a:defRPr b="0" baseline="0" cap="none" i="0" spc="0" strike="noStrike" sz="1800" u="none" kumimoji="0" normalizeH="0">
+          <a:defRPr kumimoji="0" sz="1800" b="0" i="0" u="none" strike="noStrike" cap="none" spc="0" normalizeH="0" baseline="0">
             <a:ln>
               <a:noFill/>
             </a:ln>
@@ -15357,7 +15981,7 @@
           <a:buFontTx/>
           <a:buNone/>
           <a:tabLst/>
-          <a:defRPr b="0" baseline="0" cap="none" i="0" spc="0" strike="noStrike" sz="1800" u="none" kumimoji="0" normalizeH="0">
+          <a:defRPr kumimoji="0" sz="1800" b="0" i="0" u="none" strike="noStrike" cap="none" spc="0" normalizeH="0" baseline="0">
             <a:ln>
               <a:noFill/>
             </a:ln>
@@ -15383,7 +16007,7 @@
           <a:buFontTx/>
           <a:buNone/>
           <a:tabLst/>
-          <a:defRPr b="0" baseline="0" cap="none" i="0" spc="0" strike="noStrike" sz="1800" u="none" kumimoji="0" normalizeH="0">
+          <a:defRPr kumimoji="0" sz="1800" b="0" i="0" u="none" strike="noStrike" cap="none" spc="0" normalizeH="0" baseline="0">
             <a:ln>
               <a:noFill/>
             </a:ln>
@@ -15409,7 +16033,7 @@
           <a:buFontTx/>
           <a:buNone/>
           <a:tabLst/>
-          <a:defRPr b="0" baseline="0" cap="none" i="0" spc="0" strike="noStrike" sz="1800" u="none" kumimoji="0" normalizeH="0">
+          <a:defRPr kumimoji="0" sz="1800" b="0" i="0" u="none" strike="noStrike" cap="none" spc="0" normalizeH="0" baseline="0">
             <a:ln>
               <a:noFill/>
             </a:ln>
@@ -15435,7 +16059,7 @@
           <a:buFontTx/>
           <a:buNone/>
           <a:tabLst/>
-          <a:defRPr b="0" baseline="0" cap="none" i="0" spc="0" strike="noStrike" sz="1800" u="none" kumimoji="0" normalizeH="0">
+          <a:defRPr kumimoji="0" sz="1800" b="0" i="0" u="none" strike="noStrike" cap="none" spc="0" normalizeH="0" baseline="0">
             <a:ln>
               <a:noFill/>
             </a:ln>
@@ -15461,7 +16085,7 @@
           <a:buFontTx/>
           <a:buNone/>
           <a:tabLst/>
-          <a:defRPr b="0" baseline="0" cap="none" i="0" spc="0" strike="noStrike" sz="1800" u="none" kumimoji="0" normalizeH="0">
+          <a:defRPr kumimoji="0" sz="1800" b="0" i="0" u="none" strike="noStrike" cap="none" spc="0" normalizeH="0" baseline="0">
             <a:ln>
               <a:noFill/>
             </a:ln>
@@ -15487,7 +16111,7 @@
           <a:buFontTx/>
           <a:buNone/>
           <a:tabLst/>
-          <a:defRPr b="0" baseline="0" cap="none" i="0" spc="0" strike="noStrike" sz="1800" u="none" kumimoji="0" normalizeH="0">
+          <a:defRPr kumimoji="0" sz="1800" b="0" i="0" u="none" strike="noStrike" cap="none" spc="0" normalizeH="0" baseline="0">
             <a:ln>
               <a:noFill/>
             </a:ln>
@@ -15513,7 +16137,7 @@
           <a:buFontTx/>
           <a:buNone/>
           <a:tabLst/>
-          <a:defRPr b="0" baseline="0" cap="none" i="0" spc="0" strike="noStrike" sz="1800" u="none" kumimoji="0" normalizeH="0">
+          <a:defRPr kumimoji="0" sz="1800" b="0" i="0" u="none" strike="noStrike" cap="none" spc="0" normalizeH="0" baseline="0">
             <a:ln>
               <a:noFill/>
             </a:ln>
@@ -15539,7 +16163,7 @@
           <a:buFontTx/>
           <a:buNone/>
           <a:tabLst/>
-          <a:defRPr b="0" baseline="0" cap="none" i="0" spc="0" strike="noStrike" sz="1800" u="none" kumimoji="0" normalizeH="0">
+          <a:defRPr kumimoji="0" sz="1800" b="0" i="0" u="none" strike="noStrike" cap="none" spc="0" normalizeH="0" baseline="0">
             <a:ln>
               <a:noFill/>
             </a:ln>
@@ -15565,7 +16189,7 @@
           <a:buFontTx/>
           <a:buNone/>
           <a:tabLst/>
-          <a:defRPr b="0" baseline="0" cap="none" i="0" spc="0" strike="noStrike" sz="1800" u="none" kumimoji="0" normalizeH="0">
+          <a:defRPr kumimoji="0" sz="1800" b="0" i="0" u="none" strike="noStrike" cap="none" spc="0" normalizeH="0" baseline="0">
             <a:ln>
               <a:noFill/>
             </a:ln>
@@ -15578,18 +16202,25 @@
         </a:lvl9pPr>
       </a:lstStyle>
       <a:style>
-        <a:lnRef idx="0"/>
-        <a:fillRef idx="0"/>
-        <a:effectRef idx="0"/>
+        <a:lnRef idx="0">
+          <a:scrgbClr r="0" g="0" b="0"/>
+        </a:lnRef>
+        <a:fillRef idx="0">
+          <a:scrgbClr r="0" g="0" b="0"/>
+        </a:fillRef>
+        <a:effectRef idx="0">
+          <a:scrgbClr r="0" g="0" b="0"/>
+        </a:effectRef>
         <a:fontRef idx="none"/>
       </a:style>
     </a:txDef>
   </a:objectDefaults>
+  <a:extraClrSchemeLst/>
 </a:theme>
 </file>
 
 <file path=ppt/theme/theme2.xml><?xml version="1.0" encoding="utf-8"?>
-<a:theme xmlns:a="http://schemas.openxmlformats.org/drawingml/2006/main" xmlns:r="http://schemas.openxmlformats.org/officeDocument/2006/relationships" name="Office Theme">
+<a:theme xmlns:a="http://schemas.openxmlformats.org/drawingml/2006/main" name="Office Theme">
   <a:themeElements>
     <a:clrScheme name="Office Theme">
       <a:dk1>
@@ -15721,7 +16352,7 @@
         </a:effectStyle>
         <a:effectStyle>
           <a:effectLst>
-            <a:outerShdw sx="100000" sy="100000" kx="0" ky="0" algn="b" rotWithShape="0" blurRad="38100" dist="20000" dir="5400000">
+            <a:outerShdw blurRad="38100" dist="20000" dir="5400000" rotWithShape="0">
               <a:srgbClr val="000000">
                 <a:alpha val="38000"/>
               </a:srgbClr>
@@ -15797,7 +16428,7 @@
         <a:effectLst/>
         <a:sp3d/>
       </a:spPr>
-      <a:bodyPr rot="0" spcFirstLastPara="1" vertOverflow="overflow" horzOverflow="overflow" vert="horz" wrap="square" lIns="45719" tIns="45719" rIns="45719" bIns="45719" numCol="1" spcCol="38100" rtlCol="0" anchor="ctr" upright="0">
+      <a:bodyPr rot="0" spcFirstLastPara="1" vertOverflow="overflow" horzOverflow="overflow" vert="horz" wrap="square" lIns="45719" tIns="45719" rIns="45719" bIns="45719" numCol="1" spcCol="38100" rtlCol="0" anchor="ctr">
         <a:spAutoFit/>
       </a:bodyPr>
       <a:lstStyle>
@@ -15816,7 +16447,7 @@
           <a:buFontTx/>
           <a:buNone/>
           <a:tabLst/>
-          <a:defRPr b="0" baseline="0" cap="none" i="0" spc="0" strike="noStrike" sz="1800" u="none" kumimoji="0" normalizeH="0">
+          <a:defRPr kumimoji="0" sz="1800" b="0" i="0" u="none" strike="noStrike" cap="none" spc="0" normalizeH="0" baseline="0">
             <a:ln>
               <a:noFill/>
             </a:ln>
@@ -15846,7 +16477,7 @@
           <a:buFontTx/>
           <a:buNone/>
           <a:tabLst/>
-          <a:defRPr b="0" baseline="0" cap="none" i="0" spc="0" strike="noStrike" sz="1800" u="none" kumimoji="0" normalizeH="0">
+          <a:defRPr kumimoji="0" sz="1800" b="0" i="0" u="none" strike="noStrike" cap="none" spc="0" normalizeH="0" baseline="0">
             <a:ln>
               <a:noFill/>
             </a:ln>
@@ -15872,7 +16503,7 @@
           <a:buFontTx/>
           <a:buNone/>
           <a:tabLst/>
-          <a:defRPr b="0" baseline="0" cap="none" i="0" spc="0" strike="noStrike" sz="1800" u="none" kumimoji="0" normalizeH="0">
+          <a:defRPr kumimoji="0" sz="1800" b="0" i="0" u="none" strike="noStrike" cap="none" spc="0" normalizeH="0" baseline="0">
             <a:ln>
               <a:noFill/>
             </a:ln>
@@ -15898,7 +16529,7 @@
           <a:buFontTx/>
           <a:buNone/>
           <a:tabLst/>
-          <a:defRPr b="0" baseline="0" cap="none" i="0" spc="0" strike="noStrike" sz="1800" u="none" kumimoji="0" normalizeH="0">
+          <a:defRPr kumimoji="0" sz="1800" b="0" i="0" u="none" strike="noStrike" cap="none" spc="0" normalizeH="0" baseline="0">
             <a:ln>
               <a:noFill/>
             </a:ln>
@@ -15924,7 +16555,7 @@
           <a:buFontTx/>
           <a:buNone/>
           <a:tabLst/>
-          <a:defRPr b="0" baseline="0" cap="none" i="0" spc="0" strike="noStrike" sz="1800" u="none" kumimoji="0" normalizeH="0">
+          <a:defRPr kumimoji="0" sz="1800" b="0" i="0" u="none" strike="noStrike" cap="none" spc="0" normalizeH="0" baseline="0">
             <a:ln>
               <a:noFill/>
             </a:ln>
@@ -15950,7 +16581,7 @@
           <a:buFontTx/>
           <a:buNone/>
           <a:tabLst/>
-          <a:defRPr b="0" baseline="0" cap="none" i="0" spc="0" strike="noStrike" sz="1800" u="none" kumimoji="0" normalizeH="0">
+          <a:defRPr kumimoji="0" sz="1800" b="0" i="0" u="none" strike="noStrike" cap="none" spc="0" normalizeH="0" baseline="0">
             <a:ln>
               <a:noFill/>
             </a:ln>
@@ -15976,7 +16607,7 @@
           <a:buFontTx/>
           <a:buNone/>
           <a:tabLst/>
-          <a:defRPr b="0" baseline="0" cap="none" i="0" spc="0" strike="noStrike" sz="1800" u="none" kumimoji="0" normalizeH="0">
+          <a:defRPr kumimoji="0" sz="1800" b="0" i="0" u="none" strike="noStrike" cap="none" spc="0" normalizeH="0" baseline="0">
             <a:ln>
               <a:noFill/>
             </a:ln>
@@ -16002,7 +16633,7 @@
           <a:buFontTx/>
           <a:buNone/>
           <a:tabLst/>
-          <a:defRPr b="0" baseline="0" cap="none" i="0" spc="0" strike="noStrike" sz="1800" u="none" kumimoji="0" normalizeH="0">
+          <a:defRPr kumimoji="0" sz="1800" b="0" i="0" u="none" strike="noStrike" cap="none" spc="0" normalizeH="0" baseline="0">
             <a:ln>
               <a:noFill/>
             </a:ln>
@@ -16028,7 +16659,7 @@
           <a:buFontTx/>
           <a:buNone/>
           <a:tabLst/>
-          <a:defRPr b="0" baseline="0" cap="none" i="0" spc="0" strike="noStrike" sz="1800" u="none" kumimoji="0" normalizeH="0">
+          <a:defRPr kumimoji="0" sz="1800" b="0" i="0" u="none" strike="noStrike" cap="none" spc="0" normalizeH="0" baseline="0">
             <a:ln>
               <a:noFill/>
             </a:ln>
@@ -16054,7 +16685,7 @@
           <a:buFontTx/>
           <a:buNone/>
           <a:tabLst/>
-          <a:defRPr b="0" baseline="0" cap="none" i="0" spc="0" strike="noStrike" sz="1800" u="none" kumimoji="0" normalizeH="0">
+          <a:defRPr kumimoji="0" sz="1800" b="0" i="0" u="none" strike="noStrike" cap="none" spc="0" normalizeH="0" baseline="0">
             <a:ln>
               <a:noFill/>
             </a:ln>
@@ -16067,9 +16698,15 @@
         </a:lvl9pPr>
       </a:lstStyle>
       <a:style>
-        <a:lnRef idx="0"/>
-        <a:fillRef idx="0"/>
-        <a:effectRef idx="0"/>
+        <a:lnRef idx="0">
+          <a:scrgbClr r="0" g="0" b="0"/>
+        </a:lnRef>
+        <a:fillRef idx="0">
+          <a:scrgbClr r="0" g="0" b="0"/>
+        </a:fillRef>
+        <a:effectRef idx="0">
+          <a:scrgbClr r="0" g="0" b="0"/>
+        </a:effectRef>
         <a:fontRef idx="none"/>
       </a:style>
     </a:spDef>
@@ -16084,7 +16721,7 @@
           <a:round/>
         </a:ln>
         <a:effectLst>
-          <a:outerShdw sx="100000" sy="100000" kx="0" ky="0" algn="b" rotWithShape="0" blurRad="38100" dist="20000" dir="5400000">
+          <a:outerShdw blurRad="38100" dist="20000" dir="5400000" rotWithShape="0">
             <a:srgbClr val="000000">
               <a:alpha val="38000"/>
             </a:srgbClr>
@@ -16092,7 +16729,7 @@
         </a:effectLst>
         <a:sp3d/>
       </a:spPr>
-      <a:bodyPr rot="0" spcFirstLastPara="1" vertOverflow="overflow" horzOverflow="overflow" vert="horz" wrap="square" lIns="91439" tIns="45719" rIns="91439" bIns="45719" numCol="1" spcCol="38100" rtlCol="0" anchor="t" upright="0">
+      <a:bodyPr rot="0" spcFirstLastPara="1" vertOverflow="overflow" horzOverflow="overflow" vert="horz" wrap="square" lIns="91439" tIns="45719" rIns="91439" bIns="45719" numCol="1" spcCol="38100" rtlCol="0" anchor="t">
         <a:noAutofit/>
       </a:bodyPr>
       <a:lstStyle>
@@ -16111,7 +16748,7 @@
           <a:buFontTx/>
           <a:buNone/>
           <a:tabLst/>
-          <a:defRPr b="0" baseline="0" cap="none" i="0" spc="0" strike="noStrike" sz="1800" u="none" kumimoji="0" normalizeH="0">
+          <a:defRPr kumimoji="0" sz="1800" b="0" i="0" u="none" strike="noStrike" cap="none" spc="0" normalizeH="0" baseline="0">
             <a:ln>
               <a:noFill/>
             </a:ln>
@@ -16137,7 +16774,7 @@
           <a:buFontTx/>
           <a:buNone/>
           <a:tabLst/>
-          <a:defRPr b="0" baseline="0" cap="none" i="0" spc="0" strike="noStrike" sz="1800" u="none" kumimoji="0" normalizeH="0">
+          <a:defRPr kumimoji="0" sz="1800" b="0" i="0" u="none" strike="noStrike" cap="none" spc="0" normalizeH="0" baseline="0">
             <a:ln>
               <a:noFill/>
             </a:ln>
@@ -16163,7 +16800,7 @@
           <a:buFontTx/>
           <a:buNone/>
           <a:tabLst/>
-          <a:defRPr b="0" baseline="0" cap="none" i="0" spc="0" strike="noStrike" sz="1800" u="none" kumimoji="0" normalizeH="0">
+          <a:defRPr kumimoji="0" sz="1800" b="0" i="0" u="none" strike="noStrike" cap="none" spc="0" normalizeH="0" baseline="0">
             <a:ln>
               <a:noFill/>
             </a:ln>
@@ -16189,7 +16826,7 @@
           <a:buFontTx/>
           <a:buNone/>
           <a:tabLst/>
-          <a:defRPr b="0" baseline="0" cap="none" i="0" spc="0" strike="noStrike" sz="1800" u="none" kumimoji="0" normalizeH="0">
+          <a:defRPr kumimoji="0" sz="1800" b="0" i="0" u="none" strike="noStrike" cap="none" spc="0" normalizeH="0" baseline="0">
             <a:ln>
               <a:noFill/>
             </a:ln>
@@ -16215,7 +16852,7 @@
           <a:buFontTx/>
           <a:buNone/>
           <a:tabLst/>
-          <a:defRPr b="0" baseline="0" cap="none" i="0" spc="0" strike="noStrike" sz="1800" u="none" kumimoji="0" normalizeH="0">
+          <a:defRPr kumimoji="0" sz="1800" b="0" i="0" u="none" strike="noStrike" cap="none" spc="0" normalizeH="0" baseline="0">
             <a:ln>
               <a:noFill/>
             </a:ln>
@@ -16241,7 +16878,7 @@
           <a:buFontTx/>
           <a:buNone/>
           <a:tabLst/>
-          <a:defRPr b="0" baseline="0" cap="none" i="0" spc="0" strike="noStrike" sz="1800" u="none" kumimoji="0" normalizeH="0">
+          <a:defRPr kumimoji="0" sz="1800" b="0" i="0" u="none" strike="noStrike" cap="none" spc="0" normalizeH="0" baseline="0">
             <a:ln>
               <a:noFill/>
             </a:ln>
@@ -16267,7 +16904,7 @@
           <a:buFontTx/>
           <a:buNone/>
           <a:tabLst/>
-          <a:defRPr b="0" baseline="0" cap="none" i="0" spc="0" strike="noStrike" sz="1800" u="none" kumimoji="0" normalizeH="0">
+          <a:defRPr kumimoji="0" sz="1800" b="0" i="0" u="none" strike="noStrike" cap="none" spc="0" normalizeH="0" baseline="0">
             <a:ln>
               <a:noFill/>
             </a:ln>
@@ -16293,7 +16930,7 @@
           <a:buFontTx/>
           <a:buNone/>
           <a:tabLst/>
-          <a:defRPr b="0" baseline="0" cap="none" i="0" spc="0" strike="noStrike" sz="1800" u="none" kumimoji="0" normalizeH="0">
+          <a:defRPr kumimoji="0" sz="1800" b="0" i="0" u="none" strike="noStrike" cap="none" spc="0" normalizeH="0" baseline="0">
             <a:ln>
               <a:noFill/>
             </a:ln>
@@ -16319,7 +16956,7 @@
           <a:buFontTx/>
           <a:buNone/>
           <a:tabLst/>
-          <a:defRPr b="0" baseline="0" cap="none" i="0" spc="0" strike="noStrike" sz="1800" u="none" kumimoji="0" normalizeH="0">
+          <a:defRPr kumimoji="0" sz="1800" b="0" i="0" u="none" strike="noStrike" cap="none" spc="0" normalizeH="0" baseline="0">
             <a:ln>
               <a:noFill/>
             </a:ln>
@@ -16345,7 +16982,7 @@
           <a:buFontTx/>
           <a:buNone/>
           <a:tabLst/>
-          <a:defRPr b="0" baseline="0" cap="none" i="0" spc="0" strike="noStrike" sz="1800" u="none" kumimoji="0" normalizeH="0">
+          <a:defRPr kumimoji="0" sz="1800" b="0" i="0" u="none" strike="noStrike" cap="none" spc="0" normalizeH="0" baseline="0">
             <a:ln>
               <a:noFill/>
             </a:ln>
@@ -16358,9 +16995,15 @@
         </a:lvl9pPr>
       </a:lstStyle>
       <a:style>
-        <a:lnRef idx="0"/>
-        <a:fillRef idx="0"/>
-        <a:effectRef idx="0"/>
+        <a:lnRef idx="0">
+          <a:scrgbClr r="0" g="0" b="0"/>
+        </a:lnRef>
+        <a:fillRef idx="0">
+          <a:scrgbClr r="0" g="0" b="0"/>
+        </a:fillRef>
+        <a:effectRef idx="0">
+          <a:scrgbClr r="0" g="0" b="0"/>
+        </a:effectRef>
         <a:fontRef idx="none"/>
       </a:style>
     </a:lnDef>
@@ -16374,7 +17017,7 @@
         <a:effectLst/>
         <a:sp3d/>
       </a:spPr>
-      <a:bodyPr rot="0" spcFirstLastPara="1" vertOverflow="overflow" horzOverflow="overflow" vert="horz" wrap="square" lIns="45719" tIns="45719" rIns="45719" bIns="45719" numCol="1" spcCol="38100" rtlCol="0" anchor="ctr" upright="0">
+      <a:bodyPr rot="0" spcFirstLastPara="1" vertOverflow="overflow" horzOverflow="overflow" vert="horz" wrap="square" lIns="45719" tIns="45719" rIns="45719" bIns="45719" numCol="1" spcCol="38100" rtlCol="0" anchor="ctr">
         <a:spAutoFit/>
       </a:bodyPr>
       <a:lstStyle>
@@ -16393,7 +17036,7 @@
           <a:buFontTx/>
           <a:buNone/>
           <a:tabLst/>
-          <a:defRPr b="0" baseline="0" cap="none" i="0" spc="0" strike="noStrike" sz="1800" u="none" kumimoji="0" normalizeH="0">
+          <a:defRPr kumimoji="0" sz="1800" b="0" i="0" u="none" strike="noStrike" cap="none" spc="0" normalizeH="0" baseline="0">
             <a:ln>
               <a:noFill/>
             </a:ln>
@@ -16423,7 +17066,7 @@
           <a:buFontTx/>
           <a:buNone/>
           <a:tabLst/>
-          <a:defRPr b="0" baseline="0" cap="none" i="0" spc="0" strike="noStrike" sz="1800" u="none" kumimoji="0" normalizeH="0">
+          <a:defRPr kumimoji="0" sz="1800" b="0" i="0" u="none" strike="noStrike" cap="none" spc="0" normalizeH="0" baseline="0">
             <a:ln>
               <a:noFill/>
             </a:ln>
@@ -16449,7 +17092,7 @@
           <a:buFontTx/>
           <a:buNone/>
           <a:tabLst/>
-          <a:defRPr b="0" baseline="0" cap="none" i="0" spc="0" strike="noStrike" sz="1800" u="none" kumimoji="0" normalizeH="0">
+          <a:defRPr kumimoji="0" sz="1800" b="0" i="0" u="none" strike="noStrike" cap="none" spc="0" normalizeH="0" baseline="0">
             <a:ln>
               <a:noFill/>
             </a:ln>
@@ -16475,7 +17118,7 @@
           <a:buFontTx/>
           <a:buNone/>
           <a:tabLst/>
-          <a:defRPr b="0" baseline="0" cap="none" i="0" spc="0" strike="noStrike" sz="1800" u="none" kumimoji="0" normalizeH="0">
+          <a:defRPr kumimoji="0" sz="1800" b="0" i="0" u="none" strike="noStrike" cap="none" spc="0" normalizeH="0" baseline="0">
             <a:ln>
               <a:noFill/>
             </a:ln>
@@ -16501,7 +17144,7 @@
           <a:buFontTx/>
           <a:buNone/>
           <a:tabLst/>
-          <a:defRPr b="0" baseline="0" cap="none" i="0" spc="0" strike="noStrike" sz="1800" u="none" kumimoji="0" normalizeH="0">
+          <a:defRPr kumimoji="0" sz="1800" b="0" i="0" u="none" strike="noStrike" cap="none" spc="0" normalizeH="0" baseline="0">
             <a:ln>
               <a:noFill/>
             </a:ln>
@@ -16527,7 +17170,7 @@
           <a:buFontTx/>
           <a:buNone/>
           <a:tabLst/>
-          <a:defRPr b="0" baseline="0" cap="none" i="0" spc="0" strike="noStrike" sz="1800" u="none" kumimoji="0" normalizeH="0">
+          <a:defRPr kumimoji="0" sz="1800" b="0" i="0" u="none" strike="noStrike" cap="none" spc="0" normalizeH="0" baseline="0">
             <a:ln>
               <a:noFill/>
             </a:ln>
@@ -16553,7 +17196,7 @@
           <a:buFontTx/>
           <a:buNone/>
           <a:tabLst/>
-          <a:defRPr b="0" baseline="0" cap="none" i="0" spc="0" strike="noStrike" sz="1800" u="none" kumimoji="0" normalizeH="0">
+          <a:defRPr kumimoji="0" sz="1800" b="0" i="0" u="none" strike="noStrike" cap="none" spc="0" normalizeH="0" baseline="0">
             <a:ln>
               <a:noFill/>
             </a:ln>
@@ -16579,7 +17222,7 @@
           <a:buFontTx/>
           <a:buNone/>
           <a:tabLst/>
-          <a:defRPr b="0" baseline="0" cap="none" i="0" spc="0" strike="noStrike" sz="1800" u="none" kumimoji="0" normalizeH="0">
+          <a:defRPr kumimoji="0" sz="1800" b="0" i="0" u="none" strike="noStrike" cap="none" spc="0" normalizeH="0" baseline="0">
             <a:ln>
               <a:noFill/>
             </a:ln>
@@ -16605,7 +17248,7 @@
           <a:buFontTx/>
           <a:buNone/>
           <a:tabLst/>
-          <a:defRPr b="0" baseline="0" cap="none" i="0" spc="0" strike="noStrike" sz="1800" u="none" kumimoji="0" normalizeH="0">
+          <a:defRPr kumimoji="0" sz="1800" b="0" i="0" u="none" strike="noStrike" cap="none" spc="0" normalizeH="0" baseline="0">
             <a:ln>
               <a:noFill/>
             </a:ln>
@@ -16631,7 +17274,7 @@
           <a:buFontTx/>
           <a:buNone/>
           <a:tabLst/>
-          <a:defRPr b="0" baseline="0" cap="none" i="0" spc="0" strike="noStrike" sz="1800" u="none" kumimoji="0" normalizeH="0">
+          <a:defRPr kumimoji="0" sz="1800" b="0" i="0" u="none" strike="noStrike" cap="none" spc="0" normalizeH="0" baseline="0">
             <a:ln>
               <a:noFill/>
             </a:ln>
@@ -16644,12 +17287,19 @@
         </a:lvl9pPr>
       </a:lstStyle>
       <a:style>
-        <a:lnRef idx="0"/>
-        <a:fillRef idx="0"/>
-        <a:effectRef idx="0"/>
+        <a:lnRef idx="0">
+          <a:scrgbClr r="0" g="0" b="0"/>
+        </a:lnRef>
+        <a:fillRef idx="0">
+          <a:scrgbClr r="0" g="0" b="0"/>
+        </a:fillRef>
+        <a:effectRef idx="0">
+          <a:scrgbClr r="0" g="0" b="0"/>
+        </a:effectRef>
         <a:fontRef idx="none"/>
       </a:style>
     </a:txDef>
   </a:objectDefaults>
+  <a:extraClrSchemeLst/>
 </a:theme>
 </file>
--- a/D2.pptx
+++ b/D2.pptx
@@ -328,6 +328,11 @@
       </a:defRPr>
     </a:lvl9pPr>
   </p:defaultTextStyle>
+  <p:extLst>
+    <p:ext uri="{EFAFB233-063F-42B5-8137-9DF3F51BA10A}">
+      <p15:sldGuideLst xmlns:p15="http://schemas.microsoft.com/office/powerpoint/2012/main"/>
+    </p:ext>
+  </p:extLst>
 </p:presentation>
 </file>
 
@@ -1498,8 +1503,105 @@
           <a:lstStyle/>
           <a:p>
             <a:r>
+              <a:rPr dirty="0"/>
               <a:t>Redo this slide to make it more obvious what we’re are judging against</a:t>
             </a:r>
+            <a:endParaRPr lang="en-GB" dirty="0"/>
+          </a:p>
+          <a:p>
+            <a:endParaRPr lang="en-GB" dirty="0"/>
+          </a:p>
+          <a:p>
+            <a:r>
+              <a:rPr lang="en-GB" dirty="0"/>
+              <a:t>What makes a Good Game?</a:t>
+            </a:r>
+          </a:p>
+          <a:p>
+            <a:pPr marL="171450" indent="-171450">
+              <a:buFontTx/>
+              <a:buChar char="-"/>
+            </a:pPr>
+            <a:r>
+              <a:rPr lang="en-GB" dirty="0"/>
+              <a:t>Playing games is about making decisions that have a real impact on the game</a:t>
+            </a:r>
+          </a:p>
+          <a:p>
+            <a:pPr marL="171450" indent="-171450">
+              <a:buFontTx/>
+              <a:buChar char="-"/>
+            </a:pPr>
+            <a:r>
+              <a:rPr lang="en-GB" dirty="0"/>
+              <a:t>Playing a good game is about control / freedom for the player to explore / do things their own way</a:t>
+            </a:r>
+          </a:p>
+          <a:p>
+            <a:pPr marL="171450" indent="-171450">
+              <a:buFontTx/>
+              <a:buChar char="-"/>
+            </a:pPr>
+            <a:r>
+              <a:rPr lang="en-GB" dirty="0"/>
+              <a:t>A game needs a goal.  Long games need </a:t>
+            </a:r>
+            <a:r>
+              <a:rPr lang="en-GB" dirty="0" err="1"/>
+              <a:t>subgoals</a:t>
+            </a:r>
+            <a:endParaRPr lang="en-GB" dirty="0"/>
+          </a:p>
+          <a:p>
+            <a:pPr marL="171450" indent="-171450">
+              <a:buFontTx/>
+              <a:buChar char="-"/>
+            </a:pPr>
+            <a:r>
+              <a:rPr lang="en-GB" dirty="0"/>
+              <a:t>Goals should progressively get harder to reach, starting by letting player get used to how to play, but not being too difficult</a:t>
+            </a:r>
+          </a:p>
+          <a:p>
+            <a:pPr marL="171450" indent="-171450">
+              <a:buFontTx/>
+              <a:buChar char="-"/>
+            </a:pPr>
+            <a:r>
+              <a:rPr lang="en-GB" dirty="0"/>
+              <a:t>Failure can put off a player; players should not feel they have made a disastrous mistake they could have avoided</a:t>
+            </a:r>
+          </a:p>
+          <a:p>
+            <a:pPr marL="171450" indent="-171450">
+              <a:buFontTx/>
+              <a:buChar char="-"/>
+            </a:pPr>
+            <a:r>
+              <a:rPr lang="en-GB" dirty="0"/>
+              <a:t>Bad decisions should not be penalised too harshly; losing the game should be the result of a Serious error; interesting decisions make the game more interesting</a:t>
+            </a:r>
+          </a:p>
+          <a:p>
+            <a:pPr marL="171450" indent="-171450">
+              <a:buFontTx/>
+              <a:buChar char="-"/>
+            </a:pPr>
+            <a:r>
+              <a:rPr lang="en-GB" dirty="0"/>
+              <a:t>Good games have surprises all the way to the end; new features should be added gradually, matching the player’s ability</a:t>
+            </a:r>
+          </a:p>
+          <a:p>
+            <a:pPr marL="171450" indent="-171450">
+              <a:buFontTx/>
+              <a:buChar char="-"/>
+            </a:pPr>
+            <a:r>
+              <a:rPr lang="en-GB" dirty="0"/>
+              <a:t>Rewards should not be too big nor too small – people are picky, but also greedy</a:t>
+            </a:r>
+            <a:endParaRPr dirty="0"/>
           </a:p>
         </p:txBody>
       </p:sp>
@@ -1839,7 +1941,7 @@
           </a:ln>
           <a:extLst>
             <a:ext uri="{C572A759-6A51-4108-AA02-DFA0A04FC94B}">
-              <ma14:wrappingTextBoxFlag xmlns:ma14="http://schemas.microsoft.com/office/mac/drawingml/2011/main" xmlns="" val="1"/>
+              <ma14:wrappingTextBoxFlag xmlns="" xmlns:ma14="http://schemas.microsoft.com/office/mac/drawingml/2011/main" val="1"/>
             </a:ext>
           </a:extLst>
         </p:spPr>
@@ -1878,7 +1980,7 @@
           </a:ln>
           <a:extLst>
             <a:ext uri="{C572A759-6A51-4108-AA02-DFA0A04FC94B}">
-              <ma14:wrappingTextBoxFlag xmlns:ma14="http://schemas.microsoft.com/office/mac/drawingml/2011/main" xmlns="" val="1"/>
+              <ma14:wrappingTextBoxFlag xmlns="" xmlns:ma14="http://schemas.microsoft.com/office/mac/drawingml/2011/main" val="1"/>
             </a:ext>
           </a:extLst>
         </p:spPr>
@@ -3121,7 +3223,7 @@
           </a:ln>
           <a:extLst>
             <a:ext uri="{C572A759-6A51-4108-AA02-DFA0A04FC94B}">
-              <ma14:wrappingTextBoxFlag xmlns:ma14="http://schemas.microsoft.com/office/mac/drawingml/2011/main" xmlns="" val="1"/>
+              <ma14:wrappingTextBoxFlag xmlns="" xmlns:ma14="http://schemas.microsoft.com/office/mac/drawingml/2011/main" val="1"/>
             </a:ext>
           </a:extLst>
         </p:spPr>
@@ -3553,7 +3655,7 @@
           </a:ln>
           <a:extLst>
             <a:ext uri="{C572A759-6A51-4108-AA02-DFA0A04FC94B}">
-              <ma14:wrappingTextBoxFlag xmlns:ma14="http://schemas.microsoft.com/office/mac/drawingml/2011/main" xmlns="" val="1"/>
+              <ma14:wrappingTextBoxFlag xmlns="" xmlns:ma14="http://schemas.microsoft.com/office/mac/drawingml/2011/main" val="1"/>
             </a:ext>
           </a:extLst>
         </p:spPr>
@@ -3912,7 +4014,7 @@
           </a:ln>
           <a:extLst>
             <a:ext uri="{C572A759-6A51-4108-AA02-DFA0A04FC94B}">
-              <ma14:wrappingTextBoxFlag xmlns:ma14="http://schemas.microsoft.com/office/mac/drawingml/2011/main" xmlns="" val="1"/>
+              <ma14:wrappingTextBoxFlag xmlns="" xmlns:ma14="http://schemas.microsoft.com/office/mac/drawingml/2011/main" val="1"/>
             </a:ext>
           </a:extLst>
         </p:spPr>
@@ -3969,7 +4071,7 @@
           </a:ln>
           <a:extLst>
             <a:ext uri="{C572A759-6A51-4108-AA02-DFA0A04FC94B}">
-              <ma14:wrappingTextBoxFlag xmlns:ma14="http://schemas.microsoft.com/office/mac/drawingml/2011/main" xmlns="" val="1"/>
+              <ma14:wrappingTextBoxFlag xmlns="" xmlns:ma14="http://schemas.microsoft.com/office/mac/drawingml/2011/main" val="1"/>
             </a:ext>
           </a:extLst>
         </p:spPr>
@@ -4091,7 +4193,7 @@
           </a:ln>
           <a:extLst>
             <a:ext uri="{C572A759-6A51-4108-AA02-DFA0A04FC94B}">
-              <ma14:wrappingTextBoxFlag xmlns:ma14="http://schemas.microsoft.com/office/mac/drawingml/2011/main" xmlns="" val="1"/>
+              <ma14:wrappingTextBoxFlag xmlns="" xmlns:ma14="http://schemas.microsoft.com/office/mac/drawingml/2011/main" val="1"/>
             </a:ext>
           </a:extLst>
         </p:spPr>
@@ -4439,7 +4541,7 @@
           </a:ln>
           <a:extLst>
             <a:ext uri="{C572A759-6A51-4108-AA02-DFA0A04FC94B}">
-              <ma14:wrappingTextBoxFlag xmlns:ma14="http://schemas.microsoft.com/office/mac/drawingml/2011/main" xmlns="" val="1"/>
+              <ma14:wrappingTextBoxFlag xmlns="" xmlns:ma14="http://schemas.microsoft.com/office/mac/drawingml/2011/main" val="1"/>
             </a:ext>
           </a:extLst>
         </p:spPr>
@@ -4517,7 +4619,7 @@
           </a:ln>
           <a:extLst>
             <a:ext uri="{C572A759-6A51-4108-AA02-DFA0A04FC94B}">
-              <ma14:wrappingTextBoxFlag xmlns:ma14="http://schemas.microsoft.com/office/mac/drawingml/2011/main" xmlns="" val="1"/>
+              <ma14:wrappingTextBoxFlag xmlns="" xmlns:ma14="http://schemas.microsoft.com/office/mac/drawingml/2011/main" val="1"/>
             </a:ext>
           </a:extLst>
         </p:spPr>
@@ -4595,7 +4697,7 @@
           </a:ln>
           <a:extLst>
             <a:ext uri="{C572A759-6A51-4108-AA02-DFA0A04FC94B}">
-              <ma14:wrappingTextBoxFlag xmlns:ma14="http://schemas.microsoft.com/office/mac/drawingml/2011/main" xmlns="" val="1"/>
+              <ma14:wrappingTextBoxFlag xmlns="" xmlns:ma14="http://schemas.microsoft.com/office/mac/drawingml/2011/main" val="1"/>
             </a:ext>
           </a:extLst>
         </p:spPr>
@@ -4686,7 +4788,7 @@
           </a:ln>
           <a:extLst>
             <a:ext uri="{C572A759-6A51-4108-AA02-DFA0A04FC94B}">
-              <ma14:wrappingTextBoxFlag xmlns:ma14="http://schemas.microsoft.com/office/mac/drawingml/2011/main" xmlns="" val="1"/>
+              <ma14:wrappingTextBoxFlag xmlns="" xmlns:ma14="http://schemas.microsoft.com/office/mac/drawingml/2011/main" val="1"/>
             </a:ext>
           </a:extLst>
         </p:spPr>
@@ -4951,7 +5053,7 @@
           </a:ln>
           <a:extLst>
             <a:ext uri="{C572A759-6A51-4108-AA02-DFA0A04FC94B}">
-              <ma14:wrappingTextBoxFlag xmlns:ma14="http://schemas.microsoft.com/office/mac/drawingml/2011/main" xmlns="" val="1"/>
+              <ma14:wrappingTextBoxFlag xmlns="" xmlns:ma14="http://schemas.microsoft.com/office/mac/drawingml/2011/main" val="1"/>
             </a:ext>
           </a:extLst>
         </p:spPr>
@@ -5034,7 +5136,7 @@
           </a:ln>
           <a:extLst>
             <a:ext uri="{C572A759-6A51-4108-AA02-DFA0A04FC94B}">
-              <ma14:wrappingTextBoxFlag xmlns:ma14="http://schemas.microsoft.com/office/mac/drawingml/2011/main" xmlns="" val="1"/>
+              <ma14:wrappingTextBoxFlag xmlns="" xmlns:ma14="http://schemas.microsoft.com/office/mac/drawingml/2011/main" val="1"/>
             </a:ext>
           </a:extLst>
         </p:spPr>
@@ -5146,7 +5248,7 @@
           </a:ln>
           <a:extLst>
             <a:ext uri="{C572A759-6A51-4108-AA02-DFA0A04FC94B}">
-              <ma14:wrappingTextBoxFlag xmlns:ma14="http://schemas.microsoft.com/office/mac/drawingml/2011/main" xmlns="" val="1"/>
+              <ma14:wrappingTextBoxFlag xmlns="" xmlns:ma14="http://schemas.microsoft.com/office/mac/drawingml/2011/main" val="1"/>
             </a:ext>
           </a:extLst>
         </p:spPr>
@@ -5512,7 +5614,7 @@
           </a:ln>
           <a:extLst>
             <a:ext uri="{C572A759-6A51-4108-AA02-DFA0A04FC94B}">
-              <ma14:wrappingTextBoxFlag xmlns:ma14="http://schemas.microsoft.com/office/mac/drawingml/2011/main" xmlns="" val="1"/>
+              <ma14:wrappingTextBoxFlag xmlns="" xmlns:ma14="http://schemas.microsoft.com/office/mac/drawingml/2011/main" val="1"/>
             </a:ext>
           </a:extLst>
         </p:spPr>
@@ -5699,7 +5801,7 @@
           </a:ln>
           <a:extLst>
             <a:ext uri="{C572A759-6A51-4108-AA02-DFA0A04FC94B}">
-              <ma14:wrappingTextBoxFlag xmlns:ma14="http://schemas.microsoft.com/office/mac/drawingml/2011/main" xmlns="" val="1"/>
+              <ma14:wrappingTextBoxFlag xmlns="" xmlns:ma14="http://schemas.microsoft.com/office/mac/drawingml/2011/main" val="1"/>
             </a:ext>
           </a:extLst>
         </p:spPr>
@@ -7300,7 +7402,7 @@
           </a:ln>
           <a:extLst>
             <a:ext uri="{C572A759-6A51-4108-AA02-DFA0A04FC94B}">
-              <ma14:wrappingTextBoxFlag xmlns:ma14="http://schemas.microsoft.com/office/mac/drawingml/2011/main" xmlns="" val="1"/>
+              <ma14:wrappingTextBoxFlag xmlns="" xmlns:ma14="http://schemas.microsoft.com/office/mac/drawingml/2011/main" val="1"/>
             </a:ext>
           </a:extLst>
         </p:spPr>
@@ -8871,7 +8973,7 @@
           </a:ln>
           <a:extLst>
             <a:ext uri="{C572A759-6A51-4108-AA02-DFA0A04FC94B}">
-              <ma14: